--- a/PPT/Group02-Component1.pptx
+++ b/PPT/Group02-Component1.pptx
@@ -16,6 +16,17 @@
     <p:sldId id="263" r:id="rId10"/>
     <p:sldId id="264" r:id="rId11"/>
     <p:sldId id="265" r:id="rId12"/>
+    <p:sldId id="267" r:id="rId13"/>
+    <p:sldId id="268" r:id="rId14"/>
+    <p:sldId id="269" r:id="rId15"/>
+    <p:sldId id="270" r:id="rId16"/>
+    <p:sldId id="271" r:id="rId17"/>
+    <p:sldId id="272" r:id="rId18"/>
+    <p:sldId id="273" r:id="rId19"/>
+    <p:sldId id="274" r:id="rId20"/>
+    <p:sldId id="275" r:id="rId21"/>
+    <p:sldId id="277" r:id="rId22"/>
+    <p:sldId id="276" r:id="rId23"/>
   </p:sldIdLst>
   <p:sldSz cx="12192000" cy="6858000"/>
   <p:notesSz cx="6858000" cy="9144000"/>
@@ -624,7 +635,7 @@
           <a:p>
             <a:fld id="{F39BF11B-9B73-4D1C-AB07-019A5A0AA27F}" type="datetimeFigureOut">
               <a:rPr lang="en-US" smtClean="0"/>
-              <a:t>9/15/2021</a:t>
+              <a:t>9/17/2021</a:t>
             </a:fld>
             <a:endParaRPr lang="en-US"/>
           </a:p>
@@ -925,7 +936,7 @@
           <a:p>
             <a:fld id="{F39BF11B-9B73-4D1C-AB07-019A5A0AA27F}" type="datetimeFigureOut">
               <a:rPr lang="en-US" smtClean="0"/>
-              <a:t>9/15/2021</a:t>
+              <a:t>9/17/2021</a:t>
             </a:fld>
             <a:endParaRPr lang="en-US"/>
           </a:p>
@@ -1173,7 +1184,7 @@
           <a:p>
             <a:fld id="{F39BF11B-9B73-4D1C-AB07-019A5A0AA27F}" type="datetimeFigureOut">
               <a:rPr lang="en-US" smtClean="0"/>
-              <a:t>9/15/2021</a:t>
+              <a:t>9/17/2021</a:t>
             </a:fld>
             <a:endParaRPr lang="en-US"/>
           </a:p>
@@ -1713,7 +1724,7 @@
           <a:p>
             <a:fld id="{F39BF11B-9B73-4D1C-AB07-019A5A0AA27F}" type="datetimeFigureOut">
               <a:rPr lang="en-US" smtClean="0"/>
-              <a:t>9/15/2021</a:t>
+              <a:t>9/17/2021</a:t>
             </a:fld>
             <a:endParaRPr lang="en-US"/>
           </a:p>
@@ -1961,7 +1972,7 @@
           <a:p>
             <a:fld id="{F39BF11B-9B73-4D1C-AB07-019A5A0AA27F}" type="datetimeFigureOut">
               <a:rPr lang="en-US" smtClean="0"/>
-              <a:t>9/15/2021</a:t>
+              <a:t>9/17/2021</a:t>
             </a:fld>
             <a:endParaRPr lang="en-US"/>
           </a:p>
@@ -2493,7 +2504,7 @@
           <a:p>
             <a:fld id="{F39BF11B-9B73-4D1C-AB07-019A5A0AA27F}" type="datetimeFigureOut">
               <a:rPr lang="en-US" smtClean="0"/>
-              <a:t>9/15/2021</a:t>
+              <a:t>9/17/2021</a:t>
             </a:fld>
             <a:endParaRPr lang="en-US"/>
           </a:p>
@@ -2790,7 +2801,7 @@
           <a:p>
             <a:fld id="{F39BF11B-9B73-4D1C-AB07-019A5A0AA27F}" type="datetimeFigureOut">
               <a:rPr lang="en-US" smtClean="0"/>
-              <a:t>9/15/2021</a:t>
+              <a:t>9/17/2021</a:t>
             </a:fld>
             <a:endParaRPr lang="en-US"/>
           </a:p>
@@ -2964,7 +2975,7 @@
           <a:p>
             <a:fld id="{F39BF11B-9B73-4D1C-AB07-019A5A0AA27F}" type="datetimeFigureOut">
               <a:rPr lang="en-US" smtClean="0"/>
-              <a:t>9/15/2021</a:t>
+              <a:t>9/17/2021</a:t>
             </a:fld>
             <a:endParaRPr lang="en-US"/>
           </a:p>
@@ -3144,7 +3155,7 @@
           <a:p>
             <a:fld id="{F39BF11B-9B73-4D1C-AB07-019A5A0AA27F}" type="datetimeFigureOut">
               <a:rPr lang="en-US" smtClean="0"/>
-              <a:t>9/15/2021</a:t>
+              <a:t>9/17/2021</a:t>
             </a:fld>
             <a:endParaRPr lang="en-US"/>
           </a:p>
@@ -3319,7 +3330,7 @@
           <a:p>
             <a:fld id="{F39BF11B-9B73-4D1C-AB07-019A5A0AA27F}" type="datetimeFigureOut">
               <a:rPr lang="en-US" smtClean="0"/>
-              <a:t>9/15/2021</a:t>
+              <a:t>9/17/2021</a:t>
             </a:fld>
             <a:endParaRPr lang="en-US"/>
           </a:p>
@@ -3570,7 +3581,7 @@
           <a:p>
             <a:fld id="{F39BF11B-9B73-4D1C-AB07-019A5A0AA27F}" type="datetimeFigureOut">
               <a:rPr lang="en-US" smtClean="0"/>
-              <a:t>9/15/2021</a:t>
+              <a:t>9/17/2021</a:t>
             </a:fld>
             <a:endParaRPr lang="en-US"/>
           </a:p>
@@ -3872,7 +3883,7 @@
           <a:p>
             <a:fld id="{F39BF11B-9B73-4D1C-AB07-019A5A0AA27F}" type="datetimeFigureOut">
               <a:rPr lang="en-US" smtClean="0"/>
-              <a:t>9/15/2021</a:t>
+              <a:t>9/17/2021</a:t>
             </a:fld>
             <a:endParaRPr lang="en-US"/>
           </a:p>
@@ -4319,7 +4330,7 @@
           <a:p>
             <a:fld id="{F39BF11B-9B73-4D1C-AB07-019A5A0AA27F}" type="datetimeFigureOut">
               <a:rPr lang="en-US" smtClean="0"/>
-              <a:t>9/15/2021</a:t>
+              <a:t>9/17/2021</a:t>
             </a:fld>
             <a:endParaRPr lang="en-US"/>
           </a:p>
@@ -4442,7 +4453,7 @@
           <a:p>
             <a:fld id="{F39BF11B-9B73-4D1C-AB07-019A5A0AA27F}" type="datetimeFigureOut">
               <a:rPr lang="en-US" smtClean="0"/>
-              <a:t>9/15/2021</a:t>
+              <a:t>9/17/2021</a:t>
             </a:fld>
             <a:endParaRPr lang="en-US"/>
           </a:p>
@@ -4537,7 +4548,7 @@
           <a:p>
             <a:fld id="{F39BF11B-9B73-4D1C-AB07-019A5A0AA27F}" type="datetimeFigureOut">
               <a:rPr lang="en-US" smtClean="0"/>
-              <a:t>9/15/2021</a:t>
+              <a:t>9/17/2021</a:t>
             </a:fld>
             <a:endParaRPr lang="en-US"/>
           </a:p>
@@ -4820,7 +4831,7 @@
           <a:p>
             <a:fld id="{F39BF11B-9B73-4D1C-AB07-019A5A0AA27F}" type="datetimeFigureOut">
               <a:rPr lang="en-US" smtClean="0"/>
-              <a:t>9/15/2021</a:t>
+              <a:t>9/17/2021</a:t>
             </a:fld>
             <a:endParaRPr lang="en-US"/>
           </a:p>
@@ -5116,7 +5127,7 @@
           <a:p>
             <a:fld id="{F39BF11B-9B73-4D1C-AB07-019A5A0AA27F}" type="datetimeFigureOut">
               <a:rPr lang="en-US" smtClean="0"/>
-              <a:t>9/15/2021</a:t>
+              <a:t>9/17/2021</a:t>
             </a:fld>
             <a:endParaRPr lang="en-US"/>
           </a:p>
@@ -5646,7 +5657,7 @@
           <a:p>
             <a:fld id="{F39BF11B-9B73-4D1C-AB07-019A5A0AA27F}" type="datetimeFigureOut">
               <a:rPr lang="en-US" smtClean="0"/>
-              <a:t>9/15/2021</a:t>
+              <a:t>9/17/2021</a:t>
             </a:fld>
             <a:endParaRPr lang="en-US"/>
           </a:p>
@@ -6241,11 +6252,7 @@
             </a:r>
             <a:r>
               <a:rPr lang="en-US" sz="4400" dirty="0" smtClean="0"/>
-              <a:t>rogramming </a:t>
-            </a:r>
-            <a:r>
-              <a:rPr lang="en-US" sz="4400" dirty="0" smtClean="0"/>
-              <a:t>Language</a:t>
+              <a:t>rogramming Language</a:t>
             </a:r>
             <a:endParaRPr lang="en-US" sz="6000" dirty="0"/>
           </a:p>
@@ -6307,20 +6314,8 @@
               </a:spcBef>
             </a:pPr>
             <a:r>
-              <a:rPr lang="en-US" sz="5600" dirty="0" err="1" smtClean="0"/>
-              <a:t>Kalyan</a:t>
-            </a:r>
-            <a:r>
               <a:rPr lang="en-US" sz="5600" dirty="0" smtClean="0"/>
-              <a:t> </a:t>
-            </a:r>
-            <a:r>
-              <a:rPr lang="en-US" sz="5600" dirty="0" err="1" smtClean="0"/>
-              <a:t>Kollepara</a:t>
-            </a:r>
-            <a:r>
-              <a:rPr lang="en-US" sz="5600" dirty="0" smtClean="0"/>
-              <a:t>, </a:t>
+              <a:t>Kalyan Kollepara, </a:t>
             </a:r>
           </a:p>
           <a:p>
@@ -7341,6 +7336,2133 @@
 </p:sld>
 </file>
 
+<file path=ppt/slides/slide12.xml><?xml version="1.0" encoding="utf-8"?>
+<p:sld xmlns:a="http://schemas.openxmlformats.org/drawingml/2006/main" xmlns:r="http://schemas.openxmlformats.org/officeDocument/2006/relationships" xmlns:p="http://schemas.openxmlformats.org/presentationml/2006/main">
+  <p:cSld>
+    <p:spTree>
+      <p:nvGrpSpPr>
+        <p:cNvPr id="1" name=""/>
+        <p:cNvGrpSpPr/>
+        <p:nvPr/>
+      </p:nvGrpSpPr>
+      <p:grpSpPr>
+        <a:xfrm>
+          <a:off x="0" y="0"/>
+          <a:ext cx="0" cy="0"/>
+          <a:chOff x="0" y="0"/>
+          <a:chExt cx="0" cy="0"/>
+        </a:xfrm>
+      </p:grpSpPr>
+      <p:sp>
+        <p:nvSpPr>
+          <p:cNvPr id="2" name="Title 1"/>
+          <p:cNvSpPr>
+            <a:spLocks noGrp="1"/>
+          </p:cNvSpPr>
+          <p:nvPr>
+            <p:ph type="title"/>
+          </p:nvPr>
+        </p:nvSpPr>
+        <p:spPr>
+          <a:xfrm>
+            <a:off x="1484311" y="685800"/>
+            <a:ext cx="10018713" cy="1293125"/>
+          </a:xfrm>
+        </p:spPr>
+        <p:txBody>
+          <a:bodyPr/>
+          <a:lstStyle/>
+          <a:p>
+            <a:r>
+              <a:rPr lang="en-IN" dirty="0" smtClean="0"/>
+              <a:t>Data Types in TypeScript</a:t>
+            </a:r>
+            <a:endParaRPr lang="en-IN" dirty="0"/>
+          </a:p>
+        </p:txBody>
+      </p:sp>
+      <p:sp>
+        <p:nvSpPr>
+          <p:cNvPr id="3" name="Content Placeholder 2"/>
+          <p:cNvSpPr>
+            <a:spLocks noGrp="1"/>
+          </p:cNvSpPr>
+          <p:nvPr>
+            <p:ph sz="half" idx="1"/>
+          </p:nvPr>
+        </p:nvSpPr>
+        <p:spPr>
+          <a:xfrm>
+            <a:off x="1484312" y="2620371"/>
+            <a:ext cx="4895055" cy="1132764"/>
+          </a:xfrm>
+        </p:spPr>
+        <p:txBody>
+          <a:bodyPr>
+            <a:normAutofit fontScale="92500" lnSpcReduction="10000"/>
+          </a:bodyPr>
+          <a:lstStyle/>
+          <a:p>
+            <a:pPr>
+              <a:buFont typeface="Wingdings" panose="05000000000000000000" pitchFamily="2" charset="2"/>
+              <a:buChar char="Ø"/>
+            </a:pPr>
+            <a:r>
+              <a:rPr lang="en-US" sz="2400" dirty="0" smtClean="0"/>
+              <a:t>Boolean:</a:t>
+            </a:r>
+            <a:endParaRPr lang="en-US" sz="2400" dirty="0"/>
+          </a:p>
+          <a:p>
+            <a:pPr lvl="1"/>
+            <a:r>
+              <a:rPr lang="en-US" sz="2000" dirty="0" smtClean="0"/>
+              <a:t>Basic </a:t>
+            </a:r>
+            <a:r>
+              <a:rPr lang="en-US" sz="2000" dirty="0" err="1" smtClean="0"/>
+              <a:t>datatype</a:t>
+            </a:r>
+            <a:r>
+              <a:rPr lang="en-US" sz="2000" dirty="0" smtClean="0"/>
+              <a:t> is the simple true/false call a Boolean .</a:t>
+            </a:r>
+            <a:endParaRPr lang="en-US" sz="2000" dirty="0"/>
+          </a:p>
+          <a:p>
+            <a:pPr lvl="1"/>
+            <a:endParaRPr lang="en-US" dirty="0"/>
+          </a:p>
+          <a:p>
+            <a:pPr marL="0" indent="0">
+              <a:buNone/>
+            </a:pPr>
+            <a:endParaRPr lang="en-IN" dirty="0"/>
+          </a:p>
+        </p:txBody>
+      </p:sp>
+      <p:sp>
+        <p:nvSpPr>
+          <p:cNvPr id="4" name="Content Placeholder 3"/>
+          <p:cNvSpPr>
+            <a:spLocks noGrp="1"/>
+          </p:cNvSpPr>
+          <p:nvPr>
+            <p:ph sz="half" idx="2"/>
+          </p:nvPr>
+        </p:nvSpPr>
+        <p:spPr>
+          <a:xfrm>
+            <a:off x="6607968" y="2438399"/>
+            <a:ext cx="4895056" cy="1137314"/>
+          </a:xfrm>
+        </p:spPr>
+        <p:txBody>
+          <a:bodyPr>
+            <a:normAutofit fontScale="92500" lnSpcReduction="10000"/>
+          </a:bodyPr>
+          <a:lstStyle/>
+          <a:p>
+            <a:pPr>
+              <a:buFont typeface="Wingdings" panose="05000000000000000000" pitchFamily="2" charset="2"/>
+              <a:buChar char="Ø"/>
+            </a:pPr>
+            <a:r>
+              <a:rPr lang="en-US" b="1" dirty="0"/>
+              <a:t>Example:</a:t>
+            </a:r>
+          </a:p>
+          <a:p>
+            <a:pPr marL="457200" lvl="1" indent="0">
+              <a:buNone/>
+            </a:pPr>
+            <a:r>
+              <a:rPr lang="en-IN" dirty="0"/>
+              <a:t>let </a:t>
+            </a:r>
+            <a:r>
+              <a:rPr lang="en-IN" dirty="0" err="1"/>
+              <a:t>isDone</a:t>
+            </a:r>
+            <a:r>
+              <a:rPr lang="en-IN" dirty="0"/>
+              <a:t>: </a:t>
+            </a:r>
+            <a:r>
+              <a:rPr lang="en-IN" dirty="0" err="1"/>
+              <a:t>boolean</a:t>
+            </a:r>
+            <a:r>
+              <a:rPr lang="en-IN" dirty="0"/>
+              <a:t> = false</a:t>
+            </a:r>
+            <a:r>
+              <a:rPr lang="en-IN" dirty="0" smtClean="0"/>
+              <a:t>;</a:t>
+            </a:r>
+            <a:endParaRPr lang="en-US" b="1" dirty="0">
+              <a:solidFill>
+                <a:schemeClr val="accent1">
+                  <a:lumMod val="50000"/>
+                </a:schemeClr>
+              </a:solidFill>
+            </a:endParaRPr>
+          </a:p>
+        </p:txBody>
+      </p:sp>
+      <p:sp>
+        <p:nvSpPr>
+          <p:cNvPr id="8" name="Rectangle 7"/>
+          <p:cNvSpPr/>
+          <p:nvPr/>
+        </p:nvSpPr>
+        <p:spPr>
+          <a:xfrm>
+            <a:off x="1484311" y="3753135"/>
+            <a:ext cx="4895056" cy="1585049"/>
+          </a:xfrm>
+          <a:prstGeom prst="rect">
+            <a:avLst/>
+          </a:prstGeom>
+        </p:spPr>
+        <p:txBody>
+          <a:bodyPr wrap="square">
+            <a:spAutoFit/>
+          </a:bodyPr>
+          <a:lstStyle/>
+          <a:p>
+            <a:pPr indent="-285750" defTabSz="457200">
+              <a:lnSpc>
+                <a:spcPct val="90000"/>
+              </a:lnSpc>
+              <a:spcBef>
+                <a:spcPct val="20000"/>
+              </a:spcBef>
+              <a:spcAft>
+                <a:spcPts val="600"/>
+              </a:spcAft>
+              <a:buClr>
+                <a:schemeClr val="accent1">
+                  <a:lumMod val="75000"/>
+                </a:schemeClr>
+              </a:buClr>
+              <a:buSzPct val="145000"/>
+              <a:buFont typeface="Wingdings" panose="05000000000000000000" pitchFamily="2" charset="2"/>
+              <a:buChar char="Ø"/>
+            </a:pPr>
+            <a:r>
+              <a:rPr lang="en-US" sz="2200" dirty="0"/>
+              <a:t>Number</a:t>
+            </a:r>
+            <a:endParaRPr lang="en-US" sz="2200" dirty="0"/>
+          </a:p>
+          <a:p>
+            <a:pPr marL="742950" lvl="1" indent="-285750" defTabSz="457200">
+              <a:lnSpc>
+                <a:spcPct val="90000"/>
+              </a:lnSpc>
+              <a:spcBef>
+                <a:spcPct val="20000"/>
+              </a:spcBef>
+              <a:spcAft>
+                <a:spcPts val="600"/>
+              </a:spcAft>
+              <a:buClr>
+                <a:schemeClr val="accent1">
+                  <a:lumMod val="75000"/>
+                </a:schemeClr>
+              </a:buClr>
+              <a:buSzPct val="145000"/>
+              <a:buFont typeface="Arial"/>
+              <a:buChar char="•"/>
+            </a:pPr>
+            <a:r>
+              <a:rPr lang="en-IN" sz="1900" dirty="0"/>
+              <a:t>TypeScript are either floating point values or </a:t>
+            </a:r>
+            <a:r>
+              <a:rPr lang="en-IN" sz="1900" dirty="0" err="1"/>
+              <a:t>BigIntegers</a:t>
+            </a:r>
+            <a:r>
+              <a:rPr lang="en-IN" sz="1900" dirty="0"/>
+              <a:t>. These floating point numbers get the type number, while </a:t>
+            </a:r>
+            <a:r>
+              <a:rPr lang="en-IN" sz="1900" dirty="0" err="1"/>
+              <a:t>BigIntegers</a:t>
+            </a:r>
+            <a:r>
+              <a:rPr lang="en-IN" sz="1900" dirty="0"/>
+              <a:t> get the type </a:t>
+            </a:r>
+            <a:r>
+              <a:rPr lang="en-IN" sz="1900" dirty="0" err="1"/>
+              <a:t>bigint</a:t>
+            </a:r>
+            <a:r>
+              <a:rPr lang="en-IN" sz="1900" dirty="0"/>
+              <a:t>.</a:t>
+            </a:r>
+            <a:endParaRPr lang="en-US" sz="1900" dirty="0"/>
+          </a:p>
+        </p:txBody>
+      </p:sp>
+      <p:sp>
+        <p:nvSpPr>
+          <p:cNvPr id="10" name="Rectangle 9"/>
+          <p:cNvSpPr/>
+          <p:nvPr/>
+        </p:nvSpPr>
+        <p:spPr>
+          <a:xfrm>
+            <a:off x="6607968" y="3753135"/>
+            <a:ext cx="4293182" cy="1982081"/>
+          </a:xfrm>
+          <a:prstGeom prst="rect">
+            <a:avLst/>
+          </a:prstGeom>
+        </p:spPr>
+        <p:txBody>
+          <a:bodyPr wrap="square">
+            <a:spAutoFit/>
+          </a:bodyPr>
+          <a:lstStyle/>
+          <a:p>
+            <a:pPr defTabSz="457200">
+              <a:lnSpc>
+                <a:spcPct val="90000"/>
+              </a:lnSpc>
+              <a:spcBef>
+                <a:spcPct val="20000"/>
+              </a:spcBef>
+              <a:spcAft>
+                <a:spcPts val="600"/>
+              </a:spcAft>
+              <a:buClr>
+                <a:schemeClr val="accent1">
+                  <a:lumMod val="75000"/>
+                </a:schemeClr>
+              </a:buClr>
+              <a:buSzPct val="145000"/>
+              <a:buFont typeface="Wingdings" panose="05000000000000000000" pitchFamily="2" charset="2"/>
+              <a:buChar char="Ø"/>
+            </a:pPr>
+            <a:r>
+              <a:rPr lang="en-US" sz="1700" b="1" dirty="0"/>
+              <a:t>Example:</a:t>
+            </a:r>
+          </a:p>
+          <a:p>
+            <a:pPr lvl="1" defTabSz="457200">
+              <a:lnSpc>
+                <a:spcPct val="90000"/>
+              </a:lnSpc>
+              <a:spcBef>
+                <a:spcPct val="20000"/>
+              </a:spcBef>
+              <a:spcAft>
+                <a:spcPts val="600"/>
+              </a:spcAft>
+              <a:buClr>
+                <a:schemeClr val="accent1">
+                  <a:lumMod val="75000"/>
+                </a:schemeClr>
+              </a:buClr>
+              <a:buSzPct val="145000"/>
+            </a:pPr>
+            <a:r>
+              <a:rPr lang="en-IN" sz="1500" dirty="0"/>
+              <a:t>let decimal: number = 6;</a:t>
+            </a:r>
+          </a:p>
+          <a:p>
+            <a:pPr lvl="1" defTabSz="457200">
+              <a:lnSpc>
+                <a:spcPct val="90000"/>
+              </a:lnSpc>
+              <a:spcBef>
+                <a:spcPct val="20000"/>
+              </a:spcBef>
+              <a:spcAft>
+                <a:spcPts val="600"/>
+              </a:spcAft>
+              <a:buClr>
+                <a:schemeClr val="accent1">
+                  <a:lumMod val="75000"/>
+                </a:schemeClr>
+              </a:buClr>
+              <a:buSzPct val="145000"/>
+            </a:pPr>
+            <a:r>
+              <a:rPr lang="en-IN" sz="1500" dirty="0"/>
+              <a:t>let hex: number = 0xf00d;</a:t>
+            </a:r>
+          </a:p>
+          <a:p>
+            <a:pPr lvl="1" defTabSz="457200">
+              <a:lnSpc>
+                <a:spcPct val="90000"/>
+              </a:lnSpc>
+              <a:spcBef>
+                <a:spcPct val="20000"/>
+              </a:spcBef>
+              <a:spcAft>
+                <a:spcPts val="600"/>
+              </a:spcAft>
+              <a:buClr>
+                <a:schemeClr val="accent1">
+                  <a:lumMod val="75000"/>
+                </a:schemeClr>
+              </a:buClr>
+              <a:buSzPct val="145000"/>
+            </a:pPr>
+            <a:r>
+              <a:rPr lang="en-IN" sz="1500" dirty="0"/>
+              <a:t>let binary: number = 0b1010;</a:t>
+            </a:r>
+          </a:p>
+          <a:p>
+            <a:pPr lvl="1" defTabSz="457200">
+              <a:lnSpc>
+                <a:spcPct val="90000"/>
+              </a:lnSpc>
+              <a:spcBef>
+                <a:spcPct val="20000"/>
+              </a:spcBef>
+              <a:spcAft>
+                <a:spcPts val="600"/>
+              </a:spcAft>
+              <a:buClr>
+                <a:schemeClr val="accent1">
+                  <a:lumMod val="75000"/>
+                </a:schemeClr>
+              </a:buClr>
+              <a:buSzPct val="145000"/>
+            </a:pPr>
+            <a:r>
+              <a:rPr lang="en-IN" sz="1500" dirty="0"/>
+              <a:t>let octal: number = 0o744;</a:t>
+            </a:r>
+          </a:p>
+          <a:p>
+            <a:pPr lvl="1" defTabSz="457200">
+              <a:lnSpc>
+                <a:spcPct val="90000"/>
+              </a:lnSpc>
+              <a:spcBef>
+                <a:spcPct val="20000"/>
+              </a:spcBef>
+              <a:spcAft>
+                <a:spcPts val="600"/>
+              </a:spcAft>
+              <a:buClr>
+                <a:schemeClr val="accent1">
+                  <a:lumMod val="75000"/>
+                </a:schemeClr>
+              </a:buClr>
+              <a:buSzPct val="145000"/>
+            </a:pPr>
+            <a:r>
+              <a:rPr lang="en-IN" sz="1500" dirty="0"/>
+              <a:t>let big: </a:t>
+            </a:r>
+            <a:r>
+              <a:rPr lang="en-IN" sz="1500" dirty="0" err="1"/>
+              <a:t>bigint</a:t>
+            </a:r>
+            <a:r>
+              <a:rPr lang="en-IN" sz="1500" dirty="0"/>
+              <a:t> = 100n</a:t>
+            </a:r>
+            <a:r>
+              <a:rPr lang="en-IN" sz="1500" dirty="0" smtClean="0"/>
+              <a:t>;</a:t>
+            </a:r>
+            <a:endParaRPr lang="en-US" b="1" dirty="0">
+              <a:solidFill>
+                <a:schemeClr val="accent1">
+                  <a:lumMod val="50000"/>
+                </a:schemeClr>
+              </a:solidFill>
+            </a:endParaRPr>
+          </a:p>
+        </p:txBody>
+      </p:sp>
+    </p:spTree>
+    <p:extLst>
+      <p:ext uri="{BB962C8B-B14F-4D97-AF65-F5344CB8AC3E}">
+        <p14:creationId xmlns:p14="http://schemas.microsoft.com/office/powerpoint/2010/main" val="4220985627"/>
+      </p:ext>
+    </p:extLst>
+  </p:cSld>
+  <p:clrMapOvr>
+    <a:masterClrMapping/>
+  </p:clrMapOvr>
+</p:sld>
+</file>
+
+<file path=ppt/slides/slide13.xml><?xml version="1.0" encoding="utf-8"?>
+<p:sld xmlns:a="http://schemas.openxmlformats.org/drawingml/2006/main" xmlns:r="http://schemas.openxmlformats.org/officeDocument/2006/relationships" xmlns:p="http://schemas.openxmlformats.org/presentationml/2006/main">
+  <p:cSld>
+    <p:spTree>
+      <p:nvGrpSpPr>
+        <p:cNvPr id="1" name=""/>
+        <p:cNvGrpSpPr/>
+        <p:nvPr/>
+      </p:nvGrpSpPr>
+      <p:grpSpPr>
+        <a:xfrm>
+          <a:off x="0" y="0"/>
+          <a:ext cx="0" cy="0"/>
+          <a:chOff x="0" y="0"/>
+          <a:chExt cx="0" cy="0"/>
+        </a:xfrm>
+      </p:grpSpPr>
+      <p:sp>
+        <p:nvSpPr>
+          <p:cNvPr id="2" name="Title 1"/>
+          <p:cNvSpPr>
+            <a:spLocks noGrp="1"/>
+          </p:cNvSpPr>
+          <p:nvPr>
+            <p:ph type="title"/>
+          </p:nvPr>
+        </p:nvSpPr>
+        <p:spPr>
+          <a:xfrm>
+            <a:off x="1484311" y="685800"/>
+            <a:ext cx="10018713" cy="1293125"/>
+          </a:xfrm>
+        </p:spPr>
+        <p:txBody>
+          <a:bodyPr/>
+          <a:lstStyle/>
+          <a:p>
+            <a:r>
+              <a:rPr lang="en-IN" dirty="0" smtClean="0"/>
+              <a:t>Data Types in TypeScript</a:t>
+            </a:r>
+            <a:endParaRPr lang="en-IN" dirty="0"/>
+          </a:p>
+        </p:txBody>
+      </p:sp>
+      <p:sp>
+        <p:nvSpPr>
+          <p:cNvPr id="3" name="Content Placeholder 2"/>
+          <p:cNvSpPr>
+            <a:spLocks noGrp="1"/>
+          </p:cNvSpPr>
+          <p:nvPr>
+            <p:ph sz="half" idx="1"/>
+          </p:nvPr>
+        </p:nvSpPr>
+        <p:spPr>
+          <a:xfrm>
+            <a:off x="1484312" y="1978925"/>
+            <a:ext cx="4861897" cy="3903260"/>
+          </a:xfrm>
+        </p:spPr>
+        <p:txBody>
+          <a:bodyPr>
+            <a:normAutofit/>
+          </a:bodyPr>
+          <a:lstStyle/>
+          <a:p>
+            <a:pPr>
+              <a:lnSpc>
+                <a:spcPct val="110000"/>
+              </a:lnSpc>
+              <a:buFont typeface="Wingdings" panose="05000000000000000000" pitchFamily="2" charset="2"/>
+              <a:buChar char="Ø"/>
+            </a:pPr>
+            <a:r>
+              <a:rPr lang="en-US" sz="2800" dirty="0"/>
+              <a:t>String:</a:t>
+            </a:r>
+            <a:endParaRPr lang="en-US" sz="2800" dirty="0"/>
+          </a:p>
+          <a:p>
+            <a:pPr lvl="1"/>
+            <a:r>
+              <a:rPr lang="en-IN" sz="1900" dirty="0"/>
+              <a:t>Fundamental part of creating programs in TypeScript is working with textual data</a:t>
+            </a:r>
+            <a:r>
+              <a:rPr lang="en-IN" sz="1900" dirty="0" smtClean="0"/>
+              <a:t>. As </a:t>
+            </a:r>
+            <a:r>
+              <a:rPr lang="en-IN" sz="1900" dirty="0"/>
+              <a:t>in other languages, we use the type string to refer to these textual datatypes</a:t>
+            </a:r>
+            <a:r>
+              <a:rPr lang="en-IN" sz="1900" dirty="0" smtClean="0"/>
+              <a:t>. TypeScript </a:t>
+            </a:r>
+            <a:r>
+              <a:rPr lang="en-IN" sz="1900" dirty="0"/>
+              <a:t>also uses double quotes (") or single quotes (') to surround string data</a:t>
+            </a:r>
+            <a:r>
+              <a:rPr lang="en-IN" sz="1900" dirty="0"/>
+              <a:t>.</a:t>
+            </a:r>
+            <a:endParaRPr lang="en-US" sz="1900" dirty="0"/>
+          </a:p>
+          <a:p>
+            <a:pPr marL="0" indent="0">
+              <a:buNone/>
+            </a:pPr>
+            <a:endParaRPr lang="en-IN" dirty="0"/>
+          </a:p>
+        </p:txBody>
+      </p:sp>
+      <p:sp>
+        <p:nvSpPr>
+          <p:cNvPr id="4" name="Content Placeholder 3"/>
+          <p:cNvSpPr>
+            <a:spLocks noGrp="1"/>
+          </p:cNvSpPr>
+          <p:nvPr>
+            <p:ph sz="half" idx="2"/>
+          </p:nvPr>
+        </p:nvSpPr>
+        <p:spPr>
+          <a:xfrm>
+            <a:off x="6607968" y="1978925"/>
+            <a:ext cx="4895056" cy="3903260"/>
+          </a:xfrm>
+        </p:spPr>
+        <p:txBody>
+          <a:bodyPr>
+            <a:normAutofit/>
+          </a:bodyPr>
+          <a:lstStyle/>
+          <a:p>
+            <a:pPr>
+              <a:buFont typeface="Wingdings" panose="05000000000000000000" pitchFamily="2" charset="2"/>
+              <a:buChar char="Ø"/>
+            </a:pPr>
+            <a:r>
+              <a:rPr lang="en-US" b="1" dirty="0"/>
+              <a:t>Example:</a:t>
+            </a:r>
+          </a:p>
+          <a:p>
+            <a:r>
+              <a:rPr lang="en-IN" dirty="0"/>
+              <a:t>let </a:t>
+            </a:r>
+            <a:r>
+              <a:rPr lang="en-IN" dirty="0" err="1"/>
+              <a:t>fullName</a:t>
+            </a:r>
+            <a:r>
+              <a:rPr lang="en-IN" dirty="0"/>
+              <a:t>: string = `Bob </a:t>
+            </a:r>
+            <a:r>
+              <a:rPr lang="en-IN" dirty="0" err="1"/>
+              <a:t>Bobbington</a:t>
+            </a:r>
+            <a:r>
+              <a:rPr lang="en-IN" dirty="0"/>
+              <a:t>`;</a:t>
+            </a:r>
+          </a:p>
+          <a:p>
+            <a:r>
+              <a:rPr lang="en-IN" dirty="0" smtClean="0"/>
+              <a:t>let </a:t>
+            </a:r>
+            <a:r>
+              <a:rPr lang="en-IN" dirty="0"/>
+              <a:t>sentence: string = `Hello, my name is ${</a:t>
+            </a:r>
+            <a:r>
+              <a:rPr lang="en-IN" dirty="0" err="1"/>
+              <a:t>fullName</a:t>
+            </a:r>
+            <a:r>
+              <a:rPr lang="en-IN" dirty="0"/>
+              <a:t>}.</a:t>
+            </a:r>
+          </a:p>
+        </p:txBody>
+      </p:sp>
+    </p:spTree>
+    <p:extLst>
+      <p:ext uri="{BB962C8B-B14F-4D97-AF65-F5344CB8AC3E}">
+        <p14:creationId xmlns:p14="http://schemas.microsoft.com/office/powerpoint/2010/main" val="3597120724"/>
+      </p:ext>
+    </p:extLst>
+  </p:cSld>
+  <p:clrMapOvr>
+    <a:masterClrMapping/>
+  </p:clrMapOvr>
+</p:sld>
+</file>
+
+<file path=ppt/slides/slide14.xml><?xml version="1.0" encoding="utf-8"?>
+<p:sld xmlns:a="http://schemas.openxmlformats.org/drawingml/2006/main" xmlns:r="http://schemas.openxmlformats.org/officeDocument/2006/relationships" xmlns:p="http://schemas.openxmlformats.org/presentationml/2006/main">
+  <p:cSld>
+    <p:spTree>
+      <p:nvGrpSpPr>
+        <p:cNvPr id="1" name=""/>
+        <p:cNvGrpSpPr/>
+        <p:nvPr/>
+      </p:nvGrpSpPr>
+      <p:grpSpPr>
+        <a:xfrm>
+          <a:off x="0" y="0"/>
+          <a:ext cx="0" cy="0"/>
+          <a:chOff x="0" y="0"/>
+          <a:chExt cx="0" cy="0"/>
+        </a:xfrm>
+      </p:grpSpPr>
+      <p:sp>
+        <p:nvSpPr>
+          <p:cNvPr id="2" name="Title 1"/>
+          <p:cNvSpPr>
+            <a:spLocks noGrp="1"/>
+          </p:cNvSpPr>
+          <p:nvPr>
+            <p:ph type="title"/>
+          </p:nvPr>
+        </p:nvSpPr>
+        <p:spPr>
+          <a:xfrm>
+            <a:off x="1484311" y="685800"/>
+            <a:ext cx="10018713" cy="1293125"/>
+          </a:xfrm>
+        </p:spPr>
+        <p:txBody>
+          <a:bodyPr/>
+          <a:lstStyle/>
+          <a:p>
+            <a:r>
+              <a:rPr lang="en-IN" dirty="0" smtClean="0"/>
+              <a:t>Data Types in TypeScript</a:t>
+            </a:r>
+            <a:endParaRPr lang="en-IN" dirty="0"/>
+          </a:p>
+        </p:txBody>
+      </p:sp>
+      <p:sp>
+        <p:nvSpPr>
+          <p:cNvPr id="3" name="Content Placeholder 2"/>
+          <p:cNvSpPr>
+            <a:spLocks noGrp="1"/>
+          </p:cNvSpPr>
+          <p:nvPr>
+            <p:ph sz="half" idx="1"/>
+          </p:nvPr>
+        </p:nvSpPr>
+        <p:spPr>
+          <a:xfrm>
+            <a:off x="1484312" y="1978925"/>
+            <a:ext cx="4861897" cy="3903260"/>
+          </a:xfrm>
+        </p:spPr>
+        <p:txBody>
+          <a:bodyPr>
+            <a:normAutofit/>
+          </a:bodyPr>
+          <a:lstStyle/>
+          <a:p>
+            <a:pPr>
+              <a:lnSpc>
+                <a:spcPct val="110000"/>
+              </a:lnSpc>
+              <a:buFont typeface="Wingdings" panose="05000000000000000000" pitchFamily="2" charset="2"/>
+              <a:buChar char="Ø"/>
+            </a:pPr>
+            <a:r>
+              <a:rPr lang="en-US" sz="2800" dirty="0" smtClean="0"/>
+              <a:t>Array:</a:t>
+            </a:r>
+            <a:endParaRPr lang="en-US" sz="2800" dirty="0"/>
+          </a:p>
+          <a:p>
+            <a:pPr lvl="1"/>
+            <a:r>
+              <a:rPr lang="en-IN" sz="1900" dirty="0"/>
+              <a:t>TypeScript allows you to work with arrays of values. Array types can be written in one of two ways. </a:t>
+            </a:r>
+            <a:endParaRPr lang="en-IN" sz="1900" dirty="0" smtClean="0"/>
+          </a:p>
+          <a:p>
+            <a:pPr lvl="1"/>
+            <a:r>
+              <a:rPr lang="en-IN" sz="1900" dirty="0" smtClean="0"/>
+              <a:t>In </a:t>
+            </a:r>
+            <a:r>
+              <a:rPr lang="en-IN" sz="1900" dirty="0"/>
+              <a:t>the first, you use the type of the elements followed by [] to denote an array of </a:t>
+            </a:r>
+            <a:r>
+              <a:rPr lang="en-IN" sz="1900" dirty="0" smtClean="0"/>
+              <a:t>that </a:t>
+            </a:r>
+            <a:r>
+              <a:rPr lang="en-IN" sz="1900" dirty="0"/>
+              <a:t>element type</a:t>
+            </a:r>
+            <a:r>
+              <a:rPr lang="en-IN" sz="1900" dirty="0" smtClean="0"/>
+              <a:t>:</a:t>
+            </a:r>
+          </a:p>
+          <a:p>
+            <a:pPr lvl="1"/>
+            <a:r>
+              <a:rPr lang="en-IN" sz="1900" dirty="0"/>
+              <a:t>The second way uses a generic array type, Array&lt;</a:t>
+            </a:r>
+            <a:r>
+              <a:rPr lang="en-IN" sz="1900" dirty="0" err="1"/>
+              <a:t>elemType</a:t>
+            </a:r>
+            <a:r>
+              <a:rPr lang="en-IN" sz="1900" dirty="0"/>
+              <a:t>&gt;:</a:t>
+            </a:r>
+          </a:p>
+        </p:txBody>
+      </p:sp>
+      <p:sp>
+        <p:nvSpPr>
+          <p:cNvPr id="4" name="Content Placeholder 3"/>
+          <p:cNvSpPr>
+            <a:spLocks noGrp="1"/>
+          </p:cNvSpPr>
+          <p:nvPr>
+            <p:ph sz="half" idx="2"/>
+          </p:nvPr>
+        </p:nvSpPr>
+        <p:spPr>
+          <a:xfrm>
+            <a:off x="6607968" y="1978925"/>
+            <a:ext cx="4895056" cy="3903260"/>
+          </a:xfrm>
+        </p:spPr>
+        <p:txBody>
+          <a:bodyPr>
+            <a:normAutofit/>
+          </a:bodyPr>
+          <a:lstStyle/>
+          <a:p>
+            <a:pPr>
+              <a:buFont typeface="Wingdings" panose="05000000000000000000" pitchFamily="2" charset="2"/>
+              <a:buChar char="Ø"/>
+            </a:pPr>
+            <a:r>
+              <a:rPr lang="en-US" b="1" dirty="0"/>
+              <a:t>Example:</a:t>
+            </a:r>
+          </a:p>
+          <a:p>
+            <a:r>
+              <a:rPr lang="en-IN" dirty="0"/>
+              <a:t>let list: number[] = [1, 2, 3];</a:t>
+            </a:r>
+          </a:p>
+          <a:p>
+            <a:r>
+              <a:rPr lang="en-IN" dirty="0"/>
+              <a:t>let list: Array&lt;number&gt; = [1, 2, 3];</a:t>
+            </a:r>
+            <a:endParaRPr lang="en-IN" dirty="0"/>
+          </a:p>
+        </p:txBody>
+      </p:sp>
+    </p:spTree>
+    <p:extLst>
+      <p:ext uri="{BB962C8B-B14F-4D97-AF65-F5344CB8AC3E}">
+        <p14:creationId xmlns:p14="http://schemas.microsoft.com/office/powerpoint/2010/main" val="4266511691"/>
+      </p:ext>
+    </p:extLst>
+  </p:cSld>
+  <p:clrMapOvr>
+    <a:masterClrMapping/>
+  </p:clrMapOvr>
+</p:sld>
+</file>
+
+<file path=ppt/slides/slide15.xml><?xml version="1.0" encoding="utf-8"?>
+<p:sld xmlns:a="http://schemas.openxmlformats.org/drawingml/2006/main" xmlns:r="http://schemas.openxmlformats.org/officeDocument/2006/relationships" xmlns:p="http://schemas.openxmlformats.org/presentationml/2006/main">
+  <p:cSld>
+    <p:spTree>
+      <p:nvGrpSpPr>
+        <p:cNvPr id="1" name=""/>
+        <p:cNvGrpSpPr/>
+        <p:nvPr/>
+      </p:nvGrpSpPr>
+      <p:grpSpPr>
+        <a:xfrm>
+          <a:off x="0" y="0"/>
+          <a:ext cx="0" cy="0"/>
+          <a:chOff x="0" y="0"/>
+          <a:chExt cx="0" cy="0"/>
+        </a:xfrm>
+      </p:grpSpPr>
+      <p:sp>
+        <p:nvSpPr>
+          <p:cNvPr id="2" name="Title 1"/>
+          <p:cNvSpPr>
+            <a:spLocks noGrp="1"/>
+          </p:cNvSpPr>
+          <p:nvPr>
+            <p:ph type="title"/>
+          </p:nvPr>
+        </p:nvSpPr>
+        <p:spPr>
+          <a:xfrm>
+            <a:off x="1484311" y="685800"/>
+            <a:ext cx="10018713" cy="1293125"/>
+          </a:xfrm>
+        </p:spPr>
+        <p:txBody>
+          <a:bodyPr/>
+          <a:lstStyle/>
+          <a:p>
+            <a:r>
+              <a:rPr lang="en-IN" dirty="0" smtClean="0"/>
+              <a:t>Data Types in TypeScript</a:t>
+            </a:r>
+            <a:endParaRPr lang="en-IN" dirty="0"/>
+          </a:p>
+        </p:txBody>
+      </p:sp>
+      <p:sp>
+        <p:nvSpPr>
+          <p:cNvPr id="3" name="Content Placeholder 2"/>
+          <p:cNvSpPr>
+            <a:spLocks noGrp="1"/>
+          </p:cNvSpPr>
+          <p:nvPr>
+            <p:ph sz="half" idx="1"/>
+          </p:nvPr>
+        </p:nvSpPr>
+        <p:spPr>
+          <a:xfrm>
+            <a:off x="1484312" y="1978925"/>
+            <a:ext cx="4861897" cy="3903260"/>
+          </a:xfrm>
+        </p:spPr>
+        <p:txBody>
+          <a:bodyPr>
+            <a:normAutofit/>
+          </a:bodyPr>
+          <a:lstStyle/>
+          <a:p>
+            <a:pPr>
+              <a:lnSpc>
+                <a:spcPct val="110000"/>
+              </a:lnSpc>
+              <a:buFont typeface="Wingdings" panose="05000000000000000000" pitchFamily="2" charset="2"/>
+              <a:buChar char="Ø"/>
+            </a:pPr>
+            <a:r>
+              <a:rPr lang="en-US" sz="2800" dirty="0" smtClean="0"/>
+              <a:t>Tuple:</a:t>
+            </a:r>
+            <a:endParaRPr lang="en-US" sz="2800" dirty="0"/>
+          </a:p>
+          <a:p>
+            <a:pPr lvl="1"/>
+            <a:r>
+              <a:rPr lang="en-IN" sz="1900" dirty="0"/>
+              <a:t>Tuple types allow you to express an array with a fixed number of elements whose types are known, but need not be the same. </a:t>
+            </a:r>
+            <a:endParaRPr lang="en-IN" sz="1900" dirty="0" smtClean="0"/>
+          </a:p>
+          <a:p>
+            <a:pPr lvl="1"/>
+            <a:r>
+              <a:rPr lang="en-IN" sz="1900" dirty="0"/>
+              <a:t>For example, you may want to represent a value as a pair of a string and a number:</a:t>
+            </a:r>
+            <a:endParaRPr lang="en-IN" sz="1900" dirty="0" smtClean="0"/>
+          </a:p>
+        </p:txBody>
+      </p:sp>
+      <p:sp>
+        <p:nvSpPr>
+          <p:cNvPr id="4" name="Content Placeholder 3"/>
+          <p:cNvSpPr>
+            <a:spLocks noGrp="1"/>
+          </p:cNvSpPr>
+          <p:nvPr>
+            <p:ph sz="half" idx="2"/>
+          </p:nvPr>
+        </p:nvSpPr>
+        <p:spPr>
+          <a:xfrm>
+            <a:off x="6607968" y="1978925"/>
+            <a:ext cx="4895056" cy="3903260"/>
+          </a:xfrm>
+        </p:spPr>
+        <p:txBody>
+          <a:bodyPr>
+            <a:normAutofit/>
+          </a:bodyPr>
+          <a:lstStyle/>
+          <a:p>
+            <a:pPr>
+              <a:buFont typeface="Wingdings" panose="05000000000000000000" pitchFamily="2" charset="2"/>
+              <a:buChar char="Ø"/>
+            </a:pPr>
+            <a:r>
+              <a:rPr lang="en-US" b="1" dirty="0"/>
+              <a:t>Example:</a:t>
+            </a:r>
+          </a:p>
+          <a:p>
+            <a:pPr marL="0" indent="0">
+              <a:buNone/>
+            </a:pPr>
+            <a:r>
+              <a:rPr lang="en-IN" dirty="0"/>
+              <a:t>// Declare a tuple type</a:t>
+            </a:r>
+          </a:p>
+          <a:p>
+            <a:r>
+              <a:rPr lang="en-IN" dirty="0"/>
+              <a:t>let x: [string, number];</a:t>
+            </a:r>
+          </a:p>
+          <a:p>
+            <a:pPr marL="0" indent="0">
+              <a:buNone/>
+            </a:pPr>
+            <a:r>
+              <a:rPr lang="en-IN" dirty="0"/>
+              <a:t>// Initialize it</a:t>
+            </a:r>
+          </a:p>
+          <a:p>
+            <a:r>
+              <a:rPr lang="en-IN" dirty="0"/>
+              <a:t>x = ["hello", 10]; // OK</a:t>
+            </a:r>
+          </a:p>
+          <a:p>
+            <a:pPr marL="0" indent="0">
+              <a:buNone/>
+            </a:pPr>
+            <a:r>
+              <a:rPr lang="en-IN" dirty="0"/>
+              <a:t>// Initialize it incorrectly</a:t>
+            </a:r>
+          </a:p>
+          <a:p>
+            <a:r>
+              <a:rPr lang="en-IN" dirty="0"/>
+              <a:t>x = [10, "hello"]; // Error</a:t>
+            </a:r>
+            <a:endParaRPr lang="en-IN" dirty="0"/>
+          </a:p>
+        </p:txBody>
+      </p:sp>
+    </p:spTree>
+    <p:extLst>
+      <p:ext uri="{BB962C8B-B14F-4D97-AF65-F5344CB8AC3E}">
+        <p14:creationId xmlns:p14="http://schemas.microsoft.com/office/powerpoint/2010/main" val="1552842282"/>
+      </p:ext>
+    </p:extLst>
+  </p:cSld>
+  <p:clrMapOvr>
+    <a:masterClrMapping/>
+  </p:clrMapOvr>
+</p:sld>
+</file>
+
+<file path=ppt/slides/slide16.xml><?xml version="1.0" encoding="utf-8"?>
+<p:sld xmlns:a="http://schemas.openxmlformats.org/drawingml/2006/main" xmlns:r="http://schemas.openxmlformats.org/officeDocument/2006/relationships" xmlns:p="http://schemas.openxmlformats.org/presentationml/2006/main">
+  <p:cSld>
+    <p:spTree>
+      <p:nvGrpSpPr>
+        <p:cNvPr id="1" name=""/>
+        <p:cNvGrpSpPr/>
+        <p:nvPr/>
+      </p:nvGrpSpPr>
+      <p:grpSpPr>
+        <a:xfrm>
+          <a:off x="0" y="0"/>
+          <a:ext cx="0" cy="0"/>
+          <a:chOff x="0" y="0"/>
+          <a:chExt cx="0" cy="0"/>
+        </a:xfrm>
+      </p:grpSpPr>
+      <p:sp>
+        <p:nvSpPr>
+          <p:cNvPr id="2" name="Title 1"/>
+          <p:cNvSpPr>
+            <a:spLocks noGrp="1"/>
+          </p:cNvSpPr>
+          <p:nvPr>
+            <p:ph type="title"/>
+          </p:nvPr>
+        </p:nvSpPr>
+        <p:spPr>
+          <a:xfrm>
+            <a:off x="1484311" y="685800"/>
+            <a:ext cx="10018713" cy="1293125"/>
+          </a:xfrm>
+        </p:spPr>
+        <p:txBody>
+          <a:bodyPr/>
+          <a:lstStyle/>
+          <a:p>
+            <a:r>
+              <a:rPr lang="en-IN" dirty="0" smtClean="0"/>
+              <a:t>Data Types in TypeScript</a:t>
+            </a:r>
+            <a:endParaRPr lang="en-IN" dirty="0"/>
+          </a:p>
+        </p:txBody>
+      </p:sp>
+      <p:sp>
+        <p:nvSpPr>
+          <p:cNvPr id="3" name="Content Placeholder 2"/>
+          <p:cNvSpPr>
+            <a:spLocks noGrp="1"/>
+          </p:cNvSpPr>
+          <p:nvPr>
+            <p:ph sz="half" idx="1"/>
+          </p:nvPr>
+        </p:nvSpPr>
+        <p:spPr>
+          <a:xfrm>
+            <a:off x="1484312" y="1978925"/>
+            <a:ext cx="4861897" cy="3903260"/>
+          </a:xfrm>
+        </p:spPr>
+        <p:txBody>
+          <a:bodyPr>
+            <a:normAutofit/>
+          </a:bodyPr>
+          <a:lstStyle/>
+          <a:p>
+            <a:pPr>
+              <a:lnSpc>
+                <a:spcPct val="110000"/>
+              </a:lnSpc>
+              <a:buFont typeface="Wingdings" panose="05000000000000000000" pitchFamily="2" charset="2"/>
+              <a:buChar char="Ø"/>
+            </a:pPr>
+            <a:r>
+              <a:rPr lang="en-US" sz="2800" dirty="0" err="1" smtClean="0"/>
+              <a:t>Enum</a:t>
+            </a:r>
+            <a:r>
+              <a:rPr lang="en-US" sz="2800" dirty="0" smtClean="0"/>
+              <a:t>:</a:t>
+            </a:r>
+            <a:endParaRPr lang="en-US" sz="2800" dirty="0"/>
+          </a:p>
+          <a:p>
+            <a:pPr lvl="1"/>
+            <a:r>
+              <a:rPr lang="en-IN" sz="1900" dirty="0"/>
+              <a:t>A helpful addition to the standard set of datatypes from JavaScript is the </a:t>
+            </a:r>
+            <a:r>
+              <a:rPr lang="en-IN" sz="1900" dirty="0" err="1"/>
+              <a:t>enum</a:t>
+            </a:r>
+            <a:r>
+              <a:rPr lang="en-IN" sz="1900" dirty="0"/>
+              <a:t>. As in languages like C#, an </a:t>
+            </a:r>
+            <a:r>
+              <a:rPr lang="en-IN" sz="1900" dirty="0" err="1"/>
+              <a:t>enum</a:t>
+            </a:r>
+            <a:r>
+              <a:rPr lang="en-IN" sz="1900" dirty="0"/>
+              <a:t> is a way of giving more friendly names to sets of numeric values</a:t>
+            </a:r>
+            <a:r>
+              <a:rPr lang="en-IN" sz="1900" dirty="0" smtClean="0"/>
+              <a:t>.</a:t>
+            </a:r>
+          </a:p>
+          <a:p>
+            <a:pPr lvl="1"/>
+            <a:r>
+              <a:rPr lang="en-IN" sz="2000" dirty="0"/>
+              <a:t>E</a:t>
+            </a:r>
+            <a:r>
+              <a:rPr lang="en-IN" sz="2000" dirty="0" smtClean="0"/>
+              <a:t>ven </a:t>
+            </a:r>
+            <a:r>
+              <a:rPr lang="en-IN" sz="2000" dirty="0"/>
+              <a:t>manually set all the values in the </a:t>
+            </a:r>
+            <a:r>
+              <a:rPr lang="en-IN" sz="2000" dirty="0" err="1"/>
+              <a:t>enum</a:t>
+            </a:r>
+            <a:r>
+              <a:rPr lang="en-IN" sz="2000" dirty="0"/>
+              <a:t>:</a:t>
+            </a:r>
+            <a:endParaRPr lang="en-IN" sz="1900" dirty="0" smtClean="0"/>
+          </a:p>
+        </p:txBody>
+      </p:sp>
+      <p:sp>
+        <p:nvSpPr>
+          <p:cNvPr id="4" name="Content Placeholder 3"/>
+          <p:cNvSpPr>
+            <a:spLocks noGrp="1"/>
+          </p:cNvSpPr>
+          <p:nvPr>
+            <p:ph sz="half" idx="2"/>
+          </p:nvPr>
+        </p:nvSpPr>
+        <p:spPr>
+          <a:xfrm>
+            <a:off x="6607968" y="1978925"/>
+            <a:ext cx="4895056" cy="3903260"/>
+          </a:xfrm>
+        </p:spPr>
+        <p:txBody>
+          <a:bodyPr>
+            <a:normAutofit/>
+          </a:bodyPr>
+          <a:lstStyle/>
+          <a:p>
+            <a:pPr>
+              <a:buFont typeface="Wingdings" panose="05000000000000000000" pitchFamily="2" charset="2"/>
+              <a:buChar char="Ø"/>
+            </a:pPr>
+            <a:r>
+              <a:rPr lang="en-US" b="1" dirty="0"/>
+              <a:t>Example:</a:t>
+            </a:r>
+          </a:p>
+          <a:p>
+            <a:r>
+              <a:rPr lang="en-IN" dirty="0" err="1"/>
+              <a:t>enum</a:t>
+            </a:r>
+            <a:r>
+              <a:rPr lang="en-IN" dirty="0"/>
+              <a:t> </a:t>
+            </a:r>
+            <a:r>
+              <a:rPr lang="en-IN" dirty="0" err="1"/>
+              <a:t>Color</a:t>
+            </a:r>
+            <a:r>
+              <a:rPr lang="en-IN" dirty="0"/>
+              <a:t> </a:t>
+            </a:r>
+            <a:r>
+              <a:rPr lang="en-IN" dirty="0" smtClean="0"/>
+              <a:t>{  </a:t>
+            </a:r>
+            <a:r>
+              <a:rPr lang="en-IN" dirty="0"/>
+              <a:t>Red</a:t>
+            </a:r>
+            <a:r>
+              <a:rPr lang="en-IN" dirty="0" smtClean="0"/>
+              <a:t>,  </a:t>
+            </a:r>
+            <a:r>
+              <a:rPr lang="en-IN" dirty="0"/>
+              <a:t>Green</a:t>
+            </a:r>
+            <a:r>
+              <a:rPr lang="en-IN" dirty="0" smtClean="0"/>
+              <a:t>,  </a:t>
+            </a:r>
+            <a:r>
+              <a:rPr lang="en-IN" dirty="0"/>
+              <a:t>Blue</a:t>
+            </a:r>
+            <a:r>
+              <a:rPr lang="en-IN" dirty="0" smtClean="0"/>
+              <a:t>,}</a:t>
+            </a:r>
+            <a:endParaRPr lang="en-IN" dirty="0"/>
+          </a:p>
+          <a:p>
+            <a:pPr marL="0" indent="0">
+              <a:buNone/>
+            </a:pPr>
+            <a:r>
+              <a:rPr lang="en-IN" dirty="0"/>
+              <a:t>let c: </a:t>
+            </a:r>
+            <a:r>
+              <a:rPr lang="en-IN" dirty="0" err="1" smtClean="0"/>
+              <a:t>Color</a:t>
+            </a:r>
+            <a:r>
+              <a:rPr lang="en-IN" dirty="0" smtClean="0"/>
+              <a:t> </a:t>
+            </a:r>
+            <a:r>
+              <a:rPr lang="en-IN" dirty="0"/>
+              <a:t>= </a:t>
+            </a:r>
+            <a:r>
+              <a:rPr lang="en-IN" dirty="0" err="1"/>
+              <a:t>Color.Green</a:t>
+            </a:r>
+            <a:r>
+              <a:rPr lang="en-IN" dirty="0" smtClean="0"/>
+              <a:t>;</a:t>
+            </a:r>
+          </a:p>
+          <a:p>
+            <a:r>
+              <a:rPr lang="en-IN" dirty="0" err="1"/>
+              <a:t>enum</a:t>
+            </a:r>
+            <a:r>
+              <a:rPr lang="en-IN" dirty="0"/>
+              <a:t> </a:t>
+            </a:r>
+            <a:r>
+              <a:rPr lang="en-IN" dirty="0" err="1"/>
+              <a:t>Color</a:t>
+            </a:r>
+            <a:r>
+              <a:rPr lang="en-IN" dirty="0"/>
+              <a:t> </a:t>
+            </a:r>
+            <a:r>
+              <a:rPr lang="en-IN" dirty="0" smtClean="0"/>
+              <a:t>{Red </a:t>
+            </a:r>
+            <a:r>
+              <a:rPr lang="en-IN" dirty="0"/>
+              <a:t>= </a:t>
+            </a:r>
+            <a:r>
+              <a:rPr lang="en-IN" dirty="0" smtClean="0"/>
+              <a:t>1,Green </a:t>
+            </a:r>
+            <a:r>
+              <a:rPr lang="en-IN" dirty="0"/>
+              <a:t>= </a:t>
+            </a:r>
+            <a:r>
+              <a:rPr lang="en-IN" dirty="0" smtClean="0"/>
+              <a:t>2,Blue </a:t>
+            </a:r>
+            <a:r>
+              <a:rPr lang="en-IN" dirty="0"/>
+              <a:t>= 4</a:t>
+            </a:r>
+            <a:r>
+              <a:rPr lang="en-IN" dirty="0" smtClean="0"/>
+              <a:t>,}</a:t>
+            </a:r>
+            <a:endParaRPr lang="en-IN" dirty="0"/>
+          </a:p>
+          <a:p>
+            <a:pPr marL="0" indent="0">
+              <a:buNone/>
+            </a:pPr>
+            <a:r>
+              <a:rPr lang="en-IN" dirty="0"/>
+              <a:t>let c: </a:t>
+            </a:r>
+            <a:r>
+              <a:rPr lang="en-IN" dirty="0" err="1"/>
+              <a:t>Color</a:t>
+            </a:r>
+            <a:r>
+              <a:rPr lang="en-IN" dirty="0"/>
+              <a:t> = </a:t>
+            </a:r>
+            <a:r>
+              <a:rPr lang="en-IN" dirty="0" err="1"/>
+              <a:t>Color.Green</a:t>
+            </a:r>
+            <a:r>
+              <a:rPr lang="en-IN" dirty="0"/>
+              <a:t>;</a:t>
+            </a:r>
+          </a:p>
+          <a:p>
+            <a:endParaRPr lang="en-IN" dirty="0" smtClean="0"/>
+          </a:p>
+          <a:p>
+            <a:pPr marL="0" indent="0">
+              <a:buNone/>
+            </a:pPr>
+            <a:endParaRPr lang="en-IN" dirty="0"/>
+          </a:p>
+        </p:txBody>
+      </p:sp>
+    </p:spTree>
+    <p:extLst>
+      <p:ext uri="{BB962C8B-B14F-4D97-AF65-F5344CB8AC3E}">
+        <p14:creationId xmlns:p14="http://schemas.microsoft.com/office/powerpoint/2010/main" val="3518910593"/>
+      </p:ext>
+    </p:extLst>
+  </p:cSld>
+  <p:clrMapOvr>
+    <a:masterClrMapping/>
+  </p:clrMapOvr>
+</p:sld>
+</file>
+
+<file path=ppt/slides/slide17.xml><?xml version="1.0" encoding="utf-8"?>
+<p:sld xmlns:a="http://schemas.openxmlformats.org/drawingml/2006/main" xmlns:r="http://schemas.openxmlformats.org/officeDocument/2006/relationships" xmlns:p="http://schemas.openxmlformats.org/presentationml/2006/main">
+  <p:cSld>
+    <p:spTree>
+      <p:nvGrpSpPr>
+        <p:cNvPr id="1" name=""/>
+        <p:cNvGrpSpPr/>
+        <p:nvPr/>
+      </p:nvGrpSpPr>
+      <p:grpSpPr>
+        <a:xfrm>
+          <a:off x="0" y="0"/>
+          <a:ext cx="0" cy="0"/>
+          <a:chOff x="0" y="0"/>
+          <a:chExt cx="0" cy="0"/>
+        </a:xfrm>
+      </p:grpSpPr>
+      <p:sp>
+        <p:nvSpPr>
+          <p:cNvPr id="2" name="Title 1"/>
+          <p:cNvSpPr>
+            <a:spLocks noGrp="1"/>
+          </p:cNvSpPr>
+          <p:nvPr>
+            <p:ph type="title"/>
+          </p:nvPr>
+        </p:nvSpPr>
+        <p:spPr>
+          <a:xfrm>
+            <a:off x="1484311" y="685800"/>
+            <a:ext cx="10018713" cy="1293125"/>
+          </a:xfrm>
+        </p:spPr>
+        <p:txBody>
+          <a:bodyPr/>
+          <a:lstStyle/>
+          <a:p>
+            <a:r>
+              <a:rPr lang="en-IN" dirty="0" smtClean="0"/>
+              <a:t>Data Types in TypeScript</a:t>
+            </a:r>
+            <a:endParaRPr lang="en-IN" dirty="0"/>
+          </a:p>
+        </p:txBody>
+      </p:sp>
+      <p:sp>
+        <p:nvSpPr>
+          <p:cNvPr id="3" name="Content Placeholder 2"/>
+          <p:cNvSpPr>
+            <a:spLocks noGrp="1"/>
+          </p:cNvSpPr>
+          <p:nvPr>
+            <p:ph sz="half" idx="1"/>
+          </p:nvPr>
+        </p:nvSpPr>
+        <p:spPr>
+          <a:xfrm>
+            <a:off x="1484312" y="1978925"/>
+            <a:ext cx="4861897" cy="3903260"/>
+          </a:xfrm>
+        </p:spPr>
+        <p:txBody>
+          <a:bodyPr>
+            <a:normAutofit fontScale="92500" lnSpcReduction="10000"/>
+          </a:bodyPr>
+          <a:lstStyle/>
+          <a:p>
+            <a:pPr>
+              <a:lnSpc>
+                <a:spcPct val="110000"/>
+              </a:lnSpc>
+              <a:buFont typeface="Wingdings" panose="05000000000000000000" pitchFamily="2" charset="2"/>
+              <a:buChar char="Ø"/>
+            </a:pPr>
+            <a:r>
+              <a:rPr lang="en-US" sz="2800" dirty="0" smtClean="0"/>
+              <a:t>Unknown:</a:t>
+            </a:r>
+            <a:endParaRPr lang="en-US" sz="2800" dirty="0"/>
+          </a:p>
+          <a:p>
+            <a:pPr lvl="1"/>
+            <a:r>
+              <a:rPr lang="en-IN" sz="1900" dirty="0" smtClean="0"/>
+              <a:t>To </a:t>
+            </a:r>
+            <a:r>
+              <a:rPr lang="en-IN" sz="1900" dirty="0"/>
+              <a:t>describe the type of variables that we do not know when we are writing an application. These values may come from dynamic content.</a:t>
+            </a:r>
+            <a:endParaRPr lang="en-IN" sz="1900" dirty="0" smtClean="0"/>
+          </a:p>
+          <a:p>
+            <a:pPr lvl="1"/>
+            <a:r>
+              <a:rPr lang="en-IN" sz="2000" dirty="0"/>
+              <a:t>e.g. from the user – or we may want to intentionally accept all values in our API. </a:t>
+            </a:r>
+            <a:endParaRPr lang="en-IN" sz="2000" dirty="0" smtClean="0"/>
+          </a:p>
+          <a:p>
+            <a:pPr lvl="1"/>
+            <a:r>
+              <a:rPr lang="en-IN" sz="1900" dirty="0"/>
+              <a:t>In these cases, we want to provide a type that tells the compiler and future readers that this variable could be anything, so we give it the unknown type.</a:t>
+            </a:r>
+            <a:endParaRPr lang="en-IN" sz="1900" dirty="0" smtClean="0"/>
+          </a:p>
+        </p:txBody>
+      </p:sp>
+      <p:sp>
+        <p:nvSpPr>
+          <p:cNvPr id="4" name="Content Placeholder 3"/>
+          <p:cNvSpPr>
+            <a:spLocks noGrp="1"/>
+          </p:cNvSpPr>
+          <p:nvPr>
+            <p:ph sz="half" idx="2"/>
+          </p:nvPr>
+        </p:nvSpPr>
+        <p:spPr>
+          <a:xfrm>
+            <a:off x="6607968" y="1978925"/>
+            <a:ext cx="4895056" cy="3903260"/>
+          </a:xfrm>
+        </p:spPr>
+        <p:txBody>
+          <a:bodyPr>
+            <a:normAutofit fontScale="92500" lnSpcReduction="10000"/>
+          </a:bodyPr>
+          <a:lstStyle/>
+          <a:p>
+            <a:pPr>
+              <a:buFont typeface="Wingdings" panose="05000000000000000000" pitchFamily="2" charset="2"/>
+              <a:buChar char="Ø"/>
+            </a:pPr>
+            <a:r>
+              <a:rPr lang="en-US" b="1" dirty="0"/>
+              <a:t>Example:</a:t>
+            </a:r>
+          </a:p>
+          <a:p>
+            <a:r>
+              <a:rPr lang="en-IN" dirty="0"/>
+              <a:t>let </a:t>
+            </a:r>
+            <a:r>
+              <a:rPr lang="en-IN" dirty="0" err="1"/>
+              <a:t>notSure</a:t>
+            </a:r>
+            <a:r>
+              <a:rPr lang="en-IN" dirty="0"/>
+              <a:t>: unknown = 4;</a:t>
+            </a:r>
+          </a:p>
+          <a:p>
+            <a:r>
+              <a:rPr lang="en-IN" dirty="0" err="1"/>
+              <a:t>notSure</a:t>
+            </a:r>
+            <a:r>
+              <a:rPr lang="en-IN" dirty="0"/>
+              <a:t> = "maybe a string instead</a:t>
+            </a:r>
+            <a:r>
+              <a:rPr lang="en-IN" dirty="0" smtClean="0"/>
+              <a:t>";</a:t>
+            </a:r>
+            <a:endParaRPr lang="en-IN" dirty="0"/>
+          </a:p>
+          <a:p>
+            <a:pPr marL="0" indent="0">
+              <a:buNone/>
+            </a:pPr>
+            <a:r>
+              <a:rPr lang="en-IN" dirty="0" smtClean="0"/>
+              <a:t>// </a:t>
+            </a:r>
+            <a:r>
+              <a:rPr lang="en-IN" dirty="0"/>
+              <a:t>OK, definitely a </a:t>
+            </a:r>
+            <a:r>
+              <a:rPr lang="en-IN" dirty="0" err="1"/>
+              <a:t>boolean</a:t>
+            </a:r>
+            <a:endParaRPr lang="en-IN" dirty="0"/>
+          </a:p>
+          <a:p>
+            <a:r>
+              <a:rPr lang="en-IN" dirty="0" err="1"/>
+              <a:t>notSure</a:t>
+            </a:r>
+            <a:r>
+              <a:rPr lang="en-IN" dirty="0"/>
+              <a:t> = false;</a:t>
+            </a:r>
+          </a:p>
+          <a:p>
+            <a:endParaRPr lang="en-IN" dirty="0" smtClean="0"/>
+          </a:p>
+          <a:p>
+            <a:pPr marL="0" indent="0">
+              <a:buNone/>
+            </a:pPr>
+            <a:endParaRPr lang="en-IN" dirty="0"/>
+          </a:p>
+        </p:txBody>
+      </p:sp>
+    </p:spTree>
+    <p:extLst>
+      <p:ext uri="{BB962C8B-B14F-4D97-AF65-F5344CB8AC3E}">
+        <p14:creationId xmlns:p14="http://schemas.microsoft.com/office/powerpoint/2010/main" val="3836736420"/>
+      </p:ext>
+    </p:extLst>
+  </p:cSld>
+  <p:clrMapOvr>
+    <a:masterClrMapping/>
+  </p:clrMapOvr>
+</p:sld>
+</file>
+
+<file path=ppt/slides/slide18.xml><?xml version="1.0" encoding="utf-8"?>
+<p:sld xmlns:a="http://schemas.openxmlformats.org/drawingml/2006/main" xmlns:r="http://schemas.openxmlformats.org/officeDocument/2006/relationships" xmlns:p="http://schemas.openxmlformats.org/presentationml/2006/main">
+  <p:cSld>
+    <p:spTree>
+      <p:nvGrpSpPr>
+        <p:cNvPr id="1" name=""/>
+        <p:cNvGrpSpPr/>
+        <p:nvPr/>
+      </p:nvGrpSpPr>
+      <p:grpSpPr>
+        <a:xfrm>
+          <a:off x="0" y="0"/>
+          <a:ext cx="0" cy="0"/>
+          <a:chOff x="0" y="0"/>
+          <a:chExt cx="0" cy="0"/>
+        </a:xfrm>
+      </p:grpSpPr>
+      <p:sp>
+        <p:nvSpPr>
+          <p:cNvPr id="2" name="Title 1"/>
+          <p:cNvSpPr>
+            <a:spLocks noGrp="1"/>
+          </p:cNvSpPr>
+          <p:nvPr>
+            <p:ph type="title"/>
+          </p:nvPr>
+        </p:nvSpPr>
+        <p:spPr>
+          <a:xfrm>
+            <a:off x="1484311" y="685800"/>
+            <a:ext cx="10018713" cy="1293125"/>
+          </a:xfrm>
+        </p:spPr>
+        <p:txBody>
+          <a:bodyPr/>
+          <a:lstStyle/>
+          <a:p>
+            <a:r>
+              <a:rPr lang="en-IN" dirty="0" smtClean="0"/>
+              <a:t>Data Types in TypeScript</a:t>
+            </a:r>
+            <a:endParaRPr lang="en-IN" dirty="0"/>
+          </a:p>
+        </p:txBody>
+      </p:sp>
+      <p:sp>
+        <p:nvSpPr>
+          <p:cNvPr id="3" name="Content Placeholder 2"/>
+          <p:cNvSpPr>
+            <a:spLocks noGrp="1"/>
+          </p:cNvSpPr>
+          <p:nvPr>
+            <p:ph sz="half" idx="1"/>
+          </p:nvPr>
+        </p:nvSpPr>
+        <p:spPr>
+          <a:xfrm>
+            <a:off x="1484312" y="1774210"/>
+            <a:ext cx="4861897" cy="4844954"/>
+          </a:xfrm>
+        </p:spPr>
+        <p:txBody>
+          <a:bodyPr>
+            <a:normAutofit fontScale="85000" lnSpcReduction="10000"/>
+          </a:bodyPr>
+          <a:lstStyle/>
+          <a:p>
+            <a:pPr>
+              <a:lnSpc>
+                <a:spcPct val="110000"/>
+              </a:lnSpc>
+              <a:buFont typeface="Wingdings" panose="05000000000000000000" pitchFamily="2" charset="2"/>
+              <a:buChar char="Ø"/>
+            </a:pPr>
+            <a:r>
+              <a:rPr lang="en-US" sz="2800" dirty="0" smtClean="0"/>
+              <a:t>Any:</a:t>
+            </a:r>
+            <a:endParaRPr lang="en-US" sz="2800" dirty="0"/>
+          </a:p>
+          <a:p>
+            <a:pPr lvl="1"/>
+            <a:r>
+              <a:rPr lang="en-IN" sz="1900" dirty="0"/>
+              <a:t>In some situations, not all type information is available or its declaration would take an inappropriate amount of effort. These may occur for values from code that has been written without TypeScript or a 3rd party library. In these cases, we might want to opt-out of type checking. To do so, we label these values with the any </a:t>
+            </a:r>
+            <a:r>
+              <a:rPr lang="en-IN" sz="1900" dirty="0" smtClean="0"/>
+              <a:t>type.</a:t>
+            </a:r>
+          </a:p>
+          <a:p>
+            <a:pPr lvl="1"/>
+            <a:r>
+              <a:rPr lang="en-IN" sz="1900" dirty="0"/>
+              <a:t>The any type is a powerful way to work with existing JavaScript, allowing you to gradually opt-in and opt-out of type checking during compilation</a:t>
+            </a:r>
+            <a:r>
+              <a:rPr lang="en-IN" sz="1900" dirty="0" smtClean="0"/>
+              <a:t>.</a:t>
+            </a:r>
+            <a:endParaRPr lang="en-IN" sz="1900" dirty="0"/>
+          </a:p>
+          <a:p>
+            <a:pPr lvl="1"/>
+            <a:r>
+              <a:rPr lang="en-IN" sz="1900" dirty="0"/>
+              <a:t>Unlike unknown, variables of type any allow you to access arbitrary properties, even ones that don’t exist. These properties include functions and TypeScript will not check their existence or type:</a:t>
+            </a:r>
+            <a:endParaRPr lang="en-IN" sz="1900" dirty="0" smtClean="0"/>
+          </a:p>
+        </p:txBody>
+      </p:sp>
+      <p:sp>
+        <p:nvSpPr>
+          <p:cNvPr id="4" name="Content Placeholder 3"/>
+          <p:cNvSpPr>
+            <a:spLocks noGrp="1"/>
+          </p:cNvSpPr>
+          <p:nvPr>
+            <p:ph sz="half" idx="2"/>
+          </p:nvPr>
+        </p:nvSpPr>
+        <p:spPr>
+          <a:xfrm>
+            <a:off x="6607968" y="1978925"/>
+            <a:ext cx="4895056" cy="3903260"/>
+          </a:xfrm>
+        </p:spPr>
+        <p:txBody>
+          <a:bodyPr>
+            <a:normAutofit fontScale="85000" lnSpcReduction="10000"/>
+          </a:bodyPr>
+          <a:lstStyle/>
+          <a:p>
+            <a:pPr>
+              <a:buFont typeface="Wingdings" panose="05000000000000000000" pitchFamily="2" charset="2"/>
+              <a:buChar char="Ø"/>
+            </a:pPr>
+            <a:r>
+              <a:rPr lang="en-US" b="1" dirty="0"/>
+              <a:t>Example:</a:t>
+            </a:r>
+          </a:p>
+          <a:p>
+            <a:r>
+              <a:rPr lang="en-IN" dirty="0"/>
+              <a:t>declare function </a:t>
+            </a:r>
+            <a:r>
+              <a:rPr lang="en-IN" dirty="0" err="1"/>
+              <a:t>getValue</a:t>
+            </a:r>
+            <a:r>
+              <a:rPr lang="en-IN" dirty="0"/>
+              <a:t>(key: string): any;</a:t>
+            </a:r>
+          </a:p>
+          <a:p>
+            <a:pPr marL="0" indent="0">
+              <a:buNone/>
+            </a:pPr>
+            <a:r>
+              <a:rPr lang="en-IN" dirty="0"/>
+              <a:t>// OK, return value of '</a:t>
+            </a:r>
+            <a:r>
+              <a:rPr lang="en-IN" dirty="0" err="1"/>
+              <a:t>getValue</a:t>
+            </a:r>
+            <a:r>
+              <a:rPr lang="en-IN" dirty="0"/>
+              <a:t>' is not checked</a:t>
+            </a:r>
+          </a:p>
+          <a:p>
+            <a:r>
+              <a:rPr lang="en-IN" dirty="0" err="1"/>
+              <a:t>const</a:t>
+            </a:r>
+            <a:r>
+              <a:rPr lang="en-IN" dirty="0"/>
+              <a:t> </a:t>
+            </a:r>
+            <a:r>
+              <a:rPr lang="en-IN" dirty="0" err="1"/>
+              <a:t>str</a:t>
+            </a:r>
+            <a:r>
+              <a:rPr lang="en-IN" dirty="0"/>
+              <a:t>: string = </a:t>
+            </a:r>
+            <a:r>
+              <a:rPr lang="en-IN" dirty="0" err="1"/>
+              <a:t>getValue</a:t>
+            </a:r>
+            <a:r>
+              <a:rPr lang="en-IN" dirty="0"/>
+              <a:t>("</a:t>
+            </a:r>
+            <a:r>
+              <a:rPr lang="en-IN" dirty="0" err="1"/>
+              <a:t>myString</a:t>
+            </a:r>
+            <a:r>
+              <a:rPr lang="en-IN" dirty="0" smtClean="0"/>
+              <a:t>");</a:t>
+            </a:r>
+          </a:p>
+          <a:p>
+            <a:r>
+              <a:rPr lang="en-IN" dirty="0"/>
+              <a:t>let </a:t>
+            </a:r>
+            <a:r>
+              <a:rPr lang="en-IN" dirty="0" err="1"/>
+              <a:t>looselyTyped</a:t>
+            </a:r>
+            <a:r>
+              <a:rPr lang="en-IN" dirty="0"/>
+              <a:t>: any = 4;</a:t>
+            </a:r>
+          </a:p>
+          <a:p>
+            <a:pPr marL="0" indent="0">
+              <a:buNone/>
+            </a:pPr>
+            <a:r>
+              <a:rPr lang="en-IN" dirty="0"/>
+              <a:t>// OK, </a:t>
+            </a:r>
+            <a:r>
+              <a:rPr lang="en-IN" dirty="0" err="1"/>
+              <a:t>ifItExists</a:t>
+            </a:r>
+            <a:r>
+              <a:rPr lang="en-IN" dirty="0"/>
+              <a:t> might exist at runtime</a:t>
+            </a:r>
+          </a:p>
+          <a:p>
+            <a:r>
+              <a:rPr lang="en-IN" dirty="0" err="1"/>
+              <a:t>looselyTyped.ifItExists</a:t>
+            </a:r>
+            <a:r>
+              <a:rPr lang="en-IN" dirty="0"/>
+              <a:t>();</a:t>
+            </a:r>
+          </a:p>
+          <a:p>
+            <a:pPr marL="0" indent="0">
+              <a:buNone/>
+            </a:pPr>
+            <a:r>
+              <a:rPr lang="en-IN" dirty="0"/>
+              <a:t>// OK, </a:t>
+            </a:r>
+            <a:r>
+              <a:rPr lang="en-IN" dirty="0" err="1"/>
+              <a:t>toFixed</a:t>
+            </a:r>
+            <a:r>
+              <a:rPr lang="en-IN" dirty="0"/>
+              <a:t> exists (but the compiler doesn't check)</a:t>
+            </a:r>
+          </a:p>
+          <a:p>
+            <a:r>
+              <a:rPr lang="en-IN" dirty="0" err="1"/>
+              <a:t>looselyTyped.toFixed</a:t>
+            </a:r>
+            <a:r>
+              <a:rPr lang="en-IN" dirty="0" smtClean="0"/>
+              <a:t>();</a:t>
+            </a:r>
+          </a:p>
+        </p:txBody>
+      </p:sp>
+    </p:spTree>
+    <p:extLst>
+      <p:ext uri="{BB962C8B-B14F-4D97-AF65-F5344CB8AC3E}">
+        <p14:creationId xmlns:p14="http://schemas.microsoft.com/office/powerpoint/2010/main" val="971785208"/>
+      </p:ext>
+    </p:extLst>
+  </p:cSld>
+  <p:clrMapOvr>
+    <a:masterClrMapping/>
+  </p:clrMapOvr>
+</p:sld>
+</file>
+
+<file path=ppt/slides/slide19.xml><?xml version="1.0" encoding="utf-8"?>
+<p:sld xmlns:a="http://schemas.openxmlformats.org/drawingml/2006/main" xmlns:r="http://schemas.openxmlformats.org/officeDocument/2006/relationships" xmlns:p="http://schemas.openxmlformats.org/presentationml/2006/main">
+  <p:cSld>
+    <p:spTree>
+      <p:nvGrpSpPr>
+        <p:cNvPr id="1" name=""/>
+        <p:cNvGrpSpPr/>
+        <p:nvPr/>
+      </p:nvGrpSpPr>
+      <p:grpSpPr>
+        <a:xfrm>
+          <a:off x="0" y="0"/>
+          <a:ext cx="0" cy="0"/>
+          <a:chOff x="0" y="0"/>
+          <a:chExt cx="0" cy="0"/>
+        </a:xfrm>
+      </p:grpSpPr>
+      <p:sp>
+        <p:nvSpPr>
+          <p:cNvPr id="2" name="Title 1"/>
+          <p:cNvSpPr>
+            <a:spLocks noGrp="1"/>
+          </p:cNvSpPr>
+          <p:nvPr>
+            <p:ph type="title"/>
+          </p:nvPr>
+        </p:nvSpPr>
+        <p:spPr>
+          <a:xfrm>
+            <a:off x="1484311" y="685800"/>
+            <a:ext cx="10018713" cy="1293125"/>
+          </a:xfrm>
+        </p:spPr>
+        <p:txBody>
+          <a:bodyPr/>
+          <a:lstStyle/>
+          <a:p>
+            <a:r>
+              <a:rPr lang="en-IN" dirty="0" smtClean="0"/>
+              <a:t>Data Types in TypeScript</a:t>
+            </a:r>
+            <a:endParaRPr lang="en-IN" dirty="0"/>
+          </a:p>
+        </p:txBody>
+      </p:sp>
+      <p:sp>
+        <p:nvSpPr>
+          <p:cNvPr id="3" name="Content Placeholder 2"/>
+          <p:cNvSpPr>
+            <a:spLocks noGrp="1"/>
+          </p:cNvSpPr>
+          <p:nvPr>
+            <p:ph sz="half" idx="1"/>
+          </p:nvPr>
+        </p:nvSpPr>
+        <p:spPr>
+          <a:xfrm>
+            <a:off x="1484312" y="1774210"/>
+            <a:ext cx="4861897" cy="4844954"/>
+          </a:xfrm>
+        </p:spPr>
+        <p:txBody>
+          <a:bodyPr>
+            <a:normAutofit/>
+          </a:bodyPr>
+          <a:lstStyle/>
+          <a:p>
+            <a:pPr>
+              <a:lnSpc>
+                <a:spcPct val="110000"/>
+              </a:lnSpc>
+              <a:buFont typeface="Wingdings" panose="05000000000000000000" pitchFamily="2" charset="2"/>
+              <a:buChar char="Ø"/>
+            </a:pPr>
+            <a:r>
+              <a:rPr lang="en-US" sz="2800" dirty="0" smtClean="0"/>
+              <a:t>Void:</a:t>
+            </a:r>
+            <a:endParaRPr lang="en-US" sz="2800" dirty="0"/>
+          </a:p>
+          <a:p>
+            <a:pPr lvl="1"/>
+            <a:r>
+              <a:rPr lang="en-IN" sz="1900" dirty="0"/>
+              <a:t>void is a little like the opposite of any: the absence of having any type at all. You may commonly see this as the return type of functions that do not return a </a:t>
+            </a:r>
+            <a:r>
+              <a:rPr lang="en-IN" sz="1900" dirty="0" smtClean="0"/>
+              <a:t>value.</a:t>
+            </a:r>
+          </a:p>
+          <a:p>
+            <a:pPr lvl="1"/>
+            <a:r>
+              <a:rPr lang="en-IN" sz="1900" dirty="0"/>
+              <a:t>Declaring variables of type void is not useful because you can only assign null (only if --</a:t>
+            </a:r>
+            <a:r>
+              <a:rPr lang="en-IN" sz="1900" dirty="0" err="1"/>
+              <a:t>strictNullChecks</a:t>
+            </a:r>
+            <a:r>
+              <a:rPr lang="en-IN" sz="1900" dirty="0"/>
+              <a:t> is not specified, see next section) or undefined to them:</a:t>
+            </a:r>
+            <a:endParaRPr lang="en-IN" sz="1900" dirty="0" smtClean="0"/>
+          </a:p>
+          <a:p>
+            <a:pPr lvl="1"/>
+            <a:endParaRPr lang="en-IN" sz="1900" dirty="0" smtClean="0"/>
+          </a:p>
+        </p:txBody>
+      </p:sp>
+      <p:sp>
+        <p:nvSpPr>
+          <p:cNvPr id="4" name="Content Placeholder 3"/>
+          <p:cNvSpPr>
+            <a:spLocks noGrp="1"/>
+          </p:cNvSpPr>
+          <p:nvPr>
+            <p:ph sz="half" idx="2"/>
+          </p:nvPr>
+        </p:nvSpPr>
+        <p:spPr>
+          <a:xfrm>
+            <a:off x="6607968" y="1978925"/>
+            <a:ext cx="4895056" cy="3903260"/>
+          </a:xfrm>
+        </p:spPr>
+        <p:txBody>
+          <a:bodyPr>
+            <a:normAutofit/>
+          </a:bodyPr>
+          <a:lstStyle/>
+          <a:p>
+            <a:pPr>
+              <a:buFont typeface="Wingdings" panose="05000000000000000000" pitchFamily="2" charset="2"/>
+              <a:buChar char="Ø"/>
+            </a:pPr>
+            <a:r>
+              <a:rPr lang="en-US" b="1" dirty="0"/>
+              <a:t>Example:</a:t>
+            </a:r>
+          </a:p>
+          <a:p>
+            <a:r>
+              <a:rPr lang="en-IN" dirty="0"/>
+              <a:t>function </a:t>
+            </a:r>
+            <a:r>
+              <a:rPr lang="en-IN" dirty="0" err="1"/>
+              <a:t>warnUser</a:t>
+            </a:r>
+            <a:r>
+              <a:rPr lang="en-IN" dirty="0"/>
+              <a:t>(): void </a:t>
+            </a:r>
+            <a:r>
+              <a:rPr lang="en-IN" dirty="0" smtClean="0"/>
+              <a:t>{</a:t>
+            </a:r>
+          </a:p>
+          <a:p>
+            <a:pPr marL="0" indent="0">
+              <a:buNone/>
+            </a:pPr>
+            <a:r>
+              <a:rPr lang="en-IN" dirty="0" smtClean="0"/>
+              <a:t>  </a:t>
+            </a:r>
+            <a:r>
+              <a:rPr lang="en-IN" dirty="0"/>
+              <a:t>console.log("This is my warning message");</a:t>
+            </a:r>
+          </a:p>
+          <a:p>
+            <a:pPr marL="0" indent="0">
+              <a:buNone/>
+            </a:pPr>
+            <a:r>
+              <a:rPr lang="en-IN" dirty="0" smtClean="0"/>
+              <a:t>}</a:t>
+            </a:r>
+          </a:p>
+          <a:p>
+            <a:r>
+              <a:rPr lang="en-IN" dirty="0"/>
+              <a:t>let unusable: void = undefined;</a:t>
+            </a:r>
+          </a:p>
+          <a:p>
+            <a:pPr marL="0" indent="0">
+              <a:buNone/>
+            </a:pPr>
+            <a:r>
+              <a:rPr lang="en-IN" dirty="0"/>
+              <a:t>// OK if `--</a:t>
+            </a:r>
+            <a:r>
+              <a:rPr lang="en-IN" dirty="0" err="1"/>
+              <a:t>strictNullChecks</a:t>
+            </a:r>
+            <a:r>
+              <a:rPr lang="en-IN" dirty="0"/>
+              <a:t>` is not given</a:t>
+            </a:r>
+          </a:p>
+          <a:p>
+            <a:r>
+              <a:rPr lang="en-IN" dirty="0"/>
+              <a:t>unusable = null;</a:t>
+            </a:r>
+          </a:p>
+        </p:txBody>
+      </p:sp>
+    </p:spTree>
+    <p:extLst>
+      <p:ext uri="{BB962C8B-B14F-4D97-AF65-F5344CB8AC3E}">
+        <p14:creationId xmlns:p14="http://schemas.microsoft.com/office/powerpoint/2010/main" val="4110350557"/>
+      </p:ext>
+    </p:extLst>
+  </p:cSld>
+  <p:clrMapOvr>
+    <a:masterClrMapping/>
+  </p:clrMapOvr>
+</p:sld>
+</file>
+
 <file path=ppt/slides/slide2.xml><?xml version="1.0" encoding="utf-8"?>
 <p:sld xmlns:a="http://schemas.openxmlformats.org/drawingml/2006/main" xmlns:r="http://schemas.openxmlformats.org/officeDocument/2006/relationships" xmlns:p="http://schemas.openxmlformats.org/presentationml/2006/main">
   <p:cSld>
@@ -7472,6 +9594,1828 @@
 </p:sld>
 </file>
 
+<file path=ppt/slides/slide20.xml><?xml version="1.0" encoding="utf-8"?>
+<p:sld xmlns:a="http://schemas.openxmlformats.org/drawingml/2006/main" xmlns:r="http://schemas.openxmlformats.org/officeDocument/2006/relationships" xmlns:p="http://schemas.openxmlformats.org/presentationml/2006/main">
+  <p:cSld>
+    <p:spTree>
+      <p:nvGrpSpPr>
+        <p:cNvPr id="1" name=""/>
+        <p:cNvGrpSpPr/>
+        <p:nvPr/>
+      </p:nvGrpSpPr>
+      <p:grpSpPr>
+        <a:xfrm>
+          <a:off x="0" y="0"/>
+          <a:ext cx="0" cy="0"/>
+          <a:chOff x="0" y="0"/>
+          <a:chExt cx="0" cy="0"/>
+        </a:xfrm>
+      </p:grpSpPr>
+      <p:sp>
+        <p:nvSpPr>
+          <p:cNvPr id="2" name="Title 1"/>
+          <p:cNvSpPr>
+            <a:spLocks noGrp="1"/>
+          </p:cNvSpPr>
+          <p:nvPr>
+            <p:ph type="title"/>
+          </p:nvPr>
+        </p:nvSpPr>
+        <p:spPr/>
+        <p:txBody>
+          <a:bodyPr/>
+          <a:lstStyle/>
+          <a:p>
+            <a:r>
+              <a:rPr lang="en-IN" dirty="0"/>
+              <a:t>Data Types in TypeScript</a:t>
+            </a:r>
+          </a:p>
+        </p:txBody>
+      </p:sp>
+      <p:sp>
+        <p:nvSpPr>
+          <p:cNvPr id="3" name="Content Placeholder 2"/>
+          <p:cNvSpPr>
+            <a:spLocks noGrp="1"/>
+          </p:cNvSpPr>
+          <p:nvPr>
+            <p:ph sz="half" idx="1"/>
+          </p:nvPr>
+        </p:nvSpPr>
+        <p:spPr/>
+        <p:txBody>
+          <a:bodyPr/>
+          <a:lstStyle/>
+          <a:p>
+            <a:r>
+              <a:rPr lang="en-IN" sz="2800" dirty="0"/>
+              <a:t>Null and Undefined</a:t>
+            </a:r>
+          </a:p>
+          <a:p>
+            <a:r>
+              <a:rPr lang="en-IN" sz="2800" dirty="0"/>
+              <a:t>Never</a:t>
+            </a:r>
+          </a:p>
+          <a:p>
+            <a:r>
+              <a:rPr lang="en-IN" sz="2800" dirty="0"/>
+              <a:t>Object</a:t>
+            </a:r>
+          </a:p>
+          <a:p>
+            <a:endParaRPr lang="en-IN" dirty="0"/>
+          </a:p>
+        </p:txBody>
+      </p:sp>
+      <p:sp>
+        <p:nvSpPr>
+          <p:cNvPr id="4" name="Content Placeholder 3"/>
+          <p:cNvSpPr>
+            <a:spLocks noGrp="1"/>
+          </p:cNvSpPr>
+          <p:nvPr>
+            <p:ph sz="half" idx="2"/>
+          </p:nvPr>
+        </p:nvSpPr>
+        <p:spPr/>
+        <p:txBody>
+          <a:bodyPr/>
+          <a:lstStyle/>
+          <a:p>
+            <a:r>
+              <a:rPr lang="en-IN" dirty="0"/>
+              <a:t>let u: undefined = undefined;</a:t>
+            </a:r>
+          </a:p>
+          <a:p>
+            <a:r>
+              <a:rPr lang="en-IN" dirty="0"/>
+              <a:t>let n: null = null;</a:t>
+            </a:r>
+          </a:p>
+          <a:p>
+            <a:r>
+              <a:rPr lang="en-IN" dirty="0"/>
+              <a:t>function error(message: string): never {</a:t>
+            </a:r>
+          </a:p>
+          <a:p>
+            <a:pPr marL="0" indent="0">
+              <a:buNone/>
+            </a:pPr>
+            <a:r>
+              <a:rPr lang="en-IN" dirty="0"/>
+              <a:t>throw new Error(message);</a:t>
+            </a:r>
+          </a:p>
+          <a:p>
+            <a:pPr marL="0" indent="0">
+              <a:buNone/>
+            </a:pPr>
+            <a:r>
+              <a:rPr lang="en-IN" dirty="0" smtClean="0"/>
+              <a:t>}</a:t>
+            </a:r>
+          </a:p>
+          <a:p>
+            <a:r>
+              <a:rPr lang="en-IN" dirty="0"/>
+              <a:t>declare function create(o: object | null): void;</a:t>
+            </a:r>
+          </a:p>
+          <a:p>
+            <a:endParaRPr lang="en-IN" dirty="0"/>
+          </a:p>
+        </p:txBody>
+      </p:sp>
+    </p:spTree>
+    <p:extLst>
+      <p:ext uri="{BB962C8B-B14F-4D97-AF65-F5344CB8AC3E}">
+        <p14:creationId xmlns:p14="http://schemas.microsoft.com/office/powerpoint/2010/main" val="1980287061"/>
+      </p:ext>
+    </p:extLst>
+  </p:cSld>
+  <p:clrMapOvr>
+    <a:masterClrMapping/>
+  </p:clrMapOvr>
+</p:sld>
+</file>
+
+<file path=ppt/slides/slide21.xml><?xml version="1.0" encoding="utf-8"?>
+<p:sld xmlns:a="http://schemas.openxmlformats.org/drawingml/2006/main" xmlns:r="http://schemas.openxmlformats.org/officeDocument/2006/relationships" xmlns:p="http://schemas.openxmlformats.org/presentationml/2006/main">
+  <p:cSld>
+    <p:spTree>
+      <p:nvGrpSpPr>
+        <p:cNvPr id="1" name=""/>
+        <p:cNvGrpSpPr/>
+        <p:nvPr/>
+      </p:nvGrpSpPr>
+      <p:grpSpPr>
+        <a:xfrm>
+          <a:off x="0" y="0"/>
+          <a:ext cx="0" cy="0"/>
+          <a:chOff x="0" y="0"/>
+          <a:chExt cx="0" cy="0"/>
+        </a:xfrm>
+      </p:grpSpPr>
+      <p:sp>
+        <p:nvSpPr>
+          <p:cNvPr id="4" name="Title 3"/>
+          <p:cNvSpPr>
+            <a:spLocks noGrp="1"/>
+          </p:cNvSpPr>
+          <p:nvPr>
+            <p:ph type="title"/>
+          </p:nvPr>
+        </p:nvSpPr>
+        <p:spPr>
+          <a:xfrm>
+            <a:off x="1347833" y="290015"/>
+            <a:ext cx="10018713" cy="1074761"/>
+          </a:xfrm>
+        </p:spPr>
+        <p:txBody>
+          <a:bodyPr/>
+          <a:lstStyle/>
+          <a:p>
+            <a:r>
+              <a:rPr lang="en-IN" dirty="0" smtClean="0"/>
+              <a:t>Assignment Statements</a:t>
+            </a:r>
+            <a:r>
+              <a:rPr lang="en-IN" dirty="0"/>
+              <a:t> </a:t>
+            </a:r>
+            <a:r>
+              <a:rPr lang="en-IN" dirty="0" smtClean="0"/>
+              <a:t> </a:t>
+            </a:r>
+            <a:r>
+              <a:rPr lang="en-IN" dirty="0"/>
+              <a:t>in TypeScript</a:t>
+            </a:r>
+          </a:p>
+        </p:txBody>
+      </p:sp>
+      <p:sp>
+        <p:nvSpPr>
+          <p:cNvPr id="5" name="Content Placeholder 4"/>
+          <p:cNvSpPr>
+            <a:spLocks noGrp="1"/>
+          </p:cNvSpPr>
+          <p:nvPr>
+            <p:ph idx="1"/>
+          </p:nvPr>
+        </p:nvSpPr>
+        <p:spPr>
+          <a:xfrm>
+            <a:off x="1347833" y="1561530"/>
+            <a:ext cx="10018713" cy="4962100"/>
+          </a:xfrm>
+        </p:spPr>
+        <p:txBody>
+          <a:bodyPr/>
+          <a:lstStyle/>
+          <a:p>
+            <a:r>
+              <a:rPr lang="en-IN" dirty="0"/>
+              <a:t>Assignment operators are used to assign values to variables. </a:t>
+            </a:r>
+          </a:p>
+          <a:p>
+            <a:r>
+              <a:rPr lang="en-IN" dirty="0"/>
+              <a:t>This type of statement consists of a variable name, an assignment operator, and an expression.</a:t>
+            </a:r>
+          </a:p>
+          <a:p>
+            <a:r>
+              <a:rPr lang="en-IN" dirty="0"/>
+              <a:t>When appropriate, you can declare a variable and assign a value to it in a single statement. </a:t>
+            </a:r>
+            <a:endParaRPr lang="en-IN" dirty="0" smtClean="0"/>
+          </a:p>
+          <a:p>
+            <a:r>
+              <a:rPr lang="en-IN" dirty="0"/>
+              <a:t>In assignment expressions, the right-hand expression is contextually typed by the type of the left-hand expression.</a:t>
+            </a:r>
+            <a:endParaRPr lang="en-IN" dirty="0" smtClean="0"/>
+          </a:p>
+          <a:p>
+            <a:endParaRPr lang="en-IN" dirty="0"/>
+          </a:p>
+        </p:txBody>
+      </p:sp>
+    </p:spTree>
+    <p:extLst>
+      <p:ext uri="{BB962C8B-B14F-4D97-AF65-F5344CB8AC3E}">
+        <p14:creationId xmlns:p14="http://schemas.microsoft.com/office/powerpoint/2010/main" val="4106557255"/>
+      </p:ext>
+    </p:extLst>
+  </p:cSld>
+  <p:clrMapOvr>
+    <a:masterClrMapping/>
+  </p:clrMapOvr>
+</p:sld>
+</file>
+
+<file path=ppt/slides/slide22.xml><?xml version="1.0" encoding="utf-8"?>
+<p:sld xmlns:a="http://schemas.openxmlformats.org/drawingml/2006/main" xmlns:r="http://schemas.openxmlformats.org/officeDocument/2006/relationships" xmlns:p="http://schemas.openxmlformats.org/presentationml/2006/main">
+  <p:cSld>
+    <p:spTree>
+      <p:nvGrpSpPr>
+        <p:cNvPr id="1" name=""/>
+        <p:cNvGrpSpPr/>
+        <p:nvPr/>
+      </p:nvGrpSpPr>
+      <p:grpSpPr>
+        <a:xfrm>
+          <a:off x="0" y="0"/>
+          <a:ext cx="0" cy="0"/>
+          <a:chOff x="0" y="0"/>
+          <a:chExt cx="0" cy="0"/>
+        </a:xfrm>
+      </p:grpSpPr>
+      <p:sp>
+        <p:nvSpPr>
+          <p:cNvPr id="2" name="Title 1"/>
+          <p:cNvSpPr>
+            <a:spLocks noGrp="1"/>
+          </p:cNvSpPr>
+          <p:nvPr>
+            <p:ph type="title"/>
+          </p:nvPr>
+        </p:nvSpPr>
+        <p:spPr>
+          <a:xfrm>
+            <a:off x="1416072" y="98947"/>
+            <a:ext cx="10018713" cy="1129352"/>
+          </a:xfrm>
+        </p:spPr>
+        <p:txBody>
+          <a:bodyPr/>
+          <a:lstStyle/>
+          <a:p>
+            <a:r>
+              <a:rPr lang="en-IN" dirty="0" smtClean="0"/>
+              <a:t>Assignment Statements in TypeScript</a:t>
+            </a:r>
+            <a:endParaRPr lang="en-IN" dirty="0"/>
+          </a:p>
+        </p:txBody>
+      </p:sp>
+      <p:graphicFrame>
+        <p:nvGraphicFramePr>
+          <p:cNvPr id="6" name="Content Placeholder 5"/>
+          <p:cNvGraphicFramePr>
+            <a:graphicFrameLocks noGrp="1"/>
+          </p:cNvGraphicFramePr>
+          <p:nvPr>
+            <p:ph idx="1"/>
+            <p:extLst>
+              <p:ext uri="{D42A27DB-BD31-4B8C-83A1-F6EECF244321}">
+                <p14:modId xmlns:p14="http://schemas.microsoft.com/office/powerpoint/2010/main" val="2478628526"/>
+              </p:ext>
+            </p:extLst>
+          </p:nvPr>
+        </p:nvGraphicFramePr>
+        <p:xfrm>
+          <a:off x="1965278" y="1228295"/>
+          <a:ext cx="9212237" cy="4817662"/>
+        </p:xfrm>
+        <a:graphic>
+          <a:graphicData uri="http://schemas.openxmlformats.org/drawingml/2006/table">
+            <a:tbl>
+              <a:tblPr/>
+              <a:tblGrid>
+                <a:gridCol w="1720893"/>
+                <a:gridCol w="1129516"/>
+                <a:gridCol w="6361828"/>
+              </a:tblGrid>
+              <a:tr h="481766">
+                <a:tc>
+                  <a:txBody>
+                    <a:bodyPr/>
+                    <a:lstStyle/>
+                    <a:p>
+                      <a:r>
+                        <a:rPr lang="en-IN" sz="1600" dirty="0" smtClean="0">
+                          <a:solidFill>
+                            <a:srgbClr val="FFFFFF"/>
+                          </a:solidFill>
+                          <a:effectLst/>
+                        </a:rPr>
+                        <a:t>Operator</a:t>
+                      </a:r>
+                      <a:endParaRPr lang="en-IN" sz="1600" dirty="0"/>
+                    </a:p>
+                  </a:txBody>
+                  <a:tcPr marL="31242" marR="31242" marT="15621" marB="15621" anchor="ctr">
+                    <a:lnL>
+                      <a:noFill/>
+                    </a:lnL>
+                    <a:lnR w="9525" cap="flat" cmpd="sng" algn="ctr">
+                      <a:solidFill>
+                        <a:srgbClr val="ABABAB"/>
+                      </a:solidFill>
+                      <a:prstDash val="dash"/>
+                      <a:round/>
+                      <a:headEnd type="none" w="med" len="med"/>
+                      <a:tailEnd type="none" w="med" len="med"/>
+                    </a:lnR>
+                    <a:lnT>
+                      <a:noFill/>
+                    </a:lnT>
+                    <a:lnB w="9525" cap="flat" cmpd="sng" algn="ctr">
+                      <a:solidFill>
+                        <a:srgbClr val="ABABAB"/>
+                      </a:solidFill>
+                      <a:prstDash val="dash"/>
+                      <a:round/>
+                      <a:headEnd type="none" w="med" len="med"/>
+                      <a:tailEnd type="none" w="med" len="med"/>
+                    </a:lnB>
+                    <a:solidFill>
+                      <a:srgbClr val="0270BF"/>
+                    </a:solidFill>
+                  </a:tcPr>
+                </a:tc>
+                <a:tc>
+                  <a:txBody>
+                    <a:bodyPr/>
+                    <a:lstStyle/>
+                    <a:p>
+                      <a:r>
+                        <a:rPr lang="en-IN" sz="1600">
+                          <a:solidFill>
+                            <a:srgbClr val="FFFFFF"/>
+                          </a:solidFill>
+                          <a:effectLst/>
+                        </a:rPr>
+                        <a:t>Same AS</a:t>
+                      </a:r>
+                      <a:endParaRPr lang="en-IN" sz="1600">
+                        <a:effectLst/>
+                      </a:endParaRPr>
+                    </a:p>
+                  </a:txBody>
+                  <a:tcPr marL="31242" marR="31242" marT="15621" marB="15621" anchor="ctr">
+                    <a:lnL w="9525" cap="flat" cmpd="sng" algn="ctr">
+                      <a:solidFill>
+                        <a:srgbClr val="ABABAB"/>
+                      </a:solidFill>
+                      <a:prstDash val="dash"/>
+                      <a:round/>
+                      <a:headEnd type="none" w="med" len="med"/>
+                      <a:tailEnd type="none" w="med" len="med"/>
+                    </a:lnL>
+                    <a:lnR w="9525" cap="flat" cmpd="sng" algn="ctr">
+                      <a:solidFill>
+                        <a:srgbClr val="ABABAB"/>
+                      </a:solidFill>
+                      <a:prstDash val="dash"/>
+                      <a:round/>
+                      <a:headEnd type="none" w="med" len="med"/>
+                      <a:tailEnd type="none" w="med" len="med"/>
+                    </a:lnR>
+                    <a:lnT w="9525" cap="flat" cmpd="sng" algn="ctr">
+                      <a:solidFill>
+                        <a:srgbClr val="ABABAB"/>
+                      </a:solidFill>
+                      <a:prstDash val="dash"/>
+                      <a:round/>
+                      <a:headEnd type="none" w="med" len="med"/>
+                      <a:tailEnd type="none" w="med" len="med"/>
+                    </a:lnT>
+                    <a:lnB w="9525" cap="flat" cmpd="sng" algn="ctr">
+                      <a:solidFill>
+                        <a:srgbClr val="ABABAB"/>
+                      </a:solidFill>
+                      <a:prstDash val="dash"/>
+                      <a:round/>
+                      <a:headEnd type="none" w="med" len="med"/>
+                      <a:tailEnd type="none" w="med" len="med"/>
+                    </a:lnB>
+                    <a:solidFill>
+                      <a:srgbClr val="0270BF"/>
+                    </a:solidFill>
+                  </a:tcPr>
+                </a:tc>
+                <a:tc>
+                  <a:txBody>
+                    <a:bodyPr/>
+                    <a:lstStyle/>
+                    <a:p>
+                      <a:r>
+                        <a:rPr lang="en-IN" sz="1600" dirty="0">
+                          <a:solidFill>
+                            <a:srgbClr val="FFFFFF"/>
+                          </a:solidFill>
+                          <a:effectLst/>
+                        </a:rPr>
+                        <a:t>Description</a:t>
+                      </a:r>
+                      <a:endParaRPr lang="en-IN" sz="1600" dirty="0">
+                        <a:effectLst/>
+                      </a:endParaRPr>
+                    </a:p>
+                  </a:txBody>
+                  <a:tcPr marL="31242" marR="31242" marT="15621" marB="15621" anchor="ctr">
+                    <a:lnL w="9525" cap="flat" cmpd="sng" algn="ctr">
+                      <a:solidFill>
+                        <a:srgbClr val="ABABAB"/>
+                      </a:solidFill>
+                      <a:prstDash val="dash"/>
+                      <a:round/>
+                      <a:headEnd type="none" w="med" len="med"/>
+                      <a:tailEnd type="none" w="med" len="med"/>
+                    </a:lnL>
+                    <a:lnR w="9525" cap="flat" cmpd="sng" algn="ctr">
+                      <a:solidFill>
+                        <a:srgbClr val="ABABAB"/>
+                      </a:solidFill>
+                      <a:prstDash val="dash"/>
+                      <a:round/>
+                      <a:headEnd type="none" w="med" len="med"/>
+                      <a:tailEnd type="none" w="med" len="med"/>
+                    </a:lnR>
+                    <a:lnT w="9525" cap="flat" cmpd="sng" algn="ctr">
+                      <a:solidFill>
+                        <a:srgbClr val="ABABAB"/>
+                      </a:solidFill>
+                      <a:prstDash val="dash"/>
+                      <a:round/>
+                      <a:headEnd type="none" w="med" len="med"/>
+                      <a:tailEnd type="none" w="med" len="med"/>
+                    </a:lnT>
+                    <a:lnB w="9525" cap="flat" cmpd="sng" algn="ctr">
+                      <a:solidFill>
+                        <a:srgbClr val="ABABAB"/>
+                      </a:solidFill>
+                      <a:prstDash val="dash"/>
+                      <a:round/>
+                      <a:headEnd type="none" w="med" len="med"/>
+                      <a:tailEnd type="none" w="med" len="med"/>
+                    </a:lnB>
+                    <a:solidFill>
+                      <a:srgbClr val="0270BF"/>
+                    </a:solidFill>
+                  </a:tcPr>
+                </a:tc>
+              </a:tr>
+              <a:tr h="626296">
+                <a:tc>
+                  <a:txBody>
+                    <a:bodyPr/>
+                    <a:lstStyle/>
+                    <a:p>
+                      <a:r>
+                        <a:rPr lang="en-IN" sz="1600">
+                          <a:effectLst/>
+                        </a:rPr>
+                        <a:t>x = y</a:t>
+                      </a:r>
+                    </a:p>
+                  </a:txBody>
+                  <a:tcPr marL="31242" marR="31242" marT="15621" marB="15621" anchor="ctr">
+                    <a:lnL w="9525" cap="flat" cmpd="sng" algn="ctr">
+                      <a:solidFill>
+                        <a:srgbClr val="ABABAB"/>
+                      </a:solidFill>
+                      <a:prstDash val="dash"/>
+                      <a:round/>
+                      <a:headEnd type="none" w="med" len="med"/>
+                      <a:tailEnd type="none" w="med" len="med"/>
+                    </a:lnL>
+                    <a:lnR w="9525" cap="flat" cmpd="sng" algn="ctr">
+                      <a:solidFill>
+                        <a:srgbClr val="ABABAB"/>
+                      </a:solidFill>
+                      <a:prstDash val="dash"/>
+                      <a:round/>
+                      <a:headEnd type="none" w="med" len="med"/>
+                      <a:tailEnd type="none" w="med" len="med"/>
+                    </a:lnR>
+                    <a:lnT w="9525" cap="flat" cmpd="sng" algn="ctr">
+                      <a:solidFill>
+                        <a:srgbClr val="ABABAB"/>
+                      </a:solidFill>
+                      <a:prstDash val="dash"/>
+                      <a:round/>
+                      <a:headEnd type="none" w="med" len="med"/>
+                      <a:tailEnd type="none" w="med" len="med"/>
+                    </a:lnT>
+                    <a:lnB w="9525" cap="flat" cmpd="sng" algn="ctr">
+                      <a:solidFill>
+                        <a:srgbClr val="ABABAB"/>
+                      </a:solidFill>
+                      <a:prstDash val="dash"/>
+                      <a:round/>
+                      <a:headEnd type="none" w="med" len="med"/>
+                      <a:tailEnd type="none" w="med" len="med"/>
+                    </a:lnB>
+                    <a:solidFill>
+                      <a:srgbClr val="FFFFFF"/>
+                    </a:solidFill>
+                  </a:tcPr>
+                </a:tc>
+                <a:tc>
+                  <a:txBody>
+                    <a:bodyPr/>
+                    <a:lstStyle/>
+                    <a:p>
+                      <a:r>
+                        <a:rPr lang="en-IN" sz="1600">
+                          <a:effectLst/>
+                        </a:rPr>
+                        <a:t>x = y</a:t>
+                      </a:r>
+                    </a:p>
+                  </a:txBody>
+                  <a:tcPr marL="31242" marR="31242" marT="15621" marB="15621" anchor="ctr">
+                    <a:lnL w="9525" cap="flat" cmpd="sng" algn="ctr">
+                      <a:solidFill>
+                        <a:srgbClr val="ABABAB"/>
+                      </a:solidFill>
+                      <a:prstDash val="dash"/>
+                      <a:round/>
+                      <a:headEnd type="none" w="med" len="med"/>
+                      <a:tailEnd type="none" w="med" len="med"/>
+                    </a:lnL>
+                    <a:lnR w="9525" cap="flat" cmpd="sng" algn="ctr">
+                      <a:solidFill>
+                        <a:srgbClr val="ABABAB"/>
+                      </a:solidFill>
+                      <a:prstDash val="dash"/>
+                      <a:round/>
+                      <a:headEnd type="none" w="med" len="med"/>
+                      <a:tailEnd type="none" w="med" len="med"/>
+                    </a:lnR>
+                    <a:lnT w="9525" cap="flat" cmpd="sng" algn="ctr">
+                      <a:solidFill>
+                        <a:srgbClr val="ABABAB"/>
+                      </a:solidFill>
+                      <a:prstDash val="dash"/>
+                      <a:round/>
+                      <a:headEnd type="none" w="med" len="med"/>
+                      <a:tailEnd type="none" w="med" len="med"/>
+                    </a:lnT>
+                    <a:lnB w="9525" cap="flat" cmpd="sng" algn="ctr">
+                      <a:solidFill>
+                        <a:srgbClr val="ABABAB"/>
+                      </a:solidFill>
+                      <a:prstDash val="dash"/>
+                      <a:round/>
+                      <a:headEnd type="none" w="med" len="med"/>
+                      <a:tailEnd type="none" w="med" len="med"/>
+                    </a:lnB>
+                    <a:solidFill>
+                      <a:srgbClr val="FFFFFF"/>
+                    </a:solidFill>
+                  </a:tcPr>
+                </a:tc>
+                <a:tc>
+                  <a:txBody>
+                    <a:bodyPr/>
+                    <a:lstStyle/>
+                    <a:p>
+                      <a:r>
+                        <a:rPr lang="en-IN" sz="1600">
+                          <a:effectLst/>
+                        </a:rPr>
+                        <a:t>Simple assignment operator; assigns the value from the right side operand to the left side operand</a:t>
+                      </a:r>
+                    </a:p>
+                  </a:txBody>
+                  <a:tcPr marL="31242" marR="31242" marT="15621" marB="15621" anchor="ctr">
+                    <a:lnL w="9525" cap="flat" cmpd="sng" algn="ctr">
+                      <a:solidFill>
+                        <a:srgbClr val="ABABAB"/>
+                      </a:solidFill>
+                      <a:prstDash val="dash"/>
+                      <a:round/>
+                      <a:headEnd type="none" w="med" len="med"/>
+                      <a:tailEnd type="none" w="med" len="med"/>
+                    </a:lnL>
+                    <a:lnR w="9525" cap="flat" cmpd="sng" algn="ctr">
+                      <a:solidFill>
+                        <a:srgbClr val="ABABAB"/>
+                      </a:solidFill>
+                      <a:prstDash val="dash"/>
+                      <a:round/>
+                      <a:headEnd type="none" w="med" len="med"/>
+                      <a:tailEnd type="none" w="med" len="med"/>
+                    </a:lnR>
+                    <a:lnT w="9525" cap="flat" cmpd="sng" algn="ctr">
+                      <a:solidFill>
+                        <a:srgbClr val="ABABAB"/>
+                      </a:solidFill>
+                      <a:prstDash val="dash"/>
+                      <a:round/>
+                      <a:headEnd type="none" w="med" len="med"/>
+                      <a:tailEnd type="none" w="med" len="med"/>
+                    </a:lnT>
+                    <a:lnB w="9525" cap="flat" cmpd="sng" algn="ctr">
+                      <a:solidFill>
+                        <a:srgbClr val="ABABAB"/>
+                      </a:solidFill>
+                      <a:prstDash val="dash"/>
+                      <a:round/>
+                      <a:headEnd type="none" w="med" len="med"/>
+                      <a:tailEnd type="none" w="med" len="med"/>
+                    </a:lnB>
+                    <a:solidFill>
+                      <a:srgbClr val="FFFFFF"/>
+                    </a:solidFill>
+                  </a:tcPr>
+                </a:tc>
+              </a:tr>
+              <a:tr h="626296">
+                <a:tc>
+                  <a:txBody>
+                    <a:bodyPr/>
+                    <a:lstStyle/>
+                    <a:p>
+                      <a:r>
+                        <a:rPr lang="en-IN" sz="1600">
+                          <a:effectLst/>
+                        </a:rPr>
+                        <a:t>x += y</a:t>
+                      </a:r>
+                    </a:p>
+                  </a:txBody>
+                  <a:tcPr marL="31242" marR="31242" marT="15621" marB="15621" anchor="ctr">
+                    <a:lnL w="9525" cap="flat" cmpd="sng" algn="ctr">
+                      <a:solidFill>
+                        <a:srgbClr val="ABABAB"/>
+                      </a:solidFill>
+                      <a:prstDash val="dash"/>
+                      <a:round/>
+                      <a:headEnd type="none" w="med" len="med"/>
+                      <a:tailEnd type="none" w="med" len="med"/>
+                    </a:lnL>
+                    <a:lnR w="9525" cap="flat" cmpd="sng" algn="ctr">
+                      <a:solidFill>
+                        <a:srgbClr val="ABABAB"/>
+                      </a:solidFill>
+                      <a:prstDash val="dash"/>
+                      <a:round/>
+                      <a:headEnd type="none" w="med" len="med"/>
+                      <a:tailEnd type="none" w="med" len="med"/>
+                    </a:lnR>
+                    <a:lnT w="9525" cap="flat" cmpd="sng" algn="ctr">
+                      <a:solidFill>
+                        <a:srgbClr val="ABABAB"/>
+                      </a:solidFill>
+                      <a:prstDash val="dash"/>
+                      <a:round/>
+                      <a:headEnd type="none" w="med" len="med"/>
+                      <a:tailEnd type="none" w="med" len="med"/>
+                    </a:lnT>
+                    <a:lnB w="9525" cap="flat" cmpd="sng" algn="ctr">
+                      <a:solidFill>
+                        <a:srgbClr val="ABABAB"/>
+                      </a:solidFill>
+                      <a:prstDash val="dash"/>
+                      <a:round/>
+                      <a:headEnd type="none" w="med" len="med"/>
+                      <a:tailEnd type="none" w="med" len="med"/>
+                    </a:lnB>
+                    <a:solidFill>
+                      <a:srgbClr val="FFFFFF"/>
+                    </a:solidFill>
+                  </a:tcPr>
+                </a:tc>
+                <a:tc>
+                  <a:txBody>
+                    <a:bodyPr/>
+                    <a:lstStyle/>
+                    <a:p>
+                      <a:r>
+                        <a:rPr lang="en-IN" sz="1600">
+                          <a:effectLst/>
+                        </a:rPr>
+                        <a:t>x =x + y</a:t>
+                      </a:r>
+                    </a:p>
+                  </a:txBody>
+                  <a:tcPr marL="31242" marR="31242" marT="15621" marB="15621" anchor="ctr">
+                    <a:lnL w="9525" cap="flat" cmpd="sng" algn="ctr">
+                      <a:solidFill>
+                        <a:srgbClr val="ABABAB"/>
+                      </a:solidFill>
+                      <a:prstDash val="dash"/>
+                      <a:round/>
+                      <a:headEnd type="none" w="med" len="med"/>
+                      <a:tailEnd type="none" w="med" len="med"/>
+                    </a:lnL>
+                    <a:lnR w="9525" cap="flat" cmpd="sng" algn="ctr">
+                      <a:solidFill>
+                        <a:srgbClr val="ABABAB"/>
+                      </a:solidFill>
+                      <a:prstDash val="dash"/>
+                      <a:round/>
+                      <a:headEnd type="none" w="med" len="med"/>
+                      <a:tailEnd type="none" w="med" len="med"/>
+                    </a:lnR>
+                    <a:lnT w="9525" cap="flat" cmpd="sng" algn="ctr">
+                      <a:solidFill>
+                        <a:srgbClr val="ABABAB"/>
+                      </a:solidFill>
+                      <a:prstDash val="dash"/>
+                      <a:round/>
+                      <a:headEnd type="none" w="med" len="med"/>
+                      <a:tailEnd type="none" w="med" len="med"/>
+                    </a:lnT>
+                    <a:lnB w="9525" cap="flat" cmpd="sng" algn="ctr">
+                      <a:solidFill>
+                        <a:srgbClr val="ABABAB"/>
+                      </a:solidFill>
+                      <a:prstDash val="dash"/>
+                      <a:round/>
+                      <a:headEnd type="none" w="med" len="med"/>
+                      <a:tailEnd type="none" w="med" len="med"/>
+                    </a:lnB>
+                    <a:solidFill>
+                      <a:srgbClr val="FFFFFF"/>
+                    </a:solidFill>
+                  </a:tcPr>
+                </a:tc>
+                <a:tc>
+                  <a:txBody>
+                    <a:bodyPr/>
+                    <a:lstStyle/>
+                    <a:p>
+                      <a:r>
+                        <a:rPr lang="en-IN" sz="1600" dirty="0">
+                          <a:effectLst/>
+                        </a:rPr>
+                        <a:t>Add AND assignment operator; it adds the right operand to the left operand and assigns the result to the left operand</a:t>
+                      </a:r>
+                    </a:p>
+                  </a:txBody>
+                  <a:tcPr marL="31242" marR="31242" marT="15621" marB="15621" anchor="ctr">
+                    <a:lnL w="9525" cap="flat" cmpd="sng" algn="ctr">
+                      <a:solidFill>
+                        <a:srgbClr val="ABABAB"/>
+                      </a:solidFill>
+                      <a:prstDash val="dash"/>
+                      <a:round/>
+                      <a:headEnd type="none" w="med" len="med"/>
+                      <a:tailEnd type="none" w="med" len="med"/>
+                    </a:lnL>
+                    <a:lnR w="9525" cap="flat" cmpd="sng" algn="ctr">
+                      <a:solidFill>
+                        <a:srgbClr val="ABABAB"/>
+                      </a:solidFill>
+                      <a:prstDash val="dash"/>
+                      <a:round/>
+                      <a:headEnd type="none" w="med" len="med"/>
+                      <a:tailEnd type="none" w="med" len="med"/>
+                    </a:lnR>
+                    <a:lnT w="9525" cap="flat" cmpd="sng" algn="ctr">
+                      <a:solidFill>
+                        <a:srgbClr val="ABABAB"/>
+                      </a:solidFill>
+                      <a:prstDash val="dash"/>
+                      <a:round/>
+                      <a:headEnd type="none" w="med" len="med"/>
+                      <a:tailEnd type="none" w="med" len="med"/>
+                    </a:lnT>
+                    <a:lnB w="9525" cap="flat" cmpd="sng" algn="ctr">
+                      <a:solidFill>
+                        <a:srgbClr val="ABABAB"/>
+                      </a:solidFill>
+                      <a:prstDash val="dash"/>
+                      <a:round/>
+                      <a:headEnd type="none" w="med" len="med"/>
+                      <a:tailEnd type="none" w="med" len="med"/>
+                    </a:lnB>
+                    <a:solidFill>
+                      <a:srgbClr val="FFFFFF"/>
+                    </a:solidFill>
+                  </a:tcPr>
+                </a:tc>
+              </a:tr>
+              <a:tr h="770826">
+                <a:tc>
+                  <a:txBody>
+                    <a:bodyPr/>
+                    <a:lstStyle/>
+                    <a:p>
+                      <a:r>
+                        <a:rPr lang="en-IN" sz="1600" dirty="0">
+                          <a:effectLst/>
+                        </a:rPr>
+                        <a:t>x -= y</a:t>
+                      </a:r>
+                    </a:p>
+                  </a:txBody>
+                  <a:tcPr marL="31242" marR="31242" marT="15621" marB="15621" anchor="ctr">
+                    <a:lnL w="9525" cap="flat" cmpd="sng" algn="ctr">
+                      <a:solidFill>
+                        <a:srgbClr val="ABABAB"/>
+                      </a:solidFill>
+                      <a:prstDash val="dash"/>
+                      <a:round/>
+                      <a:headEnd type="none" w="med" len="med"/>
+                      <a:tailEnd type="none" w="med" len="med"/>
+                    </a:lnL>
+                    <a:lnR w="9525" cap="flat" cmpd="sng" algn="ctr">
+                      <a:solidFill>
+                        <a:srgbClr val="ABABAB"/>
+                      </a:solidFill>
+                      <a:prstDash val="dash"/>
+                      <a:round/>
+                      <a:headEnd type="none" w="med" len="med"/>
+                      <a:tailEnd type="none" w="med" len="med"/>
+                    </a:lnR>
+                    <a:lnT w="9525" cap="flat" cmpd="sng" algn="ctr">
+                      <a:solidFill>
+                        <a:srgbClr val="ABABAB"/>
+                      </a:solidFill>
+                      <a:prstDash val="dash"/>
+                      <a:round/>
+                      <a:headEnd type="none" w="med" len="med"/>
+                      <a:tailEnd type="none" w="med" len="med"/>
+                    </a:lnT>
+                    <a:lnB w="9525" cap="flat" cmpd="sng" algn="ctr">
+                      <a:solidFill>
+                        <a:srgbClr val="ABABAB"/>
+                      </a:solidFill>
+                      <a:prstDash val="dash"/>
+                      <a:round/>
+                      <a:headEnd type="none" w="med" len="med"/>
+                      <a:tailEnd type="none" w="med" len="med"/>
+                    </a:lnB>
+                    <a:solidFill>
+                      <a:srgbClr val="FFFFFF"/>
+                    </a:solidFill>
+                  </a:tcPr>
+                </a:tc>
+                <a:tc>
+                  <a:txBody>
+                    <a:bodyPr/>
+                    <a:lstStyle/>
+                    <a:p>
+                      <a:r>
+                        <a:rPr lang="en-IN" sz="1600" dirty="0">
+                          <a:effectLst/>
+                        </a:rPr>
+                        <a:t>x =x - y</a:t>
+                      </a:r>
+                    </a:p>
+                  </a:txBody>
+                  <a:tcPr marL="31242" marR="31242" marT="15621" marB="15621" anchor="ctr">
+                    <a:lnL w="9525" cap="flat" cmpd="sng" algn="ctr">
+                      <a:solidFill>
+                        <a:srgbClr val="ABABAB"/>
+                      </a:solidFill>
+                      <a:prstDash val="dash"/>
+                      <a:round/>
+                      <a:headEnd type="none" w="med" len="med"/>
+                      <a:tailEnd type="none" w="med" len="med"/>
+                    </a:lnL>
+                    <a:lnR w="9525" cap="flat" cmpd="sng" algn="ctr">
+                      <a:solidFill>
+                        <a:srgbClr val="ABABAB"/>
+                      </a:solidFill>
+                      <a:prstDash val="dash"/>
+                      <a:round/>
+                      <a:headEnd type="none" w="med" len="med"/>
+                      <a:tailEnd type="none" w="med" len="med"/>
+                    </a:lnR>
+                    <a:lnT w="9525" cap="flat" cmpd="sng" algn="ctr">
+                      <a:solidFill>
+                        <a:srgbClr val="ABABAB"/>
+                      </a:solidFill>
+                      <a:prstDash val="dash"/>
+                      <a:round/>
+                      <a:headEnd type="none" w="med" len="med"/>
+                      <a:tailEnd type="none" w="med" len="med"/>
+                    </a:lnT>
+                    <a:lnB w="9525" cap="flat" cmpd="sng" algn="ctr">
+                      <a:solidFill>
+                        <a:srgbClr val="ABABAB"/>
+                      </a:solidFill>
+                      <a:prstDash val="dash"/>
+                      <a:round/>
+                      <a:headEnd type="none" w="med" len="med"/>
+                      <a:tailEnd type="none" w="med" len="med"/>
+                    </a:lnB>
+                    <a:solidFill>
+                      <a:srgbClr val="FFFFFF"/>
+                    </a:solidFill>
+                  </a:tcPr>
+                </a:tc>
+                <a:tc>
+                  <a:txBody>
+                    <a:bodyPr/>
+                    <a:lstStyle/>
+                    <a:p>
+                      <a:r>
+                        <a:rPr lang="en-IN" sz="1600" dirty="0">
+                          <a:effectLst/>
+                        </a:rPr>
+                        <a:t>Subtract AND assignment operator; it subtracts the right operand from the left operand and assigns the result to the left operand</a:t>
+                      </a:r>
+                    </a:p>
+                  </a:txBody>
+                  <a:tcPr marL="31242" marR="31242" marT="15621" marB="15621" anchor="ctr">
+                    <a:lnL w="9525" cap="flat" cmpd="sng" algn="ctr">
+                      <a:solidFill>
+                        <a:srgbClr val="ABABAB"/>
+                      </a:solidFill>
+                      <a:prstDash val="dash"/>
+                      <a:round/>
+                      <a:headEnd type="none" w="med" len="med"/>
+                      <a:tailEnd type="none" w="med" len="med"/>
+                    </a:lnL>
+                    <a:lnR w="9525" cap="flat" cmpd="sng" algn="ctr">
+                      <a:solidFill>
+                        <a:srgbClr val="ABABAB"/>
+                      </a:solidFill>
+                      <a:prstDash val="dash"/>
+                      <a:round/>
+                      <a:headEnd type="none" w="med" len="med"/>
+                      <a:tailEnd type="none" w="med" len="med"/>
+                    </a:lnR>
+                    <a:lnT w="9525" cap="flat" cmpd="sng" algn="ctr">
+                      <a:solidFill>
+                        <a:srgbClr val="ABABAB"/>
+                      </a:solidFill>
+                      <a:prstDash val="dash"/>
+                      <a:round/>
+                      <a:headEnd type="none" w="med" len="med"/>
+                      <a:tailEnd type="none" w="med" len="med"/>
+                    </a:lnT>
+                    <a:lnB w="9525" cap="flat" cmpd="sng" algn="ctr">
+                      <a:solidFill>
+                        <a:srgbClr val="ABABAB"/>
+                      </a:solidFill>
+                      <a:prstDash val="dash"/>
+                      <a:round/>
+                      <a:headEnd type="none" w="med" len="med"/>
+                      <a:tailEnd type="none" w="med" len="med"/>
+                    </a:lnB>
+                    <a:solidFill>
+                      <a:srgbClr val="FFFFFF"/>
+                    </a:solidFill>
+                  </a:tcPr>
+                </a:tc>
+              </a:tr>
+              <a:tr h="770826">
+                <a:tc>
+                  <a:txBody>
+                    <a:bodyPr/>
+                    <a:lstStyle/>
+                    <a:p>
+                      <a:r>
+                        <a:rPr lang="en-IN" sz="1600">
+                          <a:effectLst/>
+                        </a:rPr>
+                        <a:t>x *= y</a:t>
+                      </a:r>
+                    </a:p>
+                  </a:txBody>
+                  <a:tcPr marL="31242" marR="31242" marT="15621" marB="15621" anchor="ctr">
+                    <a:lnL w="9525" cap="flat" cmpd="sng" algn="ctr">
+                      <a:solidFill>
+                        <a:srgbClr val="ABABAB"/>
+                      </a:solidFill>
+                      <a:prstDash val="dash"/>
+                      <a:round/>
+                      <a:headEnd type="none" w="med" len="med"/>
+                      <a:tailEnd type="none" w="med" len="med"/>
+                    </a:lnL>
+                    <a:lnR w="9525" cap="flat" cmpd="sng" algn="ctr">
+                      <a:solidFill>
+                        <a:srgbClr val="ABABAB"/>
+                      </a:solidFill>
+                      <a:prstDash val="dash"/>
+                      <a:round/>
+                      <a:headEnd type="none" w="med" len="med"/>
+                      <a:tailEnd type="none" w="med" len="med"/>
+                    </a:lnR>
+                    <a:lnT w="9525" cap="flat" cmpd="sng" algn="ctr">
+                      <a:solidFill>
+                        <a:srgbClr val="ABABAB"/>
+                      </a:solidFill>
+                      <a:prstDash val="dash"/>
+                      <a:round/>
+                      <a:headEnd type="none" w="med" len="med"/>
+                      <a:tailEnd type="none" w="med" len="med"/>
+                    </a:lnT>
+                    <a:lnB w="9525" cap="flat" cmpd="sng" algn="ctr">
+                      <a:solidFill>
+                        <a:srgbClr val="ABABAB"/>
+                      </a:solidFill>
+                      <a:prstDash val="dash"/>
+                      <a:round/>
+                      <a:headEnd type="none" w="med" len="med"/>
+                      <a:tailEnd type="none" w="med" len="med"/>
+                    </a:lnB>
+                    <a:solidFill>
+                      <a:srgbClr val="FFFFFF"/>
+                    </a:solidFill>
+                  </a:tcPr>
+                </a:tc>
+                <a:tc>
+                  <a:txBody>
+                    <a:bodyPr/>
+                    <a:lstStyle/>
+                    <a:p>
+                      <a:r>
+                        <a:rPr lang="en-IN" sz="1600">
+                          <a:effectLst/>
+                        </a:rPr>
+                        <a:t>x =x * y</a:t>
+                      </a:r>
+                    </a:p>
+                  </a:txBody>
+                  <a:tcPr marL="31242" marR="31242" marT="15621" marB="15621" anchor="ctr">
+                    <a:lnL w="9525" cap="flat" cmpd="sng" algn="ctr">
+                      <a:solidFill>
+                        <a:srgbClr val="ABABAB"/>
+                      </a:solidFill>
+                      <a:prstDash val="dash"/>
+                      <a:round/>
+                      <a:headEnd type="none" w="med" len="med"/>
+                      <a:tailEnd type="none" w="med" len="med"/>
+                    </a:lnL>
+                    <a:lnR w="9525" cap="flat" cmpd="sng" algn="ctr">
+                      <a:solidFill>
+                        <a:srgbClr val="ABABAB"/>
+                      </a:solidFill>
+                      <a:prstDash val="dash"/>
+                      <a:round/>
+                      <a:headEnd type="none" w="med" len="med"/>
+                      <a:tailEnd type="none" w="med" len="med"/>
+                    </a:lnR>
+                    <a:lnT w="9525" cap="flat" cmpd="sng" algn="ctr">
+                      <a:solidFill>
+                        <a:srgbClr val="ABABAB"/>
+                      </a:solidFill>
+                      <a:prstDash val="dash"/>
+                      <a:round/>
+                      <a:headEnd type="none" w="med" len="med"/>
+                      <a:tailEnd type="none" w="med" len="med"/>
+                    </a:lnT>
+                    <a:lnB w="9525" cap="flat" cmpd="sng" algn="ctr">
+                      <a:solidFill>
+                        <a:srgbClr val="ABABAB"/>
+                      </a:solidFill>
+                      <a:prstDash val="dash"/>
+                      <a:round/>
+                      <a:headEnd type="none" w="med" len="med"/>
+                      <a:tailEnd type="none" w="med" len="med"/>
+                    </a:lnB>
+                    <a:solidFill>
+                      <a:srgbClr val="FFFFFF"/>
+                    </a:solidFill>
+                  </a:tcPr>
+                </a:tc>
+                <a:tc>
+                  <a:txBody>
+                    <a:bodyPr/>
+                    <a:lstStyle/>
+                    <a:p>
+                      <a:r>
+                        <a:rPr lang="en-IN" sz="1600" dirty="0">
+                          <a:effectLst/>
+                        </a:rPr>
+                        <a:t>Multiply AND assignment operator; it multiplies the right operand with the left operand and assigns the result to the left operand</a:t>
+                      </a:r>
+                    </a:p>
+                  </a:txBody>
+                  <a:tcPr marL="31242" marR="31242" marT="15621" marB="15621" anchor="ctr">
+                    <a:lnL w="9525" cap="flat" cmpd="sng" algn="ctr">
+                      <a:solidFill>
+                        <a:srgbClr val="ABABAB"/>
+                      </a:solidFill>
+                      <a:prstDash val="dash"/>
+                      <a:round/>
+                      <a:headEnd type="none" w="med" len="med"/>
+                      <a:tailEnd type="none" w="med" len="med"/>
+                    </a:lnL>
+                    <a:lnR w="9525" cap="flat" cmpd="sng" algn="ctr">
+                      <a:solidFill>
+                        <a:srgbClr val="ABABAB"/>
+                      </a:solidFill>
+                      <a:prstDash val="dash"/>
+                      <a:round/>
+                      <a:headEnd type="none" w="med" len="med"/>
+                      <a:tailEnd type="none" w="med" len="med"/>
+                    </a:lnR>
+                    <a:lnT w="9525" cap="flat" cmpd="sng" algn="ctr">
+                      <a:solidFill>
+                        <a:srgbClr val="ABABAB"/>
+                      </a:solidFill>
+                      <a:prstDash val="dash"/>
+                      <a:round/>
+                      <a:headEnd type="none" w="med" len="med"/>
+                      <a:tailEnd type="none" w="med" len="med"/>
+                    </a:lnT>
+                    <a:lnB w="9525" cap="flat" cmpd="sng" algn="ctr">
+                      <a:solidFill>
+                        <a:srgbClr val="ABABAB"/>
+                      </a:solidFill>
+                      <a:prstDash val="dash"/>
+                      <a:round/>
+                      <a:headEnd type="none" w="med" len="med"/>
+                      <a:tailEnd type="none" w="med" len="med"/>
+                    </a:lnB>
+                    <a:solidFill>
+                      <a:srgbClr val="FFFFFF"/>
+                    </a:solidFill>
+                  </a:tcPr>
+                </a:tc>
+              </a:tr>
+              <a:tr h="770826">
+                <a:tc>
+                  <a:txBody>
+                    <a:bodyPr/>
+                    <a:lstStyle/>
+                    <a:p>
+                      <a:r>
+                        <a:rPr lang="en-IN" sz="1600">
+                          <a:effectLst/>
+                        </a:rPr>
+                        <a:t>x /= y</a:t>
+                      </a:r>
+                    </a:p>
+                  </a:txBody>
+                  <a:tcPr marL="31242" marR="31242" marT="15621" marB="15621" anchor="ctr">
+                    <a:lnL w="9525" cap="flat" cmpd="sng" algn="ctr">
+                      <a:solidFill>
+                        <a:srgbClr val="ABABAB"/>
+                      </a:solidFill>
+                      <a:prstDash val="dash"/>
+                      <a:round/>
+                      <a:headEnd type="none" w="med" len="med"/>
+                      <a:tailEnd type="none" w="med" len="med"/>
+                    </a:lnL>
+                    <a:lnR w="9525" cap="flat" cmpd="sng" algn="ctr">
+                      <a:solidFill>
+                        <a:srgbClr val="ABABAB"/>
+                      </a:solidFill>
+                      <a:prstDash val="dash"/>
+                      <a:round/>
+                      <a:headEnd type="none" w="med" len="med"/>
+                      <a:tailEnd type="none" w="med" len="med"/>
+                    </a:lnR>
+                    <a:lnT w="9525" cap="flat" cmpd="sng" algn="ctr">
+                      <a:solidFill>
+                        <a:srgbClr val="ABABAB"/>
+                      </a:solidFill>
+                      <a:prstDash val="dash"/>
+                      <a:round/>
+                      <a:headEnd type="none" w="med" len="med"/>
+                      <a:tailEnd type="none" w="med" len="med"/>
+                    </a:lnT>
+                    <a:lnB w="9525" cap="flat" cmpd="sng" algn="ctr">
+                      <a:solidFill>
+                        <a:srgbClr val="ABABAB"/>
+                      </a:solidFill>
+                      <a:prstDash val="dash"/>
+                      <a:round/>
+                      <a:headEnd type="none" w="med" len="med"/>
+                      <a:tailEnd type="none" w="med" len="med"/>
+                    </a:lnB>
+                    <a:solidFill>
+                      <a:srgbClr val="FFFFFF"/>
+                    </a:solidFill>
+                  </a:tcPr>
+                </a:tc>
+                <a:tc>
+                  <a:txBody>
+                    <a:bodyPr/>
+                    <a:lstStyle/>
+                    <a:p>
+                      <a:r>
+                        <a:rPr lang="en-IN" sz="1600">
+                          <a:effectLst/>
+                        </a:rPr>
+                        <a:t>x =x / y</a:t>
+                      </a:r>
+                    </a:p>
+                  </a:txBody>
+                  <a:tcPr marL="31242" marR="31242" marT="15621" marB="15621" anchor="ctr">
+                    <a:lnL w="9525" cap="flat" cmpd="sng" algn="ctr">
+                      <a:solidFill>
+                        <a:srgbClr val="ABABAB"/>
+                      </a:solidFill>
+                      <a:prstDash val="dash"/>
+                      <a:round/>
+                      <a:headEnd type="none" w="med" len="med"/>
+                      <a:tailEnd type="none" w="med" len="med"/>
+                    </a:lnL>
+                    <a:lnR w="9525" cap="flat" cmpd="sng" algn="ctr">
+                      <a:solidFill>
+                        <a:srgbClr val="ABABAB"/>
+                      </a:solidFill>
+                      <a:prstDash val="dash"/>
+                      <a:round/>
+                      <a:headEnd type="none" w="med" len="med"/>
+                      <a:tailEnd type="none" w="med" len="med"/>
+                    </a:lnR>
+                    <a:lnT w="9525" cap="flat" cmpd="sng" algn="ctr">
+                      <a:solidFill>
+                        <a:srgbClr val="ABABAB"/>
+                      </a:solidFill>
+                      <a:prstDash val="dash"/>
+                      <a:round/>
+                      <a:headEnd type="none" w="med" len="med"/>
+                      <a:tailEnd type="none" w="med" len="med"/>
+                    </a:lnT>
+                    <a:lnB w="9525" cap="flat" cmpd="sng" algn="ctr">
+                      <a:solidFill>
+                        <a:srgbClr val="ABABAB"/>
+                      </a:solidFill>
+                      <a:prstDash val="dash"/>
+                      <a:round/>
+                      <a:headEnd type="none" w="med" len="med"/>
+                      <a:tailEnd type="none" w="med" len="med"/>
+                    </a:lnB>
+                    <a:solidFill>
+                      <a:srgbClr val="FFFFFF"/>
+                    </a:solidFill>
+                  </a:tcPr>
+                </a:tc>
+                <a:tc>
+                  <a:txBody>
+                    <a:bodyPr/>
+                    <a:lstStyle/>
+                    <a:p>
+                      <a:r>
+                        <a:rPr lang="en-IN" sz="1600">
+                          <a:effectLst/>
+                        </a:rPr>
+                        <a:t>Divide AND assignment operator; it divides the left operand by the right operand and assigns the result to the left operand</a:t>
+                      </a:r>
+                    </a:p>
+                  </a:txBody>
+                  <a:tcPr marL="31242" marR="31242" marT="15621" marB="15621" anchor="ctr">
+                    <a:lnL w="9525" cap="flat" cmpd="sng" algn="ctr">
+                      <a:solidFill>
+                        <a:srgbClr val="ABABAB"/>
+                      </a:solidFill>
+                      <a:prstDash val="dash"/>
+                      <a:round/>
+                      <a:headEnd type="none" w="med" len="med"/>
+                      <a:tailEnd type="none" w="med" len="med"/>
+                    </a:lnL>
+                    <a:lnR w="9525" cap="flat" cmpd="sng" algn="ctr">
+                      <a:solidFill>
+                        <a:srgbClr val="ABABAB"/>
+                      </a:solidFill>
+                      <a:prstDash val="dash"/>
+                      <a:round/>
+                      <a:headEnd type="none" w="med" len="med"/>
+                      <a:tailEnd type="none" w="med" len="med"/>
+                    </a:lnR>
+                    <a:lnT w="9525" cap="flat" cmpd="sng" algn="ctr">
+                      <a:solidFill>
+                        <a:srgbClr val="ABABAB"/>
+                      </a:solidFill>
+                      <a:prstDash val="dash"/>
+                      <a:round/>
+                      <a:headEnd type="none" w="med" len="med"/>
+                      <a:tailEnd type="none" w="med" len="med"/>
+                    </a:lnT>
+                    <a:lnB w="9525" cap="flat" cmpd="sng" algn="ctr">
+                      <a:solidFill>
+                        <a:srgbClr val="ABABAB"/>
+                      </a:solidFill>
+                      <a:prstDash val="dash"/>
+                      <a:round/>
+                      <a:headEnd type="none" w="med" len="med"/>
+                      <a:tailEnd type="none" w="med" len="med"/>
+                    </a:lnB>
+                    <a:solidFill>
+                      <a:srgbClr val="FFFFFF"/>
+                    </a:solidFill>
+                  </a:tcPr>
+                </a:tc>
+              </a:tr>
+              <a:tr h="770826">
+                <a:tc>
+                  <a:txBody>
+                    <a:bodyPr/>
+                    <a:lstStyle/>
+                    <a:p>
+                      <a:r>
+                        <a:rPr lang="en-IN" sz="1600">
+                          <a:effectLst/>
+                        </a:rPr>
+                        <a:t>x %= y</a:t>
+                      </a:r>
+                    </a:p>
+                  </a:txBody>
+                  <a:tcPr marL="31242" marR="31242" marT="15621" marB="15621" anchor="ctr">
+                    <a:lnL w="9525" cap="flat" cmpd="sng" algn="ctr">
+                      <a:solidFill>
+                        <a:srgbClr val="ABABAB"/>
+                      </a:solidFill>
+                      <a:prstDash val="dash"/>
+                      <a:round/>
+                      <a:headEnd type="none" w="med" len="med"/>
+                      <a:tailEnd type="none" w="med" len="med"/>
+                    </a:lnL>
+                    <a:lnR w="9525" cap="flat" cmpd="sng" algn="ctr">
+                      <a:solidFill>
+                        <a:srgbClr val="ABABAB"/>
+                      </a:solidFill>
+                      <a:prstDash val="dash"/>
+                      <a:round/>
+                      <a:headEnd type="none" w="med" len="med"/>
+                      <a:tailEnd type="none" w="med" len="med"/>
+                    </a:lnR>
+                    <a:lnT w="9525" cap="flat" cmpd="sng" algn="ctr">
+                      <a:solidFill>
+                        <a:srgbClr val="ABABAB"/>
+                      </a:solidFill>
+                      <a:prstDash val="dash"/>
+                      <a:round/>
+                      <a:headEnd type="none" w="med" len="med"/>
+                      <a:tailEnd type="none" w="med" len="med"/>
+                    </a:lnT>
+                    <a:lnB w="9525" cap="flat" cmpd="sng" algn="ctr">
+                      <a:solidFill>
+                        <a:srgbClr val="ABABAB"/>
+                      </a:solidFill>
+                      <a:prstDash val="dash"/>
+                      <a:round/>
+                      <a:headEnd type="none" w="med" len="med"/>
+                      <a:tailEnd type="none" w="med" len="med"/>
+                    </a:lnB>
+                    <a:solidFill>
+                      <a:srgbClr val="FFFFFF"/>
+                    </a:solidFill>
+                  </a:tcPr>
+                </a:tc>
+                <a:tc>
+                  <a:txBody>
+                    <a:bodyPr/>
+                    <a:lstStyle/>
+                    <a:p>
+                      <a:r>
+                        <a:rPr lang="en-IN" sz="1600" dirty="0">
+                          <a:effectLst/>
+                        </a:rPr>
+                        <a:t>x =x % y</a:t>
+                      </a:r>
+                    </a:p>
+                  </a:txBody>
+                  <a:tcPr marL="31242" marR="31242" marT="15621" marB="15621" anchor="ctr">
+                    <a:lnL w="9525" cap="flat" cmpd="sng" algn="ctr">
+                      <a:solidFill>
+                        <a:srgbClr val="ABABAB"/>
+                      </a:solidFill>
+                      <a:prstDash val="dash"/>
+                      <a:round/>
+                      <a:headEnd type="none" w="med" len="med"/>
+                      <a:tailEnd type="none" w="med" len="med"/>
+                    </a:lnL>
+                    <a:lnR w="9525" cap="flat" cmpd="sng" algn="ctr">
+                      <a:solidFill>
+                        <a:srgbClr val="ABABAB"/>
+                      </a:solidFill>
+                      <a:prstDash val="dash"/>
+                      <a:round/>
+                      <a:headEnd type="none" w="med" len="med"/>
+                      <a:tailEnd type="none" w="med" len="med"/>
+                    </a:lnR>
+                    <a:lnT w="9525" cap="flat" cmpd="sng" algn="ctr">
+                      <a:solidFill>
+                        <a:srgbClr val="ABABAB"/>
+                      </a:solidFill>
+                      <a:prstDash val="dash"/>
+                      <a:round/>
+                      <a:headEnd type="none" w="med" len="med"/>
+                      <a:tailEnd type="none" w="med" len="med"/>
+                    </a:lnT>
+                    <a:lnB w="9525" cap="flat" cmpd="sng" algn="ctr">
+                      <a:solidFill>
+                        <a:srgbClr val="ABABAB"/>
+                      </a:solidFill>
+                      <a:prstDash val="dash"/>
+                      <a:round/>
+                      <a:headEnd type="none" w="med" len="med"/>
+                      <a:tailEnd type="none" w="med" len="med"/>
+                    </a:lnB>
+                    <a:solidFill>
+                      <a:srgbClr val="FFFFFF"/>
+                    </a:solidFill>
+                  </a:tcPr>
+                </a:tc>
+                <a:tc>
+                  <a:txBody>
+                    <a:bodyPr/>
+                    <a:lstStyle/>
+                    <a:p>
+                      <a:r>
+                        <a:rPr lang="en-IN" sz="1600" dirty="0">
+                          <a:effectLst/>
+                        </a:rPr>
+                        <a:t>Modulus AND assignment operator; it divides the left operand by the right operand and assigns the remainder to the left operand</a:t>
+                      </a:r>
+                    </a:p>
+                  </a:txBody>
+                  <a:tcPr marL="31242" marR="31242" marT="15621" marB="15621" anchor="ctr">
+                    <a:lnL w="9525" cap="flat" cmpd="sng" algn="ctr">
+                      <a:solidFill>
+                        <a:srgbClr val="ABABAB"/>
+                      </a:solidFill>
+                      <a:prstDash val="dash"/>
+                      <a:round/>
+                      <a:headEnd type="none" w="med" len="med"/>
+                      <a:tailEnd type="none" w="med" len="med"/>
+                    </a:lnL>
+                    <a:lnR w="9525" cap="flat" cmpd="sng" algn="ctr">
+                      <a:solidFill>
+                        <a:srgbClr val="ABABAB"/>
+                      </a:solidFill>
+                      <a:prstDash val="dash"/>
+                      <a:round/>
+                      <a:headEnd type="none" w="med" len="med"/>
+                      <a:tailEnd type="none" w="med" len="med"/>
+                    </a:lnR>
+                    <a:lnT w="9525" cap="flat" cmpd="sng" algn="ctr">
+                      <a:solidFill>
+                        <a:srgbClr val="ABABAB"/>
+                      </a:solidFill>
+                      <a:prstDash val="dash"/>
+                      <a:round/>
+                      <a:headEnd type="none" w="med" len="med"/>
+                      <a:tailEnd type="none" w="med" len="med"/>
+                    </a:lnT>
+                    <a:lnB w="9525" cap="flat" cmpd="sng" algn="ctr">
+                      <a:solidFill>
+                        <a:srgbClr val="ABABAB"/>
+                      </a:solidFill>
+                      <a:prstDash val="dash"/>
+                      <a:round/>
+                      <a:headEnd type="none" w="med" len="med"/>
+                      <a:tailEnd type="none" w="med" len="med"/>
+                    </a:lnB>
+                    <a:solidFill>
+                      <a:srgbClr val="FFFFFF"/>
+                    </a:solidFill>
+                  </a:tcPr>
+                </a:tc>
+              </a:tr>
+            </a:tbl>
+          </a:graphicData>
+        </a:graphic>
+      </p:graphicFrame>
+      <p:sp>
+        <p:nvSpPr>
+          <p:cNvPr id="7" name="Rectangle 1"/>
+          <p:cNvSpPr>
+            <a:spLocks noChangeArrowheads="1"/>
+          </p:cNvSpPr>
+          <p:nvPr/>
+        </p:nvSpPr>
+        <p:spPr bwMode="auto">
+          <a:xfrm>
+            <a:off x="-1583140" y="-228601"/>
+            <a:ext cx="12192000" cy="0"/>
+          </a:xfrm>
+          <a:prstGeom prst="rect">
+            <a:avLst/>
+          </a:prstGeom>
+          <a:solidFill>
+            <a:srgbClr val="FFFFFF"/>
+          </a:solidFill>
+          <a:ln>
+            <a:noFill/>
+          </a:ln>
+          <a:effectLst/>
+          <a:extLst>
+            <a:ext uri="{91240B29-F687-4F45-9708-019B960494DF}">
+              <a14:hiddenLine xmlns:a14="http://schemas.microsoft.com/office/drawing/2010/main" w="9525">
+                <a:solidFill>
+                  <a:schemeClr val="tx1"/>
+                </a:solidFill>
+                <a:miter lim="800000"/>
+                <a:headEnd/>
+                <a:tailEnd/>
+              </a14:hiddenLine>
+            </a:ext>
+            <a:ext uri="{AF507438-7753-43E0-B8FC-AC1667EBCBE1}">
+              <a14:hiddenEffects xmlns:a14="http://schemas.microsoft.com/office/drawing/2010/main">
+                <a:effectLst>
+                  <a:outerShdw dist="35921" dir="2700000" algn="ctr" rotWithShape="0">
+                    <a:schemeClr val="bg2"/>
+                  </a:outerShdw>
+                </a:effectLst>
+              </a14:hiddenEffects>
+            </a:ext>
+          </a:extLst>
+        </p:spPr>
+        <p:txBody>
+          <a:bodyPr vert="horz" wrap="none" lIns="91440" tIns="45720" rIns="91440" bIns="45720" numCol="1" anchor="ctr" anchorCtr="0" compatLnSpc="1">
+            <a:prstTxWarp prst="textNoShape">
+              <a:avLst/>
+            </a:prstTxWarp>
+            <a:spAutoFit/>
+          </a:bodyPr>
+          <a:lstStyle>
+            <a:lvl1pPr eaLnBrk="0" fontAlgn="base" hangingPunct="0">
+              <a:spcBef>
+                <a:spcPct val="0"/>
+              </a:spcBef>
+              <a:spcAft>
+                <a:spcPct val="0"/>
+              </a:spcAft>
+              <a:defRPr>
+                <a:solidFill>
+                  <a:schemeClr val="tx1"/>
+                </a:solidFill>
+                <a:latin typeface="Arial" panose="020B0604020202020204" pitchFamily="34" charset="0"/>
+              </a:defRPr>
+            </a:lvl1pPr>
+            <a:lvl2pPr eaLnBrk="0" fontAlgn="base" hangingPunct="0">
+              <a:spcBef>
+                <a:spcPct val="0"/>
+              </a:spcBef>
+              <a:spcAft>
+                <a:spcPct val="0"/>
+              </a:spcAft>
+              <a:defRPr>
+                <a:solidFill>
+                  <a:schemeClr val="tx1"/>
+                </a:solidFill>
+                <a:latin typeface="Arial" panose="020B0604020202020204" pitchFamily="34" charset="0"/>
+              </a:defRPr>
+            </a:lvl2pPr>
+            <a:lvl3pPr eaLnBrk="0" fontAlgn="base" hangingPunct="0">
+              <a:spcBef>
+                <a:spcPct val="0"/>
+              </a:spcBef>
+              <a:spcAft>
+                <a:spcPct val="0"/>
+              </a:spcAft>
+              <a:defRPr>
+                <a:solidFill>
+                  <a:schemeClr val="tx1"/>
+                </a:solidFill>
+                <a:latin typeface="Arial" panose="020B0604020202020204" pitchFamily="34" charset="0"/>
+              </a:defRPr>
+            </a:lvl3pPr>
+            <a:lvl4pPr eaLnBrk="0" fontAlgn="base" hangingPunct="0">
+              <a:spcBef>
+                <a:spcPct val="0"/>
+              </a:spcBef>
+              <a:spcAft>
+                <a:spcPct val="0"/>
+              </a:spcAft>
+              <a:defRPr>
+                <a:solidFill>
+                  <a:schemeClr val="tx1"/>
+                </a:solidFill>
+                <a:latin typeface="Arial" panose="020B0604020202020204" pitchFamily="34" charset="0"/>
+              </a:defRPr>
+            </a:lvl4pPr>
+            <a:lvl5pPr eaLnBrk="0" fontAlgn="base" hangingPunct="0">
+              <a:spcBef>
+                <a:spcPct val="0"/>
+              </a:spcBef>
+              <a:spcAft>
+                <a:spcPct val="0"/>
+              </a:spcAft>
+              <a:defRPr>
+                <a:solidFill>
+                  <a:schemeClr val="tx1"/>
+                </a:solidFill>
+                <a:latin typeface="Arial" panose="020B0604020202020204" pitchFamily="34" charset="0"/>
+              </a:defRPr>
+            </a:lvl5pPr>
+            <a:lvl6pPr eaLnBrk="0" fontAlgn="base" hangingPunct="0">
+              <a:spcBef>
+                <a:spcPct val="0"/>
+              </a:spcBef>
+              <a:spcAft>
+                <a:spcPct val="0"/>
+              </a:spcAft>
+              <a:defRPr>
+                <a:solidFill>
+                  <a:schemeClr val="tx1"/>
+                </a:solidFill>
+                <a:latin typeface="Arial" panose="020B0604020202020204" pitchFamily="34" charset="0"/>
+              </a:defRPr>
+            </a:lvl6pPr>
+            <a:lvl7pPr eaLnBrk="0" fontAlgn="base" hangingPunct="0">
+              <a:spcBef>
+                <a:spcPct val="0"/>
+              </a:spcBef>
+              <a:spcAft>
+                <a:spcPct val="0"/>
+              </a:spcAft>
+              <a:defRPr>
+                <a:solidFill>
+                  <a:schemeClr val="tx1"/>
+                </a:solidFill>
+                <a:latin typeface="Arial" panose="020B0604020202020204" pitchFamily="34" charset="0"/>
+              </a:defRPr>
+            </a:lvl7pPr>
+            <a:lvl8pPr eaLnBrk="0" fontAlgn="base" hangingPunct="0">
+              <a:spcBef>
+                <a:spcPct val="0"/>
+              </a:spcBef>
+              <a:spcAft>
+                <a:spcPct val="0"/>
+              </a:spcAft>
+              <a:defRPr>
+                <a:solidFill>
+                  <a:schemeClr val="tx1"/>
+                </a:solidFill>
+                <a:latin typeface="Arial" panose="020B0604020202020204" pitchFamily="34" charset="0"/>
+              </a:defRPr>
+            </a:lvl8pPr>
+            <a:lvl9pPr eaLnBrk="0" fontAlgn="base" hangingPunct="0">
+              <a:spcBef>
+                <a:spcPct val="0"/>
+              </a:spcBef>
+              <a:spcAft>
+                <a:spcPct val="0"/>
+              </a:spcAft>
+              <a:defRPr>
+                <a:solidFill>
+                  <a:schemeClr val="tx1"/>
+                </a:solidFill>
+                <a:latin typeface="Arial" panose="020B0604020202020204" pitchFamily="34" charset="0"/>
+              </a:defRPr>
+            </a:lvl9pPr>
+          </a:lstStyle>
+          <a:p>
+            <a:pPr marL="0" marR="0" lvl="0" indent="0" algn="l" defTabSz="914400" rtl="0" eaLnBrk="0" fontAlgn="base" latinLnBrk="0" hangingPunct="0">
+              <a:lnSpc>
+                <a:spcPct val="100000"/>
+              </a:lnSpc>
+              <a:spcBef>
+                <a:spcPct val="0"/>
+              </a:spcBef>
+              <a:spcAft>
+                <a:spcPct val="0"/>
+              </a:spcAft>
+              <a:buClrTx/>
+              <a:buSzTx/>
+              <a:buFontTx/>
+              <a:buNone/>
+              <a:tabLst/>
+            </a:pPr>
+            <a:r>
+              <a:rPr kumimoji="0" lang="en-US" sz="1200" b="0" i="0" u="none" strike="noStrike" cap="none" normalizeH="0" baseline="0" smtClean="0">
+                <a:ln>
+                  <a:noFill/>
+                </a:ln>
+                <a:solidFill>
+                  <a:srgbClr val="212121"/>
+                </a:solidFill>
+                <a:effectLst/>
+                <a:latin typeface="open sans"/>
+              </a:rPr>
+              <a:t>The Assignment operators are summarized in the following table.</a:t>
+            </a:r>
+            <a:endParaRPr kumimoji="0" lang="en-US" sz="1100" b="0" i="0" u="none" strike="noStrike" cap="none" normalizeH="0" baseline="0" smtClean="0">
+              <a:ln>
+                <a:noFill/>
+              </a:ln>
+              <a:solidFill>
+                <a:schemeClr val="tx1"/>
+              </a:solidFill>
+              <a:effectLst/>
+            </a:endParaRPr>
+          </a:p>
+          <a:p>
+            <a:pPr marL="0" marR="0" lvl="0" indent="0" algn="l" defTabSz="914400" rtl="0" eaLnBrk="0" fontAlgn="base" latinLnBrk="0" hangingPunct="0">
+              <a:lnSpc>
+                <a:spcPct val="100000"/>
+              </a:lnSpc>
+              <a:spcBef>
+                <a:spcPct val="0"/>
+              </a:spcBef>
+              <a:spcAft>
+                <a:spcPct val="0"/>
+              </a:spcAft>
+              <a:buClrTx/>
+              <a:buSzTx/>
+              <a:buFontTx/>
+              <a:buNone/>
+              <a:tabLst/>
+            </a:pPr>
+            <a:r>
+              <a:rPr kumimoji="0" lang="en-US" sz="1200" b="0" i="0" u="none" strike="noStrike" cap="none" normalizeH="0" baseline="0" smtClean="0">
+                <a:ln>
+                  <a:noFill/>
+                </a:ln>
+                <a:solidFill>
+                  <a:srgbClr val="212121"/>
+                </a:solidFill>
+                <a:effectLst/>
+                <a:latin typeface="open sans"/>
+              </a:rPr>
+              <a:t> </a:t>
+            </a:r>
+            <a:endParaRPr kumimoji="0" lang="en-US" sz="1100" b="0" i="0" u="none" strike="noStrike" cap="none" normalizeH="0" baseline="0" smtClean="0">
+              <a:ln>
+                <a:noFill/>
+              </a:ln>
+              <a:solidFill>
+                <a:schemeClr val="tx1"/>
+              </a:solidFill>
+              <a:effectLst/>
+            </a:endParaRPr>
+          </a:p>
+          <a:p>
+            <a:pPr marL="0" marR="0" lvl="0" indent="0" algn="l" defTabSz="914400" rtl="0" eaLnBrk="0" fontAlgn="base" latinLnBrk="0" hangingPunct="0">
+              <a:lnSpc>
+                <a:spcPct val="100000"/>
+              </a:lnSpc>
+              <a:spcBef>
+                <a:spcPct val="0"/>
+              </a:spcBef>
+              <a:spcAft>
+                <a:spcPct val="0"/>
+              </a:spcAft>
+              <a:buClrTx/>
+              <a:buSzTx/>
+              <a:buFontTx/>
+              <a:buNone/>
+              <a:tabLst/>
+            </a:pPr>
+            <a:endParaRPr kumimoji="0" lang="en-US" sz="1800" b="0" i="0" u="none" strike="noStrike" cap="none" normalizeH="0" baseline="0" smtClean="0">
+              <a:ln>
+                <a:noFill/>
+              </a:ln>
+              <a:solidFill>
+                <a:schemeClr val="tx1"/>
+              </a:solidFill>
+              <a:effectLst/>
+              <a:latin typeface="Arial" panose="020B0604020202020204" pitchFamily="34" charset="0"/>
+            </a:endParaRPr>
+          </a:p>
+        </p:txBody>
+      </p:sp>
+    </p:spTree>
+    <p:extLst>
+      <p:ext uri="{BB962C8B-B14F-4D97-AF65-F5344CB8AC3E}">
+        <p14:creationId xmlns:p14="http://schemas.microsoft.com/office/powerpoint/2010/main" val="577006904"/>
+      </p:ext>
+    </p:extLst>
+  </p:cSld>
+  <p:clrMapOvr>
+    <a:masterClrMapping/>
+  </p:clrMapOvr>
+</p:sld>
+</file>
+
 <file path=ppt/slides/slide3.xml><?xml version="1.0" encoding="utf-8"?>
 <p:sld xmlns:a="http://schemas.openxmlformats.org/drawingml/2006/main" xmlns:r="http://schemas.openxmlformats.org/officeDocument/2006/relationships" xmlns:p="http://schemas.openxmlformats.org/presentationml/2006/main">
   <p:cSld>
@@ -7614,7 +11558,6 @@
               <a:rPr lang="en-US" dirty="0" smtClean="0"/>
               <a:t>First Released: October 2012</a:t>
             </a:r>
-            <a:endParaRPr lang="en-US" dirty="0" smtClean="0"/>
           </a:p>
           <a:p>
             <a:pPr marL="0" indent="0">
@@ -7634,11 +11577,11 @@
   <p:clrMapOvr>
     <a:masterClrMapping/>
   </p:clrMapOvr>
-  <mc:AlternateContent xmlns:mc="http://schemas.openxmlformats.org/markup-compatibility/2006">
-    <mc:Choice xmlns:p14="http://schemas.microsoft.com/office/powerpoint/2010/main" Requires="p14">
+  <mc:AlternateContent xmlns:mc="http://schemas.openxmlformats.org/markup-compatibility/2006" xmlns:p14="http://schemas.microsoft.com/office/powerpoint/2010/main">
+    <mc:Choice Requires="p14">
       <p:transition p14:dur="10"/>
     </mc:Choice>
-    <mc:Fallback>
+    <mc:Fallback xmlns="">
       <p:transition/>
     </mc:Fallback>
   </mc:AlternateContent>
@@ -7879,11 +11822,11 @@
   <p:clrMapOvr>
     <a:masterClrMapping/>
   </p:clrMapOvr>
-  <mc:AlternateContent xmlns:mc="http://schemas.openxmlformats.org/markup-compatibility/2006">
-    <mc:Choice xmlns:p14="http://schemas.microsoft.com/office/powerpoint/2010/main" Requires="p14">
+  <mc:AlternateContent xmlns:mc="http://schemas.openxmlformats.org/markup-compatibility/2006" xmlns:p14="http://schemas.microsoft.com/office/powerpoint/2010/main">
+    <mc:Choice Requires="p14">
       <p:transition p14:dur="0"/>
     </mc:Choice>
-    <mc:Fallback>
+    <mc:Fallback xmlns="">
       <p:transition/>
     </mc:Fallback>
   </mc:AlternateContent>
@@ -8133,11 +12076,11 @@
   <p:clrMapOvr>
     <a:masterClrMapping/>
   </p:clrMapOvr>
-  <mc:AlternateContent xmlns:mc="http://schemas.openxmlformats.org/markup-compatibility/2006">
-    <mc:Choice xmlns:p14="http://schemas.microsoft.com/office/powerpoint/2010/main" Requires="p14">
+  <mc:AlternateContent xmlns:mc="http://schemas.openxmlformats.org/markup-compatibility/2006" xmlns:p14="http://schemas.microsoft.com/office/powerpoint/2010/main">
+    <mc:Choice Requires="p14">
       <p:transition p14:dur="0"/>
     </mc:Choice>
-    <mc:Fallback>
+    <mc:Fallback xmlns="">
       <p:transition/>
     </mc:Fallback>
   </mc:AlternateContent>
@@ -8296,11 +12239,7 @@
             </a:pPr>
             <a:r>
               <a:rPr lang="en-US" dirty="0"/>
-              <a:t> </a:t>
-            </a:r>
-            <a:r>
-              <a:rPr lang="en-US" dirty="0"/>
-              <a:t>	</a:t>
+              <a:t> 	</a:t>
             </a:r>
           </a:p>
           <a:p>
@@ -8318,11 +12257,11 @@
   <p:clrMapOvr>
     <a:masterClrMapping/>
   </p:clrMapOvr>
-  <mc:AlternateContent xmlns:mc="http://schemas.openxmlformats.org/markup-compatibility/2006">
-    <mc:Choice xmlns:p14="http://schemas.microsoft.com/office/powerpoint/2010/main" Requires="p14">
+  <mc:AlternateContent xmlns:mc="http://schemas.openxmlformats.org/markup-compatibility/2006" xmlns:p14="http://schemas.microsoft.com/office/powerpoint/2010/main">
+    <mc:Choice Requires="p14">
       <p:transition p14:dur="0"/>
     </mc:Choice>
-    <mc:Fallback>
+    <mc:Fallback xmlns="">
       <p:transition/>
     </mc:Fallback>
   </mc:AlternateContent>
@@ -9253,15 +13192,7 @@
             <a:pPr lvl="1"/>
             <a:r>
               <a:rPr lang="en-US" dirty="0"/>
-              <a:t>Th</a:t>
-            </a:r>
-            <a:r>
-              <a:rPr lang="en-US" dirty="0"/>
-              <a:t>i</a:t>
-            </a:r>
-            <a:r>
-              <a:rPr lang="en-US" dirty="0"/>
-              <a:t>s means that any variable that is </a:t>
+              <a:t>This means that any variable that is </a:t>
             </a:r>
             <a:r>
               <a:rPr lang="en-US" dirty="0" smtClean="0"/>

--- a/PPT/Group02-Component1.pptx
+++ b/PPT/Group02-Component1.pptx
@@ -4,6 +4,9 @@
   <p:sldMasterIdLst>
     <p:sldMasterId id="2147483940" r:id="rId1"/>
   </p:sldMasterIdLst>
+  <p:notesMasterIdLst>
+    <p:notesMasterId r:id="rId32"/>
+  </p:notesMasterIdLst>
   <p:sldIdLst>
     <p:sldId id="256" r:id="rId2"/>
     <p:sldId id="266" r:id="rId3"/>
@@ -27,6 +30,14 @@
     <p:sldId id="275" r:id="rId21"/>
     <p:sldId id="277" r:id="rId22"/>
     <p:sldId id="276" r:id="rId23"/>
+    <p:sldId id="278" r:id="rId24"/>
+    <p:sldId id="279" r:id="rId25"/>
+    <p:sldId id="282" r:id="rId26"/>
+    <p:sldId id="283" r:id="rId27"/>
+    <p:sldId id="284" r:id="rId28"/>
+    <p:sldId id="280" r:id="rId29"/>
+    <p:sldId id="281" r:id="rId30"/>
+    <p:sldId id="285" r:id="rId31"/>
   </p:sldIdLst>
   <p:sldSz cx="12192000" cy="6858000"/>
   <p:notesSz cx="6858000" cy="9144000"/>
@@ -133,6 +144,447 @@
 </p:presentation>
 </file>
 
+<file path=ppt/notesMasters/notesMaster1.xml><?xml version="1.0" encoding="utf-8"?>
+<p:notesMaster xmlns:a="http://schemas.openxmlformats.org/drawingml/2006/main" xmlns:r="http://schemas.openxmlformats.org/officeDocument/2006/relationships" xmlns:p="http://schemas.openxmlformats.org/presentationml/2006/main">
+  <p:cSld>
+    <p:bg>
+      <p:bgRef idx="1001">
+        <a:schemeClr val="bg1"/>
+      </p:bgRef>
+    </p:bg>
+    <p:spTree>
+      <p:nvGrpSpPr>
+        <p:cNvPr id="1" name=""/>
+        <p:cNvGrpSpPr/>
+        <p:nvPr/>
+      </p:nvGrpSpPr>
+      <p:grpSpPr>
+        <a:xfrm>
+          <a:off x="0" y="0"/>
+          <a:ext cx="0" cy="0"/>
+          <a:chOff x="0" y="0"/>
+          <a:chExt cx="0" cy="0"/>
+        </a:xfrm>
+      </p:grpSpPr>
+      <p:sp>
+        <p:nvSpPr>
+          <p:cNvPr id="2" name="Header Placeholder 1"/>
+          <p:cNvSpPr>
+            <a:spLocks noGrp="1"/>
+          </p:cNvSpPr>
+          <p:nvPr>
+            <p:ph type="hdr" sz="quarter"/>
+          </p:nvPr>
+        </p:nvSpPr>
+        <p:spPr>
+          <a:xfrm>
+            <a:off x="0" y="0"/>
+            <a:ext cx="2971800" cy="458788"/>
+          </a:xfrm>
+          <a:prstGeom prst="rect">
+            <a:avLst/>
+          </a:prstGeom>
+        </p:spPr>
+        <p:txBody>
+          <a:bodyPr vert="horz" lIns="91440" tIns="45720" rIns="91440" bIns="45720" rtlCol="0"/>
+          <a:lstStyle>
+            <a:lvl1pPr algn="l">
+              <a:defRPr sz="1200"/>
+            </a:lvl1pPr>
+          </a:lstStyle>
+          <a:p>
+            <a:endParaRPr lang="en-US"/>
+          </a:p>
+        </p:txBody>
+      </p:sp>
+      <p:sp>
+        <p:nvSpPr>
+          <p:cNvPr id="3" name="Date Placeholder 2"/>
+          <p:cNvSpPr>
+            <a:spLocks noGrp="1"/>
+          </p:cNvSpPr>
+          <p:nvPr>
+            <p:ph type="dt" idx="1"/>
+          </p:nvPr>
+        </p:nvSpPr>
+        <p:spPr>
+          <a:xfrm>
+            <a:off x="3884613" y="0"/>
+            <a:ext cx="2971800" cy="458788"/>
+          </a:xfrm>
+          <a:prstGeom prst="rect">
+            <a:avLst/>
+          </a:prstGeom>
+        </p:spPr>
+        <p:txBody>
+          <a:bodyPr vert="horz" lIns="91440" tIns="45720" rIns="91440" bIns="45720" rtlCol="0"/>
+          <a:lstStyle>
+            <a:lvl1pPr algn="r">
+              <a:defRPr sz="1200"/>
+            </a:lvl1pPr>
+          </a:lstStyle>
+          <a:p>
+            <a:fld id="{D28E9EB5-E6F1-9949-968C-AFC4FA3706D3}" type="datetimeFigureOut">
+              <a:rPr lang="en-US" smtClean="0"/>
+              <a:t>9/21/21</a:t>
+            </a:fld>
+            <a:endParaRPr lang="en-US"/>
+          </a:p>
+        </p:txBody>
+      </p:sp>
+      <p:sp>
+        <p:nvSpPr>
+          <p:cNvPr id="4" name="Slide Image Placeholder 3"/>
+          <p:cNvSpPr>
+            <a:spLocks noGrp="1" noRot="1" noChangeAspect="1"/>
+          </p:cNvSpPr>
+          <p:nvPr>
+            <p:ph type="sldImg" idx="2"/>
+          </p:nvPr>
+        </p:nvSpPr>
+        <p:spPr>
+          <a:xfrm>
+            <a:off x="685800" y="1143000"/>
+            <a:ext cx="5486400" cy="3086100"/>
+          </a:xfrm>
+          <a:prstGeom prst="rect">
+            <a:avLst/>
+          </a:prstGeom>
+          <a:noFill/>
+          <a:ln w="12700">
+            <a:solidFill>
+              <a:prstClr val="black"/>
+            </a:solidFill>
+          </a:ln>
+        </p:spPr>
+        <p:txBody>
+          <a:bodyPr vert="horz" lIns="91440" tIns="45720" rIns="91440" bIns="45720" rtlCol="0" anchor="ctr"/>
+          <a:lstStyle/>
+          <a:p>
+            <a:endParaRPr lang="en-US"/>
+          </a:p>
+        </p:txBody>
+      </p:sp>
+      <p:sp>
+        <p:nvSpPr>
+          <p:cNvPr id="5" name="Notes Placeholder 4"/>
+          <p:cNvSpPr>
+            <a:spLocks noGrp="1"/>
+          </p:cNvSpPr>
+          <p:nvPr>
+            <p:ph type="body" sz="quarter" idx="3"/>
+          </p:nvPr>
+        </p:nvSpPr>
+        <p:spPr>
+          <a:xfrm>
+            <a:off x="685800" y="4400550"/>
+            <a:ext cx="5486400" cy="3600450"/>
+          </a:xfrm>
+          <a:prstGeom prst="rect">
+            <a:avLst/>
+          </a:prstGeom>
+        </p:spPr>
+        <p:txBody>
+          <a:bodyPr vert="horz" lIns="91440" tIns="45720" rIns="91440" bIns="45720" rtlCol="0"/>
+          <a:lstStyle/>
+          <a:p>
+            <a:pPr lvl="0"/>
+            <a:r>
+              <a:rPr lang="en-US"/>
+              <a:t>Click to edit Master text styles</a:t>
+            </a:r>
+          </a:p>
+          <a:p>
+            <a:pPr lvl="1"/>
+            <a:r>
+              <a:rPr lang="en-US"/>
+              <a:t>Second level</a:t>
+            </a:r>
+          </a:p>
+          <a:p>
+            <a:pPr lvl="2"/>
+            <a:r>
+              <a:rPr lang="en-US"/>
+              <a:t>Third level</a:t>
+            </a:r>
+          </a:p>
+          <a:p>
+            <a:pPr lvl="3"/>
+            <a:r>
+              <a:rPr lang="en-US"/>
+              <a:t>Fourth level</a:t>
+            </a:r>
+          </a:p>
+          <a:p>
+            <a:pPr lvl="4"/>
+            <a:r>
+              <a:rPr lang="en-US"/>
+              <a:t>Fifth level</a:t>
+            </a:r>
+          </a:p>
+        </p:txBody>
+      </p:sp>
+      <p:sp>
+        <p:nvSpPr>
+          <p:cNvPr id="6" name="Footer Placeholder 5"/>
+          <p:cNvSpPr>
+            <a:spLocks noGrp="1"/>
+          </p:cNvSpPr>
+          <p:nvPr>
+            <p:ph type="ftr" sz="quarter" idx="4"/>
+          </p:nvPr>
+        </p:nvSpPr>
+        <p:spPr>
+          <a:xfrm>
+            <a:off x="0" y="8685213"/>
+            <a:ext cx="2971800" cy="458787"/>
+          </a:xfrm>
+          <a:prstGeom prst="rect">
+            <a:avLst/>
+          </a:prstGeom>
+        </p:spPr>
+        <p:txBody>
+          <a:bodyPr vert="horz" lIns="91440" tIns="45720" rIns="91440" bIns="45720" rtlCol="0" anchor="b"/>
+          <a:lstStyle>
+            <a:lvl1pPr algn="l">
+              <a:defRPr sz="1200"/>
+            </a:lvl1pPr>
+          </a:lstStyle>
+          <a:p>
+            <a:endParaRPr lang="en-US"/>
+          </a:p>
+        </p:txBody>
+      </p:sp>
+      <p:sp>
+        <p:nvSpPr>
+          <p:cNvPr id="7" name="Slide Number Placeholder 6"/>
+          <p:cNvSpPr>
+            <a:spLocks noGrp="1"/>
+          </p:cNvSpPr>
+          <p:nvPr>
+            <p:ph type="sldNum" sz="quarter" idx="5"/>
+          </p:nvPr>
+        </p:nvSpPr>
+        <p:spPr>
+          <a:xfrm>
+            <a:off x="3884613" y="8685213"/>
+            <a:ext cx="2971800" cy="458787"/>
+          </a:xfrm>
+          <a:prstGeom prst="rect">
+            <a:avLst/>
+          </a:prstGeom>
+        </p:spPr>
+        <p:txBody>
+          <a:bodyPr vert="horz" lIns="91440" tIns="45720" rIns="91440" bIns="45720" rtlCol="0" anchor="b"/>
+          <a:lstStyle>
+            <a:lvl1pPr algn="r">
+              <a:defRPr sz="1200"/>
+            </a:lvl1pPr>
+          </a:lstStyle>
+          <a:p>
+            <a:fld id="{FA233EE8-DADF-854E-92AD-D78F76C2DA1E}" type="slidenum">
+              <a:rPr lang="en-US" smtClean="0"/>
+              <a:t>‹#›</a:t>
+            </a:fld>
+            <a:endParaRPr lang="en-US"/>
+          </a:p>
+        </p:txBody>
+      </p:sp>
+    </p:spTree>
+    <p:extLst>
+      <p:ext uri="{BB962C8B-B14F-4D97-AF65-F5344CB8AC3E}">
+        <p14:creationId xmlns:p14="http://schemas.microsoft.com/office/powerpoint/2010/main" val="2201183325"/>
+      </p:ext>
+    </p:extLst>
+  </p:cSld>
+  <p:clrMap bg1="lt1" tx1="dk1" bg2="lt2" tx2="dk2" accent1="accent1" accent2="accent2" accent3="accent3" accent4="accent4" accent5="accent5" accent6="accent6" hlink="hlink" folHlink="folHlink"/>
+  <p:notesStyle>
+    <a:lvl1pPr marL="0" algn="l" defTabSz="914400" rtl="0" eaLnBrk="1" latinLnBrk="0" hangingPunct="1">
+      <a:defRPr sz="1200" kern="1200">
+        <a:solidFill>
+          <a:schemeClr val="tx1"/>
+        </a:solidFill>
+        <a:latin typeface="+mn-lt"/>
+        <a:ea typeface="+mn-ea"/>
+        <a:cs typeface="+mn-cs"/>
+      </a:defRPr>
+    </a:lvl1pPr>
+    <a:lvl2pPr marL="457200" algn="l" defTabSz="914400" rtl="0" eaLnBrk="1" latinLnBrk="0" hangingPunct="1">
+      <a:defRPr sz="1200" kern="1200">
+        <a:solidFill>
+          <a:schemeClr val="tx1"/>
+        </a:solidFill>
+        <a:latin typeface="+mn-lt"/>
+        <a:ea typeface="+mn-ea"/>
+        <a:cs typeface="+mn-cs"/>
+      </a:defRPr>
+    </a:lvl2pPr>
+    <a:lvl3pPr marL="914400" algn="l" defTabSz="914400" rtl="0" eaLnBrk="1" latinLnBrk="0" hangingPunct="1">
+      <a:defRPr sz="1200" kern="1200">
+        <a:solidFill>
+          <a:schemeClr val="tx1"/>
+        </a:solidFill>
+        <a:latin typeface="+mn-lt"/>
+        <a:ea typeface="+mn-ea"/>
+        <a:cs typeface="+mn-cs"/>
+      </a:defRPr>
+    </a:lvl3pPr>
+    <a:lvl4pPr marL="1371600" algn="l" defTabSz="914400" rtl="0" eaLnBrk="1" latinLnBrk="0" hangingPunct="1">
+      <a:defRPr sz="1200" kern="1200">
+        <a:solidFill>
+          <a:schemeClr val="tx1"/>
+        </a:solidFill>
+        <a:latin typeface="+mn-lt"/>
+        <a:ea typeface="+mn-ea"/>
+        <a:cs typeface="+mn-cs"/>
+      </a:defRPr>
+    </a:lvl4pPr>
+    <a:lvl5pPr marL="1828800" algn="l" defTabSz="914400" rtl="0" eaLnBrk="1" latinLnBrk="0" hangingPunct="1">
+      <a:defRPr sz="1200" kern="1200">
+        <a:solidFill>
+          <a:schemeClr val="tx1"/>
+        </a:solidFill>
+        <a:latin typeface="+mn-lt"/>
+        <a:ea typeface="+mn-ea"/>
+        <a:cs typeface="+mn-cs"/>
+      </a:defRPr>
+    </a:lvl5pPr>
+    <a:lvl6pPr marL="2286000" algn="l" defTabSz="914400" rtl="0" eaLnBrk="1" latinLnBrk="0" hangingPunct="1">
+      <a:defRPr sz="1200" kern="1200">
+        <a:solidFill>
+          <a:schemeClr val="tx1"/>
+        </a:solidFill>
+        <a:latin typeface="+mn-lt"/>
+        <a:ea typeface="+mn-ea"/>
+        <a:cs typeface="+mn-cs"/>
+      </a:defRPr>
+    </a:lvl6pPr>
+    <a:lvl7pPr marL="2743200" algn="l" defTabSz="914400" rtl="0" eaLnBrk="1" latinLnBrk="0" hangingPunct="1">
+      <a:defRPr sz="1200" kern="1200">
+        <a:solidFill>
+          <a:schemeClr val="tx1"/>
+        </a:solidFill>
+        <a:latin typeface="+mn-lt"/>
+        <a:ea typeface="+mn-ea"/>
+        <a:cs typeface="+mn-cs"/>
+      </a:defRPr>
+    </a:lvl7pPr>
+    <a:lvl8pPr marL="3200400" algn="l" defTabSz="914400" rtl="0" eaLnBrk="1" latinLnBrk="0" hangingPunct="1">
+      <a:defRPr sz="1200" kern="1200">
+        <a:solidFill>
+          <a:schemeClr val="tx1"/>
+        </a:solidFill>
+        <a:latin typeface="+mn-lt"/>
+        <a:ea typeface="+mn-ea"/>
+        <a:cs typeface="+mn-cs"/>
+      </a:defRPr>
+    </a:lvl8pPr>
+    <a:lvl9pPr marL="3657600" algn="l" defTabSz="914400" rtl="0" eaLnBrk="1" latinLnBrk="0" hangingPunct="1">
+      <a:defRPr sz="1200" kern="1200">
+        <a:solidFill>
+          <a:schemeClr val="tx1"/>
+        </a:solidFill>
+        <a:latin typeface="+mn-lt"/>
+        <a:ea typeface="+mn-ea"/>
+        <a:cs typeface="+mn-cs"/>
+      </a:defRPr>
+    </a:lvl9pPr>
+  </p:notesStyle>
+</p:notesMaster>
+</file>
+
+<file path=ppt/notesSlides/notesSlide1.xml><?xml version="1.0" encoding="utf-8"?>
+<p:notes xmlns:a="http://schemas.openxmlformats.org/drawingml/2006/main" xmlns:r="http://schemas.openxmlformats.org/officeDocument/2006/relationships" xmlns:p="http://schemas.openxmlformats.org/presentationml/2006/main">
+  <p:cSld>
+    <p:spTree>
+      <p:nvGrpSpPr>
+        <p:cNvPr id="1" name=""/>
+        <p:cNvGrpSpPr/>
+        <p:nvPr/>
+      </p:nvGrpSpPr>
+      <p:grpSpPr>
+        <a:xfrm>
+          <a:off x="0" y="0"/>
+          <a:ext cx="0" cy="0"/>
+          <a:chOff x="0" y="0"/>
+          <a:chExt cx="0" cy="0"/>
+        </a:xfrm>
+      </p:grpSpPr>
+      <p:sp>
+        <p:nvSpPr>
+          <p:cNvPr id="2" name="Slide Image Placeholder 1"/>
+          <p:cNvSpPr>
+            <a:spLocks noGrp="1" noRot="1" noChangeAspect="1"/>
+          </p:cNvSpPr>
+          <p:nvPr>
+            <p:ph type="sldImg"/>
+          </p:nvPr>
+        </p:nvSpPr>
+        <p:spPr/>
+      </p:sp>
+      <p:sp>
+        <p:nvSpPr>
+          <p:cNvPr id="3" name="Notes Placeholder 2"/>
+          <p:cNvSpPr>
+            <a:spLocks noGrp="1"/>
+          </p:cNvSpPr>
+          <p:nvPr>
+            <p:ph type="body" idx="1"/>
+          </p:nvPr>
+        </p:nvSpPr>
+        <p:spPr/>
+        <p:txBody>
+          <a:bodyPr/>
+          <a:lstStyle/>
+          <a:p>
+            <a:r>
+              <a:rPr lang="en-US" dirty="0"/>
+              <a:t>Image credits: https://d1jnx9ba8s6j9r.cloudfront.net/blog/wp-content/uploads/2019/11/</a:t>
+            </a:r>
+            <a:r>
+              <a:rPr lang="en-US" dirty="0" err="1"/>
+              <a:t>components.png</a:t>
+            </a:r>
+            <a:endParaRPr lang="en-US" dirty="0"/>
+          </a:p>
+        </p:txBody>
+      </p:sp>
+      <p:sp>
+        <p:nvSpPr>
+          <p:cNvPr id="4" name="Slide Number Placeholder 3"/>
+          <p:cNvSpPr>
+            <a:spLocks noGrp="1"/>
+          </p:cNvSpPr>
+          <p:nvPr>
+            <p:ph type="sldNum" sz="quarter" idx="5"/>
+          </p:nvPr>
+        </p:nvSpPr>
+        <p:spPr/>
+        <p:txBody>
+          <a:bodyPr/>
+          <a:lstStyle/>
+          <a:p>
+            <a:fld id="{FA233EE8-DADF-854E-92AD-D78F76C2DA1E}" type="slidenum">
+              <a:rPr lang="en-US" smtClean="0"/>
+              <a:t>28</a:t>
+            </a:fld>
+            <a:endParaRPr lang="en-US"/>
+          </a:p>
+        </p:txBody>
+      </p:sp>
+    </p:spTree>
+    <p:extLst>
+      <p:ext uri="{BB962C8B-B14F-4D97-AF65-F5344CB8AC3E}">
+        <p14:creationId xmlns:p14="http://schemas.microsoft.com/office/powerpoint/2010/main" val="1024891360"/>
+      </p:ext>
+    </p:extLst>
+  </p:cSld>
+  <p:clrMapOvr>
+    <a:masterClrMapping/>
+  </p:clrMapOvr>
+</p:notes>
+</file>
+
 <file path=ppt/slideLayouts/slideLayout1.xml><?xml version="1.0" encoding="utf-8"?>
 <p:sldLayout xmlns:a="http://schemas.openxmlformats.org/drawingml/2006/main" xmlns:r="http://schemas.openxmlformats.org/officeDocument/2006/relationships" xmlns:p="http://schemas.openxmlformats.org/presentationml/2006/main" showMasterSp="0" type="title" preserve="1">
   <p:cSld name="Title Slide">
@@ -492,7 +944,7 @@
           </a:lstStyle>
           <a:p>
             <a:r>
-              <a:rPr lang="en-US" smtClean="0"/>
+              <a:rPr lang="en-US"/>
               <a:t>Click to edit Master title style</a:t>
             </a:r>
             <a:endParaRPr lang="en-US" dirty="0"/>
@@ -611,7 +1063,7 @@
           </a:lstStyle>
           <a:p>
             <a:r>
-              <a:rPr lang="en-US" smtClean="0"/>
+              <a:rPr lang="en-US"/>
               <a:t>Click to edit Master subtitle style</a:t>
             </a:r>
             <a:endParaRPr lang="en-US" dirty="0"/>
@@ -635,7 +1087,7 @@
           <a:p>
             <a:fld id="{F39BF11B-9B73-4D1C-AB07-019A5A0AA27F}" type="datetimeFigureOut">
               <a:rPr lang="en-US" smtClean="0"/>
-              <a:t>9/17/2021</a:t>
+              <a:t>9/21/21</a:t>
             </a:fld>
             <a:endParaRPr lang="en-US"/>
           </a:p>
@@ -750,7 +1202,7 @@
           </a:lstStyle>
           <a:p>
             <a:r>
-              <a:rPr lang="en-US" smtClean="0"/>
+              <a:rPr lang="en-US"/>
               <a:t>Click to edit Master title style</a:t>
             </a:r>
             <a:endParaRPr lang="en-US" dirty="0"/>
@@ -845,7 +1297,7 @@
           </a:lstStyle>
           <a:p>
             <a:r>
-              <a:rPr lang="en-US" smtClean="0"/>
+              <a:rPr lang="en-US"/>
               <a:t>Click icon to add picture</a:t>
             </a:r>
             <a:endParaRPr lang="en-US" dirty="0"/>
@@ -913,7 +1365,7 @@
           <a:p>
             <a:pPr lvl="0"/>
             <a:r>
-              <a:rPr lang="en-US" smtClean="0"/>
+              <a:rPr lang="en-US"/>
               <a:t>Click to edit Master text styles</a:t>
             </a:r>
           </a:p>
@@ -936,7 +1388,7 @@
           <a:p>
             <a:fld id="{F39BF11B-9B73-4D1C-AB07-019A5A0AA27F}" type="datetimeFigureOut">
               <a:rPr lang="en-US" smtClean="0"/>
-              <a:t>9/17/2021</a:t>
+              <a:t>9/21/21</a:t>
             </a:fld>
             <a:endParaRPr lang="en-US"/>
           </a:p>
@@ -1041,7 +1493,7 @@
           </a:lstStyle>
           <a:p>
             <a:r>
-              <a:rPr lang="en-US" smtClean="0"/>
+              <a:rPr lang="en-US"/>
               <a:t>Click to edit Master title style</a:t>
             </a:r>
             <a:endParaRPr lang="en-US" dirty="0"/>
@@ -1161,7 +1613,7 @@
           <a:p>
             <a:pPr lvl="0"/>
             <a:r>
-              <a:rPr lang="en-US" smtClean="0"/>
+              <a:rPr lang="en-US"/>
               <a:t>Click to edit Master text styles</a:t>
             </a:r>
           </a:p>
@@ -1184,7 +1636,7 @@
           <a:p>
             <a:fld id="{F39BF11B-9B73-4D1C-AB07-019A5A0AA27F}" type="datetimeFigureOut">
               <a:rPr lang="en-US" smtClean="0"/>
-              <a:t>9/17/2021</a:t>
+              <a:t>9/21/21</a:t>
             </a:fld>
             <a:endParaRPr lang="en-US"/>
           </a:p>
@@ -1525,7 +1977,7 @@
           </a:lstStyle>
           <a:p>
             <a:r>
-              <a:rPr lang="en-US" smtClean="0"/>
+              <a:rPr lang="en-US"/>
               <a:t>Click to edit Master title style</a:t>
             </a:r>
             <a:endParaRPr lang="en-US" dirty="0"/>
@@ -1582,7 +2034,7 @@
           <a:p>
             <a:pPr lvl="0"/>
             <a:r>
-              <a:rPr lang="en-US" smtClean="0"/>
+              <a:rPr lang="en-US"/>
               <a:t>Click to edit Master text styles</a:t>
             </a:r>
           </a:p>
@@ -1701,7 +2153,7 @@
           <a:p>
             <a:pPr lvl="0"/>
             <a:r>
-              <a:rPr lang="en-US" smtClean="0"/>
+              <a:rPr lang="en-US"/>
               <a:t>Click to edit Master text styles</a:t>
             </a:r>
           </a:p>
@@ -1724,7 +2176,7 @@
           <a:p>
             <a:fld id="{F39BF11B-9B73-4D1C-AB07-019A5A0AA27F}" type="datetimeFigureOut">
               <a:rPr lang="en-US" smtClean="0"/>
-              <a:t>9/17/2021</a:t>
+              <a:t>9/21/21</a:t>
             </a:fld>
             <a:endParaRPr lang="en-US"/>
           </a:p>
@@ -1829,7 +2281,7 @@
           </a:lstStyle>
           <a:p>
             <a:r>
-              <a:rPr lang="en-US" smtClean="0"/>
+              <a:rPr lang="en-US"/>
               <a:t>Click to edit Master title style</a:t>
             </a:r>
             <a:endParaRPr lang="en-US" dirty="0"/>
@@ -1949,7 +2401,7 @@
           <a:p>
             <a:pPr lvl="0"/>
             <a:r>
-              <a:rPr lang="en-US" smtClean="0"/>
+              <a:rPr lang="en-US"/>
               <a:t>Click to edit Master text styles</a:t>
             </a:r>
           </a:p>
@@ -1972,7 +2424,7 @@
           <a:p>
             <a:fld id="{F39BF11B-9B73-4D1C-AB07-019A5A0AA27F}" type="datetimeFigureOut">
               <a:rPr lang="en-US" smtClean="0"/>
-              <a:t>9/17/2021</a:t>
+              <a:t>9/21/21</a:t>
             </a:fld>
             <a:endParaRPr lang="en-US"/>
           </a:p>
@@ -2313,7 +2765,7 @@
           </a:lstStyle>
           <a:p>
             <a:r>
-              <a:rPr lang="en-US" smtClean="0"/>
+              <a:rPr lang="en-US"/>
               <a:t>Click to edit Master title style</a:t>
             </a:r>
             <a:endParaRPr lang="en-US" dirty="0"/>
@@ -2362,7 +2814,7 @@
               <a:buNone/>
             </a:pPr>
             <a:r>
-              <a:rPr lang="en-US" smtClean="0"/>
+              <a:rPr lang="en-US"/>
               <a:t>Click to edit Master text styles</a:t>
             </a:r>
           </a:p>
@@ -2481,7 +2933,7 @@
           <a:p>
             <a:pPr lvl="0"/>
             <a:r>
-              <a:rPr lang="en-US" smtClean="0"/>
+              <a:rPr lang="en-US"/>
               <a:t>Click to edit Master text styles</a:t>
             </a:r>
           </a:p>
@@ -2504,7 +2956,7 @@
           <a:p>
             <a:fld id="{F39BF11B-9B73-4D1C-AB07-019A5A0AA27F}" type="datetimeFigureOut">
               <a:rPr lang="en-US" smtClean="0"/>
-              <a:t>9/17/2021</a:t>
+              <a:t>9/21/21</a:t>
             </a:fld>
             <a:endParaRPr lang="en-US"/>
           </a:p>
@@ -2610,7 +3062,7 @@
           <a:p>
             <a:pPr marL="0" lvl="0"/>
             <a:r>
-              <a:rPr lang="en-US" smtClean="0"/>
+              <a:rPr lang="en-US"/>
               <a:t>Click to edit Master title style</a:t>
             </a:r>
             <a:endParaRPr lang="en-US" dirty="0"/>
@@ -2659,7 +3111,7 @@
               <a:buNone/>
             </a:pPr>
             <a:r>
-              <a:rPr lang="en-US" smtClean="0"/>
+              <a:rPr lang="en-US"/>
               <a:t>Click to edit Master text styles</a:t>
             </a:r>
           </a:p>
@@ -2778,7 +3230,7 @@
           <a:p>
             <a:pPr lvl="0"/>
             <a:r>
-              <a:rPr lang="en-US" smtClean="0"/>
+              <a:rPr lang="en-US"/>
               <a:t>Click to edit Master text styles</a:t>
             </a:r>
           </a:p>
@@ -2801,7 +3253,7 @@
           <a:p>
             <a:fld id="{F39BF11B-9B73-4D1C-AB07-019A5A0AA27F}" type="datetimeFigureOut">
               <a:rPr lang="en-US" smtClean="0"/>
-              <a:t>9/17/2021</a:t>
+              <a:t>9/21/21</a:t>
             </a:fld>
             <a:endParaRPr lang="en-US"/>
           </a:p>
@@ -2899,7 +3351,7 @@
           </a:lstStyle>
           <a:p>
             <a:r>
-              <a:rPr lang="en-US" smtClean="0"/>
+              <a:rPr lang="en-US"/>
               <a:t>Click to edit Master title style</a:t>
             </a:r>
             <a:endParaRPr lang="en-US" dirty="0"/>
@@ -2923,35 +3375,35 @@
           <a:p>
             <a:pPr lvl="0"/>
             <a:r>
-              <a:rPr lang="en-US" smtClean="0"/>
+              <a:rPr lang="en-US"/>
               <a:t>Click to edit Master text styles</a:t>
             </a:r>
           </a:p>
           <a:p>
             <a:pPr lvl="1"/>
             <a:r>
-              <a:rPr lang="en-US" smtClean="0"/>
+              <a:rPr lang="en-US"/>
               <a:t>Second level</a:t>
             </a:r>
           </a:p>
           <a:p>
             <a:pPr lvl="2"/>
             <a:r>
-              <a:rPr lang="en-US" smtClean="0"/>
+              <a:rPr lang="en-US"/>
               <a:t>Third level</a:t>
             </a:r>
           </a:p>
           <a:p>
             <a:pPr lvl="3"/>
             <a:r>
-              <a:rPr lang="en-US" smtClean="0"/>
+              <a:rPr lang="en-US"/>
               <a:t>Fourth level</a:t>
             </a:r>
           </a:p>
           <a:p>
             <a:pPr lvl="4"/>
             <a:r>
-              <a:rPr lang="en-US" smtClean="0"/>
+              <a:rPr lang="en-US"/>
               <a:t>Fifth level</a:t>
             </a:r>
             <a:endParaRPr lang="en-US" dirty="0"/>
@@ -2975,7 +3427,7 @@
           <a:p>
             <a:fld id="{F39BF11B-9B73-4D1C-AB07-019A5A0AA27F}" type="datetimeFigureOut">
               <a:rPr lang="en-US" smtClean="0"/>
-              <a:t>9/17/2021</a:t>
+              <a:t>9/21/21</a:t>
             </a:fld>
             <a:endParaRPr lang="en-US"/>
           </a:p>
@@ -3074,7 +3526,7 @@
           <a:lstStyle/>
           <a:p>
             <a:r>
-              <a:rPr lang="en-US" smtClean="0"/>
+              <a:rPr lang="en-US"/>
               <a:t>Click to edit Master title style</a:t>
             </a:r>
             <a:endParaRPr lang="en-US" dirty="0"/>
@@ -3103,35 +3555,35 @@
           <a:p>
             <a:pPr lvl="0"/>
             <a:r>
-              <a:rPr lang="en-US" smtClean="0"/>
+              <a:rPr lang="en-US"/>
               <a:t>Click to edit Master text styles</a:t>
             </a:r>
           </a:p>
           <a:p>
             <a:pPr lvl="1"/>
             <a:r>
-              <a:rPr lang="en-US" smtClean="0"/>
+              <a:rPr lang="en-US"/>
               <a:t>Second level</a:t>
             </a:r>
           </a:p>
           <a:p>
             <a:pPr lvl="2"/>
             <a:r>
-              <a:rPr lang="en-US" smtClean="0"/>
+              <a:rPr lang="en-US"/>
               <a:t>Third level</a:t>
             </a:r>
           </a:p>
           <a:p>
             <a:pPr lvl="3"/>
             <a:r>
-              <a:rPr lang="en-US" smtClean="0"/>
+              <a:rPr lang="en-US"/>
               <a:t>Fourth level</a:t>
             </a:r>
           </a:p>
           <a:p>
             <a:pPr lvl="4"/>
             <a:r>
-              <a:rPr lang="en-US" smtClean="0"/>
+              <a:rPr lang="en-US"/>
               <a:t>Fifth level</a:t>
             </a:r>
             <a:endParaRPr lang="en-US" dirty="0"/>
@@ -3155,7 +3607,7 @@
           <a:p>
             <a:fld id="{F39BF11B-9B73-4D1C-AB07-019A5A0AA27F}" type="datetimeFigureOut">
               <a:rPr lang="en-US" smtClean="0"/>
-              <a:t>9/17/2021</a:t>
+              <a:t>9/21/21</a:t>
             </a:fld>
             <a:endParaRPr lang="en-US"/>
           </a:p>
@@ -3254,7 +3706,7 @@
           <a:lstStyle/>
           <a:p>
             <a:r>
-              <a:rPr lang="en-US" smtClean="0"/>
+              <a:rPr lang="en-US"/>
               <a:t>Click to edit Master title style</a:t>
             </a:r>
             <a:endParaRPr lang="en-US" dirty="0"/>
@@ -3278,35 +3730,35 @@
           <a:p>
             <a:pPr lvl="0"/>
             <a:r>
-              <a:rPr lang="en-US" smtClean="0"/>
+              <a:rPr lang="en-US"/>
               <a:t>Click to edit Master text styles</a:t>
             </a:r>
           </a:p>
           <a:p>
             <a:pPr lvl="1"/>
             <a:r>
-              <a:rPr lang="en-US" smtClean="0"/>
+              <a:rPr lang="en-US"/>
               <a:t>Second level</a:t>
             </a:r>
           </a:p>
           <a:p>
             <a:pPr lvl="2"/>
             <a:r>
-              <a:rPr lang="en-US" smtClean="0"/>
+              <a:rPr lang="en-US"/>
               <a:t>Third level</a:t>
             </a:r>
           </a:p>
           <a:p>
             <a:pPr lvl="3"/>
             <a:r>
-              <a:rPr lang="en-US" smtClean="0"/>
+              <a:rPr lang="en-US"/>
               <a:t>Fourth level</a:t>
             </a:r>
           </a:p>
           <a:p>
             <a:pPr lvl="4"/>
             <a:r>
-              <a:rPr lang="en-US" smtClean="0"/>
+              <a:rPr lang="en-US"/>
               <a:t>Fifth level</a:t>
             </a:r>
             <a:endParaRPr lang="en-US" dirty="0"/>
@@ -3330,7 +3782,7 @@
           <a:p>
             <a:fld id="{F39BF11B-9B73-4D1C-AB07-019A5A0AA27F}" type="datetimeFigureOut">
               <a:rPr lang="en-US" smtClean="0"/>
-              <a:t>9/17/2021</a:t>
+              <a:t>9/21/21</a:t>
             </a:fld>
             <a:endParaRPr lang="en-US"/>
           </a:p>
@@ -3438,7 +3890,7 @@
           </a:lstStyle>
           <a:p>
             <a:r>
-              <a:rPr lang="en-US" smtClean="0"/>
+              <a:rPr lang="en-US"/>
               <a:t>Click to edit Master title style</a:t>
             </a:r>
             <a:endParaRPr lang="en-US" dirty="0"/>
@@ -3558,7 +4010,7 @@
           <a:p>
             <a:pPr lvl="0"/>
             <a:r>
-              <a:rPr lang="en-US" smtClean="0"/>
+              <a:rPr lang="en-US"/>
               <a:t>Click to edit Master text styles</a:t>
             </a:r>
           </a:p>
@@ -3581,7 +4033,7 @@
           <a:p>
             <a:fld id="{F39BF11B-9B73-4D1C-AB07-019A5A0AA27F}" type="datetimeFigureOut">
               <a:rPr lang="en-US" smtClean="0"/>
-              <a:t>9/17/2021</a:t>
+              <a:t>9/21/21</a:t>
             </a:fld>
             <a:endParaRPr lang="en-US"/>
           </a:p>
@@ -3685,7 +4137,7 @@
           <a:lstStyle/>
           <a:p>
             <a:r>
-              <a:rPr lang="en-US" smtClean="0"/>
+              <a:rPr lang="en-US"/>
               <a:t>Click to edit Master title style</a:t>
             </a:r>
             <a:endParaRPr lang="en-US" dirty="0"/>
@@ -3744,35 +4196,35 @@
           <a:p>
             <a:pPr lvl="0"/>
             <a:r>
-              <a:rPr lang="en-US" smtClean="0"/>
+              <a:rPr lang="en-US"/>
               <a:t>Click to edit Master text styles</a:t>
             </a:r>
           </a:p>
           <a:p>
             <a:pPr lvl="1"/>
             <a:r>
-              <a:rPr lang="en-US" smtClean="0"/>
+              <a:rPr lang="en-US"/>
               <a:t>Second level</a:t>
             </a:r>
           </a:p>
           <a:p>
             <a:pPr lvl="2"/>
             <a:r>
-              <a:rPr lang="en-US" smtClean="0"/>
+              <a:rPr lang="en-US"/>
               <a:t>Third level</a:t>
             </a:r>
           </a:p>
           <a:p>
             <a:pPr lvl="3"/>
             <a:r>
-              <a:rPr lang="en-US" smtClean="0"/>
+              <a:rPr lang="en-US"/>
               <a:t>Fourth level</a:t>
             </a:r>
           </a:p>
           <a:p>
             <a:pPr lvl="4"/>
             <a:r>
-              <a:rPr lang="en-US" smtClean="0"/>
+              <a:rPr lang="en-US"/>
               <a:t>Fifth level</a:t>
             </a:r>
             <a:endParaRPr lang="en-US" dirty="0"/>
@@ -3831,35 +4283,35 @@
           <a:p>
             <a:pPr lvl="0"/>
             <a:r>
-              <a:rPr lang="en-US" smtClean="0"/>
+              <a:rPr lang="en-US"/>
               <a:t>Click to edit Master text styles</a:t>
             </a:r>
           </a:p>
           <a:p>
             <a:pPr lvl="1"/>
             <a:r>
-              <a:rPr lang="en-US" smtClean="0"/>
+              <a:rPr lang="en-US"/>
               <a:t>Second level</a:t>
             </a:r>
           </a:p>
           <a:p>
             <a:pPr lvl="2"/>
             <a:r>
-              <a:rPr lang="en-US" smtClean="0"/>
+              <a:rPr lang="en-US"/>
               <a:t>Third level</a:t>
             </a:r>
           </a:p>
           <a:p>
             <a:pPr lvl="3"/>
             <a:r>
-              <a:rPr lang="en-US" smtClean="0"/>
+              <a:rPr lang="en-US"/>
               <a:t>Fourth level</a:t>
             </a:r>
           </a:p>
           <a:p>
             <a:pPr lvl="4"/>
             <a:r>
-              <a:rPr lang="en-US" smtClean="0"/>
+              <a:rPr lang="en-US"/>
               <a:t>Fifth level</a:t>
             </a:r>
             <a:endParaRPr lang="en-US" dirty="0"/>
@@ -3883,7 +4335,7 @@
           <a:p>
             <a:fld id="{F39BF11B-9B73-4D1C-AB07-019A5A0AA27F}" type="datetimeFigureOut">
               <a:rPr lang="en-US" smtClean="0"/>
-              <a:t>9/17/2021</a:t>
+              <a:t>9/21/21</a:t>
             </a:fld>
             <a:endParaRPr lang="en-US"/>
           </a:p>
@@ -3986,7 +4438,7 @@
           </a:lstStyle>
           <a:p>
             <a:r>
-              <a:rPr lang="en-US" smtClean="0"/>
+              <a:rPr lang="en-US"/>
               <a:t>Click to edit Master title style</a:t>
             </a:r>
             <a:endParaRPr lang="en-US" dirty="0"/>
@@ -4060,7 +4512,7 @@
           <a:p>
             <a:pPr lvl="0"/>
             <a:r>
-              <a:rPr lang="en-US" smtClean="0"/>
+              <a:rPr lang="en-US"/>
               <a:t>Click to edit Master text styles</a:t>
             </a:r>
           </a:p>
@@ -4118,35 +4570,35 @@
           <a:p>
             <a:pPr lvl="0"/>
             <a:r>
-              <a:rPr lang="en-US" smtClean="0"/>
+              <a:rPr lang="en-US"/>
               <a:t>Click to edit Master text styles</a:t>
             </a:r>
           </a:p>
           <a:p>
             <a:pPr lvl="1"/>
             <a:r>
-              <a:rPr lang="en-US" smtClean="0"/>
+              <a:rPr lang="en-US"/>
               <a:t>Second level</a:t>
             </a:r>
           </a:p>
           <a:p>
             <a:pPr lvl="2"/>
             <a:r>
-              <a:rPr lang="en-US" smtClean="0"/>
+              <a:rPr lang="en-US"/>
               <a:t>Third level</a:t>
             </a:r>
           </a:p>
           <a:p>
             <a:pPr lvl="3"/>
             <a:r>
-              <a:rPr lang="en-US" smtClean="0"/>
+              <a:rPr lang="en-US"/>
               <a:t>Fourth level</a:t>
             </a:r>
           </a:p>
           <a:p>
             <a:pPr lvl="4"/>
             <a:r>
-              <a:rPr lang="en-US" smtClean="0"/>
+              <a:rPr lang="en-US"/>
               <a:t>Fifth level</a:t>
             </a:r>
             <a:endParaRPr lang="en-US" dirty="0"/>
@@ -4220,7 +4672,7 @@
           <a:p>
             <a:pPr lvl="0"/>
             <a:r>
-              <a:rPr lang="en-US" smtClean="0"/>
+              <a:rPr lang="en-US"/>
               <a:t>Click to edit Master text styles</a:t>
             </a:r>
           </a:p>
@@ -4278,35 +4730,35 @@
           <a:p>
             <a:pPr lvl="0"/>
             <a:r>
-              <a:rPr lang="en-US" smtClean="0"/>
+              <a:rPr lang="en-US"/>
               <a:t>Click to edit Master text styles</a:t>
             </a:r>
           </a:p>
           <a:p>
             <a:pPr lvl="1"/>
             <a:r>
-              <a:rPr lang="en-US" smtClean="0"/>
+              <a:rPr lang="en-US"/>
               <a:t>Second level</a:t>
             </a:r>
           </a:p>
           <a:p>
             <a:pPr lvl="2"/>
             <a:r>
-              <a:rPr lang="en-US" smtClean="0"/>
+              <a:rPr lang="en-US"/>
               <a:t>Third level</a:t>
             </a:r>
           </a:p>
           <a:p>
             <a:pPr lvl="3"/>
             <a:r>
-              <a:rPr lang="en-US" smtClean="0"/>
+              <a:rPr lang="en-US"/>
               <a:t>Fourth level</a:t>
             </a:r>
           </a:p>
           <a:p>
             <a:pPr lvl="4"/>
             <a:r>
-              <a:rPr lang="en-US" smtClean="0"/>
+              <a:rPr lang="en-US"/>
               <a:t>Fifth level</a:t>
             </a:r>
             <a:endParaRPr lang="en-US" dirty="0"/>
@@ -4330,7 +4782,7 @@
           <a:p>
             <a:fld id="{F39BF11B-9B73-4D1C-AB07-019A5A0AA27F}" type="datetimeFigureOut">
               <a:rPr lang="en-US" smtClean="0"/>
-              <a:t>9/17/2021</a:t>
+              <a:t>9/21/21</a:t>
             </a:fld>
             <a:endParaRPr lang="en-US"/>
           </a:p>
@@ -4429,7 +4881,7 @@
           <a:lstStyle/>
           <a:p>
             <a:r>
-              <a:rPr lang="en-US" smtClean="0"/>
+              <a:rPr lang="en-US"/>
               <a:t>Click to edit Master title style</a:t>
             </a:r>
             <a:endParaRPr lang="en-US" dirty="0"/>
@@ -4453,7 +4905,7 @@
           <a:p>
             <a:fld id="{F39BF11B-9B73-4D1C-AB07-019A5A0AA27F}" type="datetimeFigureOut">
               <a:rPr lang="en-US" smtClean="0"/>
-              <a:t>9/17/2021</a:t>
+              <a:t>9/21/21</a:t>
             </a:fld>
             <a:endParaRPr lang="en-US"/>
           </a:p>
@@ -4548,7 +5000,7 @@
           <a:p>
             <a:fld id="{F39BF11B-9B73-4D1C-AB07-019A5A0AA27F}" type="datetimeFigureOut">
               <a:rPr lang="en-US" smtClean="0"/>
-              <a:t>9/17/2021</a:t>
+              <a:t>9/21/21</a:t>
             </a:fld>
             <a:endParaRPr lang="en-US"/>
           </a:p>
@@ -4653,7 +5105,7 @@
           </a:lstStyle>
           <a:p>
             <a:r>
-              <a:rPr lang="en-US" smtClean="0"/>
+              <a:rPr lang="en-US"/>
               <a:t>Click to edit Master title style</a:t>
             </a:r>
             <a:endParaRPr lang="en-US" dirty="0"/>
@@ -4712,35 +5164,35 @@
           <a:p>
             <a:pPr lvl="0"/>
             <a:r>
-              <a:rPr lang="en-US" smtClean="0"/>
+              <a:rPr lang="en-US"/>
               <a:t>Click to edit Master text styles</a:t>
             </a:r>
           </a:p>
           <a:p>
             <a:pPr lvl="1"/>
             <a:r>
-              <a:rPr lang="en-US" smtClean="0"/>
+              <a:rPr lang="en-US"/>
               <a:t>Second level</a:t>
             </a:r>
           </a:p>
           <a:p>
             <a:pPr lvl="2"/>
             <a:r>
-              <a:rPr lang="en-US" smtClean="0"/>
+              <a:rPr lang="en-US"/>
               <a:t>Third level</a:t>
             </a:r>
           </a:p>
           <a:p>
             <a:pPr lvl="3"/>
             <a:r>
-              <a:rPr lang="en-US" smtClean="0"/>
+              <a:rPr lang="en-US"/>
               <a:t>Fourth level</a:t>
             </a:r>
           </a:p>
           <a:p>
             <a:pPr lvl="4"/>
             <a:r>
-              <a:rPr lang="en-US" smtClean="0"/>
+              <a:rPr lang="en-US"/>
               <a:t>Fifth level</a:t>
             </a:r>
             <a:endParaRPr lang="en-US" dirty="0"/>
@@ -4808,7 +5260,7 @@
           <a:p>
             <a:pPr lvl="0"/>
             <a:r>
-              <a:rPr lang="en-US" smtClean="0"/>
+              <a:rPr lang="en-US"/>
               <a:t>Click to edit Master text styles</a:t>
             </a:r>
           </a:p>
@@ -4831,7 +5283,7 @@
           <a:p>
             <a:fld id="{F39BF11B-9B73-4D1C-AB07-019A5A0AA27F}" type="datetimeFigureOut">
               <a:rPr lang="en-US" smtClean="0"/>
-              <a:t>9/17/2021</a:t>
+              <a:t>9/21/21</a:t>
             </a:fld>
             <a:endParaRPr lang="en-US"/>
           </a:p>
@@ -4941,7 +5393,7 @@
           </a:lstStyle>
           <a:p>
             <a:r>
-              <a:rPr lang="en-US" smtClean="0"/>
+              <a:rPr lang="en-US"/>
               <a:t>Click to edit Master title style</a:t>
             </a:r>
             <a:endParaRPr lang="en-US" dirty="0"/>
@@ -5036,7 +5488,7 @@
           </a:lstStyle>
           <a:p>
             <a:r>
-              <a:rPr lang="en-US" smtClean="0"/>
+              <a:rPr lang="en-US"/>
               <a:t>Click icon to add picture</a:t>
             </a:r>
             <a:endParaRPr lang="en-US" dirty="0"/>
@@ -5104,7 +5556,7 @@
           <a:p>
             <a:pPr lvl="0"/>
             <a:r>
-              <a:rPr lang="en-US" smtClean="0"/>
+              <a:rPr lang="en-US"/>
               <a:t>Click to edit Master text styles</a:t>
             </a:r>
           </a:p>
@@ -5127,7 +5579,7 @@
           <a:p>
             <a:fld id="{F39BF11B-9B73-4D1C-AB07-019A5A0AA27F}" type="datetimeFigureOut">
               <a:rPr lang="en-US" smtClean="0"/>
-              <a:t>9/17/2021</a:t>
+              <a:t>9/21/21</a:t>
             </a:fld>
             <a:endParaRPr lang="en-US"/>
           </a:p>
@@ -5553,7 +6005,7 @@
           <a:lstStyle/>
           <a:p>
             <a:r>
-              <a:rPr lang="en-US" smtClean="0"/>
+              <a:rPr lang="en-US"/>
               <a:t>Click to edit Master title style</a:t>
             </a:r>
             <a:endParaRPr lang="en-US" dirty="0"/>
@@ -5587,35 +6039,35 @@
           <a:p>
             <a:pPr lvl="0"/>
             <a:r>
-              <a:rPr lang="en-US" smtClean="0"/>
+              <a:rPr lang="en-US"/>
               <a:t>Click to edit Master text styles</a:t>
             </a:r>
           </a:p>
           <a:p>
             <a:pPr lvl="1"/>
             <a:r>
-              <a:rPr lang="en-US" smtClean="0"/>
+              <a:rPr lang="en-US"/>
               <a:t>Second level</a:t>
             </a:r>
           </a:p>
           <a:p>
             <a:pPr lvl="2"/>
             <a:r>
-              <a:rPr lang="en-US" smtClean="0"/>
+              <a:rPr lang="en-US"/>
               <a:t>Third level</a:t>
             </a:r>
           </a:p>
           <a:p>
             <a:pPr lvl="3"/>
             <a:r>
-              <a:rPr lang="en-US" smtClean="0"/>
+              <a:rPr lang="en-US"/>
               <a:t>Fourth level</a:t>
             </a:r>
           </a:p>
           <a:p>
             <a:pPr lvl="4"/>
             <a:r>
-              <a:rPr lang="en-US" smtClean="0"/>
+              <a:rPr lang="en-US"/>
               <a:t>Fifth level</a:t>
             </a:r>
             <a:endParaRPr lang="en-US" dirty="0"/>
@@ -5657,7 +6109,7 @@
           <a:p>
             <a:fld id="{F39BF11B-9B73-4D1C-AB07-019A5A0AA27F}" type="datetimeFigureOut">
               <a:rPr lang="en-US" smtClean="0"/>
-              <a:t>9/17/2021</a:t>
+              <a:t>9/21/21</a:t>
             </a:fld>
             <a:endParaRPr lang="en-US"/>
           </a:p>
@@ -6218,41 +6670,17 @@
             <a:pPr algn="ctr"/>
             <a:r>
               <a:rPr lang="en-US" sz="6700" b="1" dirty="0"/>
-              <a:t>Advanced Software </a:t>
-            </a:r>
-            <a:r>
-              <a:rPr lang="en-US" sz="6700" b="1" dirty="0" smtClean="0"/>
-              <a:t>Paradigms</a:t>
-            </a:r>
-            <a:r>
-              <a:rPr lang="en-US" dirty="0" smtClean="0"/>
-              <a:t/>
+              <a:t>Advanced Software Paradigms</a:t>
             </a:r>
             <a:br>
-              <a:rPr lang="en-US" dirty="0" smtClean="0"/>
+              <a:rPr lang="en-US" dirty="0"/>
             </a:br>
-            <a:r>
-              <a:rPr lang="en-US" dirty="0" smtClean="0"/>
-              <a:t/>
-            </a:r>
             <a:br>
-              <a:rPr lang="en-US" dirty="0" smtClean="0"/>
+              <a:rPr lang="en-US" dirty="0"/>
             </a:br>
             <a:r>
               <a:rPr lang="en-US" sz="4400" dirty="0"/>
-              <a:t>C</a:t>
-            </a:r>
-            <a:r>
-              <a:rPr lang="en-US" sz="4400" dirty="0" smtClean="0"/>
-              <a:t>omputer </a:t>
-            </a:r>
-            <a:r>
-              <a:rPr lang="en-US" sz="4400" dirty="0"/>
-              <a:t>P</a:t>
-            </a:r>
-            <a:r>
-              <a:rPr lang="en-US" sz="4400" dirty="0" smtClean="0"/>
-              <a:t>rogramming Language</a:t>
+              <a:t>Computer Programming Language</a:t>
             </a:r>
             <a:endParaRPr lang="en-US" sz="6000" dirty="0"/>
           </a:p>
@@ -6286,7 +6714,7 @@
               </a:lnSpc>
             </a:pPr>
             <a:r>
-              <a:rPr lang="en-US" sz="4400" dirty="0" smtClean="0"/>
+              <a:rPr lang="en-US" sz="4400" dirty="0"/>
               <a:t>By </a:t>
             </a:r>
           </a:p>
@@ -6300,7 +6728,7 @@
               </a:spcBef>
             </a:pPr>
             <a:r>
-              <a:rPr lang="en-US" sz="5600" dirty="0" smtClean="0"/>
+              <a:rPr lang="en-US" sz="5600" dirty="0"/>
               <a:t>Jainee Gohil, </a:t>
             </a:r>
           </a:p>
@@ -6314,7 +6742,7 @@
               </a:spcBef>
             </a:pPr>
             <a:r>
-              <a:rPr lang="en-US" sz="5600" dirty="0" smtClean="0"/>
+              <a:rPr lang="en-US" sz="5600" dirty="0"/>
               <a:t>Kalyan Kollepara, </a:t>
             </a:r>
           </a:p>
@@ -6328,26 +6756,17 @@
               </a:spcBef>
             </a:pPr>
             <a:r>
-              <a:rPr lang="en-US" sz="5600" dirty="0" smtClean="0"/>
-              <a:t>Mahesh </a:t>
-            </a:r>
-            <a:r>
               <a:rPr lang="en-US" sz="5600" dirty="0"/>
-              <a:t>Kumar </a:t>
-            </a:r>
-            <a:r>
-              <a:rPr lang="en-US" sz="5600" dirty="0" err="1" smtClean="0"/>
+              <a:t>Mahesh Kumar </a:t>
+            </a:r>
+            <a:r>
+              <a:rPr lang="en-US" sz="5600" dirty="0" err="1"/>
               <a:t>Gudumala</a:t>
             </a:r>
             <a:r>
-              <a:rPr lang="en-US" sz="5600" dirty="0" smtClean="0"/>
-              <a:t>,</a:t>
-            </a:r>
-            <a:r>
               <a:rPr lang="en-US" sz="5600" dirty="0"/>
-              <a:t> </a:t>
-            </a:r>
-            <a:endParaRPr lang="en-US" sz="5600" dirty="0" smtClean="0"/>
+              <a:t>, </a:t>
+            </a:r>
           </a:p>
           <a:p>
             <a:pPr>
@@ -6359,16 +6778,12 @@
               </a:spcBef>
             </a:pPr>
             <a:r>
-              <a:rPr lang="en-US" sz="5600" dirty="0" err="1" smtClean="0"/>
+              <a:rPr lang="en-US" sz="5600" dirty="0" err="1"/>
               <a:t>Prashanth</a:t>
             </a:r>
             <a:r>
-              <a:rPr lang="en-US" sz="5600" dirty="0" smtClean="0"/>
-              <a:t> </a:t>
-            </a:r>
-            <a:r>
               <a:rPr lang="en-US" sz="5600" dirty="0"/>
-              <a:t>Kumar </a:t>
+              <a:t> Kumar </a:t>
             </a:r>
             <a:r>
               <a:rPr lang="en-US" sz="5600" dirty="0" err="1"/>
@@ -6418,13 +6833,6 @@
   <p:clrMapOvr>
     <a:masterClrMapping/>
   </p:clrMapOvr>
-  <p:timing>
-    <p:tnLst>
-      <p:par>
-        <p:cTn id="1" dur="indefinite" restart="never" nodeType="tmRoot"/>
-      </p:par>
-    </p:tnLst>
-  </p:timing>
 </p:sld>
 </file>
 
@@ -6466,10 +6874,9 @@
           <a:lstStyle/>
           <a:p>
             <a:r>
-              <a:rPr lang="en-US" dirty="0" smtClean="0"/>
+              <a:rPr lang="en-US" dirty="0"/>
               <a:t>Scope for “Let”</a:t>
             </a:r>
-            <a:endParaRPr lang="en-US" dirty="0"/>
           </a:p>
         </p:txBody>
       </p:sp>
@@ -6500,7 +6907,7 @@
               <a:buChar char="Ø"/>
             </a:pPr>
             <a:r>
-              <a:rPr lang="en-US" sz="2400" dirty="0" smtClean="0"/>
+              <a:rPr lang="en-US" sz="2400" dirty="0"/>
               <a:t>Block:</a:t>
             </a:r>
           </a:p>
@@ -6511,17 +6918,8 @@
             </a:pPr>
             <a:r>
               <a:rPr lang="en-US" sz="2000" dirty="0"/>
-              <a:t>A block lives in curly </a:t>
-            </a:r>
-            <a:r>
-              <a:rPr lang="en-US" sz="2000" dirty="0" smtClean="0"/>
-              <a:t>braces “{}”. </a:t>
-            </a:r>
-            <a:r>
-              <a:rPr lang="en-US" sz="2000" dirty="0"/>
-              <a:t>Anything within curly braces is a block.</a:t>
-            </a:r>
-            <a:endParaRPr lang="en-US" sz="2000" dirty="0" smtClean="0"/>
+              <a:t>A block lives in curly braces “{}”. Anything within curly braces is a block.</a:t>
+            </a:r>
           </a:p>
           <a:p>
             <a:pPr lvl="1">
@@ -6530,23 +6928,11 @@
             </a:pPr>
             <a:r>
               <a:rPr lang="en-US" sz="2000" b="1" dirty="0"/>
-              <a:t>l</a:t>
-            </a:r>
-            <a:r>
-              <a:rPr lang="en-US" sz="2000" b="1" dirty="0" smtClean="0"/>
-              <a:t>et </a:t>
-            </a:r>
-            <a:r>
-              <a:rPr lang="en-US" sz="2000" dirty="0" smtClean="0"/>
-              <a:t>has scoped </a:t>
+              <a:t>let </a:t>
             </a:r>
             <a:r>
               <a:rPr lang="en-US" sz="2000" dirty="0"/>
-              <a:t>to the nearest enclosing block which can be smaller than a function </a:t>
-            </a:r>
-            <a:r>
-              <a:rPr lang="en-US" sz="2000" dirty="0" smtClean="0"/>
-              <a:t>block.</a:t>
+              <a:t>has scoped to the nearest enclosing block which can be smaller than a function block.</a:t>
             </a:r>
           </a:p>
           <a:p>
@@ -6556,11 +6942,7 @@
             </a:pPr>
             <a:r>
               <a:rPr lang="en-US" sz="2000" dirty="0"/>
-              <a:t>So a variable declared in a block with let  is only available for use within that </a:t>
-            </a:r>
-            <a:r>
-              <a:rPr lang="en-US" sz="2000" dirty="0" smtClean="0"/>
-              <a:t>block.</a:t>
+              <a:t>So a variable declared in a block with let  is only available for use within that block.</a:t>
             </a:r>
           </a:p>
           <a:p>
@@ -6574,11 +6956,7 @@
             </a:r>
             <a:r>
               <a:rPr lang="en-US" sz="2000" dirty="0"/>
-              <a:t> variables can be updated but not </a:t>
-            </a:r>
-            <a:r>
-              <a:rPr lang="en-US" sz="2000" dirty="0" smtClean="0"/>
-              <a:t>re-declared.</a:t>
+              <a:t> variables can be updated but not re-declared.</a:t>
             </a:r>
           </a:p>
           <a:p>
@@ -6586,7 +6964,7 @@
               <a:buFont typeface="Wingdings" panose="05000000000000000000" pitchFamily="2" charset="2"/>
               <a:buChar char="Ø"/>
             </a:pPr>
-            <a:endParaRPr lang="en-US" dirty="0" smtClean="0"/>
+            <a:endParaRPr lang="en-US" dirty="0"/>
           </a:p>
         </p:txBody>
       </p:sp>
@@ -6617,7 +6995,7 @@
               <a:buChar char="Ø"/>
             </a:pPr>
             <a:r>
-              <a:rPr lang="en-US" b="1" dirty="0" smtClean="0"/>
+              <a:rPr lang="en-US" b="1" dirty="0"/>
               <a:t>Example:</a:t>
             </a:r>
           </a:p>
@@ -6626,7 +7004,7 @@
               <a:buNone/>
             </a:pPr>
             <a:r>
-              <a:rPr lang="en-US" dirty="0" smtClean="0">
+              <a:rPr lang="en-US" dirty="0">
                 <a:solidFill>
                   <a:schemeClr val="accent1">
                     <a:lumMod val="50000"/>
@@ -6641,7 +7019,7 @@
               <a:buNone/>
             </a:pPr>
             <a:r>
-              <a:rPr lang="en-US" dirty="0" smtClean="0">
+              <a:rPr lang="en-US" dirty="0">
                 <a:solidFill>
                   <a:schemeClr val="accent1">
                     <a:lumMod val="50000"/>
@@ -6650,13 +7028,6 @@
               </a:rPr>
               <a:t>let point = 4;</a:t>
             </a:r>
-            <a:endParaRPr lang="en-US" dirty="0">
-              <a:solidFill>
-                <a:schemeClr val="accent1">
-                  <a:lumMod val="50000"/>
-                </a:schemeClr>
-              </a:solidFill>
-            </a:endParaRPr>
           </a:p>
           <a:p>
             <a:pPr marL="457200" lvl="1" indent="0">
@@ -6685,17 +7056,7 @@
                   </a:schemeClr>
                 </a:solidFill>
               </a:rPr>
-              <a:t>    function </a:t>
-            </a:r>
-            <a:r>
-              <a:rPr lang="en-US" dirty="0" smtClean="0">
-                <a:solidFill>
-                  <a:schemeClr val="accent1">
-                    <a:lumMod val="50000"/>
-                  </a:schemeClr>
-                </a:solidFill>
-              </a:rPr>
-              <a:t>Main() {</a:t>
+              <a:t>    function Main() {</a:t>
             </a:r>
           </a:p>
           <a:p>
@@ -6703,7 +7064,7 @@
               <a:buNone/>
             </a:pPr>
             <a:r>
-              <a:rPr lang="en-US" dirty="0" smtClean="0">
+              <a:rPr lang="en-US" dirty="0">
                 <a:solidFill>
                   <a:schemeClr val="accent1">
                     <a:lumMod val="50000"/>
@@ -6712,6 +7073,76 @@
               </a:rPr>
               <a:t>	If(point &gt; 9){</a:t>
             </a:r>
+          </a:p>
+          <a:p>
+            <a:pPr marL="457200" lvl="1" indent="0">
+              <a:buNone/>
+            </a:pPr>
+            <a:r>
+              <a:rPr lang="en-US" dirty="0">
+                <a:solidFill>
+                  <a:schemeClr val="accent1">
+                    <a:lumMod val="50000"/>
+                  </a:schemeClr>
+                </a:solidFill>
+              </a:rPr>
+              <a:t>       	 	let subject= “Software Paradigm";</a:t>
+            </a:r>
+          </a:p>
+          <a:p>
+            <a:pPr marL="457200" lvl="1" indent="0">
+              <a:buNone/>
+            </a:pPr>
+            <a:r>
+              <a:rPr lang="en-US" dirty="0">
+                <a:solidFill>
+                  <a:schemeClr val="accent1">
+                    <a:lumMod val="50000"/>
+                  </a:schemeClr>
+                </a:solidFill>
+              </a:rPr>
+              <a:t>	 	Console.log(subject);</a:t>
+            </a:r>
+          </a:p>
+          <a:p>
+            <a:pPr marL="457200" lvl="1" indent="0">
+              <a:buNone/>
+            </a:pPr>
+            <a:r>
+              <a:rPr lang="en-US" dirty="0">
+                <a:solidFill>
+                  <a:schemeClr val="accent1">
+                    <a:lumMod val="50000"/>
+                  </a:schemeClr>
+                </a:solidFill>
+              </a:rPr>
+              <a:t>	}</a:t>
+            </a:r>
+          </a:p>
+          <a:p>
+            <a:pPr marL="457200" lvl="1" indent="0">
+              <a:buNone/>
+            </a:pPr>
+            <a:r>
+              <a:rPr lang="en-US" dirty="0">
+                <a:solidFill>
+                  <a:schemeClr val="accent1">
+                    <a:lumMod val="50000"/>
+                  </a:schemeClr>
+                </a:solidFill>
+              </a:rPr>
+              <a:t>	Console.log(subject); </a:t>
+            </a:r>
+            <a:r>
+              <a:rPr lang="en-US" b="1" dirty="0">
+                <a:solidFill>
+                  <a:schemeClr val="accent1">
+                    <a:lumMod val="50000"/>
+                  </a:schemeClr>
+                </a:solidFill>
+              </a:rPr>
+              <a:t>//Error</a:t>
+            </a:r>
             <a:endParaRPr lang="en-US" dirty="0">
               <a:solidFill>
                 <a:schemeClr val="accent1">
@@ -6726,130 +7157,6 @@
             </a:pPr>
             <a:r>
               <a:rPr lang="en-US" dirty="0">
-                <a:solidFill>
-                  <a:schemeClr val="accent1">
-                    <a:lumMod val="50000"/>
-                  </a:schemeClr>
-                </a:solidFill>
-              </a:rPr>
-              <a:t>       </a:t>
-            </a:r>
-            <a:r>
-              <a:rPr lang="en-US" dirty="0" smtClean="0">
-                <a:solidFill>
-                  <a:schemeClr val="accent1">
-                    <a:lumMod val="50000"/>
-                  </a:schemeClr>
-                </a:solidFill>
-              </a:rPr>
-              <a:t>	 	let subject</a:t>
-            </a:r>
-            <a:r>
-              <a:rPr lang="en-US" dirty="0">
-                <a:solidFill>
-                  <a:schemeClr val="accent1">
-                    <a:lumMod val="50000"/>
-                  </a:schemeClr>
-                </a:solidFill>
-              </a:rPr>
-              <a:t>= “Software Paradigm</a:t>
-            </a:r>
-            <a:r>
-              <a:rPr lang="en-US" dirty="0" smtClean="0">
-                <a:solidFill>
-                  <a:schemeClr val="accent1">
-                    <a:lumMod val="50000"/>
-                  </a:schemeClr>
-                </a:solidFill>
-              </a:rPr>
-              <a:t>";</a:t>
-            </a:r>
-          </a:p>
-          <a:p>
-            <a:pPr marL="457200" lvl="1" indent="0">
-              <a:buNone/>
-            </a:pPr>
-            <a:r>
-              <a:rPr lang="en-US" dirty="0" smtClean="0">
-                <a:solidFill>
-                  <a:schemeClr val="accent1">
-                    <a:lumMod val="50000"/>
-                  </a:schemeClr>
-                </a:solidFill>
-              </a:rPr>
-              <a:t>	 	Console.log(subject</a:t>
-            </a:r>
-            <a:r>
-              <a:rPr lang="en-US" dirty="0">
-                <a:solidFill>
-                  <a:schemeClr val="accent1">
-                    <a:lumMod val="50000"/>
-                  </a:schemeClr>
-                </a:solidFill>
-              </a:rPr>
-              <a:t>);</a:t>
-            </a:r>
-            <a:endParaRPr lang="en-US" dirty="0" smtClean="0">
-              <a:solidFill>
-                <a:schemeClr val="accent1">
-                  <a:lumMod val="50000"/>
-                </a:schemeClr>
-              </a:solidFill>
-            </a:endParaRPr>
-          </a:p>
-          <a:p>
-            <a:pPr marL="457200" lvl="1" indent="0">
-              <a:buNone/>
-            </a:pPr>
-            <a:r>
-              <a:rPr lang="en-US" dirty="0" smtClean="0">
-                <a:solidFill>
-                  <a:schemeClr val="accent1">
-                    <a:lumMod val="50000"/>
-                  </a:schemeClr>
-                </a:solidFill>
-              </a:rPr>
-              <a:t>	}</a:t>
-            </a:r>
-          </a:p>
-          <a:p>
-            <a:pPr marL="457200" lvl="1" indent="0">
-              <a:buNone/>
-            </a:pPr>
-            <a:r>
-              <a:rPr lang="en-US" dirty="0" smtClean="0">
-                <a:solidFill>
-                  <a:schemeClr val="accent1">
-                    <a:lumMod val="50000"/>
-                  </a:schemeClr>
-                </a:solidFill>
-              </a:rPr>
-              <a:t>	Console.log(subject); </a:t>
-            </a:r>
-            <a:r>
-              <a:rPr lang="en-US" b="1" dirty="0" smtClean="0">
-                <a:solidFill>
-                  <a:schemeClr val="accent1">
-                    <a:lumMod val="50000"/>
-                  </a:schemeClr>
-                </a:solidFill>
-              </a:rPr>
-              <a:t>//Error</a:t>
-            </a:r>
-            <a:endParaRPr lang="en-US" dirty="0">
-              <a:solidFill>
-                <a:schemeClr val="accent1">
-                  <a:lumMod val="50000"/>
-                </a:schemeClr>
-              </a:solidFill>
-            </a:endParaRPr>
-          </a:p>
-          <a:p>
-            <a:pPr marL="457200" lvl="1" indent="0">
-              <a:buNone/>
-            </a:pPr>
-            <a:r>
-              <a:rPr lang="en-US" dirty="0" smtClean="0">
                 <a:solidFill>
                   <a:schemeClr val="accent1">
                     <a:lumMod val="50000"/>
@@ -6871,13 +7178,6 @@
   <p:clrMapOvr>
     <a:masterClrMapping/>
   </p:clrMapOvr>
-  <p:timing>
-    <p:tnLst>
-      <p:par>
-        <p:cTn id="1" dur="indefinite" restart="never" nodeType="tmRoot"/>
-      </p:par>
-    </p:tnLst>
-  </p:timing>
 </p:sld>
 </file>
 
@@ -6919,18 +7219,17 @@
           <a:lstStyle/>
           <a:p>
             <a:r>
-              <a:rPr lang="en-US" dirty="0" smtClean="0"/>
+              <a:rPr lang="en-US" dirty="0"/>
               <a:t>Scope for “</a:t>
             </a:r>
             <a:r>
-              <a:rPr lang="en-US" dirty="0" err="1" smtClean="0"/>
+              <a:rPr lang="en-US" dirty="0" err="1"/>
               <a:t>Const</a:t>
             </a:r>
             <a:r>
-              <a:rPr lang="en-US" dirty="0" smtClean="0"/>
+              <a:rPr lang="en-US" dirty="0"/>
               <a:t>”</a:t>
             </a:r>
-            <a:endParaRPr lang="en-US" dirty="0"/>
           </a:p>
         </p:txBody>
       </p:sp>
@@ -6961,101 +7260,89 @@
               <a:buChar char="Ø"/>
             </a:pPr>
             <a:r>
-              <a:rPr lang="en-US" sz="2400" dirty="0" smtClean="0"/>
+              <a:rPr lang="en-US" sz="2400" dirty="0"/>
               <a:t>Block:</a:t>
             </a:r>
           </a:p>
           <a:p>
             <a:pPr lvl="1"/>
             <a:r>
-              <a:rPr lang="en-US" sz="2000" dirty="0" smtClean="0"/>
+              <a:rPr lang="en-US" sz="2000" dirty="0"/>
               <a:t>Like </a:t>
             </a:r>
             <a:r>
-              <a:rPr lang="en-US" sz="2000" b="1" dirty="0" smtClean="0"/>
+              <a:rPr lang="en-US" sz="2000" b="1" dirty="0"/>
               <a:t>“</a:t>
             </a:r>
             <a:r>
-              <a:rPr lang="en-US" sz="2000" dirty="0" smtClean="0"/>
+              <a:rPr lang="en-US" sz="2000" dirty="0"/>
               <a:t>Let”, </a:t>
             </a:r>
             <a:r>
-              <a:rPr lang="en-US" sz="2000" dirty="0" err="1" smtClean="0"/>
+              <a:rPr lang="en-US" sz="2000" dirty="0" err="1"/>
               <a:t>Const</a:t>
             </a:r>
             <a:r>
-              <a:rPr lang="en-US" sz="2000" dirty="0" smtClean="0"/>
+              <a:rPr lang="en-US" sz="2000" dirty="0"/>
               <a:t> also has a block scope.</a:t>
             </a:r>
           </a:p>
           <a:p>
             <a:pPr lvl="1"/>
             <a:r>
-              <a:rPr lang="en-US" sz="2000" dirty="0" smtClean="0"/>
+              <a:rPr lang="en-US" sz="2000" dirty="0"/>
               <a:t>But difference between </a:t>
             </a:r>
             <a:r>
-              <a:rPr lang="en-US" sz="2000" b="1" dirty="0" smtClean="0"/>
+              <a:rPr lang="en-US" sz="2000" b="1" dirty="0"/>
               <a:t>“let” </a:t>
             </a:r>
             <a:r>
-              <a:rPr lang="en-US" sz="2000" dirty="0" smtClean="0"/>
+              <a:rPr lang="en-US" sz="2000" dirty="0"/>
               <a:t>and </a:t>
             </a:r>
             <a:r>
-              <a:rPr lang="en-US" sz="2000" b="1" dirty="0" smtClean="0"/>
+              <a:rPr lang="en-US" sz="2000" b="1" dirty="0"/>
               <a:t>“</a:t>
             </a:r>
             <a:r>
-              <a:rPr lang="en-US" sz="2000" b="1" dirty="0" err="1" smtClean="0"/>
+              <a:rPr lang="en-US" sz="2000" b="1" dirty="0" err="1"/>
               <a:t>const</a:t>
             </a:r>
             <a:r>
-              <a:rPr lang="en-US" sz="2000" b="1" dirty="0" smtClean="0"/>
+              <a:rPr lang="en-US" sz="2000" b="1" dirty="0"/>
               <a:t>” </a:t>
             </a:r>
             <a:r>
-              <a:rPr lang="en-US" sz="2000" dirty="0" smtClean="0"/>
+              <a:rPr lang="en-US" sz="2000" dirty="0"/>
               <a:t>is that:</a:t>
             </a:r>
           </a:p>
           <a:p>
             <a:pPr lvl="2"/>
             <a:r>
-              <a:rPr lang="en-US" sz="1800" dirty="0" err="1" smtClean="0"/>
+              <a:rPr lang="en-US" sz="1800" dirty="0" err="1"/>
               <a:t>const</a:t>
             </a:r>
             <a:r>
-              <a:rPr lang="en-US" sz="1800" dirty="0" smtClean="0"/>
-              <a:t> variable </a:t>
-            </a:r>
-            <a:r>
               <a:rPr lang="en-US" sz="1800" dirty="0"/>
-              <a:t> cannot be updated or re-declared</a:t>
-            </a:r>
-            <a:r>
-              <a:rPr lang="en-US" sz="1800" dirty="0" smtClean="0"/>
-              <a:t>.</a:t>
+              <a:t> variable  cannot be updated or re-declared.</a:t>
             </a:r>
           </a:p>
           <a:p>
             <a:pPr lvl="2"/>
             <a:r>
               <a:rPr lang="en-US" sz="1800" dirty="0" err="1"/>
-              <a:t>c</a:t>
-            </a:r>
-            <a:r>
-              <a:rPr lang="en-US" sz="1800" dirty="0" err="1" smtClean="0"/>
-              <a:t>onst</a:t>
-            </a:r>
-            <a:r>
-              <a:rPr lang="en-US" sz="1800" dirty="0" smtClean="0"/>
+              <a:t>const</a:t>
+            </a:r>
+            <a:r>
+              <a:rPr lang="en-US" sz="1800" dirty="0"/>
               <a:t> variable must be initialized at the time of declaration.</a:t>
             </a:r>
           </a:p>
           <a:p>
             <a:pPr lvl="1"/>
-            <a:endParaRPr lang="en-US" dirty="0" smtClean="0"/>
+            <a:endParaRPr lang="en-US" dirty="0"/>
           </a:p>
         </p:txBody>
       </p:sp>
@@ -7086,7 +7373,7 @@
               <a:buChar char="Ø"/>
             </a:pPr>
             <a:r>
-              <a:rPr lang="en-US" b="1" dirty="0" smtClean="0"/>
+              <a:rPr lang="en-US" b="1" dirty="0"/>
               <a:t>Example:</a:t>
             </a:r>
           </a:p>
@@ -7095,7 +7382,7 @@
               <a:buNone/>
             </a:pPr>
             <a:r>
-              <a:rPr lang="en-US" b="1" dirty="0" smtClean="0">
+              <a:rPr lang="en-US" b="1" dirty="0">
                 <a:solidFill>
                   <a:schemeClr val="accent1">
                     <a:lumMod val="50000"/>
@@ -7120,16 +7407,6 @@
               <a:t>const</a:t>
             </a:r>
             <a:r>
-              <a:rPr lang="en-US" dirty="0" smtClean="0">
-                <a:solidFill>
-                  <a:schemeClr val="accent1">
-                    <a:lumMod val="50000"/>
-                  </a:schemeClr>
-                </a:solidFill>
-              </a:rPr>
-              <a:t> </a:t>
-            </a:r>
-            <a:r>
               <a:rPr lang="en-US" dirty="0">
                 <a:solidFill>
                   <a:schemeClr val="accent1">
@@ -7137,7 +7414,7 @@
                   </a:schemeClr>
                 </a:solidFill>
               </a:rPr>
-              <a:t>course= “Computer Science";</a:t>
+              <a:t> course= “Computer Science";</a:t>
             </a:r>
           </a:p>
           <a:p>
@@ -7152,24 +7429,14 @@
                   </a:schemeClr>
                 </a:solidFill>
               </a:rPr>
-              <a:t>course= “Computer </a:t>
-            </a:r>
-            <a:r>
-              <a:rPr lang="en-US" dirty="0" smtClean="0">
-                <a:solidFill>
-                  <a:schemeClr val="accent1">
-                    <a:lumMod val="50000"/>
-                  </a:schemeClr>
-                </a:solidFill>
-              </a:rPr>
-              <a:t>Engineering";</a:t>
+              <a:t>course= “Computer Engineering";</a:t>
             </a:r>
           </a:p>
           <a:p>
             <a:pPr marL="457200" lvl="1" indent="0">
               <a:buNone/>
             </a:pPr>
-            <a:endParaRPr lang="en-US" b="1" dirty="0" smtClean="0">
+            <a:endParaRPr lang="en-US" b="1" dirty="0">
               <a:solidFill>
                 <a:schemeClr val="accent1">
                   <a:lumMod val="50000"/>
@@ -7181,16 +7448,6 @@
             <a:pPr marL="457200" lvl="1" indent="0">
               <a:buNone/>
             </a:pPr>
-            <a:r>
-              <a:rPr lang="en-US" b="1" dirty="0" smtClean="0">
-                <a:solidFill>
-                  <a:schemeClr val="accent1">
-                    <a:lumMod val="50000"/>
-                  </a:schemeClr>
-                </a:solidFill>
-              </a:rPr>
-              <a:t>Not </a:t>
-            </a:r>
             <a:r>
               <a:rPr lang="en-US" b="1" dirty="0">
                 <a:solidFill>
@@ -7199,42 +7456,7 @@
                   </a:schemeClr>
                 </a:solidFill>
               </a:rPr>
-              <a:t>possible: </a:t>
-            </a:r>
-          </a:p>
-          <a:p>
-            <a:pPr marL="457200" lvl="1" indent="0">
-              <a:buNone/>
-            </a:pPr>
-            <a:r>
-              <a:rPr lang="en-US" dirty="0" err="1" smtClean="0">
-                <a:solidFill>
-                  <a:schemeClr val="accent1">
-                    <a:lumMod val="50000"/>
-                  </a:schemeClr>
-                </a:solidFill>
-              </a:rPr>
-              <a:t>const</a:t>
-            </a:r>
-            <a:r>
-              <a:rPr lang="en-US" dirty="0" smtClean="0">
-                <a:solidFill>
-                  <a:schemeClr val="accent1">
-                    <a:lumMod val="50000"/>
-                  </a:schemeClr>
-                </a:solidFill>
-              </a:rPr>
-              <a:t> course</a:t>
-            </a:r>
-            <a:r>
-              <a:rPr lang="en-US" dirty="0">
-                <a:solidFill>
-                  <a:schemeClr val="accent1">
-                    <a:lumMod val="50000"/>
-                  </a:schemeClr>
-                </a:solidFill>
-              </a:rPr>
-              <a:t>= “Computer Science";</a:t>
+              <a:t>Not possible: </a:t>
             </a:r>
           </a:p>
           <a:p>
@@ -7259,17 +7481,22 @@
                   </a:schemeClr>
                 </a:solidFill>
               </a:rPr>
-              <a:t> </a:t>
-            </a:r>
-            <a:r>
-              <a:rPr lang="en-US" dirty="0" smtClean="0">
+              <a:t> course= “Computer Science";</a:t>
+            </a:r>
+          </a:p>
+          <a:p>
+            <a:pPr marL="457200" lvl="1" indent="0">
+              <a:buNone/>
+            </a:pPr>
+            <a:r>
+              <a:rPr lang="en-US" dirty="0" err="1">
                 <a:solidFill>
                   <a:schemeClr val="accent1">
                     <a:lumMod val="50000"/>
                   </a:schemeClr>
                 </a:solidFill>
               </a:rPr>
-              <a:t>course</a:t>
+              <a:t>const</a:t>
             </a:r>
             <a:r>
               <a:rPr lang="en-US" dirty="0">
@@ -7279,32 +7506,15 @@
                   </a:schemeClr>
                 </a:solidFill>
               </a:rPr>
-              <a:t>= “Computer Engineering </a:t>
-            </a:r>
-            <a:r>
-              <a:rPr lang="en-US" dirty="0" smtClean="0">
-                <a:solidFill>
-                  <a:schemeClr val="accent1">
-                    <a:lumMod val="50000"/>
-                  </a:schemeClr>
-                </a:solidFill>
-              </a:rPr>
-              <a:t>";</a:t>
-            </a:r>
-            <a:endParaRPr lang="en-US" dirty="0">
-              <a:solidFill>
-                <a:schemeClr val="accent1">
-                  <a:lumMod val="50000"/>
-                </a:schemeClr>
-              </a:solidFill>
-            </a:endParaRPr>
+              <a:t> course= “Computer Engineering ";</a:t>
+            </a:r>
           </a:p>
           <a:p>
             <a:pPr marL="457200" lvl="1" indent="0">
               <a:buNone/>
             </a:pPr>
             <a:r>
-              <a:rPr lang="en-US" dirty="0" smtClean="0">
+              <a:rPr lang="en-US" dirty="0">
                 <a:solidFill>
                   <a:schemeClr val="accent1">
                     <a:lumMod val="50000"/>
@@ -7326,13 +7536,6 @@
   <p:clrMapOvr>
     <a:masterClrMapping/>
   </p:clrMapOvr>
-  <p:timing>
-    <p:tnLst>
-      <p:par>
-        <p:cTn id="1" dur="indefinite" restart="never" nodeType="tmRoot"/>
-      </p:par>
-    </p:tnLst>
-  </p:timing>
 </p:sld>
 </file>
 
@@ -7374,10 +7577,9 @@
           <a:lstStyle/>
           <a:p>
             <a:r>
-              <a:rPr lang="en-IN" dirty="0" smtClean="0"/>
+              <a:rPr lang="en-IN" dirty="0"/>
               <a:t>Data Types in TypeScript</a:t>
             </a:r>
-            <a:endParaRPr lang="en-IN" dirty="0"/>
           </a:p>
         </p:txBody>
       </p:sp>
@@ -7408,26 +7610,24 @@
               <a:buChar char="Ø"/>
             </a:pPr>
             <a:r>
-              <a:rPr lang="en-US" sz="2400" dirty="0" smtClean="0"/>
+              <a:rPr lang="en-US" sz="2400" dirty="0"/>
               <a:t>Boolean:</a:t>
             </a:r>
-            <a:endParaRPr lang="en-US" sz="2400" dirty="0"/>
           </a:p>
           <a:p>
             <a:pPr lvl="1"/>
             <a:r>
-              <a:rPr lang="en-US" sz="2000" dirty="0" smtClean="0"/>
+              <a:rPr lang="en-US" sz="2000" dirty="0"/>
               <a:t>Basic </a:t>
             </a:r>
             <a:r>
-              <a:rPr lang="en-US" sz="2000" dirty="0" err="1" smtClean="0"/>
+              <a:rPr lang="en-US" sz="2000" dirty="0" err="1"/>
               <a:t>datatype</a:t>
             </a:r>
             <a:r>
-              <a:rPr lang="en-US" sz="2000" dirty="0" smtClean="0"/>
+              <a:rPr lang="en-US" sz="2000" dirty="0"/>
               <a:t> is the simple true/false call a Boolean .</a:t>
             </a:r>
-            <a:endParaRPr lang="en-US" sz="2000" dirty="0"/>
           </a:p>
           <a:p>
             <a:pPr lvl="1"/>
@@ -7494,11 +7694,7 @@
             </a:r>
             <a:r>
               <a:rPr lang="en-IN" dirty="0"/>
-              <a:t> = false</a:t>
-            </a:r>
-            <a:r>
-              <a:rPr lang="en-IN" dirty="0" smtClean="0"/>
-              <a:t>;</a:t>
+              <a:t> = false;</a:t>
             </a:r>
             <a:endParaRPr lang="en-US" b="1" dirty="0">
               <a:solidFill>
@@ -7554,7 +7750,6 @@
               <a:rPr lang="en-US" sz="2200" dirty="0"/>
               <a:t>Number</a:t>
             </a:r>
-            <a:endParaRPr lang="en-US" sz="2200" dirty="0"/>
           </a:p>
           <a:p>
             <a:pPr marL="742950" lvl="1" indent="-285750" defTabSz="457200">
@@ -7773,11 +7968,7 @@
             </a:r>
             <a:r>
               <a:rPr lang="en-IN" sz="1500" dirty="0"/>
-              <a:t> = 100n</a:t>
-            </a:r>
-            <a:r>
-              <a:rPr lang="en-IN" sz="1500" dirty="0" smtClean="0"/>
-              <a:t>;</a:t>
+              <a:t> = 100n;</a:t>
             </a:r>
             <a:endParaRPr lang="en-US" b="1" dirty="0">
               <a:solidFill>
@@ -7840,10 +8031,9 @@
           <a:lstStyle/>
           <a:p>
             <a:r>
-              <a:rPr lang="en-IN" dirty="0" smtClean="0"/>
+              <a:rPr lang="en-IN" dirty="0"/>
               <a:t>Data Types in TypeScript</a:t>
             </a:r>
-            <a:endParaRPr lang="en-IN" dirty="0"/>
           </a:p>
         </p:txBody>
       </p:sp>
@@ -7880,33 +8070,12 @@
               <a:rPr lang="en-US" sz="2800" dirty="0"/>
               <a:t>String:</a:t>
             </a:r>
-            <a:endParaRPr lang="en-US" sz="2800" dirty="0"/>
           </a:p>
           <a:p>
             <a:pPr lvl="1"/>
             <a:r>
               <a:rPr lang="en-IN" sz="1900" dirty="0"/>
-              <a:t>Fundamental part of creating programs in TypeScript is working with textual data</a:t>
-            </a:r>
-            <a:r>
-              <a:rPr lang="en-IN" sz="1900" dirty="0" smtClean="0"/>
-              <a:t>. As </a:t>
-            </a:r>
-            <a:r>
-              <a:rPr lang="en-IN" sz="1900" dirty="0"/>
-              <a:t>in other languages, we use the type string to refer to these textual datatypes</a:t>
-            </a:r>
-            <a:r>
-              <a:rPr lang="en-IN" sz="1900" dirty="0" smtClean="0"/>
-              <a:t>. TypeScript </a:t>
-            </a:r>
-            <a:r>
-              <a:rPr lang="en-IN" sz="1900" dirty="0"/>
-              <a:t>also uses double quotes (") or single quotes (') to surround string data</a:t>
-            </a:r>
-            <a:r>
-              <a:rPr lang="en-IN" sz="1900" dirty="0"/>
-              <a:t>.</a:t>
+              <a:t>Fundamental part of creating programs in TypeScript is working with textual data. As in other languages, we use the type string to refer to these textual datatypes. TypeScript also uses double quotes (") or single quotes (') to surround string data.</a:t>
             </a:r>
             <a:endParaRPr lang="en-US" sz="1900" dirty="0"/>
           </a:p>
@@ -7973,12 +8142,8 @@
           </a:p>
           <a:p>
             <a:r>
-              <a:rPr lang="en-IN" dirty="0" smtClean="0"/>
-              <a:t>let </a:t>
-            </a:r>
-            <a:r>
               <a:rPr lang="en-IN" dirty="0"/>
-              <a:t>sentence: string = `Hello, my name is ${</a:t>
+              <a:t>let sentence: string = `Hello, my name is ${</a:t>
             </a:r>
             <a:r>
               <a:rPr lang="en-IN" dirty="0" err="1"/>
@@ -8042,10 +8207,9 @@
           <a:lstStyle/>
           <a:p>
             <a:r>
-              <a:rPr lang="en-IN" dirty="0" smtClean="0"/>
+              <a:rPr lang="en-IN" dirty="0"/>
               <a:t>Data Types in TypeScript</a:t>
             </a:r>
-            <a:endParaRPr lang="en-IN" dirty="0"/>
           </a:p>
         </p:txBody>
       </p:sp>
@@ -8079,10 +8243,9 @@
               <a:buChar char="Ø"/>
             </a:pPr>
             <a:r>
-              <a:rPr lang="en-US" sz="2800" dirty="0" smtClean="0"/>
+              <a:rPr lang="en-US" sz="2800" dirty="0"/>
               <a:t>Array:</a:t>
             </a:r>
-            <a:endParaRPr lang="en-US" sz="2800" dirty="0"/>
           </a:p>
           <a:p>
             <a:pPr lvl="1"/>
@@ -8090,29 +8253,12 @@
               <a:rPr lang="en-IN" sz="1900" dirty="0"/>
               <a:t>TypeScript allows you to work with arrays of values. Array types can be written in one of two ways. </a:t>
             </a:r>
-            <a:endParaRPr lang="en-IN" sz="1900" dirty="0" smtClean="0"/>
           </a:p>
           <a:p>
             <a:pPr lvl="1"/>
             <a:r>
-              <a:rPr lang="en-IN" sz="1900" dirty="0" smtClean="0"/>
-              <a:t>In </a:t>
-            </a:r>
-            <a:r>
               <a:rPr lang="en-IN" sz="1900" dirty="0"/>
-              <a:t>the first, you use the type of the elements followed by [] to denote an array of </a:t>
-            </a:r>
-            <a:r>
-              <a:rPr lang="en-IN" sz="1900" dirty="0" smtClean="0"/>
-              <a:t>that </a:t>
-            </a:r>
-            <a:r>
-              <a:rPr lang="en-IN" sz="1900" dirty="0"/>
-              <a:t>element type</a:t>
-            </a:r>
-            <a:r>
-              <a:rPr lang="en-IN" sz="1900" dirty="0" smtClean="0"/>
-              <a:t>:</a:t>
+              <a:t>In the first, you use the type of the elements followed by [] to denote an array of that element type:</a:t>
             </a:r>
           </a:p>
           <a:p>
@@ -8174,7 +8320,6 @@
               <a:rPr lang="en-IN" dirty="0"/>
               <a:t>let list: Array&lt;number&gt; = [1, 2, 3];</a:t>
             </a:r>
-            <a:endParaRPr lang="en-IN" dirty="0"/>
           </a:p>
         </p:txBody>
       </p:sp>
@@ -8229,10 +8374,9 @@
           <a:lstStyle/>
           <a:p>
             <a:r>
-              <a:rPr lang="en-IN" dirty="0" smtClean="0"/>
+              <a:rPr lang="en-IN" dirty="0"/>
               <a:t>Data Types in TypeScript</a:t>
             </a:r>
-            <a:endParaRPr lang="en-IN" dirty="0"/>
           </a:p>
         </p:txBody>
       </p:sp>
@@ -8266,10 +8410,9 @@
               <a:buChar char="Ø"/>
             </a:pPr>
             <a:r>
-              <a:rPr lang="en-US" sz="2800" dirty="0" smtClean="0"/>
+              <a:rPr lang="en-US" sz="2800" dirty="0"/>
               <a:t>Tuple:</a:t>
             </a:r>
-            <a:endParaRPr lang="en-US" sz="2800" dirty="0"/>
           </a:p>
           <a:p>
             <a:pPr lvl="1"/>
@@ -8277,7 +8420,6 @@
               <a:rPr lang="en-IN" sz="1900" dirty="0"/>
               <a:t>Tuple types allow you to express an array with a fixed number of elements whose types are known, but need not be the same. </a:t>
             </a:r>
-            <a:endParaRPr lang="en-IN" sz="1900" dirty="0" smtClean="0"/>
           </a:p>
           <a:p>
             <a:pPr lvl="1"/>
@@ -8285,7 +8427,6 @@
               <a:rPr lang="en-IN" sz="1900" dirty="0"/>
               <a:t>For example, you may want to represent a value as a pair of a string and a number:</a:t>
             </a:r>
-            <a:endParaRPr lang="en-IN" sz="1900" dirty="0" smtClean="0"/>
           </a:p>
         </p:txBody>
       </p:sp>
@@ -8364,7 +8505,6 @@
               <a:rPr lang="en-IN" dirty="0"/>
               <a:t>x = [10, "hello"]; // Error</a:t>
             </a:r>
-            <a:endParaRPr lang="en-IN" dirty="0"/>
           </a:p>
         </p:txBody>
       </p:sp>
@@ -8419,10 +8559,9 @@
           <a:lstStyle/>
           <a:p>
             <a:r>
-              <a:rPr lang="en-IN" dirty="0" smtClean="0"/>
+              <a:rPr lang="en-IN" dirty="0"/>
               <a:t>Data Types in TypeScript</a:t>
             </a:r>
-            <a:endParaRPr lang="en-IN" dirty="0"/>
           </a:p>
         </p:txBody>
       </p:sp>
@@ -8456,14 +8595,13 @@
               <a:buChar char="Ø"/>
             </a:pPr>
             <a:r>
-              <a:rPr lang="en-US" sz="2800" dirty="0" err="1" smtClean="0"/>
+              <a:rPr lang="en-US" sz="2800" dirty="0" err="1"/>
               <a:t>Enum</a:t>
             </a:r>
             <a:r>
-              <a:rPr lang="en-US" sz="2800" dirty="0" smtClean="0"/>
+              <a:rPr lang="en-US" sz="2800" dirty="0"/>
               <a:t>:</a:t>
             </a:r>
-            <a:endParaRPr lang="en-US" sz="2800" dirty="0"/>
           </a:p>
           <a:p>
             <a:pPr lvl="1"/>
@@ -8485,26 +8623,14 @@
             </a:r>
             <a:r>
               <a:rPr lang="en-IN" sz="1900" dirty="0"/>
-              <a:t> is a way of giving more friendly names to sets of numeric values</a:t>
-            </a:r>
-            <a:r>
-              <a:rPr lang="en-IN" sz="1900" dirty="0" smtClean="0"/>
-              <a:t>.</a:t>
+              <a:t> is a way of giving more friendly names to sets of numeric values.</a:t>
             </a:r>
           </a:p>
           <a:p>
             <a:pPr lvl="1"/>
             <a:r>
               <a:rPr lang="en-IN" sz="2000" dirty="0"/>
-              <a:t>E</a:t>
-            </a:r>
-            <a:r>
-              <a:rPr lang="en-IN" sz="2000" dirty="0" smtClean="0"/>
-              <a:t>ven </a:t>
-            </a:r>
-            <a:r>
-              <a:rPr lang="en-IN" sz="2000" dirty="0"/>
-              <a:t>manually set all the values in the </a:t>
+              <a:t>Even manually set all the values in the </a:t>
             </a:r>
             <a:r>
               <a:rPr lang="en-IN" sz="2000" dirty="0" err="1"/>
@@ -8514,7 +8640,7 @@
               <a:rPr lang="en-IN" sz="2000" dirty="0"/>
               <a:t>:</a:t>
             </a:r>
-            <a:endParaRPr lang="en-IN" sz="1900" dirty="0" smtClean="0"/>
+            <a:endParaRPr lang="en-IN" sz="1900" dirty="0"/>
           </a:p>
         </p:txBody>
       </p:sp>
@@ -8564,37 +8690,8 @@
             </a:r>
             <a:r>
               <a:rPr lang="en-IN" dirty="0"/>
-              <a:t> </a:t>
-            </a:r>
-            <a:r>
-              <a:rPr lang="en-IN" dirty="0" smtClean="0"/>
-              <a:t>{  </a:t>
-            </a:r>
-            <a:r>
-              <a:rPr lang="en-IN" dirty="0"/>
-              <a:t>Red</a:t>
-            </a:r>
-            <a:r>
-              <a:rPr lang="en-IN" dirty="0" smtClean="0"/>
-              <a:t>,  </a:t>
-            </a:r>
-            <a:r>
-              <a:rPr lang="en-IN" dirty="0"/>
-              <a:t>Green</a:t>
-            </a:r>
-            <a:r>
-              <a:rPr lang="en-IN" dirty="0" smtClean="0"/>
-              <a:t>,  </a:t>
-            </a:r>
-            <a:r>
-              <a:rPr lang="en-IN" dirty="0"/>
-              <a:t>Blue</a:t>
-            </a:r>
-            <a:r>
-              <a:rPr lang="en-IN" dirty="0" smtClean="0"/>
-              <a:t>,}</a:t>
-            </a:r>
-            <a:endParaRPr lang="en-IN" dirty="0"/>
+              <a:t> {  Red,  Green,  Blue,}</a:t>
+            </a:r>
           </a:p>
           <a:p>
             <a:pPr marL="0" indent="0">
@@ -8605,23 +8702,19 @@
               <a:t>let c: </a:t>
             </a:r>
             <a:r>
-              <a:rPr lang="en-IN" dirty="0" err="1" smtClean="0"/>
+              <a:rPr lang="en-IN" dirty="0" err="1"/>
               <a:t>Color</a:t>
             </a:r>
             <a:r>
-              <a:rPr lang="en-IN" dirty="0" smtClean="0"/>
-              <a:t> </a:t>
-            </a:r>
-            <a:r>
               <a:rPr lang="en-IN" dirty="0"/>
-              <a:t>= </a:t>
+              <a:t> = </a:t>
             </a:r>
             <a:r>
               <a:rPr lang="en-IN" dirty="0" err="1"/>
               <a:t>Color.Green</a:t>
             </a:r>
             <a:r>
-              <a:rPr lang="en-IN" dirty="0" smtClean="0"/>
+              <a:rPr lang="en-IN" dirty="0"/>
               <a:t>;</a:t>
             </a:r>
           </a:p>
@@ -8640,37 +8733,8 @@
             </a:r>
             <a:r>
               <a:rPr lang="en-IN" dirty="0"/>
-              <a:t> </a:t>
-            </a:r>
-            <a:r>
-              <a:rPr lang="en-IN" dirty="0" smtClean="0"/>
-              <a:t>{Red </a:t>
-            </a:r>
-            <a:r>
-              <a:rPr lang="en-IN" dirty="0"/>
-              <a:t>= </a:t>
-            </a:r>
-            <a:r>
-              <a:rPr lang="en-IN" dirty="0" smtClean="0"/>
-              <a:t>1,Green </a:t>
-            </a:r>
-            <a:r>
-              <a:rPr lang="en-IN" dirty="0"/>
-              <a:t>= </a:t>
-            </a:r>
-            <a:r>
-              <a:rPr lang="en-IN" dirty="0" smtClean="0"/>
-              <a:t>2,Blue </a:t>
-            </a:r>
-            <a:r>
-              <a:rPr lang="en-IN" dirty="0"/>
-              <a:t>= 4</a:t>
-            </a:r>
-            <a:r>
-              <a:rPr lang="en-IN" dirty="0" smtClean="0"/>
-              <a:t>,}</a:t>
-            </a:r>
-            <a:endParaRPr lang="en-IN" dirty="0"/>
+              <a:t> {Red = 1,Green = 2,Blue = 4,}</a:t>
+            </a:r>
           </a:p>
           <a:p>
             <a:pPr marL="0" indent="0">
@@ -8698,7 +8762,7 @@
             </a:r>
           </a:p>
           <a:p>
-            <a:endParaRPr lang="en-IN" dirty="0" smtClean="0"/>
+            <a:endParaRPr lang="en-IN" dirty="0"/>
           </a:p>
           <a:p>
             <a:pPr marL="0" indent="0">
@@ -8759,10 +8823,9 @@
           <a:lstStyle/>
           <a:p>
             <a:r>
-              <a:rPr lang="en-IN" dirty="0" smtClean="0"/>
+              <a:rPr lang="en-IN" dirty="0"/>
               <a:t>Data Types in TypeScript</a:t>
             </a:r>
-            <a:endParaRPr lang="en-IN" dirty="0"/>
           </a:p>
         </p:txBody>
       </p:sp>
@@ -8796,22 +8859,16 @@
               <a:buChar char="Ø"/>
             </a:pPr>
             <a:r>
-              <a:rPr lang="en-US" sz="2800" dirty="0" smtClean="0"/>
+              <a:rPr lang="en-US" sz="2800" dirty="0"/>
               <a:t>Unknown:</a:t>
             </a:r>
-            <a:endParaRPr lang="en-US" sz="2800" dirty="0"/>
           </a:p>
           <a:p>
             <a:pPr lvl="1"/>
             <a:r>
-              <a:rPr lang="en-IN" sz="1900" dirty="0" smtClean="0"/>
-              <a:t>To </a:t>
-            </a:r>
-            <a:r>
               <a:rPr lang="en-IN" sz="1900" dirty="0"/>
-              <a:t>describe the type of variables that we do not know when we are writing an application. These values may come from dynamic content.</a:t>
-            </a:r>
-            <a:endParaRPr lang="en-IN" sz="1900" dirty="0" smtClean="0"/>
+              <a:t>To describe the type of variables that we do not know when we are writing an application. These values may come from dynamic content.</a:t>
+            </a:r>
           </a:p>
           <a:p>
             <a:pPr lvl="1"/>
@@ -8819,7 +8876,6 @@
               <a:rPr lang="en-IN" sz="2000" dirty="0"/>
               <a:t>e.g. from the user – or we may want to intentionally accept all values in our API. </a:t>
             </a:r>
-            <a:endParaRPr lang="en-IN" sz="2000" dirty="0" smtClean="0"/>
           </a:p>
           <a:p>
             <a:pPr lvl="1"/>
@@ -8827,7 +8883,6 @@
               <a:rPr lang="en-IN" sz="1900" dirty="0"/>
               <a:t>In these cases, we want to provide a type that tells the compiler and future readers that this variable could be anything, so we give it the unknown type.</a:t>
             </a:r>
-            <a:endParaRPr lang="en-IN" sz="1900" dirty="0" smtClean="0"/>
           </a:p>
         </p:txBody>
       </p:sp>
@@ -8883,25 +8938,16 @@
             </a:r>
             <a:r>
               <a:rPr lang="en-IN" dirty="0"/>
-              <a:t> = "maybe a string instead</a:t>
-            </a:r>
-            <a:r>
-              <a:rPr lang="en-IN" dirty="0" smtClean="0"/>
-              <a:t>";</a:t>
-            </a:r>
-            <a:endParaRPr lang="en-IN" dirty="0"/>
+              <a:t> = "maybe a string instead";</a:t>
+            </a:r>
           </a:p>
           <a:p>
             <a:pPr marL="0" indent="0">
               <a:buNone/>
             </a:pPr>
             <a:r>
-              <a:rPr lang="en-IN" dirty="0" smtClean="0"/>
-              <a:t>// </a:t>
-            </a:r>
-            <a:r>
               <a:rPr lang="en-IN" dirty="0"/>
-              <a:t>OK, definitely a </a:t>
+              <a:t>// OK, definitely a </a:t>
             </a:r>
             <a:r>
               <a:rPr lang="en-IN" dirty="0" err="1"/>
@@ -8920,7 +8966,7 @@
             </a:r>
           </a:p>
           <a:p>
-            <a:endParaRPr lang="en-IN" dirty="0" smtClean="0"/>
+            <a:endParaRPr lang="en-IN" dirty="0"/>
           </a:p>
           <a:p>
             <a:pPr marL="0" indent="0">
@@ -8981,10 +9027,9 @@
           <a:lstStyle/>
           <a:p>
             <a:r>
-              <a:rPr lang="en-IN" dirty="0" smtClean="0"/>
+              <a:rPr lang="en-IN" dirty="0"/>
               <a:t>Data Types in TypeScript</a:t>
             </a:r>
-            <a:endParaRPr lang="en-IN" dirty="0"/>
           </a:p>
         </p:txBody>
       </p:sp>
@@ -9018,33 +9063,23 @@
               <a:buChar char="Ø"/>
             </a:pPr>
             <a:r>
-              <a:rPr lang="en-US" sz="2800" dirty="0" smtClean="0"/>
+              <a:rPr lang="en-US" sz="2800" dirty="0"/>
               <a:t>Any:</a:t>
             </a:r>
-            <a:endParaRPr lang="en-US" sz="2800" dirty="0"/>
           </a:p>
           <a:p>
             <a:pPr lvl="1"/>
             <a:r>
               <a:rPr lang="en-IN" sz="1900" dirty="0"/>
-              <a:t>In some situations, not all type information is available or its declaration would take an inappropriate amount of effort. These may occur for values from code that has been written without TypeScript or a 3rd party library. In these cases, we might want to opt-out of type checking. To do so, we label these values with the any </a:t>
-            </a:r>
-            <a:r>
-              <a:rPr lang="en-IN" sz="1900" dirty="0" smtClean="0"/>
-              <a:t>type.</a:t>
+              <a:t>In some situations, not all type information is available or its declaration would take an inappropriate amount of effort. These may occur for values from code that has been written without TypeScript or a 3rd party library. In these cases, we might want to opt-out of type checking. To do so, we label these values with the any type.</a:t>
             </a:r>
           </a:p>
           <a:p>
             <a:pPr lvl="1"/>
             <a:r>
               <a:rPr lang="en-IN" sz="1900" dirty="0"/>
-              <a:t>The any type is a powerful way to work with existing JavaScript, allowing you to gradually opt-in and opt-out of type checking during compilation</a:t>
-            </a:r>
-            <a:r>
-              <a:rPr lang="en-IN" sz="1900" dirty="0" smtClean="0"/>
-              <a:t>.</a:t>
-            </a:r>
-            <a:endParaRPr lang="en-IN" sz="1900" dirty="0"/>
+              <a:t>The any type is a powerful way to work with existing JavaScript, allowing you to gradually opt-in and opt-out of type checking during compilation.</a:t>
+            </a:r>
           </a:p>
           <a:p>
             <a:pPr lvl="1"/>
@@ -9052,7 +9087,6 @@
               <a:rPr lang="en-IN" sz="1900" dirty="0"/>
               <a:t>Unlike unknown, variables of type any allow you to access arbitrary properties, even ones that don’t exist. These properties include functions and TypeScript will not check their existence or type:</a:t>
             </a:r>
-            <a:endParaRPr lang="en-IN" sz="1900" dirty="0" smtClean="0"/>
           </a:p>
         </p:txBody>
       </p:sp>
@@ -9148,7 +9182,7 @@
               <a:t>myString</a:t>
             </a:r>
             <a:r>
-              <a:rPr lang="en-IN" dirty="0" smtClean="0"/>
+              <a:rPr lang="en-IN" dirty="0"/>
               <a:t>");</a:t>
             </a:r>
           </a:p>
@@ -9216,7 +9250,7 @@
               <a:t>looselyTyped.toFixed</a:t>
             </a:r>
             <a:r>
-              <a:rPr lang="en-IN" dirty="0" smtClean="0"/>
+              <a:rPr lang="en-IN" dirty="0"/>
               <a:t>();</a:t>
             </a:r>
           </a:p>
@@ -9273,10 +9307,9 @@
           <a:lstStyle/>
           <a:p>
             <a:r>
-              <a:rPr lang="en-IN" dirty="0" smtClean="0"/>
+              <a:rPr lang="en-IN" dirty="0"/>
               <a:t>Data Types in TypeScript</a:t>
             </a:r>
-            <a:endParaRPr lang="en-IN" dirty="0"/>
           </a:p>
         </p:txBody>
       </p:sp>
@@ -9310,20 +9343,15 @@
               <a:buChar char="Ø"/>
             </a:pPr>
             <a:r>
-              <a:rPr lang="en-US" sz="2800" dirty="0" smtClean="0"/>
+              <a:rPr lang="en-US" sz="2800" dirty="0"/>
               <a:t>Void:</a:t>
             </a:r>
-            <a:endParaRPr lang="en-US" sz="2800" dirty="0"/>
           </a:p>
           <a:p>
             <a:pPr lvl="1"/>
             <a:r>
               <a:rPr lang="en-IN" sz="1900" dirty="0"/>
-              <a:t>void is a little like the opposite of any: the absence of having any type at all. You may commonly see this as the return type of functions that do not return a </a:t>
-            </a:r>
-            <a:r>
-              <a:rPr lang="en-IN" sz="1900" dirty="0" smtClean="0"/>
-              <a:t>value.</a:t>
+              <a:t>void is a little like the opposite of any: the absence of having any type at all. You may commonly see this as the return type of functions that do not return a value.</a:t>
             </a:r>
           </a:p>
           <a:p>
@@ -9340,11 +9368,10 @@
               <a:rPr lang="en-IN" sz="1900" dirty="0"/>
               <a:t> is not specified, see next section) or undefined to them:</a:t>
             </a:r>
-            <a:endParaRPr lang="en-IN" sz="1900" dirty="0" smtClean="0"/>
           </a:p>
           <a:p>
             <a:pPr lvl="1"/>
-            <a:endParaRPr lang="en-IN" sz="1900" dirty="0" smtClean="0"/>
+            <a:endParaRPr lang="en-IN" sz="1900" dirty="0"/>
           </a:p>
         </p:txBody>
       </p:sp>
@@ -9390,11 +9417,7 @@
             </a:r>
             <a:r>
               <a:rPr lang="en-IN" dirty="0"/>
-              <a:t>(): void </a:t>
-            </a:r>
-            <a:r>
-              <a:rPr lang="en-IN" dirty="0" smtClean="0"/>
-              <a:t>{</a:t>
+              <a:t>(): void {</a:t>
             </a:r>
           </a:p>
           <a:p>
@@ -9402,12 +9425,8 @@
               <a:buNone/>
             </a:pPr>
             <a:r>
-              <a:rPr lang="en-IN" dirty="0" smtClean="0"/>
-              <a:t>  </a:t>
-            </a:r>
-            <a:r>
               <a:rPr lang="en-IN" dirty="0"/>
-              <a:t>console.log("This is my warning message");</a:t>
+              <a:t>  console.log("This is my warning message");</a:t>
             </a:r>
           </a:p>
           <a:p>
@@ -9415,7 +9434,7 @@
               <a:buNone/>
             </a:pPr>
             <a:r>
-              <a:rPr lang="en-IN" dirty="0" smtClean="0"/>
+              <a:rPr lang="en-IN" dirty="0"/>
               <a:t>}</a:t>
             </a:r>
           </a:p>
@@ -9501,10 +9520,9 @@
           <a:lstStyle/>
           <a:p>
             <a:r>
-              <a:rPr lang="en-US" dirty="0" smtClean="0"/>
+              <a:rPr lang="en-US" dirty="0"/>
               <a:t>Contents</a:t>
             </a:r>
-            <a:endParaRPr lang="en-US" dirty="0"/>
           </a:p>
         </p:txBody>
       </p:sp>
@@ -9529,45 +9547,45 @@
           <a:lstStyle/>
           <a:p>
             <a:r>
-              <a:rPr lang="en-US" dirty="0" smtClean="0"/>
+              <a:rPr lang="en-US" dirty="0"/>
               <a:t>About </a:t>
             </a:r>
             <a:r>
-              <a:rPr lang="en-US" dirty="0" err="1" smtClean="0"/>
+              <a:rPr lang="en-US" dirty="0" err="1"/>
               <a:t>TypeScript</a:t>
             </a:r>
-            <a:endParaRPr lang="en-US" dirty="0" smtClean="0"/>
-          </a:p>
-          <a:p>
-            <a:r>
-              <a:rPr lang="en-US" dirty="0" smtClean="0"/>
+            <a:endParaRPr lang="en-US" dirty="0"/>
+          </a:p>
+          <a:p>
+            <a:r>
+              <a:rPr lang="en-US" dirty="0"/>
               <a:t>What is Typescript? And to use it over JavaScript?</a:t>
             </a:r>
           </a:p>
           <a:p>
             <a:r>
-              <a:rPr lang="en-US" dirty="0" smtClean="0"/>
+              <a:rPr lang="en-US" dirty="0"/>
               <a:t>Set up </a:t>
             </a:r>
             <a:r>
-              <a:rPr lang="en-US" dirty="0" err="1" smtClean="0"/>
+              <a:rPr lang="en-US" dirty="0" err="1"/>
               <a:t>TypeScript</a:t>
             </a:r>
             <a:r>
-              <a:rPr lang="en-US" dirty="0" smtClean="0"/>
+              <a:rPr lang="en-US" dirty="0"/>
               <a:t> environment</a:t>
             </a:r>
           </a:p>
           <a:p>
             <a:r>
-              <a:rPr lang="en-US" dirty="0" smtClean="0"/>
+              <a:rPr lang="en-US" dirty="0"/>
               <a:t>Variables in </a:t>
             </a:r>
             <a:r>
-              <a:rPr lang="en-US" dirty="0" err="1" smtClean="0"/>
+              <a:rPr lang="en-US" dirty="0" err="1"/>
               <a:t>TypeScript</a:t>
             </a:r>
-            <a:endParaRPr lang="en-US" dirty="0" smtClean="0"/>
+            <a:endParaRPr lang="en-US" dirty="0"/>
           </a:p>
           <a:p>
             <a:endParaRPr lang="en-US" dirty="0"/>
@@ -9584,13 +9602,6 @@
   <p:clrMapOvr>
     <a:masterClrMapping/>
   </p:clrMapOvr>
-  <p:timing>
-    <p:tnLst>
-      <p:par>
-        <p:cTn id="1" dur="indefinite" restart="never" nodeType="tmRoot"/>
-      </p:par>
-    </p:tnLst>
-  </p:timing>
 </p:sld>
 </file>
 
@@ -9716,7 +9727,7 @@
               <a:buNone/>
             </a:pPr>
             <a:r>
-              <a:rPr lang="en-IN" dirty="0" smtClean="0"/>
+              <a:rPr lang="en-IN" dirty="0"/>
               <a:t>}</a:t>
             </a:r>
           </a:p>
@@ -9782,20 +9793,8 @@
           <a:lstStyle/>
           <a:p>
             <a:r>
-              <a:rPr lang="en-IN" dirty="0" smtClean="0"/>
-              <a:t>Assignment Statements</a:t>
-            </a:r>
-            <a:r>
               <a:rPr lang="en-IN" dirty="0"/>
-              <a:t> </a:t>
-            </a:r>
-            <a:r>
-              <a:rPr lang="en-IN" dirty="0" smtClean="0"/>
-              <a:t> </a:t>
-            </a:r>
-            <a:r>
-              <a:rPr lang="en-IN" dirty="0"/>
-              <a:t>in TypeScript</a:t>
+              <a:t>Assignment Statements  in TypeScript</a:t>
             </a:r>
           </a:p>
         </p:txBody>
@@ -9836,14 +9835,12 @@
               <a:rPr lang="en-IN" dirty="0"/>
               <a:t>When appropriate, you can declare a variable and assign a value to it in a single statement. </a:t>
             </a:r>
-            <a:endParaRPr lang="en-IN" dirty="0" smtClean="0"/>
           </a:p>
           <a:p>
             <a:r>
               <a:rPr lang="en-IN" dirty="0"/>
               <a:t>In assignment expressions, the right-hand expression is contextually typed by the type of the left-hand expression.</a:t>
             </a:r>
-            <a:endParaRPr lang="en-IN" dirty="0" smtClean="0"/>
           </a:p>
           <a:p>
             <a:endParaRPr lang="en-IN" dirty="0"/>
@@ -9901,10 +9898,9 @@
           <a:lstStyle/>
           <a:p>
             <a:r>
-              <a:rPr lang="en-IN" dirty="0" smtClean="0"/>
+              <a:rPr lang="en-IN" dirty="0"/>
               <a:t>Assignment Statements in TypeScript</a:t>
             </a:r>
-            <a:endParaRPr lang="en-IN" dirty="0"/>
           </a:p>
         </p:txBody>
       </p:sp>
@@ -9932,9 +9928,27 @@
             <a:tbl>
               <a:tblPr/>
               <a:tblGrid>
-                <a:gridCol w="1720893"/>
-                <a:gridCol w="1129516"/>
-                <a:gridCol w="6361828"/>
+                <a:gridCol w="1720893">
+                  <a:extLst>
+                    <a:ext uri="{9D8B030D-6E8A-4147-A177-3AD203B41FA5}">
+                      <a16:colId xmlns:a16="http://schemas.microsoft.com/office/drawing/2014/main" val="20000"/>
+                    </a:ext>
+                  </a:extLst>
+                </a:gridCol>
+                <a:gridCol w="1129516">
+                  <a:extLst>
+                    <a:ext uri="{9D8B030D-6E8A-4147-A177-3AD203B41FA5}">
+                      <a16:colId xmlns:a16="http://schemas.microsoft.com/office/drawing/2014/main" val="20001"/>
+                    </a:ext>
+                  </a:extLst>
+                </a:gridCol>
+                <a:gridCol w="6361828">
+                  <a:extLst>
+                    <a:ext uri="{9D8B030D-6E8A-4147-A177-3AD203B41FA5}">
+                      <a16:colId xmlns:a16="http://schemas.microsoft.com/office/drawing/2014/main" val="20002"/>
+                    </a:ext>
+                  </a:extLst>
+                </a:gridCol>
               </a:tblGrid>
               <a:tr h="481766">
                 <a:tc>
@@ -9943,7 +9957,7 @@
                     <a:lstStyle/>
                     <a:p>
                       <a:r>
-                        <a:rPr lang="en-IN" sz="1600" dirty="0" smtClean="0">
+                        <a:rPr lang="en-IN" sz="1600" dirty="0">
                           <a:solidFill>
                             <a:srgbClr val="FFFFFF"/>
                           </a:solidFill>
@@ -10106,6 +10120,11 @@
                     </a:solidFill>
                   </a:tcPr>
                 </a:tc>
+                <a:extLst>
+                  <a:ext uri="{0D108BD9-81ED-4DB2-BD59-A6C34878D82A}">
+                    <a16:rowId xmlns:a16="http://schemas.microsoft.com/office/drawing/2014/main" val="10000"/>
+                  </a:ext>
+                </a:extLst>
               </a:tr>
               <a:tr h="626296">
                 <a:tc>
@@ -10273,6 +10292,11 @@
                     </a:solidFill>
                   </a:tcPr>
                 </a:tc>
+                <a:extLst>
+                  <a:ext uri="{0D108BD9-81ED-4DB2-BD59-A6C34878D82A}">
+                    <a16:rowId xmlns:a16="http://schemas.microsoft.com/office/drawing/2014/main" val="10001"/>
+                  </a:ext>
+                </a:extLst>
               </a:tr>
               <a:tr h="626296">
                 <a:tc>
@@ -10440,6 +10464,11 @@
                     </a:solidFill>
                   </a:tcPr>
                 </a:tc>
+                <a:extLst>
+                  <a:ext uri="{0D108BD9-81ED-4DB2-BD59-A6C34878D82A}">
+                    <a16:rowId xmlns:a16="http://schemas.microsoft.com/office/drawing/2014/main" val="10002"/>
+                  </a:ext>
+                </a:extLst>
               </a:tr>
               <a:tr h="770826">
                 <a:tc>
@@ -10607,6 +10636,11 @@
                     </a:solidFill>
                   </a:tcPr>
                 </a:tc>
+                <a:extLst>
+                  <a:ext uri="{0D108BD9-81ED-4DB2-BD59-A6C34878D82A}">
+                    <a16:rowId xmlns:a16="http://schemas.microsoft.com/office/drawing/2014/main" val="10003"/>
+                  </a:ext>
+                </a:extLst>
               </a:tr>
               <a:tr h="770826">
                 <a:tc>
@@ -10774,6 +10808,11 @@
                     </a:solidFill>
                   </a:tcPr>
                 </a:tc>
+                <a:extLst>
+                  <a:ext uri="{0D108BD9-81ED-4DB2-BD59-A6C34878D82A}">
+                    <a16:rowId xmlns:a16="http://schemas.microsoft.com/office/drawing/2014/main" val="10004"/>
+                  </a:ext>
+                </a:extLst>
               </a:tr>
               <a:tr h="770826">
                 <a:tc>
@@ -10941,6 +10980,11 @@
                     </a:solidFill>
                   </a:tcPr>
                 </a:tc>
+                <a:extLst>
+                  <a:ext uri="{0D108BD9-81ED-4DB2-BD59-A6C34878D82A}">
+                    <a16:rowId xmlns:a16="http://schemas.microsoft.com/office/drawing/2014/main" val="10005"/>
+                  </a:ext>
+                </a:extLst>
               </a:tr>
               <a:tr h="770826">
                 <a:tc>
@@ -11108,6 +11152,11 @@
                     </a:solidFill>
                   </a:tcPr>
                 </a:tc>
+                <a:extLst>
+                  <a:ext uri="{0D108BD9-81ED-4DB2-BD59-A6C34878D82A}">
+                    <a16:rowId xmlns:a16="http://schemas.microsoft.com/office/drawing/2014/main" val="10006"/>
+                  </a:ext>
+                </a:extLst>
               </a:tr>
             </a:tbl>
           </a:graphicData>
@@ -11311,7 +11360,7 @@
               <a:tabLst/>
             </a:pPr>
             <a:r>
-              <a:rPr kumimoji="0" lang="en-US" sz="1200" b="0" i="0" u="none" strike="noStrike" cap="none" normalizeH="0" baseline="0" smtClean="0">
+              <a:rPr kumimoji="0" lang="en-US" sz="1200" b="0" i="0" u="none" strike="noStrike" cap="none" normalizeH="0" baseline="0">
                 <a:ln>
                   <a:noFill/>
                 </a:ln>
@@ -11323,7 +11372,7 @@
               </a:rPr>
               <a:t>The Assignment operators are summarized in the following table.</a:t>
             </a:r>
-            <a:endParaRPr kumimoji="0" lang="en-US" sz="1100" b="0" i="0" u="none" strike="noStrike" cap="none" normalizeH="0" baseline="0" smtClean="0">
+            <a:endParaRPr kumimoji="0" lang="en-US" sz="1100" b="0" i="0" u="none" strike="noStrike" cap="none" normalizeH="0" baseline="0">
               <a:ln>
                 <a:noFill/>
               </a:ln>
@@ -11351,7 +11400,7 @@
               <a:tabLst/>
             </a:pPr>
             <a:r>
-              <a:rPr kumimoji="0" lang="en-US" sz="1200" b="0" i="0" u="none" strike="noStrike" cap="none" normalizeH="0" baseline="0" smtClean="0">
+              <a:rPr kumimoji="0" lang="en-US" sz="1200" b="0" i="0" u="none" strike="noStrike" cap="none" normalizeH="0" baseline="0">
                 <a:ln>
                   <a:noFill/>
                 </a:ln>
@@ -11363,7 +11412,7 @@
               </a:rPr>
               <a:t> </a:t>
             </a:r>
-            <a:endParaRPr kumimoji="0" lang="en-US" sz="1100" b="0" i="0" u="none" strike="noStrike" cap="none" normalizeH="0" baseline="0" smtClean="0">
+            <a:endParaRPr kumimoji="0" lang="en-US" sz="1100" b="0" i="0" u="none" strike="noStrike" cap="none" normalizeH="0" baseline="0">
               <a:ln>
                 <a:noFill/>
               </a:ln>
@@ -11390,7 +11439,7 @@
               <a:buNone/>
               <a:tabLst/>
             </a:pPr>
-            <a:endParaRPr kumimoji="0" lang="en-US" sz="1800" b="0" i="0" u="none" strike="noStrike" cap="none" normalizeH="0" baseline="0" smtClean="0">
+            <a:endParaRPr kumimoji="0" lang="en-US" sz="1800" b="0" i="0" u="none" strike="noStrike" cap="none" normalizeH="0" baseline="0">
               <a:ln>
                 <a:noFill/>
               </a:ln>
@@ -11407,6 +11456,4812 @@
     <p:extLst>
       <p:ext uri="{BB962C8B-B14F-4D97-AF65-F5344CB8AC3E}">
         <p14:creationId xmlns:p14="http://schemas.microsoft.com/office/powerpoint/2010/main" val="577006904"/>
+      </p:ext>
+    </p:extLst>
+  </p:cSld>
+  <p:clrMapOvr>
+    <a:masterClrMapping/>
+  </p:clrMapOvr>
+</p:sld>
+</file>
+
+<file path=ppt/slides/slide23.xml><?xml version="1.0" encoding="utf-8"?>
+<p:sld xmlns:a="http://schemas.openxmlformats.org/drawingml/2006/main" xmlns:r="http://schemas.openxmlformats.org/officeDocument/2006/relationships" xmlns:p="http://schemas.openxmlformats.org/presentationml/2006/main">
+  <p:cSld>
+    <p:bg>
+      <p:bgPr>
+        <a:blipFill rotWithShape="1">
+          <a:blip r:embed="rId2">
+            <a:duotone>
+              <a:schemeClr val="bg2">
+                <a:shade val="76000"/>
+                <a:satMod val="180000"/>
+              </a:schemeClr>
+              <a:schemeClr val="bg2">
+                <a:tint val="80000"/>
+                <a:satMod val="120000"/>
+                <a:lumMod val="180000"/>
+              </a:schemeClr>
+            </a:duotone>
+          </a:blip>
+          <a:stretch/>
+        </a:blipFill>
+        <a:effectLst/>
+      </p:bgPr>
+    </p:bg>
+    <p:spTree>
+      <p:nvGrpSpPr>
+        <p:cNvPr id="1" name=""/>
+        <p:cNvGrpSpPr/>
+        <p:nvPr/>
+      </p:nvGrpSpPr>
+      <p:grpSpPr>
+        <a:xfrm>
+          <a:off x="0" y="0"/>
+          <a:ext cx="0" cy="0"/>
+          <a:chOff x="0" y="0"/>
+          <a:chExt cx="0" cy="0"/>
+        </a:xfrm>
+      </p:grpSpPr>
+      <p:sp>
+        <p:nvSpPr>
+          <p:cNvPr id="2" name="Title 1">
+            <a:extLst>
+              <a:ext uri="{FF2B5EF4-FFF2-40B4-BE49-F238E27FC236}">
+                <a16:creationId xmlns:a16="http://schemas.microsoft.com/office/drawing/2014/main" id="{B7B3C296-9403-6A4E-95D6-41C21F43414E}"/>
+              </a:ext>
+            </a:extLst>
+          </p:cNvPr>
+          <p:cNvSpPr>
+            <a:spLocks noGrp="1"/>
+          </p:cNvSpPr>
+          <p:nvPr>
+            <p:ph type="title"/>
+          </p:nvPr>
+        </p:nvSpPr>
+        <p:spPr>
+          <a:xfrm>
+            <a:off x="1484311" y="685800"/>
+            <a:ext cx="10018713" cy="1185333"/>
+          </a:xfrm>
+        </p:spPr>
+        <p:txBody>
+          <a:bodyPr>
+            <a:normAutofit/>
+          </a:bodyPr>
+          <a:lstStyle/>
+          <a:p>
+            <a:r>
+              <a:rPr lang="en-US"/>
+              <a:t>Support to OO Programming</a:t>
+            </a:r>
+          </a:p>
+        </p:txBody>
+      </p:sp>
+      <p:sp>
+        <p:nvSpPr>
+          <p:cNvPr id="3" name="Content Placeholder 2">
+            <a:extLst>
+              <a:ext uri="{FF2B5EF4-FFF2-40B4-BE49-F238E27FC236}">
+                <a16:creationId xmlns:a16="http://schemas.microsoft.com/office/drawing/2014/main" id="{5360A5D9-0200-D74C-B4ED-5910E7A00C9A}"/>
+              </a:ext>
+            </a:extLst>
+          </p:cNvPr>
+          <p:cNvSpPr>
+            <a:spLocks noGrp="1"/>
+          </p:cNvSpPr>
+          <p:nvPr>
+            <p:ph idx="1"/>
+          </p:nvPr>
+        </p:nvSpPr>
+        <p:spPr>
+          <a:xfrm>
+            <a:off x="3065989" y="1884892"/>
+            <a:ext cx="6855356" cy="2787121"/>
+          </a:xfrm>
+        </p:spPr>
+        <p:txBody>
+          <a:bodyPr>
+            <a:normAutofit/>
+          </a:bodyPr>
+          <a:lstStyle/>
+          <a:p>
+            <a:r>
+              <a:rPr lang="en-US" dirty="0"/>
+              <a:t>TypeScript enables you to code using object-oriented principles and techniques more efficiently and easily. </a:t>
+            </a:r>
+          </a:p>
+          <a:p>
+            <a:r>
+              <a:rPr lang="en-US" dirty="0"/>
+              <a:t>The four main pillars of object-oriented Programming are </a:t>
+            </a:r>
+          </a:p>
+        </p:txBody>
+      </p:sp>
+      <p:pic>
+        <p:nvPicPr>
+          <p:cNvPr id="1026" name="Picture 2" descr="The Four Pillars of Object Oriented Programming - DEV Community">
+            <a:extLst>
+              <a:ext uri="{FF2B5EF4-FFF2-40B4-BE49-F238E27FC236}">
+                <a16:creationId xmlns:a16="http://schemas.microsoft.com/office/drawing/2014/main" id="{CFF4DF4D-C291-C141-90EE-6C7CB411A565}"/>
+              </a:ext>
+            </a:extLst>
+          </p:cNvPr>
+          <p:cNvPicPr>
+            <a:picLocks noChangeAspect="1" noChangeArrowheads="1"/>
+          </p:cNvPicPr>
+          <p:nvPr/>
+        </p:nvPicPr>
+        <p:blipFill>
+          <a:blip r:embed="rId3">
+            <a:extLst>
+              <a:ext uri="{28A0092B-C50C-407E-A947-70E740481C1C}">
+                <a14:useLocalDpi xmlns:a14="http://schemas.microsoft.com/office/drawing/2010/main" val="0"/>
+              </a:ext>
+            </a:extLst>
+          </a:blip>
+          <a:stretch>
+            <a:fillRect/>
+          </a:stretch>
+        </p:blipFill>
+        <p:spPr bwMode="auto">
+          <a:xfrm>
+            <a:off x="6096000" y="4184455"/>
+            <a:ext cx="4473573" cy="2516384"/>
+          </a:xfrm>
+          <a:prstGeom prst="roundRect">
+            <a:avLst>
+              <a:gd name="adj" fmla="val 4380"/>
+            </a:avLst>
+          </a:prstGeom>
+          <a:noFill/>
+          <a:ln w="38100">
+            <a:gradFill flip="none" rotWithShape="1">
+              <a:gsLst>
+                <a:gs pos="0">
+                  <a:schemeClr val="bg2"/>
+                </a:gs>
+                <a:gs pos="100000">
+                  <a:schemeClr val="bg2">
+                    <a:lumMod val="75000"/>
+                  </a:schemeClr>
+                </a:gs>
+              </a:gsLst>
+              <a:lin ang="5400000" scaled="0"/>
+              <a:tileRect/>
+            </a:gradFill>
+          </a:ln>
+          <a:effectLst>
+            <a:innerShdw blurRad="57150" dist="38100" dir="14460000">
+              <a:srgbClr val="000000">
+                <a:alpha val="70000"/>
+              </a:srgbClr>
+            </a:innerShdw>
+          </a:effectLst>
+          <a:extLst>
+            <a:ext uri="{909E8E84-426E-40DD-AFC4-6F175D3DCCD1}">
+              <a14:hiddenFill xmlns:a14="http://schemas.microsoft.com/office/drawing/2010/main">
+                <a:solidFill>
+                  <a:srgbClr val="FFFFFF"/>
+                </a:solidFill>
+              </a14:hiddenFill>
+            </a:ext>
+          </a:extLst>
+        </p:spPr>
+      </p:pic>
+    </p:spTree>
+    <p:extLst>
+      <p:ext uri="{BB962C8B-B14F-4D97-AF65-F5344CB8AC3E}">
+        <p14:creationId xmlns:p14="http://schemas.microsoft.com/office/powerpoint/2010/main" val="1881398618"/>
+      </p:ext>
+    </p:extLst>
+  </p:cSld>
+  <p:clrMapOvr>
+    <a:masterClrMapping/>
+  </p:clrMapOvr>
+</p:sld>
+</file>
+
+<file path=ppt/slides/slide24.xml><?xml version="1.0" encoding="utf-8"?>
+<p:sld xmlns:a="http://schemas.openxmlformats.org/drawingml/2006/main" xmlns:r="http://schemas.openxmlformats.org/officeDocument/2006/relationships" xmlns:p="http://schemas.openxmlformats.org/presentationml/2006/main">
+  <p:cSld>
+    <p:bg>
+      <p:bgPr>
+        <a:blipFill rotWithShape="1">
+          <a:blip r:embed="rId2">
+            <a:duotone>
+              <a:schemeClr val="bg2">
+                <a:shade val="76000"/>
+                <a:satMod val="180000"/>
+              </a:schemeClr>
+              <a:schemeClr val="bg2">
+                <a:tint val="80000"/>
+                <a:satMod val="120000"/>
+                <a:lumMod val="180000"/>
+              </a:schemeClr>
+            </a:duotone>
+          </a:blip>
+          <a:stretch/>
+        </a:blipFill>
+        <a:effectLst/>
+      </p:bgPr>
+    </p:bg>
+    <p:spTree>
+      <p:nvGrpSpPr>
+        <p:cNvPr id="1" name=""/>
+        <p:cNvGrpSpPr/>
+        <p:nvPr/>
+      </p:nvGrpSpPr>
+      <p:grpSpPr>
+        <a:xfrm>
+          <a:off x="0" y="0"/>
+          <a:ext cx="0" cy="0"/>
+          <a:chOff x="0" y="0"/>
+          <a:chExt cx="0" cy="0"/>
+        </a:xfrm>
+      </p:grpSpPr>
+      <p:grpSp>
+        <p:nvGrpSpPr>
+          <p:cNvPr id="32" name="Group 31">
+            <a:extLst>
+              <a:ext uri="{FF2B5EF4-FFF2-40B4-BE49-F238E27FC236}">
+                <a16:creationId xmlns:a16="http://schemas.microsoft.com/office/drawing/2014/main" id="{15FF890B-3CE7-403A-AECE-2DE04FC7AF80}"/>
+              </a:ext>
+              <a:ext uri="{C183D7F6-B498-43B3-948B-1728B52AA6E4}">
+                <adec:decorative xmlns:adec="http://schemas.microsoft.com/office/drawing/2017/decorative" val="1"/>
+              </a:ext>
+            </a:extLst>
+          </p:cNvPr>
+          <p:cNvGrpSpPr>
+            <a:grpSpLocks noGrp="1" noUngrp="1" noRot="1" noChangeAspect="1" noMove="1" noResize="1"/>
+          </p:cNvGrpSpPr>
+          <p:nvPr>
+            <p:extLst>
+              <p:ext uri="{386F3935-93C4-4BCD-93E2-E3B085C9AB24}">
+                <p16:designElem xmlns:p16="http://schemas.microsoft.com/office/powerpoint/2015/main" val="1"/>
+              </p:ext>
+            </p:extLst>
+          </p:nvPr>
+        </p:nvGrpSpPr>
+        <p:grpSpPr>
+          <a:xfrm>
+            <a:off x="150812" y="0"/>
+            <a:ext cx="2436813" cy="6858001"/>
+            <a:chOff x="1320800" y="0"/>
+            <a:chExt cx="2436813" cy="6858001"/>
+          </a:xfrm>
+        </p:grpSpPr>
+        <p:sp>
+          <p:nvSpPr>
+            <p:cNvPr id="33" name="Freeform 6">
+              <a:extLst>
+                <a:ext uri="{FF2B5EF4-FFF2-40B4-BE49-F238E27FC236}">
+                  <a16:creationId xmlns:a16="http://schemas.microsoft.com/office/drawing/2014/main" id="{99A4E160-6CFD-4514-9E20-CA6692CCDB9C}"/>
+                </a:ext>
+                <a:ext uri="{C183D7F6-B498-43B3-948B-1728B52AA6E4}">
+                  <adec:decorative xmlns:adec="http://schemas.microsoft.com/office/drawing/2017/decorative" val="1"/>
+                </a:ext>
+              </a:extLst>
+            </p:cNvPr>
+            <p:cNvSpPr/>
+            <p:nvPr>
+              <p:extLst>
+                <p:ext uri="{386F3935-93C4-4BCD-93E2-E3B085C9AB24}">
+                  <p16:designElem xmlns:p16="http://schemas.microsoft.com/office/powerpoint/2015/main" val="1"/>
+                </p:ext>
+              </p:extLst>
+            </p:nvPr>
+          </p:nvSpPr>
+          <p:spPr bwMode="auto">
+            <a:xfrm>
+              <a:off x="1627188" y="0"/>
+              <a:ext cx="1122363" cy="5329238"/>
+            </a:xfrm>
+            <a:custGeom>
+              <a:avLst/>
+              <a:gdLst/>
+              <a:ahLst/>
+              <a:cxnLst/>
+              <a:rect l="0" t="0" r="r" b="b"/>
+              <a:pathLst>
+                <a:path w="707" h="3357">
+                  <a:moveTo>
+                    <a:pt x="0" y="3330"/>
+                  </a:moveTo>
+                  <a:lnTo>
+                    <a:pt x="156" y="3357"/>
+                  </a:lnTo>
+                  <a:lnTo>
+                    <a:pt x="707" y="0"/>
+                  </a:lnTo>
+                  <a:lnTo>
+                    <a:pt x="547" y="0"/>
+                  </a:lnTo>
+                  <a:lnTo>
+                    <a:pt x="0" y="3330"/>
+                  </a:lnTo>
+                  <a:close/>
+                </a:path>
+              </a:pathLst>
+            </a:custGeom>
+            <a:solidFill>
+              <a:schemeClr val="accent1"/>
+            </a:solidFill>
+            <a:ln>
+              <a:noFill/>
+            </a:ln>
+          </p:spPr>
+        </p:sp>
+        <p:sp>
+          <p:nvSpPr>
+            <p:cNvPr id="34" name="Freeform 7">
+              <a:extLst>
+                <a:ext uri="{FF2B5EF4-FFF2-40B4-BE49-F238E27FC236}">
+                  <a16:creationId xmlns:a16="http://schemas.microsoft.com/office/drawing/2014/main" id="{3DCD16F5-8D15-45FD-BA62-ADAC08183A27}"/>
+                </a:ext>
+                <a:ext uri="{C183D7F6-B498-43B3-948B-1728B52AA6E4}">
+                  <adec:decorative xmlns:adec="http://schemas.microsoft.com/office/drawing/2017/decorative" val="1"/>
+                </a:ext>
+              </a:extLst>
+            </p:cNvPr>
+            <p:cNvSpPr/>
+            <p:nvPr>
+              <p:extLst>
+                <p:ext uri="{386F3935-93C4-4BCD-93E2-E3B085C9AB24}">
+                  <p16:designElem xmlns:p16="http://schemas.microsoft.com/office/powerpoint/2015/main" val="1"/>
+                </p:ext>
+              </p:extLst>
+            </p:nvPr>
+          </p:nvSpPr>
+          <p:spPr bwMode="auto">
+            <a:xfrm>
+              <a:off x="1320800" y="0"/>
+              <a:ext cx="1117600" cy="5276850"/>
+            </a:xfrm>
+            <a:custGeom>
+              <a:avLst/>
+              <a:gdLst/>
+              <a:ahLst/>
+              <a:cxnLst/>
+              <a:rect l="0" t="0" r="r" b="b"/>
+              <a:pathLst>
+                <a:path w="704" h="3324">
+                  <a:moveTo>
+                    <a:pt x="704" y="0"/>
+                  </a:moveTo>
+                  <a:lnTo>
+                    <a:pt x="545" y="0"/>
+                  </a:lnTo>
+                  <a:lnTo>
+                    <a:pt x="0" y="3300"/>
+                  </a:lnTo>
+                  <a:lnTo>
+                    <a:pt x="157" y="3324"/>
+                  </a:lnTo>
+                  <a:lnTo>
+                    <a:pt x="704" y="0"/>
+                  </a:lnTo>
+                  <a:close/>
+                </a:path>
+              </a:pathLst>
+            </a:custGeom>
+            <a:solidFill>
+              <a:schemeClr val="tx1">
+                <a:lumMod val="65000"/>
+                <a:lumOff val="35000"/>
+              </a:schemeClr>
+            </a:solidFill>
+            <a:ln>
+              <a:noFill/>
+            </a:ln>
+          </p:spPr>
+        </p:sp>
+        <p:sp>
+          <p:nvSpPr>
+            <p:cNvPr id="35" name="Freeform 8">
+              <a:extLst>
+                <a:ext uri="{FF2B5EF4-FFF2-40B4-BE49-F238E27FC236}">
+                  <a16:creationId xmlns:a16="http://schemas.microsoft.com/office/drawing/2014/main" id="{E7CFAF28-6FDA-4C2C-BE51-123D1115F75C}"/>
+                </a:ext>
+                <a:ext uri="{C183D7F6-B498-43B3-948B-1728B52AA6E4}">
+                  <adec:decorative xmlns:adec="http://schemas.microsoft.com/office/drawing/2017/decorative" val="1"/>
+                </a:ext>
+              </a:extLst>
+            </p:cNvPr>
+            <p:cNvSpPr/>
+            <p:nvPr>
+              <p:extLst>
+                <p:ext uri="{386F3935-93C4-4BCD-93E2-E3B085C9AB24}">
+                  <p16:designElem xmlns:p16="http://schemas.microsoft.com/office/powerpoint/2015/main" val="1"/>
+                </p:ext>
+              </p:extLst>
+            </p:nvPr>
+          </p:nvSpPr>
+          <p:spPr bwMode="auto">
+            <a:xfrm>
+              <a:off x="1320800" y="5238750"/>
+              <a:ext cx="1228725" cy="1619250"/>
+            </a:xfrm>
+            <a:custGeom>
+              <a:avLst/>
+              <a:gdLst/>
+              <a:ahLst/>
+              <a:cxnLst/>
+              <a:rect l="0" t="0" r="r" b="b"/>
+              <a:pathLst>
+                <a:path w="774" h="1020">
+                  <a:moveTo>
+                    <a:pt x="0" y="0"/>
+                  </a:moveTo>
+                  <a:lnTo>
+                    <a:pt x="740" y="1020"/>
+                  </a:lnTo>
+                  <a:lnTo>
+                    <a:pt x="774" y="1020"/>
+                  </a:lnTo>
+                  <a:lnTo>
+                    <a:pt x="0" y="0"/>
+                  </a:lnTo>
+                  <a:close/>
+                </a:path>
+              </a:pathLst>
+            </a:custGeom>
+            <a:solidFill>
+              <a:schemeClr val="tx1">
+                <a:lumMod val="85000"/>
+                <a:lumOff val="15000"/>
+              </a:schemeClr>
+            </a:solidFill>
+            <a:ln>
+              <a:noFill/>
+            </a:ln>
+          </p:spPr>
+        </p:sp>
+        <p:sp>
+          <p:nvSpPr>
+            <p:cNvPr id="36" name="Freeform 9">
+              <a:extLst>
+                <a:ext uri="{FF2B5EF4-FFF2-40B4-BE49-F238E27FC236}">
+                  <a16:creationId xmlns:a16="http://schemas.microsoft.com/office/drawing/2014/main" id="{1FD12703-0627-4991-B2A4-F96519F90863}"/>
+                </a:ext>
+                <a:ext uri="{C183D7F6-B498-43B3-948B-1728B52AA6E4}">
+                  <adec:decorative xmlns:adec="http://schemas.microsoft.com/office/drawing/2017/decorative" val="1"/>
+                </a:ext>
+              </a:extLst>
+            </p:cNvPr>
+            <p:cNvSpPr/>
+            <p:nvPr>
+              <p:extLst>
+                <p:ext uri="{386F3935-93C4-4BCD-93E2-E3B085C9AB24}">
+                  <p16:designElem xmlns:p16="http://schemas.microsoft.com/office/powerpoint/2015/main" val="1"/>
+                </p:ext>
+              </p:extLst>
+            </p:nvPr>
+          </p:nvSpPr>
+          <p:spPr bwMode="auto">
+            <a:xfrm>
+              <a:off x="1627188" y="5291138"/>
+              <a:ext cx="1495425" cy="1566863"/>
+            </a:xfrm>
+            <a:custGeom>
+              <a:avLst/>
+              <a:gdLst/>
+              <a:ahLst/>
+              <a:cxnLst/>
+              <a:rect l="0" t="0" r="r" b="b"/>
+              <a:pathLst>
+                <a:path w="942" h="987">
+                  <a:moveTo>
+                    <a:pt x="0" y="0"/>
+                  </a:moveTo>
+                  <a:lnTo>
+                    <a:pt x="909" y="987"/>
+                  </a:lnTo>
+                  <a:lnTo>
+                    <a:pt x="942" y="987"/>
+                  </a:lnTo>
+                  <a:lnTo>
+                    <a:pt x="0" y="0"/>
+                  </a:lnTo>
+                  <a:close/>
+                </a:path>
+              </a:pathLst>
+            </a:custGeom>
+            <a:solidFill>
+              <a:schemeClr val="accent1">
+                <a:lumMod val="50000"/>
+              </a:schemeClr>
+            </a:solidFill>
+            <a:ln>
+              <a:noFill/>
+            </a:ln>
+          </p:spPr>
+        </p:sp>
+        <p:sp>
+          <p:nvSpPr>
+            <p:cNvPr id="37" name="Freeform 10">
+              <a:extLst>
+                <a:ext uri="{FF2B5EF4-FFF2-40B4-BE49-F238E27FC236}">
+                  <a16:creationId xmlns:a16="http://schemas.microsoft.com/office/drawing/2014/main" id="{A5758E0B-DF61-40A8-B765-BC6841906A9A}"/>
+                </a:ext>
+                <a:ext uri="{C183D7F6-B498-43B3-948B-1728B52AA6E4}">
+                  <adec:decorative xmlns:adec="http://schemas.microsoft.com/office/drawing/2017/decorative" val="1"/>
+                </a:ext>
+              </a:extLst>
+            </p:cNvPr>
+            <p:cNvSpPr/>
+            <p:nvPr>
+              <p:extLst>
+                <p:ext uri="{386F3935-93C4-4BCD-93E2-E3B085C9AB24}">
+                  <p16:designElem xmlns:p16="http://schemas.microsoft.com/office/powerpoint/2015/main" val="1"/>
+                </p:ext>
+              </p:extLst>
+            </p:nvPr>
+          </p:nvSpPr>
+          <p:spPr bwMode="auto">
+            <a:xfrm>
+              <a:off x="1627188" y="5286375"/>
+              <a:ext cx="2130425" cy="1571625"/>
+            </a:xfrm>
+            <a:custGeom>
+              <a:avLst/>
+              <a:gdLst/>
+              <a:ahLst/>
+              <a:cxnLst/>
+              <a:rect l="0" t="0" r="r" b="b"/>
+              <a:pathLst>
+                <a:path w="1342" h="990">
+                  <a:moveTo>
+                    <a:pt x="0" y="3"/>
+                  </a:moveTo>
+                  <a:lnTo>
+                    <a:pt x="942" y="990"/>
+                  </a:lnTo>
+                  <a:lnTo>
+                    <a:pt x="1342" y="990"/>
+                  </a:lnTo>
+                  <a:lnTo>
+                    <a:pt x="156" y="27"/>
+                  </a:lnTo>
+                  <a:lnTo>
+                    <a:pt x="0" y="0"/>
+                  </a:lnTo>
+                  <a:lnTo>
+                    <a:pt x="0" y="3"/>
+                  </a:lnTo>
+                  <a:close/>
+                </a:path>
+              </a:pathLst>
+            </a:custGeom>
+            <a:solidFill>
+              <a:schemeClr val="accent1">
+                <a:lumMod val="75000"/>
+              </a:schemeClr>
+            </a:solidFill>
+            <a:ln>
+              <a:noFill/>
+            </a:ln>
+          </p:spPr>
+        </p:sp>
+        <p:sp>
+          <p:nvSpPr>
+            <p:cNvPr id="38" name="Freeform 11">
+              <a:extLst>
+                <a:ext uri="{FF2B5EF4-FFF2-40B4-BE49-F238E27FC236}">
+                  <a16:creationId xmlns:a16="http://schemas.microsoft.com/office/drawing/2014/main" id="{3E063A1F-9566-4436-B4E3-2890FBBC2CCB}"/>
+                </a:ext>
+                <a:ext uri="{C183D7F6-B498-43B3-948B-1728B52AA6E4}">
+                  <adec:decorative xmlns:adec="http://schemas.microsoft.com/office/drawing/2017/decorative" val="1"/>
+                </a:ext>
+              </a:extLst>
+            </p:cNvPr>
+            <p:cNvSpPr/>
+            <p:nvPr>
+              <p:extLst>
+                <p:ext uri="{386F3935-93C4-4BCD-93E2-E3B085C9AB24}">
+                  <p16:designElem xmlns:p16="http://schemas.microsoft.com/office/powerpoint/2015/main" val="1"/>
+                </p:ext>
+              </p:extLst>
+            </p:nvPr>
+          </p:nvSpPr>
+          <p:spPr bwMode="auto">
+            <a:xfrm>
+              <a:off x="1320800" y="5238750"/>
+              <a:ext cx="1695450" cy="1619250"/>
+            </a:xfrm>
+            <a:custGeom>
+              <a:avLst/>
+              <a:gdLst/>
+              <a:ahLst/>
+              <a:cxnLst/>
+              <a:rect l="0" t="0" r="r" b="b"/>
+              <a:pathLst>
+                <a:path w="1068" h="1020">
+                  <a:moveTo>
+                    <a:pt x="1068" y="1020"/>
+                  </a:moveTo>
+                  <a:lnTo>
+                    <a:pt x="184" y="60"/>
+                  </a:lnTo>
+                  <a:lnTo>
+                    <a:pt x="154" y="27"/>
+                  </a:lnTo>
+                  <a:lnTo>
+                    <a:pt x="157" y="27"/>
+                  </a:lnTo>
+                  <a:lnTo>
+                    <a:pt x="157" y="24"/>
+                  </a:lnTo>
+                  <a:lnTo>
+                    <a:pt x="154" y="24"/>
+                  </a:lnTo>
+                  <a:lnTo>
+                    <a:pt x="0" y="0"/>
+                  </a:lnTo>
+                  <a:lnTo>
+                    <a:pt x="0" y="0"/>
+                  </a:lnTo>
+                  <a:lnTo>
+                    <a:pt x="774" y="1020"/>
+                  </a:lnTo>
+                  <a:lnTo>
+                    <a:pt x="1068" y="1020"/>
+                  </a:lnTo>
+                  <a:close/>
+                </a:path>
+              </a:pathLst>
+            </a:custGeom>
+            <a:solidFill>
+              <a:schemeClr val="tx1">
+                <a:lumMod val="75000"/>
+                <a:lumOff val="25000"/>
+              </a:schemeClr>
+            </a:solidFill>
+            <a:ln>
+              <a:noFill/>
+            </a:ln>
+          </p:spPr>
+        </p:sp>
+      </p:grpSp>
+      <p:grpSp>
+        <p:nvGrpSpPr>
+          <p:cNvPr id="40" name="Group 39">
+            <a:extLst>
+              <a:ext uri="{FF2B5EF4-FFF2-40B4-BE49-F238E27FC236}">
+                <a16:creationId xmlns:a16="http://schemas.microsoft.com/office/drawing/2014/main" id="{DF8D5C46-63E5-40C5-A208-4B2189FA1032}"/>
+              </a:ext>
+              <a:ext uri="{C183D7F6-B498-43B3-948B-1728B52AA6E4}">
+                <adec:decorative xmlns:adec="http://schemas.microsoft.com/office/drawing/2017/decorative" val="1"/>
+              </a:ext>
+            </a:extLst>
+          </p:cNvPr>
+          <p:cNvGrpSpPr>
+            <a:grpSpLocks noGrp="1" noUngrp="1" noRot="1" noChangeAspect="1" noMove="1" noResize="1"/>
+          </p:cNvGrpSpPr>
+          <p:nvPr>
+            <p:extLst>
+              <p:ext uri="{386F3935-93C4-4BCD-93E2-E3B085C9AB24}">
+                <p16:designElem xmlns:p16="http://schemas.microsoft.com/office/powerpoint/2015/main" val="1"/>
+              </p:ext>
+            </p:extLst>
+          </p:nvPr>
+        </p:nvGrpSpPr>
+        <p:grpSpPr>
+          <a:xfrm>
+            <a:off x="150812" y="0"/>
+            <a:ext cx="2436813" cy="6858001"/>
+            <a:chOff x="1320800" y="0"/>
+            <a:chExt cx="2436813" cy="6858001"/>
+          </a:xfrm>
+        </p:grpSpPr>
+        <p:sp>
+          <p:nvSpPr>
+            <p:cNvPr id="41" name="Freeform 6">
+              <a:extLst>
+                <a:ext uri="{FF2B5EF4-FFF2-40B4-BE49-F238E27FC236}">
+                  <a16:creationId xmlns:a16="http://schemas.microsoft.com/office/drawing/2014/main" id="{4A42B4ED-376E-46C3-8BB2-EAFC660D112B}"/>
+                </a:ext>
+                <a:ext uri="{C183D7F6-B498-43B3-948B-1728B52AA6E4}">
+                  <adec:decorative xmlns:adec="http://schemas.microsoft.com/office/drawing/2017/decorative" val="1"/>
+                </a:ext>
+              </a:extLst>
+            </p:cNvPr>
+            <p:cNvSpPr/>
+            <p:nvPr>
+              <p:extLst>
+                <p:ext uri="{386F3935-93C4-4BCD-93E2-E3B085C9AB24}">
+                  <p16:designElem xmlns:p16="http://schemas.microsoft.com/office/powerpoint/2015/main" val="1"/>
+                </p:ext>
+              </p:extLst>
+            </p:nvPr>
+          </p:nvSpPr>
+          <p:spPr bwMode="auto">
+            <a:xfrm>
+              <a:off x="1627188" y="0"/>
+              <a:ext cx="1122363" cy="5329238"/>
+            </a:xfrm>
+            <a:custGeom>
+              <a:avLst/>
+              <a:gdLst/>
+              <a:ahLst/>
+              <a:cxnLst/>
+              <a:rect l="0" t="0" r="r" b="b"/>
+              <a:pathLst>
+                <a:path w="707" h="3357">
+                  <a:moveTo>
+                    <a:pt x="0" y="3330"/>
+                  </a:moveTo>
+                  <a:lnTo>
+                    <a:pt x="156" y="3357"/>
+                  </a:lnTo>
+                  <a:lnTo>
+                    <a:pt x="707" y="0"/>
+                  </a:lnTo>
+                  <a:lnTo>
+                    <a:pt x="547" y="0"/>
+                  </a:lnTo>
+                  <a:lnTo>
+                    <a:pt x="0" y="3330"/>
+                  </a:lnTo>
+                  <a:close/>
+                </a:path>
+              </a:pathLst>
+            </a:custGeom>
+            <a:solidFill>
+              <a:schemeClr val="accent1"/>
+            </a:solidFill>
+            <a:ln>
+              <a:noFill/>
+            </a:ln>
+          </p:spPr>
+        </p:sp>
+        <p:sp>
+          <p:nvSpPr>
+            <p:cNvPr id="42" name="Freeform 7">
+              <a:extLst>
+                <a:ext uri="{FF2B5EF4-FFF2-40B4-BE49-F238E27FC236}">
+                  <a16:creationId xmlns:a16="http://schemas.microsoft.com/office/drawing/2014/main" id="{94E0795D-42C3-4DFD-AEB0-286A1CF143FC}"/>
+                </a:ext>
+                <a:ext uri="{C183D7F6-B498-43B3-948B-1728B52AA6E4}">
+                  <adec:decorative xmlns:adec="http://schemas.microsoft.com/office/drawing/2017/decorative" val="1"/>
+                </a:ext>
+              </a:extLst>
+            </p:cNvPr>
+            <p:cNvSpPr/>
+            <p:nvPr>
+              <p:extLst>
+                <p:ext uri="{386F3935-93C4-4BCD-93E2-E3B085C9AB24}">
+                  <p16:designElem xmlns:p16="http://schemas.microsoft.com/office/powerpoint/2015/main" val="1"/>
+                </p:ext>
+              </p:extLst>
+            </p:nvPr>
+          </p:nvSpPr>
+          <p:spPr bwMode="auto">
+            <a:xfrm>
+              <a:off x="1320800" y="0"/>
+              <a:ext cx="1117600" cy="5276850"/>
+            </a:xfrm>
+            <a:custGeom>
+              <a:avLst/>
+              <a:gdLst/>
+              <a:ahLst/>
+              <a:cxnLst/>
+              <a:rect l="0" t="0" r="r" b="b"/>
+              <a:pathLst>
+                <a:path w="704" h="3324">
+                  <a:moveTo>
+                    <a:pt x="704" y="0"/>
+                  </a:moveTo>
+                  <a:lnTo>
+                    <a:pt x="545" y="0"/>
+                  </a:lnTo>
+                  <a:lnTo>
+                    <a:pt x="0" y="3300"/>
+                  </a:lnTo>
+                  <a:lnTo>
+                    <a:pt x="157" y="3324"/>
+                  </a:lnTo>
+                  <a:lnTo>
+                    <a:pt x="704" y="0"/>
+                  </a:lnTo>
+                  <a:close/>
+                </a:path>
+              </a:pathLst>
+            </a:custGeom>
+            <a:solidFill>
+              <a:schemeClr val="tx1">
+                <a:lumMod val="65000"/>
+                <a:lumOff val="35000"/>
+              </a:schemeClr>
+            </a:solidFill>
+            <a:ln>
+              <a:noFill/>
+            </a:ln>
+          </p:spPr>
+        </p:sp>
+        <p:sp>
+          <p:nvSpPr>
+            <p:cNvPr id="43" name="Freeform 8">
+              <a:extLst>
+                <a:ext uri="{FF2B5EF4-FFF2-40B4-BE49-F238E27FC236}">
+                  <a16:creationId xmlns:a16="http://schemas.microsoft.com/office/drawing/2014/main" id="{A2ACED1B-99D0-4C14-B63B-963889DCDBC2}"/>
+                </a:ext>
+                <a:ext uri="{C183D7F6-B498-43B3-948B-1728B52AA6E4}">
+                  <adec:decorative xmlns:adec="http://schemas.microsoft.com/office/drawing/2017/decorative" val="1"/>
+                </a:ext>
+              </a:extLst>
+            </p:cNvPr>
+            <p:cNvSpPr/>
+            <p:nvPr>
+              <p:extLst>
+                <p:ext uri="{386F3935-93C4-4BCD-93E2-E3B085C9AB24}">
+                  <p16:designElem xmlns:p16="http://schemas.microsoft.com/office/powerpoint/2015/main" val="1"/>
+                </p:ext>
+              </p:extLst>
+            </p:nvPr>
+          </p:nvSpPr>
+          <p:spPr bwMode="auto">
+            <a:xfrm>
+              <a:off x="1320800" y="5238750"/>
+              <a:ext cx="1228725" cy="1619250"/>
+            </a:xfrm>
+            <a:custGeom>
+              <a:avLst/>
+              <a:gdLst/>
+              <a:ahLst/>
+              <a:cxnLst/>
+              <a:rect l="0" t="0" r="r" b="b"/>
+              <a:pathLst>
+                <a:path w="774" h="1020">
+                  <a:moveTo>
+                    <a:pt x="0" y="0"/>
+                  </a:moveTo>
+                  <a:lnTo>
+                    <a:pt x="740" y="1020"/>
+                  </a:lnTo>
+                  <a:lnTo>
+                    <a:pt x="774" y="1020"/>
+                  </a:lnTo>
+                  <a:lnTo>
+                    <a:pt x="0" y="0"/>
+                  </a:lnTo>
+                  <a:close/>
+                </a:path>
+              </a:pathLst>
+            </a:custGeom>
+            <a:solidFill>
+              <a:schemeClr val="tx1">
+                <a:lumMod val="85000"/>
+                <a:lumOff val="15000"/>
+              </a:schemeClr>
+            </a:solidFill>
+            <a:ln>
+              <a:noFill/>
+            </a:ln>
+          </p:spPr>
+        </p:sp>
+        <p:sp>
+          <p:nvSpPr>
+            <p:cNvPr id="44" name="Freeform 9">
+              <a:extLst>
+                <a:ext uri="{FF2B5EF4-FFF2-40B4-BE49-F238E27FC236}">
+                  <a16:creationId xmlns:a16="http://schemas.microsoft.com/office/drawing/2014/main" id="{5C5D324F-33A3-4C66-BFE5-1742CA4E5940}"/>
+                </a:ext>
+                <a:ext uri="{C183D7F6-B498-43B3-948B-1728B52AA6E4}">
+                  <adec:decorative xmlns:adec="http://schemas.microsoft.com/office/drawing/2017/decorative" val="1"/>
+                </a:ext>
+              </a:extLst>
+            </p:cNvPr>
+            <p:cNvSpPr/>
+            <p:nvPr>
+              <p:extLst>
+                <p:ext uri="{386F3935-93C4-4BCD-93E2-E3B085C9AB24}">
+                  <p16:designElem xmlns:p16="http://schemas.microsoft.com/office/powerpoint/2015/main" val="1"/>
+                </p:ext>
+              </p:extLst>
+            </p:nvPr>
+          </p:nvSpPr>
+          <p:spPr bwMode="auto">
+            <a:xfrm>
+              <a:off x="1627188" y="5291138"/>
+              <a:ext cx="1495425" cy="1566863"/>
+            </a:xfrm>
+            <a:custGeom>
+              <a:avLst/>
+              <a:gdLst/>
+              <a:ahLst/>
+              <a:cxnLst/>
+              <a:rect l="0" t="0" r="r" b="b"/>
+              <a:pathLst>
+                <a:path w="942" h="987">
+                  <a:moveTo>
+                    <a:pt x="0" y="0"/>
+                  </a:moveTo>
+                  <a:lnTo>
+                    <a:pt x="909" y="987"/>
+                  </a:lnTo>
+                  <a:lnTo>
+                    <a:pt x="942" y="987"/>
+                  </a:lnTo>
+                  <a:lnTo>
+                    <a:pt x="0" y="0"/>
+                  </a:lnTo>
+                  <a:close/>
+                </a:path>
+              </a:pathLst>
+            </a:custGeom>
+            <a:solidFill>
+              <a:schemeClr val="accent1">
+                <a:lumMod val="50000"/>
+              </a:schemeClr>
+            </a:solidFill>
+            <a:ln>
+              <a:noFill/>
+            </a:ln>
+          </p:spPr>
+        </p:sp>
+        <p:sp>
+          <p:nvSpPr>
+            <p:cNvPr id="45" name="Freeform 10">
+              <a:extLst>
+                <a:ext uri="{FF2B5EF4-FFF2-40B4-BE49-F238E27FC236}">
+                  <a16:creationId xmlns:a16="http://schemas.microsoft.com/office/drawing/2014/main" id="{EC572FC8-A465-4BA3-BA4D-2EC538C042AD}"/>
+                </a:ext>
+                <a:ext uri="{C183D7F6-B498-43B3-948B-1728B52AA6E4}">
+                  <adec:decorative xmlns:adec="http://schemas.microsoft.com/office/drawing/2017/decorative" val="1"/>
+                </a:ext>
+              </a:extLst>
+            </p:cNvPr>
+            <p:cNvSpPr/>
+            <p:nvPr>
+              <p:extLst>
+                <p:ext uri="{386F3935-93C4-4BCD-93E2-E3B085C9AB24}">
+                  <p16:designElem xmlns:p16="http://schemas.microsoft.com/office/powerpoint/2015/main" val="1"/>
+                </p:ext>
+              </p:extLst>
+            </p:nvPr>
+          </p:nvSpPr>
+          <p:spPr bwMode="auto">
+            <a:xfrm>
+              <a:off x="1627188" y="5286375"/>
+              <a:ext cx="2130425" cy="1571625"/>
+            </a:xfrm>
+            <a:custGeom>
+              <a:avLst/>
+              <a:gdLst/>
+              <a:ahLst/>
+              <a:cxnLst/>
+              <a:rect l="0" t="0" r="r" b="b"/>
+              <a:pathLst>
+                <a:path w="1342" h="990">
+                  <a:moveTo>
+                    <a:pt x="0" y="3"/>
+                  </a:moveTo>
+                  <a:lnTo>
+                    <a:pt x="942" y="990"/>
+                  </a:lnTo>
+                  <a:lnTo>
+                    <a:pt x="1342" y="990"/>
+                  </a:lnTo>
+                  <a:lnTo>
+                    <a:pt x="156" y="27"/>
+                  </a:lnTo>
+                  <a:lnTo>
+                    <a:pt x="0" y="0"/>
+                  </a:lnTo>
+                  <a:lnTo>
+                    <a:pt x="0" y="3"/>
+                  </a:lnTo>
+                  <a:close/>
+                </a:path>
+              </a:pathLst>
+            </a:custGeom>
+            <a:solidFill>
+              <a:schemeClr val="accent1">
+                <a:lumMod val="75000"/>
+              </a:schemeClr>
+            </a:solidFill>
+            <a:ln>
+              <a:noFill/>
+            </a:ln>
+          </p:spPr>
+        </p:sp>
+        <p:sp>
+          <p:nvSpPr>
+            <p:cNvPr id="46" name="Freeform 11">
+              <a:extLst>
+                <a:ext uri="{FF2B5EF4-FFF2-40B4-BE49-F238E27FC236}">
+                  <a16:creationId xmlns:a16="http://schemas.microsoft.com/office/drawing/2014/main" id="{66CC2B15-8E3B-4CFF-99E4-5B4E4D8CF933}"/>
+                </a:ext>
+                <a:ext uri="{C183D7F6-B498-43B3-948B-1728B52AA6E4}">
+                  <adec:decorative xmlns:adec="http://schemas.microsoft.com/office/drawing/2017/decorative" val="1"/>
+                </a:ext>
+              </a:extLst>
+            </p:cNvPr>
+            <p:cNvSpPr/>
+            <p:nvPr>
+              <p:extLst>
+                <p:ext uri="{386F3935-93C4-4BCD-93E2-E3B085C9AB24}">
+                  <p16:designElem xmlns:p16="http://schemas.microsoft.com/office/powerpoint/2015/main" val="1"/>
+                </p:ext>
+              </p:extLst>
+            </p:nvPr>
+          </p:nvSpPr>
+          <p:spPr bwMode="auto">
+            <a:xfrm>
+              <a:off x="1320800" y="5238750"/>
+              <a:ext cx="1695450" cy="1619250"/>
+            </a:xfrm>
+            <a:custGeom>
+              <a:avLst/>
+              <a:gdLst/>
+              <a:ahLst/>
+              <a:cxnLst/>
+              <a:rect l="0" t="0" r="r" b="b"/>
+              <a:pathLst>
+                <a:path w="1068" h="1020">
+                  <a:moveTo>
+                    <a:pt x="1068" y="1020"/>
+                  </a:moveTo>
+                  <a:lnTo>
+                    <a:pt x="184" y="60"/>
+                  </a:lnTo>
+                  <a:lnTo>
+                    <a:pt x="154" y="27"/>
+                  </a:lnTo>
+                  <a:lnTo>
+                    <a:pt x="157" y="27"/>
+                  </a:lnTo>
+                  <a:lnTo>
+                    <a:pt x="157" y="24"/>
+                  </a:lnTo>
+                  <a:lnTo>
+                    <a:pt x="154" y="24"/>
+                  </a:lnTo>
+                  <a:lnTo>
+                    <a:pt x="0" y="0"/>
+                  </a:lnTo>
+                  <a:lnTo>
+                    <a:pt x="0" y="0"/>
+                  </a:lnTo>
+                  <a:lnTo>
+                    <a:pt x="774" y="1020"/>
+                  </a:lnTo>
+                  <a:lnTo>
+                    <a:pt x="1068" y="1020"/>
+                  </a:lnTo>
+                  <a:close/>
+                </a:path>
+              </a:pathLst>
+            </a:custGeom>
+            <a:solidFill>
+              <a:schemeClr val="tx1">
+                <a:lumMod val="75000"/>
+                <a:lumOff val="25000"/>
+              </a:schemeClr>
+            </a:solidFill>
+            <a:ln>
+              <a:noFill/>
+            </a:ln>
+          </p:spPr>
+        </p:sp>
+      </p:grpSp>
+      <p:sp>
+        <p:nvSpPr>
+          <p:cNvPr id="2" name="Title 1">
+            <a:extLst>
+              <a:ext uri="{FF2B5EF4-FFF2-40B4-BE49-F238E27FC236}">
+                <a16:creationId xmlns:a16="http://schemas.microsoft.com/office/drawing/2014/main" id="{13FFB360-638D-F14E-9871-2D91F9F58608}"/>
+              </a:ext>
+            </a:extLst>
+          </p:cNvPr>
+          <p:cNvSpPr>
+            <a:spLocks noGrp="1"/>
+          </p:cNvSpPr>
+          <p:nvPr>
+            <p:ph type="title"/>
+          </p:nvPr>
+        </p:nvSpPr>
+        <p:spPr>
+          <a:xfrm>
+            <a:off x="1484312" y="685800"/>
+            <a:ext cx="4278928" cy="1752599"/>
+          </a:xfrm>
+        </p:spPr>
+        <p:txBody>
+          <a:bodyPr vert="horz" lIns="91440" tIns="45720" rIns="91440" bIns="45720" rtlCol="0" anchor="ctr">
+            <a:normAutofit/>
+          </a:bodyPr>
+          <a:lstStyle/>
+          <a:p>
+            <a:r>
+              <a:rPr lang="en-US"/>
+              <a:t>Encapsulation</a:t>
+            </a:r>
+          </a:p>
+        </p:txBody>
+      </p:sp>
+      <p:sp>
+        <p:nvSpPr>
+          <p:cNvPr id="3" name="Content Placeholder 2">
+            <a:extLst>
+              <a:ext uri="{FF2B5EF4-FFF2-40B4-BE49-F238E27FC236}">
+                <a16:creationId xmlns:a16="http://schemas.microsoft.com/office/drawing/2014/main" id="{CB681A90-0CD3-EA46-BD97-5803DCFB3E5D}"/>
+              </a:ext>
+            </a:extLst>
+          </p:cNvPr>
+          <p:cNvSpPr>
+            <a:spLocks noGrp="1"/>
+          </p:cNvSpPr>
+          <p:nvPr>
+            <p:ph sz="half" idx="1"/>
+          </p:nvPr>
+        </p:nvSpPr>
+        <p:spPr>
+          <a:xfrm>
+            <a:off x="1268412" y="2447924"/>
+            <a:ext cx="4627562" cy="3124201"/>
+          </a:xfrm>
+        </p:spPr>
+        <p:txBody>
+          <a:bodyPr vert="horz" lIns="91440" tIns="45720" rIns="91440" bIns="45720" rtlCol="0" anchor="ctr">
+            <a:normAutofit/>
+          </a:bodyPr>
+          <a:lstStyle/>
+          <a:p>
+            <a:r>
+              <a:rPr lang="en-US" dirty="0"/>
+              <a:t>In object-oriented computer programming languages, the notion of encapsulation refers to the bundling of data, along with the methods that operate on that data, into a single unit.</a:t>
+            </a:r>
+          </a:p>
+          <a:p>
+            <a:r>
+              <a:rPr lang="en-US" dirty="0"/>
+              <a:t>In TypeScript, we enforce encapsulation with methods and properties that only allow access to data that we control. </a:t>
+            </a:r>
+          </a:p>
+        </p:txBody>
+      </p:sp>
+      <p:sp>
+        <p:nvSpPr>
+          <p:cNvPr id="48" name="Rounded Rectangle 16">
+            <a:extLst>
+              <a:ext uri="{FF2B5EF4-FFF2-40B4-BE49-F238E27FC236}">
+                <a16:creationId xmlns:a16="http://schemas.microsoft.com/office/drawing/2014/main" id="{63A60C88-7443-4827-9241-5019758CB4F0}"/>
+              </a:ext>
+              <a:ext uri="{C183D7F6-B498-43B3-948B-1728B52AA6E4}">
+                <adec:decorative xmlns:adec="http://schemas.microsoft.com/office/drawing/2017/decorative" val="1"/>
+              </a:ext>
+            </a:extLst>
+          </p:cNvPr>
+          <p:cNvSpPr>
+            <a:spLocks noGrp="1" noRot="1" noChangeAspect="1" noMove="1" noResize="1" noEditPoints="1" noAdjustHandles="1" noChangeArrowheads="1" noChangeShapeType="1" noTextEdit="1"/>
+          </p:cNvSpPr>
+          <p:nvPr>
+            <p:extLst>
+              <p:ext uri="{386F3935-93C4-4BCD-93E2-E3B085C9AB24}">
+                <p16:designElem xmlns:p16="http://schemas.microsoft.com/office/powerpoint/2015/main" val="1"/>
+              </p:ext>
+            </p:extLst>
+          </p:nvPr>
+        </p:nvSpPr>
+        <p:spPr>
+          <a:xfrm>
+            <a:off x="6096000" y="648931"/>
+            <a:ext cx="5407023" cy="5231964"/>
+          </a:xfrm>
+          <a:prstGeom prst="roundRect">
+            <a:avLst>
+              <a:gd name="adj" fmla="val 4834"/>
+            </a:avLst>
+          </a:prstGeom>
+          <a:solidFill>
+            <a:schemeClr val="bg1"/>
+          </a:solidFill>
+          <a:ln w="38100">
+            <a:gradFill flip="none" rotWithShape="1">
+              <a:gsLst>
+                <a:gs pos="0">
+                  <a:schemeClr val="bg2"/>
+                </a:gs>
+                <a:gs pos="100000">
+                  <a:schemeClr val="bg2">
+                    <a:lumMod val="75000"/>
+                  </a:schemeClr>
+                </a:gs>
+              </a:gsLst>
+              <a:lin ang="5400000" scaled="0"/>
+              <a:tileRect/>
+            </a:gradFill>
+          </a:ln>
+          <a:effectLst>
+            <a:innerShdw blurRad="57150" dist="38100" dir="14460000">
+              <a:srgbClr val="000000">
+                <a:alpha val="70000"/>
+              </a:srgbClr>
+            </a:innerShdw>
+          </a:effectLst>
+        </p:spPr>
+        <p:style>
+          <a:lnRef idx="2">
+            <a:schemeClr val="accent1">
+              <a:shade val="50000"/>
+            </a:schemeClr>
+          </a:lnRef>
+          <a:fillRef idx="1">
+            <a:schemeClr val="accent1"/>
+          </a:fillRef>
+          <a:effectRef idx="0">
+            <a:schemeClr val="accent1"/>
+          </a:effectRef>
+          <a:fontRef idx="minor">
+            <a:schemeClr val="lt1"/>
+          </a:fontRef>
+        </p:style>
+        <p:txBody>
+          <a:bodyPr rtlCol="0" anchor="ctr"/>
+          <a:lstStyle/>
+          <a:p>
+            <a:pPr algn="ctr"/>
+            <a:endParaRPr lang="en-US"/>
+          </a:p>
+        </p:txBody>
+      </p:sp>
+      <p:pic>
+        <p:nvPicPr>
+          <p:cNvPr id="6" name="Content Placeholder 5" descr="Graphical user interface, application&#10;&#10;Description automatically generated">
+            <a:extLst>
+              <a:ext uri="{FF2B5EF4-FFF2-40B4-BE49-F238E27FC236}">
+                <a16:creationId xmlns:a16="http://schemas.microsoft.com/office/drawing/2014/main" id="{C7C2803D-93D7-3A49-A546-4BB0A70448BD}"/>
+              </a:ext>
+            </a:extLst>
+          </p:cNvPr>
+          <p:cNvPicPr>
+            <a:picLocks noGrp="1" noChangeAspect="1"/>
+          </p:cNvPicPr>
+          <p:nvPr>
+            <p:ph sz="half" idx="2"/>
+          </p:nvPr>
+        </p:nvPicPr>
+        <p:blipFill rotWithShape="1">
+          <a:blip r:embed="rId3">
+            <a:extLst>
+              <a:ext uri="{28A0092B-C50C-407E-A947-70E740481C1C}">
+                <a14:useLocalDpi xmlns:a14="http://schemas.microsoft.com/office/drawing/2010/main" val="0"/>
+              </a:ext>
+            </a:extLst>
+          </a:blip>
+          <a:srcRect l="744" t="1943" b="956"/>
+          <a:stretch/>
+        </p:blipFill>
+        <p:spPr>
+          <a:xfrm>
+            <a:off x="6434407" y="1243013"/>
+            <a:ext cx="4744154" cy="4084211"/>
+          </a:xfrm>
+          <a:prstGeom prst="rect">
+            <a:avLst/>
+          </a:prstGeom>
+        </p:spPr>
+      </p:pic>
+    </p:spTree>
+    <p:extLst>
+      <p:ext uri="{BB962C8B-B14F-4D97-AF65-F5344CB8AC3E}">
+        <p14:creationId xmlns:p14="http://schemas.microsoft.com/office/powerpoint/2010/main" val="3905662337"/>
+      </p:ext>
+    </p:extLst>
+  </p:cSld>
+  <p:clrMapOvr>
+    <a:masterClrMapping/>
+  </p:clrMapOvr>
+</p:sld>
+</file>
+
+<file path=ppt/slides/slide25.xml><?xml version="1.0" encoding="utf-8"?>
+<p:sld xmlns:a="http://schemas.openxmlformats.org/drawingml/2006/main" xmlns:r="http://schemas.openxmlformats.org/officeDocument/2006/relationships" xmlns:p="http://schemas.openxmlformats.org/presentationml/2006/main">
+  <p:cSld>
+    <p:bg>
+      <p:bgPr>
+        <a:blipFill rotWithShape="1">
+          <a:blip r:embed="rId2">
+            <a:duotone>
+              <a:schemeClr val="bg2">
+                <a:shade val="76000"/>
+                <a:satMod val="180000"/>
+              </a:schemeClr>
+              <a:schemeClr val="bg2">
+                <a:tint val="80000"/>
+                <a:satMod val="120000"/>
+                <a:lumMod val="180000"/>
+              </a:schemeClr>
+            </a:duotone>
+          </a:blip>
+          <a:stretch/>
+        </a:blipFill>
+        <a:effectLst/>
+      </p:bgPr>
+    </p:bg>
+    <p:spTree>
+      <p:nvGrpSpPr>
+        <p:cNvPr id="1" name=""/>
+        <p:cNvGrpSpPr/>
+        <p:nvPr/>
+      </p:nvGrpSpPr>
+      <p:grpSpPr>
+        <a:xfrm>
+          <a:off x="0" y="0"/>
+          <a:ext cx="0" cy="0"/>
+          <a:chOff x="0" y="0"/>
+          <a:chExt cx="0" cy="0"/>
+        </a:xfrm>
+      </p:grpSpPr>
+      <p:grpSp>
+        <p:nvGrpSpPr>
+          <p:cNvPr id="11" name="Group 10">
+            <a:extLst>
+              <a:ext uri="{FF2B5EF4-FFF2-40B4-BE49-F238E27FC236}">
+                <a16:creationId xmlns:a16="http://schemas.microsoft.com/office/drawing/2014/main" id="{15FF890B-3CE7-403A-AECE-2DE04FC7AF80}"/>
+              </a:ext>
+              <a:ext uri="{C183D7F6-B498-43B3-948B-1728B52AA6E4}">
+                <adec:decorative xmlns:adec="http://schemas.microsoft.com/office/drawing/2017/decorative" val="1"/>
+              </a:ext>
+            </a:extLst>
+          </p:cNvPr>
+          <p:cNvGrpSpPr>
+            <a:grpSpLocks noGrp="1" noUngrp="1" noRot="1" noChangeAspect="1" noMove="1" noResize="1"/>
+          </p:cNvGrpSpPr>
+          <p:nvPr>
+            <p:extLst>
+              <p:ext uri="{386F3935-93C4-4BCD-93E2-E3B085C9AB24}">
+                <p16:designElem xmlns:p16="http://schemas.microsoft.com/office/powerpoint/2015/main" val="1"/>
+              </p:ext>
+            </p:extLst>
+          </p:nvPr>
+        </p:nvGrpSpPr>
+        <p:grpSpPr>
+          <a:xfrm>
+            <a:off x="150812" y="0"/>
+            <a:ext cx="2436813" cy="6858001"/>
+            <a:chOff x="1320800" y="0"/>
+            <a:chExt cx="2436813" cy="6858001"/>
+          </a:xfrm>
+        </p:grpSpPr>
+        <p:sp>
+          <p:nvSpPr>
+            <p:cNvPr id="12" name="Freeform 6">
+              <a:extLst>
+                <a:ext uri="{FF2B5EF4-FFF2-40B4-BE49-F238E27FC236}">
+                  <a16:creationId xmlns:a16="http://schemas.microsoft.com/office/drawing/2014/main" id="{99A4E160-6CFD-4514-9E20-CA6692CCDB9C}"/>
+                </a:ext>
+                <a:ext uri="{C183D7F6-B498-43B3-948B-1728B52AA6E4}">
+                  <adec:decorative xmlns:adec="http://schemas.microsoft.com/office/drawing/2017/decorative" val="1"/>
+                </a:ext>
+              </a:extLst>
+            </p:cNvPr>
+            <p:cNvSpPr/>
+            <p:nvPr>
+              <p:extLst>
+                <p:ext uri="{386F3935-93C4-4BCD-93E2-E3B085C9AB24}">
+                  <p16:designElem xmlns:p16="http://schemas.microsoft.com/office/powerpoint/2015/main" val="1"/>
+                </p:ext>
+              </p:extLst>
+            </p:nvPr>
+          </p:nvSpPr>
+          <p:spPr bwMode="auto">
+            <a:xfrm>
+              <a:off x="1627188" y="0"/>
+              <a:ext cx="1122363" cy="5329238"/>
+            </a:xfrm>
+            <a:custGeom>
+              <a:avLst/>
+              <a:gdLst/>
+              <a:ahLst/>
+              <a:cxnLst/>
+              <a:rect l="0" t="0" r="r" b="b"/>
+              <a:pathLst>
+                <a:path w="707" h="3357">
+                  <a:moveTo>
+                    <a:pt x="0" y="3330"/>
+                  </a:moveTo>
+                  <a:lnTo>
+                    <a:pt x="156" y="3357"/>
+                  </a:lnTo>
+                  <a:lnTo>
+                    <a:pt x="707" y="0"/>
+                  </a:lnTo>
+                  <a:lnTo>
+                    <a:pt x="547" y="0"/>
+                  </a:lnTo>
+                  <a:lnTo>
+                    <a:pt x="0" y="3330"/>
+                  </a:lnTo>
+                  <a:close/>
+                </a:path>
+              </a:pathLst>
+            </a:custGeom>
+            <a:solidFill>
+              <a:schemeClr val="accent1"/>
+            </a:solidFill>
+            <a:ln>
+              <a:noFill/>
+            </a:ln>
+          </p:spPr>
+        </p:sp>
+        <p:sp>
+          <p:nvSpPr>
+            <p:cNvPr id="13" name="Freeform 7">
+              <a:extLst>
+                <a:ext uri="{FF2B5EF4-FFF2-40B4-BE49-F238E27FC236}">
+                  <a16:creationId xmlns:a16="http://schemas.microsoft.com/office/drawing/2014/main" id="{3DCD16F5-8D15-45FD-BA62-ADAC08183A27}"/>
+                </a:ext>
+                <a:ext uri="{C183D7F6-B498-43B3-948B-1728B52AA6E4}">
+                  <adec:decorative xmlns:adec="http://schemas.microsoft.com/office/drawing/2017/decorative" val="1"/>
+                </a:ext>
+              </a:extLst>
+            </p:cNvPr>
+            <p:cNvSpPr/>
+            <p:nvPr>
+              <p:extLst>
+                <p:ext uri="{386F3935-93C4-4BCD-93E2-E3B085C9AB24}">
+                  <p16:designElem xmlns:p16="http://schemas.microsoft.com/office/powerpoint/2015/main" val="1"/>
+                </p:ext>
+              </p:extLst>
+            </p:nvPr>
+          </p:nvSpPr>
+          <p:spPr bwMode="auto">
+            <a:xfrm>
+              <a:off x="1320800" y="0"/>
+              <a:ext cx="1117600" cy="5276850"/>
+            </a:xfrm>
+            <a:custGeom>
+              <a:avLst/>
+              <a:gdLst/>
+              <a:ahLst/>
+              <a:cxnLst/>
+              <a:rect l="0" t="0" r="r" b="b"/>
+              <a:pathLst>
+                <a:path w="704" h="3324">
+                  <a:moveTo>
+                    <a:pt x="704" y="0"/>
+                  </a:moveTo>
+                  <a:lnTo>
+                    <a:pt x="545" y="0"/>
+                  </a:lnTo>
+                  <a:lnTo>
+                    <a:pt x="0" y="3300"/>
+                  </a:lnTo>
+                  <a:lnTo>
+                    <a:pt x="157" y="3324"/>
+                  </a:lnTo>
+                  <a:lnTo>
+                    <a:pt x="704" y="0"/>
+                  </a:lnTo>
+                  <a:close/>
+                </a:path>
+              </a:pathLst>
+            </a:custGeom>
+            <a:solidFill>
+              <a:schemeClr val="tx1">
+                <a:lumMod val="65000"/>
+                <a:lumOff val="35000"/>
+              </a:schemeClr>
+            </a:solidFill>
+            <a:ln>
+              <a:noFill/>
+            </a:ln>
+          </p:spPr>
+        </p:sp>
+        <p:sp>
+          <p:nvSpPr>
+            <p:cNvPr id="14" name="Freeform 8">
+              <a:extLst>
+                <a:ext uri="{FF2B5EF4-FFF2-40B4-BE49-F238E27FC236}">
+                  <a16:creationId xmlns:a16="http://schemas.microsoft.com/office/drawing/2014/main" id="{E7CFAF28-6FDA-4C2C-BE51-123D1115F75C}"/>
+                </a:ext>
+                <a:ext uri="{C183D7F6-B498-43B3-948B-1728B52AA6E4}">
+                  <adec:decorative xmlns:adec="http://schemas.microsoft.com/office/drawing/2017/decorative" val="1"/>
+                </a:ext>
+              </a:extLst>
+            </p:cNvPr>
+            <p:cNvSpPr/>
+            <p:nvPr>
+              <p:extLst>
+                <p:ext uri="{386F3935-93C4-4BCD-93E2-E3B085C9AB24}">
+                  <p16:designElem xmlns:p16="http://schemas.microsoft.com/office/powerpoint/2015/main" val="1"/>
+                </p:ext>
+              </p:extLst>
+            </p:nvPr>
+          </p:nvSpPr>
+          <p:spPr bwMode="auto">
+            <a:xfrm>
+              <a:off x="1320800" y="5238750"/>
+              <a:ext cx="1228725" cy="1619250"/>
+            </a:xfrm>
+            <a:custGeom>
+              <a:avLst/>
+              <a:gdLst/>
+              <a:ahLst/>
+              <a:cxnLst/>
+              <a:rect l="0" t="0" r="r" b="b"/>
+              <a:pathLst>
+                <a:path w="774" h="1020">
+                  <a:moveTo>
+                    <a:pt x="0" y="0"/>
+                  </a:moveTo>
+                  <a:lnTo>
+                    <a:pt x="740" y="1020"/>
+                  </a:lnTo>
+                  <a:lnTo>
+                    <a:pt x="774" y="1020"/>
+                  </a:lnTo>
+                  <a:lnTo>
+                    <a:pt x="0" y="0"/>
+                  </a:lnTo>
+                  <a:close/>
+                </a:path>
+              </a:pathLst>
+            </a:custGeom>
+            <a:solidFill>
+              <a:schemeClr val="tx1">
+                <a:lumMod val="85000"/>
+                <a:lumOff val="15000"/>
+              </a:schemeClr>
+            </a:solidFill>
+            <a:ln>
+              <a:noFill/>
+            </a:ln>
+          </p:spPr>
+        </p:sp>
+        <p:sp>
+          <p:nvSpPr>
+            <p:cNvPr id="15" name="Freeform 9">
+              <a:extLst>
+                <a:ext uri="{FF2B5EF4-FFF2-40B4-BE49-F238E27FC236}">
+                  <a16:creationId xmlns:a16="http://schemas.microsoft.com/office/drawing/2014/main" id="{1FD12703-0627-4991-B2A4-F96519F90863}"/>
+                </a:ext>
+                <a:ext uri="{C183D7F6-B498-43B3-948B-1728B52AA6E4}">
+                  <adec:decorative xmlns:adec="http://schemas.microsoft.com/office/drawing/2017/decorative" val="1"/>
+                </a:ext>
+              </a:extLst>
+            </p:cNvPr>
+            <p:cNvSpPr/>
+            <p:nvPr>
+              <p:extLst>
+                <p:ext uri="{386F3935-93C4-4BCD-93E2-E3B085C9AB24}">
+                  <p16:designElem xmlns:p16="http://schemas.microsoft.com/office/powerpoint/2015/main" val="1"/>
+                </p:ext>
+              </p:extLst>
+            </p:nvPr>
+          </p:nvSpPr>
+          <p:spPr bwMode="auto">
+            <a:xfrm>
+              <a:off x="1627188" y="5291138"/>
+              <a:ext cx="1495425" cy="1566863"/>
+            </a:xfrm>
+            <a:custGeom>
+              <a:avLst/>
+              <a:gdLst/>
+              <a:ahLst/>
+              <a:cxnLst/>
+              <a:rect l="0" t="0" r="r" b="b"/>
+              <a:pathLst>
+                <a:path w="942" h="987">
+                  <a:moveTo>
+                    <a:pt x="0" y="0"/>
+                  </a:moveTo>
+                  <a:lnTo>
+                    <a:pt x="909" y="987"/>
+                  </a:lnTo>
+                  <a:lnTo>
+                    <a:pt x="942" y="987"/>
+                  </a:lnTo>
+                  <a:lnTo>
+                    <a:pt x="0" y="0"/>
+                  </a:lnTo>
+                  <a:close/>
+                </a:path>
+              </a:pathLst>
+            </a:custGeom>
+            <a:solidFill>
+              <a:schemeClr val="accent1">
+                <a:lumMod val="50000"/>
+              </a:schemeClr>
+            </a:solidFill>
+            <a:ln>
+              <a:noFill/>
+            </a:ln>
+          </p:spPr>
+        </p:sp>
+        <p:sp>
+          <p:nvSpPr>
+            <p:cNvPr id="16" name="Freeform 10">
+              <a:extLst>
+                <a:ext uri="{FF2B5EF4-FFF2-40B4-BE49-F238E27FC236}">
+                  <a16:creationId xmlns:a16="http://schemas.microsoft.com/office/drawing/2014/main" id="{A5758E0B-DF61-40A8-B765-BC6841906A9A}"/>
+                </a:ext>
+                <a:ext uri="{C183D7F6-B498-43B3-948B-1728B52AA6E4}">
+                  <adec:decorative xmlns:adec="http://schemas.microsoft.com/office/drawing/2017/decorative" val="1"/>
+                </a:ext>
+              </a:extLst>
+            </p:cNvPr>
+            <p:cNvSpPr/>
+            <p:nvPr>
+              <p:extLst>
+                <p:ext uri="{386F3935-93C4-4BCD-93E2-E3B085C9AB24}">
+                  <p16:designElem xmlns:p16="http://schemas.microsoft.com/office/powerpoint/2015/main" val="1"/>
+                </p:ext>
+              </p:extLst>
+            </p:nvPr>
+          </p:nvSpPr>
+          <p:spPr bwMode="auto">
+            <a:xfrm>
+              <a:off x="1627188" y="5286375"/>
+              <a:ext cx="2130425" cy="1571625"/>
+            </a:xfrm>
+            <a:custGeom>
+              <a:avLst/>
+              <a:gdLst/>
+              <a:ahLst/>
+              <a:cxnLst/>
+              <a:rect l="0" t="0" r="r" b="b"/>
+              <a:pathLst>
+                <a:path w="1342" h="990">
+                  <a:moveTo>
+                    <a:pt x="0" y="3"/>
+                  </a:moveTo>
+                  <a:lnTo>
+                    <a:pt x="942" y="990"/>
+                  </a:lnTo>
+                  <a:lnTo>
+                    <a:pt x="1342" y="990"/>
+                  </a:lnTo>
+                  <a:lnTo>
+                    <a:pt x="156" y="27"/>
+                  </a:lnTo>
+                  <a:lnTo>
+                    <a:pt x="0" y="0"/>
+                  </a:lnTo>
+                  <a:lnTo>
+                    <a:pt x="0" y="3"/>
+                  </a:lnTo>
+                  <a:close/>
+                </a:path>
+              </a:pathLst>
+            </a:custGeom>
+            <a:solidFill>
+              <a:schemeClr val="accent1">
+                <a:lumMod val="75000"/>
+              </a:schemeClr>
+            </a:solidFill>
+            <a:ln>
+              <a:noFill/>
+            </a:ln>
+          </p:spPr>
+        </p:sp>
+        <p:sp>
+          <p:nvSpPr>
+            <p:cNvPr id="17" name="Freeform 11">
+              <a:extLst>
+                <a:ext uri="{FF2B5EF4-FFF2-40B4-BE49-F238E27FC236}">
+                  <a16:creationId xmlns:a16="http://schemas.microsoft.com/office/drawing/2014/main" id="{3E063A1F-9566-4436-B4E3-2890FBBC2CCB}"/>
+                </a:ext>
+                <a:ext uri="{C183D7F6-B498-43B3-948B-1728B52AA6E4}">
+                  <adec:decorative xmlns:adec="http://schemas.microsoft.com/office/drawing/2017/decorative" val="1"/>
+                </a:ext>
+              </a:extLst>
+            </p:cNvPr>
+            <p:cNvSpPr/>
+            <p:nvPr>
+              <p:extLst>
+                <p:ext uri="{386F3935-93C4-4BCD-93E2-E3B085C9AB24}">
+                  <p16:designElem xmlns:p16="http://schemas.microsoft.com/office/powerpoint/2015/main" val="1"/>
+                </p:ext>
+              </p:extLst>
+            </p:nvPr>
+          </p:nvSpPr>
+          <p:spPr bwMode="auto">
+            <a:xfrm>
+              <a:off x="1320800" y="5238750"/>
+              <a:ext cx="1695450" cy="1619250"/>
+            </a:xfrm>
+            <a:custGeom>
+              <a:avLst/>
+              <a:gdLst/>
+              <a:ahLst/>
+              <a:cxnLst/>
+              <a:rect l="0" t="0" r="r" b="b"/>
+              <a:pathLst>
+                <a:path w="1068" h="1020">
+                  <a:moveTo>
+                    <a:pt x="1068" y="1020"/>
+                  </a:moveTo>
+                  <a:lnTo>
+                    <a:pt x="184" y="60"/>
+                  </a:lnTo>
+                  <a:lnTo>
+                    <a:pt x="154" y="27"/>
+                  </a:lnTo>
+                  <a:lnTo>
+                    <a:pt x="157" y="27"/>
+                  </a:lnTo>
+                  <a:lnTo>
+                    <a:pt x="157" y="24"/>
+                  </a:lnTo>
+                  <a:lnTo>
+                    <a:pt x="154" y="24"/>
+                  </a:lnTo>
+                  <a:lnTo>
+                    <a:pt x="0" y="0"/>
+                  </a:lnTo>
+                  <a:lnTo>
+                    <a:pt x="0" y="0"/>
+                  </a:lnTo>
+                  <a:lnTo>
+                    <a:pt x="774" y="1020"/>
+                  </a:lnTo>
+                  <a:lnTo>
+                    <a:pt x="1068" y="1020"/>
+                  </a:lnTo>
+                  <a:close/>
+                </a:path>
+              </a:pathLst>
+            </a:custGeom>
+            <a:solidFill>
+              <a:schemeClr val="tx1">
+                <a:lumMod val="75000"/>
+                <a:lumOff val="25000"/>
+              </a:schemeClr>
+            </a:solidFill>
+            <a:ln>
+              <a:noFill/>
+            </a:ln>
+          </p:spPr>
+        </p:sp>
+      </p:grpSp>
+      <p:grpSp>
+        <p:nvGrpSpPr>
+          <p:cNvPr id="19" name="Group 18">
+            <a:extLst>
+              <a:ext uri="{FF2B5EF4-FFF2-40B4-BE49-F238E27FC236}">
+                <a16:creationId xmlns:a16="http://schemas.microsoft.com/office/drawing/2014/main" id="{DF8D5C46-63E5-40C5-A208-4B2189FA1032}"/>
+              </a:ext>
+              <a:ext uri="{C183D7F6-B498-43B3-948B-1728B52AA6E4}">
+                <adec:decorative xmlns:adec="http://schemas.microsoft.com/office/drawing/2017/decorative" val="1"/>
+              </a:ext>
+            </a:extLst>
+          </p:cNvPr>
+          <p:cNvGrpSpPr>
+            <a:grpSpLocks noGrp="1" noUngrp="1" noRot="1" noChangeAspect="1" noMove="1" noResize="1"/>
+          </p:cNvGrpSpPr>
+          <p:nvPr>
+            <p:extLst>
+              <p:ext uri="{386F3935-93C4-4BCD-93E2-E3B085C9AB24}">
+                <p16:designElem xmlns:p16="http://schemas.microsoft.com/office/powerpoint/2015/main" val="1"/>
+              </p:ext>
+            </p:extLst>
+          </p:nvPr>
+        </p:nvGrpSpPr>
+        <p:grpSpPr>
+          <a:xfrm>
+            <a:off x="150812" y="0"/>
+            <a:ext cx="2436813" cy="6858001"/>
+            <a:chOff x="1320800" y="0"/>
+            <a:chExt cx="2436813" cy="6858001"/>
+          </a:xfrm>
+        </p:grpSpPr>
+        <p:sp>
+          <p:nvSpPr>
+            <p:cNvPr id="20" name="Freeform 6">
+              <a:extLst>
+                <a:ext uri="{FF2B5EF4-FFF2-40B4-BE49-F238E27FC236}">
+                  <a16:creationId xmlns:a16="http://schemas.microsoft.com/office/drawing/2014/main" id="{4A42B4ED-376E-46C3-8BB2-EAFC660D112B}"/>
+                </a:ext>
+                <a:ext uri="{C183D7F6-B498-43B3-948B-1728B52AA6E4}">
+                  <adec:decorative xmlns:adec="http://schemas.microsoft.com/office/drawing/2017/decorative" val="1"/>
+                </a:ext>
+              </a:extLst>
+            </p:cNvPr>
+            <p:cNvSpPr/>
+            <p:nvPr>
+              <p:extLst>
+                <p:ext uri="{386F3935-93C4-4BCD-93E2-E3B085C9AB24}">
+                  <p16:designElem xmlns:p16="http://schemas.microsoft.com/office/powerpoint/2015/main" val="1"/>
+                </p:ext>
+              </p:extLst>
+            </p:nvPr>
+          </p:nvSpPr>
+          <p:spPr bwMode="auto">
+            <a:xfrm>
+              <a:off x="1627188" y="0"/>
+              <a:ext cx="1122363" cy="5329238"/>
+            </a:xfrm>
+            <a:custGeom>
+              <a:avLst/>
+              <a:gdLst/>
+              <a:ahLst/>
+              <a:cxnLst/>
+              <a:rect l="0" t="0" r="r" b="b"/>
+              <a:pathLst>
+                <a:path w="707" h="3357">
+                  <a:moveTo>
+                    <a:pt x="0" y="3330"/>
+                  </a:moveTo>
+                  <a:lnTo>
+                    <a:pt x="156" y="3357"/>
+                  </a:lnTo>
+                  <a:lnTo>
+                    <a:pt x="707" y="0"/>
+                  </a:lnTo>
+                  <a:lnTo>
+                    <a:pt x="547" y="0"/>
+                  </a:lnTo>
+                  <a:lnTo>
+                    <a:pt x="0" y="3330"/>
+                  </a:lnTo>
+                  <a:close/>
+                </a:path>
+              </a:pathLst>
+            </a:custGeom>
+            <a:solidFill>
+              <a:schemeClr val="accent1"/>
+            </a:solidFill>
+            <a:ln>
+              <a:noFill/>
+            </a:ln>
+          </p:spPr>
+        </p:sp>
+        <p:sp>
+          <p:nvSpPr>
+            <p:cNvPr id="21" name="Freeform 7">
+              <a:extLst>
+                <a:ext uri="{FF2B5EF4-FFF2-40B4-BE49-F238E27FC236}">
+                  <a16:creationId xmlns:a16="http://schemas.microsoft.com/office/drawing/2014/main" id="{94E0795D-42C3-4DFD-AEB0-286A1CF143FC}"/>
+                </a:ext>
+                <a:ext uri="{C183D7F6-B498-43B3-948B-1728B52AA6E4}">
+                  <adec:decorative xmlns:adec="http://schemas.microsoft.com/office/drawing/2017/decorative" val="1"/>
+                </a:ext>
+              </a:extLst>
+            </p:cNvPr>
+            <p:cNvSpPr/>
+            <p:nvPr>
+              <p:extLst>
+                <p:ext uri="{386F3935-93C4-4BCD-93E2-E3B085C9AB24}">
+                  <p16:designElem xmlns:p16="http://schemas.microsoft.com/office/powerpoint/2015/main" val="1"/>
+                </p:ext>
+              </p:extLst>
+            </p:nvPr>
+          </p:nvSpPr>
+          <p:spPr bwMode="auto">
+            <a:xfrm>
+              <a:off x="1320800" y="0"/>
+              <a:ext cx="1117600" cy="5276850"/>
+            </a:xfrm>
+            <a:custGeom>
+              <a:avLst/>
+              <a:gdLst/>
+              <a:ahLst/>
+              <a:cxnLst/>
+              <a:rect l="0" t="0" r="r" b="b"/>
+              <a:pathLst>
+                <a:path w="704" h="3324">
+                  <a:moveTo>
+                    <a:pt x="704" y="0"/>
+                  </a:moveTo>
+                  <a:lnTo>
+                    <a:pt x="545" y="0"/>
+                  </a:lnTo>
+                  <a:lnTo>
+                    <a:pt x="0" y="3300"/>
+                  </a:lnTo>
+                  <a:lnTo>
+                    <a:pt x="157" y="3324"/>
+                  </a:lnTo>
+                  <a:lnTo>
+                    <a:pt x="704" y="0"/>
+                  </a:lnTo>
+                  <a:close/>
+                </a:path>
+              </a:pathLst>
+            </a:custGeom>
+            <a:solidFill>
+              <a:schemeClr val="tx1">
+                <a:lumMod val="65000"/>
+                <a:lumOff val="35000"/>
+              </a:schemeClr>
+            </a:solidFill>
+            <a:ln>
+              <a:noFill/>
+            </a:ln>
+          </p:spPr>
+        </p:sp>
+        <p:sp>
+          <p:nvSpPr>
+            <p:cNvPr id="22" name="Freeform 8">
+              <a:extLst>
+                <a:ext uri="{FF2B5EF4-FFF2-40B4-BE49-F238E27FC236}">
+                  <a16:creationId xmlns:a16="http://schemas.microsoft.com/office/drawing/2014/main" id="{A2ACED1B-99D0-4C14-B63B-963889DCDBC2}"/>
+                </a:ext>
+                <a:ext uri="{C183D7F6-B498-43B3-948B-1728B52AA6E4}">
+                  <adec:decorative xmlns:adec="http://schemas.microsoft.com/office/drawing/2017/decorative" val="1"/>
+                </a:ext>
+              </a:extLst>
+            </p:cNvPr>
+            <p:cNvSpPr/>
+            <p:nvPr>
+              <p:extLst>
+                <p:ext uri="{386F3935-93C4-4BCD-93E2-E3B085C9AB24}">
+                  <p16:designElem xmlns:p16="http://schemas.microsoft.com/office/powerpoint/2015/main" val="1"/>
+                </p:ext>
+              </p:extLst>
+            </p:nvPr>
+          </p:nvSpPr>
+          <p:spPr bwMode="auto">
+            <a:xfrm>
+              <a:off x="1320800" y="5238750"/>
+              <a:ext cx="1228725" cy="1619250"/>
+            </a:xfrm>
+            <a:custGeom>
+              <a:avLst/>
+              <a:gdLst/>
+              <a:ahLst/>
+              <a:cxnLst/>
+              <a:rect l="0" t="0" r="r" b="b"/>
+              <a:pathLst>
+                <a:path w="774" h="1020">
+                  <a:moveTo>
+                    <a:pt x="0" y="0"/>
+                  </a:moveTo>
+                  <a:lnTo>
+                    <a:pt x="740" y="1020"/>
+                  </a:lnTo>
+                  <a:lnTo>
+                    <a:pt x="774" y="1020"/>
+                  </a:lnTo>
+                  <a:lnTo>
+                    <a:pt x="0" y="0"/>
+                  </a:lnTo>
+                  <a:close/>
+                </a:path>
+              </a:pathLst>
+            </a:custGeom>
+            <a:solidFill>
+              <a:schemeClr val="tx1">
+                <a:lumMod val="85000"/>
+                <a:lumOff val="15000"/>
+              </a:schemeClr>
+            </a:solidFill>
+            <a:ln>
+              <a:noFill/>
+            </a:ln>
+          </p:spPr>
+        </p:sp>
+        <p:sp>
+          <p:nvSpPr>
+            <p:cNvPr id="23" name="Freeform 9">
+              <a:extLst>
+                <a:ext uri="{FF2B5EF4-FFF2-40B4-BE49-F238E27FC236}">
+                  <a16:creationId xmlns:a16="http://schemas.microsoft.com/office/drawing/2014/main" id="{5C5D324F-33A3-4C66-BFE5-1742CA4E5940}"/>
+                </a:ext>
+                <a:ext uri="{C183D7F6-B498-43B3-948B-1728B52AA6E4}">
+                  <adec:decorative xmlns:adec="http://schemas.microsoft.com/office/drawing/2017/decorative" val="1"/>
+                </a:ext>
+              </a:extLst>
+            </p:cNvPr>
+            <p:cNvSpPr/>
+            <p:nvPr>
+              <p:extLst>
+                <p:ext uri="{386F3935-93C4-4BCD-93E2-E3B085C9AB24}">
+                  <p16:designElem xmlns:p16="http://schemas.microsoft.com/office/powerpoint/2015/main" val="1"/>
+                </p:ext>
+              </p:extLst>
+            </p:nvPr>
+          </p:nvSpPr>
+          <p:spPr bwMode="auto">
+            <a:xfrm>
+              <a:off x="1627188" y="5291138"/>
+              <a:ext cx="1495425" cy="1566863"/>
+            </a:xfrm>
+            <a:custGeom>
+              <a:avLst/>
+              <a:gdLst/>
+              <a:ahLst/>
+              <a:cxnLst/>
+              <a:rect l="0" t="0" r="r" b="b"/>
+              <a:pathLst>
+                <a:path w="942" h="987">
+                  <a:moveTo>
+                    <a:pt x="0" y="0"/>
+                  </a:moveTo>
+                  <a:lnTo>
+                    <a:pt x="909" y="987"/>
+                  </a:lnTo>
+                  <a:lnTo>
+                    <a:pt x="942" y="987"/>
+                  </a:lnTo>
+                  <a:lnTo>
+                    <a:pt x="0" y="0"/>
+                  </a:lnTo>
+                  <a:close/>
+                </a:path>
+              </a:pathLst>
+            </a:custGeom>
+            <a:solidFill>
+              <a:schemeClr val="accent1">
+                <a:lumMod val="50000"/>
+              </a:schemeClr>
+            </a:solidFill>
+            <a:ln>
+              <a:noFill/>
+            </a:ln>
+          </p:spPr>
+        </p:sp>
+        <p:sp>
+          <p:nvSpPr>
+            <p:cNvPr id="24" name="Freeform 10">
+              <a:extLst>
+                <a:ext uri="{FF2B5EF4-FFF2-40B4-BE49-F238E27FC236}">
+                  <a16:creationId xmlns:a16="http://schemas.microsoft.com/office/drawing/2014/main" id="{EC572FC8-A465-4BA3-BA4D-2EC538C042AD}"/>
+                </a:ext>
+                <a:ext uri="{C183D7F6-B498-43B3-948B-1728B52AA6E4}">
+                  <adec:decorative xmlns:adec="http://schemas.microsoft.com/office/drawing/2017/decorative" val="1"/>
+                </a:ext>
+              </a:extLst>
+            </p:cNvPr>
+            <p:cNvSpPr/>
+            <p:nvPr>
+              <p:extLst>
+                <p:ext uri="{386F3935-93C4-4BCD-93E2-E3B085C9AB24}">
+                  <p16:designElem xmlns:p16="http://schemas.microsoft.com/office/powerpoint/2015/main" val="1"/>
+                </p:ext>
+              </p:extLst>
+            </p:nvPr>
+          </p:nvSpPr>
+          <p:spPr bwMode="auto">
+            <a:xfrm>
+              <a:off x="1627188" y="5286375"/>
+              <a:ext cx="2130425" cy="1571625"/>
+            </a:xfrm>
+            <a:custGeom>
+              <a:avLst/>
+              <a:gdLst/>
+              <a:ahLst/>
+              <a:cxnLst/>
+              <a:rect l="0" t="0" r="r" b="b"/>
+              <a:pathLst>
+                <a:path w="1342" h="990">
+                  <a:moveTo>
+                    <a:pt x="0" y="3"/>
+                  </a:moveTo>
+                  <a:lnTo>
+                    <a:pt x="942" y="990"/>
+                  </a:lnTo>
+                  <a:lnTo>
+                    <a:pt x="1342" y="990"/>
+                  </a:lnTo>
+                  <a:lnTo>
+                    <a:pt x="156" y="27"/>
+                  </a:lnTo>
+                  <a:lnTo>
+                    <a:pt x="0" y="0"/>
+                  </a:lnTo>
+                  <a:lnTo>
+                    <a:pt x="0" y="3"/>
+                  </a:lnTo>
+                  <a:close/>
+                </a:path>
+              </a:pathLst>
+            </a:custGeom>
+            <a:solidFill>
+              <a:schemeClr val="accent1">
+                <a:lumMod val="75000"/>
+              </a:schemeClr>
+            </a:solidFill>
+            <a:ln>
+              <a:noFill/>
+            </a:ln>
+          </p:spPr>
+        </p:sp>
+        <p:sp>
+          <p:nvSpPr>
+            <p:cNvPr id="25" name="Freeform 11">
+              <a:extLst>
+                <a:ext uri="{FF2B5EF4-FFF2-40B4-BE49-F238E27FC236}">
+                  <a16:creationId xmlns:a16="http://schemas.microsoft.com/office/drawing/2014/main" id="{66CC2B15-8E3B-4CFF-99E4-5B4E4D8CF933}"/>
+                </a:ext>
+                <a:ext uri="{C183D7F6-B498-43B3-948B-1728B52AA6E4}">
+                  <adec:decorative xmlns:adec="http://schemas.microsoft.com/office/drawing/2017/decorative" val="1"/>
+                </a:ext>
+              </a:extLst>
+            </p:cNvPr>
+            <p:cNvSpPr/>
+            <p:nvPr>
+              <p:extLst>
+                <p:ext uri="{386F3935-93C4-4BCD-93E2-E3B085C9AB24}">
+                  <p16:designElem xmlns:p16="http://schemas.microsoft.com/office/powerpoint/2015/main" val="1"/>
+                </p:ext>
+              </p:extLst>
+            </p:nvPr>
+          </p:nvSpPr>
+          <p:spPr bwMode="auto">
+            <a:xfrm>
+              <a:off x="1320800" y="5238750"/>
+              <a:ext cx="1695450" cy="1619250"/>
+            </a:xfrm>
+            <a:custGeom>
+              <a:avLst/>
+              <a:gdLst/>
+              <a:ahLst/>
+              <a:cxnLst/>
+              <a:rect l="0" t="0" r="r" b="b"/>
+              <a:pathLst>
+                <a:path w="1068" h="1020">
+                  <a:moveTo>
+                    <a:pt x="1068" y="1020"/>
+                  </a:moveTo>
+                  <a:lnTo>
+                    <a:pt x="184" y="60"/>
+                  </a:lnTo>
+                  <a:lnTo>
+                    <a:pt x="154" y="27"/>
+                  </a:lnTo>
+                  <a:lnTo>
+                    <a:pt x="157" y="27"/>
+                  </a:lnTo>
+                  <a:lnTo>
+                    <a:pt x="157" y="24"/>
+                  </a:lnTo>
+                  <a:lnTo>
+                    <a:pt x="154" y="24"/>
+                  </a:lnTo>
+                  <a:lnTo>
+                    <a:pt x="0" y="0"/>
+                  </a:lnTo>
+                  <a:lnTo>
+                    <a:pt x="0" y="0"/>
+                  </a:lnTo>
+                  <a:lnTo>
+                    <a:pt x="774" y="1020"/>
+                  </a:lnTo>
+                  <a:lnTo>
+                    <a:pt x="1068" y="1020"/>
+                  </a:lnTo>
+                  <a:close/>
+                </a:path>
+              </a:pathLst>
+            </a:custGeom>
+            <a:solidFill>
+              <a:schemeClr val="tx1">
+                <a:lumMod val="75000"/>
+                <a:lumOff val="25000"/>
+              </a:schemeClr>
+            </a:solidFill>
+            <a:ln>
+              <a:noFill/>
+            </a:ln>
+          </p:spPr>
+        </p:sp>
+      </p:grpSp>
+      <p:sp>
+        <p:nvSpPr>
+          <p:cNvPr id="2" name="Title 1">
+            <a:extLst>
+              <a:ext uri="{FF2B5EF4-FFF2-40B4-BE49-F238E27FC236}">
+                <a16:creationId xmlns:a16="http://schemas.microsoft.com/office/drawing/2014/main" id="{D19F05BC-D31C-BA45-9FAA-24F57947D6F3}"/>
+              </a:ext>
+            </a:extLst>
+          </p:cNvPr>
+          <p:cNvSpPr>
+            <a:spLocks noGrp="1"/>
+          </p:cNvSpPr>
+          <p:nvPr>
+            <p:ph type="title"/>
+          </p:nvPr>
+        </p:nvSpPr>
+        <p:spPr>
+          <a:xfrm>
+            <a:off x="1484312" y="685800"/>
+            <a:ext cx="4278928" cy="1752599"/>
+          </a:xfrm>
+        </p:spPr>
+        <p:txBody>
+          <a:bodyPr vert="horz" lIns="91440" tIns="45720" rIns="91440" bIns="45720" rtlCol="0" anchor="ctr">
+            <a:normAutofit/>
+          </a:bodyPr>
+          <a:lstStyle/>
+          <a:p>
+            <a:r>
+              <a:rPr lang="en-US" dirty="0"/>
+              <a:t>Inheritance</a:t>
+            </a:r>
+          </a:p>
+        </p:txBody>
+      </p:sp>
+      <p:sp>
+        <p:nvSpPr>
+          <p:cNvPr id="3" name="Content Placeholder 2">
+            <a:extLst>
+              <a:ext uri="{FF2B5EF4-FFF2-40B4-BE49-F238E27FC236}">
+                <a16:creationId xmlns:a16="http://schemas.microsoft.com/office/drawing/2014/main" id="{4A7DF545-5DF3-C048-9C1F-B821D7E5FD68}"/>
+              </a:ext>
+            </a:extLst>
+          </p:cNvPr>
+          <p:cNvSpPr>
+            <a:spLocks noGrp="1"/>
+          </p:cNvSpPr>
+          <p:nvPr>
+            <p:ph sz="half" idx="1"/>
+          </p:nvPr>
+        </p:nvSpPr>
+        <p:spPr>
+          <a:xfrm>
+            <a:off x="1268412" y="2604977"/>
+            <a:ext cx="4494827" cy="3189767"/>
+          </a:xfrm>
+        </p:spPr>
+        <p:txBody>
+          <a:bodyPr vert="horz" lIns="91440" tIns="45720" rIns="91440" bIns="45720" rtlCol="0" anchor="ctr">
+            <a:normAutofit/>
+          </a:bodyPr>
+          <a:lstStyle/>
+          <a:p>
+            <a:r>
+              <a:rPr lang="en-US" dirty="0"/>
+              <a:t>Inheritance is a mechanism in which one class acquires the property of another class. </a:t>
+            </a:r>
+          </a:p>
+          <a:p>
+            <a:r>
+              <a:rPr lang="en-US" dirty="0"/>
+              <a:t>It’s quite easy to create an object model and inheritance chain with TypeScript. The ‘</a:t>
+            </a:r>
+            <a:r>
+              <a:rPr lang="en-US" b="1" dirty="0"/>
+              <a:t>extends</a:t>
+            </a:r>
+            <a:r>
+              <a:rPr lang="en-US" dirty="0"/>
+              <a:t>’ keyword causes the child class to inherit from the denoted base class. </a:t>
+            </a:r>
+          </a:p>
+          <a:p>
+            <a:endParaRPr lang="en-US" dirty="0"/>
+          </a:p>
+        </p:txBody>
+      </p:sp>
+      <p:sp>
+        <p:nvSpPr>
+          <p:cNvPr id="27" name="Rounded Rectangle 16">
+            <a:extLst>
+              <a:ext uri="{FF2B5EF4-FFF2-40B4-BE49-F238E27FC236}">
+                <a16:creationId xmlns:a16="http://schemas.microsoft.com/office/drawing/2014/main" id="{63A60C88-7443-4827-9241-5019758CB4F0}"/>
+              </a:ext>
+              <a:ext uri="{C183D7F6-B498-43B3-948B-1728B52AA6E4}">
+                <adec:decorative xmlns:adec="http://schemas.microsoft.com/office/drawing/2017/decorative" val="1"/>
+              </a:ext>
+            </a:extLst>
+          </p:cNvPr>
+          <p:cNvSpPr>
+            <a:spLocks noGrp="1" noRot="1" noChangeAspect="1" noMove="1" noResize="1" noEditPoints="1" noAdjustHandles="1" noChangeArrowheads="1" noChangeShapeType="1" noTextEdit="1"/>
+          </p:cNvSpPr>
+          <p:nvPr>
+            <p:extLst>
+              <p:ext uri="{386F3935-93C4-4BCD-93E2-E3B085C9AB24}">
+                <p16:designElem xmlns:p16="http://schemas.microsoft.com/office/powerpoint/2015/main" val="1"/>
+              </p:ext>
+            </p:extLst>
+          </p:nvPr>
+        </p:nvSpPr>
+        <p:spPr>
+          <a:xfrm>
+            <a:off x="6096000" y="648931"/>
+            <a:ext cx="5407023" cy="5231964"/>
+          </a:xfrm>
+          <a:prstGeom prst="roundRect">
+            <a:avLst>
+              <a:gd name="adj" fmla="val 4834"/>
+            </a:avLst>
+          </a:prstGeom>
+          <a:solidFill>
+            <a:schemeClr val="bg1"/>
+          </a:solidFill>
+          <a:ln w="38100">
+            <a:gradFill flip="none" rotWithShape="1">
+              <a:gsLst>
+                <a:gs pos="0">
+                  <a:schemeClr val="bg2"/>
+                </a:gs>
+                <a:gs pos="100000">
+                  <a:schemeClr val="bg2">
+                    <a:lumMod val="75000"/>
+                  </a:schemeClr>
+                </a:gs>
+              </a:gsLst>
+              <a:lin ang="5400000" scaled="0"/>
+              <a:tileRect/>
+            </a:gradFill>
+          </a:ln>
+          <a:effectLst>
+            <a:innerShdw blurRad="57150" dist="38100" dir="14460000">
+              <a:srgbClr val="000000">
+                <a:alpha val="70000"/>
+              </a:srgbClr>
+            </a:innerShdw>
+          </a:effectLst>
+        </p:spPr>
+        <p:style>
+          <a:lnRef idx="2">
+            <a:schemeClr val="accent1">
+              <a:shade val="50000"/>
+            </a:schemeClr>
+          </a:lnRef>
+          <a:fillRef idx="1">
+            <a:schemeClr val="accent1"/>
+          </a:fillRef>
+          <a:effectRef idx="0">
+            <a:schemeClr val="accent1"/>
+          </a:effectRef>
+          <a:fontRef idx="minor">
+            <a:schemeClr val="lt1"/>
+          </a:fontRef>
+        </p:style>
+        <p:txBody>
+          <a:bodyPr rtlCol="0" anchor="ctr"/>
+          <a:lstStyle/>
+          <a:p>
+            <a:pPr algn="ctr"/>
+            <a:endParaRPr lang="en-US"/>
+          </a:p>
+        </p:txBody>
+      </p:sp>
+      <p:pic>
+        <p:nvPicPr>
+          <p:cNvPr id="6" name="Content Placeholder 5" descr="Graphical user interface, text, application, email&#10;&#10;Description automatically generated">
+            <a:extLst>
+              <a:ext uri="{FF2B5EF4-FFF2-40B4-BE49-F238E27FC236}">
+                <a16:creationId xmlns:a16="http://schemas.microsoft.com/office/drawing/2014/main" id="{C7A94992-09E8-244E-B1F6-A5E7BA03DAA2}"/>
+              </a:ext>
+            </a:extLst>
+          </p:cNvPr>
+          <p:cNvPicPr>
+            <a:picLocks noGrp="1" noChangeAspect="1"/>
+          </p:cNvPicPr>
+          <p:nvPr>
+            <p:ph sz="half" idx="2"/>
+          </p:nvPr>
+        </p:nvPicPr>
+        <p:blipFill>
+          <a:blip r:embed="rId3">
+            <a:extLst>
+              <a:ext uri="{28A0092B-C50C-407E-A947-70E740481C1C}">
+                <a14:useLocalDpi xmlns:a14="http://schemas.microsoft.com/office/drawing/2010/main" val="0"/>
+              </a:ext>
+            </a:extLst>
+          </a:blip>
+          <a:stretch>
+            <a:fillRect/>
+          </a:stretch>
+        </p:blipFill>
+        <p:spPr>
+          <a:xfrm>
+            <a:off x="6434407" y="2211754"/>
+            <a:ext cx="4744154" cy="2146729"/>
+          </a:xfrm>
+          <a:prstGeom prst="rect">
+            <a:avLst/>
+          </a:prstGeom>
+        </p:spPr>
+      </p:pic>
+    </p:spTree>
+    <p:extLst>
+      <p:ext uri="{BB962C8B-B14F-4D97-AF65-F5344CB8AC3E}">
+        <p14:creationId xmlns:p14="http://schemas.microsoft.com/office/powerpoint/2010/main" val="3638817294"/>
+      </p:ext>
+    </p:extLst>
+  </p:cSld>
+  <p:clrMapOvr>
+    <a:masterClrMapping/>
+  </p:clrMapOvr>
+</p:sld>
+</file>
+
+<file path=ppt/slides/slide26.xml><?xml version="1.0" encoding="utf-8"?>
+<p:sld xmlns:a="http://schemas.openxmlformats.org/drawingml/2006/main" xmlns:r="http://schemas.openxmlformats.org/officeDocument/2006/relationships" xmlns:p="http://schemas.openxmlformats.org/presentationml/2006/main">
+  <p:cSld>
+    <p:bg>
+      <p:bgPr>
+        <a:blipFill rotWithShape="1">
+          <a:blip r:embed="rId2">
+            <a:duotone>
+              <a:schemeClr val="bg2">
+                <a:shade val="76000"/>
+                <a:satMod val="180000"/>
+              </a:schemeClr>
+              <a:schemeClr val="bg2">
+                <a:tint val="80000"/>
+                <a:satMod val="120000"/>
+                <a:lumMod val="180000"/>
+              </a:schemeClr>
+            </a:duotone>
+          </a:blip>
+          <a:stretch/>
+        </a:blipFill>
+        <a:effectLst/>
+      </p:bgPr>
+    </p:bg>
+    <p:spTree>
+      <p:nvGrpSpPr>
+        <p:cNvPr id="1" name=""/>
+        <p:cNvGrpSpPr/>
+        <p:nvPr/>
+      </p:nvGrpSpPr>
+      <p:grpSpPr>
+        <a:xfrm>
+          <a:off x="0" y="0"/>
+          <a:ext cx="0" cy="0"/>
+          <a:chOff x="0" y="0"/>
+          <a:chExt cx="0" cy="0"/>
+        </a:xfrm>
+      </p:grpSpPr>
+      <p:grpSp>
+        <p:nvGrpSpPr>
+          <p:cNvPr id="32" name="Group 31">
+            <a:extLst>
+              <a:ext uri="{FF2B5EF4-FFF2-40B4-BE49-F238E27FC236}">
+                <a16:creationId xmlns:a16="http://schemas.microsoft.com/office/drawing/2014/main" id="{15FF890B-3CE7-403A-AECE-2DE04FC7AF80}"/>
+              </a:ext>
+              <a:ext uri="{C183D7F6-B498-43B3-948B-1728B52AA6E4}">
+                <adec:decorative xmlns:adec="http://schemas.microsoft.com/office/drawing/2017/decorative" val="1"/>
+              </a:ext>
+            </a:extLst>
+          </p:cNvPr>
+          <p:cNvGrpSpPr>
+            <a:grpSpLocks noGrp="1" noUngrp="1" noRot="1" noChangeAspect="1" noMove="1" noResize="1"/>
+          </p:cNvGrpSpPr>
+          <p:nvPr>
+            <p:extLst>
+              <p:ext uri="{386F3935-93C4-4BCD-93E2-E3B085C9AB24}">
+                <p16:designElem xmlns:p16="http://schemas.microsoft.com/office/powerpoint/2015/main" val="1"/>
+              </p:ext>
+            </p:extLst>
+          </p:nvPr>
+        </p:nvGrpSpPr>
+        <p:grpSpPr>
+          <a:xfrm>
+            <a:off x="150812" y="0"/>
+            <a:ext cx="2436813" cy="6858001"/>
+            <a:chOff x="1320800" y="0"/>
+            <a:chExt cx="2436813" cy="6858001"/>
+          </a:xfrm>
+        </p:grpSpPr>
+        <p:sp>
+          <p:nvSpPr>
+            <p:cNvPr id="33" name="Freeform 6">
+              <a:extLst>
+                <a:ext uri="{FF2B5EF4-FFF2-40B4-BE49-F238E27FC236}">
+                  <a16:creationId xmlns:a16="http://schemas.microsoft.com/office/drawing/2014/main" id="{99A4E160-6CFD-4514-9E20-CA6692CCDB9C}"/>
+                </a:ext>
+                <a:ext uri="{C183D7F6-B498-43B3-948B-1728B52AA6E4}">
+                  <adec:decorative xmlns:adec="http://schemas.microsoft.com/office/drawing/2017/decorative" val="1"/>
+                </a:ext>
+              </a:extLst>
+            </p:cNvPr>
+            <p:cNvSpPr/>
+            <p:nvPr>
+              <p:extLst>
+                <p:ext uri="{386F3935-93C4-4BCD-93E2-E3B085C9AB24}">
+                  <p16:designElem xmlns:p16="http://schemas.microsoft.com/office/powerpoint/2015/main" val="1"/>
+                </p:ext>
+              </p:extLst>
+            </p:nvPr>
+          </p:nvSpPr>
+          <p:spPr bwMode="auto">
+            <a:xfrm>
+              <a:off x="1627188" y="0"/>
+              <a:ext cx="1122363" cy="5329238"/>
+            </a:xfrm>
+            <a:custGeom>
+              <a:avLst/>
+              <a:gdLst/>
+              <a:ahLst/>
+              <a:cxnLst/>
+              <a:rect l="0" t="0" r="r" b="b"/>
+              <a:pathLst>
+                <a:path w="707" h="3357">
+                  <a:moveTo>
+                    <a:pt x="0" y="3330"/>
+                  </a:moveTo>
+                  <a:lnTo>
+                    <a:pt x="156" y="3357"/>
+                  </a:lnTo>
+                  <a:lnTo>
+                    <a:pt x="707" y="0"/>
+                  </a:lnTo>
+                  <a:lnTo>
+                    <a:pt x="547" y="0"/>
+                  </a:lnTo>
+                  <a:lnTo>
+                    <a:pt x="0" y="3330"/>
+                  </a:lnTo>
+                  <a:close/>
+                </a:path>
+              </a:pathLst>
+            </a:custGeom>
+            <a:solidFill>
+              <a:schemeClr val="accent1"/>
+            </a:solidFill>
+            <a:ln>
+              <a:noFill/>
+            </a:ln>
+          </p:spPr>
+        </p:sp>
+        <p:sp>
+          <p:nvSpPr>
+            <p:cNvPr id="34" name="Freeform 7">
+              <a:extLst>
+                <a:ext uri="{FF2B5EF4-FFF2-40B4-BE49-F238E27FC236}">
+                  <a16:creationId xmlns:a16="http://schemas.microsoft.com/office/drawing/2014/main" id="{3DCD16F5-8D15-45FD-BA62-ADAC08183A27}"/>
+                </a:ext>
+                <a:ext uri="{C183D7F6-B498-43B3-948B-1728B52AA6E4}">
+                  <adec:decorative xmlns:adec="http://schemas.microsoft.com/office/drawing/2017/decorative" val="1"/>
+                </a:ext>
+              </a:extLst>
+            </p:cNvPr>
+            <p:cNvSpPr/>
+            <p:nvPr>
+              <p:extLst>
+                <p:ext uri="{386F3935-93C4-4BCD-93E2-E3B085C9AB24}">
+                  <p16:designElem xmlns:p16="http://schemas.microsoft.com/office/powerpoint/2015/main" val="1"/>
+                </p:ext>
+              </p:extLst>
+            </p:nvPr>
+          </p:nvSpPr>
+          <p:spPr bwMode="auto">
+            <a:xfrm>
+              <a:off x="1320800" y="0"/>
+              <a:ext cx="1117600" cy="5276850"/>
+            </a:xfrm>
+            <a:custGeom>
+              <a:avLst/>
+              <a:gdLst/>
+              <a:ahLst/>
+              <a:cxnLst/>
+              <a:rect l="0" t="0" r="r" b="b"/>
+              <a:pathLst>
+                <a:path w="704" h="3324">
+                  <a:moveTo>
+                    <a:pt x="704" y="0"/>
+                  </a:moveTo>
+                  <a:lnTo>
+                    <a:pt x="545" y="0"/>
+                  </a:lnTo>
+                  <a:lnTo>
+                    <a:pt x="0" y="3300"/>
+                  </a:lnTo>
+                  <a:lnTo>
+                    <a:pt x="157" y="3324"/>
+                  </a:lnTo>
+                  <a:lnTo>
+                    <a:pt x="704" y="0"/>
+                  </a:lnTo>
+                  <a:close/>
+                </a:path>
+              </a:pathLst>
+            </a:custGeom>
+            <a:solidFill>
+              <a:schemeClr val="tx1">
+                <a:lumMod val="65000"/>
+                <a:lumOff val="35000"/>
+              </a:schemeClr>
+            </a:solidFill>
+            <a:ln>
+              <a:noFill/>
+            </a:ln>
+          </p:spPr>
+        </p:sp>
+        <p:sp>
+          <p:nvSpPr>
+            <p:cNvPr id="35" name="Freeform 8">
+              <a:extLst>
+                <a:ext uri="{FF2B5EF4-FFF2-40B4-BE49-F238E27FC236}">
+                  <a16:creationId xmlns:a16="http://schemas.microsoft.com/office/drawing/2014/main" id="{E7CFAF28-6FDA-4C2C-BE51-123D1115F75C}"/>
+                </a:ext>
+                <a:ext uri="{C183D7F6-B498-43B3-948B-1728B52AA6E4}">
+                  <adec:decorative xmlns:adec="http://schemas.microsoft.com/office/drawing/2017/decorative" val="1"/>
+                </a:ext>
+              </a:extLst>
+            </p:cNvPr>
+            <p:cNvSpPr/>
+            <p:nvPr>
+              <p:extLst>
+                <p:ext uri="{386F3935-93C4-4BCD-93E2-E3B085C9AB24}">
+                  <p16:designElem xmlns:p16="http://schemas.microsoft.com/office/powerpoint/2015/main" val="1"/>
+                </p:ext>
+              </p:extLst>
+            </p:nvPr>
+          </p:nvSpPr>
+          <p:spPr bwMode="auto">
+            <a:xfrm>
+              <a:off x="1320800" y="5238750"/>
+              <a:ext cx="1228725" cy="1619250"/>
+            </a:xfrm>
+            <a:custGeom>
+              <a:avLst/>
+              <a:gdLst/>
+              <a:ahLst/>
+              <a:cxnLst/>
+              <a:rect l="0" t="0" r="r" b="b"/>
+              <a:pathLst>
+                <a:path w="774" h="1020">
+                  <a:moveTo>
+                    <a:pt x="0" y="0"/>
+                  </a:moveTo>
+                  <a:lnTo>
+                    <a:pt x="740" y="1020"/>
+                  </a:lnTo>
+                  <a:lnTo>
+                    <a:pt x="774" y="1020"/>
+                  </a:lnTo>
+                  <a:lnTo>
+                    <a:pt x="0" y="0"/>
+                  </a:lnTo>
+                  <a:close/>
+                </a:path>
+              </a:pathLst>
+            </a:custGeom>
+            <a:solidFill>
+              <a:schemeClr val="tx1">
+                <a:lumMod val="85000"/>
+                <a:lumOff val="15000"/>
+              </a:schemeClr>
+            </a:solidFill>
+            <a:ln>
+              <a:noFill/>
+            </a:ln>
+          </p:spPr>
+        </p:sp>
+        <p:sp>
+          <p:nvSpPr>
+            <p:cNvPr id="36" name="Freeform 9">
+              <a:extLst>
+                <a:ext uri="{FF2B5EF4-FFF2-40B4-BE49-F238E27FC236}">
+                  <a16:creationId xmlns:a16="http://schemas.microsoft.com/office/drawing/2014/main" id="{1FD12703-0627-4991-B2A4-F96519F90863}"/>
+                </a:ext>
+                <a:ext uri="{C183D7F6-B498-43B3-948B-1728B52AA6E4}">
+                  <adec:decorative xmlns:adec="http://schemas.microsoft.com/office/drawing/2017/decorative" val="1"/>
+                </a:ext>
+              </a:extLst>
+            </p:cNvPr>
+            <p:cNvSpPr/>
+            <p:nvPr>
+              <p:extLst>
+                <p:ext uri="{386F3935-93C4-4BCD-93E2-E3B085C9AB24}">
+                  <p16:designElem xmlns:p16="http://schemas.microsoft.com/office/powerpoint/2015/main" val="1"/>
+                </p:ext>
+              </p:extLst>
+            </p:nvPr>
+          </p:nvSpPr>
+          <p:spPr bwMode="auto">
+            <a:xfrm>
+              <a:off x="1627188" y="5291138"/>
+              <a:ext cx="1495425" cy="1566863"/>
+            </a:xfrm>
+            <a:custGeom>
+              <a:avLst/>
+              <a:gdLst/>
+              <a:ahLst/>
+              <a:cxnLst/>
+              <a:rect l="0" t="0" r="r" b="b"/>
+              <a:pathLst>
+                <a:path w="942" h="987">
+                  <a:moveTo>
+                    <a:pt x="0" y="0"/>
+                  </a:moveTo>
+                  <a:lnTo>
+                    <a:pt x="909" y="987"/>
+                  </a:lnTo>
+                  <a:lnTo>
+                    <a:pt x="942" y="987"/>
+                  </a:lnTo>
+                  <a:lnTo>
+                    <a:pt x="0" y="0"/>
+                  </a:lnTo>
+                  <a:close/>
+                </a:path>
+              </a:pathLst>
+            </a:custGeom>
+            <a:solidFill>
+              <a:schemeClr val="accent1">
+                <a:lumMod val="50000"/>
+              </a:schemeClr>
+            </a:solidFill>
+            <a:ln>
+              <a:noFill/>
+            </a:ln>
+          </p:spPr>
+        </p:sp>
+        <p:sp>
+          <p:nvSpPr>
+            <p:cNvPr id="37" name="Freeform 10">
+              <a:extLst>
+                <a:ext uri="{FF2B5EF4-FFF2-40B4-BE49-F238E27FC236}">
+                  <a16:creationId xmlns:a16="http://schemas.microsoft.com/office/drawing/2014/main" id="{A5758E0B-DF61-40A8-B765-BC6841906A9A}"/>
+                </a:ext>
+                <a:ext uri="{C183D7F6-B498-43B3-948B-1728B52AA6E4}">
+                  <adec:decorative xmlns:adec="http://schemas.microsoft.com/office/drawing/2017/decorative" val="1"/>
+                </a:ext>
+              </a:extLst>
+            </p:cNvPr>
+            <p:cNvSpPr/>
+            <p:nvPr>
+              <p:extLst>
+                <p:ext uri="{386F3935-93C4-4BCD-93E2-E3B085C9AB24}">
+                  <p16:designElem xmlns:p16="http://schemas.microsoft.com/office/powerpoint/2015/main" val="1"/>
+                </p:ext>
+              </p:extLst>
+            </p:nvPr>
+          </p:nvSpPr>
+          <p:spPr bwMode="auto">
+            <a:xfrm>
+              <a:off x="1627188" y="5286375"/>
+              <a:ext cx="2130425" cy="1571625"/>
+            </a:xfrm>
+            <a:custGeom>
+              <a:avLst/>
+              <a:gdLst/>
+              <a:ahLst/>
+              <a:cxnLst/>
+              <a:rect l="0" t="0" r="r" b="b"/>
+              <a:pathLst>
+                <a:path w="1342" h="990">
+                  <a:moveTo>
+                    <a:pt x="0" y="3"/>
+                  </a:moveTo>
+                  <a:lnTo>
+                    <a:pt x="942" y="990"/>
+                  </a:lnTo>
+                  <a:lnTo>
+                    <a:pt x="1342" y="990"/>
+                  </a:lnTo>
+                  <a:lnTo>
+                    <a:pt x="156" y="27"/>
+                  </a:lnTo>
+                  <a:lnTo>
+                    <a:pt x="0" y="0"/>
+                  </a:lnTo>
+                  <a:lnTo>
+                    <a:pt x="0" y="3"/>
+                  </a:lnTo>
+                  <a:close/>
+                </a:path>
+              </a:pathLst>
+            </a:custGeom>
+            <a:solidFill>
+              <a:schemeClr val="accent1">
+                <a:lumMod val="75000"/>
+              </a:schemeClr>
+            </a:solidFill>
+            <a:ln>
+              <a:noFill/>
+            </a:ln>
+          </p:spPr>
+        </p:sp>
+        <p:sp>
+          <p:nvSpPr>
+            <p:cNvPr id="38" name="Freeform 11">
+              <a:extLst>
+                <a:ext uri="{FF2B5EF4-FFF2-40B4-BE49-F238E27FC236}">
+                  <a16:creationId xmlns:a16="http://schemas.microsoft.com/office/drawing/2014/main" id="{3E063A1F-9566-4436-B4E3-2890FBBC2CCB}"/>
+                </a:ext>
+                <a:ext uri="{C183D7F6-B498-43B3-948B-1728B52AA6E4}">
+                  <adec:decorative xmlns:adec="http://schemas.microsoft.com/office/drawing/2017/decorative" val="1"/>
+                </a:ext>
+              </a:extLst>
+            </p:cNvPr>
+            <p:cNvSpPr/>
+            <p:nvPr>
+              <p:extLst>
+                <p:ext uri="{386F3935-93C4-4BCD-93E2-E3B085C9AB24}">
+                  <p16:designElem xmlns:p16="http://schemas.microsoft.com/office/powerpoint/2015/main" val="1"/>
+                </p:ext>
+              </p:extLst>
+            </p:nvPr>
+          </p:nvSpPr>
+          <p:spPr bwMode="auto">
+            <a:xfrm>
+              <a:off x="1320800" y="5238750"/>
+              <a:ext cx="1695450" cy="1619250"/>
+            </a:xfrm>
+            <a:custGeom>
+              <a:avLst/>
+              <a:gdLst/>
+              <a:ahLst/>
+              <a:cxnLst/>
+              <a:rect l="0" t="0" r="r" b="b"/>
+              <a:pathLst>
+                <a:path w="1068" h="1020">
+                  <a:moveTo>
+                    <a:pt x="1068" y="1020"/>
+                  </a:moveTo>
+                  <a:lnTo>
+                    <a:pt x="184" y="60"/>
+                  </a:lnTo>
+                  <a:lnTo>
+                    <a:pt x="154" y="27"/>
+                  </a:lnTo>
+                  <a:lnTo>
+                    <a:pt x="157" y="27"/>
+                  </a:lnTo>
+                  <a:lnTo>
+                    <a:pt x="157" y="24"/>
+                  </a:lnTo>
+                  <a:lnTo>
+                    <a:pt x="154" y="24"/>
+                  </a:lnTo>
+                  <a:lnTo>
+                    <a:pt x="0" y="0"/>
+                  </a:lnTo>
+                  <a:lnTo>
+                    <a:pt x="0" y="0"/>
+                  </a:lnTo>
+                  <a:lnTo>
+                    <a:pt x="774" y="1020"/>
+                  </a:lnTo>
+                  <a:lnTo>
+                    <a:pt x="1068" y="1020"/>
+                  </a:lnTo>
+                  <a:close/>
+                </a:path>
+              </a:pathLst>
+            </a:custGeom>
+            <a:solidFill>
+              <a:schemeClr val="tx1">
+                <a:lumMod val="75000"/>
+                <a:lumOff val="25000"/>
+              </a:schemeClr>
+            </a:solidFill>
+            <a:ln>
+              <a:noFill/>
+            </a:ln>
+          </p:spPr>
+        </p:sp>
+      </p:grpSp>
+      <p:grpSp>
+        <p:nvGrpSpPr>
+          <p:cNvPr id="40" name="Group 39">
+            <a:extLst>
+              <a:ext uri="{FF2B5EF4-FFF2-40B4-BE49-F238E27FC236}">
+                <a16:creationId xmlns:a16="http://schemas.microsoft.com/office/drawing/2014/main" id="{DF8D5C46-63E5-40C5-A208-4B2189FA1032}"/>
+              </a:ext>
+              <a:ext uri="{C183D7F6-B498-43B3-948B-1728B52AA6E4}">
+                <adec:decorative xmlns:adec="http://schemas.microsoft.com/office/drawing/2017/decorative" val="1"/>
+              </a:ext>
+            </a:extLst>
+          </p:cNvPr>
+          <p:cNvGrpSpPr>
+            <a:grpSpLocks noGrp="1" noUngrp="1" noRot="1" noChangeAspect="1" noMove="1" noResize="1"/>
+          </p:cNvGrpSpPr>
+          <p:nvPr>
+            <p:extLst>
+              <p:ext uri="{386F3935-93C4-4BCD-93E2-E3B085C9AB24}">
+                <p16:designElem xmlns:p16="http://schemas.microsoft.com/office/powerpoint/2015/main" val="1"/>
+              </p:ext>
+            </p:extLst>
+          </p:nvPr>
+        </p:nvGrpSpPr>
+        <p:grpSpPr>
+          <a:xfrm>
+            <a:off x="150812" y="0"/>
+            <a:ext cx="2436813" cy="6858001"/>
+            <a:chOff x="1320800" y="0"/>
+            <a:chExt cx="2436813" cy="6858001"/>
+          </a:xfrm>
+        </p:grpSpPr>
+        <p:sp>
+          <p:nvSpPr>
+            <p:cNvPr id="41" name="Freeform 6">
+              <a:extLst>
+                <a:ext uri="{FF2B5EF4-FFF2-40B4-BE49-F238E27FC236}">
+                  <a16:creationId xmlns:a16="http://schemas.microsoft.com/office/drawing/2014/main" id="{4A42B4ED-376E-46C3-8BB2-EAFC660D112B}"/>
+                </a:ext>
+                <a:ext uri="{C183D7F6-B498-43B3-948B-1728B52AA6E4}">
+                  <adec:decorative xmlns:adec="http://schemas.microsoft.com/office/drawing/2017/decorative" val="1"/>
+                </a:ext>
+              </a:extLst>
+            </p:cNvPr>
+            <p:cNvSpPr/>
+            <p:nvPr>
+              <p:extLst>
+                <p:ext uri="{386F3935-93C4-4BCD-93E2-E3B085C9AB24}">
+                  <p16:designElem xmlns:p16="http://schemas.microsoft.com/office/powerpoint/2015/main" val="1"/>
+                </p:ext>
+              </p:extLst>
+            </p:nvPr>
+          </p:nvSpPr>
+          <p:spPr bwMode="auto">
+            <a:xfrm>
+              <a:off x="1627188" y="0"/>
+              <a:ext cx="1122363" cy="5329238"/>
+            </a:xfrm>
+            <a:custGeom>
+              <a:avLst/>
+              <a:gdLst/>
+              <a:ahLst/>
+              <a:cxnLst/>
+              <a:rect l="0" t="0" r="r" b="b"/>
+              <a:pathLst>
+                <a:path w="707" h="3357">
+                  <a:moveTo>
+                    <a:pt x="0" y="3330"/>
+                  </a:moveTo>
+                  <a:lnTo>
+                    <a:pt x="156" y="3357"/>
+                  </a:lnTo>
+                  <a:lnTo>
+                    <a:pt x="707" y="0"/>
+                  </a:lnTo>
+                  <a:lnTo>
+                    <a:pt x="547" y="0"/>
+                  </a:lnTo>
+                  <a:lnTo>
+                    <a:pt x="0" y="3330"/>
+                  </a:lnTo>
+                  <a:close/>
+                </a:path>
+              </a:pathLst>
+            </a:custGeom>
+            <a:solidFill>
+              <a:schemeClr val="accent1"/>
+            </a:solidFill>
+            <a:ln>
+              <a:noFill/>
+            </a:ln>
+          </p:spPr>
+        </p:sp>
+        <p:sp>
+          <p:nvSpPr>
+            <p:cNvPr id="42" name="Freeform 7">
+              <a:extLst>
+                <a:ext uri="{FF2B5EF4-FFF2-40B4-BE49-F238E27FC236}">
+                  <a16:creationId xmlns:a16="http://schemas.microsoft.com/office/drawing/2014/main" id="{94E0795D-42C3-4DFD-AEB0-286A1CF143FC}"/>
+                </a:ext>
+                <a:ext uri="{C183D7F6-B498-43B3-948B-1728B52AA6E4}">
+                  <adec:decorative xmlns:adec="http://schemas.microsoft.com/office/drawing/2017/decorative" val="1"/>
+                </a:ext>
+              </a:extLst>
+            </p:cNvPr>
+            <p:cNvSpPr/>
+            <p:nvPr>
+              <p:extLst>
+                <p:ext uri="{386F3935-93C4-4BCD-93E2-E3B085C9AB24}">
+                  <p16:designElem xmlns:p16="http://schemas.microsoft.com/office/powerpoint/2015/main" val="1"/>
+                </p:ext>
+              </p:extLst>
+            </p:nvPr>
+          </p:nvSpPr>
+          <p:spPr bwMode="auto">
+            <a:xfrm>
+              <a:off x="1320800" y="0"/>
+              <a:ext cx="1117600" cy="5276850"/>
+            </a:xfrm>
+            <a:custGeom>
+              <a:avLst/>
+              <a:gdLst/>
+              <a:ahLst/>
+              <a:cxnLst/>
+              <a:rect l="0" t="0" r="r" b="b"/>
+              <a:pathLst>
+                <a:path w="704" h="3324">
+                  <a:moveTo>
+                    <a:pt x="704" y="0"/>
+                  </a:moveTo>
+                  <a:lnTo>
+                    <a:pt x="545" y="0"/>
+                  </a:lnTo>
+                  <a:lnTo>
+                    <a:pt x="0" y="3300"/>
+                  </a:lnTo>
+                  <a:lnTo>
+                    <a:pt x="157" y="3324"/>
+                  </a:lnTo>
+                  <a:lnTo>
+                    <a:pt x="704" y="0"/>
+                  </a:lnTo>
+                  <a:close/>
+                </a:path>
+              </a:pathLst>
+            </a:custGeom>
+            <a:solidFill>
+              <a:schemeClr val="tx1">
+                <a:lumMod val="65000"/>
+                <a:lumOff val="35000"/>
+              </a:schemeClr>
+            </a:solidFill>
+            <a:ln>
+              <a:noFill/>
+            </a:ln>
+          </p:spPr>
+        </p:sp>
+        <p:sp>
+          <p:nvSpPr>
+            <p:cNvPr id="43" name="Freeform 8">
+              <a:extLst>
+                <a:ext uri="{FF2B5EF4-FFF2-40B4-BE49-F238E27FC236}">
+                  <a16:creationId xmlns:a16="http://schemas.microsoft.com/office/drawing/2014/main" id="{A2ACED1B-99D0-4C14-B63B-963889DCDBC2}"/>
+                </a:ext>
+                <a:ext uri="{C183D7F6-B498-43B3-948B-1728B52AA6E4}">
+                  <adec:decorative xmlns:adec="http://schemas.microsoft.com/office/drawing/2017/decorative" val="1"/>
+                </a:ext>
+              </a:extLst>
+            </p:cNvPr>
+            <p:cNvSpPr/>
+            <p:nvPr>
+              <p:extLst>
+                <p:ext uri="{386F3935-93C4-4BCD-93E2-E3B085C9AB24}">
+                  <p16:designElem xmlns:p16="http://schemas.microsoft.com/office/powerpoint/2015/main" val="1"/>
+                </p:ext>
+              </p:extLst>
+            </p:nvPr>
+          </p:nvSpPr>
+          <p:spPr bwMode="auto">
+            <a:xfrm>
+              <a:off x="1320800" y="5238750"/>
+              <a:ext cx="1228725" cy="1619250"/>
+            </a:xfrm>
+            <a:custGeom>
+              <a:avLst/>
+              <a:gdLst/>
+              <a:ahLst/>
+              <a:cxnLst/>
+              <a:rect l="0" t="0" r="r" b="b"/>
+              <a:pathLst>
+                <a:path w="774" h="1020">
+                  <a:moveTo>
+                    <a:pt x="0" y="0"/>
+                  </a:moveTo>
+                  <a:lnTo>
+                    <a:pt x="740" y="1020"/>
+                  </a:lnTo>
+                  <a:lnTo>
+                    <a:pt x="774" y="1020"/>
+                  </a:lnTo>
+                  <a:lnTo>
+                    <a:pt x="0" y="0"/>
+                  </a:lnTo>
+                  <a:close/>
+                </a:path>
+              </a:pathLst>
+            </a:custGeom>
+            <a:solidFill>
+              <a:schemeClr val="tx1">
+                <a:lumMod val="85000"/>
+                <a:lumOff val="15000"/>
+              </a:schemeClr>
+            </a:solidFill>
+            <a:ln>
+              <a:noFill/>
+            </a:ln>
+          </p:spPr>
+        </p:sp>
+        <p:sp>
+          <p:nvSpPr>
+            <p:cNvPr id="44" name="Freeform 9">
+              <a:extLst>
+                <a:ext uri="{FF2B5EF4-FFF2-40B4-BE49-F238E27FC236}">
+                  <a16:creationId xmlns:a16="http://schemas.microsoft.com/office/drawing/2014/main" id="{5C5D324F-33A3-4C66-BFE5-1742CA4E5940}"/>
+                </a:ext>
+                <a:ext uri="{C183D7F6-B498-43B3-948B-1728B52AA6E4}">
+                  <adec:decorative xmlns:adec="http://schemas.microsoft.com/office/drawing/2017/decorative" val="1"/>
+                </a:ext>
+              </a:extLst>
+            </p:cNvPr>
+            <p:cNvSpPr/>
+            <p:nvPr>
+              <p:extLst>
+                <p:ext uri="{386F3935-93C4-4BCD-93E2-E3B085C9AB24}">
+                  <p16:designElem xmlns:p16="http://schemas.microsoft.com/office/powerpoint/2015/main" val="1"/>
+                </p:ext>
+              </p:extLst>
+            </p:nvPr>
+          </p:nvSpPr>
+          <p:spPr bwMode="auto">
+            <a:xfrm>
+              <a:off x="1627188" y="5291138"/>
+              <a:ext cx="1495425" cy="1566863"/>
+            </a:xfrm>
+            <a:custGeom>
+              <a:avLst/>
+              <a:gdLst/>
+              <a:ahLst/>
+              <a:cxnLst/>
+              <a:rect l="0" t="0" r="r" b="b"/>
+              <a:pathLst>
+                <a:path w="942" h="987">
+                  <a:moveTo>
+                    <a:pt x="0" y="0"/>
+                  </a:moveTo>
+                  <a:lnTo>
+                    <a:pt x="909" y="987"/>
+                  </a:lnTo>
+                  <a:lnTo>
+                    <a:pt x="942" y="987"/>
+                  </a:lnTo>
+                  <a:lnTo>
+                    <a:pt x="0" y="0"/>
+                  </a:lnTo>
+                  <a:close/>
+                </a:path>
+              </a:pathLst>
+            </a:custGeom>
+            <a:solidFill>
+              <a:schemeClr val="accent1">
+                <a:lumMod val="50000"/>
+              </a:schemeClr>
+            </a:solidFill>
+            <a:ln>
+              <a:noFill/>
+            </a:ln>
+          </p:spPr>
+        </p:sp>
+        <p:sp>
+          <p:nvSpPr>
+            <p:cNvPr id="45" name="Freeform 10">
+              <a:extLst>
+                <a:ext uri="{FF2B5EF4-FFF2-40B4-BE49-F238E27FC236}">
+                  <a16:creationId xmlns:a16="http://schemas.microsoft.com/office/drawing/2014/main" id="{EC572FC8-A465-4BA3-BA4D-2EC538C042AD}"/>
+                </a:ext>
+                <a:ext uri="{C183D7F6-B498-43B3-948B-1728B52AA6E4}">
+                  <adec:decorative xmlns:adec="http://schemas.microsoft.com/office/drawing/2017/decorative" val="1"/>
+                </a:ext>
+              </a:extLst>
+            </p:cNvPr>
+            <p:cNvSpPr/>
+            <p:nvPr>
+              <p:extLst>
+                <p:ext uri="{386F3935-93C4-4BCD-93E2-E3B085C9AB24}">
+                  <p16:designElem xmlns:p16="http://schemas.microsoft.com/office/powerpoint/2015/main" val="1"/>
+                </p:ext>
+              </p:extLst>
+            </p:nvPr>
+          </p:nvSpPr>
+          <p:spPr bwMode="auto">
+            <a:xfrm>
+              <a:off x="1627188" y="5286375"/>
+              <a:ext cx="2130425" cy="1571625"/>
+            </a:xfrm>
+            <a:custGeom>
+              <a:avLst/>
+              <a:gdLst/>
+              <a:ahLst/>
+              <a:cxnLst/>
+              <a:rect l="0" t="0" r="r" b="b"/>
+              <a:pathLst>
+                <a:path w="1342" h="990">
+                  <a:moveTo>
+                    <a:pt x="0" y="3"/>
+                  </a:moveTo>
+                  <a:lnTo>
+                    <a:pt x="942" y="990"/>
+                  </a:lnTo>
+                  <a:lnTo>
+                    <a:pt x="1342" y="990"/>
+                  </a:lnTo>
+                  <a:lnTo>
+                    <a:pt x="156" y="27"/>
+                  </a:lnTo>
+                  <a:lnTo>
+                    <a:pt x="0" y="0"/>
+                  </a:lnTo>
+                  <a:lnTo>
+                    <a:pt x="0" y="3"/>
+                  </a:lnTo>
+                  <a:close/>
+                </a:path>
+              </a:pathLst>
+            </a:custGeom>
+            <a:solidFill>
+              <a:schemeClr val="accent1">
+                <a:lumMod val="75000"/>
+              </a:schemeClr>
+            </a:solidFill>
+            <a:ln>
+              <a:noFill/>
+            </a:ln>
+          </p:spPr>
+        </p:sp>
+        <p:sp>
+          <p:nvSpPr>
+            <p:cNvPr id="46" name="Freeform 11">
+              <a:extLst>
+                <a:ext uri="{FF2B5EF4-FFF2-40B4-BE49-F238E27FC236}">
+                  <a16:creationId xmlns:a16="http://schemas.microsoft.com/office/drawing/2014/main" id="{66CC2B15-8E3B-4CFF-99E4-5B4E4D8CF933}"/>
+                </a:ext>
+                <a:ext uri="{C183D7F6-B498-43B3-948B-1728B52AA6E4}">
+                  <adec:decorative xmlns:adec="http://schemas.microsoft.com/office/drawing/2017/decorative" val="1"/>
+                </a:ext>
+              </a:extLst>
+            </p:cNvPr>
+            <p:cNvSpPr/>
+            <p:nvPr>
+              <p:extLst>
+                <p:ext uri="{386F3935-93C4-4BCD-93E2-E3B085C9AB24}">
+                  <p16:designElem xmlns:p16="http://schemas.microsoft.com/office/powerpoint/2015/main" val="1"/>
+                </p:ext>
+              </p:extLst>
+            </p:nvPr>
+          </p:nvSpPr>
+          <p:spPr bwMode="auto">
+            <a:xfrm>
+              <a:off x="1320800" y="5238750"/>
+              <a:ext cx="1695450" cy="1619250"/>
+            </a:xfrm>
+            <a:custGeom>
+              <a:avLst/>
+              <a:gdLst/>
+              <a:ahLst/>
+              <a:cxnLst/>
+              <a:rect l="0" t="0" r="r" b="b"/>
+              <a:pathLst>
+                <a:path w="1068" h="1020">
+                  <a:moveTo>
+                    <a:pt x="1068" y="1020"/>
+                  </a:moveTo>
+                  <a:lnTo>
+                    <a:pt x="184" y="60"/>
+                  </a:lnTo>
+                  <a:lnTo>
+                    <a:pt x="154" y="27"/>
+                  </a:lnTo>
+                  <a:lnTo>
+                    <a:pt x="157" y="27"/>
+                  </a:lnTo>
+                  <a:lnTo>
+                    <a:pt x="157" y="24"/>
+                  </a:lnTo>
+                  <a:lnTo>
+                    <a:pt x="154" y="24"/>
+                  </a:lnTo>
+                  <a:lnTo>
+                    <a:pt x="0" y="0"/>
+                  </a:lnTo>
+                  <a:lnTo>
+                    <a:pt x="0" y="0"/>
+                  </a:lnTo>
+                  <a:lnTo>
+                    <a:pt x="774" y="1020"/>
+                  </a:lnTo>
+                  <a:lnTo>
+                    <a:pt x="1068" y="1020"/>
+                  </a:lnTo>
+                  <a:close/>
+                </a:path>
+              </a:pathLst>
+            </a:custGeom>
+            <a:solidFill>
+              <a:schemeClr val="tx1">
+                <a:lumMod val="75000"/>
+                <a:lumOff val="25000"/>
+              </a:schemeClr>
+            </a:solidFill>
+            <a:ln>
+              <a:noFill/>
+            </a:ln>
+          </p:spPr>
+        </p:sp>
+      </p:grpSp>
+      <p:sp>
+        <p:nvSpPr>
+          <p:cNvPr id="2" name="Title 1">
+            <a:extLst>
+              <a:ext uri="{FF2B5EF4-FFF2-40B4-BE49-F238E27FC236}">
+                <a16:creationId xmlns:a16="http://schemas.microsoft.com/office/drawing/2014/main" id="{73694081-56A5-414C-A09C-0308AD543862}"/>
+              </a:ext>
+            </a:extLst>
+          </p:cNvPr>
+          <p:cNvSpPr>
+            <a:spLocks noGrp="1"/>
+          </p:cNvSpPr>
+          <p:nvPr>
+            <p:ph type="title"/>
+          </p:nvPr>
+        </p:nvSpPr>
+        <p:spPr>
+          <a:xfrm>
+            <a:off x="1484312" y="685800"/>
+            <a:ext cx="4278928" cy="1752599"/>
+          </a:xfrm>
+        </p:spPr>
+        <p:txBody>
+          <a:bodyPr vert="horz" lIns="91440" tIns="45720" rIns="91440" bIns="45720" rtlCol="0" anchor="ctr">
+            <a:normAutofit/>
+          </a:bodyPr>
+          <a:lstStyle/>
+          <a:p>
+            <a:r>
+              <a:rPr lang="en-US"/>
+              <a:t>Abstraction</a:t>
+            </a:r>
+          </a:p>
+        </p:txBody>
+      </p:sp>
+      <p:sp>
+        <p:nvSpPr>
+          <p:cNvPr id="3" name="Content Placeholder 2">
+            <a:extLst>
+              <a:ext uri="{FF2B5EF4-FFF2-40B4-BE49-F238E27FC236}">
+                <a16:creationId xmlns:a16="http://schemas.microsoft.com/office/drawing/2014/main" id="{E7444C4F-ABE5-3348-9F01-1F2FC5A10A64}"/>
+              </a:ext>
+            </a:extLst>
+          </p:cNvPr>
+          <p:cNvSpPr>
+            <a:spLocks noGrp="1"/>
+          </p:cNvSpPr>
+          <p:nvPr>
+            <p:ph sz="half" idx="1"/>
+          </p:nvPr>
+        </p:nvSpPr>
+        <p:spPr>
+          <a:xfrm>
+            <a:off x="1268412" y="2486025"/>
+            <a:ext cx="4494827" cy="3305176"/>
+          </a:xfrm>
+        </p:spPr>
+        <p:txBody>
+          <a:bodyPr vert="horz" lIns="91440" tIns="45720" rIns="91440" bIns="45720" rtlCol="0" anchor="ctr">
+            <a:normAutofit/>
+          </a:bodyPr>
+          <a:lstStyle/>
+          <a:p>
+            <a:r>
+              <a:rPr lang="en-US" dirty="0"/>
+              <a:t>Abstraction is the concept of object-oriented programming that “shows” only essential attributes and ‘hides’ unnecessary information.</a:t>
+            </a:r>
+          </a:p>
+          <a:p>
+            <a:r>
+              <a:rPr lang="en-US" dirty="0"/>
+              <a:t>You can use the implements keyword to implement an interface in TypeScript, it’s syntactically like the extends keyword.</a:t>
+            </a:r>
+          </a:p>
+        </p:txBody>
+      </p:sp>
+      <p:sp>
+        <p:nvSpPr>
+          <p:cNvPr id="48" name="Rounded Rectangle 16">
+            <a:extLst>
+              <a:ext uri="{FF2B5EF4-FFF2-40B4-BE49-F238E27FC236}">
+                <a16:creationId xmlns:a16="http://schemas.microsoft.com/office/drawing/2014/main" id="{63A60C88-7443-4827-9241-5019758CB4F0}"/>
+              </a:ext>
+              <a:ext uri="{C183D7F6-B498-43B3-948B-1728B52AA6E4}">
+                <adec:decorative xmlns:adec="http://schemas.microsoft.com/office/drawing/2017/decorative" val="1"/>
+              </a:ext>
+            </a:extLst>
+          </p:cNvPr>
+          <p:cNvSpPr>
+            <a:spLocks noGrp="1" noRot="1" noChangeAspect="1" noMove="1" noResize="1" noEditPoints="1" noAdjustHandles="1" noChangeArrowheads="1" noChangeShapeType="1" noTextEdit="1"/>
+          </p:cNvSpPr>
+          <p:nvPr>
+            <p:extLst>
+              <p:ext uri="{386F3935-93C4-4BCD-93E2-E3B085C9AB24}">
+                <p16:designElem xmlns:p16="http://schemas.microsoft.com/office/powerpoint/2015/main" val="1"/>
+              </p:ext>
+            </p:extLst>
+          </p:nvPr>
+        </p:nvSpPr>
+        <p:spPr>
+          <a:xfrm>
+            <a:off x="6096000" y="648931"/>
+            <a:ext cx="5407023" cy="5231964"/>
+          </a:xfrm>
+          <a:prstGeom prst="roundRect">
+            <a:avLst>
+              <a:gd name="adj" fmla="val 4834"/>
+            </a:avLst>
+          </a:prstGeom>
+          <a:solidFill>
+            <a:schemeClr val="bg1"/>
+          </a:solidFill>
+          <a:ln w="38100">
+            <a:gradFill flip="none" rotWithShape="1">
+              <a:gsLst>
+                <a:gs pos="0">
+                  <a:schemeClr val="bg2"/>
+                </a:gs>
+                <a:gs pos="100000">
+                  <a:schemeClr val="bg2">
+                    <a:lumMod val="75000"/>
+                  </a:schemeClr>
+                </a:gs>
+              </a:gsLst>
+              <a:lin ang="5400000" scaled="0"/>
+              <a:tileRect/>
+            </a:gradFill>
+          </a:ln>
+          <a:effectLst>
+            <a:innerShdw blurRad="57150" dist="38100" dir="14460000">
+              <a:srgbClr val="000000">
+                <a:alpha val="70000"/>
+              </a:srgbClr>
+            </a:innerShdw>
+          </a:effectLst>
+        </p:spPr>
+        <p:style>
+          <a:lnRef idx="2">
+            <a:schemeClr val="accent1">
+              <a:shade val="50000"/>
+            </a:schemeClr>
+          </a:lnRef>
+          <a:fillRef idx="1">
+            <a:schemeClr val="accent1"/>
+          </a:fillRef>
+          <a:effectRef idx="0">
+            <a:schemeClr val="accent1"/>
+          </a:effectRef>
+          <a:fontRef idx="minor">
+            <a:schemeClr val="lt1"/>
+          </a:fontRef>
+        </p:style>
+        <p:txBody>
+          <a:bodyPr rtlCol="0" anchor="ctr"/>
+          <a:lstStyle/>
+          <a:p>
+            <a:pPr algn="ctr"/>
+            <a:endParaRPr lang="en-US"/>
+          </a:p>
+        </p:txBody>
+      </p:sp>
+      <p:pic>
+        <p:nvPicPr>
+          <p:cNvPr id="6" name="Content Placeholder 5" descr="Graphical user interface, text, application, email&#10;&#10;Description automatically generated">
+            <a:extLst>
+              <a:ext uri="{FF2B5EF4-FFF2-40B4-BE49-F238E27FC236}">
+                <a16:creationId xmlns:a16="http://schemas.microsoft.com/office/drawing/2014/main" id="{8D551CE5-8F97-3547-96E4-825B35CC15A4}"/>
+              </a:ext>
+            </a:extLst>
+          </p:cNvPr>
+          <p:cNvPicPr>
+            <a:picLocks noGrp="1" noChangeAspect="1"/>
+          </p:cNvPicPr>
+          <p:nvPr>
+            <p:ph sz="half" idx="2"/>
+          </p:nvPr>
+        </p:nvPicPr>
+        <p:blipFill>
+          <a:blip r:embed="rId3">
+            <a:extLst>
+              <a:ext uri="{28A0092B-C50C-407E-A947-70E740481C1C}">
+                <a14:useLocalDpi xmlns:a14="http://schemas.microsoft.com/office/drawing/2010/main" val="0"/>
+              </a:ext>
+            </a:extLst>
+          </a:blip>
+          <a:stretch>
+            <a:fillRect/>
+          </a:stretch>
+        </p:blipFill>
+        <p:spPr>
+          <a:xfrm>
+            <a:off x="6434407" y="2330358"/>
+            <a:ext cx="4744154" cy="1909522"/>
+          </a:xfrm>
+          <a:prstGeom prst="rect">
+            <a:avLst/>
+          </a:prstGeom>
+        </p:spPr>
+      </p:pic>
+    </p:spTree>
+    <p:extLst>
+      <p:ext uri="{BB962C8B-B14F-4D97-AF65-F5344CB8AC3E}">
+        <p14:creationId xmlns:p14="http://schemas.microsoft.com/office/powerpoint/2010/main" val="4287853248"/>
+      </p:ext>
+    </p:extLst>
+  </p:cSld>
+  <p:clrMapOvr>
+    <a:masterClrMapping/>
+  </p:clrMapOvr>
+</p:sld>
+</file>
+
+<file path=ppt/slides/slide27.xml><?xml version="1.0" encoding="utf-8"?>
+<p:sld xmlns:a="http://schemas.openxmlformats.org/drawingml/2006/main" xmlns:r="http://schemas.openxmlformats.org/officeDocument/2006/relationships" xmlns:p="http://schemas.openxmlformats.org/presentationml/2006/main">
+  <p:cSld>
+    <p:bg>
+      <p:bgPr>
+        <a:blipFill rotWithShape="1">
+          <a:blip r:embed="rId2">
+            <a:duotone>
+              <a:schemeClr val="bg2">
+                <a:shade val="76000"/>
+                <a:satMod val="180000"/>
+              </a:schemeClr>
+              <a:schemeClr val="bg2">
+                <a:tint val="80000"/>
+                <a:satMod val="120000"/>
+                <a:lumMod val="180000"/>
+              </a:schemeClr>
+            </a:duotone>
+          </a:blip>
+          <a:stretch/>
+        </a:blipFill>
+        <a:effectLst/>
+      </p:bgPr>
+    </p:bg>
+    <p:spTree>
+      <p:nvGrpSpPr>
+        <p:cNvPr id="1" name=""/>
+        <p:cNvGrpSpPr/>
+        <p:nvPr/>
+      </p:nvGrpSpPr>
+      <p:grpSpPr>
+        <a:xfrm>
+          <a:off x="0" y="0"/>
+          <a:ext cx="0" cy="0"/>
+          <a:chOff x="0" y="0"/>
+          <a:chExt cx="0" cy="0"/>
+        </a:xfrm>
+      </p:grpSpPr>
+      <p:grpSp>
+        <p:nvGrpSpPr>
+          <p:cNvPr id="47" name="Group 31">
+            <a:extLst>
+              <a:ext uri="{FF2B5EF4-FFF2-40B4-BE49-F238E27FC236}">
+                <a16:creationId xmlns:a16="http://schemas.microsoft.com/office/drawing/2014/main" id="{260ACC13-B825-49F3-93DE-C8B8F2FA37A1}"/>
+              </a:ext>
+              <a:ext uri="{C183D7F6-B498-43B3-948B-1728B52AA6E4}">
+                <adec:decorative xmlns:adec="http://schemas.microsoft.com/office/drawing/2017/decorative" val="1"/>
+              </a:ext>
+            </a:extLst>
+          </p:cNvPr>
+          <p:cNvGrpSpPr>
+            <a:grpSpLocks noGrp="1" noUngrp="1" noRot="1" noChangeAspect="1" noMove="1" noResize="1"/>
+          </p:cNvGrpSpPr>
+          <p:nvPr>
+            <p:extLst>
+              <p:ext uri="{386F3935-93C4-4BCD-93E2-E3B085C9AB24}">
+                <p16:designElem xmlns:p16="http://schemas.microsoft.com/office/powerpoint/2015/main" val="1"/>
+              </p:ext>
+            </p:extLst>
+          </p:nvPr>
+        </p:nvGrpSpPr>
+        <p:grpSpPr>
+          <a:xfrm>
+            <a:off x="150812" y="0"/>
+            <a:ext cx="2436813" cy="6858001"/>
+            <a:chOff x="1320800" y="0"/>
+            <a:chExt cx="2436813" cy="6858001"/>
+          </a:xfrm>
+        </p:grpSpPr>
+        <p:sp>
+          <p:nvSpPr>
+            <p:cNvPr id="33" name="Freeform 6">
+              <a:extLst>
+                <a:ext uri="{FF2B5EF4-FFF2-40B4-BE49-F238E27FC236}">
+                  <a16:creationId xmlns:a16="http://schemas.microsoft.com/office/drawing/2014/main" id="{F947B31F-CA03-4793-845D-FD86BABC1A18}"/>
+                </a:ext>
+                <a:ext uri="{C183D7F6-B498-43B3-948B-1728B52AA6E4}">
+                  <adec:decorative xmlns:adec="http://schemas.microsoft.com/office/drawing/2017/decorative" val="1"/>
+                </a:ext>
+              </a:extLst>
+            </p:cNvPr>
+            <p:cNvSpPr/>
+            <p:nvPr>
+              <p:extLst>
+                <p:ext uri="{386F3935-93C4-4BCD-93E2-E3B085C9AB24}">
+                  <p16:designElem xmlns:p16="http://schemas.microsoft.com/office/powerpoint/2015/main" val="1"/>
+                </p:ext>
+              </p:extLst>
+            </p:nvPr>
+          </p:nvSpPr>
+          <p:spPr bwMode="auto">
+            <a:xfrm>
+              <a:off x="1627188" y="0"/>
+              <a:ext cx="1122363" cy="5329238"/>
+            </a:xfrm>
+            <a:custGeom>
+              <a:avLst/>
+              <a:gdLst/>
+              <a:ahLst/>
+              <a:cxnLst/>
+              <a:rect l="0" t="0" r="r" b="b"/>
+              <a:pathLst>
+                <a:path w="707" h="3357">
+                  <a:moveTo>
+                    <a:pt x="0" y="3330"/>
+                  </a:moveTo>
+                  <a:lnTo>
+                    <a:pt x="156" y="3357"/>
+                  </a:lnTo>
+                  <a:lnTo>
+                    <a:pt x="707" y="0"/>
+                  </a:lnTo>
+                  <a:lnTo>
+                    <a:pt x="547" y="0"/>
+                  </a:lnTo>
+                  <a:lnTo>
+                    <a:pt x="0" y="3330"/>
+                  </a:lnTo>
+                  <a:close/>
+                </a:path>
+              </a:pathLst>
+            </a:custGeom>
+            <a:solidFill>
+              <a:schemeClr val="accent1"/>
+            </a:solidFill>
+            <a:ln>
+              <a:noFill/>
+            </a:ln>
+          </p:spPr>
+        </p:sp>
+        <p:sp>
+          <p:nvSpPr>
+            <p:cNvPr id="34" name="Freeform 7">
+              <a:extLst>
+                <a:ext uri="{FF2B5EF4-FFF2-40B4-BE49-F238E27FC236}">
+                  <a16:creationId xmlns:a16="http://schemas.microsoft.com/office/drawing/2014/main" id="{DCDDE94D-F78C-4A48-AEA6-E922FC99A159}"/>
+                </a:ext>
+                <a:ext uri="{C183D7F6-B498-43B3-948B-1728B52AA6E4}">
+                  <adec:decorative xmlns:adec="http://schemas.microsoft.com/office/drawing/2017/decorative" val="1"/>
+                </a:ext>
+              </a:extLst>
+            </p:cNvPr>
+            <p:cNvSpPr/>
+            <p:nvPr>
+              <p:extLst>
+                <p:ext uri="{386F3935-93C4-4BCD-93E2-E3B085C9AB24}">
+                  <p16:designElem xmlns:p16="http://schemas.microsoft.com/office/powerpoint/2015/main" val="1"/>
+                </p:ext>
+              </p:extLst>
+            </p:nvPr>
+          </p:nvSpPr>
+          <p:spPr bwMode="auto">
+            <a:xfrm>
+              <a:off x="1320800" y="0"/>
+              <a:ext cx="1117600" cy="5276850"/>
+            </a:xfrm>
+            <a:custGeom>
+              <a:avLst/>
+              <a:gdLst/>
+              <a:ahLst/>
+              <a:cxnLst/>
+              <a:rect l="0" t="0" r="r" b="b"/>
+              <a:pathLst>
+                <a:path w="704" h="3324">
+                  <a:moveTo>
+                    <a:pt x="704" y="0"/>
+                  </a:moveTo>
+                  <a:lnTo>
+                    <a:pt x="545" y="0"/>
+                  </a:lnTo>
+                  <a:lnTo>
+                    <a:pt x="0" y="3300"/>
+                  </a:lnTo>
+                  <a:lnTo>
+                    <a:pt x="157" y="3324"/>
+                  </a:lnTo>
+                  <a:lnTo>
+                    <a:pt x="704" y="0"/>
+                  </a:lnTo>
+                  <a:close/>
+                </a:path>
+              </a:pathLst>
+            </a:custGeom>
+            <a:solidFill>
+              <a:schemeClr val="tx1">
+                <a:lumMod val="65000"/>
+                <a:lumOff val="35000"/>
+              </a:schemeClr>
+            </a:solidFill>
+            <a:ln>
+              <a:noFill/>
+            </a:ln>
+          </p:spPr>
+        </p:sp>
+        <p:sp>
+          <p:nvSpPr>
+            <p:cNvPr id="35" name="Freeform 8">
+              <a:extLst>
+                <a:ext uri="{FF2B5EF4-FFF2-40B4-BE49-F238E27FC236}">
+                  <a16:creationId xmlns:a16="http://schemas.microsoft.com/office/drawing/2014/main" id="{3445A886-F3CA-4DE4-90D7-535F9707B799}"/>
+                </a:ext>
+                <a:ext uri="{C183D7F6-B498-43B3-948B-1728B52AA6E4}">
+                  <adec:decorative xmlns:adec="http://schemas.microsoft.com/office/drawing/2017/decorative" val="1"/>
+                </a:ext>
+              </a:extLst>
+            </p:cNvPr>
+            <p:cNvSpPr/>
+            <p:nvPr>
+              <p:extLst>
+                <p:ext uri="{386F3935-93C4-4BCD-93E2-E3B085C9AB24}">
+                  <p16:designElem xmlns:p16="http://schemas.microsoft.com/office/powerpoint/2015/main" val="1"/>
+                </p:ext>
+              </p:extLst>
+            </p:nvPr>
+          </p:nvSpPr>
+          <p:spPr bwMode="auto">
+            <a:xfrm>
+              <a:off x="1320800" y="5238750"/>
+              <a:ext cx="1228725" cy="1619250"/>
+            </a:xfrm>
+            <a:custGeom>
+              <a:avLst/>
+              <a:gdLst/>
+              <a:ahLst/>
+              <a:cxnLst/>
+              <a:rect l="0" t="0" r="r" b="b"/>
+              <a:pathLst>
+                <a:path w="774" h="1020">
+                  <a:moveTo>
+                    <a:pt x="0" y="0"/>
+                  </a:moveTo>
+                  <a:lnTo>
+                    <a:pt x="740" y="1020"/>
+                  </a:lnTo>
+                  <a:lnTo>
+                    <a:pt x="774" y="1020"/>
+                  </a:lnTo>
+                  <a:lnTo>
+                    <a:pt x="0" y="0"/>
+                  </a:lnTo>
+                  <a:close/>
+                </a:path>
+              </a:pathLst>
+            </a:custGeom>
+            <a:solidFill>
+              <a:schemeClr val="tx1">
+                <a:lumMod val="85000"/>
+                <a:lumOff val="15000"/>
+              </a:schemeClr>
+            </a:solidFill>
+            <a:ln>
+              <a:noFill/>
+            </a:ln>
+          </p:spPr>
+        </p:sp>
+        <p:sp>
+          <p:nvSpPr>
+            <p:cNvPr id="36" name="Freeform 9">
+              <a:extLst>
+                <a:ext uri="{FF2B5EF4-FFF2-40B4-BE49-F238E27FC236}">
+                  <a16:creationId xmlns:a16="http://schemas.microsoft.com/office/drawing/2014/main" id="{A8999CB6-C053-418B-AE37-E470804D251D}"/>
+                </a:ext>
+                <a:ext uri="{C183D7F6-B498-43B3-948B-1728B52AA6E4}">
+                  <adec:decorative xmlns:adec="http://schemas.microsoft.com/office/drawing/2017/decorative" val="1"/>
+                </a:ext>
+              </a:extLst>
+            </p:cNvPr>
+            <p:cNvSpPr/>
+            <p:nvPr>
+              <p:extLst>
+                <p:ext uri="{386F3935-93C4-4BCD-93E2-E3B085C9AB24}">
+                  <p16:designElem xmlns:p16="http://schemas.microsoft.com/office/powerpoint/2015/main" val="1"/>
+                </p:ext>
+              </p:extLst>
+            </p:nvPr>
+          </p:nvSpPr>
+          <p:spPr bwMode="auto">
+            <a:xfrm>
+              <a:off x="1627188" y="5291138"/>
+              <a:ext cx="1495425" cy="1566863"/>
+            </a:xfrm>
+            <a:custGeom>
+              <a:avLst/>
+              <a:gdLst/>
+              <a:ahLst/>
+              <a:cxnLst/>
+              <a:rect l="0" t="0" r="r" b="b"/>
+              <a:pathLst>
+                <a:path w="942" h="987">
+                  <a:moveTo>
+                    <a:pt x="0" y="0"/>
+                  </a:moveTo>
+                  <a:lnTo>
+                    <a:pt x="909" y="987"/>
+                  </a:lnTo>
+                  <a:lnTo>
+                    <a:pt x="942" y="987"/>
+                  </a:lnTo>
+                  <a:lnTo>
+                    <a:pt x="0" y="0"/>
+                  </a:lnTo>
+                  <a:close/>
+                </a:path>
+              </a:pathLst>
+            </a:custGeom>
+            <a:solidFill>
+              <a:schemeClr val="accent1">
+                <a:lumMod val="50000"/>
+              </a:schemeClr>
+            </a:solidFill>
+            <a:ln>
+              <a:noFill/>
+            </a:ln>
+          </p:spPr>
+        </p:sp>
+        <p:sp>
+          <p:nvSpPr>
+            <p:cNvPr id="37" name="Freeform 10">
+              <a:extLst>
+                <a:ext uri="{FF2B5EF4-FFF2-40B4-BE49-F238E27FC236}">
+                  <a16:creationId xmlns:a16="http://schemas.microsoft.com/office/drawing/2014/main" id="{81EA3E26-BFCD-4396-AE8A-2A9828BFFBA2}"/>
+                </a:ext>
+                <a:ext uri="{C183D7F6-B498-43B3-948B-1728B52AA6E4}">
+                  <adec:decorative xmlns:adec="http://schemas.microsoft.com/office/drawing/2017/decorative" val="1"/>
+                </a:ext>
+              </a:extLst>
+            </p:cNvPr>
+            <p:cNvSpPr/>
+            <p:nvPr>
+              <p:extLst>
+                <p:ext uri="{386F3935-93C4-4BCD-93E2-E3B085C9AB24}">
+                  <p16:designElem xmlns:p16="http://schemas.microsoft.com/office/powerpoint/2015/main" val="1"/>
+                </p:ext>
+              </p:extLst>
+            </p:nvPr>
+          </p:nvSpPr>
+          <p:spPr bwMode="auto">
+            <a:xfrm>
+              <a:off x="1627188" y="5286375"/>
+              <a:ext cx="2130425" cy="1571625"/>
+            </a:xfrm>
+            <a:custGeom>
+              <a:avLst/>
+              <a:gdLst/>
+              <a:ahLst/>
+              <a:cxnLst/>
+              <a:rect l="0" t="0" r="r" b="b"/>
+              <a:pathLst>
+                <a:path w="1342" h="990">
+                  <a:moveTo>
+                    <a:pt x="0" y="3"/>
+                  </a:moveTo>
+                  <a:lnTo>
+                    <a:pt x="942" y="990"/>
+                  </a:lnTo>
+                  <a:lnTo>
+                    <a:pt x="1342" y="990"/>
+                  </a:lnTo>
+                  <a:lnTo>
+                    <a:pt x="156" y="27"/>
+                  </a:lnTo>
+                  <a:lnTo>
+                    <a:pt x="0" y="0"/>
+                  </a:lnTo>
+                  <a:lnTo>
+                    <a:pt x="0" y="3"/>
+                  </a:lnTo>
+                  <a:close/>
+                </a:path>
+              </a:pathLst>
+            </a:custGeom>
+            <a:solidFill>
+              <a:schemeClr val="accent1">
+                <a:lumMod val="75000"/>
+              </a:schemeClr>
+            </a:solidFill>
+            <a:ln>
+              <a:noFill/>
+            </a:ln>
+          </p:spPr>
+        </p:sp>
+        <p:sp>
+          <p:nvSpPr>
+            <p:cNvPr id="38" name="Freeform 11">
+              <a:extLst>
+                <a:ext uri="{FF2B5EF4-FFF2-40B4-BE49-F238E27FC236}">
+                  <a16:creationId xmlns:a16="http://schemas.microsoft.com/office/drawing/2014/main" id="{5F9BC582-73A6-4D8A-8738-E36476489351}"/>
+                </a:ext>
+                <a:ext uri="{C183D7F6-B498-43B3-948B-1728B52AA6E4}">
+                  <adec:decorative xmlns:adec="http://schemas.microsoft.com/office/drawing/2017/decorative" val="1"/>
+                </a:ext>
+              </a:extLst>
+            </p:cNvPr>
+            <p:cNvSpPr/>
+            <p:nvPr>
+              <p:extLst>
+                <p:ext uri="{386F3935-93C4-4BCD-93E2-E3B085C9AB24}">
+                  <p16:designElem xmlns:p16="http://schemas.microsoft.com/office/powerpoint/2015/main" val="1"/>
+                </p:ext>
+              </p:extLst>
+            </p:nvPr>
+          </p:nvSpPr>
+          <p:spPr bwMode="auto">
+            <a:xfrm>
+              <a:off x="1320800" y="5238750"/>
+              <a:ext cx="1695450" cy="1619250"/>
+            </a:xfrm>
+            <a:custGeom>
+              <a:avLst/>
+              <a:gdLst/>
+              <a:ahLst/>
+              <a:cxnLst/>
+              <a:rect l="0" t="0" r="r" b="b"/>
+              <a:pathLst>
+                <a:path w="1068" h="1020">
+                  <a:moveTo>
+                    <a:pt x="1068" y="1020"/>
+                  </a:moveTo>
+                  <a:lnTo>
+                    <a:pt x="184" y="60"/>
+                  </a:lnTo>
+                  <a:lnTo>
+                    <a:pt x="154" y="27"/>
+                  </a:lnTo>
+                  <a:lnTo>
+                    <a:pt x="157" y="27"/>
+                  </a:lnTo>
+                  <a:lnTo>
+                    <a:pt x="157" y="24"/>
+                  </a:lnTo>
+                  <a:lnTo>
+                    <a:pt x="154" y="24"/>
+                  </a:lnTo>
+                  <a:lnTo>
+                    <a:pt x="0" y="0"/>
+                  </a:lnTo>
+                  <a:lnTo>
+                    <a:pt x="0" y="0"/>
+                  </a:lnTo>
+                  <a:lnTo>
+                    <a:pt x="774" y="1020"/>
+                  </a:lnTo>
+                  <a:lnTo>
+                    <a:pt x="1068" y="1020"/>
+                  </a:lnTo>
+                  <a:close/>
+                </a:path>
+              </a:pathLst>
+            </a:custGeom>
+            <a:solidFill>
+              <a:schemeClr val="tx1">
+                <a:lumMod val="75000"/>
+                <a:lumOff val="25000"/>
+              </a:schemeClr>
+            </a:solidFill>
+            <a:ln>
+              <a:noFill/>
+            </a:ln>
+          </p:spPr>
+        </p:sp>
+      </p:grpSp>
+      <p:grpSp>
+        <p:nvGrpSpPr>
+          <p:cNvPr id="40" name="Group 39">
+            <a:extLst>
+              <a:ext uri="{FF2B5EF4-FFF2-40B4-BE49-F238E27FC236}">
+                <a16:creationId xmlns:a16="http://schemas.microsoft.com/office/drawing/2014/main" id="{A2E861A3-F23C-46B8-A38A-4A22E453D993}"/>
+              </a:ext>
+              <a:ext uri="{C183D7F6-B498-43B3-948B-1728B52AA6E4}">
+                <adec:decorative xmlns:adec="http://schemas.microsoft.com/office/drawing/2017/decorative" val="1"/>
+              </a:ext>
+            </a:extLst>
+          </p:cNvPr>
+          <p:cNvGrpSpPr>
+            <a:grpSpLocks noGrp="1" noUngrp="1" noRot="1" noChangeAspect="1" noMove="1" noResize="1"/>
+          </p:cNvGrpSpPr>
+          <p:nvPr>
+            <p:extLst>
+              <p:ext uri="{386F3935-93C4-4BCD-93E2-E3B085C9AB24}">
+                <p16:designElem xmlns:p16="http://schemas.microsoft.com/office/powerpoint/2015/main" val="1"/>
+              </p:ext>
+            </p:extLst>
+          </p:nvPr>
+        </p:nvGrpSpPr>
+        <p:grpSpPr>
+          <a:xfrm>
+            <a:off x="150812" y="0"/>
+            <a:ext cx="2436813" cy="6858001"/>
+            <a:chOff x="1320800" y="0"/>
+            <a:chExt cx="2436813" cy="6858001"/>
+          </a:xfrm>
+        </p:grpSpPr>
+        <p:sp>
+          <p:nvSpPr>
+            <p:cNvPr id="41" name="Freeform 6">
+              <a:extLst>
+                <a:ext uri="{FF2B5EF4-FFF2-40B4-BE49-F238E27FC236}">
+                  <a16:creationId xmlns:a16="http://schemas.microsoft.com/office/drawing/2014/main" id="{8BC3D220-643B-4160-B5A9-59DF5D21F410}"/>
+                </a:ext>
+                <a:ext uri="{C183D7F6-B498-43B3-948B-1728B52AA6E4}">
+                  <adec:decorative xmlns:adec="http://schemas.microsoft.com/office/drawing/2017/decorative" val="1"/>
+                </a:ext>
+              </a:extLst>
+            </p:cNvPr>
+            <p:cNvSpPr/>
+            <p:nvPr>
+              <p:extLst>
+                <p:ext uri="{386F3935-93C4-4BCD-93E2-E3B085C9AB24}">
+                  <p16:designElem xmlns:p16="http://schemas.microsoft.com/office/powerpoint/2015/main" val="1"/>
+                </p:ext>
+              </p:extLst>
+            </p:nvPr>
+          </p:nvSpPr>
+          <p:spPr bwMode="auto">
+            <a:xfrm>
+              <a:off x="1627188" y="0"/>
+              <a:ext cx="1122363" cy="5329238"/>
+            </a:xfrm>
+            <a:custGeom>
+              <a:avLst/>
+              <a:gdLst/>
+              <a:ahLst/>
+              <a:cxnLst/>
+              <a:rect l="0" t="0" r="r" b="b"/>
+              <a:pathLst>
+                <a:path w="707" h="3357">
+                  <a:moveTo>
+                    <a:pt x="0" y="3330"/>
+                  </a:moveTo>
+                  <a:lnTo>
+                    <a:pt x="156" y="3357"/>
+                  </a:lnTo>
+                  <a:lnTo>
+                    <a:pt x="707" y="0"/>
+                  </a:lnTo>
+                  <a:lnTo>
+                    <a:pt x="547" y="0"/>
+                  </a:lnTo>
+                  <a:lnTo>
+                    <a:pt x="0" y="3330"/>
+                  </a:lnTo>
+                  <a:close/>
+                </a:path>
+              </a:pathLst>
+            </a:custGeom>
+            <a:solidFill>
+              <a:schemeClr val="accent1"/>
+            </a:solidFill>
+            <a:ln>
+              <a:noFill/>
+            </a:ln>
+          </p:spPr>
+        </p:sp>
+        <p:sp>
+          <p:nvSpPr>
+            <p:cNvPr id="42" name="Freeform 7">
+              <a:extLst>
+                <a:ext uri="{FF2B5EF4-FFF2-40B4-BE49-F238E27FC236}">
+                  <a16:creationId xmlns:a16="http://schemas.microsoft.com/office/drawing/2014/main" id="{B92237DE-D518-4625-8392-66D7084588A0}"/>
+                </a:ext>
+                <a:ext uri="{C183D7F6-B498-43B3-948B-1728B52AA6E4}">
+                  <adec:decorative xmlns:adec="http://schemas.microsoft.com/office/drawing/2017/decorative" val="1"/>
+                </a:ext>
+              </a:extLst>
+            </p:cNvPr>
+            <p:cNvSpPr/>
+            <p:nvPr>
+              <p:extLst>
+                <p:ext uri="{386F3935-93C4-4BCD-93E2-E3B085C9AB24}">
+                  <p16:designElem xmlns:p16="http://schemas.microsoft.com/office/powerpoint/2015/main" val="1"/>
+                </p:ext>
+              </p:extLst>
+            </p:nvPr>
+          </p:nvSpPr>
+          <p:spPr bwMode="auto">
+            <a:xfrm>
+              <a:off x="1320800" y="0"/>
+              <a:ext cx="1117600" cy="5276850"/>
+            </a:xfrm>
+            <a:custGeom>
+              <a:avLst/>
+              <a:gdLst/>
+              <a:ahLst/>
+              <a:cxnLst/>
+              <a:rect l="0" t="0" r="r" b="b"/>
+              <a:pathLst>
+                <a:path w="704" h="3324">
+                  <a:moveTo>
+                    <a:pt x="704" y="0"/>
+                  </a:moveTo>
+                  <a:lnTo>
+                    <a:pt x="545" y="0"/>
+                  </a:lnTo>
+                  <a:lnTo>
+                    <a:pt x="0" y="3300"/>
+                  </a:lnTo>
+                  <a:lnTo>
+                    <a:pt x="157" y="3324"/>
+                  </a:lnTo>
+                  <a:lnTo>
+                    <a:pt x="704" y="0"/>
+                  </a:lnTo>
+                  <a:close/>
+                </a:path>
+              </a:pathLst>
+            </a:custGeom>
+            <a:solidFill>
+              <a:schemeClr val="tx1">
+                <a:lumMod val="65000"/>
+                <a:lumOff val="35000"/>
+              </a:schemeClr>
+            </a:solidFill>
+            <a:ln>
+              <a:noFill/>
+            </a:ln>
+          </p:spPr>
+        </p:sp>
+        <p:sp>
+          <p:nvSpPr>
+            <p:cNvPr id="43" name="Freeform 8">
+              <a:extLst>
+                <a:ext uri="{FF2B5EF4-FFF2-40B4-BE49-F238E27FC236}">
+                  <a16:creationId xmlns:a16="http://schemas.microsoft.com/office/drawing/2014/main" id="{F290F0DD-E80A-4263-94E1-A41F57D84CC5}"/>
+                </a:ext>
+                <a:ext uri="{C183D7F6-B498-43B3-948B-1728B52AA6E4}">
+                  <adec:decorative xmlns:adec="http://schemas.microsoft.com/office/drawing/2017/decorative" val="1"/>
+                </a:ext>
+              </a:extLst>
+            </p:cNvPr>
+            <p:cNvSpPr/>
+            <p:nvPr>
+              <p:extLst>
+                <p:ext uri="{386F3935-93C4-4BCD-93E2-E3B085C9AB24}">
+                  <p16:designElem xmlns:p16="http://schemas.microsoft.com/office/powerpoint/2015/main" val="1"/>
+                </p:ext>
+              </p:extLst>
+            </p:nvPr>
+          </p:nvSpPr>
+          <p:spPr bwMode="auto">
+            <a:xfrm>
+              <a:off x="1320800" y="5238750"/>
+              <a:ext cx="1228725" cy="1619250"/>
+            </a:xfrm>
+            <a:custGeom>
+              <a:avLst/>
+              <a:gdLst/>
+              <a:ahLst/>
+              <a:cxnLst/>
+              <a:rect l="0" t="0" r="r" b="b"/>
+              <a:pathLst>
+                <a:path w="774" h="1020">
+                  <a:moveTo>
+                    <a:pt x="0" y="0"/>
+                  </a:moveTo>
+                  <a:lnTo>
+                    <a:pt x="740" y="1020"/>
+                  </a:lnTo>
+                  <a:lnTo>
+                    <a:pt x="774" y="1020"/>
+                  </a:lnTo>
+                  <a:lnTo>
+                    <a:pt x="0" y="0"/>
+                  </a:lnTo>
+                  <a:close/>
+                </a:path>
+              </a:pathLst>
+            </a:custGeom>
+            <a:solidFill>
+              <a:schemeClr val="tx1">
+                <a:lumMod val="85000"/>
+                <a:lumOff val="15000"/>
+              </a:schemeClr>
+            </a:solidFill>
+            <a:ln>
+              <a:noFill/>
+            </a:ln>
+          </p:spPr>
+        </p:sp>
+        <p:sp>
+          <p:nvSpPr>
+            <p:cNvPr id="44" name="Freeform 9">
+              <a:extLst>
+                <a:ext uri="{FF2B5EF4-FFF2-40B4-BE49-F238E27FC236}">
+                  <a16:creationId xmlns:a16="http://schemas.microsoft.com/office/drawing/2014/main" id="{D78EA7D2-CCEA-435E-873D-36BF0522FFED}"/>
+                </a:ext>
+                <a:ext uri="{C183D7F6-B498-43B3-948B-1728B52AA6E4}">
+                  <adec:decorative xmlns:adec="http://schemas.microsoft.com/office/drawing/2017/decorative" val="1"/>
+                </a:ext>
+              </a:extLst>
+            </p:cNvPr>
+            <p:cNvSpPr/>
+            <p:nvPr>
+              <p:extLst>
+                <p:ext uri="{386F3935-93C4-4BCD-93E2-E3B085C9AB24}">
+                  <p16:designElem xmlns:p16="http://schemas.microsoft.com/office/powerpoint/2015/main" val="1"/>
+                </p:ext>
+              </p:extLst>
+            </p:nvPr>
+          </p:nvSpPr>
+          <p:spPr bwMode="auto">
+            <a:xfrm>
+              <a:off x="1627188" y="5291138"/>
+              <a:ext cx="1495425" cy="1566863"/>
+            </a:xfrm>
+            <a:custGeom>
+              <a:avLst/>
+              <a:gdLst/>
+              <a:ahLst/>
+              <a:cxnLst/>
+              <a:rect l="0" t="0" r="r" b="b"/>
+              <a:pathLst>
+                <a:path w="942" h="987">
+                  <a:moveTo>
+                    <a:pt x="0" y="0"/>
+                  </a:moveTo>
+                  <a:lnTo>
+                    <a:pt x="909" y="987"/>
+                  </a:lnTo>
+                  <a:lnTo>
+                    <a:pt x="942" y="987"/>
+                  </a:lnTo>
+                  <a:lnTo>
+                    <a:pt x="0" y="0"/>
+                  </a:lnTo>
+                  <a:close/>
+                </a:path>
+              </a:pathLst>
+            </a:custGeom>
+            <a:solidFill>
+              <a:schemeClr val="accent1">
+                <a:lumMod val="50000"/>
+              </a:schemeClr>
+            </a:solidFill>
+            <a:ln>
+              <a:noFill/>
+            </a:ln>
+          </p:spPr>
+        </p:sp>
+        <p:sp>
+          <p:nvSpPr>
+            <p:cNvPr id="45" name="Freeform 10">
+              <a:extLst>
+                <a:ext uri="{FF2B5EF4-FFF2-40B4-BE49-F238E27FC236}">
+                  <a16:creationId xmlns:a16="http://schemas.microsoft.com/office/drawing/2014/main" id="{9DFA731E-D6BB-42CC-AA05-64023DC81FE6}"/>
+                </a:ext>
+                <a:ext uri="{C183D7F6-B498-43B3-948B-1728B52AA6E4}">
+                  <adec:decorative xmlns:adec="http://schemas.microsoft.com/office/drawing/2017/decorative" val="1"/>
+                </a:ext>
+              </a:extLst>
+            </p:cNvPr>
+            <p:cNvSpPr/>
+            <p:nvPr>
+              <p:extLst>
+                <p:ext uri="{386F3935-93C4-4BCD-93E2-E3B085C9AB24}">
+                  <p16:designElem xmlns:p16="http://schemas.microsoft.com/office/powerpoint/2015/main" val="1"/>
+                </p:ext>
+              </p:extLst>
+            </p:nvPr>
+          </p:nvSpPr>
+          <p:spPr bwMode="auto">
+            <a:xfrm>
+              <a:off x="1627188" y="5286375"/>
+              <a:ext cx="2130425" cy="1571625"/>
+            </a:xfrm>
+            <a:custGeom>
+              <a:avLst/>
+              <a:gdLst/>
+              <a:ahLst/>
+              <a:cxnLst/>
+              <a:rect l="0" t="0" r="r" b="b"/>
+              <a:pathLst>
+                <a:path w="1342" h="990">
+                  <a:moveTo>
+                    <a:pt x="0" y="3"/>
+                  </a:moveTo>
+                  <a:lnTo>
+                    <a:pt x="942" y="990"/>
+                  </a:lnTo>
+                  <a:lnTo>
+                    <a:pt x="1342" y="990"/>
+                  </a:lnTo>
+                  <a:lnTo>
+                    <a:pt x="156" y="27"/>
+                  </a:lnTo>
+                  <a:lnTo>
+                    <a:pt x="0" y="0"/>
+                  </a:lnTo>
+                  <a:lnTo>
+                    <a:pt x="0" y="3"/>
+                  </a:lnTo>
+                  <a:close/>
+                </a:path>
+              </a:pathLst>
+            </a:custGeom>
+            <a:solidFill>
+              <a:schemeClr val="accent1">
+                <a:lumMod val="75000"/>
+              </a:schemeClr>
+            </a:solidFill>
+            <a:ln>
+              <a:noFill/>
+            </a:ln>
+          </p:spPr>
+        </p:sp>
+        <p:sp>
+          <p:nvSpPr>
+            <p:cNvPr id="46" name="Freeform 11">
+              <a:extLst>
+                <a:ext uri="{FF2B5EF4-FFF2-40B4-BE49-F238E27FC236}">
+                  <a16:creationId xmlns:a16="http://schemas.microsoft.com/office/drawing/2014/main" id="{B00D0483-90FB-4EB4-9770-CA8A310D503B}"/>
+                </a:ext>
+                <a:ext uri="{C183D7F6-B498-43B3-948B-1728B52AA6E4}">
+                  <adec:decorative xmlns:adec="http://schemas.microsoft.com/office/drawing/2017/decorative" val="1"/>
+                </a:ext>
+              </a:extLst>
+            </p:cNvPr>
+            <p:cNvSpPr/>
+            <p:nvPr>
+              <p:extLst>
+                <p:ext uri="{386F3935-93C4-4BCD-93E2-E3B085C9AB24}">
+                  <p16:designElem xmlns:p16="http://schemas.microsoft.com/office/powerpoint/2015/main" val="1"/>
+                </p:ext>
+              </p:extLst>
+            </p:nvPr>
+          </p:nvSpPr>
+          <p:spPr bwMode="auto">
+            <a:xfrm>
+              <a:off x="1320800" y="5238750"/>
+              <a:ext cx="1695450" cy="1619250"/>
+            </a:xfrm>
+            <a:custGeom>
+              <a:avLst/>
+              <a:gdLst/>
+              <a:ahLst/>
+              <a:cxnLst/>
+              <a:rect l="0" t="0" r="r" b="b"/>
+              <a:pathLst>
+                <a:path w="1068" h="1020">
+                  <a:moveTo>
+                    <a:pt x="1068" y="1020"/>
+                  </a:moveTo>
+                  <a:lnTo>
+                    <a:pt x="184" y="60"/>
+                  </a:lnTo>
+                  <a:lnTo>
+                    <a:pt x="154" y="27"/>
+                  </a:lnTo>
+                  <a:lnTo>
+                    <a:pt x="157" y="27"/>
+                  </a:lnTo>
+                  <a:lnTo>
+                    <a:pt x="157" y="24"/>
+                  </a:lnTo>
+                  <a:lnTo>
+                    <a:pt x="154" y="24"/>
+                  </a:lnTo>
+                  <a:lnTo>
+                    <a:pt x="0" y="0"/>
+                  </a:lnTo>
+                  <a:lnTo>
+                    <a:pt x="0" y="0"/>
+                  </a:lnTo>
+                  <a:lnTo>
+                    <a:pt x="774" y="1020"/>
+                  </a:lnTo>
+                  <a:lnTo>
+                    <a:pt x="1068" y="1020"/>
+                  </a:lnTo>
+                  <a:close/>
+                </a:path>
+              </a:pathLst>
+            </a:custGeom>
+            <a:solidFill>
+              <a:schemeClr val="tx1">
+                <a:lumMod val="75000"/>
+                <a:lumOff val="25000"/>
+              </a:schemeClr>
+            </a:solidFill>
+            <a:ln>
+              <a:noFill/>
+            </a:ln>
+          </p:spPr>
+        </p:sp>
+      </p:grpSp>
+      <p:sp>
+        <p:nvSpPr>
+          <p:cNvPr id="2" name="Title 1">
+            <a:extLst>
+              <a:ext uri="{FF2B5EF4-FFF2-40B4-BE49-F238E27FC236}">
+                <a16:creationId xmlns:a16="http://schemas.microsoft.com/office/drawing/2014/main" id="{339A428F-DE24-F24B-B03E-D8A9E51064E5}"/>
+              </a:ext>
+            </a:extLst>
+          </p:cNvPr>
+          <p:cNvSpPr>
+            <a:spLocks noGrp="1"/>
+          </p:cNvSpPr>
+          <p:nvPr>
+            <p:ph type="title"/>
+          </p:nvPr>
+        </p:nvSpPr>
+        <p:spPr>
+          <a:xfrm>
+            <a:off x="1484312" y="685800"/>
+            <a:ext cx="4278928" cy="1752599"/>
+          </a:xfrm>
+        </p:spPr>
+        <p:txBody>
+          <a:bodyPr vert="horz" lIns="91440" tIns="45720" rIns="91440" bIns="45720" rtlCol="0" anchor="ctr">
+            <a:normAutofit/>
+          </a:bodyPr>
+          <a:lstStyle/>
+          <a:p>
+            <a:r>
+              <a:rPr lang="en-US"/>
+              <a:t>Polymorphism</a:t>
+            </a:r>
+          </a:p>
+        </p:txBody>
+      </p:sp>
+      <p:sp>
+        <p:nvSpPr>
+          <p:cNvPr id="3" name="Content Placeholder 2">
+            <a:extLst>
+              <a:ext uri="{FF2B5EF4-FFF2-40B4-BE49-F238E27FC236}">
+                <a16:creationId xmlns:a16="http://schemas.microsoft.com/office/drawing/2014/main" id="{75A636EE-6E6B-FA42-A59B-A03C4B025AA6}"/>
+              </a:ext>
+            </a:extLst>
+          </p:cNvPr>
+          <p:cNvSpPr>
+            <a:spLocks noGrp="1"/>
+          </p:cNvSpPr>
+          <p:nvPr>
+            <p:ph sz="half" idx="1"/>
+          </p:nvPr>
+        </p:nvSpPr>
+        <p:spPr>
+          <a:xfrm>
+            <a:off x="1151552" y="2438399"/>
+            <a:ext cx="4611687" cy="3352802"/>
+          </a:xfrm>
+        </p:spPr>
+        <p:txBody>
+          <a:bodyPr vert="horz" lIns="91440" tIns="45720" rIns="91440" bIns="45720" rtlCol="0" anchor="ctr">
+            <a:normAutofit/>
+          </a:bodyPr>
+          <a:lstStyle/>
+          <a:p>
+            <a:r>
+              <a:rPr lang="en-US" dirty="0"/>
+              <a:t>Polymorphism is a feature of object-oriented programming languages that allows a specific routine to use variables of different types at different times.</a:t>
+            </a:r>
+          </a:p>
+          <a:p>
+            <a:r>
+              <a:rPr lang="en-US" dirty="0"/>
+              <a:t>TypeScript enables polymorphism via method overrides.</a:t>
+            </a:r>
+            <a:endParaRPr lang="en-US" sz="2000" dirty="0"/>
+          </a:p>
+          <a:p>
+            <a:endParaRPr lang="en-US" sz="2000" dirty="0"/>
+          </a:p>
+        </p:txBody>
+      </p:sp>
+      <p:sp>
+        <p:nvSpPr>
+          <p:cNvPr id="48" name="Rounded Rectangle 16">
+            <a:extLst>
+              <a:ext uri="{FF2B5EF4-FFF2-40B4-BE49-F238E27FC236}">
+                <a16:creationId xmlns:a16="http://schemas.microsoft.com/office/drawing/2014/main" id="{DD7EED39-224E-4230-8FD1-B1E1AF6C6E36}"/>
+              </a:ext>
+              <a:ext uri="{C183D7F6-B498-43B3-948B-1728B52AA6E4}">
+                <adec:decorative xmlns:adec="http://schemas.microsoft.com/office/drawing/2017/decorative" val="1"/>
+              </a:ext>
+            </a:extLst>
+          </p:cNvPr>
+          <p:cNvSpPr>
+            <a:spLocks noGrp="1" noRot="1" noChangeAspect="1" noMove="1" noResize="1" noEditPoints="1" noAdjustHandles="1" noChangeArrowheads="1" noChangeShapeType="1" noTextEdit="1"/>
+          </p:cNvSpPr>
+          <p:nvPr>
+            <p:extLst>
+              <p:ext uri="{386F3935-93C4-4BCD-93E2-E3B085C9AB24}">
+                <p16:designElem xmlns:p16="http://schemas.microsoft.com/office/powerpoint/2015/main" val="1"/>
+              </p:ext>
+            </p:extLst>
+          </p:nvPr>
+        </p:nvSpPr>
+        <p:spPr>
+          <a:xfrm>
+            <a:off x="6096000" y="648931"/>
+            <a:ext cx="5407023" cy="5231964"/>
+          </a:xfrm>
+          <a:prstGeom prst="roundRect">
+            <a:avLst>
+              <a:gd name="adj" fmla="val 4834"/>
+            </a:avLst>
+          </a:prstGeom>
+          <a:solidFill>
+            <a:schemeClr val="bg1"/>
+          </a:solidFill>
+          <a:ln w="38100">
+            <a:gradFill flip="none" rotWithShape="1">
+              <a:gsLst>
+                <a:gs pos="0">
+                  <a:schemeClr val="bg2"/>
+                </a:gs>
+                <a:gs pos="100000">
+                  <a:schemeClr val="bg2">
+                    <a:lumMod val="75000"/>
+                  </a:schemeClr>
+                </a:gs>
+              </a:gsLst>
+              <a:lin ang="5400000" scaled="0"/>
+              <a:tileRect/>
+            </a:gradFill>
+          </a:ln>
+          <a:effectLst>
+            <a:innerShdw blurRad="57150" dist="38100" dir="14460000">
+              <a:srgbClr val="000000">
+                <a:alpha val="70000"/>
+              </a:srgbClr>
+            </a:innerShdw>
+          </a:effectLst>
+        </p:spPr>
+        <p:style>
+          <a:lnRef idx="2">
+            <a:schemeClr val="accent1">
+              <a:shade val="50000"/>
+            </a:schemeClr>
+          </a:lnRef>
+          <a:fillRef idx="1">
+            <a:schemeClr val="accent1"/>
+          </a:fillRef>
+          <a:effectRef idx="0">
+            <a:schemeClr val="accent1"/>
+          </a:effectRef>
+          <a:fontRef idx="minor">
+            <a:schemeClr val="lt1"/>
+          </a:fontRef>
+        </p:style>
+        <p:txBody>
+          <a:bodyPr rtlCol="0" anchor="ctr"/>
+          <a:lstStyle/>
+          <a:p>
+            <a:pPr algn="ctr"/>
+            <a:endParaRPr lang="en-US"/>
+          </a:p>
+        </p:txBody>
+      </p:sp>
+      <p:pic>
+        <p:nvPicPr>
+          <p:cNvPr id="6" name="Content Placeholder 5" descr="Graphical user interface, text, application, email&#10;&#10;Description automatically generated">
+            <a:extLst>
+              <a:ext uri="{FF2B5EF4-FFF2-40B4-BE49-F238E27FC236}">
+                <a16:creationId xmlns:a16="http://schemas.microsoft.com/office/drawing/2014/main" id="{B456F9CE-F0BD-F946-8528-D23C8FC58F39}"/>
+              </a:ext>
+            </a:extLst>
+          </p:cNvPr>
+          <p:cNvPicPr>
+            <a:picLocks noGrp="1" noChangeAspect="1"/>
+          </p:cNvPicPr>
+          <p:nvPr>
+            <p:ph sz="half" idx="2"/>
+          </p:nvPr>
+        </p:nvPicPr>
+        <p:blipFill rotWithShape="1">
+          <a:blip r:embed="rId3">
+            <a:extLst>
+              <a:ext uri="{28A0092B-C50C-407E-A947-70E740481C1C}">
+                <a14:useLocalDpi xmlns:a14="http://schemas.microsoft.com/office/drawing/2010/main" val="0"/>
+              </a:ext>
+            </a:extLst>
+          </a:blip>
+          <a:srcRect l="-3255" t="-18772" r="1784" b="-36315"/>
+          <a:stretch/>
+        </p:blipFill>
+        <p:spPr>
+          <a:xfrm>
+            <a:off x="6434407" y="1011765"/>
+            <a:ext cx="4744154" cy="4546708"/>
+          </a:xfrm>
+          <a:prstGeom prst="rect">
+            <a:avLst/>
+          </a:prstGeom>
+        </p:spPr>
+      </p:pic>
+    </p:spTree>
+    <p:extLst>
+      <p:ext uri="{BB962C8B-B14F-4D97-AF65-F5344CB8AC3E}">
+        <p14:creationId xmlns:p14="http://schemas.microsoft.com/office/powerpoint/2010/main" val="2945036047"/>
+      </p:ext>
+    </p:extLst>
+  </p:cSld>
+  <p:clrMapOvr>
+    <a:masterClrMapping/>
+  </p:clrMapOvr>
+</p:sld>
+</file>
+
+<file path=ppt/slides/slide28.xml><?xml version="1.0" encoding="utf-8"?>
+<p:sld xmlns:a="http://schemas.openxmlformats.org/drawingml/2006/main" xmlns:r="http://schemas.openxmlformats.org/officeDocument/2006/relationships" xmlns:p="http://schemas.openxmlformats.org/presentationml/2006/main">
+  <p:cSld>
+    <p:spTree>
+      <p:nvGrpSpPr>
+        <p:cNvPr id="1" name=""/>
+        <p:cNvGrpSpPr/>
+        <p:nvPr/>
+      </p:nvGrpSpPr>
+      <p:grpSpPr>
+        <a:xfrm>
+          <a:off x="0" y="0"/>
+          <a:ext cx="0" cy="0"/>
+          <a:chOff x="0" y="0"/>
+          <a:chExt cx="0" cy="0"/>
+        </a:xfrm>
+      </p:grpSpPr>
+      <p:sp>
+        <p:nvSpPr>
+          <p:cNvPr id="2" name="Title 1">
+            <a:extLst>
+              <a:ext uri="{FF2B5EF4-FFF2-40B4-BE49-F238E27FC236}">
+                <a16:creationId xmlns:a16="http://schemas.microsoft.com/office/drawing/2014/main" id="{FD947CD9-9A74-8F4F-8FF3-203F034E0AA1}"/>
+              </a:ext>
+            </a:extLst>
+          </p:cNvPr>
+          <p:cNvSpPr>
+            <a:spLocks noGrp="1"/>
+          </p:cNvSpPr>
+          <p:nvPr>
+            <p:ph type="title"/>
+          </p:nvPr>
+        </p:nvSpPr>
+        <p:spPr/>
+        <p:txBody>
+          <a:bodyPr/>
+          <a:lstStyle/>
+          <a:p>
+            <a:r>
+              <a:rPr lang="en-US"/>
+              <a:t>Components of TypeScript</a:t>
+            </a:r>
+            <a:endParaRPr lang="en-US" dirty="0"/>
+          </a:p>
+        </p:txBody>
+      </p:sp>
+      <p:pic>
+        <p:nvPicPr>
+          <p:cNvPr id="2050" name="Picture 2">
+            <a:extLst>
+              <a:ext uri="{FF2B5EF4-FFF2-40B4-BE49-F238E27FC236}">
+                <a16:creationId xmlns:a16="http://schemas.microsoft.com/office/drawing/2014/main" id="{FC86EBE0-C866-0D44-9087-582C37699A12}"/>
+              </a:ext>
+            </a:extLst>
+          </p:cNvPr>
+          <p:cNvPicPr>
+            <a:picLocks noChangeAspect="1" noChangeArrowheads="1"/>
+          </p:cNvPicPr>
+          <p:nvPr/>
+        </p:nvPicPr>
+        <p:blipFill>
+          <a:blip r:embed="rId3">
+            <a:extLst>
+              <a:ext uri="{28A0092B-C50C-407E-A947-70E740481C1C}">
+                <a14:useLocalDpi xmlns:a14="http://schemas.microsoft.com/office/drawing/2010/main" val="0"/>
+              </a:ext>
+            </a:extLst>
+          </a:blip>
+          <a:srcRect/>
+          <a:stretch>
+            <a:fillRect/>
+          </a:stretch>
+        </p:blipFill>
+        <p:spPr bwMode="auto">
+          <a:xfrm>
+            <a:off x="4043362" y="2637949"/>
+            <a:ext cx="5172074" cy="3534251"/>
+          </a:xfrm>
+          <a:prstGeom prst="rect">
+            <a:avLst/>
+          </a:prstGeom>
+          <a:noFill/>
+          <a:extLst>
+            <a:ext uri="{909E8E84-426E-40DD-AFC4-6F175D3DCCD1}">
+              <a14:hiddenFill xmlns:a14="http://schemas.microsoft.com/office/drawing/2010/main">
+                <a:solidFill>
+                  <a:srgbClr val="FFFFFF"/>
+                </a:solidFill>
+              </a14:hiddenFill>
+            </a:ext>
+          </a:extLst>
+        </p:spPr>
+      </p:pic>
+    </p:spTree>
+    <p:extLst>
+      <p:ext uri="{BB962C8B-B14F-4D97-AF65-F5344CB8AC3E}">
+        <p14:creationId xmlns:p14="http://schemas.microsoft.com/office/powerpoint/2010/main" val="4129516827"/>
+      </p:ext>
+    </p:extLst>
+  </p:cSld>
+  <p:clrMapOvr>
+    <a:masterClrMapping/>
+  </p:clrMapOvr>
+</p:sld>
+</file>
+
+<file path=ppt/slides/slide29.xml><?xml version="1.0" encoding="utf-8"?>
+<p:sld xmlns:a="http://schemas.openxmlformats.org/drawingml/2006/main" xmlns:r="http://schemas.openxmlformats.org/officeDocument/2006/relationships" xmlns:p="http://schemas.openxmlformats.org/presentationml/2006/main">
+  <p:cSld>
+    <p:spTree>
+      <p:nvGrpSpPr>
+        <p:cNvPr id="1" name=""/>
+        <p:cNvGrpSpPr/>
+        <p:nvPr/>
+      </p:nvGrpSpPr>
+      <p:grpSpPr>
+        <a:xfrm>
+          <a:off x="0" y="0"/>
+          <a:ext cx="0" cy="0"/>
+          <a:chOff x="0" y="0"/>
+          <a:chExt cx="0" cy="0"/>
+        </a:xfrm>
+      </p:grpSpPr>
+      <p:sp>
+        <p:nvSpPr>
+          <p:cNvPr id="2" name="Title 1">
+            <a:extLst>
+              <a:ext uri="{FF2B5EF4-FFF2-40B4-BE49-F238E27FC236}">
+                <a16:creationId xmlns:a16="http://schemas.microsoft.com/office/drawing/2014/main" id="{A9E4651F-3BD5-2742-B2EC-8253829D467A}"/>
+              </a:ext>
+            </a:extLst>
+          </p:cNvPr>
+          <p:cNvSpPr>
+            <a:spLocks noGrp="1"/>
+          </p:cNvSpPr>
+          <p:nvPr>
+            <p:ph type="title"/>
+          </p:nvPr>
+        </p:nvSpPr>
+        <p:spPr/>
+        <p:txBody>
+          <a:bodyPr/>
+          <a:lstStyle/>
+          <a:p>
+            <a:r>
+              <a:rPr lang="en-US" dirty="0"/>
+              <a:t>Object-Oriented Terms</a:t>
+            </a:r>
+          </a:p>
+        </p:txBody>
+      </p:sp>
+      <p:pic>
+        <p:nvPicPr>
+          <p:cNvPr id="3074" name="Picture 2">
+            <a:extLst>
+              <a:ext uri="{FF2B5EF4-FFF2-40B4-BE49-F238E27FC236}">
+                <a16:creationId xmlns:a16="http://schemas.microsoft.com/office/drawing/2014/main" id="{5241B8AC-5122-3A48-8F37-1B04E9599B80}"/>
+              </a:ext>
+            </a:extLst>
+          </p:cNvPr>
+          <p:cNvPicPr>
+            <a:picLocks noChangeAspect="1" noChangeArrowheads="1"/>
+          </p:cNvPicPr>
+          <p:nvPr/>
+        </p:nvPicPr>
+        <p:blipFill>
+          <a:blip r:embed="rId2">
+            <a:extLst>
+              <a:ext uri="{28A0092B-C50C-407E-A947-70E740481C1C}">
+                <a14:useLocalDpi xmlns:a14="http://schemas.microsoft.com/office/drawing/2010/main" val="0"/>
+              </a:ext>
+            </a:extLst>
+          </a:blip>
+          <a:srcRect/>
+          <a:stretch>
+            <a:fillRect/>
+          </a:stretch>
+        </p:blipFill>
+        <p:spPr bwMode="auto">
+          <a:xfrm>
+            <a:off x="4556123" y="2438399"/>
+            <a:ext cx="3875088" cy="4050615"/>
+          </a:xfrm>
+          <a:prstGeom prst="rect">
+            <a:avLst/>
+          </a:prstGeom>
+          <a:noFill/>
+          <a:extLst>
+            <a:ext uri="{909E8E84-426E-40DD-AFC4-6F175D3DCCD1}">
+              <a14:hiddenFill xmlns:a14="http://schemas.microsoft.com/office/drawing/2010/main">
+                <a:solidFill>
+                  <a:srgbClr val="FFFFFF"/>
+                </a:solidFill>
+              </a14:hiddenFill>
+            </a:ext>
+          </a:extLst>
+        </p:spPr>
+      </p:pic>
+    </p:spTree>
+    <p:extLst>
+      <p:ext uri="{BB962C8B-B14F-4D97-AF65-F5344CB8AC3E}">
+        <p14:creationId xmlns:p14="http://schemas.microsoft.com/office/powerpoint/2010/main" val="3689756578"/>
       </p:ext>
     </p:extLst>
   </p:cSld>
@@ -11449,11 +16304,11 @@
           <a:lstStyle/>
           <a:p>
             <a:r>
-              <a:rPr lang="en-US" dirty="0" smtClean="0"/>
+              <a:rPr lang="en-US" dirty="0"/>
               <a:t>About </a:t>
             </a:r>
             <a:r>
-              <a:rPr lang="en-US" dirty="0" err="1" smtClean="0"/>
+              <a:rPr lang="en-US" dirty="0" err="1"/>
               <a:t>TypeScript</a:t>
             </a:r>
             <a:endParaRPr lang="en-US" dirty="0"/>
@@ -11480,18 +16335,9 @@
               <a:buChar char="Ø"/>
             </a:pPr>
             <a:r>
-              <a:rPr lang="en-US" dirty="0" smtClean="0"/>
-              <a:t>Open-Source Object-Oriented </a:t>
-            </a:r>
-            <a:r>
               <a:rPr lang="en-US" dirty="0"/>
-              <a:t>L</a:t>
-            </a:r>
-            <a:r>
-              <a:rPr lang="en-US" dirty="0" smtClean="0"/>
-              <a:t>anguage</a:t>
-            </a:r>
-            <a:endParaRPr lang="en-US" dirty="0"/>
+              <a:t>Open-Source Object-Oriented Language</a:t>
+            </a:r>
           </a:p>
           <a:p>
             <a:pPr>
@@ -11500,22 +16346,10 @@
             </a:pPr>
             <a:r>
               <a:rPr lang="en-US" dirty="0"/>
-              <a:t>D</a:t>
-            </a:r>
-            <a:r>
-              <a:rPr lang="en-US" dirty="0" smtClean="0"/>
-              <a:t>eveloped </a:t>
-            </a:r>
-            <a:r>
-              <a:rPr lang="en-US" dirty="0"/>
-              <a:t>and M</a:t>
-            </a:r>
-            <a:r>
-              <a:rPr lang="en-US" dirty="0" smtClean="0"/>
-              <a:t>aintained by: </a:t>
-            </a:r>
-            <a:r>
-              <a:rPr lang="en-US" b="1" dirty="0" smtClean="0"/>
+              <a:t>Developed and Maintained by: </a:t>
+            </a:r>
+            <a:r>
+              <a:rPr lang="en-US" b="1" dirty="0"/>
               <a:t>Microsoft</a:t>
             </a:r>
           </a:p>
@@ -11526,15 +16360,7 @@
             </a:pPr>
             <a:r>
               <a:rPr lang="en-US" dirty="0"/>
-              <a:t>I</a:t>
-            </a:r>
-            <a:r>
-              <a:rPr lang="en-US" dirty="0" smtClean="0"/>
-              <a:t>ntroduced </a:t>
-            </a:r>
-            <a:r>
-              <a:rPr lang="en-US" dirty="0"/>
-              <a:t>by: </a:t>
+              <a:t>Introduced by: </a:t>
             </a:r>
             <a:r>
               <a:rPr lang="en-US" b="1" dirty="0"/>
@@ -11542,11 +16368,7 @@
             </a:r>
             <a:r>
               <a:rPr lang="en-US" dirty="0"/>
-              <a:t>, a core member of the development team of C# </a:t>
-            </a:r>
-            <a:r>
-              <a:rPr lang="en-US" dirty="0" smtClean="0"/>
-              <a:t>language</a:t>
+              <a:t>, a core member of the development team of C# language</a:t>
             </a:r>
           </a:p>
           <a:p>
@@ -11555,7 +16377,7 @@
               <a:buChar char="Ø"/>
             </a:pPr>
             <a:r>
-              <a:rPr lang="en-US" dirty="0" smtClean="0"/>
+              <a:rPr lang="en-US" dirty="0"/>
               <a:t>First Released: October 2012</a:t>
             </a:r>
           </a:p>
@@ -11585,13 +16407,162 @@
       <p:transition/>
     </mc:Fallback>
   </mc:AlternateContent>
-  <p:timing>
-    <p:tnLst>
-      <p:par>
-        <p:cTn id="1" dur="indefinite" restart="never" nodeType="tmRoot"/>
-      </p:par>
-    </p:tnLst>
-  </p:timing>
+</p:sld>
+</file>
+
+<file path=ppt/slides/slide30.xml><?xml version="1.0" encoding="utf-8"?>
+<p:sld xmlns:a="http://schemas.openxmlformats.org/drawingml/2006/main" xmlns:r="http://schemas.openxmlformats.org/officeDocument/2006/relationships" xmlns:p="http://schemas.openxmlformats.org/presentationml/2006/main">
+  <p:cSld>
+    <p:spTree>
+      <p:nvGrpSpPr>
+        <p:cNvPr id="1" name=""/>
+        <p:cNvGrpSpPr/>
+        <p:nvPr/>
+      </p:nvGrpSpPr>
+      <p:grpSpPr>
+        <a:xfrm>
+          <a:off x="0" y="0"/>
+          <a:ext cx="0" cy="0"/>
+          <a:chOff x="0" y="0"/>
+          <a:chExt cx="0" cy="0"/>
+        </a:xfrm>
+      </p:grpSpPr>
+      <p:sp>
+        <p:nvSpPr>
+          <p:cNvPr id="2" name="Title 1">
+            <a:extLst>
+              <a:ext uri="{FF2B5EF4-FFF2-40B4-BE49-F238E27FC236}">
+                <a16:creationId xmlns:a16="http://schemas.microsoft.com/office/drawing/2014/main" id="{9DBC78A4-3799-2C4E-AC86-A301ADFE7F98}"/>
+              </a:ext>
+            </a:extLst>
+          </p:cNvPr>
+          <p:cNvSpPr>
+            <a:spLocks noGrp="1"/>
+          </p:cNvSpPr>
+          <p:nvPr>
+            <p:ph type="title"/>
+          </p:nvPr>
+        </p:nvSpPr>
+        <p:spPr>
+          <a:xfrm>
+            <a:off x="1484310" y="622006"/>
+            <a:ext cx="10018713" cy="1036673"/>
+          </a:xfrm>
+        </p:spPr>
+        <p:txBody>
+          <a:bodyPr/>
+          <a:lstStyle/>
+          <a:p>
+            <a:r>
+              <a:rPr lang="en-US" dirty="0"/>
+              <a:t>Concurrency</a:t>
+            </a:r>
+          </a:p>
+        </p:txBody>
+      </p:sp>
+      <p:sp>
+        <p:nvSpPr>
+          <p:cNvPr id="3" name="Content Placeholder 2">
+            <a:extLst>
+              <a:ext uri="{FF2B5EF4-FFF2-40B4-BE49-F238E27FC236}">
+                <a16:creationId xmlns:a16="http://schemas.microsoft.com/office/drawing/2014/main" id="{99B02452-90E9-474D-9F4E-672C1FFA2208}"/>
+              </a:ext>
+            </a:extLst>
+          </p:cNvPr>
+          <p:cNvSpPr>
+            <a:spLocks noGrp="1"/>
+          </p:cNvSpPr>
+          <p:nvPr>
+            <p:ph idx="1"/>
+          </p:nvPr>
+        </p:nvSpPr>
+        <p:spPr>
+          <a:xfrm>
+            <a:off x="1484310" y="1871331"/>
+            <a:ext cx="10018713" cy="3919870"/>
+          </a:xfrm>
+        </p:spPr>
+        <p:txBody>
+          <a:bodyPr>
+            <a:normAutofit/>
+          </a:bodyPr>
+          <a:lstStyle/>
+          <a:p>
+            <a:r>
+              <a:rPr lang="en-US" sz="1800" dirty="0"/>
+              <a:t>Concurrency is the execution of the multiple instruction sequences at the same time.</a:t>
+            </a:r>
+          </a:p>
+          <a:p>
+            <a:r>
+              <a:rPr lang="en-US" sz="1800" dirty="0"/>
+              <a:t>It is defined as one which uses the concept of simultaneously executing processes or threads of execution as a means of structuring a program.</a:t>
+            </a:r>
+          </a:p>
+          <a:p>
+            <a:r>
+              <a:rPr lang="en-US" sz="1800" dirty="0"/>
+              <a:t>Concurrency in software execution can occur at four different levels: </a:t>
+            </a:r>
+          </a:p>
+          <a:p>
+            <a:pPr lvl="1">
+              <a:buFont typeface="Wingdings" pitchFamily="2" charset="2"/>
+              <a:buChar char="§"/>
+            </a:pPr>
+            <a:r>
+              <a:rPr lang="en-US" sz="1800" dirty="0"/>
+              <a:t>Instruction level </a:t>
+            </a:r>
+          </a:p>
+          <a:p>
+            <a:pPr lvl="1">
+              <a:buFont typeface="Wingdings" pitchFamily="2" charset="2"/>
+              <a:buChar char="§"/>
+            </a:pPr>
+            <a:r>
+              <a:rPr lang="en-US" sz="1800" dirty="0"/>
+              <a:t>Statement level</a:t>
+            </a:r>
+          </a:p>
+          <a:p>
+            <a:pPr lvl="1">
+              <a:buFont typeface="Wingdings" pitchFamily="2" charset="2"/>
+              <a:buChar char="§"/>
+            </a:pPr>
+            <a:r>
+              <a:rPr lang="en-US" sz="1800" dirty="0"/>
+              <a:t>Unit level</a:t>
+            </a:r>
+          </a:p>
+          <a:p>
+            <a:pPr lvl="1">
+              <a:buFont typeface="Wingdings" pitchFamily="2" charset="2"/>
+              <a:buChar char="§"/>
+            </a:pPr>
+            <a:r>
+              <a:rPr lang="en-US" sz="1800" dirty="0"/>
+              <a:t>Program level</a:t>
+            </a:r>
+          </a:p>
+          <a:p>
+            <a:endParaRPr lang="en-US" sz="1800" dirty="0"/>
+          </a:p>
+          <a:p>
+            <a:endParaRPr lang="en-US" sz="1800" dirty="0"/>
+          </a:p>
+        </p:txBody>
+      </p:sp>
+    </p:spTree>
+    <p:extLst>
+      <p:ext uri="{BB962C8B-B14F-4D97-AF65-F5344CB8AC3E}">
+        <p14:creationId xmlns:p14="http://schemas.microsoft.com/office/powerpoint/2010/main" val="3035879629"/>
+      </p:ext>
+    </p:extLst>
+  </p:cSld>
+  <p:clrMapOvr>
+    <a:masterClrMapping/>
+  </p:clrMapOvr>
 </p:sld>
 </file>
 
@@ -11633,18 +16604,17 @@
           <a:lstStyle/>
           <a:p>
             <a:r>
-              <a:rPr lang="en-US" dirty="0" smtClean="0"/>
+              <a:rPr lang="en-US" dirty="0"/>
               <a:t>What is </a:t>
             </a:r>
             <a:r>
-              <a:rPr lang="en-US" dirty="0" err="1" smtClean="0"/>
+              <a:rPr lang="en-US" dirty="0" err="1"/>
               <a:t>TypeScript</a:t>
             </a:r>
             <a:r>
-              <a:rPr lang="en-US" dirty="0" smtClean="0"/>
+              <a:rPr lang="en-US" dirty="0"/>
               <a:t>?</a:t>
             </a:r>
-            <a:endParaRPr lang="en-US" dirty="0"/>
           </a:p>
         </p:txBody>
       </p:sp>
@@ -11675,16 +16645,8 @@
               <a:buChar char="Ø"/>
             </a:pPr>
             <a:r>
-              <a:rPr lang="en-US" sz="2000" dirty="0" smtClean="0"/>
-              <a:t>Strongly </a:t>
-            </a:r>
-            <a:r>
               <a:rPr lang="en-US" sz="2000" dirty="0"/>
-              <a:t>typed superset of </a:t>
-            </a:r>
-            <a:r>
-              <a:rPr lang="en-US" sz="2000" dirty="0" smtClean="0"/>
-              <a:t>JavaScript</a:t>
+              <a:t>Strongly typed superset of JavaScript</a:t>
             </a:r>
           </a:p>
           <a:p>
@@ -11693,14 +16655,10 @@
               <a:buChar char="Ø"/>
             </a:pPr>
             <a:r>
-              <a:rPr lang="en-US" sz="2000" dirty="0" smtClean="0"/>
-              <a:t>Which complies the code into plain </a:t>
-            </a:r>
-            <a:r>
               <a:rPr lang="en-US" sz="2000" dirty="0"/>
-              <a:t>JavaScript</a:t>
-            </a:r>
-            <a:endParaRPr lang="en-US" sz="2000" b="1" dirty="0" smtClean="0"/>
+              <a:t>Which complies the code into plain JavaScript</a:t>
+            </a:r>
+            <a:endParaRPr lang="en-US" sz="2000" b="1" dirty="0"/>
           </a:p>
           <a:p>
             <a:pPr>
@@ -11708,7 +16666,7 @@
               <a:buChar char="Ø"/>
             </a:pPr>
             <a:r>
-              <a:rPr lang="en-US" sz="2000" dirty="0" smtClean="0"/>
+              <a:rPr lang="en-US" sz="2000" dirty="0"/>
               <a:t>Designed for: </a:t>
             </a:r>
             <a:r>
@@ -11717,11 +16675,7 @@
             </a:r>
             <a:r>
               <a:rPr lang="en-US" sz="2000" dirty="0"/>
-              <a:t>large-scale JavaScript application </a:t>
-            </a:r>
-            <a:r>
-              <a:rPr lang="en-US" sz="2000" dirty="0" smtClean="0"/>
-              <a:t>development</a:t>
+              <a:t>large-scale JavaScript application development</a:t>
             </a:r>
           </a:p>
           <a:p>
@@ -11730,20 +16684,20 @@
               <a:buChar char="Ø"/>
             </a:pPr>
             <a:r>
-              <a:rPr lang="en-US" sz="2000" dirty="0" smtClean="0"/>
+              <a:rPr lang="en-US" sz="2000" dirty="0"/>
               <a:t>File extension: .</a:t>
             </a:r>
             <a:r>
-              <a:rPr lang="en-US" sz="2000" dirty="0" err="1" smtClean="0"/>
+              <a:rPr lang="en-US" sz="2000" dirty="0" err="1"/>
               <a:t>ts</a:t>
             </a:r>
-            <a:endParaRPr lang="en-US" sz="2000" dirty="0" smtClean="0"/>
+            <a:endParaRPr lang="en-US" sz="2000" dirty="0"/>
           </a:p>
           <a:p>
             <a:pPr marL="0" indent="0">
               <a:buNone/>
             </a:pPr>
-            <a:endParaRPr lang="en-US" sz="1600" dirty="0" smtClean="0"/>
+            <a:endParaRPr lang="en-US" sz="1600" dirty="0"/>
           </a:p>
           <a:p>
             <a:pPr marL="0" indent="0">
@@ -11822,21 +16776,6 @@
   <p:clrMapOvr>
     <a:masterClrMapping/>
   </p:clrMapOvr>
-  <mc:AlternateContent xmlns:mc="http://schemas.openxmlformats.org/markup-compatibility/2006" xmlns:p14="http://schemas.microsoft.com/office/powerpoint/2010/main">
-    <mc:Choice Requires="p14">
-      <p:transition p14:dur="0"/>
-    </mc:Choice>
-    <mc:Fallback xmlns="">
-      <p:transition/>
-    </mc:Fallback>
-  </mc:AlternateContent>
-  <p:timing>
-    <p:tnLst>
-      <p:par>
-        <p:cTn id="1" dur="indefinite" restart="never" nodeType="tmRoot"/>
-      </p:par>
-    </p:tnLst>
-  </p:timing>
 </p:sld>
 </file>
 
@@ -11878,18 +16817,17 @@
           <a:lstStyle/>
           <a:p>
             <a:r>
-              <a:rPr lang="en-US" dirty="0" smtClean="0"/>
+              <a:rPr lang="en-US" dirty="0"/>
               <a:t>Why need </a:t>
             </a:r>
             <a:r>
-              <a:rPr lang="en-US" dirty="0" err="1" smtClean="0"/>
+              <a:rPr lang="en-US" dirty="0" err="1"/>
               <a:t>TypeScript</a:t>
             </a:r>
             <a:r>
-              <a:rPr lang="en-US" dirty="0" smtClean="0"/>
+              <a:rPr lang="en-US" dirty="0"/>
               <a:t> over JavaScript?</a:t>
             </a:r>
-            <a:endParaRPr lang="en-US" dirty="0"/>
           </a:p>
         </p:txBody>
       </p:sp>
@@ -11914,10 +16852,9 @@
           <a:lstStyle/>
           <a:p>
             <a:r>
-              <a:rPr lang="en-US" dirty="0" smtClean="0"/>
+              <a:rPr lang="en-US" dirty="0"/>
               <a:t>JavaScript</a:t>
             </a:r>
-            <a:endParaRPr lang="en-US" dirty="0"/>
           </a:p>
         </p:txBody>
       </p:sp>
@@ -11971,7 +16908,7 @@
           <a:lstStyle/>
           <a:p>
             <a:r>
-              <a:rPr lang="en-US" dirty="0" err="1" smtClean="0"/>
+              <a:rPr lang="en-US" dirty="0" err="1"/>
               <a:t>TypeScript</a:t>
             </a:r>
             <a:endParaRPr lang="en-US" dirty="0"/>
@@ -12076,21 +17013,6 @@
   <p:clrMapOvr>
     <a:masterClrMapping/>
   </p:clrMapOvr>
-  <mc:AlternateContent xmlns:mc="http://schemas.openxmlformats.org/markup-compatibility/2006" xmlns:p14="http://schemas.microsoft.com/office/powerpoint/2010/main">
-    <mc:Choice Requires="p14">
-      <p:transition p14:dur="0"/>
-    </mc:Choice>
-    <mc:Fallback xmlns="">
-      <p:transition/>
-    </mc:Fallback>
-  </mc:AlternateContent>
-  <p:timing>
-    <p:tnLst>
-      <p:par>
-        <p:cTn id="1" dur="indefinite" restart="never" nodeType="tmRoot"/>
-      </p:par>
-    </p:tnLst>
-  </p:timing>
 </p:sld>
 </file>
 
@@ -12165,7 +17087,7 @@
               <a:buChar char="Ø"/>
             </a:pPr>
             <a:r>
-              <a:rPr lang="en-US" dirty="0" smtClean="0"/>
+              <a:rPr lang="en-US" dirty="0"/>
               <a:t>Any IDE (Most preferred Visual Code)</a:t>
             </a:r>
           </a:p>
@@ -12175,12 +17097,8 @@
               <a:buChar char="Ø"/>
             </a:pPr>
             <a:r>
-              <a:rPr lang="en-US" dirty="0" smtClean="0"/>
-              <a:t>Install </a:t>
-            </a:r>
-            <a:r>
               <a:rPr lang="en-US" dirty="0"/>
-              <a:t>Node.js Package Manager (</a:t>
+              <a:t>Install Node.js Package Manager (</a:t>
             </a:r>
             <a:r>
               <a:rPr lang="en-US" dirty="0" err="1"/>
@@ -12201,10 +17119,10 @@
               <a:t>Set up </a:t>
             </a:r>
             <a:r>
-              <a:rPr lang="en-US" dirty="0" err="1" smtClean="0"/>
+              <a:rPr lang="en-US" dirty="0" err="1"/>
               <a:t>package.json</a:t>
             </a:r>
-            <a:endParaRPr lang="en-US" dirty="0" smtClean="0"/>
+            <a:endParaRPr lang="en-US" dirty="0"/>
           </a:p>
           <a:p>
             <a:pPr marL="457200" lvl="1" indent="0">
@@ -12216,11 +17134,7 @@
             </a:r>
             <a:r>
               <a:rPr lang="en-US" dirty="0"/>
-              <a:t> your project </a:t>
-            </a:r>
-            <a:r>
-              <a:rPr lang="en-US" dirty="0" smtClean="0"/>
-              <a:t>configuration</a:t>
+              <a:t> your project configuration</a:t>
             </a:r>
           </a:p>
           <a:p>
@@ -12257,21 +17171,6 @@
   <p:clrMapOvr>
     <a:masterClrMapping/>
   </p:clrMapOvr>
-  <mc:AlternateContent xmlns:mc="http://schemas.openxmlformats.org/markup-compatibility/2006" xmlns:p14="http://schemas.microsoft.com/office/powerpoint/2010/main">
-    <mc:Choice Requires="p14">
-      <p:transition p14:dur="0"/>
-    </mc:Choice>
-    <mc:Fallback xmlns="">
-      <p:transition/>
-    </mc:Fallback>
-  </mc:AlternateContent>
-  <p:timing>
-    <p:tnLst>
-      <p:par>
-        <p:cTn id="1" dur="indefinite" restart="never" nodeType="tmRoot"/>
-      </p:par>
-    </p:tnLst>
-  </p:timing>
 </p:sld>
 </file>
 
@@ -12308,11 +17207,11 @@
           <a:lstStyle/>
           <a:p>
             <a:r>
-              <a:rPr lang="en-US" dirty="0" smtClean="0"/>
+              <a:rPr lang="en-US" dirty="0"/>
               <a:t>Variable in </a:t>
             </a:r>
             <a:r>
-              <a:rPr lang="en-US" dirty="0" err="1" smtClean="0"/>
+              <a:rPr lang="en-US" dirty="0" err="1"/>
               <a:t>TypeScript</a:t>
             </a:r>
             <a:endParaRPr lang="en-US" dirty="0"/>
@@ -12345,7 +17244,7 @@
               <a:buNone/>
             </a:pPr>
             <a:r>
-              <a:rPr lang="en-US" sz="2000" b="1" dirty="0" smtClean="0"/>
+              <a:rPr lang="en-US" sz="2000" b="1" dirty="0"/>
               <a:t>Rules:</a:t>
             </a:r>
           </a:p>
@@ -12355,12 +17254,8 @@
               <a:buChar char="Ø"/>
             </a:pPr>
             <a:r>
-              <a:rPr lang="en-US" sz="2000" dirty="0" smtClean="0"/>
-              <a:t>Variable </a:t>
-            </a:r>
-            <a:r>
               <a:rPr lang="en-US" sz="2000" dirty="0"/>
-              <a:t>name must be an </a:t>
+              <a:t>Variable name must be an </a:t>
             </a:r>
             <a:r>
               <a:rPr lang="en-US" sz="2000" b="1" dirty="0"/>
@@ -12386,15 +17281,7 @@
             </a:pPr>
             <a:r>
               <a:rPr lang="en-US" sz="2000" dirty="0"/>
-              <a:t>V</a:t>
-            </a:r>
-            <a:r>
-              <a:rPr lang="en-US" sz="2000" dirty="0" smtClean="0"/>
-              <a:t>ariable </a:t>
-            </a:r>
-            <a:r>
-              <a:rPr lang="en-US" sz="2000" dirty="0"/>
-              <a:t>name cannot start with digits.</a:t>
+              <a:t>Variable name cannot start with digits.</a:t>
             </a:r>
           </a:p>
           <a:p>
@@ -12403,12 +17290,8 @@
               <a:buChar char="Ø"/>
             </a:pPr>
             <a:r>
-              <a:rPr lang="en-US" sz="2000" dirty="0" smtClean="0"/>
-              <a:t>Variable </a:t>
-            </a:r>
-            <a:r>
               <a:rPr lang="en-US" sz="2000" dirty="0"/>
-              <a:t>name cannot contain spaces and special character, except the u</a:t>
+              <a:t>Variable name cannot contain spaces and special character, except the u</a:t>
             </a:r>
             <a:r>
               <a:rPr lang="en-US" sz="2000" b="1" dirty="0"/>
@@ -12424,11 +17307,7 @@
             </a:r>
             <a:r>
               <a:rPr lang="en-US" sz="2000" dirty="0"/>
-              <a:t> </a:t>
-            </a:r>
-            <a:r>
-              <a:rPr lang="en-US" sz="2000" dirty="0" smtClean="0"/>
-              <a:t>sign</a:t>
+              <a:t> sign</a:t>
             </a:r>
           </a:p>
           <a:p>
@@ -12483,20 +17362,16 @@
               <a:buNone/>
             </a:pPr>
             <a:r>
-              <a:rPr lang="en-US" dirty="0" smtClean="0"/>
+              <a:rPr lang="en-US" dirty="0"/>
               <a:t>	</a:t>
             </a:r>
             <a:r>
-              <a:rPr lang="en-US" dirty="0" err="1" smtClean="0"/>
+              <a:rPr lang="en-US" dirty="0" err="1"/>
               <a:t>Var</a:t>
             </a:r>
             <a:r>
-              <a:rPr lang="en-US" dirty="0" smtClean="0"/>
-              <a:t> </a:t>
-            </a:r>
-            <a:r>
               <a:rPr lang="en-US" dirty="0"/>
-              <a:t>name1 </a:t>
+              <a:t> name1 </a:t>
             </a:r>
           </a:p>
           <a:p>
@@ -12504,20 +17379,16 @@
               <a:buNone/>
             </a:pPr>
             <a:r>
-              <a:rPr lang="en-US" dirty="0" smtClean="0"/>
+              <a:rPr lang="en-US" dirty="0"/>
               <a:t>	</a:t>
             </a:r>
             <a:r>
-              <a:rPr lang="en-US" dirty="0" err="1" smtClean="0"/>
+              <a:rPr lang="en-US" dirty="0" err="1"/>
               <a:t>Var</a:t>
             </a:r>
             <a:r>
-              <a:rPr lang="en-US" dirty="0" smtClean="0"/>
-              <a:t> </a:t>
-            </a:r>
-            <a:r>
               <a:rPr lang="en-US" dirty="0"/>
-              <a:t>1name</a:t>
+              <a:t> 1name</a:t>
             </a:r>
           </a:p>
           <a:p>
@@ -12525,20 +17396,16 @@
               <a:buNone/>
             </a:pPr>
             <a:r>
-              <a:rPr lang="en-US" dirty="0" smtClean="0"/>
+              <a:rPr lang="en-US" dirty="0"/>
               <a:t>	</a:t>
             </a:r>
             <a:r>
-              <a:rPr lang="en-US" dirty="0" err="1" smtClean="0"/>
+              <a:rPr lang="en-US" dirty="0" err="1"/>
               <a:t>Var</a:t>
             </a:r>
             <a:r>
-              <a:rPr lang="en-US" dirty="0" smtClean="0"/>
-              <a:t> </a:t>
-            </a:r>
-            <a:r>
               <a:rPr lang="en-US" dirty="0"/>
-              <a:t>name_1</a:t>
+              <a:t> name_1</a:t>
             </a:r>
           </a:p>
           <a:p>
@@ -12546,20 +17413,16 @@
               <a:buNone/>
             </a:pPr>
             <a:r>
-              <a:rPr lang="en-US" dirty="0" smtClean="0"/>
+              <a:rPr lang="en-US" dirty="0"/>
               <a:t>	</a:t>
             </a:r>
             <a:r>
-              <a:rPr lang="en-US" dirty="0" err="1" smtClean="0"/>
+              <a:rPr lang="en-US" dirty="0" err="1"/>
               <a:t>Var</a:t>
             </a:r>
             <a:r>
-              <a:rPr lang="en-US" dirty="0" smtClean="0"/>
-              <a:t> </a:t>
-            </a:r>
-            <a:r>
               <a:rPr lang="en-US" dirty="0"/>
-              <a:t>name-1</a:t>
+              <a:t> name-1</a:t>
             </a:r>
           </a:p>
           <a:p>
@@ -12697,13 +17560,6 @@
   <p:clrMapOvr>
     <a:masterClrMapping/>
   </p:clrMapOvr>
-  <p:timing>
-    <p:tnLst>
-      <p:par>
-        <p:cTn id="1" dur="indefinite" restart="never" nodeType="tmRoot"/>
-      </p:par>
-    </p:tnLst>
-  </p:timing>
 </p:sld>
 </file>
 
@@ -12745,11 +17601,11 @@
           <a:lstStyle/>
           <a:p>
             <a:r>
-              <a:rPr lang="en-US" dirty="0" smtClean="0"/>
+              <a:rPr lang="en-US" dirty="0"/>
               <a:t>Variable Declaration in </a:t>
             </a:r>
             <a:r>
-              <a:rPr lang="en-US" dirty="0" err="1" smtClean="0"/>
+              <a:rPr lang="en-US" dirty="0" err="1"/>
               <a:t>TypeScript</a:t>
             </a:r>
             <a:endParaRPr lang="en-US" dirty="0"/>
@@ -12783,7 +17639,7 @@
               <a:buChar char="Ø"/>
             </a:pPr>
             <a:r>
-              <a:rPr lang="en-US" sz="2000" dirty="0" smtClean="0"/>
+              <a:rPr lang="en-US" sz="2000" dirty="0"/>
               <a:t>Variables can be declared using: </a:t>
             </a:r>
           </a:p>
@@ -12793,10 +17649,10 @@
               <a:buChar char="•"/>
             </a:pPr>
             <a:r>
-              <a:rPr lang="en-US" sz="2000" dirty="0" err="1" smtClean="0"/>
+              <a:rPr lang="en-US" sz="2000" dirty="0" err="1"/>
               <a:t>Var</a:t>
             </a:r>
-            <a:endParaRPr lang="en-US" sz="2000" dirty="0" smtClean="0"/>
+            <a:endParaRPr lang="en-US" sz="2000" dirty="0"/>
           </a:p>
           <a:p>
             <a:pPr lvl="1">
@@ -12804,7 +17660,7 @@
               <a:buChar char="•"/>
             </a:pPr>
             <a:r>
-              <a:rPr lang="en-US" sz="2000" dirty="0" smtClean="0"/>
+              <a:rPr lang="en-US" sz="2000" dirty="0"/>
               <a:t>Let</a:t>
             </a:r>
           </a:p>
@@ -12814,10 +17670,10 @@
               <a:buChar char="•"/>
             </a:pPr>
             <a:r>
-              <a:rPr lang="en-US" sz="2000" dirty="0" err="1" smtClean="0"/>
+              <a:rPr lang="en-US" sz="2000" dirty="0" err="1"/>
               <a:t>Const</a:t>
             </a:r>
-            <a:endParaRPr lang="en-US" sz="2000" dirty="0" smtClean="0"/>
+            <a:endParaRPr lang="en-US" sz="2000" dirty="0"/>
           </a:p>
           <a:p>
             <a:pPr>
@@ -12825,7 +17681,7 @@
               <a:buChar char="Ø"/>
             </a:pPr>
             <a:r>
-              <a:rPr lang="en-US" sz="2000" dirty="0" smtClean="0"/>
+              <a:rPr lang="en-US" sz="2000" dirty="0"/>
               <a:t>Each of the variable declaration keyword has similar declaration and initialization.</a:t>
             </a:r>
           </a:p>
@@ -12835,11 +17691,11 @@
               <a:buChar char="Ø"/>
             </a:pPr>
             <a:r>
-              <a:rPr lang="en-US" sz="2000" dirty="0" smtClean="0"/>
+              <a:rPr lang="en-US" sz="2000" dirty="0"/>
               <a:t>Those vary with each other in terms of their scope and usage</a:t>
             </a:r>
             <a:r>
-              <a:rPr lang="en-US" dirty="0" smtClean="0"/>
+              <a:rPr lang="en-US" dirty="0"/>
               <a:t>.</a:t>
             </a:r>
           </a:p>
@@ -12853,13 +17709,8 @@
             </a:r>
             <a:r>
               <a:rPr lang="en-US" sz="1700" dirty="0"/>
-              <a:t> essentially means where these variables are available for </a:t>
-            </a:r>
-            <a:r>
-              <a:rPr lang="en-US" sz="1700" dirty="0" smtClean="0"/>
-              <a:t>use</a:t>
-            </a:r>
-            <a:endParaRPr lang="en-US" sz="1700" dirty="0"/>
+              <a:t> essentially means where these variables are available for use</a:t>
+            </a:r>
           </a:p>
         </p:txBody>
       </p:sp>
@@ -12905,11 +17756,7 @@
             </a:pPr>
             <a:r>
               <a:rPr lang="en-US" sz="2000" dirty="0"/>
-              <a:t>Keyword name: type = </a:t>
-            </a:r>
-            <a:r>
-              <a:rPr lang="en-US" sz="2000" dirty="0" smtClean="0"/>
-              <a:t>value;</a:t>
+              <a:t>Keyword name: type = value;</a:t>
             </a:r>
           </a:p>
           <a:p>
@@ -12918,14 +17765,13 @@
               <a:buChar char="•"/>
             </a:pPr>
             <a:r>
-              <a:rPr lang="en-US" sz="1600" dirty="0" err="1" smtClean="0"/>
+              <a:rPr lang="en-US" sz="1600" dirty="0" err="1"/>
               <a:t>Var</a:t>
             </a:r>
             <a:r>
-              <a:rPr lang="en-US" sz="1600" dirty="0" smtClean="0"/>
+              <a:rPr lang="en-US" sz="1600" dirty="0"/>
               <a:t> age: number = 50;</a:t>
             </a:r>
-            <a:endParaRPr lang="en-US" sz="1600" dirty="0"/>
           </a:p>
           <a:p>
             <a:pPr lvl="1">
@@ -12934,11 +17780,7 @@
             </a:pPr>
             <a:r>
               <a:rPr lang="en-US" sz="2000" dirty="0"/>
-              <a:t>Keyword name: </a:t>
-            </a:r>
-            <a:r>
-              <a:rPr lang="en-US" sz="2000" dirty="0" smtClean="0"/>
-              <a:t>type;</a:t>
+              <a:t>Keyword name: type;</a:t>
             </a:r>
           </a:p>
           <a:p>
@@ -12955,14 +17797,13 @@
               <a:t> </a:t>
             </a:r>
             <a:r>
-              <a:rPr lang="en-US" sz="1600" dirty="0" err="1" smtClean="0"/>
+              <a:rPr lang="en-US" sz="1600" dirty="0" err="1"/>
               <a:t>age:number</a:t>
             </a:r>
             <a:r>
-              <a:rPr lang="en-US" sz="1600" dirty="0" smtClean="0"/>
+              <a:rPr lang="en-US" sz="1600" dirty="0"/>
               <a:t>;</a:t>
             </a:r>
-            <a:endParaRPr lang="en-US" sz="1600" dirty="0"/>
           </a:p>
           <a:p>
             <a:pPr lvl="1">
@@ -12971,19 +17812,7 @@
             </a:pPr>
             <a:r>
               <a:rPr lang="en-US" sz="2000" dirty="0"/>
-              <a:t>Keyword </a:t>
-            </a:r>
-            <a:r>
-              <a:rPr lang="en-US" sz="2000" dirty="0" smtClean="0"/>
-              <a:t>name</a:t>
-            </a:r>
-            <a:r>
-              <a:rPr lang="en-US" sz="2000" dirty="0"/>
-              <a:t> </a:t>
-            </a:r>
-            <a:r>
-              <a:rPr lang="en-US" sz="2000" dirty="0" smtClean="0"/>
-              <a:t>= value;</a:t>
+              <a:t>Keyword name = value;</a:t>
             </a:r>
           </a:p>
           <a:p>
@@ -12997,29 +17826,12 @@
             </a:r>
             <a:r>
               <a:rPr lang="en-US" sz="1600" dirty="0"/>
-              <a:t> </a:t>
-            </a:r>
-            <a:r>
-              <a:rPr lang="en-US" sz="1600" dirty="0" smtClean="0"/>
-              <a:t>age</a:t>
-            </a:r>
-            <a:r>
-              <a:rPr lang="en-US" sz="1600" dirty="0"/>
-              <a:t> </a:t>
-            </a:r>
-            <a:r>
-              <a:rPr lang="en-US" sz="1600" dirty="0" smtClean="0"/>
-              <a:t>= </a:t>
-            </a:r>
-            <a:r>
-              <a:rPr lang="en-US" sz="1600" dirty="0"/>
-              <a:t>50</a:t>
-            </a:r>
-            <a:r>
-              <a:rPr lang="en-US" sz="1800" dirty="0" smtClean="0"/>
+              <a:t> age = 50</a:t>
+            </a:r>
+            <a:r>
+              <a:rPr lang="en-US" sz="1800" dirty="0"/>
               <a:t>;</a:t>
             </a:r>
-            <a:endParaRPr lang="en-US" sz="1800" dirty="0"/>
           </a:p>
           <a:p>
             <a:pPr lvl="1">
@@ -13028,11 +17840,7 @@
             </a:pPr>
             <a:r>
               <a:rPr lang="en-US" sz="2000" dirty="0"/>
-              <a:t>Keyword </a:t>
-            </a:r>
-            <a:r>
-              <a:rPr lang="en-US" sz="2000" dirty="0" smtClean="0"/>
-              <a:t>name;</a:t>
+              <a:t>Keyword name;</a:t>
             </a:r>
           </a:p>
           <a:p>
@@ -13046,13 +17854,8 @@
             </a:r>
             <a:r>
               <a:rPr lang="en-US" sz="1600" dirty="0"/>
-              <a:t> </a:t>
-            </a:r>
-            <a:r>
-              <a:rPr lang="en-US" sz="1600" dirty="0" smtClean="0"/>
-              <a:t>age;</a:t>
-            </a:r>
-            <a:endParaRPr lang="en-US" sz="1600" dirty="0"/>
+              <a:t> age;</a:t>
+            </a:r>
           </a:p>
           <a:p>
             <a:pPr lvl="2">
@@ -13076,13 +17879,6 @@
   <p:clrMapOvr>
     <a:masterClrMapping/>
   </p:clrMapOvr>
-  <p:timing>
-    <p:tnLst>
-      <p:par>
-        <p:cTn id="1" dur="indefinite" restart="never" nodeType="tmRoot"/>
-      </p:par>
-    </p:tnLst>
-  </p:timing>
 </p:sld>
 </file>
 
@@ -13124,18 +17920,17 @@
           <a:lstStyle/>
           <a:p>
             <a:r>
-              <a:rPr lang="en-US" dirty="0" smtClean="0"/>
+              <a:rPr lang="en-US" dirty="0"/>
               <a:t>Scope for “</a:t>
             </a:r>
             <a:r>
-              <a:rPr lang="en-US" dirty="0" err="1" smtClean="0"/>
+              <a:rPr lang="en-US" dirty="0" err="1"/>
               <a:t>Var</a:t>
             </a:r>
             <a:r>
-              <a:rPr lang="en-US" dirty="0" smtClean="0"/>
+              <a:rPr lang="en-US" dirty="0"/>
               <a:t>”</a:t>
             </a:r>
-            <a:endParaRPr lang="en-US" dirty="0"/>
           </a:p>
         </p:txBody>
       </p:sp>
@@ -13166,7 +17961,7 @@
               <a:buChar char="Ø"/>
             </a:pPr>
             <a:r>
-              <a:rPr lang="en-US" dirty="0" smtClean="0"/>
+              <a:rPr lang="en-US" dirty="0"/>
               <a:t>Global:</a:t>
             </a:r>
           </a:p>
@@ -13176,35 +17971,15 @@
               <a:buChar char="•"/>
             </a:pPr>
             <a:r>
-              <a:rPr lang="en-US" dirty="0" smtClean="0"/>
-              <a:t>If </a:t>
-            </a:r>
-            <a:r>
               <a:rPr lang="en-US" dirty="0"/>
-              <a:t>variable is declared outside a </a:t>
-            </a:r>
-            <a:r>
-              <a:rPr lang="en-US" dirty="0" smtClean="0"/>
-              <a:t>function.</a:t>
+              <a:t>If variable is declared outside a function.</a:t>
             </a:r>
           </a:p>
           <a:p>
             <a:pPr lvl="1"/>
             <a:r>
               <a:rPr lang="en-US" dirty="0"/>
-              <a:t>This means that any variable that is </a:t>
-            </a:r>
-            <a:r>
-              <a:rPr lang="en-US" dirty="0" smtClean="0"/>
-              <a:t>declared outside </a:t>
-            </a:r>
-            <a:r>
-              <a:rPr lang="en-US" dirty="0"/>
-              <a:t>a function block is available for use in the whole window</a:t>
-            </a:r>
-            <a:r>
-              <a:rPr lang="en-US" dirty="0" smtClean="0"/>
-              <a:t>.</a:t>
+              <a:t>This means that any variable that is declared outside a function block is available for use in the whole window.</a:t>
             </a:r>
           </a:p>
           <a:p>
@@ -13213,7 +17988,7 @@
               <a:buChar char="Ø"/>
             </a:pPr>
             <a:r>
-              <a:rPr lang="en-US" dirty="0" smtClean="0"/>
+              <a:rPr lang="en-US" dirty="0"/>
               <a:t>Function:</a:t>
             </a:r>
           </a:p>
@@ -13221,31 +17996,14 @@
             <a:pPr lvl="1"/>
             <a:r>
               <a:rPr lang="en-US" dirty="0"/>
-              <a:t> </a:t>
-            </a:r>
-            <a:r>
-              <a:rPr lang="en-US" dirty="0" smtClean="0"/>
-              <a:t>If variable is </a:t>
-            </a:r>
+              <a:t> If variable is declared within a function. </a:t>
+            </a:r>
+          </a:p>
+          <a:p>
+            <a:pPr lvl="1"/>
             <a:r>
               <a:rPr lang="en-US" dirty="0"/>
-              <a:t>declared within a function. </a:t>
-            </a:r>
-            <a:endParaRPr lang="en-US" dirty="0" smtClean="0"/>
-          </a:p>
-          <a:p>
-            <a:pPr lvl="1"/>
-            <a:r>
-              <a:rPr lang="en-US" dirty="0" smtClean="0"/>
-              <a:t>This </a:t>
-            </a:r>
-            <a:r>
-              <a:rPr lang="en-US" dirty="0"/>
-              <a:t>means that it is available and can be accessed only within that function</a:t>
-            </a:r>
-            <a:r>
-              <a:rPr lang="en-US" dirty="0" smtClean="0"/>
-              <a:t>.</a:t>
+              <a:t>This means that it is available and can be accessed only within that function.</a:t>
             </a:r>
           </a:p>
           <a:p>
@@ -13305,7 +18063,7 @@
               <a:buChar char="Ø"/>
             </a:pPr>
             <a:r>
-              <a:rPr lang="en-US" b="1" dirty="0" smtClean="0"/>
+              <a:rPr lang="en-US" b="1" dirty="0"/>
               <a:t>Example:</a:t>
             </a:r>
           </a:p>
@@ -13331,25 +18089,8 @@
                   </a:schemeClr>
                 </a:solidFill>
               </a:rPr>
-              <a:t> </a:t>
-            </a:r>
-            <a:r>
-              <a:rPr lang="en-US" dirty="0" smtClean="0">
-                <a:solidFill>
-                  <a:schemeClr val="accent1">
-                    <a:lumMod val="50000"/>
-                  </a:schemeClr>
-                </a:solidFill>
-              </a:rPr>
-              <a:t>course= “Computer Science";</a:t>
-            </a:r>
-            <a:endParaRPr lang="en-US" dirty="0">
-              <a:solidFill>
-                <a:schemeClr val="accent1">
-                  <a:lumMod val="50000"/>
-                </a:schemeClr>
-              </a:solidFill>
-            </a:endParaRPr>
+              <a:t> course= “Computer Science";</a:t>
+            </a:r>
           </a:p>
           <a:p>
             <a:pPr marL="457200" lvl="1" indent="0">
@@ -13378,27 +18119,7 @@
                   </a:schemeClr>
                 </a:solidFill>
               </a:rPr>
-              <a:t>    function </a:t>
-            </a:r>
-            <a:r>
-              <a:rPr lang="en-US" dirty="0" smtClean="0">
-                <a:solidFill>
-                  <a:schemeClr val="accent1">
-                    <a:lumMod val="50000"/>
-                  </a:schemeClr>
-                </a:solidFill>
-              </a:rPr>
-              <a:t>Main() </a:t>
-            </a:r>
-            <a:r>
-              <a:rPr lang="en-US" dirty="0">
-                <a:solidFill>
-                  <a:schemeClr val="accent1">
-                    <a:lumMod val="50000"/>
-                  </a:schemeClr>
-                </a:solidFill>
-              </a:rPr>
-              <a:t>{</a:t>
+              <a:t>    function Main() {</a:t>
             </a:r>
           </a:p>
           <a:p>
@@ -13433,17 +18154,7 @@
                   </a:schemeClr>
                 </a:solidFill>
               </a:rPr>
-              <a:t> subject= “Software Paradigm</a:t>
-            </a:r>
-            <a:r>
-              <a:rPr lang="en-US" dirty="0" smtClean="0">
-                <a:solidFill>
-                  <a:schemeClr val="accent1">
-                    <a:lumMod val="50000"/>
-                  </a:schemeClr>
-                </a:solidFill>
-              </a:rPr>
-              <a:t>";</a:t>
+              <a:t> subject= “Software Paradigm";</a:t>
             </a:r>
           </a:p>
           <a:p>
@@ -13451,7 +18162,7 @@
               <a:buNone/>
             </a:pPr>
             <a:r>
-              <a:rPr lang="en-US" dirty="0" smtClean="0">
+              <a:rPr lang="en-US" dirty="0">
                 <a:solidFill>
                   <a:schemeClr val="accent1">
                     <a:lumMod val="50000"/>
@@ -13466,16 +18177,6 @@
               <a:buNone/>
             </a:pPr>
             <a:r>
-              <a:rPr lang="en-US" dirty="0" smtClean="0">
-                <a:solidFill>
-                  <a:schemeClr val="accent1">
-                    <a:lumMod val="50000"/>
-                  </a:schemeClr>
-                </a:solidFill>
-              </a:rPr>
-              <a:t>  	Console.log(course</a:t>
-            </a:r>
-            <a:r>
               <a:rPr lang="en-US" dirty="0">
                 <a:solidFill>
                   <a:schemeClr val="accent1">
@@ -13483,7 +18184,7 @@
                   </a:schemeClr>
                 </a:solidFill>
               </a:rPr>
-              <a:t>);</a:t>
+              <a:t>  	Console.log(course);</a:t>
             </a:r>
           </a:p>
           <a:p>
@@ -13491,7 +18192,7 @@
               <a:buNone/>
             </a:pPr>
             <a:r>
-              <a:rPr lang="en-US" dirty="0" smtClean="0">
+              <a:rPr lang="en-US" dirty="0">
                 <a:solidFill>
                   <a:schemeClr val="accent1">
                     <a:lumMod val="50000"/>
@@ -13500,20 +18201,13 @@
               </a:rPr>
               <a:t>	Console.log(subject);</a:t>
             </a:r>
-            <a:endParaRPr lang="en-US" dirty="0">
-              <a:solidFill>
-                <a:schemeClr val="accent1">
-                  <a:lumMod val="50000"/>
-                </a:schemeClr>
-              </a:solidFill>
-            </a:endParaRPr>
           </a:p>
           <a:p>
             <a:pPr marL="457200" lvl="1" indent="0">
               <a:buNone/>
             </a:pPr>
             <a:r>
-              <a:rPr lang="en-US" dirty="0" smtClean="0">
+              <a:rPr lang="en-US" dirty="0">
                 <a:solidFill>
                   <a:schemeClr val="accent1">
                     <a:lumMod val="50000"/>
@@ -13527,7 +18221,7 @@
             <a:pPr marL="457200" lvl="1" indent="0">
               <a:buNone/>
             </a:pPr>
-            <a:endParaRPr lang="en-US" dirty="0" smtClean="0">
+            <a:endParaRPr lang="en-US" dirty="0">
               <a:solidFill>
                 <a:schemeClr val="accent1">
                   <a:lumMod val="50000"/>
@@ -13562,20 +18256,10 @@
                   </a:schemeClr>
                 </a:solidFill>
               </a:rPr>
-              <a:t>Console.log(subject</a:t>
-            </a:r>
-            <a:r>
-              <a:rPr lang="en-US" dirty="0" smtClean="0">
-                <a:solidFill>
-                  <a:schemeClr val="accent1">
-                    <a:lumMod val="50000"/>
-                  </a:schemeClr>
-                </a:solidFill>
-              </a:rPr>
-              <a:t>);</a:t>
-            </a:r>
-            <a:r>
-              <a:rPr lang="en-US" b="1" dirty="0" smtClean="0">
+              <a:t>Console.log(subject);</a:t>
+            </a:r>
+            <a:r>
+              <a:rPr lang="en-US" b="1" dirty="0">
                 <a:solidFill>
                   <a:schemeClr val="accent1">
                     <a:lumMod val="50000"/>
@@ -13589,7 +18273,7 @@
             <a:pPr marL="457200" lvl="1" indent="0">
               <a:buNone/>
             </a:pPr>
-            <a:endParaRPr lang="en-US" dirty="0" smtClean="0">
+            <a:endParaRPr lang="en-US" dirty="0">
               <a:solidFill>
                 <a:schemeClr val="accent1">
                   <a:lumMod val="50000"/>
@@ -13602,11 +18286,11 @@
               <a:buNone/>
             </a:pPr>
             <a:r>
-              <a:rPr lang="en-US" b="1" dirty="0" smtClean="0"/>
+              <a:rPr lang="en-US" b="1" dirty="0"/>
               <a:t>course</a:t>
             </a:r>
             <a:r>
-              <a:rPr lang="en-US" dirty="0" smtClean="0"/>
+              <a:rPr lang="en-US" dirty="0"/>
               <a:t>: Global scoped</a:t>
             </a:r>
           </a:p>
@@ -13616,17 +18300,12 @@
             </a:pPr>
             <a:r>
               <a:rPr lang="en-US" b="1" dirty="0"/>
-              <a:t>s</a:t>
-            </a:r>
-            <a:r>
-              <a:rPr lang="en-US" b="1" dirty="0" smtClean="0"/>
-              <a:t>ubject</a:t>
-            </a:r>
-            <a:r>
-              <a:rPr lang="en-US" dirty="0" smtClean="0"/>
+              <a:t>subject</a:t>
+            </a:r>
+            <a:r>
+              <a:rPr lang="en-US" dirty="0"/>
               <a:t>: Function scoped</a:t>
             </a:r>
-            <a:endParaRPr lang="en-US" dirty="0"/>
           </a:p>
         </p:txBody>
       </p:sp>
@@ -13640,13 +18319,6 @@
   <p:clrMapOvr>
     <a:masterClrMapping/>
   </p:clrMapOvr>
-  <p:timing>
-    <p:tnLst>
-      <p:par>
-        <p:cTn id="1" dur="indefinite" restart="never" nodeType="tmRoot"/>
-      </p:par>
-    </p:tnLst>
-  </p:timing>
 </p:sld>
 </file>
 
@@ -13904,4 +18576,299 @@
     </a:ext>
   </a:extLst>
 </a:theme>
+</file>
+
+<file path=ppt/theme/theme2.xml><?xml version="1.0" encoding="utf-8"?>
+<a:theme xmlns:a="http://schemas.openxmlformats.org/drawingml/2006/main" name="Office Theme">
+  <a:themeElements>
+    <a:clrScheme name="Office">
+      <a:dk1>
+        <a:sysClr val="windowText" lastClr="000000"/>
+      </a:dk1>
+      <a:lt1>
+        <a:sysClr val="window" lastClr="FFFFFF"/>
+      </a:lt1>
+      <a:dk2>
+        <a:srgbClr val="44546A"/>
+      </a:dk2>
+      <a:lt2>
+        <a:srgbClr val="E7E6E6"/>
+      </a:lt2>
+      <a:accent1>
+        <a:srgbClr val="4472C4"/>
+      </a:accent1>
+      <a:accent2>
+        <a:srgbClr val="ED7D31"/>
+      </a:accent2>
+      <a:accent3>
+        <a:srgbClr val="A5A5A5"/>
+      </a:accent3>
+      <a:accent4>
+        <a:srgbClr val="FFC000"/>
+      </a:accent4>
+      <a:accent5>
+        <a:srgbClr val="5B9BD5"/>
+      </a:accent5>
+      <a:accent6>
+        <a:srgbClr val="70AD47"/>
+      </a:accent6>
+      <a:hlink>
+        <a:srgbClr val="0563C1"/>
+      </a:hlink>
+      <a:folHlink>
+        <a:srgbClr val="954F72"/>
+      </a:folHlink>
+    </a:clrScheme>
+    <a:fontScheme name="Office">
+      <a:majorFont>
+        <a:latin typeface="Calibri Light" panose="020F0302020204030204"/>
+        <a:ea typeface=""/>
+        <a:cs typeface=""/>
+        <a:font script="Jpan" typeface="游ゴシック Light"/>
+        <a:font script="Hang" typeface="맑은 고딕"/>
+        <a:font script="Hans" typeface="等线 Light"/>
+        <a:font script="Hant" typeface="新細明體"/>
+        <a:font script="Arab" typeface="Times New Roman"/>
+        <a:font script="Hebr" typeface="Times New Roman"/>
+        <a:font script="Thai" typeface="Angsana New"/>
+        <a:font script="Ethi" typeface="Nyala"/>
+        <a:font script="Beng" typeface="Vrinda"/>
+        <a:font script="Gujr" typeface="Shruti"/>
+        <a:font script="Khmr" typeface="MoolBoran"/>
+        <a:font script="Knda" typeface="Tunga"/>
+        <a:font script="Guru" typeface="Raavi"/>
+        <a:font script="Cans" typeface="Euphemia"/>
+        <a:font script="Cher" typeface="Plantagenet Cherokee"/>
+        <a:font script="Yiii" typeface="Microsoft Yi Baiti"/>
+        <a:font script="Tibt" typeface="Microsoft Himalaya"/>
+        <a:font script="Thaa" typeface="MV Boli"/>
+        <a:font script="Deva" typeface="Mangal"/>
+        <a:font script="Telu" typeface="Gautami"/>
+        <a:font script="Taml" typeface="Latha"/>
+        <a:font script="Syrc" typeface="Estrangelo Edessa"/>
+        <a:font script="Orya" typeface="Kalinga"/>
+        <a:font script="Mlym" typeface="Kartika"/>
+        <a:font script="Laoo" typeface="DokChampa"/>
+        <a:font script="Sinh" typeface="Iskoola Pota"/>
+        <a:font script="Mong" typeface="Mongolian Baiti"/>
+        <a:font script="Viet" typeface="Times New Roman"/>
+        <a:font script="Uigh" typeface="Microsoft Uighur"/>
+        <a:font script="Geor" typeface="Sylfaen"/>
+        <a:font script="Armn" typeface="Arial"/>
+        <a:font script="Bugi" typeface="Leelawadee UI"/>
+        <a:font script="Bopo" typeface="Microsoft JhengHei"/>
+        <a:font script="Java" typeface="Javanese Text"/>
+        <a:font script="Lisu" typeface="Segoe UI"/>
+        <a:font script="Mymr" typeface="Myanmar Text"/>
+        <a:font script="Nkoo" typeface="Ebrima"/>
+        <a:font script="Olck" typeface="Nirmala UI"/>
+        <a:font script="Osma" typeface="Ebrima"/>
+        <a:font script="Phag" typeface="Phagspa"/>
+        <a:font script="Syrn" typeface="Estrangelo Edessa"/>
+        <a:font script="Syrj" typeface="Estrangelo Edessa"/>
+        <a:font script="Syre" typeface="Estrangelo Edessa"/>
+        <a:font script="Sora" typeface="Nirmala UI"/>
+        <a:font script="Tale" typeface="Microsoft Tai Le"/>
+        <a:font script="Talu" typeface="Microsoft New Tai Lue"/>
+        <a:font script="Tfng" typeface="Ebrima"/>
+      </a:majorFont>
+      <a:minorFont>
+        <a:latin typeface="Calibri" panose="020F0502020204030204"/>
+        <a:ea typeface=""/>
+        <a:cs typeface=""/>
+        <a:font script="Jpan" typeface="游ゴシック"/>
+        <a:font script="Hang" typeface="맑은 고딕"/>
+        <a:font script="Hans" typeface="等线"/>
+        <a:font script="Hant" typeface="新細明體"/>
+        <a:font script="Arab" typeface="Arial"/>
+        <a:font script="Hebr" typeface="Arial"/>
+        <a:font script="Thai" typeface="Cordia New"/>
+        <a:font script="Ethi" typeface="Nyala"/>
+        <a:font script="Beng" typeface="Vrinda"/>
+        <a:font script="Gujr" typeface="Shruti"/>
+        <a:font script="Khmr" typeface="DaunPenh"/>
+        <a:font script="Knda" typeface="Tunga"/>
+        <a:font script="Guru" typeface="Raavi"/>
+        <a:font script="Cans" typeface="Euphemia"/>
+        <a:font script="Cher" typeface="Plantagenet Cherokee"/>
+        <a:font script="Yiii" typeface="Microsoft Yi Baiti"/>
+        <a:font script="Tibt" typeface="Microsoft Himalaya"/>
+        <a:font script="Thaa" typeface="MV Boli"/>
+        <a:font script="Deva" typeface="Mangal"/>
+        <a:font script="Telu" typeface="Gautami"/>
+        <a:font script="Taml" typeface="Latha"/>
+        <a:font script="Syrc" typeface="Estrangelo Edessa"/>
+        <a:font script="Orya" typeface="Kalinga"/>
+        <a:font script="Mlym" typeface="Kartika"/>
+        <a:font script="Laoo" typeface="DokChampa"/>
+        <a:font script="Sinh" typeface="Iskoola Pota"/>
+        <a:font script="Mong" typeface="Mongolian Baiti"/>
+        <a:font script="Viet" typeface="Arial"/>
+        <a:font script="Uigh" typeface="Microsoft Uighur"/>
+        <a:font script="Geor" typeface="Sylfaen"/>
+        <a:font script="Armn" typeface="Arial"/>
+        <a:font script="Bugi" typeface="Leelawadee UI"/>
+        <a:font script="Bopo" typeface="Microsoft JhengHei"/>
+        <a:font script="Java" typeface="Javanese Text"/>
+        <a:font script="Lisu" typeface="Segoe UI"/>
+        <a:font script="Mymr" typeface="Myanmar Text"/>
+        <a:font script="Nkoo" typeface="Ebrima"/>
+        <a:font script="Olck" typeface="Nirmala UI"/>
+        <a:font script="Osma" typeface="Ebrima"/>
+        <a:font script="Phag" typeface="Phagspa"/>
+        <a:font script="Syrn" typeface="Estrangelo Edessa"/>
+        <a:font script="Syrj" typeface="Estrangelo Edessa"/>
+        <a:font script="Syre" typeface="Estrangelo Edessa"/>
+        <a:font script="Sora" typeface="Nirmala UI"/>
+        <a:font script="Tale" typeface="Microsoft Tai Le"/>
+        <a:font script="Talu" typeface="Microsoft New Tai Lue"/>
+        <a:font script="Tfng" typeface="Ebrima"/>
+      </a:minorFont>
+    </a:fontScheme>
+    <a:fmtScheme name="Office">
+      <a:fillStyleLst>
+        <a:solidFill>
+          <a:schemeClr val="phClr"/>
+        </a:solidFill>
+        <a:gradFill rotWithShape="1">
+          <a:gsLst>
+            <a:gs pos="0">
+              <a:schemeClr val="phClr">
+                <a:lumMod val="110000"/>
+                <a:satMod val="105000"/>
+                <a:tint val="67000"/>
+              </a:schemeClr>
+            </a:gs>
+            <a:gs pos="50000">
+              <a:schemeClr val="phClr">
+                <a:lumMod val="105000"/>
+                <a:satMod val="103000"/>
+                <a:tint val="73000"/>
+              </a:schemeClr>
+            </a:gs>
+            <a:gs pos="100000">
+              <a:schemeClr val="phClr">
+                <a:lumMod val="105000"/>
+                <a:satMod val="109000"/>
+                <a:tint val="81000"/>
+              </a:schemeClr>
+            </a:gs>
+          </a:gsLst>
+          <a:lin ang="5400000" scaled="0"/>
+        </a:gradFill>
+        <a:gradFill rotWithShape="1">
+          <a:gsLst>
+            <a:gs pos="0">
+              <a:schemeClr val="phClr">
+                <a:satMod val="103000"/>
+                <a:lumMod val="102000"/>
+                <a:tint val="94000"/>
+              </a:schemeClr>
+            </a:gs>
+            <a:gs pos="50000">
+              <a:schemeClr val="phClr">
+                <a:satMod val="110000"/>
+                <a:lumMod val="100000"/>
+                <a:shade val="100000"/>
+              </a:schemeClr>
+            </a:gs>
+            <a:gs pos="100000">
+              <a:schemeClr val="phClr">
+                <a:lumMod val="99000"/>
+                <a:satMod val="120000"/>
+                <a:shade val="78000"/>
+              </a:schemeClr>
+            </a:gs>
+          </a:gsLst>
+          <a:lin ang="5400000" scaled="0"/>
+        </a:gradFill>
+      </a:fillStyleLst>
+      <a:lnStyleLst>
+        <a:ln w="6350" cap="flat" cmpd="sng" algn="ctr">
+          <a:solidFill>
+            <a:schemeClr val="phClr"/>
+          </a:solidFill>
+          <a:prstDash val="solid"/>
+          <a:miter lim="800000"/>
+        </a:ln>
+        <a:ln w="12700" cap="flat" cmpd="sng" algn="ctr">
+          <a:solidFill>
+            <a:schemeClr val="phClr"/>
+          </a:solidFill>
+          <a:prstDash val="solid"/>
+          <a:miter lim="800000"/>
+        </a:ln>
+        <a:ln w="19050" cap="flat" cmpd="sng" algn="ctr">
+          <a:solidFill>
+            <a:schemeClr val="phClr"/>
+          </a:solidFill>
+          <a:prstDash val="solid"/>
+          <a:miter lim="800000"/>
+        </a:ln>
+      </a:lnStyleLst>
+      <a:effectStyleLst>
+        <a:effectStyle>
+          <a:effectLst/>
+        </a:effectStyle>
+        <a:effectStyle>
+          <a:effectLst/>
+        </a:effectStyle>
+        <a:effectStyle>
+          <a:effectLst>
+            <a:outerShdw blurRad="57150" dist="19050" dir="5400000" algn="ctr" rotWithShape="0">
+              <a:srgbClr val="000000">
+                <a:alpha val="63000"/>
+              </a:srgbClr>
+            </a:outerShdw>
+          </a:effectLst>
+        </a:effectStyle>
+      </a:effectStyleLst>
+      <a:bgFillStyleLst>
+        <a:solidFill>
+          <a:schemeClr val="phClr"/>
+        </a:solidFill>
+        <a:solidFill>
+          <a:schemeClr val="phClr">
+            <a:tint val="95000"/>
+            <a:satMod val="170000"/>
+          </a:schemeClr>
+        </a:solidFill>
+        <a:gradFill rotWithShape="1">
+          <a:gsLst>
+            <a:gs pos="0">
+              <a:schemeClr val="phClr">
+                <a:tint val="93000"/>
+                <a:satMod val="150000"/>
+                <a:shade val="98000"/>
+                <a:lumMod val="102000"/>
+              </a:schemeClr>
+            </a:gs>
+            <a:gs pos="50000">
+              <a:schemeClr val="phClr">
+                <a:tint val="98000"/>
+                <a:satMod val="130000"/>
+                <a:shade val="90000"/>
+                <a:lumMod val="103000"/>
+              </a:schemeClr>
+            </a:gs>
+            <a:gs pos="100000">
+              <a:schemeClr val="phClr">
+                <a:shade val="63000"/>
+                <a:satMod val="120000"/>
+              </a:schemeClr>
+            </a:gs>
+          </a:gsLst>
+          <a:lin ang="5400000" scaled="0"/>
+        </a:gradFill>
+      </a:bgFillStyleLst>
+    </a:fmtScheme>
+  </a:themeElements>
+  <a:objectDefaults/>
+  <a:extraClrSchemeLst/>
+  <a:extLst>
+    <a:ext uri="{05A4C25C-085E-4340-85A3-A5531E510DB2}">
+      <thm15:themeFamily xmlns:thm15="http://schemas.microsoft.com/office/thememl/2012/main" name="Office Theme" id="{62F939B6-93AF-4DB8-9C6B-D6C7DFDC589F}" vid="{4A3C46E8-61CC-4603-A589-7422A47A8E4A}"/>
+    </a:ext>
+  </a:extLst>
+</a:theme>
 </file>
--- a/PPT/Group02-Component1.pptx
+++ b/PPT/Group02-Component1.pptx
@@ -5,7 +5,7 @@
     <p:sldMasterId id="2147483940" r:id="rId1"/>
   </p:sldMasterIdLst>
   <p:notesMasterIdLst>
-    <p:notesMasterId r:id="rId32"/>
+    <p:notesMasterId r:id="rId33"/>
   </p:notesMasterIdLst>
   <p:sldIdLst>
     <p:sldId id="256" r:id="rId2"/>
@@ -38,6 +38,7 @@
     <p:sldId id="280" r:id="rId29"/>
     <p:sldId id="281" r:id="rId30"/>
     <p:sldId id="285" r:id="rId31"/>
+    <p:sldId id="286" r:id="rId32"/>
   </p:sldIdLst>
   <p:sldSz cx="12192000" cy="6858000"/>
   <p:notesSz cx="6858000" cy="9144000"/>
@@ -226,7 +227,7 @@
           <a:p>
             <a:fld id="{D28E9EB5-E6F1-9949-968C-AFC4FA3706D3}" type="datetimeFigureOut">
               <a:rPr lang="en-US" smtClean="0"/>
-              <a:t>9/21/21</a:t>
+              <a:t>9/26/21</a:t>
             </a:fld>
             <a:endParaRPr lang="en-US"/>
           </a:p>
@@ -1087,7 +1088,7 @@
           <a:p>
             <a:fld id="{F39BF11B-9B73-4D1C-AB07-019A5A0AA27F}" type="datetimeFigureOut">
               <a:rPr lang="en-US" smtClean="0"/>
-              <a:t>9/21/21</a:t>
+              <a:t>9/26/21</a:t>
             </a:fld>
             <a:endParaRPr lang="en-US"/>
           </a:p>
@@ -1388,7 +1389,7 @@
           <a:p>
             <a:fld id="{F39BF11B-9B73-4D1C-AB07-019A5A0AA27F}" type="datetimeFigureOut">
               <a:rPr lang="en-US" smtClean="0"/>
-              <a:t>9/21/21</a:t>
+              <a:t>9/26/21</a:t>
             </a:fld>
             <a:endParaRPr lang="en-US"/>
           </a:p>
@@ -1636,7 +1637,7 @@
           <a:p>
             <a:fld id="{F39BF11B-9B73-4D1C-AB07-019A5A0AA27F}" type="datetimeFigureOut">
               <a:rPr lang="en-US" smtClean="0"/>
-              <a:t>9/21/21</a:t>
+              <a:t>9/26/21</a:t>
             </a:fld>
             <a:endParaRPr lang="en-US"/>
           </a:p>
@@ -2176,7 +2177,7 @@
           <a:p>
             <a:fld id="{F39BF11B-9B73-4D1C-AB07-019A5A0AA27F}" type="datetimeFigureOut">
               <a:rPr lang="en-US" smtClean="0"/>
-              <a:t>9/21/21</a:t>
+              <a:t>9/26/21</a:t>
             </a:fld>
             <a:endParaRPr lang="en-US"/>
           </a:p>
@@ -2424,7 +2425,7 @@
           <a:p>
             <a:fld id="{F39BF11B-9B73-4D1C-AB07-019A5A0AA27F}" type="datetimeFigureOut">
               <a:rPr lang="en-US" smtClean="0"/>
-              <a:t>9/21/21</a:t>
+              <a:t>9/26/21</a:t>
             </a:fld>
             <a:endParaRPr lang="en-US"/>
           </a:p>
@@ -2956,7 +2957,7 @@
           <a:p>
             <a:fld id="{F39BF11B-9B73-4D1C-AB07-019A5A0AA27F}" type="datetimeFigureOut">
               <a:rPr lang="en-US" smtClean="0"/>
-              <a:t>9/21/21</a:t>
+              <a:t>9/26/21</a:t>
             </a:fld>
             <a:endParaRPr lang="en-US"/>
           </a:p>
@@ -3253,7 +3254,7 @@
           <a:p>
             <a:fld id="{F39BF11B-9B73-4D1C-AB07-019A5A0AA27F}" type="datetimeFigureOut">
               <a:rPr lang="en-US" smtClean="0"/>
-              <a:t>9/21/21</a:t>
+              <a:t>9/26/21</a:t>
             </a:fld>
             <a:endParaRPr lang="en-US"/>
           </a:p>
@@ -3427,7 +3428,7 @@
           <a:p>
             <a:fld id="{F39BF11B-9B73-4D1C-AB07-019A5A0AA27F}" type="datetimeFigureOut">
               <a:rPr lang="en-US" smtClean="0"/>
-              <a:t>9/21/21</a:t>
+              <a:t>9/26/21</a:t>
             </a:fld>
             <a:endParaRPr lang="en-US"/>
           </a:p>
@@ -3607,7 +3608,7 @@
           <a:p>
             <a:fld id="{F39BF11B-9B73-4D1C-AB07-019A5A0AA27F}" type="datetimeFigureOut">
               <a:rPr lang="en-US" smtClean="0"/>
-              <a:t>9/21/21</a:t>
+              <a:t>9/26/21</a:t>
             </a:fld>
             <a:endParaRPr lang="en-US"/>
           </a:p>
@@ -3782,7 +3783,7 @@
           <a:p>
             <a:fld id="{F39BF11B-9B73-4D1C-AB07-019A5A0AA27F}" type="datetimeFigureOut">
               <a:rPr lang="en-US" smtClean="0"/>
-              <a:t>9/21/21</a:t>
+              <a:t>9/26/21</a:t>
             </a:fld>
             <a:endParaRPr lang="en-US"/>
           </a:p>
@@ -4033,7 +4034,7 @@
           <a:p>
             <a:fld id="{F39BF11B-9B73-4D1C-AB07-019A5A0AA27F}" type="datetimeFigureOut">
               <a:rPr lang="en-US" smtClean="0"/>
-              <a:t>9/21/21</a:t>
+              <a:t>9/26/21</a:t>
             </a:fld>
             <a:endParaRPr lang="en-US"/>
           </a:p>
@@ -4335,7 +4336,7 @@
           <a:p>
             <a:fld id="{F39BF11B-9B73-4D1C-AB07-019A5A0AA27F}" type="datetimeFigureOut">
               <a:rPr lang="en-US" smtClean="0"/>
-              <a:t>9/21/21</a:t>
+              <a:t>9/26/21</a:t>
             </a:fld>
             <a:endParaRPr lang="en-US"/>
           </a:p>
@@ -4782,7 +4783,7 @@
           <a:p>
             <a:fld id="{F39BF11B-9B73-4D1C-AB07-019A5A0AA27F}" type="datetimeFigureOut">
               <a:rPr lang="en-US" smtClean="0"/>
-              <a:t>9/21/21</a:t>
+              <a:t>9/26/21</a:t>
             </a:fld>
             <a:endParaRPr lang="en-US"/>
           </a:p>
@@ -4905,7 +4906,7 @@
           <a:p>
             <a:fld id="{F39BF11B-9B73-4D1C-AB07-019A5A0AA27F}" type="datetimeFigureOut">
               <a:rPr lang="en-US" smtClean="0"/>
-              <a:t>9/21/21</a:t>
+              <a:t>9/26/21</a:t>
             </a:fld>
             <a:endParaRPr lang="en-US"/>
           </a:p>
@@ -5000,7 +5001,7 @@
           <a:p>
             <a:fld id="{F39BF11B-9B73-4D1C-AB07-019A5A0AA27F}" type="datetimeFigureOut">
               <a:rPr lang="en-US" smtClean="0"/>
-              <a:t>9/21/21</a:t>
+              <a:t>9/26/21</a:t>
             </a:fld>
             <a:endParaRPr lang="en-US"/>
           </a:p>
@@ -5283,7 +5284,7 @@
           <a:p>
             <a:fld id="{F39BF11B-9B73-4D1C-AB07-019A5A0AA27F}" type="datetimeFigureOut">
               <a:rPr lang="en-US" smtClean="0"/>
-              <a:t>9/21/21</a:t>
+              <a:t>9/26/21</a:t>
             </a:fld>
             <a:endParaRPr lang="en-US"/>
           </a:p>
@@ -5579,7 +5580,7 @@
           <a:p>
             <a:fld id="{F39BF11B-9B73-4D1C-AB07-019A5A0AA27F}" type="datetimeFigureOut">
               <a:rPr lang="en-US" smtClean="0"/>
-              <a:t>9/21/21</a:t>
+              <a:t>9/26/21</a:t>
             </a:fld>
             <a:endParaRPr lang="en-US"/>
           </a:p>
@@ -6109,7 +6110,7 @@
           <a:p>
             <a:fld id="{F39BF11B-9B73-4D1C-AB07-019A5A0AA27F}" type="datetimeFigureOut">
               <a:rPr lang="en-US" smtClean="0"/>
-              <a:t>9/21/21</a:t>
+              <a:t>9/26/21</a:t>
             </a:fld>
             <a:endParaRPr lang="en-US"/>
           </a:p>
@@ -16566,6 +16567,125 @@
 </p:sld>
 </file>
 
+<file path=ppt/slides/slide31.xml><?xml version="1.0" encoding="utf-8"?>
+<p:sld xmlns:a="http://schemas.openxmlformats.org/drawingml/2006/main" xmlns:r="http://schemas.openxmlformats.org/officeDocument/2006/relationships" xmlns:p="http://schemas.openxmlformats.org/presentationml/2006/main">
+  <p:cSld>
+    <p:spTree>
+      <p:nvGrpSpPr>
+        <p:cNvPr id="1" name=""/>
+        <p:cNvGrpSpPr/>
+        <p:nvPr/>
+      </p:nvGrpSpPr>
+      <p:grpSpPr>
+        <a:xfrm>
+          <a:off x="0" y="0"/>
+          <a:ext cx="0" cy="0"/>
+          <a:chOff x="0" y="0"/>
+          <a:chExt cx="0" cy="0"/>
+        </a:xfrm>
+      </p:grpSpPr>
+      <p:sp>
+        <p:nvSpPr>
+          <p:cNvPr id="2" name="Title 1">
+            <a:extLst>
+              <a:ext uri="{FF2B5EF4-FFF2-40B4-BE49-F238E27FC236}">
+                <a16:creationId xmlns:a16="http://schemas.microsoft.com/office/drawing/2014/main" id="{9DBC78A4-3799-2C4E-AC86-A301ADFE7F98}"/>
+              </a:ext>
+            </a:extLst>
+          </p:cNvPr>
+          <p:cNvSpPr>
+            <a:spLocks noGrp="1"/>
+          </p:cNvSpPr>
+          <p:nvPr>
+            <p:ph type="title"/>
+          </p:nvPr>
+        </p:nvSpPr>
+        <p:spPr>
+          <a:xfrm>
+            <a:off x="1484310" y="622006"/>
+            <a:ext cx="10018713" cy="1036673"/>
+          </a:xfrm>
+        </p:spPr>
+        <p:txBody>
+          <a:bodyPr/>
+          <a:lstStyle/>
+          <a:p>
+            <a:r>
+              <a:rPr lang="en-US" dirty="0"/>
+              <a:t>Concurrency</a:t>
+            </a:r>
+          </a:p>
+        </p:txBody>
+      </p:sp>
+      <p:sp>
+        <p:nvSpPr>
+          <p:cNvPr id="3" name="Content Placeholder 2">
+            <a:extLst>
+              <a:ext uri="{FF2B5EF4-FFF2-40B4-BE49-F238E27FC236}">
+                <a16:creationId xmlns:a16="http://schemas.microsoft.com/office/drawing/2014/main" id="{99B02452-90E9-474D-9F4E-672C1FFA2208}"/>
+              </a:ext>
+            </a:extLst>
+          </p:cNvPr>
+          <p:cNvSpPr>
+            <a:spLocks noGrp="1"/>
+          </p:cNvSpPr>
+          <p:nvPr>
+            <p:ph idx="1"/>
+          </p:nvPr>
+        </p:nvSpPr>
+        <p:spPr>
+          <a:xfrm>
+            <a:off x="1484310" y="1871331"/>
+            <a:ext cx="10018713" cy="3919870"/>
+          </a:xfrm>
+        </p:spPr>
+        <p:txBody>
+          <a:bodyPr>
+            <a:normAutofit/>
+          </a:bodyPr>
+          <a:lstStyle/>
+          <a:p>
+            <a:r>
+              <a:rPr lang="en-US" sz="1800" dirty="0"/>
+              <a:t>Running of Multiple Applications</a:t>
+            </a:r>
+          </a:p>
+          <a:p>
+            <a:r>
+              <a:rPr lang="en-US" sz="1800" dirty="0"/>
+              <a:t>Better Resource Utilization</a:t>
+            </a:r>
+          </a:p>
+          <a:p>
+            <a:r>
+              <a:rPr lang="en-US" sz="1800" dirty="0"/>
+              <a:t>Better Average Response Time</a:t>
+            </a:r>
+          </a:p>
+          <a:p>
+            <a:r>
+              <a:rPr lang="en-US" sz="1800" dirty="0"/>
+              <a:t>Better Performance</a:t>
+            </a:r>
+          </a:p>
+          <a:p>
+            <a:endParaRPr lang="en-US" sz="1800" dirty="0"/>
+          </a:p>
+        </p:txBody>
+      </p:sp>
+    </p:spTree>
+    <p:extLst>
+      <p:ext uri="{BB962C8B-B14F-4D97-AF65-F5344CB8AC3E}">
+        <p14:creationId xmlns:p14="http://schemas.microsoft.com/office/powerpoint/2010/main" val="697239564"/>
+      </p:ext>
+    </p:extLst>
+  </p:cSld>
+  <p:clrMapOvr>
+    <a:masterClrMapping/>
+  </p:clrMapOvr>
+</p:sld>
+</file>
+
 <file path=ppt/slides/slide4.xml><?xml version="1.0" encoding="utf-8"?>
 <p:sld xmlns:a="http://schemas.openxmlformats.org/drawingml/2006/main" xmlns:r="http://schemas.openxmlformats.org/officeDocument/2006/relationships" xmlns:p="http://schemas.openxmlformats.org/presentationml/2006/main">
   <p:cSld>

--- a/PPT/Group02-Component1.pptx
+++ b/PPT/Group02-Component1.pptx
@@ -227,7 +227,7 @@
           <a:p>
             <a:fld id="{D28E9EB5-E6F1-9949-968C-AFC4FA3706D3}" type="datetimeFigureOut">
               <a:rPr lang="en-US" smtClean="0"/>
-              <a:t>9/26/21</a:t>
+              <a:t>9/27/21</a:t>
             </a:fld>
             <a:endParaRPr lang="en-US"/>
           </a:p>
@@ -1088,7 +1088,7 @@
           <a:p>
             <a:fld id="{F39BF11B-9B73-4D1C-AB07-019A5A0AA27F}" type="datetimeFigureOut">
               <a:rPr lang="en-US" smtClean="0"/>
-              <a:t>9/26/21</a:t>
+              <a:t>9/27/21</a:t>
             </a:fld>
             <a:endParaRPr lang="en-US"/>
           </a:p>
@@ -1389,7 +1389,7 @@
           <a:p>
             <a:fld id="{F39BF11B-9B73-4D1C-AB07-019A5A0AA27F}" type="datetimeFigureOut">
               <a:rPr lang="en-US" smtClean="0"/>
-              <a:t>9/26/21</a:t>
+              <a:t>9/27/21</a:t>
             </a:fld>
             <a:endParaRPr lang="en-US"/>
           </a:p>
@@ -1637,7 +1637,7 @@
           <a:p>
             <a:fld id="{F39BF11B-9B73-4D1C-AB07-019A5A0AA27F}" type="datetimeFigureOut">
               <a:rPr lang="en-US" smtClean="0"/>
-              <a:t>9/26/21</a:t>
+              <a:t>9/27/21</a:t>
             </a:fld>
             <a:endParaRPr lang="en-US"/>
           </a:p>
@@ -2177,7 +2177,7 @@
           <a:p>
             <a:fld id="{F39BF11B-9B73-4D1C-AB07-019A5A0AA27F}" type="datetimeFigureOut">
               <a:rPr lang="en-US" smtClean="0"/>
-              <a:t>9/26/21</a:t>
+              <a:t>9/27/21</a:t>
             </a:fld>
             <a:endParaRPr lang="en-US"/>
           </a:p>
@@ -2425,7 +2425,7 @@
           <a:p>
             <a:fld id="{F39BF11B-9B73-4D1C-AB07-019A5A0AA27F}" type="datetimeFigureOut">
               <a:rPr lang="en-US" smtClean="0"/>
-              <a:t>9/26/21</a:t>
+              <a:t>9/27/21</a:t>
             </a:fld>
             <a:endParaRPr lang="en-US"/>
           </a:p>
@@ -2957,7 +2957,7 @@
           <a:p>
             <a:fld id="{F39BF11B-9B73-4D1C-AB07-019A5A0AA27F}" type="datetimeFigureOut">
               <a:rPr lang="en-US" smtClean="0"/>
-              <a:t>9/26/21</a:t>
+              <a:t>9/27/21</a:t>
             </a:fld>
             <a:endParaRPr lang="en-US"/>
           </a:p>
@@ -3254,7 +3254,7 @@
           <a:p>
             <a:fld id="{F39BF11B-9B73-4D1C-AB07-019A5A0AA27F}" type="datetimeFigureOut">
               <a:rPr lang="en-US" smtClean="0"/>
-              <a:t>9/26/21</a:t>
+              <a:t>9/27/21</a:t>
             </a:fld>
             <a:endParaRPr lang="en-US"/>
           </a:p>
@@ -3428,7 +3428,7 @@
           <a:p>
             <a:fld id="{F39BF11B-9B73-4D1C-AB07-019A5A0AA27F}" type="datetimeFigureOut">
               <a:rPr lang="en-US" smtClean="0"/>
-              <a:t>9/26/21</a:t>
+              <a:t>9/27/21</a:t>
             </a:fld>
             <a:endParaRPr lang="en-US"/>
           </a:p>
@@ -3608,7 +3608,7 @@
           <a:p>
             <a:fld id="{F39BF11B-9B73-4D1C-AB07-019A5A0AA27F}" type="datetimeFigureOut">
               <a:rPr lang="en-US" smtClean="0"/>
-              <a:t>9/26/21</a:t>
+              <a:t>9/27/21</a:t>
             </a:fld>
             <a:endParaRPr lang="en-US"/>
           </a:p>
@@ -3783,7 +3783,7 @@
           <a:p>
             <a:fld id="{F39BF11B-9B73-4D1C-AB07-019A5A0AA27F}" type="datetimeFigureOut">
               <a:rPr lang="en-US" smtClean="0"/>
-              <a:t>9/26/21</a:t>
+              <a:t>9/27/21</a:t>
             </a:fld>
             <a:endParaRPr lang="en-US"/>
           </a:p>
@@ -4034,7 +4034,7 @@
           <a:p>
             <a:fld id="{F39BF11B-9B73-4D1C-AB07-019A5A0AA27F}" type="datetimeFigureOut">
               <a:rPr lang="en-US" smtClean="0"/>
-              <a:t>9/26/21</a:t>
+              <a:t>9/27/21</a:t>
             </a:fld>
             <a:endParaRPr lang="en-US"/>
           </a:p>
@@ -4336,7 +4336,7 @@
           <a:p>
             <a:fld id="{F39BF11B-9B73-4D1C-AB07-019A5A0AA27F}" type="datetimeFigureOut">
               <a:rPr lang="en-US" smtClean="0"/>
-              <a:t>9/26/21</a:t>
+              <a:t>9/27/21</a:t>
             </a:fld>
             <a:endParaRPr lang="en-US"/>
           </a:p>
@@ -4783,7 +4783,7 @@
           <a:p>
             <a:fld id="{F39BF11B-9B73-4D1C-AB07-019A5A0AA27F}" type="datetimeFigureOut">
               <a:rPr lang="en-US" smtClean="0"/>
-              <a:t>9/26/21</a:t>
+              <a:t>9/27/21</a:t>
             </a:fld>
             <a:endParaRPr lang="en-US"/>
           </a:p>
@@ -4906,7 +4906,7 @@
           <a:p>
             <a:fld id="{F39BF11B-9B73-4D1C-AB07-019A5A0AA27F}" type="datetimeFigureOut">
               <a:rPr lang="en-US" smtClean="0"/>
-              <a:t>9/26/21</a:t>
+              <a:t>9/27/21</a:t>
             </a:fld>
             <a:endParaRPr lang="en-US"/>
           </a:p>
@@ -5001,7 +5001,7 @@
           <a:p>
             <a:fld id="{F39BF11B-9B73-4D1C-AB07-019A5A0AA27F}" type="datetimeFigureOut">
               <a:rPr lang="en-US" smtClean="0"/>
-              <a:t>9/26/21</a:t>
+              <a:t>9/27/21</a:t>
             </a:fld>
             <a:endParaRPr lang="en-US"/>
           </a:p>
@@ -5284,7 +5284,7 @@
           <a:p>
             <a:fld id="{F39BF11B-9B73-4D1C-AB07-019A5A0AA27F}" type="datetimeFigureOut">
               <a:rPr lang="en-US" smtClean="0"/>
-              <a:t>9/26/21</a:t>
+              <a:t>9/27/21</a:t>
             </a:fld>
             <a:endParaRPr lang="en-US"/>
           </a:p>
@@ -5580,7 +5580,7 @@
           <a:p>
             <a:fld id="{F39BF11B-9B73-4D1C-AB07-019A5A0AA27F}" type="datetimeFigureOut">
               <a:rPr lang="en-US" smtClean="0"/>
-              <a:t>9/26/21</a:t>
+              <a:t>9/27/21</a:t>
             </a:fld>
             <a:endParaRPr lang="en-US"/>
           </a:p>
@@ -6110,7 +6110,7 @@
           <a:p>
             <a:fld id="{F39BF11B-9B73-4D1C-AB07-019A5A0AA27F}" type="datetimeFigureOut">
               <a:rPr lang="en-US" smtClean="0"/>
-              <a:t>9/26/21</a:t>
+              <a:t>9/27/21</a:t>
             </a:fld>
             <a:endParaRPr lang="en-US"/>
           </a:p>
@@ -9512,8 +9512,8 @@
         </p:nvSpPr>
         <p:spPr>
           <a:xfrm>
-            <a:off x="1484310" y="330959"/>
-            <a:ext cx="10018713" cy="1757149"/>
+            <a:off x="1484310" y="154431"/>
+            <a:ext cx="10018713" cy="971748"/>
           </a:xfrm>
         </p:spPr>
         <p:txBody>
@@ -9544,7 +9544,9 @@
           </a:xfrm>
         </p:spPr>
         <p:txBody>
-          <a:bodyPr/>
+          <a:bodyPr>
+            <a:normAutofit lnSpcReduction="10000"/>
+          </a:bodyPr>
           <a:lstStyle/>
           <a:p>
             <a:r>
@@ -9580,12 +9582,34 @@
           <a:p>
             <a:r>
               <a:rPr lang="en-US" dirty="0"/>
-              <a:t>Variables in </a:t>
-            </a:r>
-            <a:r>
-              <a:rPr lang="en-US" dirty="0" err="1"/>
-              <a:t>TypeScript</a:t>
-            </a:r>
+              <a:t>Variables in TypeScript</a:t>
+            </a:r>
+          </a:p>
+          <a:p>
+            <a:r>
+              <a:rPr lang="en-US" dirty="0"/>
+              <a:t>.</a:t>
+            </a:r>
+          </a:p>
+          <a:p>
+            <a:r>
+              <a:rPr lang="en-US" dirty="0"/>
+              <a:t>Support to OO Programming</a:t>
+            </a:r>
+          </a:p>
+          <a:p>
+            <a:r>
+              <a:rPr lang="en-US" dirty="0"/>
+              <a:t>Components of TypeScript</a:t>
+            </a:r>
+          </a:p>
+          <a:p>
+            <a:r>
+              <a:rPr lang="en-US" dirty="0"/>
+              <a:t>Concurrency</a:t>
+            </a:r>
+          </a:p>
+          <a:p>
             <a:endParaRPr lang="en-US" dirty="0"/>
           </a:p>
           <a:p>
@@ -12746,6 +12770,41 @@
           </a:prstGeom>
         </p:spPr>
       </p:pic>
+      <p:sp>
+        <p:nvSpPr>
+          <p:cNvPr id="4" name="TextBox 3">
+            <a:extLst>
+              <a:ext uri="{FF2B5EF4-FFF2-40B4-BE49-F238E27FC236}">
+                <a16:creationId xmlns:a16="http://schemas.microsoft.com/office/drawing/2014/main" id="{332040DC-98AF-914B-94C3-4130CF2AAC55}"/>
+              </a:ext>
+            </a:extLst>
+          </p:cNvPr>
+          <p:cNvSpPr txBox="1"/>
+          <p:nvPr/>
+        </p:nvSpPr>
+        <p:spPr>
+          <a:xfrm>
+            <a:off x="6263014" y="761306"/>
+            <a:ext cx="1340285" cy="369332"/>
+          </a:xfrm>
+          <a:prstGeom prst="rect">
+            <a:avLst/>
+          </a:prstGeom>
+          <a:noFill/>
+        </p:spPr>
+        <p:txBody>
+          <a:bodyPr wrap="square" rtlCol="0">
+            <a:spAutoFit/>
+          </a:bodyPr>
+          <a:lstStyle/>
+          <a:p>
+            <a:r>
+              <a:rPr lang="en-US" dirty="0"/>
+              <a:t>Example:</a:t>
+            </a:r>
+          </a:p>
+        </p:txBody>
+      </p:sp>
     </p:spTree>
     <p:extLst>
       <p:ext uri="{BB962C8B-B14F-4D97-AF65-F5344CB8AC3E}">
@@ -13853,6 +13912,41 @@
           </a:prstGeom>
         </p:spPr>
       </p:pic>
+      <p:sp>
+        <p:nvSpPr>
+          <p:cNvPr id="26" name="TextBox 25">
+            <a:extLst>
+              <a:ext uri="{FF2B5EF4-FFF2-40B4-BE49-F238E27FC236}">
+                <a16:creationId xmlns:a16="http://schemas.microsoft.com/office/drawing/2014/main" id="{CABBB748-1AD7-7342-8D2F-185A0BB5C81E}"/>
+              </a:ext>
+            </a:extLst>
+          </p:cNvPr>
+          <p:cNvSpPr txBox="1"/>
+          <p:nvPr/>
+        </p:nvSpPr>
+        <p:spPr>
+          <a:xfrm>
+            <a:off x="6263014" y="761306"/>
+            <a:ext cx="1340285" cy="369332"/>
+          </a:xfrm>
+          <a:prstGeom prst="rect">
+            <a:avLst/>
+          </a:prstGeom>
+          <a:noFill/>
+        </p:spPr>
+        <p:txBody>
+          <a:bodyPr wrap="square" rtlCol="0">
+            <a:spAutoFit/>
+          </a:bodyPr>
+          <a:lstStyle/>
+          <a:p>
+            <a:r>
+              <a:rPr lang="en-US" dirty="0"/>
+              <a:t>Example:</a:t>
+            </a:r>
+          </a:p>
+        </p:txBody>
+      </p:sp>
     </p:spTree>
     <p:extLst>
       <p:ext uri="{BB962C8B-B14F-4D97-AF65-F5344CB8AC3E}">
@@ -14949,6 +15043,41 @@
           </a:prstGeom>
         </p:spPr>
       </p:pic>
+      <p:sp>
+        <p:nvSpPr>
+          <p:cNvPr id="20" name="TextBox 19">
+            <a:extLst>
+              <a:ext uri="{FF2B5EF4-FFF2-40B4-BE49-F238E27FC236}">
+                <a16:creationId xmlns:a16="http://schemas.microsoft.com/office/drawing/2014/main" id="{42C1A88A-ABD8-8B45-9500-E551FAB8E06F}"/>
+              </a:ext>
+            </a:extLst>
+          </p:cNvPr>
+          <p:cNvSpPr txBox="1"/>
+          <p:nvPr/>
+        </p:nvSpPr>
+        <p:spPr>
+          <a:xfrm>
+            <a:off x="6263014" y="761306"/>
+            <a:ext cx="1340285" cy="369332"/>
+          </a:xfrm>
+          <a:prstGeom prst="rect">
+            <a:avLst/>
+          </a:prstGeom>
+          <a:noFill/>
+        </p:spPr>
+        <p:txBody>
+          <a:bodyPr wrap="square" rtlCol="0">
+            <a:spAutoFit/>
+          </a:bodyPr>
+          <a:lstStyle/>
+          <a:p>
+            <a:r>
+              <a:rPr lang="en-US" dirty="0"/>
+              <a:t>Example:</a:t>
+            </a:r>
+          </a:p>
+        </p:txBody>
+      </p:sp>
     </p:spTree>
     <p:extLst>
       <p:ext uri="{BB962C8B-B14F-4D97-AF65-F5344CB8AC3E}">
@@ -16048,6 +16177,41 @@
           </a:prstGeom>
         </p:spPr>
       </p:pic>
+      <p:sp>
+        <p:nvSpPr>
+          <p:cNvPr id="20" name="TextBox 19">
+            <a:extLst>
+              <a:ext uri="{FF2B5EF4-FFF2-40B4-BE49-F238E27FC236}">
+                <a16:creationId xmlns:a16="http://schemas.microsoft.com/office/drawing/2014/main" id="{0983CF5F-AED5-EA43-B332-EF09D66427D2}"/>
+              </a:ext>
+            </a:extLst>
+          </p:cNvPr>
+          <p:cNvSpPr txBox="1"/>
+          <p:nvPr/>
+        </p:nvSpPr>
+        <p:spPr>
+          <a:xfrm>
+            <a:off x="6263014" y="761306"/>
+            <a:ext cx="1340285" cy="369332"/>
+          </a:xfrm>
+          <a:prstGeom prst="rect">
+            <a:avLst/>
+          </a:prstGeom>
+          <a:noFill/>
+        </p:spPr>
+        <p:txBody>
+          <a:bodyPr wrap="square" rtlCol="0">
+            <a:spAutoFit/>
+          </a:bodyPr>
+          <a:lstStyle/>
+          <a:p>
+            <a:r>
+              <a:rPr lang="en-US" dirty="0"/>
+              <a:t>Example:</a:t>
+            </a:r>
+          </a:p>
+        </p:txBody>
+      </p:sp>
     </p:spTree>
     <p:extLst>
       <p:ext uri="{BB962C8B-B14F-4D97-AF65-F5344CB8AC3E}">
@@ -16200,7 +16364,12 @@
             <p:ph type="title"/>
           </p:nvPr>
         </p:nvSpPr>
-        <p:spPr/>
+        <p:spPr>
+          <a:xfrm>
+            <a:off x="1484310" y="548013"/>
+            <a:ext cx="10018713" cy="1752599"/>
+          </a:xfrm>
+        </p:spPr>
         <p:txBody>
           <a:bodyPr/>
           <a:lstStyle/>
@@ -16241,7 +16410,7 @@
         </p:blipFill>
         <p:spPr bwMode="auto">
           <a:xfrm>
-            <a:off x="4556123" y="2438399"/>
+            <a:off x="4556122" y="1899779"/>
             <a:ext cx="3875088" cy="4050615"/>
           </a:xfrm>
           <a:prstGeom prst="rect">

--- a/PPT/Group02-Component1.pptx
+++ b/PPT/Group02-Component1.pptx
@@ -227,7 +227,7 @@
           <a:p>
             <a:fld id="{D28E9EB5-E6F1-9949-968C-AFC4FA3706D3}" type="datetimeFigureOut">
               <a:rPr lang="en-US" smtClean="0"/>
-              <a:t>9/27/21</a:t>
+              <a:t>9/27/2021</a:t>
             </a:fld>
             <a:endParaRPr lang="en-US"/>
           </a:p>
@@ -1088,7 +1088,7 @@
           <a:p>
             <a:fld id="{F39BF11B-9B73-4D1C-AB07-019A5A0AA27F}" type="datetimeFigureOut">
               <a:rPr lang="en-US" smtClean="0"/>
-              <a:t>9/27/21</a:t>
+              <a:t>9/27/2021</a:t>
             </a:fld>
             <a:endParaRPr lang="en-US"/>
           </a:p>
@@ -1389,7 +1389,7 @@
           <a:p>
             <a:fld id="{F39BF11B-9B73-4D1C-AB07-019A5A0AA27F}" type="datetimeFigureOut">
               <a:rPr lang="en-US" smtClean="0"/>
-              <a:t>9/27/21</a:t>
+              <a:t>9/27/2021</a:t>
             </a:fld>
             <a:endParaRPr lang="en-US"/>
           </a:p>
@@ -1637,7 +1637,7 @@
           <a:p>
             <a:fld id="{F39BF11B-9B73-4D1C-AB07-019A5A0AA27F}" type="datetimeFigureOut">
               <a:rPr lang="en-US" smtClean="0"/>
-              <a:t>9/27/21</a:t>
+              <a:t>9/27/2021</a:t>
             </a:fld>
             <a:endParaRPr lang="en-US"/>
           </a:p>
@@ -2177,7 +2177,7 @@
           <a:p>
             <a:fld id="{F39BF11B-9B73-4D1C-AB07-019A5A0AA27F}" type="datetimeFigureOut">
               <a:rPr lang="en-US" smtClean="0"/>
-              <a:t>9/27/21</a:t>
+              <a:t>9/27/2021</a:t>
             </a:fld>
             <a:endParaRPr lang="en-US"/>
           </a:p>
@@ -2425,7 +2425,7 @@
           <a:p>
             <a:fld id="{F39BF11B-9B73-4D1C-AB07-019A5A0AA27F}" type="datetimeFigureOut">
               <a:rPr lang="en-US" smtClean="0"/>
-              <a:t>9/27/21</a:t>
+              <a:t>9/27/2021</a:t>
             </a:fld>
             <a:endParaRPr lang="en-US"/>
           </a:p>
@@ -2957,7 +2957,7 @@
           <a:p>
             <a:fld id="{F39BF11B-9B73-4D1C-AB07-019A5A0AA27F}" type="datetimeFigureOut">
               <a:rPr lang="en-US" smtClean="0"/>
-              <a:t>9/27/21</a:t>
+              <a:t>9/27/2021</a:t>
             </a:fld>
             <a:endParaRPr lang="en-US"/>
           </a:p>
@@ -3254,7 +3254,7 @@
           <a:p>
             <a:fld id="{F39BF11B-9B73-4D1C-AB07-019A5A0AA27F}" type="datetimeFigureOut">
               <a:rPr lang="en-US" smtClean="0"/>
-              <a:t>9/27/21</a:t>
+              <a:t>9/27/2021</a:t>
             </a:fld>
             <a:endParaRPr lang="en-US"/>
           </a:p>
@@ -3428,7 +3428,7 @@
           <a:p>
             <a:fld id="{F39BF11B-9B73-4D1C-AB07-019A5A0AA27F}" type="datetimeFigureOut">
               <a:rPr lang="en-US" smtClean="0"/>
-              <a:t>9/27/21</a:t>
+              <a:t>9/27/2021</a:t>
             </a:fld>
             <a:endParaRPr lang="en-US"/>
           </a:p>
@@ -3608,7 +3608,7 @@
           <a:p>
             <a:fld id="{F39BF11B-9B73-4D1C-AB07-019A5A0AA27F}" type="datetimeFigureOut">
               <a:rPr lang="en-US" smtClean="0"/>
-              <a:t>9/27/21</a:t>
+              <a:t>9/27/2021</a:t>
             </a:fld>
             <a:endParaRPr lang="en-US"/>
           </a:p>
@@ -3783,7 +3783,7 @@
           <a:p>
             <a:fld id="{F39BF11B-9B73-4D1C-AB07-019A5A0AA27F}" type="datetimeFigureOut">
               <a:rPr lang="en-US" smtClean="0"/>
-              <a:t>9/27/21</a:t>
+              <a:t>9/27/2021</a:t>
             </a:fld>
             <a:endParaRPr lang="en-US"/>
           </a:p>
@@ -4034,7 +4034,7 @@
           <a:p>
             <a:fld id="{F39BF11B-9B73-4D1C-AB07-019A5A0AA27F}" type="datetimeFigureOut">
               <a:rPr lang="en-US" smtClean="0"/>
-              <a:t>9/27/21</a:t>
+              <a:t>9/27/2021</a:t>
             </a:fld>
             <a:endParaRPr lang="en-US"/>
           </a:p>
@@ -4336,7 +4336,7 @@
           <a:p>
             <a:fld id="{F39BF11B-9B73-4D1C-AB07-019A5A0AA27F}" type="datetimeFigureOut">
               <a:rPr lang="en-US" smtClean="0"/>
-              <a:t>9/27/21</a:t>
+              <a:t>9/27/2021</a:t>
             </a:fld>
             <a:endParaRPr lang="en-US"/>
           </a:p>
@@ -4783,7 +4783,7 @@
           <a:p>
             <a:fld id="{F39BF11B-9B73-4D1C-AB07-019A5A0AA27F}" type="datetimeFigureOut">
               <a:rPr lang="en-US" smtClean="0"/>
-              <a:t>9/27/21</a:t>
+              <a:t>9/27/2021</a:t>
             </a:fld>
             <a:endParaRPr lang="en-US"/>
           </a:p>
@@ -4906,7 +4906,7 @@
           <a:p>
             <a:fld id="{F39BF11B-9B73-4D1C-AB07-019A5A0AA27F}" type="datetimeFigureOut">
               <a:rPr lang="en-US" smtClean="0"/>
-              <a:t>9/27/21</a:t>
+              <a:t>9/27/2021</a:t>
             </a:fld>
             <a:endParaRPr lang="en-US"/>
           </a:p>
@@ -5001,7 +5001,7 @@
           <a:p>
             <a:fld id="{F39BF11B-9B73-4D1C-AB07-019A5A0AA27F}" type="datetimeFigureOut">
               <a:rPr lang="en-US" smtClean="0"/>
-              <a:t>9/27/21</a:t>
+              <a:t>9/27/2021</a:t>
             </a:fld>
             <a:endParaRPr lang="en-US"/>
           </a:p>
@@ -5284,7 +5284,7 @@
           <a:p>
             <a:fld id="{F39BF11B-9B73-4D1C-AB07-019A5A0AA27F}" type="datetimeFigureOut">
               <a:rPr lang="en-US" smtClean="0"/>
-              <a:t>9/27/21</a:t>
+              <a:t>9/27/2021</a:t>
             </a:fld>
             <a:endParaRPr lang="en-US"/>
           </a:p>
@@ -5580,7 +5580,7 @@
           <a:p>
             <a:fld id="{F39BF11B-9B73-4D1C-AB07-019A5A0AA27F}" type="datetimeFigureOut">
               <a:rPr lang="en-US" smtClean="0"/>
-              <a:t>9/27/21</a:t>
+              <a:t>9/27/2021</a:t>
             </a:fld>
             <a:endParaRPr lang="en-US"/>
           </a:p>
@@ -6110,7 +6110,7 @@
           <a:p>
             <a:fld id="{F39BF11B-9B73-4D1C-AB07-019A5A0AA27F}" type="datetimeFigureOut">
               <a:rPr lang="en-US" smtClean="0"/>
-              <a:t>9/27/21</a:t>
+              <a:t>9/27/2021</a:t>
             </a:fld>
             <a:endParaRPr lang="en-US"/>
           </a:p>
@@ -6673,9 +6673,17 @@
               <a:rPr lang="en-US" sz="6700" b="1" dirty="0"/>
               <a:t>Advanced Software Paradigms</a:t>
             </a:r>
+            <a:r>
+              <a:rPr lang="en-US" dirty="0"/>
+              <a:t/>
+            </a:r>
             <a:br>
               <a:rPr lang="en-US" dirty="0"/>
             </a:br>
+            <a:r>
+              <a:rPr lang="en-US" dirty="0"/>
+              <a:t/>
+            </a:r>
             <a:br>
               <a:rPr lang="en-US" dirty="0"/>
             </a:br>
@@ -7654,8 +7662,8 @@
         </p:nvSpPr>
         <p:spPr>
           <a:xfrm>
-            <a:off x="6607968" y="2438399"/>
-            <a:ext cx="4895056" cy="1137314"/>
+            <a:off x="6607967" y="2238233"/>
+            <a:ext cx="5129107" cy="1337480"/>
           </a:xfrm>
         </p:spPr>
         <p:txBody>
@@ -7812,8 +7820,8 @@
         </p:nvSpPr>
         <p:spPr>
           <a:xfrm>
-            <a:off x="6607968" y="3753135"/>
-            <a:ext cx="4293182" cy="1982081"/>
+            <a:off x="6607968" y="3575713"/>
+            <a:ext cx="4487662" cy="1982081"/>
           </a:xfrm>
           <a:prstGeom prst="rect">
             <a:avLst/>
@@ -9539,13 +9547,13 @@
         </p:nvSpPr>
         <p:spPr>
           <a:xfrm>
-            <a:off x="1484310" y="2088108"/>
-            <a:ext cx="10018713" cy="4129587"/>
+            <a:off x="1484310" y="2483892"/>
+            <a:ext cx="10018713" cy="3733803"/>
           </a:xfrm>
         </p:spPr>
         <p:txBody>
           <a:bodyPr>
-            <a:normAutofit lnSpcReduction="10000"/>
+            <a:normAutofit fontScale="92500" lnSpcReduction="20000"/>
           </a:bodyPr>
           <a:lstStyle/>
           <a:p>
@@ -9582,14 +9590,26 @@
           <a:p>
             <a:r>
               <a:rPr lang="en-US" dirty="0"/>
-              <a:t>Variables in TypeScript</a:t>
-            </a:r>
-          </a:p>
-          <a:p>
-            <a:r>
-              <a:rPr lang="en-US" dirty="0"/>
-              <a:t>.</a:t>
-            </a:r>
+              <a:t>Variables </a:t>
+            </a:r>
+            <a:r>
+              <a:rPr lang="en-US" dirty="0" smtClean="0"/>
+              <a:t>and its scope</a:t>
+            </a:r>
+            <a:endParaRPr lang="en-US" dirty="0"/>
+          </a:p>
+          <a:p>
+            <a:r>
+              <a:rPr lang="en-US" dirty="0" smtClean="0"/>
+              <a:t>.Data Types</a:t>
+            </a:r>
+          </a:p>
+          <a:p>
+            <a:r>
+              <a:rPr lang="en-US" dirty="0" smtClean="0"/>
+              <a:t>Assignment Statements</a:t>
+            </a:r>
+            <a:endParaRPr lang="en-US" dirty="0"/>
           </a:p>
           <a:p>
             <a:r>
@@ -9956,21 +9976,21 @@
                 <a:gridCol w="1720893">
                   <a:extLst>
                     <a:ext uri="{9D8B030D-6E8A-4147-A177-3AD203B41FA5}">
-                      <a16:colId xmlns:a16="http://schemas.microsoft.com/office/drawing/2014/main" val="20000"/>
+                      <a16:colId xmlns:a16="http://schemas.microsoft.com/office/drawing/2014/main" xmlns="" val="20000"/>
                     </a:ext>
                   </a:extLst>
                 </a:gridCol>
                 <a:gridCol w="1129516">
                   <a:extLst>
                     <a:ext uri="{9D8B030D-6E8A-4147-A177-3AD203B41FA5}">
-                      <a16:colId xmlns:a16="http://schemas.microsoft.com/office/drawing/2014/main" val="20001"/>
+                      <a16:colId xmlns:a16="http://schemas.microsoft.com/office/drawing/2014/main" xmlns="" val="20001"/>
                     </a:ext>
                   </a:extLst>
                 </a:gridCol>
                 <a:gridCol w="6361828">
                   <a:extLst>
                     <a:ext uri="{9D8B030D-6E8A-4147-A177-3AD203B41FA5}">
-                      <a16:colId xmlns:a16="http://schemas.microsoft.com/office/drawing/2014/main" val="20002"/>
+                      <a16:colId xmlns:a16="http://schemas.microsoft.com/office/drawing/2014/main" xmlns="" val="20002"/>
                     </a:ext>
                   </a:extLst>
                 </a:gridCol>
@@ -10147,7 +10167,7 @@
                 </a:tc>
                 <a:extLst>
                   <a:ext uri="{0D108BD9-81ED-4DB2-BD59-A6C34878D82A}">
-                    <a16:rowId xmlns:a16="http://schemas.microsoft.com/office/drawing/2014/main" val="10000"/>
+                    <a16:rowId xmlns:a16="http://schemas.microsoft.com/office/drawing/2014/main" xmlns="" val="10000"/>
                   </a:ext>
                 </a:extLst>
               </a:tr>
@@ -10319,7 +10339,7 @@
                 </a:tc>
                 <a:extLst>
                   <a:ext uri="{0D108BD9-81ED-4DB2-BD59-A6C34878D82A}">
-                    <a16:rowId xmlns:a16="http://schemas.microsoft.com/office/drawing/2014/main" val="10001"/>
+                    <a16:rowId xmlns:a16="http://schemas.microsoft.com/office/drawing/2014/main" xmlns="" val="10001"/>
                   </a:ext>
                 </a:extLst>
               </a:tr>
@@ -10491,7 +10511,7 @@
                 </a:tc>
                 <a:extLst>
                   <a:ext uri="{0D108BD9-81ED-4DB2-BD59-A6C34878D82A}">
-                    <a16:rowId xmlns:a16="http://schemas.microsoft.com/office/drawing/2014/main" val="10002"/>
+                    <a16:rowId xmlns:a16="http://schemas.microsoft.com/office/drawing/2014/main" xmlns="" val="10002"/>
                   </a:ext>
                 </a:extLst>
               </a:tr>
@@ -10663,7 +10683,7 @@
                 </a:tc>
                 <a:extLst>
                   <a:ext uri="{0D108BD9-81ED-4DB2-BD59-A6C34878D82A}">
-                    <a16:rowId xmlns:a16="http://schemas.microsoft.com/office/drawing/2014/main" val="10003"/>
+                    <a16:rowId xmlns:a16="http://schemas.microsoft.com/office/drawing/2014/main" xmlns="" val="10003"/>
                   </a:ext>
                 </a:extLst>
               </a:tr>
@@ -10835,7 +10855,7 @@
                 </a:tc>
                 <a:extLst>
                   <a:ext uri="{0D108BD9-81ED-4DB2-BD59-A6C34878D82A}">
-                    <a16:rowId xmlns:a16="http://schemas.microsoft.com/office/drawing/2014/main" val="10004"/>
+                    <a16:rowId xmlns:a16="http://schemas.microsoft.com/office/drawing/2014/main" xmlns="" val="10004"/>
                   </a:ext>
                 </a:extLst>
               </a:tr>
@@ -11007,7 +11027,7 @@
                 </a:tc>
                 <a:extLst>
                   <a:ext uri="{0D108BD9-81ED-4DB2-BD59-A6C34878D82A}">
-                    <a16:rowId xmlns:a16="http://schemas.microsoft.com/office/drawing/2014/main" val="10005"/>
+                    <a16:rowId xmlns:a16="http://schemas.microsoft.com/office/drawing/2014/main" xmlns="" val="10005"/>
                   </a:ext>
                 </a:extLst>
               </a:tr>
@@ -11179,7 +11199,7 @@
                 </a:tc>
                 <a:extLst>
                   <a:ext uri="{0D108BD9-81ED-4DB2-BD59-A6C34878D82A}">
-                    <a16:rowId xmlns:a16="http://schemas.microsoft.com/office/drawing/2014/main" val="10006"/>
+                    <a16:rowId xmlns:a16="http://schemas.microsoft.com/office/drawing/2014/main" xmlns="" val="10006"/>
                   </a:ext>
                 </a:extLst>
               </a:tr>
@@ -11533,7 +11553,7 @@
           <p:cNvPr id="2" name="Title 1">
             <a:extLst>
               <a:ext uri="{FF2B5EF4-FFF2-40B4-BE49-F238E27FC236}">
-                <a16:creationId xmlns:a16="http://schemas.microsoft.com/office/drawing/2014/main" id="{B7B3C296-9403-6A4E-95D6-41C21F43414E}"/>
+                <a16:creationId xmlns:a16="http://schemas.microsoft.com/office/drawing/2014/main" xmlns="" id="{B7B3C296-9403-6A4E-95D6-41C21F43414E}"/>
               </a:ext>
             </a:extLst>
           </p:cNvPr>
@@ -11568,7 +11588,7 @@
           <p:cNvPr id="3" name="Content Placeholder 2">
             <a:extLst>
               <a:ext uri="{FF2B5EF4-FFF2-40B4-BE49-F238E27FC236}">
-                <a16:creationId xmlns:a16="http://schemas.microsoft.com/office/drawing/2014/main" id="{5360A5D9-0200-D74C-B4ED-5910E7A00C9A}"/>
+                <a16:creationId xmlns:a16="http://schemas.microsoft.com/office/drawing/2014/main" xmlns="" id="{5360A5D9-0200-D74C-B4ED-5910E7A00C9A}"/>
               </a:ext>
             </a:extLst>
           </p:cNvPr>
@@ -11609,7 +11629,7 @@
           <p:cNvPr id="1026" name="Picture 2" descr="The Four Pillars of Object Oriented Programming - DEV Community">
             <a:extLst>
               <a:ext uri="{FF2B5EF4-FFF2-40B4-BE49-F238E27FC236}">
-                <a16:creationId xmlns:a16="http://schemas.microsoft.com/office/drawing/2014/main" id="{CFF4DF4D-C291-C141-90EE-6C7CB411A565}"/>
+                <a16:creationId xmlns:a16="http://schemas.microsoft.com/office/drawing/2014/main" xmlns="" id="{CFF4DF4D-C291-C141-90EE-6C7CB411A565}"/>
               </a:ext>
             </a:extLst>
           </p:cNvPr>
@@ -11619,7 +11639,7 @@
           <p:nvPr/>
         </p:nvPicPr>
         <p:blipFill>
-          <a:blip r:embed="rId3">
+          <a:blip r:embed="rId3" cstate="print">
             <a:extLst>
               <a:ext uri="{28A0092B-C50C-407E-A947-70E740481C1C}">
                 <a14:useLocalDpi xmlns:a14="http://schemas.microsoft.com/office/drawing/2010/main" val="0"/>
@@ -11731,10 +11751,10 @@
           <p:cNvPr id="32" name="Group 31">
             <a:extLst>
               <a:ext uri="{FF2B5EF4-FFF2-40B4-BE49-F238E27FC236}">
-                <a16:creationId xmlns:a16="http://schemas.microsoft.com/office/drawing/2014/main" id="{15FF890B-3CE7-403A-AECE-2DE04FC7AF80}"/>
+                <a16:creationId xmlns:a16="http://schemas.microsoft.com/office/drawing/2014/main" xmlns="" id="{15FF890B-3CE7-403A-AECE-2DE04FC7AF80}"/>
               </a:ext>
               <a:ext uri="{C183D7F6-B498-43B3-948B-1728B52AA6E4}">
-                <adec:decorative xmlns:adec="http://schemas.microsoft.com/office/drawing/2017/decorative" val="1"/>
+                <adec:decorative xmlns:adec="http://schemas.microsoft.com/office/drawing/2017/decorative" xmlns="" val="1"/>
               </a:ext>
             </a:extLst>
           </p:cNvPr>
@@ -11744,7 +11764,7 @@
           <p:nvPr>
             <p:extLst>
               <p:ext uri="{386F3935-93C4-4BCD-93E2-E3B085C9AB24}">
-                <p16:designElem xmlns:p16="http://schemas.microsoft.com/office/powerpoint/2015/main" val="1"/>
+                <p16:designElem xmlns:p16="http://schemas.microsoft.com/office/powerpoint/2015/main" xmlns="" val="1"/>
               </p:ext>
             </p:extLst>
           </p:nvPr>
@@ -11762,10 +11782,10 @@
             <p:cNvPr id="33" name="Freeform 6">
               <a:extLst>
                 <a:ext uri="{FF2B5EF4-FFF2-40B4-BE49-F238E27FC236}">
-                  <a16:creationId xmlns:a16="http://schemas.microsoft.com/office/drawing/2014/main" id="{99A4E160-6CFD-4514-9E20-CA6692CCDB9C}"/>
+                  <a16:creationId xmlns:a16="http://schemas.microsoft.com/office/drawing/2014/main" xmlns="" id="{99A4E160-6CFD-4514-9E20-CA6692CCDB9C}"/>
                 </a:ext>
                 <a:ext uri="{C183D7F6-B498-43B3-948B-1728B52AA6E4}">
-                  <adec:decorative xmlns:adec="http://schemas.microsoft.com/office/drawing/2017/decorative" val="1"/>
+                  <adec:decorative xmlns:adec="http://schemas.microsoft.com/office/drawing/2017/decorative" xmlns="" val="1"/>
                 </a:ext>
               </a:extLst>
             </p:cNvPr>
@@ -11773,7 +11793,7 @@
             <p:nvPr>
               <p:extLst>
                 <p:ext uri="{386F3935-93C4-4BCD-93E2-E3B085C9AB24}">
-                  <p16:designElem xmlns:p16="http://schemas.microsoft.com/office/powerpoint/2015/main" val="1"/>
+                  <p16:designElem xmlns:p16="http://schemas.microsoft.com/office/powerpoint/2015/main" xmlns="" val="1"/>
                 </p:ext>
               </p:extLst>
             </p:nvPr>
@@ -11823,10 +11843,10 @@
             <p:cNvPr id="34" name="Freeform 7">
               <a:extLst>
                 <a:ext uri="{FF2B5EF4-FFF2-40B4-BE49-F238E27FC236}">
-                  <a16:creationId xmlns:a16="http://schemas.microsoft.com/office/drawing/2014/main" id="{3DCD16F5-8D15-45FD-BA62-ADAC08183A27}"/>
+                  <a16:creationId xmlns:a16="http://schemas.microsoft.com/office/drawing/2014/main" xmlns="" id="{3DCD16F5-8D15-45FD-BA62-ADAC08183A27}"/>
                 </a:ext>
                 <a:ext uri="{C183D7F6-B498-43B3-948B-1728B52AA6E4}">
-                  <adec:decorative xmlns:adec="http://schemas.microsoft.com/office/drawing/2017/decorative" val="1"/>
+                  <adec:decorative xmlns:adec="http://schemas.microsoft.com/office/drawing/2017/decorative" xmlns="" val="1"/>
                 </a:ext>
               </a:extLst>
             </p:cNvPr>
@@ -11834,7 +11854,7 @@
             <p:nvPr>
               <p:extLst>
                 <p:ext uri="{386F3935-93C4-4BCD-93E2-E3B085C9AB24}">
-                  <p16:designElem xmlns:p16="http://schemas.microsoft.com/office/powerpoint/2015/main" val="1"/>
+                  <p16:designElem xmlns:p16="http://schemas.microsoft.com/office/powerpoint/2015/main" xmlns="" val="1"/>
                 </p:ext>
               </p:extLst>
             </p:nvPr>
@@ -11887,10 +11907,10 @@
             <p:cNvPr id="35" name="Freeform 8">
               <a:extLst>
                 <a:ext uri="{FF2B5EF4-FFF2-40B4-BE49-F238E27FC236}">
-                  <a16:creationId xmlns:a16="http://schemas.microsoft.com/office/drawing/2014/main" id="{E7CFAF28-6FDA-4C2C-BE51-123D1115F75C}"/>
+                  <a16:creationId xmlns:a16="http://schemas.microsoft.com/office/drawing/2014/main" xmlns="" id="{E7CFAF28-6FDA-4C2C-BE51-123D1115F75C}"/>
                 </a:ext>
                 <a:ext uri="{C183D7F6-B498-43B3-948B-1728B52AA6E4}">
-                  <adec:decorative xmlns:adec="http://schemas.microsoft.com/office/drawing/2017/decorative" val="1"/>
+                  <adec:decorative xmlns:adec="http://schemas.microsoft.com/office/drawing/2017/decorative" xmlns="" val="1"/>
                 </a:ext>
               </a:extLst>
             </p:cNvPr>
@@ -11898,7 +11918,7 @@
             <p:nvPr>
               <p:extLst>
                 <p:ext uri="{386F3935-93C4-4BCD-93E2-E3B085C9AB24}">
-                  <p16:designElem xmlns:p16="http://schemas.microsoft.com/office/powerpoint/2015/main" val="1"/>
+                  <p16:designElem xmlns:p16="http://schemas.microsoft.com/office/powerpoint/2015/main" xmlns="" val="1"/>
                 </p:ext>
               </p:extLst>
             </p:nvPr>
@@ -11948,10 +11968,10 @@
             <p:cNvPr id="36" name="Freeform 9">
               <a:extLst>
                 <a:ext uri="{FF2B5EF4-FFF2-40B4-BE49-F238E27FC236}">
-                  <a16:creationId xmlns:a16="http://schemas.microsoft.com/office/drawing/2014/main" id="{1FD12703-0627-4991-B2A4-F96519F90863}"/>
+                  <a16:creationId xmlns:a16="http://schemas.microsoft.com/office/drawing/2014/main" xmlns="" id="{1FD12703-0627-4991-B2A4-F96519F90863}"/>
                 </a:ext>
                 <a:ext uri="{C183D7F6-B498-43B3-948B-1728B52AA6E4}">
-                  <adec:decorative xmlns:adec="http://schemas.microsoft.com/office/drawing/2017/decorative" val="1"/>
+                  <adec:decorative xmlns:adec="http://schemas.microsoft.com/office/drawing/2017/decorative" xmlns="" val="1"/>
                 </a:ext>
               </a:extLst>
             </p:cNvPr>
@@ -11959,7 +11979,7 @@
             <p:nvPr>
               <p:extLst>
                 <p:ext uri="{386F3935-93C4-4BCD-93E2-E3B085C9AB24}">
-                  <p16:designElem xmlns:p16="http://schemas.microsoft.com/office/powerpoint/2015/main" val="1"/>
+                  <p16:designElem xmlns:p16="http://schemas.microsoft.com/office/powerpoint/2015/main" xmlns="" val="1"/>
                 </p:ext>
               </p:extLst>
             </p:nvPr>
@@ -12008,10 +12028,10 @@
             <p:cNvPr id="37" name="Freeform 10">
               <a:extLst>
                 <a:ext uri="{FF2B5EF4-FFF2-40B4-BE49-F238E27FC236}">
-                  <a16:creationId xmlns:a16="http://schemas.microsoft.com/office/drawing/2014/main" id="{A5758E0B-DF61-40A8-B765-BC6841906A9A}"/>
+                  <a16:creationId xmlns:a16="http://schemas.microsoft.com/office/drawing/2014/main" xmlns="" id="{A5758E0B-DF61-40A8-B765-BC6841906A9A}"/>
                 </a:ext>
                 <a:ext uri="{C183D7F6-B498-43B3-948B-1728B52AA6E4}">
-                  <adec:decorative xmlns:adec="http://schemas.microsoft.com/office/drawing/2017/decorative" val="1"/>
+                  <adec:decorative xmlns:adec="http://schemas.microsoft.com/office/drawing/2017/decorative" xmlns="" val="1"/>
                 </a:ext>
               </a:extLst>
             </p:cNvPr>
@@ -12019,7 +12039,7 @@
             <p:nvPr>
               <p:extLst>
                 <p:ext uri="{386F3935-93C4-4BCD-93E2-E3B085C9AB24}">
-                  <p16:designElem xmlns:p16="http://schemas.microsoft.com/office/powerpoint/2015/main" val="1"/>
+                  <p16:designElem xmlns:p16="http://schemas.microsoft.com/office/powerpoint/2015/main" xmlns="" val="1"/>
                 </p:ext>
               </p:extLst>
             </p:nvPr>
@@ -12074,10 +12094,10 @@
             <p:cNvPr id="38" name="Freeform 11">
               <a:extLst>
                 <a:ext uri="{FF2B5EF4-FFF2-40B4-BE49-F238E27FC236}">
-                  <a16:creationId xmlns:a16="http://schemas.microsoft.com/office/drawing/2014/main" id="{3E063A1F-9566-4436-B4E3-2890FBBC2CCB}"/>
+                  <a16:creationId xmlns:a16="http://schemas.microsoft.com/office/drawing/2014/main" xmlns="" id="{3E063A1F-9566-4436-B4E3-2890FBBC2CCB}"/>
                 </a:ext>
                 <a:ext uri="{C183D7F6-B498-43B3-948B-1728B52AA6E4}">
-                  <adec:decorative xmlns:adec="http://schemas.microsoft.com/office/drawing/2017/decorative" val="1"/>
+                  <adec:decorative xmlns:adec="http://schemas.microsoft.com/office/drawing/2017/decorative" xmlns="" val="1"/>
                 </a:ext>
               </a:extLst>
             </p:cNvPr>
@@ -12085,7 +12105,7 @@
             <p:nvPr>
               <p:extLst>
                 <p:ext uri="{386F3935-93C4-4BCD-93E2-E3B085C9AB24}">
-                  <p16:designElem xmlns:p16="http://schemas.microsoft.com/office/powerpoint/2015/main" val="1"/>
+                  <p16:designElem xmlns:p16="http://schemas.microsoft.com/office/powerpoint/2015/main" xmlns="" val="1"/>
                 </p:ext>
               </p:extLst>
             </p:nvPr>
@@ -12154,10 +12174,10 @@
           <p:cNvPr id="40" name="Group 39">
             <a:extLst>
               <a:ext uri="{FF2B5EF4-FFF2-40B4-BE49-F238E27FC236}">
-                <a16:creationId xmlns:a16="http://schemas.microsoft.com/office/drawing/2014/main" id="{DF8D5C46-63E5-40C5-A208-4B2189FA1032}"/>
+                <a16:creationId xmlns:a16="http://schemas.microsoft.com/office/drawing/2014/main" xmlns="" id="{DF8D5C46-63E5-40C5-A208-4B2189FA1032}"/>
               </a:ext>
               <a:ext uri="{C183D7F6-B498-43B3-948B-1728B52AA6E4}">
-                <adec:decorative xmlns:adec="http://schemas.microsoft.com/office/drawing/2017/decorative" val="1"/>
+                <adec:decorative xmlns:adec="http://schemas.microsoft.com/office/drawing/2017/decorative" xmlns="" val="1"/>
               </a:ext>
             </a:extLst>
           </p:cNvPr>
@@ -12167,7 +12187,7 @@
           <p:nvPr>
             <p:extLst>
               <p:ext uri="{386F3935-93C4-4BCD-93E2-E3B085C9AB24}">
-                <p16:designElem xmlns:p16="http://schemas.microsoft.com/office/powerpoint/2015/main" val="1"/>
+                <p16:designElem xmlns:p16="http://schemas.microsoft.com/office/powerpoint/2015/main" xmlns="" val="1"/>
               </p:ext>
             </p:extLst>
           </p:nvPr>
@@ -12185,10 +12205,10 @@
             <p:cNvPr id="41" name="Freeform 6">
               <a:extLst>
                 <a:ext uri="{FF2B5EF4-FFF2-40B4-BE49-F238E27FC236}">
-                  <a16:creationId xmlns:a16="http://schemas.microsoft.com/office/drawing/2014/main" id="{4A42B4ED-376E-46C3-8BB2-EAFC660D112B}"/>
+                  <a16:creationId xmlns:a16="http://schemas.microsoft.com/office/drawing/2014/main" xmlns="" id="{4A42B4ED-376E-46C3-8BB2-EAFC660D112B}"/>
                 </a:ext>
                 <a:ext uri="{C183D7F6-B498-43B3-948B-1728B52AA6E4}">
-                  <adec:decorative xmlns:adec="http://schemas.microsoft.com/office/drawing/2017/decorative" val="1"/>
+                  <adec:decorative xmlns:adec="http://schemas.microsoft.com/office/drawing/2017/decorative" xmlns="" val="1"/>
                 </a:ext>
               </a:extLst>
             </p:cNvPr>
@@ -12196,7 +12216,7 @@
             <p:nvPr>
               <p:extLst>
                 <p:ext uri="{386F3935-93C4-4BCD-93E2-E3B085C9AB24}">
-                  <p16:designElem xmlns:p16="http://schemas.microsoft.com/office/powerpoint/2015/main" val="1"/>
+                  <p16:designElem xmlns:p16="http://schemas.microsoft.com/office/powerpoint/2015/main" xmlns="" val="1"/>
                 </p:ext>
               </p:extLst>
             </p:nvPr>
@@ -12246,10 +12266,10 @@
             <p:cNvPr id="42" name="Freeform 7">
               <a:extLst>
                 <a:ext uri="{FF2B5EF4-FFF2-40B4-BE49-F238E27FC236}">
-                  <a16:creationId xmlns:a16="http://schemas.microsoft.com/office/drawing/2014/main" id="{94E0795D-42C3-4DFD-AEB0-286A1CF143FC}"/>
+                  <a16:creationId xmlns:a16="http://schemas.microsoft.com/office/drawing/2014/main" xmlns="" id="{94E0795D-42C3-4DFD-AEB0-286A1CF143FC}"/>
                 </a:ext>
                 <a:ext uri="{C183D7F6-B498-43B3-948B-1728B52AA6E4}">
-                  <adec:decorative xmlns:adec="http://schemas.microsoft.com/office/drawing/2017/decorative" val="1"/>
+                  <adec:decorative xmlns:adec="http://schemas.microsoft.com/office/drawing/2017/decorative" xmlns="" val="1"/>
                 </a:ext>
               </a:extLst>
             </p:cNvPr>
@@ -12257,7 +12277,7 @@
             <p:nvPr>
               <p:extLst>
                 <p:ext uri="{386F3935-93C4-4BCD-93E2-E3B085C9AB24}">
-                  <p16:designElem xmlns:p16="http://schemas.microsoft.com/office/powerpoint/2015/main" val="1"/>
+                  <p16:designElem xmlns:p16="http://schemas.microsoft.com/office/powerpoint/2015/main" xmlns="" val="1"/>
                 </p:ext>
               </p:extLst>
             </p:nvPr>
@@ -12310,10 +12330,10 @@
             <p:cNvPr id="43" name="Freeform 8">
               <a:extLst>
                 <a:ext uri="{FF2B5EF4-FFF2-40B4-BE49-F238E27FC236}">
-                  <a16:creationId xmlns:a16="http://schemas.microsoft.com/office/drawing/2014/main" id="{A2ACED1B-99D0-4C14-B63B-963889DCDBC2}"/>
+                  <a16:creationId xmlns:a16="http://schemas.microsoft.com/office/drawing/2014/main" xmlns="" id="{A2ACED1B-99D0-4C14-B63B-963889DCDBC2}"/>
                 </a:ext>
                 <a:ext uri="{C183D7F6-B498-43B3-948B-1728B52AA6E4}">
-                  <adec:decorative xmlns:adec="http://schemas.microsoft.com/office/drawing/2017/decorative" val="1"/>
+                  <adec:decorative xmlns:adec="http://schemas.microsoft.com/office/drawing/2017/decorative" xmlns="" val="1"/>
                 </a:ext>
               </a:extLst>
             </p:cNvPr>
@@ -12321,7 +12341,7 @@
             <p:nvPr>
               <p:extLst>
                 <p:ext uri="{386F3935-93C4-4BCD-93E2-E3B085C9AB24}">
-                  <p16:designElem xmlns:p16="http://schemas.microsoft.com/office/powerpoint/2015/main" val="1"/>
+                  <p16:designElem xmlns:p16="http://schemas.microsoft.com/office/powerpoint/2015/main" xmlns="" val="1"/>
                 </p:ext>
               </p:extLst>
             </p:nvPr>
@@ -12371,10 +12391,10 @@
             <p:cNvPr id="44" name="Freeform 9">
               <a:extLst>
                 <a:ext uri="{FF2B5EF4-FFF2-40B4-BE49-F238E27FC236}">
-                  <a16:creationId xmlns:a16="http://schemas.microsoft.com/office/drawing/2014/main" id="{5C5D324F-33A3-4C66-BFE5-1742CA4E5940}"/>
+                  <a16:creationId xmlns:a16="http://schemas.microsoft.com/office/drawing/2014/main" xmlns="" id="{5C5D324F-33A3-4C66-BFE5-1742CA4E5940}"/>
                 </a:ext>
                 <a:ext uri="{C183D7F6-B498-43B3-948B-1728B52AA6E4}">
-                  <adec:decorative xmlns:adec="http://schemas.microsoft.com/office/drawing/2017/decorative" val="1"/>
+                  <adec:decorative xmlns:adec="http://schemas.microsoft.com/office/drawing/2017/decorative" xmlns="" val="1"/>
                 </a:ext>
               </a:extLst>
             </p:cNvPr>
@@ -12382,7 +12402,7 @@
             <p:nvPr>
               <p:extLst>
                 <p:ext uri="{386F3935-93C4-4BCD-93E2-E3B085C9AB24}">
-                  <p16:designElem xmlns:p16="http://schemas.microsoft.com/office/powerpoint/2015/main" val="1"/>
+                  <p16:designElem xmlns:p16="http://schemas.microsoft.com/office/powerpoint/2015/main" xmlns="" val="1"/>
                 </p:ext>
               </p:extLst>
             </p:nvPr>
@@ -12431,10 +12451,10 @@
             <p:cNvPr id="45" name="Freeform 10">
               <a:extLst>
                 <a:ext uri="{FF2B5EF4-FFF2-40B4-BE49-F238E27FC236}">
-                  <a16:creationId xmlns:a16="http://schemas.microsoft.com/office/drawing/2014/main" id="{EC572FC8-A465-4BA3-BA4D-2EC538C042AD}"/>
+                  <a16:creationId xmlns:a16="http://schemas.microsoft.com/office/drawing/2014/main" xmlns="" id="{EC572FC8-A465-4BA3-BA4D-2EC538C042AD}"/>
                 </a:ext>
                 <a:ext uri="{C183D7F6-B498-43B3-948B-1728B52AA6E4}">
-                  <adec:decorative xmlns:adec="http://schemas.microsoft.com/office/drawing/2017/decorative" val="1"/>
+                  <adec:decorative xmlns:adec="http://schemas.microsoft.com/office/drawing/2017/decorative" xmlns="" val="1"/>
                 </a:ext>
               </a:extLst>
             </p:cNvPr>
@@ -12442,7 +12462,7 @@
             <p:nvPr>
               <p:extLst>
                 <p:ext uri="{386F3935-93C4-4BCD-93E2-E3B085C9AB24}">
-                  <p16:designElem xmlns:p16="http://schemas.microsoft.com/office/powerpoint/2015/main" val="1"/>
+                  <p16:designElem xmlns:p16="http://schemas.microsoft.com/office/powerpoint/2015/main" xmlns="" val="1"/>
                 </p:ext>
               </p:extLst>
             </p:nvPr>
@@ -12497,10 +12517,10 @@
             <p:cNvPr id="46" name="Freeform 11">
               <a:extLst>
                 <a:ext uri="{FF2B5EF4-FFF2-40B4-BE49-F238E27FC236}">
-                  <a16:creationId xmlns:a16="http://schemas.microsoft.com/office/drawing/2014/main" id="{66CC2B15-8E3B-4CFF-99E4-5B4E4D8CF933}"/>
+                  <a16:creationId xmlns:a16="http://schemas.microsoft.com/office/drawing/2014/main" xmlns="" id="{66CC2B15-8E3B-4CFF-99E4-5B4E4D8CF933}"/>
                 </a:ext>
                 <a:ext uri="{C183D7F6-B498-43B3-948B-1728B52AA6E4}">
-                  <adec:decorative xmlns:adec="http://schemas.microsoft.com/office/drawing/2017/decorative" val="1"/>
+                  <adec:decorative xmlns:adec="http://schemas.microsoft.com/office/drawing/2017/decorative" xmlns="" val="1"/>
                 </a:ext>
               </a:extLst>
             </p:cNvPr>
@@ -12508,7 +12528,7 @@
             <p:nvPr>
               <p:extLst>
                 <p:ext uri="{386F3935-93C4-4BCD-93E2-E3B085C9AB24}">
-                  <p16:designElem xmlns:p16="http://schemas.microsoft.com/office/powerpoint/2015/main" val="1"/>
+                  <p16:designElem xmlns:p16="http://schemas.microsoft.com/office/powerpoint/2015/main" xmlns="" val="1"/>
                 </p:ext>
               </p:extLst>
             </p:nvPr>
@@ -12577,7 +12597,7 @@
           <p:cNvPr id="2" name="Title 1">
             <a:extLst>
               <a:ext uri="{FF2B5EF4-FFF2-40B4-BE49-F238E27FC236}">
-                <a16:creationId xmlns:a16="http://schemas.microsoft.com/office/drawing/2014/main" id="{13FFB360-638D-F14E-9871-2D91F9F58608}"/>
+                <a16:creationId xmlns:a16="http://schemas.microsoft.com/office/drawing/2014/main" xmlns="" id="{13FFB360-638D-F14E-9871-2D91F9F58608}"/>
               </a:ext>
             </a:extLst>
           </p:cNvPr>
@@ -12612,7 +12632,7 @@
           <p:cNvPr id="3" name="Content Placeholder 2">
             <a:extLst>
               <a:ext uri="{FF2B5EF4-FFF2-40B4-BE49-F238E27FC236}">
-                <a16:creationId xmlns:a16="http://schemas.microsoft.com/office/drawing/2014/main" id="{CB681A90-0CD3-EA46-BD97-5803DCFB3E5D}"/>
+                <a16:creationId xmlns:a16="http://schemas.microsoft.com/office/drawing/2014/main" xmlns="" id="{CB681A90-0CD3-EA46-BD97-5803DCFB3E5D}"/>
               </a:ext>
             </a:extLst>
           </p:cNvPr>
@@ -12653,10 +12673,10 @@
           <p:cNvPr id="48" name="Rounded Rectangle 16">
             <a:extLst>
               <a:ext uri="{FF2B5EF4-FFF2-40B4-BE49-F238E27FC236}">
-                <a16:creationId xmlns:a16="http://schemas.microsoft.com/office/drawing/2014/main" id="{63A60C88-7443-4827-9241-5019758CB4F0}"/>
+                <a16:creationId xmlns:a16="http://schemas.microsoft.com/office/drawing/2014/main" xmlns="" id="{63A60C88-7443-4827-9241-5019758CB4F0}"/>
               </a:ext>
               <a:ext uri="{C183D7F6-B498-43B3-948B-1728B52AA6E4}">
-                <adec:decorative xmlns:adec="http://schemas.microsoft.com/office/drawing/2017/decorative" val="1"/>
+                <adec:decorative xmlns:adec="http://schemas.microsoft.com/office/drawing/2017/decorative" xmlns="" val="1"/>
               </a:ext>
             </a:extLst>
           </p:cNvPr>
@@ -12666,7 +12686,7 @@
           <p:nvPr>
             <p:extLst>
               <p:ext uri="{386F3935-93C4-4BCD-93E2-E3B085C9AB24}">
-                <p16:designElem xmlns:p16="http://schemas.microsoft.com/office/powerpoint/2015/main" val="1"/>
+                <p16:designElem xmlns:p16="http://schemas.microsoft.com/office/powerpoint/2015/main" xmlns="" val="1"/>
               </p:ext>
             </p:extLst>
           </p:nvPr>
@@ -12738,7 +12758,7 @@
           <p:cNvPr id="6" name="Content Placeholder 5" descr="Graphical user interface, application&#10;&#10;Description automatically generated">
             <a:extLst>
               <a:ext uri="{FF2B5EF4-FFF2-40B4-BE49-F238E27FC236}">
-                <a16:creationId xmlns:a16="http://schemas.microsoft.com/office/drawing/2014/main" id="{C7C2803D-93D7-3A49-A546-4BB0A70448BD}"/>
+                <a16:creationId xmlns:a16="http://schemas.microsoft.com/office/drawing/2014/main" xmlns="" id="{C7C2803D-93D7-3A49-A546-4BB0A70448BD}"/>
               </a:ext>
             </a:extLst>
           </p:cNvPr>
@@ -12775,7 +12795,7 @@
           <p:cNvPr id="4" name="TextBox 3">
             <a:extLst>
               <a:ext uri="{FF2B5EF4-FFF2-40B4-BE49-F238E27FC236}">
-                <a16:creationId xmlns:a16="http://schemas.microsoft.com/office/drawing/2014/main" id="{332040DC-98AF-914B-94C3-4130CF2AAC55}"/>
+                <a16:creationId xmlns:a16="http://schemas.microsoft.com/office/drawing/2014/main" xmlns="" id="{332040DC-98AF-914B-94C3-4130CF2AAC55}"/>
               </a:ext>
             </a:extLst>
           </p:cNvPr>
@@ -12861,10 +12881,10 @@
           <p:cNvPr id="11" name="Group 10">
             <a:extLst>
               <a:ext uri="{FF2B5EF4-FFF2-40B4-BE49-F238E27FC236}">
-                <a16:creationId xmlns:a16="http://schemas.microsoft.com/office/drawing/2014/main" id="{15FF890B-3CE7-403A-AECE-2DE04FC7AF80}"/>
+                <a16:creationId xmlns:a16="http://schemas.microsoft.com/office/drawing/2014/main" xmlns="" id="{15FF890B-3CE7-403A-AECE-2DE04FC7AF80}"/>
               </a:ext>
               <a:ext uri="{C183D7F6-B498-43B3-948B-1728B52AA6E4}">
-                <adec:decorative xmlns:adec="http://schemas.microsoft.com/office/drawing/2017/decorative" val="1"/>
+                <adec:decorative xmlns:adec="http://schemas.microsoft.com/office/drawing/2017/decorative" xmlns="" val="1"/>
               </a:ext>
             </a:extLst>
           </p:cNvPr>
@@ -12874,7 +12894,7 @@
           <p:nvPr>
             <p:extLst>
               <p:ext uri="{386F3935-93C4-4BCD-93E2-E3B085C9AB24}">
-                <p16:designElem xmlns:p16="http://schemas.microsoft.com/office/powerpoint/2015/main" val="1"/>
+                <p16:designElem xmlns:p16="http://schemas.microsoft.com/office/powerpoint/2015/main" xmlns="" val="1"/>
               </p:ext>
             </p:extLst>
           </p:nvPr>
@@ -12892,10 +12912,10 @@
             <p:cNvPr id="12" name="Freeform 6">
               <a:extLst>
                 <a:ext uri="{FF2B5EF4-FFF2-40B4-BE49-F238E27FC236}">
-                  <a16:creationId xmlns:a16="http://schemas.microsoft.com/office/drawing/2014/main" id="{99A4E160-6CFD-4514-9E20-CA6692CCDB9C}"/>
+                  <a16:creationId xmlns:a16="http://schemas.microsoft.com/office/drawing/2014/main" xmlns="" id="{99A4E160-6CFD-4514-9E20-CA6692CCDB9C}"/>
                 </a:ext>
                 <a:ext uri="{C183D7F6-B498-43B3-948B-1728B52AA6E4}">
-                  <adec:decorative xmlns:adec="http://schemas.microsoft.com/office/drawing/2017/decorative" val="1"/>
+                  <adec:decorative xmlns:adec="http://schemas.microsoft.com/office/drawing/2017/decorative" xmlns="" val="1"/>
                 </a:ext>
               </a:extLst>
             </p:cNvPr>
@@ -12903,7 +12923,7 @@
             <p:nvPr>
               <p:extLst>
                 <p:ext uri="{386F3935-93C4-4BCD-93E2-E3B085C9AB24}">
-                  <p16:designElem xmlns:p16="http://schemas.microsoft.com/office/powerpoint/2015/main" val="1"/>
+                  <p16:designElem xmlns:p16="http://schemas.microsoft.com/office/powerpoint/2015/main" xmlns="" val="1"/>
                 </p:ext>
               </p:extLst>
             </p:nvPr>
@@ -12953,10 +12973,10 @@
             <p:cNvPr id="13" name="Freeform 7">
               <a:extLst>
                 <a:ext uri="{FF2B5EF4-FFF2-40B4-BE49-F238E27FC236}">
-                  <a16:creationId xmlns:a16="http://schemas.microsoft.com/office/drawing/2014/main" id="{3DCD16F5-8D15-45FD-BA62-ADAC08183A27}"/>
+                  <a16:creationId xmlns:a16="http://schemas.microsoft.com/office/drawing/2014/main" xmlns="" id="{3DCD16F5-8D15-45FD-BA62-ADAC08183A27}"/>
                 </a:ext>
                 <a:ext uri="{C183D7F6-B498-43B3-948B-1728B52AA6E4}">
-                  <adec:decorative xmlns:adec="http://schemas.microsoft.com/office/drawing/2017/decorative" val="1"/>
+                  <adec:decorative xmlns:adec="http://schemas.microsoft.com/office/drawing/2017/decorative" xmlns="" val="1"/>
                 </a:ext>
               </a:extLst>
             </p:cNvPr>
@@ -12964,7 +12984,7 @@
             <p:nvPr>
               <p:extLst>
                 <p:ext uri="{386F3935-93C4-4BCD-93E2-E3B085C9AB24}">
-                  <p16:designElem xmlns:p16="http://schemas.microsoft.com/office/powerpoint/2015/main" val="1"/>
+                  <p16:designElem xmlns:p16="http://schemas.microsoft.com/office/powerpoint/2015/main" xmlns="" val="1"/>
                 </p:ext>
               </p:extLst>
             </p:nvPr>
@@ -13017,10 +13037,10 @@
             <p:cNvPr id="14" name="Freeform 8">
               <a:extLst>
                 <a:ext uri="{FF2B5EF4-FFF2-40B4-BE49-F238E27FC236}">
-                  <a16:creationId xmlns:a16="http://schemas.microsoft.com/office/drawing/2014/main" id="{E7CFAF28-6FDA-4C2C-BE51-123D1115F75C}"/>
+                  <a16:creationId xmlns:a16="http://schemas.microsoft.com/office/drawing/2014/main" xmlns="" id="{E7CFAF28-6FDA-4C2C-BE51-123D1115F75C}"/>
                 </a:ext>
                 <a:ext uri="{C183D7F6-B498-43B3-948B-1728B52AA6E4}">
-                  <adec:decorative xmlns:adec="http://schemas.microsoft.com/office/drawing/2017/decorative" val="1"/>
+                  <adec:decorative xmlns:adec="http://schemas.microsoft.com/office/drawing/2017/decorative" xmlns="" val="1"/>
                 </a:ext>
               </a:extLst>
             </p:cNvPr>
@@ -13028,7 +13048,7 @@
             <p:nvPr>
               <p:extLst>
                 <p:ext uri="{386F3935-93C4-4BCD-93E2-E3B085C9AB24}">
-                  <p16:designElem xmlns:p16="http://schemas.microsoft.com/office/powerpoint/2015/main" val="1"/>
+                  <p16:designElem xmlns:p16="http://schemas.microsoft.com/office/powerpoint/2015/main" xmlns="" val="1"/>
                 </p:ext>
               </p:extLst>
             </p:nvPr>
@@ -13078,10 +13098,10 @@
             <p:cNvPr id="15" name="Freeform 9">
               <a:extLst>
                 <a:ext uri="{FF2B5EF4-FFF2-40B4-BE49-F238E27FC236}">
-                  <a16:creationId xmlns:a16="http://schemas.microsoft.com/office/drawing/2014/main" id="{1FD12703-0627-4991-B2A4-F96519F90863}"/>
+                  <a16:creationId xmlns:a16="http://schemas.microsoft.com/office/drawing/2014/main" xmlns="" id="{1FD12703-0627-4991-B2A4-F96519F90863}"/>
                 </a:ext>
                 <a:ext uri="{C183D7F6-B498-43B3-948B-1728B52AA6E4}">
-                  <adec:decorative xmlns:adec="http://schemas.microsoft.com/office/drawing/2017/decorative" val="1"/>
+                  <adec:decorative xmlns:adec="http://schemas.microsoft.com/office/drawing/2017/decorative" xmlns="" val="1"/>
                 </a:ext>
               </a:extLst>
             </p:cNvPr>
@@ -13089,7 +13109,7 @@
             <p:nvPr>
               <p:extLst>
                 <p:ext uri="{386F3935-93C4-4BCD-93E2-E3B085C9AB24}">
-                  <p16:designElem xmlns:p16="http://schemas.microsoft.com/office/powerpoint/2015/main" val="1"/>
+                  <p16:designElem xmlns:p16="http://schemas.microsoft.com/office/powerpoint/2015/main" xmlns="" val="1"/>
                 </p:ext>
               </p:extLst>
             </p:nvPr>
@@ -13138,10 +13158,10 @@
             <p:cNvPr id="16" name="Freeform 10">
               <a:extLst>
                 <a:ext uri="{FF2B5EF4-FFF2-40B4-BE49-F238E27FC236}">
-                  <a16:creationId xmlns:a16="http://schemas.microsoft.com/office/drawing/2014/main" id="{A5758E0B-DF61-40A8-B765-BC6841906A9A}"/>
+                  <a16:creationId xmlns:a16="http://schemas.microsoft.com/office/drawing/2014/main" xmlns="" id="{A5758E0B-DF61-40A8-B765-BC6841906A9A}"/>
                 </a:ext>
                 <a:ext uri="{C183D7F6-B498-43B3-948B-1728B52AA6E4}">
-                  <adec:decorative xmlns:adec="http://schemas.microsoft.com/office/drawing/2017/decorative" val="1"/>
+                  <adec:decorative xmlns:adec="http://schemas.microsoft.com/office/drawing/2017/decorative" xmlns="" val="1"/>
                 </a:ext>
               </a:extLst>
             </p:cNvPr>
@@ -13149,7 +13169,7 @@
             <p:nvPr>
               <p:extLst>
                 <p:ext uri="{386F3935-93C4-4BCD-93E2-E3B085C9AB24}">
-                  <p16:designElem xmlns:p16="http://schemas.microsoft.com/office/powerpoint/2015/main" val="1"/>
+                  <p16:designElem xmlns:p16="http://schemas.microsoft.com/office/powerpoint/2015/main" xmlns="" val="1"/>
                 </p:ext>
               </p:extLst>
             </p:nvPr>
@@ -13204,10 +13224,10 @@
             <p:cNvPr id="17" name="Freeform 11">
               <a:extLst>
                 <a:ext uri="{FF2B5EF4-FFF2-40B4-BE49-F238E27FC236}">
-                  <a16:creationId xmlns:a16="http://schemas.microsoft.com/office/drawing/2014/main" id="{3E063A1F-9566-4436-B4E3-2890FBBC2CCB}"/>
+                  <a16:creationId xmlns:a16="http://schemas.microsoft.com/office/drawing/2014/main" xmlns="" id="{3E063A1F-9566-4436-B4E3-2890FBBC2CCB}"/>
                 </a:ext>
                 <a:ext uri="{C183D7F6-B498-43B3-948B-1728B52AA6E4}">
-                  <adec:decorative xmlns:adec="http://schemas.microsoft.com/office/drawing/2017/decorative" val="1"/>
+                  <adec:decorative xmlns:adec="http://schemas.microsoft.com/office/drawing/2017/decorative" xmlns="" val="1"/>
                 </a:ext>
               </a:extLst>
             </p:cNvPr>
@@ -13215,7 +13235,7 @@
             <p:nvPr>
               <p:extLst>
                 <p:ext uri="{386F3935-93C4-4BCD-93E2-E3B085C9AB24}">
-                  <p16:designElem xmlns:p16="http://schemas.microsoft.com/office/powerpoint/2015/main" val="1"/>
+                  <p16:designElem xmlns:p16="http://schemas.microsoft.com/office/powerpoint/2015/main" xmlns="" val="1"/>
                 </p:ext>
               </p:extLst>
             </p:nvPr>
@@ -13284,10 +13304,10 @@
           <p:cNvPr id="19" name="Group 18">
             <a:extLst>
               <a:ext uri="{FF2B5EF4-FFF2-40B4-BE49-F238E27FC236}">
-                <a16:creationId xmlns:a16="http://schemas.microsoft.com/office/drawing/2014/main" id="{DF8D5C46-63E5-40C5-A208-4B2189FA1032}"/>
+                <a16:creationId xmlns:a16="http://schemas.microsoft.com/office/drawing/2014/main" xmlns="" id="{DF8D5C46-63E5-40C5-A208-4B2189FA1032}"/>
               </a:ext>
               <a:ext uri="{C183D7F6-B498-43B3-948B-1728B52AA6E4}">
-                <adec:decorative xmlns:adec="http://schemas.microsoft.com/office/drawing/2017/decorative" val="1"/>
+                <adec:decorative xmlns:adec="http://schemas.microsoft.com/office/drawing/2017/decorative" xmlns="" val="1"/>
               </a:ext>
             </a:extLst>
           </p:cNvPr>
@@ -13297,7 +13317,7 @@
           <p:nvPr>
             <p:extLst>
               <p:ext uri="{386F3935-93C4-4BCD-93E2-E3B085C9AB24}">
-                <p16:designElem xmlns:p16="http://schemas.microsoft.com/office/powerpoint/2015/main" val="1"/>
+                <p16:designElem xmlns:p16="http://schemas.microsoft.com/office/powerpoint/2015/main" xmlns="" val="1"/>
               </p:ext>
             </p:extLst>
           </p:nvPr>
@@ -13315,10 +13335,10 @@
             <p:cNvPr id="20" name="Freeform 6">
               <a:extLst>
                 <a:ext uri="{FF2B5EF4-FFF2-40B4-BE49-F238E27FC236}">
-                  <a16:creationId xmlns:a16="http://schemas.microsoft.com/office/drawing/2014/main" id="{4A42B4ED-376E-46C3-8BB2-EAFC660D112B}"/>
+                  <a16:creationId xmlns:a16="http://schemas.microsoft.com/office/drawing/2014/main" xmlns="" id="{4A42B4ED-376E-46C3-8BB2-EAFC660D112B}"/>
                 </a:ext>
                 <a:ext uri="{C183D7F6-B498-43B3-948B-1728B52AA6E4}">
-                  <adec:decorative xmlns:adec="http://schemas.microsoft.com/office/drawing/2017/decorative" val="1"/>
+                  <adec:decorative xmlns:adec="http://schemas.microsoft.com/office/drawing/2017/decorative" xmlns="" val="1"/>
                 </a:ext>
               </a:extLst>
             </p:cNvPr>
@@ -13326,7 +13346,7 @@
             <p:nvPr>
               <p:extLst>
                 <p:ext uri="{386F3935-93C4-4BCD-93E2-E3B085C9AB24}">
-                  <p16:designElem xmlns:p16="http://schemas.microsoft.com/office/powerpoint/2015/main" val="1"/>
+                  <p16:designElem xmlns:p16="http://schemas.microsoft.com/office/powerpoint/2015/main" xmlns="" val="1"/>
                 </p:ext>
               </p:extLst>
             </p:nvPr>
@@ -13376,10 +13396,10 @@
             <p:cNvPr id="21" name="Freeform 7">
               <a:extLst>
                 <a:ext uri="{FF2B5EF4-FFF2-40B4-BE49-F238E27FC236}">
-                  <a16:creationId xmlns:a16="http://schemas.microsoft.com/office/drawing/2014/main" id="{94E0795D-42C3-4DFD-AEB0-286A1CF143FC}"/>
+                  <a16:creationId xmlns:a16="http://schemas.microsoft.com/office/drawing/2014/main" xmlns="" id="{94E0795D-42C3-4DFD-AEB0-286A1CF143FC}"/>
                 </a:ext>
                 <a:ext uri="{C183D7F6-B498-43B3-948B-1728B52AA6E4}">
-                  <adec:decorative xmlns:adec="http://schemas.microsoft.com/office/drawing/2017/decorative" val="1"/>
+                  <adec:decorative xmlns:adec="http://schemas.microsoft.com/office/drawing/2017/decorative" xmlns="" val="1"/>
                 </a:ext>
               </a:extLst>
             </p:cNvPr>
@@ -13387,7 +13407,7 @@
             <p:nvPr>
               <p:extLst>
                 <p:ext uri="{386F3935-93C4-4BCD-93E2-E3B085C9AB24}">
-                  <p16:designElem xmlns:p16="http://schemas.microsoft.com/office/powerpoint/2015/main" val="1"/>
+                  <p16:designElem xmlns:p16="http://schemas.microsoft.com/office/powerpoint/2015/main" xmlns="" val="1"/>
                 </p:ext>
               </p:extLst>
             </p:nvPr>
@@ -13440,10 +13460,10 @@
             <p:cNvPr id="22" name="Freeform 8">
               <a:extLst>
                 <a:ext uri="{FF2B5EF4-FFF2-40B4-BE49-F238E27FC236}">
-                  <a16:creationId xmlns:a16="http://schemas.microsoft.com/office/drawing/2014/main" id="{A2ACED1B-99D0-4C14-B63B-963889DCDBC2}"/>
+                  <a16:creationId xmlns:a16="http://schemas.microsoft.com/office/drawing/2014/main" xmlns="" id="{A2ACED1B-99D0-4C14-B63B-963889DCDBC2}"/>
                 </a:ext>
                 <a:ext uri="{C183D7F6-B498-43B3-948B-1728B52AA6E4}">
-                  <adec:decorative xmlns:adec="http://schemas.microsoft.com/office/drawing/2017/decorative" val="1"/>
+                  <adec:decorative xmlns:adec="http://schemas.microsoft.com/office/drawing/2017/decorative" xmlns="" val="1"/>
                 </a:ext>
               </a:extLst>
             </p:cNvPr>
@@ -13451,7 +13471,7 @@
             <p:nvPr>
               <p:extLst>
                 <p:ext uri="{386F3935-93C4-4BCD-93E2-E3B085C9AB24}">
-                  <p16:designElem xmlns:p16="http://schemas.microsoft.com/office/powerpoint/2015/main" val="1"/>
+                  <p16:designElem xmlns:p16="http://schemas.microsoft.com/office/powerpoint/2015/main" xmlns="" val="1"/>
                 </p:ext>
               </p:extLst>
             </p:nvPr>
@@ -13501,10 +13521,10 @@
             <p:cNvPr id="23" name="Freeform 9">
               <a:extLst>
                 <a:ext uri="{FF2B5EF4-FFF2-40B4-BE49-F238E27FC236}">
-                  <a16:creationId xmlns:a16="http://schemas.microsoft.com/office/drawing/2014/main" id="{5C5D324F-33A3-4C66-BFE5-1742CA4E5940}"/>
+                  <a16:creationId xmlns:a16="http://schemas.microsoft.com/office/drawing/2014/main" xmlns="" id="{5C5D324F-33A3-4C66-BFE5-1742CA4E5940}"/>
                 </a:ext>
                 <a:ext uri="{C183D7F6-B498-43B3-948B-1728B52AA6E4}">
-                  <adec:decorative xmlns:adec="http://schemas.microsoft.com/office/drawing/2017/decorative" val="1"/>
+                  <adec:decorative xmlns:adec="http://schemas.microsoft.com/office/drawing/2017/decorative" xmlns="" val="1"/>
                 </a:ext>
               </a:extLst>
             </p:cNvPr>
@@ -13512,7 +13532,7 @@
             <p:nvPr>
               <p:extLst>
                 <p:ext uri="{386F3935-93C4-4BCD-93E2-E3B085C9AB24}">
-                  <p16:designElem xmlns:p16="http://schemas.microsoft.com/office/powerpoint/2015/main" val="1"/>
+                  <p16:designElem xmlns:p16="http://schemas.microsoft.com/office/powerpoint/2015/main" xmlns="" val="1"/>
                 </p:ext>
               </p:extLst>
             </p:nvPr>
@@ -13561,10 +13581,10 @@
             <p:cNvPr id="24" name="Freeform 10">
               <a:extLst>
                 <a:ext uri="{FF2B5EF4-FFF2-40B4-BE49-F238E27FC236}">
-                  <a16:creationId xmlns:a16="http://schemas.microsoft.com/office/drawing/2014/main" id="{EC572FC8-A465-4BA3-BA4D-2EC538C042AD}"/>
+                  <a16:creationId xmlns:a16="http://schemas.microsoft.com/office/drawing/2014/main" xmlns="" id="{EC572FC8-A465-4BA3-BA4D-2EC538C042AD}"/>
                 </a:ext>
                 <a:ext uri="{C183D7F6-B498-43B3-948B-1728B52AA6E4}">
-                  <adec:decorative xmlns:adec="http://schemas.microsoft.com/office/drawing/2017/decorative" val="1"/>
+                  <adec:decorative xmlns:adec="http://schemas.microsoft.com/office/drawing/2017/decorative" xmlns="" val="1"/>
                 </a:ext>
               </a:extLst>
             </p:cNvPr>
@@ -13572,7 +13592,7 @@
             <p:nvPr>
               <p:extLst>
                 <p:ext uri="{386F3935-93C4-4BCD-93E2-E3B085C9AB24}">
-                  <p16:designElem xmlns:p16="http://schemas.microsoft.com/office/powerpoint/2015/main" val="1"/>
+                  <p16:designElem xmlns:p16="http://schemas.microsoft.com/office/powerpoint/2015/main" xmlns="" val="1"/>
                 </p:ext>
               </p:extLst>
             </p:nvPr>
@@ -13627,10 +13647,10 @@
             <p:cNvPr id="25" name="Freeform 11">
               <a:extLst>
                 <a:ext uri="{FF2B5EF4-FFF2-40B4-BE49-F238E27FC236}">
-                  <a16:creationId xmlns:a16="http://schemas.microsoft.com/office/drawing/2014/main" id="{66CC2B15-8E3B-4CFF-99E4-5B4E4D8CF933}"/>
+                  <a16:creationId xmlns:a16="http://schemas.microsoft.com/office/drawing/2014/main" xmlns="" id="{66CC2B15-8E3B-4CFF-99E4-5B4E4D8CF933}"/>
                 </a:ext>
                 <a:ext uri="{C183D7F6-B498-43B3-948B-1728B52AA6E4}">
-                  <adec:decorative xmlns:adec="http://schemas.microsoft.com/office/drawing/2017/decorative" val="1"/>
+                  <adec:decorative xmlns:adec="http://schemas.microsoft.com/office/drawing/2017/decorative" xmlns="" val="1"/>
                 </a:ext>
               </a:extLst>
             </p:cNvPr>
@@ -13638,7 +13658,7 @@
             <p:nvPr>
               <p:extLst>
                 <p:ext uri="{386F3935-93C4-4BCD-93E2-E3B085C9AB24}">
-                  <p16:designElem xmlns:p16="http://schemas.microsoft.com/office/powerpoint/2015/main" val="1"/>
+                  <p16:designElem xmlns:p16="http://schemas.microsoft.com/office/powerpoint/2015/main" xmlns="" val="1"/>
                 </p:ext>
               </p:extLst>
             </p:nvPr>
@@ -13707,7 +13727,7 @@
           <p:cNvPr id="2" name="Title 1">
             <a:extLst>
               <a:ext uri="{FF2B5EF4-FFF2-40B4-BE49-F238E27FC236}">
-                <a16:creationId xmlns:a16="http://schemas.microsoft.com/office/drawing/2014/main" id="{D19F05BC-D31C-BA45-9FAA-24F57947D6F3}"/>
+                <a16:creationId xmlns:a16="http://schemas.microsoft.com/office/drawing/2014/main" xmlns="" id="{D19F05BC-D31C-BA45-9FAA-24F57947D6F3}"/>
               </a:ext>
             </a:extLst>
           </p:cNvPr>
@@ -13742,7 +13762,7 @@
           <p:cNvPr id="3" name="Content Placeholder 2">
             <a:extLst>
               <a:ext uri="{FF2B5EF4-FFF2-40B4-BE49-F238E27FC236}">
-                <a16:creationId xmlns:a16="http://schemas.microsoft.com/office/drawing/2014/main" id="{4A7DF545-5DF3-C048-9C1F-B821D7E5FD68}"/>
+                <a16:creationId xmlns:a16="http://schemas.microsoft.com/office/drawing/2014/main" xmlns="" id="{4A7DF545-5DF3-C048-9C1F-B821D7E5FD68}"/>
               </a:ext>
             </a:extLst>
           </p:cNvPr>
@@ -13794,10 +13814,10 @@
           <p:cNvPr id="27" name="Rounded Rectangle 16">
             <a:extLst>
               <a:ext uri="{FF2B5EF4-FFF2-40B4-BE49-F238E27FC236}">
-                <a16:creationId xmlns:a16="http://schemas.microsoft.com/office/drawing/2014/main" id="{63A60C88-7443-4827-9241-5019758CB4F0}"/>
+                <a16:creationId xmlns:a16="http://schemas.microsoft.com/office/drawing/2014/main" xmlns="" id="{63A60C88-7443-4827-9241-5019758CB4F0}"/>
               </a:ext>
               <a:ext uri="{C183D7F6-B498-43B3-948B-1728B52AA6E4}">
-                <adec:decorative xmlns:adec="http://schemas.microsoft.com/office/drawing/2017/decorative" val="1"/>
+                <adec:decorative xmlns:adec="http://schemas.microsoft.com/office/drawing/2017/decorative" xmlns="" val="1"/>
               </a:ext>
             </a:extLst>
           </p:cNvPr>
@@ -13807,7 +13827,7 @@
           <p:nvPr>
             <p:extLst>
               <p:ext uri="{386F3935-93C4-4BCD-93E2-E3B085C9AB24}">
-                <p16:designElem xmlns:p16="http://schemas.microsoft.com/office/powerpoint/2015/main" val="1"/>
+                <p16:designElem xmlns:p16="http://schemas.microsoft.com/office/powerpoint/2015/main" xmlns="" val="1"/>
               </p:ext>
             </p:extLst>
           </p:nvPr>
@@ -13879,7 +13899,7 @@
           <p:cNvPr id="6" name="Content Placeholder 5" descr="Graphical user interface, text, application, email&#10;&#10;Description automatically generated">
             <a:extLst>
               <a:ext uri="{FF2B5EF4-FFF2-40B4-BE49-F238E27FC236}">
-                <a16:creationId xmlns:a16="http://schemas.microsoft.com/office/drawing/2014/main" id="{C7A94992-09E8-244E-B1F6-A5E7BA03DAA2}"/>
+                <a16:creationId xmlns:a16="http://schemas.microsoft.com/office/drawing/2014/main" xmlns="" id="{C7A94992-09E8-244E-B1F6-A5E7BA03DAA2}"/>
               </a:ext>
             </a:extLst>
           </p:cNvPr>
@@ -13917,7 +13937,7 @@
           <p:cNvPr id="26" name="TextBox 25">
             <a:extLst>
               <a:ext uri="{FF2B5EF4-FFF2-40B4-BE49-F238E27FC236}">
-                <a16:creationId xmlns:a16="http://schemas.microsoft.com/office/drawing/2014/main" id="{CABBB748-1AD7-7342-8D2F-185A0BB5C81E}"/>
+                <a16:creationId xmlns:a16="http://schemas.microsoft.com/office/drawing/2014/main" xmlns="" id="{CABBB748-1AD7-7342-8D2F-185A0BB5C81E}"/>
               </a:ext>
             </a:extLst>
           </p:cNvPr>
@@ -14003,10 +14023,10 @@
           <p:cNvPr id="32" name="Group 31">
             <a:extLst>
               <a:ext uri="{FF2B5EF4-FFF2-40B4-BE49-F238E27FC236}">
-                <a16:creationId xmlns:a16="http://schemas.microsoft.com/office/drawing/2014/main" id="{15FF890B-3CE7-403A-AECE-2DE04FC7AF80}"/>
+                <a16:creationId xmlns:a16="http://schemas.microsoft.com/office/drawing/2014/main" xmlns="" id="{15FF890B-3CE7-403A-AECE-2DE04FC7AF80}"/>
               </a:ext>
               <a:ext uri="{C183D7F6-B498-43B3-948B-1728B52AA6E4}">
-                <adec:decorative xmlns:adec="http://schemas.microsoft.com/office/drawing/2017/decorative" val="1"/>
+                <adec:decorative xmlns:adec="http://schemas.microsoft.com/office/drawing/2017/decorative" xmlns="" val="1"/>
               </a:ext>
             </a:extLst>
           </p:cNvPr>
@@ -14016,7 +14036,7 @@
           <p:nvPr>
             <p:extLst>
               <p:ext uri="{386F3935-93C4-4BCD-93E2-E3B085C9AB24}">
-                <p16:designElem xmlns:p16="http://schemas.microsoft.com/office/powerpoint/2015/main" val="1"/>
+                <p16:designElem xmlns:p16="http://schemas.microsoft.com/office/powerpoint/2015/main" xmlns="" val="1"/>
               </p:ext>
             </p:extLst>
           </p:nvPr>
@@ -14034,10 +14054,10 @@
             <p:cNvPr id="33" name="Freeform 6">
               <a:extLst>
                 <a:ext uri="{FF2B5EF4-FFF2-40B4-BE49-F238E27FC236}">
-                  <a16:creationId xmlns:a16="http://schemas.microsoft.com/office/drawing/2014/main" id="{99A4E160-6CFD-4514-9E20-CA6692CCDB9C}"/>
+                  <a16:creationId xmlns:a16="http://schemas.microsoft.com/office/drawing/2014/main" xmlns="" id="{99A4E160-6CFD-4514-9E20-CA6692CCDB9C}"/>
                 </a:ext>
                 <a:ext uri="{C183D7F6-B498-43B3-948B-1728B52AA6E4}">
-                  <adec:decorative xmlns:adec="http://schemas.microsoft.com/office/drawing/2017/decorative" val="1"/>
+                  <adec:decorative xmlns:adec="http://schemas.microsoft.com/office/drawing/2017/decorative" xmlns="" val="1"/>
                 </a:ext>
               </a:extLst>
             </p:cNvPr>
@@ -14045,7 +14065,7 @@
             <p:nvPr>
               <p:extLst>
                 <p:ext uri="{386F3935-93C4-4BCD-93E2-E3B085C9AB24}">
-                  <p16:designElem xmlns:p16="http://schemas.microsoft.com/office/powerpoint/2015/main" val="1"/>
+                  <p16:designElem xmlns:p16="http://schemas.microsoft.com/office/powerpoint/2015/main" xmlns="" val="1"/>
                 </p:ext>
               </p:extLst>
             </p:nvPr>
@@ -14095,10 +14115,10 @@
             <p:cNvPr id="34" name="Freeform 7">
               <a:extLst>
                 <a:ext uri="{FF2B5EF4-FFF2-40B4-BE49-F238E27FC236}">
-                  <a16:creationId xmlns:a16="http://schemas.microsoft.com/office/drawing/2014/main" id="{3DCD16F5-8D15-45FD-BA62-ADAC08183A27}"/>
+                  <a16:creationId xmlns:a16="http://schemas.microsoft.com/office/drawing/2014/main" xmlns="" id="{3DCD16F5-8D15-45FD-BA62-ADAC08183A27}"/>
                 </a:ext>
                 <a:ext uri="{C183D7F6-B498-43B3-948B-1728B52AA6E4}">
-                  <adec:decorative xmlns:adec="http://schemas.microsoft.com/office/drawing/2017/decorative" val="1"/>
+                  <adec:decorative xmlns:adec="http://schemas.microsoft.com/office/drawing/2017/decorative" xmlns="" val="1"/>
                 </a:ext>
               </a:extLst>
             </p:cNvPr>
@@ -14106,7 +14126,7 @@
             <p:nvPr>
               <p:extLst>
                 <p:ext uri="{386F3935-93C4-4BCD-93E2-E3B085C9AB24}">
-                  <p16:designElem xmlns:p16="http://schemas.microsoft.com/office/powerpoint/2015/main" val="1"/>
+                  <p16:designElem xmlns:p16="http://schemas.microsoft.com/office/powerpoint/2015/main" xmlns="" val="1"/>
                 </p:ext>
               </p:extLst>
             </p:nvPr>
@@ -14159,10 +14179,10 @@
             <p:cNvPr id="35" name="Freeform 8">
               <a:extLst>
                 <a:ext uri="{FF2B5EF4-FFF2-40B4-BE49-F238E27FC236}">
-                  <a16:creationId xmlns:a16="http://schemas.microsoft.com/office/drawing/2014/main" id="{E7CFAF28-6FDA-4C2C-BE51-123D1115F75C}"/>
+                  <a16:creationId xmlns:a16="http://schemas.microsoft.com/office/drawing/2014/main" xmlns="" id="{E7CFAF28-6FDA-4C2C-BE51-123D1115F75C}"/>
                 </a:ext>
                 <a:ext uri="{C183D7F6-B498-43B3-948B-1728B52AA6E4}">
-                  <adec:decorative xmlns:adec="http://schemas.microsoft.com/office/drawing/2017/decorative" val="1"/>
+                  <adec:decorative xmlns:adec="http://schemas.microsoft.com/office/drawing/2017/decorative" xmlns="" val="1"/>
                 </a:ext>
               </a:extLst>
             </p:cNvPr>
@@ -14170,7 +14190,7 @@
             <p:nvPr>
               <p:extLst>
                 <p:ext uri="{386F3935-93C4-4BCD-93E2-E3B085C9AB24}">
-                  <p16:designElem xmlns:p16="http://schemas.microsoft.com/office/powerpoint/2015/main" val="1"/>
+                  <p16:designElem xmlns:p16="http://schemas.microsoft.com/office/powerpoint/2015/main" xmlns="" val="1"/>
                 </p:ext>
               </p:extLst>
             </p:nvPr>
@@ -14220,10 +14240,10 @@
             <p:cNvPr id="36" name="Freeform 9">
               <a:extLst>
                 <a:ext uri="{FF2B5EF4-FFF2-40B4-BE49-F238E27FC236}">
-                  <a16:creationId xmlns:a16="http://schemas.microsoft.com/office/drawing/2014/main" id="{1FD12703-0627-4991-B2A4-F96519F90863}"/>
+                  <a16:creationId xmlns:a16="http://schemas.microsoft.com/office/drawing/2014/main" xmlns="" id="{1FD12703-0627-4991-B2A4-F96519F90863}"/>
                 </a:ext>
                 <a:ext uri="{C183D7F6-B498-43B3-948B-1728B52AA6E4}">
-                  <adec:decorative xmlns:adec="http://schemas.microsoft.com/office/drawing/2017/decorative" val="1"/>
+                  <adec:decorative xmlns:adec="http://schemas.microsoft.com/office/drawing/2017/decorative" xmlns="" val="1"/>
                 </a:ext>
               </a:extLst>
             </p:cNvPr>
@@ -14231,7 +14251,7 @@
             <p:nvPr>
               <p:extLst>
                 <p:ext uri="{386F3935-93C4-4BCD-93E2-E3B085C9AB24}">
-                  <p16:designElem xmlns:p16="http://schemas.microsoft.com/office/powerpoint/2015/main" val="1"/>
+                  <p16:designElem xmlns:p16="http://schemas.microsoft.com/office/powerpoint/2015/main" xmlns="" val="1"/>
                 </p:ext>
               </p:extLst>
             </p:nvPr>
@@ -14280,10 +14300,10 @@
             <p:cNvPr id="37" name="Freeform 10">
               <a:extLst>
                 <a:ext uri="{FF2B5EF4-FFF2-40B4-BE49-F238E27FC236}">
-                  <a16:creationId xmlns:a16="http://schemas.microsoft.com/office/drawing/2014/main" id="{A5758E0B-DF61-40A8-B765-BC6841906A9A}"/>
+                  <a16:creationId xmlns:a16="http://schemas.microsoft.com/office/drawing/2014/main" xmlns="" id="{A5758E0B-DF61-40A8-B765-BC6841906A9A}"/>
                 </a:ext>
                 <a:ext uri="{C183D7F6-B498-43B3-948B-1728B52AA6E4}">
-                  <adec:decorative xmlns:adec="http://schemas.microsoft.com/office/drawing/2017/decorative" val="1"/>
+                  <adec:decorative xmlns:adec="http://schemas.microsoft.com/office/drawing/2017/decorative" xmlns="" val="1"/>
                 </a:ext>
               </a:extLst>
             </p:cNvPr>
@@ -14291,7 +14311,7 @@
             <p:nvPr>
               <p:extLst>
                 <p:ext uri="{386F3935-93C4-4BCD-93E2-E3B085C9AB24}">
-                  <p16:designElem xmlns:p16="http://schemas.microsoft.com/office/powerpoint/2015/main" val="1"/>
+                  <p16:designElem xmlns:p16="http://schemas.microsoft.com/office/powerpoint/2015/main" xmlns="" val="1"/>
                 </p:ext>
               </p:extLst>
             </p:nvPr>
@@ -14346,10 +14366,10 @@
             <p:cNvPr id="38" name="Freeform 11">
               <a:extLst>
                 <a:ext uri="{FF2B5EF4-FFF2-40B4-BE49-F238E27FC236}">
-                  <a16:creationId xmlns:a16="http://schemas.microsoft.com/office/drawing/2014/main" id="{3E063A1F-9566-4436-B4E3-2890FBBC2CCB}"/>
+                  <a16:creationId xmlns:a16="http://schemas.microsoft.com/office/drawing/2014/main" xmlns="" id="{3E063A1F-9566-4436-B4E3-2890FBBC2CCB}"/>
                 </a:ext>
                 <a:ext uri="{C183D7F6-B498-43B3-948B-1728B52AA6E4}">
-                  <adec:decorative xmlns:adec="http://schemas.microsoft.com/office/drawing/2017/decorative" val="1"/>
+                  <adec:decorative xmlns:adec="http://schemas.microsoft.com/office/drawing/2017/decorative" xmlns="" val="1"/>
                 </a:ext>
               </a:extLst>
             </p:cNvPr>
@@ -14357,7 +14377,7 @@
             <p:nvPr>
               <p:extLst>
                 <p:ext uri="{386F3935-93C4-4BCD-93E2-E3B085C9AB24}">
-                  <p16:designElem xmlns:p16="http://schemas.microsoft.com/office/powerpoint/2015/main" val="1"/>
+                  <p16:designElem xmlns:p16="http://schemas.microsoft.com/office/powerpoint/2015/main" xmlns="" val="1"/>
                 </p:ext>
               </p:extLst>
             </p:nvPr>
@@ -14426,10 +14446,10 @@
           <p:cNvPr id="40" name="Group 39">
             <a:extLst>
               <a:ext uri="{FF2B5EF4-FFF2-40B4-BE49-F238E27FC236}">
-                <a16:creationId xmlns:a16="http://schemas.microsoft.com/office/drawing/2014/main" id="{DF8D5C46-63E5-40C5-A208-4B2189FA1032}"/>
+                <a16:creationId xmlns:a16="http://schemas.microsoft.com/office/drawing/2014/main" xmlns="" id="{DF8D5C46-63E5-40C5-A208-4B2189FA1032}"/>
               </a:ext>
               <a:ext uri="{C183D7F6-B498-43B3-948B-1728B52AA6E4}">
-                <adec:decorative xmlns:adec="http://schemas.microsoft.com/office/drawing/2017/decorative" val="1"/>
+                <adec:decorative xmlns:adec="http://schemas.microsoft.com/office/drawing/2017/decorative" xmlns="" val="1"/>
               </a:ext>
             </a:extLst>
           </p:cNvPr>
@@ -14439,7 +14459,7 @@
           <p:nvPr>
             <p:extLst>
               <p:ext uri="{386F3935-93C4-4BCD-93E2-E3B085C9AB24}">
-                <p16:designElem xmlns:p16="http://schemas.microsoft.com/office/powerpoint/2015/main" val="1"/>
+                <p16:designElem xmlns:p16="http://schemas.microsoft.com/office/powerpoint/2015/main" xmlns="" val="1"/>
               </p:ext>
             </p:extLst>
           </p:nvPr>
@@ -14457,10 +14477,10 @@
             <p:cNvPr id="41" name="Freeform 6">
               <a:extLst>
                 <a:ext uri="{FF2B5EF4-FFF2-40B4-BE49-F238E27FC236}">
-                  <a16:creationId xmlns:a16="http://schemas.microsoft.com/office/drawing/2014/main" id="{4A42B4ED-376E-46C3-8BB2-EAFC660D112B}"/>
+                  <a16:creationId xmlns:a16="http://schemas.microsoft.com/office/drawing/2014/main" xmlns="" id="{4A42B4ED-376E-46C3-8BB2-EAFC660D112B}"/>
                 </a:ext>
                 <a:ext uri="{C183D7F6-B498-43B3-948B-1728B52AA6E4}">
-                  <adec:decorative xmlns:adec="http://schemas.microsoft.com/office/drawing/2017/decorative" val="1"/>
+                  <adec:decorative xmlns:adec="http://schemas.microsoft.com/office/drawing/2017/decorative" xmlns="" val="1"/>
                 </a:ext>
               </a:extLst>
             </p:cNvPr>
@@ -14468,7 +14488,7 @@
             <p:nvPr>
               <p:extLst>
                 <p:ext uri="{386F3935-93C4-4BCD-93E2-E3B085C9AB24}">
-                  <p16:designElem xmlns:p16="http://schemas.microsoft.com/office/powerpoint/2015/main" val="1"/>
+                  <p16:designElem xmlns:p16="http://schemas.microsoft.com/office/powerpoint/2015/main" xmlns="" val="1"/>
                 </p:ext>
               </p:extLst>
             </p:nvPr>
@@ -14518,10 +14538,10 @@
             <p:cNvPr id="42" name="Freeform 7">
               <a:extLst>
                 <a:ext uri="{FF2B5EF4-FFF2-40B4-BE49-F238E27FC236}">
-                  <a16:creationId xmlns:a16="http://schemas.microsoft.com/office/drawing/2014/main" id="{94E0795D-42C3-4DFD-AEB0-286A1CF143FC}"/>
+                  <a16:creationId xmlns:a16="http://schemas.microsoft.com/office/drawing/2014/main" xmlns="" id="{94E0795D-42C3-4DFD-AEB0-286A1CF143FC}"/>
                 </a:ext>
                 <a:ext uri="{C183D7F6-B498-43B3-948B-1728B52AA6E4}">
-                  <adec:decorative xmlns:adec="http://schemas.microsoft.com/office/drawing/2017/decorative" val="1"/>
+                  <adec:decorative xmlns:adec="http://schemas.microsoft.com/office/drawing/2017/decorative" xmlns="" val="1"/>
                 </a:ext>
               </a:extLst>
             </p:cNvPr>
@@ -14529,7 +14549,7 @@
             <p:nvPr>
               <p:extLst>
                 <p:ext uri="{386F3935-93C4-4BCD-93E2-E3B085C9AB24}">
-                  <p16:designElem xmlns:p16="http://schemas.microsoft.com/office/powerpoint/2015/main" val="1"/>
+                  <p16:designElem xmlns:p16="http://schemas.microsoft.com/office/powerpoint/2015/main" xmlns="" val="1"/>
                 </p:ext>
               </p:extLst>
             </p:nvPr>
@@ -14582,10 +14602,10 @@
             <p:cNvPr id="43" name="Freeform 8">
               <a:extLst>
                 <a:ext uri="{FF2B5EF4-FFF2-40B4-BE49-F238E27FC236}">
-                  <a16:creationId xmlns:a16="http://schemas.microsoft.com/office/drawing/2014/main" id="{A2ACED1B-99D0-4C14-B63B-963889DCDBC2}"/>
+                  <a16:creationId xmlns:a16="http://schemas.microsoft.com/office/drawing/2014/main" xmlns="" id="{A2ACED1B-99D0-4C14-B63B-963889DCDBC2}"/>
                 </a:ext>
                 <a:ext uri="{C183D7F6-B498-43B3-948B-1728B52AA6E4}">
-                  <adec:decorative xmlns:adec="http://schemas.microsoft.com/office/drawing/2017/decorative" val="1"/>
+                  <adec:decorative xmlns:adec="http://schemas.microsoft.com/office/drawing/2017/decorative" xmlns="" val="1"/>
                 </a:ext>
               </a:extLst>
             </p:cNvPr>
@@ -14593,7 +14613,7 @@
             <p:nvPr>
               <p:extLst>
                 <p:ext uri="{386F3935-93C4-4BCD-93E2-E3B085C9AB24}">
-                  <p16:designElem xmlns:p16="http://schemas.microsoft.com/office/powerpoint/2015/main" val="1"/>
+                  <p16:designElem xmlns:p16="http://schemas.microsoft.com/office/powerpoint/2015/main" xmlns="" val="1"/>
                 </p:ext>
               </p:extLst>
             </p:nvPr>
@@ -14643,10 +14663,10 @@
             <p:cNvPr id="44" name="Freeform 9">
               <a:extLst>
                 <a:ext uri="{FF2B5EF4-FFF2-40B4-BE49-F238E27FC236}">
-                  <a16:creationId xmlns:a16="http://schemas.microsoft.com/office/drawing/2014/main" id="{5C5D324F-33A3-4C66-BFE5-1742CA4E5940}"/>
+                  <a16:creationId xmlns:a16="http://schemas.microsoft.com/office/drawing/2014/main" xmlns="" id="{5C5D324F-33A3-4C66-BFE5-1742CA4E5940}"/>
                 </a:ext>
                 <a:ext uri="{C183D7F6-B498-43B3-948B-1728B52AA6E4}">
-                  <adec:decorative xmlns:adec="http://schemas.microsoft.com/office/drawing/2017/decorative" val="1"/>
+                  <adec:decorative xmlns:adec="http://schemas.microsoft.com/office/drawing/2017/decorative" xmlns="" val="1"/>
                 </a:ext>
               </a:extLst>
             </p:cNvPr>
@@ -14654,7 +14674,7 @@
             <p:nvPr>
               <p:extLst>
                 <p:ext uri="{386F3935-93C4-4BCD-93E2-E3B085C9AB24}">
-                  <p16:designElem xmlns:p16="http://schemas.microsoft.com/office/powerpoint/2015/main" val="1"/>
+                  <p16:designElem xmlns:p16="http://schemas.microsoft.com/office/powerpoint/2015/main" xmlns="" val="1"/>
                 </p:ext>
               </p:extLst>
             </p:nvPr>
@@ -14703,10 +14723,10 @@
             <p:cNvPr id="45" name="Freeform 10">
               <a:extLst>
                 <a:ext uri="{FF2B5EF4-FFF2-40B4-BE49-F238E27FC236}">
-                  <a16:creationId xmlns:a16="http://schemas.microsoft.com/office/drawing/2014/main" id="{EC572FC8-A465-4BA3-BA4D-2EC538C042AD}"/>
+                  <a16:creationId xmlns:a16="http://schemas.microsoft.com/office/drawing/2014/main" xmlns="" id="{EC572FC8-A465-4BA3-BA4D-2EC538C042AD}"/>
                 </a:ext>
                 <a:ext uri="{C183D7F6-B498-43B3-948B-1728B52AA6E4}">
-                  <adec:decorative xmlns:adec="http://schemas.microsoft.com/office/drawing/2017/decorative" val="1"/>
+                  <adec:decorative xmlns:adec="http://schemas.microsoft.com/office/drawing/2017/decorative" xmlns="" val="1"/>
                 </a:ext>
               </a:extLst>
             </p:cNvPr>
@@ -14714,7 +14734,7 @@
             <p:nvPr>
               <p:extLst>
                 <p:ext uri="{386F3935-93C4-4BCD-93E2-E3B085C9AB24}">
-                  <p16:designElem xmlns:p16="http://schemas.microsoft.com/office/powerpoint/2015/main" val="1"/>
+                  <p16:designElem xmlns:p16="http://schemas.microsoft.com/office/powerpoint/2015/main" xmlns="" val="1"/>
                 </p:ext>
               </p:extLst>
             </p:nvPr>
@@ -14769,10 +14789,10 @@
             <p:cNvPr id="46" name="Freeform 11">
               <a:extLst>
                 <a:ext uri="{FF2B5EF4-FFF2-40B4-BE49-F238E27FC236}">
-                  <a16:creationId xmlns:a16="http://schemas.microsoft.com/office/drawing/2014/main" id="{66CC2B15-8E3B-4CFF-99E4-5B4E4D8CF933}"/>
+                  <a16:creationId xmlns:a16="http://schemas.microsoft.com/office/drawing/2014/main" xmlns="" id="{66CC2B15-8E3B-4CFF-99E4-5B4E4D8CF933}"/>
                 </a:ext>
                 <a:ext uri="{C183D7F6-B498-43B3-948B-1728B52AA6E4}">
-                  <adec:decorative xmlns:adec="http://schemas.microsoft.com/office/drawing/2017/decorative" val="1"/>
+                  <adec:decorative xmlns:adec="http://schemas.microsoft.com/office/drawing/2017/decorative" xmlns="" val="1"/>
                 </a:ext>
               </a:extLst>
             </p:cNvPr>
@@ -14780,7 +14800,7 @@
             <p:nvPr>
               <p:extLst>
                 <p:ext uri="{386F3935-93C4-4BCD-93E2-E3B085C9AB24}">
-                  <p16:designElem xmlns:p16="http://schemas.microsoft.com/office/powerpoint/2015/main" val="1"/>
+                  <p16:designElem xmlns:p16="http://schemas.microsoft.com/office/powerpoint/2015/main" xmlns="" val="1"/>
                 </p:ext>
               </p:extLst>
             </p:nvPr>
@@ -14849,7 +14869,7 @@
           <p:cNvPr id="2" name="Title 1">
             <a:extLst>
               <a:ext uri="{FF2B5EF4-FFF2-40B4-BE49-F238E27FC236}">
-                <a16:creationId xmlns:a16="http://schemas.microsoft.com/office/drawing/2014/main" id="{73694081-56A5-414C-A09C-0308AD543862}"/>
+                <a16:creationId xmlns:a16="http://schemas.microsoft.com/office/drawing/2014/main" xmlns="" id="{73694081-56A5-414C-A09C-0308AD543862}"/>
               </a:ext>
             </a:extLst>
           </p:cNvPr>
@@ -14884,7 +14904,7 @@
           <p:cNvPr id="3" name="Content Placeholder 2">
             <a:extLst>
               <a:ext uri="{FF2B5EF4-FFF2-40B4-BE49-F238E27FC236}">
-                <a16:creationId xmlns:a16="http://schemas.microsoft.com/office/drawing/2014/main" id="{E7444C4F-ABE5-3348-9F01-1F2FC5A10A64}"/>
+                <a16:creationId xmlns:a16="http://schemas.microsoft.com/office/drawing/2014/main" xmlns="" id="{E7444C4F-ABE5-3348-9F01-1F2FC5A10A64}"/>
               </a:ext>
             </a:extLst>
           </p:cNvPr>
@@ -14925,10 +14945,10 @@
           <p:cNvPr id="48" name="Rounded Rectangle 16">
             <a:extLst>
               <a:ext uri="{FF2B5EF4-FFF2-40B4-BE49-F238E27FC236}">
-                <a16:creationId xmlns:a16="http://schemas.microsoft.com/office/drawing/2014/main" id="{63A60C88-7443-4827-9241-5019758CB4F0}"/>
+                <a16:creationId xmlns:a16="http://schemas.microsoft.com/office/drawing/2014/main" xmlns="" id="{63A60C88-7443-4827-9241-5019758CB4F0}"/>
               </a:ext>
               <a:ext uri="{C183D7F6-B498-43B3-948B-1728B52AA6E4}">
-                <adec:decorative xmlns:adec="http://schemas.microsoft.com/office/drawing/2017/decorative" val="1"/>
+                <adec:decorative xmlns:adec="http://schemas.microsoft.com/office/drawing/2017/decorative" xmlns="" val="1"/>
               </a:ext>
             </a:extLst>
           </p:cNvPr>
@@ -14938,7 +14958,7 @@
           <p:nvPr>
             <p:extLst>
               <p:ext uri="{386F3935-93C4-4BCD-93E2-E3B085C9AB24}">
-                <p16:designElem xmlns:p16="http://schemas.microsoft.com/office/powerpoint/2015/main" val="1"/>
+                <p16:designElem xmlns:p16="http://schemas.microsoft.com/office/powerpoint/2015/main" xmlns="" val="1"/>
               </p:ext>
             </p:extLst>
           </p:nvPr>
@@ -15010,7 +15030,7 @@
           <p:cNvPr id="6" name="Content Placeholder 5" descr="Graphical user interface, text, application, email&#10;&#10;Description automatically generated">
             <a:extLst>
               <a:ext uri="{FF2B5EF4-FFF2-40B4-BE49-F238E27FC236}">
-                <a16:creationId xmlns:a16="http://schemas.microsoft.com/office/drawing/2014/main" id="{8D551CE5-8F97-3547-96E4-825B35CC15A4}"/>
+                <a16:creationId xmlns:a16="http://schemas.microsoft.com/office/drawing/2014/main" xmlns="" id="{8D551CE5-8F97-3547-96E4-825B35CC15A4}"/>
               </a:ext>
             </a:extLst>
           </p:cNvPr>
@@ -15048,7 +15068,7 @@
           <p:cNvPr id="20" name="TextBox 19">
             <a:extLst>
               <a:ext uri="{FF2B5EF4-FFF2-40B4-BE49-F238E27FC236}">
-                <a16:creationId xmlns:a16="http://schemas.microsoft.com/office/drawing/2014/main" id="{42C1A88A-ABD8-8B45-9500-E551FAB8E06F}"/>
+                <a16:creationId xmlns:a16="http://schemas.microsoft.com/office/drawing/2014/main" xmlns="" id="{42C1A88A-ABD8-8B45-9500-E551FAB8E06F}"/>
               </a:ext>
             </a:extLst>
           </p:cNvPr>
@@ -15134,10 +15154,10 @@
           <p:cNvPr id="47" name="Group 31">
             <a:extLst>
               <a:ext uri="{FF2B5EF4-FFF2-40B4-BE49-F238E27FC236}">
-                <a16:creationId xmlns:a16="http://schemas.microsoft.com/office/drawing/2014/main" id="{260ACC13-B825-49F3-93DE-C8B8F2FA37A1}"/>
+                <a16:creationId xmlns:a16="http://schemas.microsoft.com/office/drawing/2014/main" xmlns="" id="{260ACC13-B825-49F3-93DE-C8B8F2FA37A1}"/>
               </a:ext>
               <a:ext uri="{C183D7F6-B498-43B3-948B-1728B52AA6E4}">
-                <adec:decorative xmlns:adec="http://schemas.microsoft.com/office/drawing/2017/decorative" val="1"/>
+                <adec:decorative xmlns:adec="http://schemas.microsoft.com/office/drawing/2017/decorative" xmlns="" val="1"/>
               </a:ext>
             </a:extLst>
           </p:cNvPr>
@@ -15147,7 +15167,7 @@
           <p:nvPr>
             <p:extLst>
               <p:ext uri="{386F3935-93C4-4BCD-93E2-E3B085C9AB24}">
-                <p16:designElem xmlns:p16="http://schemas.microsoft.com/office/powerpoint/2015/main" val="1"/>
+                <p16:designElem xmlns:p16="http://schemas.microsoft.com/office/powerpoint/2015/main" xmlns="" val="1"/>
               </p:ext>
             </p:extLst>
           </p:nvPr>
@@ -15165,10 +15185,10 @@
             <p:cNvPr id="33" name="Freeform 6">
               <a:extLst>
                 <a:ext uri="{FF2B5EF4-FFF2-40B4-BE49-F238E27FC236}">
-                  <a16:creationId xmlns:a16="http://schemas.microsoft.com/office/drawing/2014/main" id="{F947B31F-CA03-4793-845D-FD86BABC1A18}"/>
+                  <a16:creationId xmlns:a16="http://schemas.microsoft.com/office/drawing/2014/main" xmlns="" id="{F947B31F-CA03-4793-845D-FD86BABC1A18}"/>
                 </a:ext>
                 <a:ext uri="{C183D7F6-B498-43B3-948B-1728B52AA6E4}">
-                  <adec:decorative xmlns:adec="http://schemas.microsoft.com/office/drawing/2017/decorative" val="1"/>
+                  <adec:decorative xmlns:adec="http://schemas.microsoft.com/office/drawing/2017/decorative" xmlns="" val="1"/>
                 </a:ext>
               </a:extLst>
             </p:cNvPr>
@@ -15176,7 +15196,7 @@
             <p:nvPr>
               <p:extLst>
                 <p:ext uri="{386F3935-93C4-4BCD-93E2-E3B085C9AB24}">
-                  <p16:designElem xmlns:p16="http://schemas.microsoft.com/office/powerpoint/2015/main" val="1"/>
+                  <p16:designElem xmlns:p16="http://schemas.microsoft.com/office/powerpoint/2015/main" xmlns="" val="1"/>
                 </p:ext>
               </p:extLst>
             </p:nvPr>
@@ -15226,10 +15246,10 @@
             <p:cNvPr id="34" name="Freeform 7">
               <a:extLst>
                 <a:ext uri="{FF2B5EF4-FFF2-40B4-BE49-F238E27FC236}">
-                  <a16:creationId xmlns:a16="http://schemas.microsoft.com/office/drawing/2014/main" id="{DCDDE94D-F78C-4A48-AEA6-E922FC99A159}"/>
+                  <a16:creationId xmlns:a16="http://schemas.microsoft.com/office/drawing/2014/main" xmlns="" id="{DCDDE94D-F78C-4A48-AEA6-E922FC99A159}"/>
                 </a:ext>
                 <a:ext uri="{C183D7F6-B498-43B3-948B-1728B52AA6E4}">
-                  <adec:decorative xmlns:adec="http://schemas.microsoft.com/office/drawing/2017/decorative" val="1"/>
+                  <adec:decorative xmlns:adec="http://schemas.microsoft.com/office/drawing/2017/decorative" xmlns="" val="1"/>
                 </a:ext>
               </a:extLst>
             </p:cNvPr>
@@ -15237,7 +15257,7 @@
             <p:nvPr>
               <p:extLst>
                 <p:ext uri="{386F3935-93C4-4BCD-93E2-E3B085C9AB24}">
-                  <p16:designElem xmlns:p16="http://schemas.microsoft.com/office/powerpoint/2015/main" val="1"/>
+                  <p16:designElem xmlns:p16="http://schemas.microsoft.com/office/powerpoint/2015/main" xmlns="" val="1"/>
                 </p:ext>
               </p:extLst>
             </p:nvPr>
@@ -15290,10 +15310,10 @@
             <p:cNvPr id="35" name="Freeform 8">
               <a:extLst>
                 <a:ext uri="{FF2B5EF4-FFF2-40B4-BE49-F238E27FC236}">
-                  <a16:creationId xmlns:a16="http://schemas.microsoft.com/office/drawing/2014/main" id="{3445A886-F3CA-4DE4-90D7-535F9707B799}"/>
+                  <a16:creationId xmlns:a16="http://schemas.microsoft.com/office/drawing/2014/main" xmlns="" id="{3445A886-F3CA-4DE4-90D7-535F9707B799}"/>
                 </a:ext>
                 <a:ext uri="{C183D7F6-B498-43B3-948B-1728B52AA6E4}">
-                  <adec:decorative xmlns:adec="http://schemas.microsoft.com/office/drawing/2017/decorative" val="1"/>
+                  <adec:decorative xmlns:adec="http://schemas.microsoft.com/office/drawing/2017/decorative" xmlns="" val="1"/>
                 </a:ext>
               </a:extLst>
             </p:cNvPr>
@@ -15301,7 +15321,7 @@
             <p:nvPr>
               <p:extLst>
                 <p:ext uri="{386F3935-93C4-4BCD-93E2-E3B085C9AB24}">
-                  <p16:designElem xmlns:p16="http://schemas.microsoft.com/office/powerpoint/2015/main" val="1"/>
+                  <p16:designElem xmlns:p16="http://schemas.microsoft.com/office/powerpoint/2015/main" xmlns="" val="1"/>
                 </p:ext>
               </p:extLst>
             </p:nvPr>
@@ -15351,10 +15371,10 @@
             <p:cNvPr id="36" name="Freeform 9">
               <a:extLst>
                 <a:ext uri="{FF2B5EF4-FFF2-40B4-BE49-F238E27FC236}">
-                  <a16:creationId xmlns:a16="http://schemas.microsoft.com/office/drawing/2014/main" id="{A8999CB6-C053-418B-AE37-E470804D251D}"/>
+                  <a16:creationId xmlns:a16="http://schemas.microsoft.com/office/drawing/2014/main" xmlns="" id="{A8999CB6-C053-418B-AE37-E470804D251D}"/>
                 </a:ext>
                 <a:ext uri="{C183D7F6-B498-43B3-948B-1728B52AA6E4}">
-                  <adec:decorative xmlns:adec="http://schemas.microsoft.com/office/drawing/2017/decorative" val="1"/>
+                  <adec:decorative xmlns:adec="http://schemas.microsoft.com/office/drawing/2017/decorative" xmlns="" val="1"/>
                 </a:ext>
               </a:extLst>
             </p:cNvPr>
@@ -15362,7 +15382,7 @@
             <p:nvPr>
               <p:extLst>
                 <p:ext uri="{386F3935-93C4-4BCD-93E2-E3B085C9AB24}">
-                  <p16:designElem xmlns:p16="http://schemas.microsoft.com/office/powerpoint/2015/main" val="1"/>
+                  <p16:designElem xmlns:p16="http://schemas.microsoft.com/office/powerpoint/2015/main" xmlns="" val="1"/>
                 </p:ext>
               </p:extLst>
             </p:nvPr>
@@ -15411,10 +15431,10 @@
             <p:cNvPr id="37" name="Freeform 10">
               <a:extLst>
                 <a:ext uri="{FF2B5EF4-FFF2-40B4-BE49-F238E27FC236}">
-                  <a16:creationId xmlns:a16="http://schemas.microsoft.com/office/drawing/2014/main" id="{81EA3E26-BFCD-4396-AE8A-2A9828BFFBA2}"/>
+                  <a16:creationId xmlns:a16="http://schemas.microsoft.com/office/drawing/2014/main" xmlns="" id="{81EA3E26-BFCD-4396-AE8A-2A9828BFFBA2}"/>
                 </a:ext>
                 <a:ext uri="{C183D7F6-B498-43B3-948B-1728B52AA6E4}">
-                  <adec:decorative xmlns:adec="http://schemas.microsoft.com/office/drawing/2017/decorative" val="1"/>
+                  <adec:decorative xmlns:adec="http://schemas.microsoft.com/office/drawing/2017/decorative" xmlns="" val="1"/>
                 </a:ext>
               </a:extLst>
             </p:cNvPr>
@@ -15422,7 +15442,7 @@
             <p:nvPr>
               <p:extLst>
                 <p:ext uri="{386F3935-93C4-4BCD-93E2-E3B085C9AB24}">
-                  <p16:designElem xmlns:p16="http://schemas.microsoft.com/office/powerpoint/2015/main" val="1"/>
+                  <p16:designElem xmlns:p16="http://schemas.microsoft.com/office/powerpoint/2015/main" xmlns="" val="1"/>
                 </p:ext>
               </p:extLst>
             </p:nvPr>
@@ -15477,10 +15497,10 @@
             <p:cNvPr id="38" name="Freeform 11">
               <a:extLst>
                 <a:ext uri="{FF2B5EF4-FFF2-40B4-BE49-F238E27FC236}">
-                  <a16:creationId xmlns:a16="http://schemas.microsoft.com/office/drawing/2014/main" id="{5F9BC582-73A6-4D8A-8738-E36476489351}"/>
+                  <a16:creationId xmlns:a16="http://schemas.microsoft.com/office/drawing/2014/main" xmlns="" id="{5F9BC582-73A6-4D8A-8738-E36476489351}"/>
                 </a:ext>
                 <a:ext uri="{C183D7F6-B498-43B3-948B-1728B52AA6E4}">
-                  <adec:decorative xmlns:adec="http://schemas.microsoft.com/office/drawing/2017/decorative" val="1"/>
+                  <adec:decorative xmlns:adec="http://schemas.microsoft.com/office/drawing/2017/decorative" xmlns="" val="1"/>
                 </a:ext>
               </a:extLst>
             </p:cNvPr>
@@ -15488,7 +15508,7 @@
             <p:nvPr>
               <p:extLst>
                 <p:ext uri="{386F3935-93C4-4BCD-93E2-E3B085C9AB24}">
-                  <p16:designElem xmlns:p16="http://schemas.microsoft.com/office/powerpoint/2015/main" val="1"/>
+                  <p16:designElem xmlns:p16="http://schemas.microsoft.com/office/powerpoint/2015/main" xmlns="" val="1"/>
                 </p:ext>
               </p:extLst>
             </p:nvPr>
@@ -15557,10 +15577,10 @@
           <p:cNvPr id="40" name="Group 39">
             <a:extLst>
               <a:ext uri="{FF2B5EF4-FFF2-40B4-BE49-F238E27FC236}">
-                <a16:creationId xmlns:a16="http://schemas.microsoft.com/office/drawing/2014/main" id="{A2E861A3-F23C-46B8-A38A-4A22E453D993}"/>
+                <a16:creationId xmlns:a16="http://schemas.microsoft.com/office/drawing/2014/main" xmlns="" id="{A2E861A3-F23C-46B8-A38A-4A22E453D993}"/>
               </a:ext>
               <a:ext uri="{C183D7F6-B498-43B3-948B-1728B52AA6E4}">
-                <adec:decorative xmlns:adec="http://schemas.microsoft.com/office/drawing/2017/decorative" val="1"/>
+                <adec:decorative xmlns:adec="http://schemas.microsoft.com/office/drawing/2017/decorative" xmlns="" val="1"/>
               </a:ext>
             </a:extLst>
           </p:cNvPr>
@@ -15570,7 +15590,7 @@
           <p:nvPr>
             <p:extLst>
               <p:ext uri="{386F3935-93C4-4BCD-93E2-E3B085C9AB24}">
-                <p16:designElem xmlns:p16="http://schemas.microsoft.com/office/powerpoint/2015/main" val="1"/>
+                <p16:designElem xmlns:p16="http://schemas.microsoft.com/office/powerpoint/2015/main" xmlns="" val="1"/>
               </p:ext>
             </p:extLst>
           </p:nvPr>
@@ -15588,10 +15608,10 @@
             <p:cNvPr id="41" name="Freeform 6">
               <a:extLst>
                 <a:ext uri="{FF2B5EF4-FFF2-40B4-BE49-F238E27FC236}">
-                  <a16:creationId xmlns:a16="http://schemas.microsoft.com/office/drawing/2014/main" id="{8BC3D220-643B-4160-B5A9-59DF5D21F410}"/>
+                  <a16:creationId xmlns:a16="http://schemas.microsoft.com/office/drawing/2014/main" xmlns="" id="{8BC3D220-643B-4160-B5A9-59DF5D21F410}"/>
                 </a:ext>
                 <a:ext uri="{C183D7F6-B498-43B3-948B-1728B52AA6E4}">
-                  <adec:decorative xmlns:adec="http://schemas.microsoft.com/office/drawing/2017/decorative" val="1"/>
+                  <adec:decorative xmlns:adec="http://schemas.microsoft.com/office/drawing/2017/decorative" xmlns="" val="1"/>
                 </a:ext>
               </a:extLst>
             </p:cNvPr>
@@ -15599,7 +15619,7 @@
             <p:nvPr>
               <p:extLst>
                 <p:ext uri="{386F3935-93C4-4BCD-93E2-E3B085C9AB24}">
-                  <p16:designElem xmlns:p16="http://schemas.microsoft.com/office/powerpoint/2015/main" val="1"/>
+                  <p16:designElem xmlns:p16="http://schemas.microsoft.com/office/powerpoint/2015/main" xmlns="" val="1"/>
                 </p:ext>
               </p:extLst>
             </p:nvPr>
@@ -15649,10 +15669,10 @@
             <p:cNvPr id="42" name="Freeform 7">
               <a:extLst>
                 <a:ext uri="{FF2B5EF4-FFF2-40B4-BE49-F238E27FC236}">
-                  <a16:creationId xmlns:a16="http://schemas.microsoft.com/office/drawing/2014/main" id="{B92237DE-D518-4625-8392-66D7084588A0}"/>
+                  <a16:creationId xmlns:a16="http://schemas.microsoft.com/office/drawing/2014/main" xmlns="" id="{B92237DE-D518-4625-8392-66D7084588A0}"/>
                 </a:ext>
                 <a:ext uri="{C183D7F6-B498-43B3-948B-1728B52AA6E4}">
-                  <adec:decorative xmlns:adec="http://schemas.microsoft.com/office/drawing/2017/decorative" val="1"/>
+                  <adec:decorative xmlns:adec="http://schemas.microsoft.com/office/drawing/2017/decorative" xmlns="" val="1"/>
                 </a:ext>
               </a:extLst>
             </p:cNvPr>
@@ -15660,7 +15680,7 @@
             <p:nvPr>
               <p:extLst>
                 <p:ext uri="{386F3935-93C4-4BCD-93E2-E3B085C9AB24}">
-                  <p16:designElem xmlns:p16="http://schemas.microsoft.com/office/powerpoint/2015/main" val="1"/>
+                  <p16:designElem xmlns:p16="http://schemas.microsoft.com/office/powerpoint/2015/main" xmlns="" val="1"/>
                 </p:ext>
               </p:extLst>
             </p:nvPr>
@@ -15713,10 +15733,10 @@
             <p:cNvPr id="43" name="Freeform 8">
               <a:extLst>
                 <a:ext uri="{FF2B5EF4-FFF2-40B4-BE49-F238E27FC236}">
-                  <a16:creationId xmlns:a16="http://schemas.microsoft.com/office/drawing/2014/main" id="{F290F0DD-E80A-4263-94E1-A41F57D84CC5}"/>
+                  <a16:creationId xmlns:a16="http://schemas.microsoft.com/office/drawing/2014/main" xmlns="" id="{F290F0DD-E80A-4263-94E1-A41F57D84CC5}"/>
                 </a:ext>
                 <a:ext uri="{C183D7F6-B498-43B3-948B-1728B52AA6E4}">
-                  <adec:decorative xmlns:adec="http://schemas.microsoft.com/office/drawing/2017/decorative" val="1"/>
+                  <adec:decorative xmlns:adec="http://schemas.microsoft.com/office/drawing/2017/decorative" xmlns="" val="1"/>
                 </a:ext>
               </a:extLst>
             </p:cNvPr>
@@ -15724,7 +15744,7 @@
             <p:nvPr>
               <p:extLst>
                 <p:ext uri="{386F3935-93C4-4BCD-93E2-E3B085C9AB24}">
-                  <p16:designElem xmlns:p16="http://schemas.microsoft.com/office/powerpoint/2015/main" val="1"/>
+                  <p16:designElem xmlns:p16="http://schemas.microsoft.com/office/powerpoint/2015/main" xmlns="" val="1"/>
                 </p:ext>
               </p:extLst>
             </p:nvPr>
@@ -15774,10 +15794,10 @@
             <p:cNvPr id="44" name="Freeform 9">
               <a:extLst>
                 <a:ext uri="{FF2B5EF4-FFF2-40B4-BE49-F238E27FC236}">
-                  <a16:creationId xmlns:a16="http://schemas.microsoft.com/office/drawing/2014/main" id="{D78EA7D2-CCEA-435E-873D-36BF0522FFED}"/>
+                  <a16:creationId xmlns:a16="http://schemas.microsoft.com/office/drawing/2014/main" xmlns="" id="{D78EA7D2-CCEA-435E-873D-36BF0522FFED}"/>
                 </a:ext>
                 <a:ext uri="{C183D7F6-B498-43B3-948B-1728B52AA6E4}">
-                  <adec:decorative xmlns:adec="http://schemas.microsoft.com/office/drawing/2017/decorative" val="1"/>
+                  <adec:decorative xmlns:adec="http://schemas.microsoft.com/office/drawing/2017/decorative" xmlns="" val="1"/>
                 </a:ext>
               </a:extLst>
             </p:cNvPr>
@@ -15785,7 +15805,7 @@
             <p:nvPr>
               <p:extLst>
                 <p:ext uri="{386F3935-93C4-4BCD-93E2-E3B085C9AB24}">
-                  <p16:designElem xmlns:p16="http://schemas.microsoft.com/office/powerpoint/2015/main" val="1"/>
+                  <p16:designElem xmlns:p16="http://schemas.microsoft.com/office/powerpoint/2015/main" xmlns="" val="1"/>
                 </p:ext>
               </p:extLst>
             </p:nvPr>
@@ -15834,10 +15854,10 @@
             <p:cNvPr id="45" name="Freeform 10">
               <a:extLst>
                 <a:ext uri="{FF2B5EF4-FFF2-40B4-BE49-F238E27FC236}">
-                  <a16:creationId xmlns:a16="http://schemas.microsoft.com/office/drawing/2014/main" id="{9DFA731E-D6BB-42CC-AA05-64023DC81FE6}"/>
+                  <a16:creationId xmlns:a16="http://schemas.microsoft.com/office/drawing/2014/main" xmlns="" id="{9DFA731E-D6BB-42CC-AA05-64023DC81FE6}"/>
                 </a:ext>
                 <a:ext uri="{C183D7F6-B498-43B3-948B-1728B52AA6E4}">
-                  <adec:decorative xmlns:adec="http://schemas.microsoft.com/office/drawing/2017/decorative" val="1"/>
+                  <adec:decorative xmlns:adec="http://schemas.microsoft.com/office/drawing/2017/decorative" xmlns="" val="1"/>
                 </a:ext>
               </a:extLst>
             </p:cNvPr>
@@ -15845,7 +15865,7 @@
             <p:nvPr>
               <p:extLst>
                 <p:ext uri="{386F3935-93C4-4BCD-93E2-E3B085C9AB24}">
-                  <p16:designElem xmlns:p16="http://schemas.microsoft.com/office/powerpoint/2015/main" val="1"/>
+                  <p16:designElem xmlns:p16="http://schemas.microsoft.com/office/powerpoint/2015/main" xmlns="" val="1"/>
                 </p:ext>
               </p:extLst>
             </p:nvPr>
@@ -15900,10 +15920,10 @@
             <p:cNvPr id="46" name="Freeform 11">
               <a:extLst>
                 <a:ext uri="{FF2B5EF4-FFF2-40B4-BE49-F238E27FC236}">
-                  <a16:creationId xmlns:a16="http://schemas.microsoft.com/office/drawing/2014/main" id="{B00D0483-90FB-4EB4-9770-CA8A310D503B}"/>
+                  <a16:creationId xmlns:a16="http://schemas.microsoft.com/office/drawing/2014/main" xmlns="" id="{B00D0483-90FB-4EB4-9770-CA8A310D503B}"/>
                 </a:ext>
                 <a:ext uri="{C183D7F6-B498-43B3-948B-1728B52AA6E4}">
-                  <adec:decorative xmlns:adec="http://schemas.microsoft.com/office/drawing/2017/decorative" val="1"/>
+                  <adec:decorative xmlns:adec="http://schemas.microsoft.com/office/drawing/2017/decorative" xmlns="" val="1"/>
                 </a:ext>
               </a:extLst>
             </p:cNvPr>
@@ -15911,7 +15931,7 @@
             <p:nvPr>
               <p:extLst>
                 <p:ext uri="{386F3935-93C4-4BCD-93E2-E3B085C9AB24}">
-                  <p16:designElem xmlns:p16="http://schemas.microsoft.com/office/powerpoint/2015/main" val="1"/>
+                  <p16:designElem xmlns:p16="http://schemas.microsoft.com/office/powerpoint/2015/main" xmlns="" val="1"/>
                 </p:ext>
               </p:extLst>
             </p:nvPr>
@@ -15980,7 +16000,7 @@
           <p:cNvPr id="2" name="Title 1">
             <a:extLst>
               <a:ext uri="{FF2B5EF4-FFF2-40B4-BE49-F238E27FC236}">
-                <a16:creationId xmlns:a16="http://schemas.microsoft.com/office/drawing/2014/main" id="{339A428F-DE24-F24B-B03E-D8A9E51064E5}"/>
+                <a16:creationId xmlns:a16="http://schemas.microsoft.com/office/drawing/2014/main" xmlns="" id="{339A428F-DE24-F24B-B03E-D8A9E51064E5}"/>
               </a:ext>
             </a:extLst>
           </p:cNvPr>
@@ -16015,7 +16035,7 @@
           <p:cNvPr id="3" name="Content Placeholder 2">
             <a:extLst>
               <a:ext uri="{FF2B5EF4-FFF2-40B4-BE49-F238E27FC236}">
-                <a16:creationId xmlns:a16="http://schemas.microsoft.com/office/drawing/2014/main" id="{75A636EE-6E6B-FA42-A59B-A03C4B025AA6}"/>
+                <a16:creationId xmlns:a16="http://schemas.microsoft.com/office/drawing/2014/main" xmlns="" id="{75A636EE-6E6B-FA42-A59B-A03C4B025AA6}"/>
               </a:ext>
             </a:extLst>
           </p:cNvPr>
@@ -16060,10 +16080,10 @@
           <p:cNvPr id="48" name="Rounded Rectangle 16">
             <a:extLst>
               <a:ext uri="{FF2B5EF4-FFF2-40B4-BE49-F238E27FC236}">
-                <a16:creationId xmlns:a16="http://schemas.microsoft.com/office/drawing/2014/main" id="{DD7EED39-224E-4230-8FD1-B1E1AF6C6E36}"/>
+                <a16:creationId xmlns:a16="http://schemas.microsoft.com/office/drawing/2014/main" xmlns="" id="{DD7EED39-224E-4230-8FD1-B1E1AF6C6E36}"/>
               </a:ext>
               <a:ext uri="{C183D7F6-B498-43B3-948B-1728B52AA6E4}">
-                <adec:decorative xmlns:adec="http://schemas.microsoft.com/office/drawing/2017/decorative" val="1"/>
+                <adec:decorative xmlns:adec="http://schemas.microsoft.com/office/drawing/2017/decorative" xmlns="" val="1"/>
               </a:ext>
             </a:extLst>
           </p:cNvPr>
@@ -16073,7 +16093,7 @@
           <p:nvPr>
             <p:extLst>
               <p:ext uri="{386F3935-93C4-4BCD-93E2-E3B085C9AB24}">
-                <p16:designElem xmlns:p16="http://schemas.microsoft.com/office/powerpoint/2015/main" val="1"/>
+                <p16:designElem xmlns:p16="http://schemas.microsoft.com/office/powerpoint/2015/main" xmlns="" val="1"/>
               </p:ext>
             </p:extLst>
           </p:nvPr>
@@ -16145,7 +16165,7 @@
           <p:cNvPr id="6" name="Content Placeholder 5" descr="Graphical user interface, text, application, email&#10;&#10;Description automatically generated">
             <a:extLst>
               <a:ext uri="{FF2B5EF4-FFF2-40B4-BE49-F238E27FC236}">
-                <a16:creationId xmlns:a16="http://schemas.microsoft.com/office/drawing/2014/main" id="{B456F9CE-F0BD-F946-8528-D23C8FC58F39}"/>
+                <a16:creationId xmlns:a16="http://schemas.microsoft.com/office/drawing/2014/main" xmlns="" id="{B456F9CE-F0BD-F946-8528-D23C8FC58F39}"/>
               </a:ext>
             </a:extLst>
           </p:cNvPr>
@@ -16182,7 +16202,7 @@
           <p:cNvPr id="20" name="TextBox 19">
             <a:extLst>
               <a:ext uri="{FF2B5EF4-FFF2-40B4-BE49-F238E27FC236}">
-                <a16:creationId xmlns:a16="http://schemas.microsoft.com/office/drawing/2014/main" id="{0983CF5F-AED5-EA43-B332-EF09D66427D2}"/>
+                <a16:creationId xmlns:a16="http://schemas.microsoft.com/office/drawing/2014/main" xmlns="" id="{0983CF5F-AED5-EA43-B332-EF09D66427D2}"/>
               </a:ext>
             </a:extLst>
           </p:cNvPr>
@@ -16247,7 +16267,7 @@
           <p:cNvPr id="2" name="Title 1">
             <a:extLst>
               <a:ext uri="{FF2B5EF4-FFF2-40B4-BE49-F238E27FC236}">
-                <a16:creationId xmlns:a16="http://schemas.microsoft.com/office/drawing/2014/main" id="{FD947CD9-9A74-8F4F-8FF3-203F034E0AA1}"/>
+                <a16:creationId xmlns:a16="http://schemas.microsoft.com/office/drawing/2014/main" xmlns="" id="{FD947CD9-9A74-8F4F-8FF3-203F034E0AA1}"/>
               </a:ext>
             </a:extLst>
           </p:cNvPr>
@@ -16276,7 +16296,7 @@
           <p:cNvPr id="2050" name="Picture 2">
             <a:extLst>
               <a:ext uri="{FF2B5EF4-FFF2-40B4-BE49-F238E27FC236}">
-                <a16:creationId xmlns:a16="http://schemas.microsoft.com/office/drawing/2014/main" id="{FC86EBE0-C866-0D44-9087-582C37699A12}"/>
+                <a16:creationId xmlns:a16="http://schemas.microsoft.com/office/drawing/2014/main" xmlns="" id="{FC86EBE0-C866-0D44-9087-582C37699A12}"/>
               </a:ext>
             </a:extLst>
           </p:cNvPr>
@@ -16353,7 +16373,7 @@
           <p:cNvPr id="2" name="Title 1">
             <a:extLst>
               <a:ext uri="{FF2B5EF4-FFF2-40B4-BE49-F238E27FC236}">
-                <a16:creationId xmlns:a16="http://schemas.microsoft.com/office/drawing/2014/main" id="{A9E4651F-3BD5-2742-B2EC-8253829D467A}"/>
+                <a16:creationId xmlns:a16="http://schemas.microsoft.com/office/drawing/2014/main" xmlns="" id="{A9E4651F-3BD5-2742-B2EC-8253829D467A}"/>
               </a:ext>
             </a:extLst>
           </p:cNvPr>
@@ -16386,7 +16406,7 @@
           <p:cNvPr id="3074" name="Picture 2">
             <a:extLst>
               <a:ext uri="{FF2B5EF4-FFF2-40B4-BE49-F238E27FC236}">
-                <a16:creationId xmlns:a16="http://schemas.microsoft.com/office/drawing/2014/main" id="{5241B8AC-5122-3A48-8F37-1B04E9599B80}"/>
+                <a16:creationId xmlns:a16="http://schemas.microsoft.com/office/drawing/2014/main" xmlns="" id="{5241B8AC-5122-3A48-8F37-1B04E9599B80}"/>
               </a:ext>
             </a:extLst>
           </p:cNvPr>
@@ -16534,11 +16554,27 @@
             </a:r>
             <a:r>
               <a:rPr lang="en-US" b="1" dirty="0"/>
-              <a:t>Anders Hejlsberg</a:t>
+              <a:t>Anders </a:t>
+            </a:r>
+            <a:r>
+              <a:rPr lang="en-US" b="1" dirty="0" smtClean="0"/>
+              <a:t>Hejlsberg, </a:t>
+            </a:r>
+            <a:r>
+              <a:rPr lang="en-US" dirty="0" smtClean="0"/>
+              <a:t>lead </a:t>
             </a:r>
             <a:r>
               <a:rPr lang="en-US" dirty="0"/>
-              <a:t>, a core member of the development team of C# language</a:t>
+              <a:t>architect of C# and creator of Delphi and Turbo Pascal, has worked on the development of </a:t>
+            </a:r>
+            <a:r>
+              <a:rPr lang="en-US" dirty="0" err="1" smtClean="0"/>
+              <a:t>TypeScript</a:t>
+            </a:r>
+            <a:r>
+              <a:rPr lang="en-US" dirty="0" smtClean="0"/>
+              <a:t>.</a:t>
             </a:r>
           </a:p>
           <a:p>
@@ -16547,8 +16583,12 @@
               <a:buChar char="Ø"/>
             </a:pPr>
             <a:r>
+              <a:rPr lang="en-US" dirty="0" smtClean="0"/>
+              <a:t>First </a:t>
+            </a:r>
+            <a:r>
               <a:rPr lang="en-US" dirty="0"/>
-              <a:t>First Released: October 2012</a:t>
+              <a:t>Released: October 2012</a:t>
             </a:r>
           </a:p>
           <a:p>
@@ -16602,7 +16642,7 @@
           <p:cNvPr id="2" name="Title 1">
             <a:extLst>
               <a:ext uri="{FF2B5EF4-FFF2-40B4-BE49-F238E27FC236}">
-                <a16:creationId xmlns:a16="http://schemas.microsoft.com/office/drawing/2014/main" id="{9DBC78A4-3799-2C4E-AC86-A301ADFE7F98}"/>
+                <a16:creationId xmlns:a16="http://schemas.microsoft.com/office/drawing/2014/main" xmlns="" id="{9DBC78A4-3799-2C4E-AC86-A301ADFE7F98}"/>
               </a:ext>
             </a:extLst>
           </p:cNvPr>
@@ -16635,7 +16675,7 @@
           <p:cNvPr id="3" name="Content Placeholder 2">
             <a:extLst>
               <a:ext uri="{FF2B5EF4-FFF2-40B4-BE49-F238E27FC236}">
-                <a16:creationId xmlns:a16="http://schemas.microsoft.com/office/drawing/2014/main" id="{99B02452-90E9-474D-9F4E-672C1FFA2208}"/>
+                <a16:creationId xmlns:a16="http://schemas.microsoft.com/office/drawing/2014/main" xmlns="" id="{99B02452-90E9-474D-9F4E-672C1FFA2208}"/>
               </a:ext>
             </a:extLst>
           </p:cNvPr>
@@ -16758,7 +16798,7 @@
           <p:cNvPr id="2" name="Title 1">
             <a:extLst>
               <a:ext uri="{FF2B5EF4-FFF2-40B4-BE49-F238E27FC236}">
-                <a16:creationId xmlns:a16="http://schemas.microsoft.com/office/drawing/2014/main" id="{9DBC78A4-3799-2C4E-AC86-A301ADFE7F98}"/>
+                <a16:creationId xmlns:a16="http://schemas.microsoft.com/office/drawing/2014/main" xmlns="" id="{9DBC78A4-3799-2C4E-AC86-A301ADFE7F98}"/>
               </a:ext>
             </a:extLst>
           </p:cNvPr>
@@ -16791,7 +16831,7 @@
           <p:cNvPr id="3" name="Content Placeholder 2">
             <a:extLst>
               <a:ext uri="{FF2B5EF4-FFF2-40B4-BE49-F238E27FC236}">
-                <a16:creationId xmlns:a16="http://schemas.microsoft.com/office/drawing/2014/main" id="{99B02452-90E9-474D-9F4E-672C1FFA2208}"/>
+                <a16:creationId xmlns:a16="http://schemas.microsoft.com/office/drawing/2014/main" xmlns="" id="{99B02452-90E9-474D-9F4E-672C1FFA2208}"/>
               </a:ext>
             </a:extLst>
           </p:cNvPr>

--- a/PPT/Group02-Component1.pptx
+++ b/PPT/Group02-Component1.pptx
@@ -5,7 +5,7 @@
     <p:sldMasterId id="2147483940" r:id="rId1"/>
   </p:sldMasterIdLst>
   <p:notesMasterIdLst>
-    <p:notesMasterId r:id="rId33"/>
+    <p:notesMasterId r:id="rId40"/>
   </p:notesMasterIdLst>
   <p:sldIdLst>
     <p:sldId id="256" r:id="rId2"/>
@@ -39,6 +39,13 @@
     <p:sldId id="281" r:id="rId30"/>
     <p:sldId id="285" r:id="rId31"/>
     <p:sldId id="286" r:id="rId32"/>
+    <p:sldId id="289" r:id="rId33"/>
+    <p:sldId id="291" r:id="rId34"/>
+    <p:sldId id="292" r:id="rId35"/>
+    <p:sldId id="294" r:id="rId36"/>
+    <p:sldId id="293" r:id="rId37"/>
+    <p:sldId id="295" r:id="rId38"/>
+    <p:sldId id="296" r:id="rId39"/>
   </p:sldIdLst>
   <p:sldSz cx="12192000" cy="6858000"/>
   <p:notesSz cx="6858000" cy="9144000"/>
@@ -227,7 +234,7 @@
           <a:p>
             <a:fld id="{D28E9EB5-E6F1-9949-968C-AFC4FA3706D3}" type="datetimeFigureOut">
               <a:rPr lang="en-US" smtClean="0"/>
-              <a:t>9/27/2021</a:t>
+              <a:t>9/27/21</a:t>
             </a:fld>
             <a:endParaRPr lang="en-US"/>
           </a:p>
@@ -1088,7 +1095,7 @@
           <a:p>
             <a:fld id="{F39BF11B-9B73-4D1C-AB07-019A5A0AA27F}" type="datetimeFigureOut">
               <a:rPr lang="en-US" smtClean="0"/>
-              <a:t>9/27/2021</a:t>
+              <a:t>9/27/21</a:t>
             </a:fld>
             <a:endParaRPr lang="en-US"/>
           </a:p>
@@ -1389,7 +1396,7 @@
           <a:p>
             <a:fld id="{F39BF11B-9B73-4D1C-AB07-019A5A0AA27F}" type="datetimeFigureOut">
               <a:rPr lang="en-US" smtClean="0"/>
-              <a:t>9/27/2021</a:t>
+              <a:t>9/27/21</a:t>
             </a:fld>
             <a:endParaRPr lang="en-US"/>
           </a:p>
@@ -1637,7 +1644,7 @@
           <a:p>
             <a:fld id="{F39BF11B-9B73-4D1C-AB07-019A5A0AA27F}" type="datetimeFigureOut">
               <a:rPr lang="en-US" smtClean="0"/>
-              <a:t>9/27/2021</a:t>
+              <a:t>9/27/21</a:t>
             </a:fld>
             <a:endParaRPr lang="en-US"/>
           </a:p>
@@ -2177,7 +2184,7 @@
           <a:p>
             <a:fld id="{F39BF11B-9B73-4D1C-AB07-019A5A0AA27F}" type="datetimeFigureOut">
               <a:rPr lang="en-US" smtClean="0"/>
-              <a:t>9/27/2021</a:t>
+              <a:t>9/27/21</a:t>
             </a:fld>
             <a:endParaRPr lang="en-US"/>
           </a:p>
@@ -2425,7 +2432,7 @@
           <a:p>
             <a:fld id="{F39BF11B-9B73-4D1C-AB07-019A5A0AA27F}" type="datetimeFigureOut">
               <a:rPr lang="en-US" smtClean="0"/>
-              <a:t>9/27/2021</a:t>
+              <a:t>9/27/21</a:t>
             </a:fld>
             <a:endParaRPr lang="en-US"/>
           </a:p>
@@ -2957,7 +2964,7 @@
           <a:p>
             <a:fld id="{F39BF11B-9B73-4D1C-AB07-019A5A0AA27F}" type="datetimeFigureOut">
               <a:rPr lang="en-US" smtClean="0"/>
-              <a:t>9/27/2021</a:t>
+              <a:t>9/27/21</a:t>
             </a:fld>
             <a:endParaRPr lang="en-US"/>
           </a:p>
@@ -3254,7 +3261,7 @@
           <a:p>
             <a:fld id="{F39BF11B-9B73-4D1C-AB07-019A5A0AA27F}" type="datetimeFigureOut">
               <a:rPr lang="en-US" smtClean="0"/>
-              <a:t>9/27/2021</a:t>
+              <a:t>9/27/21</a:t>
             </a:fld>
             <a:endParaRPr lang="en-US"/>
           </a:p>
@@ -3428,7 +3435,7 @@
           <a:p>
             <a:fld id="{F39BF11B-9B73-4D1C-AB07-019A5A0AA27F}" type="datetimeFigureOut">
               <a:rPr lang="en-US" smtClean="0"/>
-              <a:t>9/27/2021</a:t>
+              <a:t>9/27/21</a:t>
             </a:fld>
             <a:endParaRPr lang="en-US"/>
           </a:p>
@@ -3608,7 +3615,7 @@
           <a:p>
             <a:fld id="{F39BF11B-9B73-4D1C-AB07-019A5A0AA27F}" type="datetimeFigureOut">
               <a:rPr lang="en-US" smtClean="0"/>
-              <a:t>9/27/2021</a:t>
+              <a:t>9/27/21</a:t>
             </a:fld>
             <a:endParaRPr lang="en-US"/>
           </a:p>
@@ -3783,7 +3790,7 @@
           <a:p>
             <a:fld id="{F39BF11B-9B73-4D1C-AB07-019A5A0AA27F}" type="datetimeFigureOut">
               <a:rPr lang="en-US" smtClean="0"/>
-              <a:t>9/27/2021</a:t>
+              <a:t>9/27/21</a:t>
             </a:fld>
             <a:endParaRPr lang="en-US"/>
           </a:p>
@@ -4034,7 +4041,7 @@
           <a:p>
             <a:fld id="{F39BF11B-9B73-4D1C-AB07-019A5A0AA27F}" type="datetimeFigureOut">
               <a:rPr lang="en-US" smtClean="0"/>
-              <a:t>9/27/2021</a:t>
+              <a:t>9/27/21</a:t>
             </a:fld>
             <a:endParaRPr lang="en-US"/>
           </a:p>
@@ -4336,7 +4343,7 @@
           <a:p>
             <a:fld id="{F39BF11B-9B73-4D1C-AB07-019A5A0AA27F}" type="datetimeFigureOut">
               <a:rPr lang="en-US" smtClean="0"/>
-              <a:t>9/27/2021</a:t>
+              <a:t>9/27/21</a:t>
             </a:fld>
             <a:endParaRPr lang="en-US"/>
           </a:p>
@@ -4783,7 +4790,7 @@
           <a:p>
             <a:fld id="{F39BF11B-9B73-4D1C-AB07-019A5A0AA27F}" type="datetimeFigureOut">
               <a:rPr lang="en-US" smtClean="0"/>
-              <a:t>9/27/2021</a:t>
+              <a:t>9/27/21</a:t>
             </a:fld>
             <a:endParaRPr lang="en-US"/>
           </a:p>
@@ -4906,7 +4913,7 @@
           <a:p>
             <a:fld id="{F39BF11B-9B73-4D1C-AB07-019A5A0AA27F}" type="datetimeFigureOut">
               <a:rPr lang="en-US" smtClean="0"/>
-              <a:t>9/27/2021</a:t>
+              <a:t>9/27/21</a:t>
             </a:fld>
             <a:endParaRPr lang="en-US"/>
           </a:p>
@@ -5001,7 +5008,7 @@
           <a:p>
             <a:fld id="{F39BF11B-9B73-4D1C-AB07-019A5A0AA27F}" type="datetimeFigureOut">
               <a:rPr lang="en-US" smtClean="0"/>
-              <a:t>9/27/2021</a:t>
+              <a:t>9/27/21</a:t>
             </a:fld>
             <a:endParaRPr lang="en-US"/>
           </a:p>
@@ -5284,7 +5291,7 @@
           <a:p>
             <a:fld id="{F39BF11B-9B73-4D1C-AB07-019A5A0AA27F}" type="datetimeFigureOut">
               <a:rPr lang="en-US" smtClean="0"/>
-              <a:t>9/27/2021</a:t>
+              <a:t>9/27/21</a:t>
             </a:fld>
             <a:endParaRPr lang="en-US"/>
           </a:p>
@@ -5580,7 +5587,7 @@
           <a:p>
             <a:fld id="{F39BF11B-9B73-4D1C-AB07-019A5A0AA27F}" type="datetimeFigureOut">
               <a:rPr lang="en-US" smtClean="0"/>
-              <a:t>9/27/2021</a:t>
+              <a:t>9/27/21</a:t>
             </a:fld>
             <a:endParaRPr lang="en-US"/>
           </a:p>
@@ -6110,7 +6117,7 @@
           <a:p>
             <a:fld id="{F39BF11B-9B73-4D1C-AB07-019A5A0AA27F}" type="datetimeFigureOut">
               <a:rPr lang="en-US" smtClean="0"/>
-              <a:t>9/27/2021</a:t>
+              <a:t>9/27/21</a:t>
             </a:fld>
             <a:endParaRPr lang="en-US"/>
           </a:p>
@@ -6673,17 +6680,9 @@
               <a:rPr lang="en-US" sz="6700" b="1" dirty="0"/>
               <a:t>Advanced Software Paradigms</a:t>
             </a:r>
-            <a:r>
-              <a:rPr lang="en-US" dirty="0"/>
-              <a:t/>
-            </a:r>
             <a:br>
               <a:rPr lang="en-US" dirty="0"/>
             </a:br>
-            <a:r>
-              <a:rPr lang="en-US" dirty="0"/>
-              <a:t/>
-            </a:r>
             <a:br>
               <a:rPr lang="en-US" dirty="0"/>
             </a:br>
@@ -7662,8 +7661,8 @@
         </p:nvSpPr>
         <p:spPr>
           <a:xfrm>
-            <a:off x="6607967" y="2238233"/>
-            <a:ext cx="5129107" cy="1337480"/>
+            <a:off x="6607968" y="2438399"/>
+            <a:ext cx="4895056" cy="1137314"/>
           </a:xfrm>
         </p:spPr>
         <p:txBody>
@@ -7820,8 +7819,8 @@
         </p:nvSpPr>
         <p:spPr>
           <a:xfrm>
-            <a:off x="6607968" y="3575713"/>
-            <a:ext cx="4487662" cy="1982081"/>
+            <a:off x="6607968" y="3753135"/>
+            <a:ext cx="4293182" cy="1982081"/>
           </a:xfrm>
           <a:prstGeom prst="rect">
             <a:avLst/>
@@ -9547,13 +9546,13 @@
         </p:nvSpPr>
         <p:spPr>
           <a:xfrm>
-            <a:off x="1484310" y="2483892"/>
-            <a:ext cx="10018713" cy="3733803"/>
+            <a:off x="1484310" y="2088108"/>
+            <a:ext cx="10018713" cy="4129587"/>
           </a:xfrm>
         </p:spPr>
         <p:txBody>
           <a:bodyPr>
-            <a:normAutofit fontScale="92500" lnSpcReduction="20000"/>
+            <a:normAutofit lnSpcReduction="10000"/>
           </a:bodyPr>
           <a:lstStyle/>
           <a:p>
@@ -9590,26 +9589,14 @@
           <a:p>
             <a:r>
               <a:rPr lang="en-US" dirty="0"/>
-              <a:t>Variables </a:t>
-            </a:r>
-            <a:r>
-              <a:rPr lang="en-US" dirty="0" smtClean="0"/>
-              <a:t>and its scope</a:t>
-            </a:r>
-            <a:endParaRPr lang="en-US" dirty="0"/>
-          </a:p>
-          <a:p>
-            <a:r>
-              <a:rPr lang="en-US" dirty="0" smtClean="0"/>
-              <a:t>.Data Types</a:t>
-            </a:r>
-          </a:p>
-          <a:p>
-            <a:r>
-              <a:rPr lang="en-US" dirty="0" smtClean="0"/>
-              <a:t>Assignment Statements</a:t>
-            </a:r>
-            <a:endParaRPr lang="en-US" dirty="0"/>
+              <a:t>Variables in TypeScript</a:t>
+            </a:r>
+          </a:p>
+          <a:p>
+            <a:r>
+              <a:rPr lang="en-US" dirty="0"/>
+              <a:t>.</a:t>
+            </a:r>
           </a:p>
           <a:p>
             <a:r>
@@ -9976,21 +9963,21 @@
                 <a:gridCol w="1720893">
                   <a:extLst>
                     <a:ext uri="{9D8B030D-6E8A-4147-A177-3AD203B41FA5}">
-                      <a16:colId xmlns:a16="http://schemas.microsoft.com/office/drawing/2014/main" xmlns="" val="20000"/>
+                      <a16:colId xmlns:a16="http://schemas.microsoft.com/office/drawing/2014/main" val="20000"/>
                     </a:ext>
                   </a:extLst>
                 </a:gridCol>
                 <a:gridCol w="1129516">
                   <a:extLst>
                     <a:ext uri="{9D8B030D-6E8A-4147-A177-3AD203B41FA5}">
-                      <a16:colId xmlns:a16="http://schemas.microsoft.com/office/drawing/2014/main" xmlns="" val="20001"/>
+                      <a16:colId xmlns:a16="http://schemas.microsoft.com/office/drawing/2014/main" val="20001"/>
                     </a:ext>
                   </a:extLst>
                 </a:gridCol>
                 <a:gridCol w="6361828">
                   <a:extLst>
                     <a:ext uri="{9D8B030D-6E8A-4147-A177-3AD203B41FA5}">
-                      <a16:colId xmlns:a16="http://schemas.microsoft.com/office/drawing/2014/main" xmlns="" val="20002"/>
+                      <a16:colId xmlns:a16="http://schemas.microsoft.com/office/drawing/2014/main" val="20002"/>
                     </a:ext>
                   </a:extLst>
                 </a:gridCol>
@@ -10167,7 +10154,7 @@
                 </a:tc>
                 <a:extLst>
                   <a:ext uri="{0D108BD9-81ED-4DB2-BD59-A6C34878D82A}">
-                    <a16:rowId xmlns:a16="http://schemas.microsoft.com/office/drawing/2014/main" xmlns="" val="10000"/>
+                    <a16:rowId xmlns:a16="http://schemas.microsoft.com/office/drawing/2014/main" val="10000"/>
                   </a:ext>
                 </a:extLst>
               </a:tr>
@@ -10339,7 +10326,7 @@
                 </a:tc>
                 <a:extLst>
                   <a:ext uri="{0D108BD9-81ED-4DB2-BD59-A6C34878D82A}">
-                    <a16:rowId xmlns:a16="http://schemas.microsoft.com/office/drawing/2014/main" xmlns="" val="10001"/>
+                    <a16:rowId xmlns:a16="http://schemas.microsoft.com/office/drawing/2014/main" val="10001"/>
                   </a:ext>
                 </a:extLst>
               </a:tr>
@@ -10511,7 +10498,7 @@
                 </a:tc>
                 <a:extLst>
                   <a:ext uri="{0D108BD9-81ED-4DB2-BD59-A6C34878D82A}">
-                    <a16:rowId xmlns:a16="http://schemas.microsoft.com/office/drawing/2014/main" xmlns="" val="10002"/>
+                    <a16:rowId xmlns:a16="http://schemas.microsoft.com/office/drawing/2014/main" val="10002"/>
                   </a:ext>
                 </a:extLst>
               </a:tr>
@@ -10683,7 +10670,7 @@
                 </a:tc>
                 <a:extLst>
                   <a:ext uri="{0D108BD9-81ED-4DB2-BD59-A6C34878D82A}">
-                    <a16:rowId xmlns:a16="http://schemas.microsoft.com/office/drawing/2014/main" xmlns="" val="10003"/>
+                    <a16:rowId xmlns:a16="http://schemas.microsoft.com/office/drawing/2014/main" val="10003"/>
                   </a:ext>
                 </a:extLst>
               </a:tr>
@@ -10855,7 +10842,7 @@
                 </a:tc>
                 <a:extLst>
                   <a:ext uri="{0D108BD9-81ED-4DB2-BD59-A6C34878D82A}">
-                    <a16:rowId xmlns:a16="http://schemas.microsoft.com/office/drawing/2014/main" xmlns="" val="10004"/>
+                    <a16:rowId xmlns:a16="http://schemas.microsoft.com/office/drawing/2014/main" val="10004"/>
                   </a:ext>
                 </a:extLst>
               </a:tr>
@@ -11027,7 +11014,7 @@
                 </a:tc>
                 <a:extLst>
                   <a:ext uri="{0D108BD9-81ED-4DB2-BD59-A6C34878D82A}">
-                    <a16:rowId xmlns:a16="http://schemas.microsoft.com/office/drawing/2014/main" xmlns="" val="10005"/>
+                    <a16:rowId xmlns:a16="http://schemas.microsoft.com/office/drawing/2014/main" val="10005"/>
                   </a:ext>
                 </a:extLst>
               </a:tr>
@@ -11199,7 +11186,7 @@
                 </a:tc>
                 <a:extLst>
                   <a:ext uri="{0D108BD9-81ED-4DB2-BD59-A6C34878D82A}">
-                    <a16:rowId xmlns:a16="http://schemas.microsoft.com/office/drawing/2014/main" xmlns="" val="10006"/>
+                    <a16:rowId xmlns:a16="http://schemas.microsoft.com/office/drawing/2014/main" val="10006"/>
                   </a:ext>
                 </a:extLst>
               </a:tr>
@@ -11553,7 +11540,7 @@
           <p:cNvPr id="2" name="Title 1">
             <a:extLst>
               <a:ext uri="{FF2B5EF4-FFF2-40B4-BE49-F238E27FC236}">
-                <a16:creationId xmlns:a16="http://schemas.microsoft.com/office/drawing/2014/main" xmlns="" id="{B7B3C296-9403-6A4E-95D6-41C21F43414E}"/>
+                <a16:creationId xmlns:a16="http://schemas.microsoft.com/office/drawing/2014/main" id="{B7B3C296-9403-6A4E-95D6-41C21F43414E}"/>
               </a:ext>
             </a:extLst>
           </p:cNvPr>
@@ -11588,7 +11575,7 @@
           <p:cNvPr id="3" name="Content Placeholder 2">
             <a:extLst>
               <a:ext uri="{FF2B5EF4-FFF2-40B4-BE49-F238E27FC236}">
-                <a16:creationId xmlns:a16="http://schemas.microsoft.com/office/drawing/2014/main" xmlns="" id="{5360A5D9-0200-D74C-B4ED-5910E7A00C9A}"/>
+                <a16:creationId xmlns:a16="http://schemas.microsoft.com/office/drawing/2014/main" id="{5360A5D9-0200-D74C-B4ED-5910E7A00C9A}"/>
               </a:ext>
             </a:extLst>
           </p:cNvPr>
@@ -11629,7 +11616,7 @@
           <p:cNvPr id="1026" name="Picture 2" descr="The Four Pillars of Object Oriented Programming - DEV Community">
             <a:extLst>
               <a:ext uri="{FF2B5EF4-FFF2-40B4-BE49-F238E27FC236}">
-                <a16:creationId xmlns:a16="http://schemas.microsoft.com/office/drawing/2014/main" xmlns="" id="{CFF4DF4D-C291-C141-90EE-6C7CB411A565}"/>
+                <a16:creationId xmlns:a16="http://schemas.microsoft.com/office/drawing/2014/main" id="{CFF4DF4D-C291-C141-90EE-6C7CB411A565}"/>
               </a:ext>
             </a:extLst>
           </p:cNvPr>
@@ -11639,7 +11626,7 @@
           <p:nvPr/>
         </p:nvPicPr>
         <p:blipFill>
-          <a:blip r:embed="rId3" cstate="print">
+          <a:blip r:embed="rId3">
             <a:extLst>
               <a:ext uri="{28A0092B-C50C-407E-A947-70E740481C1C}">
                 <a14:useLocalDpi xmlns:a14="http://schemas.microsoft.com/office/drawing/2010/main" val="0"/>
@@ -11751,10 +11738,10 @@
           <p:cNvPr id="32" name="Group 31">
             <a:extLst>
               <a:ext uri="{FF2B5EF4-FFF2-40B4-BE49-F238E27FC236}">
-                <a16:creationId xmlns:a16="http://schemas.microsoft.com/office/drawing/2014/main" xmlns="" id="{15FF890B-3CE7-403A-AECE-2DE04FC7AF80}"/>
+                <a16:creationId xmlns:a16="http://schemas.microsoft.com/office/drawing/2014/main" id="{15FF890B-3CE7-403A-AECE-2DE04FC7AF80}"/>
               </a:ext>
               <a:ext uri="{C183D7F6-B498-43B3-948B-1728B52AA6E4}">
-                <adec:decorative xmlns:adec="http://schemas.microsoft.com/office/drawing/2017/decorative" xmlns="" val="1"/>
+                <adec:decorative xmlns:adec="http://schemas.microsoft.com/office/drawing/2017/decorative" val="1"/>
               </a:ext>
             </a:extLst>
           </p:cNvPr>
@@ -11764,7 +11751,7 @@
           <p:nvPr>
             <p:extLst>
               <p:ext uri="{386F3935-93C4-4BCD-93E2-E3B085C9AB24}">
-                <p16:designElem xmlns:p16="http://schemas.microsoft.com/office/powerpoint/2015/main" xmlns="" val="1"/>
+                <p16:designElem xmlns:p16="http://schemas.microsoft.com/office/powerpoint/2015/main" val="1"/>
               </p:ext>
             </p:extLst>
           </p:nvPr>
@@ -11782,10 +11769,10 @@
             <p:cNvPr id="33" name="Freeform 6">
               <a:extLst>
                 <a:ext uri="{FF2B5EF4-FFF2-40B4-BE49-F238E27FC236}">
-                  <a16:creationId xmlns:a16="http://schemas.microsoft.com/office/drawing/2014/main" xmlns="" id="{99A4E160-6CFD-4514-9E20-CA6692CCDB9C}"/>
+                  <a16:creationId xmlns:a16="http://schemas.microsoft.com/office/drawing/2014/main" id="{99A4E160-6CFD-4514-9E20-CA6692CCDB9C}"/>
                 </a:ext>
                 <a:ext uri="{C183D7F6-B498-43B3-948B-1728B52AA6E4}">
-                  <adec:decorative xmlns:adec="http://schemas.microsoft.com/office/drawing/2017/decorative" xmlns="" val="1"/>
+                  <adec:decorative xmlns:adec="http://schemas.microsoft.com/office/drawing/2017/decorative" val="1"/>
                 </a:ext>
               </a:extLst>
             </p:cNvPr>
@@ -11793,7 +11780,7 @@
             <p:nvPr>
               <p:extLst>
                 <p:ext uri="{386F3935-93C4-4BCD-93E2-E3B085C9AB24}">
-                  <p16:designElem xmlns:p16="http://schemas.microsoft.com/office/powerpoint/2015/main" xmlns="" val="1"/>
+                  <p16:designElem xmlns:p16="http://schemas.microsoft.com/office/powerpoint/2015/main" val="1"/>
                 </p:ext>
               </p:extLst>
             </p:nvPr>
@@ -11843,10 +11830,10 @@
             <p:cNvPr id="34" name="Freeform 7">
               <a:extLst>
                 <a:ext uri="{FF2B5EF4-FFF2-40B4-BE49-F238E27FC236}">
-                  <a16:creationId xmlns:a16="http://schemas.microsoft.com/office/drawing/2014/main" xmlns="" id="{3DCD16F5-8D15-45FD-BA62-ADAC08183A27}"/>
+                  <a16:creationId xmlns:a16="http://schemas.microsoft.com/office/drawing/2014/main" id="{3DCD16F5-8D15-45FD-BA62-ADAC08183A27}"/>
                 </a:ext>
                 <a:ext uri="{C183D7F6-B498-43B3-948B-1728B52AA6E4}">
-                  <adec:decorative xmlns:adec="http://schemas.microsoft.com/office/drawing/2017/decorative" xmlns="" val="1"/>
+                  <adec:decorative xmlns:adec="http://schemas.microsoft.com/office/drawing/2017/decorative" val="1"/>
                 </a:ext>
               </a:extLst>
             </p:cNvPr>
@@ -11854,7 +11841,7 @@
             <p:nvPr>
               <p:extLst>
                 <p:ext uri="{386F3935-93C4-4BCD-93E2-E3B085C9AB24}">
-                  <p16:designElem xmlns:p16="http://schemas.microsoft.com/office/powerpoint/2015/main" xmlns="" val="1"/>
+                  <p16:designElem xmlns:p16="http://schemas.microsoft.com/office/powerpoint/2015/main" val="1"/>
                 </p:ext>
               </p:extLst>
             </p:nvPr>
@@ -11907,10 +11894,10 @@
             <p:cNvPr id="35" name="Freeform 8">
               <a:extLst>
                 <a:ext uri="{FF2B5EF4-FFF2-40B4-BE49-F238E27FC236}">
-                  <a16:creationId xmlns:a16="http://schemas.microsoft.com/office/drawing/2014/main" xmlns="" id="{E7CFAF28-6FDA-4C2C-BE51-123D1115F75C}"/>
+                  <a16:creationId xmlns:a16="http://schemas.microsoft.com/office/drawing/2014/main" id="{E7CFAF28-6FDA-4C2C-BE51-123D1115F75C}"/>
                 </a:ext>
                 <a:ext uri="{C183D7F6-B498-43B3-948B-1728B52AA6E4}">
-                  <adec:decorative xmlns:adec="http://schemas.microsoft.com/office/drawing/2017/decorative" xmlns="" val="1"/>
+                  <adec:decorative xmlns:adec="http://schemas.microsoft.com/office/drawing/2017/decorative" val="1"/>
                 </a:ext>
               </a:extLst>
             </p:cNvPr>
@@ -11918,7 +11905,7 @@
             <p:nvPr>
               <p:extLst>
                 <p:ext uri="{386F3935-93C4-4BCD-93E2-E3B085C9AB24}">
-                  <p16:designElem xmlns:p16="http://schemas.microsoft.com/office/powerpoint/2015/main" xmlns="" val="1"/>
+                  <p16:designElem xmlns:p16="http://schemas.microsoft.com/office/powerpoint/2015/main" val="1"/>
                 </p:ext>
               </p:extLst>
             </p:nvPr>
@@ -11968,10 +11955,10 @@
             <p:cNvPr id="36" name="Freeform 9">
               <a:extLst>
                 <a:ext uri="{FF2B5EF4-FFF2-40B4-BE49-F238E27FC236}">
-                  <a16:creationId xmlns:a16="http://schemas.microsoft.com/office/drawing/2014/main" xmlns="" id="{1FD12703-0627-4991-B2A4-F96519F90863}"/>
+                  <a16:creationId xmlns:a16="http://schemas.microsoft.com/office/drawing/2014/main" id="{1FD12703-0627-4991-B2A4-F96519F90863}"/>
                 </a:ext>
                 <a:ext uri="{C183D7F6-B498-43B3-948B-1728B52AA6E4}">
-                  <adec:decorative xmlns:adec="http://schemas.microsoft.com/office/drawing/2017/decorative" xmlns="" val="1"/>
+                  <adec:decorative xmlns:adec="http://schemas.microsoft.com/office/drawing/2017/decorative" val="1"/>
                 </a:ext>
               </a:extLst>
             </p:cNvPr>
@@ -11979,7 +11966,7 @@
             <p:nvPr>
               <p:extLst>
                 <p:ext uri="{386F3935-93C4-4BCD-93E2-E3B085C9AB24}">
-                  <p16:designElem xmlns:p16="http://schemas.microsoft.com/office/powerpoint/2015/main" xmlns="" val="1"/>
+                  <p16:designElem xmlns:p16="http://schemas.microsoft.com/office/powerpoint/2015/main" val="1"/>
                 </p:ext>
               </p:extLst>
             </p:nvPr>
@@ -12028,10 +12015,10 @@
             <p:cNvPr id="37" name="Freeform 10">
               <a:extLst>
                 <a:ext uri="{FF2B5EF4-FFF2-40B4-BE49-F238E27FC236}">
-                  <a16:creationId xmlns:a16="http://schemas.microsoft.com/office/drawing/2014/main" xmlns="" id="{A5758E0B-DF61-40A8-B765-BC6841906A9A}"/>
+                  <a16:creationId xmlns:a16="http://schemas.microsoft.com/office/drawing/2014/main" id="{A5758E0B-DF61-40A8-B765-BC6841906A9A}"/>
                 </a:ext>
                 <a:ext uri="{C183D7F6-B498-43B3-948B-1728B52AA6E4}">
-                  <adec:decorative xmlns:adec="http://schemas.microsoft.com/office/drawing/2017/decorative" xmlns="" val="1"/>
+                  <adec:decorative xmlns:adec="http://schemas.microsoft.com/office/drawing/2017/decorative" val="1"/>
                 </a:ext>
               </a:extLst>
             </p:cNvPr>
@@ -12039,7 +12026,7 @@
             <p:nvPr>
               <p:extLst>
                 <p:ext uri="{386F3935-93C4-4BCD-93E2-E3B085C9AB24}">
-                  <p16:designElem xmlns:p16="http://schemas.microsoft.com/office/powerpoint/2015/main" xmlns="" val="1"/>
+                  <p16:designElem xmlns:p16="http://schemas.microsoft.com/office/powerpoint/2015/main" val="1"/>
                 </p:ext>
               </p:extLst>
             </p:nvPr>
@@ -12094,10 +12081,10 @@
             <p:cNvPr id="38" name="Freeform 11">
               <a:extLst>
                 <a:ext uri="{FF2B5EF4-FFF2-40B4-BE49-F238E27FC236}">
-                  <a16:creationId xmlns:a16="http://schemas.microsoft.com/office/drawing/2014/main" xmlns="" id="{3E063A1F-9566-4436-B4E3-2890FBBC2CCB}"/>
+                  <a16:creationId xmlns:a16="http://schemas.microsoft.com/office/drawing/2014/main" id="{3E063A1F-9566-4436-B4E3-2890FBBC2CCB}"/>
                 </a:ext>
                 <a:ext uri="{C183D7F6-B498-43B3-948B-1728B52AA6E4}">
-                  <adec:decorative xmlns:adec="http://schemas.microsoft.com/office/drawing/2017/decorative" xmlns="" val="1"/>
+                  <adec:decorative xmlns:adec="http://schemas.microsoft.com/office/drawing/2017/decorative" val="1"/>
                 </a:ext>
               </a:extLst>
             </p:cNvPr>
@@ -12105,7 +12092,7 @@
             <p:nvPr>
               <p:extLst>
                 <p:ext uri="{386F3935-93C4-4BCD-93E2-E3B085C9AB24}">
-                  <p16:designElem xmlns:p16="http://schemas.microsoft.com/office/powerpoint/2015/main" xmlns="" val="1"/>
+                  <p16:designElem xmlns:p16="http://schemas.microsoft.com/office/powerpoint/2015/main" val="1"/>
                 </p:ext>
               </p:extLst>
             </p:nvPr>
@@ -12174,10 +12161,10 @@
           <p:cNvPr id="40" name="Group 39">
             <a:extLst>
               <a:ext uri="{FF2B5EF4-FFF2-40B4-BE49-F238E27FC236}">
-                <a16:creationId xmlns:a16="http://schemas.microsoft.com/office/drawing/2014/main" xmlns="" id="{DF8D5C46-63E5-40C5-A208-4B2189FA1032}"/>
+                <a16:creationId xmlns:a16="http://schemas.microsoft.com/office/drawing/2014/main" id="{DF8D5C46-63E5-40C5-A208-4B2189FA1032}"/>
               </a:ext>
               <a:ext uri="{C183D7F6-B498-43B3-948B-1728B52AA6E4}">
-                <adec:decorative xmlns:adec="http://schemas.microsoft.com/office/drawing/2017/decorative" xmlns="" val="1"/>
+                <adec:decorative xmlns:adec="http://schemas.microsoft.com/office/drawing/2017/decorative" val="1"/>
               </a:ext>
             </a:extLst>
           </p:cNvPr>
@@ -12187,7 +12174,7 @@
           <p:nvPr>
             <p:extLst>
               <p:ext uri="{386F3935-93C4-4BCD-93E2-E3B085C9AB24}">
-                <p16:designElem xmlns:p16="http://schemas.microsoft.com/office/powerpoint/2015/main" xmlns="" val="1"/>
+                <p16:designElem xmlns:p16="http://schemas.microsoft.com/office/powerpoint/2015/main" val="1"/>
               </p:ext>
             </p:extLst>
           </p:nvPr>
@@ -12205,10 +12192,10 @@
             <p:cNvPr id="41" name="Freeform 6">
               <a:extLst>
                 <a:ext uri="{FF2B5EF4-FFF2-40B4-BE49-F238E27FC236}">
-                  <a16:creationId xmlns:a16="http://schemas.microsoft.com/office/drawing/2014/main" xmlns="" id="{4A42B4ED-376E-46C3-8BB2-EAFC660D112B}"/>
+                  <a16:creationId xmlns:a16="http://schemas.microsoft.com/office/drawing/2014/main" id="{4A42B4ED-376E-46C3-8BB2-EAFC660D112B}"/>
                 </a:ext>
                 <a:ext uri="{C183D7F6-B498-43B3-948B-1728B52AA6E4}">
-                  <adec:decorative xmlns:adec="http://schemas.microsoft.com/office/drawing/2017/decorative" xmlns="" val="1"/>
+                  <adec:decorative xmlns:adec="http://schemas.microsoft.com/office/drawing/2017/decorative" val="1"/>
                 </a:ext>
               </a:extLst>
             </p:cNvPr>
@@ -12216,7 +12203,7 @@
             <p:nvPr>
               <p:extLst>
                 <p:ext uri="{386F3935-93C4-4BCD-93E2-E3B085C9AB24}">
-                  <p16:designElem xmlns:p16="http://schemas.microsoft.com/office/powerpoint/2015/main" xmlns="" val="1"/>
+                  <p16:designElem xmlns:p16="http://schemas.microsoft.com/office/powerpoint/2015/main" val="1"/>
                 </p:ext>
               </p:extLst>
             </p:nvPr>
@@ -12266,10 +12253,10 @@
             <p:cNvPr id="42" name="Freeform 7">
               <a:extLst>
                 <a:ext uri="{FF2B5EF4-FFF2-40B4-BE49-F238E27FC236}">
-                  <a16:creationId xmlns:a16="http://schemas.microsoft.com/office/drawing/2014/main" xmlns="" id="{94E0795D-42C3-4DFD-AEB0-286A1CF143FC}"/>
+                  <a16:creationId xmlns:a16="http://schemas.microsoft.com/office/drawing/2014/main" id="{94E0795D-42C3-4DFD-AEB0-286A1CF143FC}"/>
                 </a:ext>
                 <a:ext uri="{C183D7F6-B498-43B3-948B-1728B52AA6E4}">
-                  <adec:decorative xmlns:adec="http://schemas.microsoft.com/office/drawing/2017/decorative" xmlns="" val="1"/>
+                  <adec:decorative xmlns:adec="http://schemas.microsoft.com/office/drawing/2017/decorative" val="1"/>
                 </a:ext>
               </a:extLst>
             </p:cNvPr>
@@ -12277,7 +12264,7 @@
             <p:nvPr>
               <p:extLst>
                 <p:ext uri="{386F3935-93C4-4BCD-93E2-E3B085C9AB24}">
-                  <p16:designElem xmlns:p16="http://schemas.microsoft.com/office/powerpoint/2015/main" xmlns="" val="1"/>
+                  <p16:designElem xmlns:p16="http://schemas.microsoft.com/office/powerpoint/2015/main" val="1"/>
                 </p:ext>
               </p:extLst>
             </p:nvPr>
@@ -12330,10 +12317,10 @@
             <p:cNvPr id="43" name="Freeform 8">
               <a:extLst>
                 <a:ext uri="{FF2B5EF4-FFF2-40B4-BE49-F238E27FC236}">
-                  <a16:creationId xmlns:a16="http://schemas.microsoft.com/office/drawing/2014/main" xmlns="" id="{A2ACED1B-99D0-4C14-B63B-963889DCDBC2}"/>
+                  <a16:creationId xmlns:a16="http://schemas.microsoft.com/office/drawing/2014/main" id="{A2ACED1B-99D0-4C14-B63B-963889DCDBC2}"/>
                 </a:ext>
                 <a:ext uri="{C183D7F6-B498-43B3-948B-1728B52AA6E4}">
-                  <adec:decorative xmlns:adec="http://schemas.microsoft.com/office/drawing/2017/decorative" xmlns="" val="1"/>
+                  <adec:decorative xmlns:adec="http://schemas.microsoft.com/office/drawing/2017/decorative" val="1"/>
                 </a:ext>
               </a:extLst>
             </p:cNvPr>
@@ -12341,7 +12328,7 @@
             <p:nvPr>
               <p:extLst>
                 <p:ext uri="{386F3935-93C4-4BCD-93E2-E3B085C9AB24}">
-                  <p16:designElem xmlns:p16="http://schemas.microsoft.com/office/powerpoint/2015/main" xmlns="" val="1"/>
+                  <p16:designElem xmlns:p16="http://schemas.microsoft.com/office/powerpoint/2015/main" val="1"/>
                 </p:ext>
               </p:extLst>
             </p:nvPr>
@@ -12391,10 +12378,10 @@
             <p:cNvPr id="44" name="Freeform 9">
               <a:extLst>
                 <a:ext uri="{FF2B5EF4-FFF2-40B4-BE49-F238E27FC236}">
-                  <a16:creationId xmlns:a16="http://schemas.microsoft.com/office/drawing/2014/main" xmlns="" id="{5C5D324F-33A3-4C66-BFE5-1742CA4E5940}"/>
+                  <a16:creationId xmlns:a16="http://schemas.microsoft.com/office/drawing/2014/main" id="{5C5D324F-33A3-4C66-BFE5-1742CA4E5940}"/>
                 </a:ext>
                 <a:ext uri="{C183D7F6-B498-43B3-948B-1728B52AA6E4}">
-                  <adec:decorative xmlns:adec="http://schemas.microsoft.com/office/drawing/2017/decorative" xmlns="" val="1"/>
+                  <adec:decorative xmlns:adec="http://schemas.microsoft.com/office/drawing/2017/decorative" val="1"/>
                 </a:ext>
               </a:extLst>
             </p:cNvPr>
@@ -12402,7 +12389,7 @@
             <p:nvPr>
               <p:extLst>
                 <p:ext uri="{386F3935-93C4-4BCD-93E2-E3B085C9AB24}">
-                  <p16:designElem xmlns:p16="http://schemas.microsoft.com/office/powerpoint/2015/main" xmlns="" val="1"/>
+                  <p16:designElem xmlns:p16="http://schemas.microsoft.com/office/powerpoint/2015/main" val="1"/>
                 </p:ext>
               </p:extLst>
             </p:nvPr>
@@ -12451,10 +12438,10 @@
             <p:cNvPr id="45" name="Freeform 10">
               <a:extLst>
                 <a:ext uri="{FF2B5EF4-FFF2-40B4-BE49-F238E27FC236}">
-                  <a16:creationId xmlns:a16="http://schemas.microsoft.com/office/drawing/2014/main" xmlns="" id="{EC572FC8-A465-4BA3-BA4D-2EC538C042AD}"/>
+                  <a16:creationId xmlns:a16="http://schemas.microsoft.com/office/drawing/2014/main" id="{EC572FC8-A465-4BA3-BA4D-2EC538C042AD}"/>
                 </a:ext>
                 <a:ext uri="{C183D7F6-B498-43B3-948B-1728B52AA6E4}">
-                  <adec:decorative xmlns:adec="http://schemas.microsoft.com/office/drawing/2017/decorative" xmlns="" val="1"/>
+                  <adec:decorative xmlns:adec="http://schemas.microsoft.com/office/drawing/2017/decorative" val="1"/>
                 </a:ext>
               </a:extLst>
             </p:cNvPr>
@@ -12462,7 +12449,7 @@
             <p:nvPr>
               <p:extLst>
                 <p:ext uri="{386F3935-93C4-4BCD-93E2-E3B085C9AB24}">
-                  <p16:designElem xmlns:p16="http://schemas.microsoft.com/office/powerpoint/2015/main" xmlns="" val="1"/>
+                  <p16:designElem xmlns:p16="http://schemas.microsoft.com/office/powerpoint/2015/main" val="1"/>
                 </p:ext>
               </p:extLst>
             </p:nvPr>
@@ -12517,10 +12504,10 @@
             <p:cNvPr id="46" name="Freeform 11">
               <a:extLst>
                 <a:ext uri="{FF2B5EF4-FFF2-40B4-BE49-F238E27FC236}">
-                  <a16:creationId xmlns:a16="http://schemas.microsoft.com/office/drawing/2014/main" xmlns="" id="{66CC2B15-8E3B-4CFF-99E4-5B4E4D8CF933}"/>
+                  <a16:creationId xmlns:a16="http://schemas.microsoft.com/office/drawing/2014/main" id="{66CC2B15-8E3B-4CFF-99E4-5B4E4D8CF933}"/>
                 </a:ext>
                 <a:ext uri="{C183D7F6-B498-43B3-948B-1728B52AA6E4}">
-                  <adec:decorative xmlns:adec="http://schemas.microsoft.com/office/drawing/2017/decorative" xmlns="" val="1"/>
+                  <adec:decorative xmlns:adec="http://schemas.microsoft.com/office/drawing/2017/decorative" val="1"/>
                 </a:ext>
               </a:extLst>
             </p:cNvPr>
@@ -12528,7 +12515,7 @@
             <p:nvPr>
               <p:extLst>
                 <p:ext uri="{386F3935-93C4-4BCD-93E2-E3B085C9AB24}">
-                  <p16:designElem xmlns:p16="http://schemas.microsoft.com/office/powerpoint/2015/main" xmlns="" val="1"/>
+                  <p16:designElem xmlns:p16="http://schemas.microsoft.com/office/powerpoint/2015/main" val="1"/>
                 </p:ext>
               </p:extLst>
             </p:nvPr>
@@ -12597,7 +12584,7 @@
           <p:cNvPr id="2" name="Title 1">
             <a:extLst>
               <a:ext uri="{FF2B5EF4-FFF2-40B4-BE49-F238E27FC236}">
-                <a16:creationId xmlns:a16="http://schemas.microsoft.com/office/drawing/2014/main" xmlns="" id="{13FFB360-638D-F14E-9871-2D91F9F58608}"/>
+                <a16:creationId xmlns:a16="http://schemas.microsoft.com/office/drawing/2014/main" id="{13FFB360-638D-F14E-9871-2D91F9F58608}"/>
               </a:ext>
             </a:extLst>
           </p:cNvPr>
@@ -12632,7 +12619,7 @@
           <p:cNvPr id="3" name="Content Placeholder 2">
             <a:extLst>
               <a:ext uri="{FF2B5EF4-FFF2-40B4-BE49-F238E27FC236}">
-                <a16:creationId xmlns:a16="http://schemas.microsoft.com/office/drawing/2014/main" xmlns="" id="{CB681A90-0CD3-EA46-BD97-5803DCFB3E5D}"/>
+                <a16:creationId xmlns:a16="http://schemas.microsoft.com/office/drawing/2014/main" id="{CB681A90-0CD3-EA46-BD97-5803DCFB3E5D}"/>
               </a:ext>
             </a:extLst>
           </p:cNvPr>
@@ -12673,10 +12660,10 @@
           <p:cNvPr id="48" name="Rounded Rectangle 16">
             <a:extLst>
               <a:ext uri="{FF2B5EF4-FFF2-40B4-BE49-F238E27FC236}">
-                <a16:creationId xmlns:a16="http://schemas.microsoft.com/office/drawing/2014/main" xmlns="" id="{63A60C88-7443-4827-9241-5019758CB4F0}"/>
+                <a16:creationId xmlns:a16="http://schemas.microsoft.com/office/drawing/2014/main" id="{63A60C88-7443-4827-9241-5019758CB4F0}"/>
               </a:ext>
               <a:ext uri="{C183D7F6-B498-43B3-948B-1728B52AA6E4}">
-                <adec:decorative xmlns:adec="http://schemas.microsoft.com/office/drawing/2017/decorative" xmlns="" val="1"/>
+                <adec:decorative xmlns:adec="http://schemas.microsoft.com/office/drawing/2017/decorative" val="1"/>
               </a:ext>
             </a:extLst>
           </p:cNvPr>
@@ -12686,7 +12673,7 @@
           <p:nvPr>
             <p:extLst>
               <p:ext uri="{386F3935-93C4-4BCD-93E2-E3B085C9AB24}">
-                <p16:designElem xmlns:p16="http://schemas.microsoft.com/office/powerpoint/2015/main" xmlns="" val="1"/>
+                <p16:designElem xmlns:p16="http://schemas.microsoft.com/office/powerpoint/2015/main" val="1"/>
               </p:ext>
             </p:extLst>
           </p:nvPr>
@@ -12758,7 +12745,7 @@
           <p:cNvPr id="6" name="Content Placeholder 5" descr="Graphical user interface, application&#10;&#10;Description automatically generated">
             <a:extLst>
               <a:ext uri="{FF2B5EF4-FFF2-40B4-BE49-F238E27FC236}">
-                <a16:creationId xmlns:a16="http://schemas.microsoft.com/office/drawing/2014/main" xmlns="" id="{C7C2803D-93D7-3A49-A546-4BB0A70448BD}"/>
+                <a16:creationId xmlns:a16="http://schemas.microsoft.com/office/drawing/2014/main" id="{C7C2803D-93D7-3A49-A546-4BB0A70448BD}"/>
               </a:ext>
             </a:extLst>
           </p:cNvPr>
@@ -12795,7 +12782,7 @@
           <p:cNvPr id="4" name="TextBox 3">
             <a:extLst>
               <a:ext uri="{FF2B5EF4-FFF2-40B4-BE49-F238E27FC236}">
-                <a16:creationId xmlns:a16="http://schemas.microsoft.com/office/drawing/2014/main" xmlns="" id="{332040DC-98AF-914B-94C3-4130CF2AAC55}"/>
+                <a16:creationId xmlns:a16="http://schemas.microsoft.com/office/drawing/2014/main" id="{332040DC-98AF-914B-94C3-4130CF2AAC55}"/>
               </a:ext>
             </a:extLst>
           </p:cNvPr>
@@ -12881,10 +12868,10 @@
           <p:cNvPr id="11" name="Group 10">
             <a:extLst>
               <a:ext uri="{FF2B5EF4-FFF2-40B4-BE49-F238E27FC236}">
-                <a16:creationId xmlns:a16="http://schemas.microsoft.com/office/drawing/2014/main" xmlns="" id="{15FF890B-3CE7-403A-AECE-2DE04FC7AF80}"/>
+                <a16:creationId xmlns:a16="http://schemas.microsoft.com/office/drawing/2014/main" id="{15FF890B-3CE7-403A-AECE-2DE04FC7AF80}"/>
               </a:ext>
               <a:ext uri="{C183D7F6-B498-43B3-948B-1728B52AA6E4}">
-                <adec:decorative xmlns:adec="http://schemas.microsoft.com/office/drawing/2017/decorative" xmlns="" val="1"/>
+                <adec:decorative xmlns:adec="http://schemas.microsoft.com/office/drawing/2017/decorative" val="1"/>
               </a:ext>
             </a:extLst>
           </p:cNvPr>
@@ -12894,7 +12881,7 @@
           <p:nvPr>
             <p:extLst>
               <p:ext uri="{386F3935-93C4-4BCD-93E2-E3B085C9AB24}">
-                <p16:designElem xmlns:p16="http://schemas.microsoft.com/office/powerpoint/2015/main" xmlns="" val="1"/>
+                <p16:designElem xmlns:p16="http://schemas.microsoft.com/office/powerpoint/2015/main" val="1"/>
               </p:ext>
             </p:extLst>
           </p:nvPr>
@@ -12912,10 +12899,10 @@
             <p:cNvPr id="12" name="Freeform 6">
               <a:extLst>
                 <a:ext uri="{FF2B5EF4-FFF2-40B4-BE49-F238E27FC236}">
-                  <a16:creationId xmlns:a16="http://schemas.microsoft.com/office/drawing/2014/main" xmlns="" id="{99A4E160-6CFD-4514-9E20-CA6692CCDB9C}"/>
+                  <a16:creationId xmlns:a16="http://schemas.microsoft.com/office/drawing/2014/main" id="{99A4E160-6CFD-4514-9E20-CA6692CCDB9C}"/>
                 </a:ext>
                 <a:ext uri="{C183D7F6-B498-43B3-948B-1728B52AA6E4}">
-                  <adec:decorative xmlns:adec="http://schemas.microsoft.com/office/drawing/2017/decorative" xmlns="" val="1"/>
+                  <adec:decorative xmlns:adec="http://schemas.microsoft.com/office/drawing/2017/decorative" val="1"/>
                 </a:ext>
               </a:extLst>
             </p:cNvPr>
@@ -12923,7 +12910,7 @@
             <p:nvPr>
               <p:extLst>
                 <p:ext uri="{386F3935-93C4-4BCD-93E2-E3B085C9AB24}">
-                  <p16:designElem xmlns:p16="http://schemas.microsoft.com/office/powerpoint/2015/main" xmlns="" val="1"/>
+                  <p16:designElem xmlns:p16="http://schemas.microsoft.com/office/powerpoint/2015/main" val="1"/>
                 </p:ext>
               </p:extLst>
             </p:nvPr>
@@ -12973,10 +12960,10 @@
             <p:cNvPr id="13" name="Freeform 7">
               <a:extLst>
                 <a:ext uri="{FF2B5EF4-FFF2-40B4-BE49-F238E27FC236}">
-                  <a16:creationId xmlns:a16="http://schemas.microsoft.com/office/drawing/2014/main" xmlns="" id="{3DCD16F5-8D15-45FD-BA62-ADAC08183A27}"/>
+                  <a16:creationId xmlns:a16="http://schemas.microsoft.com/office/drawing/2014/main" id="{3DCD16F5-8D15-45FD-BA62-ADAC08183A27}"/>
                 </a:ext>
                 <a:ext uri="{C183D7F6-B498-43B3-948B-1728B52AA6E4}">
-                  <adec:decorative xmlns:adec="http://schemas.microsoft.com/office/drawing/2017/decorative" xmlns="" val="1"/>
+                  <adec:decorative xmlns:adec="http://schemas.microsoft.com/office/drawing/2017/decorative" val="1"/>
                 </a:ext>
               </a:extLst>
             </p:cNvPr>
@@ -12984,7 +12971,7 @@
             <p:nvPr>
               <p:extLst>
                 <p:ext uri="{386F3935-93C4-4BCD-93E2-E3B085C9AB24}">
-                  <p16:designElem xmlns:p16="http://schemas.microsoft.com/office/powerpoint/2015/main" xmlns="" val="1"/>
+                  <p16:designElem xmlns:p16="http://schemas.microsoft.com/office/powerpoint/2015/main" val="1"/>
                 </p:ext>
               </p:extLst>
             </p:nvPr>
@@ -13037,10 +13024,10 @@
             <p:cNvPr id="14" name="Freeform 8">
               <a:extLst>
                 <a:ext uri="{FF2B5EF4-FFF2-40B4-BE49-F238E27FC236}">
-                  <a16:creationId xmlns:a16="http://schemas.microsoft.com/office/drawing/2014/main" xmlns="" id="{E7CFAF28-6FDA-4C2C-BE51-123D1115F75C}"/>
+                  <a16:creationId xmlns:a16="http://schemas.microsoft.com/office/drawing/2014/main" id="{E7CFAF28-6FDA-4C2C-BE51-123D1115F75C}"/>
                 </a:ext>
                 <a:ext uri="{C183D7F6-B498-43B3-948B-1728B52AA6E4}">
-                  <adec:decorative xmlns:adec="http://schemas.microsoft.com/office/drawing/2017/decorative" xmlns="" val="1"/>
+                  <adec:decorative xmlns:adec="http://schemas.microsoft.com/office/drawing/2017/decorative" val="1"/>
                 </a:ext>
               </a:extLst>
             </p:cNvPr>
@@ -13048,7 +13035,7 @@
             <p:nvPr>
               <p:extLst>
                 <p:ext uri="{386F3935-93C4-4BCD-93E2-E3B085C9AB24}">
-                  <p16:designElem xmlns:p16="http://schemas.microsoft.com/office/powerpoint/2015/main" xmlns="" val="1"/>
+                  <p16:designElem xmlns:p16="http://schemas.microsoft.com/office/powerpoint/2015/main" val="1"/>
                 </p:ext>
               </p:extLst>
             </p:nvPr>
@@ -13098,10 +13085,10 @@
             <p:cNvPr id="15" name="Freeform 9">
               <a:extLst>
                 <a:ext uri="{FF2B5EF4-FFF2-40B4-BE49-F238E27FC236}">
-                  <a16:creationId xmlns:a16="http://schemas.microsoft.com/office/drawing/2014/main" xmlns="" id="{1FD12703-0627-4991-B2A4-F96519F90863}"/>
+                  <a16:creationId xmlns:a16="http://schemas.microsoft.com/office/drawing/2014/main" id="{1FD12703-0627-4991-B2A4-F96519F90863}"/>
                 </a:ext>
                 <a:ext uri="{C183D7F6-B498-43B3-948B-1728B52AA6E4}">
-                  <adec:decorative xmlns:adec="http://schemas.microsoft.com/office/drawing/2017/decorative" xmlns="" val="1"/>
+                  <adec:decorative xmlns:adec="http://schemas.microsoft.com/office/drawing/2017/decorative" val="1"/>
                 </a:ext>
               </a:extLst>
             </p:cNvPr>
@@ -13109,7 +13096,7 @@
             <p:nvPr>
               <p:extLst>
                 <p:ext uri="{386F3935-93C4-4BCD-93E2-E3B085C9AB24}">
-                  <p16:designElem xmlns:p16="http://schemas.microsoft.com/office/powerpoint/2015/main" xmlns="" val="1"/>
+                  <p16:designElem xmlns:p16="http://schemas.microsoft.com/office/powerpoint/2015/main" val="1"/>
                 </p:ext>
               </p:extLst>
             </p:nvPr>
@@ -13158,10 +13145,10 @@
             <p:cNvPr id="16" name="Freeform 10">
               <a:extLst>
                 <a:ext uri="{FF2B5EF4-FFF2-40B4-BE49-F238E27FC236}">
-                  <a16:creationId xmlns:a16="http://schemas.microsoft.com/office/drawing/2014/main" xmlns="" id="{A5758E0B-DF61-40A8-B765-BC6841906A9A}"/>
+                  <a16:creationId xmlns:a16="http://schemas.microsoft.com/office/drawing/2014/main" id="{A5758E0B-DF61-40A8-B765-BC6841906A9A}"/>
                 </a:ext>
                 <a:ext uri="{C183D7F6-B498-43B3-948B-1728B52AA6E4}">
-                  <adec:decorative xmlns:adec="http://schemas.microsoft.com/office/drawing/2017/decorative" xmlns="" val="1"/>
+                  <adec:decorative xmlns:adec="http://schemas.microsoft.com/office/drawing/2017/decorative" val="1"/>
                 </a:ext>
               </a:extLst>
             </p:cNvPr>
@@ -13169,7 +13156,7 @@
             <p:nvPr>
               <p:extLst>
                 <p:ext uri="{386F3935-93C4-4BCD-93E2-E3B085C9AB24}">
-                  <p16:designElem xmlns:p16="http://schemas.microsoft.com/office/powerpoint/2015/main" xmlns="" val="1"/>
+                  <p16:designElem xmlns:p16="http://schemas.microsoft.com/office/powerpoint/2015/main" val="1"/>
                 </p:ext>
               </p:extLst>
             </p:nvPr>
@@ -13224,10 +13211,10 @@
             <p:cNvPr id="17" name="Freeform 11">
               <a:extLst>
                 <a:ext uri="{FF2B5EF4-FFF2-40B4-BE49-F238E27FC236}">
-                  <a16:creationId xmlns:a16="http://schemas.microsoft.com/office/drawing/2014/main" xmlns="" id="{3E063A1F-9566-4436-B4E3-2890FBBC2CCB}"/>
+                  <a16:creationId xmlns:a16="http://schemas.microsoft.com/office/drawing/2014/main" id="{3E063A1F-9566-4436-B4E3-2890FBBC2CCB}"/>
                 </a:ext>
                 <a:ext uri="{C183D7F6-B498-43B3-948B-1728B52AA6E4}">
-                  <adec:decorative xmlns:adec="http://schemas.microsoft.com/office/drawing/2017/decorative" xmlns="" val="1"/>
+                  <adec:decorative xmlns:adec="http://schemas.microsoft.com/office/drawing/2017/decorative" val="1"/>
                 </a:ext>
               </a:extLst>
             </p:cNvPr>
@@ -13235,7 +13222,7 @@
             <p:nvPr>
               <p:extLst>
                 <p:ext uri="{386F3935-93C4-4BCD-93E2-E3B085C9AB24}">
-                  <p16:designElem xmlns:p16="http://schemas.microsoft.com/office/powerpoint/2015/main" xmlns="" val="1"/>
+                  <p16:designElem xmlns:p16="http://schemas.microsoft.com/office/powerpoint/2015/main" val="1"/>
                 </p:ext>
               </p:extLst>
             </p:nvPr>
@@ -13304,10 +13291,10 @@
           <p:cNvPr id="19" name="Group 18">
             <a:extLst>
               <a:ext uri="{FF2B5EF4-FFF2-40B4-BE49-F238E27FC236}">
-                <a16:creationId xmlns:a16="http://schemas.microsoft.com/office/drawing/2014/main" xmlns="" id="{DF8D5C46-63E5-40C5-A208-4B2189FA1032}"/>
+                <a16:creationId xmlns:a16="http://schemas.microsoft.com/office/drawing/2014/main" id="{DF8D5C46-63E5-40C5-A208-4B2189FA1032}"/>
               </a:ext>
               <a:ext uri="{C183D7F6-B498-43B3-948B-1728B52AA6E4}">
-                <adec:decorative xmlns:adec="http://schemas.microsoft.com/office/drawing/2017/decorative" xmlns="" val="1"/>
+                <adec:decorative xmlns:adec="http://schemas.microsoft.com/office/drawing/2017/decorative" val="1"/>
               </a:ext>
             </a:extLst>
           </p:cNvPr>
@@ -13317,7 +13304,7 @@
           <p:nvPr>
             <p:extLst>
               <p:ext uri="{386F3935-93C4-4BCD-93E2-E3B085C9AB24}">
-                <p16:designElem xmlns:p16="http://schemas.microsoft.com/office/powerpoint/2015/main" xmlns="" val="1"/>
+                <p16:designElem xmlns:p16="http://schemas.microsoft.com/office/powerpoint/2015/main" val="1"/>
               </p:ext>
             </p:extLst>
           </p:nvPr>
@@ -13335,10 +13322,10 @@
             <p:cNvPr id="20" name="Freeform 6">
               <a:extLst>
                 <a:ext uri="{FF2B5EF4-FFF2-40B4-BE49-F238E27FC236}">
-                  <a16:creationId xmlns:a16="http://schemas.microsoft.com/office/drawing/2014/main" xmlns="" id="{4A42B4ED-376E-46C3-8BB2-EAFC660D112B}"/>
+                  <a16:creationId xmlns:a16="http://schemas.microsoft.com/office/drawing/2014/main" id="{4A42B4ED-376E-46C3-8BB2-EAFC660D112B}"/>
                 </a:ext>
                 <a:ext uri="{C183D7F6-B498-43B3-948B-1728B52AA6E4}">
-                  <adec:decorative xmlns:adec="http://schemas.microsoft.com/office/drawing/2017/decorative" xmlns="" val="1"/>
+                  <adec:decorative xmlns:adec="http://schemas.microsoft.com/office/drawing/2017/decorative" val="1"/>
                 </a:ext>
               </a:extLst>
             </p:cNvPr>
@@ -13346,7 +13333,7 @@
             <p:nvPr>
               <p:extLst>
                 <p:ext uri="{386F3935-93C4-4BCD-93E2-E3B085C9AB24}">
-                  <p16:designElem xmlns:p16="http://schemas.microsoft.com/office/powerpoint/2015/main" xmlns="" val="1"/>
+                  <p16:designElem xmlns:p16="http://schemas.microsoft.com/office/powerpoint/2015/main" val="1"/>
                 </p:ext>
               </p:extLst>
             </p:nvPr>
@@ -13396,10 +13383,10 @@
             <p:cNvPr id="21" name="Freeform 7">
               <a:extLst>
                 <a:ext uri="{FF2B5EF4-FFF2-40B4-BE49-F238E27FC236}">
-                  <a16:creationId xmlns:a16="http://schemas.microsoft.com/office/drawing/2014/main" xmlns="" id="{94E0795D-42C3-4DFD-AEB0-286A1CF143FC}"/>
+                  <a16:creationId xmlns:a16="http://schemas.microsoft.com/office/drawing/2014/main" id="{94E0795D-42C3-4DFD-AEB0-286A1CF143FC}"/>
                 </a:ext>
                 <a:ext uri="{C183D7F6-B498-43B3-948B-1728B52AA6E4}">
-                  <adec:decorative xmlns:adec="http://schemas.microsoft.com/office/drawing/2017/decorative" xmlns="" val="1"/>
+                  <adec:decorative xmlns:adec="http://schemas.microsoft.com/office/drawing/2017/decorative" val="1"/>
                 </a:ext>
               </a:extLst>
             </p:cNvPr>
@@ -13407,7 +13394,7 @@
             <p:nvPr>
               <p:extLst>
                 <p:ext uri="{386F3935-93C4-4BCD-93E2-E3B085C9AB24}">
-                  <p16:designElem xmlns:p16="http://schemas.microsoft.com/office/powerpoint/2015/main" xmlns="" val="1"/>
+                  <p16:designElem xmlns:p16="http://schemas.microsoft.com/office/powerpoint/2015/main" val="1"/>
                 </p:ext>
               </p:extLst>
             </p:nvPr>
@@ -13460,10 +13447,10 @@
             <p:cNvPr id="22" name="Freeform 8">
               <a:extLst>
                 <a:ext uri="{FF2B5EF4-FFF2-40B4-BE49-F238E27FC236}">
-                  <a16:creationId xmlns:a16="http://schemas.microsoft.com/office/drawing/2014/main" xmlns="" id="{A2ACED1B-99D0-4C14-B63B-963889DCDBC2}"/>
+                  <a16:creationId xmlns:a16="http://schemas.microsoft.com/office/drawing/2014/main" id="{A2ACED1B-99D0-4C14-B63B-963889DCDBC2}"/>
                 </a:ext>
                 <a:ext uri="{C183D7F6-B498-43B3-948B-1728B52AA6E4}">
-                  <adec:decorative xmlns:adec="http://schemas.microsoft.com/office/drawing/2017/decorative" xmlns="" val="1"/>
+                  <adec:decorative xmlns:adec="http://schemas.microsoft.com/office/drawing/2017/decorative" val="1"/>
                 </a:ext>
               </a:extLst>
             </p:cNvPr>
@@ -13471,7 +13458,7 @@
             <p:nvPr>
               <p:extLst>
                 <p:ext uri="{386F3935-93C4-4BCD-93E2-E3B085C9AB24}">
-                  <p16:designElem xmlns:p16="http://schemas.microsoft.com/office/powerpoint/2015/main" xmlns="" val="1"/>
+                  <p16:designElem xmlns:p16="http://schemas.microsoft.com/office/powerpoint/2015/main" val="1"/>
                 </p:ext>
               </p:extLst>
             </p:nvPr>
@@ -13521,10 +13508,10 @@
             <p:cNvPr id="23" name="Freeform 9">
               <a:extLst>
                 <a:ext uri="{FF2B5EF4-FFF2-40B4-BE49-F238E27FC236}">
-                  <a16:creationId xmlns:a16="http://schemas.microsoft.com/office/drawing/2014/main" xmlns="" id="{5C5D324F-33A3-4C66-BFE5-1742CA4E5940}"/>
+                  <a16:creationId xmlns:a16="http://schemas.microsoft.com/office/drawing/2014/main" id="{5C5D324F-33A3-4C66-BFE5-1742CA4E5940}"/>
                 </a:ext>
                 <a:ext uri="{C183D7F6-B498-43B3-948B-1728B52AA6E4}">
-                  <adec:decorative xmlns:adec="http://schemas.microsoft.com/office/drawing/2017/decorative" xmlns="" val="1"/>
+                  <adec:decorative xmlns:adec="http://schemas.microsoft.com/office/drawing/2017/decorative" val="1"/>
                 </a:ext>
               </a:extLst>
             </p:cNvPr>
@@ -13532,7 +13519,7 @@
             <p:nvPr>
               <p:extLst>
                 <p:ext uri="{386F3935-93C4-4BCD-93E2-E3B085C9AB24}">
-                  <p16:designElem xmlns:p16="http://schemas.microsoft.com/office/powerpoint/2015/main" xmlns="" val="1"/>
+                  <p16:designElem xmlns:p16="http://schemas.microsoft.com/office/powerpoint/2015/main" val="1"/>
                 </p:ext>
               </p:extLst>
             </p:nvPr>
@@ -13581,10 +13568,10 @@
             <p:cNvPr id="24" name="Freeform 10">
               <a:extLst>
                 <a:ext uri="{FF2B5EF4-FFF2-40B4-BE49-F238E27FC236}">
-                  <a16:creationId xmlns:a16="http://schemas.microsoft.com/office/drawing/2014/main" xmlns="" id="{EC572FC8-A465-4BA3-BA4D-2EC538C042AD}"/>
+                  <a16:creationId xmlns:a16="http://schemas.microsoft.com/office/drawing/2014/main" id="{EC572FC8-A465-4BA3-BA4D-2EC538C042AD}"/>
                 </a:ext>
                 <a:ext uri="{C183D7F6-B498-43B3-948B-1728B52AA6E4}">
-                  <adec:decorative xmlns:adec="http://schemas.microsoft.com/office/drawing/2017/decorative" xmlns="" val="1"/>
+                  <adec:decorative xmlns:adec="http://schemas.microsoft.com/office/drawing/2017/decorative" val="1"/>
                 </a:ext>
               </a:extLst>
             </p:cNvPr>
@@ -13592,7 +13579,7 @@
             <p:nvPr>
               <p:extLst>
                 <p:ext uri="{386F3935-93C4-4BCD-93E2-E3B085C9AB24}">
-                  <p16:designElem xmlns:p16="http://schemas.microsoft.com/office/powerpoint/2015/main" xmlns="" val="1"/>
+                  <p16:designElem xmlns:p16="http://schemas.microsoft.com/office/powerpoint/2015/main" val="1"/>
                 </p:ext>
               </p:extLst>
             </p:nvPr>
@@ -13647,10 +13634,10 @@
             <p:cNvPr id="25" name="Freeform 11">
               <a:extLst>
                 <a:ext uri="{FF2B5EF4-FFF2-40B4-BE49-F238E27FC236}">
-                  <a16:creationId xmlns:a16="http://schemas.microsoft.com/office/drawing/2014/main" xmlns="" id="{66CC2B15-8E3B-4CFF-99E4-5B4E4D8CF933}"/>
+                  <a16:creationId xmlns:a16="http://schemas.microsoft.com/office/drawing/2014/main" id="{66CC2B15-8E3B-4CFF-99E4-5B4E4D8CF933}"/>
                 </a:ext>
                 <a:ext uri="{C183D7F6-B498-43B3-948B-1728B52AA6E4}">
-                  <adec:decorative xmlns:adec="http://schemas.microsoft.com/office/drawing/2017/decorative" xmlns="" val="1"/>
+                  <adec:decorative xmlns:adec="http://schemas.microsoft.com/office/drawing/2017/decorative" val="1"/>
                 </a:ext>
               </a:extLst>
             </p:cNvPr>
@@ -13658,7 +13645,7 @@
             <p:nvPr>
               <p:extLst>
                 <p:ext uri="{386F3935-93C4-4BCD-93E2-E3B085C9AB24}">
-                  <p16:designElem xmlns:p16="http://schemas.microsoft.com/office/powerpoint/2015/main" xmlns="" val="1"/>
+                  <p16:designElem xmlns:p16="http://schemas.microsoft.com/office/powerpoint/2015/main" val="1"/>
                 </p:ext>
               </p:extLst>
             </p:nvPr>
@@ -13727,7 +13714,7 @@
           <p:cNvPr id="2" name="Title 1">
             <a:extLst>
               <a:ext uri="{FF2B5EF4-FFF2-40B4-BE49-F238E27FC236}">
-                <a16:creationId xmlns:a16="http://schemas.microsoft.com/office/drawing/2014/main" xmlns="" id="{D19F05BC-D31C-BA45-9FAA-24F57947D6F3}"/>
+                <a16:creationId xmlns:a16="http://schemas.microsoft.com/office/drawing/2014/main" id="{D19F05BC-D31C-BA45-9FAA-24F57947D6F3}"/>
               </a:ext>
             </a:extLst>
           </p:cNvPr>
@@ -13762,7 +13749,7 @@
           <p:cNvPr id="3" name="Content Placeholder 2">
             <a:extLst>
               <a:ext uri="{FF2B5EF4-FFF2-40B4-BE49-F238E27FC236}">
-                <a16:creationId xmlns:a16="http://schemas.microsoft.com/office/drawing/2014/main" xmlns="" id="{4A7DF545-5DF3-C048-9C1F-B821D7E5FD68}"/>
+                <a16:creationId xmlns:a16="http://schemas.microsoft.com/office/drawing/2014/main" id="{4A7DF545-5DF3-C048-9C1F-B821D7E5FD68}"/>
               </a:ext>
             </a:extLst>
           </p:cNvPr>
@@ -13814,10 +13801,10 @@
           <p:cNvPr id="27" name="Rounded Rectangle 16">
             <a:extLst>
               <a:ext uri="{FF2B5EF4-FFF2-40B4-BE49-F238E27FC236}">
-                <a16:creationId xmlns:a16="http://schemas.microsoft.com/office/drawing/2014/main" xmlns="" id="{63A60C88-7443-4827-9241-5019758CB4F0}"/>
+                <a16:creationId xmlns:a16="http://schemas.microsoft.com/office/drawing/2014/main" id="{63A60C88-7443-4827-9241-5019758CB4F0}"/>
               </a:ext>
               <a:ext uri="{C183D7F6-B498-43B3-948B-1728B52AA6E4}">
-                <adec:decorative xmlns:adec="http://schemas.microsoft.com/office/drawing/2017/decorative" xmlns="" val="1"/>
+                <adec:decorative xmlns:adec="http://schemas.microsoft.com/office/drawing/2017/decorative" val="1"/>
               </a:ext>
             </a:extLst>
           </p:cNvPr>
@@ -13827,7 +13814,7 @@
           <p:nvPr>
             <p:extLst>
               <p:ext uri="{386F3935-93C4-4BCD-93E2-E3B085C9AB24}">
-                <p16:designElem xmlns:p16="http://schemas.microsoft.com/office/powerpoint/2015/main" xmlns="" val="1"/>
+                <p16:designElem xmlns:p16="http://schemas.microsoft.com/office/powerpoint/2015/main" val="1"/>
               </p:ext>
             </p:extLst>
           </p:nvPr>
@@ -13899,7 +13886,7 @@
           <p:cNvPr id="6" name="Content Placeholder 5" descr="Graphical user interface, text, application, email&#10;&#10;Description automatically generated">
             <a:extLst>
               <a:ext uri="{FF2B5EF4-FFF2-40B4-BE49-F238E27FC236}">
-                <a16:creationId xmlns:a16="http://schemas.microsoft.com/office/drawing/2014/main" xmlns="" id="{C7A94992-09E8-244E-B1F6-A5E7BA03DAA2}"/>
+                <a16:creationId xmlns:a16="http://schemas.microsoft.com/office/drawing/2014/main" id="{C7A94992-09E8-244E-B1F6-A5E7BA03DAA2}"/>
               </a:ext>
             </a:extLst>
           </p:cNvPr>
@@ -13937,7 +13924,7 @@
           <p:cNvPr id="26" name="TextBox 25">
             <a:extLst>
               <a:ext uri="{FF2B5EF4-FFF2-40B4-BE49-F238E27FC236}">
-                <a16:creationId xmlns:a16="http://schemas.microsoft.com/office/drawing/2014/main" xmlns="" id="{CABBB748-1AD7-7342-8D2F-185A0BB5C81E}"/>
+                <a16:creationId xmlns:a16="http://schemas.microsoft.com/office/drawing/2014/main" id="{CABBB748-1AD7-7342-8D2F-185A0BB5C81E}"/>
               </a:ext>
             </a:extLst>
           </p:cNvPr>
@@ -14023,10 +14010,10 @@
           <p:cNvPr id="32" name="Group 31">
             <a:extLst>
               <a:ext uri="{FF2B5EF4-FFF2-40B4-BE49-F238E27FC236}">
-                <a16:creationId xmlns:a16="http://schemas.microsoft.com/office/drawing/2014/main" xmlns="" id="{15FF890B-3CE7-403A-AECE-2DE04FC7AF80}"/>
+                <a16:creationId xmlns:a16="http://schemas.microsoft.com/office/drawing/2014/main" id="{15FF890B-3CE7-403A-AECE-2DE04FC7AF80}"/>
               </a:ext>
               <a:ext uri="{C183D7F6-B498-43B3-948B-1728B52AA6E4}">
-                <adec:decorative xmlns:adec="http://schemas.microsoft.com/office/drawing/2017/decorative" xmlns="" val="1"/>
+                <adec:decorative xmlns:adec="http://schemas.microsoft.com/office/drawing/2017/decorative" val="1"/>
               </a:ext>
             </a:extLst>
           </p:cNvPr>
@@ -14036,7 +14023,7 @@
           <p:nvPr>
             <p:extLst>
               <p:ext uri="{386F3935-93C4-4BCD-93E2-E3B085C9AB24}">
-                <p16:designElem xmlns:p16="http://schemas.microsoft.com/office/powerpoint/2015/main" xmlns="" val="1"/>
+                <p16:designElem xmlns:p16="http://schemas.microsoft.com/office/powerpoint/2015/main" val="1"/>
               </p:ext>
             </p:extLst>
           </p:nvPr>
@@ -14054,10 +14041,10 @@
             <p:cNvPr id="33" name="Freeform 6">
               <a:extLst>
                 <a:ext uri="{FF2B5EF4-FFF2-40B4-BE49-F238E27FC236}">
-                  <a16:creationId xmlns:a16="http://schemas.microsoft.com/office/drawing/2014/main" xmlns="" id="{99A4E160-6CFD-4514-9E20-CA6692CCDB9C}"/>
+                  <a16:creationId xmlns:a16="http://schemas.microsoft.com/office/drawing/2014/main" id="{99A4E160-6CFD-4514-9E20-CA6692CCDB9C}"/>
                 </a:ext>
                 <a:ext uri="{C183D7F6-B498-43B3-948B-1728B52AA6E4}">
-                  <adec:decorative xmlns:adec="http://schemas.microsoft.com/office/drawing/2017/decorative" xmlns="" val="1"/>
+                  <adec:decorative xmlns:adec="http://schemas.microsoft.com/office/drawing/2017/decorative" val="1"/>
                 </a:ext>
               </a:extLst>
             </p:cNvPr>
@@ -14065,7 +14052,7 @@
             <p:nvPr>
               <p:extLst>
                 <p:ext uri="{386F3935-93C4-4BCD-93E2-E3B085C9AB24}">
-                  <p16:designElem xmlns:p16="http://schemas.microsoft.com/office/powerpoint/2015/main" xmlns="" val="1"/>
+                  <p16:designElem xmlns:p16="http://schemas.microsoft.com/office/powerpoint/2015/main" val="1"/>
                 </p:ext>
               </p:extLst>
             </p:nvPr>
@@ -14115,10 +14102,10 @@
             <p:cNvPr id="34" name="Freeform 7">
               <a:extLst>
                 <a:ext uri="{FF2B5EF4-FFF2-40B4-BE49-F238E27FC236}">
-                  <a16:creationId xmlns:a16="http://schemas.microsoft.com/office/drawing/2014/main" xmlns="" id="{3DCD16F5-8D15-45FD-BA62-ADAC08183A27}"/>
+                  <a16:creationId xmlns:a16="http://schemas.microsoft.com/office/drawing/2014/main" id="{3DCD16F5-8D15-45FD-BA62-ADAC08183A27}"/>
                 </a:ext>
                 <a:ext uri="{C183D7F6-B498-43B3-948B-1728B52AA6E4}">
-                  <adec:decorative xmlns:adec="http://schemas.microsoft.com/office/drawing/2017/decorative" xmlns="" val="1"/>
+                  <adec:decorative xmlns:adec="http://schemas.microsoft.com/office/drawing/2017/decorative" val="1"/>
                 </a:ext>
               </a:extLst>
             </p:cNvPr>
@@ -14126,7 +14113,7 @@
             <p:nvPr>
               <p:extLst>
                 <p:ext uri="{386F3935-93C4-4BCD-93E2-E3B085C9AB24}">
-                  <p16:designElem xmlns:p16="http://schemas.microsoft.com/office/powerpoint/2015/main" xmlns="" val="1"/>
+                  <p16:designElem xmlns:p16="http://schemas.microsoft.com/office/powerpoint/2015/main" val="1"/>
                 </p:ext>
               </p:extLst>
             </p:nvPr>
@@ -14179,10 +14166,10 @@
             <p:cNvPr id="35" name="Freeform 8">
               <a:extLst>
                 <a:ext uri="{FF2B5EF4-FFF2-40B4-BE49-F238E27FC236}">
-                  <a16:creationId xmlns:a16="http://schemas.microsoft.com/office/drawing/2014/main" xmlns="" id="{E7CFAF28-6FDA-4C2C-BE51-123D1115F75C}"/>
+                  <a16:creationId xmlns:a16="http://schemas.microsoft.com/office/drawing/2014/main" id="{E7CFAF28-6FDA-4C2C-BE51-123D1115F75C}"/>
                 </a:ext>
                 <a:ext uri="{C183D7F6-B498-43B3-948B-1728B52AA6E4}">
-                  <adec:decorative xmlns:adec="http://schemas.microsoft.com/office/drawing/2017/decorative" xmlns="" val="1"/>
+                  <adec:decorative xmlns:adec="http://schemas.microsoft.com/office/drawing/2017/decorative" val="1"/>
                 </a:ext>
               </a:extLst>
             </p:cNvPr>
@@ -14190,7 +14177,7 @@
             <p:nvPr>
               <p:extLst>
                 <p:ext uri="{386F3935-93C4-4BCD-93E2-E3B085C9AB24}">
-                  <p16:designElem xmlns:p16="http://schemas.microsoft.com/office/powerpoint/2015/main" xmlns="" val="1"/>
+                  <p16:designElem xmlns:p16="http://schemas.microsoft.com/office/powerpoint/2015/main" val="1"/>
                 </p:ext>
               </p:extLst>
             </p:nvPr>
@@ -14240,10 +14227,10 @@
             <p:cNvPr id="36" name="Freeform 9">
               <a:extLst>
                 <a:ext uri="{FF2B5EF4-FFF2-40B4-BE49-F238E27FC236}">
-                  <a16:creationId xmlns:a16="http://schemas.microsoft.com/office/drawing/2014/main" xmlns="" id="{1FD12703-0627-4991-B2A4-F96519F90863}"/>
+                  <a16:creationId xmlns:a16="http://schemas.microsoft.com/office/drawing/2014/main" id="{1FD12703-0627-4991-B2A4-F96519F90863}"/>
                 </a:ext>
                 <a:ext uri="{C183D7F6-B498-43B3-948B-1728B52AA6E4}">
-                  <adec:decorative xmlns:adec="http://schemas.microsoft.com/office/drawing/2017/decorative" xmlns="" val="1"/>
+                  <adec:decorative xmlns:adec="http://schemas.microsoft.com/office/drawing/2017/decorative" val="1"/>
                 </a:ext>
               </a:extLst>
             </p:cNvPr>
@@ -14251,7 +14238,7 @@
             <p:nvPr>
               <p:extLst>
                 <p:ext uri="{386F3935-93C4-4BCD-93E2-E3B085C9AB24}">
-                  <p16:designElem xmlns:p16="http://schemas.microsoft.com/office/powerpoint/2015/main" xmlns="" val="1"/>
+                  <p16:designElem xmlns:p16="http://schemas.microsoft.com/office/powerpoint/2015/main" val="1"/>
                 </p:ext>
               </p:extLst>
             </p:nvPr>
@@ -14300,10 +14287,10 @@
             <p:cNvPr id="37" name="Freeform 10">
               <a:extLst>
                 <a:ext uri="{FF2B5EF4-FFF2-40B4-BE49-F238E27FC236}">
-                  <a16:creationId xmlns:a16="http://schemas.microsoft.com/office/drawing/2014/main" xmlns="" id="{A5758E0B-DF61-40A8-B765-BC6841906A9A}"/>
+                  <a16:creationId xmlns:a16="http://schemas.microsoft.com/office/drawing/2014/main" id="{A5758E0B-DF61-40A8-B765-BC6841906A9A}"/>
                 </a:ext>
                 <a:ext uri="{C183D7F6-B498-43B3-948B-1728B52AA6E4}">
-                  <adec:decorative xmlns:adec="http://schemas.microsoft.com/office/drawing/2017/decorative" xmlns="" val="1"/>
+                  <adec:decorative xmlns:adec="http://schemas.microsoft.com/office/drawing/2017/decorative" val="1"/>
                 </a:ext>
               </a:extLst>
             </p:cNvPr>
@@ -14311,7 +14298,7 @@
             <p:nvPr>
               <p:extLst>
                 <p:ext uri="{386F3935-93C4-4BCD-93E2-E3B085C9AB24}">
-                  <p16:designElem xmlns:p16="http://schemas.microsoft.com/office/powerpoint/2015/main" xmlns="" val="1"/>
+                  <p16:designElem xmlns:p16="http://schemas.microsoft.com/office/powerpoint/2015/main" val="1"/>
                 </p:ext>
               </p:extLst>
             </p:nvPr>
@@ -14366,10 +14353,10 @@
             <p:cNvPr id="38" name="Freeform 11">
               <a:extLst>
                 <a:ext uri="{FF2B5EF4-FFF2-40B4-BE49-F238E27FC236}">
-                  <a16:creationId xmlns:a16="http://schemas.microsoft.com/office/drawing/2014/main" xmlns="" id="{3E063A1F-9566-4436-B4E3-2890FBBC2CCB}"/>
+                  <a16:creationId xmlns:a16="http://schemas.microsoft.com/office/drawing/2014/main" id="{3E063A1F-9566-4436-B4E3-2890FBBC2CCB}"/>
                 </a:ext>
                 <a:ext uri="{C183D7F6-B498-43B3-948B-1728B52AA6E4}">
-                  <adec:decorative xmlns:adec="http://schemas.microsoft.com/office/drawing/2017/decorative" xmlns="" val="1"/>
+                  <adec:decorative xmlns:adec="http://schemas.microsoft.com/office/drawing/2017/decorative" val="1"/>
                 </a:ext>
               </a:extLst>
             </p:cNvPr>
@@ -14377,7 +14364,7 @@
             <p:nvPr>
               <p:extLst>
                 <p:ext uri="{386F3935-93C4-4BCD-93E2-E3B085C9AB24}">
-                  <p16:designElem xmlns:p16="http://schemas.microsoft.com/office/powerpoint/2015/main" xmlns="" val="1"/>
+                  <p16:designElem xmlns:p16="http://schemas.microsoft.com/office/powerpoint/2015/main" val="1"/>
                 </p:ext>
               </p:extLst>
             </p:nvPr>
@@ -14446,10 +14433,10 @@
           <p:cNvPr id="40" name="Group 39">
             <a:extLst>
               <a:ext uri="{FF2B5EF4-FFF2-40B4-BE49-F238E27FC236}">
-                <a16:creationId xmlns:a16="http://schemas.microsoft.com/office/drawing/2014/main" xmlns="" id="{DF8D5C46-63E5-40C5-A208-4B2189FA1032}"/>
+                <a16:creationId xmlns:a16="http://schemas.microsoft.com/office/drawing/2014/main" id="{DF8D5C46-63E5-40C5-A208-4B2189FA1032}"/>
               </a:ext>
               <a:ext uri="{C183D7F6-B498-43B3-948B-1728B52AA6E4}">
-                <adec:decorative xmlns:adec="http://schemas.microsoft.com/office/drawing/2017/decorative" xmlns="" val="1"/>
+                <adec:decorative xmlns:adec="http://schemas.microsoft.com/office/drawing/2017/decorative" val="1"/>
               </a:ext>
             </a:extLst>
           </p:cNvPr>
@@ -14459,7 +14446,7 @@
           <p:nvPr>
             <p:extLst>
               <p:ext uri="{386F3935-93C4-4BCD-93E2-E3B085C9AB24}">
-                <p16:designElem xmlns:p16="http://schemas.microsoft.com/office/powerpoint/2015/main" xmlns="" val="1"/>
+                <p16:designElem xmlns:p16="http://schemas.microsoft.com/office/powerpoint/2015/main" val="1"/>
               </p:ext>
             </p:extLst>
           </p:nvPr>
@@ -14477,10 +14464,10 @@
             <p:cNvPr id="41" name="Freeform 6">
               <a:extLst>
                 <a:ext uri="{FF2B5EF4-FFF2-40B4-BE49-F238E27FC236}">
-                  <a16:creationId xmlns:a16="http://schemas.microsoft.com/office/drawing/2014/main" xmlns="" id="{4A42B4ED-376E-46C3-8BB2-EAFC660D112B}"/>
+                  <a16:creationId xmlns:a16="http://schemas.microsoft.com/office/drawing/2014/main" id="{4A42B4ED-376E-46C3-8BB2-EAFC660D112B}"/>
                 </a:ext>
                 <a:ext uri="{C183D7F6-B498-43B3-948B-1728B52AA6E4}">
-                  <adec:decorative xmlns:adec="http://schemas.microsoft.com/office/drawing/2017/decorative" xmlns="" val="1"/>
+                  <adec:decorative xmlns:adec="http://schemas.microsoft.com/office/drawing/2017/decorative" val="1"/>
                 </a:ext>
               </a:extLst>
             </p:cNvPr>
@@ -14488,7 +14475,7 @@
             <p:nvPr>
               <p:extLst>
                 <p:ext uri="{386F3935-93C4-4BCD-93E2-E3B085C9AB24}">
-                  <p16:designElem xmlns:p16="http://schemas.microsoft.com/office/powerpoint/2015/main" xmlns="" val="1"/>
+                  <p16:designElem xmlns:p16="http://schemas.microsoft.com/office/powerpoint/2015/main" val="1"/>
                 </p:ext>
               </p:extLst>
             </p:nvPr>
@@ -14538,10 +14525,10 @@
             <p:cNvPr id="42" name="Freeform 7">
               <a:extLst>
                 <a:ext uri="{FF2B5EF4-FFF2-40B4-BE49-F238E27FC236}">
-                  <a16:creationId xmlns:a16="http://schemas.microsoft.com/office/drawing/2014/main" xmlns="" id="{94E0795D-42C3-4DFD-AEB0-286A1CF143FC}"/>
+                  <a16:creationId xmlns:a16="http://schemas.microsoft.com/office/drawing/2014/main" id="{94E0795D-42C3-4DFD-AEB0-286A1CF143FC}"/>
                 </a:ext>
                 <a:ext uri="{C183D7F6-B498-43B3-948B-1728B52AA6E4}">
-                  <adec:decorative xmlns:adec="http://schemas.microsoft.com/office/drawing/2017/decorative" xmlns="" val="1"/>
+                  <adec:decorative xmlns:adec="http://schemas.microsoft.com/office/drawing/2017/decorative" val="1"/>
                 </a:ext>
               </a:extLst>
             </p:cNvPr>
@@ -14549,7 +14536,7 @@
             <p:nvPr>
               <p:extLst>
                 <p:ext uri="{386F3935-93C4-4BCD-93E2-E3B085C9AB24}">
-                  <p16:designElem xmlns:p16="http://schemas.microsoft.com/office/powerpoint/2015/main" xmlns="" val="1"/>
+                  <p16:designElem xmlns:p16="http://schemas.microsoft.com/office/powerpoint/2015/main" val="1"/>
                 </p:ext>
               </p:extLst>
             </p:nvPr>
@@ -14602,10 +14589,10 @@
             <p:cNvPr id="43" name="Freeform 8">
               <a:extLst>
                 <a:ext uri="{FF2B5EF4-FFF2-40B4-BE49-F238E27FC236}">
-                  <a16:creationId xmlns:a16="http://schemas.microsoft.com/office/drawing/2014/main" xmlns="" id="{A2ACED1B-99D0-4C14-B63B-963889DCDBC2}"/>
+                  <a16:creationId xmlns:a16="http://schemas.microsoft.com/office/drawing/2014/main" id="{A2ACED1B-99D0-4C14-B63B-963889DCDBC2}"/>
                 </a:ext>
                 <a:ext uri="{C183D7F6-B498-43B3-948B-1728B52AA6E4}">
-                  <adec:decorative xmlns:adec="http://schemas.microsoft.com/office/drawing/2017/decorative" xmlns="" val="1"/>
+                  <adec:decorative xmlns:adec="http://schemas.microsoft.com/office/drawing/2017/decorative" val="1"/>
                 </a:ext>
               </a:extLst>
             </p:cNvPr>
@@ -14613,7 +14600,7 @@
             <p:nvPr>
               <p:extLst>
                 <p:ext uri="{386F3935-93C4-4BCD-93E2-E3B085C9AB24}">
-                  <p16:designElem xmlns:p16="http://schemas.microsoft.com/office/powerpoint/2015/main" xmlns="" val="1"/>
+                  <p16:designElem xmlns:p16="http://schemas.microsoft.com/office/powerpoint/2015/main" val="1"/>
                 </p:ext>
               </p:extLst>
             </p:nvPr>
@@ -14663,10 +14650,10 @@
             <p:cNvPr id="44" name="Freeform 9">
               <a:extLst>
                 <a:ext uri="{FF2B5EF4-FFF2-40B4-BE49-F238E27FC236}">
-                  <a16:creationId xmlns:a16="http://schemas.microsoft.com/office/drawing/2014/main" xmlns="" id="{5C5D324F-33A3-4C66-BFE5-1742CA4E5940}"/>
+                  <a16:creationId xmlns:a16="http://schemas.microsoft.com/office/drawing/2014/main" id="{5C5D324F-33A3-4C66-BFE5-1742CA4E5940}"/>
                 </a:ext>
                 <a:ext uri="{C183D7F6-B498-43B3-948B-1728B52AA6E4}">
-                  <adec:decorative xmlns:adec="http://schemas.microsoft.com/office/drawing/2017/decorative" xmlns="" val="1"/>
+                  <adec:decorative xmlns:adec="http://schemas.microsoft.com/office/drawing/2017/decorative" val="1"/>
                 </a:ext>
               </a:extLst>
             </p:cNvPr>
@@ -14674,7 +14661,7 @@
             <p:nvPr>
               <p:extLst>
                 <p:ext uri="{386F3935-93C4-4BCD-93E2-E3B085C9AB24}">
-                  <p16:designElem xmlns:p16="http://schemas.microsoft.com/office/powerpoint/2015/main" xmlns="" val="1"/>
+                  <p16:designElem xmlns:p16="http://schemas.microsoft.com/office/powerpoint/2015/main" val="1"/>
                 </p:ext>
               </p:extLst>
             </p:nvPr>
@@ -14723,10 +14710,10 @@
             <p:cNvPr id="45" name="Freeform 10">
               <a:extLst>
                 <a:ext uri="{FF2B5EF4-FFF2-40B4-BE49-F238E27FC236}">
-                  <a16:creationId xmlns:a16="http://schemas.microsoft.com/office/drawing/2014/main" xmlns="" id="{EC572FC8-A465-4BA3-BA4D-2EC538C042AD}"/>
+                  <a16:creationId xmlns:a16="http://schemas.microsoft.com/office/drawing/2014/main" id="{EC572FC8-A465-4BA3-BA4D-2EC538C042AD}"/>
                 </a:ext>
                 <a:ext uri="{C183D7F6-B498-43B3-948B-1728B52AA6E4}">
-                  <adec:decorative xmlns:adec="http://schemas.microsoft.com/office/drawing/2017/decorative" xmlns="" val="1"/>
+                  <adec:decorative xmlns:adec="http://schemas.microsoft.com/office/drawing/2017/decorative" val="1"/>
                 </a:ext>
               </a:extLst>
             </p:cNvPr>
@@ -14734,7 +14721,7 @@
             <p:nvPr>
               <p:extLst>
                 <p:ext uri="{386F3935-93C4-4BCD-93E2-E3B085C9AB24}">
-                  <p16:designElem xmlns:p16="http://schemas.microsoft.com/office/powerpoint/2015/main" xmlns="" val="1"/>
+                  <p16:designElem xmlns:p16="http://schemas.microsoft.com/office/powerpoint/2015/main" val="1"/>
                 </p:ext>
               </p:extLst>
             </p:nvPr>
@@ -14789,10 +14776,10 @@
             <p:cNvPr id="46" name="Freeform 11">
               <a:extLst>
                 <a:ext uri="{FF2B5EF4-FFF2-40B4-BE49-F238E27FC236}">
-                  <a16:creationId xmlns:a16="http://schemas.microsoft.com/office/drawing/2014/main" xmlns="" id="{66CC2B15-8E3B-4CFF-99E4-5B4E4D8CF933}"/>
+                  <a16:creationId xmlns:a16="http://schemas.microsoft.com/office/drawing/2014/main" id="{66CC2B15-8E3B-4CFF-99E4-5B4E4D8CF933}"/>
                 </a:ext>
                 <a:ext uri="{C183D7F6-B498-43B3-948B-1728B52AA6E4}">
-                  <adec:decorative xmlns:adec="http://schemas.microsoft.com/office/drawing/2017/decorative" xmlns="" val="1"/>
+                  <adec:decorative xmlns:adec="http://schemas.microsoft.com/office/drawing/2017/decorative" val="1"/>
                 </a:ext>
               </a:extLst>
             </p:cNvPr>
@@ -14800,7 +14787,7 @@
             <p:nvPr>
               <p:extLst>
                 <p:ext uri="{386F3935-93C4-4BCD-93E2-E3B085C9AB24}">
-                  <p16:designElem xmlns:p16="http://schemas.microsoft.com/office/powerpoint/2015/main" xmlns="" val="1"/>
+                  <p16:designElem xmlns:p16="http://schemas.microsoft.com/office/powerpoint/2015/main" val="1"/>
                 </p:ext>
               </p:extLst>
             </p:nvPr>
@@ -14869,7 +14856,7 @@
           <p:cNvPr id="2" name="Title 1">
             <a:extLst>
               <a:ext uri="{FF2B5EF4-FFF2-40B4-BE49-F238E27FC236}">
-                <a16:creationId xmlns:a16="http://schemas.microsoft.com/office/drawing/2014/main" xmlns="" id="{73694081-56A5-414C-A09C-0308AD543862}"/>
+                <a16:creationId xmlns:a16="http://schemas.microsoft.com/office/drawing/2014/main" id="{73694081-56A5-414C-A09C-0308AD543862}"/>
               </a:ext>
             </a:extLst>
           </p:cNvPr>
@@ -14904,7 +14891,7 @@
           <p:cNvPr id="3" name="Content Placeholder 2">
             <a:extLst>
               <a:ext uri="{FF2B5EF4-FFF2-40B4-BE49-F238E27FC236}">
-                <a16:creationId xmlns:a16="http://schemas.microsoft.com/office/drawing/2014/main" xmlns="" id="{E7444C4F-ABE5-3348-9F01-1F2FC5A10A64}"/>
+                <a16:creationId xmlns:a16="http://schemas.microsoft.com/office/drawing/2014/main" id="{E7444C4F-ABE5-3348-9F01-1F2FC5A10A64}"/>
               </a:ext>
             </a:extLst>
           </p:cNvPr>
@@ -14945,10 +14932,10 @@
           <p:cNvPr id="48" name="Rounded Rectangle 16">
             <a:extLst>
               <a:ext uri="{FF2B5EF4-FFF2-40B4-BE49-F238E27FC236}">
-                <a16:creationId xmlns:a16="http://schemas.microsoft.com/office/drawing/2014/main" xmlns="" id="{63A60C88-7443-4827-9241-5019758CB4F0}"/>
+                <a16:creationId xmlns:a16="http://schemas.microsoft.com/office/drawing/2014/main" id="{63A60C88-7443-4827-9241-5019758CB4F0}"/>
               </a:ext>
               <a:ext uri="{C183D7F6-B498-43B3-948B-1728B52AA6E4}">
-                <adec:decorative xmlns:adec="http://schemas.microsoft.com/office/drawing/2017/decorative" xmlns="" val="1"/>
+                <adec:decorative xmlns:adec="http://schemas.microsoft.com/office/drawing/2017/decorative" val="1"/>
               </a:ext>
             </a:extLst>
           </p:cNvPr>
@@ -14958,7 +14945,7 @@
           <p:nvPr>
             <p:extLst>
               <p:ext uri="{386F3935-93C4-4BCD-93E2-E3B085C9AB24}">
-                <p16:designElem xmlns:p16="http://schemas.microsoft.com/office/powerpoint/2015/main" xmlns="" val="1"/>
+                <p16:designElem xmlns:p16="http://schemas.microsoft.com/office/powerpoint/2015/main" val="1"/>
               </p:ext>
             </p:extLst>
           </p:nvPr>
@@ -15030,7 +15017,7 @@
           <p:cNvPr id="6" name="Content Placeholder 5" descr="Graphical user interface, text, application, email&#10;&#10;Description automatically generated">
             <a:extLst>
               <a:ext uri="{FF2B5EF4-FFF2-40B4-BE49-F238E27FC236}">
-                <a16:creationId xmlns:a16="http://schemas.microsoft.com/office/drawing/2014/main" xmlns="" id="{8D551CE5-8F97-3547-96E4-825B35CC15A4}"/>
+                <a16:creationId xmlns:a16="http://schemas.microsoft.com/office/drawing/2014/main" id="{8D551CE5-8F97-3547-96E4-825B35CC15A4}"/>
               </a:ext>
             </a:extLst>
           </p:cNvPr>
@@ -15068,7 +15055,7 @@
           <p:cNvPr id="20" name="TextBox 19">
             <a:extLst>
               <a:ext uri="{FF2B5EF4-FFF2-40B4-BE49-F238E27FC236}">
-                <a16:creationId xmlns:a16="http://schemas.microsoft.com/office/drawing/2014/main" xmlns="" id="{42C1A88A-ABD8-8B45-9500-E551FAB8E06F}"/>
+                <a16:creationId xmlns:a16="http://schemas.microsoft.com/office/drawing/2014/main" id="{42C1A88A-ABD8-8B45-9500-E551FAB8E06F}"/>
               </a:ext>
             </a:extLst>
           </p:cNvPr>
@@ -15154,10 +15141,10 @@
           <p:cNvPr id="47" name="Group 31">
             <a:extLst>
               <a:ext uri="{FF2B5EF4-FFF2-40B4-BE49-F238E27FC236}">
-                <a16:creationId xmlns:a16="http://schemas.microsoft.com/office/drawing/2014/main" xmlns="" id="{260ACC13-B825-49F3-93DE-C8B8F2FA37A1}"/>
+                <a16:creationId xmlns:a16="http://schemas.microsoft.com/office/drawing/2014/main" id="{260ACC13-B825-49F3-93DE-C8B8F2FA37A1}"/>
               </a:ext>
               <a:ext uri="{C183D7F6-B498-43B3-948B-1728B52AA6E4}">
-                <adec:decorative xmlns:adec="http://schemas.microsoft.com/office/drawing/2017/decorative" xmlns="" val="1"/>
+                <adec:decorative xmlns:adec="http://schemas.microsoft.com/office/drawing/2017/decorative" val="1"/>
               </a:ext>
             </a:extLst>
           </p:cNvPr>
@@ -15167,7 +15154,7 @@
           <p:nvPr>
             <p:extLst>
               <p:ext uri="{386F3935-93C4-4BCD-93E2-E3B085C9AB24}">
-                <p16:designElem xmlns:p16="http://schemas.microsoft.com/office/powerpoint/2015/main" xmlns="" val="1"/>
+                <p16:designElem xmlns:p16="http://schemas.microsoft.com/office/powerpoint/2015/main" val="1"/>
               </p:ext>
             </p:extLst>
           </p:nvPr>
@@ -15185,10 +15172,10 @@
             <p:cNvPr id="33" name="Freeform 6">
               <a:extLst>
                 <a:ext uri="{FF2B5EF4-FFF2-40B4-BE49-F238E27FC236}">
-                  <a16:creationId xmlns:a16="http://schemas.microsoft.com/office/drawing/2014/main" xmlns="" id="{F947B31F-CA03-4793-845D-FD86BABC1A18}"/>
+                  <a16:creationId xmlns:a16="http://schemas.microsoft.com/office/drawing/2014/main" id="{F947B31F-CA03-4793-845D-FD86BABC1A18}"/>
                 </a:ext>
                 <a:ext uri="{C183D7F6-B498-43B3-948B-1728B52AA6E4}">
-                  <adec:decorative xmlns:adec="http://schemas.microsoft.com/office/drawing/2017/decorative" xmlns="" val="1"/>
+                  <adec:decorative xmlns:adec="http://schemas.microsoft.com/office/drawing/2017/decorative" val="1"/>
                 </a:ext>
               </a:extLst>
             </p:cNvPr>
@@ -15196,7 +15183,7 @@
             <p:nvPr>
               <p:extLst>
                 <p:ext uri="{386F3935-93C4-4BCD-93E2-E3B085C9AB24}">
-                  <p16:designElem xmlns:p16="http://schemas.microsoft.com/office/powerpoint/2015/main" xmlns="" val="1"/>
+                  <p16:designElem xmlns:p16="http://schemas.microsoft.com/office/powerpoint/2015/main" val="1"/>
                 </p:ext>
               </p:extLst>
             </p:nvPr>
@@ -15246,10 +15233,10 @@
             <p:cNvPr id="34" name="Freeform 7">
               <a:extLst>
                 <a:ext uri="{FF2B5EF4-FFF2-40B4-BE49-F238E27FC236}">
-                  <a16:creationId xmlns:a16="http://schemas.microsoft.com/office/drawing/2014/main" xmlns="" id="{DCDDE94D-F78C-4A48-AEA6-E922FC99A159}"/>
+                  <a16:creationId xmlns:a16="http://schemas.microsoft.com/office/drawing/2014/main" id="{DCDDE94D-F78C-4A48-AEA6-E922FC99A159}"/>
                 </a:ext>
                 <a:ext uri="{C183D7F6-B498-43B3-948B-1728B52AA6E4}">
-                  <adec:decorative xmlns:adec="http://schemas.microsoft.com/office/drawing/2017/decorative" xmlns="" val="1"/>
+                  <adec:decorative xmlns:adec="http://schemas.microsoft.com/office/drawing/2017/decorative" val="1"/>
                 </a:ext>
               </a:extLst>
             </p:cNvPr>
@@ -15257,7 +15244,7 @@
             <p:nvPr>
               <p:extLst>
                 <p:ext uri="{386F3935-93C4-4BCD-93E2-E3B085C9AB24}">
-                  <p16:designElem xmlns:p16="http://schemas.microsoft.com/office/powerpoint/2015/main" xmlns="" val="1"/>
+                  <p16:designElem xmlns:p16="http://schemas.microsoft.com/office/powerpoint/2015/main" val="1"/>
                 </p:ext>
               </p:extLst>
             </p:nvPr>
@@ -15310,10 +15297,10 @@
             <p:cNvPr id="35" name="Freeform 8">
               <a:extLst>
                 <a:ext uri="{FF2B5EF4-FFF2-40B4-BE49-F238E27FC236}">
-                  <a16:creationId xmlns:a16="http://schemas.microsoft.com/office/drawing/2014/main" xmlns="" id="{3445A886-F3CA-4DE4-90D7-535F9707B799}"/>
+                  <a16:creationId xmlns:a16="http://schemas.microsoft.com/office/drawing/2014/main" id="{3445A886-F3CA-4DE4-90D7-535F9707B799}"/>
                 </a:ext>
                 <a:ext uri="{C183D7F6-B498-43B3-948B-1728B52AA6E4}">
-                  <adec:decorative xmlns:adec="http://schemas.microsoft.com/office/drawing/2017/decorative" xmlns="" val="1"/>
+                  <adec:decorative xmlns:adec="http://schemas.microsoft.com/office/drawing/2017/decorative" val="1"/>
                 </a:ext>
               </a:extLst>
             </p:cNvPr>
@@ -15321,7 +15308,7 @@
             <p:nvPr>
               <p:extLst>
                 <p:ext uri="{386F3935-93C4-4BCD-93E2-E3B085C9AB24}">
-                  <p16:designElem xmlns:p16="http://schemas.microsoft.com/office/powerpoint/2015/main" xmlns="" val="1"/>
+                  <p16:designElem xmlns:p16="http://schemas.microsoft.com/office/powerpoint/2015/main" val="1"/>
                 </p:ext>
               </p:extLst>
             </p:nvPr>
@@ -15371,10 +15358,10 @@
             <p:cNvPr id="36" name="Freeform 9">
               <a:extLst>
                 <a:ext uri="{FF2B5EF4-FFF2-40B4-BE49-F238E27FC236}">
-                  <a16:creationId xmlns:a16="http://schemas.microsoft.com/office/drawing/2014/main" xmlns="" id="{A8999CB6-C053-418B-AE37-E470804D251D}"/>
+                  <a16:creationId xmlns:a16="http://schemas.microsoft.com/office/drawing/2014/main" id="{A8999CB6-C053-418B-AE37-E470804D251D}"/>
                 </a:ext>
                 <a:ext uri="{C183D7F6-B498-43B3-948B-1728B52AA6E4}">
-                  <adec:decorative xmlns:adec="http://schemas.microsoft.com/office/drawing/2017/decorative" xmlns="" val="1"/>
+                  <adec:decorative xmlns:adec="http://schemas.microsoft.com/office/drawing/2017/decorative" val="1"/>
                 </a:ext>
               </a:extLst>
             </p:cNvPr>
@@ -15382,7 +15369,7 @@
             <p:nvPr>
               <p:extLst>
                 <p:ext uri="{386F3935-93C4-4BCD-93E2-E3B085C9AB24}">
-                  <p16:designElem xmlns:p16="http://schemas.microsoft.com/office/powerpoint/2015/main" xmlns="" val="1"/>
+                  <p16:designElem xmlns:p16="http://schemas.microsoft.com/office/powerpoint/2015/main" val="1"/>
                 </p:ext>
               </p:extLst>
             </p:nvPr>
@@ -15431,10 +15418,10 @@
             <p:cNvPr id="37" name="Freeform 10">
               <a:extLst>
                 <a:ext uri="{FF2B5EF4-FFF2-40B4-BE49-F238E27FC236}">
-                  <a16:creationId xmlns:a16="http://schemas.microsoft.com/office/drawing/2014/main" xmlns="" id="{81EA3E26-BFCD-4396-AE8A-2A9828BFFBA2}"/>
+                  <a16:creationId xmlns:a16="http://schemas.microsoft.com/office/drawing/2014/main" id="{81EA3E26-BFCD-4396-AE8A-2A9828BFFBA2}"/>
                 </a:ext>
                 <a:ext uri="{C183D7F6-B498-43B3-948B-1728B52AA6E4}">
-                  <adec:decorative xmlns:adec="http://schemas.microsoft.com/office/drawing/2017/decorative" xmlns="" val="1"/>
+                  <adec:decorative xmlns:adec="http://schemas.microsoft.com/office/drawing/2017/decorative" val="1"/>
                 </a:ext>
               </a:extLst>
             </p:cNvPr>
@@ -15442,7 +15429,7 @@
             <p:nvPr>
               <p:extLst>
                 <p:ext uri="{386F3935-93C4-4BCD-93E2-E3B085C9AB24}">
-                  <p16:designElem xmlns:p16="http://schemas.microsoft.com/office/powerpoint/2015/main" xmlns="" val="1"/>
+                  <p16:designElem xmlns:p16="http://schemas.microsoft.com/office/powerpoint/2015/main" val="1"/>
                 </p:ext>
               </p:extLst>
             </p:nvPr>
@@ -15497,10 +15484,10 @@
             <p:cNvPr id="38" name="Freeform 11">
               <a:extLst>
                 <a:ext uri="{FF2B5EF4-FFF2-40B4-BE49-F238E27FC236}">
-                  <a16:creationId xmlns:a16="http://schemas.microsoft.com/office/drawing/2014/main" xmlns="" id="{5F9BC582-73A6-4D8A-8738-E36476489351}"/>
+                  <a16:creationId xmlns:a16="http://schemas.microsoft.com/office/drawing/2014/main" id="{5F9BC582-73A6-4D8A-8738-E36476489351}"/>
                 </a:ext>
                 <a:ext uri="{C183D7F6-B498-43B3-948B-1728B52AA6E4}">
-                  <adec:decorative xmlns:adec="http://schemas.microsoft.com/office/drawing/2017/decorative" xmlns="" val="1"/>
+                  <adec:decorative xmlns:adec="http://schemas.microsoft.com/office/drawing/2017/decorative" val="1"/>
                 </a:ext>
               </a:extLst>
             </p:cNvPr>
@@ -15508,7 +15495,7 @@
             <p:nvPr>
               <p:extLst>
                 <p:ext uri="{386F3935-93C4-4BCD-93E2-E3B085C9AB24}">
-                  <p16:designElem xmlns:p16="http://schemas.microsoft.com/office/powerpoint/2015/main" xmlns="" val="1"/>
+                  <p16:designElem xmlns:p16="http://schemas.microsoft.com/office/powerpoint/2015/main" val="1"/>
                 </p:ext>
               </p:extLst>
             </p:nvPr>
@@ -15577,10 +15564,10 @@
           <p:cNvPr id="40" name="Group 39">
             <a:extLst>
               <a:ext uri="{FF2B5EF4-FFF2-40B4-BE49-F238E27FC236}">
-                <a16:creationId xmlns:a16="http://schemas.microsoft.com/office/drawing/2014/main" xmlns="" id="{A2E861A3-F23C-46B8-A38A-4A22E453D993}"/>
+                <a16:creationId xmlns:a16="http://schemas.microsoft.com/office/drawing/2014/main" id="{A2E861A3-F23C-46B8-A38A-4A22E453D993}"/>
               </a:ext>
               <a:ext uri="{C183D7F6-B498-43B3-948B-1728B52AA6E4}">
-                <adec:decorative xmlns:adec="http://schemas.microsoft.com/office/drawing/2017/decorative" xmlns="" val="1"/>
+                <adec:decorative xmlns:adec="http://schemas.microsoft.com/office/drawing/2017/decorative" val="1"/>
               </a:ext>
             </a:extLst>
           </p:cNvPr>
@@ -15590,7 +15577,7 @@
           <p:nvPr>
             <p:extLst>
               <p:ext uri="{386F3935-93C4-4BCD-93E2-E3B085C9AB24}">
-                <p16:designElem xmlns:p16="http://schemas.microsoft.com/office/powerpoint/2015/main" xmlns="" val="1"/>
+                <p16:designElem xmlns:p16="http://schemas.microsoft.com/office/powerpoint/2015/main" val="1"/>
               </p:ext>
             </p:extLst>
           </p:nvPr>
@@ -15608,10 +15595,10 @@
             <p:cNvPr id="41" name="Freeform 6">
               <a:extLst>
                 <a:ext uri="{FF2B5EF4-FFF2-40B4-BE49-F238E27FC236}">
-                  <a16:creationId xmlns:a16="http://schemas.microsoft.com/office/drawing/2014/main" xmlns="" id="{8BC3D220-643B-4160-B5A9-59DF5D21F410}"/>
+                  <a16:creationId xmlns:a16="http://schemas.microsoft.com/office/drawing/2014/main" id="{8BC3D220-643B-4160-B5A9-59DF5D21F410}"/>
                 </a:ext>
                 <a:ext uri="{C183D7F6-B498-43B3-948B-1728B52AA6E4}">
-                  <adec:decorative xmlns:adec="http://schemas.microsoft.com/office/drawing/2017/decorative" xmlns="" val="1"/>
+                  <adec:decorative xmlns:adec="http://schemas.microsoft.com/office/drawing/2017/decorative" val="1"/>
                 </a:ext>
               </a:extLst>
             </p:cNvPr>
@@ -15619,7 +15606,7 @@
             <p:nvPr>
               <p:extLst>
                 <p:ext uri="{386F3935-93C4-4BCD-93E2-E3B085C9AB24}">
-                  <p16:designElem xmlns:p16="http://schemas.microsoft.com/office/powerpoint/2015/main" xmlns="" val="1"/>
+                  <p16:designElem xmlns:p16="http://schemas.microsoft.com/office/powerpoint/2015/main" val="1"/>
                 </p:ext>
               </p:extLst>
             </p:nvPr>
@@ -15669,10 +15656,10 @@
             <p:cNvPr id="42" name="Freeform 7">
               <a:extLst>
                 <a:ext uri="{FF2B5EF4-FFF2-40B4-BE49-F238E27FC236}">
-                  <a16:creationId xmlns:a16="http://schemas.microsoft.com/office/drawing/2014/main" xmlns="" id="{B92237DE-D518-4625-8392-66D7084588A0}"/>
+                  <a16:creationId xmlns:a16="http://schemas.microsoft.com/office/drawing/2014/main" id="{B92237DE-D518-4625-8392-66D7084588A0}"/>
                 </a:ext>
                 <a:ext uri="{C183D7F6-B498-43B3-948B-1728B52AA6E4}">
-                  <adec:decorative xmlns:adec="http://schemas.microsoft.com/office/drawing/2017/decorative" xmlns="" val="1"/>
+                  <adec:decorative xmlns:adec="http://schemas.microsoft.com/office/drawing/2017/decorative" val="1"/>
                 </a:ext>
               </a:extLst>
             </p:cNvPr>
@@ -15680,7 +15667,7 @@
             <p:nvPr>
               <p:extLst>
                 <p:ext uri="{386F3935-93C4-4BCD-93E2-E3B085C9AB24}">
-                  <p16:designElem xmlns:p16="http://schemas.microsoft.com/office/powerpoint/2015/main" xmlns="" val="1"/>
+                  <p16:designElem xmlns:p16="http://schemas.microsoft.com/office/powerpoint/2015/main" val="1"/>
                 </p:ext>
               </p:extLst>
             </p:nvPr>
@@ -15733,10 +15720,10 @@
             <p:cNvPr id="43" name="Freeform 8">
               <a:extLst>
                 <a:ext uri="{FF2B5EF4-FFF2-40B4-BE49-F238E27FC236}">
-                  <a16:creationId xmlns:a16="http://schemas.microsoft.com/office/drawing/2014/main" xmlns="" id="{F290F0DD-E80A-4263-94E1-A41F57D84CC5}"/>
+                  <a16:creationId xmlns:a16="http://schemas.microsoft.com/office/drawing/2014/main" id="{F290F0DD-E80A-4263-94E1-A41F57D84CC5}"/>
                 </a:ext>
                 <a:ext uri="{C183D7F6-B498-43B3-948B-1728B52AA6E4}">
-                  <adec:decorative xmlns:adec="http://schemas.microsoft.com/office/drawing/2017/decorative" xmlns="" val="1"/>
+                  <adec:decorative xmlns:adec="http://schemas.microsoft.com/office/drawing/2017/decorative" val="1"/>
                 </a:ext>
               </a:extLst>
             </p:cNvPr>
@@ -15744,7 +15731,7 @@
             <p:nvPr>
               <p:extLst>
                 <p:ext uri="{386F3935-93C4-4BCD-93E2-E3B085C9AB24}">
-                  <p16:designElem xmlns:p16="http://schemas.microsoft.com/office/powerpoint/2015/main" xmlns="" val="1"/>
+                  <p16:designElem xmlns:p16="http://schemas.microsoft.com/office/powerpoint/2015/main" val="1"/>
                 </p:ext>
               </p:extLst>
             </p:nvPr>
@@ -15794,10 +15781,10 @@
             <p:cNvPr id="44" name="Freeform 9">
               <a:extLst>
                 <a:ext uri="{FF2B5EF4-FFF2-40B4-BE49-F238E27FC236}">
-                  <a16:creationId xmlns:a16="http://schemas.microsoft.com/office/drawing/2014/main" xmlns="" id="{D78EA7D2-CCEA-435E-873D-36BF0522FFED}"/>
+                  <a16:creationId xmlns:a16="http://schemas.microsoft.com/office/drawing/2014/main" id="{D78EA7D2-CCEA-435E-873D-36BF0522FFED}"/>
                 </a:ext>
                 <a:ext uri="{C183D7F6-B498-43B3-948B-1728B52AA6E4}">
-                  <adec:decorative xmlns:adec="http://schemas.microsoft.com/office/drawing/2017/decorative" xmlns="" val="1"/>
+                  <adec:decorative xmlns:adec="http://schemas.microsoft.com/office/drawing/2017/decorative" val="1"/>
                 </a:ext>
               </a:extLst>
             </p:cNvPr>
@@ -15805,7 +15792,7 @@
             <p:nvPr>
               <p:extLst>
                 <p:ext uri="{386F3935-93C4-4BCD-93E2-E3B085C9AB24}">
-                  <p16:designElem xmlns:p16="http://schemas.microsoft.com/office/powerpoint/2015/main" xmlns="" val="1"/>
+                  <p16:designElem xmlns:p16="http://schemas.microsoft.com/office/powerpoint/2015/main" val="1"/>
                 </p:ext>
               </p:extLst>
             </p:nvPr>
@@ -15854,10 +15841,10 @@
             <p:cNvPr id="45" name="Freeform 10">
               <a:extLst>
                 <a:ext uri="{FF2B5EF4-FFF2-40B4-BE49-F238E27FC236}">
-                  <a16:creationId xmlns:a16="http://schemas.microsoft.com/office/drawing/2014/main" xmlns="" id="{9DFA731E-D6BB-42CC-AA05-64023DC81FE6}"/>
+                  <a16:creationId xmlns:a16="http://schemas.microsoft.com/office/drawing/2014/main" id="{9DFA731E-D6BB-42CC-AA05-64023DC81FE6}"/>
                 </a:ext>
                 <a:ext uri="{C183D7F6-B498-43B3-948B-1728B52AA6E4}">
-                  <adec:decorative xmlns:adec="http://schemas.microsoft.com/office/drawing/2017/decorative" xmlns="" val="1"/>
+                  <adec:decorative xmlns:adec="http://schemas.microsoft.com/office/drawing/2017/decorative" val="1"/>
                 </a:ext>
               </a:extLst>
             </p:cNvPr>
@@ -15865,7 +15852,7 @@
             <p:nvPr>
               <p:extLst>
                 <p:ext uri="{386F3935-93C4-4BCD-93E2-E3B085C9AB24}">
-                  <p16:designElem xmlns:p16="http://schemas.microsoft.com/office/powerpoint/2015/main" xmlns="" val="1"/>
+                  <p16:designElem xmlns:p16="http://schemas.microsoft.com/office/powerpoint/2015/main" val="1"/>
                 </p:ext>
               </p:extLst>
             </p:nvPr>
@@ -15920,10 +15907,10 @@
             <p:cNvPr id="46" name="Freeform 11">
               <a:extLst>
                 <a:ext uri="{FF2B5EF4-FFF2-40B4-BE49-F238E27FC236}">
-                  <a16:creationId xmlns:a16="http://schemas.microsoft.com/office/drawing/2014/main" xmlns="" id="{B00D0483-90FB-4EB4-9770-CA8A310D503B}"/>
+                  <a16:creationId xmlns:a16="http://schemas.microsoft.com/office/drawing/2014/main" id="{B00D0483-90FB-4EB4-9770-CA8A310D503B}"/>
                 </a:ext>
                 <a:ext uri="{C183D7F6-B498-43B3-948B-1728B52AA6E4}">
-                  <adec:decorative xmlns:adec="http://schemas.microsoft.com/office/drawing/2017/decorative" xmlns="" val="1"/>
+                  <adec:decorative xmlns:adec="http://schemas.microsoft.com/office/drawing/2017/decorative" val="1"/>
                 </a:ext>
               </a:extLst>
             </p:cNvPr>
@@ -15931,7 +15918,7 @@
             <p:nvPr>
               <p:extLst>
                 <p:ext uri="{386F3935-93C4-4BCD-93E2-E3B085C9AB24}">
-                  <p16:designElem xmlns:p16="http://schemas.microsoft.com/office/powerpoint/2015/main" xmlns="" val="1"/>
+                  <p16:designElem xmlns:p16="http://schemas.microsoft.com/office/powerpoint/2015/main" val="1"/>
                 </p:ext>
               </p:extLst>
             </p:nvPr>
@@ -16000,7 +15987,7 @@
           <p:cNvPr id="2" name="Title 1">
             <a:extLst>
               <a:ext uri="{FF2B5EF4-FFF2-40B4-BE49-F238E27FC236}">
-                <a16:creationId xmlns:a16="http://schemas.microsoft.com/office/drawing/2014/main" xmlns="" id="{339A428F-DE24-F24B-B03E-D8A9E51064E5}"/>
+                <a16:creationId xmlns:a16="http://schemas.microsoft.com/office/drawing/2014/main" id="{339A428F-DE24-F24B-B03E-D8A9E51064E5}"/>
               </a:ext>
             </a:extLst>
           </p:cNvPr>
@@ -16035,7 +16022,7 @@
           <p:cNvPr id="3" name="Content Placeholder 2">
             <a:extLst>
               <a:ext uri="{FF2B5EF4-FFF2-40B4-BE49-F238E27FC236}">
-                <a16:creationId xmlns:a16="http://schemas.microsoft.com/office/drawing/2014/main" xmlns="" id="{75A636EE-6E6B-FA42-A59B-A03C4B025AA6}"/>
+                <a16:creationId xmlns:a16="http://schemas.microsoft.com/office/drawing/2014/main" id="{75A636EE-6E6B-FA42-A59B-A03C4B025AA6}"/>
               </a:ext>
             </a:extLst>
           </p:cNvPr>
@@ -16080,10 +16067,10 @@
           <p:cNvPr id="48" name="Rounded Rectangle 16">
             <a:extLst>
               <a:ext uri="{FF2B5EF4-FFF2-40B4-BE49-F238E27FC236}">
-                <a16:creationId xmlns:a16="http://schemas.microsoft.com/office/drawing/2014/main" xmlns="" id="{DD7EED39-224E-4230-8FD1-B1E1AF6C6E36}"/>
+                <a16:creationId xmlns:a16="http://schemas.microsoft.com/office/drawing/2014/main" id="{DD7EED39-224E-4230-8FD1-B1E1AF6C6E36}"/>
               </a:ext>
               <a:ext uri="{C183D7F6-B498-43B3-948B-1728B52AA6E4}">
-                <adec:decorative xmlns:adec="http://schemas.microsoft.com/office/drawing/2017/decorative" xmlns="" val="1"/>
+                <adec:decorative xmlns:adec="http://schemas.microsoft.com/office/drawing/2017/decorative" val="1"/>
               </a:ext>
             </a:extLst>
           </p:cNvPr>
@@ -16093,7 +16080,7 @@
           <p:nvPr>
             <p:extLst>
               <p:ext uri="{386F3935-93C4-4BCD-93E2-E3B085C9AB24}">
-                <p16:designElem xmlns:p16="http://schemas.microsoft.com/office/powerpoint/2015/main" xmlns="" val="1"/>
+                <p16:designElem xmlns:p16="http://schemas.microsoft.com/office/powerpoint/2015/main" val="1"/>
               </p:ext>
             </p:extLst>
           </p:nvPr>
@@ -16165,7 +16152,7 @@
           <p:cNvPr id="6" name="Content Placeholder 5" descr="Graphical user interface, text, application, email&#10;&#10;Description automatically generated">
             <a:extLst>
               <a:ext uri="{FF2B5EF4-FFF2-40B4-BE49-F238E27FC236}">
-                <a16:creationId xmlns:a16="http://schemas.microsoft.com/office/drawing/2014/main" xmlns="" id="{B456F9CE-F0BD-F946-8528-D23C8FC58F39}"/>
+                <a16:creationId xmlns:a16="http://schemas.microsoft.com/office/drawing/2014/main" id="{B456F9CE-F0BD-F946-8528-D23C8FC58F39}"/>
               </a:ext>
             </a:extLst>
           </p:cNvPr>
@@ -16202,7 +16189,7 @@
           <p:cNvPr id="20" name="TextBox 19">
             <a:extLst>
               <a:ext uri="{FF2B5EF4-FFF2-40B4-BE49-F238E27FC236}">
-                <a16:creationId xmlns:a16="http://schemas.microsoft.com/office/drawing/2014/main" xmlns="" id="{0983CF5F-AED5-EA43-B332-EF09D66427D2}"/>
+                <a16:creationId xmlns:a16="http://schemas.microsoft.com/office/drawing/2014/main" id="{0983CF5F-AED5-EA43-B332-EF09D66427D2}"/>
               </a:ext>
             </a:extLst>
           </p:cNvPr>
@@ -16267,7 +16254,7 @@
           <p:cNvPr id="2" name="Title 1">
             <a:extLst>
               <a:ext uri="{FF2B5EF4-FFF2-40B4-BE49-F238E27FC236}">
-                <a16:creationId xmlns:a16="http://schemas.microsoft.com/office/drawing/2014/main" xmlns="" id="{FD947CD9-9A74-8F4F-8FF3-203F034E0AA1}"/>
+                <a16:creationId xmlns:a16="http://schemas.microsoft.com/office/drawing/2014/main" id="{FD947CD9-9A74-8F4F-8FF3-203F034E0AA1}"/>
               </a:ext>
             </a:extLst>
           </p:cNvPr>
@@ -16296,7 +16283,7 @@
           <p:cNvPr id="2050" name="Picture 2">
             <a:extLst>
               <a:ext uri="{FF2B5EF4-FFF2-40B4-BE49-F238E27FC236}">
-                <a16:creationId xmlns:a16="http://schemas.microsoft.com/office/drawing/2014/main" xmlns="" id="{FC86EBE0-C866-0D44-9087-582C37699A12}"/>
+                <a16:creationId xmlns:a16="http://schemas.microsoft.com/office/drawing/2014/main" id="{FC86EBE0-C866-0D44-9087-582C37699A12}"/>
               </a:ext>
             </a:extLst>
           </p:cNvPr>
@@ -16373,7 +16360,7 @@
           <p:cNvPr id="2" name="Title 1">
             <a:extLst>
               <a:ext uri="{FF2B5EF4-FFF2-40B4-BE49-F238E27FC236}">
-                <a16:creationId xmlns:a16="http://schemas.microsoft.com/office/drawing/2014/main" xmlns="" id="{A9E4651F-3BD5-2742-B2EC-8253829D467A}"/>
+                <a16:creationId xmlns:a16="http://schemas.microsoft.com/office/drawing/2014/main" id="{A9E4651F-3BD5-2742-B2EC-8253829D467A}"/>
               </a:ext>
             </a:extLst>
           </p:cNvPr>
@@ -16406,7 +16393,7 @@
           <p:cNvPr id="3074" name="Picture 2">
             <a:extLst>
               <a:ext uri="{FF2B5EF4-FFF2-40B4-BE49-F238E27FC236}">
-                <a16:creationId xmlns:a16="http://schemas.microsoft.com/office/drawing/2014/main" xmlns="" id="{5241B8AC-5122-3A48-8F37-1B04E9599B80}"/>
+                <a16:creationId xmlns:a16="http://schemas.microsoft.com/office/drawing/2014/main" id="{5241B8AC-5122-3A48-8F37-1B04E9599B80}"/>
               </a:ext>
             </a:extLst>
           </p:cNvPr>
@@ -16554,27 +16541,11 @@
             </a:r>
             <a:r>
               <a:rPr lang="en-US" b="1" dirty="0"/>
-              <a:t>Anders </a:t>
-            </a:r>
-            <a:r>
-              <a:rPr lang="en-US" b="1" dirty="0" smtClean="0"/>
-              <a:t>Hejlsberg, </a:t>
-            </a:r>
-            <a:r>
-              <a:rPr lang="en-US" dirty="0" smtClean="0"/>
-              <a:t>lead </a:t>
+              <a:t>Anders Hejlsberg</a:t>
             </a:r>
             <a:r>
               <a:rPr lang="en-US" dirty="0"/>
-              <a:t>architect of C# and creator of Delphi and Turbo Pascal, has worked on the development of </a:t>
-            </a:r>
-            <a:r>
-              <a:rPr lang="en-US" dirty="0" err="1" smtClean="0"/>
-              <a:t>TypeScript</a:t>
-            </a:r>
-            <a:r>
-              <a:rPr lang="en-US" dirty="0" smtClean="0"/>
-              <a:t>.</a:t>
+              <a:t>, a core member of the development team of C# language</a:t>
             </a:r>
           </a:p>
           <a:p>
@@ -16583,12 +16554,8 @@
               <a:buChar char="Ø"/>
             </a:pPr>
             <a:r>
-              <a:rPr lang="en-US" dirty="0" smtClean="0"/>
-              <a:t>First </a:t>
-            </a:r>
-            <a:r>
               <a:rPr lang="en-US" dirty="0"/>
-              <a:t>Released: October 2012</a:t>
+              <a:t>First Released: October 2012</a:t>
             </a:r>
           </a:p>
           <a:p>
@@ -16642,7 +16609,7 @@
           <p:cNvPr id="2" name="Title 1">
             <a:extLst>
               <a:ext uri="{FF2B5EF4-FFF2-40B4-BE49-F238E27FC236}">
-                <a16:creationId xmlns:a16="http://schemas.microsoft.com/office/drawing/2014/main" xmlns="" id="{9DBC78A4-3799-2C4E-AC86-A301ADFE7F98}"/>
+                <a16:creationId xmlns:a16="http://schemas.microsoft.com/office/drawing/2014/main" id="{9DBC78A4-3799-2C4E-AC86-A301ADFE7F98}"/>
               </a:ext>
             </a:extLst>
           </p:cNvPr>
@@ -16675,7 +16642,7 @@
           <p:cNvPr id="3" name="Content Placeholder 2">
             <a:extLst>
               <a:ext uri="{FF2B5EF4-FFF2-40B4-BE49-F238E27FC236}">
-                <a16:creationId xmlns:a16="http://schemas.microsoft.com/office/drawing/2014/main" xmlns="" id="{99B02452-90E9-474D-9F4E-672C1FFA2208}"/>
+                <a16:creationId xmlns:a16="http://schemas.microsoft.com/office/drawing/2014/main" id="{99B02452-90E9-474D-9F4E-672C1FFA2208}"/>
               </a:ext>
             </a:extLst>
           </p:cNvPr>
@@ -16798,7 +16765,7 @@
           <p:cNvPr id="2" name="Title 1">
             <a:extLst>
               <a:ext uri="{FF2B5EF4-FFF2-40B4-BE49-F238E27FC236}">
-                <a16:creationId xmlns:a16="http://schemas.microsoft.com/office/drawing/2014/main" xmlns="" id="{9DBC78A4-3799-2C4E-AC86-A301ADFE7F98}"/>
+                <a16:creationId xmlns:a16="http://schemas.microsoft.com/office/drawing/2014/main" id="{9DBC78A4-3799-2C4E-AC86-A301ADFE7F98}"/>
               </a:ext>
             </a:extLst>
           </p:cNvPr>
@@ -16831,7 +16798,7 @@
           <p:cNvPr id="3" name="Content Placeholder 2">
             <a:extLst>
               <a:ext uri="{FF2B5EF4-FFF2-40B4-BE49-F238E27FC236}">
-                <a16:creationId xmlns:a16="http://schemas.microsoft.com/office/drawing/2014/main" xmlns="" id="{99B02452-90E9-474D-9F4E-672C1FFA2208}"/>
+                <a16:creationId xmlns:a16="http://schemas.microsoft.com/office/drawing/2014/main" id="{99B02452-90E9-474D-9F4E-672C1FFA2208}"/>
               </a:ext>
             </a:extLst>
           </p:cNvPr>
@@ -16886,6 +16853,2088 @@
     <p:extLst>
       <p:ext uri="{BB962C8B-B14F-4D97-AF65-F5344CB8AC3E}">
         <p14:creationId xmlns:p14="http://schemas.microsoft.com/office/powerpoint/2010/main" val="697239564"/>
+      </p:ext>
+    </p:extLst>
+  </p:cSld>
+  <p:clrMapOvr>
+    <a:masterClrMapping/>
+  </p:clrMapOvr>
+</p:sld>
+</file>
+
+<file path=ppt/slides/slide32.xml><?xml version="1.0" encoding="utf-8"?>
+<p:sld xmlns:a="http://schemas.openxmlformats.org/drawingml/2006/main" xmlns:r="http://schemas.openxmlformats.org/officeDocument/2006/relationships" xmlns:p="http://schemas.openxmlformats.org/presentationml/2006/main">
+  <p:cSld>
+    <p:bg>
+      <p:bgPr>
+        <a:blipFill rotWithShape="1">
+          <a:blip r:embed="rId2">
+            <a:duotone>
+              <a:schemeClr val="bg2">
+                <a:shade val="76000"/>
+                <a:satMod val="180000"/>
+              </a:schemeClr>
+              <a:schemeClr val="bg2">
+                <a:tint val="80000"/>
+                <a:satMod val="120000"/>
+                <a:lumMod val="180000"/>
+              </a:schemeClr>
+            </a:duotone>
+          </a:blip>
+          <a:stretch/>
+        </a:blipFill>
+        <a:effectLst/>
+      </p:bgPr>
+    </p:bg>
+    <p:spTree>
+      <p:nvGrpSpPr>
+        <p:cNvPr id="1" name=""/>
+        <p:cNvGrpSpPr/>
+        <p:nvPr/>
+      </p:nvGrpSpPr>
+      <p:grpSpPr>
+        <a:xfrm>
+          <a:off x="0" y="0"/>
+          <a:ext cx="0" cy="0"/>
+          <a:chOff x="0" y="0"/>
+          <a:chExt cx="0" cy="0"/>
+        </a:xfrm>
+      </p:grpSpPr>
+      <p:grpSp>
+        <p:nvGrpSpPr>
+          <p:cNvPr id="47" name="Group 31">
+            <a:extLst>
+              <a:ext uri="{FF2B5EF4-FFF2-40B4-BE49-F238E27FC236}">
+                <a16:creationId xmlns:a16="http://schemas.microsoft.com/office/drawing/2014/main" id="{260ACC13-B825-49F3-93DE-C8B8F2FA37A1}"/>
+              </a:ext>
+              <a:ext uri="{C183D7F6-B498-43B3-948B-1728B52AA6E4}">
+                <adec:decorative xmlns:adec="http://schemas.microsoft.com/office/drawing/2017/decorative" val="1"/>
+              </a:ext>
+            </a:extLst>
+          </p:cNvPr>
+          <p:cNvGrpSpPr>
+            <a:grpSpLocks noGrp="1" noUngrp="1" noRot="1" noChangeAspect="1" noMove="1" noResize="1"/>
+          </p:cNvGrpSpPr>
+          <p:nvPr>
+            <p:extLst>
+              <p:ext uri="{386F3935-93C4-4BCD-93E2-E3B085C9AB24}">
+                <p16:designElem xmlns:p16="http://schemas.microsoft.com/office/powerpoint/2015/main" val="1"/>
+              </p:ext>
+            </p:extLst>
+          </p:nvPr>
+        </p:nvGrpSpPr>
+        <p:grpSpPr>
+          <a:xfrm>
+            <a:off x="150812" y="0"/>
+            <a:ext cx="2436813" cy="6858001"/>
+            <a:chOff x="1320800" y="0"/>
+            <a:chExt cx="2436813" cy="6858001"/>
+          </a:xfrm>
+        </p:grpSpPr>
+        <p:sp>
+          <p:nvSpPr>
+            <p:cNvPr id="33" name="Freeform 6">
+              <a:extLst>
+                <a:ext uri="{FF2B5EF4-FFF2-40B4-BE49-F238E27FC236}">
+                  <a16:creationId xmlns:a16="http://schemas.microsoft.com/office/drawing/2014/main" id="{F947B31F-CA03-4793-845D-FD86BABC1A18}"/>
+                </a:ext>
+                <a:ext uri="{C183D7F6-B498-43B3-948B-1728B52AA6E4}">
+                  <adec:decorative xmlns:adec="http://schemas.microsoft.com/office/drawing/2017/decorative" val="1"/>
+                </a:ext>
+              </a:extLst>
+            </p:cNvPr>
+            <p:cNvSpPr/>
+            <p:nvPr>
+              <p:extLst>
+                <p:ext uri="{386F3935-93C4-4BCD-93E2-E3B085C9AB24}">
+                  <p16:designElem xmlns:p16="http://schemas.microsoft.com/office/powerpoint/2015/main" val="1"/>
+                </p:ext>
+              </p:extLst>
+            </p:nvPr>
+          </p:nvSpPr>
+          <p:spPr bwMode="auto">
+            <a:xfrm>
+              <a:off x="1627188" y="0"/>
+              <a:ext cx="1122363" cy="5329238"/>
+            </a:xfrm>
+            <a:custGeom>
+              <a:avLst/>
+              <a:gdLst/>
+              <a:ahLst/>
+              <a:cxnLst/>
+              <a:rect l="0" t="0" r="r" b="b"/>
+              <a:pathLst>
+                <a:path w="707" h="3357">
+                  <a:moveTo>
+                    <a:pt x="0" y="3330"/>
+                  </a:moveTo>
+                  <a:lnTo>
+                    <a:pt x="156" y="3357"/>
+                  </a:lnTo>
+                  <a:lnTo>
+                    <a:pt x="707" y="0"/>
+                  </a:lnTo>
+                  <a:lnTo>
+                    <a:pt x="547" y="0"/>
+                  </a:lnTo>
+                  <a:lnTo>
+                    <a:pt x="0" y="3330"/>
+                  </a:lnTo>
+                  <a:close/>
+                </a:path>
+              </a:pathLst>
+            </a:custGeom>
+            <a:solidFill>
+              <a:schemeClr val="accent1"/>
+            </a:solidFill>
+            <a:ln>
+              <a:noFill/>
+            </a:ln>
+          </p:spPr>
+        </p:sp>
+        <p:sp>
+          <p:nvSpPr>
+            <p:cNvPr id="34" name="Freeform 7">
+              <a:extLst>
+                <a:ext uri="{FF2B5EF4-FFF2-40B4-BE49-F238E27FC236}">
+                  <a16:creationId xmlns:a16="http://schemas.microsoft.com/office/drawing/2014/main" id="{DCDDE94D-F78C-4A48-AEA6-E922FC99A159}"/>
+                </a:ext>
+                <a:ext uri="{C183D7F6-B498-43B3-948B-1728B52AA6E4}">
+                  <adec:decorative xmlns:adec="http://schemas.microsoft.com/office/drawing/2017/decorative" val="1"/>
+                </a:ext>
+              </a:extLst>
+            </p:cNvPr>
+            <p:cNvSpPr/>
+            <p:nvPr>
+              <p:extLst>
+                <p:ext uri="{386F3935-93C4-4BCD-93E2-E3B085C9AB24}">
+                  <p16:designElem xmlns:p16="http://schemas.microsoft.com/office/powerpoint/2015/main" val="1"/>
+                </p:ext>
+              </p:extLst>
+            </p:nvPr>
+          </p:nvSpPr>
+          <p:spPr bwMode="auto">
+            <a:xfrm>
+              <a:off x="1320800" y="0"/>
+              <a:ext cx="1117600" cy="5276850"/>
+            </a:xfrm>
+            <a:custGeom>
+              <a:avLst/>
+              <a:gdLst/>
+              <a:ahLst/>
+              <a:cxnLst/>
+              <a:rect l="0" t="0" r="r" b="b"/>
+              <a:pathLst>
+                <a:path w="704" h="3324">
+                  <a:moveTo>
+                    <a:pt x="704" y="0"/>
+                  </a:moveTo>
+                  <a:lnTo>
+                    <a:pt x="545" y="0"/>
+                  </a:lnTo>
+                  <a:lnTo>
+                    <a:pt x="0" y="3300"/>
+                  </a:lnTo>
+                  <a:lnTo>
+                    <a:pt x="157" y="3324"/>
+                  </a:lnTo>
+                  <a:lnTo>
+                    <a:pt x="704" y="0"/>
+                  </a:lnTo>
+                  <a:close/>
+                </a:path>
+              </a:pathLst>
+            </a:custGeom>
+            <a:solidFill>
+              <a:schemeClr val="tx1">
+                <a:lumMod val="65000"/>
+                <a:lumOff val="35000"/>
+              </a:schemeClr>
+            </a:solidFill>
+            <a:ln>
+              <a:noFill/>
+            </a:ln>
+          </p:spPr>
+        </p:sp>
+        <p:sp>
+          <p:nvSpPr>
+            <p:cNvPr id="35" name="Freeform 8">
+              <a:extLst>
+                <a:ext uri="{FF2B5EF4-FFF2-40B4-BE49-F238E27FC236}">
+                  <a16:creationId xmlns:a16="http://schemas.microsoft.com/office/drawing/2014/main" id="{3445A886-F3CA-4DE4-90D7-535F9707B799}"/>
+                </a:ext>
+                <a:ext uri="{C183D7F6-B498-43B3-948B-1728B52AA6E4}">
+                  <adec:decorative xmlns:adec="http://schemas.microsoft.com/office/drawing/2017/decorative" val="1"/>
+                </a:ext>
+              </a:extLst>
+            </p:cNvPr>
+            <p:cNvSpPr/>
+            <p:nvPr>
+              <p:extLst>
+                <p:ext uri="{386F3935-93C4-4BCD-93E2-E3B085C9AB24}">
+                  <p16:designElem xmlns:p16="http://schemas.microsoft.com/office/powerpoint/2015/main" val="1"/>
+                </p:ext>
+              </p:extLst>
+            </p:nvPr>
+          </p:nvSpPr>
+          <p:spPr bwMode="auto">
+            <a:xfrm>
+              <a:off x="1320800" y="5238750"/>
+              <a:ext cx="1228725" cy="1619250"/>
+            </a:xfrm>
+            <a:custGeom>
+              <a:avLst/>
+              <a:gdLst/>
+              <a:ahLst/>
+              <a:cxnLst/>
+              <a:rect l="0" t="0" r="r" b="b"/>
+              <a:pathLst>
+                <a:path w="774" h="1020">
+                  <a:moveTo>
+                    <a:pt x="0" y="0"/>
+                  </a:moveTo>
+                  <a:lnTo>
+                    <a:pt x="740" y="1020"/>
+                  </a:lnTo>
+                  <a:lnTo>
+                    <a:pt x="774" y="1020"/>
+                  </a:lnTo>
+                  <a:lnTo>
+                    <a:pt x="0" y="0"/>
+                  </a:lnTo>
+                  <a:close/>
+                </a:path>
+              </a:pathLst>
+            </a:custGeom>
+            <a:solidFill>
+              <a:schemeClr val="tx1">
+                <a:lumMod val="85000"/>
+                <a:lumOff val="15000"/>
+              </a:schemeClr>
+            </a:solidFill>
+            <a:ln>
+              <a:noFill/>
+            </a:ln>
+          </p:spPr>
+        </p:sp>
+        <p:sp>
+          <p:nvSpPr>
+            <p:cNvPr id="36" name="Freeform 9">
+              <a:extLst>
+                <a:ext uri="{FF2B5EF4-FFF2-40B4-BE49-F238E27FC236}">
+                  <a16:creationId xmlns:a16="http://schemas.microsoft.com/office/drawing/2014/main" id="{A8999CB6-C053-418B-AE37-E470804D251D}"/>
+                </a:ext>
+                <a:ext uri="{C183D7F6-B498-43B3-948B-1728B52AA6E4}">
+                  <adec:decorative xmlns:adec="http://schemas.microsoft.com/office/drawing/2017/decorative" val="1"/>
+                </a:ext>
+              </a:extLst>
+            </p:cNvPr>
+            <p:cNvSpPr/>
+            <p:nvPr>
+              <p:extLst>
+                <p:ext uri="{386F3935-93C4-4BCD-93E2-E3B085C9AB24}">
+                  <p16:designElem xmlns:p16="http://schemas.microsoft.com/office/powerpoint/2015/main" val="1"/>
+                </p:ext>
+              </p:extLst>
+            </p:nvPr>
+          </p:nvSpPr>
+          <p:spPr bwMode="auto">
+            <a:xfrm>
+              <a:off x="1627188" y="5291138"/>
+              <a:ext cx="1495425" cy="1566863"/>
+            </a:xfrm>
+            <a:custGeom>
+              <a:avLst/>
+              <a:gdLst/>
+              <a:ahLst/>
+              <a:cxnLst/>
+              <a:rect l="0" t="0" r="r" b="b"/>
+              <a:pathLst>
+                <a:path w="942" h="987">
+                  <a:moveTo>
+                    <a:pt x="0" y="0"/>
+                  </a:moveTo>
+                  <a:lnTo>
+                    <a:pt x="909" y="987"/>
+                  </a:lnTo>
+                  <a:lnTo>
+                    <a:pt x="942" y="987"/>
+                  </a:lnTo>
+                  <a:lnTo>
+                    <a:pt x="0" y="0"/>
+                  </a:lnTo>
+                  <a:close/>
+                </a:path>
+              </a:pathLst>
+            </a:custGeom>
+            <a:solidFill>
+              <a:schemeClr val="accent1">
+                <a:lumMod val="50000"/>
+              </a:schemeClr>
+            </a:solidFill>
+            <a:ln>
+              <a:noFill/>
+            </a:ln>
+          </p:spPr>
+        </p:sp>
+        <p:sp>
+          <p:nvSpPr>
+            <p:cNvPr id="37" name="Freeform 10">
+              <a:extLst>
+                <a:ext uri="{FF2B5EF4-FFF2-40B4-BE49-F238E27FC236}">
+                  <a16:creationId xmlns:a16="http://schemas.microsoft.com/office/drawing/2014/main" id="{81EA3E26-BFCD-4396-AE8A-2A9828BFFBA2}"/>
+                </a:ext>
+                <a:ext uri="{C183D7F6-B498-43B3-948B-1728B52AA6E4}">
+                  <adec:decorative xmlns:adec="http://schemas.microsoft.com/office/drawing/2017/decorative" val="1"/>
+                </a:ext>
+              </a:extLst>
+            </p:cNvPr>
+            <p:cNvSpPr/>
+            <p:nvPr>
+              <p:extLst>
+                <p:ext uri="{386F3935-93C4-4BCD-93E2-E3B085C9AB24}">
+                  <p16:designElem xmlns:p16="http://schemas.microsoft.com/office/powerpoint/2015/main" val="1"/>
+                </p:ext>
+              </p:extLst>
+            </p:nvPr>
+          </p:nvSpPr>
+          <p:spPr bwMode="auto">
+            <a:xfrm>
+              <a:off x="1627188" y="5286375"/>
+              <a:ext cx="2130425" cy="1571625"/>
+            </a:xfrm>
+            <a:custGeom>
+              <a:avLst/>
+              <a:gdLst/>
+              <a:ahLst/>
+              <a:cxnLst/>
+              <a:rect l="0" t="0" r="r" b="b"/>
+              <a:pathLst>
+                <a:path w="1342" h="990">
+                  <a:moveTo>
+                    <a:pt x="0" y="3"/>
+                  </a:moveTo>
+                  <a:lnTo>
+                    <a:pt x="942" y="990"/>
+                  </a:lnTo>
+                  <a:lnTo>
+                    <a:pt x="1342" y="990"/>
+                  </a:lnTo>
+                  <a:lnTo>
+                    <a:pt x="156" y="27"/>
+                  </a:lnTo>
+                  <a:lnTo>
+                    <a:pt x="0" y="0"/>
+                  </a:lnTo>
+                  <a:lnTo>
+                    <a:pt x="0" y="3"/>
+                  </a:lnTo>
+                  <a:close/>
+                </a:path>
+              </a:pathLst>
+            </a:custGeom>
+            <a:solidFill>
+              <a:schemeClr val="accent1">
+                <a:lumMod val="75000"/>
+              </a:schemeClr>
+            </a:solidFill>
+            <a:ln>
+              <a:noFill/>
+            </a:ln>
+          </p:spPr>
+        </p:sp>
+        <p:sp>
+          <p:nvSpPr>
+            <p:cNvPr id="38" name="Freeform 11">
+              <a:extLst>
+                <a:ext uri="{FF2B5EF4-FFF2-40B4-BE49-F238E27FC236}">
+                  <a16:creationId xmlns:a16="http://schemas.microsoft.com/office/drawing/2014/main" id="{5F9BC582-73A6-4D8A-8738-E36476489351}"/>
+                </a:ext>
+                <a:ext uri="{C183D7F6-B498-43B3-948B-1728B52AA6E4}">
+                  <adec:decorative xmlns:adec="http://schemas.microsoft.com/office/drawing/2017/decorative" val="1"/>
+                </a:ext>
+              </a:extLst>
+            </p:cNvPr>
+            <p:cNvSpPr/>
+            <p:nvPr>
+              <p:extLst>
+                <p:ext uri="{386F3935-93C4-4BCD-93E2-E3B085C9AB24}">
+                  <p16:designElem xmlns:p16="http://schemas.microsoft.com/office/powerpoint/2015/main" val="1"/>
+                </p:ext>
+              </p:extLst>
+            </p:nvPr>
+          </p:nvSpPr>
+          <p:spPr bwMode="auto">
+            <a:xfrm>
+              <a:off x="1320800" y="5238750"/>
+              <a:ext cx="1695450" cy="1619250"/>
+            </a:xfrm>
+            <a:custGeom>
+              <a:avLst/>
+              <a:gdLst/>
+              <a:ahLst/>
+              <a:cxnLst/>
+              <a:rect l="0" t="0" r="r" b="b"/>
+              <a:pathLst>
+                <a:path w="1068" h="1020">
+                  <a:moveTo>
+                    <a:pt x="1068" y="1020"/>
+                  </a:moveTo>
+                  <a:lnTo>
+                    <a:pt x="184" y="60"/>
+                  </a:lnTo>
+                  <a:lnTo>
+                    <a:pt x="154" y="27"/>
+                  </a:lnTo>
+                  <a:lnTo>
+                    <a:pt x="157" y="27"/>
+                  </a:lnTo>
+                  <a:lnTo>
+                    <a:pt x="157" y="24"/>
+                  </a:lnTo>
+                  <a:lnTo>
+                    <a:pt x="154" y="24"/>
+                  </a:lnTo>
+                  <a:lnTo>
+                    <a:pt x="0" y="0"/>
+                  </a:lnTo>
+                  <a:lnTo>
+                    <a:pt x="0" y="0"/>
+                  </a:lnTo>
+                  <a:lnTo>
+                    <a:pt x="774" y="1020"/>
+                  </a:lnTo>
+                  <a:lnTo>
+                    <a:pt x="1068" y="1020"/>
+                  </a:lnTo>
+                  <a:close/>
+                </a:path>
+              </a:pathLst>
+            </a:custGeom>
+            <a:solidFill>
+              <a:schemeClr val="tx1">
+                <a:lumMod val="75000"/>
+                <a:lumOff val="25000"/>
+              </a:schemeClr>
+            </a:solidFill>
+            <a:ln>
+              <a:noFill/>
+            </a:ln>
+          </p:spPr>
+        </p:sp>
+      </p:grpSp>
+      <p:grpSp>
+        <p:nvGrpSpPr>
+          <p:cNvPr id="40" name="Group 39">
+            <a:extLst>
+              <a:ext uri="{FF2B5EF4-FFF2-40B4-BE49-F238E27FC236}">
+                <a16:creationId xmlns:a16="http://schemas.microsoft.com/office/drawing/2014/main" id="{A2E861A3-F23C-46B8-A38A-4A22E453D993}"/>
+              </a:ext>
+              <a:ext uri="{C183D7F6-B498-43B3-948B-1728B52AA6E4}">
+                <adec:decorative xmlns:adec="http://schemas.microsoft.com/office/drawing/2017/decorative" val="1"/>
+              </a:ext>
+            </a:extLst>
+          </p:cNvPr>
+          <p:cNvGrpSpPr>
+            <a:grpSpLocks noGrp="1" noUngrp="1" noRot="1" noChangeAspect="1" noMove="1" noResize="1"/>
+          </p:cNvGrpSpPr>
+          <p:nvPr>
+            <p:extLst>
+              <p:ext uri="{386F3935-93C4-4BCD-93E2-E3B085C9AB24}">
+                <p16:designElem xmlns:p16="http://schemas.microsoft.com/office/powerpoint/2015/main" val="1"/>
+              </p:ext>
+            </p:extLst>
+          </p:nvPr>
+        </p:nvGrpSpPr>
+        <p:grpSpPr>
+          <a:xfrm>
+            <a:off x="150812" y="0"/>
+            <a:ext cx="2436813" cy="6858001"/>
+            <a:chOff x="1320800" y="0"/>
+            <a:chExt cx="2436813" cy="6858001"/>
+          </a:xfrm>
+        </p:grpSpPr>
+        <p:sp>
+          <p:nvSpPr>
+            <p:cNvPr id="41" name="Freeform 6">
+              <a:extLst>
+                <a:ext uri="{FF2B5EF4-FFF2-40B4-BE49-F238E27FC236}">
+                  <a16:creationId xmlns:a16="http://schemas.microsoft.com/office/drawing/2014/main" id="{8BC3D220-643B-4160-B5A9-59DF5D21F410}"/>
+                </a:ext>
+                <a:ext uri="{C183D7F6-B498-43B3-948B-1728B52AA6E4}">
+                  <adec:decorative xmlns:adec="http://schemas.microsoft.com/office/drawing/2017/decorative" val="1"/>
+                </a:ext>
+              </a:extLst>
+            </p:cNvPr>
+            <p:cNvSpPr/>
+            <p:nvPr>
+              <p:extLst>
+                <p:ext uri="{386F3935-93C4-4BCD-93E2-E3B085C9AB24}">
+                  <p16:designElem xmlns:p16="http://schemas.microsoft.com/office/powerpoint/2015/main" val="1"/>
+                </p:ext>
+              </p:extLst>
+            </p:nvPr>
+          </p:nvSpPr>
+          <p:spPr bwMode="auto">
+            <a:xfrm>
+              <a:off x="1627188" y="0"/>
+              <a:ext cx="1122363" cy="5329238"/>
+            </a:xfrm>
+            <a:custGeom>
+              <a:avLst/>
+              <a:gdLst/>
+              <a:ahLst/>
+              <a:cxnLst/>
+              <a:rect l="0" t="0" r="r" b="b"/>
+              <a:pathLst>
+                <a:path w="707" h="3357">
+                  <a:moveTo>
+                    <a:pt x="0" y="3330"/>
+                  </a:moveTo>
+                  <a:lnTo>
+                    <a:pt x="156" y="3357"/>
+                  </a:lnTo>
+                  <a:lnTo>
+                    <a:pt x="707" y="0"/>
+                  </a:lnTo>
+                  <a:lnTo>
+                    <a:pt x="547" y="0"/>
+                  </a:lnTo>
+                  <a:lnTo>
+                    <a:pt x="0" y="3330"/>
+                  </a:lnTo>
+                  <a:close/>
+                </a:path>
+              </a:pathLst>
+            </a:custGeom>
+            <a:solidFill>
+              <a:schemeClr val="accent1"/>
+            </a:solidFill>
+            <a:ln>
+              <a:noFill/>
+            </a:ln>
+          </p:spPr>
+        </p:sp>
+        <p:sp>
+          <p:nvSpPr>
+            <p:cNvPr id="42" name="Freeform 7">
+              <a:extLst>
+                <a:ext uri="{FF2B5EF4-FFF2-40B4-BE49-F238E27FC236}">
+                  <a16:creationId xmlns:a16="http://schemas.microsoft.com/office/drawing/2014/main" id="{B92237DE-D518-4625-8392-66D7084588A0}"/>
+                </a:ext>
+                <a:ext uri="{C183D7F6-B498-43B3-948B-1728B52AA6E4}">
+                  <adec:decorative xmlns:adec="http://schemas.microsoft.com/office/drawing/2017/decorative" val="1"/>
+                </a:ext>
+              </a:extLst>
+            </p:cNvPr>
+            <p:cNvSpPr/>
+            <p:nvPr>
+              <p:extLst>
+                <p:ext uri="{386F3935-93C4-4BCD-93E2-E3B085C9AB24}">
+                  <p16:designElem xmlns:p16="http://schemas.microsoft.com/office/powerpoint/2015/main" val="1"/>
+                </p:ext>
+              </p:extLst>
+            </p:nvPr>
+          </p:nvSpPr>
+          <p:spPr bwMode="auto">
+            <a:xfrm>
+              <a:off x="1320800" y="0"/>
+              <a:ext cx="1117600" cy="5276850"/>
+            </a:xfrm>
+            <a:custGeom>
+              <a:avLst/>
+              <a:gdLst/>
+              <a:ahLst/>
+              <a:cxnLst/>
+              <a:rect l="0" t="0" r="r" b="b"/>
+              <a:pathLst>
+                <a:path w="704" h="3324">
+                  <a:moveTo>
+                    <a:pt x="704" y="0"/>
+                  </a:moveTo>
+                  <a:lnTo>
+                    <a:pt x="545" y="0"/>
+                  </a:lnTo>
+                  <a:lnTo>
+                    <a:pt x="0" y="3300"/>
+                  </a:lnTo>
+                  <a:lnTo>
+                    <a:pt x="157" y="3324"/>
+                  </a:lnTo>
+                  <a:lnTo>
+                    <a:pt x="704" y="0"/>
+                  </a:lnTo>
+                  <a:close/>
+                </a:path>
+              </a:pathLst>
+            </a:custGeom>
+            <a:solidFill>
+              <a:schemeClr val="tx1">
+                <a:lumMod val="65000"/>
+                <a:lumOff val="35000"/>
+              </a:schemeClr>
+            </a:solidFill>
+            <a:ln>
+              <a:noFill/>
+            </a:ln>
+          </p:spPr>
+        </p:sp>
+        <p:sp>
+          <p:nvSpPr>
+            <p:cNvPr id="43" name="Freeform 8">
+              <a:extLst>
+                <a:ext uri="{FF2B5EF4-FFF2-40B4-BE49-F238E27FC236}">
+                  <a16:creationId xmlns:a16="http://schemas.microsoft.com/office/drawing/2014/main" id="{F290F0DD-E80A-4263-94E1-A41F57D84CC5}"/>
+                </a:ext>
+                <a:ext uri="{C183D7F6-B498-43B3-948B-1728B52AA6E4}">
+                  <adec:decorative xmlns:adec="http://schemas.microsoft.com/office/drawing/2017/decorative" val="1"/>
+                </a:ext>
+              </a:extLst>
+            </p:cNvPr>
+            <p:cNvSpPr/>
+            <p:nvPr>
+              <p:extLst>
+                <p:ext uri="{386F3935-93C4-4BCD-93E2-E3B085C9AB24}">
+                  <p16:designElem xmlns:p16="http://schemas.microsoft.com/office/powerpoint/2015/main" val="1"/>
+                </p:ext>
+              </p:extLst>
+            </p:nvPr>
+          </p:nvSpPr>
+          <p:spPr bwMode="auto">
+            <a:xfrm>
+              <a:off x="1320800" y="5238750"/>
+              <a:ext cx="1228725" cy="1619250"/>
+            </a:xfrm>
+            <a:custGeom>
+              <a:avLst/>
+              <a:gdLst/>
+              <a:ahLst/>
+              <a:cxnLst/>
+              <a:rect l="0" t="0" r="r" b="b"/>
+              <a:pathLst>
+                <a:path w="774" h="1020">
+                  <a:moveTo>
+                    <a:pt x="0" y="0"/>
+                  </a:moveTo>
+                  <a:lnTo>
+                    <a:pt x="740" y="1020"/>
+                  </a:lnTo>
+                  <a:lnTo>
+                    <a:pt x="774" y="1020"/>
+                  </a:lnTo>
+                  <a:lnTo>
+                    <a:pt x="0" y="0"/>
+                  </a:lnTo>
+                  <a:close/>
+                </a:path>
+              </a:pathLst>
+            </a:custGeom>
+            <a:solidFill>
+              <a:schemeClr val="tx1">
+                <a:lumMod val="85000"/>
+                <a:lumOff val="15000"/>
+              </a:schemeClr>
+            </a:solidFill>
+            <a:ln>
+              <a:noFill/>
+            </a:ln>
+          </p:spPr>
+        </p:sp>
+        <p:sp>
+          <p:nvSpPr>
+            <p:cNvPr id="44" name="Freeform 9">
+              <a:extLst>
+                <a:ext uri="{FF2B5EF4-FFF2-40B4-BE49-F238E27FC236}">
+                  <a16:creationId xmlns:a16="http://schemas.microsoft.com/office/drawing/2014/main" id="{D78EA7D2-CCEA-435E-873D-36BF0522FFED}"/>
+                </a:ext>
+                <a:ext uri="{C183D7F6-B498-43B3-948B-1728B52AA6E4}">
+                  <adec:decorative xmlns:adec="http://schemas.microsoft.com/office/drawing/2017/decorative" val="1"/>
+                </a:ext>
+              </a:extLst>
+            </p:cNvPr>
+            <p:cNvSpPr/>
+            <p:nvPr>
+              <p:extLst>
+                <p:ext uri="{386F3935-93C4-4BCD-93E2-E3B085C9AB24}">
+                  <p16:designElem xmlns:p16="http://schemas.microsoft.com/office/powerpoint/2015/main" val="1"/>
+                </p:ext>
+              </p:extLst>
+            </p:nvPr>
+          </p:nvSpPr>
+          <p:spPr bwMode="auto">
+            <a:xfrm>
+              <a:off x="1627188" y="5291138"/>
+              <a:ext cx="1495425" cy="1566863"/>
+            </a:xfrm>
+            <a:custGeom>
+              <a:avLst/>
+              <a:gdLst/>
+              <a:ahLst/>
+              <a:cxnLst/>
+              <a:rect l="0" t="0" r="r" b="b"/>
+              <a:pathLst>
+                <a:path w="942" h="987">
+                  <a:moveTo>
+                    <a:pt x="0" y="0"/>
+                  </a:moveTo>
+                  <a:lnTo>
+                    <a:pt x="909" y="987"/>
+                  </a:lnTo>
+                  <a:lnTo>
+                    <a:pt x="942" y="987"/>
+                  </a:lnTo>
+                  <a:lnTo>
+                    <a:pt x="0" y="0"/>
+                  </a:lnTo>
+                  <a:close/>
+                </a:path>
+              </a:pathLst>
+            </a:custGeom>
+            <a:solidFill>
+              <a:schemeClr val="accent1">
+                <a:lumMod val="50000"/>
+              </a:schemeClr>
+            </a:solidFill>
+            <a:ln>
+              <a:noFill/>
+            </a:ln>
+          </p:spPr>
+        </p:sp>
+        <p:sp>
+          <p:nvSpPr>
+            <p:cNvPr id="45" name="Freeform 10">
+              <a:extLst>
+                <a:ext uri="{FF2B5EF4-FFF2-40B4-BE49-F238E27FC236}">
+                  <a16:creationId xmlns:a16="http://schemas.microsoft.com/office/drawing/2014/main" id="{9DFA731E-D6BB-42CC-AA05-64023DC81FE6}"/>
+                </a:ext>
+                <a:ext uri="{C183D7F6-B498-43B3-948B-1728B52AA6E4}">
+                  <adec:decorative xmlns:adec="http://schemas.microsoft.com/office/drawing/2017/decorative" val="1"/>
+                </a:ext>
+              </a:extLst>
+            </p:cNvPr>
+            <p:cNvSpPr/>
+            <p:nvPr>
+              <p:extLst>
+                <p:ext uri="{386F3935-93C4-4BCD-93E2-E3B085C9AB24}">
+                  <p16:designElem xmlns:p16="http://schemas.microsoft.com/office/powerpoint/2015/main" val="1"/>
+                </p:ext>
+              </p:extLst>
+            </p:nvPr>
+          </p:nvSpPr>
+          <p:spPr bwMode="auto">
+            <a:xfrm>
+              <a:off x="1627188" y="5286375"/>
+              <a:ext cx="2130425" cy="1571625"/>
+            </a:xfrm>
+            <a:custGeom>
+              <a:avLst/>
+              <a:gdLst/>
+              <a:ahLst/>
+              <a:cxnLst/>
+              <a:rect l="0" t="0" r="r" b="b"/>
+              <a:pathLst>
+                <a:path w="1342" h="990">
+                  <a:moveTo>
+                    <a:pt x="0" y="3"/>
+                  </a:moveTo>
+                  <a:lnTo>
+                    <a:pt x="942" y="990"/>
+                  </a:lnTo>
+                  <a:lnTo>
+                    <a:pt x="1342" y="990"/>
+                  </a:lnTo>
+                  <a:lnTo>
+                    <a:pt x="156" y="27"/>
+                  </a:lnTo>
+                  <a:lnTo>
+                    <a:pt x="0" y="0"/>
+                  </a:lnTo>
+                  <a:lnTo>
+                    <a:pt x="0" y="3"/>
+                  </a:lnTo>
+                  <a:close/>
+                </a:path>
+              </a:pathLst>
+            </a:custGeom>
+            <a:solidFill>
+              <a:schemeClr val="accent1">
+                <a:lumMod val="75000"/>
+              </a:schemeClr>
+            </a:solidFill>
+            <a:ln>
+              <a:noFill/>
+            </a:ln>
+          </p:spPr>
+        </p:sp>
+        <p:sp>
+          <p:nvSpPr>
+            <p:cNvPr id="46" name="Freeform 11">
+              <a:extLst>
+                <a:ext uri="{FF2B5EF4-FFF2-40B4-BE49-F238E27FC236}">
+                  <a16:creationId xmlns:a16="http://schemas.microsoft.com/office/drawing/2014/main" id="{B00D0483-90FB-4EB4-9770-CA8A310D503B}"/>
+                </a:ext>
+                <a:ext uri="{C183D7F6-B498-43B3-948B-1728B52AA6E4}">
+                  <adec:decorative xmlns:adec="http://schemas.microsoft.com/office/drawing/2017/decorative" val="1"/>
+                </a:ext>
+              </a:extLst>
+            </p:cNvPr>
+            <p:cNvSpPr/>
+            <p:nvPr>
+              <p:extLst>
+                <p:ext uri="{386F3935-93C4-4BCD-93E2-E3B085C9AB24}">
+                  <p16:designElem xmlns:p16="http://schemas.microsoft.com/office/powerpoint/2015/main" val="1"/>
+                </p:ext>
+              </p:extLst>
+            </p:nvPr>
+          </p:nvSpPr>
+          <p:spPr bwMode="auto">
+            <a:xfrm>
+              <a:off x="1320800" y="5238750"/>
+              <a:ext cx="1695450" cy="1619250"/>
+            </a:xfrm>
+            <a:custGeom>
+              <a:avLst/>
+              <a:gdLst/>
+              <a:ahLst/>
+              <a:cxnLst/>
+              <a:rect l="0" t="0" r="r" b="b"/>
+              <a:pathLst>
+                <a:path w="1068" h="1020">
+                  <a:moveTo>
+                    <a:pt x="1068" y="1020"/>
+                  </a:moveTo>
+                  <a:lnTo>
+                    <a:pt x="184" y="60"/>
+                  </a:lnTo>
+                  <a:lnTo>
+                    <a:pt x="154" y="27"/>
+                  </a:lnTo>
+                  <a:lnTo>
+                    <a:pt x="157" y="27"/>
+                  </a:lnTo>
+                  <a:lnTo>
+                    <a:pt x="157" y="24"/>
+                  </a:lnTo>
+                  <a:lnTo>
+                    <a:pt x="154" y="24"/>
+                  </a:lnTo>
+                  <a:lnTo>
+                    <a:pt x="0" y="0"/>
+                  </a:lnTo>
+                  <a:lnTo>
+                    <a:pt x="0" y="0"/>
+                  </a:lnTo>
+                  <a:lnTo>
+                    <a:pt x="774" y="1020"/>
+                  </a:lnTo>
+                  <a:lnTo>
+                    <a:pt x="1068" y="1020"/>
+                  </a:lnTo>
+                  <a:close/>
+                </a:path>
+              </a:pathLst>
+            </a:custGeom>
+            <a:solidFill>
+              <a:schemeClr val="tx1">
+                <a:lumMod val="75000"/>
+                <a:lumOff val="25000"/>
+              </a:schemeClr>
+            </a:solidFill>
+            <a:ln>
+              <a:noFill/>
+            </a:ln>
+          </p:spPr>
+        </p:sp>
+      </p:grpSp>
+      <p:sp>
+        <p:nvSpPr>
+          <p:cNvPr id="2" name="Title 1">
+            <a:extLst>
+              <a:ext uri="{FF2B5EF4-FFF2-40B4-BE49-F238E27FC236}">
+                <a16:creationId xmlns:a16="http://schemas.microsoft.com/office/drawing/2014/main" id="{339A428F-DE24-F24B-B03E-D8A9E51064E5}"/>
+              </a:ext>
+            </a:extLst>
+          </p:cNvPr>
+          <p:cNvSpPr>
+            <a:spLocks noGrp="1"/>
+          </p:cNvSpPr>
+          <p:nvPr>
+            <p:ph type="title"/>
+          </p:nvPr>
+        </p:nvSpPr>
+        <p:spPr>
+          <a:xfrm>
+            <a:off x="1484312" y="685800"/>
+            <a:ext cx="4278928" cy="1752599"/>
+          </a:xfrm>
+        </p:spPr>
+        <p:txBody>
+          <a:bodyPr vert="horz" lIns="91440" tIns="45720" rIns="91440" bIns="45720" rtlCol="0" anchor="ctr">
+            <a:normAutofit/>
+          </a:bodyPr>
+          <a:lstStyle/>
+          <a:p>
+            <a:r>
+              <a:rPr lang="en-US" dirty="0"/>
+              <a:t>Exception Handling</a:t>
+            </a:r>
+          </a:p>
+        </p:txBody>
+      </p:sp>
+      <p:sp>
+        <p:nvSpPr>
+          <p:cNvPr id="3" name="Content Placeholder 2">
+            <a:extLst>
+              <a:ext uri="{FF2B5EF4-FFF2-40B4-BE49-F238E27FC236}">
+                <a16:creationId xmlns:a16="http://schemas.microsoft.com/office/drawing/2014/main" id="{75A636EE-6E6B-FA42-A59B-A03C4B025AA6}"/>
+              </a:ext>
+            </a:extLst>
+          </p:cNvPr>
+          <p:cNvSpPr>
+            <a:spLocks noGrp="1"/>
+          </p:cNvSpPr>
+          <p:nvPr>
+            <p:ph sz="half" idx="1"/>
+          </p:nvPr>
+        </p:nvSpPr>
+        <p:spPr>
+          <a:xfrm>
+            <a:off x="1151552" y="2438399"/>
+            <a:ext cx="4611687" cy="3352802"/>
+          </a:xfrm>
+        </p:spPr>
+        <p:txBody>
+          <a:bodyPr vert="horz" lIns="91440" tIns="45720" rIns="91440" bIns="45720" rtlCol="0" anchor="ctr">
+            <a:normAutofit/>
+          </a:bodyPr>
+          <a:lstStyle/>
+          <a:p>
+            <a:r>
+              <a:rPr lang="en-US" dirty="0"/>
+              <a:t>The </a:t>
+            </a:r>
+            <a:r>
+              <a:rPr lang="en-US" b="1" dirty="0"/>
+              <a:t>Exception Handling</a:t>
+            </a:r>
+            <a:r>
+              <a:rPr lang="en-US" dirty="0"/>
+              <a:t> is one of the powerful </a:t>
+            </a:r>
+            <a:r>
+              <a:rPr lang="en-US" i="1" dirty="0"/>
+              <a:t>mechanism to handle the runtime errors</a:t>
+            </a:r>
+            <a:r>
+              <a:rPr lang="en-US" dirty="0"/>
+              <a:t> so that the normal flow of the application can be maintained.</a:t>
+            </a:r>
+          </a:p>
+          <a:p>
+            <a:r>
+              <a:rPr lang="en-US" dirty="0"/>
+              <a:t>TypeScript has an Error class that you can use for exceptions. You throw an error with the throw keyword. You can catch it with a try / catch block pair</a:t>
+            </a:r>
+          </a:p>
+        </p:txBody>
+      </p:sp>
+      <p:sp>
+        <p:nvSpPr>
+          <p:cNvPr id="48" name="Rounded Rectangle 16">
+            <a:extLst>
+              <a:ext uri="{FF2B5EF4-FFF2-40B4-BE49-F238E27FC236}">
+                <a16:creationId xmlns:a16="http://schemas.microsoft.com/office/drawing/2014/main" id="{DD7EED39-224E-4230-8FD1-B1E1AF6C6E36}"/>
+              </a:ext>
+              <a:ext uri="{C183D7F6-B498-43B3-948B-1728B52AA6E4}">
+                <adec:decorative xmlns:adec="http://schemas.microsoft.com/office/drawing/2017/decorative" val="1"/>
+              </a:ext>
+            </a:extLst>
+          </p:cNvPr>
+          <p:cNvSpPr>
+            <a:spLocks noGrp="1" noRot="1" noChangeAspect="1" noMove="1" noResize="1" noEditPoints="1" noAdjustHandles="1" noChangeArrowheads="1" noChangeShapeType="1" noTextEdit="1"/>
+          </p:cNvSpPr>
+          <p:nvPr>
+            <p:extLst>
+              <p:ext uri="{386F3935-93C4-4BCD-93E2-E3B085C9AB24}">
+                <p16:designElem xmlns:p16="http://schemas.microsoft.com/office/powerpoint/2015/main" val="1"/>
+              </p:ext>
+            </p:extLst>
+          </p:nvPr>
+        </p:nvSpPr>
+        <p:spPr>
+          <a:xfrm>
+            <a:off x="6096000" y="648931"/>
+            <a:ext cx="5407023" cy="5231964"/>
+          </a:xfrm>
+          <a:prstGeom prst="roundRect">
+            <a:avLst>
+              <a:gd name="adj" fmla="val 4834"/>
+            </a:avLst>
+          </a:prstGeom>
+          <a:solidFill>
+            <a:schemeClr val="bg1"/>
+          </a:solidFill>
+          <a:ln w="38100">
+            <a:gradFill flip="none" rotWithShape="1">
+              <a:gsLst>
+                <a:gs pos="0">
+                  <a:schemeClr val="bg2"/>
+                </a:gs>
+                <a:gs pos="100000">
+                  <a:schemeClr val="bg2">
+                    <a:lumMod val="75000"/>
+                  </a:schemeClr>
+                </a:gs>
+              </a:gsLst>
+              <a:lin ang="5400000" scaled="0"/>
+              <a:tileRect/>
+            </a:gradFill>
+          </a:ln>
+          <a:effectLst>
+            <a:innerShdw blurRad="57150" dist="38100" dir="14460000">
+              <a:srgbClr val="000000">
+                <a:alpha val="70000"/>
+              </a:srgbClr>
+            </a:innerShdw>
+          </a:effectLst>
+        </p:spPr>
+        <p:style>
+          <a:lnRef idx="2">
+            <a:schemeClr val="accent1">
+              <a:shade val="50000"/>
+            </a:schemeClr>
+          </a:lnRef>
+          <a:fillRef idx="1">
+            <a:schemeClr val="accent1"/>
+          </a:fillRef>
+          <a:effectRef idx="0">
+            <a:schemeClr val="accent1"/>
+          </a:effectRef>
+          <a:fontRef idx="minor">
+            <a:schemeClr val="lt1"/>
+          </a:fontRef>
+        </p:style>
+        <p:txBody>
+          <a:bodyPr rtlCol="0" anchor="ctr"/>
+          <a:lstStyle/>
+          <a:p>
+            <a:pPr algn="ctr"/>
+            <a:endParaRPr lang="en-US"/>
+          </a:p>
+        </p:txBody>
+      </p:sp>
+      <p:sp>
+        <p:nvSpPr>
+          <p:cNvPr id="20" name="TextBox 19">
+            <a:extLst>
+              <a:ext uri="{FF2B5EF4-FFF2-40B4-BE49-F238E27FC236}">
+                <a16:creationId xmlns:a16="http://schemas.microsoft.com/office/drawing/2014/main" id="{0983CF5F-AED5-EA43-B332-EF09D66427D2}"/>
+              </a:ext>
+            </a:extLst>
+          </p:cNvPr>
+          <p:cNvSpPr txBox="1"/>
+          <p:nvPr/>
+        </p:nvSpPr>
+        <p:spPr>
+          <a:xfrm>
+            <a:off x="6263014" y="761306"/>
+            <a:ext cx="1340285" cy="369332"/>
+          </a:xfrm>
+          <a:prstGeom prst="rect">
+            <a:avLst/>
+          </a:prstGeom>
+          <a:noFill/>
+        </p:spPr>
+        <p:txBody>
+          <a:bodyPr wrap="square" rtlCol="0">
+            <a:spAutoFit/>
+          </a:bodyPr>
+          <a:lstStyle/>
+          <a:p>
+            <a:r>
+              <a:rPr lang="en-US" dirty="0"/>
+              <a:t>Example:</a:t>
+            </a:r>
+          </a:p>
+        </p:txBody>
+      </p:sp>
+      <p:sp>
+        <p:nvSpPr>
+          <p:cNvPr id="7" name="Content Placeholder 6">
+            <a:extLst>
+              <a:ext uri="{FF2B5EF4-FFF2-40B4-BE49-F238E27FC236}">
+                <a16:creationId xmlns:a16="http://schemas.microsoft.com/office/drawing/2014/main" id="{F7C464BE-FE36-D44C-B7EE-6A322755AC49}"/>
+              </a:ext>
+            </a:extLst>
+          </p:cNvPr>
+          <p:cNvSpPr>
+            <a:spLocks noGrp="1"/>
+          </p:cNvSpPr>
+          <p:nvPr>
+            <p:ph sz="half" idx="2"/>
+          </p:nvPr>
+        </p:nvSpPr>
+        <p:spPr>
+          <a:xfrm>
+            <a:off x="6263013" y="1562099"/>
+            <a:ext cx="5095549" cy="3124200"/>
+          </a:xfrm>
+        </p:spPr>
+        <p:txBody>
+          <a:bodyPr/>
+          <a:lstStyle/>
+          <a:p>
+            <a:pPr marL="0" indent="0">
+              <a:buNone/>
+            </a:pPr>
+            <a:r>
+              <a:rPr lang="en-US" dirty="0">
+                <a:solidFill>
+                  <a:schemeClr val="accent1">
+                    <a:lumMod val="50000"/>
+                  </a:schemeClr>
+                </a:solidFill>
+              </a:rPr>
+              <a:t>try</a:t>
+            </a:r>
+            <a:r>
+              <a:rPr lang="en-US" dirty="0"/>
+              <a:t> {</a:t>
+            </a:r>
+          </a:p>
+          <a:p>
+            <a:pPr marL="0" indent="0">
+              <a:buNone/>
+            </a:pPr>
+            <a:r>
+              <a:rPr lang="en-US" dirty="0"/>
+              <a:t>	</a:t>
+            </a:r>
+            <a:r>
+              <a:rPr lang="en-US" dirty="0">
+                <a:solidFill>
+                  <a:schemeClr val="accent1">
+                    <a:lumMod val="50000"/>
+                  </a:schemeClr>
+                </a:solidFill>
+              </a:rPr>
+              <a:t>throw new Error</a:t>
+            </a:r>
+            <a:r>
+              <a:rPr lang="en-US" dirty="0"/>
+              <a:t>('Something bad 	happened’);</a:t>
+            </a:r>
+          </a:p>
+          <a:p>
+            <a:pPr marL="0" indent="0">
+              <a:buNone/>
+            </a:pPr>
+            <a:r>
+              <a:rPr lang="en-US" dirty="0"/>
+              <a:t>	}</a:t>
+            </a:r>
+          </a:p>
+          <a:p>
+            <a:pPr marL="0" indent="0">
+              <a:buNone/>
+            </a:pPr>
+            <a:r>
+              <a:rPr lang="en-US" dirty="0">
+                <a:solidFill>
+                  <a:schemeClr val="accent1">
+                    <a:lumMod val="50000"/>
+                  </a:schemeClr>
+                </a:solidFill>
+              </a:rPr>
+              <a:t>catch</a:t>
+            </a:r>
+            <a:r>
+              <a:rPr lang="en-US" dirty="0"/>
+              <a:t>(e) {</a:t>
+            </a:r>
+          </a:p>
+          <a:p>
+            <a:pPr marL="0" indent="0">
+              <a:buNone/>
+            </a:pPr>
+            <a:r>
+              <a:rPr lang="en-US" dirty="0"/>
+              <a:t>	</a:t>
+            </a:r>
+            <a:r>
+              <a:rPr lang="en-US" dirty="0" err="1">
+                <a:solidFill>
+                  <a:schemeClr val="accent1">
+                    <a:lumMod val="50000"/>
+                  </a:schemeClr>
+                </a:solidFill>
+              </a:rPr>
+              <a:t>console.log</a:t>
+            </a:r>
+            <a:r>
+              <a:rPr lang="en-US" dirty="0"/>
+              <a:t>(e);</a:t>
+            </a:r>
+          </a:p>
+          <a:p>
+            <a:pPr marL="0" indent="0">
+              <a:buNone/>
+            </a:pPr>
+            <a:r>
+              <a:rPr lang="en-US" dirty="0"/>
+              <a:t>}</a:t>
+            </a:r>
+          </a:p>
+          <a:p>
+            <a:pPr marL="0" indent="0">
+              <a:buNone/>
+            </a:pPr>
+            <a:endParaRPr lang="en-US" dirty="0"/>
+          </a:p>
+        </p:txBody>
+      </p:sp>
+    </p:spTree>
+    <p:extLst>
+      <p:ext uri="{BB962C8B-B14F-4D97-AF65-F5344CB8AC3E}">
+        <p14:creationId xmlns:p14="http://schemas.microsoft.com/office/powerpoint/2010/main" val="181345126"/>
+      </p:ext>
+    </p:extLst>
+  </p:cSld>
+  <p:clrMapOvr>
+    <a:masterClrMapping/>
+  </p:clrMapOvr>
+</p:sld>
+</file>
+
+<file path=ppt/slides/slide33.xml><?xml version="1.0" encoding="utf-8"?>
+<p:sld xmlns:a="http://schemas.openxmlformats.org/drawingml/2006/main" xmlns:r="http://schemas.openxmlformats.org/officeDocument/2006/relationships" xmlns:p="http://schemas.openxmlformats.org/presentationml/2006/main">
+  <p:cSld>
+    <p:spTree>
+      <p:nvGrpSpPr>
+        <p:cNvPr id="1" name=""/>
+        <p:cNvGrpSpPr/>
+        <p:nvPr/>
+      </p:nvGrpSpPr>
+      <p:grpSpPr>
+        <a:xfrm>
+          <a:off x="0" y="0"/>
+          <a:ext cx="0" cy="0"/>
+          <a:chOff x="0" y="0"/>
+          <a:chExt cx="0" cy="0"/>
+        </a:xfrm>
+      </p:grpSpPr>
+      <p:sp>
+        <p:nvSpPr>
+          <p:cNvPr id="2" name="Title 1">
+            <a:extLst>
+              <a:ext uri="{FF2B5EF4-FFF2-40B4-BE49-F238E27FC236}">
+                <a16:creationId xmlns:a16="http://schemas.microsoft.com/office/drawing/2014/main" id="{9DBC78A4-3799-2C4E-AC86-A301ADFE7F98}"/>
+              </a:ext>
+            </a:extLst>
+          </p:cNvPr>
+          <p:cNvSpPr>
+            <a:spLocks noGrp="1"/>
+          </p:cNvSpPr>
+          <p:nvPr>
+            <p:ph type="title"/>
+          </p:nvPr>
+        </p:nvSpPr>
+        <p:spPr>
+          <a:xfrm>
+            <a:off x="1484310" y="622006"/>
+            <a:ext cx="10018713" cy="1036673"/>
+          </a:xfrm>
+        </p:spPr>
+        <p:txBody>
+          <a:bodyPr/>
+          <a:lstStyle/>
+          <a:p>
+            <a:r>
+              <a:rPr lang="en-US" dirty="0"/>
+              <a:t>Error Sub Types</a:t>
+            </a:r>
+          </a:p>
+        </p:txBody>
+      </p:sp>
+      <p:sp>
+        <p:nvSpPr>
+          <p:cNvPr id="3" name="Content Placeholder 2">
+            <a:extLst>
+              <a:ext uri="{FF2B5EF4-FFF2-40B4-BE49-F238E27FC236}">
+                <a16:creationId xmlns:a16="http://schemas.microsoft.com/office/drawing/2014/main" id="{99B02452-90E9-474D-9F4E-672C1FFA2208}"/>
+              </a:ext>
+            </a:extLst>
+          </p:cNvPr>
+          <p:cNvSpPr>
+            <a:spLocks noGrp="1"/>
+          </p:cNvSpPr>
+          <p:nvPr>
+            <p:ph idx="1"/>
+          </p:nvPr>
+        </p:nvSpPr>
+        <p:spPr>
+          <a:xfrm>
+            <a:off x="1484310" y="1871331"/>
+            <a:ext cx="10018713" cy="3919870"/>
+          </a:xfrm>
+        </p:spPr>
+        <p:txBody>
+          <a:bodyPr>
+            <a:normAutofit/>
+          </a:bodyPr>
+          <a:lstStyle/>
+          <a:p>
+            <a:r>
+              <a:rPr lang="en-US" sz="1800" dirty="0"/>
+              <a:t>Beyond the built in Error class there are a few additional built-in error classes that inherit from Error that the TypeScript runtime can throw:</a:t>
+            </a:r>
+          </a:p>
+          <a:p>
+            <a:pPr lvl="1"/>
+            <a:r>
+              <a:rPr lang="en-US" sz="1400" dirty="0" err="1"/>
+              <a:t>RangeError</a:t>
+            </a:r>
+            <a:endParaRPr lang="en-US" sz="1400" dirty="0"/>
+          </a:p>
+          <a:p>
+            <a:pPr lvl="1"/>
+            <a:r>
+              <a:rPr lang="en-US" sz="1400" dirty="0" err="1"/>
+              <a:t>ReferenceError</a:t>
+            </a:r>
+            <a:endParaRPr lang="en-US" sz="1400" dirty="0"/>
+          </a:p>
+          <a:p>
+            <a:pPr lvl="1"/>
+            <a:r>
+              <a:rPr lang="en-US" sz="1400" dirty="0" err="1"/>
+              <a:t>SyntaxError</a:t>
+            </a:r>
+            <a:endParaRPr lang="en-US" sz="1400" dirty="0"/>
+          </a:p>
+          <a:p>
+            <a:pPr lvl="1"/>
+            <a:r>
+              <a:rPr lang="en-US" sz="1400" dirty="0" err="1"/>
+              <a:t>TypeError</a:t>
+            </a:r>
+            <a:endParaRPr lang="en-US" sz="1400" dirty="0"/>
+          </a:p>
+          <a:p>
+            <a:pPr lvl="1"/>
+            <a:r>
+              <a:rPr lang="en-US" sz="1400" dirty="0" err="1"/>
+              <a:t>URIError</a:t>
+            </a:r>
+            <a:endParaRPr lang="en-US" sz="1400" dirty="0"/>
+          </a:p>
+        </p:txBody>
+      </p:sp>
+    </p:spTree>
+    <p:extLst>
+      <p:ext uri="{BB962C8B-B14F-4D97-AF65-F5344CB8AC3E}">
+        <p14:creationId xmlns:p14="http://schemas.microsoft.com/office/powerpoint/2010/main" val="841215932"/>
+      </p:ext>
+    </p:extLst>
+  </p:cSld>
+  <p:clrMapOvr>
+    <a:masterClrMapping/>
+  </p:clrMapOvr>
+</p:sld>
+</file>
+
+<file path=ppt/slides/slide34.xml><?xml version="1.0" encoding="utf-8"?>
+<p:sld xmlns:a="http://schemas.openxmlformats.org/drawingml/2006/main" xmlns:r="http://schemas.openxmlformats.org/officeDocument/2006/relationships" xmlns:p="http://schemas.openxmlformats.org/presentationml/2006/main">
+  <p:cSld>
+    <p:spTree>
+      <p:nvGrpSpPr>
+        <p:cNvPr id="1" name=""/>
+        <p:cNvGrpSpPr/>
+        <p:nvPr/>
+      </p:nvGrpSpPr>
+      <p:grpSpPr>
+        <a:xfrm>
+          <a:off x="0" y="0"/>
+          <a:ext cx="0" cy="0"/>
+          <a:chOff x="0" y="0"/>
+          <a:chExt cx="0" cy="0"/>
+        </a:xfrm>
+      </p:grpSpPr>
+      <p:sp>
+        <p:nvSpPr>
+          <p:cNvPr id="2" name="Title 1">
+            <a:extLst>
+              <a:ext uri="{FF2B5EF4-FFF2-40B4-BE49-F238E27FC236}">
+                <a16:creationId xmlns:a16="http://schemas.microsoft.com/office/drawing/2014/main" id="{9DBC78A4-3799-2C4E-AC86-A301ADFE7F98}"/>
+              </a:ext>
+            </a:extLst>
+          </p:cNvPr>
+          <p:cNvSpPr>
+            <a:spLocks noGrp="1"/>
+          </p:cNvSpPr>
+          <p:nvPr>
+            <p:ph type="title"/>
+          </p:nvPr>
+        </p:nvSpPr>
+        <p:spPr>
+          <a:xfrm>
+            <a:off x="1484310" y="622006"/>
+            <a:ext cx="10018713" cy="1036673"/>
+          </a:xfrm>
+        </p:spPr>
+        <p:txBody>
+          <a:bodyPr/>
+          <a:lstStyle/>
+          <a:p>
+            <a:r>
+              <a:rPr lang="en-US" dirty="0"/>
+              <a:t>Event Handling in TypeScript</a:t>
+            </a:r>
+          </a:p>
+        </p:txBody>
+      </p:sp>
+      <p:sp>
+        <p:nvSpPr>
+          <p:cNvPr id="3" name="Content Placeholder 2">
+            <a:extLst>
+              <a:ext uri="{FF2B5EF4-FFF2-40B4-BE49-F238E27FC236}">
+                <a16:creationId xmlns:a16="http://schemas.microsoft.com/office/drawing/2014/main" id="{99B02452-90E9-474D-9F4E-672C1FFA2208}"/>
+              </a:ext>
+            </a:extLst>
+          </p:cNvPr>
+          <p:cNvSpPr>
+            <a:spLocks noGrp="1"/>
+          </p:cNvSpPr>
+          <p:nvPr>
+            <p:ph idx="1"/>
+          </p:nvPr>
+        </p:nvSpPr>
+        <p:spPr>
+          <a:xfrm>
+            <a:off x="1484310" y="1871331"/>
+            <a:ext cx="10018713" cy="3919870"/>
+          </a:xfrm>
+        </p:spPr>
+        <p:txBody>
+          <a:bodyPr>
+            <a:normAutofit/>
+          </a:bodyPr>
+          <a:lstStyle/>
+          <a:p>
+            <a:r>
+              <a:rPr lang="en-US" dirty="0"/>
+              <a:t>Events provide a channel of communication between different parts of an application. There are several techniques for creating and handling events, each with its own advantages and disadvantages.</a:t>
+            </a:r>
+          </a:p>
+          <a:p>
+            <a:r>
+              <a:rPr lang="en-US" dirty="0"/>
+              <a:t>Event handling reduces coupling between components to increase maintainability, flexibility and decoupling</a:t>
+            </a:r>
+            <a:br>
+              <a:rPr lang="en-US" dirty="0"/>
+            </a:br>
+            <a:endParaRPr lang="en-US" dirty="0"/>
+          </a:p>
+        </p:txBody>
+      </p:sp>
+    </p:spTree>
+    <p:extLst>
+      <p:ext uri="{BB962C8B-B14F-4D97-AF65-F5344CB8AC3E}">
+        <p14:creationId xmlns:p14="http://schemas.microsoft.com/office/powerpoint/2010/main" val="1926261930"/>
+      </p:ext>
+    </p:extLst>
+  </p:cSld>
+  <p:clrMapOvr>
+    <a:masterClrMapping/>
+  </p:clrMapOvr>
+</p:sld>
+</file>
+
+<file path=ppt/slides/slide35.xml><?xml version="1.0" encoding="utf-8"?>
+<p:sld xmlns:a="http://schemas.openxmlformats.org/drawingml/2006/main" xmlns:r="http://schemas.openxmlformats.org/officeDocument/2006/relationships" xmlns:p="http://schemas.openxmlformats.org/presentationml/2006/main">
+  <p:cSld>
+    <p:spTree>
+      <p:nvGrpSpPr>
+        <p:cNvPr id="1" name=""/>
+        <p:cNvGrpSpPr/>
+        <p:nvPr/>
+      </p:nvGrpSpPr>
+      <p:grpSpPr>
+        <a:xfrm>
+          <a:off x="0" y="0"/>
+          <a:ext cx="0" cy="0"/>
+          <a:chOff x="0" y="0"/>
+          <a:chExt cx="0" cy="0"/>
+        </a:xfrm>
+      </p:grpSpPr>
+      <p:sp>
+        <p:nvSpPr>
+          <p:cNvPr id="2" name="Title 1">
+            <a:extLst>
+              <a:ext uri="{FF2B5EF4-FFF2-40B4-BE49-F238E27FC236}">
+                <a16:creationId xmlns:a16="http://schemas.microsoft.com/office/drawing/2014/main" id="{9DBC78A4-3799-2C4E-AC86-A301ADFE7F98}"/>
+              </a:ext>
+            </a:extLst>
+          </p:cNvPr>
+          <p:cNvSpPr>
+            <a:spLocks noGrp="1"/>
+          </p:cNvSpPr>
+          <p:nvPr>
+            <p:ph type="title"/>
+          </p:nvPr>
+        </p:nvSpPr>
+        <p:spPr>
+          <a:xfrm>
+            <a:off x="1484310" y="622006"/>
+            <a:ext cx="10018713" cy="1036673"/>
+          </a:xfrm>
+        </p:spPr>
+        <p:txBody>
+          <a:bodyPr/>
+          <a:lstStyle/>
+          <a:p>
+            <a:r>
+              <a:rPr lang="en-US" dirty="0"/>
+              <a:t>Event Handling in TypeScript</a:t>
+            </a:r>
+          </a:p>
+        </p:txBody>
+      </p:sp>
+      <p:sp>
+        <p:nvSpPr>
+          <p:cNvPr id="3" name="Content Placeholder 2">
+            <a:extLst>
+              <a:ext uri="{FF2B5EF4-FFF2-40B4-BE49-F238E27FC236}">
+                <a16:creationId xmlns:a16="http://schemas.microsoft.com/office/drawing/2014/main" id="{99B02452-90E9-474D-9F4E-672C1FFA2208}"/>
+              </a:ext>
+            </a:extLst>
+          </p:cNvPr>
+          <p:cNvSpPr>
+            <a:spLocks noGrp="1"/>
+          </p:cNvSpPr>
+          <p:nvPr>
+            <p:ph idx="1"/>
+          </p:nvPr>
+        </p:nvSpPr>
+        <p:spPr>
+          <a:xfrm>
+            <a:off x="1484310" y="1871331"/>
+            <a:ext cx="10018713" cy="3919870"/>
+          </a:xfrm>
+        </p:spPr>
+        <p:txBody>
+          <a:bodyPr>
+            <a:normAutofit/>
+          </a:bodyPr>
+          <a:lstStyle/>
+          <a:p>
+            <a:r>
+              <a:rPr lang="en-US" dirty="0"/>
+              <a:t>Below are some techniques for creating events and event handlers in JavaScript:</a:t>
+            </a:r>
+          </a:p>
+          <a:p>
+            <a:pPr marL="0" indent="0">
+              <a:buNone/>
+            </a:pPr>
+            <a:r>
+              <a:rPr lang="en-US" dirty="0"/>
+              <a:t>	1. Event Property Handlers </a:t>
+            </a:r>
+          </a:p>
+          <a:p>
+            <a:pPr marL="0" indent="0">
+              <a:buNone/>
+            </a:pPr>
+            <a:r>
+              <a:rPr lang="en-US" dirty="0"/>
+              <a:t>	2. Event Listeners with </a:t>
+            </a:r>
+            <a:r>
+              <a:rPr lang="en-US" dirty="0" err="1"/>
+              <a:t>EventTarget</a:t>
+            </a:r>
+            <a:endParaRPr lang="en-US" dirty="0"/>
+          </a:p>
+          <a:p>
+            <a:pPr marL="0" indent="0">
+              <a:buNone/>
+            </a:pPr>
+            <a:r>
+              <a:rPr lang="en-US" dirty="0"/>
+              <a:t>	3. Event Listeners with </a:t>
+            </a:r>
+            <a:r>
+              <a:rPr lang="en-US" dirty="0" err="1"/>
+              <a:t>EventEmitter</a:t>
+            </a:r>
+            <a:endParaRPr lang="en-US" dirty="0"/>
+          </a:p>
+        </p:txBody>
+      </p:sp>
+    </p:spTree>
+    <p:extLst>
+      <p:ext uri="{BB962C8B-B14F-4D97-AF65-F5344CB8AC3E}">
+        <p14:creationId xmlns:p14="http://schemas.microsoft.com/office/powerpoint/2010/main" val="4154971616"/>
+      </p:ext>
+    </p:extLst>
+  </p:cSld>
+  <p:clrMapOvr>
+    <a:masterClrMapping/>
+  </p:clrMapOvr>
+</p:sld>
+</file>
+
+<file path=ppt/slides/slide36.xml><?xml version="1.0" encoding="utf-8"?>
+<p:sld xmlns:a="http://schemas.openxmlformats.org/drawingml/2006/main" xmlns:r="http://schemas.openxmlformats.org/officeDocument/2006/relationships" xmlns:p="http://schemas.openxmlformats.org/presentationml/2006/main">
+  <p:cSld>
+    <p:spTree>
+      <p:nvGrpSpPr>
+        <p:cNvPr id="1" name=""/>
+        <p:cNvGrpSpPr/>
+        <p:nvPr/>
+      </p:nvGrpSpPr>
+      <p:grpSpPr>
+        <a:xfrm>
+          <a:off x="0" y="0"/>
+          <a:ext cx="0" cy="0"/>
+          <a:chOff x="0" y="0"/>
+          <a:chExt cx="0" cy="0"/>
+        </a:xfrm>
+      </p:grpSpPr>
+      <p:sp>
+        <p:nvSpPr>
+          <p:cNvPr id="2" name="Title 1">
+            <a:extLst>
+              <a:ext uri="{FF2B5EF4-FFF2-40B4-BE49-F238E27FC236}">
+                <a16:creationId xmlns:a16="http://schemas.microsoft.com/office/drawing/2014/main" id="{9DBC78A4-3799-2C4E-AC86-A301ADFE7F98}"/>
+              </a:ext>
+            </a:extLst>
+          </p:cNvPr>
+          <p:cNvSpPr>
+            <a:spLocks noGrp="1"/>
+          </p:cNvSpPr>
+          <p:nvPr>
+            <p:ph type="title"/>
+          </p:nvPr>
+        </p:nvSpPr>
+        <p:spPr>
+          <a:xfrm>
+            <a:off x="1484310" y="622006"/>
+            <a:ext cx="10018713" cy="1036673"/>
+          </a:xfrm>
+        </p:spPr>
+        <p:txBody>
+          <a:bodyPr/>
+          <a:lstStyle/>
+          <a:p>
+            <a:r>
+              <a:rPr lang="en-US" dirty="0"/>
+              <a:t>Functional Programming in TypeScript</a:t>
+            </a:r>
+          </a:p>
+        </p:txBody>
+      </p:sp>
+      <p:sp>
+        <p:nvSpPr>
+          <p:cNvPr id="3" name="Content Placeholder 2">
+            <a:extLst>
+              <a:ext uri="{FF2B5EF4-FFF2-40B4-BE49-F238E27FC236}">
+                <a16:creationId xmlns:a16="http://schemas.microsoft.com/office/drawing/2014/main" id="{99B02452-90E9-474D-9F4E-672C1FFA2208}"/>
+              </a:ext>
+            </a:extLst>
+          </p:cNvPr>
+          <p:cNvSpPr>
+            <a:spLocks noGrp="1"/>
+          </p:cNvSpPr>
+          <p:nvPr>
+            <p:ph idx="1"/>
+          </p:nvPr>
+        </p:nvSpPr>
+        <p:spPr>
+          <a:xfrm>
+            <a:off x="1484310" y="1871331"/>
+            <a:ext cx="10018713" cy="3919870"/>
+          </a:xfrm>
+        </p:spPr>
+        <p:txBody>
+          <a:bodyPr>
+            <a:normAutofit/>
+          </a:bodyPr>
+          <a:lstStyle/>
+          <a:p>
+            <a:r>
+              <a:rPr lang="en-US" b="1" dirty="0"/>
+              <a:t>Functional programming</a:t>
+            </a:r>
+            <a:r>
+              <a:rPr lang="en-US" dirty="0"/>
+              <a:t> (often abbreviated FP) is the process of building software by composing </a:t>
+            </a:r>
+            <a:r>
+              <a:rPr lang="en-US" b="1" dirty="0"/>
+              <a:t>pure functions</a:t>
+            </a:r>
+            <a:r>
+              <a:rPr lang="en-US" dirty="0"/>
+              <a:t>, avoiding </a:t>
+            </a:r>
+            <a:r>
+              <a:rPr lang="en-US" b="1" dirty="0"/>
+              <a:t>shared state,</a:t>
+            </a:r>
+            <a:r>
+              <a:rPr lang="en-US" dirty="0"/>
+              <a:t> </a:t>
+            </a:r>
+            <a:r>
+              <a:rPr lang="en-US" b="1" dirty="0"/>
+              <a:t>mutable data, </a:t>
+            </a:r>
+            <a:r>
+              <a:rPr lang="en-US" dirty="0"/>
+              <a:t>and </a:t>
+            </a:r>
+            <a:r>
+              <a:rPr lang="en-US" b="1" dirty="0"/>
+              <a:t>side-effects</a:t>
+            </a:r>
+            <a:r>
+              <a:rPr lang="en-US" dirty="0"/>
+              <a:t>. </a:t>
+            </a:r>
+          </a:p>
+          <a:p>
+            <a:r>
+              <a:rPr lang="en-US" dirty="0"/>
+              <a:t>Functional programming is </a:t>
+            </a:r>
+            <a:r>
+              <a:rPr lang="en-US" b="1" dirty="0"/>
+              <a:t>declarative</a:t>
+            </a:r>
+            <a:r>
+              <a:rPr lang="en-US" dirty="0"/>
+              <a:t> rather than </a:t>
+            </a:r>
+            <a:r>
+              <a:rPr lang="en-US" b="1" dirty="0"/>
+              <a:t>imperative</a:t>
+            </a:r>
+            <a:r>
+              <a:rPr lang="en-US" dirty="0"/>
+              <a:t>, and application state flows through pure functions. </a:t>
+            </a:r>
+          </a:p>
+          <a:p>
+            <a:r>
+              <a:rPr lang="en-US" dirty="0"/>
+              <a:t>TypeScript is not a purely functional language but offers a lot of concepts which are in line with functional languages</a:t>
+            </a:r>
+          </a:p>
+        </p:txBody>
+      </p:sp>
+    </p:spTree>
+    <p:extLst>
+      <p:ext uri="{BB962C8B-B14F-4D97-AF65-F5344CB8AC3E}">
+        <p14:creationId xmlns:p14="http://schemas.microsoft.com/office/powerpoint/2010/main" val="2716477788"/>
+      </p:ext>
+    </p:extLst>
+  </p:cSld>
+  <p:clrMapOvr>
+    <a:masterClrMapping/>
+  </p:clrMapOvr>
+</p:sld>
+</file>
+
+<file path=ppt/slides/slide37.xml><?xml version="1.0" encoding="utf-8"?>
+<p:sld xmlns:a="http://schemas.openxmlformats.org/drawingml/2006/main" xmlns:r="http://schemas.openxmlformats.org/officeDocument/2006/relationships" xmlns:p="http://schemas.openxmlformats.org/presentationml/2006/main">
+  <p:cSld>
+    <p:spTree>
+      <p:nvGrpSpPr>
+        <p:cNvPr id="1" name=""/>
+        <p:cNvGrpSpPr/>
+        <p:nvPr/>
+      </p:nvGrpSpPr>
+      <p:grpSpPr>
+        <a:xfrm>
+          <a:off x="0" y="0"/>
+          <a:ext cx="0" cy="0"/>
+          <a:chOff x="0" y="0"/>
+          <a:chExt cx="0" cy="0"/>
+        </a:xfrm>
+      </p:grpSpPr>
+      <p:sp>
+        <p:nvSpPr>
+          <p:cNvPr id="2" name="Title 1">
+            <a:extLst>
+              <a:ext uri="{FF2B5EF4-FFF2-40B4-BE49-F238E27FC236}">
+                <a16:creationId xmlns:a16="http://schemas.microsoft.com/office/drawing/2014/main" id="{9DBC78A4-3799-2C4E-AC86-A301ADFE7F98}"/>
+              </a:ext>
+            </a:extLst>
+          </p:cNvPr>
+          <p:cNvSpPr>
+            <a:spLocks noGrp="1"/>
+          </p:cNvSpPr>
+          <p:nvPr>
+            <p:ph type="title"/>
+          </p:nvPr>
+        </p:nvSpPr>
+        <p:spPr>
+          <a:xfrm>
+            <a:off x="1484310" y="622006"/>
+            <a:ext cx="10018713" cy="1036673"/>
+          </a:xfrm>
+        </p:spPr>
+        <p:txBody>
+          <a:bodyPr/>
+          <a:lstStyle/>
+          <a:p>
+            <a:r>
+              <a:rPr lang="en-US" dirty="0"/>
+              <a:t>Functional Programming in TypeScript</a:t>
+            </a:r>
+          </a:p>
+        </p:txBody>
+      </p:sp>
+      <p:sp>
+        <p:nvSpPr>
+          <p:cNvPr id="3" name="Content Placeholder 2">
+            <a:extLst>
+              <a:ext uri="{FF2B5EF4-FFF2-40B4-BE49-F238E27FC236}">
+                <a16:creationId xmlns:a16="http://schemas.microsoft.com/office/drawing/2014/main" id="{99B02452-90E9-474D-9F4E-672C1FFA2208}"/>
+              </a:ext>
+            </a:extLst>
+          </p:cNvPr>
+          <p:cNvSpPr>
+            <a:spLocks noGrp="1"/>
+          </p:cNvSpPr>
+          <p:nvPr>
+            <p:ph idx="1"/>
+          </p:nvPr>
+        </p:nvSpPr>
+        <p:spPr>
+          <a:xfrm>
+            <a:off x="1484310" y="1871331"/>
+            <a:ext cx="10018713" cy="3919870"/>
+          </a:xfrm>
+        </p:spPr>
+        <p:txBody>
+          <a:bodyPr>
+            <a:normAutofit/>
+          </a:bodyPr>
+          <a:lstStyle/>
+          <a:p>
+            <a:r>
+              <a:rPr lang="en-US" b="1" dirty="0"/>
+              <a:t>Some of the important concepts of functional programming are:</a:t>
+            </a:r>
+          </a:p>
+          <a:p>
+            <a:pPr lvl="1"/>
+            <a:r>
+              <a:rPr lang="en-US" b="1" dirty="0"/>
+              <a:t>First-class and higher-order functions.</a:t>
+            </a:r>
+          </a:p>
+          <a:p>
+            <a:pPr lvl="1"/>
+            <a:r>
+              <a:rPr lang="en-US" b="1" dirty="0"/>
+              <a:t>Pure functions</a:t>
+            </a:r>
+          </a:p>
+          <a:p>
+            <a:pPr lvl="1"/>
+            <a:r>
+              <a:rPr lang="en-US" b="1" dirty="0"/>
+              <a:t>Recursion</a:t>
+            </a:r>
+          </a:p>
+          <a:p>
+            <a:pPr lvl="1"/>
+            <a:r>
+              <a:rPr lang="en-US" b="1" dirty="0"/>
+              <a:t>Lazy evaluation</a:t>
+            </a:r>
+          </a:p>
+          <a:p>
+            <a:pPr marL="457200" lvl="1" indent="0">
+              <a:buNone/>
+            </a:pPr>
+            <a:endParaRPr lang="en-US" b="1" dirty="0"/>
+          </a:p>
+          <a:p>
+            <a:pPr marL="0" indent="0">
+              <a:buNone/>
+            </a:pPr>
+            <a:br>
+              <a:rPr lang="en-US" dirty="0"/>
+            </a:br>
+            <a:endParaRPr lang="en-US" dirty="0"/>
+          </a:p>
+        </p:txBody>
+      </p:sp>
+    </p:spTree>
+    <p:extLst>
+      <p:ext uri="{BB962C8B-B14F-4D97-AF65-F5344CB8AC3E}">
+        <p14:creationId xmlns:p14="http://schemas.microsoft.com/office/powerpoint/2010/main" val="2093370144"/>
+      </p:ext>
+    </p:extLst>
+  </p:cSld>
+  <p:clrMapOvr>
+    <a:masterClrMapping/>
+  </p:clrMapOvr>
+</p:sld>
+</file>
+
+<file path=ppt/slides/slide38.xml><?xml version="1.0" encoding="utf-8"?>
+<p:sld xmlns:a="http://schemas.openxmlformats.org/drawingml/2006/main" xmlns:r="http://schemas.openxmlformats.org/officeDocument/2006/relationships" xmlns:p="http://schemas.openxmlformats.org/presentationml/2006/main">
+  <p:cSld>
+    <p:spTree>
+      <p:nvGrpSpPr>
+        <p:cNvPr id="1" name=""/>
+        <p:cNvGrpSpPr/>
+        <p:nvPr/>
+      </p:nvGrpSpPr>
+      <p:grpSpPr>
+        <a:xfrm>
+          <a:off x="0" y="0"/>
+          <a:ext cx="0" cy="0"/>
+          <a:chOff x="0" y="0"/>
+          <a:chExt cx="0" cy="0"/>
+        </a:xfrm>
+      </p:grpSpPr>
+      <p:sp>
+        <p:nvSpPr>
+          <p:cNvPr id="2" name="Title 1">
+            <a:extLst>
+              <a:ext uri="{FF2B5EF4-FFF2-40B4-BE49-F238E27FC236}">
+                <a16:creationId xmlns:a16="http://schemas.microsoft.com/office/drawing/2014/main" id="{9DBC78A4-3799-2C4E-AC86-A301ADFE7F98}"/>
+              </a:ext>
+            </a:extLst>
+          </p:cNvPr>
+          <p:cNvSpPr>
+            <a:spLocks noGrp="1"/>
+          </p:cNvSpPr>
+          <p:nvPr>
+            <p:ph type="title"/>
+          </p:nvPr>
+        </p:nvSpPr>
+        <p:spPr>
+          <a:xfrm>
+            <a:off x="1484310" y="622006"/>
+            <a:ext cx="10018713" cy="1036673"/>
+          </a:xfrm>
+        </p:spPr>
+        <p:txBody>
+          <a:bodyPr/>
+          <a:lstStyle/>
+          <a:p>
+            <a:r>
+              <a:rPr lang="en-US" dirty="0"/>
+              <a:t>Functional Programming in TypeScript</a:t>
+            </a:r>
+          </a:p>
+        </p:txBody>
+      </p:sp>
+      <p:sp>
+        <p:nvSpPr>
+          <p:cNvPr id="3" name="Content Placeholder 2">
+            <a:extLst>
+              <a:ext uri="{FF2B5EF4-FFF2-40B4-BE49-F238E27FC236}">
+                <a16:creationId xmlns:a16="http://schemas.microsoft.com/office/drawing/2014/main" id="{99B02452-90E9-474D-9F4E-672C1FFA2208}"/>
+              </a:ext>
+            </a:extLst>
+          </p:cNvPr>
+          <p:cNvSpPr>
+            <a:spLocks noGrp="1"/>
+          </p:cNvSpPr>
+          <p:nvPr>
+            <p:ph idx="1"/>
+          </p:nvPr>
+        </p:nvSpPr>
+        <p:spPr>
+          <a:xfrm>
+            <a:off x="1484310" y="1871331"/>
+            <a:ext cx="10018713" cy="3919870"/>
+          </a:xfrm>
+        </p:spPr>
+        <p:txBody>
+          <a:bodyPr>
+            <a:normAutofit fontScale="85000" lnSpcReduction="20000"/>
+          </a:bodyPr>
+          <a:lstStyle/>
+          <a:p>
+            <a:r>
+              <a:rPr lang="en-US" b="1" dirty="0"/>
+              <a:t>First-class and higher-order functions</a:t>
+            </a:r>
+          </a:p>
+          <a:p>
+            <a:pPr marL="457200" lvl="1" indent="0">
+              <a:buNone/>
+            </a:pPr>
+            <a:r>
+              <a:rPr lang="en-US" dirty="0"/>
+              <a:t>First-class functions(function as a first-class citizen) means you can assign functions to variables, pass a function as an argument to another function or return a function from another.</a:t>
+            </a:r>
+          </a:p>
+          <a:p>
+            <a:r>
+              <a:rPr lang="en-US" b="1" dirty="0"/>
+              <a:t>Pure functions</a:t>
+            </a:r>
+          </a:p>
+          <a:p>
+            <a:pPr marL="457200" lvl="1" indent="0">
+              <a:buNone/>
+            </a:pPr>
+            <a:r>
+              <a:rPr lang="en-US" dirty="0"/>
+              <a:t>a pure function should return values only based on the arguments passed and should not affect or depend on global state.</a:t>
+            </a:r>
+            <a:endParaRPr lang="en-US" b="1" dirty="0"/>
+          </a:p>
+          <a:p>
+            <a:r>
+              <a:rPr lang="en-US" b="1" dirty="0"/>
+              <a:t>Recursion</a:t>
+            </a:r>
+          </a:p>
+          <a:p>
+            <a:pPr marL="457200" lvl="1" indent="0">
+              <a:buNone/>
+            </a:pPr>
+            <a:r>
+              <a:rPr lang="en-US" dirty="0"/>
+              <a:t>Functional programming favors recursion over looping. The downside of the recursive approach is that it will be slower compared to an iterative approach most of the times.</a:t>
+            </a:r>
+          </a:p>
+          <a:p>
+            <a:r>
+              <a:rPr lang="en-US" b="1" dirty="0"/>
+              <a:t>Lazy evaluation</a:t>
+            </a:r>
+          </a:p>
+          <a:p>
+            <a:pPr marL="457200" lvl="1" indent="0">
+              <a:buNone/>
+            </a:pPr>
+            <a:r>
+              <a:rPr lang="en-US" dirty="0"/>
+              <a:t>Lazy evaluation or non-strict evaluation is the process of delaying evaluation of an expression until it is needed.</a:t>
+            </a:r>
+            <a:endParaRPr lang="en-US" b="1" dirty="0"/>
+          </a:p>
+        </p:txBody>
+      </p:sp>
+    </p:spTree>
+    <p:extLst>
+      <p:ext uri="{BB962C8B-B14F-4D97-AF65-F5344CB8AC3E}">
+        <p14:creationId xmlns:p14="http://schemas.microsoft.com/office/powerpoint/2010/main" val="873323759"/>
       </p:ext>
     </p:extLst>
   </p:cSld>

--- a/PPT/Group02-Component1.pptx
+++ b/PPT/Group02-Component1.pptx
@@ -6895,10 +6895,10 @@
           <p:cNvPr id="47" name="Group 31">
             <a:extLst>
               <a:ext uri="{FF2B5EF4-FFF2-40B4-BE49-F238E27FC236}">
-                <a16:creationId xmlns="" xmlns:a16="http://schemas.microsoft.com/office/drawing/2014/main" id="{260ACC13-B825-49F3-93DE-C8B8F2FA37A1}"/>
+                <a16:creationId xmlns:a16="http://schemas.microsoft.com/office/drawing/2014/main" xmlns="" id="{260ACC13-B825-49F3-93DE-C8B8F2FA37A1}"/>
               </a:ext>
               <a:ext uri="{C183D7F6-B498-43B3-948B-1728B52AA6E4}">
-                <adec:decorative xmlns="" xmlns:adec="http://schemas.microsoft.com/office/drawing/2017/decorative" val="1"/>
+                <adec:decorative xmlns:adec="http://schemas.microsoft.com/office/drawing/2017/decorative" xmlns="" val="1"/>
               </a:ext>
             </a:extLst>
           </p:cNvPr>
@@ -6908,7 +6908,7 @@
           <p:nvPr>
             <p:extLst>
               <p:ext uri="{386F3935-93C4-4BCD-93E2-E3B085C9AB24}">
-                <p16:designElem xmlns="" xmlns:p16="http://schemas.microsoft.com/office/powerpoint/2015/main" val="1"/>
+                <p16:designElem xmlns:p16="http://schemas.microsoft.com/office/powerpoint/2015/main" xmlns="" val="1"/>
               </p:ext>
             </p:extLst>
           </p:nvPr>
@@ -6926,10 +6926,10 @@
             <p:cNvPr id="33" name="Freeform 6">
               <a:extLst>
                 <a:ext uri="{FF2B5EF4-FFF2-40B4-BE49-F238E27FC236}">
-                  <a16:creationId xmlns="" xmlns:a16="http://schemas.microsoft.com/office/drawing/2014/main" id="{F947B31F-CA03-4793-845D-FD86BABC1A18}"/>
+                  <a16:creationId xmlns:a16="http://schemas.microsoft.com/office/drawing/2014/main" xmlns="" id="{F947B31F-CA03-4793-845D-FD86BABC1A18}"/>
                 </a:ext>
                 <a:ext uri="{C183D7F6-B498-43B3-948B-1728B52AA6E4}">
-                  <adec:decorative xmlns="" xmlns:adec="http://schemas.microsoft.com/office/drawing/2017/decorative" val="1"/>
+                  <adec:decorative xmlns:adec="http://schemas.microsoft.com/office/drawing/2017/decorative" xmlns="" val="1"/>
                 </a:ext>
               </a:extLst>
             </p:cNvPr>
@@ -6937,7 +6937,7 @@
             <p:nvPr>
               <p:extLst>
                 <p:ext uri="{386F3935-93C4-4BCD-93E2-E3B085C9AB24}">
-                  <p16:designElem xmlns="" xmlns:p16="http://schemas.microsoft.com/office/powerpoint/2015/main" val="1"/>
+                  <p16:designElem xmlns:p16="http://schemas.microsoft.com/office/powerpoint/2015/main" xmlns="" val="1"/>
                 </p:ext>
               </p:extLst>
             </p:nvPr>
@@ -6987,10 +6987,10 @@
             <p:cNvPr id="34" name="Freeform 7">
               <a:extLst>
                 <a:ext uri="{FF2B5EF4-FFF2-40B4-BE49-F238E27FC236}">
-                  <a16:creationId xmlns="" xmlns:a16="http://schemas.microsoft.com/office/drawing/2014/main" id="{DCDDE94D-F78C-4A48-AEA6-E922FC99A159}"/>
+                  <a16:creationId xmlns:a16="http://schemas.microsoft.com/office/drawing/2014/main" xmlns="" id="{DCDDE94D-F78C-4A48-AEA6-E922FC99A159}"/>
                 </a:ext>
                 <a:ext uri="{C183D7F6-B498-43B3-948B-1728B52AA6E4}">
-                  <adec:decorative xmlns="" xmlns:adec="http://schemas.microsoft.com/office/drawing/2017/decorative" val="1"/>
+                  <adec:decorative xmlns:adec="http://schemas.microsoft.com/office/drawing/2017/decorative" xmlns="" val="1"/>
                 </a:ext>
               </a:extLst>
             </p:cNvPr>
@@ -6998,7 +6998,7 @@
             <p:nvPr>
               <p:extLst>
                 <p:ext uri="{386F3935-93C4-4BCD-93E2-E3B085C9AB24}">
-                  <p16:designElem xmlns="" xmlns:p16="http://schemas.microsoft.com/office/powerpoint/2015/main" val="1"/>
+                  <p16:designElem xmlns:p16="http://schemas.microsoft.com/office/powerpoint/2015/main" xmlns="" val="1"/>
                 </p:ext>
               </p:extLst>
             </p:nvPr>
@@ -7051,10 +7051,10 @@
             <p:cNvPr id="35" name="Freeform 8">
               <a:extLst>
                 <a:ext uri="{FF2B5EF4-FFF2-40B4-BE49-F238E27FC236}">
-                  <a16:creationId xmlns="" xmlns:a16="http://schemas.microsoft.com/office/drawing/2014/main" id="{3445A886-F3CA-4DE4-90D7-535F9707B799}"/>
+                  <a16:creationId xmlns:a16="http://schemas.microsoft.com/office/drawing/2014/main" xmlns="" id="{3445A886-F3CA-4DE4-90D7-535F9707B799}"/>
                 </a:ext>
                 <a:ext uri="{C183D7F6-B498-43B3-948B-1728B52AA6E4}">
-                  <adec:decorative xmlns="" xmlns:adec="http://schemas.microsoft.com/office/drawing/2017/decorative" val="1"/>
+                  <adec:decorative xmlns:adec="http://schemas.microsoft.com/office/drawing/2017/decorative" xmlns="" val="1"/>
                 </a:ext>
               </a:extLst>
             </p:cNvPr>
@@ -7062,7 +7062,7 @@
             <p:nvPr>
               <p:extLst>
                 <p:ext uri="{386F3935-93C4-4BCD-93E2-E3B085C9AB24}">
-                  <p16:designElem xmlns="" xmlns:p16="http://schemas.microsoft.com/office/powerpoint/2015/main" val="1"/>
+                  <p16:designElem xmlns:p16="http://schemas.microsoft.com/office/powerpoint/2015/main" xmlns="" val="1"/>
                 </p:ext>
               </p:extLst>
             </p:nvPr>
@@ -7112,10 +7112,10 @@
             <p:cNvPr id="36" name="Freeform 9">
               <a:extLst>
                 <a:ext uri="{FF2B5EF4-FFF2-40B4-BE49-F238E27FC236}">
-                  <a16:creationId xmlns="" xmlns:a16="http://schemas.microsoft.com/office/drawing/2014/main" id="{A8999CB6-C053-418B-AE37-E470804D251D}"/>
+                  <a16:creationId xmlns:a16="http://schemas.microsoft.com/office/drawing/2014/main" xmlns="" id="{A8999CB6-C053-418B-AE37-E470804D251D}"/>
                 </a:ext>
                 <a:ext uri="{C183D7F6-B498-43B3-948B-1728B52AA6E4}">
-                  <adec:decorative xmlns="" xmlns:adec="http://schemas.microsoft.com/office/drawing/2017/decorative" val="1"/>
+                  <adec:decorative xmlns:adec="http://schemas.microsoft.com/office/drawing/2017/decorative" xmlns="" val="1"/>
                 </a:ext>
               </a:extLst>
             </p:cNvPr>
@@ -7123,7 +7123,7 @@
             <p:nvPr>
               <p:extLst>
                 <p:ext uri="{386F3935-93C4-4BCD-93E2-E3B085C9AB24}">
-                  <p16:designElem xmlns="" xmlns:p16="http://schemas.microsoft.com/office/powerpoint/2015/main" val="1"/>
+                  <p16:designElem xmlns:p16="http://schemas.microsoft.com/office/powerpoint/2015/main" xmlns="" val="1"/>
                 </p:ext>
               </p:extLst>
             </p:nvPr>
@@ -7172,10 +7172,10 @@
             <p:cNvPr id="37" name="Freeform 10">
               <a:extLst>
                 <a:ext uri="{FF2B5EF4-FFF2-40B4-BE49-F238E27FC236}">
-                  <a16:creationId xmlns="" xmlns:a16="http://schemas.microsoft.com/office/drawing/2014/main" id="{81EA3E26-BFCD-4396-AE8A-2A9828BFFBA2}"/>
+                  <a16:creationId xmlns:a16="http://schemas.microsoft.com/office/drawing/2014/main" xmlns="" id="{81EA3E26-BFCD-4396-AE8A-2A9828BFFBA2}"/>
                 </a:ext>
                 <a:ext uri="{C183D7F6-B498-43B3-948B-1728B52AA6E4}">
-                  <adec:decorative xmlns="" xmlns:adec="http://schemas.microsoft.com/office/drawing/2017/decorative" val="1"/>
+                  <adec:decorative xmlns:adec="http://schemas.microsoft.com/office/drawing/2017/decorative" xmlns="" val="1"/>
                 </a:ext>
               </a:extLst>
             </p:cNvPr>
@@ -7183,7 +7183,7 @@
             <p:nvPr>
               <p:extLst>
                 <p:ext uri="{386F3935-93C4-4BCD-93E2-E3B085C9AB24}">
-                  <p16:designElem xmlns="" xmlns:p16="http://schemas.microsoft.com/office/powerpoint/2015/main" val="1"/>
+                  <p16:designElem xmlns:p16="http://schemas.microsoft.com/office/powerpoint/2015/main" xmlns="" val="1"/>
                 </p:ext>
               </p:extLst>
             </p:nvPr>
@@ -7238,10 +7238,10 @@
             <p:cNvPr id="38" name="Freeform 11">
               <a:extLst>
                 <a:ext uri="{FF2B5EF4-FFF2-40B4-BE49-F238E27FC236}">
-                  <a16:creationId xmlns="" xmlns:a16="http://schemas.microsoft.com/office/drawing/2014/main" id="{5F9BC582-73A6-4D8A-8738-E36476489351}"/>
+                  <a16:creationId xmlns:a16="http://schemas.microsoft.com/office/drawing/2014/main" xmlns="" id="{5F9BC582-73A6-4D8A-8738-E36476489351}"/>
                 </a:ext>
                 <a:ext uri="{C183D7F6-B498-43B3-948B-1728B52AA6E4}">
-                  <adec:decorative xmlns="" xmlns:adec="http://schemas.microsoft.com/office/drawing/2017/decorative" val="1"/>
+                  <adec:decorative xmlns:adec="http://schemas.microsoft.com/office/drawing/2017/decorative" xmlns="" val="1"/>
                 </a:ext>
               </a:extLst>
             </p:cNvPr>
@@ -7249,7 +7249,7 @@
             <p:nvPr>
               <p:extLst>
                 <p:ext uri="{386F3935-93C4-4BCD-93E2-E3B085C9AB24}">
-                  <p16:designElem xmlns="" xmlns:p16="http://schemas.microsoft.com/office/powerpoint/2015/main" val="1"/>
+                  <p16:designElem xmlns:p16="http://schemas.microsoft.com/office/powerpoint/2015/main" xmlns="" val="1"/>
                 </p:ext>
               </p:extLst>
             </p:nvPr>
@@ -7318,10 +7318,10 @@
           <p:cNvPr id="40" name="Group 39">
             <a:extLst>
               <a:ext uri="{FF2B5EF4-FFF2-40B4-BE49-F238E27FC236}">
-                <a16:creationId xmlns="" xmlns:a16="http://schemas.microsoft.com/office/drawing/2014/main" id="{A2E861A3-F23C-46B8-A38A-4A22E453D993}"/>
+                <a16:creationId xmlns:a16="http://schemas.microsoft.com/office/drawing/2014/main" xmlns="" id="{A2E861A3-F23C-46B8-A38A-4A22E453D993}"/>
               </a:ext>
               <a:ext uri="{C183D7F6-B498-43B3-948B-1728B52AA6E4}">
-                <adec:decorative xmlns="" xmlns:adec="http://schemas.microsoft.com/office/drawing/2017/decorative" val="1"/>
+                <adec:decorative xmlns:adec="http://schemas.microsoft.com/office/drawing/2017/decorative" xmlns="" val="1"/>
               </a:ext>
             </a:extLst>
           </p:cNvPr>
@@ -7331,7 +7331,7 @@
           <p:nvPr>
             <p:extLst>
               <p:ext uri="{386F3935-93C4-4BCD-93E2-E3B085C9AB24}">
-                <p16:designElem xmlns="" xmlns:p16="http://schemas.microsoft.com/office/powerpoint/2015/main" val="1"/>
+                <p16:designElem xmlns:p16="http://schemas.microsoft.com/office/powerpoint/2015/main" xmlns="" val="1"/>
               </p:ext>
             </p:extLst>
           </p:nvPr>
@@ -7349,10 +7349,10 @@
             <p:cNvPr id="41" name="Freeform 6">
               <a:extLst>
                 <a:ext uri="{FF2B5EF4-FFF2-40B4-BE49-F238E27FC236}">
-                  <a16:creationId xmlns="" xmlns:a16="http://schemas.microsoft.com/office/drawing/2014/main" id="{8BC3D220-643B-4160-B5A9-59DF5D21F410}"/>
+                  <a16:creationId xmlns:a16="http://schemas.microsoft.com/office/drawing/2014/main" xmlns="" id="{8BC3D220-643B-4160-B5A9-59DF5D21F410}"/>
                 </a:ext>
                 <a:ext uri="{C183D7F6-B498-43B3-948B-1728B52AA6E4}">
-                  <adec:decorative xmlns="" xmlns:adec="http://schemas.microsoft.com/office/drawing/2017/decorative" val="1"/>
+                  <adec:decorative xmlns:adec="http://schemas.microsoft.com/office/drawing/2017/decorative" xmlns="" val="1"/>
                 </a:ext>
               </a:extLst>
             </p:cNvPr>
@@ -7360,7 +7360,7 @@
             <p:nvPr>
               <p:extLst>
                 <p:ext uri="{386F3935-93C4-4BCD-93E2-E3B085C9AB24}">
-                  <p16:designElem xmlns="" xmlns:p16="http://schemas.microsoft.com/office/powerpoint/2015/main" val="1"/>
+                  <p16:designElem xmlns:p16="http://schemas.microsoft.com/office/powerpoint/2015/main" xmlns="" val="1"/>
                 </p:ext>
               </p:extLst>
             </p:nvPr>
@@ -7410,10 +7410,10 @@
             <p:cNvPr id="42" name="Freeform 7">
               <a:extLst>
                 <a:ext uri="{FF2B5EF4-FFF2-40B4-BE49-F238E27FC236}">
-                  <a16:creationId xmlns="" xmlns:a16="http://schemas.microsoft.com/office/drawing/2014/main" id="{B92237DE-D518-4625-8392-66D7084588A0}"/>
+                  <a16:creationId xmlns:a16="http://schemas.microsoft.com/office/drawing/2014/main" xmlns="" id="{B92237DE-D518-4625-8392-66D7084588A0}"/>
                 </a:ext>
                 <a:ext uri="{C183D7F6-B498-43B3-948B-1728B52AA6E4}">
-                  <adec:decorative xmlns="" xmlns:adec="http://schemas.microsoft.com/office/drawing/2017/decorative" val="1"/>
+                  <adec:decorative xmlns:adec="http://schemas.microsoft.com/office/drawing/2017/decorative" xmlns="" val="1"/>
                 </a:ext>
               </a:extLst>
             </p:cNvPr>
@@ -7421,7 +7421,7 @@
             <p:nvPr>
               <p:extLst>
                 <p:ext uri="{386F3935-93C4-4BCD-93E2-E3B085C9AB24}">
-                  <p16:designElem xmlns="" xmlns:p16="http://schemas.microsoft.com/office/powerpoint/2015/main" val="1"/>
+                  <p16:designElem xmlns:p16="http://schemas.microsoft.com/office/powerpoint/2015/main" xmlns="" val="1"/>
                 </p:ext>
               </p:extLst>
             </p:nvPr>
@@ -7474,10 +7474,10 @@
             <p:cNvPr id="43" name="Freeform 8">
               <a:extLst>
                 <a:ext uri="{FF2B5EF4-FFF2-40B4-BE49-F238E27FC236}">
-                  <a16:creationId xmlns="" xmlns:a16="http://schemas.microsoft.com/office/drawing/2014/main" id="{F290F0DD-E80A-4263-94E1-A41F57D84CC5}"/>
+                  <a16:creationId xmlns:a16="http://schemas.microsoft.com/office/drawing/2014/main" xmlns="" id="{F290F0DD-E80A-4263-94E1-A41F57D84CC5}"/>
                 </a:ext>
                 <a:ext uri="{C183D7F6-B498-43B3-948B-1728B52AA6E4}">
-                  <adec:decorative xmlns="" xmlns:adec="http://schemas.microsoft.com/office/drawing/2017/decorative" val="1"/>
+                  <adec:decorative xmlns:adec="http://schemas.microsoft.com/office/drawing/2017/decorative" xmlns="" val="1"/>
                 </a:ext>
               </a:extLst>
             </p:cNvPr>
@@ -7485,7 +7485,7 @@
             <p:nvPr>
               <p:extLst>
                 <p:ext uri="{386F3935-93C4-4BCD-93E2-E3B085C9AB24}">
-                  <p16:designElem xmlns="" xmlns:p16="http://schemas.microsoft.com/office/powerpoint/2015/main" val="1"/>
+                  <p16:designElem xmlns:p16="http://schemas.microsoft.com/office/powerpoint/2015/main" xmlns="" val="1"/>
                 </p:ext>
               </p:extLst>
             </p:nvPr>
@@ -7535,10 +7535,10 @@
             <p:cNvPr id="44" name="Freeform 9">
               <a:extLst>
                 <a:ext uri="{FF2B5EF4-FFF2-40B4-BE49-F238E27FC236}">
-                  <a16:creationId xmlns="" xmlns:a16="http://schemas.microsoft.com/office/drawing/2014/main" id="{D78EA7D2-CCEA-435E-873D-36BF0522FFED}"/>
+                  <a16:creationId xmlns:a16="http://schemas.microsoft.com/office/drawing/2014/main" xmlns="" id="{D78EA7D2-CCEA-435E-873D-36BF0522FFED}"/>
                 </a:ext>
                 <a:ext uri="{C183D7F6-B498-43B3-948B-1728B52AA6E4}">
-                  <adec:decorative xmlns="" xmlns:adec="http://schemas.microsoft.com/office/drawing/2017/decorative" val="1"/>
+                  <adec:decorative xmlns:adec="http://schemas.microsoft.com/office/drawing/2017/decorative" xmlns="" val="1"/>
                 </a:ext>
               </a:extLst>
             </p:cNvPr>
@@ -7546,7 +7546,7 @@
             <p:nvPr>
               <p:extLst>
                 <p:ext uri="{386F3935-93C4-4BCD-93E2-E3B085C9AB24}">
-                  <p16:designElem xmlns="" xmlns:p16="http://schemas.microsoft.com/office/powerpoint/2015/main" val="1"/>
+                  <p16:designElem xmlns:p16="http://schemas.microsoft.com/office/powerpoint/2015/main" xmlns="" val="1"/>
                 </p:ext>
               </p:extLst>
             </p:nvPr>
@@ -7595,10 +7595,10 @@
             <p:cNvPr id="45" name="Freeform 10">
               <a:extLst>
                 <a:ext uri="{FF2B5EF4-FFF2-40B4-BE49-F238E27FC236}">
-                  <a16:creationId xmlns="" xmlns:a16="http://schemas.microsoft.com/office/drawing/2014/main" id="{9DFA731E-D6BB-42CC-AA05-64023DC81FE6}"/>
+                  <a16:creationId xmlns:a16="http://schemas.microsoft.com/office/drawing/2014/main" xmlns="" id="{9DFA731E-D6BB-42CC-AA05-64023DC81FE6}"/>
                 </a:ext>
                 <a:ext uri="{C183D7F6-B498-43B3-948B-1728B52AA6E4}">
-                  <adec:decorative xmlns="" xmlns:adec="http://schemas.microsoft.com/office/drawing/2017/decorative" val="1"/>
+                  <adec:decorative xmlns:adec="http://schemas.microsoft.com/office/drawing/2017/decorative" xmlns="" val="1"/>
                 </a:ext>
               </a:extLst>
             </p:cNvPr>
@@ -7606,7 +7606,7 @@
             <p:nvPr>
               <p:extLst>
                 <p:ext uri="{386F3935-93C4-4BCD-93E2-E3B085C9AB24}">
-                  <p16:designElem xmlns="" xmlns:p16="http://schemas.microsoft.com/office/powerpoint/2015/main" val="1"/>
+                  <p16:designElem xmlns:p16="http://schemas.microsoft.com/office/powerpoint/2015/main" xmlns="" val="1"/>
                 </p:ext>
               </p:extLst>
             </p:nvPr>
@@ -7661,10 +7661,10 @@
             <p:cNvPr id="46" name="Freeform 11">
               <a:extLst>
                 <a:ext uri="{FF2B5EF4-FFF2-40B4-BE49-F238E27FC236}">
-                  <a16:creationId xmlns="" xmlns:a16="http://schemas.microsoft.com/office/drawing/2014/main" id="{B00D0483-90FB-4EB4-9770-CA8A310D503B}"/>
+                  <a16:creationId xmlns:a16="http://schemas.microsoft.com/office/drawing/2014/main" xmlns="" id="{B00D0483-90FB-4EB4-9770-CA8A310D503B}"/>
                 </a:ext>
                 <a:ext uri="{C183D7F6-B498-43B3-948B-1728B52AA6E4}">
-                  <adec:decorative xmlns="" xmlns:adec="http://schemas.microsoft.com/office/drawing/2017/decorative" val="1"/>
+                  <adec:decorative xmlns:adec="http://schemas.microsoft.com/office/drawing/2017/decorative" xmlns="" val="1"/>
                 </a:ext>
               </a:extLst>
             </p:cNvPr>
@@ -7672,7 +7672,7 @@
             <p:nvPr>
               <p:extLst>
                 <p:ext uri="{386F3935-93C4-4BCD-93E2-E3B085C9AB24}">
-                  <p16:designElem xmlns="" xmlns:p16="http://schemas.microsoft.com/office/powerpoint/2015/main" val="1"/>
+                  <p16:designElem xmlns:p16="http://schemas.microsoft.com/office/powerpoint/2015/main" xmlns="" val="1"/>
                 </p:ext>
               </p:extLst>
             </p:nvPr>
@@ -7741,7 +7741,7 @@
           <p:cNvPr id="2" name="Title 1">
             <a:extLst>
               <a:ext uri="{FF2B5EF4-FFF2-40B4-BE49-F238E27FC236}">
-                <a16:creationId xmlns="" xmlns:a16="http://schemas.microsoft.com/office/drawing/2014/main" id="{339A428F-DE24-F24B-B03E-D8A9E51064E5}"/>
+                <a16:creationId xmlns:a16="http://schemas.microsoft.com/office/drawing/2014/main" xmlns="" id="{339A428F-DE24-F24B-B03E-D8A9E51064E5}"/>
               </a:ext>
             </a:extLst>
           </p:cNvPr>
@@ -7781,10 +7781,10 @@
           <p:cNvPr id="48" name="Rounded Rectangle 16">
             <a:extLst>
               <a:ext uri="{FF2B5EF4-FFF2-40B4-BE49-F238E27FC236}">
-                <a16:creationId xmlns="" xmlns:a16="http://schemas.microsoft.com/office/drawing/2014/main" id="{DD7EED39-224E-4230-8FD1-B1E1AF6C6E36}"/>
+                <a16:creationId xmlns:a16="http://schemas.microsoft.com/office/drawing/2014/main" xmlns="" id="{DD7EED39-224E-4230-8FD1-B1E1AF6C6E36}"/>
               </a:ext>
               <a:ext uri="{C183D7F6-B498-43B3-948B-1728B52AA6E4}">
-                <adec:decorative xmlns="" xmlns:adec="http://schemas.microsoft.com/office/drawing/2017/decorative" val="1"/>
+                <adec:decorative xmlns:adec="http://schemas.microsoft.com/office/drawing/2017/decorative" xmlns="" val="1"/>
               </a:ext>
             </a:extLst>
           </p:cNvPr>
@@ -7794,7 +7794,7 @@
           <p:nvPr>
             <p:extLst>
               <p:ext uri="{386F3935-93C4-4BCD-93E2-E3B085C9AB24}">
-                <p16:designElem xmlns="" xmlns:p16="http://schemas.microsoft.com/office/powerpoint/2015/main" val="1"/>
+                <p16:designElem xmlns:p16="http://schemas.microsoft.com/office/powerpoint/2015/main" xmlns="" val="1"/>
               </p:ext>
             </p:extLst>
           </p:nvPr>
@@ -7866,7 +7866,7 @@
           <p:cNvPr id="20" name="TextBox 19">
             <a:extLst>
               <a:ext uri="{FF2B5EF4-FFF2-40B4-BE49-F238E27FC236}">
-                <a16:creationId xmlns="" xmlns:a16="http://schemas.microsoft.com/office/drawing/2014/main" id="{0983CF5F-AED5-EA43-B332-EF09D66427D2}"/>
+                <a16:creationId xmlns:a16="http://schemas.microsoft.com/office/drawing/2014/main" xmlns="" id="{0983CF5F-AED5-EA43-B332-EF09D66427D2}"/>
               </a:ext>
             </a:extLst>
           </p:cNvPr>
@@ -8335,10 +8335,10 @@
           <p:cNvPr id="47" name="Group 31">
             <a:extLst>
               <a:ext uri="{FF2B5EF4-FFF2-40B4-BE49-F238E27FC236}">
-                <a16:creationId xmlns="" xmlns:a16="http://schemas.microsoft.com/office/drawing/2014/main" id="{260ACC13-B825-49F3-93DE-C8B8F2FA37A1}"/>
+                <a16:creationId xmlns:a16="http://schemas.microsoft.com/office/drawing/2014/main" xmlns="" id="{260ACC13-B825-49F3-93DE-C8B8F2FA37A1}"/>
               </a:ext>
               <a:ext uri="{C183D7F6-B498-43B3-948B-1728B52AA6E4}">
-                <adec:decorative xmlns="" xmlns:adec="http://schemas.microsoft.com/office/drawing/2017/decorative" val="1"/>
+                <adec:decorative xmlns:adec="http://schemas.microsoft.com/office/drawing/2017/decorative" xmlns="" val="1"/>
               </a:ext>
             </a:extLst>
           </p:cNvPr>
@@ -8348,7 +8348,7 @@
           <p:nvPr>
             <p:extLst>
               <p:ext uri="{386F3935-93C4-4BCD-93E2-E3B085C9AB24}">
-                <p16:designElem xmlns="" xmlns:p16="http://schemas.microsoft.com/office/powerpoint/2015/main" val="1"/>
+                <p16:designElem xmlns:p16="http://schemas.microsoft.com/office/powerpoint/2015/main" xmlns="" val="1"/>
               </p:ext>
             </p:extLst>
           </p:nvPr>
@@ -8366,10 +8366,10 @@
             <p:cNvPr id="33" name="Freeform 6">
               <a:extLst>
                 <a:ext uri="{FF2B5EF4-FFF2-40B4-BE49-F238E27FC236}">
-                  <a16:creationId xmlns="" xmlns:a16="http://schemas.microsoft.com/office/drawing/2014/main" id="{F947B31F-CA03-4793-845D-FD86BABC1A18}"/>
+                  <a16:creationId xmlns:a16="http://schemas.microsoft.com/office/drawing/2014/main" xmlns="" id="{F947B31F-CA03-4793-845D-FD86BABC1A18}"/>
                 </a:ext>
                 <a:ext uri="{C183D7F6-B498-43B3-948B-1728B52AA6E4}">
-                  <adec:decorative xmlns="" xmlns:adec="http://schemas.microsoft.com/office/drawing/2017/decorative" val="1"/>
+                  <adec:decorative xmlns:adec="http://schemas.microsoft.com/office/drawing/2017/decorative" xmlns="" val="1"/>
                 </a:ext>
               </a:extLst>
             </p:cNvPr>
@@ -8377,7 +8377,7 @@
             <p:nvPr>
               <p:extLst>
                 <p:ext uri="{386F3935-93C4-4BCD-93E2-E3B085C9AB24}">
-                  <p16:designElem xmlns="" xmlns:p16="http://schemas.microsoft.com/office/powerpoint/2015/main" val="1"/>
+                  <p16:designElem xmlns:p16="http://schemas.microsoft.com/office/powerpoint/2015/main" xmlns="" val="1"/>
                 </p:ext>
               </p:extLst>
             </p:nvPr>
@@ -8427,10 +8427,10 @@
             <p:cNvPr id="34" name="Freeform 7">
               <a:extLst>
                 <a:ext uri="{FF2B5EF4-FFF2-40B4-BE49-F238E27FC236}">
-                  <a16:creationId xmlns="" xmlns:a16="http://schemas.microsoft.com/office/drawing/2014/main" id="{DCDDE94D-F78C-4A48-AEA6-E922FC99A159}"/>
+                  <a16:creationId xmlns:a16="http://schemas.microsoft.com/office/drawing/2014/main" xmlns="" id="{DCDDE94D-F78C-4A48-AEA6-E922FC99A159}"/>
                 </a:ext>
                 <a:ext uri="{C183D7F6-B498-43B3-948B-1728B52AA6E4}">
-                  <adec:decorative xmlns="" xmlns:adec="http://schemas.microsoft.com/office/drawing/2017/decorative" val="1"/>
+                  <adec:decorative xmlns:adec="http://schemas.microsoft.com/office/drawing/2017/decorative" xmlns="" val="1"/>
                 </a:ext>
               </a:extLst>
             </p:cNvPr>
@@ -8438,7 +8438,7 @@
             <p:nvPr>
               <p:extLst>
                 <p:ext uri="{386F3935-93C4-4BCD-93E2-E3B085C9AB24}">
-                  <p16:designElem xmlns="" xmlns:p16="http://schemas.microsoft.com/office/powerpoint/2015/main" val="1"/>
+                  <p16:designElem xmlns:p16="http://schemas.microsoft.com/office/powerpoint/2015/main" xmlns="" val="1"/>
                 </p:ext>
               </p:extLst>
             </p:nvPr>
@@ -8491,10 +8491,10 @@
             <p:cNvPr id="35" name="Freeform 8">
               <a:extLst>
                 <a:ext uri="{FF2B5EF4-FFF2-40B4-BE49-F238E27FC236}">
-                  <a16:creationId xmlns="" xmlns:a16="http://schemas.microsoft.com/office/drawing/2014/main" id="{3445A886-F3CA-4DE4-90D7-535F9707B799}"/>
+                  <a16:creationId xmlns:a16="http://schemas.microsoft.com/office/drawing/2014/main" xmlns="" id="{3445A886-F3CA-4DE4-90D7-535F9707B799}"/>
                 </a:ext>
                 <a:ext uri="{C183D7F6-B498-43B3-948B-1728B52AA6E4}">
-                  <adec:decorative xmlns="" xmlns:adec="http://schemas.microsoft.com/office/drawing/2017/decorative" val="1"/>
+                  <adec:decorative xmlns:adec="http://schemas.microsoft.com/office/drawing/2017/decorative" xmlns="" val="1"/>
                 </a:ext>
               </a:extLst>
             </p:cNvPr>
@@ -8502,7 +8502,7 @@
             <p:nvPr>
               <p:extLst>
                 <p:ext uri="{386F3935-93C4-4BCD-93E2-E3B085C9AB24}">
-                  <p16:designElem xmlns="" xmlns:p16="http://schemas.microsoft.com/office/powerpoint/2015/main" val="1"/>
+                  <p16:designElem xmlns:p16="http://schemas.microsoft.com/office/powerpoint/2015/main" xmlns="" val="1"/>
                 </p:ext>
               </p:extLst>
             </p:nvPr>
@@ -8552,10 +8552,10 @@
             <p:cNvPr id="36" name="Freeform 9">
               <a:extLst>
                 <a:ext uri="{FF2B5EF4-FFF2-40B4-BE49-F238E27FC236}">
-                  <a16:creationId xmlns="" xmlns:a16="http://schemas.microsoft.com/office/drawing/2014/main" id="{A8999CB6-C053-418B-AE37-E470804D251D}"/>
+                  <a16:creationId xmlns:a16="http://schemas.microsoft.com/office/drawing/2014/main" xmlns="" id="{A8999CB6-C053-418B-AE37-E470804D251D}"/>
                 </a:ext>
                 <a:ext uri="{C183D7F6-B498-43B3-948B-1728B52AA6E4}">
-                  <adec:decorative xmlns="" xmlns:adec="http://schemas.microsoft.com/office/drawing/2017/decorative" val="1"/>
+                  <adec:decorative xmlns:adec="http://schemas.microsoft.com/office/drawing/2017/decorative" xmlns="" val="1"/>
                 </a:ext>
               </a:extLst>
             </p:cNvPr>
@@ -8563,7 +8563,7 @@
             <p:nvPr>
               <p:extLst>
                 <p:ext uri="{386F3935-93C4-4BCD-93E2-E3B085C9AB24}">
-                  <p16:designElem xmlns="" xmlns:p16="http://schemas.microsoft.com/office/powerpoint/2015/main" val="1"/>
+                  <p16:designElem xmlns:p16="http://schemas.microsoft.com/office/powerpoint/2015/main" xmlns="" val="1"/>
                 </p:ext>
               </p:extLst>
             </p:nvPr>
@@ -8612,10 +8612,10 @@
             <p:cNvPr id="37" name="Freeform 10">
               <a:extLst>
                 <a:ext uri="{FF2B5EF4-FFF2-40B4-BE49-F238E27FC236}">
-                  <a16:creationId xmlns="" xmlns:a16="http://schemas.microsoft.com/office/drawing/2014/main" id="{81EA3E26-BFCD-4396-AE8A-2A9828BFFBA2}"/>
+                  <a16:creationId xmlns:a16="http://schemas.microsoft.com/office/drawing/2014/main" xmlns="" id="{81EA3E26-BFCD-4396-AE8A-2A9828BFFBA2}"/>
                 </a:ext>
                 <a:ext uri="{C183D7F6-B498-43B3-948B-1728B52AA6E4}">
-                  <adec:decorative xmlns="" xmlns:adec="http://schemas.microsoft.com/office/drawing/2017/decorative" val="1"/>
+                  <adec:decorative xmlns:adec="http://schemas.microsoft.com/office/drawing/2017/decorative" xmlns="" val="1"/>
                 </a:ext>
               </a:extLst>
             </p:cNvPr>
@@ -8623,7 +8623,7 @@
             <p:nvPr>
               <p:extLst>
                 <p:ext uri="{386F3935-93C4-4BCD-93E2-E3B085C9AB24}">
-                  <p16:designElem xmlns="" xmlns:p16="http://schemas.microsoft.com/office/powerpoint/2015/main" val="1"/>
+                  <p16:designElem xmlns:p16="http://schemas.microsoft.com/office/powerpoint/2015/main" xmlns="" val="1"/>
                 </p:ext>
               </p:extLst>
             </p:nvPr>
@@ -8678,10 +8678,10 @@
             <p:cNvPr id="38" name="Freeform 11">
               <a:extLst>
                 <a:ext uri="{FF2B5EF4-FFF2-40B4-BE49-F238E27FC236}">
-                  <a16:creationId xmlns="" xmlns:a16="http://schemas.microsoft.com/office/drawing/2014/main" id="{5F9BC582-73A6-4D8A-8738-E36476489351}"/>
+                  <a16:creationId xmlns:a16="http://schemas.microsoft.com/office/drawing/2014/main" xmlns="" id="{5F9BC582-73A6-4D8A-8738-E36476489351}"/>
                 </a:ext>
                 <a:ext uri="{C183D7F6-B498-43B3-948B-1728B52AA6E4}">
-                  <adec:decorative xmlns="" xmlns:adec="http://schemas.microsoft.com/office/drawing/2017/decorative" val="1"/>
+                  <adec:decorative xmlns:adec="http://schemas.microsoft.com/office/drawing/2017/decorative" xmlns="" val="1"/>
                 </a:ext>
               </a:extLst>
             </p:cNvPr>
@@ -8689,7 +8689,7 @@
             <p:nvPr>
               <p:extLst>
                 <p:ext uri="{386F3935-93C4-4BCD-93E2-E3B085C9AB24}">
-                  <p16:designElem xmlns="" xmlns:p16="http://schemas.microsoft.com/office/powerpoint/2015/main" val="1"/>
+                  <p16:designElem xmlns:p16="http://schemas.microsoft.com/office/powerpoint/2015/main" xmlns="" val="1"/>
                 </p:ext>
               </p:extLst>
             </p:nvPr>
@@ -8758,10 +8758,10 @@
           <p:cNvPr id="40" name="Group 39">
             <a:extLst>
               <a:ext uri="{FF2B5EF4-FFF2-40B4-BE49-F238E27FC236}">
-                <a16:creationId xmlns="" xmlns:a16="http://schemas.microsoft.com/office/drawing/2014/main" id="{A2E861A3-F23C-46B8-A38A-4A22E453D993}"/>
+                <a16:creationId xmlns:a16="http://schemas.microsoft.com/office/drawing/2014/main" xmlns="" id="{A2E861A3-F23C-46B8-A38A-4A22E453D993}"/>
               </a:ext>
               <a:ext uri="{C183D7F6-B498-43B3-948B-1728B52AA6E4}">
-                <adec:decorative xmlns="" xmlns:adec="http://schemas.microsoft.com/office/drawing/2017/decorative" val="1"/>
+                <adec:decorative xmlns:adec="http://schemas.microsoft.com/office/drawing/2017/decorative" xmlns="" val="1"/>
               </a:ext>
             </a:extLst>
           </p:cNvPr>
@@ -8771,7 +8771,7 @@
           <p:nvPr>
             <p:extLst>
               <p:ext uri="{386F3935-93C4-4BCD-93E2-E3B085C9AB24}">
-                <p16:designElem xmlns="" xmlns:p16="http://schemas.microsoft.com/office/powerpoint/2015/main" val="1"/>
+                <p16:designElem xmlns:p16="http://schemas.microsoft.com/office/powerpoint/2015/main" xmlns="" val="1"/>
               </p:ext>
             </p:extLst>
           </p:nvPr>
@@ -8789,10 +8789,10 @@
             <p:cNvPr id="41" name="Freeform 6">
               <a:extLst>
                 <a:ext uri="{FF2B5EF4-FFF2-40B4-BE49-F238E27FC236}">
-                  <a16:creationId xmlns="" xmlns:a16="http://schemas.microsoft.com/office/drawing/2014/main" id="{8BC3D220-643B-4160-B5A9-59DF5D21F410}"/>
+                  <a16:creationId xmlns:a16="http://schemas.microsoft.com/office/drawing/2014/main" xmlns="" id="{8BC3D220-643B-4160-B5A9-59DF5D21F410}"/>
                 </a:ext>
                 <a:ext uri="{C183D7F6-B498-43B3-948B-1728B52AA6E4}">
-                  <adec:decorative xmlns="" xmlns:adec="http://schemas.microsoft.com/office/drawing/2017/decorative" val="1"/>
+                  <adec:decorative xmlns:adec="http://schemas.microsoft.com/office/drawing/2017/decorative" xmlns="" val="1"/>
                 </a:ext>
               </a:extLst>
             </p:cNvPr>
@@ -8800,7 +8800,7 @@
             <p:nvPr>
               <p:extLst>
                 <p:ext uri="{386F3935-93C4-4BCD-93E2-E3B085C9AB24}">
-                  <p16:designElem xmlns="" xmlns:p16="http://schemas.microsoft.com/office/powerpoint/2015/main" val="1"/>
+                  <p16:designElem xmlns:p16="http://schemas.microsoft.com/office/powerpoint/2015/main" xmlns="" val="1"/>
                 </p:ext>
               </p:extLst>
             </p:nvPr>
@@ -8850,10 +8850,10 @@
             <p:cNvPr id="42" name="Freeform 7">
               <a:extLst>
                 <a:ext uri="{FF2B5EF4-FFF2-40B4-BE49-F238E27FC236}">
-                  <a16:creationId xmlns="" xmlns:a16="http://schemas.microsoft.com/office/drawing/2014/main" id="{B92237DE-D518-4625-8392-66D7084588A0}"/>
+                  <a16:creationId xmlns:a16="http://schemas.microsoft.com/office/drawing/2014/main" xmlns="" id="{B92237DE-D518-4625-8392-66D7084588A0}"/>
                 </a:ext>
                 <a:ext uri="{C183D7F6-B498-43B3-948B-1728B52AA6E4}">
-                  <adec:decorative xmlns="" xmlns:adec="http://schemas.microsoft.com/office/drawing/2017/decorative" val="1"/>
+                  <adec:decorative xmlns:adec="http://schemas.microsoft.com/office/drawing/2017/decorative" xmlns="" val="1"/>
                 </a:ext>
               </a:extLst>
             </p:cNvPr>
@@ -8861,7 +8861,7 @@
             <p:nvPr>
               <p:extLst>
                 <p:ext uri="{386F3935-93C4-4BCD-93E2-E3B085C9AB24}">
-                  <p16:designElem xmlns="" xmlns:p16="http://schemas.microsoft.com/office/powerpoint/2015/main" val="1"/>
+                  <p16:designElem xmlns:p16="http://schemas.microsoft.com/office/powerpoint/2015/main" xmlns="" val="1"/>
                 </p:ext>
               </p:extLst>
             </p:nvPr>
@@ -8914,10 +8914,10 @@
             <p:cNvPr id="43" name="Freeform 8">
               <a:extLst>
                 <a:ext uri="{FF2B5EF4-FFF2-40B4-BE49-F238E27FC236}">
-                  <a16:creationId xmlns="" xmlns:a16="http://schemas.microsoft.com/office/drawing/2014/main" id="{F290F0DD-E80A-4263-94E1-A41F57D84CC5}"/>
+                  <a16:creationId xmlns:a16="http://schemas.microsoft.com/office/drawing/2014/main" xmlns="" id="{F290F0DD-E80A-4263-94E1-A41F57D84CC5}"/>
                 </a:ext>
                 <a:ext uri="{C183D7F6-B498-43B3-948B-1728B52AA6E4}">
-                  <adec:decorative xmlns="" xmlns:adec="http://schemas.microsoft.com/office/drawing/2017/decorative" val="1"/>
+                  <adec:decorative xmlns:adec="http://schemas.microsoft.com/office/drawing/2017/decorative" xmlns="" val="1"/>
                 </a:ext>
               </a:extLst>
             </p:cNvPr>
@@ -8925,7 +8925,7 @@
             <p:nvPr>
               <p:extLst>
                 <p:ext uri="{386F3935-93C4-4BCD-93E2-E3B085C9AB24}">
-                  <p16:designElem xmlns="" xmlns:p16="http://schemas.microsoft.com/office/powerpoint/2015/main" val="1"/>
+                  <p16:designElem xmlns:p16="http://schemas.microsoft.com/office/powerpoint/2015/main" xmlns="" val="1"/>
                 </p:ext>
               </p:extLst>
             </p:nvPr>
@@ -8975,10 +8975,10 @@
             <p:cNvPr id="44" name="Freeform 9">
               <a:extLst>
                 <a:ext uri="{FF2B5EF4-FFF2-40B4-BE49-F238E27FC236}">
-                  <a16:creationId xmlns="" xmlns:a16="http://schemas.microsoft.com/office/drawing/2014/main" id="{D78EA7D2-CCEA-435E-873D-36BF0522FFED}"/>
+                  <a16:creationId xmlns:a16="http://schemas.microsoft.com/office/drawing/2014/main" xmlns="" id="{D78EA7D2-CCEA-435E-873D-36BF0522FFED}"/>
                 </a:ext>
                 <a:ext uri="{C183D7F6-B498-43B3-948B-1728B52AA6E4}">
-                  <adec:decorative xmlns="" xmlns:adec="http://schemas.microsoft.com/office/drawing/2017/decorative" val="1"/>
+                  <adec:decorative xmlns:adec="http://schemas.microsoft.com/office/drawing/2017/decorative" xmlns="" val="1"/>
                 </a:ext>
               </a:extLst>
             </p:cNvPr>
@@ -8986,7 +8986,7 @@
             <p:nvPr>
               <p:extLst>
                 <p:ext uri="{386F3935-93C4-4BCD-93E2-E3B085C9AB24}">
-                  <p16:designElem xmlns="" xmlns:p16="http://schemas.microsoft.com/office/powerpoint/2015/main" val="1"/>
+                  <p16:designElem xmlns:p16="http://schemas.microsoft.com/office/powerpoint/2015/main" xmlns="" val="1"/>
                 </p:ext>
               </p:extLst>
             </p:nvPr>
@@ -9035,10 +9035,10 @@
             <p:cNvPr id="45" name="Freeform 10">
               <a:extLst>
                 <a:ext uri="{FF2B5EF4-FFF2-40B4-BE49-F238E27FC236}">
-                  <a16:creationId xmlns="" xmlns:a16="http://schemas.microsoft.com/office/drawing/2014/main" id="{9DFA731E-D6BB-42CC-AA05-64023DC81FE6}"/>
+                  <a16:creationId xmlns:a16="http://schemas.microsoft.com/office/drawing/2014/main" xmlns="" id="{9DFA731E-D6BB-42CC-AA05-64023DC81FE6}"/>
                 </a:ext>
                 <a:ext uri="{C183D7F6-B498-43B3-948B-1728B52AA6E4}">
-                  <adec:decorative xmlns="" xmlns:adec="http://schemas.microsoft.com/office/drawing/2017/decorative" val="1"/>
+                  <adec:decorative xmlns:adec="http://schemas.microsoft.com/office/drawing/2017/decorative" xmlns="" val="1"/>
                 </a:ext>
               </a:extLst>
             </p:cNvPr>
@@ -9046,7 +9046,7 @@
             <p:nvPr>
               <p:extLst>
                 <p:ext uri="{386F3935-93C4-4BCD-93E2-E3B085C9AB24}">
-                  <p16:designElem xmlns="" xmlns:p16="http://schemas.microsoft.com/office/powerpoint/2015/main" val="1"/>
+                  <p16:designElem xmlns:p16="http://schemas.microsoft.com/office/powerpoint/2015/main" xmlns="" val="1"/>
                 </p:ext>
               </p:extLst>
             </p:nvPr>
@@ -9101,10 +9101,10 @@
             <p:cNvPr id="46" name="Freeform 11">
               <a:extLst>
                 <a:ext uri="{FF2B5EF4-FFF2-40B4-BE49-F238E27FC236}">
-                  <a16:creationId xmlns="" xmlns:a16="http://schemas.microsoft.com/office/drawing/2014/main" id="{B00D0483-90FB-4EB4-9770-CA8A310D503B}"/>
+                  <a16:creationId xmlns:a16="http://schemas.microsoft.com/office/drawing/2014/main" xmlns="" id="{B00D0483-90FB-4EB4-9770-CA8A310D503B}"/>
                 </a:ext>
                 <a:ext uri="{C183D7F6-B498-43B3-948B-1728B52AA6E4}">
-                  <adec:decorative xmlns="" xmlns:adec="http://schemas.microsoft.com/office/drawing/2017/decorative" val="1"/>
+                  <adec:decorative xmlns:adec="http://schemas.microsoft.com/office/drawing/2017/decorative" xmlns="" val="1"/>
                 </a:ext>
               </a:extLst>
             </p:cNvPr>
@@ -9112,7 +9112,7 @@
             <p:nvPr>
               <p:extLst>
                 <p:ext uri="{386F3935-93C4-4BCD-93E2-E3B085C9AB24}">
-                  <p16:designElem xmlns="" xmlns:p16="http://schemas.microsoft.com/office/powerpoint/2015/main" val="1"/>
+                  <p16:designElem xmlns:p16="http://schemas.microsoft.com/office/powerpoint/2015/main" xmlns="" val="1"/>
                 </p:ext>
               </p:extLst>
             </p:nvPr>
@@ -9181,7 +9181,7 @@
           <p:cNvPr id="2" name="Title 1">
             <a:extLst>
               <a:ext uri="{FF2B5EF4-FFF2-40B4-BE49-F238E27FC236}">
-                <a16:creationId xmlns="" xmlns:a16="http://schemas.microsoft.com/office/drawing/2014/main" id="{339A428F-DE24-F24B-B03E-D8A9E51064E5}"/>
+                <a16:creationId xmlns:a16="http://schemas.microsoft.com/office/drawing/2014/main" xmlns="" id="{339A428F-DE24-F24B-B03E-D8A9E51064E5}"/>
               </a:ext>
             </a:extLst>
           </p:cNvPr>
@@ -9229,10 +9229,10 @@
           <p:cNvPr id="48" name="Rounded Rectangle 16">
             <a:extLst>
               <a:ext uri="{FF2B5EF4-FFF2-40B4-BE49-F238E27FC236}">
-                <a16:creationId xmlns="" xmlns:a16="http://schemas.microsoft.com/office/drawing/2014/main" id="{DD7EED39-224E-4230-8FD1-B1E1AF6C6E36}"/>
+                <a16:creationId xmlns:a16="http://schemas.microsoft.com/office/drawing/2014/main" xmlns="" id="{DD7EED39-224E-4230-8FD1-B1E1AF6C6E36}"/>
               </a:ext>
               <a:ext uri="{C183D7F6-B498-43B3-948B-1728B52AA6E4}">
-                <adec:decorative xmlns="" xmlns:adec="http://schemas.microsoft.com/office/drawing/2017/decorative" val="1"/>
+                <adec:decorative xmlns:adec="http://schemas.microsoft.com/office/drawing/2017/decorative" xmlns="" val="1"/>
               </a:ext>
             </a:extLst>
           </p:cNvPr>
@@ -9242,7 +9242,7 @@
           <p:nvPr>
             <p:extLst>
               <p:ext uri="{386F3935-93C4-4BCD-93E2-E3B085C9AB24}">
-                <p16:designElem xmlns="" xmlns:p16="http://schemas.microsoft.com/office/powerpoint/2015/main" val="1"/>
+                <p16:designElem xmlns:p16="http://schemas.microsoft.com/office/powerpoint/2015/main" xmlns="" val="1"/>
               </p:ext>
             </p:extLst>
           </p:nvPr>
@@ -9314,7 +9314,7 @@
           <p:cNvPr id="20" name="TextBox 19">
             <a:extLst>
               <a:ext uri="{FF2B5EF4-FFF2-40B4-BE49-F238E27FC236}">
-                <a16:creationId xmlns="" xmlns:a16="http://schemas.microsoft.com/office/drawing/2014/main" id="{0983CF5F-AED5-EA43-B332-EF09D66427D2}"/>
+                <a16:creationId xmlns:a16="http://schemas.microsoft.com/office/drawing/2014/main" xmlns="" id="{0983CF5F-AED5-EA43-B332-EF09D66427D2}"/>
               </a:ext>
             </a:extLst>
           </p:cNvPr>
@@ -9821,10 +9821,10 @@
           <p:cNvPr id="47" name="Group 31">
             <a:extLst>
               <a:ext uri="{FF2B5EF4-FFF2-40B4-BE49-F238E27FC236}">
-                <a16:creationId xmlns="" xmlns:a16="http://schemas.microsoft.com/office/drawing/2014/main" id="{260ACC13-B825-49F3-93DE-C8B8F2FA37A1}"/>
+                <a16:creationId xmlns:a16="http://schemas.microsoft.com/office/drawing/2014/main" xmlns="" id="{260ACC13-B825-49F3-93DE-C8B8F2FA37A1}"/>
               </a:ext>
               <a:ext uri="{C183D7F6-B498-43B3-948B-1728B52AA6E4}">
-                <adec:decorative xmlns="" xmlns:adec="http://schemas.microsoft.com/office/drawing/2017/decorative" val="1"/>
+                <adec:decorative xmlns:adec="http://schemas.microsoft.com/office/drawing/2017/decorative" xmlns="" val="1"/>
               </a:ext>
             </a:extLst>
           </p:cNvPr>
@@ -9834,7 +9834,7 @@
           <p:nvPr>
             <p:extLst>
               <p:ext uri="{386F3935-93C4-4BCD-93E2-E3B085C9AB24}">
-                <p16:designElem xmlns="" xmlns:p16="http://schemas.microsoft.com/office/powerpoint/2015/main" val="1"/>
+                <p16:designElem xmlns:p16="http://schemas.microsoft.com/office/powerpoint/2015/main" xmlns="" val="1"/>
               </p:ext>
             </p:extLst>
           </p:nvPr>
@@ -9852,10 +9852,10 @@
             <p:cNvPr id="33" name="Freeform 6">
               <a:extLst>
                 <a:ext uri="{FF2B5EF4-FFF2-40B4-BE49-F238E27FC236}">
-                  <a16:creationId xmlns="" xmlns:a16="http://schemas.microsoft.com/office/drawing/2014/main" id="{F947B31F-CA03-4793-845D-FD86BABC1A18}"/>
+                  <a16:creationId xmlns:a16="http://schemas.microsoft.com/office/drawing/2014/main" xmlns="" id="{F947B31F-CA03-4793-845D-FD86BABC1A18}"/>
                 </a:ext>
                 <a:ext uri="{C183D7F6-B498-43B3-948B-1728B52AA6E4}">
-                  <adec:decorative xmlns="" xmlns:adec="http://schemas.microsoft.com/office/drawing/2017/decorative" val="1"/>
+                  <adec:decorative xmlns:adec="http://schemas.microsoft.com/office/drawing/2017/decorative" xmlns="" val="1"/>
                 </a:ext>
               </a:extLst>
             </p:cNvPr>
@@ -9863,7 +9863,7 @@
             <p:nvPr>
               <p:extLst>
                 <p:ext uri="{386F3935-93C4-4BCD-93E2-E3B085C9AB24}">
-                  <p16:designElem xmlns="" xmlns:p16="http://schemas.microsoft.com/office/powerpoint/2015/main" val="1"/>
+                  <p16:designElem xmlns:p16="http://schemas.microsoft.com/office/powerpoint/2015/main" xmlns="" val="1"/>
                 </p:ext>
               </p:extLst>
             </p:nvPr>
@@ -9913,10 +9913,10 @@
             <p:cNvPr id="34" name="Freeform 7">
               <a:extLst>
                 <a:ext uri="{FF2B5EF4-FFF2-40B4-BE49-F238E27FC236}">
-                  <a16:creationId xmlns="" xmlns:a16="http://schemas.microsoft.com/office/drawing/2014/main" id="{DCDDE94D-F78C-4A48-AEA6-E922FC99A159}"/>
+                  <a16:creationId xmlns:a16="http://schemas.microsoft.com/office/drawing/2014/main" xmlns="" id="{DCDDE94D-F78C-4A48-AEA6-E922FC99A159}"/>
                 </a:ext>
                 <a:ext uri="{C183D7F6-B498-43B3-948B-1728B52AA6E4}">
-                  <adec:decorative xmlns="" xmlns:adec="http://schemas.microsoft.com/office/drawing/2017/decorative" val="1"/>
+                  <adec:decorative xmlns:adec="http://schemas.microsoft.com/office/drawing/2017/decorative" xmlns="" val="1"/>
                 </a:ext>
               </a:extLst>
             </p:cNvPr>
@@ -9924,7 +9924,7 @@
             <p:nvPr>
               <p:extLst>
                 <p:ext uri="{386F3935-93C4-4BCD-93E2-E3B085C9AB24}">
-                  <p16:designElem xmlns="" xmlns:p16="http://schemas.microsoft.com/office/powerpoint/2015/main" val="1"/>
+                  <p16:designElem xmlns:p16="http://schemas.microsoft.com/office/powerpoint/2015/main" xmlns="" val="1"/>
                 </p:ext>
               </p:extLst>
             </p:nvPr>
@@ -9977,10 +9977,10 @@
             <p:cNvPr id="35" name="Freeform 8">
               <a:extLst>
                 <a:ext uri="{FF2B5EF4-FFF2-40B4-BE49-F238E27FC236}">
-                  <a16:creationId xmlns="" xmlns:a16="http://schemas.microsoft.com/office/drawing/2014/main" id="{3445A886-F3CA-4DE4-90D7-535F9707B799}"/>
+                  <a16:creationId xmlns:a16="http://schemas.microsoft.com/office/drawing/2014/main" xmlns="" id="{3445A886-F3CA-4DE4-90D7-535F9707B799}"/>
                 </a:ext>
                 <a:ext uri="{C183D7F6-B498-43B3-948B-1728B52AA6E4}">
-                  <adec:decorative xmlns="" xmlns:adec="http://schemas.microsoft.com/office/drawing/2017/decorative" val="1"/>
+                  <adec:decorative xmlns:adec="http://schemas.microsoft.com/office/drawing/2017/decorative" xmlns="" val="1"/>
                 </a:ext>
               </a:extLst>
             </p:cNvPr>
@@ -9988,7 +9988,7 @@
             <p:nvPr>
               <p:extLst>
                 <p:ext uri="{386F3935-93C4-4BCD-93E2-E3B085C9AB24}">
-                  <p16:designElem xmlns="" xmlns:p16="http://schemas.microsoft.com/office/powerpoint/2015/main" val="1"/>
+                  <p16:designElem xmlns:p16="http://schemas.microsoft.com/office/powerpoint/2015/main" xmlns="" val="1"/>
                 </p:ext>
               </p:extLst>
             </p:nvPr>
@@ -10038,10 +10038,10 @@
             <p:cNvPr id="36" name="Freeform 9">
               <a:extLst>
                 <a:ext uri="{FF2B5EF4-FFF2-40B4-BE49-F238E27FC236}">
-                  <a16:creationId xmlns="" xmlns:a16="http://schemas.microsoft.com/office/drawing/2014/main" id="{A8999CB6-C053-418B-AE37-E470804D251D}"/>
+                  <a16:creationId xmlns:a16="http://schemas.microsoft.com/office/drawing/2014/main" xmlns="" id="{A8999CB6-C053-418B-AE37-E470804D251D}"/>
                 </a:ext>
                 <a:ext uri="{C183D7F6-B498-43B3-948B-1728B52AA6E4}">
-                  <adec:decorative xmlns="" xmlns:adec="http://schemas.microsoft.com/office/drawing/2017/decorative" val="1"/>
+                  <adec:decorative xmlns:adec="http://schemas.microsoft.com/office/drawing/2017/decorative" xmlns="" val="1"/>
                 </a:ext>
               </a:extLst>
             </p:cNvPr>
@@ -10049,7 +10049,7 @@
             <p:nvPr>
               <p:extLst>
                 <p:ext uri="{386F3935-93C4-4BCD-93E2-E3B085C9AB24}">
-                  <p16:designElem xmlns="" xmlns:p16="http://schemas.microsoft.com/office/powerpoint/2015/main" val="1"/>
+                  <p16:designElem xmlns:p16="http://schemas.microsoft.com/office/powerpoint/2015/main" xmlns="" val="1"/>
                 </p:ext>
               </p:extLst>
             </p:nvPr>
@@ -10098,10 +10098,10 @@
             <p:cNvPr id="37" name="Freeform 10">
               <a:extLst>
                 <a:ext uri="{FF2B5EF4-FFF2-40B4-BE49-F238E27FC236}">
-                  <a16:creationId xmlns="" xmlns:a16="http://schemas.microsoft.com/office/drawing/2014/main" id="{81EA3E26-BFCD-4396-AE8A-2A9828BFFBA2}"/>
+                  <a16:creationId xmlns:a16="http://schemas.microsoft.com/office/drawing/2014/main" xmlns="" id="{81EA3E26-BFCD-4396-AE8A-2A9828BFFBA2}"/>
                 </a:ext>
                 <a:ext uri="{C183D7F6-B498-43B3-948B-1728B52AA6E4}">
-                  <adec:decorative xmlns="" xmlns:adec="http://schemas.microsoft.com/office/drawing/2017/decorative" val="1"/>
+                  <adec:decorative xmlns:adec="http://schemas.microsoft.com/office/drawing/2017/decorative" xmlns="" val="1"/>
                 </a:ext>
               </a:extLst>
             </p:cNvPr>
@@ -10109,7 +10109,7 @@
             <p:nvPr>
               <p:extLst>
                 <p:ext uri="{386F3935-93C4-4BCD-93E2-E3B085C9AB24}">
-                  <p16:designElem xmlns="" xmlns:p16="http://schemas.microsoft.com/office/powerpoint/2015/main" val="1"/>
+                  <p16:designElem xmlns:p16="http://schemas.microsoft.com/office/powerpoint/2015/main" xmlns="" val="1"/>
                 </p:ext>
               </p:extLst>
             </p:nvPr>
@@ -10164,10 +10164,10 @@
             <p:cNvPr id="38" name="Freeform 11">
               <a:extLst>
                 <a:ext uri="{FF2B5EF4-FFF2-40B4-BE49-F238E27FC236}">
-                  <a16:creationId xmlns="" xmlns:a16="http://schemas.microsoft.com/office/drawing/2014/main" id="{5F9BC582-73A6-4D8A-8738-E36476489351}"/>
+                  <a16:creationId xmlns:a16="http://schemas.microsoft.com/office/drawing/2014/main" xmlns="" id="{5F9BC582-73A6-4D8A-8738-E36476489351}"/>
                 </a:ext>
                 <a:ext uri="{C183D7F6-B498-43B3-948B-1728B52AA6E4}">
-                  <adec:decorative xmlns="" xmlns:adec="http://schemas.microsoft.com/office/drawing/2017/decorative" val="1"/>
+                  <adec:decorative xmlns:adec="http://schemas.microsoft.com/office/drawing/2017/decorative" xmlns="" val="1"/>
                 </a:ext>
               </a:extLst>
             </p:cNvPr>
@@ -10175,7 +10175,7 @@
             <p:nvPr>
               <p:extLst>
                 <p:ext uri="{386F3935-93C4-4BCD-93E2-E3B085C9AB24}">
-                  <p16:designElem xmlns="" xmlns:p16="http://schemas.microsoft.com/office/powerpoint/2015/main" val="1"/>
+                  <p16:designElem xmlns:p16="http://schemas.microsoft.com/office/powerpoint/2015/main" xmlns="" val="1"/>
                 </p:ext>
               </p:extLst>
             </p:nvPr>
@@ -10244,10 +10244,10 @@
           <p:cNvPr id="40" name="Group 39">
             <a:extLst>
               <a:ext uri="{FF2B5EF4-FFF2-40B4-BE49-F238E27FC236}">
-                <a16:creationId xmlns="" xmlns:a16="http://schemas.microsoft.com/office/drawing/2014/main" id="{A2E861A3-F23C-46B8-A38A-4A22E453D993}"/>
+                <a16:creationId xmlns:a16="http://schemas.microsoft.com/office/drawing/2014/main" xmlns="" id="{A2E861A3-F23C-46B8-A38A-4A22E453D993}"/>
               </a:ext>
               <a:ext uri="{C183D7F6-B498-43B3-948B-1728B52AA6E4}">
-                <adec:decorative xmlns="" xmlns:adec="http://schemas.microsoft.com/office/drawing/2017/decorative" val="1"/>
+                <adec:decorative xmlns:adec="http://schemas.microsoft.com/office/drawing/2017/decorative" xmlns="" val="1"/>
               </a:ext>
             </a:extLst>
           </p:cNvPr>
@@ -10257,7 +10257,7 @@
           <p:nvPr>
             <p:extLst>
               <p:ext uri="{386F3935-93C4-4BCD-93E2-E3B085C9AB24}">
-                <p16:designElem xmlns="" xmlns:p16="http://schemas.microsoft.com/office/powerpoint/2015/main" val="1"/>
+                <p16:designElem xmlns:p16="http://schemas.microsoft.com/office/powerpoint/2015/main" xmlns="" val="1"/>
               </p:ext>
             </p:extLst>
           </p:nvPr>
@@ -10275,10 +10275,10 @@
             <p:cNvPr id="41" name="Freeform 6">
               <a:extLst>
                 <a:ext uri="{FF2B5EF4-FFF2-40B4-BE49-F238E27FC236}">
-                  <a16:creationId xmlns="" xmlns:a16="http://schemas.microsoft.com/office/drawing/2014/main" id="{8BC3D220-643B-4160-B5A9-59DF5D21F410}"/>
+                  <a16:creationId xmlns:a16="http://schemas.microsoft.com/office/drawing/2014/main" xmlns="" id="{8BC3D220-643B-4160-B5A9-59DF5D21F410}"/>
                 </a:ext>
                 <a:ext uri="{C183D7F6-B498-43B3-948B-1728B52AA6E4}">
-                  <adec:decorative xmlns="" xmlns:adec="http://schemas.microsoft.com/office/drawing/2017/decorative" val="1"/>
+                  <adec:decorative xmlns:adec="http://schemas.microsoft.com/office/drawing/2017/decorative" xmlns="" val="1"/>
                 </a:ext>
               </a:extLst>
             </p:cNvPr>
@@ -10286,7 +10286,7 @@
             <p:nvPr>
               <p:extLst>
                 <p:ext uri="{386F3935-93C4-4BCD-93E2-E3B085C9AB24}">
-                  <p16:designElem xmlns="" xmlns:p16="http://schemas.microsoft.com/office/powerpoint/2015/main" val="1"/>
+                  <p16:designElem xmlns:p16="http://schemas.microsoft.com/office/powerpoint/2015/main" xmlns="" val="1"/>
                 </p:ext>
               </p:extLst>
             </p:nvPr>
@@ -10336,10 +10336,10 @@
             <p:cNvPr id="42" name="Freeform 7">
               <a:extLst>
                 <a:ext uri="{FF2B5EF4-FFF2-40B4-BE49-F238E27FC236}">
-                  <a16:creationId xmlns="" xmlns:a16="http://schemas.microsoft.com/office/drawing/2014/main" id="{B92237DE-D518-4625-8392-66D7084588A0}"/>
+                  <a16:creationId xmlns:a16="http://schemas.microsoft.com/office/drawing/2014/main" xmlns="" id="{B92237DE-D518-4625-8392-66D7084588A0}"/>
                 </a:ext>
                 <a:ext uri="{C183D7F6-B498-43B3-948B-1728B52AA6E4}">
-                  <adec:decorative xmlns="" xmlns:adec="http://schemas.microsoft.com/office/drawing/2017/decorative" val="1"/>
+                  <adec:decorative xmlns:adec="http://schemas.microsoft.com/office/drawing/2017/decorative" xmlns="" val="1"/>
                 </a:ext>
               </a:extLst>
             </p:cNvPr>
@@ -10347,7 +10347,7 @@
             <p:nvPr>
               <p:extLst>
                 <p:ext uri="{386F3935-93C4-4BCD-93E2-E3B085C9AB24}">
-                  <p16:designElem xmlns="" xmlns:p16="http://schemas.microsoft.com/office/powerpoint/2015/main" val="1"/>
+                  <p16:designElem xmlns:p16="http://schemas.microsoft.com/office/powerpoint/2015/main" xmlns="" val="1"/>
                 </p:ext>
               </p:extLst>
             </p:nvPr>
@@ -10400,10 +10400,10 @@
             <p:cNvPr id="43" name="Freeform 8">
               <a:extLst>
                 <a:ext uri="{FF2B5EF4-FFF2-40B4-BE49-F238E27FC236}">
-                  <a16:creationId xmlns="" xmlns:a16="http://schemas.microsoft.com/office/drawing/2014/main" id="{F290F0DD-E80A-4263-94E1-A41F57D84CC5}"/>
+                  <a16:creationId xmlns:a16="http://schemas.microsoft.com/office/drawing/2014/main" xmlns="" id="{F290F0DD-E80A-4263-94E1-A41F57D84CC5}"/>
                 </a:ext>
                 <a:ext uri="{C183D7F6-B498-43B3-948B-1728B52AA6E4}">
-                  <adec:decorative xmlns="" xmlns:adec="http://schemas.microsoft.com/office/drawing/2017/decorative" val="1"/>
+                  <adec:decorative xmlns:adec="http://schemas.microsoft.com/office/drawing/2017/decorative" xmlns="" val="1"/>
                 </a:ext>
               </a:extLst>
             </p:cNvPr>
@@ -10411,7 +10411,7 @@
             <p:nvPr>
               <p:extLst>
                 <p:ext uri="{386F3935-93C4-4BCD-93E2-E3B085C9AB24}">
-                  <p16:designElem xmlns="" xmlns:p16="http://schemas.microsoft.com/office/powerpoint/2015/main" val="1"/>
+                  <p16:designElem xmlns:p16="http://schemas.microsoft.com/office/powerpoint/2015/main" xmlns="" val="1"/>
                 </p:ext>
               </p:extLst>
             </p:nvPr>
@@ -10461,10 +10461,10 @@
             <p:cNvPr id="44" name="Freeform 9">
               <a:extLst>
                 <a:ext uri="{FF2B5EF4-FFF2-40B4-BE49-F238E27FC236}">
-                  <a16:creationId xmlns="" xmlns:a16="http://schemas.microsoft.com/office/drawing/2014/main" id="{D78EA7D2-CCEA-435E-873D-36BF0522FFED}"/>
+                  <a16:creationId xmlns:a16="http://schemas.microsoft.com/office/drawing/2014/main" xmlns="" id="{D78EA7D2-CCEA-435E-873D-36BF0522FFED}"/>
                 </a:ext>
                 <a:ext uri="{C183D7F6-B498-43B3-948B-1728B52AA6E4}">
-                  <adec:decorative xmlns="" xmlns:adec="http://schemas.microsoft.com/office/drawing/2017/decorative" val="1"/>
+                  <adec:decorative xmlns:adec="http://schemas.microsoft.com/office/drawing/2017/decorative" xmlns="" val="1"/>
                 </a:ext>
               </a:extLst>
             </p:cNvPr>
@@ -10472,7 +10472,7 @@
             <p:nvPr>
               <p:extLst>
                 <p:ext uri="{386F3935-93C4-4BCD-93E2-E3B085C9AB24}">
-                  <p16:designElem xmlns="" xmlns:p16="http://schemas.microsoft.com/office/powerpoint/2015/main" val="1"/>
+                  <p16:designElem xmlns:p16="http://schemas.microsoft.com/office/powerpoint/2015/main" xmlns="" val="1"/>
                 </p:ext>
               </p:extLst>
             </p:nvPr>
@@ -10521,10 +10521,10 @@
             <p:cNvPr id="45" name="Freeform 10">
               <a:extLst>
                 <a:ext uri="{FF2B5EF4-FFF2-40B4-BE49-F238E27FC236}">
-                  <a16:creationId xmlns="" xmlns:a16="http://schemas.microsoft.com/office/drawing/2014/main" id="{9DFA731E-D6BB-42CC-AA05-64023DC81FE6}"/>
+                  <a16:creationId xmlns:a16="http://schemas.microsoft.com/office/drawing/2014/main" xmlns="" id="{9DFA731E-D6BB-42CC-AA05-64023DC81FE6}"/>
                 </a:ext>
                 <a:ext uri="{C183D7F6-B498-43B3-948B-1728B52AA6E4}">
-                  <adec:decorative xmlns="" xmlns:adec="http://schemas.microsoft.com/office/drawing/2017/decorative" val="1"/>
+                  <adec:decorative xmlns:adec="http://schemas.microsoft.com/office/drawing/2017/decorative" xmlns="" val="1"/>
                 </a:ext>
               </a:extLst>
             </p:cNvPr>
@@ -10532,7 +10532,7 @@
             <p:nvPr>
               <p:extLst>
                 <p:ext uri="{386F3935-93C4-4BCD-93E2-E3B085C9AB24}">
-                  <p16:designElem xmlns="" xmlns:p16="http://schemas.microsoft.com/office/powerpoint/2015/main" val="1"/>
+                  <p16:designElem xmlns:p16="http://schemas.microsoft.com/office/powerpoint/2015/main" xmlns="" val="1"/>
                 </p:ext>
               </p:extLst>
             </p:nvPr>
@@ -10587,10 +10587,10 @@
             <p:cNvPr id="46" name="Freeform 11">
               <a:extLst>
                 <a:ext uri="{FF2B5EF4-FFF2-40B4-BE49-F238E27FC236}">
-                  <a16:creationId xmlns="" xmlns:a16="http://schemas.microsoft.com/office/drawing/2014/main" id="{B00D0483-90FB-4EB4-9770-CA8A310D503B}"/>
+                  <a16:creationId xmlns:a16="http://schemas.microsoft.com/office/drawing/2014/main" xmlns="" id="{B00D0483-90FB-4EB4-9770-CA8A310D503B}"/>
                 </a:ext>
                 <a:ext uri="{C183D7F6-B498-43B3-948B-1728B52AA6E4}">
-                  <adec:decorative xmlns="" xmlns:adec="http://schemas.microsoft.com/office/drawing/2017/decorative" val="1"/>
+                  <adec:decorative xmlns:adec="http://schemas.microsoft.com/office/drawing/2017/decorative" xmlns="" val="1"/>
                 </a:ext>
               </a:extLst>
             </p:cNvPr>
@@ -10598,7 +10598,7 @@
             <p:nvPr>
               <p:extLst>
                 <p:ext uri="{386F3935-93C4-4BCD-93E2-E3B085C9AB24}">
-                  <p16:designElem xmlns="" xmlns:p16="http://schemas.microsoft.com/office/powerpoint/2015/main" val="1"/>
+                  <p16:designElem xmlns:p16="http://schemas.microsoft.com/office/powerpoint/2015/main" xmlns="" val="1"/>
                 </p:ext>
               </p:extLst>
             </p:nvPr>
@@ -10667,7 +10667,7 @@
           <p:cNvPr id="2" name="Title 1">
             <a:extLst>
               <a:ext uri="{FF2B5EF4-FFF2-40B4-BE49-F238E27FC236}">
-                <a16:creationId xmlns="" xmlns:a16="http://schemas.microsoft.com/office/drawing/2014/main" id="{339A428F-DE24-F24B-B03E-D8A9E51064E5}"/>
+                <a16:creationId xmlns:a16="http://schemas.microsoft.com/office/drawing/2014/main" xmlns="" id="{339A428F-DE24-F24B-B03E-D8A9E51064E5}"/>
               </a:ext>
             </a:extLst>
           </p:cNvPr>
@@ -10703,10 +10703,10 @@
           <p:cNvPr id="48" name="Rounded Rectangle 16">
             <a:extLst>
               <a:ext uri="{FF2B5EF4-FFF2-40B4-BE49-F238E27FC236}">
-                <a16:creationId xmlns="" xmlns:a16="http://schemas.microsoft.com/office/drawing/2014/main" id="{DD7EED39-224E-4230-8FD1-B1E1AF6C6E36}"/>
+                <a16:creationId xmlns:a16="http://schemas.microsoft.com/office/drawing/2014/main" xmlns="" id="{DD7EED39-224E-4230-8FD1-B1E1AF6C6E36}"/>
               </a:ext>
               <a:ext uri="{C183D7F6-B498-43B3-948B-1728B52AA6E4}">
-                <adec:decorative xmlns="" xmlns:adec="http://schemas.microsoft.com/office/drawing/2017/decorative" val="1"/>
+                <adec:decorative xmlns:adec="http://schemas.microsoft.com/office/drawing/2017/decorative" xmlns="" val="1"/>
               </a:ext>
             </a:extLst>
           </p:cNvPr>
@@ -10716,7 +10716,7 @@
           <p:nvPr>
             <p:extLst>
               <p:ext uri="{386F3935-93C4-4BCD-93E2-E3B085C9AB24}">
-                <p16:designElem xmlns="" xmlns:p16="http://schemas.microsoft.com/office/powerpoint/2015/main" val="1"/>
+                <p16:designElem xmlns:p16="http://schemas.microsoft.com/office/powerpoint/2015/main" xmlns="" val="1"/>
               </p:ext>
             </p:extLst>
           </p:nvPr>
@@ -10788,7 +10788,7 @@
           <p:cNvPr id="20" name="TextBox 19">
             <a:extLst>
               <a:ext uri="{FF2B5EF4-FFF2-40B4-BE49-F238E27FC236}">
-                <a16:creationId xmlns="" xmlns:a16="http://schemas.microsoft.com/office/drawing/2014/main" id="{0983CF5F-AED5-EA43-B332-EF09D66427D2}"/>
+                <a16:creationId xmlns:a16="http://schemas.microsoft.com/office/drawing/2014/main" xmlns="" id="{0983CF5F-AED5-EA43-B332-EF09D66427D2}"/>
               </a:ext>
             </a:extLst>
           </p:cNvPr>
@@ -10970,13 +10970,6 @@
               </a:rPr>
               <a:t>Boolean:</a:t>
             </a:r>
-            <a:endParaRPr lang="en-US" b="1" dirty="0" smtClean="0">
-              <a:solidFill>
-                <a:schemeClr val="accent1">
-                  <a:lumMod val="50000"/>
-                </a:schemeClr>
-              </a:solidFill>
-            </a:endParaRPr>
           </a:p>
           <a:p>
             <a:pPr marL="457200" lvl="1" indent="0">
@@ -11239,10 +11232,10 @@
           <p:cNvPr id="47" name="Group 31">
             <a:extLst>
               <a:ext uri="{FF2B5EF4-FFF2-40B4-BE49-F238E27FC236}">
-                <a16:creationId xmlns="" xmlns:a16="http://schemas.microsoft.com/office/drawing/2014/main" id="{260ACC13-B825-49F3-93DE-C8B8F2FA37A1}"/>
+                <a16:creationId xmlns:a16="http://schemas.microsoft.com/office/drawing/2014/main" xmlns="" id="{260ACC13-B825-49F3-93DE-C8B8F2FA37A1}"/>
               </a:ext>
               <a:ext uri="{C183D7F6-B498-43B3-948B-1728B52AA6E4}">
-                <adec:decorative xmlns="" xmlns:adec="http://schemas.microsoft.com/office/drawing/2017/decorative" val="1"/>
+                <adec:decorative xmlns:adec="http://schemas.microsoft.com/office/drawing/2017/decorative" xmlns="" val="1"/>
               </a:ext>
             </a:extLst>
           </p:cNvPr>
@@ -11252,7 +11245,7 @@
           <p:nvPr>
             <p:extLst>
               <p:ext uri="{386F3935-93C4-4BCD-93E2-E3B085C9AB24}">
-                <p16:designElem xmlns="" xmlns:p16="http://schemas.microsoft.com/office/powerpoint/2015/main" val="1"/>
+                <p16:designElem xmlns:p16="http://schemas.microsoft.com/office/powerpoint/2015/main" xmlns="" val="1"/>
               </p:ext>
             </p:extLst>
           </p:nvPr>
@@ -11270,10 +11263,10 @@
             <p:cNvPr id="33" name="Freeform 6">
               <a:extLst>
                 <a:ext uri="{FF2B5EF4-FFF2-40B4-BE49-F238E27FC236}">
-                  <a16:creationId xmlns="" xmlns:a16="http://schemas.microsoft.com/office/drawing/2014/main" id="{F947B31F-CA03-4793-845D-FD86BABC1A18}"/>
+                  <a16:creationId xmlns:a16="http://schemas.microsoft.com/office/drawing/2014/main" xmlns="" id="{F947B31F-CA03-4793-845D-FD86BABC1A18}"/>
                 </a:ext>
                 <a:ext uri="{C183D7F6-B498-43B3-948B-1728B52AA6E4}">
-                  <adec:decorative xmlns="" xmlns:adec="http://schemas.microsoft.com/office/drawing/2017/decorative" val="1"/>
+                  <adec:decorative xmlns:adec="http://schemas.microsoft.com/office/drawing/2017/decorative" xmlns="" val="1"/>
                 </a:ext>
               </a:extLst>
             </p:cNvPr>
@@ -11281,7 +11274,7 @@
             <p:nvPr>
               <p:extLst>
                 <p:ext uri="{386F3935-93C4-4BCD-93E2-E3B085C9AB24}">
-                  <p16:designElem xmlns="" xmlns:p16="http://schemas.microsoft.com/office/powerpoint/2015/main" val="1"/>
+                  <p16:designElem xmlns:p16="http://schemas.microsoft.com/office/powerpoint/2015/main" xmlns="" val="1"/>
                 </p:ext>
               </p:extLst>
             </p:nvPr>
@@ -11331,10 +11324,10 @@
             <p:cNvPr id="34" name="Freeform 7">
               <a:extLst>
                 <a:ext uri="{FF2B5EF4-FFF2-40B4-BE49-F238E27FC236}">
-                  <a16:creationId xmlns="" xmlns:a16="http://schemas.microsoft.com/office/drawing/2014/main" id="{DCDDE94D-F78C-4A48-AEA6-E922FC99A159}"/>
+                  <a16:creationId xmlns:a16="http://schemas.microsoft.com/office/drawing/2014/main" xmlns="" id="{DCDDE94D-F78C-4A48-AEA6-E922FC99A159}"/>
                 </a:ext>
                 <a:ext uri="{C183D7F6-B498-43B3-948B-1728B52AA6E4}">
-                  <adec:decorative xmlns="" xmlns:adec="http://schemas.microsoft.com/office/drawing/2017/decorative" val="1"/>
+                  <adec:decorative xmlns:adec="http://schemas.microsoft.com/office/drawing/2017/decorative" xmlns="" val="1"/>
                 </a:ext>
               </a:extLst>
             </p:cNvPr>
@@ -11342,7 +11335,7 @@
             <p:nvPr>
               <p:extLst>
                 <p:ext uri="{386F3935-93C4-4BCD-93E2-E3B085C9AB24}">
-                  <p16:designElem xmlns="" xmlns:p16="http://schemas.microsoft.com/office/powerpoint/2015/main" val="1"/>
+                  <p16:designElem xmlns:p16="http://schemas.microsoft.com/office/powerpoint/2015/main" xmlns="" val="1"/>
                 </p:ext>
               </p:extLst>
             </p:nvPr>
@@ -11395,10 +11388,10 @@
             <p:cNvPr id="35" name="Freeform 8">
               <a:extLst>
                 <a:ext uri="{FF2B5EF4-FFF2-40B4-BE49-F238E27FC236}">
-                  <a16:creationId xmlns="" xmlns:a16="http://schemas.microsoft.com/office/drawing/2014/main" id="{3445A886-F3CA-4DE4-90D7-535F9707B799}"/>
+                  <a16:creationId xmlns:a16="http://schemas.microsoft.com/office/drawing/2014/main" xmlns="" id="{3445A886-F3CA-4DE4-90D7-535F9707B799}"/>
                 </a:ext>
                 <a:ext uri="{C183D7F6-B498-43B3-948B-1728B52AA6E4}">
-                  <adec:decorative xmlns="" xmlns:adec="http://schemas.microsoft.com/office/drawing/2017/decorative" val="1"/>
+                  <adec:decorative xmlns:adec="http://schemas.microsoft.com/office/drawing/2017/decorative" xmlns="" val="1"/>
                 </a:ext>
               </a:extLst>
             </p:cNvPr>
@@ -11406,7 +11399,7 @@
             <p:nvPr>
               <p:extLst>
                 <p:ext uri="{386F3935-93C4-4BCD-93E2-E3B085C9AB24}">
-                  <p16:designElem xmlns="" xmlns:p16="http://schemas.microsoft.com/office/powerpoint/2015/main" val="1"/>
+                  <p16:designElem xmlns:p16="http://schemas.microsoft.com/office/powerpoint/2015/main" xmlns="" val="1"/>
                 </p:ext>
               </p:extLst>
             </p:nvPr>
@@ -11456,10 +11449,10 @@
             <p:cNvPr id="36" name="Freeform 9">
               <a:extLst>
                 <a:ext uri="{FF2B5EF4-FFF2-40B4-BE49-F238E27FC236}">
-                  <a16:creationId xmlns="" xmlns:a16="http://schemas.microsoft.com/office/drawing/2014/main" id="{A8999CB6-C053-418B-AE37-E470804D251D}"/>
+                  <a16:creationId xmlns:a16="http://schemas.microsoft.com/office/drawing/2014/main" xmlns="" id="{A8999CB6-C053-418B-AE37-E470804D251D}"/>
                 </a:ext>
                 <a:ext uri="{C183D7F6-B498-43B3-948B-1728B52AA6E4}">
-                  <adec:decorative xmlns="" xmlns:adec="http://schemas.microsoft.com/office/drawing/2017/decorative" val="1"/>
+                  <adec:decorative xmlns:adec="http://schemas.microsoft.com/office/drawing/2017/decorative" xmlns="" val="1"/>
                 </a:ext>
               </a:extLst>
             </p:cNvPr>
@@ -11467,7 +11460,7 @@
             <p:nvPr>
               <p:extLst>
                 <p:ext uri="{386F3935-93C4-4BCD-93E2-E3B085C9AB24}">
-                  <p16:designElem xmlns="" xmlns:p16="http://schemas.microsoft.com/office/powerpoint/2015/main" val="1"/>
+                  <p16:designElem xmlns:p16="http://schemas.microsoft.com/office/powerpoint/2015/main" xmlns="" val="1"/>
                 </p:ext>
               </p:extLst>
             </p:nvPr>
@@ -11516,10 +11509,10 @@
             <p:cNvPr id="37" name="Freeform 10">
               <a:extLst>
                 <a:ext uri="{FF2B5EF4-FFF2-40B4-BE49-F238E27FC236}">
-                  <a16:creationId xmlns="" xmlns:a16="http://schemas.microsoft.com/office/drawing/2014/main" id="{81EA3E26-BFCD-4396-AE8A-2A9828BFFBA2}"/>
+                  <a16:creationId xmlns:a16="http://schemas.microsoft.com/office/drawing/2014/main" xmlns="" id="{81EA3E26-BFCD-4396-AE8A-2A9828BFFBA2}"/>
                 </a:ext>
                 <a:ext uri="{C183D7F6-B498-43B3-948B-1728B52AA6E4}">
-                  <adec:decorative xmlns="" xmlns:adec="http://schemas.microsoft.com/office/drawing/2017/decorative" val="1"/>
+                  <adec:decorative xmlns:adec="http://schemas.microsoft.com/office/drawing/2017/decorative" xmlns="" val="1"/>
                 </a:ext>
               </a:extLst>
             </p:cNvPr>
@@ -11527,7 +11520,7 @@
             <p:nvPr>
               <p:extLst>
                 <p:ext uri="{386F3935-93C4-4BCD-93E2-E3B085C9AB24}">
-                  <p16:designElem xmlns="" xmlns:p16="http://schemas.microsoft.com/office/powerpoint/2015/main" val="1"/>
+                  <p16:designElem xmlns:p16="http://schemas.microsoft.com/office/powerpoint/2015/main" xmlns="" val="1"/>
                 </p:ext>
               </p:extLst>
             </p:nvPr>
@@ -11582,10 +11575,10 @@
             <p:cNvPr id="38" name="Freeform 11">
               <a:extLst>
                 <a:ext uri="{FF2B5EF4-FFF2-40B4-BE49-F238E27FC236}">
-                  <a16:creationId xmlns="" xmlns:a16="http://schemas.microsoft.com/office/drawing/2014/main" id="{5F9BC582-73A6-4D8A-8738-E36476489351}"/>
+                  <a16:creationId xmlns:a16="http://schemas.microsoft.com/office/drawing/2014/main" xmlns="" id="{5F9BC582-73A6-4D8A-8738-E36476489351}"/>
                 </a:ext>
                 <a:ext uri="{C183D7F6-B498-43B3-948B-1728B52AA6E4}">
-                  <adec:decorative xmlns="" xmlns:adec="http://schemas.microsoft.com/office/drawing/2017/decorative" val="1"/>
+                  <adec:decorative xmlns:adec="http://schemas.microsoft.com/office/drawing/2017/decorative" xmlns="" val="1"/>
                 </a:ext>
               </a:extLst>
             </p:cNvPr>
@@ -11593,7 +11586,7 @@
             <p:nvPr>
               <p:extLst>
                 <p:ext uri="{386F3935-93C4-4BCD-93E2-E3B085C9AB24}">
-                  <p16:designElem xmlns="" xmlns:p16="http://schemas.microsoft.com/office/powerpoint/2015/main" val="1"/>
+                  <p16:designElem xmlns:p16="http://schemas.microsoft.com/office/powerpoint/2015/main" xmlns="" val="1"/>
                 </p:ext>
               </p:extLst>
             </p:nvPr>
@@ -11662,10 +11655,10 @@
           <p:cNvPr id="40" name="Group 39">
             <a:extLst>
               <a:ext uri="{FF2B5EF4-FFF2-40B4-BE49-F238E27FC236}">
-                <a16:creationId xmlns="" xmlns:a16="http://schemas.microsoft.com/office/drawing/2014/main" id="{A2E861A3-F23C-46B8-A38A-4A22E453D993}"/>
+                <a16:creationId xmlns:a16="http://schemas.microsoft.com/office/drawing/2014/main" xmlns="" id="{A2E861A3-F23C-46B8-A38A-4A22E453D993}"/>
               </a:ext>
               <a:ext uri="{C183D7F6-B498-43B3-948B-1728B52AA6E4}">
-                <adec:decorative xmlns="" xmlns:adec="http://schemas.microsoft.com/office/drawing/2017/decorative" val="1"/>
+                <adec:decorative xmlns:adec="http://schemas.microsoft.com/office/drawing/2017/decorative" xmlns="" val="1"/>
               </a:ext>
             </a:extLst>
           </p:cNvPr>
@@ -11675,7 +11668,7 @@
           <p:nvPr>
             <p:extLst>
               <p:ext uri="{386F3935-93C4-4BCD-93E2-E3B085C9AB24}">
-                <p16:designElem xmlns="" xmlns:p16="http://schemas.microsoft.com/office/powerpoint/2015/main" val="1"/>
+                <p16:designElem xmlns:p16="http://schemas.microsoft.com/office/powerpoint/2015/main" xmlns="" val="1"/>
               </p:ext>
             </p:extLst>
           </p:nvPr>
@@ -11693,10 +11686,10 @@
             <p:cNvPr id="41" name="Freeform 6">
               <a:extLst>
                 <a:ext uri="{FF2B5EF4-FFF2-40B4-BE49-F238E27FC236}">
-                  <a16:creationId xmlns="" xmlns:a16="http://schemas.microsoft.com/office/drawing/2014/main" id="{8BC3D220-643B-4160-B5A9-59DF5D21F410}"/>
+                  <a16:creationId xmlns:a16="http://schemas.microsoft.com/office/drawing/2014/main" xmlns="" id="{8BC3D220-643B-4160-B5A9-59DF5D21F410}"/>
                 </a:ext>
                 <a:ext uri="{C183D7F6-B498-43B3-948B-1728B52AA6E4}">
-                  <adec:decorative xmlns="" xmlns:adec="http://schemas.microsoft.com/office/drawing/2017/decorative" val="1"/>
+                  <adec:decorative xmlns:adec="http://schemas.microsoft.com/office/drawing/2017/decorative" xmlns="" val="1"/>
                 </a:ext>
               </a:extLst>
             </p:cNvPr>
@@ -11704,7 +11697,7 @@
             <p:nvPr>
               <p:extLst>
                 <p:ext uri="{386F3935-93C4-4BCD-93E2-E3B085C9AB24}">
-                  <p16:designElem xmlns="" xmlns:p16="http://schemas.microsoft.com/office/powerpoint/2015/main" val="1"/>
+                  <p16:designElem xmlns:p16="http://schemas.microsoft.com/office/powerpoint/2015/main" xmlns="" val="1"/>
                 </p:ext>
               </p:extLst>
             </p:nvPr>
@@ -11754,10 +11747,10 @@
             <p:cNvPr id="42" name="Freeform 7">
               <a:extLst>
                 <a:ext uri="{FF2B5EF4-FFF2-40B4-BE49-F238E27FC236}">
-                  <a16:creationId xmlns="" xmlns:a16="http://schemas.microsoft.com/office/drawing/2014/main" id="{B92237DE-D518-4625-8392-66D7084588A0}"/>
+                  <a16:creationId xmlns:a16="http://schemas.microsoft.com/office/drawing/2014/main" xmlns="" id="{B92237DE-D518-4625-8392-66D7084588A0}"/>
                 </a:ext>
                 <a:ext uri="{C183D7F6-B498-43B3-948B-1728B52AA6E4}">
-                  <adec:decorative xmlns="" xmlns:adec="http://schemas.microsoft.com/office/drawing/2017/decorative" val="1"/>
+                  <adec:decorative xmlns:adec="http://schemas.microsoft.com/office/drawing/2017/decorative" xmlns="" val="1"/>
                 </a:ext>
               </a:extLst>
             </p:cNvPr>
@@ -11765,7 +11758,7 @@
             <p:nvPr>
               <p:extLst>
                 <p:ext uri="{386F3935-93C4-4BCD-93E2-E3B085C9AB24}">
-                  <p16:designElem xmlns="" xmlns:p16="http://schemas.microsoft.com/office/powerpoint/2015/main" val="1"/>
+                  <p16:designElem xmlns:p16="http://schemas.microsoft.com/office/powerpoint/2015/main" xmlns="" val="1"/>
                 </p:ext>
               </p:extLst>
             </p:nvPr>
@@ -11818,10 +11811,10 @@
             <p:cNvPr id="43" name="Freeform 8">
               <a:extLst>
                 <a:ext uri="{FF2B5EF4-FFF2-40B4-BE49-F238E27FC236}">
-                  <a16:creationId xmlns="" xmlns:a16="http://schemas.microsoft.com/office/drawing/2014/main" id="{F290F0DD-E80A-4263-94E1-A41F57D84CC5}"/>
+                  <a16:creationId xmlns:a16="http://schemas.microsoft.com/office/drawing/2014/main" xmlns="" id="{F290F0DD-E80A-4263-94E1-A41F57D84CC5}"/>
                 </a:ext>
                 <a:ext uri="{C183D7F6-B498-43B3-948B-1728B52AA6E4}">
-                  <adec:decorative xmlns="" xmlns:adec="http://schemas.microsoft.com/office/drawing/2017/decorative" val="1"/>
+                  <adec:decorative xmlns:adec="http://schemas.microsoft.com/office/drawing/2017/decorative" xmlns="" val="1"/>
                 </a:ext>
               </a:extLst>
             </p:cNvPr>
@@ -11829,7 +11822,7 @@
             <p:nvPr>
               <p:extLst>
                 <p:ext uri="{386F3935-93C4-4BCD-93E2-E3B085C9AB24}">
-                  <p16:designElem xmlns="" xmlns:p16="http://schemas.microsoft.com/office/powerpoint/2015/main" val="1"/>
+                  <p16:designElem xmlns:p16="http://schemas.microsoft.com/office/powerpoint/2015/main" xmlns="" val="1"/>
                 </p:ext>
               </p:extLst>
             </p:nvPr>
@@ -11879,10 +11872,10 @@
             <p:cNvPr id="44" name="Freeform 9">
               <a:extLst>
                 <a:ext uri="{FF2B5EF4-FFF2-40B4-BE49-F238E27FC236}">
-                  <a16:creationId xmlns="" xmlns:a16="http://schemas.microsoft.com/office/drawing/2014/main" id="{D78EA7D2-CCEA-435E-873D-36BF0522FFED}"/>
+                  <a16:creationId xmlns:a16="http://schemas.microsoft.com/office/drawing/2014/main" xmlns="" id="{D78EA7D2-CCEA-435E-873D-36BF0522FFED}"/>
                 </a:ext>
                 <a:ext uri="{C183D7F6-B498-43B3-948B-1728B52AA6E4}">
-                  <adec:decorative xmlns="" xmlns:adec="http://schemas.microsoft.com/office/drawing/2017/decorative" val="1"/>
+                  <adec:decorative xmlns:adec="http://schemas.microsoft.com/office/drawing/2017/decorative" xmlns="" val="1"/>
                 </a:ext>
               </a:extLst>
             </p:cNvPr>
@@ -11890,7 +11883,7 @@
             <p:nvPr>
               <p:extLst>
                 <p:ext uri="{386F3935-93C4-4BCD-93E2-E3B085C9AB24}">
-                  <p16:designElem xmlns="" xmlns:p16="http://schemas.microsoft.com/office/powerpoint/2015/main" val="1"/>
+                  <p16:designElem xmlns:p16="http://schemas.microsoft.com/office/powerpoint/2015/main" xmlns="" val="1"/>
                 </p:ext>
               </p:extLst>
             </p:nvPr>
@@ -11939,10 +11932,10 @@
             <p:cNvPr id="45" name="Freeform 10">
               <a:extLst>
                 <a:ext uri="{FF2B5EF4-FFF2-40B4-BE49-F238E27FC236}">
-                  <a16:creationId xmlns="" xmlns:a16="http://schemas.microsoft.com/office/drawing/2014/main" id="{9DFA731E-D6BB-42CC-AA05-64023DC81FE6}"/>
+                  <a16:creationId xmlns:a16="http://schemas.microsoft.com/office/drawing/2014/main" xmlns="" id="{9DFA731E-D6BB-42CC-AA05-64023DC81FE6}"/>
                 </a:ext>
                 <a:ext uri="{C183D7F6-B498-43B3-948B-1728B52AA6E4}">
-                  <adec:decorative xmlns="" xmlns:adec="http://schemas.microsoft.com/office/drawing/2017/decorative" val="1"/>
+                  <adec:decorative xmlns:adec="http://schemas.microsoft.com/office/drawing/2017/decorative" xmlns="" val="1"/>
                 </a:ext>
               </a:extLst>
             </p:cNvPr>
@@ -11950,7 +11943,7 @@
             <p:nvPr>
               <p:extLst>
                 <p:ext uri="{386F3935-93C4-4BCD-93E2-E3B085C9AB24}">
-                  <p16:designElem xmlns="" xmlns:p16="http://schemas.microsoft.com/office/powerpoint/2015/main" val="1"/>
+                  <p16:designElem xmlns:p16="http://schemas.microsoft.com/office/powerpoint/2015/main" xmlns="" val="1"/>
                 </p:ext>
               </p:extLst>
             </p:nvPr>
@@ -12005,10 +11998,10 @@
             <p:cNvPr id="46" name="Freeform 11">
               <a:extLst>
                 <a:ext uri="{FF2B5EF4-FFF2-40B4-BE49-F238E27FC236}">
-                  <a16:creationId xmlns="" xmlns:a16="http://schemas.microsoft.com/office/drawing/2014/main" id="{B00D0483-90FB-4EB4-9770-CA8A310D503B}"/>
+                  <a16:creationId xmlns:a16="http://schemas.microsoft.com/office/drawing/2014/main" xmlns="" id="{B00D0483-90FB-4EB4-9770-CA8A310D503B}"/>
                 </a:ext>
                 <a:ext uri="{C183D7F6-B498-43B3-948B-1728B52AA6E4}">
-                  <adec:decorative xmlns="" xmlns:adec="http://schemas.microsoft.com/office/drawing/2017/decorative" val="1"/>
+                  <adec:decorative xmlns:adec="http://schemas.microsoft.com/office/drawing/2017/decorative" xmlns="" val="1"/>
                 </a:ext>
               </a:extLst>
             </p:cNvPr>
@@ -12016,7 +12009,7 @@
             <p:nvPr>
               <p:extLst>
                 <p:ext uri="{386F3935-93C4-4BCD-93E2-E3B085C9AB24}">
-                  <p16:designElem xmlns="" xmlns:p16="http://schemas.microsoft.com/office/powerpoint/2015/main" val="1"/>
+                  <p16:designElem xmlns:p16="http://schemas.microsoft.com/office/powerpoint/2015/main" xmlns="" val="1"/>
                 </p:ext>
               </p:extLst>
             </p:nvPr>
@@ -12085,7 +12078,7 @@
           <p:cNvPr id="2" name="Title 1">
             <a:extLst>
               <a:ext uri="{FF2B5EF4-FFF2-40B4-BE49-F238E27FC236}">
-                <a16:creationId xmlns="" xmlns:a16="http://schemas.microsoft.com/office/drawing/2014/main" id="{339A428F-DE24-F24B-B03E-D8A9E51064E5}"/>
+                <a16:creationId xmlns:a16="http://schemas.microsoft.com/office/drawing/2014/main" xmlns="" id="{339A428F-DE24-F24B-B03E-D8A9E51064E5}"/>
               </a:ext>
             </a:extLst>
           </p:cNvPr>
@@ -12121,10 +12114,10 @@
           <p:cNvPr id="48" name="Rounded Rectangle 16">
             <a:extLst>
               <a:ext uri="{FF2B5EF4-FFF2-40B4-BE49-F238E27FC236}">
-                <a16:creationId xmlns="" xmlns:a16="http://schemas.microsoft.com/office/drawing/2014/main" id="{DD7EED39-224E-4230-8FD1-B1E1AF6C6E36}"/>
+                <a16:creationId xmlns:a16="http://schemas.microsoft.com/office/drawing/2014/main" xmlns="" id="{DD7EED39-224E-4230-8FD1-B1E1AF6C6E36}"/>
               </a:ext>
               <a:ext uri="{C183D7F6-B498-43B3-948B-1728B52AA6E4}">
-                <adec:decorative xmlns="" xmlns:adec="http://schemas.microsoft.com/office/drawing/2017/decorative" val="1"/>
+                <adec:decorative xmlns:adec="http://schemas.microsoft.com/office/drawing/2017/decorative" xmlns="" val="1"/>
               </a:ext>
             </a:extLst>
           </p:cNvPr>
@@ -12134,7 +12127,7 @@
           <p:nvPr>
             <p:extLst>
               <p:ext uri="{386F3935-93C4-4BCD-93E2-E3B085C9AB24}">
-                <p16:designElem xmlns="" xmlns:p16="http://schemas.microsoft.com/office/powerpoint/2015/main" val="1"/>
+                <p16:designElem xmlns:p16="http://schemas.microsoft.com/office/powerpoint/2015/main" xmlns="" val="1"/>
               </p:ext>
             </p:extLst>
           </p:nvPr>
@@ -12206,7 +12199,7 @@
           <p:cNvPr id="20" name="TextBox 19">
             <a:extLst>
               <a:ext uri="{FF2B5EF4-FFF2-40B4-BE49-F238E27FC236}">
-                <a16:creationId xmlns="" xmlns:a16="http://schemas.microsoft.com/office/drawing/2014/main" id="{0983CF5F-AED5-EA43-B332-EF09D66427D2}"/>
+                <a16:creationId xmlns:a16="http://schemas.microsoft.com/office/drawing/2014/main" xmlns="" id="{0983CF5F-AED5-EA43-B332-EF09D66427D2}"/>
               </a:ext>
             </a:extLst>
           </p:cNvPr>
@@ -12523,10 +12516,10 @@
           <p:cNvPr id="47" name="Group 31">
             <a:extLst>
               <a:ext uri="{FF2B5EF4-FFF2-40B4-BE49-F238E27FC236}">
-                <a16:creationId xmlns="" xmlns:a16="http://schemas.microsoft.com/office/drawing/2014/main" id="{260ACC13-B825-49F3-93DE-C8B8F2FA37A1}"/>
+                <a16:creationId xmlns:a16="http://schemas.microsoft.com/office/drawing/2014/main" xmlns="" id="{260ACC13-B825-49F3-93DE-C8B8F2FA37A1}"/>
               </a:ext>
               <a:ext uri="{C183D7F6-B498-43B3-948B-1728B52AA6E4}">
-                <adec:decorative xmlns="" xmlns:adec="http://schemas.microsoft.com/office/drawing/2017/decorative" val="1"/>
+                <adec:decorative xmlns:adec="http://schemas.microsoft.com/office/drawing/2017/decorative" xmlns="" val="1"/>
               </a:ext>
             </a:extLst>
           </p:cNvPr>
@@ -12536,7 +12529,7 @@
           <p:nvPr>
             <p:extLst>
               <p:ext uri="{386F3935-93C4-4BCD-93E2-E3B085C9AB24}">
-                <p16:designElem xmlns="" xmlns:p16="http://schemas.microsoft.com/office/powerpoint/2015/main" val="1"/>
+                <p16:designElem xmlns:p16="http://schemas.microsoft.com/office/powerpoint/2015/main" xmlns="" val="1"/>
               </p:ext>
             </p:extLst>
           </p:nvPr>
@@ -12554,10 +12547,10 @@
             <p:cNvPr id="33" name="Freeform 6">
               <a:extLst>
                 <a:ext uri="{FF2B5EF4-FFF2-40B4-BE49-F238E27FC236}">
-                  <a16:creationId xmlns="" xmlns:a16="http://schemas.microsoft.com/office/drawing/2014/main" id="{F947B31F-CA03-4793-845D-FD86BABC1A18}"/>
+                  <a16:creationId xmlns:a16="http://schemas.microsoft.com/office/drawing/2014/main" xmlns="" id="{F947B31F-CA03-4793-845D-FD86BABC1A18}"/>
                 </a:ext>
                 <a:ext uri="{C183D7F6-B498-43B3-948B-1728B52AA6E4}">
-                  <adec:decorative xmlns="" xmlns:adec="http://schemas.microsoft.com/office/drawing/2017/decorative" val="1"/>
+                  <adec:decorative xmlns:adec="http://schemas.microsoft.com/office/drawing/2017/decorative" xmlns="" val="1"/>
                 </a:ext>
               </a:extLst>
             </p:cNvPr>
@@ -12565,7 +12558,7 @@
             <p:nvPr>
               <p:extLst>
                 <p:ext uri="{386F3935-93C4-4BCD-93E2-E3B085C9AB24}">
-                  <p16:designElem xmlns="" xmlns:p16="http://schemas.microsoft.com/office/powerpoint/2015/main" val="1"/>
+                  <p16:designElem xmlns:p16="http://schemas.microsoft.com/office/powerpoint/2015/main" xmlns="" val="1"/>
                 </p:ext>
               </p:extLst>
             </p:nvPr>
@@ -12615,10 +12608,10 @@
             <p:cNvPr id="34" name="Freeform 7">
               <a:extLst>
                 <a:ext uri="{FF2B5EF4-FFF2-40B4-BE49-F238E27FC236}">
-                  <a16:creationId xmlns="" xmlns:a16="http://schemas.microsoft.com/office/drawing/2014/main" id="{DCDDE94D-F78C-4A48-AEA6-E922FC99A159}"/>
+                  <a16:creationId xmlns:a16="http://schemas.microsoft.com/office/drawing/2014/main" xmlns="" id="{DCDDE94D-F78C-4A48-AEA6-E922FC99A159}"/>
                 </a:ext>
                 <a:ext uri="{C183D7F6-B498-43B3-948B-1728B52AA6E4}">
-                  <adec:decorative xmlns="" xmlns:adec="http://schemas.microsoft.com/office/drawing/2017/decorative" val="1"/>
+                  <adec:decorative xmlns:adec="http://schemas.microsoft.com/office/drawing/2017/decorative" xmlns="" val="1"/>
                 </a:ext>
               </a:extLst>
             </p:cNvPr>
@@ -12626,7 +12619,7 @@
             <p:nvPr>
               <p:extLst>
                 <p:ext uri="{386F3935-93C4-4BCD-93E2-E3B085C9AB24}">
-                  <p16:designElem xmlns="" xmlns:p16="http://schemas.microsoft.com/office/powerpoint/2015/main" val="1"/>
+                  <p16:designElem xmlns:p16="http://schemas.microsoft.com/office/powerpoint/2015/main" xmlns="" val="1"/>
                 </p:ext>
               </p:extLst>
             </p:nvPr>
@@ -12679,10 +12672,10 @@
             <p:cNvPr id="35" name="Freeform 8">
               <a:extLst>
                 <a:ext uri="{FF2B5EF4-FFF2-40B4-BE49-F238E27FC236}">
-                  <a16:creationId xmlns="" xmlns:a16="http://schemas.microsoft.com/office/drawing/2014/main" id="{3445A886-F3CA-4DE4-90D7-535F9707B799}"/>
+                  <a16:creationId xmlns:a16="http://schemas.microsoft.com/office/drawing/2014/main" xmlns="" id="{3445A886-F3CA-4DE4-90D7-535F9707B799}"/>
                 </a:ext>
                 <a:ext uri="{C183D7F6-B498-43B3-948B-1728B52AA6E4}">
-                  <adec:decorative xmlns="" xmlns:adec="http://schemas.microsoft.com/office/drawing/2017/decorative" val="1"/>
+                  <adec:decorative xmlns:adec="http://schemas.microsoft.com/office/drawing/2017/decorative" xmlns="" val="1"/>
                 </a:ext>
               </a:extLst>
             </p:cNvPr>
@@ -12690,7 +12683,7 @@
             <p:nvPr>
               <p:extLst>
                 <p:ext uri="{386F3935-93C4-4BCD-93E2-E3B085C9AB24}">
-                  <p16:designElem xmlns="" xmlns:p16="http://schemas.microsoft.com/office/powerpoint/2015/main" val="1"/>
+                  <p16:designElem xmlns:p16="http://schemas.microsoft.com/office/powerpoint/2015/main" xmlns="" val="1"/>
                 </p:ext>
               </p:extLst>
             </p:nvPr>
@@ -12740,10 +12733,10 @@
             <p:cNvPr id="36" name="Freeform 9">
               <a:extLst>
                 <a:ext uri="{FF2B5EF4-FFF2-40B4-BE49-F238E27FC236}">
-                  <a16:creationId xmlns="" xmlns:a16="http://schemas.microsoft.com/office/drawing/2014/main" id="{A8999CB6-C053-418B-AE37-E470804D251D}"/>
+                  <a16:creationId xmlns:a16="http://schemas.microsoft.com/office/drawing/2014/main" xmlns="" id="{A8999CB6-C053-418B-AE37-E470804D251D}"/>
                 </a:ext>
                 <a:ext uri="{C183D7F6-B498-43B3-948B-1728B52AA6E4}">
-                  <adec:decorative xmlns="" xmlns:adec="http://schemas.microsoft.com/office/drawing/2017/decorative" val="1"/>
+                  <adec:decorative xmlns:adec="http://schemas.microsoft.com/office/drawing/2017/decorative" xmlns="" val="1"/>
                 </a:ext>
               </a:extLst>
             </p:cNvPr>
@@ -12751,7 +12744,7 @@
             <p:nvPr>
               <p:extLst>
                 <p:ext uri="{386F3935-93C4-4BCD-93E2-E3B085C9AB24}">
-                  <p16:designElem xmlns="" xmlns:p16="http://schemas.microsoft.com/office/powerpoint/2015/main" val="1"/>
+                  <p16:designElem xmlns:p16="http://schemas.microsoft.com/office/powerpoint/2015/main" xmlns="" val="1"/>
                 </p:ext>
               </p:extLst>
             </p:nvPr>
@@ -12800,10 +12793,10 @@
             <p:cNvPr id="37" name="Freeform 10">
               <a:extLst>
                 <a:ext uri="{FF2B5EF4-FFF2-40B4-BE49-F238E27FC236}">
-                  <a16:creationId xmlns="" xmlns:a16="http://schemas.microsoft.com/office/drawing/2014/main" id="{81EA3E26-BFCD-4396-AE8A-2A9828BFFBA2}"/>
+                  <a16:creationId xmlns:a16="http://schemas.microsoft.com/office/drawing/2014/main" xmlns="" id="{81EA3E26-BFCD-4396-AE8A-2A9828BFFBA2}"/>
                 </a:ext>
                 <a:ext uri="{C183D7F6-B498-43B3-948B-1728B52AA6E4}">
-                  <adec:decorative xmlns="" xmlns:adec="http://schemas.microsoft.com/office/drawing/2017/decorative" val="1"/>
+                  <adec:decorative xmlns:adec="http://schemas.microsoft.com/office/drawing/2017/decorative" xmlns="" val="1"/>
                 </a:ext>
               </a:extLst>
             </p:cNvPr>
@@ -12811,7 +12804,7 @@
             <p:nvPr>
               <p:extLst>
                 <p:ext uri="{386F3935-93C4-4BCD-93E2-E3B085C9AB24}">
-                  <p16:designElem xmlns="" xmlns:p16="http://schemas.microsoft.com/office/powerpoint/2015/main" val="1"/>
+                  <p16:designElem xmlns:p16="http://schemas.microsoft.com/office/powerpoint/2015/main" xmlns="" val="1"/>
                 </p:ext>
               </p:extLst>
             </p:nvPr>
@@ -12866,10 +12859,10 @@
             <p:cNvPr id="38" name="Freeform 11">
               <a:extLst>
                 <a:ext uri="{FF2B5EF4-FFF2-40B4-BE49-F238E27FC236}">
-                  <a16:creationId xmlns="" xmlns:a16="http://schemas.microsoft.com/office/drawing/2014/main" id="{5F9BC582-73A6-4D8A-8738-E36476489351}"/>
+                  <a16:creationId xmlns:a16="http://schemas.microsoft.com/office/drawing/2014/main" xmlns="" id="{5F9BC582-73A6-4D8A-8738-E36476489351}"/>
                 </a:ext>
                 <a:ext uri="{C183D7F6-B498-43B3-948B-1728B52AA6E4}">
-                  <adec:decorative xmlns="" xmlns:adec="http://schemas.microsoft.com/office/drawing/2017/decorative" val="1"/>
+                  <adec:decorative xmlns:adec="http://schemas.microsoft.com/office/drawing/2017/decorative" xmlns="" val="1"/>
                 </a:ext>
               </a:extLst>
             </p:cNvPr>
@@ -12877,7 +12870,7 @@
             <p:nvPr>
               <p:extLst>
                 <p:ext uri="{386F3935-93C4-4BCD-93E2-E3B085C9AB24}">
-                  <p16:designElem xmlns="" xmlns:p16="http://schemas.microsoft.com/office/powerpoint/2015/main" val="1"/>
+                  <p16:designElem xmlns:p16="http://schemas.microsoft.com/office/powerpoint/2015/main" xmlns="" val="1"/>
                 </p:ext>
               </p:extLst>
             </p:nvPr>
@@ -12946,10 +12939,10 @@
           <p:cNvPr id="40" name="Group 39">
             <a:extLst>
               <a:ext uri="{FF2B5EF4-FFF2-40B4-BE49-F238E27FC236}">
-                <a16:creationId xmlns="" xmlns:a16="http://schemas.microsoft.com/office/drawing/2014/main" id="{A2E861A3-F23C-46B8-A38A-4A22E453D993}"/>
+                <a16:creationId xmlns:a16="http://schemas.microsoft.com/office/drawing/2014/main" xmlns="" id="{A2E861A3-F23C-46B8-A38A-4A22E453D993}"/>
               </a:ext>
               <a:ext uri="{C183D7F6-B498-43B3-948B-1728B52AA6E4}">
-                <adec:decorative xmlns="" xmlns:adec="http://schemas.microsoft.com/office/drawing/2017/decorative" val="1"/>
+                <adec:decorative xmlns:adec="http://schemas.microsoft.com/office/drawing/2017/decorative" xmlns="" val="1"/>
               </a:ext>
             </a:extLst>
           </p:cNvPr>
@@ -12959,7 +12952,7 @@
           <p:nvPr>
             <p:extLst>
               <p:ext uri="{386F3935-93C4-4BCD-93E2-E3B085C9AB24}">
-                <p16:designElem xmlns="" xmlns:p16="http://schemas.microsoft.com/office/powerpoint/2015/main" val="1"/>
+                <p16:designElem xmlns:p16="http://schemas.microsoft.com/office/powerpoint/2015/main" xmlns="" val="1"/>
               </p:ext>
             </p:extLst>
           </p:nvPr>
@@ -12977,10 +12970,10 @@
             <p:cNvPr id="41" name="Freeform 6">
               <a:extLst>
                 <a:ext uri="{FF2B5EF4-FFF2-40B4-BE49-F238E27FC236}">
-                  <a16:creationId xmlns="" xmlns:a16="http://schemas.microsoft.com/office/drawing/2014/main" id="{8BC3D220-643B-4160-B5A9-59DF5D21F410}"/>
+                  <a16:creationId xmlns:a16="http://schemas.microsoft.com/office/drawing/2014/main" xmlns="" id="{8BC3D220-643B-4160-B5A9-59DF5D21F410}"/>
                 </a:ext>
                 <a:ext uri="{C183D7F6-B498-43B3-948B-1728B52AA6E4}">
-                  <adec:decorative xmlns="" xmlns:adec="http://schemas.microsoft.com/office/drawing/2017/decorative" val="1"/>
+                  <adec:decorative xmlns:adec="http://schemas.microsoft.com/office/drawing/2017/decorative" xmlns="" val="1"/>
                 </a:ext>
               </a:extLst>
             </p:cNvPr>
@@ -12988,7 +12981,7 @@
             <p:nvPr>
               <p:extLst>
                 <p:ext uri="{386F3935-93C4-4BCD-93E2-E3B085C9AB24}">
-                  <p16:designElem xmlns="" xmlns:p16="http://schemas.microsoft.com/office/powerpoint/2015/main" val="1"/>
+                  <p16:designElem xmlns:p16="http://schemas.microsoft.com/office/powerpoint/2015/main" xmlns="" val="1"/>
                 </p:ext>
               </p:extLst>
             </p:nvPr>
@@ -13038,10 +13031,10 @@
             <p:cNvPr id="42" name="Freeform 7">
               <a:extLst>
                 <a:ext uri="{FF2B5EF4-FFF2-40B4-BE49-F238E27FC236}">
-                  <a16:creationId xmlns="" xmlns:a16="http://schemas.microsoft.com/office/drawing/2014/main" id="{B92237DE-D518-4625-8392-66D7084588A0}"/>
+                  <a16:creationId xmlns:a16="http://schemas.microsoft.com/office/drawing/2014/main" xmlns="" id="{B92237DE-D518-4625-8392-66D7084588A0}"/>
                 </a:ext>
                 <a:ext uri="{C183D7F6-B498-43B3-948B-1728B52AA6E4}">
-                  <adec:decorative xmlns="" xmlns:adec="http://schemas.microsoft.com/office/drawing/2017/decorative" val="1"/>
+                  <adec:decorative xmlns:adec="http://schemas.microsoft.com/office/drawing/2017/decorative" xmlns="" val="1"/>
                 </a:ext>
               </a:extLst>
             </p:cNvPr>
@@ -13049,7 +13042,7 @@
             <p:nvPr>
               <p:extLst>
                 <p:ext uri="{386F3935-93C4-4BCD-93E2-E3B085C9AB24}">
-                  <p16:designElem xmlns="" xmlns:p16="http://schemas.microsoft.com/office/powerpoint/2015/main" val="1"/>
+                  <p16:designElem xmlns:p16="http://schemas.microsoft.com/office/powerpoint/2015/main" xmlns="" val="1"/>
                 </p:ext>
               </p:extLst>
             </p:nvPr>
@@ -13102,10 +13095,10 @@
             <p:cNvPr id="43" name="Freeform 8">
               <a:extLst>
                 <a:ext uri="{FF2B5EF4-FFF2-40B4-BE49-F238E27FC236}">
-                  <a16:creationId xmlns="" xmlns:a16="http://schemas.microsoft.com/office/drawing/2014/main" id="{F290F0DD-E80A-4263-94E1-A41F57D84CC5}"/>
+                  <a16:creationId xmlns:a16="http://schemas.microsoft.com/office/drawing/2014/main" xmlns="" id="{F290F0DD-E80A-4263-94E1-A41F57D84CC5}"/>
                 </a:ext>
                 <a:ext uri="{C183D7F6-B498-43B3-948B-1728B52AA6E4}">
-                  <adec:decorative xmlns="" xmlns:adec="http://schemas.microsoft.com/office/drawing/2017/decorative" val="1"/>
+                  <adec:decorative xmlns:adec="http://schemas.microsoft.com/office/drawing/2017/decorative" xmlns="" val="1"/>
                 </a:ext>
               </a:extLst>
             </p:cNvPr>
@@ -13113,7 +13106,7 @@
             <p:nvPr>
               <p:extLst>
                 <p:ext uri="{386F3935-93C4-4BCD-93E2-E3B085C9AB24}">
-                  <p16:designElem xmlns="" xmlns:p16="http://schemas.microsoft.com/office/powerpoint/2015/main" val="1"/>
+                  <p16:designElem xmlns:p16="http://schemas.microsoft.com/office/powerpoint/2015/main" xmlns="" val="1"/>
                 </p:ext>
               </p:extLst>
             </p:nvPr>
@@ -13163,10 +13156,10 @@
             <p:cNvPr id="44" name="Freeform 9">
               <a:extLst>
                 <a:ext uri="{FF2B5EF4-FFF2-40B4-BE49-F238E27FC236}">
-                  <a16:creationId xmlns="" xmlns:a16="http://schemas.microsoft.com/office/drawing/2014/main" id="{D78EA7D2-CCEA-435E-873D-36BF0522FFED}"/>
+                  <a16:creationId xmlns:a16="http://schemas.microsoft.com/office/drawing/2014/main" xmlns="" id="{D78EA7D2-CCEA-435E-873D-36BF0522FFED}"/>
                 </a:ext>
                 <a:ext uri="{C183D7F6-B498-43B3-948B-1728B52AA6E4}">
-                  <adec:decorative xmlns="" xmlns:adec="http://schemas.microsoft.com/office/drawing/2017/decorative" val="1"/>
+                  <adec:decorative xmlns:adec="http://schemas.microsoft.com/office/drawing/2017/decorative" xmlns="" val="1"/>
                 </a:ext>
               </a:extLst>
             </p:cNvPr>
@@ -13174,7 +13167,7 @@
             <p:nvPr>
               <p:extLst>
                 <p:ext uri="{386F3935-93C4-4BCD-93E2-E3B085C9AB24}">
-                  <p16:designElem xmlns="" xmlns:p16="http://schemas.microsoft.com/office/powerpoint/2015/main" val="1"/>
+                  <p16:designElem xmlns:p16="http://schemas.microsoft.com/office/powerpoint/2015/main" xmlns="" val="1"/>
                 </p:ext>
               </p:extLst>
             </p:nvPr>
@@ -13223,10 +13216,10 @@
             <p:cNvPr id="45" name="Freeform 10">
               <a:extLst>
                 <a:ext uri="{FF2B5EF4-FFF2-40B4-BE49-F238E27FC236}">
-                  <a16:creationId xmlns="" xmlns:a16="http://schemas.microsoft.com/office/drawing/2014/main" id="{9DFA731E-D6BB-42CC-AA05-64023DC81FE6}"/>
+                  <a16:creationId xmlns:a16="http://schemas.microsoft.com/office/drawing/2014/main" xmlns="" id="{9DFA731E-D6BB-42CC-AA05-64023DC81FE6}"/>
                 </a:ext>
                 <a:ext uri="{C183D7F6-B498-43B3-948B-1728B52AA6E4}">
-                  <adec:decorative xmlns="" xmlns:adec="http://schemas.microsoft.com/office/drawing/2017/decorative" val="1"/>
+                  <adec:decorative xmlns:adec="http://schemas.microsoft.com/office/drawing/2017/decorative" xmlns="" val="1"/>
                 </a:ext>
               </a:extLst>
             </p:cNvPr>
@@ -13234,7 +13227,7 @@
             <p:nvPr>
               <p:extLst>
                 <p:ext uri="{386F3935-93C4-4BCD-93E2-E3B085C9AB24}">
-                  <p16:designElem xmlns="" xmlns:p16="http://schemas.microsoft.com/office/powerpoint/2015/main" val="1"/>
+                  <p16:designElem xmlns:p16="http://schemas.microsoft.com/office/powerpoint/2015/main" xmlns="" val="1"/>
                 </p:ext>
               </p:extLst>
             </p:nvPr>
@@ -13289,10 +13282,10 @@
             <p:cNvPr id="46" name="Freeform 11">
               <a:extLst>
                 <a:ext uri="{FF2B5EF4-FFF2-40B4-BE49-F238E27FC236}">
-                  <a16:creationId xmlns="" xmlns:a16="http://schemas.microsoft.com/office/drawing/2014/main" id="{B00D0483-90FB-4EB4-9770-CA8A310D503B}"/>
+                  <a16:creationId xmlns:a16="http://schemas.microsoft.com/office/drawing/2014/main" xmlns="" id="{B00D0483-90FB-4EB4-9770-CA8A310D503B}"/>
                 </a:ext>
                 <a:ext uri="{C183D7F6-B498-43B3-948B-1728B52AA6E4}">
-                  <adec:decorative xmlns="" xmlns:adec="http://schemas.microsoft.com/office/drawing/2017/decorative" val="1"/>
+                  <adec:decorative xmlns:adec="http://schemas.microsoft.com/office/drawing/2017/decorative" xmlns="" val="1"/>
                 </a:ext>
               </a:extLst>
             </p:cNvPr>
@@ -13300,7 +13293,7 @@
             <p:nvPr>
               <p:extLst>
                 <p:ext uri="{386F3935-93C4-4BCD-93E2-E3B085C9AB24}">
-                  <p16:designElem xmlns="" xmlns:p16="http://schemas.microsoft.com/office/powerpoint/2015/main" val="1"/>
+                  <p16:designElem xmlns:p16="http://schemas.microsoft.com/office/powerpoint/2015/main" xmlns="" val="1"/>
                 </p:ext>
               </p:extLst>
             </p:nvPr>
@@ -13369,7 +13362,7 @@
           <p:cNvPr id="2" name="Title 1">
             <a:extLst>
               <a:ext uri="{FF2B5EF4-FFF2-40B4-BE49-F238E27FC236}">
-                <a16:creationId xmlns="" xmlns:a16="http://schemas.microsoft.com/office/drawing/2014/main" id="{339A428F-DE24-F24B-B03E-D8A9E51064E5}"/>
+                <a16:creationId xmlns:a16="http://schemas.microsoft.com/office/drawing/2014/main" xmlns="" id="{339A428F-DE24-F24B-B03E-D8A9E51064E5}"/>
               </a:ext>
             </a:extLst>
           </p:cNvPr>
@@ -13405,10 +13398,10 @@
           <p:cNvPr id="48" name="Rounded Rectangle 16">
             <a:extLst>
               <a:ext uri="{FF2B5EF4-FFF2-40B4-BE49-F238E27FC236}">
-                <a16:creationId xmlns="" xmlns:a16="http://schemas.microsoft.com/office/drawing/2014/main" id="{DD7EED39-224E-4230-8FD1-B1E1AF6C6E36}"/>
+                <a16:creationId xmlns:a16="http://schemas.microsoft.com/office/drawing/2014/main" xmlns="" id="{DD7EED39-224E-4230-8FD1-B1E1AF6C6E36}"/>
               </a:ext>
               <a:ext uri="{C183D7F6-B498-43B3-948B-1728B52AA6E4}">
-                <adec:decorative xmlns="" xmlns:adec="http://schemas.microsoft.com/office/drawing/2017/decorative" val="1"/>
+                <adec:decorative xmlns:adec="http://schemas.microsoft.com/office/drawing/2017/decorative" xmlns="" val="1"/>
               </a:ext>
             </a:extLst>
           </p:cNvPr>
@@ -13418,7 +13411,7 @@
           <p:nvPr>
             <p:extLst>
               <p:ext uri="{386F3935-93C4-4BCD-93E2-E3B085C9AB24}">
-                <p16:designElem xmlns="" xmlns:p16="http://schemas.microsoft.com/office/powerpoint/2015/main" val="1"/>
+                <p16:designElem xmlns:p16="http://schemas.microsoft.com/office/powerpoint/2015/main" xmlns="" val="1"/>
               </p:ext>
             </p:extLst>
           </p:nvPr>
@@ -13490,7 +13483,7 @@
           <p:cNvPr id="20" name="TextBox 19">
             <a:extLst>
               <a:ext uri="{FF2B5EF4-FFF2-40B4-BE49-F238E27FC236}">
-                <a16:creationId xmlns="" xmlns:a16="http://schemas.microsoft.com/office/drawing/2014/main" id="{0983CF5F-AED5-EA43-B332-EF09D66427D2}"/>
+                <a16:creationId xmlns:a16="http://schemas.microsoft.com/office/drawing/2014/main" xmlns="" id="{0983CF5F-AED5-EA43-B332-EF09D66427D2}"/>
               </a:ext>
             </a:extLst>
           </p:cNvPr>
@@ -13820,10 +13813,10 @@
           <p:cNvPr id="47" name="Group 31">
             <a:extLst>
               <a:ext uri="{FF2B5EF4-FFF2-40B4-BE49-F238E27FC236}">
-                <a16:creationId xmlns="" xmlns:a16="http://schemas.microsoft.com/office/drawing/2014/main" id="{260ACC13-B825-49F3-93DE-C8B8F2FA37A1}"/>
+                <a16:creationId xmlns:a16="http://schemas.microsoft.com/office/drawing/2014/main" xmlns="" id="{260ACC13-B825-49F3-93DE-C8B8F2FA37A1}"/>
               </a:ext>
               <a:ext uri="{C183D7F6-B498-43B3-948B-1728B52AA6E4}">
-                <adec:decorative xmlns="" xmlns:adec="http://schemas.microsoft.com/office/drawing/2017/decorative" val="1"/>
+                <adec:decorative xmlns:adec="http://schemas.microsoft.com/office/drawing/2017/decorative" xmlns="" val="1"/>
               </a:ext>
             </a:extLst>
           </p:cNvPr>
@@ -13833,7 +13826,7 @@
           <p:nvPr>
             <p:extLst>
               <p:ext uri="{386F3935-93C4-4BCD-93E2-E3B085C9AB24}">
-                <p16:designElem xmlns="" xmlns:p16="http://schemas.microsoft.com/office/powerpoint/2015/main" val="1"/>
+                <p16:designElem xmlns:p16="http://schemas.microsoft.com/office/powerpoint/2015/main" xmlns="" val="1"/>
               </p:ext>
             </p:extLst>
           </p:nvPr>
@@ -13851,10 +13844,10 @@
             <p:cNvPr id="33" name="Freeform 6">
               <a:extLst>
                 <a:ext uri="{FF2B5EF4-FFF2-40B4-BE49-F238E27FC236}">
-                  <a16:creationId xmlns="" xmlns:a16="http://schemas.microsoft.com/office/drawing/2014/main" id="{F947B31F-CA03-4793-845D-FD86BABC1A18}"/>
+                  <a16:creationId xmlns:a16="http://schemas.microsoft.com/office/drawing/2014/main" xmlns="" id="{F947B31F-CA03-4793-845D-FD86BABC1A18}"/>
                 </a:ext>
                 <a:ext uri="{C183D7F6-B498-43B3-948B-1728B52AA6E4}">
-                  <adec:decorative xmlns="" xmlns:adec="http://schemas.microsoft.com/office/drawing/2017/decorative" val="1"/>
+                  <adec:decorative xmlns:adec="http://schemas.microsoft.com/office/drawing/2017/decorative" xmlns="" val="1"/>
                 </a:ext>
               </a:extLst>
             </p:cNvPr>
@@ -13862,7 +13855,7 @@
             <p:nvPr>
               <p:extLst>
                 <p:ext uri="{386F3935-93C4-4BCD-93E2-E3B085C9AB24}">
-                  <p16:designElem xmlns="" xmlns:p16="http://schemas.microsoft.com/office/powerpoint/2015/main" val="1"/>
+                  <p16:designElem xmlns:p16="http://schemas.microsoft.com/office/powerpoint/2015/main" xmlns="" val="1"/>
                 </p:ext>
               </p:extLst>
             </p:nvPr>
@@ -13912,10 +13905,10 @@
             <p:cNvPr id="34" name="Freeform 7">
               <a:extLst>
                 <a:ext uri="{FF2B5EF4-FFF2-40B4-BE49-F238E27FC236}">
-                  <a16:creationId xmlns="" xmlns:a16="http://schemas.microsoft.com/office/drawing/2014/main" id="{DCDDE94D-F78C-4A48-AEA6-E922FC99A159}"/>
+                  <a16:creationId xmlns:a16="http://schemas.microsoft.com/office/drawing/2014/main" xmlns="" id="{DCDDE94D-F78C-4A48-AEA6-E922FC99A159}"/>
                 </a:ext>
                 <a:ext uri="{C183D7F6-B498-43B3-948B-1728B52AA6E4}">
-                  <adec:decorative xmlns="" xmlns:adec="http://schemas.microsoft.com/office/drawing/2017/decorative" val="1"/>
+                  <adec:decorative xmlns:adec="http://schemas.microsoft.com/office/drawing/2017/decorative" xmlns="" val="1"/>
                 </a:ext>
               </a:extLst>
             </p:cNvPr>
@@ -13923,7 +13916,7 @@
             <p:nvPr>
               <p:extLst>
                 <p:ext uri="{386F3935-93C4-4BCD-93E2-E3B085C9AB24}">
-                  <p16:designElem xmlns="" xmlns:p16="http://schemas.microsoft.com/office/powerpoint/2015/main" val="1"/>
+                  <p16:designElem xmlns:p16="http://schemas.microsoft.com/office/powerpoint/2015/main" xmlns="" val="1"/>
                 </p:ext>
               </p:extLst>
             </p:nvPr>
@@ -13976,10 +13969,10 @@
             <p:cNvPr id="35" name="Freeform 8">
               <a:extLst>
                 <a:ext uri="{FF2B5EF4-FFF2-40B4-BE49-F238E27FC236}">
-                  <a16:creationId xmlns="" xmlns:a16="http://schemas.microsoft.com/office/drawing/2014/main" id="{3445A886-F3CA-4DE4-90D7-535F9707B799}"/>
+                  <a16:creationId xmlns:a16="http://schemas.microsoft.com/office/drawing/2014/main" xmlns="" id="{3445A886-F3CA-4DE4-90D7-535F9707B799}"/>
                 </a:ext>
                 <a:ext uri="{C183D7F6-B498-43B3-948B-1728B52AA6E4}">
-                  <adec:decorative xmlns="" xmlns:adec="http://schemas.microsoft.com/office/drawing/2017/decorative" val="1"/>
+                  <adec:decorative xmlns:adec="http://schemas.microsoft.com/office/drawing/2017/decorative" xmlns="" val="1"/>
                 </a:ext>
               </a:extLst>
             </p:cNvPr>
@@ -13987,7 +13980,7 @@
             <p:nvPr>
               <p:extLst>
                 <p:ext uri="{386F3935-93C4-4BCD-93E2-E3B085C9AB24}">
-                  <p16:designElem xmlns="" xmlns:p16="http://schemas.microsoft.com/office/powerpoint/2015/main" val="1"/>
+                  <p16:designElem xmlns:p16="http://schemas.microsoft.com/office/powerpoint/2015/main" xmlns="" val="1"/>
                 </p:ext>
               </p:extLst>
             </p:nvPr>
@@ -14037,10 +14030,10 @@
             <p:cNvPr id="36" name="Freeform 9">
               <a:extLst>
                 <a:ext uri="{FF2B5EF4-FFF2-40B4-BE49-F238E27FC236}">
-                  <a16:creationId xmlns="" xmlns:a16="http://schemas.microsoft.com/office/drawing/2014/main" id="{A8999CB6-C053-418B-AE37-E470804D251D}"/>
+                  <a16:creationId xmlns:a16="http://schemas.microsoft.com/office/drawing/2014/main" xmlns="" id="{A8999CB6-C053-418B-AE37-E470804D251D}"/>
                 </a:ext>
                 <a:ext uri="{C183D7F6-B498-43B3-948B-1728B52AA6E4}">
-                  <adec:decorative xmlns="" xmlns:adec="http://schemas.microsoft.com/office/drawing/2017/decorative" val="1"/>
+                  <adec:decorative xmlns:adec="http://schemas.microsoft.com/office/drawing/2017/decorative" xmlns="" val="1"/>
                 </a:ext>
               </a:extLst>
             </p:cNvPr>
@@ -14048,7 +14041,7 @@
             <p:nvPr>
               <p:extLst>
                 <p:ext uri="{386F3935-93C4-4BCD-93E2-E3B085C9AB24}">
-                  <p16:designElem xmlns="" xmlns:p16="http://schemas.microsoft.com/office/powerpoint/2015/main" val="1"/>
+                  <p16:designElem xmlns:p16="http://schemas.microsoft.com/office/powerpoint/2015/main" xmlns="" val="1"/>
                 </p:ext>
               </p:extLst>
             </p:nvPr>
@@ -14097,10 +14090,10 @@
             <p:cNvPr id="37" name="Freeform 10">
               <a:extLst>
                 <a:ext uri="{FF2B5EF4-FFF2-40B4-BE49-F238E27FC236}">
-                  <a16:creationId xmlns="" xmlns:a16="http://schemas.microsoft.com/office/drawing/2014/main" id="{81EA3E26-BFCD-4396-AE8A-2A9828BFFBA2}"/>
+                  <a16:creationId xmlns:a16="http://schemas.microsoft.com/office/drawing/2014/main" xmlns="" id="{81EA3E26-BFCD-4396-AE8A-2A9828BFFBA2}"/>
                 </a:ext>
                 <a:ext uri="{C183D7F6-B498-43B3-948B-1728B52AA6E4}">
-                  <adec:decorative xmlns="" xmlns:adec="http://schemas.microsoft.com/office/drawing/2017/decorative" val="1"/>
+                  <adec:decorative xmlns:adec="http://schemas.microsoft.com/office/drawing/2017/decorative" xmlns="" val="1"/>
                 </a:ext>
               </a:extLst>
             </p:cNvPr>
@@ -14108,7 +14101,7 @@
             <p:nvPr>
               <p:extLst>
                 <p:ext uri="{386F3935-93C4-4BCD-93E2-E3B085C9AB24}">
-                  <p16:designElem xmlns="" xmlns:p16="http://schemas.microsoft.com/office/powerpoint/2015/main" val="1"/>
+                  <p16:designElem xmlns:p16="http://schemas.microsoft.com/office/powerpoint/2015/main" xmlns="" val="1"/>
                 </p:ext>
               </p:extLst>
             </p:nvPr>
@@ -14163,10 +14156,10 @@
             <p:cNvPr id="38" name="Freeform 11">
               <a:extLst>
                 <a:ext uri="{FF2B5EF4-FFF2-40B4-BE49-F238E27FC236}">
-                  <a16:creationId xmlns="" xmlns:a16="http://schemas.microsoft.com/office/drawing/2014/main" id="{5F9BC582-73A6-4D8A-8738-E36476489351}"/>
+                  <a16:creationId xmlns:a16="http://schemas.microsoft.com/office/drawing/2014/main" xmlns="" id="{5F9BC582-73A6-4D8A-8738-E36476489351}"/>
                 </a:ext>
                 <a:ext uri="{C183D7F6-B498-43B3-948B-1728B52AA6E4}">
-                  <adec:decorative xmlns="" xmlns:adec="http://schemas.microsoft.com/office/drawing/2017/decorative" val="1"/>
+                  <adec:decorative xmlns:adec="http://schemas.microsoft.com/office/drawing/2017/decorative" xmlns="" val="1"/>
                 </a:ext>
               </a:extLst>
             </p:cNvPr>
@@ -14174,7 +14167,7 @@
             <p:nvPr>
               <p:extLst>
                 <p:ext uri="{386F3935-93C4-4BCD-93E2-E3B085C9AB24}">
-                  <p16:designElem xmlns="" xmlns:p16="http://schemas.microsoft.com/office/powerpoint/2015/main" val="1"/>
+                  <p16:designElem xmlns:p16="http://schemas.microsoft.com/office/powerpoint/2015/main" xmlns="" val="1"/>
                 </p:ext>
               </p:extLst>
             </p:nvPr>
@@ -14243,10 +14236,10 @@
           <p:cNvPr id="40" name="Group 39">
             <a:extLst>
               <a:ext uri="{FF2B5EF4-FFF2-40B4-BE49-F238E27FC236}">
-                <a16:creationId xmlns="" xmlns:a16="http://schemas.microsoft.com/office/drawing/2014/main" id="{A2E861A3-F23C-46B8-A38A-4A22E453D993}"/>
+                <a16:creationId xmlns:a16="http://schemas.microsoft.com/office/drawing/2014/main" xmlns="" id="{A2E861A3-F23C-46B8-A38A-4A22E453D993}"/>
               </a:ext>
               <a:ext uri="{C183D7F6-B498-43B3-948B-1728B52AA6E4}">
-                <adec:decorative xmlns="" xmlns:adec="http://schemas.microsoft.com/office/drawing/2017/decorative" val="1"/>
+                <adec:decorative xmlns:adec="http://schemas.microsoft.com/office/drawing/2017/decorative" xmlns="" val="1"/>
               </a:ext>
             </a:extLst>
           </p:cNvPr>
@@ -14256,7 +14249,7 @@
           <p:nvPr>
             <p:extLst>
               <p:ext uri="{386F3935-93C4-4BCD-93E2-E3B085C9AB24}">
-                <p16:designElem xmlns="" xmlns:p16="http://schemas.microsoft.com/office/powerpoint/2015/main" val="1"/>
+                <p16:designElem xmlns:p16="http://schemas.microsoft.com/office/powerpoint/2015/main" xmlns="" val="1"/>
               </p:ext>
             </p:extLst>
           </p:nvPr>
@@ -14274,10 +14267,10 @@
             <p:cNvPr id="41" name="Freeform 6">
               <a:extLst>
                 <a:ext uri="{FF2B5EF4-FFF2-40B4-BE49-F238E27FC236}">
-                  <a16:creationId xmlns="" xmlns:a16="http://schemas.microsoft.com/office/drawing/2014/main" id="{8BC3D220-643B-4160-B5A9-59DF5D21F410}"/>
+                  <a16:creationId xmlns:a16="http://schemas.microsoft.com/office/drawing/2014/main" xmlns="" id="{8BC3D220-643B-4160-B5A9-59DF5D21F410}"/>
                 </a:ext>
                 <a:ext uri="{C183D7F6-B498-43B3-948B-1728B52AA6E4}">
-                  <adec:decorative xmlns="" xmlns:adec="http://schemas.microsoft.com/office/drawing/2017/decorative" val="1"/>
+                  <adec:decorative xmlns:adec="http://schemas.microsoft.com/office/drawing/2017/decorative" xmlns="" val="1"/>
                 </a:ext>
               </a:extLst>
             </p:cNvPr>
@@ -14285,7 +14278,7 @@
             <p:nvPr>
               <p:extLst>
                 <p:ext uri="{386F3935-93C4-4BCD-93E2-E3B085C9AB24}">
-                  <p16:designElem xmlns="" xmlns:p16="http://schemas.microsoft.com/office/powerpoint/2015/main" val="1"/>
+                  <p16:designElem xmlns:p16="http://schemas.microsoft.com/office/powerpoint/2015/main" xmlns="" val="1"/>
                 </p:ext>
               </p:extLst>
             </p:nvPr>
@@ -14335,10 +14328,10 @@
             <p:cNvPr id="42" name="Freeform 7">
               <a:extLst>
                 <a:ext uri="{FF2B5EF4-FFF2-40B4-BE49-F238E27FC236}">
-                  <a16:creationId xmlns="" xmlns:a16="http://schemas.microsoft.com/office/drawing/2014/main" id="{B92237DE-D518-4625-8392-66D7084588A0}"/>
+                  <a16:creationId xmlns:a16="http://schemas.microsoft.com/office/drawing/2014/main" xmlns="" id="{B92237DE-D518-4625-8392-66D7084588A0}"/>
                 </a:ext>
                 <a:ext uri="{C183D7F6-B498-43B3-948B-1728B52AA6E4}">
-                  <adec:decorative xmlns="" xmlns:adec="http://schemas.microsoft.com/office/drawing/2017/decorative" val="1"/>
+                  <adec:decorative xmlns:adec="http://schemas.microsoft.com/office/drawing/2017/decorative" xmlns="" val="1"/>
                 </a:ext>
               </a:extLst>
             </p:cNvPr>
@@ -14346,7 +14339,7 @@
             <p:nvPr>
               <p:extLst>
                 <p:ext uri="{386F3935-93C4-4BCD-93E2-E3B085C9AB24}">
-                  <p16:designElem xmlns="" xmlns:p16="http://schemas.microsoft.com/office/powerpoint/2015/main" val="1"/>
+                  <p16:designElem xmlns:p16="http://schemas.microsoft.com/office/powerpoint/2015/main" xmlns="" val="1"/>
                 </p:ext>
               </p:extLst>
             </p:nvPr>
@@ -14399,10 +14392,10 @@
             <p:cNvPr id="43" name="Freeform 8">
               <a:extLst>
                 <a:ext uri="{FF2B5EF4-FFF2-40B4-BE49-F238E27FC236}">
-                  <a16:creationId xmlns="" xmlns:a16="http://schemas.microsoft.com/office/drawing/2014/main" id="{F290F0DD-E80A-4263-94E1-A41F57D84CC5}"/>
+                  <a16:creationId xmlns:a16="http://schemas.microsoft.com/office/drawing/2014/main" xmlns="" id="{F290F0DD-E80A-4263-94E1-A41F57D84CC5}"/>
                 </a:ext>
                 <a:ext uri="{C183D7F6-B498-43B3-948B-1728B52AA6E4}">
-                  <adec:decorative xmlns="" xmlns:adec="http://schemas.microsoft.com/office/drawing/2017/decorative" val="1"/>
+                  <adec:decorative xmlns:adec="http://schemas.microsoft.com/office/drawing/2017/decorative" xmlns="" val="1"/>
                 </a:ext>
               </a:extLst>
             </p:cNvPr>
@@ -14410,7 +14403,7 @@
             <p:nvPr>
               <p:extLst>
                 <p:ext uri="{386F3935-93C4-4BCD-93E2-E3B085C9AB24}">
-                  <p16:designElem xmlns="" xmlns:p16="http://schemas.microsoft.com/office/powerpoint/2015/main" val="1"/>
+                  <p16:designElem xmlns:p16="http://schemas.microsoft.com/office/powerpoint/2015/main" xmlns="" val="1"/>
                 </p:ext>
               </p:extLst>
             </p:nvPr>
@@ -14460,10 +14453,10 @@
             <p:cNvPr id="44" name="Freeform 9">
               <a:extLst>
                 <a:ext uri="{FF2B5EF4-FFF2-40B4-BE49-F238E27FC236}">
-                  <a16:creationId xmlns="" xmlns:a16="http://schemas.microsoft.com/office/drawing/2014/main" id="{D78EA7D2-CCEA-435E-873D-36BF0522FFED}"/>
+                  <a16:creationId xmlns:a16="http://schemas.microsoft.com/office/drawing/2014/main" xmlns="" id="{D78EA7D2-CCEA-435E-873D-36BF0522FFED}"/>
                 </a:ext>
                 <a:ext uri="{C183D7F6-B498-43B3-948B-1728B52AA6E4}">
-                  <adec:decorative xmlns="" xmlns:adec="http://schemas.microsoft.com/office/drawing/2017/decorative" val="1"/>
+                  <adec:decorative xmlns:adec="http://schemas.microsoft.com/office/drawing/2017/decorative" xmlns="" val="1"/>
                 </a:ext>
               </a:extLst>
             </p:cNvPr>
@@ -14471,7 +14464,7 @@
             <p:nvPr>
               <p:extLst>
                 <p:ext uri="{386F3935-93C4-4BCD-93E2-E3B085C9AB24}">
-                  <p16:designElem xmlns="" xmlns:p16="http://schemas.microsoft.com/office/powerpoint/2015/main" val="1"/>
+                  <p16:designElem xmlns:p16="http://schemas.microsoft.com/office/powerpoint/2015/main" xmlns="" val="1"/>
                 </p:ext>
               </p:extLst>
             </p:nvPr>
@@ -14520,10 +14513,10 @@
             <p:cNvPr id="45" name="Freeform 10">
               <a:extLst>
                 <a:ext uri="{FF2B5EF4-FFF2-40B4-BE49-F238E27FC236}">
-                  <a16:creationId xmlns="" xmlns:a16="http://schemas.microsoft.com/office/drawing/2014/main" id="{9DFA731E-D6BB-42CC-AA05-64023DC81FE6}"/>
+                  <a16:creationId xmlns:a16="http://schemas.microsoft.com/office/drawing/2014/main" xmlns="" id="{9DFA731E-D6BB-42CC-AA05-64023DC81FE6}"/>
                 </a:ext>
                 <a:ext uri="{C183D7F6-B498-43B3-948B-1728B52AA6E4}">
-                  <adec:decorative xmlns="" xmlns:adec="http://schemas.microsoft.com/office/drawing/2017/decorative" val="1"/>
+                  <adec:decorative xmlns:adec="http://schemas.microsoft.com/office/drawing/2017/decorative" xmlns="" val="1"/>
                 </a:ext>
               </a:extLst>
             </p:cNvPr>
@@ -14531,7 +14524,7 @@
             <p:nvPr>
               <p:extLst>
                 <p:ext uri="{386F3935-93C4-4BCD-93E2-E3B085C9AB24}">
-                  <p16:designElem xmlns="" xmlns:p16="http://schemas.microsoft.com/office/powerpoint/2015/main" val="1"/>
+                  <p16:designElem xmlns:p16="http://schemas.microsoft.com/office/powerpoint/2015/main" xmlns="" val="1"/>
                 </p:ext>
               </p:extLst>
             </p:nvPr>
@@ -14586,10 +14579,10 @@
             <p:cNvPr id="46" name="Freeform 11">
               <a:extLst>
                 <a:ext uri="{FF2B5EF4-FFF2-40B4-BE49-F238E27FC236}">
-                  <a16:creationId xmlns="" xmlns:a16="http://schemas.microsoft.com/office/drawing/2014/main" id="{B00D0483-90FB-4EB4-9770-CA8A310D503B}"/>
+                  <a16:creationId xmlns:a16="http://schemas.microsoft.com/office/drawing/2014/main" xmlns="" id="{B00D0483-90FB-4EB4-9770-CA8A310D503B}"/>
                 </a:ext>
                 <a:ext uri="{C183D7F6-B498-43B3-948B-1728B52AA6E4}">
-                  <adec:decorative xmlns="" xmlns:adec="http://schemas.microsoft.com/office/drawing/2017/decorative" val="1"/>
+                  <adec:decorative xmlns:adec="http://schemas.microsoft.com/office/drawing/2017/decorative" xmlns="" val="1"/>
                 </a:ext>
               </a:extLst>
             </p:cNvPr>
@@ -14597,7 +14590,7 @@
             <p:nvPr>
               <p:extLst>
                 <p:ext uri="{386F3935-93C4-4BCD-93E2-E3B085C9AB24}">
-                  <p16:designElem xmlns="" xmlns:p16="http://schemas.microsoft.com/office/powerpoint/2015/main" val="1"/>
+                  <p16:designElem xmlns:p16="http://schemas.microsoft.com/office/powerpoint/2015/main" xmlns="" val="1"/>
                 </p:ext>
               </p:extLst>
             </p:nvPr>
@@ -14666,7 +14659,7 @@
           <p:cNvPr id="2" name="Title 1">
             <a:extLst>
               <a:ext uri="{FF2B5EF4-FFF2-40B4-BE49-F238E27FC236}">
-                <a16:creationId xmlns="" xmlns:a16="http://schemas.microsoft.com/office/drawing/2014/main" id="{339A428F-DE24-F24B-B03E-D8A9E51064E5}"/>
+                <a16:creationId xmlns:a16="http://schemas.microsoft.com/office/drawing/2014/main" xmlns="" id="{339A428F-DE24-F24B-B03E-D8A9E51064E5}"/>
               </a:ext>
             </a:extLst>
           </p:cNvPr>
@@ -14702,10 +14695,10 @@
           <p:cNvPr id="48" name="Rounded Rectangle 16">
             <a:extLst>
               <a:ext uri="{FF2B5EF4-FFF2-40B4-BE49-F238E27FC236}">
-                <a16:creationId xmlns="" xmlns:a16="http://schemas.microsoft.com/office/drawing/2014/main" id="{DD7EED39-224E-4230-8FD1-B1E1AF6C6E36}"/>
+                <a16:creationId xmlns:a16="http://schemas.microsoft.com/office/drawing/2014/main" xmlns="" id="{DD7EED39-224E-4230-8FD1-B1E1AF6C6E36}"/>
               </a:ext>
               <a:ext uri="{C183D7F6-B498-43B3-948B-1728B52AA6E4}">
-                <adec:decorative xmlns="" xmlns:adec="http://schemas.microsoft.com/office/drawing/2017/decorative" val="1"/>
+                <adec:decorative xmlns:adec="http://schemas.microsoft.com/office/drawing/2017/decorative" xmlns="" val="1"/>
               </a:ext>
             </a:extLst>
           </p:cNvPr>
@@ -14715,7 +14708,7 @@
           <p:nvPr>
             <p:extLst>
               <p:ext uri="{386F3935-93C4-4BCD-93E2-E3B085C9AB24}">
-                <p16:designElem xmlns="" xmlns:p16="http://schemas.microsoft.com/office/powerpoint/2015/main" val="1"/>
+                <p16:designElem xmlns:p16="http://schemas.microsoft.com/office/powerpoint/2015/main" xmlns="" val="1"/>
               </p:ext>
             </p:extLst>
           </p:nvPr>
@@ -14787,7 +14780,7 @@
           <p:cNvPr id="20" name="TextBox 19">
             <a:extLst>
               <a:ext uri="{FF2B5EF4-FFF2-40B4-BE49-F238E27FC236}">
-                <a16:creationId xmlns="" xmlns:a16="http://schemas.microsoft.com/office/drawing/2014/main" id="{0983CF5F-AED5-EA43-B332-EF09D66427D2}"/>
+                <a16:creationId xmlns:a16="http://schemas.microsoft.com/office/drawing/2014/main" xmlns="" id="{0983CF5F-AED5-EA43-B332-EF09D66427D2}"/>
               </a:ext>
             </a:extLst>
           </p:cNvPr>
@@ -15101,10 +15094,10 @@
           <p:cNvPr id="47" name="Group 31">
             <a:extLst>
               <a:ext uri="{FF2B5EF4-FFF2-40B4-BE49-F238E27FC236}">
-                <a16:creationId xmlns="" xmlns:a16="http://schemas.microsoft.com/office/drawing/2014/main" id="{260ACC13-B825-49F3-93DE-C8B8F2FA37A1}"/>
+                <a16:creationId xmlns:a16="http://schemas.microsoft.com/office/drawing/2014/main" xmlns="" id="{260ACC13-B825-49F3-93DE-C8B8F2FA37A1}"/>
               </a:ext>
               <a:ext uri="{C183D7F6-B498-43B3-948B-1728B52AA6E4}">
-                <adec:decorative xmlns="" xmlns:adec="http://schemas.microsoft.com/office/drawing/2017/decorative" val="1"/>
+                <adec:decorative xmlns:adec="http://schemas.microsoft.com/office/drawing/2017/decorative" xmlns="" val="1"/>
               </a:ext>
             </a:extLst>
           </p:cNvPr>
@@ -15114,7 +15107,7 @@
           <p:nvPr>
             <p:extLst>
               <p:ext uri="{386F3935-93C4-4BCD-93E2-E3B085C9AB24}">
-                <p16:designElem xmlns="" xmlns:p16="http://schemas.microsoft.com/office/powerpoint/2015/main" val="1"/>
+                <p16:designElem xmlns:p16="http://schemas.microsoft.com/office/powerpoint/2015/main" xmlns="" val="1"/>
               </p:ext>
             </p:extLst>
           </p:nvPr>
@@ -15132,10 +15125,10 @@
             <p:cNvPr id="33" name="Freeform 6">
               <a:extLst>
                 <a:ext uri="{FF2B5EF4-FFF2-40B4-BE49-F238E27FC236}">
-                  <a16:creationId xmlns="" xmlns:a16="http://schemas.microsoft.com/office/drawing/2014/main" id="{F947B31F-CA03-4793-845D-FD86BABC1A18}"/>
+                  <a16:creationId xmlns:a16="http://schemas.microsoft.com/office/drawing/2014/main" xmlns="" id="{F947B31F-CA03-4793-845D-FD86BABC1A18}"/>
                 </a:ext>
                 <a:ext uri="{C183D7F6-B498-43B3-948B-1728B52AA6E4}">
-                  <adec:decorative xmlns="" xmlns:adec="http://schemas.microsoft.com/office/drawing/2017/decorative" val="1"/>
+                  <adec:decorative xmlns:adec="http://schemas.microsoft.com/office/drawing/2017/decorative" xmlns="" val="1"/>
                 </a:ext>
               </a:extLst>
             </p:cNvPr>
@@ -15143,7 +15136,7 @@
             <p:nvPr>
               <p:extLst>
                 <p:ext uri="{386F3935-93C4-4BCD-93E2-E3B085C9AB24}">
-                  <p16:designElem xmlns="" xmlns:p16="http://schemas.microsoft.com/office/powerpoint/2015/main" val="1"/>
+                  <p16:designElem xmlns:p16="http://schemas.microsoft.com/office/powerpoint/2015/main" xmlns="" val="1"/>
                 </p:ext>
               </p:extLst>
             </p:nvPr>
@@ -15193,10 +15186,10 @@
             <p:cNvPr id="34" name="Freeform 7">
               <a:extLst>
                 <a:ext uri="{FF2B5EF4-FFF2-40B4-BE49-F238E27FC236}">
-                  <a16:creationId xmlns="" xmlns:a16="http://schemas.microsoft.com/office/drawing/2014/main" id="{DCDDE94D-F78C-4A48-AEA6-E922FC99A159}"/>
+                  <a16:creationId xmlns:a16="http://schemas.microsoft.com/office/drawing/2014/main" xmlns="" id="{DCDDE94D-F78C-4A48-AEA6-E922FC99A159}"/>
                 </a:ext>
                 <a:ext uri="{C183D7F6-B498-43B3-948B-1728B52AA6E4}">
-                  <adec:decorative xmlns="" xmlns:adec="http://schemas.microsoft.com/office/drawing/2017/decorative" val="1"/>
+                  <adec:decorative xmlns:adec="http://schemas.microsoft.com/office/drawing/2017/decorative" xmlns="" val="1"/>
                 </a:ext>
               </a:extLst>
             </p:cNvPr>
@@ -15204,7 +15197,7 @@
             <p:nvPr>
               <p:extLst>
                 <p:ext uri="{386F3935-93C4-4BCD-93E2-E3B085C9AB24}">
-                  <p16:designElem xmlns="" xmlns:p16="http://schemas.microsoft.com/office/powerpoint/2015/main" val="1"/>
+                  <p16:designElem xmlns:p16="http://schemas.microsoft.com/office/powerpoint/2015/main" xmlns="" val="1"/>
                 </p:ext>
               </p:extLst>
             </p:nvPr>
@@ -15257,10 +15250,10 @@
             <p:cNvPr id="35" name="Freeform 8">
               <a:extLst>
                 <a:ext uri="{FF2B5EF4-FFF2-40B4-BE49-F238E27FC236}">
-                  <a16:creationId xmlns="" xmlns:a16="http://schemas.microsoft.com/office/drawing/2014/main" id="{3445A886-F3CA-4DE4-90D7-535F9707B799}"/>
+                  <a16:creationId xmlns:a16="http://schemas.microsoft.com/office/drawing/2014/main" xmlns="" id="{3445A886-F3CA-4DE4-90D7-535F9707B799}"/>
                 </a:ext>
                 <a:ext uri="{C183D7F6-B498-43B3-948B-1728B52AA6E4}">
-                  <adec:decorative xmlns="" xmlns:adec="http://schemas.microsoft.com/office/drawing/2017/decorative" val="1"/>
+                  <adec:decorative xmlns:adec="http://schemas.microsoft.com/office/drawing/2017/decorative" xmlns="" val="1"/>
                 </a:ext>
               </a:extLst>
             </p:cNvPr>
@@ -15268,7 +15261,7 @@
             <p:nvPr>
               <p:extLst>
                 <p:ext uri="{386F3935-93C4-4BCD-93E2-E3B085C9AB24}">
-                  <p16:designElem xmlns="" xmlns:p16="http://schemas.microsoft.com/office/powerpoint/2015/main" val="1"/>
+                  <p16:designElem xmlns:p16="http://schemas.microsoft.com/office/powerpoint/2015/main" xmlns="" val="1"/>
                 </p:ext>
               </p:extLst>
             </p:nvPr>
@@ -15318,10 +15311,10 @@
             <p:cNvPr id="36" name="Freeform 9">
               <a:extLst>
                 <a:ext uri="{FF2B5EF4-FFF2-40B4-BE49-F238E27FC236}">
-                  <a16:creationId xmlns="" xmlns:a16="http://schemas.microsoft.com/office/drawing/2014/main" id="{A8999CB6-C053-418B-AE37-E470804D251D}"/>
+                  <a16:creationId xmlns:a16="http://schemas.microsoft.com/office/drawing/2014/main" xmlns="" id="{A8999CB6-C053-418B-AE37-E470804D251D}"/>
                 </a:ext>
                 <a:ext uri="{C183D7F6-B498-43B3-948B-1728B52AA6E4}">
-                  <adec:decorative xmlns="" xmlns:adec="http://schemas.microsoft.com/office/drawing/2017/decorative" val="1"/>
+                  <adec:decorative xmlns:adec="http://schemas.microsoft.com/office/drawing/2017/decorative" xmlns="" val="1"/>
                 </a:ext>
               </a:extLst>
             </p:cNvPr>
@@ -15329,7 +15322,7 @@
             <p:nvPr>
               <p:extLst>
                 <p:ext uri="{386F3935-93C4-4BCD-93E2-E3B085C9AB24}">
-                  <p16:designElem xmlns="" xmlns:p16="http://schemas.microsoft.com/office/powerpoint/2015/main" val="1"/>
+                  <p16:designElem xmlns:p16="http://schemas.microsoft.com/office/powerpoint/2015/main" xmlns="" val="1"/>
                 </p:ext>
               </p:extLst>
             </p:nvPr>
@@ -15378,10 +15371,10 @@
             <p:cNvPr id="37" name="Freeform 10">
               <a:extLst>
                 <a:ext uri="{FF2B5EF4-FFF2-40B4-BE49-F238E27FC236}">
-                  <a16:creationId xmlns="" xmlns:a16="http://schemas.microsoft.com/office/drawing/2014/main" id="{81EA3E26-BFCD-4396-AE8A-2A9828BFFBA2}"/>
+                  <a16:creationId xmlns:a16="http://schemas.microsoft.com/office/drawing/2014/main" xmlns="" id="{81EA3E26-BFCD-4396-AE8A-2A9828BFFBA2}"/>
                 </a:ext>
                 <a:ext uri="{C183D7F6-B498-43B3-948B-1728B52AA6E4}">
-                  <adec:decorative xmlns="" xmlns:adec="http://schemas.microsoft.com/office/drawing/2017/decorative" val="1"/>
+                  <adec:decorative xmlns:adec="http://schemas.microsoft.com/office/drawing/2017/decorative" xmlns="" val="1"/>
                 </a:ext>
               </a:extLst>
             </p:cNvPr>
@@ -15389,7 +15382,7 @@
             <p:nvPr>
               <p:extLst>
                 <p:ext uri="{386F3935-93C4-4BCD-93E2-E3B085C9AB24}">
-                  <p16:designElem xmlns="" xmlns:p16="http://schemas.microsoft.com/office/powerpoint/2015/main" val="1"/>
+                  <p16:designElem xmlns:p16="http://schemas.microsoft.com/office/powerpoint/2015/main" xmlns="" val="1"/>
                 </p:ext>
               </p:extLst>
             </p:nvPr>
@@ -15444,10 +15437,10 @@
             <p:cNvPr id="38" name="Freeform 11">
               <a:extLst>
                 <a:ext uri="{FF2B5EF4-FFF2-40B4-BE49-F238E27FC236}">
-                  <a16:creationId xmlns="" xmlns:a16="http://schemas.microsoft.com/office/drawing/2014/main" id="{5F9BC582-73A6-4D8A-8738-E36476489351}"/>
+                  <a16:creationId xmlns:a16="http://schemas.microsoft.com/office/drawing/2014/main" xmlns="" id="{5F9BC582-73A6-4D8A-8738-E36476489351}"/>
                 </a:ext>
                 <a:ext uri="{C183D7F6-B498-43B3-948B-1728B52AA6E4}">
-                  <adec:decorative xmlns="" xmlns:adec="http://schemas.microsoft.com/office/drawing/2017/decorative" val="1"/>
+                  <adec:decorative xmlns:adec="http://schemas.microsoft.com/office/drawing/2017/decorative" xmlns="" val="1"/>
                 </a:ext>
               </a:extLst>
             </p:cNvPr>
@@ -15455,7 +15448,7 @@
             <p:nvPr>
               <p:extLst>
                 <p:ext uri="{386F3935-93C4-4BCD-93E2-E3B085C9AB24}">
-                  <p16:designElem xmlns="" xmlns:p16="http://schemas.microsoft.com/office/powerpoint/2015/main" val="1"/>
+                  <p16:designElem xmlns:p16="http://schemas.microsoft.com/office/powerpoint/2015/main" xmlns="" val="1"/>
                 </p:ext>
               </p:extLst>
             </p:nvPr>
@@ -15524,10 +15517,10 @@
           <p:cNvPr id="40" name="Group 39">
             <a:extLst>
               <a:ext uri="{FF2B5EF4-FFF2-40B4-BE49-F238E27FC236}">
-                <a16:creationId xmlns="" xmlns:a16="http://schemas.microsoft.com/office/drawing/2014/main" id="{A2E861A3-F23C-46B8-A38A-4A22E453D993}"/>
+                <a16:creationId xmlns:a16="http://schemas.microsoft.com/office/drawing/2014/main" xmlns="" id="{A2E861A3-F23C-46B8-A38A-4A22E453D993}"/>
               </a:ext>
               <a:ext uri="{C183D7F6-B498-43B3-948B-1728B52AA6E4}">
-                <adec:decorative xmlns="" xmlns:adec="http://schemas.microsoft.com/office/drawing/2017/decorative" val="1"/>
+                <adec:decorative xmlns:adec="http://schemas.microsoft.com/office/drawing/2017/decorative" xmlns="" val="1"/>
               </a:ext>
             </a:extLst>
           </p:cNvPr>
@@ -15537,7 +15530,7 @@
           <p:nvPr>
             <p:extLst>
               <p:ext uri="{386F3935-93C4-4BCD-93E2-E3B085C9AB24}">
-                <p16:designElem xmlns="" xmlns:p16="http://schemas.microsoft.com/office/powerpoint/2015/main" val="1"/>
+                <p16:designElem xmlns:p16="http://schemas.microsoft.com/office/powerpoint/2015/main" xmlns="" val="1"/>
               </p:ext>
             </p:extLst>
           </p:nvPr>
@@ -15555,10 +15548,10 @@
             <p:cNvPr id="41" name="Freeform 6">
               <a:extLst>
                 <a:ext uri="{FF2B5EF4-FFF2-40B4-BE49-F238E27FC236}">
-                  <a16:creationId xmlns="" xmlns:a16="http://schemas.microsoft.com/office/drawing/2014/main" id="{8BC3D220-643B-4160-B5A9-59DF5D21F410}"/>
+                  <a16:creationId xmlns:a16="http://schemas.microsoft.com/office/drawing/2014/main" xmlns="" id="{8BC3D220-643B-4160-B5A9-59DF5D21F410}"/>
                 </a:ext>
                 <a:ext uri="{C183D7F6-B498-43B3-948B-1728B52AA6E4}">
-                  <adec:decorative xmlns="" xmlns:adec="http://schemas.microsoft.com/office/drawing/2017/decorative" val="1"/>
+                  <adec:decorative xmlns:adec="http://schemas.microsoft.com/office/drawing/2017/decorative" xmlns="" val="1"/>
                 </a:ext>
               </a:extLst>
             </p:cNvPr>
@@ -15566,7 +15559,7 @@
             <p:nvPr>
               <p:extLst>
                 <p:ext uri="{386F3935-93C4-4BCD-93E2-E3B085C9AB24}">
-                  <p16:designElem xmlns="" xmlns:p16="http://schemas.microsoft.com/office/powerpoint/2015/main" val="1"/>
+                  <p16:designElem xmlns:p16="http://schemas.microsoft.com/office/powerpoint/2015/main" xmlns="" val="1"/>
                 </p:ext>
               </p:extLst>
             </p:nvPr>
@@ -15616,10 +15609,10 @@
             <p:cNvPr id="42" name="Freeform 7">
               <a:extLst>
                 <a:ext uri="{FF2B5EF4-FFF2-40B4-BE49-F238E27FC236}">
-                  <a16:creationId xmlns="" xmlns:a16="http://schemas.microsoft.com/office/drawing/2014/main" id="{B92237DE-D518-4625-8392-66D7084588A0}"/>
+                  <a16:creationId xmlns:a16="http://schemas.microsoft.com/office/drawing/2014/main" xmlns="" id="{B92237DE-D518-4625-8392-66D7084588A0}"/>
                 </a:ext>
                 <a:ext uri="{C183D7F6-B498-43B3-948B-1728B52AA6E4}">
-                  <adec:decorative xmlns="" xmlns:adec="http://schemas.microsoft.com/office/drawing/2017/decorative" val="1"/>
+                  <adec:decorative xmlns:adec="http://schemas.microsoft.com/office/drawing/2017/decorative" xmlns="" val="1"/>
                 </a:ext>
               </a:extLst>
             </p:cNvPr>
@@ -15627,7 +15620,7 @@
             <p:nvPr>
               <p:extLst>
                 <p:ext uri="{386F3935-93C4-4BCD-93E2-E3B085C9AB24}">
-                  <p16:designElem xmlns="" xmlns:p16="http://schemas.microsoft.com/office/powerpoint/2015/main" val="1"/>
+                  <p16:designElem xmlns:p16="http://schemas.microsoft.com/office/powerpoint/2015/main" xmlns="" val="1"/>
                 </p:ext>
               </p:extLst>
             </p:nvPr>
@@ -15680,10 +15673,10 @@
             <p:cNvPr id="43" name="Freeform 8">
               <a:extLst>
                 <a:ext uri="{FF2B5EF4-FFF2-40B4-BE49-F238E27FC236}">
-                  <a16:creationId xmlns="" xmlns:a16="http://schemas.microsoft.com/office/drawing/2014/main" id="{F290F0DD-E80A-4263-94E1-A41F57D84CC5}"/>
+                  <a16:creationId xmlns:a16="http://schemas.microsoft.com/office/drawing/2014/main" xmlns="" id="{F290F0DD-E80A-4263-94E1-A41F57D84CC5}"/>
                 </a:ext>
                 <a:ext uri="{C183D7F6-B498-43B3-948B-1728B52AA6E4}">
-                  <adec:decorative xmlns="" xmlns:adec="http://schemas.microsoft.com/office/drawing/2017/decorative" val="1"/>
+                  <adec:decorative xmlns:adec="http://schemas.microsoft.com/office/drawing/2017/decorative" xmlns="" val="1"/>
                 </a:ext>
               </a:extLst>
             </p:cNvPr>
@@ -15691,7 +15684,7 @@
             <p:nvPr>
               <p:extLst>
                 <p:ext uri="{386F3935-93C4-4BCD-93E2-E3B085C9AB24}">
-                  <p16:designElem xmlns="" xmlns:p16="http://schemas.microsoft.com/office/powerpoint/2015/main" val="1"/>
+                  <p16:designElem xmlns:p16="http://schemas.microsoft.com/office/powerpoint/2015/main" xmlns="" val="1"/>
                 </p:ext>
               </p:extLst>
             </p:nvPr>
@@ -15741,10 +15734,10 @@
             <p:cNvPr id="44" name="Freeform 9">
               <a:extLst>
                 <a:ext uri="{FF2B5EF4-FFF2-40B4-BE49-F238E27FC236}">
-                  <a16:creationId xmlns="" xmlns:a16="http://schemas.microsoft.com/office/drawing/2014/main" id="{D78EA7D2-CCEA-435E-873D-36BF0522FFED}"/>
+                  <a16:creationId xmlns:a16="http://schemas.microsoft.com/office/drawing/2014/main" xmlns="" id="{D78EA7D2-CCEA-435E-873D-36BF0522FFED}"/>
                 </a:ext>
                 <a:ext uri="{C183D7F6-B498-43B3-948B-1728B52AA6E4}">
-                  <adec:decorative xmlns="" xmlns:adec="http://schemas.microsoft.com/office/drawing/2017/decorative" val="1"/>
+                  <adec:decorative xmlns:adec="http://schemas.microsoft.com/office/drawing/2017/decorative" xmlns="" val="1"/>
                 </a:ext>
               </a:extLst>
             </p:cNvPr>
@@ -15752,7 +15745,7 @@
             <p:nvPr>
               <p:extLst>
                 <p:ext uri="{386F3935-93C4-4BCD-93E2-E3B085C9AB24}">
-                  <p16:designElem xmlns="" xmlns:p16="http://schemas.microsoft.com/office/powerpoint/2015/main" val="1"/>
+                  <p16:designElem xmlns:p16="http://schemas.microsoft.com/office/powerpoint/2015/main" xmlns="" val="1"/>
                 </p:ext>
               </p:extLst>
             </p:nvPr>
@@ -15801,10 +15794,10 @@
             <p:cNvPr id="45" name="Freeform 10">
               <a:extLst>
                 <a:ext uri="{FF2B5EF4-FFF2-40B4-BE49-F238E27FC236}">
-                  <a16:creationId xmlns="" xmlns:a16="http://schemas.microsoft.com/office/drawing/2014/main" id="{9DFA731E-D6BB-42CC-AA05-64023DC81FE6}"/>
+                  <a16:creationId xmlns:a16="http://schemas.microsoft.com/office/drawing/2014/main" xmlns="" id="{9DFA731E-D6BB-42CC-AA05-64023DC81FE6}"/>
                 </a:ext>
                 <a:ext uri="{C183D7F6-B498-43B3-948B-1728B52AA6E4}">
-                  <adec:decorative xmlns="" xmlns:adec="http://schemas.microsoft.com/office/drawing/2017/decorative" val="1"/>
+                  <adec:decorative xmlns:adec="http://schemas.microsoft.com/office/drawing/2017/decorative" xmlns="" val="1"/>
                 </a:ext>
               </a:extLst>
             </p:cNvPr>
@@ -15812,7 +15805,7 @@
             <p:nvPr>
               <p:extLst>
                 <p:ext uri="{386F3935-93C4-4BCD-93E2-E3B085C9AB24}">
-                  <p16:designElem xmlns="" xmlns:p16="http://schemas.microsoft.com/office/powerpoint/2015/main" val="1"/>
+                  <p16:designElem xmlns:p16="http://schemas.microsoft.com/office/powerpoint/2015/main" xmlns="" val="1"/>
                 </p:ext>
               </p:extLst>
             </p:nvPr>
@@ -15867,10 +15860,10 @@
             <p:cNvPr id="46" name="Freeform 11">
               <a:extLst>
                 <a:ext uri="{FF2B5EF4-FFF2-40B4-BE49-F238E27FC236}">
-                  <a16:creationId xmlns="" xmlns:a16="http://schemas.microsoft.com/office/drawing/2014/main" id="{B00D0483-90FB-4EB4-9770-CA8A310D503B}"/>
+                  <a16:creationId xmlns:a16="http://schemas.microsoft.com/office/drawing/2014/main" xmlns="" id="{B00D0483-90FB-4EB4-9770-CA8A310D503B}"/>
                 </a:ext>
                 <a:ext uri="{C183D7F6-B498-43B3-948B-1728B52AA6E4}">
-                  <adec:decorative xmlns="" xmlns:adec="http://schemas.microsoft.com/office/drawing/2017/decorative" val="1"/>
+                  <adec:decorative xmlns:adec="http://schemas.microsoft.com/office/drawing/2017/decorative" xmlns="" val="1"/>
                 </a:ext>
               </a:extLst>
             </p:cNvPr>
@@ -15878,7 +15871,7 @@
             <p:nvPr>
               <p:extLst>
                 <p:ext uri="{386F3935-93C4-4BCD-93E2-E3B085C9AB24}">
-                  <p16:designElem xmlns="" xmlns:p16="http://schemas.microsoft.com/office/powerpoint/2015/main" val="1"/>
+                  <p16:designElem xmlns:p16="http://schemas.microsoft.com/office/powerpoint/2015/main" xmlns="" val="1"/>
                 </p:ext>
               </p:extLst>
             </p:nvPr>
@@ -15947,7 +15940,7 @@
           <p:cNvPr id="2" name="Title 1">
             <a:extLst>
               <a:ext uri="{FF2B5EF4-FFF2-40B4-BE49-F238E27FC236}">
-                <a16:creationId xmlns="" xmlns:a16="http://schemas.microsoft.com/office/drawing/2014/main" id="{339A428F-DE24-F24B-B03E-D8A9E51064E5}"/>
+                <a16:creationId xmlns:a16="http://schemas.microsoft.com/office/drawing/2014/main" xmlns="" id="{339A428F-DE24-F24B-B03E-D8A9E51064E5}"/>
               </a:ext>
             </a:extLst>
           </p:cNvPr>
@@ -15983,10 +15976,10 @@
           <p:cNvPr id="48" name="Rounded Rectangle 16">
             <a:extLst>
               <a:ext uri="{FF2B5EF4-FFF2-40B4-BE49-F238E27FC236}">
-                <a16:creationId xmlns="" xmlns:a16="http://schemas.microsoft.com/office/drawing/2014/main" id="{DD7EED39-224E-4230-8FD1-B1E1AF6C6E36}"/>
+                <a16:creationId xmlns:a16="http://schemas.microsoft.com/office/drawing/2014/main" xmlns="" id="{DD7EED39-224E-4230-8FD1-B1E1AF6C6E36}"/>
               </a:ext>
               <a:ext uri="{C183D7F6-B498-43B3-948B-1728B52AA6E4}">
-                <adec:decorative xmlns="" xmlns:adec="http://schemas.microsoft.com/office/drawing/2017/decorative" val="1"/>
+                <adec:decorative xmlns:adec="http://schemas.microsoft.com/office/drawing/2017/decorative" xmlns="" val="1"/>
               </a:ext>
             </a:extLst>
           </p:cNvPr>
@@ -15996,7 +15989,7 @@
           <p:nvPr>
             <p:extLst>
               <p:ext uri="{386F3935-93C4-4BCD-93E2-E3B085C9AB24}">
-                <p16:designElem xmlns="" xmlns:p16="http://schemas.microsoft.com/office/powerpoint/2015/main" val="1"/>
+                <p16:designElem xmlns:p16="http://schemas.microsoft.com/office/powerpoint/2015/main" xmlns="" val="1"/>
               </p:ext>
             </p:extLst>
           </p:nvPr>
@@ -16068,7 +16061,7 @@
           <p:cNvPr id="20" name="TextBox 19">
             <a:extLst>
               <a:ext uri="{FF2B5EF4-FFF2-40B4-BE49-F238E27FC236}">
-                <a16:creationId xmlns="" xmlns:a16="http://schemas.microsoft.com/office/drawing/2014/main" id="{0983CF5F-AED5-EA43-B332-EF09D66427D2}"/>
+                <a16:creationId xmlns:a16="http://schemas.microsoft.com/office/drawing/2014/main" xmlns="" id="{0983CF5F-AED5-EA43-B332-EF09D66427D2}"/>
               </a:ext>
             </a:extLst>
           </p:cNvPr>
@@ -16413,10 +16406,10 @@
           <p:cNvPr id="47" name="Group 31">
             <a:extLst>
               <a:ext uri="{FF2B5EF4-FFF2-40B4-BE49-F238E27FC236}">
-                <a16:creationId xmlns="" xmlns:a16="http://schemas.microsoft.com/office/drawing/2014/main" id="{260ACC13-B825-49F3-93DE-C8B8F2FA37A1}"/>
+                <a16:creationId xmlns:a16="http://schemas.microsoft.com/office/drawing/2014/main" xmlns="" id="{260ACC13-B825-49F3-93DE-C8B8F2FA37A1}"/>
               </a:ext>
               <a:ext uri="{C183D7F6-B498-43B3-948B-1728B52AA6E4}">
-                <adec:decorative xmlns="" xmlns:adec="http://schemas.microsoft.com/office/drawing/2017/decorative" val="1"/>
+                <adec:decorative xmlns:adec="http://schemas.microsoft.com/office/drawing/2017/decorative" xmlns="" val="1"/>
               </a:ext>
             </a:extLst>
           </p:cNvPr>
@@ -16426,7 +16419,7 @@
           <p:nvPr>
             <p:extLst>
               <p:ext uri="{386F3935-93C4-4BCD-93E2-E3B085C9AB24}">
-                <p16:designElem xmlns="" xmlns:p16="http://schemas.microsoft.com/office/powerpoint/2015/main" val="1"/>
+                <p16:designElem xmlns:p16="http://schemas.microsoft.com/office/powerpoint/2015/main" xmlns="" val="1"/>
               </p:ext>
             </p:extLst>
           </p:nvPr>
@@ -16444,10 +16437,10 @@
             <p:cNvPr id="33" name="Freeform 6">
               <a:extLst>
                 <a:ext uri="{FF2B5EF4-FFF2-40B4-BE49-F238E27FC236}">
-                  <a16:creationId xmlns="" xmlns:a16="http://schemas.microsoft.com/office/drawing/2014/main" id="{F947B31F-CA03-4793-845D-FD86BABC1A18}"/>
+                  <a16:creationId xmlns:a16="http://schemas.microsoft.com/office/drawing/2014/main" xmlns="" id="{F947B31F-CA03-4793-845D-FD86BABC1A18}"/>
                 </a:ext>
                 <a:ext uri="{C183D7F6-B498-43B3-948B-1728B52AA6E4}">
-                  <adec:decorative xmlns="" xmlns:adec="http://schemas.microsoft.com/office/drawing/2017/decorative" val="1"/>
+                  <adec:decorative xmlns:adec="http://schemas.microsoft.com/office/drawing/2017/decorative" xmlns="" val="1"/>
                 </a:ext>
               </a:extLst>
             </p:cNvPr>
@@ -16455,7 +16448,7 @@
             <p:nvPr>
               <p:extLst>
                 <p:ext uri="{386F3935-93C4-4BCD-93E2-E3B085C9AB24}">
-                  <p16:designElem xmlns="" xmlns:p16="http://schemas.microsoft.com/office/powerpoint/2015/main" val="1"/>
+                  <p16:designElem xmlns:p16="http://schemas.microsoft.com/office/powerpoint/2015/main" xmlns="" val="1"/>
                 </p:ext>
               </p:extLst>
             </p:nvPr>
@@ -16505,10 +16498,10 @@
             <p:cNvPr id="34" name="Freeform 7">
               <a:extLst>
                 <a:ext uri="{FF2B5EF4-FFF2-40B4-BE49-F238E27FC236}">
-                  <a16:creationId xmlns="" xmlns:a16="http://schemas.microsoft.com/office/drawing/2014/main" id="{DCDDE94D-F78C-4A48-AEA6-E922FC99A159}"/>
+                  <a16:creationId xmlns:a16="http://schemas.microsoft.com/office/drawing/2014/main" xmlns="" id="{DCDDE94D-F78C-4A48-AEA6-E922FC99A159}"/>
                 </a:ext>
                 <a:ext uri="{C183D7F6-B498-43B3-948B-1728B52AA6E4}">
-                  <adec:decorative xmlns="" xmlns:adec="http://schemas.microsoft.com/office/drawing/2017/decorative" val="1"/>
+                  <adec:decorative xmlns:adec="http://schemas.microsoft.com/office/drawing/2017/decorative" xmlns="" val="1"/>
                 </a:ext>
               </a:extLst>
             </p:cNvPr>
@@ -16516,7 +16509,7 @@
             <p:nvPr>
               <p:extLst>
                 <p:ext uri="{386F3935-93C4-4BCD-93E2-E3B085C9AB24}">
-                  <p16:designElem xmlns="" xmlns:p16="http://schemas.microsoft.com/office/powerpoint/2015/main" val="1"/>
+                  <p16:designElem xmlns:p16="http://schemas.microsoft.com/office/powerpoint/2015/main" xmlns="" val="1"/>
                 </p:ext>
               </p:extLst>
             </p:nvPr>
@@ -16569,10 +16562,10 @@
             <p:cNvPr id="35" name="Freeform 8">
               <a:extLst>
                 <a:ext uri="{FF2B5EF4-FFF2-40B4-BE49-F238E27FC236}">
-                  <a16:creationId xmlns="" xmlns:a16="http://schemas.microsoft.com/office/drawing/2014/main" id="{3445A886-F3CA-4DE4-90D7-535F9707B799}"/>
+                  <a16:creationId xmlns:a16="http://schemas.microsoft.com/office/drawing/2014/main" xmlns="" id="{3445A886-F3CA-4DE4-90D7-535F9707B799}"/>
                 </a:ext>
                 <a:ext uri="{C183D7F6-B498-43B3-948B-1728B52AA6E4}">
-                  <adec:decorative xmlns="" xmlns:adec="http://schemas.microsoft.com/office/drawing/2017/decorative" val="1"/>
+                  <adec:decorative xmlns:adec="http://schemas.microsoft.com/office/drawing/2017/decorative" xmlns="" val="1"/>
                 </a:ext>
               </a:extLst>
             </p:cNvPr>
@@ -16580,7 +16573,7 @@
             <p:nvPr>
               <p:extLst>
                 <p:ext uri="{386F3935-93C4-4BCD-93E2-E3B085C9AB24}">
-                  <p16:designElem xmlns="" xmlns:p16="http://schemas.microsoft.com/office/powerpoint/2015/main" val="1"/>
+                  <p16:designElem xmlns:p16="http://schemas.microsoft.com/office/powerpoint/2015/main" xmlns="" val="1"/>
                 </p:ext>
               </p:extLst>
             </p:nvPr>
@@ -16630,10 +16623,10 @@
             <p:cNvPr id="36" name="Freeform 9">
               <a:extLst>
                 <a:ext uri="{FF2B5EF4-FFF2-40B4-BE49-F238E27FC236}">
-                  <a16:creationId xmlns="" xmlns:a16="http://schemas.microsoft.com/office/drawing/2014/main" id="{A8999CB6-C053-418B-AE37-E470804D251D}"/>
+                  <a16:creationId xmlns:a16="http://schemas.microsoft.com/office/drawing/2014/main" xmlns="" id="{A8999CB6-C053-418B-AE37-E470804D251D}"/>
                 </a:ext>
                 <a:ext uri="{C183D7F6-B498-43B3-948B-1728B52AA6E4}">
-                  <adec:decorative xmlns="" xmlns:adec="http://schemas.microsoft.com/office/drawing/2017/decorative" val="1"/>
+                  <adec:decorative xmlns:adec="http://schemas.microsoft.com/office/drawing/2017/decorative" xmlns="" val="1"/>
                 </a:ext>
               </a:extLst>
             </p:cNvPr>
@@ -16641,7 +16634,7 @@
             <p:nvPr>
               <p:extLst>
                 <p:ext uri="{386F3935-93C4-4BCD-93E2-E3B085C9AB24}">
-                  <p16:designElem xmlns="" xmlns:p16="http://schemas.microsoft.com/office/powerpoint/2015/main" val="1"/>
+                  <p16:designElem xmlns:p16="http://schemas.microsoft.com/office/powerpoint/2015/main" xmlns="" val="1"/>
                 </p:ext>
               </p:extLst>
             </p:nvPr>
@@ -16690,10 +16683,10 @@
             <p:cNvPr id="37" name="Freeform 10">
               <a:extLst>
                 <a:ext uri="{FF2B5EF4-FFF2-40B4-BE49-F238E27FC236}">
-                  <a16:creationId xmlns="" xmlns:a16="http://schemas.microsoft.com/office/drawing/2014/main" id="{81EA3E26-BFCD-4396-AE8A-2A9828BFFBA2}"/>
+                  <a16:creationId xmlns:a16="http://schemas.microsoft.com/office/drawing/2014/main" xmlns="" id="{81EA3E26-BFCD-4396-AE8A-2A9828BFFBA2}"/>
                 </a:ext>
                 <a:ext uri="{C183D7F6-B498-43B3-948B-1728B52AA6E4}">
-                  <adec:decorative xmlns="" xmlns:adec="http://schemas.microsoft.com/office/drawing/2017/decorative" val="1"/>
+                  <adec:decorative xmlns:adec="http://schemas.microsoft.com/office/drawing/2017/decorative" xmlns="" val="1"/>
                 </a:ext>
               </a:extLst>
             </p:cNvPr>
@@ -16701,7 +16694,7 @@
             <p:nvPr>
               <p:extLst>
                 <p:ext uri="{386F3935-93C4-4BCD-93E2-E3B085C9AB24}">
-                  <p16:designElem xmlns="" xmlns:p16="http://schemas.microsoft.com/office/powerpoint/2015/main" val="1"/>
+                  <p16:designElem xmlns:p16="http://schemas.microsoft.com/office/powerpoint/2015/main" xmlns="" val="1"/>
                 </p:ext>
               </p:extLst>
             </p:nvPr>
@@ -16756,10 +16749,10 @@
             <p:cNvPr id="38" name="Freeform 11">
               <a:extLst>
                 <a:ext uri="{FF2B5EF4-FFF2-40B4-BE49-F238E27FC236}">
-                  <a16:creationId xmlns="" xmlns:a16="http://schemas.microsoft.com/office/drawing/2014/main" id="{5F9BC582-73A6-4D8A-8738-E36476489351}"/>
+                  <a16:creationId xmlns:a16="http://schemas.microsoft.com/office/drawing/2014/main" xmlns="" id="{5F9BC582-73A6-4D8A-8738-E36476489351}"/>
                 </a:ext>
                 <a:ext uri="{C183D7F6-B498-43B3-948B-1728B52AA6E4}">
-                  <adec:decorative xmlns="" xmlns:adec="http://schemas.microsoft.com/office/drawing/2017/decorative" val="1"/>
+                  <adec:decorative xmlns:adec="http://schemas.microsoft.com/office/drawing/2017/decorative" xmlns="" val="1"/>
                 </a:ext>
               </a:extLst>
             </p:cNvPr>
@@ -16767,7 +16760,7 @@
             <p:nvPr>
               <p:extLst>
                 <p:ext uri="{386F3935-93C4-4BCD-93E2-E3B085C9AB24}">
-                  <p16:designElem xmlns="" xmlns:p16="http://schemas.microsoft.com/office/powerpoint/2015/main" val="1"/>
+                  <p16:designElem xmlns:p16="http://schemas.microsoft.com/office/powerpoint/2015/main" xmlns="" val="1"/>
                 </p:ext>
               </p:extLst>
             </p:nvPr>
@@ -16836,10 +16829,10 @@
           <p:cNvPr id="40" name="Group 39">
             <a:extLst>
               <a:ext uri="{FF2B5EF4-FFF2-40B4-BE49-F238E27FC236}">
-                <a16:creationId xmlns="" xmlns:a16="http://schemas.microsoft.com/office/drawing/2014/main" id="{A2E861A3-F23C-46B8-A38A-4A22E453D993}"/>
+                <a16:creationId xmlns:a16="http://schemas.microsoft.com/office/drawing/2014/main" xmlns="" id="{A2E861A3-F23C-46B8-A38A-4A22E453D993}"/>
               </a:ext>
               <a:ext uri="{C183D7F6-B498-43B3-948B-1728B52AA6E4}">
-                <adec:decorative xmlns="" xmlns:adec="http://schemas.microsoft.com/office/drawing/2017/decorative" val="1"/>
+                <adec:decorative xmlns:adec="http://schemas.microsoft.com/office/drawing/2017/decorative" xmlns="" val="1"/>
               </a:ext>
             </a:extLst>
           </p:cNvPr>
@@ -16849,7 +16842,7 @@
           <p:nvPr>
             <p:extLst>
               <p:ext uri="{386F3935-93C4-4BCD-93E2-E3B085C9AB24}">
-                <p16:designElem xmlns="" xmlns:p16="http://schemas.microsoft.com/office/powerpoint/2015/main" val="1"/>
+                <p16:designElem xmlns:p16="http://schemas.microsoft.com/office/powerpoint/2015/main" xmlns="" val="1"/>
               </p:ext>
             </p:extLst>
           </p:nvPr>
@@ -16867,10 +16860,10 @@
             <p:cNvPr id="41" name="Freeform 6">
               <a:extLst>
                 <a:ext uri="{FF2B5EF4-FFF2-40B4-BE49-F238E27FC236}">
-                  <a16:creationId xmlns="" xmlns:a16="http://schemas.microsoft.com/office/drawing/2014/main" id="{8BC3D220-643B-4160-B5A9-59DF5D21F410}"/>
+                  <a16:creationId xmlns:a16="http://schemas.microsoft.com/office/drawing/2014/main" xmlns="" id="{8BC3D220-643B-4160-B5A9-59DF5D21F410}"/>
                 </a:ext>
                 <a:ext uri="{C183D7F6-B498-43B3-948B-1728B52AA6E4}">
-                  <adec:decorative xmlns="" xmlns:adec="http://schemas.microsoft.com/office/drawing/2017/decorative" val="1"/>
+                  <adec:decorative xmlns:adec="http://schemas.microsoft.com/office/drawing/2017/decorative" xmlns="" val="1"/>
                 </a:ext>
               </a:extLst>
             </p:cNvPr>
@@ -16878,7 +16871,7 @@
             <p:nvPr>
               <p:extLst>
                 <p:ext uri="{386F3935-93C4-4BCD-93E2-E3B085C9AB24}">
-                  <p16:designElem xmlns="" xmlns:p16="http://schemas.microsoft.com/office/powerpoint/2015/main" val="1"/>
+                  <p16:designElem xmlns:p16="http://schemas.microsoft.com/office/powerpoint/2015/main" xmlns="" val="1"/>
                 </p:ext>
               </p:extLst>
             </p:nvPr>
@@ -16928,10 +16921,10 @@
             <p:cNvPr id="42" name="Freeform 7">
               <a:extLst>
                 <a:ext uri="{FF2B5EF4-FFF2-40B4-BE49-F238E27FC236}">
-                  <a16:creationId xmlns="" xmlns:a16="http://schemas.microsoft.com/office/drawing/2014/main" id="{B92237DE-D518-4625-8392-66D7084588A0}"/>
+                  <a16:creationId xmlns:a16="http://schemas.microsoft.com/office/drawing/2014/main" xmlns="" id="{B92237DE-D518-4625-8392-66D7084588A0}"/>
                 </a:ext>
                 <a:ext uri="{C183D7F6-B498-43B3-948B-1728B52AA6E4}">
-                  <adec:decorative xmlns="" xmlns:adec="http://schemas.microsoft.com/office/drawing/2017/decorative" val="1"/>
+                  <adec:decorative xmlns:adec="http://schemas.microsoft.com/office/drawing/2017/decorative" xmlns="" val="1"/>
                 </a:ext>
               </a:extLst>
             </p:cNvPr>
@@ -16939,7 +16932,7 @@
             <p:nvPr>
               <p:extLst>
                 <p:ext uri="{386F3935-93C4-4BCD-93E2-E3B085C9AB24}">
-                  <p16:designElem xmlns="" xmlns:p16="http://schemas.microsoft.com/office/powerpoint/2015/main" val="1"/>
+                  <p16:designElem xmlns:p16="http://schemas.microsoft.com/office/powerpoint/2015/main" xmlns="" val="1"/>
                 </p:ext>
               </p:extLst>
             </p:nvPr>
@@ -16992,10 +16985,10 @@
             <p:cNvPr id="43" name="Freeform 8">
               <a:extLst>
                 <a:ext uri="{FF2B5EF4-FFF2-40B4-BE49-F238E27FC236}">
-                  <a16:creationId xmlns="" xmlns:a16="http://schemas.microsoft.com/office/drawing/2014/main" id="{F290F0DD-E80A-4263-94E1-A41F57D84CC5}"/>
+                  <a16:creationId xmlns:a16="http://schemas.microsoft.com/office/drawing/2014/main" xmlns="" id="{F290F0DD-E80A-4263-94E1-A41F57D84CC5}"/>
                 </a:ext>
                 <a:ext uri="{C183D7F6-B498-43B3-948B-1728B52AA6E4}">
-                  <adec:decorative xmlns="" xmlns:adec="http://schemas.microsoft.com/office/drawing/2017/decorative" val="1"/>
+                  <adec:decorative xmlns:adec="http://schemas.microsoft.com/office/drawing/2017/decorative" xmlns="" val="1"/>
                 </a:ext>
               </a:extLst>
             </p:cNvPr>
@@ -17003,7 +16996,7 @@
             <p:nvPr>
               <p:extLst>
                 <p:ext uri="{386F3935-93C4-4BCD-93E2-E3B085C9AB24}">
-                  <p16:designElem xmlns="" xmlns:p16="http://schemas.microsoft.com/office/powerpoint/2015/main" val="1"/>
+                  <p16:designElem xmlns:p16="http://schemas.microsoft.com/office/powerpoint/2015/main" xmlns="" val="1"/>
                 </p:ext>
               </p:extLst>
             </p:nvPr>
@@ -17053,10 +17046,10 @@
             <p:cNvPr id="44" name="Freeform 9">
               <a:extLst>
                 <a:ext uri="{FF2B5EF4-FFF2-40B4-BE49-F238E27FC236}">
-                  <a16:creationId xmlns="" xmlns:a16="http://schemas.microsoft.com/office/drawing/2014/main" id="{D78EA7D2-CCEA-435E-873D-36BF0522FFED}"/>
+                  <a16:creationId xmlns:a16="http://schemas.microsoft.com/office/drawing/2014/main" xmlns="" id="{D78EA7D2-CCEA-435E-873D-36BF0522FFED}"/>
                 </a:ext>
                 <a:ext uri="{C183D7F6-B498-43B3-948B-1728B52AA6E4}">
-                  <adec:decorative xmlns="" xmlns:adec="http://schemas.microsoft.com/office/drawing/2017/decorative" val="1"/>
+                  <adec:decorative xmlns:adec="http://schemas.microsoft.com/office/drawing/2017/decorative" xmlns="" val="1"/>
                 </a:ext>
               </a:extLst>
             </p:cNvPr>
@@ -17064,7 +17057,7 @@
             <p:nvPr>
               <p:extLst>
                 <p:ext uri="{386F3935-93C4-4BCD-93E2-E3B085C9AB24}">
-                  <p16:designElem xmlns="" xmlns:p16="http://schemas.microsoft.com/office/powerpoint/2015/main" val="1"/>
+                  <p16:designElem xmlns:p16="http://schemas.microsoft.com/office/powerpoint/2015/main" xmlns="" val="1"/>
                 </p:ext>
               </p:extLst>
             </p:nvPr>
@@ -17113,10 +17106,10 @@
             <p:cNvPr id="45" name="Freeform 10">
               <a:extLst>
                 <a:ext uri="{FF2B5EF4-FFF2-40B4-BE49-F238E27FC236}">
-                  <a16:creationId xmlns="" xmlns:a16="http://schemas.microsoft.com/office/drawing/2014/main" id="{9DFA731E-D6BB-42CC-AA05-64023DC81FE6}"/>
+                  <a16:creationId xmlns:a16="http://schemas.microsoft.com/office/drawing/2014/main" xmlns="" id="{9DFA731E-D6BB-42CC-AA05-64023DC81FE6}"/>
                 </a:ext>
                 <a:ext uri="{C183D7F6-B498-43B3-948B-1728B52AA6E4}">
-                  <adec:decorative xmlns="" xmlns:adec="http://schemas.microsoft.com/office/drawing/2017/decorative" val="1"/>
+                  <adec:decorative xmlns:adec="http://schemas.microsoft.com/office/drawing/2017/decorative" xmlns="" val="1"/>
                 </a:ext>
               </a:extLst>
             </p:cNvPr>
@@ -17124,7 +17117,7 @@
             <p:nvPr>
               <p:extLst>
                 <p:ext uri="{386F3935-93C4-4BCD-93E2-E3B085C9AB24}">
-                  <p16:designElem xmlns="" xmlns:p16="http://schemas.microsoft.com/office/powerpoint/2015/main" val="1"/>
+                  <p16:designElem xmlns:p16="http://schemas.microsoft.com/office/powerpoint/2015/main" xmlns="" val="1"/>
                 </p:ext>
               </p:extLst>
             </p:nvPr>
@@ -17179,10 +17172,10 @@
             <p:cNvPr id="46" name="Freeform 11">
               <a:extLst>
                 <a:ext uri="{FF2B5EF4-FFF2-40B4-BE49-F238E27FC236}">
-                  <a16:creationId xmlns="" xmlns:a16="http://schemas.microsoft.com/office/drawing/2014/main" id="{B00D0483-90FB-4EB4-9770-CA8A310D503B}"/>
+                  <a16:creationId xmlns:a16="http://schemas.microsoft.com/office/drawing/2014/main" xmlns="" id="{B00D0483-90FB-4EB4-9770-CA8A310D503B}"/>
                 </a:ext>
                 <a:ext uri="{C183D7F6-B498-43B3-948B-1728B52AA6E4}">
-                  <adec:decorative xmlns="" xmlns:adec="http://schemas.microsoft.com/office/drawing/2017/decorative" val="1"/>
+                  <adec:decorative xmlns:adec="http://schemas.microsoft.com/office/drawing/2017/decorative" xmlns="" val="1"/>
                 </a:ext>
               </a:extLst>
             </p:cNvPr>
@@ -17190,7 +17183,7 @@
             <p:nvPr>
               <p:extLst>
                 <p:ext uri="{386F3935-93C4-4BCD-93E2-E3B085C9AB24}">
-                  <p16:designElem xmlns="" xmlns:p16="http://schemas.microsoft.com/office/powerpoint/2015/main" val="1"/>
+                  <p16:designElem xmlns:p16="http://schemas.microsoft.com/office/powerpoint/2015/main" xmlns="" val="1"/>
                 </p:ext>
               </p:extLst>
             </p:nvPr>
@@ -17259,7 +17252,7 @@
           <p:cNvPr id="2" name="Title 1">
             <a:extLst>
               <a:ext uri="{FF2B5EF4-FFF2-40B4-BE49-F238E27FC236}">
-                <a16:creationId xmlns="" xmlns:a16="http://schemas.microsoft.com/office/drawing/2014/main" id="{339A428F-DE24-F24B-B03E-D8A9E51064E5}"/>
+                <a16:creationId xmlns:a16="http://schemas.microsoft.com/office/drawing/2014/main" xmlns="" id="{339A428F-DE24-F24B-B03E-D8A9E51064E5}"/>
               </a:ext>
             </a:extLst>
           </p:cNvPr>
@@ -17295,10 +17288,10 @@
           <p:cNvPr id="48" name="Rounded Rectangle 16">
             <a:extLst>
               <a:ext uri="{FF2B5EF4-FFF2-40B4-BE49-F238E27FC236}">
-                <a16:creationId xmlns="" xmlns:a16="http://schemas.microsoft.com/office/drawing/2014/main" id="{DD7EED39-224E-4230-8FD1-B1E1AF6C6E36}"/>
+                <a16:creationId xmlns:a16="http://schemas.microsoft.com/office/drawing/2014/main" xmlns="" id="{DD7EED39-224E-4230-8FD1-B1E1AF6C6E36}"/>
               </a:ext>
               <a:ext uri="{C183D7F6-B498-43B3-948B-1728B52AA6E4}">
-                <adec:decorative xmlns="" xmlns:adec="http://schemas.microsoft.com/office/drawing/2017/decorative" val="1"/>
+                <adec:decorative xmlns:adec="http://schemas.microsoft.com/office/drawing/2017/decorative" xmlns="" val="1"/>
               </a:ext>
             </a:extLst>
           </p:cNvPr>
@@ -17308,7 +17301,7 @@
           <p:nvPr>
             <p:extLst>
               <p:ext uri="{386F3935-93C4-4BCD-93E2-E3B085C9AB24}">
-                <p16:designElem xmlns="" xmlns:p16="http://schemas.microsoft.com/office/powerpoint/2015/main" val="1"/>
+                <p16:designElem xmlns:p16="http://schemas.microsoft.com/office/powerpoint/2015/main" xmlns="" val="1"/>
               </p:ext>
             </p:extLst>
           </p:nvPr>
@@ -17380,7 +17373,7 @@
           <p:cNvPr id="20" name="TextBox 19">
             <a:extLst>
               <a:ext uri="{FF2B5EF4-FFF2-40B4-BE49-F238E27FC236}">
-                <a16:creationId xmlns="" xmlns:a16="http://schemas.microsoft.com/office/drawing/2014/main" id="{0983CF5F-AED5-EA43-B332-EF09D66427D2}"/>
+                <a16:creationId xmlns:a16="http://schemas.microsoft.com/office/drawing/2014/main" xmlns="" id="{0983CF5F-AED5-EA43-B332-EF09D66427D2}"/>
               </a:ext>
             </a:extLst>
           </p:cNvPr>
@@ -17696,10 +17689,10 @@
           <p:cNvPr id="47" name="Group 31">
             <a:extLst>
               <a:ext uri="{FF2B5EF4-FFF2-40B4-BE49-F238E27FC236}">
-                <a16:creationId xmlns="" xmlns:a16="http://schemas.microsoft.com/office/drawing/2014/main" id="{260ACC13-B825-49F3-93DE-C8B8F2FA37A1}"/>
+                <a16:creationId xmlns:a16="http://schemas.microsoft.com/office/drawing/2014/main" xmlns="" id="{260ACC13-B825-49F3-93DE-C8B8F2FA37A1}"/>
               </a:ext>
               <a:ext uri="{C183D7F6-B498-43B3-948B-1728B52AA6E4}">
-                <adec:decorative xmlns="" xmlns:adec="http://schemas.microsoft.com/office/drawing/2017/decorative" val="1"/>
+                <adec:decorative xmlns:adec="http://schemas.microsoft.com/office/drawing/2017/decorative" xmlns="" val="1"/>
               </a:ext>
             </a:extLst>
           </p:cNvPr>
@@ -17709,7 +17702,7 @@
           <p:nvPr>
             <p:extLst>
               <p:ext uri="{386F3935-93C4-4BCD-93E2-E3B085C9AB24}">
-                <p16:designElem xmlns="" xmlns:p16="http://schemas.microsoft.com/office/powerpoint/2015/main" val="1"/>
+                <p16:designElem xmlns:p16="http://schemas.microsoft.com/office/powerpoint/2015/main" xmlns="" val="1"/>
               </p:ext>
             </p:extLst>
           </p:nvPr>
@@ -17727,10 +17720,10 @@
             <p:cNvPr id="33" name="Freeform 6">
               <a:extLst>
                 <a:ext uri="{FF2B5EF4-FFF2-40B4-BE49-F238E27FC236}">
-                  <a16:creationId xmlns="" xmlns:a16="http://schemas.microsoft.com/office/drawing/2014/main" id="{F947B31F-CA03-4793-845D-FD86BABC1A18}"/>
+                  <a16:creationId xmlns:a16="http://schemas.microsoft.com/office/drawing/2014/main" xmlns="" id="{F947B31F-CA03-4793-845D-FD86BABC1A18}"/>
                 </a:ext>
                 <a:ext uri="{C183D7F6-B498-43B3-948B-1728B52AA6E4}">
-                  <adec:decorative xmlns="" xmlns:adec="http://schemas.microsoft.com/office/drawing/2017/decorative" val="1"/>
+                  <adec:decorative xmlns:adec="http://schemas.microsoft.com/office/drawing/2017/decorative" xmlns="" val="1"/>
                 </a:ext>
               </a:extLst>
             </p:cNvPr>
@@ -17738,7 +17731,7 @@
             <p:nvPr>
               <p:extLst>
                 <p:ext uri="{386F3935-93C4-4BCD-93E2-E3B085C9AB24}">
-                  <p16:designElem xmlns="" xmlns:p16="http://schemas.microsoft.com/office/powerpoint/2015/main" val="1"/>
+                  <p16:designElem xmlns:p16="http://schemas.microsoft.com/office/powerpoint/2015/main" xmlns="" val="1"/>
                 </p:ext>
               </p:extLst>
             </p:nvPr>
@@ -17788,10 +17781,10 @@
             <p:cNvPr id="34" name="Freeform 7">
               <a:extLst>
                 <a:ext uri="{FF2B5EF4-FFF2-40B4-BE49-F238E27FC236}">
-                  <a16:creationId xmlns="" xmlns:a16="http://schemas.microsoft.com/office/drawing/2014/main" id="{DCDDE94D-F78C-4A48-AEA6-E922FC99A159}"/>
+                  <a16:creationId xmlns:a16="http://schemas.microsoft.com/office/drawing/2014/main" xmlns="" id="{DCDDE94D-F78C-4A48-AEA6-E922FC99A159}"/>
                 </a:ext>
                 <a:ext uri="{C183D7F6-B498-43B3-948B-1728B52AA6E4}">
-                  <adec:decorative xmlns="" xmlns:adec="http://schemas.microsoft.com/office/drawing/2017/decorative" val="1"/>
+                  <adec:decorative xmlns:adec="http://schemas.microsoft.com/office/drawing/2017/decorative" xmlns="" val="1"/>
                 </a:ext>
               </a:extLst>
             </p:cNvPr>
@@ -17799,7 +17792,7 @@
             <p:nvPr>
               <p:extLst>
                 <p:ext uri="{386F3935-93C4-4BCD-93E2-E3B085C9AB24}">
-                  <p16:designElem xmlns="" xmlns:p16="http://schemas.microsoft.com/office/powerpoint/2015/main" val="1"/>
+                  <p16:designElem xmlns:p16="http://schemas.microsoft.com/office/powerpoint/2015/main" xmlns="" val="1"/>
                 </p:ext>
               </p:extLst>
             </p:nvPr>
@@ -17852,10 +17845,10 @@
             <p:cNvPr id="35" name="Freeform 8">
               <a:extLst>
                 <a:ext uri="{FF2B5EF4-FFF2-40B4-BE49-F238E27FC236}">
-                  <a16:creationId xmlns="" xmlns:a16="http://schemas.microsoft.com/office/drawing/2014/main" id="{3445A886-F3CA-4DE4-90D7-535F9707B799}"/>
+                  <a16:creationId xmlns:a16="http://schemas.microsoft.com/office/drawing/2014/main" xmlns="" id="{3445A886-F3CA-4DE4-90D7-535F9707B799}"/>
                 </a:ext>
                 <a:ext uri="{C183D7F6-B498-43B3-948B-1728B52AA6E4}">
-                  <adec:decorative xmlns="" xmlns:adec="http://schemas.microsoft.com/office/drawing/2017/decorative" val="1"/>
+                  <adec:decorative xmlns:adec="http://schemas.microsoft.com/office/drawing/2017/decorative" xmlns="" val="1"/>
                 </a:ext>
               </a:extLst>
             </p:cNvPr>
@@ -17863,7 +17856,7 @@
             <p:nvPr>
               <p:extLst>
                 <p:ext uri="{386F3935-93C4-4BCD-93E2-E3B085C9AB24}">
-                  <p16:designElem xmlns="" xmlns:p16="http://schemas.microsoft.com/office/powerpoint/2015/main" val="1"/>
+                  <p16:designElem xmlns:p16="http://schemas.microsoft.com/office/powerpoint/2015/main" xmlns="" val="1"/>
                 </p:ext>
               </p:extLst>
             </p:nvPr>
@@ -17913,10 +17906,10 @@
             <p:cNvPr id="36" name="Freeform 9">
               <a:extLst>
                 <a:ext uri="{FF2B5EF4-FFF2-40B4-BE49-F238E27FC236}">
-                  <a16:creationId xmlns="" xmlns:a16="http://schemas.microsoft.com/office/drawing/2014/main" id="{A8999CB6-C053-418B-AE37-E470804D251D}"/>
+                  <a16:creationId xmlns:a16="http://schemas.microsoft.com/office/drawing/2014/main" xmlns="" id="{A8999CB6-C053-418B-AE37-E470804D251D}"/>
                 </a:ext>
                 <a:ext uri="{C183D7F6-B498-43B3-948B-1728B52AA6E4}">
-                  <adec:decorative xmlns="" xmlns:adec="http://schemas.microsoft.com/office/drawing/2017/decorative" val="1"/>
+                  <adec:decorative xmlns:adec="http://schemas.microsoft.com/office/drawing/2017/decorative" xmlns="" val="1"/>
                 </a:ext>
               </a:extLst>
             </p:cNvPr>
@@ -17924,7 +17917,7 @@
             <p:nvPr>
               <p:extLst>
                 <p:ext uri="{386F3935-93C4-4BCD-93E2-E3B085C9AB24}">
-                  <p16:designElem xmlns="" xmlns:p16="http://schemas.microsoft.com/office/powerpoint/2015/main" val="1"/>
+                  <p16:designElem xmlns:p16="http://schemas.microsoft.com/office/powerpoint/2015/main" xmlns="" val="1"/>
                 </p:ext>
               </p:extLst>
             </p:nvPr>
@@ -17973,10 +17966,10 @@
             <p:cNvPr id="37" name="Freeform 10">
               <a:extLst>
                 <a:ext uri="{FF2B5EF4-FFF2-40B4-BE49-F238E27FC236}">
-                  <a16:creationId xmlns="" xmlns:a16="http://schemas.microsoft.com/office/drawing/2014/main" id="{81EA3E26-BFCD-4396-AE8A-2A9828BFFBA2}"/>
+                  <a16:creationId xmlns:a16="http://schemas.microsoft.com/office/drawing/2014/main" xmlns="" id="{81EA3E26-BFCD-4396-AE8A-2A9828BFFBA2}"/>
                 </a:ext>
                 <a:ext uri="{C183D7F6-B498-43B3-948B-1728B52AA6E4}">
-                  <adec:decorative xmlns="" xmlns:adec="http://schemas.microsoft.com/office/drawing/2017/decorative" val="1"/>
+                  <adec:decorative xmlns:adec="http://schemas.microsoft.com/office/drawing/2017/decorative" xmlns="" val="1"/>
                 </a:ext>
               </a:extLst>
             </p:cNvPr>
@@ -17984,7 +17977,7 @@
             <p:nvPr>
               <p:extLst>
                 <p:ext uri="{386F3935-93C4-4BCD-93E2-E3B085C9AB24}">
-                  <p16:designElem xmlns="" xmlns:p16="http://schemas.microsoft.com/office/powerpoint/2015/main" val="1"/>
+                  <p16:designElem xmlns:p16="http://schemas.microsoft.com/office/powerpoint/2015/main" xmlns="" val="1"/>
                 </p:ext>
               </p:extLst>
             </p:nvPr>
@@ -18039,10 +18032,10 @@
             <p:cNvPr id="38" name="Freeform 11">
               <a:extLst>
                 <a:ext uri="{FF2B5EF4-FFF2-40B4-BE49-F238E27FC236}">
-                  <a16:creationId xmlns="" xmlns:a16="http://schemas.microsoft.com/office/drawing/2014/main" id="{5F9BC582-73A6-4D8A-8738-E36476489351}"/>
+                  <a16:creationId xmlns:a16="http://schemas.microsoft.com/office/drawing/2014/main" xmlns="" id="{5F9BC582-73A6-4D8A-8738-E36476489351}"/>
                 </a:ext>
                 <a:ext uri="{C183D7F6-B498-43B3-948B-1728B52AA6E4}">
-                  <adec:decorative xmlns="" xmlns:adec="http://schemas.microsoft.com/office/drawing/2017/decorative" val="1"/>
+                  <adec:decorative xmlns:adec="http://schemas.microsoft.com/office/drawing/2017/decorative" xmlns="" val="1"/>
                 </a:ext>
               </a:extLst>
             </p:cNvPr>
@@ -18050,7 +18043,7 @@
             <p:nvPr>
               <p:extLst>
                 <p:ext uri="{386F3935-93C4-4BCD-93E2-E3B085C9AB24}">
-                  <p16:designElem xmlns="" xmlns:p16="http://schemas.microsoft.com/office/powerpoint/2015/main" val="1"/>
+                  <p16:designElem xmlns:p16="http://schemas.microsoft.com/office/powerpoint/2015/main" xmlns="" val="1"/>
                 </p:ext>
               </p:extLst>
             </p:nvPr>
@@ -18119,10 +18112,10 @@
           <p:cNvPr id="40" name="Group 39">
             <a:extLst>
               <a:ext uri="{FF2B5EF4-FFF2-40B4-BE49-F238E27FC236}">
-                <a16:creationId xmlns="" xmlns:a16="http://schemas.microsoft.com/office/drawing/2014/main" id="{A2E861A3-F23C-46B8-A38A-4A22E453D993}"/>
+                <a16:creationId xmlns:a16="http://schemas.microsoft.com/office/drawing/2014/main" xmlns="" id="{A2E861A3-F23C-46B8-A38A-4A22E453D993}"/>
               </a:ext>
               <a:ext uri="{C183D7F6-B498-43B3-948B-1728B52AA6E4}">
-                <adec:decorative xmlns="" xmlns:adec="http://schemas.microsoft.com/office/drawing/2017/decorative" val="1"/>
+                <adec:decorative xmlns:adec="http://schemas.microsoft.com/office/drawing/2017/decorative" xmlns="" val="1"/>
               </a:ext>
             </a:extLst>
           </p:cNvPr>
@@ -18132,7 +18125,7 @@
           <p:nvPr>
             <p:extLst>
               <p:ext uri="{386F3935-93C4-4BCD-93E2-E3B085C9AB24}">
-                <p16:designElem xmlns="" xmlns:p16="http://schemas.microsoft.com/office/powerpoint/2015/main" val="1"/>
+                <p16:designElem xmlns:p16="http://schemas.microsoft.com/office/powerpoint/2015/main" xmlns="" val="1"/>
               </p:ext>
             </p:extLst>
           </p:nvPr>
@@ -18150,10 +18143,10 @@
             <p:cNvPr id="41" name="Freeform 6">
               <a:extLst>
                 <a:ext uri="{FF2B5EF4-FFF2-40B4-BE49-F238E27FC236}">
-                  <a16:creationId xmlns="" xmlns:a16="http://schemas.microsoft.com/office/drawing/2014/main" id="{8BC3D220-643B-4160-B5A9-59DF5D21F410}"/>
+                  <a16:creationId xmlns:a16="http://schemas.microsoft.com/office/drawing/2014/main" xmlns="" id="{8BC3D220-643B-4160-B5A9-59DF5D21F410}"/>
                 </a:ext>
                 <a:ext uri="{C183D7F6-B498-43B3-948B-1728B52AA6E4}">
-                  <adec:decorative xmlns="" xmlns:adec="http://schemas.microsoft.com/office/drawing/2017/decorative" val="1"/>
+                  <adec:decorative xmlns:adec="http://schemas.microsoft.com/office/drawing/2017/decorative" xmlns="" val="1"/>
                 </a:ext>
               </a:extLst>
             </p:cNvPr>
@@ -18161,7 +18154,7 @@
             <p:nvPr>
               <p:extLst>
                 <p:ext uri="{386F3935-93C4-4BCD-93E2-E3B085C9AB24}">
-                  <p16:designElem xmlns="" xmlns:p16="http://schemas.microsoft.com/office/powerpoint/2015/main" val="1"/>
+                  <p16:designElem xmlns:p16="http://schemas.microsoft.com/office/powerpoint/2015/main" xmlns="" val="1"/>
                 </p:ext>
               </p:extLst>
             </p:nvPr>
@@ -18211,10 +18204,10 @@
             <p:cNvPr id="42" name="Freeform 7">
               <a:extLst>
                 <a:ext uri="{FF2B5EF4-FFF2-40B4-BE49-F238E27FC236}">
-                  <a16:creationId xmlns="" xmlns:a16="http://schemas.microsoft.com/office/drawing/2014/main" id="{B92237DE-D518-4625-8392-66D7084588A0}"/>
+                  <a16:creationId xmlns:a16="http://schemas.microsoft.com/office/drawing/2014/main" xmlns="" id="{B92237DE-D518-4625-8392-66D7084588A0}"/>
                 </a:ext>
                 <a:ext uri="{C183D7F6-B498-43B3-948B-1728B52AA6E4}">
-                  <adec:decorative xmlns="" xmlns:adec="http://schemas.microsoft.com/office/drawing/2017/decorative" val="1"/>
+                  <adec:decorative xmlns:adec="http://schemas.microsoft.com/office/drawing/2017/decorative" xmlns="" val="1"/>
                 </a:ext>
               </a:extLst>
             </p:cNvPr>
@@ -18222,7 +18215,7 @@
             <p:nvPr>
               <p:extLst>
                 <p:ext uri="{386F3935-93C4-4BCD-93E2-E3B085C9AB24}">
-                  <p16:designElem xmlns="" xmlns:p16="http://schemas.microsoft.com/office/powerpoint/2015/main" val="1"/>
+                  <p16:designElem xmlns:p16="http://schemas.microsoft.com/office/powerpoint/2015/main" xmlns="" val="1"/>
                 </p:ext>
               </p:extLst>
             </p:nvPr>
@@ -18275,10 +18268,10 @@
             <p:cNvPr id="43" name="Freeform 8">
               <a:extLst>
                 <a:ext uri="{FF2B5EF4-FFF2-40B4-BE49-F238E27FC236}">
-                  <a16:creationId xmlns="" xmlns:a16="http://schemas.microsoft.com/office/drawing/2014/main" id="{F290F0DD-E80A-4263-94E1-A41F57D84CC5}"/>
+                  <a16:creationId xmlns:a16="http://schemas.microsoft.com/office/drawing/2014/main" xmlns="" id="{F290F0DD-E80A-4263-94E1-A41F57D84CC5}"/>
                 </a:ext>
                 <a:ext uri="{C183D7F6-B498-43B3-948B-1728B52AA6E4}">
-                  <adec:decorative xmlns="" xmlns:adec="http://schemas.microsoft.com/office/drawing/2017/decorative" val="1"/>
+                  <adec:decorative xmlns:adec="http://schemas.microsoft.com/office/drawing/2017/decorative" xmlns="" val="1"/>
                 </a:ext>
               </a:extLst>
             </p:cNvPr>
@@ -18286,7 +18279,7 @@
             <p:nvPr>
               <p:extLst>
                 <p:ext uri="{386F3935-93C4-4BCD-93E2-E3B085C9AB24}">
-                  <p16:designElem xmlns="" xmlns:p16="http://schemas.microsoft.com/office/powerpoint/2015/main" val="1"/>
+                  <p16:designElem xmlns:p16="http://schemas.microsoft.com/office/powerpoint/2015/main" xmlns="" val="1"/>
                 </p:ext>
               </p:extLst>
             </p:nvPr>
@@ -18336,10 +18329,10 @@
             <p:cNvPr id="44" name="Freeform 9">
               <a:extLst>
                 <a:ext uri="{FF2B5EF4-FFF2-40B4-BE49-F238E27FC236}">
-                  <a16:creationId xmlns="" xmlns:a16="http://schemas.microsoft.com/office/drawing/2014/main" id="{D78EA7D2-CCEA-435E-873D-36BF0522FFED}"/>
+                  <a16:creationId xmlns:a16="http://schemas.microsoft.com/office/drawing/2014/main" xmlns="" id="{D78EA7D2-CCEA-435E-873D-36BF0522FFED}"/>
                 </a:ext>
                 <a:ext uri="{C183D7F6-B498-43B3-948B-1728B52AA6E4}">
-                  <adec:decorative xmlns="" xmlns:adec="http://schemas.microsoft.com/office/drawing/2017/decorative" val="1"/>
+                  <adec:decorative xmlns:adec="http://schemas.microsoft.com/office/drawing/2017/decorative" xmlns="" val="1"/>
                 </a:ext>
               </a:extLst>
             </p:cNvPr>
@@ -18347,7 +18340,7 @@
             <p:nvPr>
               <p:extLst>
                 <p:ext uri="{386F3935-93C4-4BCD-93E2-E3B085C9AB24}">
-                  <p16:designElem xmlns="" xmlns:p16="http://schemas.microsoft.com/office/powerpoint/2015/main" val="1"/>
+                  <p16:designElem xmlns:p16="http://schemas.microsoft.com/office/powerpoint/2015/main" xmlns="" val="1"/>
                 </p:ext>
               </p:extLst>
             </p:nvPr>
@@ -18396,10 +18389,10 @@
             <p:cNvPr id="45" name="Freeform 10">
               <a:extLst>
                 <a:ext uri="{FF2B5EF4-FFF2-40B4-BE49-F238E27FC236}">
-                  <a16:creationId xmlns="" xmlns:a16="http://schemas.microsoft.com/office/drawing/2014/main" id="{9DFA731E-D6BB-42CC-AA05-64023DC81FE6}"/>
+                  <a16:creationId xmlns:a16="http://schemas.microsoft.com/office/drawing/2014/main" xmlns="" id="{9DFA731E-D6BB-42CC-AA05-64023DC81FE6}"/>
                 </a:ext>
                 <a:ext uri="{C183D7F6-B498-43B3-948B-1728B52AA6E4}">
-                  <adec:decorative xmlns="" xmlns:adec="http://schemas.microsoft.com/office/drawing/2017/decorative" val="1"/>
+                  <adec:decorative xmlns:adec="http://schemas.microsoft.com/office/drawing/2017/decorative" xmlns="" val="1"/>
                 </a:ext>
               </a:extLst>
             </p:cNvPr>
@@ -18407,7 +18400,7 @@
             <p:nvPr>
               <p:extLst>
                 <p:ext uri="{386F3935-93C4-4BCD-93E2-E3B085C9AB24}">
-                  <p16:designElem xmlns="" xmlns:p16="http://schemas.microsoft.com/office/powerpoint/2015/main" val="1"/>
+                  <p16:designElem xmlns:p16="http://schemas.microsoft.com/office/powerpoint/2015/main" xmlns="" val="1"/>
                 </p:ext>
               </p:extLst>
             </p:nvPr>
@@ -18462,10 +18455,10 @@
             <p:cNvPr id="46" name="Freeform 11">
               <a:extLst>
                 <a:ext uri="{FF2B5EF4-FFF2-40B4-BE49-F238E27FC236}">
-                  <a16:creationId xmlns="" xmlns:a16="http://schemas.microsoft.com/office/drawing/2014/main" id="{B00D0483-90FB-4EB4-9770-CA8A310D503B}"/>
+                  <a16:creationId xmlns:a16="http://schemas.microsoft.com/office/drawing/2014/main" xmlns="" id="{B00D0483-90FB-4EB4-9770-CA8A310D503B}"/>
                 </a:ext>
                 <a:ext uri="{C183D7F6-B498-43B3-948B-1728B52AA6E4}">
-                  <adec:decorative xmlns="" xmlns:adec="http://schemas.microsoft.com/office/drawing/2017/decorative" val="1"/>
+                  <adec:decorative xmlns:adec="http://schemas.microsoft.com/office/drawing/2017/decorative" xmlns="" val="1"/>
                 </a:ext>
               </a:extLst>
             </p:cNvPr>
@@ -18473,7 +18466,7 @@
             <p:nvPr>
               <p:extLst>
                 <p:ext uri="{386F3935-93C4-4BCD-93E2-E3B085C9AB24}">
-                  <p16:designElem xmlns="" xmlns:p16="http://schemas.microsoft.com/office/powerpoint/2015/main" val="1"/>
+                  <p16:designElem xmlns:p16="http://schemas.microsoft.com/office/powerpoint/2015/main" xmlns="" val="1"/>
                 </p:ext>
               </p:extLst>
             </p:nvPr>
@@ -18542,7 +18535,7 @@
           <p:cNvPr id="2" name="Title 1">
             <a:extLst>
               <a:ext uri="{FF2B5EF4-FFF2-40B4-BE49-F238E27FC236}">
-                <a16:creationId xmlns="" xmlns:a16="http://schemas.microsoft.com/office/drawing/2014/main" id="{339A428F-DE24-F24B-B03E-D8A9E51064E5}"/>
+                <a16:creationId xmlns:a16="http://schemas.microsoft.com/office/drawing/2014/main" xmlns="" id="{339A428F-DE24-F24B-B03E-D8A9E51064E5}"/>
               </a:ext>
             </a:extLst>
           </p:cNvPr>
@@ -18578,10 +18571,10 @@
           <p:cNvPr id="48" name="Rounded Rectangle 16">
             <a:extLst>
               <a:ext uri="{FF2B5EF4-FFF2-40B4-BE49-F238E27FC236}">
-                <a16:creationId xmlns="" xmlns:a16="http://schemas.microsoft.com/office/drawing/2014/main" id="{DD7EED39-224E-4230-8FD1-B1E1AF6C6E36}"/>
+                <a16:creationId xmlns:a16="http://schemas.microsoft.com/office/drawing/2014/main" xmlns="" id="{DD7EED39-224E-4230-8FD1-B1E1AF6C6E36}"/>
               </a:ext>
               <a:ext uri="{C183D7F6-B498-43B3-948B-1728B52AA6E4}">
-                <adec:decorative xmlns="" xmlns:adec="http://schemas.microsoft.com/office/drawing/2017/decorative" val="1"/>
+                <adec:decorative xmlns:adec="http://schemas.microsoft.com/office/drawing/2017/decorative" xmlns="" val="1"/>
               </a:ext>
             </a:extLst>
           </p:cNvPr>
@@ -18591,7 +18584,7 @@
           <p:nvPr>
             <p:extLst>
               <p:ext uri="{386F3935-93C4-4BCD-93E2-E3B085C9AB24}">
-                <p16:designElem xmlns="" xmlns:p16="http://schemas.microsoft.com/office/powerpoint/2015/main" val="1"/>
+                <p16:designElem xmlns:p16="http://schemas.microsoft.com/office/powerpoint/2015/main" xmlns="" val="1"/>
               </p:ext>
             </p:extLst>
           </p:nvPr>
@@ -18663,7 +18656,7 @@
           <p:cNvPr id="20" name="TextBox 19">
             <a:extLst>
               <a:ext uri="{FF2B5EF4-FFF2-40B4-BE49-F238E27FC236}">
-                <a16:creationId xmlns="" xmlns:a16="http://schemas.microsoft.com/office/drawing/2014/main" id="{0983CF5F-AED5-EA43-B332-EF09D66427D2}"/>
+                <a16:creationId xmlns:a16="http://schemas.microsoft.com/office/drawing/2014/main" xmlns="" id="{0983CF5F-AED5-EA43-B332-EF09D66427D2}"/>
               </a:ext>
             </a:extLst>
           </p:cNvPr>
@@ -18979,10 +18972,10 @@
           <p:cNvPr id="47" name="Group 31">
             <a:extLst>
               <a:ext uri="{FF2B5EF4-FFF2-40B4-BE49-F238E27FC236}">
-                <a16:creationId xmlns="" xmlns:a16="http://schemas.microsoft.com/office/drawing/2014/main" id="{260ACC13-B825-49F3-93DE-C8B8F2FA37A1}"/>
+                <a16:creationId xmlns:a16="http://schemas.microsoft.com/office/drawing/2014/main" xmlns="" id="{260ACC13-B825-49F3-93DE-C8B8F2FA37A1}"/>
               </a:ext>
               <a:ext uri="{C183D7F6-B498-43B3-948B-1728B52AA6E4}">
-                <adec:decorative xmlns="" xmlns:adec="http://schemas.microsoft.com/office/drawing/2017/decorative" val="1"/>
+                <adec:decorative xmlns:adec="http://schemas.microsoft.com/office/drawing/2017/decorative" xmlns="" val="1"/>
               </a:ext>
             </a:extLst>
           </p:cNvPr>
@@ -18992,7 +18985,7 @@
           <p:nvPr>
             <p:extLst>
               <p:ext uri="{386F3935-93C4-4BCD-93E2-E3B085C9AB24}">
-                <p16:designElem xmlns="" xmlns:p16="http://schemas.microsoft.com/office/powerpoint/2015/main" val="1"/>
+                <p16:designElem xmlns:p16="http://schemas.microsoft.com/office/powerpoint/2015/main" xmlns="" val="1"/>
               </p:ext>
             </p:extLst>
           </p:nvPr>
@@ -19010,10 +19003,10 @@
             <p:cNvPr id="33" name="Freeform 6">
               <a:extLst>
                 <a:ext uri="{FF2B5EF4-FFF2-40B4-BE49-F238E27FC236}">
-                  <a16:creationId xmlns="" xmlns:a16="http://schemas.microsoft.com/office/drawing/2014/main" id="{F947B31F-CA03-4793-845D-FD86BABC1A18}"/>
+                  <a16:creationId xmlns:a16="http://schemas.microsoft.com/office/drawing/2014/main" xmlns="" id="{F947B31F-CA03-4793-845D-FD86BABC1A18}"/>
                 </a:ext>
                 <a:ext uri="{C183D7F6-B498-43B3-948B-1728B52AA6E4}">
-                  <adec:decorative xmlns="" xmlns:adec="http://schemas.microsoft.com/office/drawing/2017/decorative" val="1"/>
+                  <adec:decorative xmlns:adec="http://schemas.microsoft.com/office/drawing/2017/decorative" xmlns="" val="1"/>
                 </a:ext>
               </a:extLst>
             </p:cNvPr>
@@ -19021,7 +19014,7 @@
             <p:nvPr>
               <p:extLst>
                 <p:ext uri="{386F3935-93C4-4BCD-93E2-E3B085C9AB24}">
-                  <p16:designElem xmlns="" xmlns:p16="http://schemas.microsoft.com/office/powerpoint/2015/main" val="1"/>
+                  <p16:designElem xmlns:p16="http://schemas.microsoft.com/office/powerpoint/2015/main" xmlns="" val="1"/>
                 </p:ext>
               </p:extLst>
             </p:nvPr>
@@ -19071,10 +19064,10 @@
             <p:cNvPr id="34" name="Freeform 7">
               <a:extLst>
                 <a:ext uri="{FF2B5EF4-FFF2-40B4-BE49-F238E27FC236}">
-                  <a16:creationId xmlns="" xmlns:a16="http://schemas.microsoft.com/office/drawing/2014/main" id="{DCDDE94D-F78C-4A48-AEA6-E922FC99A159}"/>
+                  <a16:creationId xmlns:a16="http://schemas.microsoft.com/office/drawing/2014/main" xmlns="" id="{DCDDE94D-F78C-4A48-AEA6-E922FC99A159}"/>
                 </a:ext>
                 <a:ext uri="{C183D7F6-B498-43B3-948B-1728B52AA6E4}">
-                  <adec:decorative xmlns="" xmlns:adec="http://schemas.microsoft.com/office/drawing/2017/decorative" val="1"/>
+                  <adec:decorative xmlns:adec="http://schemas.microsoft.com/office/drawing/2017/decorative" xmlns="" val="1"/>
                 </a:ext>
               </a:extLst>
             </p:cNvPr>
@@ -19082,7 +19075,7 @@
             <p:nvPr>
               <p:extLst>
                 <p:ext uri="{386F3935-93C4-4BCD-93E2-E3B085C9AB24}">
-                  <p16:designElem xmlns="" xmlns:p16="http://schemas.microsoft.com/office/powerpoint/2015/main" val="1"/>
+                  <p16:designElem xmlns:p16="http://schemas.microsoft.com/office/powerpoint/2015/main" xmlns="" val="1"/>
                 </p:ext>
               </p:extLst>
             </p:nvPr>
@@ -19135,10 +19128,10 @@
             <p:cNvPr id="35" name="Freeform 8">
               <a:extLst>
                 <a:ext uri="{FF2B5EF4-FFF2-40B4-BE49-F238E27FC236}">
-                  <a16:creationId xmlns="" xmlns:a16="http://schemas.microsoft.com/office/drawing/2014/main" id="{3445A886-F3CA-4DE4-90D7-535F9707B799}"/>
+                  <a16:creationId xmlns:a16="http://schemas.microsoft.com/office/drawing/2014/main" xmlns="" id="{3445A886-F3CA-4DE4-90D7-535F9707B799}"/>
                 </a:ext>
                 <a:ext uri="{C183D7F6-B498-43B3-948B-1728B52AA6E4}">
-                  <adec:decorative xmlns="" xmlns:adec="http://schemas.microsoft.com/office/drawing/2017/decorative" val="1"/>
+                  <adec:decorative xmlns:adec="http://schemas.microsoft.com/office/drawing/2017/decorative" xmlns="" val="1"/>
                 </a:ext>
               </a:extLst>
             </p:cNvPr>
@@ -19146,7 +19139,7 @@
             <p:nvPr>
               <p:extLst>
                 <p:ext uri="{386F3935-93C4-4BCD-93E2-E3B085C9AB24}">
-                  <p16:designElem xmlns="" xmlns:p16="http://schemas.microsoft.com/office/powerpoint/2015/main" val="1"/>
+                  <p16:designElem xmlns:p16="http://schemas.microsoft.com/office/powerpoint/2015/main" xmlns="" val="1"/>
                 </p:ext>
               </p:extLst>
             </p:nvPr>
@@ -19196,10 +19189,10 @@
             <p:cNvPr id="36" name="Freeform 9">
               <a:extLst>
                 <a:ext uri="{FF2B5EF4-FFF2-40B4-BE49-F238E27FC236}">
-                  <a16:creationId xmlns="" xmlns:a16="http://schemas.microsoft.com/office/drawing/2014/main" id="{A8999CB6-C053-418B-AE37-E470804D251D}"/>
+                  <a16:creationId xmlns:a16="http://schemas.microsoft.com/office/drawing/2014/main" xmlns="" id="{A8999CB6-C053-418B-AE37-E470804D251D}"/>
                 </a:ext>
                 <a:ext uri="{C183D7F6-B498-43B3-948B-1728B52AA6E4}">
-                  <adec:decorative xmlns="" xmlns:adec="http://schemas.microsoft.com/office/drawing/2017/decorative" val="1"/>
+                  <adec:decorative xmlns:adec="http://schemas.microsoft.com/office/drawing/2017/decorative" xmlns="" val="1"/>
                 </a:ext>
               </a:extLst>
             </p:cNvPr>
@@ -19207,7 +19200,7 @@
             <p:nvPr>
               <p:extLst>
                 <p:ext uri="{386F3935-93C4-4BCD-93E2-E3B085C9AB24}">
-                  <p16:designElem xmlns="" xmlns:p16="http://schemas.microsoft.com/office/powerpoint/2015/main" val="1"/>
+                  <p16:designElem xmlns:p16="http://schemas.microsoft.com/office/powerpoint/2015/main" xmlns="" val="1"/>
                 </p:ext>
               </p:extLst>
             </p:nvPr>
@@ -19256,10 +19249,10 @@
             <p:cNvPr id="37" name="Freeform 10">
               <a:extLst>
                 <a:ext uri="{FF2B5EF4-FFF2-40B4-BE49-F238E27FC236}">
-                  <a16:creationId xmlns="" xmlns:a16="http://schemas.microsoft.com/office/drawing/2014/main" id="{81EA3E26-BFCD-4396-AE8A-2A9828BFFBA2}"/>
+                  <a16:creationId xmlns:a16="http://schemas.microsoft.com/office/drawing/2014/main" xmlns="" id="{81EA3E26-BFCD-4396-AE8A-2A9828BFFBA2}"/>
                 </a:ext>
                 <a:ext uri="{C183D7F6-B498-43B3-948B-1728B52AA6E4}">
-                  <adec:decorative xmlns="" xmlns:adec="http://schemas.microsoft.com/office/drawing/2017/decorative" val="1"/>
+                  <adec:decorative xmlns:adec="http://schemas.microsoft.com/office/drawing/2017/decorative" xmlns="" val="1"/>
                 </a:ext>
               </a:extLst>
             </p:cNvPr>
@@ -19267,7 +19260,7 @@
             <p:nvPr>
               <p:extLst>
                 <p:ext uri="{386F3935-93C4-4BCD-93E2-E3B085C9AB24}">
-                  <p16:designElem xmlns="" xmlns:p16="http://schemas.microsoft.com/office/powerpoint/2015/main" val="1"/>
+                  <p16:designElem xmlns:p16="http://schemas.microsoft.com/office/powerpoint/2015/main" xmlns="" val="1"/>
                 </p:ext>
               </p:extLst>
             </p:nvPr>
@@ -19322,10 +19315,10 @@
             <p:cNvPr id="38" name="Freeform 11">
               <a:extLst>
                 <a:ext uri="{FF2B5EF4-FFF2-40B4-BE49-F238E27FC236}">
-                  <a16:creationId xmlns="" xmlns:a16="http://schemas.microsoft.com/office/drawing/2014/main" id="{5F9BC582-73A6-4D8A-8738-E36476489351}"/>
+                  <a16:creationId xmlns:a16="http://schemas.microsoft.com/office/drawing/2014/main" xmlns="" id="{5F9BC582-73A6-4D8A-8738-E36476489351}"/>
                 </a:ext>
                 <a:ext uri="{C183D7F6-B498-43B3-948B-1728B52AA6E4}">
-                  <adec:decorative xmlns="" xmlns:adec="http://schemas.microsoft.com/office/drawing/2017/decorative" val="1"/>
+                  <adec:decorative xmlns:adec="http://schemas.microsoft.com/office/drawing/2017/decorative" xmlns="" val="1"/>
                 </a:ext>
               </a:extLst>
             </p:cNvPr>
@@ -19333,7 +19326,7 @@
             <p:nvPr>
               <p:extLst>
                 <p:ext uri="{386F3935-93C4-4BCD-93E2-E3B085C9AB24}">
-                  <p16:designElem xmlns="" xmlns:p16="http://schemas.microsoft.com/office/powerpoint/2015/main" val="1"/>
+                  <p16:designElem xmlns:p16="http://schemas.microsoft.com/office/powerpoint/2015/main" xmlns="" val="1"/>
                 </p:ext>
               </p:extLst>
             </p:nvPr>
@@ -19402,10 +19395,10 @@
           <p:cNvPr id="40" name="Group 39">
             <a:extLst>
               <a:ext uri="{FF2B5EF4-FFF2-40B4-BE49-F238E27FC236}">
-                <a16:creationId xmlns="" xmlns:a16="http://schemas.microsoft.com/office/drawing/2014/main" id="{A2E861A3-F23C-46B8-A38A-4A22E453D993}"/>
+                <a16:creationId xmlns:a16="http://schemas.microsoft.com/office/drawing/2014/main" xmlns="" id="{A2E861A3-F23C-46B8-A38A-4A22E453D993}"/>
               </a:ext>
               <a:ext uri="{C183D7F6-B498-43B3-948B-1728B52AA6E4}">
-                <adec:decorative xmlns="" xmlns:adec="http://schemas.microsoft.com/office/drawing/2017/decorative" val="1"/>
+                <adec:decorative xmlns:adec="http://schemas.microsoft.com/office/drawing/2017/decorative" xmlns="" val="1"/>
               </a:ext>
             </a:extLst>
           </p:cNvPr>
@@ -19415,7 +19408,7 @@
           <p:nvPr>
             <p:extLst>
               <p:ext uri="{386F3935-93C4-4BCD-93E2-E3B085C9AB24}">
-                <p16:designElem xmlns="" xmlns:p16="http://schemas.microsoft.com/office/powerpoint/2015/main" val="1"/>
+                <p16:designElem xmlns:p16="http://schemas.microsoft.com/office/powerpoint/2015/main" xmlns="" val="1"/>
               </p:ext>
             </p:extLst>
           </p:nvPr>
@@ -19433,10 +19426,10 @@
             <p:cNvPr id="41" name="Freeform 6">
               <a:extLst>
                 <a:ext uri="{FF2B5EF4-FFF2-40B4-BE49-F238E27FC236}">
-                  <a16:creationId xmlns="" xmlns:a16="http://schemas.microsoft.com/office/drawing/2014/main" id="{8BC3D220-643B-4160-B5A9-59DF5D21F410}"/>
+                  <a16:creationId xmlns:a16="http://schemas.microsoft.com/office/drawing/2014/main" xmlns="" id="{8BC3D220-643B-4160-B5A9-59DF5D21F410}"/>
                 </a:ext>
                 <a:ext uri="{C183D7F6-B498-43B3-948B-1728B52AA6E4}">
-                  <adec:decorative xmlns="" xmlns:adec="http://schemas.microsoft.com/office/drawing/2017/decorative" val="1"/>
+                  <adec:decorative xmlns:adec="http://schemas.microsoft.com/office/drawing/2017/decorative" xmlns="" val="1"/>
                 </a:ext>
               </a:extLst>
             </p:cNvPr>
@@ -19444,7 +19437,7 @@
             <p:nvPr>
               <p:extLst>
                 <p:ext uri="{386F3935-93C4-4BCD-93E2-E3B085C9AB24}">
-                  <p16:designElem xmlns="" xmlns:p16="http://schemas.microsoft.com/office/powerpoint/2015/main" val="1"/>
+                  <p16:designElem xmlns:p16="http://schemas.microsoft.com/office/powerpoint/2015/main" xmlns="" val="1"/>
                 </p:ext>
               </p:extLst>
             </p:nvPr>
@@ -19494,10 +19487,10 @@
             <p:cNvPr id="42" name="Freeform 7">
               <a:extLst>
                 <a:ext uri="{FF2B5EF4-FFF2-40B4-BE49-F238E27FC236}">
-                  <a16:creationId xmlns="" xmlns:a16="http://schemas.microsoft.com/office/drawing/2014/main" id="{B92237DE-D518-4625-8392-66D7084588A0}"/>
+                  <a16:creationId xmlns:a16="http://schemas.microsoft.com/office/drawing/2014/main" xmlns="" id="{B92237DE-D518-4625-8392-66D7084588A0}"/>
                 </a:ext>
                 <a:ext uri="{C183D7F6-B498-43B3-948B-1728B52AA6E4}">
-                  <adec:decorative xmlns="" xmlns:adec="http://schemas.microsoft.com/office/drawing/2017/decorative" val="1"/>
+                  <adec:decorative xmlns:adec="http://schemas.microsoft.com/office/drawing/2017/decorative" xmlns="" val="1"/>
                 </a:ext>
               </a:extLst>
             </p:cNvPr>
@@ -19505,7 +19498,7 @@
             <p:nvPr>
               <p:extLst>
                 <p:ext uri="{386F3935-93C4-4BCD-93E2-E3B085C9AB24}">
-                  <p16:designElem xmlns="" xmlns:p16="http://schemas.microsoft.com/office/powerpoint/2015/main" val="1"/>
+                  <p16:designElem xmlns:p16="http://schemas.microsoft.com/office/powerpoint/2015/main" xmlns="" val="1"/>
                 </p:ext>
               </p:extLst>
             </p:nvPr>
@@ -19558,10 +19551,10 @@
             <p:cNvPr id="43" name="Freeform 8">
               <a:extLst>
                 <a:ext uri="{FF2B5EF4-FFF2-40B4-BE49-F238E27FC236}">
-                  <a16:creationId xmlns="" xmlns:a16="http://schemas.microsoft.com/office/drawing/2014/main" id="{F290F0DD-E80A-4263-94E1-A41F57D84CC5}"/>
+                  <a16:creationId xmlns:a16="http://schemas.microsoft.com/office/drawing/2014/main" xmlns="" id="{F290F0DD-E80A-4263-94E1-A41F57D84CC5}"/>
                 </a:ext>
                 <a:ext uri="{C183D7F6-B498-43B3-948B-1728B52AA6E4}">
-                  <adec:decorative xmlns="" xmlns:adec="http://schemas.microsoft.com/office/drawing/2017/decorative" val="1"/>
+                  <adec:decorative xmlns:adec="http://schemas.microsoft.com/office/drawing/2017/decorative" xmlns="" val="1"/>
                 </a:ext>
               </a:extLst>
             </p:cNvPr>
@@ -19569,7 +19562,7 @@
             <p:nvPr>
               <p:extLst>
                 <p:ext uri="{386F3935-93C4-4BCD-93E2-E3B085C9AB24}">
-                  <p16:designElem xmlns="" xmlns:p16="http://schemas.microsoft.com/office/powerpoint/2015/main" val="1"/>
+                  <p16:designElem xmlns:p16="http://schemas.microsoft.com/office/powerpoint/2015/main" xmlns="" val="1"/>
                 </p:ext>
               </p:extLst>
             </p:nvPr>
@@ -19619,10 +19612,10 @@
             <p:cNvPr id="44" name="Freeform 9">
               <a:extLst>
                 <a:ext uri="{FF2B5EF4-FFF2-40B4-BE49-F238E27FC236}">
-                  <a16:creationId xmlns="" xmlns:a16="http://schemas.microsoft.com/office/drawing/2014/main" id="{D78EA7D2-CCEA-435E-873D-36BF0522FFED}"/>
+                  <a16:creationId xmlns:a16="http://schemas.microsoft.com/office/drawing/2014/main" xmlns="" id="{D78EA7D2-CCEA-435E-873D-36BF0522FFED}"/>
                 </a:ext>
                 <a:ext uri="{C183D7F6-B498-43B3-948B-1728B52AA6E4}">
-                  <adec:decorative xmlns="" xmlns:adec="http://schemas.microsoft.com/office/drawing/2017/decorative" val="1"/>
+                  <adec:decorative xmlns:adec="http://schemas.microsoft.com/office/drawing/2017/decorative" xmlns="" val="1"/>
                 </a:ext>
               </a:extLst>
             </p:cNvPr>
@@ -19630,7 +19623,7 @@
             <p:nvPr>
               <p:extLst>
                 <p:ext uri="{386F3935-93C4-4BCD-93E2-E3B085C9AB24}">
-                  <p16:designElem xmlns="" xmlns:p16="http://schemas.microsoft.com/office/powerpoint/2015/main" val="1"/>
+                  <p16:designElem xmlns:p16="http://schemas.microsoft.com/office/powerpoint/2015/main" xmlns="" val="1"/>
                 </p:ext>
               </p:extLst>
             </p:nvPr>
@@ -19679,10 +19672,10 @@
             <p:cNvPr id="45" name="Freeform 10">
               <a:extLst>
                 <a:ext uri="{FF2B5EF4-FFF2-40B4-BE49-F238E27FC236}">
-                  <a16:creationId xmlns="" xmlns:a16="http://schemas.microsoft.com/office/drawing/2014/main" id="{9DFA731E-D6BB-42CC-AA05-64023DC81FE6}"/>
+                  <a16:creationId xmlns:a16="http://schemas.microsoft.com/office/drawing/2014/main" xmlns="" id="{9DFA731E-D6BB-42CC-AA05-64023DC81FE6}"/>
                 </a:ext>
                 <a:ext uri="{C183D7F6-B498-43B3-948B-1728B52AA6E4}">
-                  <adec:decorative xmlns="" xmlns:adec="http://schemas.microsoft.com/office/drawing/2017/decorative" val="1"/>
+                  <adec:decorative xmlns:adec="http://schemas.microsoft.com/office/drawing/2017/decorative" xmlns="" val="1"/>
                 </a:ext>
               </a:extLst>
             </p:cNvPr>
@@ -19690,7 +19683,7 @@
             <p:nvPr>
               <p:extLst>
                 <p:ext uri="{386F3935-93C4-4BCD-93E2-E3B085C9AB24}">
-                  <p16:designElem xmlns="" xmlns:p16="http://schemas.microsoft.com/office/powerpoint/2015/main" val="1"/>
+                  <p16:designElem xmlns:p16="http://schemas.microsoft.com/office/powerpoint/2015/main" xmlns="" val="1"/>
                 </p:ext>
               </p:extLst>
             </p:nvPr>
@@ -19745,10 +19738,10 @@
             <p:cNvPr id="46" name="Freeform 11">
               <a:extLst>
                 <a:ext uri="{FF2B5EF4-FFF2-40B4-BE49-F238E27FC236}">
-                  <a16:creationId xmlns="" xmlns:a16="http://schemas.microsoft.com/office/drawing/2014/main" id="{B00D0483-90FB-4EB4-9770-CA8A310D503B}"/>
+                  <a16:creationId xmlns:a16="http://schemas.microsoft.com/office/drawing/2014/main" xmlns="" id="{B00D0483-90FB-4EB4-9770-CA8A310D503B}"/>
                 </a:ext>
                 <a:ext uri="{C183D7F6-B498-43B3-948B-1728B52AA6E4}">
-                  <adec:decorative xmlns="" xmlns:adec="http://schemas.microsoft.com/office/drawing/2017/decorative" val="1"/>
+                  <adec:decorative xmlns:adec="http://schemas.microsoft.com/office/drawing/2017/decorative" xmlns="" val="1"/>
                 </a:ext>
               </a:extLst>
             </p:cNvPr>
@@ -19756,7 +19749,7 @@
             <p:nvPr>
               <p:extLst>
                 <p:ext uri="{386F3935-93C4-4BCD-93E2-E3B085C9AB24}">
-                  <p16:designElem xmlns="" xmlns:p16="http://schemas.microsoft.com/office/powerpoint/2015/main" val="1"/>
+                  <p16:designElem xmlns:p16="http://schemas.microsoft.com/office/powerpoint/2015/main" xmlns="" val="1"/>
                 </p:ext>
               </p:extLst>
             </p:nvPr>
@@ -19825,7 +19818,7 @@
           <p:cNvPr id="2" name="Title 1">
             <a:extLst>
               <a:ext uri="{FF2B5EF4-FFF2-40B4-BE49-F238E27FC236}">
-                <a16:creationId xmlns="" xmlns:a16="http://schemas.microsoft.com/office/drawing/2014/main" id="{339A428F-DE24-F24B-B03E-D8A9E51064E5}"/>
+                <a16:creationId xmlns:a16="http://schemas.microsoft.com/office/drawing/2014/main" xmlns="" id="{339A428F-DE24-F24B-B03E-D8A9E51064E5}"/>
               </a:ext>
             </a:extLst>
           </p:cNvPr>
@@ -19861,10 +19854,10 @@
           <p:cNvPr id="48" name="Rounded Rectangle 16">
             <a:extLst>
               <a:ext uri="{FF2B5EF4-FFF2-40B4-BE49-F238E27FC236}">
-                <a16:creationId xmlns="" xmlns:a16="http://schemas.microsoft.com/office/drawing/2014/main" id="{DD7EED39-224E-4230-8FD1-B1E1AF6C6E36}"/>
+                <a16:creationId xmlns:a16="http://schemas.microsoft.com/office/drawing/2014/main" xmlns="" id="{DD7EED39-224E-4230-8FD1-B1E1AF6C6E36}"/>
               </a:ext>
               <a:ext uri="{C183D7F6-B498-43B3-948B-1728B52AA6E4}">
-                <adec:decorative xmlns="" xmlns:adec="http://schemas.microsoft.com/office/drawing/2017/decorative" val="1"/>
+                <adec:decorative xmlns:adec="http://schemas.microsoft.com/office/drawing/2017/decorative" xmlns="" val="1"/>
               </a:ext>
             </a:extLst>
           </p:cNvPr>
@@ -19874,7 +19867,7 @@
           <p:nvPr>
             <p:extLst>
               <p:ext uri="{386F3935-93C4-4BCD-93E2-E3B085C9AB24}">
-                <p16:designElem xmlns="" xmlns:p16="http://schemas.microsoft.com/office/powerpoint/2015/main" val="1"/>
+                <p16:designElem xmlns:p16="http://schemas.microsoft.com/office/powerpoint/2015/main" xmlns="" val="1"/>
               </p:ext>
             </p:extLst>
           </p:nvPr>
@@ -19946,7 +19939,7 @@
           <p:cNvPr id="20" name="TextBox 19">
             <a:extLst>
               <a:ext uri="{FF2B5EF4-FFF2-40B4-BE49-F238E27FC236}">
-                <a16:creationId xmlns="" xmlns:a16="http://schemas.microsoft.com/office/drawing/2014/main" id="{0983CF5F-AED5-EA43-B332-EF09D66427D2}"/>
+                <a16:creationId xmlns:a16="http://schemas.microsoft.com/office/drawing/2014/main" xmlns="" id="{0983CF5F-AED5-EA43-B332-EF09D66427D2}"/>
               </a:ext>
             </a:extLst>
           </p:cNvPr>
@@ -20440,10 +20433,10 @@
           <p:cNvPr id="47" name="Group 31">
             <a:extLst>
               <a:ext uri="{FF2B5EF4-FFF2-40B4-BE49-F238E27FC236}">
-                <a16:creationId xmlns="" xmlns:a16="http://schemas.microsoft.com/office/drawing/2014/main" id="{260ACC13-B825-49F3-93DE-C8B8F2FA37A1}"/>
+                <a16:creationId xmlns:a16="http://schemas.microsoft.com/office/drawing/2014/main" xmlns="" id="{260ACC13-B825-49F3-93DE-C8B8F2FA37A1}"/>
               </a:ext>
               <a:ext uri="{C183D7F6-B498-43B3-948B-1728B52AA6E4}">
-                <adec:decorative xmlns="" xmlns:adec="http://schemas.microsoft.com/office/drawing/2017/decorative" val="1"/>
+                <adec:decorative xmlns:adec="http://schemas.microsoft.com/office/drawing/2017/decorative" xmlns="" val="1"/>
               </a:ext>
             </a:extLst>
           </p:cNvPr>
@@ -20453,7 +20446,7 @@
           <p:nvPr>
             <p:extLst>
               <p:ext uri="{386F3935-93C4-4BCD-93E2-E3B085C9AB24}">
-                <p16:designElem xmlns="" xmlns:p16="http://schemas.microsoft.com/office/powerpoint/2015/main" val="1"/>
+                <p16:designElem xmlns:p16="http://schemas.microsoft.com/office/powerpoint/2015/main" xmlns="" val="1"/>
               </p:ext>
             </p:extLst>
           </p:nvPr>
@@ -20471,10 +20464,10 @@
             <p:cNvPr id="33" name="Freeform 6">
               <a:extLst>
                 <a:ext uri="{FF2B5EF4-FFF2-40B4-BE49-F238E27FC236}">
-                  <a16:creationId xmlns="" xmlns:a16="http://schemas.microsoft.com/office/drawing/2014/main" id="{F947B31F-CA03-4793-845D-FD86BABC1A18}"/>
+                  <a16:creationId xmlns:a16="http://schemas.microsoft.com/office/drawing/2014/main" xmlns="" id="{F947B31F-CA03-4793-845D-FD86BABC1A18}"/>
                 </a:ext>
                 <a:ext uri="{C183D7F6-B498-43B3-948B-1728B52AA6E4}">
-                  <adec:decorative xmlns="" xmlns:adec="http://schemas.microsoft.com/office/drawing/2017/decorative" val="1"/>
+                  <adec:decorative xmlns:adec="http://schemas.microsoft.com/office/drawing/2017/decorative" xmlns="" val="1"/>
                 </a:ext>
               </a:extLst>
             </p:cNvPr>
@@ -20482,7 +20475,7 @@
             <p:nvPr>
               <p:extLst>
                 <p:ext uri="{386F3935-93C4-4BCD-93E2-E3B085C9AB24}">
-                  <p16:designElem xmlns="" xmlns:p16="http://schemas.microsoft.com/office/powerpoint/2015/main" val="1"/>
+                  <p16:designElem xmlns:p16="http://schemas.microsoft.com/office/powerpoint/2015/main" xmlns="" val="1"/>
                 </p:ext>
               </p:extLst>
             </p:nvPr>
@@ -20532,10 +20525,10 @@
             <p:cNvPr id="34" name="Freeform 7">
               <a:extLst>
                 <a:ext uri="{FF2B5EF4-FFF2-40B4-BE49-F238E27FC236}">
-                  <a16:creationId xmlns="" xmlns:a16="http://schemas.microsoft.com/office/drawing/2014/main" id="{DCDDE94D-F78C-4A48-AEA6-E922FC99A159}"/>
+                  <a16:creationId xmlns:a16="http://schemas.microsoft.com/office/drawing/2014/main" xmlns="" id="{DCDDE94D-F78C-4A48-AEA6-E922FC99A159}"/>
                 </a:ext>
                 <a:ext uri="{C183D7F6-B498-43B3-948B-1728B52AA6E4}">
-                  <adec:decorative xmlns="" xmlns:adec="http://schemas.microsoft.com/office/drawing/2017/decorative" val="1"/>
+                  <adec:decorative xmlns:adec="http://schemas.microsoft.com/office/drawing/2017/decorative" xmlns="" val="1"/>
                 </a:ext>
               </a:extLst>
             </p:cNvPr>
@@ -20543,7 +20536,7 @@
             <p:nvPr>
               <p:extLst>
                 <p:ext uri="{386F3935-93C4-4BCD-93E2-E3B085C9AB24}">
-                  <p16:designElem xmlns="" xmlns:p16="http://schemas.microsoft.com/office/powerpoint/2015/main" val="1"/>
+                  <p16:designElem xmlns:p16="http://schemas.microsoft.com/office/powerpoint/2015/main" xmlns="" val="1"/>
                 </p:ext>
               </p:extLst>
             </p:nvPr>
@@ -20596,10 +20589,10 @@
             <p:cNvPr id="35" name="Freeform 8">
               <a:extLst>
                 <a:ext uri="{FF2B5EF4-FFF2-40B4-BE49-F238E27FC236}">
-                  <a16:creationId xmlns="" xmlns:a16="http://schemas.microsoft.com/office/drawing/2014/main" id="{3445A886-F3CA-4DE4-90D7-535F9707B799}"/>
+                  <a16:creationId xmlns:a16="http://schemas.microsoft.com/office/drawing/2014/main" xmlns="" id="{3445A886-F3CA-4DE4-90D7-535F9707B799}"/>
                 </a:ext>
                 <a:ext uri="{C183D7F6-B498-43B3-948B-1728B52AA6E4}">
-                  <adec:decorative xmlns="" xmlns:adec="http://schemas.microsoft.com/office/drawing/2017/decorative" val="1"/>
+                  <adec:decorative xmlns:adec="http://schemas.microsoft.com/office/drawing/2017/decorative" xmlns="" val="1"/>
                 </a:ext>
               </a:extLst>
             </p:cNvPr>
@@ -20607,7 +20600,7 @@
             <p:nvPr>
               <p:extLst>
                 <p:ext uri="{386F3935-93C4-4BCD-93E2-E3B085C9AB24}">
-                  <p16:designElem xmlns="" xmlns:p16="http://schemas.microsoft.com/office/powerpoint/2015/main" val="1"/>
+                  <p16:designElem xmlns:p16="http://schemas.microsoft.com/office/powerpoint/2015/main" xmlns="" val="1"/>
                 </p:ext>
               </p:extLst>
             </p:nvPr>
@@ -20657,10 +20650,10 @@
             <p:cNvPr id="36" name="Freeform 9">
               <a:extLst>
                 <a:ext uri="{FF2B5EF4-FFF2-40B4-BE49-F238E27FC236}">
-                  <a16:creationId xmlns="" xmlns:a16="http://schemas.microsoft.com/office/drawing/2014/main" id="{A8999CB6-C053-418B-AE37-E470804D251D}"/>
+                  <a16:creationId xmlns:a16="http://schemas.microsoft.com/office/drawing/2014/main" xmlns="" id="{A8999CB6-C053-418B-AE37-E470804D251D}"/>
                 </a:ext>
                 <a:ext uri="{C183D7F6-B498-43B3-948B-1728B52AA6E4}">
-                  <adec:decorative xmlns="" xmlns:adec="http://schemas.microsoft.com/office/drawing/2017/decorative" val="1"/>
+                  <adec:decorative xmlns:adec="http://schemas.microsoft.com/office/drawing/2017/decorative" xmlns="" val="1"/>
                 </a:ext>
               </a:extLst>
             </p:cNvPr>
@@ -20668,7 +20661,7 @@
             <p:nvPr>
               <p:extLst>
                 <p:ext uri="{386F3935-93C4-4BCD-93E2-E3B085C9AB24}">
-                  <p16:designElem xmlns="" xmlns:p16="http://schemas.microsoft.com/office/powerpoint/2015/main" val="1"/>
+                  <p16:designElem xmlns:p16="http://schemas.microsoft.com/office/powerpoint/2015/main" xmlns="" val="1"/>
                 </p:ext>
               </p:extLst>
             </p:nvPr>
@@ -20717,10 +20710,10 @@
             <p:cNvPr id="37" name="Freeform 10">
               <a:extLst>
                 <a:ext uri="{FF2B5EF4-FFF2-40B4-BE49-F238E27FC236}">
-                  <a16:creationId xmlns="" xmlns:a16="http://schemas.microsoft.com/office/drawing/2014/main" id="{81EA3E26-BFCD-4396-AE8A-2A9828BFFBA2}"/>
+                  <a16:creationId xmlns:a16="http://schemas.microsoft.com/office/drawing/2014/main" xmlns="" id="{81EA3E26-BFCD-4396-AE8A-2A9828BFFBA2}"/>
                 </a:ext>
                 <a:ext uri="{C183D7F6-B498-43B3-948B-1728B52AA6E4}">
-                  <adec:decorative xmlns="" xmlns:adec="http://schemas.microsoft.com/office/drawing/2017/decorative" val="1"/>
+                  <adec:decorative xmlns:adec="http://schemas.microsoft.com/office/drawing/2017/decorative" xmlns="" val="1"/>
                 </a:ext>
               </a:extLst>
             </p:cNvPr>
@@ -20728,7 +20721,7 @@
             <p:nvPr>
               <p:extLst>
                 <p:ext uri="{386F3935-93C4-4BCD-93E2-E3B085C9AB24}">
-                  <p16:designElem xmlns="" xmlns:p16="http://schemas.microsoft.com/office/powerpoint/2015/main" val="1"/>
+                  <p16:designElem xmlns:p16="http://schemas.microsoft.com/office/powerpoint/2015/main" xmlns="" val="1"/>
                 </p:ext>
               </p:extLst>
             </p:nvPr>
@@ -20783,10 +20776,10 @@
             <p:cNvPr id="38" name="Freeform 11">
               <a:extLst>
                 <a:ext uri="{FF2B5EF4-FFF2-40B4-BE49-F238E27FC236}">
-                  <a16:creationId xmlns="" xmlns:a16="http://schemas.microsoft.com/office/drawing/2014/main" id="{5F9BC582-73A6-4D8A-8738-E36476489351}"/>
+                  <a16:creationId xmlns:a16="http://schemas.microsoft.com/office/drawing/2014/main" xmlns="" id="{5F9BC582-73A6-4D8A-8738-E36476489351}"/>
                 </a:ext>
                 <a:ext uri="{C183D7F6-B498-43B3-948B-1728B52AA6E4}">
-                  <adec:decorative xmlns="" xmlns:adec="http://schemas.microsoft.com/office/drawing/2017/decorative" val="1"/>
+                  <adec:decorative xmlns:adec="http://schemas.microsoft.com/office/drawing/2017/decorative" xmlns="" val="1"/>
                 </a:ext>
               </a:extLst>
             </p:cNvPr>
@@ -20794,7 +20787,7 @@
             <p:nvPr>
               <p:extLst>
                 <p:ext uri="{386F3935-93C4-4BCD-93E2-E3B085C9AB24}">
-                  <p16:designElem xmlns="" xmlns:p16="http://schemas.microsoft.com/office/powerpoint/2015/main" val="1"/>
+                  <p16:designElem xmlns:p16="http://schemas.microsoft.com/office/powerpoint/2015/main" xmlns="" val="1"/>
                 </p:ext>
               </p:extLst>
             </p:nvPr>
@@ -20863,10 +20856,10 @@
           <p:cNvPr id="40" name="Group 39">
             <a:extLst>
               <a:ext uri="{FF2B5EF4-FFF2-40B4-BE49-F238E27FC236}">
-                <a16:creationId xmlns="" xmlns:a16="http://schemas.microsoft.com/office/drawing/2014/main" id="{A2E861A3-F23C-46B8-A38A-4A22E453D993}"/>
+                <a16:creationId xmlns:a16="http://schemas.microsoft.com/office/drawing/2014/main" xmlns="" id="{A2E861A3-F23C-46B8-A38A-4A22E453D993}"/>
               </a:ext>
               <a:ext uri="{C183D7F6-B498-43B3-948B-1728B52AA6E4}">
-                <adec:decorative xmlns="" xmlns:adec="http://schemas.microsoft.com/office/drawing/2017/decorative" val="1"/>
+                <adec:decorative xmlns:adec="http://schemas.microsoft.com/office/drawing/2017/decorative" xmlns="" val="1"/>
               </a:ext>
             </a:extLst>
           </p:cNvPr>
@@ -20876,7 +20869,7 @@
           <p:nvPr>
             <p:extLst>
               <p:ext uri="{386F3935-93C4-4BCD-93E2-E3B085C9AB24}">
-                <p16:designElem xmlns="" xmlns:p16="http://schemas.microsoft.com/office/powerpoint/2015/main" val="1"/>
+                <p16:designElem xmlns:p16="http://schemas.microsoft.com/office/powerpoint/2015/main" xmlns="" val="1"/>
               </p:ext>
             </p:extLst>
           </p:nvPr>
@@ -20894,10 +20887,10 @@
             <p:cNvPr id="41" name="Freeform 6">
               <a:extLst>
                 <a:ext uri="{FF2B5EF4-FFF2-40B4-BE49-F238E27FC236}">
-                  <a16:creationId xmlns="" xmlns:a16="http://schemas.microsoft.com/office/drawing/2014/main" id="{8BC3D220-643B-4160-B5A9-59DF5D21F410}"/>
+                  <a16:creationId xmlns:a16="http://schemas.microsoft.com/office/drawing/2014/main" xmlns="" id="{8BC3D220-643B-4160-B5A9-59DF5D21F410}"/>
                 </a:ext>
                 <a:ext uri="{C183D7F6-B498-43B3-948B-1728B52AA6E4}">
-                  <adec:decorative xmlns="" xmlns:adec="http://schemas.microsoft.com/office/drawing/2017/decorative" val="1"/>
+                  <adec:decorative xmlns:adec="http://schemas.microsoft.com/office/drawing/2017/decorative" xmlns="" val="1"/>
                 </a:ext>
               </a:extLst>
             </p:cNvPr>
@@ -20905,7 +20898,7 @@
             <p:nvPr>
               <p:extLst>
                 <p:ext uri="{386F3935-93C4-4BCD-93E2-E3B085C9AB24}">
-                  <p16:designElem xmlns="" xmlns:p16="http://schemas.microsoft.com/office/powerpoint/2015/main" val="1"/>
+                  <p16:designElem xmlns:p16="http://schemas.microsoft.com/office/powerpoint/2015/main" xmlns="" val="1"/>
                 </p:ext>
               </p:extLst>
             </p:nvPr>
@@ -20955,10 +20948,10 @@
             <p:cNvPr id="42" name="Freeform 7">
               <a:extLst>
                 <a:ext uri="{FF2B5EF4-FFF2-40B4-BE49-F238E27FC236}">
-                  <a16:creationId xmlns="" xmlns:a16="http://schemas.microsoft.com/office/drawing/2014/main" id="{B92237DE-D518-4625-8392-66D7084588A0}"/>
+                  <a16:creationId xmlns:a16="http://schemas.microsoft.com/office/drawing/2014/main" xmlns="" id="{B92237DE-D518-4625-8392-66D7084588A0}"/>
                 </a:ext>
                 <a:ext uri="{C183D7F6-B498-43B3-948B-1728B52AA6E4}">
-                  <adec:decorative xmlns="" xmlns:adec="http://schemas.microsoft.com/office/drawing/2017/decorative" val="1"/>
+                  <adec:decorative xmlns:adec="http://schemas.microsoft.com/office/drawing/2017/decorative" xmlns="" val="1"/>
                 </a:ext>
               </a:extLst>
             </p:cNvPr>
@@ -20966,7 +20959,7 @@
             <p:nvPr>
               <p:extLst>
                 <p:ext uri="{386F3935-93C4-4BCD-93E2-E3B085C9AB24}">
-                  <p16:designElem xmlns="" xmlns:p16="http://schemas.microsoft.com/office/powerpoint/2015/main" val="1"/>
+                  <p16:designElem xmlns:p16="http://schemas.microsoft.com/office/powerpoint/2015/main" xmlns="" val="1"/>
                 </p:ext>
               </p:extLst>
             </p:nvPr>
@@ -21019,10 +21012,10 @@
             <p:cNvPr id="43" name="Freeform 8">
               <a:extLst>
                 <a:ext uri="{FF2B5EF4-FFF2-40B4-BE49-F238E27FC236}">
-                  <a16:creationId xmlns="" xmlns:a16="http://schemas.microsoft.com/office/drawing/2014/main" id="{F290F0DD-E80A-4263-94E1-A41F57D84CC5}"/>
+                  <a16:creationId xmlns:a16="http://schemas.microsoft.com/office/drawing/2014/main" xmlns="" id="{F290F0DD-E80A-4263-94E1-A41F57D84CC5}"/>
                 </a:ext>
                 <a:ext uri="{C183D7F6-B498-43B3-948B-1728B52AA6E4}">
-                  <adec:decorative xmlns="" xmlns:adec="http://schemas.microsoft.com/office/drawing/2017/decorative" val="1"/>
+                  <adec:decorative xmlns:adec="http://schemas.microsoft.com/office/drawing/2017/decorative" xmlns="" val="1"/>
                 </a:ext>
               </a:extLst>
             </p:cNvPr>
@@ -21030,7 +21023,7 @@
             <p:nvPr>
               <p:extLst>
                 <p:ext uri="{386F3935-93C4-4BCD-93E2-E3B085C9AB24}">
-                  <p16:designElem xmlns="" xmlns:p16="http://schemas.microsoft.com/office/powerpoint/2015/main" val="1"/>
+                  <p16:designElem xmlns:p16="http://schemas.microsoft.com/office/powerpoint/2015/main" xmlns="" val="1"/>
                 </p:ext>
               </p:extLst>
             </p:nvPr>
@@ -21080,10 +21073,10 @@
             <p:cNvPr id="44" name="Freeform 9">
               <a:extLst>
                 <a:ext uri="{FF2B5EF4-FFF2-40B4-BE49-F238E27FC236}">
-                  <a16:creationId xmlns="" xmlns:a16="http://schemas.microsoft.com/office/drawing/2014/main" id="{D78EA7D2-CCEA-435E-873D-36BF0522FFED}"/>
+                  <a16:creationId xmlns:a16="http://schemas.microsoft.com/office/drawing/2014/main" xmlns="" id="{D78EA7D2-CCEA-435E-873D-36BF0522FFED}"/>
                 </a:ext>
                 <a:ext uri="{C183D7F6-B498-43B3-948B-1728B52AA6E4}">
-                  <adec:decorative xmlns="" xmlns:adec="http://schemas.microsoft.com/office/drawing/2017/decorative" val="1"/>
+                  <adec:decorative xmlns:adec="http://schemas.microsoft.com/office/drawing/2017/decorative" xmlns="" val="1"/>
                 </a:ext>
               </a:extLst>
             </p:cNvPr>
@@ -21091,7 +21084,7 @@
             <p:nvPr>
               <p:extLst>
                 <p:ext uri="{386F3935-93C4-4BCD-93E2-E3B085C9AB24}">
-                  <p16:designElem xmlns="" xmlns:p16="http://schemas.microsoft.com/office/powerpoint/2015/main" val="1"/>
+                  <p16:designElem xmlns:p16="http://schemas.microsoft.com/office/powerpoint/2015/main" xmlns="" val="1"/>
                 </p:ext>
               </p:extLst>
             </p:nvPr>
@@ -21140,10 +21133,10 @@
             <p:cNvPr id="45" name="Freeform 10">
               <a:extLst>
                 <a:ext uri="{FF2B5EF4-FFF2-40B4-BE49-F238E27FC236}">
-                  <a16:creationId xmlns="" xmlns:a16="http://schemas.microsoft.com/office/drawing/2014/main" id="{9DFA731E-D6BB-42CC-AA05-64023DC81FE6}"/>
+                  <a16:creationId xmlns:a16="http://schemas.microsoft.com/office/drawing/2014/main" xmlns="" id="{9DFA731E-D6BB-42CC-AA05-64023DC81FE6}"/>
                 </a:ext>
                 <a:ext uri="{C183D7F6-B498-43B3-948B-1728B52AA6E4}">
-                  <adec:decorative xmlns="" xmlns:adec="http://schemas.microsoft.com/office/drawing/2017/decorative" val="1"/>
+                  <adec:decorative xmlns:adec="http://schemas.microsoft.com/office/drawing/2017/decorative" xmlns="" val="1"/>
                 </a:ext>
               </a:extLst>
             </p:cNvPr>
@@ -21151,7 +21144,7 @@
             <p:nvPr>
               <p:extLst>
                 <p:ext uri="{386F3935-93C4-4BCD-93E2-E3B085C9AB24}">
-                  <p16:designElem xmlns="" xmlns:p16="http://schemas.microsoft.com/office/powerpoint/2015/main" val="1"/>
+                  <p16:designElem xmlns:p16="http://schemas.microsoft.com/office/powerpoint/2015/main" xmlns="" val="1"/>
                 </p:ext>
               </p:extLst>
             </p:nvPr>
@@ -21206,10 +21199,10 @@
             <p:cNvPr id="46" name="Freeform 11">
               <a:extLst>
                 <a:ext uri="{FF2B5EF4-FFF2-40B4-BE49-F238E27FC236}">
-                  <a16:creationId xmlns="" xmlns:a16="http://schemas.microsoft.com/office/drawing/2014/main" id="{B00D0483-90FB-4EB4-9770-CA8A310D503B}"/>
+                  <a16:creationId xmlns:a16="http://schemas.microsoft.com/office/drawing/2014/main" xmlns="" id="{B00D0483-90FB-4EB4-9770-CA8A310D503B}"/>
                 </a:ext>
                 <a:ext uri="{C183D7F6-B498-43B3-948B-1728B52AA6E4}">
-                  <adec:decorative xmlns="" xmlns:adec="http://schemas.microsoft.com/office/drawing/2017/decorative" val="1"/>
+                  <adec:decorative xmlns:adec="http://schemas.microsoft.com/office/drawing/2017/decorative" xmlns="" val="1"/>
                 </a:ext>
               </a:extLst>
             </p:cNvPr>
@@ -21217,7 +21210,7 @@
             <p:nvPr>
               <p:extLst>
                 <p:ext uri="{386F3935-93C4-4BCD-93E2-E3B085C9AB24}">
-                  <p16:designElem xmlns="" xmlns:p16="http://schemas.microsoft.com/office/powerpoint/2015/main" val="1"/>
+                  <p16:designElem xmlns:p16="http://schemas.microsoft.com/office/powerpoint/2015/main" xmlns="" val="1"/>
                 </p:ext>
               </p:extLst>
             </p:nvPr>
@@ -21286,7 +21279,7 @@
           <p:cNvPr id="2" name="Title 1">
             <a:extLst>
               <a:ext uri="{FF2B5EF4-FFF2-40B4-BE49-F238E27FC236}">
-                <a16:creationId xmlns="" xmlns:a16="http://schemas.microsoft.com/office/drawing/2014/main" id="{339A428F-DE24-F24B-B03E-D8A9E51064E5}"/>
+                <a16:creationId xmlns:a16="http://schemas.microsoft.com/office/drawing/2014/main" xmlns="" id="{339A428F-DE24-F24B-B03E-D8A9E51064E5}"/>
               </a:ext>
             </a:extLst>
           </p:cNvPr>
@@ -21322,10 +21315,10 @@
           <p:cNvPr id="48" name="Rounded Rectangle 16">
             <a:extLst>
               <a:ext uri="{FF2B5EF4-FFF2-40B4-BE49-F238E27FC236}">
-                <a16:creationId xmlns="" xmlns:a16="http://schemas.microsoft.com/office/drawing/2014/main" id="{DD7EED39-224E-4230-8FD1-B1E1AF6C6E36}"/>
+                <a16:creationId xmlns:a16="http://schemas.microsoft.com/office/drawing/2014/main" xmlns="" id="{DD7EED39-224E-4230-8FD1-B1E1AF6C6E36}"/>
               </a:ext>
               <a:ext uri="{C183D7F6-B498-43B3-948B-1728B52AA6E4}">
-                <adec:decorative xmlns="" xmlns:adec="http://schemas.microsoft.com/office/drawing/2017/decorative" val="1"/>
+                <adec:decorative xmlns:adec="http://schemas.microsoft.com/office/drawing/2017/decorative" xmlns="" val="1"/>
               </a:ext>
             </a:extLst>
           </p:cNvPr>
@@ -21335,7 +21328,7 @@
           <p:nvPr>
             <p:extLst>
               <p:ext uri="{386F3935-93C4-4BCD-93E2-E3B085C9AB24}">
-                <p16:designElem xmlns="" xmlns:p16="http://schemas.microsoft.com/office/powerpoint/2015/main" val="1"/>
+                <p16:designElem xmlns:p16="http://schemas.microsoft.com/office/powerpoint/2015/main" xmlns="" val="1"/>
               </p:ext>
             </p:extLst>
           </p:nvPr>
@@ -21407,7 +21400,7 @@
           <p:cNvPr id="20" name="TextBox 19">
             <a:extLst>
               <a:ext uri="{FF2B5EF4-FFF2-40B4-BE49-F238E27FC236}">
-                <a16:creationId xmlns="" xmlns:a16="http://schemas.microsoft.com/office/drawing/2014/main" id="{0983CF5F-AED5-EA43-B332-EF09D66427D2}"/>
+                <a16:creationId xmlns:a16="http://schemas.microsoft.com/office/drawing/2014/main" xmlns="" id="{0983CF5F-AED5-EA43-B332-EF09D66427D2}"/>
               </a:ext>
             </a:extLst>
           </p:cNvPr>
@@ -21848,21 +21841,21 @@
                 <a:gridCol w="1720893">
                   <a:extLst>
                     <a:ext uri="{9D8B030D-6E8A-4147-A177-3AD203B41FA5}">
-                      <a16:colId xmlns="" xmlns:a16="http://schemas.microsoft.com/office/drawing/2014/main" val="20000"/>
+                      <a16:colId xmlns:a16="http://schemas.microsoft.com/office/drawing/2014/main" xmlns="" val="20000"/>
                     </a:ext>
                   </a:extLst>
                 </a:gridCol>
                 <a:gridCol w="1129516">
                   <a:extLst>
                     <a:ext uri="{9D8B030D-6E8A-4147-A177-3AD203B41FA5}">
-                      <a16:colId xmlns="" xmlns:a16="http://schemas.microsoft.com/office/drawing/2014/main" val="20001"/>
+                      <a16:colId xmlns:a16="http://schemas.microsoft.com/office/drawing/2014/main" xmlns="" val="20001"/>
                     </a:ext>
                   </a:extLst>
                 </a:gridCol>
                 <a:gridCol w="6361828">
                   <a:extLst>
                     <a:ext uri="{9D8B030D-6E8A-4147-A177-3AD203B41FA5}">
-                      <a16:colId xmlns="" xmlns:a16="http://schemas.microsoft.com/office/drawing/2014/main" val="20002"/>
+                      <a16:colId xmlns:a16="http://schemas.microsoft.com/office/drawing/2014/main" xmlns="" val="20002"/>
                     </a:ext>
                   </a:extLst>
                 </a:gridCol>
@@ -22039,7 +22032,7 @@
                 </a:tc>
                 <a:extLst>
                   <a:ext uri="{0D108BD9-81ED-4DB2-BD59-A6C34878D82A}">
-                    <a16:rowId xmlns="" xmlns:a16="http://schemas.microsoft.com/office/drawing/2014/main" val="10000"/>
+                    <a16:rowId xmlns:a16="http://schemas.microsoft.com/office/drawing/2014/main" xmlns="" val="10000"/>
                   </a:ext>
                 </a:extLst>
               </a:tr>
@@ -22211,7 +22204,7 @@
                 </a:tc>
                 <a:extLst>
                   <a:ext uri="{0D108BD9-81ED-4DB2-BD59-A6C34878D82A}">
-                    <a16:rowId xmlns="" xmlns:a16="http://schemas.microsoft.com/office/drawing/2014/main" val="10001"/>
+                    <a16:rowId xmlns:a16="http://schemas.microsoft.com/office/drawing/2014/main" xmlns="" val="10001"/>
                   </a:ext>
                 </a:extLst>
               </a:tr>
@@ -22383,7 +22376,7 @@
                 </a:tc>
                 <a:extLst>
                   <a:ext uri="{0D108BD9-81ED-4DB2-BD59-A6C34878D82A}">
-                    <a16:rowId xmlns="" xmlns:a16="http://schemas.microsoft.com/office/drawing/2014/main" val="10002"/>
+                    <a16:rowId xmlns:a16="http://schemas.microsoft.com/office/drawing/2014/main" xmlns="" val="10002"/>
                   </a:ext>
                 </a:extLst>
               </a:tr>
@@ -22555,7 +22548,7 @@
                 </a:tc>
                 <a:extLst>
                   <a:ext uri="{0D108BD9-81ED-4DB2-BD59-A6C34878D82A}">
-                    <a16:rowId xmlns="" xmlns:a16="http://schemas.microsoft.com/office/drawing/2014/main" val="10003"/>
+                    <a16:rowId xmlns:a16="http://schemas.microsoft.com/office/drawing/2014/main" xmlns="" val="10003"/>
                   </a:ext>
                 </a:extLst>
               </a:tr>
@@ -22727,7 +22720,7 @@
                 </a:tc>
                 <a:extLst>
                   <a:ext uri="{0D108BD9-81ED-4DB2-BD59-A6C34878D82A}">
-                    <a16:rowId xmlns="" xmlns:a16="http://schemas.microsoft.com/office/drawing/2014/main" val="10004"/>
+                    <a16:rowId xmlns:a16="http://schemas.microsoft.com/office/drawing/2014/main" xmlns="" val="10004"/>
                   </a:ext>
                 </a:extLst>
               </a:tr>
@@ -22899,7 +22892,7 @@
                 </a:tc>
                 <a:extLst>
                   <a:ext uri="{0D108BD9-81ED-4DB2-BD59-A6C34878D82A}">
-                    <a16:rowId xmlns="" xmlns:a16="http://schemas.microsoft.com/office/drawing/2014/main" val="10005"/>
+                    <a16:rowId xmlns:a16="http://schemas.microsoft.com/office/drawing/2014/main" xmlns="" val="10005"/>
                   </a:ext>
                 </a:extLst>
               </a:tr>
@@ -23071,7 +23064,7 @@
                 </a:tc>
                 <a:extLst>
                   <a:ext uri="{0D108BD9-81ED-4DB2-BD59-A6C34878D82A}">
-                    <a16:rowId xmlns="" xmlns:a16="http://schemas.microsoft.com/office/drawing/2014/main" val="10006"/>
+                    <a16:rowId xmlns:a16="http://schemas.microsoft.com/office/drawing/2014/main" xmlns="" val="10006"/>
                   </a:ext>
                 </a:extLst>
               </a:tr>
@@ -23425,7 +23418,7 @@
           <p:cNvPr id="2" name="Title 1">
             <a:extLst>
               <a:ext uri="{FF2B5EF4-FFF2-40B4-BE49-F238E27FC236}">
-                <a16:creationId xmlns="" xmlns:a16="http://schemas.microsoft.com/office/drawing/2014/main" id="{B7B3C296-9403-6A4E-95D6-41C21F43414E}"/>
+                <a16:creationId xmlns:a16="http://schemas.microsoft.com/office/drawing/2014/main" xmlns="" id="{B7B3C296-9403-6A4E-95D6-41C21F43414E}"/>
               </a:ext>
             </a:extLst>
           </p:cNvPr>
@@ -23460,7 +23453,7 @@
           <p:cNvPr id="3" name="Content Placeholder 2">
             <a:extLst>
               <a:ext uri="{FF2B5EF4-FFF2-40B4-BE49-F238E27FC236}">
-                <a16:creationId xmlns="" xmlns:a16="http://schemas.microsoft.com/office/drawing/2014/main" id="{5360A5D9-0200-D74C-B4ED-5910E7A00C9A}"/>
+                <a16:creationId xmlns:a16="http://schemas.microsoft.com/office/drawing/2014/main" xmlns="" id="{5360A5D9-0200-D74C-B4ED-5910E7A00C9A}"/>
               </a:ext>
             </a:extLst>
           </p:cNvPr>
@@ -23501,7 +23494,7 @@
           <p:cNvPr id="1026" name="Picture 2" descr="The Four Pillars of Object Oriented Programming - DEV Community">
             <a:extLst>
               <a:ext uri="{FF2B5EF4-FFF2-40B4-BE49-F238E27FC236}">
-                <a16:creationId xmlns="" xmlns:a16="http://schemas.microsoft.com/office/drawing/2014/main" id="{CFF4DF4D-C291-C141-90EE-6C7CB411A565}"/>
+                <a16:creationId xmlns:a16="http://schemas.microsoft.com/office/drawing/2014/main" xmlns="" id="{CFF4DF4D-C291-C141-90EE-6C7CB411A565}"/>
               </a:ext>
             </a:extLst>
           </p:cNvPr>
@@ -23623,10 +23616,10 @@
           <p:cNvPr id="32" name="Group 31">
             <a:extLst>
               <a:ext uri="{FF2B5EF4-FFF2-40B4-BE49-F238E27FC236}">
-                <a16:creationId xmlns="" xmlns:a16="http://schemas.microsoft.com/office/drawing/2014/main" id="{15FF890B-3CE7-403A-AECE-2DE04FC7AF80}"/>
+                <a16:creationId xmlns:a16="http://schemas.microsoft.com/office/drawing/2014/main" xmlns="" id="{15FF890B-3CE7-403A-AECE-2DE04FC7AF80}"/>
               </a:ext>
               <a:ext uri="{C183D7F6-B498-43B3-948B-1728B52AA6E4}">
-                <adec:decorative xmlns="" xmlns:adec="http://schemas.microsoft.com/office/drawing/2017/decorative" val="1"/>
+                <adec:decorative xmlns:adec="http://schemas.microsoft.com/office/drawing/2017/decorative" xmlns="" val="1"/>
               </a:ext>
             </a:extLst>
           </p:cNvPr>
@@ -23636,7 +23629,7 @@
           <p:nvPr>
             <p:extLst>
               <p:ext uri="{386F3935-93C4-4BCD-93E2-E3B085C9AB24}">
-                <p16:designElem xmlns="" xmlns:p16="http://schemas.microsoft.com/office/powerpoint/2015/main" val="1"/>
+                <p16:designElem xmlns:p16="http://schemas.microsoft.com/office/powerpoint/2015/main" xmlns="" val="1"/>
               </p:ext>
             </p:extLst>
           </p:nvPr>
@@ -23654,10 +23647,10 @@
             <p:cNvPr id="33" name="Freeform 6">
               <a:extLst>
                 <a:ext uri="{FF2B5EF4-FFF2-40B4-BE49-F238E27FC236}">
-                  <a16:creationId xmlns="" xmlns:a16="http://schemas.microsoft.com/office/drawing/2014/main" id="{99A4E160-6CFD-4514-9E20-CA6692CCDB9C}"/>
+                  <a16:creationId xmlns:a16="http://schemas.microsoft.com/office/drawing/2014/main" xmlns="" id="{99A4E160-6CFD-4514-9E20-CA6692CCDB9C}"/>
                 </a:ext>
                 <a:ext uri="{C183D7F6-B498-43B3-948B-1728B52AA6E4}">
-                  <adec:decorative xmlns="" xmlns:adec="http://schemas.microsoft.com/office/drawing/2017/decorative" val="1"/>
+                  <adec:decorative xmlns:adec="http://schemas.microsoft.com/office/drawing/2017/decorative" xmlns="" val="1"/>
                 </a:ext>
               </a:extLst>
             </p:cNvPr>
@@ -23665,7 +23658,7 @@
             <p:nvPr>
               <p:extLst>
                 <p:ext uri="{386F3935-93C4-4BCD-93E2-E3B085C9AB24}">
-                  <p16:designElem xmlns="" xmlns:p16="http://schemas.microsoft.com/office/powerpoint/2015/main" val="1"/>
+                  <p16:designElem xmlns:p16="http://schemas.microsoft.com/office/powerpoint/2015/main" xmlns="" val="1"/>
                 </p:ext>
               </p:extLst>
             </p:nvPr>
@@ -23715,10 +23708,10 @@
             <p:cNvPr id="34" name="Freeform 7">
               <a:extLst>
                 <a:ext uri="{FF2B5EF4-FFF2-40B4-BE49-F238E27FC236}">
-                  <a16:creationId xmlns="" xmlns:a16="http://schemas.microsoft.com/office/drawing/2014/main" id="{3DCD16F5-8D15-45FD-BA62-ADAC08183A27}"/>
+                  <a16:creationId xmlns:a16="http://schemas.microsoft.com/office/drawing/2014/main" xmlns="" id="{3DCD16F5-8D15-45FD-BA62-ADAC08183A27}"/>
                 </a:ext>
                 <a:ext uri="{C183D7F6-B498-43B3-948B-1728B52AA6E4}">
-                  <adec:decorative xmlns="" xmlns:adec="http://schemas.microsoft.com/office/drawing/2017/decorative" val="1"/>
+                  <adec:decorative xmlns:adec="http://schemas.microsoft.com/office/drawing/2017/decorative" xmlns="" val="1"/>
                 </a:ext>
               </a:extLst>
             </p:cNvPr>
@@ -23726,7 +23719,7 @@
             <p:nvPr>
               <p:extLst>
                 <p:ext uri="{386F3935-93C4-4BCD-93E2-E3B085C9AB24}">
-                  <p16:designElem xmlns="" xmlns:p16="http://schemas.microsoft.com/office/powerpoint/2015/main" val="1"/>
+                  <p16:designElem xmlns:p16="http://schemas.microsoft.com/office/powerpoint/2015/main" xmlns="" val="1"/>
                 </p:ext>
               </p:extLst>
             </p:nvPr>
@@ -23779,10 +23772,10 @@
             <p:cNvPr id="35" name="Freeform 8">
               <a:extLst>
                 <a:ext uri="{FF2B5EF4-FFF2-40B4-BE49-F238E27FC236}">
-                  <a16:creationId xmlns="" xmlns:a16="http://schemas.microsoft.com/office/drawing/2014/main" id="{E7CFAF28-6FDA-4C2C-BE51-123D1115F75C}"/>
+                  <a16:creationId xmlns:a16="http://schemas.microsoft.com/office/drawing/2014/main" xmlns="" id="{E7CFAF28-6FDA-4C2C-BE51-123D1115F75C}"/>
                 </a:ext>
                 <a:ext uri="{C183D7F6-B498-43B3-948B-1728B52AA6E4}">
-                  <adec:decorative xmlns="" xmlns:adec="http://schemas.microsoft.com/office/drawing/2017/decorative" val="1"/>
+                  <adec:decorative xmlns:adec="http://schemas.microsoft.com/office/drawing/2017/decorative" xmlns="" val="1"/>
                 </a:ext>
               </a:extLst>
             </p:cNvPr>
@@ -23790,7 +23783,7 @@
             <p:nvPr>
               <p:extLst>
                 <p:ext uri="{386F3935-93C4-4BCD-93E2-E3B085C9AB24}">
-                  <p16:designElem xmlns="" xmlns:p16="http://schemas.microsoft.com/office/powerpoint/2015/main" val="1"/>
+                  <p16:designElem xmlns:p16="http://schemas.microsoft.com/office/powerpoint/2015/main" xmlns="" val="1"/>
                 </p:ext>
               </p:extLst>
             </p:nvPr>
@@ -23840,10 +23833,10 @@
             <p:cNvPr id="36" name="Freeform 9">
               <a:extLst>
                 <a:ext uri="{FF2B5EF4-FFF2-40B4-BE49-F238E27FC236}">
-                  <a16:creationId xmlns="" xmlns:a16="http://schemas.microsoft.com/office/drawing/2014/main" id="{1FD12703-0627-4991-B2A4-F96519F90863}"/>
+                  <a16:creationId xmlns:a16="http://schemas.microsoft.com/office/drawing/2014/main" xmlns="" id="{1FD12703-0627-4991-B2A4-F96519F90863}"/>
                 </a:ext>
                 <a:ext uri="{C183D7F6-B498-43B3-948B-1728B52AA6E4}">
-                  <adec:decorative xmlns="" xmlns:adec="http://schemas.microsoft.com/office/drawing/2017/decorative" val="1"/>
+                  <adec:decorative xmlns:adec="http://schemas.microsoft.com/office/drawing/2017/decorative" xmlns="" val="1"/>
                 </a:ext>
               </a:extLst>
             </p:cNvPr>
@@ -23851,7 +23844,7 @@
             <p:nvPr>
               <p:extLst>
                 <p:ext uri="{386F3935-93C4-4BCD-93E2-E3B085C9AB24}">
-                  <p16:designElem xmlns="" xmlns:p16="http://schemas.microsoft.com/office/powerpoint/2015/main" val="1"/>
+                  <p16:designElem xmlns:p16="http://schemas.microsoft.com/office/powerpoint/2015/main" xmlns="" val="1"/>
                 </p:ext>
               </p:extLst>
             </p:nvPr>
@@ -23900,10 +23893,10 @@
             <p:cNvPr id="37" name="Freeform 10">
               <a:extLst>
                 <a:ext uri="{FF2B5EF4-FFF2-40B4-BE49-F238E27FC236}">
-                  <a16:creationId xmlns="" xmlns:a16="http://schemas.microsoft.com/office/drawing/2014/main" id="{A5758E0B-DF61-40A8-B765-BC6841906A9A}"/>
+                  <a16:creationId xmlns:a16="http://schemas.microsoft.com/office/drawing/2014/main" xmlns="" id="{A5758E0B-DF61-40A8-B765-BC6841906A9A}"/>
                 </a:ext>
                 <a:ext uri="{C183D7F6-B498-43B3-948B-1728B52AA6E4}">
-                  <adec:decorative xmlns="" xmlns:adec="http://schemas.microsoft.com/office/drawing/2017/decorative" val="1"/>
+                  <adec:decorative xmlns:adec="http://schemas.microsoft.com/office/drawing/2017/decorative" xmlns="" val="1"/>
                 </a:ext>
               </a:extLst>
             </p:cNvPr>
@@ -23911,7 +23904,7 @@
             <p:nvPr>
               <p:extLst>
                 <p:ext uri="{386F3935-93C4-4BCD-93E2-E3B085C9AB24}">
-                  <p16:designElem xmlns="" xmlns:p16="http://schemas.microsoft.com/office/powerpoint/2015/main" val="1"/>
+                  <p16:designElem xmlns:p16="http://schemas.microsoft.com/office/powerpoint/2015/main" xmlns="" val="1"/>
                 </p:ext>
               </p:extLst>
             </p:nvPr>
@@ -23966,10 +23959,10 @@
             <p:cNvPr id="38" name="Freeform 11">
               <a:extLst>
                 <a:ext uri="{FF2B5EF4-FFF2-40B4-BE49-F238E27FC236}">
-                  <a16:creationId xmlns="" xmlns:a16="http://schemas.microsoft.com/office/drawing/2014/main" id="{3E063A1F-9566-4436-B4E3-2890FBBC2CCB}"/>
+                  <a16:creationId xmlns:a16="http://schemas.microsoft.com/office/drawing/2014/main" xmlns="" id="{3E063A1F-9566-4436-B4E3-2890FBBC2CCB}"/>
                 </a:ext>
                 <a:ext uri="{C183D7F6-B498-43B3-948B-1728B52AA6E4}">
-                  <adec:decorative xmlns="" xmlns:adec="http://schemas.microsoft.com/office/drawing/2017/decorative" val="1"/>
+                  <adec:decorative xmlns:adec="http://schemas.microsoft.com/office/drawing/2017/decorative" xmlns="" val="1"/>
                 </a:ext>
               </a:extLst>
             </p:cNvPr>
@@ -23977,7 +23970,7 @@
             <p:nvPr>
               <p:extLst>
                 <p:ext uri="{386F3935-93C4-4BCD-93E2-E3B085C9AB24}">
-                  <p16:designElem xmlns="" xmlns:p16="http://schemas.microsoft.com/office/powerpoint/2015/main" val="1"/>
+                  <p16:designElem xmlns:p16="http://schemas.microsoft.com/office/powerpoint/2015/main" xmlns="" val="1"/>
                 </p:ext>
               </p:extLst>
             </p:nvPr>
@@ -24046,10 +24039,10 @@
           <p:cNvPr id="40" name="Group 39">
             <a:extLst>
               <a:ext uri="{FF2B5EF4-FFF2-40B4-BE49-F238E27FC236}">
-                <a16:creationId xmlns="" xmlns:a16="http://schemas.microsoft.com/office/drawing/2014/main" id="{DF8D5C46-63E5-40C5-A208-4B2189FA1032}"/>
+                <a16:creationId xmlns:a16="http://schemas.microsoft.com/office/drawing/2014/main" xmlns="" id="{DF8D5C46-63E5-40C5-A208-4B2189FA1032}"/>
               </a:ext>
               <a:ext uri="{C183D7F6-B498-43B3-948B-1728B52AA6E4}">
-                <adec:decorative xmlns="" xmlns:adec="http://schemas.microsoft.com/office/drawing/2017/decorative" val="1"/>
+                <adec:decorative xmlns:adec="http://schemas.microsoft.com/office/drawing/2017/decorative" xmlns="" val="1"/>
               </a:ext>
             </a:extLst>
           </p:cNvPr>
@@ -24059,7 +24052,7 @@
           <p:nvPr>
             <p:extLst>
               <p:ext uri="{386F3935-93C4-4BCD-93E2-E3B085C9AB24}">
-                <p16:designElem xmlns="" xmlns:p16="http://schemas.microsoft.com/office/powerpoint/2015/main" val="1"/>
+                <p16:designElem xmlns:p16="http://schemas.microsoft.com/office/powerpoint/2015/main" xmlns="" val="1"/>
               </p:ext>
             </p:extLst>
           </p:nvPr>
@@ -24077,10 +24070,10 @@
             <p:cNvPr id="41" name="Freeform 6">
               <a:extLst>
                 <a:ext uri="{FF2B5EF4-FFF2-40B4-BE49-F238E27FC236}">
-                  <a16:creationId xmlns="" xmlns:a16="http://schemas.microsoft.com/office/drawing/2014/main" id="{4A42B4ED-376E-46C3-8BB2-EAFC660D112B}"/>
+                  <a16:creationId xmlns:a16="http://schemas.microsoft.com/office/drawing/2014/main" xmlns="" id="{4A42B4ED-376E-46C3-8BB2-EAFC660D112B}"/>
                 </a:ext>
                 <a:ext uri="{C183D7F6-B498-43B3-948B-1728B52AA6E4}">
-                  <adec:decorative xmlns="" xmlns:adec="http://schemas.microsoft.com/office/drawing/2017/decorative" val="1"/>
+                  <adec:decorative xmlns:adec="http://schemas.microsoft.com/office/drawing/2017/decorative" xmlns="" val="1"/>
                 </a:ext>
               </a:extLst>
             </p:cNvPr>
@@ -24088,7 +24081,7 @@
             <p:nvPr>
               <p:extLst>
                 <p:ext uri="{386F3935-93C4-4BCD-93E2-E3B085C9AB24}">
-                  <p16:designElem xmlns="" xmlns:p16="http://schemas.microsoft.com/office/powerpoint/2015/main" val="1"/>
+                  <p16:designElem xmlns:p16="http://schemas.microsoft.com/office/powerpoint/2015/main" xmlns="" val="1"/>
                 </p:ext>
               </p:extLst>
             </p:nvPr>
@@ -24138,10 +24131,10 @@
             <p:cNvPr id="42" name="Freeform 7">
               <a:extLst>
                 <a:ext uri="{FF2B5EF4-FFF2-40B4-BE49-F238E27FC236}">
-                  <a16:creationId xmlns="" xmlns:a16="http://schemas.microsoft.com/office/drawing/2014/main" id="{94E0795D-42C3-4DFD-AEB0-286A1CF143FC}"/>
+                  <a16:creationId xmlns:a16="http://schemas.microsoft.com/office/drawing/2014/main" xmlns="" id="{94E0795D-42C3-4DFD-AEB0-286A1CF143FC}"/>
                 </a:ext>
                 <a:ext uri="{C183D7F6-B498-43B3-948B-1728B52AA6E4}">
-                  <adec:decorative xmlns="" xmlns:adec="http://schemas.microsoft.com/office/drawing/2017/decorative" val="1"/>
+                  <adec:decorative xmlns:adec="http://schemas.microsoft.com/office/drawing/2017/decorative" xmlns="" val="1"/>
                 </a:ext>
               </a:extLst>
             </p:cNvPr>
@@ -24149,7 +24142,7 @@
             <p:nvPr>
               <p:extLst>
                 <p:ext uri="{386F3935-93C4-4BCD-93E2-E3B085C9AB24}">
-                  <p16:designElem xmlns="" xmlns:p16="http://schemas.microsoft.com/office/powerpoint/2015/main" val="1"/>
+                  <p16:designElem xmlns:p16="http://schemas.microsoft.com/office/powerpoint/2015/main" xmlns="" val="1"/>
                 </p:ext>
               </p:extLst>
             </p:nvPr>
@@ -24202,10 +24195,10 @@
             <p:cNvPr id="43" name="Freeform 8">
               <a:extLst>
                 <a:ext uri="{FF2B5EF4-FFF2-40B4-BE49-F238E27FC236}">
-                  <a16:creationId xmlns="" xmlns:a16="http://schemas.microsoft.com/office/drawing/2014/main" id="{A2ACED1B-99D0-4C14-B63B-963889DCDBC2}"/>
+                  <a16:creationId xmlns:a16="http://schemas.microsoft.com/office/drawing/2014/main" xmlns="" id="{A2ACED1B-99D0-4C14-B63B-963889DCDBC2}"/>
                 </a:ext>
                 <a:ext uri="{C183D7F6-B498-43B3-948B-1728B52AA6E4}">
-                  <adec:decorative xmlns="" xmlns:adec="http://schemas.microsoft.com/office/drawing/2017/decorative" val="1"/>
+                  <adec:decorative xmlns:adec="http://schemas.microsoft.com/office/drawing/2017/decorative" xmlns="" val="1"/>
                 </a:ext>
               </a:extLst>
             </p:cNvPr>
@@ -24213,7 +24206,7 @@
             <p:nvPr>
               <p:extLst>
                 <p:ext uri="{386F3935-93C4-4BCD-93E2-E3B085C9AB24}">
-                  <p16:designElem xmlns="" xmlns:p16="http://schemas.microsoft.com/office/powerpoint/2015/main" val="1"/>
+                  <p16:designElem xmlns:p16="http://schemas.microsoft.com/office/powerpoint/2015/main" xmlns="" val="1"/>
                 </p:ext>
               </p:extLst>
             </p:nvPr>
@@ -24263,10 +24256,10 @@
             <p:cNvPr id="44" name="Freeform 9">
               <a:extLst>
                 <a:ext uri="{FF2B5EF4-FFF2-40B4-BE49-F238E27FC236}">
-                  <a16:creationId xmlns="" xmlns:a16="http://schemas.microsoft.com/office/drawing/2014/main" id="{5C5D324F-33A3-4C66-BFE5-1742CA4E5940}"/>
+                  <a16:creationId xmlns:a16="http://schemas.microsoft.com/office/drawing/2014/main" xmlns="" id="{5C5D324F-33A3-4C66-BFE5-1742CA4E5940}"/>
                 </a:ext>
                 <a:ext uri="{C183D7F6-B498-43B3-948B-1728B52AA6E4}">
-                  <adec:decorative xmlns="" xmlns:adec="http://schemas.microsoft.com/office/drawing/2017/decorative" val="1"/>
+                  <adec:decorative xmlns:adec="http://schemas.microsoft.com/office/drawing/2017/decorative" xmlns="" val="1"/>
                 </a:ext>
               </a:extLst>
             </p:cNvPr>
@@ -24274,7 +24267,7 @@
             <p:nvPr>
               <p:extLst>
                 <p:ext uri="{386F3935-93C4-4BCD-93E2-E3B085C9AB24}">
-                  <p16:designElem xmlns="" xmlns:p16="http://schemas.microsoft.com/office/powerpoint/2015/main" val="1"/>
+                  <p16:designElem xmlns:p16="http://schemas.microsoft.com/office/powerpoint/2015/main" xmlns="" val="1"/>
                 </p:ext>
               </p:extLst>
             </p:nvPr>
@@ -24323,10 +24316,10 @@
             <p:cNvPr id="45" name="Freeform 10">
               <a:extLst>
                 <a:ext uri="{FF2B5EF4-FFF2-40B4-BE49-F238E27FC236}">
-                  <a16:creationId xmlns="" xmlns:a16="http://schemas.microsoft.com/office/drawing/2014/main" id="{EC572FC8-A465-4BA3-BA4D-2EC538C042AD}"/>
+                  <a16:creationId xmlns:a16="http://schemas.microsoft.com/office/drawing/2014/main" xmlns="" id="{EC572FC8-A465-4BA3-BA4D-2EC538C042AD}"/>
                 </a:ext>
                 <a:ext uri="{C183D7F6-B498-43B3-948B-1728B52AA6E4}">
-                  <adec:decorative xmlns="" xmlns:adec="http://schemas.microsoft.com/office/drawing/2017/decorative" val="1"/>
+                  <adec:decorative xmlns:adec="http://schemas.microsoft.com/office/drawing/2017/decorative" xmlns="" val="1"/>
                 </a:ext>
               </a:extLst>
             </p:cNvPr>
@@ -24334,7 +24327,7 @@
             <p:nvPr>
               <p:extLst>
                 <p:ext uri="{386F3935-93C4-4BCD-93E2-E3B085C9AB24}">
-                  <p16:designElem xmlns="" xmlns:p16="http://schemas.microsoft.com/office/powerpoint/2015/main" val="1"/>
+                  <p16:designElem xmlns:p16="http://schemas.microsoft.com/office/powerpoint/2015/main" xmlns="" val="1"/>
                 </p:ext>
               </p:extLst>
             </p:nvPr>
@@ -24389,10 +24382,10 @@
             <p:cNvPr id="46" name="Freeform 11">
               <a:extLst>
                 <a:ext uri="{FF2B5EF4-FFF2-40B4-BE49-F238E27FC236}">
-                  <a16:creationId xmlns="" xmlns:a16="http://schemas.microsoft.com/office/drawing/2014/main" id="{66CC2B15-8E3B-4CFF-99E4-5B4E4D8CF933}"/>
+                  <a16:creationId xmlns:a16="http://schemas.microsoft.com/office/drawing/2014/main" xmlns="" id="{66CC2B15-8E3B-4CFF-99E4-5B4E4D8CF933}"/>
                 </a:ext>
                 <a:ext uri="{C183D7F6-B498-43B3-948B-1728B52AA6E4}">
-                  <adec:decorative xmlns="" xmlns:adec="http://schemas.microsoft.com/office/drawing/2017/decorative" val="1"/>
+                  <adec:decorative xmlns:adec="http://schemas.microsoft.com/office/drawing/2017/decorative" xmlns="" val="1"/>
                 </a:ext>
               </a:extLst>
             </p:cNvPr>
@@ -24400,7 +24393,7 @@
             <p:nvPr>
               <p:extLst>
                 <p:ext uri="{386F3935-93C4-4BCD-93E2-E3B085C9AB24}">
-                  <p16:designElem xmlns="" xmlns:p16="http://schemas.microsoft.com/office/powerpoint/2015/main" val="1"/>
+                  <p16:designElem xmlns:p16="http://schemas.microsoft.com/office/powerpoint/2015/main" xmlns="" val="1"/>
                 </p:ext>
               </p:extLst>
             </p:nvPr>
@@ -24469,7 +24462,7 @@
           <p:cNvPr id="2" name="Title 1">
             <a:extLst>
               <a:ext uri="{FF2B5EF4-FFF2-40B4-BE49-F238E27FC236}">
-                <a16:creationId xmlns="" xmlns:a16="http://schemas.microsoft.com/office/drawing/2014/main" id="{13FFB360-638D-F14E-9871-2D91F9F58608}"/>
+                <a16:creationId xmlns:a16="http://schemas.microsoft.com/office/drawing/2014/main" xmlns="" id="{13FFB360-638D-F14E-9871-2D91F9F58608}"/>
               </a:ext>
             </a:extLst>
           </p:cNvPr>
@@ -24504,7 +24497,7 @@
           <p:cNvPr id="3" name="Content Placeholder 2">
             <a:extLst>
               <a:ext uri="{FF2B5EF4-FFF2-40B4-BE49-F238E27FC236}">
-                <a16:creationId xmlns="" xmlns:a16="http://schemas.microsoft.com/office/drawing/2014/main" id="{CB681A90-0CD3-EA46-BD97-5803DCFB3E5D}"/>
+                <a16:creationId xmlns:a16="http://schemas.microsoft.com/office/drawing/2014/main" xmlns="" id="{CB681A90-0CD3-EA46-BD97-5803DCFB3E5D}"/>
               </a:ext>
             </a:extLst>
           </p:cNvPr>
@@ -24517,8 +24510,8 @@
         </p:nvSpPr>
         <p:spPr>
           <a:xfrm>
-            <a:off x="1268412" y="2447924"/>
-            <a:ext cx="4627562" cy="3124201"/>
+            <a:off x="1309995" y="2081212"/>
+            <a:ext cx="4627562" cy="3609976"/>
           </a:xfrm>
         </p:spPr>
         <p:txBody>
@@ -24545,10 +24538,10 @@
           <p:cNvPr id="48" name="Rounded Rectangle 16">
             <a:extLst>
               <a:ext uri="{FF2B5EF4-FFF2-40B4-BE49-F238E27FC236}">
-                <a16:creationId xmlns="" xmlns:a16="http://schemas.microsoft.com/office/drawing/2014/main" id="{63A60C88-7443-4827-9241-5019758CB4F0}"/>
+                <a16:creationId xmlns:a16="http://schemas.microsoft.com/office/drawing/2014/main" xmlns="" id="{63A60C88-7443-4827-9241-5019758CB4F0}"/>
               </a:ext>
               <a:ext uri="{C183D7F6-B498-43B3-948B-1728B52AA6E4}">
-                <adec:decorative xmlns="" xmlns:adec="http://schemas.microsoft.com/office/drawing/2017/decorative" val="1"/>
+                <adec:decorative xmlns:adec="http://schemas.microsoft.com/office/drawing/2017/decorative" xmlns="" val="1"/>
               </a:ext>
             </a:extLst>
           </p:cNvPr>
@@ -24558,7 +24551,7 @@
           <p:nvPr>
             <p:extLst>
               <p:ext uri="{386F3935-93C4-4BCD-93E2-E3B085C9AB24}">
-                <p16:designElem xmlns="" xmlns:p16="http://schemas.microsoft.com/office/powerpoint/2015/main" val="1"/>
+                <p16:designElem xmlns:p16="http://schemas.microsoft.com/office/powerpoint/2015/main" xmlns="" val="1"/>
               </p:ext>
             </p:extLst>
           </p:nvPr>
@@ -24630,7 +24623,7 @@
           <p:cNvPr id="6" name="Content Placeholder 5" descr="Graphical user interface, application&#10;&#10;Description automatically generated">
             <a:extLst>
               <a:ext uri="{FF2B5EF4-FFF2-40B4-BE49-F238E27FC236}">
-                <a16:creationId xmlns="" xmlns:a16="http://schemas.microsoft.com/office/drawing/2014/main" id="{C7C2803D-93D7-3A49-A546-4BB0A70448BD}"/>
+                <a16:creationId xmlns:a16="http://schemas.microsoft.com/office/drawing/2014/main" xmlns="" id="{C7C2803D-93D7-3A49-A546-4BB0A70448BD}"/>
               </a:ext>
             </a:extLst>
           </p:cNvPr>
@@ -24667,7 +24660,7 @@
           <p:cNvPr id="4" name="TextBox 3">
             <a:extLst>
               <a:ext uri="{FF2B5EF4-FFF2-40B4-BE49-F238E27FC236}">
-                <a16:creationId xmlns="" xmlns:a16="http://schemas.microsoft.com/office/drawing/2014/main" id="{332040DC-98AF-914B-94C3-4130CF2AAC55}"/>
+                <a16:creationId xmlns:a16="http://schemas.microsoft.com/office/drawing/2014/main" xmlns="" id="{332040DC-98AF-914B-94C3-4130CF2AAC55}"/>
               </a:ext>
             </a:extLst>
           </p:cNvPr>
@@ -24753,10 +24746,10 @@
           <p:cNvPr id="11" name="Group 10">
             <a:extLst>
               <a:ext uri="{FF2B5EF4-FFF2-40B4-BE49-F238E27FC236}">
-                <a16:creationId xmlns="" xmlns:a16="http://schemas.microsoft.com/office/drawing/2014/main" id="{15FF890B-3CE7-403A-AECE-2DE04FC7AF80}"/>
+                <a16:creationId xmlns:a16="http://schemas.microsoft.com/office/drawing/2014/main" xmlns="" id="{15FF890B-3CE7-403A-AECE-2DE04FC7AF80}"/>
               </a:ext>
               <a:ext uri="{C183D7F6-B498-43B3-948B-1728B52AA6E4}">
-                <adec:decorative xmlns="" xmlns:adec="http://schemas.microsoft.com/office/drawing/2017/decorative" val="1"/>
+                <adec:decorative xmlns:adec="http://schemas.microsoft.com/office/drawing/2017/decorative" xmlns="" val="1"/>
               </a:ext>
             </a:extLst>
           </p:cNvPr>
@@ -24766,7 +24759,7 @@
           <p:nvPr>
             <p:extLst>
               <p:ext uri="{386F3935-93C4-4BCD-93E2-E3B085C9AB24}">
-                <p16:designElem xmlns="" xmlns:p16="http://schemas.microsoft.com/office/powerpoint/2015/main" val="1"/>
+                <p16:designElem xmlns:p16="http://schemas.microsoft.com/office/powerpoint/2015/main" xmlns="" val="1"/>
               </p:ext>
             </p:extLst>
           </p:nvPr>
@@ -24784,10 +24777,10 @@
             <p:cNvPr id="12" name="Freeform 6">
               <a:extLst>
                 <a:ext uri="{FF2B5EF4-FFF2-40B4-BE49-F238E27FC236}">
-                  <a16:creationId xmlns="" xmlns:a16="http://schemas.microsoft.com/office/drawing/2014/main" id="{99A4E160-6CFD-4514-9E20-CA6692CCDB9C}"/>
+                  <a16:creationId xmlns:a16="http://schemas.microsoft.com/office/drawing/2014/main" xmlns="" id="{99A4E160-6CFD-4514-9E20-CA6692CCDB9C}"/>
                 </a:ext>
                 <a:ext uri="{C183D7F6-B498-43B3-948B-1728B52AA6E4}">
-                  <adec:decorative xmlns="" xmlns:adec="http://schemas.microsoft.com/office/drawing/2017/decorative" val="1"/>
+                  <adec:decorative xmlns:adec="http://schemas.microsoft.com/office/drawing/2017/decorative" xmlns="" val="1"/>
                 </a:ext>
               </a:extLst>
             </p:cNvPr>
@@ -24795,7 +24788,7 @@
             <p:nvPr>
               <p:extLst>
                 <p:ext uri="{386F3935-93C4-4BCD-93E2-E3B085C9AB24}">
-                  <p16:designElem xmlns="" xmlns:p16="http://schemas.microsoft.com/office/powerpoint/2015/main" val="1"/>
+                  <p16:designElem xmlns:p16="http://schemas.microsoft.com/office/powerpoint/2015/main" xmlns="" val="1"/>
                 </p:ext>
               </p:extLst>
             </p:nvPr>
@@ -24845,10 +24838,10 @@
             <p:cNvPr id="13" name="Freeform 7">
               <a:extLst>
                 <a:ext uri="{FF2B5EF4-FFF2-40B4-BE49-F238E27FC236}">
-                  <a16:creationId xmlns="" xmlns:a16="http://schemas.microsoft.com/office/drawing/2014/main" id="{3DCD16F5-8D15-45FD-BA62-ADAC08183A27}"/>
+                  <a16:creationId xmlns:a16="http://schemas.microsoft.com/office/drawing/2014/main" xmlns="" id="{3DCD16F5-8D15-45FD-BA62-ADAC08183A27}"/>
                 </a:ext>
                 <a:ext uri="{C183D7F6-B498-43B3-948B-1728B52AA6E4}">
-                  <adec:decorative xmlns="" xmlns:adec="http://schemas.microsoft.com/office/drawing/2017/decorative" val="1"/>
+                  <adec:decorative xmlns:adec="http://schemas.microsoft.com/office/drawing/2017/decorative" xmlns="" val="1"/>
                 </a:ext>
               </a:extLst>
             </p:cNvPr>
@@ -24856,7 +24849,7 @@
             <p:nvPr>
               <p:extLst>
                 <p:ext uri="{386F3935-93C4-4BCD-93E2-E3B085C9AB24}">
-                  <p16:designElem xmlns="" xmlns:p16="http://schemas.microsoft.com/office/powerpoint/2015/main" val="1"/>
+                  <p16:designElem xmlns:p16="http://schemas.microsoft.com/office/powerpoint/2015/main" xmlns="" val="1"/>
                 </p:ext>
               </p:extLst>
             </p:nvPr>
@@ -24909,10 +24902,10 @@
             <p:cNvPr id="14" name="Freeform 8">
               <a:extLst>
                 <a:ext uri="{FF2B5EF4-FFF2-40B4-BE49-F238E27FC236}">
-                  <a16:creationId xmlns="" xmlns:a16="http://schemas.microsoft.com/office/drawing/2014/main" id="{E7CFAF28-6FDA-4C2C-BE51-123D1115F75C}"/>
+                  <a16:creationId xmlns:a16="http://schemas.microsoft.com/office/drawing/2014/main" xmlns="" id="{E7CFAF28-6FDA-4C2C-BE51-123D1115F75C}"/>
                 </a:ext>
                 <a:ext uri="{C183D7F6-B498-43B3-948B-1728B52AA6E4}">
-                  <adec:decorative xmlns="" xmlns:adec="http://schemas.microsoft.com/office/drawing/2017/decorative" val="1"/>
+                  <adec:decorative xmlns:adec="http://schemas.microsoft.com/office/drawing/2017/decorative" xmlns="" val="1"/>
                 </a:ext>
               </a:extLst>
             </p:cNvPr>
@@ -24920,7 +24913,7 @@
             <p:nvPr>
               <p:extLst>
                 <p:ext uri="{386F3935-93C4-4BCD-93E2-E3B085C9AB24}">
-                  <p16:designElem xmlns="" xmlns:p16="http://schemas.microsoft.com/office/powerpoint/2015/main" val="1"/>
+                  <p16:designElem xmlns:p16="http://schemas.microsoft.com/office/powerpoint/2015/main" xmlns="" val="1"/>
                 </p:ext>
               </p:extLst>
             </p:nvPr>
@@ -24970,10 +24963,10 @@
             <p:cNvPr id="15" name="Freeform 9">
               <a:extLst>
                 <a:ext uri="{FF2B5EF4-FFF2-40B4-BE49-F238E27FC236}">
-                  <a16:creationId xmlns="" xmlns:a16="http://schemas.microsoft.com/office/drawing/2014/main" id="{1FD12703-0627-4991-B2A4-F96519F90863}"/>
+                  <a16:creationId xmlns:a16="http://schemas.microsoft.com/office/drawing/2014/main" xmlns="" id="{1FD12703-0627-4991-B2A4-F96519F90863}"/>
                 </a:ext>
                 <a:ext uri="{C183D7F6-B498-43B3-948B-1728B52AA6E4}">
-                  <adec:decorative xmlns="" xmlns:adec="http://schemas.microsoft.com/office/drawing/2017/decorative" val="1"/>
+                  <adec:decorative xmlns:adec="http://schemas.microsoft.com/office/drawing/2017/decorative" xmlns="" val="1"/>
                 </a:ext>
               </a:extLst>
             </p:cNvPr>
@@ -24981,7 +24974,7 @@
             <p:nvPr>
               <p:extLst>
                 <p:ext uri="{386F3935-93C4-4BCD-93E2-E3B085C9AB24}">
-                  <p16:designElem xmlns="" xmlns:p16="http://schemas.microsoft.com/office/powerpoint/2015/main" val="1"/>
+                  <p16:designElem xmlns:p16="http://schemas.microsoft.com/office/powerpoint/2015/main" xmlns="" val="1"/>
                 </p:ext>
               </p:extLst>
             </p:nvPr>
@@ -25030,10 +25023,10 @@
             <p:cNvPr id="16" name="Freeform 10">
               <a:extLst>
                 <a:ext uri="{FF2B5EF4-FFF2-40B4-BE49-F238E27FC236}">
-                  <a16:creationId xmlns="" xmlns:a16="http://schemas.microsoft.com/office/drawing/2014/main" id="{A5758E0B-DF61-40A8-B765-BC6841906A9A}"/>
+                  <a16:creationId xmlns:a16="http://schemas.microsoft.com/office/drawing/2014/main" xmlns="" id="{A5758E0B-DF61-40A8-B765-BC6841906A9A}"/>
                 </a:ext>
                 <a:ext uri="{C183D7F6-B498-43B3-948B-1728B52AA6E4}">
-                  <adec:decorative xmlns="" xmlns:adec="http://schemas.microsoft.com/office/drawing/2017/decorative" val="1"/>
+                  <adec:decorative xmlns:adec="http://schemas.microsoft.com/office/drawing/2017/decorative" xmlns="" val="1"/>
                 </a:ext>
               </a:extLst>
             </p:cNvPr>
@@ -25041,7 +25034,7 @@
             <p:nvPr>
               <p:extLst>
                 <p:ext uri="{386F3935-93C4-4BCD-93E2-E3B085C9AB24}">
-                  <p16:designElem xmlns="" xmlns:p16="http://schemas.microsoft.com/office/powerpoint/2015/main" val="1"/>
+                  <p16:designElem xmlns:p16="http://schemas.microsoft.com/office/powerpoint/2015/main" xmlns="" val="1"/>
                 </p:ext>
               </p:extLst>
             </p:nvPr>
@@ -25096,10 +25089,10 @@
             <p:cNvPr id="17" name="Freeform 11">
               <a:extLst>
                 <a:ext uri="{FF2B5EF4-FFF2-40B4-BE49-F238E27FC236}">
-                  <a16:creationId xmlns="" xmlns:a16="http://schemas.microsoft.com/office/drawing/2014/main" id="{3E063A1F-9566-4436-B4E3-2890FBBC2CCB}"/>
+                  <a16:creationId xmlns:a16="http://schemas.microsoft.com/office/drawing/2014/main" xmlns="" id="{3E063A1F-9566-4436-B4E3-2890FBBC2CCB}"/>
                 </a:ext>
                 <a:ext uri="{C183D7F6-B498-43B3-948B-1728B52AA6E4}">
-                  <adec:decorative xmlns="" xmlns:adec="http://schemas.microsoft.com/office/drawing/2017/decorative" val="1"/>
+                  <adec:decorative xmlns:adec="http://schemas.microsoft.com/office/drawing/2017/decorative" xmlns="" val="1"/>
                 </a:ext>
               </a:extLst>
             </p:cNvPr>
@@ -25107,7 +25100,7 @@
             <p:nvPr>
               <p:extLst>
                 <p:ext uri="{386F3935-93C4-4BCD-93E2-E3B085C9AB24}">
-                  <p16:designElem xmlns="" xmlns:p16="http://schemas.microsoft.com/office/powerpoint/2015/main" val="1"/>
+                  <p16:designElem xmlns:p16="http://schemas.microsoft.com/office/powerpoint/2015/main" xmlns="" val="1"/>
                 </p:ext>
               </p:extLst>
             </p:nvPr>
@@ -25176,10 +25169,10 @@
           <p:cNvPr id="19" name="Group 18">
             <a:extLst>
               <a:ext uri="{FF2B5EF4-FFF2-40B4-BE49-F238E27FC236}">
-                <a16:creationId xmlns="" xmlns:a16="http://schemas.microsoft.com/office/drawing/2014/main" id="{DF8D5C46-63E5-40C5-A208-4B2189FA1032}"/>
+                <a16:creationId xmlns:a16="http://schemas.microsoft.com/office/drawing/2014/main" xmlns="" id="{DF8D5C46-63E5-40C5-A208-4B2189FA1032}"/>
               </a:ext>
               <a:ext uri="{C183D7F6-B498-43B3-948B-1728B52AA6E4}">
-                <adec:decorative xmlns="" xmlns:adec="http://schemas.microsoft.com/office/drawing/2017/decorative" val="1"/>
+                <adec:decorative xmlns:adec="http://schemas.microsoft.com/office/drawing/2017/decorative" xmlns="" val="1"/>
               </a:ext>
             </a:extLst>
           </p:cNvPr>
@@ -25189,7 +25182,7 @@
           <p:nvPr>
             <p:extLst>
               <p:ext uri="{386F3935-93C4-4BCD-93E2-E3B085C9AB24}">
-                <p16:designElem xmlns="" xmlns:p16="http://schemas.microsoft.com/office/powerpoint/2015/main" val="1"/>
+                <p16:designElem xmlns:p16="http://schemas.microsoft.com/office/powerpoint/2015/main" xmlns="" val="1"/>
               </p:ext>
             </p:extLst>
           </p:nvPr>
@@ -25207,10 +25200,10 @@
             <p:cNvPr id="20" name="Freeform 6">
               <a:extLst>
                 <a:ext uri="{FF2B5EF4-FFF2-40B4-BE49-F238E27FC236}">
-                  <a16:creationId xmlns="" xmlns:a16="http://schemas.microsoft.com/office/drawing/2014/main" id="{4A42B4ED-376E-46C3-8BB2-EAFC660D112B}"/>
+                  <a16:creationId xmlns:a16="http://schemas.microsoft.com/office/drawing/2014/main" xmlns="" id="{4A42B4ED-376E-46C3-8BB2-EAFC660D112B}"/>
                 </a:ext>
                 <a:ext uri="{C183D7F6-B498-43B3-948B-1728B52AA6E4}">
-                  <adec:decorative xmlns="" xmlns:adec="http://schemas.microsoft.com/office/drawing/2017/decorative" val="1"/>
+                  <adec:decorative xmlns:adec="http://schemas.microsoft.com/office/drawing/2017/decorative" xmlns="" val="1"/>
                 </a:ext>
               </a:extLst>
             </p:cNvPr>
@@ -25218,7 +25211,7 @@
             <p:nvPr>
               <p:extLst>
                 <p:ext uri="{386F3935-93C4-4BCD-93E2-E3B085C9AB24}">
-                  <p16:designElem xmlns="" xmlns:p16="http://schemas.microsoft.com/office/powerpoint/2015/main" val="1"/>
+                  <p16:designElem xmlns:p16="http://schemas.microsoft.com/office/powerpoint/2015/main" xmlns="" val="1"/>
                 </p:ext>
               </p:extLst>
             </p:nvPr>
@@ -25268,10 +25261,10 @@
             <p:cNvPr id="21" name="Freeform 7">
               <a:extLst>
                 <a:ext uri="{FF2B5EF4-FFF2-40B4-BE49-F238E27FC236}">
-                  <a16:creationId xmlns="" xmlns:a16="http://schemas.microsoft.com/office/drawing/2014/main" id="{94E0795D-42C3-4DFD-AEB0-286A1CF143FC}"/>
+                  <a16:creationId xmlns:a16="http://schemas.microsoft.com/office/drawing/2014/main" xmlns="" id="{94E0795D-42C3-4DFD-AEB0-286A1CF143FC}"/>
                 </a:ext>
                 <a:ext uri="{C183D7F6-B498-43B3-948B-1728B52AA6E4}">
-                  <adec:decorative xmlns="" xmlns:adec="http://schemas.microsoft.com/office/drawing/2017/decorative" val="1"/>
+                  <adec:decorative xmlns:adec="http://schemas.microsoft.com/office/drawing/2017/decorative" xmlns="" val="1"/>
                 </a:ext>
               </a:extLst>
             </p:cNvPr>
@@ -25279,7 +25272,7 @@
             <p:nvPr>
               <p:extLst>
                 <p:ext uri="{386F3935-93C4-4BCD-93E2-E3B085C9AB24}">
-                  <p16:designElem xmlns="" xmlns:p16="http://schemas.microsoft.com/office/powerpoint/2015/main" val="1"/>
+                  <p16:designElem xmlns:p16="http://schemas.microsoft.com/office/powerpoint/2015/main" xmlns="" val="1"/>
                 </p:ext>
               </p:extLst>
             </p:nvPr>
@@ -25332,10 +25325,10 @@
             <p:cNvPr id="22" name="Freeform 8">
               <a:extLst>
                 <a:ext uri="{FF2B5EF4-FFF2-40B4-BE49-F238E27FC236}">
-                  <a16:creationId xmlns="" xmlns:a16="http://schemas.microsoft.com/office/drawing/2014/main" id="{A2ACED1B-99D0-4C14-B63B-963889DCDBC2}"/>
+                  <a16:creationId xmlns:a16="http://schemas.microsoft.com/office/drawing/2014/main" xmlns="" id="{A2ACED1B-99D0-4C14-B63B-963889DCDBC2}"/>
                 </a:ext>
                 <a:ext uri="{C183D7F6-B498-43B3-948B-1728B52AA6E4}">
-                  <adec:decorative xmlns="" xmlns:adec="http://schemas.microsoft.com/office/drawing/2017/decorative" val="1"/>
+                  <adec:decorative xmlns:adec="http://schemas.microsoft.com/office/drawing/2017/decorative" xmlns="" val="1"/>
                 </a:ext>
               </a:extLst>
             </p:cNvPr>
@@ -25343,7 +25336,7 @@
             <p:nvPr>
               <p:extLst>
                 <p:ext uri="{386F3935-93C4-4BCD-93E2-E3B085C9AB24}">
-                  <p16:designElem xmlns="" xmlns:p16="http://schemas.microsoft.com/office/powerpoint/2015/main" val="1"/>
+                  <p16:designElem xmlns:p16="http://schemas.microsoft.com/office/powerpoint/2015/main" xmlns="" val="1"/>
                 </p:ext>
               </p:extLst>
             </p:nvPr>
@@ -25393,10 +25386,10 @@
             <p:cNvPr id="23" name="Freeform 9">
               <a:extLst>
                 <a:ext uri="{FF2B5EF4-FFF2-40B4-BE49-F238E27FC236}">
-                  <a16:creationId xmlns="" xmlns:a16="http://schemas.microsoft.com/office/drawing/2014/main" id="{5C5D324F-33A3-4C66-BFE5-1742CA4E5940}"/>
+                  <a16:creationId xmlns:a16="http://schemas.microsoft.com/office/drawing/2014/main" xmlns="" id="{5C5D324F-33A3-4C66-BFE5-1742CA4E5940}"/>
                 </a:ext>
                 <a:ext uri="{C183D7F6-B498-43B3-948B-1728B52AA6E4}">
-                  <adec:decorative xmlns="" xmlns:adec="http://schemas.microsoft.com/office/drawing/2017/decorative" val="1"/>
+                  <adec:decorative xmlns:adec="http://schemas.microsoft.com/office/drawing/2017/decorative" xmlns="" val="1"/>
                 </a:ext>
               </a:extLst>
             </p:cNvPr>
@@ -25404,7 +25397,7 @@
             <p:nvPr>
               <p:extLst>
                 <p:ext uri="{386F3935-93C4-4BCD-93E2-E3B085C9AB24}">
-                  <p16:designElem xmlns="" xmlns:p16="http://schemas.microsoft.com/office/powerpoint/2015/main" val="1"/>
+                  <p16:designElem xmlns:p16="http://schemas.microsoft.com/office/powerpoint/2015/main" xmlns="" val="1"/>
                 </p:ext>
               </p:extLst>
             </p:nvPr>
@@ -25453,10 +25446,10 @@
             <p:cNvPr id="24" name="Freeform 10">
               <a:extLst>
                 <a:ext uri="{FF2B5EF4-FFF2-40B4-BE49-F238E27FC236}">
-                  <a16:creationId xmlns="" xmlns:a16="http://schemas.microsoft.com/office/drawing/2014/main" id="{EC572FC8-A465-4BA3-BA4D-2EC538C042AD}"/>
+                  <a16:creationId xmlns:a16="http://schemas.microsoft.com/office/drawing/2014/main" xmlns="" id="{EC572FC8-A465-4BA3-BA4D-2EC538C042AD}"/>
                 </a:ext>
                 <a:ext uri="{C183D7F6-B498-43B3-948B-1728B52AA6E4}">
-                  <adec:decorative xmlns="" xmlns:adec="http://schemas.microsoft.com/office/drawing/2017/decorative" val="1"/>
+                  <adec:decorative xmlns:adec="http://schemas.microsoft.com/office/drawing/2017/decorative" xmlns="" val="1"/>
                 </a:ext>
               </a:extLst>
             </p:cNvPr>
@@ -25464,7 +25457,7 @@
             <p:nvPr>
               <p:extLst>
                 <p:ext uri="{386F3935-93C4-4BCD-93E2-E3B085C9AB24}">
-                  <p16:designElem xmlns="" xmlns:p16="http://schemas.microsoft.com/office/powerpoint/2015/main" val="1"/>
+                  <p16:designElem xmlns:p16="http://schemas.microsoft.com/office/powerpoint/2015/main" xmlns="" val="1"/>
                 </p:ext>
               </p:extLst>
             </p:nvPr>
@@ -25519,10 +25512,10 @@
             <p:cNvPr id="25" name="Freeform 11">
               <a:extLst>
                 <a:ext uri="{FF2B5EF4-FFF2-40B4-BE49-F238E27FC236}">
-                  <a16:creationId xmlns="" xmlns:a16="http://schemas.microsoft.com/office/drawing/2014/main" id="{66CC2B15-8E3B-4CFF-99E4-5B4E4D8CF933}"/>
+                  <a16:creationId xmlns:a16="http://schemas.microsoft.com/office/drawing/2014/main" xmlns="" id="{66CC2B15-8E3B-4CFF-99E4-5B4E4D8CF933}"/>
                 </a:ext>
                 <a:ext uri="{C183D7F6-B498-43B3-948B-1728B52AA6E4}">
-                  <adec:decorative xmlns="" xmlns:adec="http://schemas.microsoft.com/office/drawing/2017/decorative" val="1"/>
+                  <adec:decorative xmlns:adec="http://schemas.microsoft.com/office/drawing/2017/decorative" xmlns="" val="1"/>
                 </a:ext>
               </a:extLst>
             </p:cNvPr>
@@ -25530,7 +25523,7 @@
             <p:nvPr>
               <p:extLst>
                 <p:ext uri="{386F3935-93C4-4BCD-93E2-E3B085C9AB24}">
-                  <p16:designElem xmlns="" xmlns:p16="http://schemas.microsoft.com/office/powerpoint/2015/main" val="1"/>
+                  <p16:designElem xmlns:p16="http://schemas.microsoft.com/office/powerpoint/2015/main" xmlns="" val="1"/>
                 </p:ext>
               </p:extLst>
             </p:nvPr>
@@ -25599,7 +25592,7 @@
           <p:cNvPr id="2" name="Title 1">
             <a:extLst>
               <a:ext uri="{FF2B5EF4-FFF2-40B4-BE49-F238E27FC236}">
-                <a16:creationId xmlns="" xmlns:a16="http://schemas.microsoft.com/office/drawing/2014/main" id="{D19F05BC-D31C-BA45-9FAA-24F57947D6F3}"/>
+                <a16:creationId xmlns:a16="http://schemas.microsoft.com/office/drawing/2014/main" xmlns="" id="{D19F05BC-D31C-BA45-9FAA-24F57947D6F3}"/>
               </a:ext>
             </a:extLst>
           </p:cNvPr>
@@ -25634,7 +25627,7 @@
           <p:cNvPr id="3" name="Content Placeholder 2">
             <a:extLst>
               <a:ext uri="{FF2B5EF4-FFF2-40B4-BE49-F238E27FC236}">
-                <a16:creationId xmlns="" xmlns:a16="http://schemas.microsoft.com/office/drawing/2014/main" id="{4A7DF545-5DF3-C048-9C1F-B821D7E5FD68}"/>
+                <a16:creationId xmlns:a16="http://schemas.microsoft.com/office/drawing/2014/main" xmlns="" id="{4A7DF545-5DF3-C048-9C1F-B821D7E5FD68}"/>
               </a:ext>
             </a:extLst>
           </p:cNvPr>
@@ -25647,7 +25640,7 @@
         </p:nvSpPr>
         <p:spPr>
           <a:xfrm>
-            <a:off x="1268412" y="2604977"/>
+            <a:off x="1334474" y="2148996"/>
             <a:ext cx="4494827" cy="3189767"/>
           </a:xfrm>
         </p:spPr>
@@ -25686,10 +25679,10 @@
           <p:cNvPr id="27" name="Rounded Rectangle 16">
             <a:extLst>
               <a:ext uri="{FF2B5EF4-FFF2-40B4-BE49-F238E27FC236}">
-                <a16:creationId xmlns="" xmlns:a16="http://schemas.microsoft.com/office/drawing/2014/main" id="{63A60C88-7443-4827-9241-5019758CB4F0}"/>
+                <a16:creationId xmlns:a16="http://schemas.microsoft.com/office/drawing/2014/main" xmlns="" id="{63A60C88-7443-4827-9241-5019758CB4F0}"/>
               </a:ext>
               <a:ext uri="{C183D7F6-B498-43B3-948B-1728B52AA6E4}">
-                <adec:decorative xmlns="" xmlns:adec="http://schemas.microsoft.com/office/drawing/2017/decorative" val="1"/>
+                <adec:decorative xmlns:adec="http://schemas.microsoft.com/office/drawing/2017/decorative" xmlns="" val="1"/>
               </a:ext>
             </a:extLst>
           </p:cNvPr>
@@ -25699,7 +25692,7 @@
           <p:nvPr>
             <p:extLst>
               <p:ext uri="{386F3935-93C4-4BCD-93E2-E3B085C9AB24}">
-                <p16:designElem xmlns="" xmlns:p16="http://schemas.microsoft.com/office/powerpoint/2015/main" val="1"/>
+                <p16:designElem xmlns:p16="http://schemas.microsoft.com/office/powerpoint/2015/main" xmlns="" val="1"/>
               </p:ext>
             </p:extLst>
           </p:nvPr>
@@ -25771,7 +25764,7 @@
           <p:cNvPr id="6" name="Content Placeholder 5" descr="Graphical user interface, text, application, email&#10;&#10;Description automatically generated">
             <a:extLst>
               <a:ext uri="{FF2B5EF4-FFF2-40B4-BE49-F238E27FC236}">
-                <a16:creationId xmlns="" xmlns:a16="http://schemas.microsoft.com/office/drawing/2014/main" id="{C7A94992-09E8-244E-B1F6-A5E7BA03DAA2}"/>
+                <a16:creationId xmlns:a16="http://schemas.microsoft.com/office/drawing/2014/main" xmlns="" id="{C7A94992-09E8-244E-B1F6-A5E7BA03DAA2}"/>
               </a:ext>
             </a:extLst>
           </p:cNvPr>
@@ -25809,7 +25802,7 @@
           <p:cNvPr id="26" name="TextBox 25">
             <a:extLst>
               <a:ext uri="{FF2B5EF4-FFF2-40B4-BE49-F238E27FC236}">
-                <a16:creationId xmlns="" xmlns:a16="http://schemas.microsoft.com/office/drawing/2014/main" id="{CABBB748-1AD7-7342-8D2F-185A0BB5C81E}"/>
+                <a16:creationId xmlns:a16="http://schemas.microsoft.com/office/drawing/2014/main" xmlns="" id="{CABBB748-1AD7-7342-8D2F-185A0BB5C81E}"/>
               </a:ext>
             </a:extLst>
           </p:cNvPr>
@@ -25895,10 +25888,10 @@
           <p:cNvPr id="32" name="Group 31">
             <a:extLst>
               <a:ext uri="{FF2B5EF4-FFF2-40B4-BE49-F238E27FC236}">
-                <a16:creationId xmlns="" xmlns:a16="http://schemas.microsoft.com/office/drawing/2014/main" id="{15FF890B-3CE7-403A-AECE-2DE04FC7AF80}"/>
+                <a16:creationId xmlns:a16="http://schemas.microsoft.com/office/drawing/2014/main" xmlns="" id="{15FF890B-3CE7-403A-AECE-2DE04FC7AF80}"/>
               </a:ext>
               <a:ext uri="{C183D7F6-B498-43B3-948B-1728B52AA6E4}">
-                <adec:decorative xmlns="" xmlns:adec="http://schemas.microsoft.com/office/drawing/2017/decorative" val="1"/>
+                <adec:decorative xmlns:adec="http://schemas.microsoft.com/office/drawing/2017/decorative" xmlns="" val="1"/>
               </a:ext>
             </a:extLst>
           </p:cNvPr>
@@ -25908,7 +25901,7 @@
           <p:nvPr>
             <p:extLst>
               <p:ext uri="{386F3935-93C4-4BCD-93E2-E3B085C9AB24}">
-                <p16:designElem xmlns="" xmlns:p16="http://schemas.microsoft.com/office/powerpoint/2015/main" val="1"/>
+                <p16:designElem xmlns:p16="http://schemas.microsoft.com/office/powerpoint/2015/main" xmlns="" val="1"/>
               </p:ext>
             </p:extLst>
           </p:nvPr>
@@ -25926,10 +25919,10 @@
             <p:cNvPr id="33" name="Freeform 6">
               <a:extLst>
                 <a:ext uri="{FF2B5EF4-FFF2-40B4-BE49-F238E27FC236}">
-                  <a16:creationId xmlns="" xmlns:a16="http://schemas.microsoft.com/office/drawing/2014/main" id="{99A4E160-6CFD-4514-9E20-CA6692CCDB9C}"/>
+                  <a16:creationId xmlns:a16="http://schemas.microsoft.com/office/drawing/2014/main" xmlns="" id="{99A4E160-6CFD-4514-9E20-CA6692CCDB9C}"/>
                 </a:ext>
                 <a:ext uri="{C183D7F6-B498-43B3-948B-1728B52AA6E4}">
-                  <adec:decorative xmlns="" xmlns:adec="http://schemas.microsoft.com/office/drawing/2017/decorative" val="1"/>
+                  <adec:decorative xmlns:adec="http://schemas.microsoft.com/office/drawing/2017/decorative" xmlns="" val="1"/>
                 </a:ext>
               </a:extLst>
             </p:cNvPr>
@@ -25937,7 +25930,7 @@
             <p:nvPr>
               <p:extLst>
                 <p:ext uri="{386F3935-93C4-4BCD-93E2-E3B085C9AB24}">
-                  <p16:designElem xmlns="" xmlns:p16="http://schemas.microsoft.com/office/powerpoint/2015/main" val="1"/>
+                  <p16:designElem xmlns:p16="http://schemas.microsoft.com/office/powerpoint/2015/main" xmlns="" val="1"/>
                 </p:ext>
               </p:extLst>
             </p:nvPr>
@@ -25987,10 +25980,10 @@
             <p:cNvPr id="34" name="Freeform 7">
               <a:extLst>
                 <a:ext uri="{FF2B5EF4-FFF2-40B4-BE49-F238E27FC236}">
-                  <a16:creationId xmlns="" xmlns:a16="http://schemas.microsoft.com/office/drawing/2014/main" id="{3DCD16F5-8D15-45FD-BA62-ADAC08183A27}"/>
+                  <a16:creationId xmlns:a16="http://schemas.microsoft.com/office/drawing/2014/main" xmlns="" id="{3DCD16F5-8D15-45FD-BA62-ADAC08183A27}"/>
                 </a:ext>
                 <a:ext uri="{C183D7F6-B498-43B3-948B-1728B52AA6E4}">
-                  <adec:decorative xmlns="" xmlns:adec="http://schemas.microsoft.com/office/drawing/2017/decorative" val="1"/>
+                  <adec:decorative xmlns:adec="http://schemas.microsoft.com/office/drawing/2017/decorative" xmlns="" val="1"/>
                 </a:ext>
               </a:extLst>
             </p:cNvPr>
@@ -25998,7 +25991,7 @@
             <p:nvPr>
               <p:extLst>
                 <p:ext uri="{386F3935-93C4-4BCD-93E2-E3B085C9AB24}">
-                  <p16:designElem xmlns="" xmlns:p16="http://schemas.microsoft.com/office/powerpoint/2015/main" val="1"/>
+                  <p16:designElem xmlns:p16="http://schemas.microsoft.com/office/powerpoint/2015/main" xmlns="" val="1"/>
                 </p:ext>
               </p:extLst>
             </p:nvPr>
@@ -26051,10 +26044,10 @@
             <p:cNvPr id="35" name="Freeform 8">
               <a:extLst>
                 <a:ext uri="{FF2B5EF4-FFF2-40B4-BE49-F238E27FC236}">
-                  <a16:creationId xmlns="" xmlns:a16="http://schemas.microsoft.com/office/drawing/2014/main" id="{E7CFAF28-6FDA-4C2C-BE51-123D1115F75C}"/>
+                  <a16:creationId xmlns:a16="http://schemas.microsoft.com/office/drawing/2014/main" xmlns="" id="{E7CFAF28-6FDA-4C2C-BE51-123D1115F75C}"/>
                 </a:ext>
                 <a:ext uri="{C183D7F6-B498-43B3-948B-1728B52AA6E4}">
-                  <adec:decorative xmlns="" xmlns:adec="http://schemas.microsoft.com/office/drawing/2017/decorative" val="1"/>
+                  <adec:decorative xmlns:adec="http://schemas.microsoft.com/office/drawing/2017/decorative" xmlns="" val="1"/>
                 </a:ext>
               </a:extLst>
             </p:cNvPr>
@@ -26062,7 +26055,7 @@
             <p:nvPr>
               <p:extLst>
                 <p:ext uri="{386F3935-93C4-4BCD-93E2-E3B085C9AB24}">
-                  <p16:designElem xmlns="" xmlns:p16="http://schemas.microsoft.com/office/powerpoint/2015/main" val="1"/>
+                  <p16:designElem xmlns:p16="http://schemas.microsoft.com/office/powerpoint/2015/main" xmlns="" val="1"/>
                 </p:ext>
               </p:extLst>
             </p:nvPr>
@@ -26112,10 +26105,10 @@
             <p:cNvPr id="36" name="Freeform 9">
               <a:extLst>
                 <a:ext uri="{FF2B5EF4-FFF2-40B4-BE49-F238E27FC236}">
-                  <a16:creationId xmlns="" xmlns:a16="http://schemas.microsoft.com/office/drawing/2014/main" id="{1FD12703-0627-4991-B2A4-F96519F90863}"/>
+                  <a16:creationId xmlns:a16="http://schemas.microsoft.com/office/drawing/2014/main" xmlns="" id="{1FD12703-0627-4991-B2A4-F96519F90863}"/>
                 </a:ext>
                 <a:ext uri="{C183D7F6-B498-43B3-948B-1728B52AA6E4}">
-                  <adec:decorative xmlns="" xmlns:adec="http://schemas.microsoft.com/office/drawing/2017/decorative" val="1"/>
+                  <adec:decorative xmlns:adec="http://schemas.microsoft.com/office/drawing/2017/decorative" xmlns="" val="1"/>
                 </a:ext>
               </a:extLst>
             </p:cNvPr>
@@ -26123,7 +26116,7 @@
             <p:nvPr>
               <p:extLst>
                 <p:ext uri="{386F3935-93C4-4BCD-93E2-E3B085C9AB24}">
-                  <p16:designElem xmlns="" xmlns:p16="http://schemas.microsoft.com/office/powerpoint/2015/main" val="1"/>
+                  <p16:designElem xmlns:p16="http://schemas.microsoft.com/office/powerpoint/2015/main" xmlns="" val="1"/>
                 </p:ext>
               </p:extLst>
             </p:nvPr>
@@ -26172,10 +26165,10 @@
             <p:cNvPr id="37" name="Freeform 10">
               <a:extLst>
                 <a:ext uri="{FF2B5EF4-FFF2-40B4-BE49-F238E27FC236}">
-                  <a16:creationId xmlns="" xmlns:a16="http://schemas.microsoft.com/office/drawing/2014/main" id="{A5758E0B-DF61-40A8-B765-BC6841906A9A}"/>
+                  <a16:creationId xmlns:a16="http://schemas.microsoft.com/office/drawing/2014/main" xmlns="" id="{A5758E0B-DF61-40A8-B765-BC6841906A9A}"/>
                 </a:ext>
                 <a:ext uri="{C183D7F6-B498-43B3-948B-1728B52AA6E4}">
-                  <adec:decorative xmlns="" xmlns:adec="http://schemas.microsoft.com/office/drawing/2017/decorative" val="1"/>
+                  <adec:decorative xmlns:adec="http://schemas.microsoft.com/office/drawing/2017/decorative" xmlns="" val="1"/>
                 </a:ext>
               </a:extLst>
             </p:cNvPr>
@@ -26183,7 +26176,7 @@
             <p:nvPr>
               <p:extLst>
                 <p:ext uri="{386F3935-93C4-4BCD-93E2-E3B085C9AB24}">
-                  <p16:designElem xmlns="" xmlns:p16="http://schemas.microsoft.com/office/powerpoint/2015/main" val="1"/>
+                  <p16:designElem xmlns:p16="http://schemas.microsoft.com/office/powerpoint/2015/main" xmlns="" val="1"/>
                 </p:ext>
               </p:extLst>
             </p:nvPr>
@@ -26238,10 +26231,10 @@
             <p:cNvPr id="38" name="Freeform 11">
               <a:extLst>
                 <a:ext uri="{FF2B5EF4-FFF2-40B4-BE49-F238E27FC236}">
-                  <a16:creationId xmlns="" xmlns:a16="http://schemas.microsoft.com/office/drawing/2014/main" id="{3E063A1F-9566-4436-B4E3-2890FBBC2CCB}"/>
+                  <a16:creationId xmlns:a16="http://schemas.microsoft.com/office/drawing/2014/main" xmlns="" id="{3E063A1F-9566-4436-B4E3-2890FBBC2CCB}"/>
                 </a:ext>
                 <a:ext uri="{C183D7F6-B498-43B3-948B-1728B52AA6E4}">
-                  <adec:decorative xmlns="" xmlns:adec="http://schemas.microsoft.com/office/drawing/2017/decorative" val="1"/>
+                  <adec:decorative xmlns:adec="http://schemas.microsoft.com/office/drawing/2017/decorative" xmlns="" val="1"/>
                 </a:ext>
               </a:extLst>
             </p:cNvPr>
@@ -26249,7 +26242,7 @@
             <p:nvPr>
               <p:extLst>
                 <p:ext uri="{386F3935-93C4-4BCD-93E2-E3B085C9AB24}">
-                  <p16:designElem xmlns="" xmlns:p16="http://schemas.microsoft.com/office/powerpoint/2015/main" val="1"/>
+                  <p16:designElem xmlns:p16="http://schemas.microsoft.com/office/powerpoint/2015/main" xmlns="" val="1"/>
                 </p:ext>
               </p:extLst>
             </p:nvPr>
@@ -26318,10 +26311,10 @@
           <p:cNvPr id="40" name="Group 39">
             <a:extLst>
               <a:ext uri="{FF2B5EF4-FFF2-40B4-BE49-F238E27FC236}">
-                <a16:creationId xmlns="" xmlns:a16="http://schemas.microsoft.com/office/drawing/2014/main" id="{DF8D5C46-63E5-40C5-A208-4B2189FA1032}"/>
+                <a16:creationId xmlns:a16="http://schemas.microsoft.com/office/drawing/2014/main" xmlns="" id="{DF8D5C46-63E5-40C5-A208-4B2189FA1032}"/>
               </a:ext>
               <a:ext uri="{C183D7F6-B498-43B3-948B-1728B52AA6E4}">
-                <adec:decorative xmlns="" xmlns:adec="http://schemas.microsoft.com/office/drawing/2017/decorative" val="1"/>
+                <adec:decorative xmlns:adec="http://schemas.microsoft.com/office/drawing/2017/decorative" xmlns="" val="1"/>
               </a:ext>
             </a:extLst>
           </p:cNvPr>
@@ -26331,7 +26324,7 @@
           <p:nvPr>
             <p:extLst>
               <p:ext uri="{386F3935-93C4-4BCD-93E2-E3B085C9AB24}">
-                <p16:designElem xmlns="" xmlns:p16="http://schemas.microsoft.com/office/powerpoint/2015/main" val="1"/>
+                <p16:designElem xmlns:p16="http://schemas.microsoft.com/office/powerpoint/2015/main" xmlns="" val="1"/>
               </p:ext>
             </p:extLst>
           </p:nvPr>
@@ -26349,10 +26342,10 @@
             <p:cNvPr id="41" name="Freeform 6">
               <a:extLst>
                 <a:ext uri="{FF2B5EF4-FFF2-40B4-BE49-F238E27FC236}">
-                  <a16:creationId xmlns="" xmlns:a16="http://schemas.microsoft.com/office/drawing/2014/main" id="{4A42B4ED-376E-46C3-8BB2-EAFC660D112B}"/>
+                  <a16:creationId xmlns:a16="http://schemas.microsoft.com/office/drawing/2014/main" xmlns="" id="{4A42B4ED-376E-46C3-8BB2-EAFC660D112B}"/>
                 </a:ext>
                 <a:ext uri="{C183D7F6-B498-43B3-948B-1728B52AA6E4}">
-                  <adec:decorative xmlns="" xmlns:adec="http://schemas.microsoft.com/office/drawing/2017/decorative" val="1"/>
+                  <adec:decorative xmlns:adec="http://schemas.microsoft.com/office/drawing/2017/decorative" xmlns="" val="1"/>
                 </a:ext>
               </a:extLst>
             </p:cNvPr>
@@ -26360,7 +26353,7 @@
             <p:nvPr>
               <p:extLst>
                 <p:ext uri="{386F3935-93C4-4BCD-93E2-E3B085C9AB24}">
-                  <p16:designElem xmlns="" xmlns:p16="http://schemas.microsoft.com/office/powerpoint/2015/main" val="1"/>
+                  <p16:designElem xmlns:p16="http://schemas.microsoft.com/office/powerpoint/2015/main" xmlns="" val="1"/>
                 </p:ext>
               </p:extLst>
             </p:nvPr>
@@ -26410,10 +26403,10 @@
             <p:cNvPr id="42" name="Freeform 7">
               <a:extLst>
                 <a:ext uri="{FF2B5EF4-FFF2-40B4-BE49-F238E27FC236}">
-                  <a16:creationId xmlns="" xmlns:a16="http://schemas.microsoft.com/office/drawing/2014/main" id="{94E0795D-42C3-4DFD-AEB0-286A1CF143FC}"/>
+                  <a16:creationId xmlns:a16="http://schemas.microsoft.com/office/drawing/2014/main" xmlns="" id="{94E0795D-42C3-4DFD-AEB0-286A1CF143FC}"/>
                 </a:ext>
                 <a:ext uri="{C183D7F6-B498-43B3-948B-1728B52AA6E4}">
-                  <adec:decorative xmlns="" xmlns:adec="http://schemas.microsoft.com/office/drawing/2017/decorative" val="1"/>
+                  <adec:decorative xmlns:adec="http://schemas.microsoft.com/office/drawing/2017/decorative" xmlns="" val="1"/>
                 </a:ext>
               </a:extLst>
             </p:cNvPr>
@@ -26421,7 +26414,7 @@
             <p:nvPr>
               <p:extLst>
                 <p:ext uri="{386F3935-93C4-4BCD-93E2-E3B085C9AB24}">
-                  <p16:designElem xmlns="" xmlns:p16="http://schemas.microsoft.com/office/powerpoint/2015/main" val="1"/>
+                  <p16:designElem xmlns:p16="http://schemas.microsoft.com/office/powerpoint/2015/main" xmlns="" val="1"/>
                 </p:ext>
               </p:extLst>
             </p:nvPr>
@@ -26474,10 +26467,10 @@
             <p:cNvPr id="43" name="Freeform 8">
               <a:extLst>
                 <a:ext uri="{FF2B5EF4-FFF2-40B4-BE49-F238E27FC236}">
-                  <a16:creationId xmlns="" xmlns:a16="http://schemas.microsoft.com/office/drawing/2014/main" id="{A2ACED1B-99D0-4C14-B63B-963889DCDBC2}"/>
+                  <a16:creationId xmlns:a16="http://schemas.microsoft.com/office/drawing/2014/main" xmlns="" id="{A2ACED1B-99D0-4C14-B63B-963889DCDBC2}"/>
                 </a:ext>
                 <a:ext uri="{C183D7F6-B498-43B3-948B-1728B52AA6E4}">
-                  <adec:decorative xmlns="" xmlns:adec="http://schemas.microsoft.com/office/drawing/2017/decorative" val="1"/>
+                  <adec:decorative xmlns:adec="http://schemas.microsoft.com/office/drawing/2017/decorative" xmlns="" val="1"/>
                 </a:ext>
               </a:extLst>
             </p:cNvPr>
@@ -26485,7 +26478,7 @@
             <p:nvPr>
               <p:extLst>
                 <p:ext uri="{386F3935-93C4-4BCD-93E2-E3B085C9AB24}">
-                  <p16:designElem xmlns="" xmlns:p16="http://schemas.microsoft.com/office/powerpoint/2015/main" val="1"/>
+                  <p16:designElem xmlns:p16="http://schemas.microsoft.com/office/powerpoint/2015/main" xmlns="" val="1"/>
                 </p:ext>
               </p:extLst>
             </p:nvPr>
@@ -26535,10 +26528,10 @@
             <p:cNvPr id="44" name="Freeform 9">
               <a:extLst>
                 <a:ext uri="{FF2B5EF4-FFF2-40B4-BE49-F238E27FC236}">
-                  <a16:creationId xmlns="" xmlns:a16="http://schemas.microsoft.com/office/drawing/2014/main" id="{5C5D324F-33A3-4C66-BFE5-1742CA4E5940}"/>
+                  <a16:creationId xmlns:a16="http://schemas.microsoft.com/office/drawing/2014/main" xmlns="" id="{5C5D324F-33A3-4C66-BFE5-1742CA4E5940}"/>
                 </a:ext>
                 <a:ext uri="{C183D7F6-B498-43B3-948B-1728B52AA6E4}">
-                  <adec:decorative xmlns="" xmlns:adec="http://schemas.microsoft.com/office/drawing/2017/decorative" val="1"/>
+                  <adec:decorative xmlns:adec="http://schemas.microsoft.com/office/drawing/2017/decorative" xmlns="" val="1"/>
                 </a:ext>
               </a:extLst>
             </p:cNvPr>
@@ -26546,7 +26539,7 @@
             <p:nvPr>
               <p:extLst>
                 <p:ext uri="{386F3935-93C4-4BCD-93E2-E3B085C9AB24}">
-                  <p16:designElem xmlns="" xmlns:p16="http://schemas.microsoft.com/office/powerpoint/2015/main" val="1"/>
+                  <p16:designElem xmlns:p16="http://schemas.microsoft.com/office/powerpoint/2015/main" xmlns="" val="1"/>
                 </p:ext>
               </p:extLst>
             </p:nvPr>
@@ -26595,10 +26588,10 @@
             <p:cNvPr id="45" name="Freeform 10">
               <a:extLst>
                 <a:ext uri="{FF2B5EF4-FFF2-40B4-BE49-F238E27FC236}">
-                  <a16:creationId xmlns="" xmlns:a16="http://schemas.microsoft.com/office/drawing/2014/main" id="{EC572FC8-A465-4BA3-BA4D-2EC538C042AD}"/>
+                  <a16:creationId xmlns:a16="http://schemas.microsoft.com/office/drawing/2014/main" xmlns="" id="{EC572FC8-A465-4BA3-BA4D-2EC538C042AD}"/>
                 </a:ext>
                 <a:ext uri="{C183D7F6-B498-43B3-948B-1728B52AA6E4}">
-                  <adec:decorative xmlns="" xmlns:adec="http://schemas.microsoft.com/office/drawing/2017/decorative" val="1"/>
+                  <adec:decorative xmlns:adec="http://schemas.microsoft.com/office/drawing/2017/decorative" xmlns="" val="1"/>
                 </a:ext>
               </a:extLst>
             </p:cNvPr>
@@ -26606,7 +26599,7 @@
             <p:nvPr>
               <p:extLst>
                 <p:ext uri="{386F3935-93C4-4BCD-93E2-E3B085C9AB24}">
-                  <p16:designElem xmlns="" xmlns:p16="http://schemas.microsoft.com/office/powerpoint/2015/main" val="1"/>
+                  <p16:designElem xmlns:p16="http://schemas.microsoft.com/office/powerpoint/2015/main" xmlns="" val="1"/>
                 </p:ext>
               </p:extLst>
             </p:nvPr>
@@ -26661,10 +26654,10 @@
             <p:cNvPr id="46" name="Freeform 11">
               <a:extLst>
                 <a:ext uri="{FF2B5EF4-FFF2-40B4-BE49-F238E27FC236}">
-                  <a16:creationId xmlns="" xmlns:a16="http://schemas.microsoft.com/office/drawing/2014/main" id="{66CC2B15-8E3B-4CFF-99E4-5B4E4D8CF933}"/>
+                  <a16:creationId xmlns:a16="http://schemas.microsoft.com/office/drawing/2014/main" xmlns="" id="{66CC2B15-8E3B-4CFF-99E4-5B4E4D8CF933}"/>
                 </a:ext>
                 <a:ext uri="{C183D7F6-B498-43B3-948B-1728B52AA6E4}">
-                  <adec:decorative xmlns="" xmlns:adec="http://schemas.microsoft.com/office/drawing/2017/decorative" val="1"/>
+                  <adec:decorative xmlns:adec="http://schemas.microsoft.com/office/drawing/2017/decorative" xmlns="" val="1"/>
                 </a:ext>
               </a:extLst>
             </p:cNvPr>
@@ -26672,7 +26665,7 @@
             <p:nvPr>
               <p:extLst>
                 <p:ext uri="{386F3935-93C4-4BCD-93E2-E3B085C9AB24}">
-                  <p16:designElem xmlns="" xmlns:p16="http://schemas.microsoft.com/office/powerpoint/2015/main" val="1"/>
+                  <p16:designElem xmlns:p16="http://schemas.microsoft.com/office/powerpoint/2015/main" xmlns="" val="1"/>
                 </p:ext>
               </p:extLst>
             </p:nvPr>
@@ -26741,7 +26734,7 @@
           <p:cNvPr id="2" name="Title 1">
             <a:extLst>
               <a:ext uri="{FF2B5EF4-FFF2-40B4-BE49-F238E27FC236}">
-                <a16:creationId xmlns="" xmlns:a16="http://schemas.microsoft.com/office/drawing/2014/main" id="{73694081-56A5-414C-A09C-0308AD543862}"/>
+                <a16:creationId xmlns:a16="http://schemas.microsoft.com/office/drawing/2014/main" xmlns="" id="{73694081-56A5-414C-A09C-0308AD543862}"/>
               </a:ext>
             </a:extLst>
           </p:cNvPr>
@@ -26776,7 +26769,7 @@
           <p:cNvPr id="3" name="Content Placeholder 2">
             <a:extLst>
               <a:ext uri="{FF2B5EF4-FFF2-40B4-BE49-F238E27FC236}">
-                <a16:creationId xmlns="" xmlns:a16="http://schemas.microsoft.com/office/drawing/2014/main" id="{E7444C4F-ABE5-3348-9F01-1F2FC5A10A64}"/>
+                <a16:creationId xmlns:a16="http://schemas.microsoft.com/office/drawing/2014/main" xmlns="" id="{E7444C4F-ABE5-3348-9F01-1F2FC5A10A64}"/>
               </a:ext>
             </a:extLst>
           </p:cNvPr>
@@ -26789,8 +26782,8 @@
         </p:nvSpPr>
         <p:spPr>
           <a:xfrm>
-            <a:off x="1268412" y="2486025"/>
-            <a:ext cx="4494827" cy="3305176"/>
+            <a:off x="1379537" y="2047164"/>
+            <a:ext cx="4494827" cy="3029662"/>
           </a:xfrm>
         </p:spPr>
         <p:txBody>
@@ -26817,10 +26810,10 @@
           <p:cNvPr id="48" name="Rounded Rectangle 16">
             <a:extLst>
               <a:ext uri="{FF2B5EF4-FFF2-40B4-BE49-F238E27FC236}">
-                <a16:creationId xmlns="" xmlns:a16="http://schemas.microsoft.com/office/drawing/2014/main" id="{63A60C88-7443-4827-9241-5019758CB4F0}"/>
+                <a16:creationId xmlns:a16="http://schemas.microsoft.com/office/drawing/2014/main" xmlns="" id="{63A60C88-7443-4827-9241-5019758CB4F0}"/>
               </a:ext>
               <a:ext uri="{C183D7F6-B498-43B3-948B-1728B52AA6E4}">
-                <adec:decorative xmlns="" xmlns:adec="http://schemas.microsoft.com/office/drawing/2017/decorative" val="1"/>
+                <adec:decorative xmlns:adec="http://schemas.microsoft.com/office/drawing/2017/decorative" xmlns="" val="1"/>
               </a:ext>
             </a:extLst>
           </p:cNvPr>
@@ -26830,7 +26823,7 @@
           <p:nvPr>
             <p:extLst>
               <p:ext uri="{386F3935-93C4-4BCD-93E2-E3B085C9AB24}">
-                <p16:designElem xmlns="" xmlns:p16="http://schemas.microsoft.com/office/powerpoint/2015/main" val="1"/>
+                <p16:designElem xmlns:p16="http://schemas.microsoft.com/office/powerpoint/2015/main" xmlns="" val="1"/>
               </p:ext>
             </p:extLst>
           </p:nvPr>
@@ -26902,7 +26895,7 @@
           <p:cNvPr id="6" name="Content Placeholder 5" descr="Graphical user interface, text, application, email&#10;&#10;Description automatically generated">
             <a:extLst>
               <a:ext uri="{FF2B5EF4-FFF2-40B4-BE49-F238E27FC236}">
-                <a16:creationId xmlns="" xmlns:a16="http://schemas.microsoft.com/office/drawing/2014/main" id="{8D551CE5-8F97-3547-96E4-825B35CC15A4}"/>
+                <a16:creationId xmlns:a16="http://schemas.microsoft.com/office/drawing/2014/main" xmlns="" id="{8D551CE5-8F97-3547-96E4-825B35CC15A4}"/>
               </a:ext>
             </a:extLst>
           </p:cNvPr>
@@ -26940,7 +26933,7 @@
           <p:cNvPr id="20" name="TextBox 19">
             <a:extLst>
               <a:ext uri="{FF2B5EF4-FFF2-40B4-BE49-F238E27FC236}">
-                <a16:creationId xmlns="" xmlns:a16="http://schemas.microsoft.com/office/drawing/2014/main" id="{42C1A88A-ABD8-8B45-9500-E551FAB8E06F}"/>
+                <a16:creationId xmlns:a16="http://schemas.microsoft.com/office/drawing/2014/main" xmlns="" id="{42C1A88A-ABD8-8B45-9500-E551FAB8E06F}"/>
               </a:ext>
             </a:extLst>
           </p:cNvPr>
@@ -27026,10 +27019,10 @@
           <p:cNvPr id="47" name="Group 31">
             <a:extLst>
               <a:ext uri="{FF2B5EF4-FFF2-40B4-BE49-F238E27FC236}">
-                <a16:creationId xmlns="" xmlns:a16="http://schemas.microsoft.com/office/drawing/2014/main" id="{260ACC13-B825-49F3-93DE-C8B8F2FA37A1}"/>
+                <a16:creationId xmlns:a16="http://schemas.microsoft.com/office/drawing/2014/main" xmlns="" id="{260ACC13-B825-49F3-93DE-C8B8F2FA37A1}"/>
               </a:ext>
               <a:ext uri="{C183D7F6-B498-43B3-948B-1728B52AA6E4}">
-                <adec:decorative xmlns="" xmlns:adec="http://schemas.microsoft.com/office/drawing/2017/decorative" val="1"/>
+                <adec:decorative xmlns:adec="http://schemas.microsoft.com/office/drawing/2017/decorative" xmlns="" val="1"/>
               </a:ext>
             </a:extLst>
           </p:cNvPr>
@@ -27039,7 +27032,7 @@
           <p:nvPr>
             <p:extLst>
               <p:ext uri="{386F3935-93C4-4BCD-93E2-E3B085C9AB24}">
-                <p16:designElem xmlns="" xmlns:p16="http://schemas.microsoft.com/office/powerpoint/2015/main" val="1"/>
+                <p16:designElem xmlns:p16="http://schemas.microsoft.com/office/powerpoint/2015/main" xmlns="" val="1"/>
               </p:ext>
             </p:extLst>
           </p:nvPr>
@@ -27057,10 +27050,10 @@
             <p:cNvPr id="33" name="Freeform 6">
               <a:extLst>
                 <a:ext uri="{FF2B5EF4-FFF2-40B4-BE49-F238E27FC236}">
-                  <a16:creationId xmlns="" xmlns:a16="http://schemas.microsoft.com/office/drawing/2014/main" id="{F947B31F-CA03-4793-845D-FD86BABC1A18}"/>
+                  <a16:creationId xmlns:a16="http://schemas.microsoft.com/office/drawing/2014/main" xmlns="" id="{F947B31F-CA03-4793-845D-FD86BABC1A18}"/>
                 </a:ext>
                 <a:ext uri="{C183D7F6-B498-43B3-948B-1728B52AA6E4}">
-                  <adec:decorative xmlns="" xmlns:adec="http://schemas.microsoft.com/office/drawing/2017/decorative" val="1"/>
+                  <adec:decorative xmlns:adec="http://schemas.microsoft.com/office/drawing/2017/decorative" xmlns="" val="1"/>
                 </a:ext>
               </a:extLst>
             </p:cNvPr>
@@ -27068,7 +27061,7 @@
             <p:nvPr>
               <p:extLst>
                 <p:ext uri="{386F3935-93C4-4BCD-93E2-E3B085C9AB24}">
-                  <p16:designElem xmlns="" xmlns:p16="http://schemas.microsoft.com/office/powerpoint/2015/main" val="1"/>
+                  <p16:designElem xmlns:p16="http://schemas.microsoft.com/office/powerpoint/2015/main" xmlns="" val="1"/>
                 </p:ext>
               </p:extLst>
             </p:nvPr>
@@ -27118,10 +27111,10 @@
             <p:cNvPr id="34" name="Freeform 7">
               <a:extLst>
                 <a:ext uri="{FF2B5EF4-FFF2-40B4-BE49-F238E27FC236}">
-                  <a16:creationId xmlns="" xmlns:a16="http://schemas.microsoft.com/office/drawing/2014/main" id="{DCDDE94D-F78C-4A48-AEA6-E922FC99A159}"/>
+                  <a16:creationId xmlns:a16="http://schemas.microsoft.com/office/drawing/2014/main" xmlns="" id="{DCDDE94D-F78C-4A48-AEA6-E922FC99A159}"/>
                 </a:ext>
                 <a:ext uri="{C183D7F6-B498-43B3-948B-1728B52AA6E4}">
-                  <adec:decorative xmlns="" xmlns:adec="http://schemas.microsoft.com/office/drawing/2017/decorative" val="1"/>
+                  <adec:decorative xmlns:adec="http://schemas.microsoft.com/office/drawing/2017/decorative" xmlns="" val="1"/>
                 </a:ext>
               </a:extLst>
             </p:cNvPr>
@@ -27129,7 +27122,7 @@
             <p:nvPr>
               <p:extLst>
                 <p:ext uri="{386F3935-93C4-4BCD-93E2-E3B085C9AB24}">
-                  <p16:designElem xmlns="" xmlns:p16="http://schemas.microsoft.com/office/powerpoint/2015/main" val="1"/>
+                  <p16:designElem xmlns:p16="http://schemas.microsoft.com/office/powerpoint/2015/main" xmlns="" val="1"/>
                 </p:ext>
               </p:extLst>
             </p:nvPr>
@@ -27182,10 +27175,10 @@
             <p:cNvPr id="35" name="Freeform 8">
               <a:extLst>
                 <a:ext uri="{FF2B5EF4-FFF2-40B4-BE49-F238E27FC236}">
-                  <a16:creationId xmlns="" xmlns:a16="http://schemas.microsoft.com/office/drawing/2014/main" id="{3445A886-F3CA-4DE4-90D7-535F9707B799}"/>
+                  <a16:creationId xmlns:a16="http://schemas.microsoft.com/office/drawing/2014/main" xmlns="" id="{3445A886-F3CA-4DE4-90D7-535F9707B799}"/>
                 </a:ext>
                 <a:ext uri="{C183D7F6-B498-43B3-948B-1728B52AA6E4}">
-                  <adec:decorative xmlns="" xmlns:adec="http://schemas.microsoft.com/office/drawing/2017/decorative" val="1"/>
+                  <adec:decorative xmlns:adec="http://schemas.microsoft.com/office/drawing/2017/decorative" xmlns="" val="1"/>
                 </a:ext>
               </a:extLst>
             </p:cNvPr>
@@ -27193,7 +27186,7 @@
             <p:nvPr>
               <p:extLst>
                 <p:ext uri="{386F3935-93C4-4BCD-93E2-E3B085C9AB24}">
-                  <p16:designElem xmlns="" xmlns:p16="http://schemas.microsoft.com/office/powerpoint/2015/main" val="1"/>
+                  <p16:designElem xmlns:p16="http://schemas.microsoft.com/office/powerpoint/2015/main" xmlns="" val="1"/>
                 </p:ext>
               </p:extLst>
             </p:nvPr>
@@ -27243,10 +27236,10 @@
             <p:cNvPr id="36" name="Freeform 9">
               <a:extLst>
                 <a:ext uri="{FF2B5EF4-FFF2-40B4-BE49-F238E27FC236}">
-                  <a16:creationId xmlns="" xmlns:a16="http://schemas.microsoft.com/office/drawing/2014/main" id="{A8999CB6-C053-418B-AE37-E470804D251D}"/>
+                  <a16:creationId xmlns:a16="http://schemas.microsoft.com/office/drawing/2014/main" xmlns="" id="{A8999CB6-C053-418B-AE37-E470804D251D}"/>
                 </a:ext>
                 <a:ext uri="{C183D7F6-B498-43B3-948B-1728B52AA6E4}">
-                  <adec:decorative xmlns="" xmlns:adec="http://schemas.microsoft.com/office/drawing/2017/decorative" val="1"/>
+                  <adec:decorative xmlns:adec="http://schemas.microsoft.com/office/drawing/2017/decorative" xmlns="" val="1"/>
                 </a:ext>
               </a:extLst>
             </p:cNvPr>
@@ -27254,7 +27247,7 @@
             <p:nvPr>
               <p:extLst>
                 <p:ext uri="{386F3935-93C4-4BCD-93E2-E3B085C9AB24}">
-                  <p16:designElem xmlns="" xmlns:p16="http://schemas.microsoft.com/office/powerpoint/2015/main" val="1"/>
+                  <p16:designElem xmlns:p16="http://schemas.microsoft.com/office/powerpoint/2015/main" xmlns="" val="1"/>
                 </p:ext>
               </p:extLst>
             </p:nvPr>
@@ -27303,10 +27296,10 @@
             <p:cNvPr id="37" name="Freeform 10">
               <a:extLst>
                 <a:ext uri="{FF2B5EF4-FFF2-40B4-BE49-F238E27FC236}">
-                  <a16:creationId xmlns="" xmlns:a16="http://schemas.microsoft.com/office/drawing/2014/main" id="{81EA3E26-BFCD-4396-AE8A-2A9828BFFBA2}"/>
+                  <a16:creationId xmlns:a16="http://schemas.microsoft.com/office/drawing/2014/main" xmlns="" id="{81EA3E26-BFCD-4396-AE8A-2A9828BFFBA2}"/>
                 </a:ext>
                 <a:ext uri="{C183D7F6-B498-43B3-948B-1728B52AA6E4}">
-                  <adec:decorative xmlns="" xmlns:adec="http://schemas.microsoft.com/office/drawing/2017/decorative" val="1"/>
+                  <adec:decorative xmlns:adec="http://schemas.microsoft.com/office/drawing/2017/decorative" xmlns="" val="1"/>
                 </a:ext>
               </a:extLst>
             </p:cNvPr>
@@ -27314,7 +27307,7 @@
             <p:nvPr>
               <p:extLst>
                 <p:ext uri="{386F3935-93C4-4BCD-93E2-E3B085C9AB24}">
-                  <p16:designElem xmlns="" xmlns:p16="http://schemas.microsoft.com/office/powerpoint/2015/main" val="1"/>
+                  <p16:designElem xmlns:p16="http://schemas.microsoft.com/office/powerpoint/2015/main" xmlns="" val="1"/>
                 </p:ext>
               </p:extLst>
             </p:nvPr>
@@ -27369,10 +27362,10 @@
             <p:cNvPr id="38" name="Freeform 11">
               <a:extLst>
                 <a:ext uri="{FF2B5EF4-FFF2-40B4-BE49-F238E27FC236}">
-                  <a16:creationId xmlns="" xmlns:a16="http://schemas.microsoft.com/office/drawing/2014/main" id="{5F9BC582-73A6-4D8A-8738-E36476489351}"/>
+                  <a16:creationId xmlns:a16="http://schemas.microsoft.com/office/drawing/2014/main" xmlns="" id="{5F9BC582-73A6-4D8A-8738-E36476489351}"/>
                 </a:ext>
                 <a:ext uri="{C183D7F6-B498-43B3-948B-1728B52AA6E4}">
-                  <adec:decorative xmlns="" xmlns:adec="http://schemas.microsoft.com/office/drawing/2017/decorative" val="1"/>
+                  <adec:decorative xmlns:adec="http://schemas.microsoft.com/office/drawing/2017/decorative" xmlns="" val="1"/>
                 </a:ext>
               </a:extLst>
             </p:cNvPr>
@@ -27380,7 +27373,7 @@
             <p:nvPr>
               <p:extLst>
                 <p:ext uri="{386F3935-93C4-4BCD-93E2-E3B085C9AB24}">
-                  <p16:designElem xmlns="" xmlns:p16="http://schemas.microsoft.com/office/powerpoint/2015/main" val="1"/>
+                  <p16:designElem xmlns:p16="http://schemas.microsoft.com/office/powerpoint/2015/main" xmlns="" val="1"/>
                 </p:ext>
               </p:extLst>
             </p:nvPr>
@@ -27449,10 +27442,10 @@
           <p:cNvPr id="40" name="Group 39">
             <a:extLst>
               <a:ext uri="{FF2B5EF4-FFF2-40B4-BE49-F238E27FC236}">
-                <a16:creationId xmlns="" xmlns:a16="http://schemas.microsoft.com/office/drawing/2014/main" id="{A2E861A3-F23C-46B8-A38A-4A22E453D993}"/>
+                <a16:creationId xmlns:a16="http://schemas.microsoft.com/office/drawing/2014/main" xmlns="" id="{A2E861A3-F23C-46B8-A38A-4A22E453D993}"/>
               </a:ext>
               <a:ext uri="{C183D7F6-B498-43B3-948B-1728B52AA6E4}">
-                <adec:decorative xmlns="" xmlns:adec="http://schemas.microsoft.com/office/drawing/2017/decorative" val="1"/>
+                <adec:decorative xmlns:adec="http://schemas.microsoft.com/office/drawing/2017/decorative" xmlns="" val="1"/>
               </a:ext>
             </a:extLst>
           </p:cNvPr>
@@ -27462,7 +27455,7 @@
           <p:nvPr>
             <p:extLst>
               <p:ext uri="{386F3935-93C4-4BCD-93E2-E3B085C9AB24}">
-                <p16:designElem xmlns="" xmlns:p16="http://schemas.microsoft.com/office/powerpoint/2015/main" val="1"/>
+                <p16:designElem xmlns:p16="http://schemas.microsoft.com/office/powerpoint/2015/main" xmlns="" val="1"/>
               </p:ext>
             </p:extLst>
           </p:nvPr>
@@ -27480,10 +27473,10 @@
             <p:cNvPr id="41" name="Freeform 6">
               <a:extLst>
                 <a:ext uri="{FF2B5EF4-FFF2-40B4-BE49-F238E27FC236}">
-                  <a16:creationId xmlns="" xmlns:a16="http://schemas.microsoft.com/office/drawing/2014/main" id="{8BC3D220-643B-4160-B5A9-59DF5D21F410}"/>
+                  <a16:creationId xmlns:a16="http://schemas.microsoft.com/office/drawing/2014/main" xmlns="" id="{8BC3D220-643B-4160-B5A9-59DF5D21F410}"/>
                 </a:ext>
                 <a:ext uri="{C183D7F6-B498-43B3-948B-1728B52AA6E4}">
-                  <adec:decorative xmlns="" xmlns:adec="http://schemas.microsoft.com/office/drawing/2017/decorative" val="1"/>
+                  <adec:decorative xmlns:adec="http://schemas.microsoft.com/office/drawing/2017/decorative" xmlns="" val="1"/>
                 </a:ext>
               </a:extLst>
             </p:cNvPr>
@@ -27491,7 +27484,7 @@
             <p:nvPr>
               <p:extLst>
                 <p:ext uri="{386F3935-93C4-4BCD-93E2-E3B085C9AB24}">
-                  <p16:designElem xmlns="" xmlns:p16="http://schemas.microsoft.com/office/powerpoint/2015/main" val="1"/>
+                  <p16:designElem xmlns:p16="http://schemas.microsoft.com/office/powerpoint/2015/main" xmlns="" val="1"/>
                 </p:ext>
               </p:extLst>
             </p:nvPr>
@@ -27541,10 +27534,10 @@
             <p:cNvPr id="42" name="Freeform 7">
               <a:extLst>
                 <a:ext uri="{FF2B5EF4-FFF2-40B4-BE49-F238E27FC236}">
-                  <a16:creationId xmlns="" xmlns:a16="http://schemas.microsoft.com/office/drawing/2014/main" id="{B92237DE-D518-4625-8392-66D7084588A0}"/>
+                  <a16:creationId xmlns:a16="http://schemas.microsoft.com/office/drawing/2014/main" xmlns="" id="{B92237DE-D518-4625-8392-66D7084588A0}"/>
                 </a:ext>
                 <a:ext uri="{C183D7F6-B498-43B3-948B-1728B52AA6E4}">
-                  <adec:decorative xmlns="" xmlns:adec="http://schemas.microsoft.com/office/drawing/2017/decorative" val="1"/>
+                  <adec:decorative xmlns:adec="http://schemas.microsoft.com/office/drawing/2017/decorative" xmlns="" val="1"/>
                 </a:ext>
               </a:extLst>
             </p:cNvPr>
@@ -27552,7 +27545,7 @@
             <p:nvPr>
               <p:extLst>
                 <p:ext uri="{386F3935-93C4-4BCD-93E2-E3B085C9AB24}">
-                  <p16:designElem xmlns="" xmlns:p16="http://schemas.microsoft.com/office/powerpoint/2015/main" val="1"/>
+                  <p16:designElem xmlns:p16="http://schemas.microsoft.com/office/powerpoint/2015/main" xmlns="" val="1"/>
                 </p:ext>
               </p:extLst>
             </p:nvPr>
@@ -27605,10 +27598,10 @@
             <p:cNvPr id="43" name="Freeform 8">
               <a:extLst>
                 <a:ext uri="{FF2B5EF4-FFF2-40B4-BE49-F238E27FC236}">
-                  <a16:creationId xmlns="" xmlns:a16="http://schemas.microsoft.com/office/drawing/2014/main" id="{F290F0DD-E80A-4263-94E1-A41F57D84CC5}"/>
+                  <a16:creationId xmlns:a16="http://schemas.microsoft.com/office/drawing/2014/main" xmlns="" id="{F290F0DD-E80A-4263-94E1-A41F57D84CC5}"/>
                 </a:ext>
                 <a:ext uri="{C183D7F6-B498-43B3-948B-1728B52AA6E4}">
-                  <adec:decorative xmlns="" xmlns:adec="http://schemas.microsoft.com/office/drawing/2017/decorative" val="1"/>
+                  <adec:decorative xmlns:adec="http://schemas.microsoft.com/office/drawing/2017/decorative" xmlns="" val="1"/>
                 </a:ext>
               </a:extLst>
             </p:cNvPr>
@@ -27616,7 +27609,7 @@
             <p:nvPr>
               <p:extLst>
                 <p:ext uri="{386F3935-93C4-4BCD-93E2-E3B085C9AB24}">
-                  <p16:designElem xmlns="" xmlns:p16="http://schemas.microsoft.com/office/powerpoint/2015/main" val="1"/>
+                  <p16:designElem xmlns:p16="http://schemas.microsoft.com/office/powerpoint/2015/main" xmlns="" val="1"/>
                 </p:ext>
               </p:extLst>
             </p:nvPr>
@@ -27666,10 +27659,10 @@
             <p:cNvPr id="44" name="Freeform 9">
               <a:extLst>
                 <a:ext uri="{FF2B5EF4-FFF2-40B4-BE49-F238E27FC236}">
-                  <a16:creationId xmlns="" xmlns:a16="http://schemas.microsoft.com/office/drawing/2014/main" id="{D78EA7D2-CCEA-435E-873D-36BF0522FFED}"/>
+                  <a16:creationId xmlns:a16="http://schemas.microsoft.com/office/drawing/2014/main" xmlns="" id="{D78EA7D2-CCEA-435E-873D-36BF0522FFED}"/>
                 </a:ext>
                 <a:ext uri="{C183D7F6-B498-43B3-948B-1728B52AA6E4}">
-                  <adec:decorative xmlns="" xmlns:adec="http://schemas.microsoft.com/office/drawing/2017/decorative" val="1"/>
+                  <adec:decorative xmlns:adec="http://schemas.microsoft.com/office/drawing/2017/decorative" xmlns="" val="1"/>
                 </a:ext>
               </a:extLst>
             </p:cNvPr>
@@ -27677,7 +27670,7 @@
             <p:nvPr>
               <p:extLst>
                 <p:ext uri="{386F3935-93C4-4BCD-93E2-E3B085C9AB24}">
-                  <p16:designElem xmlns="" xmlns:p16="http://schemas.microsoft.com/office/powerpoint/2015/main" val="1"/>
+                  <p16:designElem xmlns:p16="http://schemas.microsoft.com/office/powerpoint/2015/main" xmlns="" val="1"/>
                 </p:ext>
               </p:extLst>
             </p:nvPr>
@@ -27726,10 +27719,10 @@
             <p:cNvPr id="45" name="Freeform 10">
               <a:extLst>
                 <a:ext uri="{FF2B5EF4-FFF2-40B4-BE49-F238E27FC236}">
-                  <a16:creationId xmlns="" xmlns:a16="http://schemas.microsoft.com/office/drawing/2014/main" id="{9DFA731E-D6BB-42CC-AA05-64023DC81FE6}"/>
+                  <a16:creationId xmlns:a16="http://schemas.microsoft.com/office/drawing/2014/main" xmlns="" id="{9DFA731E-D6BB-42CC-AA05-64023DC81FE6}"/>
                 </a:ext>
                 <a:ext uri="{C183D7F6-B498-43B3-948B-1728B52AA6E4}">
-                  <adec:decorative xmlns="" xmlns:adec="http://schemas.microsoft.com/office/drawing/2017/decorative" val="1"/>
+                  <adec:decorative xmlns:adec="http://schemas.microsoft.com/office/drawing/2017/decorative" xmlns="" val="1"/>
                 </a:ext>
               </a:extLst>
             </p:cNvPr>
@@ -27737,7 +27730,7 @@
             <p:nvPr>
               <p:extLst>
                 <p:ext uri="{386F3935-93C4-4BCD-93E2-E3B085C9AB24}">
-                  <p16:designElem xmlns="" xmlns:p16="http://schemas.microsoft.com/office/powerpoint/2015/main" val="1"/>
+                  <p16:designElem xmlns:p16="http://schemas.microsoft.com/office/powerpoint/2015/main" xmlns="" val="1"/>
                 </p:ext>
               </p:extLst>
             </p:nvPr>
@@ -27792,10 +27785,10 @@
             <p:cNvPr id="46" name="Freeform 11">
               <a:extLst>
                 <a:ext uri="{FF2B5EF4-FFF2-40B4-BE49-F238E27FC236}">
-                  <a16:creationId xmlns="" xmlns:a16="http://schemas.microsoft.com/office/drawing/2014/main" id="{B00D0483-90FB-4EB4-9770-CA8A310D503B}"/>
+                  <a16:creationId xmlns:a16="http://schemas.microsoft.com/office/drawing/2014/main" xmlns="" id="{B00D0483-90FB-4EB4-9770-CA8A310D503B}"/>
                 </a:ext>
                 <a:ext uri="{C183D7F6-B498-43B3-948B-1728B52AA6E4}">
-                  <adec:decorative xmlns="" xmlns:adec="http://schemas.microsoft.com/office/drawing/2017/decorative" val="1"/>
+                  <adec:decorative xmlns:adec="http://schemas.microsoft.com/office/drawing/2017/decorative" xmlns="" val="1"/>
                 </a:ext>
               </a:extLst>
             </p:cNvPr>
@@ -27803,7 +27796,7 @@
             <p:nvPr>
               <p:extLst>
                 <p:ext uri="{386F3935-93C4-4BCD-93E2-E3B085C9AB24}">
-                  <p16:designElem xmlns="" xmlns:p16="http://schemas.microsoft.com/office/powerpoint/2015/main" val="1"/>
+                  <p16:designElem xmlns:p16="http://schemas.microsoft.com/office/powerpoint/2015/main" xmlns="" val="1"/>
                 </p:ext>
               </p:extLst>
             </p:nvPr>
@@ -27872,7 +27865,7 @@
           <p:cNvPr id="2" name="Title 1">
             <a:extLst>
               <a:ext uri="{FF2B5EF4-FFF2-40B4-BE49-F238E27FC236}">
-                <a16:creationId xmlns="" xmlns:a16="http://schemas.microsoft.com/office/drawing/2014/main" id="{339A428F-DE24-F24B-B03E-D8A9E51064E5}"/>
+                <a16:creationId xmlns:a16="http://schemas.microsoft.com/office/drawing/2014/main" xmlns="" id="{339A428F-DE24-F24B-B03E-D8A9E51064E5}"/>
               </a:ext>
             </a:extLst>
           </p:cNvPr>
@@ -27907,7 +27900,7 @@
           <p:cNvPr id="3" name="Content Placeholder 2">
             <a:extLst>
               <a:ext uri="{FF2B5EF4-FFF2-40B4-BE49-F238E27FC236}">
-                <a16:creationId xmlns="" xmlns:a16="http://schemas.microsoft.com/office/drawing/2014/main" id="{75A636EE-6E6B-FA42-A59B-A03C4B025AA6}"/>
+                <a16:creationId xmlns:a16="http://schemas.microsoft.com/office/drawing/2014/main" xmlns="" id="{75A636EE-6E6B-FA42-A59B-A03C4B025AA6}"/>
               </a:ext>
             </a:extLst>
           </p:cNvPr>
@@ -27920,7 +27913,7 @@
         </p:nvSpPr>
         <p:spPr>
           <a:xfrm>
-            <a:off x="1151552" y="2438399"/>
+            <a:off x="1284287" y="2033159"/>
             <a:ext cx="4611687" cy="3352802"/>
           </a:xfrm>
         </p:spPr>
@@ -27952,10 +27945,10 @@
           <p:cNvPr id="48" name="Rounded Rectangle 16">
             <a:extLst>
               <a:ext uri="{FF2B5EF4-FFF2-40B4-BE49-F238E27FC236}">
-                <a16:creationId xmlns="" xmlns:a16="http://schemas.microsoft.com/office/drawing/2014/main" id="{DD7EED39-224E-4230-8FD1-B1E1AF6C6E36}"/>
+                <a16:creationId xmlns:a16="http://schemas.microsoft.com/office/drawing/2014/main" xmlns="" id="{DD7EED39-224E-4230-8FD1-B1E1AF6C6E36}"/>
               </a:ext>
               <a:ext uri="{C183D7F6-B498-43B3-948B-1728B52AA6E4}">
-                <adec:decorative xmlns="" xmlns:adec="http://schemas.microsoft.com/office/drawing/2017/decorative" val="1"/>
+                <adec:decorative xmlns:adec="http://schemas.microsoft.com/office/drawing/2017/decorative" xmlns="" val="1"/>
               </a:ext>
             </a:extLst>
           </p:cNvPr>
@@ -27965,7 +27958,7 @@
           <p:nvPr>
             <p:extLst>
               <p:ext uri="{386F3935-93C4-4BCD-93E2-E3B085C9AB24}">
-                <p16:designElem xmlns="" xmlns:p16="http://schemas.microsoft.com/office/powerpoint/2015/main" val="1"/>
+                <p16:designElem xmlns:p16="http://schemas.microsoft.com/office/powerpoint/2015/main" xmlns="" val="1"/>
               </p:ext>
             </p:extLst>
           </p:nvPr>
@@ -28037,7 +28030,7 @@
           <p:cNvPr id="6" name="Content Placeholder 5" descr="Graphical user interface, text, application, email&#10;&#10;Description automatically generated">
             <a:extLst>
               <a:ext uri="{FF2B5EF4-FFF2-40B4-BE49-F238E27FC236}">
-                <a16:creationId xmlns="" xmlns:a16="http://schemas.microsoft.com/office/drawing/2014/main" id="{B456F9CE-F0BD-F946-8528-D23C8FC58F39}"/>
+                <a16:creationId xmlns:a16="http://schemas.microsoft.com/office/drawing/2014/main" xmlns="" id="{B456F9CE-F0BD-F946-8528-D23C8FC58F39}"/>
               </a:ext>
             </a:extLst>
           </p:cNvPr>
@@ -28074,7 +28067,7 @@
           <p:cNvPr id="20" name="TextBox 19">
             <a:extLst>
               <a:ext uri="{FF2B5EF4-FFF2-40B4-BE49-F238E27FC236}">
-                <a16:creationId xmlns="" xmlns:a16="http://schemas.microsoft.com/office/drawing/2014/main" id="{0983CF5F-AED5-EA43-B332-EF09D66427D2}"/>
+                <a16:creationId xmlns:a16="http://schemas.microsoft.com/office/drawing/2014/main" xmlns="" id="{0983CF5F-AED5-EA43-B332-EF09D66427D2}"/>
               </a:ext>
             </a:extLst>
           </p:cNvPr>
@@ -28139,7 +28132,7 @@
           <p:cNvPr id="2" name="Title 1">
             <a:extLst>
               <a:ext uri="{FF2B5EF4-FFF2-40B4-BE49-F238E27FC236}">
-                <a16:creationId xmlns="" xmlns:a16="http://schemas.microsoft.com/office/drawing/2014/main" id="{FD947CD9-9A74-8F4F-8FF3-203F034E0AA1}"/>
+                <a16:creationId xmlns:a16="http://schemas.microsoft.com/office/drawing/2014/main" xmlns="" id="{FD947CD9-9A74-8F4F-8FF3-203F034E0AA1}"/>
               </a:ext>
             </a:extLst>
           </p:cNvPr>
@@ -28150,7 +28143,12 @@
             <p:ph type="title"/>
           </p:nvPr>
         </p:nvSpPr>
-        <p:spPr/>
+        <p:spPr>
+          <a:xfrm>
+            <a:off x="1620042" y="385549"/>
+            <a:ext cx="10018713" cy="1752599"/>
+          </a:xfrm>
+        </p:spPr>
         <p:txBody>
           <a:bodyPr/>
           <a:lstStyle/>
@@ -28167,7 +28165,7 @@
           <p:cNvPr id="2050" name="Picture 2">
             <a:extLst>
               <a:ext uri="{FF2B5EF4-FFF2-40B4-BE49-F238E27FC236}">
-                <a16:creationId xmlns="" xmlns:a16="http://schemas.microsoft.com/office/drawing/2014/main" id="{FC86EBE0-C866-0D44-9087-582C37699A12}"/>
+                <a16:creationId xmlns:a16="http://schemas.microsoft.com/office/drawing/2014/main" xmlns="" id="{FC86EBE0-C866-0D44-9087-582C37699A12}"/>
               </a:ext>
             </a:extLst>
           </p:cNvPr>
@@ -28244,7 +28242,7 @@
           <p:cNvPr id="2" name="Title 1">
             <a:extLst>
               <a:ext uri="{FF2B5EF4-FFF2-40B4-BE49-F238E27FC236}">
-                <a16:creationId xmlns="" xmlns:a16="http://schemas.microsoft.com/office/drawing/2014/main" id="{A9E4651F-3BD5-2742-B2EC-8253829D467A}"/>
+                <a16:creationId xmlns:a16="http://schemas.microsoft.com/office/drawing/2014/main" xmlns="" id="{A9E4651F-3BD5-2742-B2EC-8253829D467A}"/>
               </a:ext>
             </a:extLst>
           </p:cNvPr>
@@ -28257,7 +28255,7 @@
         </p:nvSpPr>
         <p:spPr>
           <a:xfrm>
-            <a:off x="1484310" y="548013"/>
+            <a:off x="1620787" y="147180"/>
             <a:ext cx="10018713" cy="1752599"/>
           </a:xfrm>
         </p:spPr>
@@ -28277,7 +28275,7 @@
           <p:cNvPr id="3074" name="Picture 2">
             <a:extLst>
               <a:ext uri="{FF2B5EF4-FFF2-40B4-BE49-F238E27FC236}">
-                <a16:creationId xmlns="" xmlns:a16="http://schemas.microsoft.com/office/drawing/2014/main" id="{5241B8AC-5122-3A48-8F37-1B04E9599B80}"/>
+                <a16:creationId xmlns:a16="http://schemas.microsoft.com/office/drawing/2014/main" xmlns="" id="{5241B8AC-5122-3A48-8F37-1B04E9599B80}"/>
               </a:ext>
             </a:extLst>
           </p:cNvPr>
@@ -28495,7 +28493,7 @@
           <p:cNvPr id="2" name="Title 1">
             <a:extLst>
               <a:ext uri="{FF2B5EF4-FFF2-40B4-BE49-F238E27FC236}">
-                <a16:creationId xmlns="" xmlns:a16="http://schemas.microsoft.com/office/drawing/2014/main" id="{9DBC78A4-3799-2C4E-AC86-A301ADFE7F98}"/>
+                <a16:creationId xmlns:a16="http://schemas.microsoft.com/office/drawing/2014/main" xmlns="" id="{9DBC78A4-3799-2C4E-AC86-A301ADFE7F98}"/>
               </a:ext>
             </a:extLst>
           </p:cNvPr>
@@ -28508,7 +28506,7 @@
         </p:nvSpPr>
         <p:spPr>
           <a:xfrm>
-            <a:off x="1484310" y="622006"/>
+            <a:off x="1484310" y="444585"/>
             <a:ext cx="10018713" cy="1036673"/>
           </a:xfrm>
         </p:spPr>
@@ -28528,7 +28526,7 @@
           <p:cNvPr id="3" name="Content Placeholder 2">
             <a:extLst>
               <a:ext uri="{FF2B5EF4-FFF2-40B4-BE49-F238E27FC236}">
-                <a16:creationId xmlns="" xmlns:a16="http://schemas.microsoft.com/office/drawing/2014/main" id="{99B02452-90E9-474D-9F4E-672C1FFA2208}"/>
+                <a16:creationId xmlns:a16="http://schemas.microsoft.com/office/drawing/2014/main" xmlns="" id="{99B02452-90E9-474D-9F4E-672C1FFA2208}"/>
               </a:ext>
             </a:extLst>
           </p:cNvPr>
@@ -28651,7 +28649,7 @@
           <p:cNvPr id="2" name="Title 1">
             <a:extLst>
               <a:ext uri="{FF2B5EF4-FFF2-40B4-BE49-F238E27FC236}">
-                <a16:creationId xmlns="" xmlns:a16="http://schemas.microsoft.com/office/drawing/2014/main" id="{9DBC78A4-3799-2C4E-AC86-A301ADFE7F98}"/>
+                <a16:creationId xmlns:a16="http://schemas.microsoft.com/office/drawing/2014/main" xmlns="" id="{9DBC78A4-3799-2C4E-AC86-A301ADFE7F98}"/>
               </a:ext>
             </a:extLst>
           </p:cNvPr>
@@ -28684,7 +28682,7 @@
           <p:cNvPr id="3" name="Content Placeholder 2">
             <a:extLst>
               <a:ext uri="{FF2B5EF4-FFF2-40B4-BE49-F238E27FC236}">
-                <a16:creationId xmlns="" xmlns:a16="http://schemas.microsoft.com/office/drawing/2014/main" id="{99B02452-90E9-474D-9F4E-672C1FFA2208}"/>
+                <a16:creationId xmlns:a16="http://schemas.microsoft.com/office/drawing/2014/main" xmlns="" id="{99B02452-90E9-474D-9F4E-672C1FFA2208}"/>
               </a:ext>
             </a:extLst>
           </p:cNvPr>
@@ -28697,8 +28695,8 @@
         </p:nvSpPr>
         <p:spPr>
           <a:xfrm>
-            <a:off x="1484310" y="1871331"/>
-            <a:ext cx="10018713" cy="3919870"/>
+            <a:off x="1689027" y="1951630"/>
+            <a:ext cx="10018713" cy="3198126"/>
           </a:xfrm>
         </p:spPr>
         <p:txBody>
@@ -28791,10 +28789,10 @@
           <p:cNvPr id="47" name="Group 31">
             <a:extLst>
               <a:ext uri="{FF2B5EF4-FFF2-40B4-BE49-F238E27FC236}">
-                <a16:creationId xmlns="" xmlns:a16="http://schemas.microsoft.com/office/drawing/2014/main" id="{260ACC13-B825-49F3-93DE-C8B8F2FA37A1}"/>
+                <a16:creationId xmlns:a16="http://schemas.microsoft.com/office/drawing/2014/main" xmlns="" id="{260ACC13-B825-49F3-93DE-C8B8F2FA37A1}"/>
               </a:ext>
               <a:ext uri="{C183D7F6-B498-43B3-948B-1728B52AA6E4}">
-                <adec:decorative xmlns="" xmlns:adec="http://schemas.microsoft.com/office/drawing/2017/decorative" val="1"/>
+                <adec:decorative xmlns:adec="http://schemas.microsoft.com/office/drawing/2017/decorative" xmlns="" val="1"/>
               </a:ext>
             </a:extLst>
           </p:cNvPr>
@@ -28804,7 +28802,7 @@
           <p:nvPr>
             <p:extLst>
               <p:ext uri="{386F3935-93C4-4BCD-93E2-E3B085C9AB24}">
-                <p16:designElem xmlns="" xmlns:p16="http://schemas.microsoft.com/office/powerpoint/2015/main" val="1"/>
+                <p16:designElem xmlns:p16="http://schemas.microsoft.com/office/powerpoint/2015/main" xmlns="" val="1"/>
               </p:ext>
             </p:extLst>
           </p:nvPr>
@@ -28822,10 +28820,10 @@
             <p:cNvPr id="33" name="Freeform 6">
               <a:extLst>
                 <a:ext uri="{FF2B5EF4-FFF2-40B4-BE49-F238E27FC236}">
-                  <a16:creationId xmlns="" xmlns:a16="http://schemas.microsoft.com/office/drawing/2014/main" id="{F947B31F-CA03-4793-845D-FD86BABC1A18}"/>
+                  <a16:creationId xmlns:a16="http://schemas.microsoft.com/office/drawing/2014/main" xmlns="" id="{F947B31F-CA03-4793-845D-FD86BABC1A18}"/>
                 </a:ext>
                 <a:ext uri="{C183D7F6-B498-43B3-948B-1728B52AA6E4}">
-                  <adec:decorative xmlns="" xmlns:adec="http://schemas.microsoft.com/office/drawing/2017/decorative" val="1"/>
+                  <adec:decorative xmlns:adec="http://schemas.microsoft.com/office/drawing/2017/decorative" xmlns="" val="1"/>
                 </a:ext>
               </a:extLst>
             </p:cNvPr>
@@ -28833,7 +28831,7 @@
             <p:nvPr>
               <p:extLst>
                 <p:ext uri="{386F3935-93C4-4BCD-93E2-E3B085C9AB24}">
-                  <p16:designElem xmlns="" xmlns:p16="http://schemas.microsoft.com/office/powerpoint/2015/main" val="1"/>
+                  <p16:designElem xmlns:p16="http://schemas.microsoft.com/office/powerpoint/2015/main" xmlns="" val="1"/>
                 </p:ext>
               </p:extLst>
             </p:nvPr>
@@ -28883,10 +28881,10 @@
             <p:cNvPr id="34" name="Freeform 7">
               <a:extLst>
                 <a:ext uri="{FF2B5EF4-FFF2-40B4-BE49-F238E27FC236}">
-                  <a16:creationId xmlns="" xmlns:a16="http://schemas.microsoft.com/office/drawing/2014/main" id="{DCDDE94D-F78C-4A48-AEA6-E922FC99A159}"/>
+                  <a16:creationId xmlns:a16="http://schemas.microsoft.com/office/drawing/2014/main" xmlns="" id="{DCDDE94D-F78C-4A48-AEA6-E922FC99A159}"/>
                 </a:ext>
                 <a:ext uri="{C183D7F6-B498-43B3-948B-1728B52AA6E4}">
-                  <adec:decorative xmlns="" xmlns:adec="http://schemas.microsoft.com/office/drawing/2017/decorative" val="1"/>
+                  <adec:decorative xmlns:adec="http://schemas.microsoft.com/office/drawing/2017/decorative" xmlns="" val="1"/>
                 </a:ext>
               </a:extLst>
             </p:cNvPr>
@@ -28894,7 +28892,7 @@
             <p:nvPr>
               <p:extLst>
                 <p:ext uri="{386F3935-93C4-4BCD-93E2-E3B085C9AB24}">
-                  <p16:designElem xmlns="" xmlns:p16="http://schemas.microsoft.com/office/powerpoint/2015/main" val="1"/>
+                  <p16:designElem xmlns:p16="http://schemas.microsoft.com/office/powerpoint/2015/main" xmlns="" val="1"/>
                 </p:ext>
               </p:extLst>
             </p:nvPr>
@@ -28947,10 +28945,10 @@
             <p:cNvPr id="35" name="Freeform 8">
               <a:extLst>
                 <a:ext uri="{FF2B5EF4-FFF2-40B4-BE49-F238E27FC236}">
-                  <a16:creationId xmlns="" xmlns:a16="http://schemas.microsoft.com/office/drawing/2014/main" id="{3445A886-F3CA-4DE4-90D7-535F9707B799}"/>
+                  <a16:creationId xmlns:a16="http://schemas.microsoft.com/office/drawing/2014/main" xmlns="" id="{3445A886-F3CA-4DE4-90D7-535F9707B799}"/>
                 </a:ext>
                 <a:ext uri="{C183D7F6-B498-43B3-948B-1728B52AA6E4}">
-                  <adec:decorative xmlns="" xmlns:adec="http://schemas.microsoft.com/office/drawing/2017/decorative" val="1"/>
+                  <adec:decorative xmlns:adec="http://schemas.microsoft.com/office/drawing/2017/decorative" xmlns="" val="1"/>
                 </a:ext>
               </a:extLst>
             </p:cNvPr>
@@ -28958,7 +28956,7 @@
             <p:nvPr>
               <p:extLst>
                 <p:ext uri="{386F3935-93C4-4BCD-93E2-E3B085C9AB24}">
-                  <p16:designElem xmlns="" xmlns:p16="http://schemas.microsoft.com/office/powerpoint/2015/main" val="1"/>
+                  <p16:designElem xmlns:p16="http://schemas.microsoft.com/office/powerpoint/2015/main" xmlns="" val="1"/>
                 </p:ext>
               </p:extLst>
             </p:nvPr>
@@ -29008,10 +29006,10 @@
             <p:cNvPr id="36" name="Freeform 9">
               <a:extLst>
                 <a:ext uri="{FF2B5EF4-FFF2-40B4-BE49-F238E27FC236}">
-                  <a16:creationId xmlns="" xmlns:a16="http://schemas.microsoft.com/office/drawing/2014/main" id="{A8999CB6-C053-418B-AE37-E470804D251D}"/>
+                  <a16:creationId xmlns:a16="http://schemas.microsoft.com/office/drawing/2014/main" xmlns="" id="{A8999CB6-C053-418B-AE37-E470804D251D}"/>
                 </a:ext>
                 <a:ext uri="{C183D7F6-B498-43B3-948B-1728B52AA6E4}">
-                  <adec:decorative xmlns="" xmlns:adec="http://schemas.microsoft.com/office/drawing/2017/decorative" val="1"/>
+                  <adec:decorative xmlns:adec="http://schemas.microsoft.com/office/drawing/2017/decorative" xmlns="" val="1"/>
                 </a:ext>
               </a:extLst>
             </p:cNvPr>
@@ -29019,7 +29017,7 @@
             <p:nvPr>
               <p:extLst>
                 <p:ext uri="{386F3935-93C4-4BCD-93E2-E3B085C9AB24}">
-                  <p16:designElem xmlns="" xmlns:p16="http://schemas.microsoft.com/office/powerpoint/2015/main" val="1"/>
+                  <p16:designElem xmlns:p16="http://schemas.microsoft.com/office/powerpoint/2015/main" xmlns="" val="1"/>
                 </p:ext>
               </p:extLst>
             </p:nvPr>
@@ -29068,10 +29066,10 @@
             <p:cNvPr id="37" name="Freeform 10">
               <a:extLst>
                 <a:ext uri="{FF2B5EF4-FFF2-40B4-BE49-F238E27FC236}">
-                  <a16:creationId xmlns="" xmlns:a16="http://schemas.microsoft.com/office/drawing/2014/main" id="{81EA3E26-BFCD-4396-AE8A-2A9828BFFBA2}"/>
+                  <a16:creationId xmlns:a16="http://schemas.microsoft.com/office/drawing/2014/main" xmlns="" id="{81EA3E26-BFCD-4396-AE8A-2A9828BFFBA2}"/>
                 </a:ext>
                 <a:ext uri="{C183D7F6-B498-43B3-948B-1728B52AA6E4}">
-                  <adec:decorative xmlns="" xmlns:adec="http://schemas.microsoft.com/office/drawing/2017/decorative" val="1"/>
+                  <adec:decorative xmlns:adec="http://schemas.microsoft.com/office/drawing/2017/decorative" xmlns="" val="1"/>
                 </a:ext>
               </a:extLst>
             </p:cNvPr>
@@ -29079,7 +29077,7 @@
             <p:nvPr>
               <p:extLst>
                 <p:ext uri="{386F3935-93C4-4BCD-93E2-E3B085C9AB24}">
-                  <p16:designElem xmlns="" xmlns:p16="http://schemas.microsoft.com/office/powerpoint/2015/main" val="1"/>
+                  <p16:designElem xmlns:p16="http://schemas.microsoft.com/office/powerpoint/2015/main" xmlns="" val="1"/>
                 </p:ext>
               </p:extLst>
             </p:nvPr>
@@ -29134,10 +29132,10 @@
             <p:cNvPr id="38" name="Freeform 11">
               <a:extLst>
                 <a:ext uri="{FF2B5EF4-FFF2-40B4-BE49-F238E27FC236}">
-                  <a16:creationId xmlns="" xmlns:a16="http://schemas.microsoft.com/office/drawing/2014/main" id="{5F9BC582-73A6-4D8A-8738-E36476489351}"/>
+                  <a16:creationId xmlns:a16="http://schemas.microsoft.com/office/drawing/2014/main" xmlns="" id="{5F9BC582-73A6-4D8A-8738-E36476489351}"/>
                 </a:ext>
                 <a:ext uri="{C183D7F6-B498-43B3-948B-1728B52AA6E4}">
-                  <adec:decorative xmlns="" xmlns:adec="http://schemas.microsoft.com/office/drawing/2017/decorative" val="1"/>
+                  <adec:decorative xmlns:adec="http://schemas.microsoft.com/office/drawing/2017/decorative" xmlns="" val="1"/>
                 </a:ext>
               </a:extLst>
             </p:cNvPr>
@@ -29145,7 +29143,7 @@
             <p:nvPr>
               <p:extLst>
                 <p:ext uri="{386F3935-93C4-4BCD-93E2-E3B085C9AB24}">
-                  <p16:designElem xmlns="" xmlns:p16="http://schemas.microsoft.com/office/powerpoint/2015/main" val="1"/>
+                  <p16:designElem xmlns:p16="http://schemas.microsoft.com/office/powerpoint/2015/main" xmlns="" val="1"/>
                 </p:ext>
               </p:extLst>
             </p:nvPr>
@@ -29214,10 +29212,10 @@
           <p:cNvPr id="40" name="Group 39">
             <a:extLst>
               <a:ext uri="{FF2B5EF4-FFF2-40B4-BE49-F238E27FC236}">
-                <a16:creationId xmlns="" xmlns:a16="http://schemas.microsoft.com/office/drawing/2014/main" id="{A2E861A3-F23C-46B8-A38A-4A22E453D993}"/>
+                <a16:creationId xmlns:a16="http://schemas.microsoft.com/office/drawing/2014/main" xmlns="" id="{A2E861A3-F23C-46B8-A38A-4A22E453D993}"/>
               </a:ext>
               <a:ext uri="{C183D7F6-B498-43B3-948B-1728B52AA6E4}">
-                <adec:decorative xmlns="" xmlns:adec="http://schemas.microsoft.com/office/drawing/2017/decorative" val="1"/>
+                <adec:decorative xmlns:adec="http://schemas.microsoft.com/office/drawing/2017/decorative" xmlns="" val="1"/>
               </a:ext>
             </a:extLst>
           </p:cNvPr>
@@ -29227,7 +29225,7 @@
           <p:nvPr>
             <p:extLst>
               <p:ext uri="{386F3935-93C4-4BCD-93E2-E3B085C9AB24}">
-                <p16:designElem xmlns="" xmlns:p16="http://schemas.microsoft.com/office/powerpoint/2015/main" val="1"/>
+                <p16:designElem xmlns:p16="http://schemas.microsoft.com/office/powerpoint/2015/main" xmlns="" val="1"/>
               </p:ext>
             </p:extLst>
           </p:nvPr>
@@ -29245,10 +29243,10 @@
             <p:cNvPr id="41" name="Freeform 6">
               <a:extLst>
                 <a:ext uri="{FF2B5EF4-FFF2-40B4-BE49-F238E27FC236}">
-                  <a16:creationId xmlns="" xmlns:a16="http://schemas.microsoft.com/office/drawing/2014/main" id="{8BC3D220-643B-4160-B5A9-59DF5D21F410}"/>
+                  <a16:creationId xmlns:a16="http://schemas.microsoft.com/office/drawing/2014/main" xmlns="" id="{8BC3D220-643B-4160-B5A9-59DF5D21F410}"/>
                 </a:ext>
                 <a:ext uri="{C183D7F6-B498-43B3-948B-1728B52AA6E4}">
-                  <adec:decorative xmlns="" xmlns:adec="http://schemas.microsoft.com/office/drawing/2017/decorative" val="1"/>
+                  <adec:decorative xmlns:adec="http://schemas.microsoft.com/office/drawing/2017/decorative" xmlns="" val="1"/>
                 </a:ext>
               </a:extLst>
             </p:cNvPr>
@@ -29256,7 +29254,7 @@
             <p:nvPr>
               <p:extLst>
                 <p:ext uri="{386F3935-93C4-4BCD-93E2-E3B085C9AB24}">
-                  <p16:designElem xmlns="" xmlns:p16="http://schemas.microsoft.com/office/powerpoint/2015/main" val="1"/>
+                  <p16:designElem xmlns:p16="http://schemas.microsoft.com/office/powerpoint/2015/main" xmlns="" val="1"/>
                 </p:ext>
               </p:extLst>
             </p:nvPr>
@@ -29306,10 +29304,10 @@
             <p:cNvPr id="42" name="Freeform 7">
               <a:extLst>
                 <a:ext uri="{FF2B5EF4-FFF2-40B4-BE49-F238E27FC236}">
-                  <a16:creationId xmlns="" xmlns:a16="http://schemas.microsoft.com/office/drawing/2014/main" id="{B92237DE-D518-4625-8392-66D7084588A0}"/>
+                  <a16:creationId xmlns:a16="http://schemas.microsoft.com/office/drawing/2014/main" xmlns="" id="{B92237DE-D518-4625-8392-66D7084588A0}"/>
                 </a:ext>
                 <a:ext uri="{C183D7F6-B498-43B3-948B-1728B52AA6E4}">
-                  <adec:decorative xmlns="" xmlns:adec="http://schemas.microsoft.com/office/drawing/2017/decorative" val="1"/>
+                  <adec:decorative xmlns:adec="http://schemas.microsoft.com/office/drawing/2017/decorative" xmlns="" val="1"/>
                 </a:ext>
               </a:extLst>
             </p:cNvPr>
@@ -29317,7 +29315,7 @@
             <p:nvPr>
               <p:extLst>
                 <p:ext uri="{386F3935-93C4-4BCD-93E2-E3B085C9AB24}">
-                  <p16:designElem xmlns="" xmlns:p16="http://schemas.microsoft.com/office/powerpoint/2015/main" val="1"/>
+                  <p16:designElem xmlns:p16="http://schemas.microsoft.com/office/powerpoint/2015/main" xmlns="" val="1"/>
                 </p:ext>
               </p:extLst>
             </p:nvPr>
@@ -29370,10 +29368,10 @@
             <p:cNvPr id="43" name="Freeform 8">
               <a:extLst>
                 <a:ext uri="{FF2B5EF4-FFF2-40B4-BE49-F238E27FC236}">
-                  <a16:creationId xmlns="" xmlns:a16="http://schemas.microsoft.com/office/drawing/2014/main" id="{F290F0DD-E80A-4263-94E1-A41F57D84CC5}"/>
+                  <a16:creationId xmlns:a16="http://schemas.microsoft.com/office/drawing/2014/main" xmlns="" id="{F290F0DD-E80A-4263-94E1-A41F57D84CC5}"/>
                 </a:ext>
                 <a:ext uri="{C183D7F6-B498-43B3-948B-1728B52AA6E4}">
-                  <adec:decorative xmlns="" xmlns:adec="http://schemas.microsoft.com/office/drawing/2017/decorative" val="1"/>
+                  <adec:decorative xmlns:adec="http://schemas.microsoft.com/office/drawing/2017/decorative" xmlns="" val="1"/>
                 </a:ext>
               </a:extLst>
             </p:cNvPr>
@@ -29381,7 +29379,7 @@
             <p:nvPr>
               <p:extLst>
                 <p:ext uri="{386F3935-93C4-4BCD-93E2-E3B085C9AB24}">
-                  <p16:designElem xmlns="" xmlns:p16="http://schemas.microsoft.com/office/powerpoint/2015/main" val="1"/>
+                  <p16:designElem xmlns:p16="http://schemas.microsoft.com/office/powerpoint/2015/main" xmlns="" val="1"/>
                 </p:ext>
               </p:extLst>
             </p:nvPr>
@@ -29431,10 +29429,10 @@
             <p:cNvPr id="44" name="Freeform 9">
               <a:extLst>
                 <a:ext uri="{FF2B5EF4-FFF2-40B4-BE49-F238E27FC236}">
-                  <a16:creationId xmlns="" xmlns:a16="http://schemas.microsoft.com/office/drawing/2014/main" id="{D78EA7D2-CCEA-435E-873D-36BF0522FFED}"/>
+                  <a16:creationId xmlns:a16="http://schemas.microsoft.com/office/drawing/2014/main" xmlns="" id="{D78EA7D2-CCEA-435E-873D-36BF0522FFED}"/>
                 </a:ext>
                 <a:ext uri="{C183D7F6-B498-43B3-948B-1728B52AA6E4}">
-                  <adec:decorative xmlns="" xmlns:adec="http://schemas.microsoft.com/office/drawing/2017/decorative" val="1"/>
+                  <adec:decorative xmlns:adec="http://schemas.microsoft.com/office/drawing/2017/decorative" xmlns="" val="1"/>
                 </a:ext>
               </a:extLst>
             </p:cNvPr>
@@ -29442,7 +29440,7 @@
             <p:nvPr>
               <p:extLst>
                 <p:ext uri="{386F3935-93C4-4BCD-93E2-E3B085C9AB24}">
-                  <p16:designElem xmlns="" xmlns:p16="http://schemas.microsoft.com/office/powerpoint/2015/main" val="1"/>
+                  <p16:designElem xmlns:p16="http://schemas.microsoft.com/office/powerpoint/2015/main" xmlns="" val="1"/>
                 </p:ext>
               </p:extLst>
             </p:nvPr>
@@ -29491,10 +29489,10 @@
             <p:cNvPr id="45" name="Freeform 10">
               <a:extLst>
                 <a:ext uri="{FF2B5EF4-FFF2-40B4-BE49-F238E27FC236}">
-                  <a16:creationId xmlns="" xmlns:a16="http://schemas.microsoft.com/office/drawing/2014/main" id="{9DFA731E-D6BB-42CC-AA05-64023DC81FE6}"/>
+                  <a16:creationId xmlns:a16="http://schemas.microsoft.com/office/drawing/2014/main" xmlns="" id="{9DFA731E-D6BB-42CC-AA05-64023DC81FE6}"/>
                 </a:ext>
                 <a:ext uri="{C183D7F6-B498-43B3-948B-1728B52AA6E4}">
-                  <adec:decorative xmlns="" xmlns:adec="http://schemas.microsoft.com/office/drawing/2017/decorative" val="1"/>
+                  <adec:decorative xmlns:adec="http://schemas.microsoft.com/office/drawing/2017/decorative" xmlns="" val="1"/>
                 </a:ext>
               </a:extLst>
             </p:cNvPr>
@@ -29502,7 +29500,7 @@
             <p:nvPr>
               <p:extLst>
                 <p:ext uri="{386F3935-93C4-4BCD-93E2-E3B085C9AB24}">
-                  <p16:designElem xmlns="" xmlns:p16="http://schemas.microsoft.com/office/powerpoint/2015/main" val="1"/>
+                  <p16:designElem xmlns:p16="http://schemas.microsoft.com/office/powerpoint/2015/main" xmlns="" val="1"/>
                 </p:ext>
               </p:extLst>
             </p:nvPr>
@@ -29557,10 +29555,10 @@
             <p:cNvPr id="46" name="Freeform 11">
               <a:extLst>
                 <a:ext uri="{FF2B5EF4-FFF2-40B4-BE49-F238E27FC236}">
-                  <a16:creationId xmlns="" xmlns:a16="http://schemas.microsoft.com/office/drawing/2014/main" id="{B00D0483-90FB-4EB4-9770-CA8A310D503B}"/>
+                  <a16:creationId xmlns:a16="http://schemas.microsoft.com/office/drawing/2014/main" xmlns="" id="{B00D0483-90FB-4EB4-9770-CA8A310D503B}"/>
                 </a:ext>
                 <a:ext uri="{C183D7F6-B498-43B3-948B-1728B52AA6E4}">
-                  <adec:decorative xmlns="" xmlns:adec="http://schemas.microsoft.com/office/drawing/2017/decorative" val="1"/>
+                  <adec:decorative xmlns:adec="http://schemas.microsoft.com/office/drawing/2017/decorative" xmlns="" val="1"/>
                 </a:ext>
               </a:extLst>
             </p:cNvPr>
@@ -29568,7 +29566,7 @@
             <p:nvPr>
               <p:extLst>
                 <p:ext uri="{386F3935-93C4-4BCD-93E2-E3B085C9AB24}">
-                  <p16:designElem xmlns="" xmlns:p16="http://schemas.microsoft.com/office/powerpoint/2015/main" val="1"/>
+                  <p16:designElem xmlns:p16="http://schemas.microsoft.com/office/powerpoint/2015/main" xmlns="" val="1"/>
                 </p:ext>
               </p:extLst>
             </p:nvPr>
@@ -29637,7 +29635,7 @@
           <p:cNvPr id="2" name="Title 1">
             <a:extLst>
               <a:ext uri="{FF2B5EF4-FFF2-40B4-BE49-F238E27FC236}">
-                <a16:creationId xmlns="" xmlns:a16="http://schemas.microsoft.com/office/drawing/2014/main" id="{339A428F-DE24-F24B-B03E-D8A9E51064E5}"/>
+                <a16:creationId xmlns:a16="http://schemas.microsoft.com/office/drawing/2014/main" xmlns="" id="{339A428F-DE24-F24B-B03E-D8A9E51064E5}"/>
               </a:ext>
             </a:extLst>
           </p:cNvPr>
@@ -29672,7 +29670,7 @@
           <p:cNvPr id="3" name="Content Placeholder 2">
             <a:extLst>
               <a:ext uri="{FF2B5EF4-FFF2-40B4-BE49-F238E27FC236}">
-                <a16:creationId xmlns="" xmlns:a16="http://schemas.microsoft.com/office/drawing/2014/main" id="{75A636EE-6E6B-FA42-A59B-A03C4B025AA6}"/>
+                <a16:creationId xmlns:a16="http://schemas.microsoft.com/office/drawing/2014/main" xmlns="" id="{75A636EE-6E6B-FA42-A59B-A03C4B025AA6}"/>
               </a:ext>
             </a:extLst>
           </p:cNvPr>
@@ -29729,10 +29727,10 @@
           <p:cNvPr id="48" name="Rounded Rectangle 16">
             <a:extLst>
               <a:ext uri="{FF2B5EF4-FFF2-40B4-BE49-F238E27FC236}">
-                <a16:creationId xmlns="" xmlns:a16="http://schemas.microsoft.com/office/drawing/2014/main" id="{DD7EED39-224E-4230-8FD1-B1E1AF6C6E36}"/>
+                <a16:creationId xmlns:a16="http://schemas.microsoft.com/office/drawing/2014/main" xmlns="" id="{DD7EED39-224E-4230-8FD1-B1E1AF6C6E36}"/>
               </a:ext>
               <a:ext uri="{C183D7F6-B498-43B3-948B-1728B52AA6E4}">
-                <adec:decorative xmlns="" xmlns:adec="http://schemas.microsoft.com/office/drawing/2017/decorative" val="1"/>
+                <adec:decorative xmlns:adec="http://schemas.microsoft.com/office/drawing/2017/decorative" xmlns="" val="1"/>
               </a:ext>
             </a:extLst>
           </p:cNvPr>
@@ -29742,7 +29740,7 @@
           <p:nvPr>
             <p:extLst>
               <p:ext uri="{386F3935-93C4-4BCD-93E2-E3B085C9AB24}">
-                <p16:designElem xmlns="" xmlns:p16="http://schemas.microsoft.com/office/powerpoint/2015/main" val="1"/>
+                <p16:designElem xmlns:p16="http://schemas.microsoft.com/office/powerpoint/2015/main" xmlns="" val="1"/>
               </p:ext>
             </p:extLst>
           </p:nvPr>
@@ -29814,7 +29812,7 @@
           <p:cNvPr id="20" name="TextBox 19">
             <a:extLst>
               <a:ext uri="{FF2B5EF4-FFF2-40B4-BE49-F238E27FC236}">
-                <a16:creationId xmlns="" xmlns:a16="http://schemas.microsoft.com/office/drawing/2014/main" id="{0983CF5F-AED5-EA43-B332-EF09D66427D2}"/>
+                <a16:creationId xmlns:a16="http://schemas.microsoft.com/office/drawing/2014/main" xmlns="" id="{0983CF5F-AED5-EA43-B332-EF09D66427D2}"/>
               </a:ext>
             </a:extLst>
           </p:cNvPr>
@@ -29903,7 +29901,7 @@
           <p:cNvPr id="2" name="Title 1">
             <a:extLst>
               <a:ext uri="{FF2B5EF4-FFF2-40B4-BE49-F238E27FC236}">
-                <a16:creationId xmlns="" xmlns:a16="http://schemas.microsoft.com/office/drawing/2014/main" id="{9DBC78A4-3799-2C4E-AC86-A301ADFE7F98}"/>
+                <a16:creationId xmlns:a16="http://schemas.microsoft.com/office/drawing/2014/main" xmlns="" id="{9DBC78A4-3799-2C4E-AC86-A301ADFE7F98}"/>
               </a:ext>
             </a:extLst>
           </p:cNvPr>
@@ -29936,7 +29934,7 @@
           <p:cNvPr id="3" name="Content Placeholder 2">
             <a:extLst>
               <a:ext uri="{FF2B5EF4-FFF2-40B4-BE49-F238E27FC236}">
-                <a16:creationId xmlns="" xmlns:a16="http://schemas.microsoft.com/office/drawing/2014/main" id="{99B02452-90E9-474D-9F4E-672C1FFA2208}"/>
+                <a16:creationId xmlns:a16="http://schemas.microsoft.com/office/drawing/2014/main" xmlns="" id="{99B02452-90E9-474D-9F4E-672C1FFA2208}"/>
               </a:ext>
             </a:extLst>
           </p:cNvPr>
@@ -30041,7 +30039,7 @@
           <p:cNvPr id="2" name="Title 1">
             <a:extLst>
               <a:ext uri="{FF2B5EF4-FFF2-40B4-BE49-F238E27FC236}">
-                <a16:creationId xmlns="" xmlns:a16="http://schemas.microsoft.com/office/drawing/2014/main" id="{9DBC78A4-3799-2C4E-AC86-A301ADFE7F98}"/>
+                <a16:creationId xmlns:a16="http://schemas.microsoft.com/office/drawing/2014/main" xmlns="" id="{9DBC78A4-3799-2C4E-AC86-A301ADFE7F98}"/>
               </a:ext>
             </a:extLst>
           </p:cNvPr>
@@ -30074,7 +30072,7 @@
           <p:cNvPr id="3" name="Content Placeholder 2">
             <a:extLst>
               <a:ext uri="{FF2B5EF4-FFF2-40B4-BE49-F238E27FC236}">
-                <a16:creationId xmlns="" xmlns:a16="http://schemas.microsoft.com/office/drawing/2014/main" id="{99B02452-90E9-474D-9F4E-672C1FFA2208}"/>
+                <a16:creationId xmlns:a16="http://schemas.microsoft.com/office/drawing/2014/main" xmlns="" id="{99B02452-90E9-474D-9F4E-672C1FFA2208}"/>
               </a:ext>
             </a:extLst>
           </p:cNvPr>
@@ -30149,7 +30147,7 @@
           <p:cNvPr id="2" name="Title 1">
             <a:extLst>
               <a:ext uri="{FF2B5EF4-FFF2-40B4-BE49-F238E27FC236}">
-                <a16:creationId xmlns="" xmlns:a16="http://schemas.microsoft.com/office/drawing/2014/main" id="{9DBC78A4-3799-2C4E-AC86-A301ADFE7F98}"/>
+                <a16:creationId xmlns:a16="http://schemas.microsoft.com/office/drawing/2014/main" xmlns="" id="{9DBC78A4-3799-2C4E-AC86-A301ADFE7F98}"/>
               </a:ext>
             </a:extLst>
           </p:cNvPr>
@@ -30182,7 +30180,7 @@
           <p:cNvPr id="3" name="Content Placeholder 2">
             <a:extLst>
               <a:ext uri="{FF2B5EF4-FFF2-40B4-BE49-F238E27FC236}">
-                <a16:creationId xmlns="" xmlns:a16="http://schemas.microsoft.com/office/drawing/2014/main" id="{99B02452-90E9-474D-9F4E-672C1FFA2208}"/>
+                <a16:creationId xmlns:a16="http://schemas.microsoft.com/office/drawing/2014/main" xmlns="" id="{99B02452-90E9-474D-9F4E-672C1FFA2208}"/>
               </a:ext>
             </a:extLst>
           </p:cNvPr>
@@ -30207,7 +30205,15 @@
           <a:p>
             <a:r>
               <a:rPr lang="en-US" dirty="0"/>
-              <a:t>Below are some techniques for creating events and event handlers in JavaScript:</a:t>
+              <a:t>Below are some techniques for creating events and event handlers in </a:t>
+            </a:r>
+            <a:r>
+              <a:rPr lang="en-US" dirty="0" smtClean="0"/>
+              <a:t>TypeScript</a:t>
+            </a:r>
+            <a:r>
+              <a:rPr lang="en-US" dirty="0"/>
+              <a:t>:</a:t>
             </a:r>
           </a:p>
           <a:p>
@@ -30284,7 +30290,7 @@
           <p:cNvPr id="2" name="Title 1">
             <a:extLst>
               <a:ext uri="{FF2B5EF4-FFF2-40B4-BE49-F238E27FC236}">
-                <a16:creationId xmlns="" xmlns:a16="http://schemas.microsoft.com/office/drawing/2014/main" id="{9DBC78A4-3799-2C4E-AC86-A301ADFE7F98}"/>
+                <a16:creationId xmlns:a16="http://schemas.microsoft.com/office/drawing/2014/main" xmlns="" id="{9DBC78A4-3799-2C4E-AC86-A301ADFE7F98}"/>
               </a:ext>
             </a:extLst>
           </p:cNvPr>
@@ -30317,7 +30323,7 @@
           <p:cNvPr id="3" name="Content Placeholder 2">
             <a:extLst>
               <a:ext uri="{FF2B5EF4-FFF2-40B4-BE49-F238E27FC236}">
-                <a16:creationId xmlns="" xmlns:a16="http://schemas.microsoft.com/office/drawing/2014/main" id="{99B02452-90E9-474D-9F4E-672C1FFA2208}"/>
+                <a16:creationId xmlns:a16="http://schemas.microsoft.com/office/drawing/2014/main" xmlns="" id="{99B02452-90E9-474D-9F4E-672C1FFA2208}"/>
               </a:ext>
             </a:extLst>
           </p:cNvPr>
@@ -30446,7 +30452,7 @@
           <p:cNvPr id="2" name="Title 1">
             <a:extLst>
               <a:ext uri="{FF2B5EF4-FFF2-40B4-BE49-F238E27FC236}">
-                <a16:creationId xmlns="" xmlns:a16="http://schemas.microsoft.com/office/drawing/2014/main" id="{9DBC78A4-3799-2C4E-AC86-A301ADFE7F98}"/>
+                <a16:creationId xmlns:a16="http://schemas.microsoft.com/office/drawing/2014/main" xmlns="" id="{9DBC78A4-3799-2C4E-AC86-A301ADFE7F98}"/>
               </a:ext>
             </a:extLst>
           </p:cNvPr>
@@ -30479,7 +30485,7 @@
           <p:cNvPr id="3" name="Content Placeholder 2">
             <a:extLst>
               <a:ext uri="{FF2B5EF4-FFF2-40B4-BE49-F238E27FC236}">
-                <a16:creationId xmlns="" xmlns:a16="http://schemas.microsoft.com/office/drawing/2014/main" id="{99B02452-90E9-474D-9F4E-672C1FFA2208}"/>
+                <a16:creationId xmlns:a16="http://schemas.microsoft.com/office/drawing/2014/main" xmlns="" id="{99B02452-90E9-474D-9F4E-672C1FFA2208}"/>
               </a:ext>
             </a:extLst>
           </p:cNvPr>
@@ -30492,13 +30498,13 @@
         </p:nvSpPr>
         <p:spPr>
           <a:xfrm>
-            <a:off x="1484310" y="1871331"/>
-            <a:ext cx="10018713" cy="3919870"/>
+            <a:off x="1484311" y="2417242"/>
+            <a:ext cx="9816036" cy="2919033"/>
           </a:xfrm>
         </p:spPr>
         <p:txBody>
           <a:bodyPr>
-            <a:normAutofit/>
+            <a:normAutofit fontScale="92500" lnSpcReduction="20000"/>
           </a:bodyPr>
           <a:lstStyle/>
           <a:p>
@@ -30510,28 +30516,28 @@
           <a:p>
             <a:pPr lvl="1"/>
             <a:r>
-              <a:rPr lang="en-US" b="1" dirty="0"/>
+              <a:rPr lang="en-US" dirty="0"/>
               <a:t>First-class and higher-order functions.</a:t>
             </a:r>
           </a:p>
           <a:p>
             <a:pPr lvl="1"/>
             <a:r>
-              <a:rPr lang="en-US" b="1" dirty="0"/>
+              <a:rPr lang="en-US" dirty="0"/>
               <a:t>Pure functions</a:t>
             </a:r>
           </a:p>
           <a:p>
             <a:pPr lvl="1"/>
             <a:r>
-              <a:rPr lang="en-US" b="1" dirty="0"/>
+              <a:rPr lang="en-US" dirty="0"/>
               <a:t>Recursion</a:t>
             </a:r>
           </a:p>
           <a:p>
             <a:pPr lvl="1"/>
             <a:r>
-              <a:rPr lang="en-US" b="1" dirty="0"/>
+              <a:rPr lang="en-US" dirty="0"/>
               <a:t>Lazy evaluation</a:t>
             </a:r>
           </a:p>
@@ -30591,7 +30597,7 @@
           <p:cNvPr id="2" name="Title 1">
             <a:extLst>
               <a:ext uri="{FF2B5EF4-FFF2-40B4-BE49-F238E27FC236}">
-                <a16:creationId xmlns="" xmlns:a16="http://schemas.microsoft.com/office/drawing/2014/main" id="{9DBC78A4-3799-2C4E-AC86-A301ADFE7F98}"/>
+                <a16:creationId xmlns:a16="http://schemas.microsoft.com/office/drawing/2014/main" xmlns="" id="{9DBC78A4-3799-2C4E-AC86-A301ADFE7F98}"/>
               </a:ext>
             </a:extLst>
           </p:cNvPr>
@@ -30624,7 +30630,7 @@
           <p:cNvPr id="3" name="Content Placeholder 2">
             <a:extLst>
               <a:ext uri="{FF2B5EF4-FFF2-40B4-BE49-F238E27FC236}">
-                <a16:creationId xmlns="" xmlns:a16="http://schemas.microsoft.com/office/drawing/2014/main" id="{99B02452-90E9-474D-9F4E-672C1FFA2208}"/>
+                <a16:creationId xmlns:a16="http://schemas.microsoft.com/office/drawing/2014/main" xmlns="" id="{99B02452-90E9-474D-9F4E-672C1FFA2208}"/>
               </a:ext>
             </a:extLst>
           </p:cNvPr>
@@ -31352,10 +31358,10 @@
           <p:cNvPr id="47" name="Group 31">
             <a:extLst>
               <a:ext uri="{FF2B5EF4-FFF2-40B4-BE49-F238E27FC236}">
-                <a16:creationId xmlns="" xmlns:a16="http://schemas.microsoft.com/office/drawing/2014/main" id="{260ACC13-B825-49F3-93DE-C8B8F2FA37A1}"/>
+                <a16:creationId xmlns:a16="http://schemas.microsoft.com/office/drawing/2014/main" xmlns="" id="{260ACC13-B825-49F3-93DE-C8B8F2FA37A1}"/>
               </a:ext>
               <a:ext uri="{C183D7F6-B498-43B3-948B-1728B52AA6E4}">
-                <adec:decorative xmlns="" xmlns:adec="http://schemas.microsoft.com/office/drawing/2017/decorative" val="1"/>
+                <adec:decorative xmlns:adec="http://schemas.microsoft.com/office/drawing/2017/decorative" xmlns="" val="1"/>
               </a:ext>
             </a:extLst>
           </p:cNvPr>
@@ -31365,7 +31371,7 @@
           <p:nvPr>
             <p:extLst>
               <p:ext uri="{386F3935-93C4-4BCD-93E2-E3B085C9AB24}">
-                <p16:designElem xmlns="" xmlns:p16="http://schemas.microsoft.com/office/powerpoint/2015/main" val="1"/>
+                <p16:designElem xmlns:p16="http://schemas.microsoft.com/office/powerpoint/2015/main" xmlns="" val="1"/>
               </p:ext>
             </p:extLst>
           </p:nvPr>
@@ -31383,10 +31389,10 @@
             <p:cNvPr id="33" name="Freeform 6">
               <a:extLst>
                 <a:ext uri="{FF2B5EF4-FFF2-40B4-BE49-F238E27FC236}">
-                  <a16:creationId xmlns="" xmlns:a16="http://schemas.microsoft.com/office/drawing/2014/main" id="{F947B31F-CA03-4793-845D-FD86BABC1A18}"/>
+                  <a16:creationId xmlns:a16="http://schemas.microsoft.com/office/drawing/2014/main" xmlns="" id="{F947B31F-CA03-4793-845D-FD86BABC1A18}"/>
                 </a:ext>
                 <a:ext uri="{C183D7F6-B498-43B3-948B-1728B52AA6E4}">
-                  <adec:decorative xmlns="" xmlns:adec="http://schemas.microsoft.com/office/drawing/2017/decorative" val="1"/>
+                  <adec:decorative xmlns:adec="http://schemas.microsoft.com/office/drawing/2017/decorative" xmlns="" val="1"/>
                 </a:ext>
               </a:extLst>
             </p:cNvPr>
@@ -31394,7 +31400,7 @@
             <p:nvPr>
               <p:extLst>
                 <p:ext uri="{386F3935-93C4-4BCD-93E2-E3B085C9AB24}">
-                  <p16:designElem xmlns="" xmlns:p16="http://schemas.microsoft.com/office/powerpoint/2015/main" val="1"/>
+                  <p16:designElem xmlns:p16="http://schemas.microsoft.com/office/powerpoint/2015/main" xmlns="" val="1"/>
                 </p:ext>
               </p:extLst>
             </p:nvPr>
@@ -31444,10 +31450,10 @@
             <p:cNvPr id="34" name="Freeform 7">
               <a:extLst>
                 <a:ext uri="{FF2B5EF4-FFF2-40B4-BE49-F238E27FC236}">
-                  <a16:creationId xmlns="" xmlns:a16="http://schemas.microsoft.com/office/drawing/2014/main" id="{DCDDE94D-F78C-4A48-AEA6-E922FC99A159}"/>
+                  <a16:creationId xmlns:a16="http://schemas.microsoft.com/office/drawing/2014/main" xmlns="" id="{DCDDE94D-F78C-4A48-AEA6-E922FC99A159}"/>
                 </a:ext>
                 <a:ext uri="{C183D7F6-B498-43B3-948B-1728B52AA6E4}">
-                  <adec:decorative xmlns="" xmlns:adec="http://schemas.microsoft.com/office/drawing/2017/decorative" val="1"/>
+                  <adec:decorative xmlns:adec="http://schemas.microsoft.com/office/drawing/2017/decorative" xmlns="" val="1"/>
                 </a:ext>
               </a:extLst>
             </p:cNvPr>
@@ -31455,7 +31461,7 @@
             <p:nvPr>
               <p:extLst>
                 <p:ext uri="{386F3935-93C4-4BCD-93E2-E3B085C9AB24}">
-                  <p16:designElem xmlns="" xmlns:p16="http://schemas.microsoft.com/office/powerpoint/2015/main" val="1"/>
+                  <p16:designElem xmlns:p16="http://schemas.microsoft.com/office/powerpoint/2015/main" xmlns="" val="1"/>
                 </p:ext>
               </p:extLst>
             </p:nvPr>
@@ -31508,10 +31514,10 @@
             <p:cNvPr id="35" name="Freeform 8">
               <a:extLst>
                 <a:ext uri="{FF2B5EF4-FFF2-40B4-BE49-F238E27FC236}">
-                  <a16:creationId xmlns="" xmlns:a16="http://schemas.microsoft.com/office/drawing/2014/main" id="{3445A886-F3CA-4DE4-90D7-535F9707B799}"/>
+                  <a16:creationId xmlns:a16="http://schemas.microsoft.com/office/drawing/2014/main" xmlns="" id="{3445A886-F3CA-4DE4-90D7-535F9707B799}"/>
                 </a:ext>
                 <a:ext uri="{C183D7F6-B498-43B3-948B-1728B52AA6E4}">
-                  <adec:decorative xmlns="" xmlns:adec="http://schemas.microsoft.com/office/drawing/2017/decorative" val="1"/>
+                  <adec:decorative xmlns:adec="http://schemas.microsoft.com/office/drawing/2017/decorative" xmlns="" val="1"/>
                 </a:ext>
               </a:extLst>
             </p:cNvPr>
@@ -31519,7 +31525,7 @@
             <p:nvPr>
               <p:extLst>
                 <p:ext uri="{386F3935-93C4-4BCD-93E2-E3B085C9AB24}">
-                  <p16:designElem xmlns="" xmlns:p16="http://schemas.microsoft.com/office/powerpoint/2015/main" val="1"/>
+                  <p16:designElem xmlns:p16="http://schemas.microsoft.com/office/powerpoint/2015/main" xmlns="" val="1"/>
                 </p:ext>
               </p:extLst>
             </p:nvPr>
@@ -31569,10 +31575,10 @@
             <p:cNvPr id="36" name="Freeform 9">
               <a:extLst>
                 <a:ext uri="{FF2B5EF4-FFF2-40B4-BE49-F238E27FC236}">
-                  <a16:creationId xmlns="" xmlns:a16="http://schemas.microsoft.com/office/drawing/2014/main" id="{A8999CB6-C053-418B-AE37-E470804D251D}"/>
+                  <a16:creationId xmlns:a16="http://schemas.microsoft.com/office/drawing/2014/main" xmlns="" id="{A8999CB6-C053-418B-AE37-E470804D251D}"/>
                 </a:ext>
                 <a:ext uri="{C183D7F6-B498-43B3-948B-1728B52AA6E4}">
-                  <adec:decorative xmlns="" xmlns:adec="http://schemas.microsoft.com/office/drawing/2017/decorative" val="1"/>
+                  <adec:decorative xmlns:adec="http://schemas.microsoft.com/office/drawing/2017/decorative" xmlns="" val="1"/>
                 </a:ext>
               </a:extLst>
             </p:cNvPr>
@@ -31580,7 +31586,7 @@
             <p:nvPr>
               <p:extLst>
                 <p:ext uri="{386F3935-93C4-4BCD-93E2-E3B085C9AB24}">
-                  <p16:designElem xmlns="" xmlns:p16="http://schemas.microsoft.com/office/powerpoint/2015/main" val="1"/>
+                  <p16:designElem xmlns:p16="http://schemas.microsoft.com/office/powerpoint/2015/main" xmlns="" val="1"/>
                 </p:ext>
               </p:extLst>
             </p:nvPr>
@@ -31629,10 +31635,10 @@
             <p:cNvPr id="37" name="Freeform 10">
               <a:extLst>
                 <a:ext uri="{FF2B5EF4-FFF2-40B4-BE49-F238E27FC236}">
-                  <a16:creationId xmlns="" xmlns:a16="http://schemas.microsoft.com/office/drawing/2014/main" id="{81EA3E26-BFCD-4396-AE8A-2A9828BFFBA2}"/>
+                  <a16:creationId xmlns:a16="http://schemas.microsoft.com/office/drawing/2014/main" xmlns="" id="{81EA3E26-BFCD-4396-AE8A-2A9828BFFBA2}"/>
                 </a:ext>
                 <a:ext uri="{C183D7F6-B498-43B3-948B-1728B52AA6E4}">
-                  <adec:decorative xmlns="" xmlns:adec="http://schemas.microsoft.com/office/drawing/2017/decorative" val="1"/>
+                  <adec:decorative xmlns:adec="http://schemas.microsoft.com/office/drawing/2017/decorative" xmlns="" val="1"/>
                 </a:ext>
               </a:extLst>
             </p:cNvPr>
@@ -31640,7 +31646,7 @@
             <p:nvPr>
               <p:extLst>
                 <p:ext uri="{386F3935-93C4-4BCD-93E2-E3B085C9AB24}">
-                  <p16:designElem xmlns="" xmlns:p16="http://schemas.microsoft.com/office/powerpoint/2015/main" val="1"/>
+                  <p16:designElem xmlns:p16="http://schemas.microsoft.com/office/powerpoint/2015/main" xmlns="" val="1"/>
                 </p:ext>
               </p:extLst>
             </p:nvPr>
@@ -31695,10 +31701,10 @@
             <p:cNvPr id="38" name="Freeform 11">
               <a:extLst>
                 <a:ext uri="{FF2B5EF4-FFF2-40B4-BE49-F238E27FC236}">
-                  <a16:creationId xmlns="" xmlns:a16="http://schemas.microsoft.com/office/drawing/2014/main" id="{5F9BC582-73A6-4D8A-8738-E36476489351}"/>
+                  <a16:creationId xmlns:a16="http://schemas.microsoft.com/office/drawing/2014/main" xmlns="" id="{5F9BC582-73A6-4D8A-8738-E36476489351}"/>
                 </a:ext>
                 <a:ext uri="{C183D7F6-B498-43B3-948B-1728B52AA6E4}">
-                  <adec:decorative xmlns="" xmlns:adec="http://schemas.microsoft.com/office/drawing/2017/decorative" val="1"/>
+                  <adec:decorative xmlns:adec="http://schemas.microsoft.com/office/drawing/2017/decorative" xmlns="" val="1"/>
                 </a:ext>
               </a:extLst>
             </p:cNvPr>
@@ -31706,7 +31712,7 @@
             <p:nvPr>
               <p:extLst>
                 <p:ext uri="{386F3935-93C4-4BCD-93E2-E3B085C9AB24}">
-                  <p16:designElem xmlns="" xmlns:p16="http://schemas.microsoft.com/office/powerpoint/2015/main" val="1"/>
+                  <p16:designElem xmlns:p16="http://schemas.microsoft.com/office/powerpoint/2015/main" xmlns="" val="1"/>
                 </p:ext>
               </p:extLst>
             </p:nvPr>
@@ -31775,10 +31781,10 @@
           <p:cNvPr id="40" name="Group 39">
             <a:extLst>
               <a:ext uri="{FF2B5EF4-FFF2-40B4-BE49-F238E27FC236}">
-                <a16:creationId xmlns="" xmlns:a16="http://schemas.microsoft.com/office/drawing/2014/main" id="{A2E861A3-F23C-46B8-A38A-4A22E453D993}"/>
+                <a16:creationId xmlns:a16="http://schemas.microsoft.com/office/drawing/2014/main" xmlns="" id="{A2E861A3-F23C-46B8-A38A-4A22E453D993}"/>
               </a:ext>
               <a:ext uri="{C183D7F6-B498-43B3-948B-1728B52AA6E4}">
-                <adec:decorative xmlns="" xmlns:adec="http://schemas.microsoft.com/office/drawing/2017/decorative" val="1"/>
+                <adec:decorative xmlns:adec="http://schemas.microsoft.com/office/drawing/2017/decorative" xmlns="" val="1"/>
               </a:ext>
             </a:extLst>
           </p:cNvPr>
@@ -31788,7 +31794,7 @@
           <p:nvPr>
             <p:extLst>
               <p:ext uri="{386F3935-93C4-4BCD-93E2-E3B085C9AB24}">
-                <p16:designElem xmlns="" xmlns:p16="http://schemas.microsoft.com/office/powerpoint/2015/main" val="1"/>
+                <p16:designElem xmlns:p16="http://schemas.microsoft.com/office/powerpoint/2015/main" xmlns="" val="1"/>
               </p:ext>
             </p:extLst>
           </p:nvPr>
@@ -31806,10 +31812,10 @@
             <p:cNvPr id="41" name="Freeform 6">
               <a:extLst>
                 <a:ext uri="{FF2B5EF4-FFF2-40B4-BE49-F238E27FC236}">
-                  <a16:creationId xmlns="" xmlns:a16="http://schemas.microsoft.com/office/drawing/2014/main" id="{8BC3D220-643B-4160-B5A9-59DF5D21F410}"/>
+                  <a16:creationId xmlns:a16="http://schemas.microsoft.com/office/drawing/2014/main" xmlns="" id="{8BC3D220-643B-4160-B5A9-59DF5D21F410}"/>
                 </a:ext>
                 <a:ext uri="{C183D7F6-B498-43B3-948B-1728B52AA6E4}">
-                  <adec:decorative xmlns="" xmlns:adec="http://schemas.microsoft.com/office/drawing/2017/decorative" val="1"/>
+                  <adec:decorative xmlns:adec="http://schemas.microsoft.com/office/drawing/2017/decorative" xmlns="" val="1"/>
                 </a:ext>
               </a:extLst>
             </p:cNvPr>
@@ -31817,7 +31823,7 @@
             <p:nvPr>
               <p:extLst>
                 <p:ext uri="{386F3935-93C4-4BCD-93E2-E3B085C9AB24}">
-                  <p16:designElem xmlns="" xmlns:p16="http://schemas.microsoft.com/office/powerpoint/2015/main" val="1"/>
+                  <p16:designElem xmlns:p16="http://schemas.microsoft.com/office/powerpoint/2015/main" xmlns="" val="1"/>
                 </p:ext>
               </p:extLst>
             </p:nvPr>
@@ -31867,10 +31873,10 @@
             <p:cNvPr id="42" name="Freeform 7">
               <a:extLst>
                 <a:ext uri="{FF2B5EF4-FFF2-40B4-BE49-F238E27FC236}">
-                  <a16:creationId xmlns="" xmlns:a16="http://schemas.microsoft.com/office/drawing/2014/main" id="{B92237DE-D518-4625-8392-66D7084588A0}"/>
+                  <a16:creationId xmlns:a16="http://schemas.microsoft.com/office/drawing/2014/main" xmlns="" id="{B92237DE-D518-4625-8392-66D7084588A0}"/>
                 </a:ext>
                 <a:ext uri="{C183D7F6-B498-43B3-948B-1728B52AA6E4}">
-                  <adec:decorative xmlns="" xmlns:adec="http://schemas.microsoft.com/office/drawing/2017/decorative" val="1"/>
+                  <adec:decorative xmlns:adec="http://schemas.microsoft.com/office/drawing/2017/decorative" xmlns="" val="1"/>
                 </a:ext>
               </a:extLst>
             </p:cNvPr>
@@ -31878,7 +31884,7 @@
             <p:nvPr>
               <p:extLst>
                 <p:ext uri="{386F3935-93C4-4BCD-93E2-E3B085C9AB24}">
-                  <p16:designElem xmlns="" xmlns:p16="http://schemas.microsoft.com/office/powerpoint/2015/main" val="1"/>
+                  <p16:designElem xmlns:p16="http://schemas.microsoft.com/office/powerpoint/2015/main" xmlns="" val="1"/>
                 </p:ext>
               </p:extLst>
             </p:nvPr>
@@ -31931,10 +31937,10 @@
             <p:cNvPr id="43" name="Freeform 8">
               <a:extLst>
                 <a:ext uri="{FF2B5EF4-FFF2-40B4-BE49-F238E27FC236}">
-                  <a16:creationId xmlns="" xmlns:a16="http://schemas.microsoft.com/office/drawing/2014/main" id="{F290F0DD-E80A-4263-94E1-A41F57D84CC5}"/>
+                  <a16:creationId xmlns:a16="http://schemas.microsoft.com/office/drawing/2014/main" xmlns="" id="{F290F0DD-E80A-4263-94E1-A41F57D84CC5}"/>
                 </a:ext>
                 <a:ext uri="{C183D7F6-B498-43B3-948B-1728B52AA6E4}">
-                  <adec:decorative xmlns="" xmlns:adec="http://schemas.microsoft.com/office/drawing/2017/decorative" val="1"/>
+                  <adec:decorative xmlns:adec="http://schemas.microsoft.com/office/drawing/2017/decorative" xmlns="" val="1"/>
                 </a:ext>
               </a:extLst>
             </p:cNvPr>
@@ -31942,7 +31948,7 @@
             <p:nvPr>
               <p:extLst>
                 <p:ext uri="{386F3935-93C4-4BCD-93E2-E3B085C9AB24}">
-                  <p16:designElem xmlns="" xmlns:p16="http://schemas.microsoft.com/office/powerpoint/2015/main" val="1"/>
+                  <p16:designElem xmlns:p16="http://schemas.microsoft.com/office/powerpoint/2015/main" xmlns="" val="1"/>
                 </p:ext>
               </p:extLst>
             </p:nvPr>
@@ -31992,10 +31998,10 @@
             <p:cNvPr id="44" name="Freeform 9">
               <a:extLst>
                 <a:ext uri="{FF2B5EF4-FFF2-40B4-BE49-F238E27FC236}">
-                  <a16:creationId xmlns="" xmlns:a16="http://schemas.microsoft.com/office/drawing/2014/main" id="{D78EA7D2-CCEA-435E-873D-36BF0522FFED}"/>
+                  <a16:creationId xmlns:a16="http://schemas.microsoft.com/office/drawing/2014/main" xmlns="" id="{D78EA7D2-CCEA-435E-873D-36BF0522FFED}"/>
                 </a:ext>
                 <a:ext uri="{C183D7F6-B498-43B3-948B-1728B52AA6E4}">
-                  <adec:decorative xmlns="" xmlns:adec="http://schemas.microsoft.com/office/drawing/2017/decorative" val="1"/>
+                  <adec:decorative xmlns:adec="http://schemas.microsoft.com/office/drawing/2017/decorative" xmlns="" val="1"/>
                 </a:ext>
               </a:extLst>
             </p:cNvPr>
@@ -32003,7 +32009,7 @@
             <p:nvPr>
               <p:extLst>
                 <p:ext uri="{386F3935-93C4-4BCD-93E2-E3B085C9AB24}">
-                  <p16:designElem xmlns="" xmlns:p16="http://schemas.microsoft.com/office/powerpoint/2015/main" val="1"/>
+                  <p16:designElem xmlns:p16="http://schemas.microsoft.com/office/powerpoint/2015/main" xmlns="" val="1"/>
                 </p:ext>
               </p:extLst>
             </p:nvPr>
@@ -32052,10 +32058,10 @@
             <p:cNvPr id="45" name="Freeform 10">
               <a:extLst>
                 <a:ext uri="{FF2B5EF4-FFF2-40B4-BE49-F238E27FC236}">
-                  <a16:creationId xmlns="" xmlns:a16="http://schemas.microsoft.com/office/drawing/2014/main" id="{9DFA731E-D6BB-42CC-AA05-64023DC81FE6}"/>
+                  <a16:creationId xmlns:a16="http://schemas.microsoft.com/office/drawing/2014/main" xmlns="" id="{9DFA731E-D6BB-42CC-AA05-64023DC81FE6}"/>
                 </a:ext>
                 <a:ext uri="{C183D7F6-B498-43B3-948B-1728B52AA6E4}">
-                  <adec:decorative xmlns="" xmlns:adec="http://schemas.microsoft.com/office/drawing/2017/decorative" val="1"/>
+                  <adec:decorative xmlns:adec="http://schemas.microsoft.com/office/drawing/2017/decorative" xmlns="" val="1"/>
                 </a:ext>
               </a:extLst>
             </p:cNvPr>
@@ -32063,7 +32069,7 @@
             <p:nvPr>
               <p:extLst>
                 <p:ext uri="{386F3935-93C4-4BCD-93E2-E3B085C9AB24}">
-                  <p16:designElem xmlns="" xmlns:p16="http://schemas.microsoft.com/office/powerpoint/2015/main" val="1"/>
+                  <p16:designElem xmlns:p16="http://schemas.microsoft.com/office/powerpoint/2015/main" xmlns="" val="1"/>
                 </p:ext>
               </p:extLst>
             </p:nvPr>
@@ -32118,10 +32124,10 @@
             <p:cNvPr id="46" name="Freeform 11">
               <a:extLst>
                 <a:ext uri="{FF2B5EF4-FFF2-40B4-BE49-F238E27FC236}">
-                  <a16:creationId xmlns="" xmlns:a16="http://schemas.microsoft.com/office/drawing/2014/main" id="{B00D0483-90FB-4EB4-9770-CA8A310D503B}"/>
+                  <a16:creationId xmlns:a16="http://schemas.microsoft.com/office/drawing/2014/main" xmlns="" id="{B00D0483-90FB-4EB4-9770-CA8A310D503B}"/>
                 </a:ext>
                 <a:ext uri="{C183D7F6-B498-43B3-948B-1728B52AA6E4}">
-                  <adec:decorative xmlns="" xmlns:adec="http://schemas.microsoft.com/office/drawing/2017/decorative" val="1"/>
+                  <adec:decorative xmlns:adec="http://schemas.microsoft.com/office/drawing/2017/decorative" xmlns="" val="1"/>
                 </a:ext>
               </a:extLst>
             </p:cNvPr>
@@ -32129,7 +32135,7 @@
             <p:nvPr>
               <p:extLst>
                 <p:ext uri="{386F3935-93C4-4BCD-93E2-E3B085C9AB24}">
-                  <p16:designElem xmlns="" xmlns:p16="http://schemas.microsoft.com/office/powerpoint/2015/main" val="1"/>
+                  <p16:designElem xmlns:p16="http://schemas.microsoft.com/office/powerpoint/2015/main" xmlns="" val="1"/>
                 </p:ext>
               </p:extLst>
             </p:nvPr>
@@ -32198,7 +32204,7 @@
           <p:cNvPr id="2" name="Title 1">
             <a:extLst>
               <a:ext uri="{FF2B5EF4-FFF2-40B4-BE49-F238E27FC236}">
-                <a16:creationId xmlns="" xmlns:a16="http://schemas.microsoft.com/office/drawing/2014/main" id="{339A428F-DE24-F24B-B03E-D8A9E51064E5}"/>
+                <a16:creationId xmlns:a16="http://schemas.microsoft.com/office/drawing/2014/main" xmlns="" id="{339A428F-DE24-F24B-B03E-D8A9E51064E5}"/>
               </a:ext>
             </a:extLst>
           </p:cNvPr>
@@ -32233,10 +32239,10 @@
           <p:cNvPr id="48" name="Rounded Rectangle 16">
             <a:extLst>
               <a:ext uri="{FF2B5EF4-FFF2-40B4-BE49-F238E27FC236}">
-                <a16:creationId xmlns="" xmlns:a16="http://schemas.microsoft.com/office/drawing/2014/main" id="{DD7EED39-224E-4230-8FD1-B1E1AF6C6E36}"/>
+                <a16:creationId xmlns:a16="http://schemas.microsoft.com/office/drawing/2014/main" xmlns="" id="{DD7EED39-224E-4230-8FD1-B1E1AF6C6E36}"/>
               </a:ext>
               <a:ext uri="{C183D7F6-B498-43B3-948B-1728B52AA6E4}">
-                <adec:decorative xmlns="" xmlns:adec="http://schemas.microsoft.com/office/drawing/2017/decorative" val="1"/>
+                <adec:decorative xmlns:adec="http://schemas.microsoft.com/office/drawing/2017/decorative" xmlns="" val="1"/>
               </a:ext>
             </a:extLst>
           </p:cNvPr>
@@ -32246,7 +32252,7 @@
           <p:nvPr>
             <p:extLst>
               <p:ext uri="{386F3935-93C4-4BCD-93E2-E3B085C9AB24}">
-                <p16:designElem xmlns="" xmlns:p16="http://schemas.microsoft.com/office/powerpoint/2015/main" val="1"/>
+                <p16:designElem xmlns:p16="http://schemas.microsoft.com/office/powerpoint/2015/main" xmlns="" val="1"/>
               </p:ext>
             </p:extLst>
           </p:nvPr>
@@ -32318,7 +32324,7 @@
           <p:cNvPr id="20" name="TextBox 19">
             <a:extLst>
               <a:ext uri="{FF2B5EF4-FFF2-40B4-BE49-F238E27FC236}">
-                <a16:creationId xmlns="" xmlns:a16="http://schemas.microsoft.com/office/drawing/2014/main" id="{0983CF5F-AED5-EA43-B332-EF09D66427D2}"/>
+                <a16:creationId xmlns:a16="http://schemas.microsoft.com/office/drawing/2014/main" xmlns="" id="{0983CF5F-AED5-EA43-B332-EF09D66427D2}"/>
               </a:ext>
             </a:extLst>
           </p:cNvPr>
@@ -32954,10 +32960,10 @@
           <p:cNvPr id="47" name="Group 31">
             <a:extLst>
               <a:ext uri="{FF2B5EF4-FFF2-40B4-BE49-F238E27FC236}">
-                <a16:creationId xmlns="" xmlns:a16="http://schemas.microsoft.com/office/drawing/2014/main" id="{260ACC13-B825-49F3-93DE-C8B8F2FA37A1}"/>
+                <a16:creationId xmlns:a16="http://schemas.microsoft.com/office/drawing/2014/main" xmlns="" id="{260ACC13-B825-49F3-93DE-C8B8F2FA37A1}"/>
               </a:ext>
               <a:ext uri="{C183D7F6-B498-43B3-948B-1728B52AA6E4}">
-                <adec:decorative xmlns="" xmlns:adec="http://schemas.microsoft.com/office/drawing/2017/decorative" val="1"/>
+                <adec:decorative xmlns:adec="http://schemas.microsoft.com/office/drawing/2017/decorative" xmlns="" val="1"/>
               </a:ext>
             </a:extLst>
           </p:cNvPr>
@@ -32967,7 +32973,7 @@
           <p:nvPr>
             <p:extLst>
               <p:ext uri="{386F3935-93C4-4BCD-93E2-E3B085C9AB24}">
-                <p16:designElem xmlns="" xmlns:p16="http://schemas.microsoft.com/office/powerpoint/2015/main" val="1"/>
+                <p16:designElem xmlns:p16="http://schemas.microsoft.com/office/powerpoint/2015/main" xmlns="" val="1"/>
               </p:ext>
             </p:extLst>
           </p:nvPr>
@@ -32985,10 +32991,10 @@
             <p:cNvPr id="33" name="Freeform 6">
               <a:extLst>
                 <a:ext uri="{FF2B5EF4-FFF2-40B4-BE49-F238E27FC236}">
-                  <a16:creationId xmlns="" xmlns:a16="http://schemas.microsoft.com/office/drawing/2014/main" id="{F947B31F-CA03-4793-845D-FD86BABC1A18}"/>
+                  <a16:creationId xmlns:a16="http://schemas.microsoft.com/office/drawing/2014/main" xmlns="" id="{F947B31F-CA03-4793-845D-FD86BABC1A18}"/>
                 </a:ext>
                 <a:ext uri="{C183D7F6-B498-43B3-948B-1728B52AA6E4}">
-                  <adec:decorative xmlns="" xmlns:adec="http://schemas.microsoft.com/office/drawing/2017/decorative" val="1"/>
+                  <adec:decorative xmlns:adec="http://schemas.microsoft.com/office/drawing/2017/decorative" xmlns="" val="1"/>
                 </a:ext>
               </a:extLst>
             </p:cNvPr>
@@ -32996,7 +33002,7 @@
             <p:nvPr>
               <p:extLst>
                 <p:ext uri="{386F3935-93C4-4BCD-93E2-E3B085C9AB24}">
-                  <p16:designElem xmlns="" xmlns:p16="http://schemas.microsoft.com/office/powerpoint/2015/main" val="1"/>
+                  <p16:designElem xmlns:p16="http://schemas.microsoft.com/office/powerpoint/2015/main" xmlns="" val="1"/>
                 </p:ext>
               </p:extLst>
             </p:nvPr>
@@ -33046,10 +33052,10 @@
             <p:cNvPr id="34" name="Freeform 7">
               <a:extLst>
                 <a:ext uri="{FF2B5EF4-FFF2-40B4-BE49-F238E27FC236}">
-                  <a16:creationId xmlns="" xmlns:a16="http://schemas.microsoft.com/office/drawing/2014/main" id="{DCDDE94D-F78C-4A48-AEA6-E922FC99A159}"/>
+                  <a16:creationId xmlns:a16="http://schemas.microsoft.com/office/drawing/2014/main" xmlns="" id="{DCDDE94D-F78C-4A48-AEA6-E922FC99A159}"/>
                 </a:ext>
                 <a:ext uri="{C183D7F6-B498-43B3-948B-1728B52AA6E4}">
-                  <adec:decorative xmlns="" xmlns:adec="http://schemas.microsoft.com/office/drawing/2017/decorative" val="1"/>
+                  <adec:decorative xmlns:adec="http://schemas.microsoft.com/office/drawing/2017/decorative" xmlns="" val="1"/>
                 </a:ext>
               </a:extLst>
             </p:cNvPr>
@@ -33057,7 +33063,7 @@
             <p:nvPr>
               <p:extLst>
                 <p:ext uri="{386F3935-93C4-4BCD-93E2-E3B085C9AB24}">
-                  <p16:designElem xmlns="" xmlns:p16="http://schemas.microsoft.com/office/powerpoint/2015/main" val="1"/>
+                  <p16:designElem xmlns:p16="http://schemas.microsoft.com/office/powerpoint/2015/main" xmlns="" val="1"/>
                 </p:ext>
               </p:extLst>
             </p:nvPr>
@@ -33110,10 +33116,10 @@
             <p:cNvPr id="35" name="Freeform 8">
               <a:extLst>
                 <a:ext uri="{FF2B5EF4-FFF2-40B4-BE49-F238E27FC236}">
-                  <a16:creationId xmlns="" xmlns:a16="http://schemas.microsoft.com/office/drawing/2014/main" id="{3445A886-F3CA-4DE4-90D7-535F9707B799}"/>
+                  <a16:creationId xmlns:a16="http://schemas.microsoft.com/office/drawing/2014/main" xmlns="" id="{3445A886-F3CA-4DE4-90D7-535F9707B799}"/>
                 </a:ext>
                 <a:ext uri="{C183D7F6-B498-43B3-948B-1728B52AA6E4}">
-                  <adec:decorative xmlns="" xmlns:adec="http://schemas.microsoft.com/office/drawing/2017/decorative" val="1"/>
+                  <adec:decorative xmlns:adec="http://schemas.microsoft.com/office/drawing/2017/decorative" xmlns="" val="1"/>
                 </a:ext>
               </a:extLst>
             </p:cNvPr>
@@ -33121,7 +33127,7 @@
             <p:nvPr>
               <p:extLst>
                 <p:ext uri="{386F3935-93C4-4BCD-93E2-E3B085C9AB24}">
-                  <p16:designElem xmlns="" xmlns:p16="http://schemas.microsoft.com/office/powerpoint/2015/main" val="1"/>
+                  <p16:designElem xmlns:p16="http://schemas.microsoft.com/office/powerpoint/2015/main" xmlns="" val="1"/>
                 </p:ext>
               </p:extLst>
             </p:nvPr>
@@ -33171,10 +33177,10 @@
             <p:cNvPr id="36" name="Freeform 9">
               <a:extLst>
                 <a:ext uri="{FF2B5EF4-FFF2-40B4-BE49-F238E27FC236}">
-                  <a16:creationId xmlns="" xmlns:a16="http://schemas.microsoft.com/office/drawing/2014/main" id="{A8999CB6-C053-418B-AE37-E470804D251D}"/>
+                  <a16:creationId xmlns:a16="http://schemas.microsoft.com/office/drawing/2014/main" xmlns="" id="{A8999CB6-C053-418B-AE37-E470804D251D}"/>
                 </a:ext>
                 <a:ext uri="{C183D7F6-B498-43B3-948B-1728B52AA6E4}">
-                  <adec:decorative xmlns="" xmlns:adec="http://schemas.microsoft.com/office/drawing/2017/decorative" val="1"/>
+                  <adec:decorative xmlns:adec="http://schemas.microsoft.com/office/drawing/2017/decorative" xmlns="" val="1"/>
                 </a:ext>
               </a:extLst>
             </p:cNvPr>
@@ -33182,7 +33188,7 @@
             <p:nvPr>
               <p:extLst>
                 <p:ext uri="{386F3935-93C4-4BCD-93E2-E3B085C9AB24}">
-                  <p16:designElem xmlns="" xmlns:p16="http://schemas.microsoft.com/office/powerpoint/2015/main" val="1"/>
+                  <p16:designElem xmlns:p16="http://schemas.microsoft.com/office/powerpoint/2015/main" xmlns="" val="1"/>
                 </p:ext>
               </p:extLst>
             </p:nvPr>
@@ -33231,10 +33237,10 @@
             <p:cNvPr id="37" name="Freeform 10">
               <a:extLst>
                 <a:ext uri="{FF2B5EF4-FFF2-40B4-BE49-F238E27FC236}">
-                  <a16:creationId xmlns="" xmlns:a16="http://schemas.microsoft.com/office/drawing/2014/main" id="{81EA3E26-BFCD-4396-AE8A-2A9828BFFBA2}"/>
+                  <a16:creationId xmlns:a16="http://schemas.microsoft.com/office/drawing/2014/main" xmlns="" id="{81EA3E26-BFCD-4396-AE8A-2A9828BFFBA2}"/>
                 </a:ext>
                 <a:ext uri="{C183D7F6-B498-43B3-948B-1728B52AA6E4}">
-                  <adec:decorative xmlns="" xmlns:adec="http://schemas.microsoft.com/office/drawing/2017/decorative" val="1"/>
+                  <adec:decorative xmlns:adec="http://schemas.microsoft.com/office/drawing/2017/decorative" xmlns="" val="1"/>
                 </a:ext>
               </a:extLst>
             </p:cNvPr>
@@ -33242,7 +33248,7 @@
             <p:nvPr>
               <p:extLst>
                 <p:ext uri="{386F3935-93C4-4BCD-93E2-E3B085C9AB24}">
-                  <p16:designElem xmlns="" xmlns:p16="http://schemas.microsoft.com/office/powerpoint/2015/main" val="1"/>
+                  <p16:designElem xmlns:p16="http://schemas.microsoft.com/office/powerpoint/2015/main" xmlns="" val="1"/>
                 </p:ext>
               </p:extLst>
             </p:nvPr>
@@ -33297,10 +33303,10 @@
             <p:cNvPr id="38" name="Freeform 11">
               <a:extLst>
                 <a:ext uri="{FF2B5EF4-FFF2-40B4-BE49-F238E27FC236}">
-                  <a16:creationId xmlns="" xmlns:a16="http://schemas.microsoft.com/office/drawing/2014/main" id="{5F9BC582-73A6-4D8A-8738-E36476489351}"/>
+                  <a16:creationId xmlns:a16="http://schemas.microsoft.com/office/drawing/2014/main" xmlns="" id="{5F9BC582-73A6-4D8A-8738-E36476489351}"/>
                 </a:ext>
                 <a:ext uri="{C183D7F6-B498-43B3-948B-1728B52AA6E4}">
-                  <adec:decorative xmlns="" xmlns:adec="http://schemas.microsoft.com/office/drawing/2017/decorative" val="1"/>
+                  <adec:decorative xmlns:adec="http://schemas.microsoft.com/office/drawing/2017/decorative" xmlns="" val="1"/>
                 </a:ext>
               </a:extLst>
             </p:cNvPr>
@@ -33308,7 +33314,7 @@
             <p:nvPr>
               <p:extLst>
                 <p:ext uri="{386F3935-93C4-4BCD-93E2-E3B085C9AB24}">
-                  <p16:designElem xmlns="" xmlns:p16="http://schemas.microsoft.com/office/powerpoint/2015/main" val="1"/>
+                  <p16:designElem xmlns:p16="http://schemas.microsoft.com/office/powerpoint/2015/main" xmlns="" val="1"/>
                 </p:ext>
               </p:extLst>
             </p:nvPr>
@@ -33377,10 +33383,10 @@
           <p:cNvPr id="40" name="Group 39">
             <a:extLst>
               <a:ext uri="{FF2B5EF4-FFF2-40B4-BE49-F238E27FC236}">
-                <a16:creationId xmlns="" xmlns:a16="http://schemas.microsoft.com/office/drawing/2014/main" id="{A2E861A3-F23C-46B8-A38A-4A22E453D993}"/>
+                <a16:creationId xmlns:a16="http://schemas.microsoft.com/office/drawing/2014/main" xmlns="" id="{A2E861A3-F23C-46B8-A38A-4A22E453D993}"/>
               </a:ext>
               <a:ext uri="{C183D7F6-B498-43B3-948B-1728B52AA6E4}">
-                <adec:decorative xmlns="" xmlns:adec="http://schemas.microsoft.com/office/drawing/2017/decorative" val="1"/>
+                <adec:decorative xmlns:adec="http://schemas.microsoft.com/office/drawing/2017/decorative" xmlns="" val="1"/>
               </a:ext>
             </a:extLst>
           </p:cNvPr>
@@ -33390,7 +33396,7 @@
           <p:nvPr>
             <p:extLst>
               <p:ext uri="{386F3935-93C4-4BCD-93E2-E3B085C9AB24}">
-                <p16:designElem xmlns="" xmlns:p16="http://schemas.microsoft.com/office/powerpoint/2015/main" val="1"/>
+                <p16:designElem xmlns:p16="http://schemas.microsoft.com/office/powerpoint/2015/main" xmlns="" val="1"/>
               </p:ext>
             </p:extLst>
           </p:nvPr>
@@ -33408,10 +33414,10 @@
             <p:cNvPr id="41" name="Freeform 6">
               <a:extLst>
                 <a:ext uri="{FF2B5EF4-FFF2-40B4-BE49-F238E27FC236}">
-                  <a16:creationId xmlns="" xmlns:a16="http://schemas.microsoft.com/office/drawing/2014/main" id="{8BC3D220-643B-4160-B5A9-59DF5D21F410}"/>
+                  <a16:creationId xmlns:a16="http://schemas.microsoft.com/office/drawing/2014/main" xmlns="" id="{8BC3D220-643B-4160-B5A9-59DF5D21F410}"/>
                 </a:ext>
                 <a:ext uri="{C183D7F6-B498-43B3-948B-1728B52AA6E4}">
-                  <adec:decorative xmlns="" xmlns:adec="http://schemas.microsoft.com/office/drawing/2017/decorative" val="1"/>
+                  <adec:decorative xmlns:adec="http://schemas.microsoft.com/office/drawing/2017/decorative" xmlns="" val="1"/>
                 </a:ext>
               </a:extLst>
             </p:cNvPr>
@@ -33419,7 +33425,7 @@
             <p:nvPr>
               <p:extLst>
                 <p:ext uri="{386F3935-93C4-4BCD-93E2-E3B085C9AB24}">
-                  <p16:designElem xmlns="" xmlns:p16="http://schemas.microsoft.com/office/powerpoint/2015/main" val="1"/>
+                  <p16:designElem xmlns:p16="http://schemas.microsoft.com/office/powerpoint/2015/main" xmlns="" val="1"/>
                 </p:ext>
               </p:extLst>
             </p:nvPr>
@@ -33469,10 +33475,10 @@
             <p:cNvPr id="42" name="Freeform 7">
               <a:extLst>
                 <a:ext uri="{FF2B5EF4-FFF2-40B4-BE49-F238E27FC236}">
-                  <a16:creationId xmlns="" xmlns:a16="http://schemas.microsoft.com/office/drawing/2014/main" id="{B92237DE-D518-4625-8392-66D7084588A0}"/>
+                  <a16:creationId xmlns:a16="http://schemas.microsoft.com/office/drawing/2014/main" xmlns="" id="{B92237DE-D518-4625-8392-66D7084588A0}"/>
                 </a:ext>
                 <a:ext uri="{C183D7F6-B498-43B3-948B-1728B52AA6E4}">
-                  <adec:decorative xmlns="" xmlns:adec="http://schemas.microsoft.com/office/drawing/2017/decorative" val="1"/>
+                  <adec:decorative xmlns:adec="http://schemas.microsoft.com/office/drawing/2017/decorative" xmlns="" val="1"/>
                 </a:ext>
               </a:extLst>
             </p:cNvPr>
@@ -33480,7 +33486,7 @@
             <p:nvPr>
               <p:extLst>
                 <p:ext uri="{386F3935-93C4-4BCD-93E2-E3B085C9AB24}">
-                  <p16:designElem xmlns="" xmlns:p16="http://schemas.microsoft.com/office/powerpoint/2015/main" val="1"/>
+                  <p16:designElem xmlns:p16="http://schemas.microsoft.com/office/powerpoint/2015/main" xmlns="" val="1"/>
                 </p:ext>
               </p:extLst>
             </p:nvPr>
@@ -33533,10 +33539,10 @@
             <p:cNvPr id="43" name="Freeform 8">
               <a:extLst>
                 <a:ext uri="{FF2B5EF4-FFF2-40B4-BE49-F238E27FC236}">
-                  <a16:creationId xmlns="" xmlns:a16="http://schemas.microsoft.com/office/drawing/2014/main" id="{F290F0DD-E80A-4263-94E1-A41F57D84CC5}"/>
+                  <a16:creationId xmlns:a16="http://schemas.microsoft.com/office/drawing/2014/main" xmlns="" id="{F290F0DD-E80A-4263-94E1-A41F57D84CC5}"/>
                 </a:ext>
                 <a:ext uri="{C183D7F6-B498-43B3-948B-1728B52AA6E4}">
-                  <adec:decorative xmlns="" xmlns:adec="http://schemas.microsoft.com/office/drawing/2017/decorative" val="1"/>
+                  <adec:decorative xmlns:adec="http://schemas.microsoft.com/office/drawing/2017/decorative" xmlns="" val="1"/>
                 </a:ext>
               </a:extLst>
             </p:cNvPr>
@@ -33544,7 +33550,7 @@
             <p:nvPr>
               <p:extLst>
                 <p:ext uri="{386F3935-93C4-4BCD-93E2-E3B085C9AB24}">
-                  <p16:designElem xmlns="" xmlns:p16="http://schemas.microsoft.com/office/powerpoint/2015/main" val="1"/>
+                  <p16:designElem xmlns:p16="http://schemas.microsoft.com/office/powerpoint/2015/main" xmlns="" val="1"/>
                 </p:ext>
               </p:extLst>
             </p:nvPr>
@@ -33594,10 +33600,10 @@
             <p:cNvPr id="44" name="Freeform 9">
               <a:extLst>
                 <a:ext uri="{FF2B5EF4-FFF2-40B4-BE49-F238E27FC236}">
-                  <a16:creationId xmlns="" xmlns:a16="http://schemas.microsoft.com/office/drawing/2014/main" id="{D78EA7D2-CCEA-435E-873D-36BF0522FFED}"/>
+                  <a16:creationId xmlns:a16="http://schemas.microsoft.com/office/drawing/2014/main" xmlns="" id="{D78EA7D2-CCEA-435E-873D-36BF0522FFED}"/>
                 </a:ext>
                 <a:ext uri="{C183D7F6-B498-43B3-948B-1728B52AA6E4}">
-                  <adec:decorative xmlns="" xmlns:adec="http://schemas.microsoft.com/office/drawing/2017/decorative" val="1"/>
+                  <adec:decorative xmlns:adec="http://schemas.microsoft.com/office/drawing/2017/decorative" xmlns="" val="1"/>
                 </a:ext>
               </a:extLst>
             </p:cNvPr>
@@ -33605,7 +33611,7 @@
             <p:nvPr>
               <p:extLst>
                 <p:ext uri="{386F3935-93C4-4BCD-93E2-E3B085C9AB24}">
-                  <p16:designElem xmlns="" xmlns:p16="http://schemas.microsoft.com/office/powerpoint/2015/main" val="1"/>
+                  <p16:designElem xmlns:p16="http://schemas.microsoft.com/office/powerpoint/2015/main" xmlns="" val="1"/>
                 </p:ext>
               </p:extLst>
             </p:nvPr>
@@ -33654,10 +33660,10 @@
             <p:cNvPr id="45" name="Freeform 10">
               <a:extLst>
                 <a:ext uri="{FF2B5EF4-FFF2-40B4-BE49-F238E27FC236}">
-                  <a16:creationId xmlns="" xmlns:a16="http://schemas.microsoft.com/office/drawing/2014/main" id="{9DFA731E-D6BB-42CC-AA05-64023DC81FE6}"/>
+                  <a16:creationId xmlns:a16="http://schemas.microsoft.com/office/drawing/2014/main" xmlns="" id="{9DFA731E-D6BB-42CC-AA05-64023DC81FE6}"/>
                 </a:ext>
                 <a:ext uri="{C183D7F6-B498-43B3-948B-1728B52AA6E4}">
-                  <adec:decorative xmlns="" xmlns:adec="http://schemas.microsoft.com/office/drawing/2017/decorative" val="1"/>
+                  <adec:decorative xmlns:adec="http://schemas.microsoft.com/office/drawing/2017/decorative" xmlns="" val="1"/>
                 </a:ext>
               </a:extLst>
             </p:cNvPr>
@@ -33665,7 +33671,7 @@
             <p:nvPr>
               <p:extLst>
                 <p:ext uri="{386F3935-93C4-4BCD-93E2-E3B085C9AB24}">
-                  <p16:designElem xmlns="" xmlns:p16="http://schemas.microsoft.com/office/powerpoint/2015/main" val="1"/>
+                  <p16:designElem xmlns:p16="http://schemas.microsoft.com/office/powerpoint/2015/main" xmlns="" val="1"/>
                 </p:ext>
               </p:extLst>
             </p:nvPr>
@@ -33720,10 +33726,10 @@
             <p:cNvPr id="46" name="Freeform 11">
               <a:extLst>
                 <a:ext uri="{FF2B5EF4-FFF2-40B4-BE49-F238E27FC236}">
-                  <a16:creationId xmlns="" xmlns:a16="http://schemas.microsoft.com/office/drawing/2014/main" id="{B00D0483-90FB-4EB4-9770-CA8A310D503B}"/>
+                  <a16:creationId xmlns:a16="http://schemas.microsoft.com/office/drawing/2014/main" xmlns="" id="{B00D0483-90FB-4EB4-9770-CA8A310D503B}"/>
                 </a:ext>
                 <a:ext uri="{C183D7F6-B498-43B3-948B-1728B52AA6E4}">
-                  <adec:decorative xmlns="" xmlns:adec="http://schemas.microsoft.com/office/drawing/2017/decorative" val="1"/>
+                  <adec:decorative xmlns:adec="http://schemas.microsoft.com/office/drawing/2017/decorative" xmlns="" val="1"/>
                 </a:ext>
               </a:extLst>
             </p:cNvPr>
@@ -33731,7 +33737,7 @@
             <p:nvPr>
               <p:extLst>
                 <p:ext uri="{386F3935-93C4-4BCD-93E2-E3B085C9AB24}">
-                  <p16:designElem xmlns="" xmlns:p16="http://schemas.microsoft.com/office/powerpoint/2015/main" val="1"/>
+                  <p16:designElem xmlns:p16="http://schemas.microsoft.com/office/powerpoint/2015/main" xmlns="" val="1"/>
                 </p:ext>
               </p:extLst>
             </p:nvPr>
@@ -33800,7 +33806,7 @@
           <p:cNvPr id="2" name="Title 1">
             <a:extLst>
               <a:ext uri="{FF2B5EF4-FFF2-40B4-BE49-F238E27FC236}">
-                <a16:creationId xmlns="" xmlns:a16="http://schemas.microsoft.com/office/drawing/2014/main" id="{339A428F-DE24-F24B-B03E-D8A9E51064E5}"/>
+                <a16:creationId xmlns:a16="http://schemas.microsoft.com/office/drawing/2014/main" xmlns="" id="{339A428F-DE24-F24B-B03E-D8A9E51064E5}"/>
               </a:ext>
             </a:extLst>
           </p:cNvPr>
@@ -33840,10 +33846,10 @@
           <p:cNvPr id="48" name="Rounded Rectangle 16">
             <a:extLst>
               <a:ext uri="{FF2B5EF4-FFF2-40B4-BE49-F238E27FC236}">
-                <a16:creationId xmlns="" xmlns:a16="http://schemas.microsoft.com/office/drawing/2014/main" id="{DD7EED39-224E-4230-8FD1-B1E1AF6C6E36}"/>
+                <a16:creationId xmlns:a16="http://schemas.microsoft.com/office/drawing/2014/main" xmlns="" id="{DD7EED39-224E-4230-8FD1-B1E1AF6C6E36}"/>
               </a:ext>
               <a:ext uri="{C183D7F6-B498-43B3-948B-1728B52AA6E4}">
-                <adec:decorative xmlns="" xmlns:adec="http://schemas.microsoft.com/office/drawing/2017/decorative" val="1"/>
+                <adec:decorative xmlns:adec="http://schemas.microsoft.com/office/drawing/2017/decorative" xmlns="" val="1"/>
               </a:ext>
             </a:extLst>
           </p:cNvPr>
@@ -33853,7 +33859,7 @@
           <p:nvPr>
             <p:extLst>
               <p:ext uri="{386F3935-93C4-4BCD-93E2-E3B085C9AB24}">
-                <p16:designElem xmlns="" xmlns:p16="http://schemas.microsoft.com/office/powerpoint/2015/main" val="1"/>
+                <p16:designElem xmlns:p16="http://schemas.microsoft.com/office/powerpoint/2015/main" xmlns="" val="1"/>
               </p:ext>
             </p:extLst>
           </p:nvPr>
@@ -33925,7 +33931,7 @@
           <p:cNvPr id="20" name="TextBox 19">
             <a:extLst>
               <a:ext uri="{FF2B5EF4-FFF2-40B4-BE49-F238E27FC236}">
-                <a16:creationId xmlns="" xmlns:a16="http://schemas.microsoft.com/office/drawing/2014/main" id="{0983CF5F-AED5-EA43-B332-EF09D66427D2}"/>
+                <a16:creationId xmlns:a16="http://schemas.microsoft.com/office/drawing/2014/main" xmlns="" id="{0983CF5F-AED5-EA43-B332-EF09D66427D2}"/>
               </a:ext>
             </a:extLst>
           </p:cNvPr>
@@ -34260,10 +34266,10 @@
           <p:cNvPr id="47" name="Group 31">
             <a:extLst>
               <a:ext uri="{FF2B5EF4-FFF2-40B4-BE49-F238E27FC236}">
-                <a16:creationId xmlns="" xmlns:a16="http://schemas.microsoft.com/office/drawing/2014/main" id="{260ACC13-B825-49F3-93DE-C8B8F2FA37A1}"/>
+                <a16:creationId xmlns:a16="http://schemas.microsoft.com/office/drawing/2014/main" xmlns="" id="{260ACC13-B825-49F3-93DE-C8B8F2FA37A1}"/>
               </a:ext>
               <a:ext uri="{C183D7F6-B498-43B3-948B-1728B52AA6E4}">
-                <adec:decorative xmlns="" xmlns:adec="http://schemas.microsoft.com/office/drawing/2017/decorative" val="1"/>
+                <adec:decorative xmlns:adec="http://schemas.microsoft.com/office/drawing/2017/decorative" xmlns="" val="1"/>
               </a:ext>
             </a:extLst>
           </p:cNvPr>
@@ -34273,7 +34279,7 @@
           <p:nvPr>
             <p:extLst>
               <p:ext uri="{386F3935-93C4-4BCD-93E2-E3B085C9AB24}">
-                <p16:designElem xmlns="" xmlns:p16="http://schemas.microsoft.com/office/powerpoint/2015/main" val="1"/>
+                <p16:designElem xmlns:p16="http://schemas.microsoft.com/office/powerpoint/2015/main" xmlns="" val="1"/>
               </p:ext>
             </p:extLst>
           </p:nvPr>
@@ -34291,10 +34297,10 @@
             <p:cNvPr id="33" name="Freeform 6">
               <a:extLst>
                 <a:ext uri="{FF2B5EF4-FFF2-40B4-BE49-F238E27FC236}">
-                  <a16:creationId xmlns="" xmlns:a16="http://schemas.microsoft.com/office/drawing/2014/main" id="{F947B31F-CA03-4793-845D-FD86BABC1A18}"/>
+                  <a16:creationId xmlns:a16="http://schemas.microsoft.com/office/drawing/2014/main" xmlns="" id="{F947B31F-CA03-4793-845D-FD86BABC1A18}"/>
                 </a:ext>
                 <a:ext uri="{C183D7F6-B498-43B3-948B-1728B52AA6E4}">
-                  <adec:decorative xmlns="" xmlns:adec="http://schemas.microsoft.com/office/drawing/2017/decorative" val="1"/>
+                  <adec:decorative xmlns:adec="http://schemas.microsoft.com/office/drawing/2017/decorative" xmlns="" val="1"/>
                 </a:ext>
               </a:extLst>
             </p:cNvPr>
@@ -34302,7 +34308,7 @@
             <p:nvPr>
               <p:extLst>
                 <p:ext uri="{386F3935-93C4-4BCD-93E2-E3B085C9AB24}">
-                  <p16:designElem xmlns="" xmlns:p16="http://schemas.microsoft.com/office/powerpoint/2015/main" val="1"/>
+                  <p16:designElem xmlns:p16="http://schemas.microsoft.com/office/powerpoint/2015/main" xmlns="" val="1"/>
                 </p:ext>
               </p:extLst>
             </p:nvPr>
@@ -34352,10 +34358,10 @@
             <p:cNvPr id="34" name="Freeform 7">
               <a:extLst>
                 <a:ext uri="{FF2B5EF4-FFF2-40B4-BE49-F238E27FC236}">
-                  <a16:creationId xmlns="" xmlns:a16="http://schemas.microsoft.com/office/drawing/2014/main" id="{DCDDE94D-F78C-4A48-AEA6-E922FC99A159}"/>
+                  <a16:creationId xmlns:a16="http://schemas.microsoft.com/office/drawing/2014/main" xmlns="" id="{DCDDE94D-F78C-4A48-AEA6-E922FC99A159}"/>
                 </a:ext>
                 <a:ext uri="{C183D7F6-B498-43B3-948B-1728B52AA6E4}">
-                  <adec:decorative xmlns="" xmlns:adec="http://schemas.microsoft.com/office/drawing/2017/decorative" val="1"/>
+                  <adec:decorative xmlns:adec="http://schemas.microsoft.com/office/drawing/2017/decorative" xmlns="" val="1"/>
                 </a:ext>
               </a:extLst>
             </p:cNvPr>
@@ -34363,7 +34369,7 @@
             <p:nvPr>
               <p:extLst>
                 <p:ext uri="{386F3935-93C4-4BCD-93E2-E3B085C9AB24}">
-                  <p16:designElem xmlns="" xmlns:p16="http://schemas.microsoft.com/office/powerpoint/2015/main" val="1"/>
+                  <p16:designElem xmlns:p16="http://schemas.microsoft.com/office/powerpoint/2015/main" xmlns="" val="1"/>
                 </p:ext>
               </p:extLst>
             </p:nvPr>
@@ -34416,10 +34422,10 @@
             <p:cNvPr id="35" name="Freeform 8">
               <a:extLst>
                 <a:ext uri="{FF2B5EF4-FFF2-40B4-BE49-F238E27FC236}">
-                  <a16:creationId xmlns="" xmlns:a16="http://schemas.microsoft.com/office/drawing/2014/main" id="{3445A886-F3CA-4DE4-90D7-535F9707B799}"/>
+                  <a16:creationId xmlns:a16="http://schemas.microsoft.com/office/drawing/2014/main" xmlns="" id="{3445A886-F3CA-4DE4-90D7-535F9707B799}"/>
                 </a:ext>
                 <a:ext uri="{C183D7F6-B498-43B3-948B-1728B52AA6E4}">
-                  <adec:decorative xmlns="" xmlns:adec="http://schemas.microsoft.com/office/drawing/2017/decorative" val="1"/>
+                  <adec:decorative xmlns:adec="http://schemas.microsoft.com/office/drawing/2017/decorative" xmlns="" val="1"/>
                 </a:ext>
               </a:extLst>
             </p:cNvPr>
@@ -34427,7 +34433,7 @@
             <p:nvPr>
               <p:extLst>
                 <p:ext uri="{386F3935-93C4-4BCD-93E2-E3B085C9AB24}">
-                  <p16:designElem xmlns="" xmlns:p16="http://schemas.microsoft.com/office/powerpoint/2015/main" val="1"/>
+                  <p16:designElem xmlns:p16="http://schemas.microsoft.com/office/powerpoint/2015/main" xmlns="" val="1"/>
                 </p:ext>
               </p:extLst>
             </p:nvPr>
@@ -34477,10 +34483,10 @@
             <p:cNvPr id="36" name="Freeform 9">
               <a:extLst>
                 <a:ext uri="{FF2B5EF4-FFF2-40B4-BE49-F238E27FC236}">
-                  <a16:creationId xmlns="" xmlns:a16="http://schemas.microsoft.com/office/drawing/2014/main" id="{A8999CB6-C053-418B-AE37-E470804D251D}"/>
+                  <a16:creationId xmlns:a16="http://schemas.microsoft.com/office/drawing/2014/main" xmlns="" id="{A8999CB6-C053-418B-AE37-E470804D251D}"/>
                 </a:ext>
                 <a:ext uri="{C183D7F6-B498-43B3-948B-1728B52AA6E4}">
-                  <adec:decorative xmlns="" xmlns:adec="http://schemas.microsoft.com/office/drawing/2017/decorative" val="1"/>
+                  <adec:decorative xmlns:adec="http://schemas.microsoft.com/office/drawing/2017/decorative" xmlns="" val="1"/>
                 </a:ext>
               </a:extLst>
             </p:cNvPr>
@@ -34488,7 +34494,7 @@
             <p:nvPr>
               <p:extLst>
                 <p:ext uri="{386F3935-93C4-4BCD-93E2-E3B085C9AB24}">
-                  <p16:designElem xmlns="" xmlns:p16="http://schemas.microsoft.com/office/powerpoint/2015/main" val="1"/>
+                  <p16:designElem xmlns:p16="http://schemas.microsoft.com/office/powerpoint/2015/main" xmlns="" val="1"/>
                 </p:ext>
               </p:extLst>
             </p:nvPr>
@@ -34537,10 +34543,10 @@
             <p:cNvPr id="37" name="Freeform 10">
               <a:extLst>
                 <a:ext uri="{FF2B5EF4-FFF2-40B4-BE49-F238E27FC236}">
-                  <a16:creationId xmlns="" xmlns:a16="http://schemas.microsoft.com/office/drawing/2014/main" id="{81EA3E26-BFCD-4396-AE8A-2A9828BFFBA2}"/>
+                  <a16:creationId xmlns:a16="http://schemas.microsoft.com/office/drawing/2014/main" xmlns="" id="{81EA3E26-BFCD-4396-AE8A-2A9828BFFBA2}"/>
                 </a:ext>
                 <a:ext uri="{C183D7F6-B498-43B3-948B-1728B52AA6E4}">
-                  <adec:decorative xmlns="" xmlns:adec="http://schemas.microsoft.com/office/drawing/2017/decorative" val="1"/>
+                  <adec:decorative xmlns:adec="http://schemas.microsoft.com/office/drawing/2017/decorative" xmlns="" val="1"/>
                 </a:ext>
               </a:extLst>
             </p:cNvPr>
@@ -34548,7 +34554,7 @@
             <p:nvPr>
               <p:extLst>
                 <p:ext uri="{386F3935-93C4-4BCD-93E2-E3B085C9AB24}">
-                  <p16:designElem xmlns="" xmlns:p16="http://schemas.microsoft.com/office/powerpoint/2015/main" val="1"/>
+                  <p16:designElem xmlns:p16="http://schemas.microsoft.com/office/powerpoint/2015/main" xmlns="" val="1"/>
                 </p:ext>
               </p:extLst>
             </p:nvPr>
@@ -34603,10 +34609,10 @@
             <p:cNvPr id="38" name="Freeform 11">
               <a:extLst>
                 <a:ext uri="{FF2B5EF4-FFF2-40B4-BE49-F238E27FC236}">
-                  <a16:creationId xmlns="" xmlns:a16="http://schemas.microsoft.com/office/drawing/2014/main" id="{5F9BC582-73A6-4D8A-8738-E36476489351}"/>
+                  <a16:creationId xmlns:a16="http://schemas.microsoft.com/office/drawing/2014/main" xmlns="" id="{5F9BC582-73A6-4D8A-8738-E36476489351}"/>
                 </a:ext>
                 <a:ext uri="{C183D7F6-B498-43B3-948B-1728B52AA6E4}">
-                  <adec:decorative xmlns="" xmlns:adec="http://schemas.microsoft.com/office/drawing/2017/decorative" val="1"/>
+                  <adec:decorative xmlns:adec="http://schemas.microsoft.com/office/drawing/2017/decorative" xmlns="" val="1"/>
                 </a:ext>
               </a:extLst>
             </p:cNvPr>
@@ -34614,7 +34620,7 @@
             <p:nvPr>
               <p:extLst>
                 <p:ext uri="{386F3935-93C4-4BCD-93E2-E3B085C9AB24}">
-                  <p16:designElem xmlns="" xmlns:p16="http://schemas.microsoft.com/office/powerpoint/2015/main" val="1"/>
+                  <p16:designElem xmlns:p16="http://schemas.microsoft.com/office/powerpoint/2015/main" xmlns="" val="1"/>
                 </p:ext>
               </p:extLst>
             </p:nvPr>
@@ -34683,10 +34689,10 @@
           <p:cNvPr id="40" name="Group 39">
             <a:extLst>
               <a:ext uri="{FF2B5EF4-FFF2-40B4-BE49-F238E27FC236}">
-                <a16:creationId xmlns="" xmlns:a16="http://schemas.microsoft.com/office/drawing/2014/main" id="{A2E861A3-F23C-46B8-A38A-4A22E453D993}"/>
+                <a16:creationId xmlns:a16="http://schemas.microsoft.com/office/drawing/2014/main" xmlns="" id="{A2E861A3-F23C-46B8-A38A-4A22E453D993}"/>
               </a:ext>
               <a:ext uri="{C183D7F6-B498-43B3-948B-1728B52AA6E4}">
-                <adec:decorative xmlns="" xmlns:adec="http://schemas.microsoft.com/office/drawing/2017/decorative" val="1"/>
+                <adec:decorative xmlns:adec="http://schemas.microsoft.com/office/drawing/2017/decorative" xmlns="" val="1"/>
               </a:ext>
             </a:extLst>
           </p:cNvPr>
@@ -34696,7 +34702,7 @@
           <p:nvPr>
             <p:extLst>
               <p:ext uri="{386F3935-93C4-4BCD-93E2-E3B085C9AB24}">
-                <p16:designElem xmlns="" xmlns:p16="http://schemas.microsoft.com/office/powerpoint/2015/main" val="1"/>
+                <p16:designElem xmlns:p16="http://schemas.microsoft.com/office/powerpoint/2015/main" xmlns="" val="1"/>
               </p:ext>
             </p:extLst>
           </p:nvPr>
@@ -34714,10 +34720,10 @@
             <p:cNvPr id="41" name="Freeform 6">
               <a:extLst>
                 <a:ext uri="{FF2B5EF4-FFF2-40B4-BE49-F238E27FC236}">
-                  <a16:creationId xmlns="" xmlns:a16="http://schemas.microsoft.com/office/drawing/2014/main" id="{8BC3D220-643B-4160-B5A9-59DF5D21F410}"/>
+                  <a16:creationId xmlns:a16="http://schemas.microsoft.com/office/drawing/2014/main" xmlns="" id="{8BC3D220-643B-4160-B5A9-59DF5D21F410}"/>
                 </a:ext>
                 <a:ext uri="{C183D7F6-B498-43B3-948B-1728B52AA6E4}">
-                  <adec:decorative xmlns="" xmlns:adec="http://schemas.microsoft.com/office/drawing/2017/decorative" val="1"/>
+                  <adec:decorative xmlns:adec="http://schemas.microsoft.com/office/drawing/2017/decorative" xmlns="" val="1"/>
                 </a:ext>
               </a:extLst>
             </p:cNvPr>
@@ -34725,7 +34731,7 @@
             <p:nvPr>
               <p:extLst>
                 <p:ext uri="{386F3935-93C4-4BCD-93E2-E3B085C9AB24}">
-                  <p16:designElem xmlns="" xmlns:p16="http://schemas.microsoft.com/office/powerpoint/2015/main" val="1"/>
+                  <p16:designElem xmlns:p16="http://schemas.microsoft.com/office/powerpoint/2015/main" xmlns="" val="1"/>
                 </p:ext>
               </p:extLst>
             </p:nvPr>
@@ -34775,10 +34781,10 @@
             <p:cNvPr id="42" name="Freeform 7">
               <a:extLst>
                 <a:ext uri="{FF2B5EF4-FFF2-40B4-BE49-F238E27FC236}">
-                  <a16:creationId xmlns="" xmlns:a16="http://schemas.microsoft.com/office/drawing/2014/main" id="{B92237DE-D518-4625-8392-66D7084588A0}"/>
+                  <a16:creationId xmlns:a16="http://schemas.microsoft.com/office/drawing/2014/main" xmlns="" id="{B92237DE-D518-4625-8392-66D7084588A0}"/>
                 </a:ext>
                 <a:ext uri="{C183D7F6-B498-43B3-948B-1728B52AA6E4}">
-                  <adec:decorative xmlns="" xmlns:adec="http://schemas.microsoft.com/office/drawing/2017/decorative" val="1"/>
+                  <adec:decorative xmlns:adec="http://schemas.microsoft.com/office/drawing/2017/decorative" xmlns="" val="1"/>
                 </a:ext>
               </a:extLst>
             </p:cNvPr>
@@ -34786,7 +34792,7 @@
             <p:nvPr>
               <p:extLst>
                 <p:ext uri="{386F3935-93C4-4BCD-93E2-E3B085C9AB24}">
-                  <p16:designElem xmlns="" xmlns:p16="http://schemas.microsoft.com/office/powerpoint/2015/main" val="1"/>
+                  <p16:designElem xmlns:p16="http://schemas.microsoft.com/office/powerpoint/2015/main" xmlns="" val="1"/>
                 </p:ext>
               </p:extLst>
             </p:nvPr>
@@ -34839,10 +34845,10 @@
             <p:cNvPr id="43" name="Freeform 8">
               <a:extLst>
                 <a:ext uri="{FF2B5EF4-FFF2-40B4-BE49-F238E27FC236}">
-                  <a16:creationId xmlns="" xmlns:a16="http://schemas.microsoft.com/office/drawing/2014/main" id="{F290F0DD-E80A-4263-94E1-A41F57D84CC5}"/>
+                  <a16:creationId xmlns:a16="http://schemas.microsoft.com/office/drawing/2014/main" xmlns="" id="{F290F0DD-E80A-4263-94E1-A41F57D84CC5}"/>
                 </a:ext>
                 <a:ext uri="{C183D7F6-B498-43B3-948B-1728B52AA6E4}">
-                  <adec:decorative xmlns="" xmlns:adec="http://schemas.microsoft.com/office/drawing/2017/decorative" val="1"/>
+                  <adec:decorative xmlns:adec="http://schemas.microsoft.com/office/drawing/2017/decorative" xmlns="" val="1"/>
                 </a:ext>
               </a:extLst>
             </p:cNvPr>
@@ -34850,7 +34856,7 @@
             <p:nvPr>
               <p:extLst>
                 <p:ext uri="{386F3935-93C4-4BCD-93E2-E3B085C9AB24}">
-                  <p16:designElem xmlns="" xmlns:p16="http://schemas.microsoft.com/office/powerpoint/2015/main" val="1"/>
+                  <p16:designElem xmlns:p16="http://schemas.microsoft.com/office/powerpoint/2015/main" xmlns="" val="1"/>
                 </p:ext>
               </p:extLst>
             </p:nvPr>
@@ -34900,10 +34906,10 @@
             <p:cNvPr id="44" name="Freeform 9">
               <a:extLst>
                 <a:ext uri="{FF2B5EF4-FFF2-40B4-BE49-F238E27FC236}">
-                  <a16:creationId xmlns="" xmlns:a16="http://schemas.microsoft.com/office/drawing/2014/main" id="{D78EA7D2-CCEA-435E-873D-36BF0522FFED}"/>
+                  <a16:creationId xmlns:a16="http://schemas.microsoft.com/office/drawing/2014/main" xmlns="" id="{D78EA7D2-CCEA-435E-873D-36BF0522FFED}"/>
                 </a:ext>
                 <a:ext uri="{C183D7F6-B498-43B3-948B-1728B52AA6E4}">
-                  <adec:decorative xmlns="" xmlns:adec="http://schemas.microsoft.com/office/drawing/2017/decorative" val="1"/>
+                  <adec:decorative xmlns:adec="http://schemas.microsoft.com/office/drawing/2017/decorative" xmlns="" val="1"/>
                 </a:ext>
               </a:extLst>
             </p:cNvPr>
@@ -34911,7 +34917,7 @@
             <p:nvPr>
               <p:extLst>
                 <p:ext uri="{386F3935-93C4-4BCD-93E2-E3B085C9AB24}">
-                  <p16:designElem xmlns="" xmlns:p16="http://schemas.microsoft.com/office/powerpoint/2015/main" val="1"/>
+                  <p16:designElem xmlns:p16="http://schemas.microsoft.com/office/powerpoint/2015/main" xmlns="" val="1"/>
                 </p:ext>
               </p:extLst>
             </p:nvPr>
@@ -34960,10 +34966,10 @@
             <p:cNvPr id="45" name="Freeform 10">
               <a:extLst>
                 <a:ext uri="{FF2B5EF4-FFF2-40B4-BE49-F238E27FC236}">
-                  <a16:creationId xmlns="" xmlns:a16="http://schemas.microsoft.com/office/drawing/2014/main" id="{9DFA731E-D6BB-42CC-AA05-64023DC81FE6}"/>
+                  <a16:creationId xmlns:a16="http://schemas.microsoft.com/office/drawing/2014/main" xmlns="" id="{9DFA731E-D6BB-42CC-AA05-64023DC81FE6}"/>
                 </a:ext>
                 <a:ext uri="{C183D7F6-B498-43B3-948B-1728B52AA6E4}">
-                  <adec:decorative xmlns="" xmlns:adec="http://schemas.microsoft.com/office/drawing/2017/decorative" val="1"/>
+                  <adec:decorative xmlns:adec="http://schemas.microsoft.com/office/drawing/2017/decorative" xmlns="" val="1"/>
                 </a:ext>
               </a:extLst>
             </p:cNvPr>
@@ -34971,7 +34977,7 @@
             <p:nvPr>
               <p:extLst>
                 <p:ext uri="{386F3935-93C4-4BCD-93E2-E3B085C9AB24}">
-                  <p16:designElem xmlns="" xmlns:p16="http://schemas.microsoft.com/office/powerpoint/2015/main" val="1"/>
+                  <p16:designElem xmlns:p16="http://schemas.microsoft.com/office/powerpoint/2015/main" xmlns="" val="1"/>
                 </p:ext>
               </p:extLst>
             </p:nvPr>
@@ -35026,10 +35032,10 @@
             <p:cNvPr id="46" name="Freeform 11">
               <a:extLst>
                 <a:ext uri="{FF2B5EF4-FFF2-40B4-BE49-F238E27FC236}">
-                  <a16:creationId xmlns="" xmlns:a16="http://schemas.microsoft.com/office/drawing/2014/main" id="{B00D0483-90FB-4EB4-9770-CA8A310D503B}"/>
+                  <a16:creationId xmlns:a16="http://schemas.microsoft.com/office/drawing/2014/main" xmlns="" id="{B00D0483-90FB-4EB4-9770-CA8A310D503B}"/>
                 </a:ext>
                 <a:ext uri="{C183D7F6-B498-43B3-948B-1728B52AA6E4}">
-                  <adec:decorative xmlns="" xmlns:adec="http://schemas.microsoft.com/office/drawing/2017/decorative" val="1"/>
+                  <adec:decorative xmlns:adec="http://schemas.microsoft.com/office/drawing/2017/decorative" xmlns="" val="1"/>
                 </a:ext>
               </a:extLst>
             </p:cNvPr>
@@ -35037,7 +35043,7 @@
             <p:nvPr>
               <p:extLst>
                 <p:ext uri="{386F3935-93C4-4BCD-93E2-E3B085C9AB24}">
-                  <p16:designElem xmlns="" xmlns:p16="http://schemas.microsoft.com/office/powerpoint/2015/main" val="1"/>
+                  <p16:designElem xmlns:p16="http://schemas.microsoft.com/office/powerpoint/2015/main" xmlns="" val="1"/>
                 </p:ext>
               </p:extLst>
             </p:nvPr>
@@ -35106,7 +35112,7 @@
           <p:cNvPr id="2" name="Title 1">
             <a:extLst>
               <a:ext uri="{FF2B5EF4-FFF2-40B4-BE49-F238E27FC236}">
-                <a16:creationId xmlns="" xmlns:a16="http://schemas.microsoft.com/office/drawing/2014/main" id="{339A428F-DE24-F24B-B03E-D8A9E51064E5}"/>
+                <a16:creationId xmlns:a16="http://schemas.microsoft.com/office/drawing/2014/main" xmlns="" id="{339A428F-DE24-F24B-B03E-D8A9E51064E5}"/>
               </a:ext>
             </a:extLst>
           </p:cNvPr>
@@ -35149,10 +35155,10 @@
           <p:cNvPr id="48" name="Rounded Rectangle 16">
             <a:extLst>
               <a:ext uri="{FF2B5EF4-FFF2-40B4-BE49-F238E27FC236}">
-                <a16:creationId xmlns="" xmlns:a16="http://schemas.microsoft.com/office/drawing/2014/main" id="{DD7EED39-224E-4230-8FD1-B1E1AF6C6E36}"/>
+                <a16:creationId xmlns:a16="http://schemas.microsoft.com/office/drawing/2014/main" xmlns="" id="{DD7EED39-224E-4230-8FD1-B1E1AF6C6E36}"/>
               </a:ext>
               <a:ext uri="{C183D7F6-B498-43B3-948B-1728B52AA6E4}">
-                <adec:decorative xmlns="" xmlns:adec="http://schemas.microsoft.com/office/drawing/2017/decorative" val="1"/>
+                <adec:decorative xmlns:adec="http://schemas.microsoft.com/office/drawing/2017/decorative" xmlns="" val="1"/>
               </a:ext>
             </a:extLst>
           </p:cNvPr>
@@ -35162,7 +35168,7 @@
           <p:nvPr>
             <p:extLst>
               <p:ext uri="{386F3935-93C4-4BCD-93E2-E3B085C9AB24}">
-                <p16:designElem xmlns="" xmlns:p16="http://schemas.microsoft.com/office/powerpoint/2015/main" val="1"/>
+                <p16:designElem xmlns:p16="http://schemas.microsoft.com/office/powerpoint/2015/main" xmlns="" val="1"/>
               </p:ext>
             </p:extLst>
           </p:nvPr>
@@ -35234,7 +35240,7 @@
           <p:cNvPr id="20" name="TextBox 19">
             <a:extLst>
               <a:ext uri="{FF2B5EF4-FFF2-40B4-BE49-F238E27FC236}">
-                <a16:creationId xmlns="" xmlns:a16="http://schemas.microsoft.com/office/drawing/2014/main" id="{0983CF5F-AED5-EA43-B332-EF09D66427D2}"/>
+                <a16:creationId xmlns:a16="http://schemas.microsoft.com/office/drawing/2014/main" xmlns="" id="{0983CF5F-AED5-EA43-B332-EF09D66427D2}"/>
               </a:ext>
             </a:extLst>
           </p:cNvPr>

--- a/PPT/Group02-Component1.pptx
+++ b/PPT/Group02-Component1.pptx
@@ -6730,9 +6730,10 @@
               </a:lnSpc>
             </a:pPr>
             <a:r>
-              <a:rPr lang="en-US" sz="4400" dirty="0"/>
-              <a:t>By </a:t>
-            </a:r>
+              <a:rPr lang="en-US" sz="4400" dirty="0" smtClean="0"/>
+              <a:t>   By </a:t>
+            </a:r>
+            <a:endParaRPr lang="en-US" sz="4400" dirty="0"/>
           </a:p>
           <a:p>
             <a:pPr>
@@ -6895,10 +6896,10 @@
           <p:cNvPr id="47" name="Group 31">
             <a:extLst>
               <a:ext uri="{FF2B5EF4-FFF2-40B4-BE49-F238E27FC236}">
-                <a16:creationId xmlns:a16="http://schemas.microsoft.com/office/drawing/2014/main" xmlns="" id="{260ACC13-B825-49F3-93DE-C8B8F2FA37A1}"/>
+                <a16:creationId xmlns="" xmlns:a16="http://schemas.microsoft.com/office/drawing/2014/main" id="{260ACC13-B825-49F3-93DE-C8B8F2FA37A1}"/>
               </a:ext>
               <a:ext uri="{C183D7F6-B498-43B3-948B-1728B52AA6E4}">
-                <adec:decorative xmlns:adec="http://schemas.microsoft.com/office/drawing/2017/decorative" xmlns="" val="1"/>
+                <adec:decorative xmlns="" xmlns:adec="http://schemas.microsoft.com/office/drawing/2017/decorative" val="1"/>
               </a:ext>
             </a:extLst>
           </p:cNvPr>
@@ -6908,7 +6909,7 @@
           <p:nvPr>
             <p:extLst>
               <p:ext uri="{386F3935-93C4-4BCD-93E2-E3B085C9AB24}">
-                <p16:designElem xmlns:p16="http://schemas.microsoft.com/office/powerpoint/2015/main" xmlns="" val="1"/>
+                <p16:designElem xmlns="" xmlns:p16="http://schemas.microsoft.com/office/powerpoint/2015/main" val="1"/>
               </p:ext>
             </p:extLst>
           </p:nvPr>
@@ -6926,10 +6927,10 @@
             <p:cNvPr id="33" name="Freeform 6">
               <a:extLst>
                 <a:ext uri="{FF2B5EF4-FFF2-40B4-BE49-F238E27FC236}">
-                  <a16:creationId xmlns:a16="http://schemas.microsoft.com/office/drawing/2014/main" xmlns="" id="{F947B31F-CA03-4793-845D-FD86BABC1A18}"/>
+                  <a16:creationId xmlns="" xmlns:a16="http://schemas.microsoft.com/office/drawing/2014/main" id="{F947B31F-CA03-4793-845D-FD86BABC1A18}"/>
                 </a:ext>
                 <a:ext uri="{C183D7F6-B498-43B3-948B-1728B52AA6E4}">
-                  <adec:decorative xmlns:adec="http://schemas.microsoft.com/office/drawing/2017/decorative" xmlns="" val="1"/>
+                  <adec:decorative xmlns="" xmlns:adec="http://schemas.microsoft.com/office/drawing/2017/decorative" val="1"/>
                 </a:ext>
               </a:extLst>
             </p:cNvPr>
@@ -6937,7 +6938,7 @@
             <p:nvPr>
               <p:extLst>
                 <p:ext uri="{386F3935-93C4-4BCD-93E2-E3B085C9AB24}">
-                  <p16:designElem xmlns:p16="http://schemas.microsoft.com/office/powerpoint/2015/main" xmlns="" val="1"/>
+                  <p16:designElem xmlns="" xmlns:p16="http://schemas.microsoft.com/office/powerpoint/2015/main" val="1"/>
                 </p:ext>
               </p:extLst>
             </p:nvPr>
@@ -6987,10 +6988,10 @@
             <p:cNvPr id="34" name="Freeform 7">
               <a:extLst>
                 <a:ext uri="{FF2B5EF4-FFF2-40B4-BE49-F238E27FC236}">
-                  <a16:creationId xmlns:a16="http://schemas.microsoft.com/office/drawing/2014/main" xmlns="" id="{DCDDE94D-F78C-4A48-AEA6-E922FC99A159}"/>
+                  <a16:creationId xmlns="" xmlns:a16="http://schemas.microsoft.com/office/drawing/2014/main" id="{DCDDE94D-F78C-4A48-AEA6-E922FC99A159}"/>
                 </a:ext>
                 <a:ext uri="{C183D7F6-B498-43B3-948B-1728B52AA6E4}">
-                  <adec:decorative xmlns:adec="http://schemas.microsoft.com/office/drawing/2017/decorative" xmlns="" val="1"/>
+                  <adec:decorative xmlns="" xmlns:adec="http://schemas.microsoft.com/office/drawing/2017/decorative" val="1"/>
                 </a:ext>
               </a:extLst>
             </p:cNvPr>
@@ -6998,7 +6999,7 @@
             <p:nvPr>
               <p:extLst>
                 <p:ext uri="{386F3935-93C4-4BCD-93E2-E3B085C9AB24}">
-                  <p16:designElem xmlns:p16="http://schemas.microsoft.com/office/powerpoint/2015/main" xmlns="" val="1"/>
+                  <p16:designElem xmlns="" xmlns:p16="http://schemas.microsoft.com/office/powerpoint/2015/main" val="1"/>
                 </p:ext>
               </p:extLst>
             </p:nvPr>
@@ -7051,10 +7052,10 @@
             <p:cNvPr id="35" name="Freeform 8">
               <a:extLst>
                 <a:ext uri="{FF2B5EF4-FFF2-40B4-BE49-F238E27FC236}">
-                  <a16:creationId xmlns:a16="http://schemas.microsoft.com/office/drawing/2014/main" xmlns="" id="{3445A886-F3CA-4DE4-90D7-535F9707B799}"/>
+                  <a16:creationId xmlns="" xmlns:a16="http://schemas.microsoft.com/office/drawing/2014/main" id="{3445A886-F3CA-4DE4-90D7-535F9707B799}"/>
                 </a:ext>
                 <a:ext uri="{C183D7F6-B498-43B3-948B-1728B52AA6E4}">
-                  <adec:decorative xmlns:adec="http://schemas.microsoft.com/office/drawing/2017/decorative" xmlns="" val="1"/>
+                  <adec:decorative xmlns="" xmlns:adec="http://schemas.microsoft.com/office/drawing/2017/decorative" val="1"/>
                 </a:ext>
               </a:extLst>
             </p:cNvPr>
@@ -7062,7 +7063,7 @@
             <p:nvPr>
               <p:extLst>
                 <p:ext uri="{386F3935-93C4-4BCD-93E2-E3B085C9AB24}">
-                  <p16:designElem xmlns:p16="http://schemas.microsoft.com/office/powerpoint/2015/main" xmlns="" val="1"/>
+                  <p16:designElem xmlns="" xmlns:p16="http://schemas.microsoft.com/office/powerpoint/2015/main" val="1"/>
                 </p:ext>
               </p:extLst>
             </p:nvPr>
@@ -7112,10 +7113,10 @@
             <p:cNvPr id="36" name="Freeform 9">
               <a:extLst>
                 <a:ext uri="{FF2B5EF4-FFF2-40B4-BE49-F238E27FC236}">
-                  <a16:creationId xmlns:a16="http://schemas.microsoft.com/office/drawing/2014/main" xmlns="" id="{A8999CB6-C053-418B-AE37-E470804D251D}"/>
+                  <a16:creationId xmlns="" xmlns:a16="http://schemas.microsoft.com/office/drawing/2014/main" id="{A8999CB6-C053-418B-AE37-E470804D251D}"/>
                 </a:ext>
                 <a:ext uri="{C183D7F6-B498-43B3-948B-1728B52AA6E4}">
-                  <adec:decorative xmlns:adec="http://schemas.microsoft.com/office/drawing/2017/decorative" xmlns="" val="1"/>
+                  <adec:decorative xmlns="" xmlns:adec="http://schemas.microsoft.com/office/drawing/2017/decorative" val="1"/>
                 </a:ext>
               </a:extLst>
             </p:cNvPr>
@@ -7123,7 +7124,7 @@
             <p:nvPr>
               <p:extLst>
                 <p:ext uri="{386F3935-93C4-4BCD-93E2-E3B085C9AB24}">
-                  <p16:designElem xmlns:p16="http://schemas.microsoft.com/office/powerpoint/2015/main" xmlns="" val="1"/>
+                  <p16:designElem xmlns="" xmlns:p16="http://schemas.microsoft.com/office/powerpoint/2015/main" val="1"/>
                 </p:ext>
               </p:extLst>
             </p:nvPr>
@@ -7172,10 +7173,10 @@
             <p:cNvPr id="37" name="Freeform 10">
               <a:extLst>
                 <a:ext uri="{FF2B5EF4-FFF2-40B4-BE49-F238E27FC236}">
-                  <a16:creationId xmlns:a16="http://schemas.microsoft.com/office/drawing/2014/main" xmlns="" id="{81EA3E26-BFCD-4396-AE8A-2A9828BFFBA2}"/>
+                  <a16:creationId xmlns="" xmlns:a16="http://schemas.microsoft.com/office/drawing/2014/main" id="{81EA3E26-BFCD-4396-AE8A-2A9828BFFBA2}"/>
                 </a:ext>
                 <a:ext uri="{C183D7F6-B498-43B3-948B-1728B52AA6E4}">
-                  <adec:decorative xmlns:adec="http://schemas.microsoft.com/office/drawing/2017/decorative" xmlns="" val="1"/>
+                  <adec:decorative xmlns="" xmlns:adec="http://schemas.microsoft.com/office/drawing/2017/decorative" val="1"/>
                 </a:ext>
               </a:extLst>
             </p:cNvPr>
@@ -7183,7 +7184,7 @@
             <p:nvPr>
               <p:extLst>
                 <p:ext uri="{386F3935-93C4-4BCD-93E2-E3B085C9AB24}">
-                  <p16:designElem xmlns:p16="http://schemas.microsoft.com/office/powerpoint/2015/main" xmlns="" val="1"/>
+                  <p16:designElem xmlns="" xmlns:p16="http://schemas.microsoft.com/office/powerpoint/2015/main" val="1"/>
                 </p:ext>
               </p:extLst>
             </p:nvPr>
@@ -7238,10 +7239,10 @@
             <p:cNvPr id="38" name="Freeform 11">
               <a:extLst>
                 <a:ext uri="{FF2B5EF4-FFF2-40B4-BE49-F238E27FC236}">
-                  <a16:creationId xmlns:a16="http://schemas.microsoft.com/office/drawing/2014/main" xmlns="" id="{5F9BC582-73A6-4D8A-8738-E36476489351}"/>
+                  <a16:creationId xmlns="" xmlns:a16="http://schemas.microsoft.com/office/drawing/2014/main" id="{5F9BC582-73A6-4D8A-8738-E36476489351}"/>
                 </a:ext>
                 <a:ext uri="{C183D7F6-B498-43B3-948B-1728B52AA6E4}">
-                  <adec:decorative xmlns:adec="http://schemas.microsoft.com/office/drawing/2017/decorative" xmlns="" val="1"/>
+                  <adec:decorative xmlns="" xmlns:adec="http://schemas.microsoft.com/office/drawing/2017/decorative" val="1"/>
                 </a:ext>
               </a:extLst>
             </p:cNvPr>
@@ -7249,7 +7250,7 @@
             <p:nvPr>
               <p:extLst>
                 <p:ext uri="{386F3935-93C4-4BCD-93E2-E3B085C9AB24}">
-                  <p16:designElem xmlns:p16="http://schemas.microsoft.com/office/powerpoint/2015/main" xmlns="" val="1"/>
+                  <p16:designElem xmlns="" xmlns:p16="http://schemas.microsoft.com/office/powerpoint/2015/main" val="1"/>
                 </p:ext>
               </p:extLst>
             </p:nvPr>
@@ -7318,10 +7319,10 @@
           <p:cNvPr id="40" name="Group 39">
             <a:extLst>
               <a:ext uri="{FF2B5EF4-FFF2-40B4-BE49-F238E27FC236}">
-                <a16:creationId xmlns:a16="http://schemas.microsoft.com/office/drawing/2014/main" xmlns="" id="{A2E861A3-F23C-46B8-A38A-4A22E453D993}"/>
+                <a16:creationId xmlns="" xmlns:a16="http://schemas.microsoft.com/office/drawing/2014/main" id="{A2E861A3-F23C-46B8-A38A-4A22E453D993}"/>
               </a:ext>
               <a:ext uri="{C183D7F6-B498-43B3-948B-1728B52AA6E4}">
-                <adec:decorative xmlns:adec="http://schemas.microsoft.com/office/drawing/2017/decorative" xmlns="" val="1"/>
+                <adec:decorative xmlns="" xmlns:adec="http://schemas.microsoft.com/office/drawing/2017/decorative" val="1"/>
               </a:ext>
             </a:extLst>
           </p:cNvPr>
@@ -7331,7 +7332,7 @@
           <p:nvPr>
             <p:extLst>
               <p:ext uri="{386F3935-93C4-4BCD-93E2-E3B085C9AB24}">
-                <p16:designElem xmlns:p16="http://schemas.microsoft.com/office/powerpoint/2015/main" xmlns="" val="1"/>
+                <p16:designElem xmlns="" xmlns:p16="http://schemas.microsoft.com/office/powerpoint/2015/main" val="1"/>
               </p:ext>
             </p:extLst>
           </p:nvPr>
@@ -7349,10 +7350,10 @@
             <p:cNvPr id="41" name="Freeform 6">
               <a:extLst>
                 <a:ext uri="{FF2B5EF4-FFF2-40B4-BE49-F238E27FC236}">
-                  <a16:creationId xmlns:a16="http://schemas.microsoft.com/office/drawing/2014/main" xmlns="" id="{8BC3D220-643B-4160-B5A9-59DF5D21F410}"/>
+                  <a16:creationId xmlns="" xmlns:a16="http://schemas.microsoft.com/office/drawing/2014/main" id="{8BC3D220-643B-4160-B5A9-59DF5D21F410}"/>
                 </a:ext>
                 <a:ext uri="{C183D7F6-B498-43B3-948B-1728B52AA6E4}">
-                  <adec:decorative xmlns:adec="http://schemas.microsoft.com/office/drawing/2017/decorative" xmlns="" val="1"/>
+                  <adec:decorative xmlns="" xmlns:adec="http://schemas.microsoft.com/office/drawing/2017/decorative" val="1"/>
                 </a:ext>
               </a:extLst>
             </p:cNvPr>
@@ -7360,7 +7361,7 @@
             <p:nvPr>
               <p:extLst>
                 <p:ext uri="{386F3935-93C4-4BCD-93E2-E3B085C9AB24}">
-                  <p16:designElem xmlns:p16="http://schemas.microsoft.com/office/powerpoint/2015/main" xmlns="" val="1"/>
+                  <p16:designElem xmlns="" xmlns:p16="http://schemas.microsoft.com/office/powerpoint/2015/main" val="1"/>
                 </p:ext>
               </p:extLst>
             </p:nvPr>
@@ -7410,10 +7411,10 @@
             <p:cNvPr id="42" name="Freeform 7">
               <a:extLst>
                 <a:ext uri="{FF2B5EF4-FFF2-40B4-BE49-F238E27FC236}">
-                  <a16:creationId xmlns:a16="http://schemas.microsoft.com/office/drawing/2014/main" xmlns="" id="{B92237DE-D518-4625-8392-66D7084588A0}"/>
+                  <a16:creationId xmlns="" xmlns:a16="http://schemas.microsoft.com/office/drawing/2014/main" id="{B92237DE-D518-4625-8392-66D7084588A0}"/>
                 </a:ext>
                 <a:ext uri="{C183D7F6-B498-43B3-948B-1728B52AA6E4}">
-                  <adec:decorative xmlns:adec="http://schemas.microsoft.com/office/drawing/2017/decorative" xmlns="" val="1"/>
+                  <adec:decorative xmlns="" xmlns:adec="http://schemas.microsoft.com/office/drawing/2017/decorative" val="1"/>
                 </a:ext>
               </a:extLst>
             </p:cNvPr>
@@ -7421,7 +7422,7 @@
             <p:nvPr>
               <p:extLst>
                 <p:ext uri="{386F3935-93C4-4BCD-93E2-E3B085C9AB24}">
-                  <p16:designElem xmlns:p16="http://schemas.microsoft.com/office/powerpoint/2015/main" xmlns="" val="1"/>
+                  <p16:designElem xmlns="" xmlns:p16="http://schemas.microsoft.com/office/powerpoint/2015/main" val="1"/>
                 </p:ext>
               </p:extLst>
             </p:nvPr>
@@ -7474,10 +7475,10 @@
             <p:cNvPr id="43" name="Freeform 8">
               <a:extLst>
                 <a:ext uri="{FF2B5EF4-FFF2-40B4-BE49-F238E27FC236}">
-                  <a16:creationId xmlns:a16="http://schemas.microsoft.com/office/drawing/2014/main" xmlns="" id="{F290F0DD-E80A-4263-94E1-A41F57D84CC5}"/>
+                  <a16:creationId xmlns="" xmlns:a16="http://schemas.microsoft.com/office/drawing/2014/main" id="{F290F0DD-E80A-4263-94E1-A41F57D84CC5}"/>
                 </a:ext>
                 <a:ext uri="{C183D7F6-B498-43B3-948B-1728B52AA6E4}">
-                  <adec:decorative xmlns:adec="http://schemas.microsoft.com/office/drawing/2017/decorative" xmlns="" val="1"/>
+                  <adec:decorative xmlns="" xmlns:adec="http://schemas.microsoft.com/office/drawing/2017/decorative" val="1"/>
                 </a:ext>
               </a:extLst>
             </p:cNvPr>
@@ -7485,7 +7486,7 @@
             <p:nvPr>
               <p:extLst>
                 <p:ext uri="{386F3935-93C4-4BCD-93E2-E3B085C9AB24}">
-                  <p16:designElem xmlns:p16="http://schemas.microsoft.com/office/powerpoint/2015/main" xmlns="" val="1"/>
+                  <p16:designElem xmlns="" xmlns:p16="http://schemas.microsoft.com/office/powerpoint/2015/main" val="1"/>
                 </p:ext>
               </p:extLst>
             </p:nvPr>
@@ -7535,10 +7536,10 @@
             <p:cNvPr id="44" name="Freeform 9">
               <a:extLst>
                 <a:ext uri="{FF2B5EF4-FFF2-40B4-BE49-F238E27FC236}">
-                  <a16:creationId xmlns:a16="http://schemas.microsoft.com/office/drawing/2014/main" xmlns="" id="{D78EA7D2-CCEA-435E-873D-36BF0522FFED}"/>
+                  <a16:creationId xmlns="" xmlns:a16="http://schemas.microsoft.com/office/drawing/2014/main" id="{D78EA7D2-CCEA-435E-873D-36BF0522FFED}"/>
                 </a:ext>
                 <a:ext uri="{C183D7F6-B498-43B3-948B-1728B52AA6E4}">
-                  <adec:decorative xmlns:adec="http://schemas.microsoft.com/office/drawing/2017/decorative" xmlns="" val="1"/>
+                  <adec:decorative xmlns="" xmlns:adec="http://schemas.microsoft.com/office/drawing/2017/decorative" val="1"/>
                 </a:ext>
               </a:extLst>
             </p:cNvPr>
@@ -7546,7 +7547,7 @@
             <p:nvPr>
               <p:extLst>
                 <p:ext uri="{386F3935-93C4-4BCD-93E2-E3B085C9AB24}">
-                  <p16:designElem xmlns:p16="http://schemas.microsoft.com/office/powerpoint/2015/main" xmlns="" val="1"/>
+                  <p16:designElem xmlns="" xmlns:p16="http://schemas.microsoft.com/office/powerpoint/2015/main" val="1"/>
                 </p:ext>
               </p:extLst>
             </p:nvPr>
@@ -7595,10 +7596,10 @@
             <p:cNvPr id="45" name="Freeform 10">
               <a:extLst>
                 <a:ext uri="{FF2B5EF4-FFF2-40B4-BE49-F238E27FC236}">
-                  <a16:creationId xmlns:a16="http://schemas.microsoft.com/office/drawing/2014/main" xmlns="" id="{9DFA731E-D6BB-42CC-AA05-64023DC81FE6}"/>
+                  <a16:creationId xmlns="" xmlns:a16="http://schemas.microsoft.com/office/drawing/2014/main" id="{9DFA731E-D6BB-42CC-AA05-64023DC81FE6}"/>
                 </a:ext>
                 <a:ext uri="{C183D7F6-B498-43B3-948B-1728B52AA6E4}">
-                  <adec:decorative xmlns:adec="http://schemas.microsoft.com/office/drawing/2017/decorative" xmlns="" val="1"/>
+                  <adec:decorative xmlns="" xmlns:adec="http://schemas.microsoft.com/office/drawing/2017/decorative" val="1"/>
                 </a:ext>
               </a:extLst>
             </p:cNvPr>
@@ -7606,7 +7607,7 @@
             <p:nvPr>
               <p:extLst>
                 <p:ext uri="{386F3935-93C4-4BCD-93E2-E3B085C9AB24}">
-                  <p16:designElem xmlns:p16="http://schemas.microsoft.com/office/powerpoint/2015/main" xmlns="" val="1"/>
+                  <p16:designElem xmlns="" xmlns:p16="http://schemas.microsoft.com/office/powerpoint/2015/main" val="1"/>
                 </p:ext>
               </p:extLst>
             </p:nvPr>
@@ -7661,10 +7662,10 @@
             <p:cNvPr id="46" name="Freeform 11">
               <a:extLst>
                 <a:ext uri="{FF2B5EF4-FFF2-40B4-BE49-F238E27FC236}">
-                  <a16:creationId xmlns:a16="http://schemas.microsoft.com/office/drawing/2014/main" xmlns="" id="{B00D0483-90FB-4EB4-9770-CA8A310D503B}"/>
+                  <a16:creationId xmlns="" xmlns:a16="http://schemas.microsoft.com/office/drawing/2014/main" id="{B00D0483-90FB-4EB4-9770-CA8A310D503B}"/>
                 </a:ext>
                 <a:ext uri="{C183D7F6-B498-43B3-948B-1728B52AA6E4}">
-                  <adec:decorative xmlns:adec="http://schemas.microsoft.com/office/drawing/2017/decorative" xmlns="" val="1"/>
+                  <adec:decorative xmlns="" xmlns:adec="http://schemas.microsoft.com/office/drawing/2017/decorative" val="1"/>
                 </a:ext>
               </a:extLst>
             </p:cNvPr>
@@ -7672,7 +7673,7 @@
             <p:nvPr>
               <p:extLst>
                 <p:ext uri="{386F3935-93C4-4BCD-93E2-E3B085C9AB24}">
-                  <p16:designElem xmlns:p16="http://schemas.microsoft.com/office/powerpoint/2015/main" xmlns="" val="1"/>
+                  <p16:designElem xmlns="" xmlns:p16="http://schemas.microsoft.com/office/powerpoint/2015/main" val="1"/>
                 </p:ext>
               </p:extLst>
             </p:nvPr>
@@ -7741,7 +7742,7 @@
           <p:cNvPr id="2" name="Title 1">
             <a:extLst>
               <a:ext uri="{FF2B5EF4-FFF2-40B4-BE49-F238E27FC236}">
-                <a16:creationId xmlns:a16="http://schemas.microsoft.com/office/drawing/2014/main" xmlns="" id="{339A428F-DE24-F24B-B03E-D8A9E51064E5}"/>
+                <a16:creationId xmlns="" xmlns:a16="http://schemas.microsoft.com/office/drawing/2014/main" id="{339A428F-DE24-F24B-B03E-D8A9E51064E5}"/>
               </a:ext>
             </a:extLst>
           </p:cNvPr>
@@ -7781,10 +7782,10 @@
           <p:cNvPr id="48" name="Rounded Rectangle 16">
             <a:extLst>
               <a:ext uri="{FF2B5EF4-FFF2-40B4-BE49-F238E27FC236}">
-                <a16:creationId xmlns:a16="http://schemas.microsoft.com/office/drawing/2014/main" xmlns="" id="{DD7EED39-224E-4230-8FD1-B1E1AF6C6E36}"/>
+                <a16:creationId xmlns="" xmlns:a16="http://schemas.microsoft.com/office/drawing/2014/main" id="{DD7EED39-224E-4230-8FD1-B1E1AF6C6E36}"/>
               </a:ext>
               <a:ext uri="{C183D7F6-B498-43B3-948B-1728B52AA6E4}">
-                <adec:decorative xmlns:adec="http://schemas.microsoft.com/office/drawing/2017/decorative" xmlns="" val="1"/>
+                <adec:decorative xmlns="" xmlns:adec="http://schemas.microsoft.com/office/drawing/2017/decorative" val="1"/>
               </a:ext>
             </a:extLst>
           </p:cNvPr>
@@ -7794,7 +7795,7 @@
           <p:nvPr>
             <p:extLst>
               <p:ext uri="{386F3935-93C4-4BCD-93E2-E3B085C9AB24}">
-                <p16:designElem xmlns:p16="http://schemas.microsoft.com/office/powerpoint/2015/main" xmlns="" val="1"/>
+                <p16:designElem xmlns="" xmlns:p16="http://schemas.microsoft.com/office/powerpoint/2015/main" val="1"/>
               </p:ext>
             </p:extLst>
           </p:nvPr>
@@ -7866,7 +7867,7 @@
           <p:cNvPr id="20" name="TextBox 19">
             <a:extLst>
               <a:ext uri="{FF2B5EF4-FFF2-40B4-BE49-F238E27FC236}">
-                <a16:creationId xmlns:a16="http://schemas.microsoft.com/office/drawing/2014/main" xmlns="" id="{0983CF5F-AED5-EA43-B332-EF09D66427D2}"/>
+                <a16:creationId xmlns="" xmlns:a16="http://schemas.microsoft.com/office/drawing/2014/main" id="{0983CF5F-AED5-EA43-B332-EF09D66427D2}"/>
               </a:ext>
             </a:extLst>
           </p:cNvPr>
@@ -8335,10 +8336,10 @@
           <p:cNvPr id="47" name="Group 31">
             <a:extLst>
               <a:ext uri="{FF2B5EF4-FFF2-40B4-BE49-F238E27FC236}">
-                <a16:creationId xmlns:a16="http://schemas.microsoft.com/office/drawing/2014/main" xmlns="" id="{260ACC13-B825-49F3-93DE-C8B8F2FA37A1}"/>
+                <a16:creationId xmlns="" xmlns:a16="http://schemas.microsoft.com/office/drawing/2014/main" id="{260ACC13-B825-49F3-93DE-C8B8F2FA37A1}"/>
               </a:ext>
               <a:ext uri="{C183D7F6-B498-43B3-948B-1728B52AA6E4}">
-                <adec:decorative xmlns:adec="http://schemas.microsoft.com/office/drawing/2017/decorative" xmlns="" val="1"/>
+                <adec:decorative xmlns="" xmlns:adec="http://schemas.microsoft.com/office/drawing/2017/decorative" val="1"/>
               </a:ext>
             </a:extLst>
           </p:cNvPr>
@@ -8348,7 +8349,7 @@
           <p:nvPr>
             <p:extLst>
               <p:ext uri="{386F3935-93C4-4BCD-93E2-E3B085C9AB24}">
-                <p16:designElem xmlns:p16="http://schemas.microsoft.com/office/powerpoint/2015/main" xmlns="" val="1"/>
+                <p16:designElem xmlns="" xmlns:p16="http://schemas.microsoft.com/office/powerpoint/2015/main" val="1"/>
               </p:ext>
             </p:extLst>
           </p:nvPr>
@@ -8366,10 +8367,10 @@
             <p:cNvPr id="33" name="Freeform 6">
               <a:extLst>
                 <a:ext uri="{FF2B5EF4-FFF2-40B4-BE49-F238E27FC236}">
-                  <a16:creationId xmlns:a16="http://schemas.microsoft.com/office/drawing/2014/main" xmlns="" id="{F947B31F-CA03-4793-845D-FD86BABC1A18}"/>
+                  <a16:creationId xmlns="" xmlns:a16="http://schemas.microsoft.com/office/drawing/2014/main" id="{F947B31F-CA03-4793-845D-FD86BABC1A18}"/>
                 </a:ext>
                 <a:ext uri="{C183D7F6-B498-43B3-948B-1728B52AA6E4}">
-                  <adec:decorative xmlns:adec="http://schemas.microsoft.com/office/drawing/2017/decorative" xmlns="" val="1"/>
+                  <adec:decorative xmlns="" xmlns:adec="http://schemas.microsoft.com/office/drawing/2017/decorative" val="1"/>
                 </a:ext>
               </a:extLst>
             </p:cNvPr>
@@ -8377,7 +8378,7 @@
             <p:nvPr>
               <p:extLst>
                 <p:ext uri="{386F3935-93C4-4BCD-93E2-E3B085C9AB24}">
-                  <p16:designElem xmlns:p16="http://schemas.microsoft.com/office/powerpoint/2015/main" xmlns="" val="1"/>
+                  <p16:designElem xmlns="" xmlns:p16="http://schemas.microsoft.com/office/powerpoint/2015/main" val="1"/>
                 </p:ext>
               </p:extLst>
             </p:nvPr>
@@ -8427,10 +8428,10 @@
             <p:cNvPr id="34" name="Freeform 7">
               <a:extLst>
                 <a:ext uri="{FF2B5EF4-FFF2-40B4-BE49-F238E27FC236}">
-                  <a16:creationId xmlns:a16="http://schemas.microsoft.com/office/drawing/2014/main" xmlns="" id="{DCDDE94D-F78C-4A48-AEA6-E922FC99A159}"/>
+                  <a16:creationId xmlns="" xmlns:a16="http://schemas.microsoft.com/office/drawing/2014/main" id="{DCDDE94D-F78C-4A48-AEA6-E922FC99A159}"/>
                 </a:ext>
                 <a:ext uri="{C183D7F6-B498-43B3-948B-1728B52AA6E4}">
-                  <adec:decorative xmlns:adec="http://schemas.microsoft.com/office/drawing/2017/decorative" xmlns="" val="1"/>
+                  <adec:decorative xmlns="" xmlns:adec="http://schemas.microsoft.com/office/drawing/2017/decorative" val="1"/>
                 </a:ext>
               </a:extLst>
             </p:cNvPr>
@@ -8438,7 +8439,7 @@
             <p:nvPr>
               <p:extLst>
                 <p:ext uri="{386F3935-93C4-4BCD-93E2-E3B085C9AB24}">
-                  <p16:designElem xmlns:p16="http://schemas.microsoft.com/office/powerpoint/2015/main" xmlns="" val="1"/>
+                  <p16:designElem xmlns="" xmlns:p16="http://schemas.microsoft.com/office/powerpoint/2015/main" val="1"/>
                 </p:ext>
               </p:extLst>
             </p:nvPr>
@@ -8491,10 +8492,10 @@
             <p:cNvPr id="35" name="Freeform 8">
               <a:extLst>
                 <a:ext uri="{FF2B5EF4-FFF2-40B4-BE49-F238E27FC236}">
-                  <a16:creationId xmlns:a16="http://schemas.microsoft.com/office/drawing/2014/main" xmlns="" id="{3445A886-F3CA-4DE4-90D7-535F9707B799}"/>
+                  <a16:creationId xmlns="" xmlns:a16="http://schemas.microsoft.com/office/drawing/2014/main" id="{3445A886-F3CA-4DE4-90D7-535F9707B799}"/>
                 </a:ext>
                 <a:ext uri="{C183D7F6-B498-43B3-948B-1728B52AA6E4}">
-                  <adec:decorative xmlns:adec="http://schemas.microsoft.com/office/drawing/2017/decorative" xmlns="" val="1"/>
+                  <adec:decorative xmlns="" xmlns:adec="http://schemas.microsoft.com/office/drawing/2017/decorative" val="1"/>
                 </a:ext>
               </a:extLst>
             </p:cNvPr>
@@ -8502,7 +8503,7 @@
             <p:nvPr>
               <p:extLst>
                 <p:ext uri="{386F3935-93C4-4BCD-93E2-E3B085C9AB24}">
-                  <p16:designElem xmlns:p16="http://schemas.microsoft.com/office/powerpoint/2015/main" xmlns="" val="1"/>
+                  <p16:designElem xmlns="" xmlns:p16="http://schemas.microsoft.com/office/powerpoint/2015/main" val="1"/>
                 </p:ext>
               </p:extLst>
             </p:nvPr>
@@ -8552,10 +8553,10 @@
             <p:cNvPr id="36" name="Freeform 9">
               <a:extLst>
                 <a:ext uri="{FF2B5EF4-FFF2-40B4-BE49-F238E27FC236}">
-                  <a16:creationId xmlns:a16="http://schemas.microsoft.com/office/drawing/2014/main" xmlns="" id="{A8999CB6-C053-418B-AE37-E470804D251D}"/>
+                  <a16:creationId xmlns="" xmlns:a16="http://schemas.microsoft.com/office/drawing/2014/main" id="{A8999CB6-C053-418B-AE37-E470804D251D}"/>
                 </a:ext>
                 <a:ext uri="{C183D7F6-B498-43B3-948B-1728B52AA6E4}">
-                  <adec:decorative xmlns:adec="http://schemas.microsoft.com/office/drawing/2017/decorative" xmlns="" val="1"/>
+                  <adec:decorative xmlns="" xmlns:adec="http://schemas.microsoft.com/office/drawing/2017/decorative" val="1"/>
                 </a:ext>
               </a:extLst>
             </p:cNvPr>
@@ -8563,7 +8564,7 @@
             <p:nvPr>
               <p:extLst>
                 <p:ext uri="{386F3935-93C4-4BCD-93E2-E3B085C9AB24}">
-                  <p16:designElem xmlns:p16="http://schemas.microsoft.com/office/powerpoint/2015/main" xmlns="" val="1"/>
+                  <p16:designElem xmlns="" xmlns:p16="http://schemas.microsoft.com/office/powerpoint/2015/main" val="1"/>
                 </p:ext>
               </p:extLst>
             </p:nvPr>
@@ -8612,10 +8613,10 @@
             <p:cNvPr id="37" name="Freeform 10">
               <a:extLst>
                 <a:ext uri="{FF2B5EF4-FFF2-40B4-BE49-F238E27FC236}">
-                  <a16:creationId xmlns:a16="http://schemas.microsoft.com/office/drawing/2014/main" xmlns="" id="{81EA3E26-BFCD-4396-AE8A-2A9828BFFBA2}"/>
+                  <a16:creationId xmlns="" xmlns:a16="http://schemas.microsoft.com/office/drawing/2014/main" id="{81EA3E26-BFCD-4396-AE8A-2A9828BFFBA2}"/>
                 </a:ext>
                 <a:ext uri="{C183D7F6-B498-43B3-948B-1728B52AA6E4}">
-                  <adec:decorative xmlns:adec="http://schemas.microsoft.com/office/drawing/2017/decorative" xmlns="" val="1"/>
+                  <adec:decorative xmlns="" xmlns:adec="http://schemas.microsoft.com/office/drawing/2017/decorative" val="1"/>
                 </a:ext>
               </a:extLst>
             </p:cNvPr>
@@ -8623,7 +8624,7 @@
             <p:nvPr>
               <p:extLst>
                 <p:ext uri="{386F3935-93C4-4BCD-93E2-E3B085C9AB24}">
-                  <p16:designElem xmlns:p16="http://schemas.microsoft.com/office/powerpoint/2015/main" xmlns="" val="1"/>
+                  <p16:designElem xmlns="" xmlns:p16="http://schemas.microsoft.com/office/powerpoint/2015/main" val="1"/>
                 </p:ext>
               </p:extLst>
             </p:nvPr>
@@ -8678,10 +8679,10 @@
             <p:cNvPr id="38" name="Freeform 11">
               <a:extLst>
                 <a:ext uri="{FF2B5EF4-FFF2-40B4-BE49-F238E27FC236}">
-                  <a16:creationId xmlns:a16="http://schemas.microsoft.com/office/drawing/2014/main" xmlns="" id="{5F9BC582-73A6-4D8A-8738-E36476489351}"/>
+                  <a16:creationId xmlns="" xmlns:a16="http://schemas.microsoft.com/office/drawing/2014/main" id="{5F9BC582-73A6-4D8A-8738-E36476489351}"/>
                 </a:ext>
                 <a:ext uri="{C183D7F6-B498-43B3-948B-1728B52AA6E4}">
-                  <adec:decorative xmlns:adec="http://schemas.microsoft.com/office/drawing/2017/decorative" xmlns="" val="1"/>
+                  <adec:decorative xmlns="" xmlns:adec="http://schemas.microsoft.com/office/drawing/2017/decorative" val="1"/>
                 </a:ext>
               </a:extLst>
             </p:cNvPr>
@@ -8689,7 +8690,7 @@
             <p:nvPr>
               <p:extLst>
                 <p:ext uri="{386F3935-93C4-4BCD-93E2-E3B085C9AB24}">
-                  <p16:designElem xmlns:p16="http://schemas.microsoft.com/office/powerpoint/2015/main" xmlns="" val="1"/>
+                  <p16:designElem xmlns="" xmlns:p16="http://schemas.microsoft.com/office/powerpoint/2015/main" val="1"/>
                 </p:ext>
               </p:extLst>
             </p:nvPr>
@@ -8758,10 +8759,10 @@
           <p:cNvPr id="40" name="Group 39">
             <a:extLst>
               <a:ext uri="{FF2B5EF4-FFF2-40B4-BE49-F238E27FC236}">
-                <a16:creationId xmlns:a16="http://schemas.microsoft.com/office/drawing/2014/main" xmlns="" id="{A2E861A3-F23C-46B8-A38A-4A22E453D993}"/>
+                <a16:creationId xmlns="" xmlns:a16="http://schemas.microsoft.com/office/drawing/2014/main" id="{A2E861A3-F23C-46B8-A38A-4A22E453D993}"/>
               </a:ext>
               <a:ext uri="{C183D7F6-B498-43B3-948B-1728B52AA6E4}">
-                <adec:decorative xmlns:adec="http://schemas.microsoft.com/office/drawing/2017/decorative" xmlns="" val="1"/>
+                <adec:decorative xmlns="" xmlns:adec="http://schemas.microsoft.com/office/drawing/2017/decorative" val="1"/>
               </a:ext>
             </a:extLst>
           </p:cNvPr>
@@ -8771,7 +8772,7 @@
           <p:nvPr>
             <p:extLst>
               <p:ext uri="{386F3935-93C4-4BCD-93E2-E3B085C9AB24}">
-                <p16:designElem xmlns:p16="http://schemas.microsoft.com/office/powerpoint/2015/main" xmlns="" val="1"/>
+                <p16:designElem xmlns="" xmlns:p16="http://schemas.microsoft.com/office/powerpoint/2015/main" val="1"/>
               </p:ext>
             </p:extLst>
           </p:nvPr>
@@ -8789,10 +8790,10 @@
             <p:cNvPr id="41" name="Freeform 6">
               <a:extLst>
                 <a:ext uri="{FF2B5EF4-FFF2-40B4-BE49-F238E27FC236}">
-                  <a16:creationId xmlns:a16="http://schemas.microsoft.com/office/drawing/2014/main" xmlns="" id="{8BC3D220-643B-4160-B5A9-59DF5D21F410}"/>
+                  <a16:creationId xmlns="" xmlns:a16="http://schemas.microsoft.com/office/drawing/2014/main" id="{8BC3D220-643B-4160-B5A9-59DF5D21F410}"/>
                 </a:ext>
                 <a:ext uri="{C183D7F6-B498-43B3-948B-1728B52AA6E4}">
-                  <adec:decorative xmlns:adec="http://schemas.microsoft.com/office/drawing/2017/decorative" xmlns="" val="1"/>
+                  <adec:decorative xmlns="" xmlns:adec="http://schemas.microsoft.com/office/drawing/2017/decorative" val="1"/>
                 </a:ext>
               </a:extLst>
             </p:cNvPr>
@@ -8800,7 +8801,7 @@
             <p:nvPr>
               <p:extLst>
                 <p:ext uri="{386F3935-93C4-4BCD-93E2-E3B085C9AB24}">
-                  <p16:designElem xmlns:p16="http://schemas.microsoft.com/office/powerpoint/2015/main" xmlns="" val="1"/>
+                  <p16:designElem xmlns="" xmlns:p16="http://schemas.microsoft.com/office/powerpoint/2015/main" val="1"/>
                 </p:ext>
               </p:extLst>
             </p:nvPr>
@@ -8850,10 +8851,10 @@
             <p:cNvPr id="42" name="Freeform 7">
               <a:extLst>
                 <a:ext uri="{FF2B5EF4-FFF2-40B4-BE49-F238E27FC236}">
-                  <a16:creationId xmlns:a16="http://schemas.microsoft.com/office/drawing/2014/main" xmlns="" id="{B92237DE-D518-4625-8392-66D7084588A0}"/>
+                  <a16:creationId xmlns="" xmlns:a16="http://schemas.microsoft.com/office/drawing/2014/main" id="{B92237DE-D518-4625-8392-66D7084588A0}"/>
                 </a:ext>
                 <a:ext uri="{C183D7F6-B498-43B3-948B-1728B52AA6E4}">
-                  <adec:decorative xmlns:adec="http://schemas.microsoft.com/office/drawing/2017/decorative" xmlns="" val="1"/>
+                  <adec:decorative xmlns="" xmlns:adec="http://schemas.microsoft.com/office/drawing/2017/decorative" val="1"/>
                 </a:ext>
               </a:extLst>
             </p:cNvPr>
@@ -8861,7 +8862,7 @@
             <p:nvPr>
               <p:extLst>
                 <p:ext uri="{386F3935-93C4-4BCD-93E2-E3B085C9AB24}">
-                  <p16:designElem xmlns:p16="http://schemas.microsoft.com/office/powerpoint/2015/main" xmlns="" val="1"/>
+                  <p16:designElem xmlns="" xmlns:p16="http://schemas.microsoft.com/office/powerpoint/2015/main" val="1"/>
                 </p:ext>
               </p:extLst>
             </p:nvPr>
@@ -8914,10 +8915,10 @@
             <p:cNvPr id="43" name="Freeform 8">
               <a:extLst>
                 <a:ext uri="{FF2B5EF4-FFF2-40B4-BE49-F238E27FC236}">
-                  <a16:creationId xmlns:a16="http://schemas.microsoft.com/office/drawing/2014/main" xmlns="" id="{F290F0DD-E80A-4263-94E1-A41F57D84CC5}"/>
+                  <a16:creationId xmlns="" xmlns:a16="http://schemas.microsoft.com/office/drawing/2014/main" id="{F290F0DD-E80A-4263-94E1-A41F57D84CC5}"/>
                 </a:ext>
                 <a:ext uri="{C183D7F6-B498-43B3-948B-1728B52AA6E4}">
-                  <adec:decorative xmlns:adec="http://schemas.microsoft.com/office/drawing/2017/decorative" xmlns="" val="1"/>
+                  <adec:decorative xmlns="" xmlns:adec="http://schemas.microsoft.com/office/drawing/2017/decorative" val="1"/>
                 </a:ext>
               </a:extLst>
             </p:cNvPr>
@@ -8925,7 +8926,7 @@
             <p:nvPr>
               <p:extLst>
                 <p:ext uri="{386F3935-93C4-4BCD-93E2-E3B085C9AB24}">
-                  <p16:designElem xmlns:p16="http://schemas.microsoft.com/office/powerpoint/2015/main" xmlns="" val="1"/>
+                  <p16:designElem xmlns="" xmlns:p16="http://schemas.microsoft.com/office/powerpoint/2015/main" val="1"/>
                 </p:ext>
               </p:extLst>
             </p:nvPr>
@@ -8975,10 +8976,10 @@
             <p:cNvPr id="44" name="Freeform 9">
               <a:extLst>
                 <a:ext uri="{FF2B5EF4-FFF2-40B4-BE49-F238E27FC236}">
-                  <a16:creationId xmlns:a16="http://schemas.microsoft.com/office/drawing/2014/main" xmlns="" id="{D78EA7D2-CCEA-435E-873D-36BF0522FFED}"/>
+                  <a16:creationId xmlns="" xmlns:a16="http://schemas.microsoft.com/office/drawing/2014/main" id="{D78EA7D2-CCEA-435E-873D-36BF0522FFED}"/>
                 </a:ext>
                 <a:ext uri="{C183D7F6-B498-43B3-948B-1728B52AA6E4}">
-                  <adec:decorative xmlns:adec="http://schemas.microsoft.com/office/drawing/2017/decorative" xmlns="" val="1"/>
+                  <adec:decorative xmlns="" xmlns:adec="http://schemas.microsoft.com/office/drawing/2017/decorative" val="1"/>
                 </a:ext>
               </a:extLst>
             </p:cNvPr>
@@ -8986,7 +8987,7 @@
             <p:nvPr>
               <p:extLst>
                 <p:ext uri="{386F3935-93C4-4BCD-93E2-E3B085C9AB24}">
-                  <p16:designElem xmlns:p16="http://schemas.microsoft.com/office/powerpoint/2015/main" xmlns="" val="1"/>
+                  <p16:designElem xmlns="" xmlns:p16="http://schemas.microsoft.com/office/powerpoint/2015/main" val="1"/>
                 </p:ext>
               </p:extLst>
             </p:nvPr>
@@ -9035,10 +9036,10 @@
             <p:cNvPr id="45" name="Freeform 10">
               <a:extLst>
                 <a:ext uri="{FF2B5EF4-FFF2-40B4-BE49-F238E27FC236}">
-                  <a16:creationId xmlns:a16="http://schemas.microsoft.com/office/drawing/2014/main" xmlns="" id="{9DFA731E-D6BB-42CC-AA05-64023DC81FE6}"/>
+                  <a16:creationId xmlns="" xmlns:a16="http://schemas.microsoft.com/office/drawing/2014/main" id="{9DFA731E-D6BB-42CC-AA05-64023DC81FE6}"/>
                 </a:ext>
                 <a:ext uri="{C183D7F6-B498-43B3-948B-1728B52AA6E4}">
-                  <adec:decorative xmlns:adec="http://schemas.microsoft.com/office/drawing/2017/decorative" xmlns="" val="1"/>
+                  <adec:decorative xmlns="" xmlns:adec="http://schemas.microsoft.com/office/drawing/2017/decorative" val="1"/>
                 </a:ext>
               </a:extLst>
             </p:cNvPr>
@@ -9046,7 +9047,7 @@
             <p:nvPr>
               <p:extLst>
                 <p:ext uri="{386F3935-93C4-4BCD-93E2-E3B085C9AB24}">
-                  <p16:designElem xmlns:p16="http://schemas.microsoft.com/office/powerpoint/2015/main" xmlns="" val="1"/>
+                  <p16:designElem xmlns="" xmlns:p16="http://schemas.microsoft.com/office/powerpoint/2015/main" val="1"/>
                 </p:ext>
               </p:extLst>
             </p:nvPr>
@@ -9101,10 +9102,10 @@
             <p:cNvPr id="46" name="Freeform 11">
               <a:extLst>
                 <a:ext uri="{FF2B5EF4-FFF2-40B4-BE49-F238E27FC236}">
-                  <a16:creationId xmlns:a16="http://schemas.microsoft.com/office/drawing/2014/main" xmlns="" id="{B00D0483-90FB-4EB4-9770-CA8A310D503B}"/>
+                  <a16:creationId xmlns="" xmlns:a16="http://schemas.microsoft.com/office/drawing/2014/main" id="{B00D0483-90FB-4EB4-9770-CA8A310D503B}"/>
                 </a:ext>
                 <a:ext uri="{C183D7F6-B498-43B3-948B-1728B52AA6E4}">
-                  <adec:decorative xmlns:adec="http://schemas.microsoft.com/office/drawing/2017/decorative" xmlns="" val="1"/>
+                  <adec:decorative xmlns="" xmlns:adec="http://schemas.microsoft.com/office/drawing/2017/decorative" val="1"/>
                 </a:ext>
               </a:extLst>
             </p:cNvPr>
@@ -9112,7 +9113,7 @@
             <p:nvPr>
               <p:extLst>
                 <p:ext uri="{386F3935-93C4-4BCD-93E2-E3B085C9AB24}">
-                  <p16:designElem xmlns:p16="http://schemas.microsoft.com/office/powerpoint/2015/main" xmlns="" val="1"/>
+                  <p16:designElem xmlns="" xmlns:p16="http://schemas.microsoft.com/office/powerpoint/2015/main" val="1"/>
                 </p:ext>
               </p:extLst>
             </p:nvPr>
@@ -9181,7 +9182,7 @@
           <p:cNvPr id="2" name="Title 1">
             <a:extLst>
               <a:ext uri="{FF2B5EF4-FFF2-40B4-BE49-F238E27FC236}">
-                <a16:creationId xmlns:a16="http://schemas.microsoft.com/office/drawing/2014/main" xmlns="" id="{339A428F-DE24-F24B-B03E-D8A9E51064E5}"/>
+                <a16:creationId xmlns="" xmlns:a16="http://schemas.microsoft.com/office/drawing/2014/main" id="{339A428F-DE24-F24B-B03E-D8A9E51064E5}"/>
               </a:ext>
             </a:extLst>
           </p:cNvPr>
@@ -9229,10 +9230,10 @@
           <p:cNvPr id="48" name="Rounded Rectangle 16">
             <a:extLst>
               <a:ext uri="{FF2B5EF4-FFF2-40B4-BE49-F238E27FC236}">
-                <a16:creationId xmlns:a16="http://schemas.microsoft.com/office/drawing/2014/main" xmlns="" id="{DD7EED39-224E-4230-8FD1-B1E1AF6C6E36}"/>
+                <a16:creationId xmlns="" xmlns:a16="http://schemas.microsoft.com/office/drawing/2014/main" id="{DD7EED39-224E-4230-8FD1-B1E1AF6C6E36}"/>
               </a:ext>
               <a:ext uri="{C183D7F6-B498-43B3-948B-1728B52AA6E4}">
-                <adec:decorative xmlns:adec="http://schemas.microsoft.com/office/drawing/2017/decorative" xmlns="" val="1"/>
+                <adec:decorative xmlns="" xmlns:adec="http://schemas.microsoft.com/office/drawing/2017/decorative" val="1"/>
               </a:ext>
             </a:extLst>
           </p:cNvPr>
@@ -9242,7 +9243,7 @@
           <p:nvPr>
             <p:extLst>
               <p:ext uri="{386F3935-93C4-4BCD-93E2-E3B085C9AB24}">
-                <p16:designElem xmlns:p16="http://schemas.microsoft.com/office/powerpoint/2015/main" xmlns="" val="1"/>
+                <p16:designElem xmlns="" xmlns:p16="http://schemas.microsoft.com/office/powerpoint/2015/main" val="1"/>
               </p:ext>
             </p:extLst>
           </p:nvPr>
@@ -9314,7 +9315,7 @@
           <p:cNvPr id="20" name="TextBox 19">
             <a:extLst>
               <a:ext uri="{FF2B5EF4-FFF2-40B4-BE49-F238E27FC236}">
-                <a16:creationId xmlns:a16="http://schemas.microsoft.com/office/drawing/2014/main" xmlns="" id="{0983CF5F-AED5-EA43-B332-EF09D66427D2}"/>
+                <a16:creationId xmlns="" xmlns:a16="http://schemas.microsoft.com/office/drawing/2014/main" id="{0983CF5F-AED5-EA43-B332-EF09D66427D2}"/>
               </a:ext>
             </a:extLst>
           </p:cNvPr>
@@ -9821,10 +9822,10 @@
           <p:cNvPr id="47" name="Group 31">
             <a:extLst>
               <a:ext uri="{FF2B5EF4-FFF2-40B4-BE49-F238E27FC236}">
-                <a16:creationId xmlns:a16="http://schemas.microsoft.com/office/drawing/2014/main" xmlns="" id="{260ACC13-B825-49F3-93DE-C8B8F2FA37A1}"/>
+                <a16:creationId xmlns="" xmlns:a16="http://schemas.microsoft.com/office/drawing/2014/main" id="{260ACC13-B825-49F3-93DE-C8B8F2FA37A1}"/>
               </a:ext>
               <a:ext uri="{C183D7F6-B498-43B3-948B-1728B52AA6E4}">
-                <adec:decorative xmlns:adec="http://schemas.microsoft.com/office/drawing/2017/decorative" xmlns="" val="1"/>
+                <adec:decorative xmlns="" xmlns:adec="http://schemas.microsoft.com/office/drawing/2017/decorative" val="1"/>
               </a:ext>
             </a:extLst>
           </p:cNvPr>
@@ -9834,7 +9835,7 @@
           <p:nvPr>
             <p:extLst>
               <p:ext uri="{386F3935-93C4-4BCD-93E2-E3B085C9AB24}">
-                <p16:designElem xmlns:p16="http://schemas.microsoft.com/office/powerpoint/2015/main" xmlns="" val="1"/>
+                <p16:designElem xmlns="" xmlns:p16="http://schemas.microsoft.com/office/powerpoint/2015/main" val="1"/>
               </p:ext>
             </p:extLst>
           </p:nvPr>
@@ -9852,10 +9853,10 @@
             <p:cNvPr id="33" name="Freeform 6">
               <a:extLst>
                 <a:ext uri="{FF2B5EF4-FFF2-40B4-BE49-F238E27FC236}">
-                  <a16:creationId xmlns:a16="http://schemas.microsoft.com/office/drawing/2014/main" xmlns="" id="{F947B31F-CA03-4793-845D-FD86BABC1A18}"/>
+                  <a16:creationId xmlns="" xmlns:a16="http://schemas.microsoft.com/office/drawing/2014/main" id="{F947B31F-CA03-4793-845D-FD86BABC1A18}"/>
                 </a:ext>
                 <a:ext uri="{C183D7F6-B498-43B3-948B-1728B52AA6E4}">
-                  <adec:decorative xmlns:adec="http://schemas.microsoft.com/office/drawing/2017/decorative" xmlns="" val="1"/>
+                  <adec:decorative xmlns="" xmlns:adec="http://schemas.microsoft.com/office/drawing/2017/decorative" val="1"/>
                 </a:ext>
               </a:extLst>
             </p:cNvPr>
@@ -9863,7 +9864,7 @@
             <p:nvPr>
               <p:extLst>
                 <p:ext uri="{386F3935-93C4-4BCD-93E2-E3B085C9AB24}">
-                  <p16:designElem xmlns:p16="http://schemas.microsoft.com/office/powerpoint/2015/main" xmlns="" val="1"/>
+                  <p16:designElem xmlns="" xmlns:p16="http://schemas.microsoft.com/office/powerpoint/2015/main" val="1"/>
                 </p:ext>
               </p:extLst>
             </p:nvPr>
@@ -9913,10 +9914,10 @@
             <p:cNvPr id="34" name="Freeform 7">
               <a:extLst>
                 <a:ext uri="{FF2B5EF4-FFF2-40B4-BE49-F238E27FC236}">
-                  <a16:creationId xmlns:a16="http://schemas.microsoft.com/office/drawing/2014/main" xmlns="" id="{DCDDE94D-F78C-4A48-AEA6-E922FC99A159}"/>
+                  <a16:creationId xmlns="" xmlns:a16="http://schemas.microsoft.com/office/drawing/2014/main" id="{DCDDE94D-F78C-4A48-AEA6-E922FC99A159}"/>
                 </a:ext>
                 <a:ext uri="{C183D7F6-B498-43B3-948B-1728B52AA6E4}">
-                  <adec:decorative xmlns:adec="http://schemas.microsoft.com/office/drawing/2017/decorative" xmlns="" val="1"/>
+                  <adec:decorative xmlns="" xmlns:adec="http://schemas.microsoft.com/office/drawing/2017/decorative" val="1"/>
                 </a:ext>
               </a:extLst>
             </p:cNvPr>
@@ -9924,7 +9925,7 @@
             <p:nvPr>
               <p:extLst>
                 <p:ext uri="{386F3935-93C4-4BCD-93E2-E3B085C9AB24}">
-                  <p16:designElem xmlns:p16="http://schemas.microsoft.com/office/powerpoint/2015/main" xmlns="" val="1"/>
+                  <p16:designElem xmlns="" xmlns:p16="http://schemas.microsoft.com/office/powerpoint/2015/main" val="1"/>
                 </p:ext>
               </p:extLst>
             </p:nvPr>
@@ -9977,10 +9978,10 @@
             <p:cNvPr id="35" name="Freeform 8">
               <a:extLst>
                 <a:ext uri="{FF2B5EF4-FFF2-40B4-BE49-F238E27FC236}">
-                  <a16:creationId xmlns:a16="http://schemas.microsoft.com/office/drawing/2014/main" xmlns="" id="{3445A886-F3CA-4DE4-90D7-535F9707B799}"/>
+                  <a16:creationId xmlns="" xmlns:a16="http://schemas.microsoft.com/office/drawing/2014/main" id="{3445A886-F3CA-4DE4-90D7-535F9707B799}"/>
                 </a:ext>
                 <a:ext uri="{C183D7F6-B498-43B3-948B-1728B52AA6E4}">
-                  <adec:decorative xmlns:adec="http://schemas.microsoft.com/office/drawing/2017/decorative" xmlns="" val="1"/>
+                  <adec:decorative xmlns="" xmlns:adec="http://schemas.microsoft.com/office/drawing/2017/decorative" val="1"/>
                 </a:ext>
               </a:extLst>
             </p:cNvPr>
@@ -9988,7 +9989,7 @@
             <p:nvPr>
               <p:extLst>
                 <p:ext uri="{386F3935-93C4-4BCD-93E2-E3B085C9AB24}">
-                  <p16:designElem xmlns:p16="http://schemas.microsoft.com/office/powerpoint/2015/main" xmlns="" val="1"/>
+                  <p16:designElem xmlns="" xmlns:p16="http://schemas.microsoft.com/office/powerpoint/2015/main" val="1"/>
                 </p:ext>
               </p:extLst>
             </p:nvPr>
@@ -10038,10 +10039,10 @@
             <p:cNvPr id="36" name="Freeform 9">
               <a:extLst>
                 <a:ext uri="{FF2B5EF4-FFF2-40B4-BE49-F238E27FC236}">
-                  <a16:creationId xmlns:a16="http://schemas.microsoft.com/office/drawing/2014/main" xmlns="" id="{A8999CB6-C053-418B-AE37-E470804D251D}"/>
+                  <a16:creationId xmlns="" xmlns:a16="http://schemas.microsoft.com/office/drawing/2014/main" id="{A8999CB6-C053-418B-AE37-E470804D251D}"/>
                 </a:ext>
                 <a:ext uri="{C183D7F6-B498-43B3-948B-1728B52AA6E4}">
-                  <adec:decorative xmlns:adec="http://schemas.microsoft.com/office/drawing/2017/decorative" xmlns="" val="1"/>
+                  <adec:decorative xmlns="" xmlns:adec="http://schemas.microsoft.com/office/drawing/2017/decorative" val="1"/>
                 </a:ext>
               </a:extLst>
             </p:cNvPr>
@@ -10049,7 +10050,7 @@
             <p:nvPr>
               <p:extLst>
                 <p:ext uri="{386F3935-93C4-4BCD-93E2-E3B085C9AB24}">
-                  <p16:designElem xmlns:p16="http://schemas.microsoft.com/office/powerpoint/2015/main" xmlns="" val="1"/>
+                  <p16:designElem xmlns="" xmlns:p16="http://schemas.microsoft.com/office/powerpoint/2015/main" val="1"/>
                 </p:ext>
               </p:extLst>
             </p:nvPr>
@@ -10098,10 +10099,10 @@
             <p:cNvPr id="37" name="Freeform 10">
               <a:extLst>
                 <a:ext uri="{FF2B5EF4-FFF2-40B4-BE49-F238E27FC236}">
-                  <a16:creationId xmlns:a16="http://schemas.microsoft.com/office/drawing/2014/main" xmlns="" id="{81EA3E26-BFCD-4396-AE8A-2A9828BFFBA2}"/>
+                  <a16:creationId xmlns="" xmlns:a16="http://schemas.microsoft.com/office/drawing/2014/main" id="{81EA3E26-BFCD-4396-AE8A-2A9828BFFBA2}"/>
                 </a:ext>
                 <a:ext uri="{C183D7F6-B498-43B3-948B-1728B52AA6E4}">
-                  <adec:decorative xmlns:adec="http://schemas.microsoft.com/office/drawing/2017/decorative" xmlns="" val="1"/>
+                  <adec:decorative xmlns="" xmlns:adec="http://schemas.microsoft.com/office/drawing/2017/decorative" val="1"/>
                 </a:ext>
               </a:extLst>
             </p:cNvPr>
@@ -10109,7 +10110,7 @@
             <p:nvPr>
               <p:extLst>
                 <p:ext uri="{386F3935-93C4-4BCD-93E2-E3B085C9AB24}">
-                  <p16:designElem xmlns:p16="http://schemas.microsoft.com/office/powerpoint/2015/main" xmlns="" val="1"/>
+                  <p16:designElem xmlns="" xmlns:p16="http://schemas.microsoft.com/office/powerpoint/2015/main" val="1"/>
                 </p:ext>
               </p:extLst>
             </p:nvPr>
@@ -10164,10 +10165,10 @@
             <p:cNvPr id="38" name="Freeform 11">
               <a:extLst>
                 <a:ext uri="{FF2B5EF4-FFF2-40B4-BE49-F238E27FC236}">
-                  <a16:creationId xmlns:a16="http://schemas.microsoft.com/office/drawing/2014/main" xmlns="" id="{5F9BC582-73A6-4D8A-8738-E36476489351}"/>
+                  <a16:creationId xmlns="" xmlns:a16="http://schemas.microsoft.com/office/drawing/2014/main" id="{5F9BC582-73A6-4D8A-8738-E36476489351}"/>
                 </a:ext>
                 <a:ext uri="{C183D7F6-B498-43B3-948B-1728B52AA6E4}">
-                  <adec:decorative xmlns:adec="http://schemas.microsoft.com/office/drawing/2017/decorative" xmlns="" val="1"/>
+                  <adec:decorative xmlns="" xmlns:adec="http://schemas.microsoft.com/office/drawing/2017/decorative" val="1"/>
                 </a:ext>
               </a:extLst>
             </p:cNvPr>
@@ -10175,7 +10176,7 @@
             <p:nvPr>
               <p:extLst>
                 <p:ext uri="{386F3935-93C4-4BCD-93E2-E3B085C9AB24}">
-                  <p16:designElem xmlns:p16="http://schemas.microsoft.com/office/powerpoint/2015/main" xmlns="" val="1"/>
+                  <p16:designElem xmlns="" xmlns:p16="http://schemas.microsoft.com/office/powerpoint/2015/main" val="1"/>
                 </p:ext>
               </p:extLst>
             </p:nvPr>
@@ -10244,10 +10245,10 @@
           <p:cNvPr id="40" name="Group 39">
             <a:extLst>
               <a:ext uri="{FF2B5EF4-FFF2-40B4-BE49-F238E27FC236}">
-                <a16:creationId xmlns:a16="http://schemas.microsoft.com/office/drawing/2014/main" xmlns="" id="{A2E861A3-F23C-46B8-A38A-4A22E453D993}"/>
+                <a16:creationId xmlns="" xmlns:a16="http://schemas.microsoft.com/office/drawing/2014/main" id="{A2E861A3-F23C-46B8-A38A-4A22E453D993}"/>
               </a:ext>
               <a:ext uri="{C183D7F6-B498-43B3-948B-1728B52AA6E4}">
-                <adec:decorative xmlns:adec="http://schemas.microsoft.com/office/drawing/2017/decorative" xmlns="" val="1"/>
+                <adec:decorative xmlns="" xmlns:adec="http://schemas.microsoft.com/office/drawing/2017/decorative" val="1"/>
               </a:ext>
             </a:extLst>
           </p:cNvPr>
@@ -10257,7 +10258,7 @@
           <p:nvPr>
             <p:extLst>
               <p:ext uri="{386F3935-93C4-4BCD-93E2-E3B085C9AB24}">
-                <p16:designElem xmlns:p16="http://schemas.microsoft.com/office/powerpoint/2015/main" xmlns="" val="1"/>
+                <p16:designElem xmlns="" xmlns:p16="http://schemas.microsoft.com/office/powerpoint/2015/main" val="1"/>
               </p:ext>
             </p:extLst>
           </p:nvPr>
@@ -10275,10 +10276,10 @@
             <p:cNvPr id="41" name="Freeform 6">
               <a:extLst>
                 <a:ext uri="{FF2B5EF4-FFF2-40B4-BE49-F238E27FC236}">
-                  <a16:creationId xmlns:a16="http://schemas.microsoft.com/office/drawing/2014/main" xmlns="" id="{8BC3D220-643B-4160-B5A9-59DF5D21F410}"/>
+                  <a16:creationId xmlns="" xmlns:a16="http://schemas.microsoft.com/office/drawing/2014/main" id="{8BC3D220-643B-4160-B5A9-59DF5D21F410}"/>
                 </a:ext>
                 <a:ext uri="{C183D7F6-B498-43B3-948B-1728B52AA6E4}">
-                  <adec:decorative xmlns:adec="http://schemas.microsoft.com/office/drawing/2017/decorative" xmlns="" val="1"/>
+                  <adec:decorative xmlns="" xmlns:adec="http://schemas.microsoft.com/office/drawing/2017/decorative" val="1"/>
                 </a:ext>
               </a:extLst>
             </p:cNvPr>
@@ -10286,7 +10287,7 @@
             <p:nvPr>
               <p:extLst>
                 <p:ext uri="{386F3935-93C4-4BCD-93E2-E3B085C9AB24}">
-                  <p16:designElem xmlns:p16="http://schemas.microsoft.com/office/powerpoint/2015/main" xmlns="" val="1"/>
+                  <p16:designElem xmlns="" xmlns:p16="http://schemas.microsoft.com/office/powerpoint/2015/main" val="1"/>
                 </p:ext>
               </p:extLst>
             </p:nvPr>
@@ -10336,10 +10337,10 @@
             <p:cNvPr id="42" name="Freeform 7">
               <a:extLst>
                 <a:ext uri="{FF2B5EF4-FFF2-40B4-BE49-F238E27FC236}">
-                  <a16:creationId xmlns:a16="http://schemas.microsoft.com/office/drawing/2014/main" xmlns="" id="{B92237DE-D518-4625-8392-66D7084588A0}"/>
+                  <a16:creationId xmlns="" xmlns:a16="http://schemas.microsoft.com/office/drawing/2014/main" id="{B92237DE-D518-4625-8392-66D7084588A0}"/>
                 </a:ext>
                 <a:ext uri="{C183D7F6-B498-43B3-948B-1728B52AA6E4}">
-                  <adec:decorative xmlns:adec="http://schemas.microsoft.com/office/drawing/2017/decorative" xmlns="" val="1"/>
+                  <adec:decorative xmlns="" xmlns:adec="http://schemas.microsoft.com/office/drawing/2017/decorative" val="1"/>
                 </a:ext>
               </a:extLst>
             </p:cNvPr>
@@ -10347,7 +10348,7 @@
             <p:nvPr>
               <p:extLst>
                 <p:ext uri="{386F3935-93C4-4BCD-93E2-E3B085C9AB24}">
-                  <p16:designElem xmlns:p16="http://schemas.microsoft.com/office/powerpoint/2015/main" xmlns="" val="1"/>
+                  <p16:designElem xmlns="" xmlns:p16="http://schemas.microsoft.com/office/powerpoint/2015/main" val="1"/>
                 </p:ext>
               </p:extLst>
             </p:nvPr>
@@ -10400,10 +10401,10 @@
             <p:cNvPr id="43" name="Freeform 8">
               <a:extLst>
                 <a:ext uri="{FF2B5EF4-FFF2-40B4-BE49-F238E27FC236}">
-                  <a16:creationId xmlns:a16="http://schemas.microsoft.com/office/drawing/2014/main" xmlns="" id="{F290F0DD-E80A-4263-94E1-A41F57D84CC5}"/>
+                  <a16:creationId xmlns="" xmlns:a16="http://schemas.microsoft.com/office/drawing/2014/main" id="{F290F0DD-E80A-4263-94E1-A41F57D84CC5}"/>
                 </a:ext>
                 <a:ext uri="{C183D7F6-B498-43B3-948B-1728B52AA6E4}">
-                  <adec:decorative xmlns:adec="http://schemas.microsoft.com/office/drawing/2017/decorative" xmlns="" val="1"/>
+                  <adec:decorative xmlns="" xmlns:adec="http://schemas.microsoft.com/office/drawing/2017/decorative" val="1"/>
                 </a:ext>
               </a:extLst>
             </p:cNvPr>
@@ -10411,7 +10412,7 @@
             <p:nvPr>
               <p:extLst>
                 <p:ext uri="{386F3935-93C4-4BCD-93E2-E3B085C9AB24}">
-                  <p16:designElem xmlns:p16="http://schemas.microsoft.com/office/powerpoint/2015/main" xmlns="" val="1"/>
+                  <p16:designElem xmlns="" xmlns:p16="http://schemas.microsoft.com/office/powerpoint/2015/main" val="1"/>
                 </p:ext>
               </p:extLst>
             </p:nvPr>
@@ -10461,10 +10462,10 @@
             <p:cNvPr id="44" name="Freeform 9">
               <a:extLst>
                 <a:ext uri="{FF2B5EF4-FFF2-40B4-BE49-F238E27FC236}">
-                  <a16:creationId xmlns:a16="http://schemas.microsoft.com/office/drawing/2014/main" xmlns="" id="{D78EA7D2-CCEA-435E-873D-36BF0522FFED}"/>
+                  <a16:creationId xmlns="" xmlns:a16="http://schemas.microsoft.com/office/drawing/2014/main" id="{D78EA7D2-CCEA-435E-873D-36BF0522FFED}"/>
                 </a:ext>
                 <a:ext uri="{C183D7F6-B498-43B3-948B-1728B52AA6E4}">
-                  <adec:decorative xmlns:adec="http://schemas.microsoft.com/office/drawing/2017/decorative" xmlns="" val="1"/>
+                  <adec:decorative xmlns="" xmlns:adec="http://schemas.microsoft.com/office/drawing/2017/decorative" val="1"/>
                 </a:ext>
               </a:extLst>
             </p:cNvPr>
@@ -10472,7 +10473,7 @@
             <p:nvPr>
               <p:extLst>
                 <p:ext uri="{386F3935-93C4-4BCD-93E2-E3B085C9AB24}">
-                  <p16:designElem xmlns:p16="http://schemas.microsoft.com/office/powerpoint/2015/main" xmlns="" val="1"/>
+                  <p16:designElem xmlns="" xmlns:p16="http://schemas.microsoft.com/office/powerpoint/2015/main" val="1"/>
                 </p:ext>
               </p:extLst>
             </p:nvPr>
@@ -10521,10 +10522,10 @@
             <p:cNvPr id="45" name="Freeform 10">
               <a:extLst>
                 <a:ext uri="{FF2B5EF4-FFF2-40B4-BE49-F238E27FC236}">
-                  <a16:creationId xmlns:a16="http://schemas.microsoft.com/office/drawing/2014/main" xmlns="" id="{9DFA731E-D6BB-42CC-AA05-64023DC81FE6}"/>
+                  <a16:creationId xmlns="" xmlns:a16="http://schemas.microsoft.com/office/drawing/2014/main" id="{9DFA731E-D6BB-42CC-AA05-64023DC81FE6}"/>
                 </a:ext>
                 <a:ext uri="{C183D7F6-B498-43B3-948B-1728B52AA6E4}">
-                  <adec:decorative xmlns:adec="http://schemas.microsoft.com/office/drawing/2017/decorative" xmlns="" val="1"/>
+                  <adec:decorative xmlns="" xmlns:adec="http://schemas.microsoft.com/office/drawing/2017/decorative" val="1"/>
                 </a:ext>
               </a:extLst>
             </p:cNvPr>
@@ -10532,7 +10533,7 @@
             <p:nvPr>
               <p:extLst>
                 <p:ext uri="{386F3935-93C4-4BCD-93E2-E3B085C9AB24}">
-                  <p16:designElem xmlns:p16="http://schemas.microsoft.com/office/powerpoint/2015/main" xmlns="" val="1"/>
+                  <p16:designElem xmlns="" xmlns:p16="http://schemas.microsoft.com/office/powerpoint/2015/main" val="1"/>
                 </p:ext>
               </p:extLst>
             </p:nvPr>
@@ -10587,10 +10588,10 @@
             <p:cNvPr id="46" name="Freeform 11">
               <a:extLst>
                 <a:ext uri="{FF2B5EF4-FFF2-40B4-BE49-F238E27FC236}">
-                  <a16:creationId xmlns:a16="http://schemas.microsoft.com/office/drawing/2014/main" xmlns="" id="{B00D0483-90FB-4EB4-9770-CA8A310D503B}"/>
+                  <a16:creationId xmlns="" xmlns:a16="http://schemas.microsoft.com/office/drawing/2014/main" id="{B00D0483-90FB-4EB4-9770-CA8A310D503B}"/>
                 </a:ext>
                 <a:ext uri="{C183D7F6-B498-43B3-948B-1728B52AA6E4}">
-                  <adec:decorative xmlns:adec="http://schemas.microsoft.com/office/drawing/2017/decorative" xmlns="" val="1"/>
+                  <adec:decorative xmlns="" xmlns:adec="http://schemas.microsoft.com/office/drawing/2017/decorative" val="1"/>
                 </a:ext>
               </a:extLst>
             </p:cNvPr>
@@ -10598,7 +10599,7 @@
             <p:nvPr>
               <p:extLst>
                 <p:ext uri="{386F3935-93C4-4BCD-93E2-E3B085C9AB24}">
-                  <p16:designElem xmlns:p16="http://schemas.microsoft.com/office/powerpoint/2015/main" xmlns="" val="1"/>
+                  <p16:designElem xmlns="" xmlns:p16="http://schemas.microsoft.com/office/powerpoint/2015/main" val="1"/>
                 </p:ext>
               </p:extLst>
             </p:nvPr>
@@ -10667,7 +10668,7 @@
           <p:cNvPr id="2" name="Title 1">
             <a:extLst>
               <a:ext uri="{FF2B5EF4-FFF2-40B4-BE49-F238E27FC236}">
-                <a16:creationId xmlns:a16="http://schemas.microsoft.com/office/drawing/2014/main" xmlns="" id="{339A428F-DE24-F24B-B03E-D8A9E51064E5}"/>
+                <a16:creationId xmlns="" xmlns:a16="http://schemas.microsoft.com/office/drawing/2014/main" id="{339A428F-DE24-F24B-B03E-D8A9E51064E5}"/>
               </a:ext>
             </a:extLst>
           </p:cNvPr>
@@ -10703,10 +10704,10 @@
           <p:cNvPr id="48" name="Rounded Rectangle 16">
             <a:extLst>
               <a:ext uri="{FF2B5EF4-FFF2-40B4-BE49-F238E27FC236}">
-                <a16:creationId xmlns:a16="http://schemas.microsoft.com/office/drawing/2014/main" xmlns="" id="{DD7EED39-224E-4230-8FD1-B1E1AF6C6E36}"/>
+                <a16:creationId xmlns="" xmlns:a16="http://schemas.microsoft.com/office/drawing/2014/main" id="{DD7EED39-224E-4230-8FD1-B1E1AF6C6E36}"/>
               </a:ext>
               <a:ext uri="{C183D7F6-B498-43B3-948B-1728B52AA6E4}">
-                <adec:decorative xmlns:adec="http://schemas.microsoft.com/office/drawing/2017/decorative" xmlns="" val="1"/>
+                <adec:decorative xmlns="" xmlns:adec="http://schemas.microsoft.com/office/drawing/2017/decorative" val="1"/>
               </a:ext>
             </a:extLst>
           </p:cNvPr>
@@ -10716,7 +10717,7 @@
           <p:nvPr>
             <p:extLst>
               <p:ext uri="{386F3935-93C4-4BCD-93E2-E3B085C9AB24}">
-                <p16:designElem xmlns:p16="http://schemas.microsoft.com/office/powerpoint/2015/main" xmlns="" val="1"/>
+                <p16:designElem xmlns="" xmlns:p16="http://schemas.microsoft.com/office/powerpoint/2015/main" val="1"/>
               </p:ext>
             </p:extLst>
           </p:nvPr>
@@ -10788,7 +10789,7 @@
           <p:cNvPr id="20" name="TextBox 19">
             <a:extLst>
               <a:ext uri="{FF2B5EF4-FFF2-40B4-BE49-F238E27FC236}">
-                <a16:creationId xmlns:a16="http://schemas.microsoft.com/office/drawing/2014/main" xmlns="" id="{0983CF5F-AED5-EA43-B332-EF09D66427D2}"/>
+                <a16:creationId xmlns="" xmlns:a16="http://schemas.microsoft.com/office/drawing/2014/main" id="{0983CF5F-AED5-EA43-B332-EF09D66427D2}"/>
               </a:ext>
             </a:extLst>
           </p:cNvPr>
@@ -11232,10 +11233,10 @@
           <p:cNvPr id="47" name="Group 31">
             <a:extLst>
               <a:ext uri="{FF2B5EF4-FFF2-40B4-BE49-F238E27FC236}">
-                <a16:creationId xmlns:a16="http://schemas.microsoft.com/office/drawing/2014/main" xmlns="" id="{260ACC13-B825-49F3-93DE-C8B8F2FA37A1}"/>
+                <a16:creationId xmlns="" xmlns:a16="http://schemas.microsoft.com/office/drawing/2014/main" id="{260ACC13-B825-49F3-93DE-C8B8F2FA37A1}"/>
               </a:ext>
               <a:ext uri="{C183D7F6-B498-43B3-948B-1728B52AA6E4}">
-                <adec:decorative xmlns:adec="http://schemas.microsoft.com/office/drawing/2017/decorative" xmlns="" val="1"/>
+                <adec:decorative xmlns="" xmlns:adec="http://schemas.microsoft.com/office/drawing/2017/decorative" val="1"/>
               </a:ext>
             </a:extLst>
           </p:cNvPr>
@@ -11245,7 +11246,7 @@
           <p:nvPr>
             <p:extLst>
               <p:ext uri="{386F3935-93C4-4BCD-93E2-E3B085C9AB24}">
-                <p16:designElem xmlns:p16="http://schemas.microsoft.com/office/powerpoint/2015/main" xmlns="" val="1"/>
+                <p16:designElem xmlns="" xmlns:p16="http://schemas.microsoft.com/office/powerpoint/2015/main" val="1"/>
               </p:ext>
             </p:extLst>
           </p:nvPr>
@@ -11263,10 +11264,10 @@
             <p:cNvPr id="33" name="Freeform 6">
               <a:extLst>
                 <a:ext uri="{FF2B5EF4-FFF2-40B4-BE49-F238E27FC236}">
-                  <a16:creationId xmlns:a16="http://schemas.microsoft.com/office/drawing/2014/main" xmlns="" id="{F947B31F-CA03-4793-845D-FD86BABC1A18}"/>
+                  <a16:creationId xmlns="" xmlns:a16="http://schemas.microsoft.com/office/drawing/2014/main" id="{F947B31F-CA03-4793-845D-FD86BABC1A18}"/>
                 </a:ext>
                 <a:ext uri="{C183D7F6-B498-43B3-948B-1728B52AA6E4}">
-                  <adec:decorative xmlns:adec="http://schemas.microsoft.com/office/drawing/2017/decorative" xmlns="" val="1"/>
+                  <adec:decorative xmlns="" xmlns:adec="http://schemas.microsoft.com/office/drawing/2017/decorative" val="1"/>
                 </a:ext>
               </a:extLst>
             </p:cNvPr>
@@ -11274,7 +11275,7 @@
             <p:nvPr>
               <p:extLst>
                 <p:ext uri="{386F3935-93C4-4BCD-93E2-E3B085C9AB24}">
-                  <p16:designElem xmlns:p16="http://schemas.microsoft.com/office/powerpoint/2015/main" xmlns="" val="1"/>
+                  <p16:designElem xmlns="" xmlns:p16="http://schemas.microsoft.com/office/powerpoint/2015/main" val="1"/>
                 </p:ext>
               </p:extLst>
             </p:nvPr>
@@ -11324,10 +11325,10 @@
             <p:cNvPr id="34" name="Freeform 7">
               <a:extLst>
                 <a:ext uri="{FF2B5EF4-FFF2-40B4-BE49-F238E27FC236}">
-                  <a16:creationId xmlns:a16="http://schemas.microsoft.com/office/drawing/2014/main" xmlns="" id="{DCDDE94D-F78C-4A48-AEA6-E922FC99A159}"/>
+                  <a16:creationId xmlns="" xmlns:a16="http://schemas.microsoft.com/office/drawing/2014/main" id="{DCDDE94D-F78C-4A48-AEA6-E922FC99A159}"/>
                 </a:ext>
                 <a:ext uri="{C183D7F6-B498-43B3-948B-1728B52AA6E4}">
-                  <adec:decorative xmlns:adec="http://schemas.microsoft.com/office/drawing/2017/decorative" xmlns="" val="1"/>
+                  <adec:decorative xmlns="" xmlns:adec="http://schemas.microsoft.com/office/drawing/2017/decorative" val="1"/>
                 </a:ext>
               </a:extLst>
             </p:cNvPr>
@@ -11335,7 +11336,7 @@
             <p:nvPr>
               <p:extLst>
                 <p:ext uri="{386F3935-93C4-4BCD-93E2-E3B085C9AB24}">
-                  <p16:designElem xmlns:p16="http://schemas.microsoft.com/office/powerpoint/2015/main" xmlns="" val="1"/>
+                  <p16:designElem xmlns="" xmlns:p16="http://schemas.microsoft.com/office/powerpoint/2015/main" val="1"/>
                 </p:ext>
               </p:extLst>
             </p:nvPr>
@@ -11388,10 +11389,10 @@
             <p:cNvPr id="35" name="Freeform 8">
               <a:extLst>
                 <a:ext uri="{FF2B5EF4-FFF2-40B4-BE49-F238E27FC236}">
-                  <a16:creationId xmlns:a16="http://schemas.microsoft.com/office/drawing/2014/main" xmlns="" id="{3445A886-F3CA-4DE4-90D7-535F9707B799}"/>
+                  <a16:creationId xmlns="" xmlns:a16="http://schemas.microsoft.com/office/drawing/2014/main" id="{3445A886-F3CA-4DE4-90D7-535F9707B799}"/>
                 </a:ext>
                 <a:ext uri="{C183D7F6-B498-43B3-948B-1728B52AA6E4}">
-                  <adec:decorative xmlns:adec="http://schemas.microsoft.com/office/drawing/2017/decorative" xmlns="" val="1"/>
+                  <adec:decorative xmlns="" xmlns:adec="http://schemas.microsoft.com/office/drawing/2017/decorative" val="1"/>
                 </a:ext>
               </a:extLst>
             </p:cNvPr>
@@ -11399,7 +11400,7 @@
             <p:nvPr>
               <p:extLst>
                 <p:ext uri="{386F3935-93C4-4BCD-93E2-E3B085C9AB24}">
-                  <p16:designElem xmlns:p16="http://schemas.microsoft.com/office/powerpoint/2015/main" xmlns="" val="1"/>
+                  <p16:designElem xmlns="" xmlns:p16="http://schemas.microsoft.com/office/powerpoint/2015/main" val="1"/>
                 </p:ext>
               </p:extLst>
             </p:nvPr>
@@ -11449,10 +11450,10 @@
             <p:cNvPr id="36" name="Freeform 9">
               <a:extLst>
                 <a:ext uri="{FF2B5EF4-FFF2-40B4-BE49-F238E27FC236}">
-                  <a16:creationId xmlns:a16="http://schemas.microsoft.com/office/drawing/2014/main" xmlns="" id="{A8999CB6-C053-418B-AE37-E470804D251D}"/>
+                  <a16:creationId xmlns="" xmlns:a16="http://schemas.microsoft.com/office/drawing/2014/main" id="{A8999CB6-C053-418B-AE37-E470804D251D}"/>
                 </a:ext>
                 <a:ext uri="{C183D7F6-B498-43B3-948B-1728B52AA6E4}">
-                  <adec:decorative xmlns:adec="http://schemas.microsoft.com/office/drawing/2017/decorative" xmlns="" val="1"/>
+                  <adec:decorative xmlns="" xmlns:adec="http://schemas.microsoft.com/office/drawing/2017/decorative" val="1"/>
                 </a:ext>
               </a:extLst>
             </p:cNvPr>
@@ -11460,7 +11461,7 @@
             <p:nvPr>
               <p:extLst>
                 <p:ext uri="{386F3935-93C4-4BCD-93E2-E3B085C9AB24}">
-                  <p16:designElem xmlns:p16="http://schemas.microsoft.com/office/powerpoint/2015/main" xmlns="" val="1"/>
+                  <p16:designElem xmlns="" xmlns:p16="http://schemas.microsoft.com/office/powerpoint/2015/main" val="1"/>
                 </p:ext>
               </p:extLst>
             </p:nvPr>
@@ -11509,10 +11510,10 @@
             <p:cNvPr id="37" name="Freeform 10">
               <a:extLst>
                 <a:ext uri="{FF2B5EF4-FFF2-40B4-BE49-F238E27FC236}">
-                  <a16:creationId xmlns:a16="http://schemas.microsoft.com/office/drawing/2014/main" xmlns="" id="{81EA3E26-BFCD-4396-AE8A-2A9828BFFBA2}"/>
+                  <a16:creationId xmlns="" xmlns:a16="http://schemas.microsoft.com/office/drawing/2014/main" id="{81EA3E26-BFCD-4396-AE8A-2A9828BFFBA2}"/>
                 </a:ext>
                 <a:ext uri="{C183D7F6-B498-43B3-948B-1728B52AA6E4}">
-                  <adec:decorative xmlns:adec="http://schemas.microsoft.com/office/drawing/2017/decorative" xmlns="" val="1"/>
+                  <adec:decorative xmlns="" xmlns:adec="http://schemas.microsoft.com/office/drawing/2017/decorative" val="1"/>
                 </a:ext>
               </a:extLst>
             </p:cNvPr>
@@ -11520,7 +11521,7 @@
             <p:nvPr>
               <p:extLst>
                 <p:ext uri="{386F3935-93C4-4BCD-93E2-E3B085C9AB24}">
-                  <p16:designElem xmlns:p16="http://schemas.microsoft.com/office/powerpoint/2015/main" xmlns="" val="1"/>
+                  <p16:designElem xmlns="" xmlns:p16="http://schemas.microsoft.com/office/powerpoint/2015/main" val="1"/>
                 </p:ext>
               </p:extLst>
             </p:nvPr>
@@ -11575,10 +11576,10 @@
             <p:cNvPr id="38" name="Freeform 11">
               <a:extLst>
                 <a:ext uri="{FF2B5EF4-FFF2-40B4-BE49-F238E27FC236}">
-                  <a16:creationId xmlns:a16="http://schemas.microsoft.com/office/drawing/2014/main" xmlns="" id="{5F9BC582-73A6-4D8A-8738-E36476489351}"/>
+                  <a16:creationId xmlns="" xmlns:a16="http://schemas.microsoft.com/office/drawing/2014/main" id="{5F9BC582-73A6-4D8A-8738-E36476489351}"/>
                 </a:ext>
                 <a:ext uri="{C183D7F6-B498-43B3-948B-1728B52AA6E4}">
-                  <adec:decorative xmlns:adec="http://schemas.microsoft.com/office/drawing/2017/decorative" xmlns="" val="1"/>
+                  <adec:decorative xmlns="" xmlns:adec="http://schemas.microsoft.com/office/drawing/2017/decorative" val="1"/>
                 </a:ext>
               </a:extLst>
             </p:cNvPr>
@@ -11586,7 +11587,7 @@
             <p:nvPr>
               <p:extLst>
                 <p:ext uri="{386F3935-93C4-4BCD-93E2-E3B085C9AB24}">
-                  <p16:designElem xmlns:p16="http://schemas.microsoft.com/office/powerpoint/2015/main" xmlns="" val="1"/>
+                  <p16:designElem xmlns="" xmlns:p16="http://schemas.microsoft.com/office/powerpoint/2015/main" val="1"/>
                 </p:ext>
               </p:extLst>
             </p:nvPr>
@@ -11655,10 +11656,10 @@
           <p:cNvPr id="40" name="Group 39">
             <a:extLst>
               <a:ext uri="{FF2B5EF4-FFF2-40B4-BE49-F238E27FC236}">
-                <a16:creationId xmlns:a16="http://schemas.microsoft.com/office/drawing/2014/main" xmlns="" id="{A2E861A3-F23C-46B8-A38A-4A22E453D993}"/>
+                <a16:creationId xmlns="" xmlns:a16="http://schemas.microsoft.com/office/drawing/2014/main" id="{A2E861A3-F23C-46B8-A38A-4A22E453D993}"/>
               </a:ext>
               <a:ext uri="{C183D7F6-B498-43B3-948B-1728B52AA6E4}">
-                <adec:decorative xmlns:adec="http://schemas.microsoft.com/office/drawing/2017/decorative" xmlns="" val="1"/>
+                <adec:decorative xmlns="" xmlns:adec="http://schemas.microsoft.com/office/drawing/2017/decorative" val="1"/>
               </a:ext>
             </a:extLst>
           </p:cNvPr>
@@ -11668,7 +11669,7 @@
           <p:nvPr>
             <p:extLst>
               <p:ext uri="{386F3935-93C4-4BCD-93E2-E3B085C9AB24}">
-                <p16:designElem xmlns:p16="http://schemas.microsoft.com/office/powerpoint/2015/main" xmlns="" val="1"/>
+                <p16:designElem xmlns="" xmlns:p16="http://schemas.microsoft.com/office/powerpoint/2015/main" val="1"/>
               </p:ext>
             </p:extLst>
           </p:nvPr>
@@ -11686,10 +11687,10 @@
             <p:cNvPr id="41" name="Freeform 6">
               <a:extLst>
                 <a:ext uri="{FF2B5EF4-FFF2-40B4-BE49-F238E27FC236}">
-                  <a16:creationId xmlns:a16="http://schemas.microsoft.com/office/drawing/2014/main" xmlns="" id="{8BC3D220-643B-4160-B5A9-59DF5D21F410}"/>
+                  <a16:creationId xmlns="" xmlns:a16="http://schemas.microsoft.com/office/drawing/2014/main" id="{8BC3D220-643B-4160-B5A9-59DF5D21F410}"/>
                 </a:ext>
                 <a:ext uri="{C183D7F6-B498-43B3-948B-1728B52AA6E4}">
-                  <adec:decorative xmlns:adec="http://schemas.microsoft.com/office/drawing/2017/decorative" xmlns="" val="1"/>
+                  <adec:decorative xmlns="" xmlns:adec="http://schemas.microsoft.com/office/drawing/2017/decorative" val="1"/>
                 </a:ext>
               </a:extLst>
             </p:cNvPr>
@@ -11697,7 +11698,7 @@
             <p:nvPr>
               <p:extLst>
                 <p:ext uri="{386F3935-93C4-4BCD-93E2-E3B085C9AB24}">
-                  <p16:designElem xmlns:p16="http://schemas.microsoft.com/office/powerpoint/2015/main" xmlns="" val="1"/>
+                  <p16:designElem xmlns="" xmlns:p16="http://schemas.microsoft.com/office/powerpoint/2015/main" val="1"/>
                 </p:ext>
               </p:extLst>
             </p:nvPr>
@@ -11747,10 +11748,10 @@
             <p:cNvPr id="42" name="Freeform 7">
               <a:extLst>
                 <a:ext uri="{FF2B5EF4-FFF2-40B4-BE49-F238E27FC236}">
-                  <a16:creationId xmlns:a16="http://schemas.microsoft.com/office/drawing/2014/main" xmlns="" id="{B92237DE-D518-4625-8392-66D7084588A0}"/>
+                  <a16:creationId xmlns="" xmlns:a16="http://schemas.microsoft.com/office/drawing/2014/main" id="{B92237DE-D518-4625-8392-66D7084588A0}"/>
                 </a:ext>
                 <a:ext uri="{C183D7F6-B498-43B3-948B-1728B52AA6E4}">
-                  <adec:decorative xmlns:adec="http://schemas.microsoft.com/office/drawing/2017/decorative" xmlns="" val="1"/>
+                  <adec:decorative xmlns="" xmlns:adec="http://schemas.microsoft.com/office/drawing/2017/decorative" val="1"/>
                 </a:ext>
               </a:extLst>
             </p:cNvPr>
@@ -11758,7 +11759,7 @@
             <p:nvPr>
               <p:extLst>
                 <p:ext uri="{386F3935-93C4-4BCD-93E2-E3B085C9AB24}">
-                  <p16:designElem xmlns:p16="http://schemas.microsoft.com/office/powerpoint/2015/main" xmlns="" val="1"/>
+                  <p16:designElem xmlns="" xmlns:p16="http://schemas.microsoft.com/office/powerpoint/2015/main" val="1"/>
                 </p:ext>
               </p:extLst>
             </p:nvPr>
@@ -11811,10 +11812,10 @@
             <p:cNvPr id="43" name="Freeform 8">
               <a:extLst>
                 <a:ext uri="{FF2B5EF4-FFF2-40B4-BE49-F238E27FC236}">
-                  <a16:creationId xmlns:a16="http://schemas.microsoft.com/office/drawing/2014/main" xmlns="" id="{F290F0DD-E80A-4263-94E1-A41F57D84CC5}"/>
+                  <a16:creationId xmlns="" xmlns:a16="http://schemas.microsoft.com/office/drawing/2014/main" id="{F290F0DD-E80A-4263-94E1-A41F57D84CC5}"/>
                 </a:ext>
                 <a:ext uri="{C183D7F6-B498-43B3-948B-1728B52AA6E4}">
-                  <adec:decorative xmlns:adec="http://schemas.microsoft.com/office/drawing/2017/decorative" xmlns="" val="1"/>
+                  <adec:decorative xmlns="" xmlns:adec="http://schemas.microsoft.com/office/drawing/2017/decorative" val="1"/>
                 </a:ext>
               </a:extLst>
             </p:cNvPr>
@@ -11822,7 +11823,7 @@
             <p:nvPr>
               <p:extLst>
                 <p:ext uri="{386F3935-93C4-4BCD-93E2-E3B085C9AB24}">
-                  <p16:designElem xmlns:p16="http://schemas.microsoft.com/office/powerpoint/2015/main" xmlns="" val="1"/>
+                  <p16:designElem xmlns="" xmlns:p16="http://schemas.microsoft.com/office/powerpoint/2015/main" val="1"/>
                 </p:ext>
               </p:extLst>
             </p:nvPr>
@@ -11872,10 +11873,10 @@
             <p:cNvPr id="44" name="Freeform 9">
               <a:extLst>
                 <a:ext uri="{FF2B5EF4-FFF2-40B4-BE49-F238E27FC236}">
-                  <a16:creationId xmlns:a16="http://schemas.microsoft.com/office/drawing/2014/main" xmlns="" id="{D78EA7D2-CCEA-435E-873D-36BF0522FFED}"/>
+                  <a16:creationId xmlns="" xmlns:a16="http://schemas.microsoft.com/office/drawing/2014/main" id="{D78EA7D2-CCEA-435E-873D-36BF0522FFED}"/>
                 </a:ext>
                 <a:ext uri="{C183D7F6-B498-43B3-948B-1728B52AA6E4}">
-                  <adec:decorative xmlns:adec="http://schemas.microsoft.com/office/drawing/2017/decorative" xmlns="" val="1"/>
+                  <adec:decorative xmlns="" xmlns:adec="http://schemas.microsoft.com/office/drawing/2017/decorative" val="1"/>
                 </a:ext>
               </a:extLst>
             </p:cNvPr>
@@ -11883,7 +11884,7 @@
             <p:nvPr>
               <p:extLst>
                 <p:ext uri="{386F3935-93C4-4BCD-93E2-E3B085C9AB24}">
-                  <p16:designElem xmlns:p16="http://schemas.microsoft.com/office/powerpoint/2015/main" xmlns="" val="1"/>
+                  <p16:designElem xmlns="" xmlns:p16="http://schemas.microsoft.com/office/powerpoint/2015/main" val="1"/>
                 </p:ext>
               </p:extLst>
             </p:nvPr>
@@ -11932,10 +11933,10 @@
             <p:cNvPr id="45" name="Freeform 10">
               <a:extLst>
                 <a:ext uri="{FF2B5EF4-FFF2-40B4-BE49-F238E27FC236}">
-                  <a16:creationId xmlns:a16="http://schemas.microsoft.com/office/drawing/2014/main" xmlns="" id="{9DFA731E-D6BB-42CC-AA05-64023DC81FE6}"/>
+                  <a16:creationId xmlns="" xmlns:a16="http://schemas.microsoft.com/office/drawing/2014/main" id="{9DFA731E-D6BB-42CC-AA05-64023DC81FE6}"/>
                 </a:ext>
                 <a:ext uri="{C183D7F6-B498-43B3-948B-1728B52AA6E4}">
-                  <adec:decorative xmlns:adec="http://schemas.microsoft.com/office/drawing/2017/decorative" xmlns="" val="1"/>
+                  <adec:decorative xmlns="" xmlns:adec="http://schemas.microsoft.com/office/drawing/2017/decorative" val="1"/>
                 </a:ext>
               </a:extLst>
             </p:cNvPr>
@@ -11943,7 +11944,7 @@
             <p:nvPr>
               <p:extLst>
                 <p:ext uri="{386F3935-93C4-4BCD-93E2-E3B085C9AB24}">
-                  <p16:designElem xmlns:p16="http://schemas.microsoft.com/office/powerpoint/2015/main" xmlns="" val="1"/>
+                  <p16:designElem xmlns="" xmlns:p16="http://schemas.microsoft.com/office/powerpoint/2015/main" val="1"/>
                 </p:ext>
               </p:extLst>
             </p:nvPr>
@@ -11998,10 +11999,10 @@
             <p:cNvPr id="46" name="Freeform 11">
               <a:extLst>
                 <a:ext uri="{FF2B5EF4-FFF2-40B4-BE49-F238E27FC236}">
-                  <a16:creationId xmlns:a16="http://schemas.microsoft.com/office/drawing/2014/main" xmlns="" id="{B00D0483-90FB-4EB4-9770-CA8A310D503B}"/>
+                  <a16:creationId xmlns="" xmlns:a16="http://schemas.microsoft.com/office/drawing/2014/main" id="{B00D0483-90FB-4EB4-9770-CA8A310D503B}"/>
                 </a:ext>
                 <a:ext uri="{C183D7F6-B498-43B3-948B-1728B52AA6E4}">
-                  <adec:decorative xmlns:adec="http://schemas.microsoft.com/office/drawing/2017/decorative" xmlns="" val="1"/>
+                  <adec:decorative xmlns="" xmlns:adec="http://schemas.microsoft.com/office/drawing/2017/decorative" val="1"/>
                 </a:ext>
               </a:extLst>
             </p:cNvPr>
@@ -12009,7 +12010,7 @@
             <p:nvPr>
               <p:extLst>
                 <p:ext uri="{386F3935-93C4-4BCD-93E2-E3B085C9AB24}">
-                  <p16:designElem xmlns:p16="http://schemas.microsoft.com/office/powerpoint/2015/main" xmlns="" val="1"/>
+                  <p16:designElem xmlns="" xmlns:p16="http://schemas.microsoft.com/office/powerpoint/2015/main" val="1"/>
                 </p:ext>
               </p:extLst>
             </p:nvPr>
@@ -12078,7 +12079,7 @@
           <p:cNvPr id="2" name="Title 1">
             <a:extLst>
               <a:ext uri="{FF2B5EF4-FFF2-40B4-BE49-F238E27FC236}">
-                <a16:creationId xmlns:a16="http://schemas.microsoft.com/office/drawing/2014/main" xmlns="" id="{339A428F-DE24-F24B-B03E-D8A9E51064E5}"/>
+                <a16:creationId xmlns="" xmlns:a16="http://schemas.microsoft.com/office/drawing/2014/main" id="{339A428F-DE24-F24B-B03E-D8A9E51064E5}"/>
               </a:ext>
             </a:extLst>
           </p:cNvPr>
@@ -12114,10 +12115,10 @@
           <p:cNvPr id="48" name="Rounded Rectangle 16">
             <a:extLst>
               <a:ext uri="{FF2B5EF4-FFF2-40B4-BE49-F238E27FC236}">
-                <a16:creationId xmlns:a16="http://schemas.microsoft.com/office/drawing/2014/main" xmlns="" id="{DD7EED39-224E-4230-8FD1-B1E1AF6C6E36}"/>
+                <a16:creationId xmlns="" xmlns:a16="http://schemas.microsoft.com/office/drawing/2014/main" id="{DD7EED39-224E-4230-8FD1-B1E1AF6C6E36}"/>
               </a:ext>
               <a:ext uri="{C183D7F6-B498-43B3-948B-1728B52AA6E4}">
-                <adec:decorative xmlns:adec="http://schemas.microsoft.com/office/drawing/2017/decorative" xmlns="" val="1"/>
+                <adec:decorative xmlns="" xmlns:adec="http://schemas.microsoft.com/office/drawing/2017/decorative" val="1"/>
               </a:ext>
             </a:extLst>
           </p:cNvPr>
@@ -12127,7 +12128,7 @@
           <p:nvPr>
             <p:extLst>
               <p:ext uri="{386F3935-93C4-4BCD-93E2-E3B085C9AB24}">
-                <p16:designElem xmlns:p16="http://schemas.microsoft.com/office/powerpoint/2015/main" xmlns="" val="1"/>
+                <p16:designElem xmlns="" xmlns:p16="http://schemas.microsoft.com/office/powerpoint/2015/main" val="1"/>
               </p:ext>
             </p:extLst>
           </p:nvPr>
@@ -12199,7 +12200,7 @@
           <p:cNvPr id="20" name="TextBox 19">
             <a:extLst>
               <a:ext uri="{FF2B5EF4-FFF2-40B4-BE49-F238E27FC236}">
-                <a16:creationId xmlns:a16="http://schemas.microsoft.com/office/drawing/2014/main" xmlns="" id="{0983CF5F-AED5-EA43-B332-EF09D66427D2}"/>
+                <a16:creationId xmlns="" xmlns:a16="http://schemas.microsoft.com/office/drawing/2014/main" id="{0983CF5F-AED5-EA43-B332-EF09D66427D2}"/>
               </a:ext>
             </a:extLst>
           </p:cNvPr>
@@ -12516,10 +12517,10 @@
           <p:cNvPr id="47" name="Group 31">
             <a:extLst>
               <a:ext uri="{FF2B5EF4-FFF2-40B4-BE49-F238E27FC236}">
-                <a16:creationId xmlns:a16="http://schemas.microsoft.com/office/drawing/2014/main" xmlns="" id="{260ACC13-B825-49F3-93DE-C8B8F2FA37A1}"/>
+                <a16:creationId xmlns="" xmlns:a16="http://schemas.microsoft.com/office/drawing/2014/main" id="{260ACC13-B825-49F3-93DE-C8B8F2FA37A1}"/>
               </a:ext>
               <a:ext uri="{C183D7F6-B498-43B3-948B-1728B52AA6E4}">
-                <adec:decorative xmlns:adec="http://schemas.microsoft.com/office/drawing/2017/decorative" xmlns="" val="1"/>
+                <adec:decorative xmlns="" xmlns:adec="http://schemas.microsoft.com/office/drawing/2017/decorative" val="1"/>
               </a:ext>
             </a:extLst>
           </p:cNvPr>
@@ -12529,7 +12530,7 @@
           <p:nvPr>
             <p:extLst>
               <p:ext uri="{386F3935-93C4-4BCD-93E2-E3B085C9AB24}">
-                <p16:designElem xmlns:p16="http://schemas.microsoft.com/office/powerpoint/2015/main" xmlns="" val="1"/>
+                <p16:designElem xmlns="" xmlns:p16="http://schemas.microsoft.com/office/powerpoint/2015/main" val="1"/>
               </p:ext>
             </p:extLst>
           </p:nvPr>
@@ -12547,10 +12548,10 @@
             <p:cNvPr id="33" name="Freeform 6">
               <a:extLst>
                 <a:ext uri="{FF2B5EF4-FFF2-40B4-BE49-F238E27FC236}">
-                  <a16:creationId xmlns:a16="http://schemas.microsoft.com/office/drawing/2014/main" xmlns="" id="{F947B31F-CA03-4793-845D-FD86BABC1A18}"/>
+                  <a16:creationId xmlns="" xmlns:a16="http://schemas.microsoft.com/office/drawing/2014/main" id="{F947B31F-CA03-4793-845D-FD86BABC1A18}"/>
                 </a:ext>
                 <a:ext uri="{C183D7F6-B498-43B3-948B-1728B52AA6E4}">
-                  <adec:decorative xmlns:adec="http://schemas.microsoft.com/office/drawing/2017/decorative" xmlns="" val="1"/>
+                  <adec:decorative xmlns="" xmlns:adec="http://schemas.microsoft.com/office/drawing/2017/decorative" val="1"/>
                 </a:ext>
               </a:extLst>
             </p:cNvPr>
@@ -12558,7 +12559,7 @@
             <p:nvPr>
               <p:extLst>
                 <p:ext uri="{386F3935-93C4-4BCD-93E2-E3B085C9AB24}">
-                  <p16:designElem xmlns:p16="http://schemas.microsoft.com/office/powerpoint/2015/main" xmlns="" val="1"/>
+                  <p16:designElem xmlns="" xmlns:p16="http://schemas.microsoft.com/office/powerpoint/2015/main" val="1"/>
                 </p:ext>
               </p:extLst>
             </p:nvPr>
@@ -12608,10 +12609,10 @@
             <p:cNvPr id="34" name="Freeform 7">
               <a:extLst>
                 <a:ext uri="{FF2B5EF4-FFF2-40B4-BE49-F238E27FC236}">
-                  <a16:creationId xmlns:a16="http://schemas.microsoft.com/office/drawing/2014/main" xmlns="" id="{DCDDE94D-F78C-4A48-AEA6-E922FC99A159}"/>
+                  <a16:creationId xmlns="" xmlns:a16="http://schemas.microsoft.com/office/drawing/2014/main" id="{DCDDE94D-F78C-4A48-AEA6-E922FC99A159}"/>
                 </a:ext>
                 <a:ext uri="{C183D7F6-B498-43B3-948B-1728B52AA6E4}">
-                  <adec:decorative xmlns:adec="http://schemas.microsoft.com/office/drawing/2017/decorative" xmlns="" val="1"/>
+                  <adec:decorative xmlns="" xmlns:adec="http://schemas.microsoft.com/office/drawing/2017/decorative" val="1"/>
                 </a:ext>
               </a:extLst>
             </p:cNvPr>
@@ -12619,7 +12620,7 @@
             <p:nvPr>
               <p:extLst>
                 <p:ext uri="{386F3935-93C4-4BCD-93E2-E3B085C9AB24}">
-                  <p16:designElem xmlns:p16="http://schemas.microsoft.com/office/powerpoint/2015/main" xmlns="" val="1"/>
+                  <p16:designElem xmlns="" xmlns:p16="http://schemas.microsoft.com/office/powerpoint/2015/main" val="1"/>
                 </p:ext>
               </p:extLst>
             </p:nvPr>
@@ -12672,10 +12673,10 @@
             <p:cNvPr id="35" name="Freeform 8">
               <a:extLst>
                 <a:ext uri="{FF2B5EF4-FFF2-40B4-BE49-F238E27FC236}">
-                  <a16:creationId xmlns:a16="http://schemas.microsoft.com/office/drawing/2014/main" xmlns="" id="{3445A886-F3CA-4DE4-90D7-535F9707B799}"/>
+                  <a16:creationId xmlns="" xmlns:a16="http://schemas.microsoft.com/office/drawing/2014/main" id="{3445A886-F3CA-4DE4-90D7-535F9707B799}"/>
                 </a:ext>
                 <a:ext uri="{C183D7F6-B498-43B3-948B-1728B52AA6E4}">
-                  <adec:decorative xmlns:adec="http://schemas.microsoft.com/office/drawing/2017/decorative" xmlns="" val="1"/>
+                  <adec:decorative xmlns="" xmlns:adec="http://schemas.microsoft.com/office/drawing/2017/decorative" val="1"/>
                 </a:ext>
               </a:extLst>
             </p:cNvPr>
@@ -12683,7 +12684,7 @@
             <p:nvPr>
               <p:extLst>
                 <p:ext uri="{386F3935-93C4-4BCD-93E2-E3B085C9AB24}">
-                  <p16:designElem xmlns:p16="http://schemas.microsoft.com/office/powerpoint/2015/main" xmlns="" val="1"/>
+                  <p16:designElem xmlns="" xmlns:p16="http://schemas.microsoft.com/office/powerpoint/2015/main" val="1"/>
                 </p:ext>
               </p:extLst>
             </p:nvPr>
@@ -12733,10 +12734,10 @@
             <p:cNvPr id="36" name="Freeform 9">
               <a:extLst>
                 <a:ext uri="{FF2B5EF4-FFF2-40B4-BE49-F238E27FC236}">
-                  <a16:creationId xmlns:a16="http://schemas.microsoft.com/office/drawing/2014/main" xmlns="" id="{A8999CB6-C053-418B-AE37-E470804D251D}"/>
+                  <a16:creationId xmlns="" xmlns:a16="http://schemas.microsoft.com/office/drawing/2014/main" id="{A8999CB6-C053-418B-AE37-E470804D251D}"/>
                 </a:ext>
                 <a:ext uri="{C183D7F6-B498-43B3-948B-1728B52AA6E4}">
-                  <adec:decorative xmlns:adec="http://schemas.microsoft.com/office/drawing/2017/decorative" xmlns="" val="1"/>
+                  <adec:decorative xmlns="" xmlns:adec="http://schemas.microsoft.com/office/drawing/2017/decorative" val="1"/>
                 </a:ext>
               </a:extLst>
             </p:cNvPr>
@@ -12744,7 +12745,7 @@
             <p:nvPr>
               <p:extLst>
                 <p:ext uri="{386F3935-93C4-4BCD-93E2-E3B085C9AB24}">
-                  <p16:designElem xmlns:p16="http://schemas.microsoft.com/office/powerpoint/2015/main" xmlns="" val="1"/>
+                  <p16:designElem xmlns="" xmlns:p16="http://schemas.microsoft.com/office/powerpoint/2015/main" val="1"/>
                 </p:ext>
               </p:extLst>
             </p:nvPr>
@@ -12793,10 +12794,10 @@
             <p:cNvPr id="37" name="Freeform 10">
               <a:extLst>
                 <a:ext uri="{FF2B5EF4-FFF2-40B4-BE49-F238E27FC236}">
-                  <a16:creationId xmlns:a16="http://schemas.microsoft.com/office/drawing/2014/main" xmlns="" id="{81EA3E26-BFCD-4396-AE8A-2A9828BFFBA2}"/>
+                  <a16:creationId xmlns="" xmlns:a16="http://schemas.microsoft.com/office/drawing/2014/main" id="{81EA3E26-BFCD-4396-AE8A-2A9828BFFBA2}"/>
                 </a:ext>
                 <a:ext uri="{C183D7F6-B498-43B3-948B-1728B52AA6E4}">
-                  <adec:decorative xmlns:adec="http://schemas.microsoft.com/office/drawing/2017/decorative" xmlns="" val="1"/>
+                  <adec:decorative xmlns="" xmlns:adec="http://schemas.microsoft.com/office/drawing/2017/decorative" val="1"/>
                 </a:ext>
               </a:extLst>
             </p:cNvPr>
@@ -12804,7 +12805,7 @@
             <p:nvPr>
               <p:extLst>
                 <p:ext uri="{386F3935-93C4-4BCD-93E2-E3B085C9AB24}">
-                  <p16:designElem xmlns:p16="http://schemas.microsoft.com/office/powerpoint/2015/main" xmlns="" val="1"/>
+                  <p16:designElem xmlns="" xmlns:p16="http://schemas.microsoft.com/office/powerpoint/2015/main" val="1"/>
                 </p:ext>
               </p:extLst>
             </p:nvPr>
@@ -12859,10 +12860,10 @@
             <p:cNvPr id="38" name="Freeform 11">
               <a:extLst>
                 <a:ext uri="{FF2B5EF4-FFF2-40B4-BE49-F238E27FC236}">
-                  <a16:creationId xmlns:a16="http://schemas.microsoft.com/office/drawing/2014/main" xmlns="" id="{5F9BC582-73A6-4D8A-8738-E36476489351}"/>
+                  <a16:creationId xmlns="" xmlns:a16="http://schemas.microsoft.com/office/drawing/2014/main" id="{5F9BC582-73A6-4D8A-8738-E36476489351}"/>
                 </a:ext>
                 <a:ext uri="{C183D7F6-B498-43B3-948B-1728B52AA6E4}">
-                  <adec:decorative xmlns:adec="http://schemas.microsoft.com/office/drawing/2017/decorative" xmlns="" val="1"/>
+                  <adec:decorative xmlns="" xmlns:adec="http://schemas.microsoft.com/office/drawing/2017/decorative" val="1"/>
                 </a:ext>
               </a:extLst>
             </p:cNvPr>
@@ -12870,7 +12871,7 @@
             <p:nvPr>
               <p:extLst>
                 <p:ext uri="{386F3935-93C4-4BCD-93E2-E3B085C9AB24}">
-                  <p16:designElem xmlns:p16="http://schemas.microsoft.com/office/powerpoint/2015/main" xmlns="" val="1"/>
+                  <p16:designElem xmlns="" xmlns:p16="http://schemas.microsoft.com/office/powerpoint/2015/main" val="1"/>
                 </p:ext>
               </p:extLst>
             </p:nvPr>
@@ -12939,10 +12940,10 @@
           <p:cNvPr id="40" name="Group 39">
             <a:extLst>
               <a:ext uri="{FF2B5EF4-FFF2-40B4-BE49-F238E27FC236}">
-                <a16:creationId xmlns:a16="http://schemas.microsoft.com/office/drawing/2014/main" xmlns="" id="{A2E861A3-F23C-46B8-A38A-4A22E453D993}"/>
+                <a16:creationId xmlns="" xmlns:a16="http://schemas.microsoft.com/office/drawing/2014/main" id="{A2E861A3-F23C-46B8-A38A-4A22E453D993}"/>
               </a:ext>
               <a:ext uri="{C183D7F6-B498-43B3-948B-1728B52AA6E4}">
-                <adec:decorative xmlns:adec="http://schemas.microsoft.com/office/drawing/2017/decorative" xmlns="" val="1"/>
+                <adec:decorative xmlns="" xmlns:adec="http://schemas.microsoft.com/office/drawing/2017/decorative" val="1"/>
               </a:ext>
             </a:extLst>
           </p:cNvPr>
@@ -12952,7 +12953,7 @@
           <p:nvPr>
             <p:extLst>
               <p:ext uri="{386F3935-93C4-4BCD-93E2-E3B085C9AB24}">
-                <p16:designElem xmlns:p16="http://schemas.microsoft.com/office/powerpoint/2015/main" xmlns="" val="1"/>
+                <p16:designElem xmlns="" xmlns:p16="http://schemas.microsoft.com/office/powerpoint/2015/main" val="1"/>
               </p:ext>
             </p:extLst>
           </p:nvPr>
@@ -12970,10 +12971,10 @@
             <p:cNvPr id="41" name="Freeform 6">
               <a:extLst>
                 <a:ext uri="{FF2B5EF4-FFF2-40B4-BE49-F238E27FC236}">
-                  <a16:creationId xmlns:a16="http://schemas.microsoft.com/office/drawing/2014/main" xmlns="" id="{8BC3D220-643B-4160-B5A9-59DF5D21F410}"/>
+                  <a16:creationId xmlns="" xmlns:a16="http://schemas.microsoft.com/office/drawing/2014/main" id="{8BC3D220-643B-4160-B5A9-59DF5D21F410}"/>
                 </a:ext>
                 <a:ext uri="{C183D7F6-B498-43B3-948B-1728B52AA6E4}">
-                  <adec:decorative xmlns:adec="http://schemas.microsoft.com/office/drawing/2017/decorative" xmlns="" val="1"/>
+                  <adec:decorative xmlns="" xmlns:adec="http://schemas.microsoft.com/office/drawing/2017/decorative" val="1"/>
                 </a:ext>
               </a:extLst>
             </p:cNvPr>
@@ -12981,7 +12982,7 @@
             <p:nvPr>
               <p:extLst>
                 <p:ext uri="{386F3935-93C4-4BCD-93E2-E3B085C9AB24}">
-                  <p16:designElem xmlns:p16="http://schemas.microsoft.com/office/powerpoint/2015/main" xmlns="" val="1"/>
+                  <p16:designElem xmlns="" xmlns:p16="http://schemas.microsoft.com/office/powerpoint/2015/main" val="1"/>
                 </p:ext>
               </p:extLst>
             </p:nvPr>
@@ -13031,10 +13032,10 @@
             <p:cNvPr id="42" name="Freeform 7">
               <a:extLst>
                 <a:ext uri="{FF2B5EF4-FFF2-40B4-BE49-F238E27FC236}">
-                  <a16:creationId xmlns:a16="http://schemas.microsoft.com/office/drawing/2014/main" xmlns="" id="{B92237DE-D518-4625-8392-66D7084588A0}"/>
+                  <a16:creationId xmlns="" xmlns:a16="http://schemas.microsoft.com/office/drawing/2014/main" id="{B92237DE-D518-4625-8392-66D7084588A0}"/>
                 </a:ext>
                 <a:ext uri="{C183D7F6-B498-43B3-948B-1728B52AA6E4}">
-                  <adec:decorative xmlns:adec="http://schemas.microsoft.com/office/drawing/2017/decorative" xmlns="" val="1"/>
+                  <adec:decorative xmlns="" xmlns:adec="http://schemas.microsoft.com/office/drawing/2017/decorative" val="1"/>
                 </a:ext>
               </a:extLst>
             </p:cNvPr>
@@ -13042,7 +13043,7 @@
             <p:nvPr>
               <p:extLst>
                 <p:ext uri="{386F3935-93C4-4BCD-93E2-E3B085C9AB24}">
-                  <p16:designElem xmlns:p16="http://schemas.microsoft.com/office/powerpoint/2015/main" xmlns="" val="1"/>
+                  <p16:designElem xmlns="" xmlns:p16="http://schemas.microsoft.com/office/powerpoint/2015/main" val="1"/>
                 </p:ext>
               </p:extLst>
             </p:nvPr>
@@ -13095,10 +13096,10 @@
             <p:cNvPr id="43" name="Freeform 8">
               <a:extLst>
                 <a:ext uri="{FF2B5EF4-FFF2-40B4-BE49-F238E27FC236}">
-                  <a16:creationId xmlns:a16="http://schemas.microsoft.com/office/drawing/2014/main" xmlns="" id="{F290F0DD-E80A-4263-94E1-A41F57D84CC5}"/>
+                  <a16:creationId xmlns="" xmlns:a16="http://schemas.microsoft.com/office/drawing/2014/main" id="{F290F0DD-E80A-4263-94E1-A41F57D84CC5}"/>
                 </a:ext>
                 <a:ext uri="{C183D7F6-B498-43B3-948B-1728B52AA6E4}">
-                  <adec:decorative xmlns:adec="http://schemas.microsoft.com/office/drawing/2017/decorative" xmlns="" val="1"/>
+                  <adec:decorative xmlns="" xmlns:adec="http://schemas.microsoft.com/office/drawing/2017/decorative" val="1"/>
                 </a:ext>
               </a:extLst>
             </p:cNvPr>
@@ -13106,7 +13107,7 @@
             <p:nvPr>
               <p:extLst>
                 <p:ext uri="{386F3935-93C4-4BCD-93E2-E3B085C9AB24}">
-                  <p16:designElem xmlns:p16="http://schemas.microsoft.com/office/powerpoint/2015/main" xmlns="" val="1"/>
+                  <p16:designElem xmlns="" xmlns:p16="http://schemas.microsoft.com/office/powerpoint/2015/main" val="1"/>
                 </p:ext>
               </p:extLst>
             </p:nvPr>
@@ -13156,10 +13157,10 @@
             <p:cNvPr id="44" name="Freeform 9">
               <a:extLst>
                 <a:ext uri="{FF2B5EF4-FFF2-40B4-BE49-F238E27FC236}">
-                  <a16:creationId xmlns:a16="http://schemas.microsoft.com/office/drawing/2014/main" xmlns="" id="{D78EA7D2-CCEA-435E-873D-36BF0522FFED}"/>
+                  <a16:creationId xmlns="" xmlns:a16="http://schemas.microsoft.com/office/drawing/2014/main" id="{D78EA7D2-CCEA-435E-873D-36BF0522FFED}"/>
                 </a:ext>
                 <a:ext uri="{C183D7F6-B498-43B3-948B-1728B52AA6E4}">
-                  <adec:decorative xmlns:adec="http://schemas.microsoft.com/office/drawing/2017/decorative" xmlns="" val="1"/>
+                  <adec:decorative xmlns="" xmlns:adec="http://schemas.microsoft.com/office/drawing/2017/decorative" val="1"/>
                 </a:ext>
               </a:extLst>
             </p:cNvPr>
@@ -13167,7 +13168,7 @@
             <p:nvPr>
               <p:extLst>
                 <p:ext uri="{386F3935-93C4-4BCD-93E2-E3B085C9AB24}">
-                  <p16:designElem xmlns:p16="http://schemas.microsoft.com/office/powerpoint/2015/main" xmlns="" val="1"/>
+                  <p16:designElem xmlns="" xmlns:p16="http://schemas.microsoft.com/office/powerpoint/2015/main" val="1"/>
                 </p:ext>
               </p:extLst>
             </p:nvPr>
@@ -13216,10 +13217,10 @@
             <p:cNvPr id="45" name="Freeform 10">
               <a:extLst>
                 <a:ext uri="{FF2B5EF4-FFF2-40B4-BE49-F238E27FC236}">
-                  <a16:creationId xmlns:a16="http://schemas.microsoft.com/office/drawing/2014/main" xmlns="" id="{9DFA731E-D6BB-42CC-AA05-64023DC81FE6}"/>
+                  <a16:creationId xmlns="" xmlns:a16="http://schemas.microsoft.com/office/drawing/2014/main" id="{9DFA731E-D6BB-42CC-AA05-64023DC81FE6}"/>
                 </a:ext>
                 <a:ext uri="{C183D7F6-B498-43B3-948B-1728B52AA6E4}">
-                  <adec:decorative xmlns:adec="http://schemas.microsoft.com/office/drawing/2017/decorative" xmlns="" val="1"/>
+                  <adec:decorative xmlns="" xmlns:adec="http://schemas.microsoft.com/office/drawing/2017/decorative" val="1"/>
                 </a:ext>
               </a:extLst>
             </p:cNvPr>
@@ -13227,7 +13228,7 @@
             <p:nvPr>
               <p:extLst>
                 <p:ext uri="{386F3935-93C4-4BCD-93E2-E3B085C9AB24}">
-                  <p16:designElem xmlns:p16="http://schemas.microsoft.com/office/powerpoint/2015/main" xmlns="" val="1"/>
+                  <p16:designElem xmlns="" xmlns:p16="http://schemas.microsoft.com/office/powerpoint/2015/main" val="1"/>
                 </p:ext>
               </p:extLst>
             </p:nvPr>
@@ -13282,10 +13283,10 @@
             <p:cNvPr id="46" name="Freeform 11">
               <a:extLst>
                 <a:ext uri="{FF2B5EF4-FFF2-40B4-BE49-F238E27FC236}">
-                  <a16:creationId xmlns:a16="http://schemas.microsoft.com/office/drawing/2014/main" xmlns="" id="{B00D0483-90FB-4EB4-9770-CA8A310D503B}"/>
+                  <a16:creationId xmlns="" xmlns:a16="http://schemas.microsoft.com/office/drawing/2014/main" id="{B00D0483-90FB-4EB4-9770-CA8A310D503B}"/>
                 </a:ext>
                 <a:ext uri="{C183D7F6-B498-43B3-948B-1728B52AA6E4}">
-                  <adec:decorative xmlns:adec="http://schemas.microsoft.com/office/drawing/2017/decorative" xmlns="" val="1"/>
+                  <adec:decorative xmlns="" xmlns:adec="http://schemas.microsoft.com/office/drawing/2017/decorative" val="1"/>
                 </a:ext>
               </a:extLst>
             </p:cNvPr>
@@ -13293,7 +13294,7 @@
             <p:nvPr>
               <p:extLst>
                 <p:ext uri="{386F3935-93C4-4BCD-93E2-E3B085C9AB24}">
-                  <p16:designElem xmlns:p16="http://schemas.microsoft.com/office/powerpoint/2015/main" xmlns="" val="1"/>
+                  <p16:designElem xmlns="" xmlns:p16="http://schemas.microsoft.com/office/powerpoint/2015/main" val="1"/>
                 </p:ext>
               </p:extLst>
             </p:nvPr>
@@ -13362,7 +13363,7 @@
           <p:cNvPr id="2" name="Title 1">
             <a:extLst>
               <a:ext uri="{FF2B5EF4-FFF2-40B4-BE49-F238E27FC236}">
-                <a16:creationId xmlns:a16="http://schemas.microsoft.com/office/drawing/2014/main" xmlns="" id="{339A428F-DE24-F24B-B03E-D8A9E51064E5}"/>
+                <a16:creationId xmlns="" xmlns:a16="http://schemas.microsoft.com/office/drawing/2014/main" id="{339A428F-DE24-F24B-B03E-D8A9E51064E5}"/>
               </a:ext>
             </a:extLst>
           </p:cNvPr>
@@ -13398,10 +13399,10 @@
           <p:cNvPr id="48" name="Rounded Rectangle 16">
             <a:extLst>
               <a:ext uri="{FF2B5EF4-FFF2-40B4-BE49-F238E27FC236}">
-                <a16:creationId xmlns:a16="http://schemas.microsoft.com/office/drawing/2014/main" xmlns="" id="{DD7EED39-224E-4230-8FD1-B1E1AF6C6E36}"/>
+                <a16:creationId xmlns="" xmlns:a16="http://schemas.microsoft.com/office/drawing/2014/main" id="{DD7EED39-224E-4230-8FD1-B1E1AF6C6E36}"/>
               </a:ext>
               <a:ext uri="{C183D7F6-B498-43B3-948B-1728B52AA6E4}">
-                <adec:decorative xmlns:adec="http://schemas.microsoft.com/office/drawing/2017/decorative" xmlns="" val="1"/>
+                <adec:decorative xmlns="" xmlns:adec="http://schemas.microsoft.com/office/drawing/2017/decorative" val="1"/>
               </a:ext>
             </a:extLst>
           </p:cNvPr>
@@ -13411,7 +13412,7 @@
           <p:nvPr>
             <p:extLst>
               <p:ext uri="{386F3935-93C4-4BCD-93E2-E3B085C9AB24}">
-                <p16:designElem xmlns:p16="http://schemas.microsoft.com/office/powerpoint/2015/main" xmlns="" val="1"/>
+                <p16:designElem xmlns="" xmlns:p16="http://schemas.microsoft.com/office/powerpoint/2015/main" val="1"/>
               </p:ext>
             </p:extLst>
           </p:nvPr>
@@ -13483,7 +13484,7 @@
           <p:cNvPr id="20" name="TextBox 19">
             <a:extLst>
               <a:ext uri="{FF2B5EF4-FFF2-40B4-BE49-F238E27FC236}">
-                <a16:creationId xmlns:a16="http://schemas.microsoft.com/office/drawing/2014/main" xmlns="" id="{0983CF5F-AED5-EA43-B332-EF09D66427D2}"/>
+                <a16:creationId xmlns="" xmlns:a16="http://schemas.microsoft.com/office/drawing/2014/main" id="{0983CF5F-AED5-EA43-B332-EF09D66427D2}"/>
               </a:ext>
             </a:extLst>
           </p:cNvPr>
@@ -13813,10 +13814,10 @@
           <p:cNvPr id="47" name="Group 31">
             <a:extLst>
               <a:ext uri="{FF2B5EF4-FFF2-40B4-BE49-F238E27FC236}">
-                <a16:creationId xmlns:a16="http://schemas.microsoft.com/office/drawing/2014/main" xmlns="" id="{260ACC13-B825-49F3-93DE-C8B8F2FA37A1}"/>
+                <a16:creationId xmlns="" xmlns:a16="http://schemas.microsoft.com/office/drawing/2014/main" id="{260ACC13-B825-49F3-93DE-C8B8F2FA37A1}"/>
               </a:ext>
               <a:ext uri="{C183D7F6-B498-43B3-948B-1728B52AA6E4}">
-                <adec:decorative xmlns:adec="http://schemas.microsoft.com/office/drawing/2017/decorative" xmlns="" val="1"/>
+                <adec:decorative xmlns="" xmlns:adec="http://schemas.microsoft.com/office/drawing/2017/decorative" val="1"/>
               </a:ext>
             </a:extLst>
           </p:cNvPr>
@@ -13826,7 +13827,7 @@
           <p:nvPr>
             <p:extLst>
               <p:ext uri="{386F3935-93C4-4BCD-93E2-E3B085C9AB24}">
-                <p16:designElem xmlns:p16="http://schemas.microsoft.com/office/powerpoint/2015/main" xmlns="" val="1"/>
+                <p16:designElem xmlns="" xmlns:p16="http://schemas.microsoft.com/office/powerpoint/2015/main" val="1"/>
               </p:ext>
             </p:extLst>
           </p:nvPr>
@@ -13844,10 +13845,10 @@
             <p:cNvPr id="33" name="Freeform 6">
               <a:extLst>
                 <a:ext uri="{FF2B5EF4-FFF2-40B4-BE49-F238E27FC236}">
-                  <a16:creationId xmlns:a16="http://schemas.microsoft.com/office/drawing/2014/main" xmlns="" id="{F947B31F-CA03-4793-845D-FD86BABC1A18}"/>
+                  <a16:creationId xmlns="" xmlns:a16="http://schemas.microsoft.com/office/drawing/2014/main" id="{F947B31F-CA03-4793-845D-FD86BABC1A18}"/>
                 </a:ext>
                 <a:ext uri="{C183D7F6-B498-43B3-948B-1728B52AA6E4}">
-                  <adec:decorative xmlns:adec="http://schemas.microsoft.com/office/drawing/2017/decorative" xmlns="" val="1"/>
+                  <adec:decorative xmlns="" xmlns:adec="http://schemas.microsoft.com/office/drawing/2017/decorative" val="1"/>
                 </a:ext>
               </a:extLst>
             </p:cNvPr>
@@ -13855,7 +13856,7 @@
             <p:nvPr>
               <p:extLst>
                 <p:ext uri="{386F3935-93C4-4BCD-93E2-E3B085C9AB24}">
-                  <p16:designElem xmlns:p16="http://schemas.microsoft.com/office/powerpoint/2015/main" xmlns="" val="1"/>
+                  <p16:designElem xmlns="" xmlns:p16="http://schemas.microsoft.com/office/powerpoint/2015/main" val="1"/>
                 </p:ext>
               </p:extLst>
             </p:nvPr>
@@ -13905,10 +13906,10 @@
             <p:cNvPr id="34" name="Freeform 7">
               <a:extLst>
                 <a:ext uri="{FF2B5EF4-FFF2-40B4-BE49-F238E27FC236}">
-                  <a16:creationId xmlns:a16="http://schemas.microsoft.com/office/drawing/2014/main" xmlns="" id="{DCDDE94D-F78C-4A48-AEA6-E922FC99A159}"/>
+                  <a16:creationId xmlns="" xmlns:a16="http://schemas.microsoft.com/office/drawing/2014/main" id="{DCDDE94D-F78C-4A48-AEA6-E922FC99A159}"/>
                 </a:ext>
                 <a:ext uri="{C183D7F6-B498-43B3-948B-1728B52AA6E4}">
-                  <adec:decorative xmlns:adec="http://schemas.microsoft.com/office/drawing/2017/decorative" xmlns="" val="1"/>
+                  <adec:decorative xmlns="" xmlns:adec="http://schemas.microsoft.com/office/drawing/2017/decorative" val="1"/>
                 </a:ext>
               </a:extLst>
             </p:cNvPr>
@@ -13916,7 +13917,7 @@
             <p:nvPr>
               <p:extLst>
                 <p:ext uri="{386F3935-93C4-4BCD-93E2-E3B085C9AB24}">
-                  <p16:designElem xmlns:p16="http://schemas.microsoft.com/office/powerpoint/2015/main" xmlns="" val="1"/>
+                  <p16:designElem xmlns="" xmlns:p16="http://schemas.microsoft.com/office/powerpoint/2015/main" val="1"/>
                 </p:ext>
               </p:extLst>
             </p:nvPr>
@@ -13969,10 +13970,10 @@
             <p:cNvPr id="35" name="Freeform 8">
               <a:extLst>
                 <a:ext uri="{FF2B5EF4-FFF2-40B4-BE49-F238E27FC236}">
-                  <a16:creationId xmlns:a16="http://schemas.microsoft.com/office/drawing/2014/main" xmlns="" id="{3445A886-F3CA-4DE4-90D7-535F9707B799}"/>
+                  <a16:creationId xmlns="" xmlns:a16="http://schemas.microsoft.com/office/drawing/2014/main" id="{3445A886-F3CA-4DE4-90D7-535F9707B799}"/>
                 </a:ext>
                 <a:ext uri="{C183D7F6-B498-43B3-948B-1728B52AA6E4}">
-                  <adec:decorative xmlns:adec="http://schemas.microsoft.com/office/drawing/2017/decorative" xmlns="" val="1"/>
+                  <adec:decorative xmlns="" xmlns:adec="http://schemas.microsoft.com/office/drawing/2017/decorative" val="1"/>
                 </a:ext>
               </a:extLst>
             </p:cNvPr>
@@ -13980,7 +13981,7 @@
             <p:nvPr>
               <p:extLst>
                 <p:ext uri="{386F3935-93C4-4BCD-93E2-E3B085C9AB24}">
-                  <p16:designElem xmlns:p16="http://schemas.microsoft.com/office/powerpoint/2015/main" xmlns="" val="1"/>
+                  <p16:designElem xmlns="" xmlns:p16="http://schemas.microsoft.com/office/powerpoint/2015/main" val="1"/>
                 </p:ext>
               </p:extLst>
             </p:nvPr>
@@ -14030,10 +14031,10 @@
             <p:cNvPr id="36" name="Freeform 9">
               <a:extLst>
                 <a:ext uri="{FF2B5EF4-FFF2-40B4-BE49-F238E27FC236}">
-                  <a16:creationId xmlns:a16="http://schemas.microsoft.com/office/drawing/2014/main" xmlns="" id="{A8999CB6-C053-418B-AE37-E470804D251D}"/>
+                  <a16:creationId xmlns="" xmlns:a16="http://schemas.microsoft.com/office/drawing/2014/main" id="{A8999CB6-C053-418B-AE37-E470804D251D}"/>
                 </a:ext>
                 <a:ext uri="{C183D7F6-B498-43B3-948B-1728B52AA6E4}">
-                  <adec:decorative xmlns:adec="http://schemas.microsoft.com/office/drawing/2017/decorative" xmlns="" val="1"/>
+                  <adec:decorative xmlns="" xmlns:adec="http://schemas.microsoft.com/office/drawing/2017/decorative" val="1"/>
                 </a:ext>
               </a:extLst>
             </p:cNvPr>
@@ -14041,7 +14042,7 @@
             <p:nvPr>
               <p:extLst>
                 <p:ext uri="{386F3935-93C4-4BCD-93E2-E3B085C9AB24}">
-                  <p16:designElem xmlns:p16="http://schemas.microsoft.com/office/powerpoint/2015/main" xmlns="" val="1"/>
+                  <p16:designElem xmlns="" xmlns:p16="http://schemas.microsoft.com/office/powerpoint/2015/main" val="1"/>
                 </p:ext>
               </p:extLst>
             </p:nvPr>
@@ -14090,10 +14091,10 @@
             <p:cNvPr id="37" name="Freeform 10">
               <a:extLst>
                 <a:ext uri="{FF2B5EF4-FFF2-40B4-BE49-F238E27FC236}">
-                  <a16:creationId xmlns:a16="http://schemas.microsoft.com/office/drawing/2014/main" xmlns="" id="{81EA3E26-BFCD-4396-AE8A-2A9828BFFBA2}"/>
+                  <a16:creationId xmlns="" xmlns:a16="http://schemas.microsoft.com/office/drawing/2014/main" id="{81EA3E26-BFCD-4396-AE8A-2A9828BFFBA2}"/>
                 </a:ext>
                 <a:ext uri="{C183D7F6-B498-43B3-948B-1728B52AA6E4}">
-                  <adec:decorative xmlns:adec="http://schemas.microsoft.com/office/drawing/2017/decorative" xmlns="" val="1"/>
+                  <adec:decorative xmlns="" xmlns:adec="http://schemas.microsoft.com/office/drawing/2017/decorative" val="1"/>
                 </a:ext>
               </a:extLst>
             </p:cNvPr>
@@ -14101,7 +14102,7 @@
             <p:nvPr>
               <p:extLst>
                 <p:ext uri="{386F3935-93C4-4BCD-93E2-E3B085C9AB24}">
-                  <p16:designElem xmlns:p16="http://schemas.microsoft.com/office/powerpoint/2015/main" xmlns="" val="1"/>
+                  <p16:designElem xmlns="" xmlns:p16="http://schemas.microsoft.com/office/powerpoint/2015/main" val="1"/>
                 </p:ext>
               </p:extLst>
             </p:nvPr>
@@ -14156,10 +14157,10 @@
             <p:cNvPr id="38" name="Freeform 11">
               <a:extLst>
                 <a:ext uri="{FF2B5EF4-FFF2-40B4-BE49-F238E27FC236}">
-                  <a16:creationId xmlns:a16="http://schemas.microsoft.com/office/drawing/2014/main" xmlns="" id="{5F9BC582-73A6-4D8A-8738-E36476489351}"/>
+                  <a16:creationId xmlns="" xmlns:a16="http://schemas.microsoft.com/office/drawing/2014/main" id="{5F9BC582-73A6-4D8A-8738-E36476489351}"/>
                 </a:ext>
                 <a:ext uri="{C183D7F6-B498-43B3-948B-1728B52AA6E4}">
-                  <adec:decorative xmlns:adec="http://schemas.microsoft.com/office/drawing/2017/decorative" xmlns="" val="1"/>
+                  <adec:decorative xmlns="" xmlns:adec="http://schemas.microsoft.com/office/drawing/2017/decorative" val="1"/>
                 </a:ext>
               </a:extLst>
             </p:cNvPr>
@@ -14167,7 +14168,7 @@
             <p:nvPr>
               <p:extLst>
                 <p:ext uri="{386F3935-93C4-4BCD-93E2-E3B085C9AB24}">
-                  <p16:designElem xmlns:p16="http://schemas.microsoft.com/office/powerpoint/2015/main" xmlns="" val="1"/>
+                  <p16:designElem xmlns="" xmlns:p16="http://schemas.microsoft.com/office/powerpoint/2015/main" val="1"/>
                 </p:ext>
               </p:extLst>
             </p:nvPr>
@@ -14236,10 +14237,10 @@
           <p:cNvPr id="40" name="Group 39">
             <a:extLst>
               <a:ext uri="{FF2B5EF4-FFF2-40B4-BE49-F238E27FC236}">
-                <a16:creationId xmlns:a16="http://schemas.microsoft.com/office/drawing/2014/main" xmlns="" id="{A2E861A3-F23C-46B8-A38A-4A22E453D993}"/>
+                <a16:creationId xmlns="" xmlns:a16="http://schemas.microsoft.com/office/drawing/2014/main" id="{A2E861A3-F23C-46B8-A38A-4A22E453D993}"/>
               </a:ext>
               <a:ext uri="{C183D7F6-B498-43B3-948B-1728B52AA6E4}">
-                <adec:decorative xmlns:adec="http://schemas.microsoft.com/office/drawing/2017/decorative" xmlns="" val="1"/>
+                <adec:decorative xmlns="" xmlns:adec="http://schemas.microsoft.com/office/drawing/2017/decorative" val="1"/>
               </a:ext>
             </a:extLst>
           </p:cNvPr>
@@ -14249,7 +14250,7 @@
           <p:nvPr>
             <p:extLst>
               <p:ext uri="{386F3935-93C4-4BCD-93E2-E3B085C9AB24}">
-                <p16:designElem xmlns:p16="http://schemas.microsoft.com/office/powerpoint/2015/main" xmlns="" val="1"/>
+                <p16:designElem xmlns="" xmlns:p16="http://schemas.microsoft.com/office/powerpoint/2015/main" val="1"/>
               </p:ext>
             </p:extLst>
           </p:nvPr>
@@ -14267,10 +14268,10 @@
             <p:cNvPr id="41" name="Freeform 6">
               <a:extLst>
                 <a:ext uri="{FF2B5EF4-FFF2-40B4-BE49-F238E27FC236}">
-                  <a16:creationId xmlns:a16="http://schemas.microsoft.com/office/drawing/2014/main" xmlns="" id="{8BC3D220-643B-4160-B5A9-59DF5D21F410}"/>
+                  <a16:creationId xmlns="" xmlns:a16="http://schemas.microsoft.com/office/drawing/2014/main" id="{8BC3D220-643B-4160-B5A9-59DF5D21F410}"/>
                 </a:ext>
                 <a:ext uri="{C183D7F6-B498-43B3-948B-1728B52AA6E4}">
-                  <adec:decorative xmlns:adec="http://schemas.microsoft.com/office/drawing/2017/decorative" xmlns="" val="1"/>
+                  <adec:decorative xmlns="" xmlns:adec="http://schemas.microsoft.com/office/drawing/2017/decorative" val="1"/>
                 </a:ext>
               </a:extLst>
             </p:cNvPr>
@@ -14278,7 +14279,7 @@
             <p:nvPr>
               <p:extLst>
                 <p:ext uri="{386F3935-93C4-4BCD-93E2-E3B085C9AB24}">
-                  <p16:designElem xmlns:p16="http://schemas.microsoft.com/office/powerpoint/2015/main" xmlns="" val="1"/>
+                  <p16:designElem xmlns="" xmlns:p16="http://schemas.microsoft.com/office/powerpoint/2015/main" val="1"/>
                 </p:ext>
               </p:extLst>
             </p:nvPr>
@@ -14328,10 +14329,10 @@
             <p:cNvPr id="42" name="Freeform 7">
               <a:extLst>
                 <a:ext uri="{FF2B5EF4-FFF2-40B4-BE49-F238E27FC236}">
-                  <a16:creationId xmlns:a16="http://schemas.microsoft.com/office/drawing/2014/main" xmlns="" id="{B92237DE-D518-4625-8392-66D7084588A0}"/>
+                  <a16:creationId xmlns="" xmlns:a16="http://schemas.microsoft.com/office/drawing/2014/main" id="{B92237DE-D518-4625-8392-66D7084588A0}"/>
                 </a:ext>
                 <a:ext uri="{C183D7F6-B498-43B3-948B-1728B52AA6E4}">
-                  <adec:decorative xmlns:adec="http://schemas.microsoft.com/office/drawing/2017/decorative" xmlns="" val="1"/>
+                  <adec:decorative xmlns="" xmlns:adec="http://schemas.microsoft.com/office/drawing/2017/decorative" val="1"/>
                 </a:ext>
               </a:extLst>
             </p:cNvPr>
@@ -14339,7 +14340,7 @@
             <p:nvPr>
               <p:extLst>
                 <p:ext uri="{386F3935-93C4-4BCD-93E2-E3B085C9AB24}">
-                  <p16:designElem xmlns:p16="http://schemas.microsoft.com/office/powerpoint/2015/main" xmlns="" val="1"/>
+                  <p16:designElem xmlns="" xmlns:p16="http://schemas.microsoft.com/office/powerpoint/2015/main" val="1"/>
                 </p:ext>
               </p:extLst>
             </p:nvPr>
@@ -14392,10 +14393,10 @@
             <p:cNvPr id="43" name="Freeform 8">
               <a:extLst>
                 <a:ext uri="{FF2B5EF4-FFF2-40B4-BE49-F238E27FC236}">
-                  <a16:creationId xmlns:a16="http://schemas.microsoft.com/office/drawing/2014/main" xmlns="" id="{F290F0DD-E80A-4263-94E1-A41F57D84CC5}"/>
+                  <a16:creationId xmlns="" xmlns:a16="http://schemas.microsoft.com/office/drawing/2014/main" id="{F290F0DD-E80A-4263-94E1-A41F57D84CC5}"/>
                 </a:ext>
                 <a:ext uri="{C183D7F6-B498-43B3-948B-1728B52AA6E4}">
-                  <adec:decorative xmlns:adec="http://schemas.microsoft.com/office/drawing/2017/decorative" xmlns="" val="1"/>
+                  <adec:decorative xmlns="" xmlns:adec="http://schemas.microsoft.com/office/drawing/2017/decorative" val="1"/>
                 </a:ext>
               </a:extLst>
             </p:cNvPr>
@@ -14403,7 +14404,7 @@
             <p:nvPr>
               <p:extLst>
                 <p:ext uri="{386F3935-93C4-4BCD-93E2-E3B085C9AB24}">
-                  <p16:designElem xmlns:p16="http://schemas.microsoft.com/office/powerpoint/2015/main" xmlns="" val="1"/>
+                  <p16:designElem xmlns="" xmlns:p16="http://schemas.microsoft.com/office/powerpoint/2015/main" val="1"/>
                 </p:ext>
               </p:extLst>
             </p:nvPr>
@@ -14453,10 +14454,10 @@
             <p:cNvPr id="44" name="Freeform 9">
               <a:extLst>
                 <a:ext uri="{FF2B5EF4-FFF2-40B4-BE49-F238E27FC236}">
-                  <a16:creationId xmlns:a16="http://schemas.microsoft.com/office/drawing/2014/main" xmlns="" id="{D78EA7D2-CCEA-435E-873D-36BF0522FFED}"/>
+                  <a16:creationId xmlns="" xmlns:a16="http://schemas.microsoft.com/office/drawing/2014/main" id="{D78EA7D2-CCEA-435E-873D-36BF0522FFED}"/>
                 </a:ext>
                 <a:ext uri="{C183D7F6-B498-43B3-948B-1728B52AA6E4}">
-                  <adec:decorative xmlns:adec="http://schemas.microsoft.com/office/drawing/2017/decorative" xmlns="" val="1"/>
+                  <adec:decorative xmlns="" xmlns:adec="http://schemas.microsoft.com/office/drawing/2017/decorative" val="1"/>
                 </a:ext>
               </a:extLst>
             </p:cNvPr>
@@ -14464,7 +14465,7 @@
             <p:nvPr>
               <p:extLst>
                 <p:ext uri="{386F3935-93C4-4BCD-93E2-E3B085C9AB24}">
-                  <p16:designElem xmlns:p16="http://schemas.microsoft.com/office/powerpoint/2015/main" xmlns="" val="1"/>
+                  <p16:designElem xmlns="" xmlns:p16="http://schemas.microsoft.com/office/powerpoint/2015/main" val="1"/>
                 </p:ext>
               </p:extLst>
             </p:nvPr>
@@ -14513,10 +14514,10 @@
             <p:cNvPr id="45" name="Freeform 10">
               <a:extLst>
                 <a:ext uri="{FF2B5EF4-FFF2-40B4-BE49-F238E27FC236}">
-                  <a16:creationId xmlns:a16="http://schemas.microsoft.com/office/drawing/2014/main" xmlns="" id="{9DFA731E-D6BB-42CC-AA05-64023DC81FE6}"/>
+                  <a16:creationId xmlns="" xmlns:a16="http://schemas.microsoft.com/office/drawing/2014/main" id="{9DFA731E-D6BB-42CC-AA05-64023DC81FE6}"/>
                 </a:ext>
                 <a:ext uri="{C183D7F6-B498-43B3-948B-1728B52AA6E4}">
-                  <adec:decorative xmlns:adec="http://schemas.microsoft.com/office/drawing/2017/decorative" xmlns="" val="1"/>
+                  <adec:decorative xmlns="" xmlns:adec="http://schemas.microsoft.com/office/drawing/2017/decorative" val="1"/>
                 </a:ext>
               </a:extLst>
             </p:cNvPr>
@@ -14524,7 +14525,7 @@
             <p:nvPr>
               <p:extLst>
                 <p:ext uri="{386F3935-93C4-4BCD-93E2-E3B085C9AB24}">
-                  <p16:designElem xmlns:p16="http://schemas.microsoft.com/office/powerpoint/2015/main" xmlns="" val="1"/>
+                  <p16:designElem xmlns="" xmlns:p16="http://schemas.microsoft.com/office/powerpoint/2015/main" val="1"/>
                 </p:ext>
               </p:extLst>
             </p:nvPr>
@@ -14579,10 +14580,10 @@
             <p:cNvPr id="46" name="Freeform 11">
               <a:extLst>
                 <a:ext uri="{FF2B5EF4-FFF2-40B4-BE49-F238E27FC236}">
-                  <a16:creationId xmlns:a16="http://schemas.microsoft.com/office/drawing/2014/main" xmlns="" id="{B00D0483-90FB-4EB4-9770-CA8A310D503B}"/>
+                  <a16:creationId xmlns="" xmlns:a16="http://schemas.microsoft.com/office/drawing/2014/main" id="{B00D0483-90FB-4EB4-9770-CA8A310D503B}"/>
                 </a:ext>
                 <a:ext uri="{C183D7F6-B498-43B3-948B-1728B52AA6E4}">
-                  <adec:decorative xmlns:adec="http://schemas.microsoft.com/office/drawing/2017/decorative" xmlns="" val="1"/>
+                  <adec:decorative xmlns="" xmlns:adec="http://schemas.microsoft.com/office/drawing/2017/decorative" val="1"/>
                 </a:ext>
               </a:extLst>
             </p:cNvPr>
@@ -14590,7 +14591,7 @@
             <p:nvPr>
               <p:extLst>
                 <p:ext uri="{386F3935-93C4-4BCD-93E2-E3B085C9AB24}">
-                  <p16:designElem xmlns:p16="http://schemas.microsoft.com/office/powerpoint/2015/main" xmlns="" val="1"/>
+                  <p16:designElem xmlns="" xmlns:p16="http://schemas.microsoft.com/office/powerpoint/2015/main" val="1"/>
                 </p:ext>
               </p:extLst>
             </p:nvPr>
@@ -14659,7 +14660,7 @@
           <p:cNvPr id="2" name="Title 1">
             <a:extLst>
               <a:ext uri="{FF2B5EF4-FFF2-40B4-BE49-F238E27FC236}">
-                <a16:creationId xmlns:a16="http://schemas.microsoft.com/office/drawing/2014/main" xmlns="" id="{339A428F-DE24-F24B-B03E-D8A9E51064E5}"/>
+                <a16:creationId xmlns="" xmlns:a16="http://schemas.microsoft.com/office/drawing/2014/main" id="{339A428F-DE24-F24B-B03E-D8A9E51064E5}"/>
               </a:ext>
             </a:extLst>
           </p:cNvPr>
@@ -14695,10 +14696,10 @@
           <p:cNvPr id="48" name="Rounded Rectangle 16">
             <a:extLst>
               <a:ext uri="{FF2B5EF4-FFF2-40B4-BE49-F238E27FC236}">
-                <a16:creationId xmlns:a16="http://schemas.microsoft.com/office/drawing/2014/main" xmlns="" id="{DD7EED39-224E-4230-8FD1-B1E1AF6C6E36}"/>
+                <a16:creationId xmlns="" xmlns:a16="http://schemas.microsoft.com/office/drawing/2014/main" id="{DD7EED39-224E-4230-8FD1-B1E1AF6C6E36}"/>
               </a:ext>
               <a:ext uri="{C183D7F6-B498-43B3-948B-1728B52AA6E4}">
-                <adec:decorative xmlns:adec="http://schemas.microsoft.com/office/drawing/2017/decorative" xmlns="" val="1"/>
+                <adec:decorative xmlns="" xmlns:adec="http://schemas.microsoft.com/office/drawing/2017/decorative" val="1"/>
               </a:ext>
             </a:extLst>
           </p:cNvPr>
@@ -14708,7 +14709,7 @@
           <p:nvPr>
             <p:extLst>
               <p:ext uri="{386F3935-93C4-4BCD-93E2-E3B085C9AB24}">
-                <p16:designElem xmlns:p16="http://schemas.microsoft.com/office/powerpoint/2015/main" xmlns="" val="1"/>
+                <p16:designElem xmlns="" xmlns:p16="http://schemas.microsoft.com/office/powerpoint/2015/main" val="1"/>
               </p:ext>
             </p:extLst>
           </p:nvPr>
@@ -14780,7 +14781,7 @@
           <p:cNvPr id="20" name="TextBox 19">
             <a:extLst>
               <a:ext uri="{FF2B5EF4-FFF2-40B4-BE49-F238E27FC236}">
-                <a16:creationId xmlns:a16="http://schemas.microsoft.com/office/drawing/2014/main" xmlns="" id="{0983CF5F-AED5-EA43-B332-EF09D66427D2}"/>
+                <a16:creationId xmlns="" xmlns:a16="http://schemas.microsoft.com/office/drawing/2014/main" id="{0983CF5F-AED5-EA43-B332-EF09D66427D2}"/>
               </a:ext>
             </a:extLst>
           </p:cNvPr>
@@ -15094,10 +15095,10 @@
           <p:cNvPr id="47" name="Group 31">
             <a:extLst>
               <a:ext uri="{FF2B5EF4-FFF2-40B4-BE49-F238E27FC236}">
-                <a16:creationId xmlns:a16="http://schemas.microsoft.com/office/drawing/2014/main" xmlns="" id="{260ACC13-B825-49F3-93DE-C8B8F2FA37A1}"/>
+                <a16:creationId xmlns="" xmlns:a16="http://schemas.microsoft.com/office/drawing/2014/main" id="{260ACC13-B825-49F3-93DE-C8B8F2FA37A1}"/>
               </a:ext>
               <a:ext uri="{C183D7F6-B498-43B3-948B-1728B52AA6E4}">
-                <adec:decorative xmlns:adec="http://schemas.microsoft.com/office/drawing/2017/decorative" xmlns="" val="1"/>
+                <adec:decorative xmlns="" xmlns:adec="http://schemas.microsoft.com/office/drawing/2017/decorative" val="1"/>
               </a:ext>
             </a:extLst>
           </p:cNvPr>
@@ -15107,7 +15108,7 @@
           <p:nvPr>
             <p:extLst>
               <p:ext uri="{386F3935-93C4-4BCD-93E2-E3B085C9AB24}">
-                <p16:designElem xmlns:p16="http://schemas.microsoft.com/office/powerpoint/2015/main" xmlns="" val="1"/>
+                <p16:designElem xmlns="" xmlns:p16="http://schemas.microsoft.com/office/powerpoint/2015/main" val="1"/>
               </p:ext>
             </p:extLst>
           </p:nvPr>
@@ -15125,10 +15126,10 @@
             <p:cNvPr id="33" name="Freeform 6">
               <a:extLst>
                 <a:ext uri="{FF2B5EF4-FFF2-40B4-BE49-F238E27FC236}">
-                  <a16:creationId xmlns:a16="http://schemas.microsoft.com/office/drawing/2014/main" xmlns="" id="{F947B31F-CA03-4793-845D-FD86BABC1A18}"/>
+                  <a16:creationId xmlns="" xmlns:a16="http://schemas.microsoft.com/office/drawing/2014/main" id="{F947B31F-CA03-4793-845D-FD86BABC1A18}"/>
                 </a:ext>
                 <a:ext uri="{C183D7F6-B498-43B3-948B-1728B52AA6E4}">
-                  <adec:decorative xmlns:adec="http://schemas.microsoft.com/office/drawing/2017/decorative" xmlns="" val="1"/>
+                  <adec:decorative xmlns="" xmlns:adec="http://schemas.microsoft.com/office/drawing/2017/decorative" val="1"/>
                 </a:ext>
               </a:extLst>
             </p:cNvPr>
@@ -15136,7 +15137,7 @@
             <p:nvPr>
               <p:extLst>
                 <p:ext uri="{386F3935-93C4-4BCD-93E2-E3B085C9AB24}">
-                  <p16:designElem xmlns:p16="http://schemas.microsoft.com/office/powerpoint/2015/main" xmlns="" val="1"/>
+                  <p16:designElem xmlns="" xmlns:p16="http://schemas.microsoft.com/office/powerpoint/2015/main" val="1"/>
                 </p:ext>
               </p:extLst>
             </p:nvPr>
@@ -15186,10 +15187,10 @@
             <p:cNvPr id="34" name="Freeform 7">
               <a:extLst>
                 <a:ext uri="{FF2B5EF4-FFF2-40B4-BE49-F238E27FC236}">
-                  <a16:creationId xmlns:a16="http://schemas.microsoft.com/office/drawing/2014/main" xmlns="" id="{DCDDE94D-F78C-4A48-AEA6-E922FC99A159}"/>
+                  <a16:creationId xmlns="" xmlns:a16="http://schemas.microsoft.com/office/drawing/2014/main" id="{DCDDE94D-F78C-4A48-AEA6-E922FC99A159}"/>
                 </a:ext>
                 <a:ext uri="{C183D7F6-B498-43B3-948B-1728B52AA6E4}">
-                  <adec:decorative xmlns:adec="http://schemas.microsoft.com/office/drawing/2017/decorative" xmlns="" val="1"/>
+                  <adec:decorative xmlns="" xmlns:adec="http://schemas.microsoft.com/office/drawing/2017/decorative" val="1"/>
                 </a:ext>
               </a:extLst>
             </p:cNvPr>
@@ -15197,7 +15198,7 @@
             <p:nvPr>
               <p:extLst>
                 <p:ext uri="{386F3935-93C4-4BCD-93E2-E3B085C9AB24}">
-                  <p16:designElem xmlns:p16="http://schemas.microsoft.com/office/powerpoint/2015/main" xmlns="" val="1"/>
+                  <p16:designElem xmlns="" xmlns:p16="http://schemas.microsoft.com/office/powerpoint/2015/main" val="1"/>
                 </p:ext>
               </p:extLst>
             </p:nvPr>
@@ -15250,10 +15251,10 @@
             <p:cNvPr id="35" name="Freeform 8">
               <a:extLst>
                 <a:ext uri="{FF2B5EF4-FFF2-40B4-BE49-F238E27FC236}">
-                  <a16:creationId xmlns:a16="http://schemas.microsoft.com/office/drawing/2014/main" xmlns="" id="{3445A886-F3CA-4DE4-90D7-535F9707B799}"/>
+                  <a16:creationId xmlns="" xmlns:a16="http://schemas.microsoft.com/office/drawing/2014/main" id="{3445A886-F3CA-4DE4-90D7-535F9707B799}"/>
                 </a:ext>
                 <a:ext uri="{C183D7F6-B498-43B3-948B-1728B52AA6E4}">
-                  <adec:decorative xmlns:adec="http://schemas.microsoft.com/office/drawing/2017/decorative" xmlns="" val="1"/>
+                  <adec:decorative xmlns="" xmlns:adec="http://schemas.microsoft.com/office/drawing/2017/decorative" val="1"/>
                 </a:ext>
               </a:extLst>
             </p:cNvPr>
@@ -15261,7 +15262,7 @@
             <p:nvPr>
               <p:extLst>
                 <p:ext uri="{386F3935-93C4-4BCD-93E2-E3B085C9AB24}">
-                  <p16:designElem xmlns:p16="http://schemas.microsoft.com/office/powerpoint/2015/main" xmlns="" val="1"/>
+                  <p16:designElem xmlns="" xmlns:p16="http://schemas.microsoft.com/office/powerpoint/2015/main" val="1"/>
                 </p:ext>
               </p:extLst>
             </p:nvPr>
@@ -15311,10 +15312,10 @@
             <p:cNvPr id="36" name="Freeform 9">
               <a:extLst>
                 <a:ext uri="{FF2B5EF4-FFF2-40B4-BE49-F238E27FC236}">
-                  <a16:creationId xmlns:a16="http://schemas.microsoft.com/office/drawing/2014/main" xmlns="" id="{A8999CB6-C053-418B-AE37-E470804D251D}"/>
+                  <a16:creationId xmlns="" xmlns:a16="http://schemas.microsoft.com/office/drawing/2014/main" id="{A8999CB6-C053-418B-AE37-E470804D251D}"/>
                 </a:ext>
                 <a:ext uri="{C183D7F6-B498-43B3-948B-1728B52AA6E4}">
-                  <adec:decorative xmlns:adec="http://schemas.microsoft.com/office/drawing/2017/decorative" xmlns="" val="1"/>
+                  <adec:decorative xmlns="" xmlns:adec="http://schemas.microsoft.com/office/drawing/2017/decorative" val="1"/>
                 </a:ext>
               </a:extLst>
             </p:cNvPr>
@@ -15322,7 +15323,7 @@
             <p:nvPr>
               <p:extLst>
                 <p:ext uri="{386F3935-93C4-4BCD-93E2-E3B085C9AB24}">
-                  <p16:designElem xmlns:p16="http://schemas.microsoft.com/office/powerpoint/2015/main" xmlns="" val="1"/>
+                  <p16:designElem xmlns="" xmlns:p16="http://schemas.microsoft.com/office/powerpoint/2015/main" val="1"/>
                 </p:ext>
               </p:extLst>
             </p:nvPr>
@@ -15371,10 +15372,10 @@
             <p:cNvPr id="37" name="Freeform 10">
               <a:extLst>
                 <a:ext uri="{FF2B5EF4-FFF2-40B4-BE49-F238E27FC236}">
-                  <a16:creationId xmlns:a16="http://schemas.microsoft.com/office/drawing/2014/main" xmlns="" id="{81EA3E26-BFCD-4396-AE8A-2A9828BFFBA2}"/>
+                  <a16:creationId xmlns="" xmlns:a16="http://schemas.microsoft.com/office/drawing/2014/main" id="{81EA3E26-BFCD-4396-AE8A-2A9828BFFBA2}"/>
                 </a:ext>
                 <a:ext uri="{C183D7F6-B498-43B3-948B-1728B52AA6E4}">
-                  <adec:decorative xmlns:adec="http://schemas.microsoft.com/office/drawing/2017/decorative" xmlns="" val="1"/>
+                  <adec:decorative xmlns="" xmlns:adec="http://schemas.microsoft.com/office/drawing/2017/decorative" val="1"/>
                 </a:ext>
               </a:extLst>
             </p:cNvPr>
@@ -15382,7 +15383,7 @@
             <p:nvPr>
               <p:extLst>
                 <p:ext uri="{386F3935-93C4-4BCD-93E2-E3B085C9AB24}">
-                  <p16:designElem xmlns:p16="http://schemas.microsoft.com/office/powerpoint/2015/main" xmlns="" val="1"/>
+                  <p16:designElem xmlns="" xmlns:p16="http://schemas.microsoft.com/office/powerpoint/2015/main" val="1"/>
                 </p:ext>
               </p:extLst>
             </p:nvPr>
@@ -15437,10 +15438,10 @@
             <p:cNvPr id="38" name="Freeform 11">
               <a:extLst>
                 <a:ext uri="{FF2B5EF4-FFF2-40B4-BE49-F238E27FC236}">
-                  <a16:creationId xmlns:a16="http://schemas.microsoft.com/office/drawing/2014/main" xmlns="" id="{5F9BC582-73A6-4D8A-8738-E36476489351}"/>
+                  <a16:creationId xmlns="" xmlns:a16="http://schemas.microsoft.com/office/drawing/2014/main" id="{5F9BC582-73A6-4D8A-8738-E36476489351}"/>
                 </a:ext>
                 <a:ext uri="{C183D7F6-B498-43B3-948B-1728B52AA6E4}">
-                  <adec:decorative xmlns:adec="http://schemas.microsoft.com/office/drawing/2017/decorative" xmlns="" val="1"/>
+                  <adec:decorative xmlns="" xmlns:adec="http://schemas.microsoft.com/office/drawing/2017/decorative" val="1"/>
                 </a:ext>
               </a:extLst>
             </p:cNvPr>
@@ -15448,7 +15449,7 @@
             <p:nvPr>
               <p:extLst>
                 <p:ext uri="{386F3935-93C4-4BCD-93E2-E3B085C9AB24}">
-                  <p16:designElem xmlns:p16="http://schemas.microsoft.com/office/powerpoint/2015/main" xmlns="" val="1"/>
+                  <p16:designElem xmlns="" xmlns:p16="http://schemas.microsoft.com/office/powerpoint/2015/main" val="1"/>
                 </p:ext>
               </p:extLst>
             </p:nvPr>
@@ -15517,10 +15518,10 @@
           <p:cNvPr id="40" name="Group 39">
             <a:extLst>
               <a:ext uri="{FF2B5EF4-FFF2-40B4-BE49-F238E27FC236}">
-                <a16:creationId xmlns:a16="http://schemas.microsoft.com/office/drawing/2014/main" xmlns="" id="{A2E861A3-F23C-46B8-A38A-4A22E453D993}"/>
+                <a16:creationId xmlns="" xmlns:a16="http://schemas.microsoft.com/office/drawing/2014/main" id="{A2E861A3-F23C-46B8-A38A-4A22E453D993}"/>
               </a:ext>
               <a:ext uri="{C183D7F6-B498-43B3-948B-1728B52AA6E4}">
-                <adec:decorative xmlns:adec="http://schemas.microsoft.com/office/drawing/2017/decorative" xmlns="" val="1"/>
+                <adec:decorative xmlns="" xmlns:adec="http://schemas.microsoft.com/office/drawing/2017/decorative" val="1"/>
               </a:ext>
             </a:extLst>
           </p:cNvPr>
@@ -15530,7 +15531,7 @@
           <p:nvPr>
             <p:extLst>
               <p:ext uri="{386F3935-93C4-4BCD-93E2-E3B085C9AB24}">
-                <p16:designElem xmlns:p16="http://schemas.microsoft.com/office/powerpoint/2015/main" xmlns="" val="1"/>
+                <p16:designElem xmlns="" xmlns:p16="http://schemas.microsoft.com/office/powerpoint/2015/main" val="1"/>
               </p:ext>
             </p:extLst>
           </p:nvPr>
@@ -15548,10 +15549,10 @@
             <p:cNvPr id="41" name="Freeform 6">
               <a:extLst>
                 <a:ext uri="{FF2B5EF4-FFF2-40B4-BE49-F238E27FC236}">
-                  <a16:creationId xmlns:a16="http://schemas.microsoft.com/office/drawing/2014/main" xmlns="" id="{8BC3D220-643B-4160-B5A9-59DF5D21F410}"/>
+                  <a16:creationId xmlns="" xmlns:a16="http://schemas.microsoft.com/office/drawing/2014/main" id="{8BC3D220-643B-4160-B5A9-59DF5D21F410}"/>
                 </a:ext>
                 <a:ext uri="{C183D7F6-B498-43B3-948B-1728B52AA6E4}">
-                  <adec:decorative xmlns:adec="http://schemas.microsoft.com/office/drawing/2017/decorative" xmlns="" val="1"/>
+                  <adec:decorative xmlns="" xmlns:adec="http://schemas.microsoft.com/office/drawing/2017/decorative" val="1"/>
                 </a:ext>
               </a:extLst>
             </p:cNvPr>
@@ -15559,7 +15560,7 @@
             <p:nvPr>
               <p:extLst>
                 <p:ext uri="{386F3935-93C4-4BCD-93E2-E3B085C9AB24}">
-                  <p16:designElem xmlns:p16="http://schemas.microsoft.com/office/powerpoint/2015/main" xmlns="" val="1"/>
+                  <p16:designElem xmlns="" xmlns:p16="http://schemas.microsoft.com/office/powerpoint/2015/main" val="1"/>
                 </p:ext>
               </p:extLst>
             </p:nvPr>
@@ -15609,10 +15610,10 @@
             <p:cNvPr id="42" name="Freeform 7">
               <a:extLst>
                 <a:ext uri="{FF2B5EF4-FFF2-40B4-BE49-F238E27FC236}">
-                  <a16:creationId xmlns:a16="http://schemas.microsoft.com/office/drawing/2014/main" xmlns="" id="{B92237DE-D518-4625-8392-66D7084588A0}"/>
+                  <a16:creationId xmlns="" xmlns:a16="http://schemas.microsoft.com/office/drawing/2014/main" id="{B92237DE-D518-4625-8392-66D7084588A0}"/>
                 </a:ext>
                 <a:ext uri="{C183D7F6-B498-43B3-948B-1728B52AA6E4}">
-                  <adec:decorative xmlns:adec="http://schemas.microsoft.com/office/drawing/2017/decorative" xmlns="" val="1"/>
+                  <adec:decorative xmlns="" xmlns:adec="http://schemas.microsoft.com/office/drawing/2017/decorative" val="1"/>
                 </a:ext>
               </a:extLst>
             </p:cNvPr>
@@ -15620,7 +15621,7 @@
             <p:nvPr>
               <p:extLst>
                 <p:ext uri="{386F3935-93C4-4BCD-93E2-E3B085C9AB24}">
-                  <p16:designElem xmlns:p16="http://schemas.microsoft.com/office/powerpoint/2015/main" xmlns="" val="1"/>
+                  <p16:designElem xmlns="" xmlns:p16="http://schemas.microsoft.com/office/powerpoint/2015/main" val="1"/>
                 </p:ext>
               </p:extLst>
             </p:nvPr>
@@ -15673,10 +15674,10 @@
             <p:cNvPr id="43" name="Freeform 8">
               <a:extLst>
                 <a:ext uri="{FF2B5EF4-FFF2-40B4-BE49-F238E27FC236}">
-                  <a16:creationId xmlns:a16="http://schemas.microsoft.com/office/drawing/2014/main" xmlns="" id="{F290F0DD-E80A-4263-94E1-A41F57D84CC5}"/>
+                  <a16:creationId xmlns="" xmlns:a16="http://schemas.microsoft.com/office/drawing/2014/main" id="{F290F0DD-E80A-4263-94E1-A41F57D84CC5}"/>
                 </a:ext>
                 <a:ext uri="{C183D7F6-B498-43B3-948B-1728B52AA6E4}">
-                  <adec:decorative xmlns:adec="http://schemas.microsoft.com/office/drawing/2017/decorative" xmlns="" val="1"/>
+                  <adec:decorative xmlns="" xmlns:adec="http://schemas.microsoft.com/office/drawing/2017/decorative" val="1"/>
                 </a:ext>
               </a:extLst>
             </p:cNvPr>
@@ -15684,7 +15685,7 @@
             <p:nvPr>
               <p:extLst>
                 <p:ext uri="{386F3935-93C4-4BCD-93E2-E3B085C9AB24}">
-                  <p16:designElem xmlns:p16="http://schemas.microsoft.com/office/powerpoint/2015/main" xmlns="" val="1"/>
+                  <p16:designElem xmlns="" xmlns:p16="http://schemas.microsoft.com/office/powerpoint/2015/main" val="1"/>
                 </p:ext>
               </p:extLst>
             </p:nvPr>
@@ -15734,10 +15735,10 @@
             <p:cNvPr id="44" name="Freeform 9">
               <a:extLst>
                 <a:ext uri="{FF2B5EF4-FFF2-40B4-BE49-F238E27FC236}">
-                  <a16:creationId xmlns:a16="http://schemas.microsoft.com/office/drawing/2014/main" xmlns="" id="{D78EA7D2-CCEA-435E-873D-36BF0522FFED}"/>
+                  <a16:creationId xmlns="" xmlns:a16="http://schemas.microsoft.com/office/drawing/2014/main" id="{D78EA7D2-CCEA-435E-873D-36BF0522FFED}"/>
                 </a:ext>
                 <a:ext uri="{C183D7F6-B498-43B3-948B-1728B52AA6E4}">
-                  <adec:decorative xmlns:adec="http://schemas.microsoft.com/office/drawing/2017/decorative" xmlns="" val="1"/>
+                  <adec:decorative xmlns="" xmlns:adec="http://schemas.microsoft.com/office/drawing/2017/decorative" val="1"/>
                 </a:ext>
               </a:extLst>
             </p:cNvPr>
@@ -15745,7 +15746,7 @@
             <p:nvPr>
               <p:extLst>
                 <p:ext uri="{386F3935-93C4-4BCD-93E2-E3B085C9AB24}">
-                  <p16:designElem xmlns:p16="http://schemas.microsoft.com/office/powerpoint/2015/main" xmlns="" val="1"/>
+                  <p16:designElem xmlns="" xmlns:p16="http://schemas.microsoft.com/office/powerpoint/2015/main" val="1"/>
                 </p:ext>
               </p:extLst>
             </p:nvPr>
@@ -15794,10 +15795,10 @@
             <p:cNvPr id="45" name="Freeform 10">
               <a:extLst>
                 <a:ext uri="{FF2B5EF4-FFF2-40B4-BE49-F238E27FC236}">
-                  <a16:creationId xmlns:a16="http://schemas.microsoft.com/office/drawing/2014/main" xmlns="" id="{9DFA731E-D6BB-42CC-AA05-64023DC81FE6}"/>
+                  <a16:creationId xmlns="" xmlns:a16="http://schemas.microsoft.com/office/drawing/2014/main" id="{9DFA731E-D6BB-42CC-AA05-64023DC81FE6}"/>
                 </a:ext>
                 <a:ext uri="{C183D7F6-B498-43B3-948B-1728B52AA6E4}">
-                  <adec:decorative xmlns:adec="http://schemas.microsoft.com/office/drawing/2017/decorative" xmlns="" val="1"/>
+                  <adec:decorative xmlns="" xmlns:adec="http://schemas.microsoft.com/office/drawing/2017/decorative" val="1"/>
                 </a:ext>
               </a:extLst>
             </p:cNvPr>
@@ -15805,7 +15806,7 @@
             <p:nvPr>
               <p:extLst>
                 <p:ext uri="{386F3935-93C4-4BCD-93E2-E3B085C9AB24}">
-                  <p16:designElem xmlns:p16="http://schemas.microsoft.com/office/powerpoint/2015/main" xmlns="" val="1"/>
+                  <p16:designElem xmlns="" xmlns:p16="http://schemas.microsoft.com/office/powerpoint/2015/main" val="1"/>
                 </p:ext>
               </p:extLst>
             </p:nvPr>
@@ -15860,10 +15861,10 @@
             <p:cNvPr id="46" name="Freeform 11">
               <a:extLst>
                 <a:ext uri="{FF2B5EF4-FFF2-40B4-BE49-F238E27FC236}">
-                  <a16:creationId xmlns:a16="http://schemas.microsoft.com/office/drawing/2014/main" xmlns="" id="{B00D0483-90FB-4EB4-9770-CA8A310D503B}"/>
+                  <a16:creationId xmlns="" xmlns:a16="http://schemas.microsoft.com/office/drawing/2014/main" id="{B00D0483-90FB-4EB4-9770-CA8A310D503B}"/>
                 </a:ext>
                 <a:ext uri="{C183D7F6-B498-43B3-948B-1728B52AA6E4}">
-                  <adec:decorative xmlns:adec="http://schemas.microsoft.com/office/drawing/2017/decorative" xmlns="" val="1"/>
+                  <adec:decorative xmlns="" xmlns:adec="http://schemas.microsoft.com/office/drawing/2017/decorative" val="1"/>
                 </a:ext>
               </a:extLst>
             </p:cNvPr>
@@ -15871,7 +15872,7 @@
             <p:nvPr>
               <p:extLst>
                 <p:ext uri="{386F3935-93C4-4BCD-93E2-E3B085C9AB24}">
-                  <p16:designElem xmlns:p16="http://schemas.microsoft.com/office/powerpoint/2015/main" xmlns="" val="1"/>
+                  <p16:designElem xmlns="" xmlns:p16="http://schemas.microsoft.com/office/powerpoint/2015/main" val="1"/>
                 </p:ext>
               </p:extLst>
             </p:nvPr>
@@ -15940,7 +15941,7 @@
           <p:cNvPr id="2" name="Title 1">
             <a:extLst>
               <a:ext uri="{FF2B5EF4-FFF2-40B4-BE49-F238E27FC236}">
-                <a16:creationId xmlns:a16="http://schemas.microsoft.com/office/drawing/2014/main" xmlns="" id="{339A428F-DE24-F24B-B03E-D8A9E51064E5}"/>
+                <a16:creationId xmlns="" xmlns:a16="http://schemas.microsoft.com/office/drawing/2014/main" id="{339A428F-DE24-F24B-B03E-D8A9E51064E5}"/>
               </a:ext>
             </a:extLst>
           </p:cNvPr>
@@ -15976,10 +15977,10 @@
           <p:cNvPr id="48" name="Rounded Rectangle 16">
             <a:extLst>
               <a:ext uri="{FF2B5EF4-FFF2-40B4-BE49-F238E27FC236}">
-                <a16:creationId xmlns:a16="http://schemas.microsoft.com/office/drawing/2014/main" xmlns="" id="{DD7EED39-224E-4230-8FD1-B1E1AF6C6E36}"/>
+                <a16:creationId xmlns="" xmlns:a16="http://schemas.microsoft.com/office/drawing/2014/main" id="{DD7EED39-224E-4230-8FD1-B1E1AF6C6E36}"/>
               </a:ext>
               <a:ext uri="{C183D7F6-B498-43B3-948B-1728B52AA6E4}">
-                <adec:decorative xmlns:adec="http://schemas.microsoft.com/office/drawing/2017/decorative" xmlns="" val="1"/>
+                <adec:decorative xmlns="" xmlns:adec="http://schemas.microsoft.com/office/drawing/2017/decorative" val="1"/>
               </a:ext>
             </a:extLst>
           </p:cNvPr>
@@ -15989,7 +15990,7 @@
           <p:nvPr>
             <p:extLst>
               <p:ext uri="{386F3935-93C4-4BCD-93E2-E3B085C9AB24}">
-                <p16:designElem xmlns:p16="http://schemas.microsoft.com/office/powerpoint/2015/main" xmlns="" val="1"/>
+                <p16:designElem xmlns="" xmlns:p16="http://schemas.microsoft.com/office/powerpoint/2015/main" val="1"/>
               </p:ext>
             </p:extLst>
           </p:nvPr>
@@ -16061,7 +16062,7 @@
           <p:cNvPr id="20" name="TextBox 19">
             <a:extLst>
               <a:ext uri="{FF2B5EF4-FFF2-40B4-BE49-F238E27FC236}">
-                <a16:creationId xmlns:a16="http://schemas.microsoft.com/office/drawing/2014/main" xmlns="" id="{0983CF5F-AED5-EA43-B332-EF09D66427D2}"/>
+                <a16:creationId xmlns="" xmlns:a16="http://schemas.microsoft.com/office/drawing/2014/main" id="{0983CF5F-AED5-EA43-B332-EF09D66427D2}"/>
               </a:ext>
             </a:extLst>
           </p:cNvPr>
@@ -16406,10 +16407,10 @@
           <p:cNvPr id="47" name="Group 31">
             <a:extLst>
               <a:ext uri="{FF2B5EF4-FFF2-40B4-BE49-F238E27FC236}">
-                <a16:creationId xmlns:a16="http://schemas.microsoft.com/office/drawing/2014/main" xmlns="" id="{260ACC13-B825-49F3-93DE-C8B8F2FA37A1}"/>
+                <a16:creationId xmlns="" xmlns:a16="http://schemas.microsoft.com/office/drawing/2014/main" id="{260ACC13-B825-49F3-93DE-C8B8F2FA37A1}"/>
               </a:ext>
               <a:ext uri="{C183D7F6-B498-43B3-948B-1728B52AA6E4}">
-                <adec:decorative xmlns:adec="http://schemas.microsoft.com/office/drawing/2017/decorative" xmlns="" val="1"/>
+                <adec:decorative xmlns="" xmlns:adec="http://schemas.microsoft.com/office/drawing/2017/decorative" val="1"/>
               </a:ext>
             </a:extLst>
           </p:cNvPr>
@@ -16419,7 +16420,7 @@
           <p:nvPr>
             <p:extLst>
               <p:ext uri="{386F3935-93C4-4BCD-93E2-E3B085C9AB24}">
-                <p16:designElem xmlns:p16="http://schemas.microsoft.com/office/powerpoint/2015/main" xmlns="" val="1"/>
+                <p16:designElem xmlns="" xmlns:p16="http://schemas.microsoft.com/office/powerpoint/2015/main" val="1"/>
               </p:ext>
             </p:extLst>
           </p:nvPr>
@@ -16437,10 +16438,10 @@
             <p:cNvPr id="33" name="Freeform 6">
               <a:extLst>
                 <a:ext uri="{FF2B5EF4-FFF2-40B4-BE49-F238E27FC236}">
-                  <a16:creationId xmlns:a16="http://schemas.microsoft.com/office/drawing/2014/main" xmlns="" id="{F947B31F-CA03-4793-845D-FD86BABC1A18}"/>
+                  <a16:creationId xmlns="" xmlns:a16="http://schemas.microsoft.com/office/drawing/2014/main" id="{F947B31F-CA03-4793-845D-FD86BABC1A18}"/>
                 </a:ext>
                 <a:ext uri="{C183D7F6-B498-43B3-948B-1728B52AA6E4}">
-                  <adec:decorative xmlns:adec="http://schemas.microsoft.com/office/drawing/2017/decorative" xmlns="" val="1"/>
+                  <adec:decorative xmlns="" xmlns:adec="http://schemas.microsoft.com/office/drawing/2017/decorative" val="1"/>
                 </a:ext>
               </a:extLst>
             </p:cNvPr>
@@ -16448,7 +16449,7 @@
             <p:nvPr>
               <p:extLst>
                 <p:ext uri="{386F3935-93C4-4BCD-93E2-E3B085C9AB24}">
-                  <p16:designElem xmlns:p16="http://schemas.microsoft.com/office/powerpoint/2015/main" xmlns="" val="1"/>
+                  <p16:designElem xmlns="" xmlns:p16="http://schemas.microsoft.com/office/powerpoint/2015/main" val="1"/>
                 </p:ext>
               </p:extLst>
             </p:nvPr>
@@ -16498,10 +16499,10 @@
             <p:cNvPr id="34" name="Freeform 7">
               <a:extLst>
                 <a:ext uri="{FF2B5EF4-FFF2-40B4-BE49-F238E27FC236}">
-                  <a16:creationId xmlns:a16="http://schemas.microsoft.com/office/drawing/2014/main" xmlns="" id="{DCDDE94D-F78C-4A48-AEA6-E922FC99A159}"/>
+                  <a16:creationId xmlns="" xmlns:a16="http://schemas.microsoft.com/office/drawing/2014/main" id="{DCDDE94D-F78C-4A48-AEA6-E922FC99A159}"/>
                 </a:ext>
                 <a:ext uri="{C183D7F6-B498-43B3-948B-1728B52AA6E4}">
-                  <adec:decorative xmlns:adec="http://schemas.microsoft.com/office/drawing/2017/decorative" xmlns="" val="1"/>
+                  <adec:decorative xmlns="" xmlns:adec="http://schemas.microsoft.com/office/drawing/2017/decorative" val="1"/>
                 </a:ext>
               </a:extLst>
             </p:cNvPr>
@@ -16509,7 +16510,7 @@
             <p:nvPr>
               <p:extLst>
                 <p:ext uri="{386F3935-93C4-4BCD-93E2-E3B085C9AB24}">
-                  <p16:designElem xmlns:p16="http://schemas.microsoft.com/office/powerpoint/2015/main" xmlns="" val="1"/>
+                  <p16:designElem xmlns="" xmlns:p16="http://schemas.microsoft.com/office/powerpoint/2015/main" val="1"/>
                 </p:ext>
               </p:extLst>
             </p:nvPr>
@@ -16562,10 +16563,10 @@
             <p:cNvPr id="35" name="Freeform 8">
               <a:extLst>
                 <a:ext uri="{FF2B5EF4-FFF2-40B4-BE49-F238E27FC236}">
-                  <a16:creationId xmlns:a16="http://schemas.microsoft.com/office/drawing/2014/main" xmlns="" id="{3445A886-F3CA-4DE4-90D7-535F9707B799}"/>
+                  <a16:creationId xmlns="" xmlns:a16="http://schemas.microsoft.com/office/drawing/2014/main" id="{3445A886-F3CA-4DE4-90D7-535F9707B799}"/>
                 </a:ext>
                 <a:ext uri="{C183D7F6-B498-43B3-948B-1728B52AA6E4}">
-                  <adec:decorative xmlns:adec="http://schemas.microsoft.com/office/drawing/2017/decorative" xmlns="" val="1"/>
+                  <adec:decorative xmlns="" xmlns:adec="http://schemas.microsoft.com/office/drawing/2017/decorative" val="1"/>
                 </a:ext>
               </a:extLst>
             </p:cNvPr>
@@ -16573,7 +16574,7 @@
             <p:nvPr>
               <p:extLst>
                 <p:ext uri="{386F3935-93C4-4BCD-93E2-E3B085C9AB24}">
-                  <p16:designElem xmlns:p16="http://schemas.microsoft.com/office/powerpoint/2015/main" xmlns="" val="1"/>
+                  <p16:designElem xmlns="" xmlns:p16="http://schemas.microsoft.com/office/powerpoint/2015/main" val="1"/>
                 </p:ext>
               </p:extLst>
             </p:nvPr>
@@ -16623,10 +16624,10 @@
             <p:cNvPr id="36" name="Freeform 9">
               <a:extLst>
                 <a:ext uri="{FF2B5EF4-FFF2-40B4-BE49-F238E27FC236}">
-                  <a16:creationId xmlns:a16="http://schemas.microsoft.com/office/drawing/2014/main" xmlns="" id="{A8999CB6-C053-418B-AE37-E470804D251D}"/>
+                  <a16:creationId xmlns="" xmlns:a16="http://schemas.microsoft.com/office/drawing/2014/main" id="{A8999CB6-C053-418B-AE37-E470804D251D}"/>
                 </a:ext>
                 <a:ext uri="{C183D7F6-B498-43B3-948B-1728B52AA6E4}">
-                  <adec:decorative xmlns:adec="http://schemas.microsoft.com/office/drawing/2017/decorative" xmlns="" val="1"/>
+                  <adec:decorative xmlns="" xmlns:adec="http://schemas.microsoft.com/office/drawing/2017/decorative" val="1"/>
                 </a:ext>
               </a:extLst>
             </p:cNvPr>
@@ -16634,7 +16635,7 @@
             <p:nvPr>
               <p:extLst>
                 <p:ext uri="{386F3935-93C4-4BCD-93E2-E3B085C9AB24}">
-                  <p16:designElem xmlns:p16="http://schemas.microsoft.com/office/powerpoint/2015/main" xmlns="" val="1"/>
+                  <p16:designElem xmlns="" xmlns:p16="http://schemas.microsoft.com/office/powerpoint/2015/main" val="1"/>
                 </p:ext>
               </p:extLst>
             </p:nvPr>
@@ -16683,10 +16684,10 @@
             <p:cNvPr id="37" name="Freeform 10">
               <a:extLst>
                 <a:ext uri="{FF2B5EF4-FFF2-40B4-BE49-F238E27FC236}">
-                  <a16:creationId xmlns:a16="http://schemas.microsoft.com/office/drawing/2014/main" xmlns="" id="{81EA3E26-BFCD-4396-AE8A-2A9828BFFBA2}"/>
+                  <a16:creationId xmlns="" xmlns:a16="http://schemas.microsoft.com/office/drawing/2014/main" id="{81EA3E26-BFCD-4396-AE8A-2A9828BFFBA2}"/>
                 </a:ext>
                 <a:ext uri="{C183D7F6-B498-43B3-948B-1728B52AA6E4}">
-                  <adec:decorative xmlns:adec="http://schemas.microsoft.com/office/drawing/2017/decorative" xmlns="" val="1"/>
+                  <adec:decorative xmlns="" xmlns:adec="http://schemas.microsoft.com/office/drawing/2017/decorative" val="1"/>
                 </a:ext>
               </a:extLst>
             </p:cNvPr>
@@ -16694,7 +16695,7 @@
             <p:nvPr>
               <p:extLst>
                 <p:ext uri="{386F3935-93C4-4BCD-93E2-E3B085C9AB24}">
-                  <p16:designElem xmlns:p16="http://schemas.microsoft.com/office/powerpoint/2015/main" xmlns="" val="1"/>
+                  <p16:designElem xmlns="" xmlns:p16="http://schemas.microsoft.com/office/powerpoint/2015/main" val="1"/>
                 </p:ext>
               </p:extLst>
             </p:nvPr>
@@ -16749,10 +16750,10 @@
             <p:cNvPr id="38" name="Freeform 11">
               <a:extLst>
                 <a:ext uri="{FF2B5EF4-FFF2-40B4-BE49-F238E27FC236}">
-                  <a16:creationId xmlns:a16="http://schemas.microsoft.com/office/drawing/2014/main" xmlns="" id="{5F9BC582-73A6-4D8A-8738-E36476489351}"/>
+                  <a16:creationId xmlns="" xmlns:a16="http://schemas.microsoft.com/office/drawing/2014/main" id="{5F9BC582-73A6-4D8A-8738-E36476489351}"/>
                 </a:ext>
                 <a:ext uri="{C183D7F6-B498-43B3-948B-1728B52AA6E4}">
-                  <adec:decorative xmlns:adec="http://schemas.microsoft.com/office/drawing/2017/decorative" xmlns="" val="1"/>
+                  <adec:decorative xmlns="" xmlns:adec="http://schemas.microsoft.com/office/drawing/2017/decorative" val="1"/>
                 </a:ext>
               </a:extLst>
             </p:cNvPr>
@@ -16760,7 +16761,7 @@
             <p:nvPr>
               <p:extLst>
                 <p:ext uri="{386F3935-93C4-4BCD-93E2-E3B085C9AB24}">
-                  <p16:designElem xmlns:p16="http://schemas.microsoft.com/office/powerpoint/2015/main" xmlns="" val="1"/>
+                  <p16:designElem xmlns="" xmlns:p16="http://schemas.microsoft.com/office/powerpoint/2015/main" val="1"/>
                 </p:ext>
               </p:extLst>
             </p:nvPr>
@@ -16829,10 +16830,10 @@
           <p:cNvPr id="40" name="Group 39">
             <a:extLst>
               <a:ext uri="{FF2B5EF4-FFF2-40B4-BE49-F238E27FC236}">
-                <a16:creationId xmlns:a16="http://schemas.microsoft.com/office/drawing/2014/main" xmlns="" id="{A2E861A3-F23C-46B8-A38A-4A22E453D993}"/>
+                <a16:creationId xmlns="" xmlns:a16="http://schemas.microsoft.com/office/drawing/2014/main" id="{A2E861A3-F23C-46B8-A38A-4A22E453D993}"/>
               </a:ext>
               <a:ext uri="{C183D7F6-B498-43B3-948B-1728B52AA6E4}">
-                <adec:decorative xmlns:adec="http://schemas.microsoft.com/office/drawing/2017/decorative" xmlns="" val="1"/>
+                <adec:decorative xmlns="" xmlns:adec="http://schemas.microsoft.com/office/drawing/2017/decorative" val="1"/>
               </a:ext>
             </a:extLst>
           </p:cNvPr>
@@ -16842,7 +16843,7 @@
           <p:nvPr>
             <p:extLst>
               <p:ext uri="{386F3935-93C4-4BCD-93E2-E3B085C9AB24}">
-                <p16:designElem xmlns:p16="http://schemas.microsoft.com/office/powerpoint/2015/main" xmlns="" val="1"/>
+                <p16:designElem xmlns="" xmlns:p16="http://schemas.microsoft.com/office/powerpoint/2015/main" val="1"/>
               </p:ext>
             </p:extLst>
           </p:nvPr>
@@ -16860,10 +16861,10 @@
             <p:cNvPr id="41" name="Freeform 6">
               <a:extLst>
                 <a:ext uri="{FF2B5EF4-FFF2-40B4-BE49-F238E27FC236}">
-                  <a16:creationId xmlns:a16="http://schemas.microsoft.com/office/drawing/2014/main" xmlns="" id="{8BC3D220-643B-4160-B5A9-59DF5D21F410}"/>
+                  <a16:creationId xmlns="" xmlns:a16="http://schemas.microsoft.com/office/drawing/2014/main" id="{8BC3D220-643B-4160-B5A9-59DF5D21F410}"/>
                 </a:ext>
                 <a:ext uri="{C183D7F6-B498-43B3-948B-1728B52AA6E4}">
-                  <adec:decorative xmlns:adec="http://schemas.microsoft.com/office/drawing/2017/decorative" xmlns="" val="1"/>
+                  <adec:decorative xmlns="" xmlns:adec="http://schemas.microsoft.com/office/drawing/2017/decorative" val="1"/>
                 </a:ext>
               </a:extLst>
             </p:cNvPr>
@@ -16871,7 +16872,7 @@
             <p:nvPr>
               <p:extLst>
                 <p:ext uri="{386F3935-93C4-4BCD-93E2-E3B085C9AB24}">
-                  <p16:designElem xmlns:p16="http://schemas.microsoft.com/office/powerpoint/2015/main" xmlns="" val="1"/>
+                  <p16:designElem xmlns="" xmlns:p16="http://schemas.microsoft.com/office/powerpoint/2015/main" val="1"/>
                 </p:ext>
               </p:extLst>
             </p:nvPr>
@@ -16921,10 +16922,10 @@
             <p:cNvPr id="42" name="Freeform 7">
               <a:extLst>
                 <a:ext uri="{FF2B5EF4-FFF2-40B4-BE49-F238E27FC236}">
-                  <a16:creationId xmlns:a16="http://schemas.microsoft.com/office/drawing/2014/main" xmlns="" id="{B92237DE-D518-4625-8392-66D7084588A0}"/>
+                  <a16:creationId xmlns="" xmlns:a16="http://schemas.microsoft.com/office/drawing/2014/main" id="{B92237DE-D518-4625-8392-66D7084588A0}"/>
                 </a:ext>
                 <a:ext uri="{C183D7F6-B498-43B3-948B-1728B52AA6E4}">
-                  <adec:decorative xmlns:adec="http://schemas.microsoft.com/office/drawing/2017/decorative" xmlns="" val="1"/>
+                  <adec:decorative xmlns="" xmlns:adec="http://schemas.microsoft.com/office/drawing/2017/decorative" val="1"/>
                 </a:ext>
               </a:extLst>
             </p:cNvPr>
@@ -16932,7 +16933,7 @@
             <p:nvPr>
               <p:extLst>
                 <p:ext uri="{386F3935-93C4-4BCD-93E2-E3B085C9AB24}">
-                  <p16:designElem xmlns:p16="http://schemas.microsoft.com/office/powerpoint/2015/main" xmlns="" val="1"/>
+                  <p16:designElem xmlns="" xmlns:p16="http://schemas.microsoft.com/office/powerpoint/2015/main" val="1"/>
                 </p:ext>
               </p:extLst>
             </p:nvPr>
@@ -16985,10 +16986,10 @@
             <p:cNvPr id="43" name="Freeform 8">
               <a:extLst>
                 <a:ext uri="{FF2B5EF4-FFF2-40B4-BE49-F238E27FC236}">
-                  <a16:creationId xmlns:a16="http://schemas.microsoft.com/office/drawing/2014/main" xmlns="" id="{F290F0DD-E80A-4263-94E1-A41F57D84CC5}"/>
+                  <a16:creationId xmlns="" xmlns:a16="http://schemas.microsoft.com/office/drawing/2014/main" id="{F290F0DD-E80A-4263-94E1-A41F57D84CC5}"/>
                 </a:ext>
                 <a:ext uri="{C183D7F6-B498-43B3-948B-1728B52AA6E4}">
-                  <adec:decorative xmlns:adec="http://schemas.microsoft.com/office/drawing/2017/decorative" xmlns="" val="1"/>
+                  <adec:decorative xmlns="" xmlns:adec="http://schemas.microsoft.com/office/drawing/2017/decorative" val="1"/>
                 </a:ext>
               </a:extLst>
             </p:cNvPr>
@@ -16996,7 +16997,7 @@
             <p:nvPr>
               <p:extLst>
                 <p:ext uri="{386F3935-93C4-4BCD-93E2-E3B085C9AB24}">
-                  <p16:designElem xmlns:p16="http://schemas.microsoft.com/office/powerpoint/2015/main" xmlns="" val="1"/>
+                  <p16:designElem xmlns="" xmlns:p16="http://schemas.microsoft.com/office/powerpoint/2015/main" val="1"/>
                 </p:ext>
               </p:extLst>
             </p:nvPr>
@@ -17046,10 +17047,10 @@
             <p:cNvPr id="44" name="Freeform 9">
               <a:extLst>
                 <a:ext uri="{FF2B5EF4-FFF2-40B4-BE49-F238E27FC236}">
-                  <a16:creationId xmlns:a16="http://schemas.microsoft.com/office/drawing/2014/main" xmlns="" id="{D78EA7D2-CCEA-435E-873D-36BF0522FFED}"/>
+                  <a16:creationId xmlns="" xmlns:a16="http://schemas.microsoft.com/office/drawing/2014/main" id="{D78EA7D2-CCEA-435E-873D-36BF0522FFED}"/>
                 </a:ext>
                 <a:ext uri="{C183D7F6-B498-43B3-948B-1728B52AA6E4}">
-                  <adec:decorative xmlns:adec="http://schemas.microsoft.com/office/drawing/2017/decorative" xmlns="" val="1"/>
+                  <adec:decorative xmlns="" xmlns:adec="http://schemas.microsoft.com/office/drawing/2017/decorative" val="1"/>
                 </a:ext>
               </a:extLst>
             </p:cNvPr>
@@ -17057,7 +17058,7 @@
             <p:nvPr>
               <p:extLst>
                 <p:ext uri="{386F3935-93C4-4BCD-93E2-E3B085C9AB24}">
-                  <p16:designElem xmlns:p16="http://schemas.microsoft.com/office/powerpoint/2015/main" xmlns="" val="1"/>
+                  <p16:designElem xmlns="" xmlns:p16="http://schemas.microsoft.com/office/powerpoint/2015/main" val="1"/>
                 </p:ext>
               </p:extLst>
             </p:nvPr>
@@ -17106,10 +17107,10 @@
             <p:cNvPr id="45" name="Freeform 10">
               <a:extLst>
                 <a:ext uri="{FF2B5EF4-FFF2-40B4-BE49-F238E27FC236}">
-                  <a16:creationId xmlns:a16="http://schemas.microsoft.com/office/drawing/2014/main" xmlns="" id="{9DFA731E-D6BB-42CC-AA05-64023DC81FE6}"/>
+                  <a16:creationId xmlns="" xmlns:a16="http://schemas.microsoft.com/office/drawing/2014/main" id="{9DFA731E-D6BB-42CC-AA05-64023DC81FE6}"/>
                 </a:ext>
                 <a:ext uri="{C183D7F6-B498-43B3-948B-1728B52AA6E4}">
-                  <adec:decorative xmlns:adec="http://schemas.microsoft.com/office/drawing/2017/decorative" xmlns="" val="1"/>
+                  <adec:decorative xmlns="" xmlns:adec="http://schemas.microsoft.com/office/drawing/2017/decorative" val="1"/>
                 </a:ext>
               </a:extLst>
             </p:cNvPr>
@@ -17117,7 +17118,7 @@
             <p:nvPr>
               <p:extLst>
                 <p:ext uri="{386F3935-93C4-4BCD-93E2-E3B085C9AB24}">
-                  <p16:designElem xmlns:p16="http://schemas.microsoft.com/office/powerpoint/2015/main" xmlns="" val="1"/>
+                  <p16:designElem xmlns="" xmlns:p16="http://schemas.microsoft.com/office/powerpoint/2015/main" val="1"/>
                 </p:ext>
               </p:extLst>
             </p:nvPr>
@@ -17172,10 +17173,10 @@
             <p:cNvPr id="46" name="Freeform 11">
               <a:extLst>
                 <a:ext uri="{FF2B5EF4-FFF2-40B4-BE49-F238E27FC236}">
-                  <a16:creationId xmlns:a16="http://schemas.microsoft.com/office/drawing/2014/main" xmlns="" id="{B00D0483-90FB-4EB4-9770-CA8A310D503B}"/>
+                  <a16:creationId xmlns="" xmlns:a16="http://schemas.microsoft.com/office/drawing/2014/main" id="{B00D0483-90FB-4EB4-9770-CA8A310D503B}"/>
                 </a:ext>
                 <a:ext uri="{C183D7F6-B498-43B3-948B-1728B52AA6E4}">
-                  <adec:decorative xmlns:adec="http://schemas.microsoft.com/office/drawing/2017/decorative" xmlns="" val="1"/>
+                  <adec:decorative xmlns="" xmlns:adec="http://schemas.microsoft.com/office/drawing/2017/decorative" val="1"/>
                 </a:ext>
               </a:extLst>
             </p:cNvPr>
@@ -17183,7 +17184,7 @@
             <p:nvPr>
               <p:extLst>
                 <p:ext uri="{386F3935-93C4-4BCD-93E2-E3B085C9AB24}">
-                  <p16:designElem xmlns:p16="http://schemas.microsoft.com/office/powerpoint/2015/main" xmlns="" val="1"/>
+                  <p16:designElem xmlns="" xmlns:p16="http://schemas.microsoft.com/office/powerpoint/2015/main" val="1"/>
                 </p:ext>
               </p:extLst>
             </p:nvPr>
@@ -17252,7 +17253,7 @@
           <p:cNvPr id="2" name="Title 1">
             <a:extLst>
               <a:ext uri="{FF2B5EF4-FFF2-40B4-BE49-F238E27FC236}">
-                <a16:creationId xmlns:a16="http://schemas.microsoft.com/office/drawing/2014/main" xmlns="" id="{339A428F-DE24-F24B-B03E-D8A9E51064E5}"/>
+                <a16:creationId xmlns="" xmlns:a16="http://schemas.microsoft.com/office/drawing/2014/main" id="{339A428F-DE24-F24B-B03E-D8A9E51064E5}"/>
               </a:ext>
             </a:extLst>
           </p:cNvPr>
@@ -17288,10 +17289,10 @@
           <p:cNvPr id="48" name="Rounded Rectangle 16">
             <a:extLst>
               <a:ext uri="{FF2B5EF4-FFF2-40B4-BE49-F238E27FC236}">
-                <a16:creationId xmlns:a16="http://schemas.microsoft.com/office/drawing/2014/main" xmlns="" id="{DD7EED39-224E-4230-8FD1-B1E1AF6C6E36}"/>
+                <a16:creationId xmlns="" xmlns:a16="http://schemas.microsoft.com/office/drawing/2014/main" id="{DD7EED39-224E-4230-8FD1-B1E1AF6C6E36}"/>
               </a:ext>
               <a:ext uri="{C183D7F6-B498-43B3-948B-1728B52AA6E4}">
-                <adec:decorative xmlns:adec="http://schemas.microsoft.com/office/drawing/2017/decorative" xmlns="" val="1"/>
+                <adec:decorative xmlns="" xmlns:adec="http://schemas.microsoft.com/office/drawing/2017/decorative" val="1"/>
               </a:ext>
             </a:extLst>
           </p:cNvPr>
@@ -17301,7 +17302,7 @@
           <p:nvPr>
             <p:extLst>
               <p:ext uri="{386F3935-93C4-4BCD-93E2-E3B085C9AB24}">
-                <p16:designElem xmlns:p16="http://schemas.microsoft.com/office/powerpoint/2015/main" xmlns="" val="1"/>
+                <p16:designElem xmlns="" xmlns:p16="http://schemas.microsoft.com/office/powerpoint/2015/main" val="1"/>
               </p:ext>
             </p:extLst>
           </p:nvPr>
@@ -17373,7 +17374,7 @@
           <p:cNvPr id="20" name="TextBox 19">
             <a:extLst>
               <a:ext uri="{FF2B5EF4-FFF2-40B4-BE49-F238E27FC236}">
-                <a16:creationId xmlns:a16="http://schemas.microsoft.com/office/drawing/2014/main" xmlns="" id="{0983CF5F-AED5-EA43-B332-EF09D66427D2}"/>
+                <a16:creationId xmlns="" xmlns:a16="http://schemas.microsoft.com/office/drawing/2014/main" id="{0983CF5F-AED5-EA43-B332-EF09D66427D2}"/>
               </a:ext>
             </a:extLst>
           </p:cNvPr>
@@ -17689,10 +17690,10 @@
           <p:cNvPr id="47" name="Group 31">
             <a:extLst>
               <a:ext uri="{FF2B5EF4-FFF2-40B4-BE49-F238E27FC236}">
-                <a16:creationId xmlns:a16="http://schemas.microsoft.com/office/drawing/2014/main" xmlns="" id="{260ACC13-B825-49F3-93DE-C8B8F2FA37A1}"/>
+                <a16:creationId xmlns="" xmlns:a16="http://schemas.microsoft.com/office/drawing/2014/main" id="{260ACC13-B825-49F3-93DE-C8B8F2FA37A1}"/>
               </a:ext>
               <a:ext uri="{C183D7F6-B498-43B3-948B-1728B52AA6E4}">
-                <adec:decorative xmlns:adec="http://schemas.microsoft.com/office/drawing/2017/decorative" xmlns="" val="1"/>
+                <adec:decorative xmlns="" xmlns:adec="http://schemas.microsoft.com/office/drawing/2017/decorative" val="1"/>
               </a:ext>
             </a:extLst>
           </p:cNvPr>
@@ -17702,7 +17703,7 @@
           <p:nvPr>
             <p:extLst>
               <p:ext uri="{386F3935-93C4-4BCD-93E2-E3B085C9AB24}">
-                <p16:designElem xmlns:p16="http://schemas.microsoft.com/office/powerpoint/2015/main" xmlns="" val="1"/>
+                <p16:designElem xmlns="" xmlns:p16="http://schemas.microsoft.com/office/powerpoint/2015/main" val="1"/>
               </p:ext>
             </p:extLst>
           </p:nvPr>
@@ -17720,10 +17721,10 @@
             <p:cNvPr id="33" name="Freeform 6">
               <a:extLst>
                 <a:ext uri="{FF2B5EF4-FFF2-40B4-BE49-F238E27FC236}">
-                  <a16:creationId xmlns:a16="http://schemas.microsoft.com/office/drawing/2014/main" xmlns="" id="{F947B31F-CA03-4793-845D-FD86BABC1A18}"/>
+                  <a16:creationId xmlns="" xmlns:a16="http://schemas.microsoft.com/office/drawing/2014/main" id="{F947B31F-CA03-4793-845D-FD86BABC1A18}"/>
                 </a:ext>
                 <a:ext uri="{C183D7F6-B498-43B3-948B-1728B52AA6E4}">
-                  <adec:decorative xmlns:adec="http://schemas.microsoft.com/office/drawing/2017/decorative" xmlns="" val="1"/>
+                  <adec:decorative xmlns="" xmlns:adec="http://schemas.microsoft.com/office/drawing/2017/decorative" val="1"/>
                 </a:ext>
               </a:extLst>
             </p:cNvPr>
@@ -17731,7 +17732,7 @@
             <p:nvPr>
               <p:extLst>
                 <p:ext uri="{386F3935-93C4-4BCD-93E2-E3B085C9AB24}">
-                  <p16:designElem xmlns:p16="http://schemas.microsoft.com/office/powerpoint/2015/main" xmlns="" val="1"/>
+                  <p16:designElem xmlns="" xmlns:p16="http://schemas.microsoft.com/office/powerpoint/2015/main" val="1"/>
                 </p:ext>
               </p:extLst>
             </p:nvPr>
@@ -17781,10 +17782,10 @@
             <p:cNvPr id="34" name="Freeform 7">
               <a:extLst>
                 <a:ext uri="{FF2B5EF4-FFF2-40B4-BE49-F238E27FC236}">
-                  <a16:creationId xmlns:a16="http://schemas.microsoft.com/office/drawing/2014/main" xmlns="" id="{DCDDE94D-F78C-4A48-AEA6-E922FC99A159}"/>
+                  <a16:creationId xmlns="" xmlns:a16="http://schemas.microsoft.com/office/drawing/2014/main" id="{DCDDE94D-F78C-4A48-AEA6-E922FC99A159}"/>
                 </a:ext>
                 <a:ext uri="{C183D7F6-B498-43B3-948B-1728B52AA6E4}">
-                  <adec:decorative xmlns:adec="http://schemas.microsoft.com/office/drawing/2017/decorative" xmlns="" val="1"/>
+                  <adec:decorative xmlns="" xmlns:adec="http://schemas.microsoft.com/office/drawing/2017/decorative" val="1"/>
                 </a:ext>
               </a:extLst>
             </p:cNvPr>
@@ -17792,7 +17793,7 @@
             <p:nvPr>
               <p:extLst>
                 <p:ext uri="{386F3935-93C4-4BCD-93E2-E3B085C9AB24}">
-                  <p16:designElem xmlns:p16="http://schemas.microsoft.com/office/powerpoint/2015/main" xmlns="" val="1"/>
+                  <p16:designElem xmlns="" xmlns:p16="http://schemas.microsoft.com/office/powerpoint/2015/main" val="1"/>
                 </p:ext>
               </p:extLst>
             </p:nvPr>
@@ -17845,10 +17846,10 @@
             <p:cNvPr id="35" name="Freeform 8">
               <a:extLst>
                 <a:ext uri="{FF2B5EF4-FFF2-40B4-BE49-F238E27FC236}">
-                  <a16:creationId xmlns:a16="http://schemas.microsoft.com/office/drawing/2014/main" xmlns="" id="{3445A886-F3CA-4DE4-90D7-535F9707B799}"/>
+                  <a16:creationId xmlns="" xmlns:a16="http://schemas.microsoft.com/office/drawing/2014/main" id="{3445A886-F3CA-4DE4-90D7-535F9707B799}"/>
                 </a:ext>
                 <a:ext uri="{C183D7F6-B498-43B3-948B-1728B52AA6E4}">
-                  <adec:decorative xmlns:adec="http://schemas.microsoft.com/office/drawing/2017/decorative" xmlns="" val="1"/>
+                  <adec:decorative xmlns="" xmlns:adec="http://schemas.microsoft.com/office/drawing/2017/decorative" val="1"/>
                 </a:ext>
               </a:extLst>
             </p:cNvPr>
@@ -17856,7 +17857,7 @@
             <p:nvPr>
               <p:extLst>
                 <p:ext uri="{386F3935-93C4-4BCD-93E2-E3B085C9AB24}">
-                  <p16:designElem xmlns:p16="http://schemas.microsoft.com/office/powerpoint/2015/main" xmlns="" val="1"/>
+                  <p16:designElem xmlns="" xmlns:p16="http://schemas.microsoft.com/office/powerpoint/2015/main" val="1"/>
                 </p:ext>
               </p:extLst>
             </p:nvPr>
@@ -17906,10 +17907,10 @@
             <p:cNvPr id="36" name="Freeform 9">
               <a:extLst>
                 <a:ext uri="{FF2B5EF4-FFF2-40B4-BE49-F238E27FC236}">
-                  <a16:creationId xmlns:a16="http://schemas.microsoft.com/office/drawing/2014/main" xmlns="" id="{A8999CB6-C053-418B-AE37-E470804D251D}"/>
+                  <a16:creationId xmlns="" xmlns:a16="http://schemas.microsoft.com/office/drawing/2014/main" id="{A8999CB6-C053-418B-AE37-E470804D251D}"/>
                 </a:ext>
                 <a:ext uri="{C183D7F6-B498-43B3-948B-1728B52AA6E4}">
-                  <adec:decorative xmlns:adec="http://schemas.microsoft.com/office/drawing/2017/decorative" xmlns="" val="1"/>
+                  <adec:decorative xmlns="" xmlns:adec="http://schemas.microsoft.com/office/drawing/2017/decorative" val="1"/>
                 </a:ext>
               </a:extLst>
             </p:cNvPr>
@@ -17917,7 +17918,7 @@
             <p:nvPr>
               <p:extLst>
                 <p:ext uri="{386F3935-93C4-4BCD-93E2-E3B085C9AB24}">
-                  <p16:designElem xmlns:p16="http://schemas.microsoft.com/office/powerpoint/2015/main" xmlns="" val="1"/>
+                  <p16:designElem xmlns="" xmlns:p16="http://schemas.microsoft.com/office/powerpoint/2015/main" val="1"/>
                 </p:ext>
               </p:extLst>
             </p:nvPr>
@@ -17966,10 +17967,10 @@
             <p:cNvPr id="37" name="Freeform 10">
               <a:extLst>
                 <a:ext uri="{FF2B5EF4-FFF2-40B4-BE49-F238E27FC236}">
-                  <a16:creationId xmlns:a16="http://schemas.microsoft.com/office/drawing/2014/main" xmlns="" id="{81EA3E26-BFCD-4396-AE8A-2A9828BFFBA2}"/>
+                  <a16:creationId xmlns="" xmlns:a16="http://schemas.microsoft.com/office/drawing/2014/main" id="{81EA3E26-BFCD-4396-AE8A-2A9828BFFBA2}"/>
                 </a:ext>
                 <a:ext uri="{C183D7F6-B498-43B3-948B-1728B52AA6E4}">
-                  <adec:decorative xmlns:adec="http://schemas.microsoft.com/office/drawing/2017/decorative" xmlns="" val="1"/>
+                  <adec:decorative xmlns="" xmlns:adec="http://schemas.microsoft.com/office/drawing/2017/decorative" val="1"/>
                 </a:ext>
               </a:extLst>
             </p:cNvPr>
@@ -17977,7 +17978,7 @@
             <p:nvPr>
               <p:extLst>
                 <p:ext uri="{386F3935-93C4-4BCD-93E2-E3B085C9AB24}">
-                  <p16:designElem xmlns:p16="http://schemas.microsoft.com/office/powerpoint/2015/main" xmlns="" val="1"/>
+                  <p16:designElem xmlns="" xmlns:p16="http://schemas.microsoft.com/office/powerpoint/2015/main" val="1"/>
                 </p:ext>
               </p:extLst>
             </p:nvPr>
@@ -18032,10 +18033,10 @@
             <p:cNvPr id="38" name="Freeform 11">
               <a:extLst>
                 <a:ext uri="{FF2B5EF4-FFF2-40B4-BE49-F238E27FC236}">
-                  <a16:creationId xmlns:a16="http://schemas.microsoft.com/office/drawing/2014/main" xmlns="" id="{5F9BC582-73A6-4D8A-8738-E36476489351}"/>
+                  <a16:creationId xmlns="" xmlns:a16="http://schemas.microsoft.com/office/drawing/2014/main" id="{5F9BC582-73A6-4D8A-8738-E36476489351}"/>
                 </a:ext>
                 <a:ext uri="{C183D7F6-B498-43B3-948B-1728B52AA6E4}">
-                  <adec:decorative xmlns:adec="http://schemas.microsoft.com/office/drawing/2017/decorative" xmlns="" val="1"/>
+                  <adec:decorative xmlns="" xmlns:adec="http://schemas.microsoft.com/office/drawing/2017/decorative" val="1"/>
                 </a:ext>
               </a:extLst>
             </p:cNvPr>
@@ -18043,7 +18044,7 @@
             <p:nvPr>
               <p:extLst>
                 <p:ext uri="{386F3935-93C4-4BCD-93E2-E3B085C9AB24}">
-                  <p16:designElem xmlns:p16="http://schemas.microsoft.com/office/powerpoint/2015/main" xmlns="" val="1"/>
+                  <p16:designElem xmlns="" xmlns:p16="http://schemas.microsoft.com/office/powerpoint/2015/main" val="1"/>
                 </p:ext>
               </p:extLst>
             </p:nvPr>
@@ -18112,10 +18113,10 @@
           <p:cNvPr id="40" name="Group 39">
             <a:extLst>
               <a:ext uri="{FF2B5EF4-FFF2-40B4-BE49-F238E27FC236}">
-                <a16:creationId xmlns:a16="http://schemas.microsoft.com/office/drawing/2014/main" xmlns="" id="{A2E861A3-F23C-46B8-A38A-4A22E453D993}"/>
+                <a16:creationId xmlns="" xmlns:a16="http://schemas.microsoft.com/office/drawing/2014/main" id="{A2E861A3-F23C-46B8-A38A-4A22E453D993}"/>
               </a:ext>
               <a:ext uri="{C183D7F6-B498-43B3-948B-1728B52AA6E4}">
-                <adec:decorative xmlns:adec="http://schemas.microsoft.com/office/drawing/2017/decorative" xmlns="" val="1"/>
+                <adec:decorative xmlns="" xmlns:adec="http://schemas.microsoft.com/office/drawing/2017/decorative" val="1"/>
               </a:ext>
             </a:extLst>
           </p:cNvPr>
@@ -18125,7 +18126,7 @@
           <p:nvPr>
             <p:extLst>
               <p:ext uri="{386F3935-93C4-4BCD-93E2-E3B085C9AB24}">
-                <p16:designElem xmlns:p16="http://schemas.microsoft.com/office/powerpoint/2015/main" xmlns="" val="1"/>
+                <p16:designElem xmlns="" xmlns:p16="http://schemas.microsoft.com/office/powerpoint/2015/main" val="1"/>
               </p:ext>
             </p:extLst>
           </p:nvPr>
@@ -18143,10 +18144,10 @@
             <p:cNvPr id="41" name="Freeform 6">
               <a:extLst>
                 <a:ext uri="{FF2B5EF4-FFF2-40B4-BE49-F238E27FC236}">
-                  <a16:creationId xmlns:a16="http://schemas.microsoft.com/office/drawing/2014/main" xmlns="" id="{8BC3D220-643B-4160-B5A9-59DF5D21F410}"/>
+                  <a16:creationId xmlns="" xmlns:a16="http://schemas.microsoft.com/office/drawing/2014/main" id="{8BC3D220-643B-4160-B5A9-59DF5D21F410}"/>
                 </a:ext>
                 <a:ext uri="{C183D7F6-B498-43B3-948B-1728B52AA6E4}">
-                  <adec:decorative xmlns:adec="http://schemas.microsoft.com/office/drawing/2017/decorative" xmlns="" val="1"/>
+                  <adec:decorative xmlns="" xmlns:adec="http://schemas.microsoft.com/office/drawing/2017/decorative" val="1"/>
                 </a:ext>
               </a:extLst>
             </p:cNvPr>
@@ -18154,7 +18155,7 @@
             <p:nvPr>
               <p:extLst>
                 <p:ext uri="{386F3935-93C4-4BCD-93E2-E3B085C9AB24}">
-                  <p16:designElem xmlns:p16="http://schemas.microsoft.com/office/powerpoint/2015/main" xmlns="" val="1"/>
+                  <p16:designElem xmlns="" xmlns:p16="http://schemas.microsoft.com/office/powerpoint/2015/main" val="1"/>
                 </p:ext>
               </p:extLst>
             </p:nvPr>
@@ -18204,10 +18205,10 @@
             <p:cNvPr id="42" name="Freeform 7">
               <a:extLst>
                 <a:ext uri="{FF2B5EF4-FFF2-40B4-BE49-F238E27FC236}">
-                  <a16:creationId xmlns:a16="http://schemas.microsoft.com/office/drawing/2014/main" xmlns="" id="{B92237DE-D518-4625-8392-66D7084588A0}"/>
+                  <a16:creationId xmlns="" xmlns:a16="http://schemas.microsoft.com/office/drawing/2014/main" id="{B92237DE-D518-4625-8392-66D7084588A0}"/>
                 </a:ext>
                 <a:ext uri="{C183D7F6-B498-43B3-948B-1728B52AA6E4}">
-                  <adec:decorative xmlns:adec="http://schemas.microsoft.com/office/drawing/2017/decorative" xmlns="" val="1"/>
+                  <adec:decorative xmlns="" xmlns:adec="http://schemas.microsoft.com/office/drawing/2017/decorative" val="1"/>
                 </a:ext>
               </a:extLst>
             </p:cNvPr>
@@ -18215,7 +18216,7 @@
             <p:nvPr>
               <p:extLst>
                 <p:ext uri="{386F3935-93C4-4BCD-93E2-E3B085C9AB24}">
-                  <p16:designElem xmlns:p16="http://schemas.microsoft.com/office/powerpoint/2015/main" xmlns="" val="1"/>
+                  <p16:designElem xmlns="" xmlns:p16="http://schemas.microsoft.com/office/powerpoint/2015/main" val="1"/>
                 </p:ext>
               </p:extLst>
             </p:nvPr>
@@ -18268,10 +18269,10 @@
             <p:cNvPr id="43" name="Freeform 8">
               <a:extLst>
                 <a:ext uri="{FF2B5EF4-FFF2-40B4-BE49-F238E27FC236}">
-                  <a16:creationId xmlns:a16="http://schemas.microsoft.com/office/drawing/2014/main" xmlns="" id="{F290F0DD-E80A-4263-94E1-A41F57D84CC5}"/>
+                  <a16:creationId xmlns="" xmlns:a16="http://schemas.microsoft.com/office/drawing/2014/main" id="{F290F0DD-E80A-4263-94E1-A41F57D84CC5}"/>
                 </a:ext>
                 <a:ext uri="{C183D7F6-B498-43B3-948B-1728B52AA6E4}">
-                  <adec:decorative xmlns:adec="http://schemas.microsoft.com/office/drawing/2017/decorative" xmlns="" val="1"/>
+                  <adec:decorative xmlns="" xmlns:adec="http://schemas.microsoft.com/office/drawing/2017/decorative" val="1"/>
                 </a:ext>
               </a:extLst>
             </p:cNvPr>
@@ -18279,7 +18280,7 @@
             <p:nvPr>
               <p:extLst>
                 <p:ext uri="{386F3935-93C4-4BCD-93E2-E3B085C9AB24}">
-                  <p16:designElem xmlns:p16="http://schemas.microsoft.com/office/powerpoint/2015/main" xmlns="" val="1"/>
+                  <p16:designElem xmlns="" xmlns:p16="http://schemas.microsoft.com/office/powerpoint/2015/main" val="1"/>
                 </p:ext>
               </p:extLst>
             </p:nvPr>
@@ -18329,10 +18330,10 @@
             <p:cNvPr id="44" name="Freeform 9">
               <a:extLst>
                 <a:ext uri="{FF2B5EF4-FFF2-40B4-BE49-F238E27FC236}">
-                  <a16:creationId xmlns:a16="http://schemas.microsoft.com/office/drawing/2014/main" xmlns="" id="{D78EA7D2-CCEA-435E-873D-36BF0522FFED}"/>
+                  <a16:creationId xmlns="" xmlns:a16="http://schemas.microsoft.com/office/drawing/2014/main" id="{D78EA7D2-CCEA-435E-873D-36BF0522FFED}"/>
                 </a:ext>
                 <a:ext uri="{C183D7F6-B498-43B3-948B-1728B52AA6E4}">
-                  <adec:decorative xmlns:adec="http://schemas.microsoft.com/office/drawing/2017/decorative" xmlns="" val="1"/>
+                  <adec:decorative xmlns="" xmlns:adec="http://schemas.microsoft.com/office/drawing/2017/decorative" val="1"/>
                 </a:ext>
               </a:extLst>
             </p:cNvPr>
@@ -18340,7 +18341,7 @@
             <p:nvPr>
               <p:extLst>
                 <p:ext uri="{386F3935-93C4-4BCD-93E2-E3B085C9AB24}">
-                  <p16:designElem xmlns:p16="http://schemas.microsoft.com/office/powerpoint/2015/main" xmlns="" val="1"/>
+                  <p16:designElem xmlns="" xmlns:p16="http://schemas.microsoft.com/office/powerpoint/2015/main" val="1"/>
                 </p:ext>
               </p:extLst>
             </p:nvPr>
@@ -18389,10 +18390,10 @@
             <p:cNvPr id="45" name="Freeform 10">
               <a:extLst>
                 <a:ext uri="{FF2B5EF4-FFF2-40B4-BE49-F238E27FC236}">
-                  <a16:creationId xmlns:a16="http://schemas.microsoft.com/office/drawing/2014/main" xmlns="" id="{9DFA731E-D6BB-42CC-AA05-64023DC81FE6}"/>
+                  <a16:creationId xmlns="" xmlns:a16="http://schemas.microsoft.com/office/drawing/2014/main" id="{9DFA731E-D6BB-42CC-AA05-64023DC81FE6}"/>
                 </a:ext>
                 <a:ext uri="{C183D7F6-B498-43B3-948B-1728B52AA6E4}">
-                  <adec:decorative xmlns:adec="http://schemas.microsoft.com/office/drawing/2017/decorative" xmlns="" val="1"/>
+                  <adec:decorative xmlns="" xmlns:adec="http://schemas.microsoft.com/office/drawing/2017/decorative" val="1"/>
                 </a:ext>
               </a:extLst>
             </p:cNvPr>
@@ -18400,7 +18401,7 @@
             <p:nvPr>
               <p:extLst>
                 <p:ext uri="{386F3935-93C4-4BCD-93E2-E3B085C9AB24}">
-                  <p16:designElem xmlns:p16="http://schemas.microsoft.com/office/powerpoint/2015/main" xmlns="" val="1"/>
+                  <p16:designElem xmlns="" xmlns:p16="http://schemas.microsoft.com/office/powerpoint/2015/main" val="1"/>
                 </p:ext>
               </p:extLst>
             </p:nvPr>
@@ -18455,10 +18456,10 @@
             <p:cNvPr id="46" name="Freeform 11">
               <a:extLst>
                 <a:ext uri="{FF2B5EF4-FFF2-40B4-BE49-F238E27FC236}">
-                  <a16:creationId xmlns:a16="http://schemas.microsoft.com/office/drawing/2014/main" xmlns="" id="{B00D0483-90FB-4EB4-9770-CA8A310D503B}"/>
+                  <a16:creationId xmlns="" xmlns:a16="http://schemas.microsoft.com/office/drawing/2014/main" id="{B00D0483-90FB-4EB4-9770-CA8A310D503B}"/>
                 </a:ext>
                 <a:ext uri="{C183D7F6-B498-43B3-948B-1728B52AA6E4}">
-                  <adec:decorative xmlns:adec="http://schemas.microsoft.com/office/drawing/2017/decorative" xmlns="" val="1"/>
+                  <adec:decorative xmlns="" xmlns:adec="http://schemas.microsoft.com/office/drawing/2017/decorative" val="1"/>
                 </a:ext>
               </a:extLst>
             </p:cNvPr>
@@ -18466,7 +18467,7 @@
             <p:nvPr>
               <p:extLst>
                 <p:ext uri="{386F3935-93C4-4BCD-93E2-E3B085C9AB24}">
-                  <p16:designElem xmlns:p16="http://schemas.microsoft.com/office/powerpoint/2015/main" xmlns="" val="1"/>
+                  <p16:designElem xmlns="" xmlns:p16="http://schemas.microsoft.com/office/powerpoint/2015/main" val="1"/>
                 </p:ext>
               </p:extLst>
             </p:nvPr>
@@ -18535,7 +18536,7 @@
           <p:cNvPr id="2" name="Title 1">
             <a:extLst>
               <a:ext uri="{FF2B5EF4-FFF2-40B4-BE49-F238E27FC236}">
-                <a16:creationId xmlns:a16="http://schemas.microsoft.com/office/drawing/2014/main" xmlns="" id="{339A428F-DE24-F24B-B03E-D8A9E51064E5}"/>
+                <a16:creationId xmlns="" xmlns:a16="http://schemas.microsoft.com/office/drawing/2014/main" id="{339A428F-DE24-F24B-B03E-D8A9E51064E5}"/>
               </a:ext>
             </a:extLst>
           </p:cNvPr>
@@ -18571,10 +18572,10 @@
           <p:cNvPr id="48" name="Rounded Rectangle 16">
             <a:extLst>
               <a:ext uri="{FF2B5EF4-FFF2-40B4-BE49-F238E27FC236}">
-                <a16:creationId xmlns:a16="http://schemas.microsoft.com/office/drawing/2014/main" xmlns="" id="{DD7EED39-224E-4230-8FD1-B1E1AF6C6E36}"/>
+                <a16:creationId xmlns="" xmlns:a16="http://schemas.microsoft.com/office/drawing/2014/main" id="{DD7EED39-224E-4230-8FD1-B1E1AF6C6E36}"/>
               </a:ext>
               <a:ext uri="{C183D7F6-B498-43B3-948B-1728B52AA6E4}">
-                <adec:decorative xmlns:adec="http://schemas.microsoft.com/office/drawing/2017/decorative" xmlns="" val="1"/>
+                <adec:decorative xmlns="" xmlns:adec="http://schemas.microsoft.com/office/drawing/2017/decorative" val="1"/>
               </a:ext>
             </a:extLst>
           </p:cNvPr>
@@ -18584,7 +18585,7 @@
           <p:nvPr>
             <p:extLst>
               <p:ext uri="{386F3935-93C4-4BCD-93E2-E3B085C9AB24}">
-                <p16:designElem xmlns:p16="http://schemas.microsoft.com/office/powerpoint/2015/main" xmlns="" val="1"/>
+                <p16:designElem xmlns="" xmlns:p16="http://schemas.microsoft.com/office/powerpoint/2015/main" val="1"/>
               </p:ext>
             </p:extLst>
           </p:nvPr>
@@ -18656,7 +18657,7 @@
           <p:cNvPr id="20" name="TextBox 19">
             <a:extLst>
               <a:ext uri="{FF2B5EF4-FFF2-40B4-BE49-F238E27FC236}">
-                <a16:creationId xmlns:a16="http://schemas.microsoft.com/office/drawing/2014/main" xmlns="" id="{0983CF5F-AED5-EA43-B332-EF09D66427D2}"/>
+                <a16:creationId xmlns="" xmlns:a16="http://schemas.microsoft.com/office/drawing/2014/main" id="{0983CF5F-AED5-EA43-B332-EF09D66427D2}"/>
               </a:ext>
             </a:extLst>
           </p:cNvPr>
@@ -18972,10 +18973,10 @@
           <p:cNvPr id="47" name="Group 31">
             <a:extLst>
               <a:ext uri="{FF2B5EF4-FFF2-40B4-BE49-F238E27FC236}">
-                <a16:creationId xmlns:a16="http://schemas.microsoft.com/office/drawing/2014/main" xmlns="" id="{260ACC13-B825-49F3-93DE-C8B8F2FA37A1}"/>
+                <a16:creationId xmlns="" xmlns:a16="http://schemas.microsoft.com/office/drawing/2014/main" id="{260ACC13-B825-49F3-93DE-C8B8F2FA37A1}"/>
               </a:ext>
               <a:ext uri="{C183D7F6-B498-43B3-948B-1728B52AA6E4}">
-                <adec:decorative xmlns:adec="http://schemas.microsoft.com/office/drawing/2017/decorative" xmlns="" val="1"/>
+                <adec:decorative xmlns="" xmlns:adec="http://schemas.microsoft.com/office/drawing/2017/decorative" val="1"/>
               </a:ext>
             </a:extLst>
           </p:cNvPr>
@@ -18985,7 +18986,7 @@
           <p:nvPr>
             <p:extLst>
               <p:ext uri="{386F3935-93C4-4BCD-93E2-E3B085C9AB24}">
-                <p16:designElem xmlns:p16="http://schemas.microsoft.com/office/powerpoint/2015/main" xmlns="" val="1"/>
+                <p16:designElem xmlns="" xmlns:p16="http://schemas.microsoft.com/office/powerpoint/2015/main" val="1"/>
               </p:ext>
             </p:extLst>
           </p:nvPr>
@@ -19003,10 +19004,10 @@
             <p:cNvPr id="33" name="Freeform 6">
               <a:extLst>
                 <a:ext uri="{FF2B5EF4-FFF2-40B4-BE49-F238E27FC236}">
-                  <a16:creationId xmlns:a16="http://schemas.microsoft.com/office/drawing/2014/main" xmlns="" id="{F947B31F-CA03-4793-845D-FD86BABC1A18}"/>
+                  <a16:creationId xmlns="" xmlns:a16="http://schemas.microsoft.com/office/drawing/2014/main" id="{F947B31F-CA03-4793-845D-FD86BABC1A18}"/>
                 </a:ext>
                 <a:ext uri="{C183D7F6-B498-43B3-948B-1728B52AA6E4}">
-                  <adec:decorative xmlns:adec="http://schemas.microsoft.com/office/drawing/2017/decorative" xmlns="" val="1"/>
+                  <adec:decorative xmlns="" xmlns:adec="http://schemas.microsoft.com/office/drawing/2017/decorative" val="1"/>
                 </a:ext>
               </a:extLst>
             </p:cNvPr>
@@ -19014,7 +19015,7 @@
             <p:nvPr>
               <p:extLst>
                 <p:ext uri="{386F3935-93C4-4BCD-93E2-E3B085C9AB24}">
-                  <p16:designElem xmlns:p16="http://schemas.microsoft.com/office/powerpoint/2015/main" xmlns="" val="1"/>
+                  <p16:designElem xmlns="" xmlns:p16="http://schemas.microsoft.com/office/powerpoint/2015/main" val="1"/>
                 </p:ext>
               </p:extLst>
             </p:nvPr>
@@ -19064,10 +19065,10 @@
             <p:cNvPr id="34" name="Freeform 7">
               <a:extLst>
                 <a:ext uri="{FF2B5EF4-FFF2-40B4-BE49-F238E27FC236}">
-                  <a16:creationId xmlns:a16="http://schemas.microsoft.com/office/drawing/2014/main" xmlns="" id="{DCDDE94D-F78C-4A48-AEA6-E922FC99A159}"/>
+                  <a16:creationId xmlns="" xmlns:a16="http://schemas.microsoft.com/office/drawing/2014/main" id="{DCDDE94D-F78C-4A48-AEA6-E922FC99A159}"/>
                 </a:ext>
                 <a:ext uri="{C183D7F6-B498-43B3-948B-1728B52AA6E4}">
-                  <adec:decorative xmlns:adec="http://schemas.microsoft.com/office/drawing/2017/decorative" xmlns="" val="1"/>
+                  <adec:decorative xmlns="" xmlns:adec="http://schemas.microsoft.com/office/drawing/2017/decorative" val="1"/>
                 </a:ext>
               </a:extLst>
             </p:cNvPr>
@@ -19075,7 +19076,7 @@
             <p:nvPr>
               <p:extLst>
                 <p:ext uri="{386F3935-93C4-4BCD-93E2-E3B085C9AB24}">
-                  <p16:designElem xmlns:p16="http://schemas.microsoft.com/office/powerpoint/2015/main" xmlns="" val="1"/>
+                  <p16:designElem xmlns="" xmlns:p16="http://schemas.microsoft.com/office/powerpoint/2015/main" val="1"/>
                 </p:ext>
               </p:extLst>
             </p:nvPr>
@@ -19128,10 +19129,10 @@
             <p:cNvPr id="35" name="Freeform 8">
               <a:extLst>
                 <a:ext uri="{FF2B5EF4-FFF2-40B4-BE49-F238E27FC236}">
-                  <a16:creationId xmlns:a16="http://schemas.microsoft.com/office/drawing/2014/main" xmlns="" id="{3445A886-F3CA-4DE4-90D7-535F9707B799}"/>
+                  <a16:creationId xmlns="" xmlns:a16="http://schemas.microsoft.com/office/drawing/2014/main" id="{3445A886-F3CA-4DE4-90D7-535F9707B799}"/>
                 </a:ext>
                 <a:ext uri="{C183D7F6-B498-43B3-948B-1728B52AA6E4}">
-                  <adec:decorative xmlns:adec="http://schemas.microsoft.com/office/drawing/2017/decorative" xmlns="" val="1"/>
+                  <adec:decorative xmlns="" xmlns:adec="http://schemas.microsoft.com/office/drawing/2017/decorative" val="1"/>
                 </a:ext>
               </a:extLst>
             </p:cNvPr>
@@ -19139,7 +19140,7 @@
             <p:nvPr>
               <p:extLst>
                 <p:ext uri="{386F3935-93C4-4BCD-93E2-E3B085C9AB24}">
-                  <p16:designElem xmlns:p16="http://schemas.microsoft.com/office/powerpoint/2015/main" xmlns="" val="1"/>
+                  <p16:designElem xmlns="" xmlns:p16="http://schemas.microsoft.com/office/powerpoint/2015/main" val="1"/>
                 </p:ext>
               </p:extLst>
             </p:nvPr>
@@ -19189,10 +19190,10 @@
             <p:cNvPr id="36" name="Freeform 9">
               <a:extLst>
                 <a:ext uri="{FF2B5EF4-FFF2-40B4-BE49-F238E27FC236}">
-                  <a16:creationId xmlns:a16="http://schemas.microsoft.com/office/drawing/2014/main" xmlns="" id="{A8999CB6-C053-418B-AE37-E470804D251D}"/>
+                  <a16:creationId xmlns="" xmlns:a16="http://schemas.microsoft.com/office/drawing/2014/main" id="{A8999CB6-C053-418B-AE37-E470804D251D}"/>
                 </a:ext>
                 <a:ext uri="{C183D7F6-B498-43B3-948B-1728B52AA6E4}">
-                  <adec:decorative xmlns:adec="http://schemas.microsoft.com/office/drawing/2017/decorative" xmlns="" val="1"/>
+                  <adec:decorative xmlns="" xmlns:adec="http://schemas.microsoft.com/office/drawing/2017/decorative" val="1"/>
                 </a:ext>
               </a:extLst>
             </p:cNvPr>
@@ -19200,7 +19201,7 @@
             <p:nvPr>
               <p:extLst>
                 <p:ext uri="{386F3935-93C4-4BCD-93E2-E3B085C9AB24}">
-                  <p16:designElem xmlns:p16="http://schemas.microsoft.com/office/powerpoint/2015/main" xmlns="" val="1"/>
+                  <p16:designElem xmlns="" xmlns:p16="http://schemas.microsoft.com/office/powerpoint/2015/main" val="1"/>
                 </p:ext>
               </p:extLst>
             </p:nvPr>
@@ -19249,10 +19250,10 @@
             <p:cNvPr id="37" name="Freeform 10">
               <a:extLst>
                 <a:ext uri="{FF2B5EF4-FFF2-40B4-BE49-F238E27FC236}">
-                  <a16:creationId xmlns:a16="http://schemas.microsoft.com/office/drawing/2014/main" xmlns="" id="{81EA3E26-BFCD-4396-AE8A-2A9828BFFBA2}"/>
+                  <a16:creationId xmlns="" xmlns:a16="http://schemas.microsoft.com/office/drawing/2014/main" id="{81EA3E26-BFCD-4396-AE8A-2A9828BFFBA2}"/>
                 </a:ext>
                 <a:ext uri="{C183D7F6-B498-43B3-948B-1728B52AA6E4}">
-                  <adec:decorative xmlns:adec="http://schemas.microsoft.com/office/drawing/2017/decorative" xmlns="" val="1"/>
+                  <adec:decorative xmlns="" xmlns:adec="http://schemas.microsoft.com/office/drawing/2017/decorative" val="1"/>
                 </a:ext>
               </a:extLst>
             </p:cNvPr>
@@ -19260,7 +19261,7 @@
             <p:nvPr>
               <p:extLst>
                 <p:ext uri="{386F3935-93C4-4BCD-93E2-E3B085C9AB24}">
-                  <p16:designElem xmlns:p16="http://schemas.microsoft.com/office/powerpoint/2015/main" xmlns="" val="1"/>
+                  <p16:designElem xmlns="" xmlns:p16="http://schemas.microsoft.com/office/powerpoint/2015/main" val="1"/>
                 </p:ext>
               </p:extLst>
             </p:nvPr>
@@ -19315,10 +19316,10 @@
             <p:cNvPr id="38" name="Freeform 11">
               <a:extLst>
                 <a:ext uri="{FF2B5EF4-FFF2-40B4-BE49-F238E27FC236}">
-                  <a16:creationId xmlns:a16="http://schemas.microsoft.com/office/drawing/2014/main" xmlns="" id="{5F9BC582-73A6-4D8A-8738-E36476489351}"/>
+                  <a16:creationId xmlns="" xmlns:a16="http://schemas.microsoft.com/office/drawing/2014/main" id="{5F9BC582-73A6-4D8A-8738-E36476489351}"/>
                 </a:ext>
                 <a:ext uri="{C183D7F6-B498-43B3-948B-1728B52AA6E4}">
-                  <adec:decorative xmlns:adec="http://schemas.microsoft.com/office/drawing/2017/decorative" xmlns="" val="1"/>
+                  <adec:decorative xmlns="" xmlns:adec="http://schemas.microsoft.com/office/drawing/2017/decorative" val="1"/>
                 </a:ext>
               </a:extLst>
             </p:cNvPr>
@@ -19326,7 +19327,7 @@
             <p:nvPr>
               <p:extLst>
                 <p:ext uri="{386F3935-93C4-4BCD-93E2-E3B085C9AB24}">
-                  <p16:designElem xmlns:p16="http://schemas.microsoft.com/office/powerpoint/2015/main" xmlns="" val="1"/>
+                  <p16:designElem xmlns="" xmlns:p16="http://schemas.microsoft.com/office/powerpoint/2015/main" val="1"/>
                 </p:ext>
               </p:extLst>
             </p:nvPr>
@@ -19395,10 +19396,10 @@
           <p:cNvPr id="40" name="Group 39">
             <a:extLst>
               <a:ext uri="{FF2B5EF4-FFF2-40B4-BE49-F238E27FC236}">
-                <a16:creationId xmlns:a16="http://schemas.microsoft.com/office/drawing/2014/main" xmlns="" id="{A2E861A3-F23C-46B8-A38A-4A22E453D993}"/>
+                <a16:creationId xmlns="" xmlns:a16="http://schemas.microsoft.com/office/drawing/2014/main" id="{A2E861A3-F23C-46B8-A38A-4A22E453D993}"/>
               </a:ext>
               <a:ext uri="{C183D7F6-B498-43B3-948B-1728B52AA6E4}">
-                <adec:decorative xmlns:adec="http://schemas.microsoft.com/office/drawing/2017/decorative" xmlns="" val="1"/>
+                <adec:decorative xmlns="" xmlns:adec="http://schemas.microsoft.com/office/drawing/2017/decorative" val="1"/>
               </a:ext>
             </a:extLst>
           </p:cNvPr>
@@ -19408,7 +19409,7 @@
           <p:nvPr>
             <p:extLst>
               <p:ext uri="{386F3935-93C4-4BCD-93E2-E3B085C9AB24}">
-                <p16:designElem xmlns:p16="http://schemas.microsoft.com/office/powerpoint/2015/main" xmlns="" val="1"/>
+                <p16:designElem xmlns="" xmlns:p16="http://schemas.microsoft.com/office/powerpoint/2015/main" val="1"/>
               </p:ext>
             </p:extLst>
           </p:nvPr>
@@ -19426,10 +19427,10 @@
             <p:cNvPr id="41" name="Freeform 6">
               <a:extLst>
                 <a:ext uri="{FF2B5EF4-FFF2-40B4-BE49-F238E27FC236}">
-                  <a16:creationId xmlns:a16="http://schemas.microsoft.com/office/drawing/2014/main" xmlns="" id="{8BC3D220-643B-4160-B5A9-59DF5D21F410}"/>
+                  <a16:creationId xmlns="" xmlns:a16="http://schemas.microsoft.com/office/drawing/2014/main" id="{8BC3D220-643B-4160-B5A9-59DF5D21F410}"/>
                 </a:ext>
                 <a:ext uri="{C183D7F6-B498-43B3-948B-1728B52AA6E4}">
-                  <adec:decorative xmlns:adec="http://schemas.microsoft.com/office/drawing/2017/decorative" xmlns="" val="1"/>
+                  <adec:decorative xmlns="" xmlns:adec="http://schemas.microsoft.com/office/drawing/2017/decorative" val="1"/>
                 </a:ext>
               </a:extLst>
             </p:cNvPr>
@@ -19437,7 +19438,7 @@
             <p:nvPr>
               <p:extLst>
                 <p:ext uri="{386F3935-93C4-4BCD-93E2-E3B085C9AB24}">
-                  <p16:designElem xmlns:p16="http://schemas.microsoft.com/office/powerpoint/2015/main" xmlns="" val="1"/>
+                  <p16:designElem xmlns="" xmlns:p16="http://schemas.microsoft.com/office/powerpoint/2015/main" val="1"/>
                 </p:ext>
               </p:extLst>
             </p:nvPr>
@@ -19487,10 +19488,10 @@
             <p:cNvPr id="42" name="Freeform 7">
               <a:extLst>
                 <a:ext uri="{FF2B5EF4-FFF2-40B4-BE49-F238E27FC236}">
-                  <a16:creationId xmlns:a16="http://schemas.microsoft.com/office/drawing/2014/main" xmlns="" id="{B92237DE-D518-4625-8392-66D7084588A0}"/>
+                  <a16:creationId xmlns="" xmlns:a16="http://schemas.microsoft.com/office/drawing/2014/main" id="{B92237DE-D518-4625-8392-66D7084588A0}"/>
                 </a:ext>
                 <a:ext uri="{C183D7F6-B498-43B3-948B-1728B52AA6E4}">
-                  <adec:decorative xmlns:adec="http://schemas.microsoft.com/office/drawing/2017/decorative" xmlns="" val="1"/>
+                  <adec:decorative xmlns="" xmlns:adec="http://schemas.microsoft.com/office/drawing/2017/decorative" val="1"/>
                 </a:ext>
               </a:extLst>
             </p:cNvPr>
@@ -19498,7 +19499,7 @@
             <p:nvPr>
               <p:extLst>
                 <p:ext uri="{386F3935-93C4-4BCD-93E2-E3B085C9AB24}">
-                  <p16:designElem xmlns:p16="http://schemas.microsoft.com/office/powerpoint/2015/main" xmlns="" val="1"/>
+                  <p16:designElem xmlns="" xmlns:p16="http://schemas.microsoft.com/office/powerpoint/2015/main" val="1"/>
                 </p:ext>
               </p:extLst>
             </p:nvPr>
@@ -19551,10 +19552,10 @@
             <p:cNvPr id="43" name="Freeform 8">
               <a:extLst>
                 <a:ext uri="{FF2B5EF4-FFF2-40B4-BE49-F238E27FC236}">
-                  <a16:creationId xmlns:a16="http://schemas.microsoft.com/office/drawing/2014/main" xmlns="" id="{F290F0DD-E80A-4263-94E1-A41F57D84CC5}"/>
+                  <a16:creationId xmlns="" xmlns:a16="http://schemas.microsoft.com/office/drawing/2014/main" id="{F290F0DD-E80A-4263-94E1-A41F57D84CC5}"/>
                 </a:ext>
                 <a:ext uri="{C183D7F6-B498-43B3-948B-1728B52AA6E4}">
-                  <adec:decorative xmlns:adec="http://schemas.microsoft.com/office/drawing/2017/decorative" xmlns="" val="1"/>
+                  <adec:decorative xmlns="" xmlns:adec="http://schemas.microsoft.com/office/drawing/2017/decorative" val="1"/>
                 </a:ext>
               </a:extLst>
             </p:cNvPr>
@@ -19562,7 +19563,7 @@
             <p:nvPr>
               <p:extLst>
                 <p:ext uri="{386F3935-93C4-4BCD-93E2-E3B085C9AB24}">
-                  <p16:designElem xmlns:p16="http://schemas.microsoft.com/office/powerpoint/2015/main" xmlns="" val="1"/>
+                  <p16:designElem xmlns="" xmlns:p16="http://schemas.microsoft.com/office/powerpoint/2015/main" val="1"/>
                 </p:ext>
               </p:extLst>
             </p:nvPr>
@@ -19612,10 +19613,10 @@
             <p:cNvPr id="44" name="Freeform 9">
               <a:extLst>
                 <a:ext uri="{FF2B5EF4-FFF2-40B4-BE49-F238E27FC236}">
-                  <a16:creationId xmlns:a16="http://schemas.microsoft.com/office/drawing/2014/main" xmlns="" id="{D78EA7D2-CCEA-435E-873D-36BF0522FFED}"/>
+                  <a16:creationId xmlns="" xmlns:a16="http://schemas.microsoft.com/office/drawing/2014/main" id="{D78EA7D2-CCEA-435E-873D-36BF0522FFED}"/>
                 </a:ext>
                 <a:ext uri="{C183D7F6-B498-43B3-948B-1728B52AA6E4}">
-                  <adec:decorative xmlns:adec="http://schemas.microsoft.com/office/drawing/2017/decorative" xmlns="" val="1"/>
+                  <adec:decorative xmlns="" xmlns:adec="http://schemas.microsoft.com/office/drawing/2017/decorative" val="1"/>
                 </a:ext>
               </a:extLst>
             </p:cNvPr>
@@ -19623,7 +19624,7 @@
             <p:nvPr>
               <p:extLst>
                 <p:ext uri="{386F3935-93C4-4BCD-93E2-E3B085C9AB24}">
-                  <p16:designElem xmlns:p16="http://schemas.microsoft.com/office/powerpoint/2015/main" xmlns="" val="1"/>
+                  <p16:designElem xmlns="" xmlns:p16="http://schemas.microsoft.com/office/powerpoint/2015/main" val="1"/>
                 </p:ext>
               </p:extLst>
             </p:nvPr>
@@ -19672,10 +19673,10 @@
             <p:cNvPr id="45" name="Freeform 10">
               <a:extLst>
                 <a:ext uri="{FF2B5EF4-FFF2-40B4-BE49-F238E27FC236}">
-                  <a16:creationId xmlns:a16="http://schemas.microsoft.com/office/drawing/2014/main" xmlns="" id="{9DFA731E-D6BB-42CC-AA05-64023DC81FE6}"/>
+                  <a16:creationId xmlns="" xmlns:a16="http://schemas.microsoft.com/office/drawing/2014/main" id="{9DFA731E-D6BB-42CC-AA05-64023DC81FE6}"/>
                 </a:ext>
                 <a:ext uri="{C183D7F6-B498-43B3-948B-1728B52AA6E4}">
-                  <adec:decorative xmlns:adec="http://schemas.microsoft.com/office/drawing/2017/decorative" xmlns="" val="1"/>
+                  <adec:decorative xmlns="" xmlns:adec="http://schemas.microsoft.com/office/drawing/2017/decorative" val="1"/>
                 </a:ext>
               </a:extLst>
             </p:cNvPr>
@@ -19683,7 +19684,7 @@
             <p:nvPr>
               <p:extLst>
                 <p:ext uri="{386F3935-93C4-4BCD-93E2-E3B085C9AB24}">
-                  <p16:designElem xmlns:p16="http://schemas.microsoft.com/office/powerpoint/2015/main" xmlns="" val="1"/>
+                  <p16:designElem xmlns="" xmlns:p16="http://schemas.microsoft.com/office/powerpoint/2015/main" val="1"/>
                 </p:ext>
               </p:extLst>
             </p:nvPr>
@@ -19738,10 +19739,10 @@
             <p:cNvPr id="46" name="Freeform 11">
               <a:extLst>
                 <a:ext uri="{FF2B5EF4-FFF2-40B4-BE49-F238E27FC236}">
-                  <a16:creationId xmlns:a16="http://schemas.microsoft.com/office/drawing/2014/main" xmlns="" id="{B00D0483-90FB-4EB4-9770-CA8A310D503B}"/>
+                  <a16:creationId xmlns="" xmlns:a16="http://schemas.microsoft.com/office/drawing/2014/main" id="{B00D0483-90FB-4EB4-9770-CA8A310D503B}"/>
                 </a:ext>
                 <a:ext uri="{C183D7F6-B498-43B3-948B-1728B52AA6E4}">
-                  <adec:decorative xmlns:adec="http://schemas.microsoft.com/office/drawing/2017/decorative" xmlns="" val="1"/>
+                  <adec:decorative xmlns="" xmlns:adec="http://schemas.microsoft.com/office/drawing/2017/decorative" val="1"/>
                 </a:ext>
               </a:extLst>
             </p:cNvPr>
@@ -19749,7 +19750,7 @@
             <p:nvPr>
               <p:extLst>
                 <p:ext uri="{386F3935-93C4-4BCD-93E2-E3B085C9AB24}">
-                  <p16:designElem xmlns:p16="http://schemas.microsoft.com/office/powerpoint/2015/main" xmlns="" val="1"/>
+                  <p16:designElem xmlns="" xmlns:p16="http://schemas.microsoft.com/office/powerpoint/2015/main" val="1"/>
                 </p:ext>
               </p:extLst>
             </p:nvPr>
@@ -19818,7 +19819,7 @@
           <p:cNvPr id="2" name="Title 1">
             <a:extLst>
               <a:ext uri="{FF2B5EF4-FFF2-40B4-BE49-F238E27FC236}">
-                <a16:creationId xmlns:a16="http://schemas.microsoft.com/office/drawing/2014/main" xmlns="" id="{339A428F-DE24-F24B-B03E-D8A9E51064E5}"/>
+                <a16:creationId xmlns="" xmlns:a16="http://schemas.microsoft.com/office/drawing/2014/main" id="{339A428F-DE24-F24B-B03E-D8A9E51064E5}"/>
               </a:ext>
             </a:extLst>
           </p:cNvPr>
@@ -19854,10 +19855,10 @@
           <p:cNvPr id="48" name="Rounded Rectangle 16">
             <a:extLst>
               <a:ext uri="{FF2B5EF4-FFF2-40B4-BE49-F238E27FC236}">
-                <a16:creationId xmlns:a16="http://schemas.microsoft.com/office/drawing/2014/main" xmlns="" id="{DD7EED39-224E-4230-8FD1-B1E1AF6C6E36}"/>
+                <a16:creationId xmlns="" xmlns:a16="http://schemas.microsoft.com/office/drawing/2014/main" id="{DD7EED39-224E-4230-8FD1-B1E1AF6C6E36}"/>
               </a:ext>
               <a:ext uri="{C183D7F6-B498-43B3-948B-1728B52AA6E4}">
-                <adec:decorative xmlns:adec="http://schemas.microsoft.com/office/drawing/2017/decorative" xmlns="" val="1"/>
+                <adec:decorative xmlns="" xmlns:adec="http://schemas.microsoft.com/office/drawing/2017/decorative" val="1"/>
               </a:ext>
             </a:extLst>
           </p:cNvPr>
@@ -19867,7 +19868,7 @@
           <p:nvPr>
             <p:extLst>
               <p:ext uri="{386F3935-93C4-4BCD-93E2-E3B085C9AB24}">
-                <p16:designElem xmlns:p16="http://schemas.microsoft.com/office/powerpoint/2015/main" xmlns="" val="1"/>
+                <p16:designElem xmlns="" xmlns:p16="http://schemas.microsoft.com/office/powerpoint/2015/main" val="1"/>
               </p:ext>
             </p:extLst>
           </p:nvPr>
@@ -19939,7 +19940,7 @@
           <p:cNvPr id="20" name="TextBox 19">
             <a:extLst>
               <a:ext uri="{FF2B5EF4-FFF2-40B4-BE49-F238E27FC236}">
-                <a16:creationId xmlns:a16="http://schemas.microsoft.com/office/drawing/2014/main" xmlns="" id="{0983CF5F-AED5-EA43-B332-EF09D66427D2}"/>
+                <a16:creationId xmlns="" xmlns:a16="http://schemas.microsoft.com/office/drawing/2014/main" id="{0983CF5F-AED5-EA43-B332-EF09D66427D2}"/>
               </a:ext>
             </a:extLst>
           </p:cNvPr>
@@ -20433,10 +20434,10 @@
           <p:cNvPr id="47" name="Group 31">
             <a:extLst>
               <a:ext uri="{FF2B5EF4-FFF2-40B4-BE49-F238E27FC236}">
-                <a16:creationId xmlns:a16="http://schemas.microsoft.com/office/drawing/2014/main" xmlns="" id="{260ACC13-B825-49F3-93DE-C8B8F2FA37A1}"/>
+                <a16:creationId xmlns="" xmlns:a16="http://schemas.microsoft.com/office/drawing/2014/main" id="{260ACC13-B825-49F3-93DE-C8B8F2FA37A1}"/>
               </a:ext>
               <a:ext uri="{C183D7F6-B498-43B3-948B-1728B52AA6E4}">
-                <adec:decorative xmlns:adec="http://schemas.microsoft.com/office/drawing/2017/decorative" xmlns="" val="1"/>
+                <adec:decorative xmlns="" xmlns:adec="http://schemas.microsoft.com/office/drawing/2017/decorative" val="1"/>
               </a:ext>
             </a:extLst>
           </p:cNvPr>
@@ -20446,7 +20447,7 @@
           <p:nvPr>
             <p:extLst>
               <p:ext uri="{386F3935-93C4-4BCD-93E2-E3B085C9AB24}">
-                <p16:designElem xmlns:p16="http://schemas.microsoft.com/office/powerpoint/2015/main" xmlns="" val="1"/>
+                <p16:designElem xmlns="" xmlns:p16="http://schemas.microsoft.com/office/powerpoint/2015/main" val="1"/>
               </p:ext>
             </p:extLst>
           </p:nvPr>
@@ -20464,10 +20465,10 @@
             <p:cNvPr id="33" name="Freeform 6">
               <a:extLst>
                 <a:ext uri="{FF2B5EF4-FFF2-40B4-BE49-F238E27FC236}">
-                  <a16:creationId xmlns:a16="http://schemas.microsoft.com/office/drawing/2014/main" xmlns="" id="{F947B31F-CA03-4793-845D-FD86BABC1A18}"/>
+                  <a16:creationId xmlns="" xmlns:a16="http://schemas.microsoft.com/office/drawing/2014/main" id="{F947B31F-CA03-4793-845D-FD86BABC1A18}"/>
                 </a:ext>
                 <a:ext uri="{C183D7F6-B498-43B3-948B-1728B52AA6E4}">
-                  <adec:decorative xmlns:adec="http://schemas.microsoft.com/office/drawing/2017/decorative" xmlns="" val="1"/>
+                  <adec:decorative xmlns="" xmlns:adec="http://schemas.microsoft.com/office/drawing/2017/decorative" val="1"/>
                 </a:ext>
               </a:extLst>
             </p:cNvPr>
@@ -20475,7 +20476,7 @@
             <p:nvPr>
               <p:extLst>
                 <p:ext uri="{386F3935-93C4-4BCD-93E2-E3B085C9AB24}">
-                  <p16:designElem xmlns:p16="http://schemas.microsoft.com/office/powerpoint/2015/main" xmlns="" val="1"/>
+                  <p16:designElem xmlns="" xmlns:p16="http://schemas.microsoft.com/office/powerpoint/2015/main" val="1"/>
                 </p:ext>
               </p:extLst>
             </p:nvPr>
@@ -20525,10 +20526,10 @@
             <p:cNvPr id="34" name="Freeform 7">
               <a:extLst>
                 <a:ext uri="{FF2B5EF4-FFF2-40B4-BE49-F238E27FC236}">
-                  <a16:creationId xmlns:a16="http://schemas.microsoft.com/office/drawing/2014/main" xmlns="" id="{DCDDE94D-F78C-4A48-AEA6-E922FC99A159}"/>
+                  <a16:creationId xmlns="" xmlns:a16="http://schemas.microsoft.com/office/drawing/2014/main" id="{DCDDE94D-F78C-4A48-AEA6-E922FC99A159}"/>
                 </a:ext>
                 <a:ext uri="{C183D7F6-B498-43B3-948B-1728B52AA6E4}">
-                  <adec:decorative xmlns:adec="http://schemas.microsoft.com/office/drawing/2017/decorative" xmlns="" val="1"/>
+                  <adec:decorative xmlns="" xmlns:adec="http://schemas.microsoft.com/office/drawing/2017/decorative" val="1"/>
                 </a:ext>
               </a:extLst>
             </p:cNvPr>
@@ -20536,7 +20537,7 @@
             <p:nvPr>
               <p:extLst>
                 <p:ext uri="{386F3935-93C4-4BCD-93E2-E3B085C9AB24}">
-                  <p16:designElem xmlns:p16="http://schemas.microsoft.com/office/powerpoint/2015/main" xmlns="" val="1"/>
+                  <p16:designElem xmlns="" xmlns:p16="http://schemas.microsoft.com/office/powerpoint/2015/main" val="1"/>
                 </p:ext>
               </p:extLst>
             </p:nvPr>
@@ -20589,10 +20590,10 @@
             <p:cNvPr id="35" name="Freeform 8">
               <a:extLst>
                 <a:ext uri="{FF2B5EF4-FFF2-40B4-BE49-F238E27FC236}">
-                  <a16:creationId xmlns:a16="http://schemas.microsoft.com/office/drawing/2014/main" xmlns="" id="{3445A886-F3CA-4DE4-90D7-535F9707B799}"/>
+                  <a16:creationId xmlns="" xmlns:a16="http://schemas.microsoft.com/office/drawing/2014/main" id="{3445A886-F3CA-4DE4-90D7-535F9707B799}"/>
                 </a:ext>
                 <a:ext uri="{C183D7F6-B498-43B3-948B-1728B52AA6E4}">
-                  <adec:decorative xmlns:adec="http://schemas.microsoft.com/office/drawing/2017/decorative" xmlns="" val="1"/>
+                  <adec:decorative xmlns="" xmlns:adec="http://schemas.microsoft.com/office/drawing/2017/decorative" val="1"/>
                 </a:ext>
               </a:extLst>
             </p:cNvPr>
@@ -20600,7 +20601,7 @@
             <p:nvPr>
               <p:extLst>
                 <p:ext uri="{386F3935-93C4-4BCD-93E2-E3B085C9AB24}">
-                  <p16:designElem xmlns:p16="http://schemas.microsoft.com/office/powerpoint/2015/main" xmlns="" val="1"/>
+                  <p16:designElem xmlns="" xmlns:p16="http://schemas.microsoft.com/office/powerpoint/2015/main" val="1"/>
                 </p:ext>
               </p:extLst>
             </p:nvPr>
@@ -20650,10 +20651,10 @@
             <p:cNvPr id="36" name="Freeform 9">
               <a:extLst>
                 <a:ext uri="{FF2B5EF4-FFF2-40B4-BE49-F238E27FC236}">
-                  <a16:creationId xmlns:a16="http://schemas.microsoft.com/office/drawing/2014/main" xmlns="" id="{A8999CB6-C053-418B-AE37-E470804D251D}"/>
+                  <a16:creationId xmlns="" xmlns:a16="http://schemas.microsoft.com/office/drawing/2014/main" id="{A8999CB6-C053-418B-AE37-E470804D251D}"/>
                 </a:ext>
                 <a:ext uri="{C183D7F6-B498-43B3-948B-1728B52AA6E4}">
-                  <adec:decorative xmlns:adec="http://schemas.microsoft.com/office/drawing/2017/decorative" xmlns="" val="1"/>
+                  <adec:decorative xmlns="" xmlns:adec="http://schemas.microsoft.com/office/drawing/2017/decorative" val="1"/>
                 </a:ext>
               </a:extLst>
             </p:cNvPr>
@@ -20661,7 +20662,7 @@
             <p:nvPr>
               <p:extLst>
                 <p:ext uri="{386F3935-93C4-4BCD-93E2-E3B085C9AB24}">
-                  <p16:designElem xmlns:p16="http://schemas.microsoft.com/office/powerpoint/2015/main" xmlns="" val="1"/>
+                  <p16:designElem xmlns="" xmlns:p16="http://schemas.microsoft.com/office/powerpoint/2015/main" val="1"/>
                 </p:ext>
               </p:extLst>
             </p:nvPr>
@@ -20710,10 +20711,10 @@
             <p:cNvPr id="37" name="Freeform 10">
               <a:extLst>
                 <a:ext uri="{FF2B5EF4-FFF2-40B4-BE49-F238E27FC236}">
-                  <a16:creationId xmlns:a16="http://schemas.microsoft.com/office/drawing/2014/main" xmlns="" id="{81EA3E26-BFCD-4396-AE8A-2A9828BFFBA2}"/>
+                  <a16:creationId xmlns="" xmlns:a16="http://schemas.microsoft.com/office/drawing/2014/main" id="{81EA3E26-BFCD-4396-AE8A-2A9828BFFBA2}"/>
                 </a:ext>
                 <a:ext uri="{C183D7F6-B498-43B3-948B-1728B52AA6E4}">
-                  <adec:decorative xmlns:adec="http://schemas.microsoft.com/office/drawing/2017/decorative" xmlns="" val="1"/>
+                  <adec:decorative xmlns="" xmlns:adec="http://schemas.microsoft.com/office/drawing/2017/decorative" val="1"/>
                 </a:ext>
               </a:extLst>
             </p:cNvPr>
@@ -20721,7 +20722,7 @@
             <p:nvPr>
               <p:extLst>
                 <p:ext uri="{386F3935-93C4-4BCD-93E2-E3B085C9AB24}">
-                  <p16:designElem xmlns:p16="http://schemas.microsoft.com/office/powerpoint/2015/main" xmlns="" val="1"/>
+                  <p16:designElem xmlns="" xmlns:p16="http://schemas.microsoft.com/office/powerpoint/2015/main" val="1"/>
                 </p:ext>
               </p:extLst>
             </p:nvPr>
@@ -20776,10 +20777,10 @@
             <p:cNvPr id="38" name="Freeform 11">
               <a:extLst>
                 <a:ext uri="{FF2B5EF4-FFF2-40B4-BE49-F238E27FC236}">
-                  <a16:creationId xmlns:a16="http://schemas.microsoft.com/office/drawing/2014/main" xmlns="" id="{5F9BC582-73A6-4D8A-8738-E36476489351}"/>
+                  <a16:creationId xmlns="" xmlns:a16="http://schemas.microsoft.com/office/drawing/2014/main" id="{5F9BC582-73A6-4D8A-8738-E36476489351}"/>
                 </a:ext>
                 <a:ext uri="{C183D7F6-B498-43B3-948B-1728B52AA6E4}">
-                  <adec:decorative xmlns:adec="http://schemas.microsoft.com/office/drawing/2017/decorative" xmlns="" val="1"/>
+                  <adec:decorative xmlns="" xmlns:adec="http://schemas.microsoft.com/office/drawing/2017/decorative" val="1"/>
                 </a:ext>
               </a:extLst>
             </p:cNvPr>
@@ -20787,7 +20788,7 @@
             <p:nvPr>
               <p:extLst>
                 <p:ext uri="{386F3935-93C4-4BCD-93E2-E3B085C9AB24}">
-                  <p16:designElem xmlns:p16="http://schemas.microsoft.com/office/powerpoint/2015/main" xmlns="" val="1"/>
+                  <p16:designElem xmlns="" xmlns:p16="http://schemas.microsoft.com/office/powerpoint/2015/main" val="1"/>
                 </p:ext>
               </p:extLst>
             </p:nvPr>
@@ -20856,10 +20857,10 @@
           <p:cNvPr id="40" name="Group 39">
             <a:extLst>
               <a:ext uri="{FF2B5EF4-FFF2-40B4-BE49-F238E27FC236}">
-                <a16:creationId xmlns:a16="http://schemas.microsoft.com/office/drawing/2014/main" xmlns="" id="{A2E861A3-F23C-46B8-A38A-4A22E453D993}"/>
+                <a16:creationId xmlns="" xmlns:a16="http://schemas.microsoft.com/office/drawing/2014/main" id="{A2E861A3-F23C-46B8-A38A-4A22E453D993}"/>
               </a:ext>
               <a:ext uri="{C183D7F6-B498-43B3-948B-1728B52AA6E4}">
-                <adec:decorative xmlns:adec="http://schemas.microsoft.com/office/drawing/2017/decorative" xmlns="" val="1"/>
+                <adec:decorative xmlns="" xmlns:adec="http://schemas.microsoft.com/office/drawing/2017/decorative" val="1"/>
               </a:ext>
             </a:extLst>
           </p:cNvPr>
@@ -20869,7 +20870,7 @@
           <p:nvPr>
             <p:extLst>
               <p:ext uri="{386F3935-93C4-4BCD-93E2-E3B085C9AB24}">
-                <p16:designElem xmlns:p16="http://schemas.microsoft.com/office/powerpoint/2015/main" xmlns="" val="1"/>
+                <p16:designElem xmlns="" xmlns:p16="http://schemas.microsoft.com/office/powerpoint/2015/main" val="1"/>
               </p:ext>
             </p:extLst>
           </p:nvPr>
@@ -20887,10 +20888,10 @@
             <p:cNvPr id="41" name="Freeform 6">
               <a:extLst>
                 <a:ext uri="{FF2B5EF4-FFF2-40B4-BE49-F238E27FC236}">
-                  <a16:creationId xmlns:a16="http://schemas.microsoft.com/office/drawing/2014/main" xmlns="" id="{8BC3D220-643B-4160-B5A9-59DF5D21F410}"/>
+                  <a16:creationId xmlns="" xmlns:a16="http://schemas.microsoft.com/office/drawing/2014/main" id="{8BC3D220-643B-4160-B5A9-59DF5D21F410}"/>
                 </a:ext>
                 <a:ext uri="{C183D7F6-B498-43B3-948B-1728B52AA6E4}">
-                  <adec:decorative xmlns:adec="http://schemas.microsoft.com/office/drawing/2017/decorative" xmlns="" val="1"/>
+                  <adec:decorative xmlns="" xmlns:adec="http://schemas.microsoft.com/office/drawing/2017/decorative" val="1"/>
                 </a:ext>
               </a:extLst>
             </p:cNvPr>
@@ -20898,7 +20899,7 @@
             <p:nvPr>
               <p:extLst>
                 <p:ext uri="{386F3935-93C4-4BCD-93E2-E3B085C9AB24}">
-                  <p16:designElem xmlns:p16="http://schemas.microsoft.com/office/powerpoint/2015/main" xmlns="" val="1"/>
+                  <p16:designElem xmlns="" xmlns:p16="http://schemas.microsoft.com/office/powerpoint/2015/main" val="1"/>
                 </p:ext>
               </p:extLst>
             </p:nvPr>
@@ -20948,10 +20949,10 @@
             <p:cNvPr id="42" name="Freeform 7">
               <a:extLst>
                 <a:ext uri="{FF2B5EF4-FFF2-40B4-BE49-F238E27FC236}">
-                  <a16:creationId xmlns:a16="http://schemas.microsoft.com/office/drawing/2014/main" xmlns="" id="{B92237DE-D518-4625-8392-66D7084588A0}"/>
+                  <a16:creationId xmlns="" xmlns:a16="http://schemas.microsoft.com/office/drawing/2014/main" id="{B92237DE-D518-4625-8392-66D7084588A0}"/>
                 </a:ext>
                 <a:ext uri="{C183D7F6-B498-43B3-948B-1728B52AA6E4}">
-                  <adec:decorative xmlns:adec="http://schemas.microsoft.com/office/drawing/2017/decorative" xmlns="" val="1"/>
+                  <adec:decorative xmlns="" xmlns:adec="http://schemas.microsoft.com/office/drawing/2017/decorative" val="1"/>
                 </a:ext>
               </a:extLst>
             </p:cNvPr>
@@ -20959,7 +20960,7 @@
             <p:nvPr>
               <p:extLst>
                 <p:ext uri="{386F3935-93C4-4BCD-93E2-E3B085C9AB24}">
-                  <p16:designElem xmlns:p16="http://schemas.microsoft.com/office/powerpoint/2015/main" xmlns="" val="1"/>
+                  <p16:designElem xmlns="" xmlns:p16="http://schemas.microsoft.com/office/powerpoint/2015/main" val="1"/>
                 </p:ext>
               </p:extLst>
             </p:nvPr>
@@ -21012,10 +21013,10 @@
             <p:cNvPr id="43" name="Freeform 8">
               <a:extLst>
                 <a:ext uri="{FF2B5EF4-FFF2-40B4-BE49-F238E27FC236}">
-                  <a16:creationId xmlns:a16="http://schemas.microsoft.com/office/drawing/2014/main" xmlns="" id="{F290F0DD-E80A-4263-94E1-A41F57D84CC5}"/>
+                  <a16:creationId xmlns="" xmlns:a16="http://schemas.microsoft.com/office/drawing/2014/main" id="{F290F0DD-E80A-4263-94E1-A41F57D84CC5}"/>
                 </a:ext>
                 <a:ext uri="{C183D7F6-B498-43B3-948B-1728B52AA6E4}">
-                  <adec:decorative xmlns:adec="http://schemas.microsoft.com/office/drawing/2017/decorative" xmlns="" val="1"/>
+                  <adec:decorative xmlns="" xmlns:adec="http://schemas.microsoft.com/office/drawing/2017/decorative" val="1"/>
                 </a:ext>
               </a:extLst>
             </p:cNvPr>
@@ -21023,7 +21024,7 @@
             <p:nvPr>
               <p:extLst>
                 <p:ext uri="{386F3935-93C4-4BCD-93E2-E3B085C9AB24}">
-                  <p16:designElem xmlns:p16="http://schemas.microsoft.com/office/powerpoint/2015/main" xmlns="" val="1"/>
+                  <p16:designElem xmlns="" xmlns:p16="http://schemas.microsoft.com/office/powerpoint/2015/main" val="1"/>
                 </p:ext>
               </p:extLst>
             </p:nvPr>
@@ -21073,10 +21074,10 @@
             <p:cNvPr id="44" name="Freeform 9">
               <a:extLst>
                 <a:ext uri="{FF2B5EF4-FFF2-40B4-BE49-F238E27FC236}">
-                  <a16:creationId xmlns:a16="http://schemas.microsoft.com/office/drawing/2014/main" xmlns="" id="{D78EA7D2-CCEA-435E-873D-36BF0522FFED}"/>
+                  <a16:creationId xmlns="" xmlns:a16="http://schemas.microsoft.com/office/drawing/2014/main" id="{D78EA7D2-CCEA-435E-873D-36BF0522FFED}"/>
                 </a:ext>
                 <a:ext uri="{C183D7F6-B498-43B3-948B-1728B52AA6E4}">
-                  <adec:decorative xmlns:adec="http://schemas.microsoft.com/office/drawing/2017/decorative" xmlns="" val="1"/>
+                  <adec:decorative xmlns="" xmlns:adec="http://schemas.microsoft.com/office/drawing/2017/decorative" val="1"/>
                 </a:ext>
               </a:extLst>
             </p:cNvPr>
@@ -21084,7 +21085,7 @@
             <p:nvPr>
               <p:extLst>
                 <p:ext uri="{386F3935-93C4-4BCD-93E2-E3B085C9AB24}">
-                  <p16:designElem xmlns:p16="http://schemas.microsoft.com/office/powerpoint/2015/main" xmlns="" val="1"/>
+                  <p16:designElem xmlns="" xmlns:p16="http://schemas.microsoft.com/office/powerpoint/2015/main" val="1"/>
                 </p:ext>
               </p:extLst>
             </p:nvPr>
@@ -21133,10 +21134,10 @@
             <p:cNvPr id="45" name="Freeform 10">
               <a:extLst>
                 <a:ext uri="{FF2B5EF4-FFF2-40B4-BE49-F238E27FC236}">
-                  <a16:creationId xmlns:a16="http://schemas.microsoft.com/office/drawing/2014/main" xmlns="" id="{9DFA731E-D6BB-42CC-AA05-64023DC81FE6}"/>
+                  <a16:creationId xmlns="" xmlns:a16="http://schemas.microsoft.com/office/drawing/2014/main" id="{9DFA731E-D6BB-42CC-AA05-64023DC81FE6}"/>
                 </a:ext>
                 <a:ext uri="{C183D7F6-B498-43B3-948B-1728B52AA6E4}">
-                  <adec:decorative xmlns:adec="http://schemas.microsoft.com/office/drawing/2017/decorative" xmlns="" val="1"/>
+                  <adec:decorative xmlns="" xmlns:adec="http://schemas.microsoft.com/office/drawing/2017/decorative" val="1"/>
                 </a:ext>
               </a:extLst>
             </p:cNvPr>
@@ -21144,7 +21145,7 @@
             <p:nvPr>
               <p:extLst>
                 <p:ext uri="{386F3935-93C4-4BCD-93E2-E3B085C9AB24}">
-                  <p16:designElem xmlns:p16="http://schemas.microsoft.com/office/powerpoint/2015/main" xmlns="" val="1"/>
+                  <p16:designElem xmlns="" xmlns:p16="http://schemas.microsoft.com/office/powerpoint/2015/main" val="1"/>
                 </p:ext>
               </p:extLst>
             </p:nvPr>
@@ -21199,10 +21200,10 @@
             <p:cNvPr id="46" name="Freeform 11">
               <a:extLst>
                 <a:ext uri="{FF2B5EF4-FFF2-40B4-BE49-F238E27FC236}">
-                  <a16:creationId xmlns:a16="http://schemas.microsoft.com/office/drawing/2014/main" xmlns="" id="{B00D0483-90FB-4EB4-9770-CA8A310D503B}"/>
+                  <a16:creationId xmlns="" xmlns:a16="http://schemas.microsoft.com/office/drawing/2014/main" id="{B00D0483-90FB-4EB4-9770-CA8A310D503B}"/>
                 </a:ext>
                 <a:ext uri="{C183D7F6-B498-43B3-948B-1728B52AA6E4}">
-                  <adec:decorative xmlns:adec="http://schemas.microsoft.com/office/drawing/2017/decorative" xmlns="" val="1"/>
+                  <adec:decorative xmlns="" xmlns:adec="http://schemas.microsoft.com/office/drawing/2017/decorative" val="1"/>
                 </a:ext>
               </a:extLst>
             </p:cNvPr>
@@ -21210,7 +21211,7 @@
             <p:nvPr>
               <p:extLst>
                 <p:ext uri="{386F3935-93C4-4BCD-93E2-E3B085C9AB24}">
-                  <p16:designElem xmlns:p16="http://schemas.microsoft.com/office/powerpoint/2015/main" xmlns="" val="1"/>
+                  <p16:designElem xmlns="" xmlns:p16="http://schemas.microsoft.com/office/powerpoint/2015/main" val="1"/>
                 </p:ext>
               </p:extLst>
             </p:nvPr>
@@ -21279,7 +21280,7 @@
           <p:cNvPr id="2" name="Title 1">
             <a:extLst>
               <a:ext uri="{FF2B5EF4-FFF2-40B4-BE49-F238E27FC236}">
-                <a16:creationId xmlns:a16="http://schemas.microsoft.com/office/drawing/2014/main" xmlns="" id="{339A428F-DE24-F24B-B03E-D8A9E51064E5}"/>
+                <a16:creationId xmlns="" xmlns:a16="http://schemas.microsoft.com/office/drawing/2014/main" id="{339A428F-DE24-F24B-B03E-D8A9E51064E5}"/>
               </a:ext>
             </a:extLst>
           </p:cNvPr>
@@ -21315,10 +21316,10 @@
           <p:cNvPr id="48" name="Rounded Rectangle 16">
             <a:extLst>
               <a:ext uri="{FF2B5EF4-FFF2-40B4-BE49-F238E27FC236}">
-                <a16:creationId xmlns:a16="http://schemas.microsoft.com/office/drawing/2014/main" xmlns="" id="{DD7EED39-224E-4230-8FD1-B1E1AF6C6E36}"/>
+                <a16:creationId xmlns="" xmlns:a16="http://schemas.microsoft.com/office/drawing/2014/main" id="{DD7EED39-224E-4230-8FD1-B1E1AF6C6E36}"/>
               </a:ext>
               <a:ext uri="{C183D7F6-B498-43B3-948B-1728B52AA6E4}">
-                <adec:decorative xmlns:adec="http://schemas.microsoft.com/office/drawing/2017/decorative" xmlns="" val="1"/>
+                <adec:decorative xmlns="" xmlns:adec="http://schemas.microsoft.com/office/drawing/2017/decorative" val="1"/>
               </a:ext>
             </a:extLst>
           </p:cNvPr>
@@ -21328,7 +21329,7 @@
           <p:nvPr>
             <p:extLst>
               <p:ext uri="{386F3935-93C4-4BCD-93E2-E3B085C9AB24}">
-                <p16:designElem xmlns:p16="http://schemas.microsoft.com/office/powerpoint/2015/main" xmlns="" val="1"/>
+                <p16:designElem xmlns="" xmlns:p16="http://schemas.microsoft.com/office/powerpoint/2015/main" val="1"/>
               </p:ext>
             </p:extLst>
           </p:nvPr>
@@ -21400,7 +21401,7 @@
           <p:cNvPr id="20" name="TextBox 19">
             <a:extLst>
               <a:ext uri="{FF2B5EF4-FFF2-40B4-BE49-F238E27FC236}">
-                <a16:creationId xmlns:a16="http://schemas.microsoft.com/office/drawing/2014/main" xmlns="" id="{0983CF5F-AED5-EA43-B332-EF09D66427D2}"/>
+                <a16:creationId xmlns="" xmlns:a16="http://schemas.microsoft.com/office/drawing/2014/main" id="{0983CF5F-AED5-EA43-B332-EF09D66427D2}"/>
               </a:ext>
             </a:extLst>
           </p:cNvPr>
@@ -21841,21 +21842,21 @@
                 <a:gridCol w="1720893">
                   <a:extLst>
                     <a:ext uri="{9D8B030D-6E8A-4147-A177-3AD203B41FA5}">
-                      <a16:colId xmlns:a16="http://schemas.microsoft.com/office/drawing/2014/main" xmlns="" val="20000"/>
+                      <a16:colId xmlns="" xmlns:a16="http://schemas.microsoft.com/office/drawing/2014/main" val="20000"/>
                     </a:ext>
                   </a:extLst>
                 </a:gridCol>
                 <a:gridCol w="1129516">
                   <a:extLst>
                     <a:ext uri="{9D8B030D-6E8A-4147-A177-3AD203B41FA5}">
-                      <a16:colId xmlns:a16="http://schemas.microsoft.com/office/drawing/2014/main" xmlns="" val="20001"/>
+                      <a16:colId xmlns="" xmlns:a16="http://schemas.microsoft.com/office/drawing/2014/main" val="20001"/>
                     </a:ext>
                   </a:extLst>
                 </a:gridCol>
                 <a:gridCol w="6361828">
                   <a:extLst>
                     <a:ext uri="{9D8B030D-6E8A-4147-A177-3AD203B41FA5}">
-                      <a16:colId xmlns:a16="http://schemas.microsoft.com/office/drawing/2014/main" xmlns="" val="20002"/>
+                      <a16:colId xmlns="" xmlns:a16="http://schemas.microsoft.com/office/drawing/2014/main" val="20002"/>
                     </a:ext>
                   </a:extLst>
                 </a:gridCol>
@@ -22032,7 +22033,7 @@
                 </a:tc>
                 <a:extLst>
                   <a:ext uri="{0D108BD9-81ED-4DB2-BD59-A6C34878D82A}">
-                    <a16:rowId xmlns:a16="http://schemas.microsoft.com/office/drawing/2014/main" xmlns="" val="10000"/>
+                    <a16:rowId xmlns="" xmlns:a16="http://schemas.microsoft.com/office/drawing/2014/main" val="10000"/>
                   </a:ext>
                 </a:extLst>
               </a:tr>
@@ -22204,7 +22205,7 @@
                 </a:tc>
                 <a:extLst>
                   <a:ext uri="{0D108BD9-81ED-4DB2-BD59-A6C34878D82A}">
-                    <a16:rowId xmlns:a16="http://schemas.microsoft.com/office/drawing/2014/main" xmlns="" val="10001"/>
+                    <a16:rowId xmlns="" xmlns:a16="http://schemas.microsoft.com/office/drawing/2014/main" val="10001"/>
                   </a:ext>
                 </a:extLst>
               </a:tr>
@@ -22376,7 +22377,7 @@
                 </a:tc>
                 <a:extLst>
                   <a:ext uri="{0D108BD9-81ED-4DB2-BD59-A6C34878D82A}">
-                    <a16:rowId xmlns:a16="http://schemas.microsoft.com/office/drawing/2014/main" xmlns="" val="10002"/>
+                    <a16:rowId xmlns="" xmlns:a16="http://schemas.microsoft.com/office/drawing/2014/main" val="10002"/>
                   </a:ext>
                 </a:extLst>
               </a:tr>
@@ -22548,7 +22549,7 @@
                 </a:tc>
                 <a:extLst>
                   <a:ext uri="{0D108BD9-81ED-4DB2-BD59-A6C34878D82A}">
-                    <a16:rowId xmlns:a16="http://schemas.microsoft.com/office/drawing/2014/main" xmlns="" val="10003"/>
+                    <a16:rowId xmlns="" xmlns:a16="http://schemas.microsoft.com/office/drawing/2014/main" val="10003"/>
                   </a:ext>
                 </a:extLst>
               </a:tr>
@@ -22720,7 +22721,7 @@
                 </a:tc>
                 <a:extLst>
                   <a:ext uri="{0D108BD9-81ED-4DB2-BD59-A6C34878D82A}">
-                    <a16:rowId xmlns:a16="http://schemas.microsoft.com/office/drawing/2014/main" xmlns="" val="10004"/>
+                    <a16:rowId xmlns="" xmlns:a16="http://schemas.microsoft.com/office/drawing/2014/main" val="10004"/>
                   </a:ext>
                 </a:extLst>
               </a:tr>
@@ -22892,7 +22893,7 @@
                 </a:tc>
                 <a:extLst>
                   <a:ext uri="{0D108BD9-81ED-4DB2-BD59-A6C34878D82A}">
-                    <a16:rowId xmlns:a16="http://schemas.microsoft.com/office/drawing/2014/main" xmlns="" val="10005"/>
+                    <a16:rowId xmlns="" xmlns:a16="http://schemas.microsoft.com/office/drawing/2014/main" val="10005"/>
                   </a:ext>
                 </a:extLst>
               </a:tr>
@@ -23064,7 +23065,7 @@
                 </a:tc>
                 <a:extLst>
                   <a:ext uri="{0D108BD9-81ED-4DB2-BD59-A6C34878D82A}">
-                    <a16:rowId xmlns:a16="http://schemas.microsoft.com/office/drawing/2014/main" xmlns="" val="10006"/>
+                    <a16:rowId xmlns="" xmlns:a16="http://schemas.microsoft.com/office/drawing/2014/main" val="10006"/>
                   </a:ext>
                 </a:extLst>
               </a:tr>
@@ -23418,7 +23419,7 @@
           <p:cNvPr id="2" name="Title 1">
             <a:extLst>
               <a:ext uri="{FF2B5EF4-FFF2-40B4-BE49-F238E27FC236}">
-                <a16:creationId xmlns:a16="http://schemas.microsoft.com/office/drawing/2014/main" xmlns="" id="{B7B3C296-9403-6A4E-95D6-41C21F43414E}"/>
+                <a16:creationId xmlns="" xmlns:a16="http://schemas.microsoft.com/office/drawing/2014/main" id="{B7B3C296-9403-6A4E-95D6-41C21F43414E}"/>
               </a:ext>
             </a:extLst>
           </p:cNvPr>
@@ -23453,7 +23454,7 @@
           <p:cNvPr id="3" name="Content Placeholder 2">
             <a:extLst>
               <a:ext uri="{FF2B5EF4-FFF2-40B4-BE49-F238E27FC236}">
-                <a16:creationId xmlns:a16="http://schemas.microsoft.com/office/drawing/2014/main" xmlns="" id="{5360A5D9-0200-D74C-B4ED-5910E7A00C9A}"/>
+                <a16:creationId xmlns="" xmlns:a16="http://schemas.microsoft.com/office/drawing/2014/main" id="{5360A5D9-0200-D74C-B4ED-5910E7A00C9A}"/>
               </a:ext>
             </a:extLst>
           </p:cNvPr>
@@ -23494,7 +23495,7 @@
           <p:cNvPr id="1026" name="Picture 2" descr="The Four Pillars of Object Oriented Programming - DEV Community">
             <a:extLst>
               <a:ext uri="{FF2B5EF4-FFF2-40B4-BE49-F238E27FC236}">
-                <a16:creationId xmlns:a16="http://schemas.microsoft.com/office/drawing/2014/main" xmlns="" id="{CFF4DF4D-C291-C141-90EE-6C7CB411A565}"/>
+                <a16:creationId xmlns="" xmlns:a16="http://schemas.microsoft.com/office/drawing/2014/main" id="{CFF4DF4D-C291-C141-90EE-6C7CB411A565}"/>
               </a:ext>
             </a:extLst>
           </p:cNvPr>
@@ -23616,10 +23617,10 @@
           <p:cNvPr id="32" name="Group 31">
             <a:extLst>
               <a:ext uri="{FF2B5EF4-FFF2-40B4-BE49-F238E27FC236}">
-                <a16:creationId xmlns:a16="http://schemas.microsoft.com/office/drawing/2014/main" xmlns="" id="{15FF890B-3CE7-403A-AECE-2DE04FC7AF80}"/>
+                <a16:creationId xmlns="" xmlns:a16="http://schemas.microsoft.com/office/drawing/2014/main" id="{15FF890B-3CE7-403A-AECE-2DE04FC7AF80}"/>
               </a:ext>
               <a:ext uri="{C183D7F6-B498-43B3-948B-1728B52AA6E4}">
-                <adec:decorative xmlns:adec="http://schemas.microsoft.com/office/drawing/2017/decorative" xmlns="" val="1"/>
+                <adec:decorative xmlns="" xmlns:adec="http://schemas.microsoft.com/office/drawing/2017/decorative" val="1"/>
               </a:ext>
             </a:extLst>
           </p:cNvPr>
@@ -23629,7 +23630,7 @@
           <p:nvPr>
             <p:extLst>
               <p:ext uri="{386F3935-93C4-4BCD-93E2-E3B085C9AB24}">
-                <p16:designElem xmlns:p16="http://schemas.microsoft.com/office/powerpoint/2015/main" xmlns="" val="1"/>
+                <p16:designElem xmlns="" xmlns:p16="http://schemas.microsoft.com/office/powerpoint/2015/main" val="1"/>
               </p:ext>
             </p:extLst>
           </p:nvPr>
@@ -23647,10 +23648,10 @@
             <p:cNvPr id="33" name="Freeform 6">
               <a:extLst>
                 <a:ext uri="{FF2B5EF4-FFF2-40B4-BE49-F238E27FC236}">
-                  <a16:creationId xmlns:a16="http://schemas.microsoft.com/office/drawing/2014/main" xmlns="" id="{99A4E160-6CFD-4514-9E20-CA6692CCDB9C}"/>
+                  <a16:creationId xmlns="" xmlns:a16="http://schemas.microsoft.com/office/drawing/2014/main" id="{99A4E160-6CFD-4514-9E20-CA6692CCDB9C}"/>
                 </a:ext>
                 <a:ext uri="{C183D7F6-B498-43B3-948B-1728B52AA6E4}">
-                  <adec:decorative xmlns:adec="http://schemas.microsoft.com/office/drawing/2017/decorative" xmlns="" val="1"/>
+                  <adec:decorative xmlns="" xmlns:adec="http://schemas.microsoft.com/office/drawing/2017/decorative" val="1"/>
                 </a:ext>
               </a:extLst>
             </p:cNvPr>
@@ -23658,7 +23659,7 @@
             <p:nvPr>
               <p:extLst>
                 <p:ext uri="{386F3935-93C4-4BCD-93E2-E3B085C9AB24}">
-                  <p16:designElem xmlns:p16="http://schemas.microsoft.com/office/powerpoint/2015/main" xmlns="" val="1"/>
+                  <p16:designElem xmlns="" xmlns:p16="http://schemas.microsoft.com/office/powerpoint/2015/main" val="1"/>
                 </p:ext>
               </p:extLst>
             </p:nvPr>
@@ -23708,10 +23709,10 @@
             <p:cNvPr id="34" name="Freeform 7">
               <a:extLst>
                 <a:ext uri="{FF2B5EF4-FFF2-40B4-BE49-F238E27FC236}">
-                  <a16:creationId xmlns:a16="http://schemas.microsoft.com/office/drawing/2014/main" xmlns="" id="{3DCD16F5-8D15-45FD-BA62-ADAC08183A27}"/>
+                  <a16:creationId xmlns="" xmlns:a16="http://schemas.microsoft.com/office/drawing/2014/main" id="{3DCD16F5-8D15-45FD-BA62-ADAC08183A27}"/>
                 </a:ext>
                 <a:ext uri="{C183D7F6-B498-43B3-948B-1728B52AA6E4}">
-                  <adec:decorative xmlns:adec="http://schemas.microsoft.com/office/drawing/2017/decorative" xmlns="" val="1"/>
+                  <adec:decorative xmlns="" xmlns:adec="http://schemas.microsoft.com/office/drawing/2017/decorative" val="1"/>
                 </a:ext>
               </a:extLst>
             </p:cNvPr>
@@ -23719,7 +23720,7 @@
             <p:nvPr>
               <p:extLst>
                 <p:ext uri="{386F3935-93C4-4BCD-93E2-E3B085C9AB24}">
-                  <p16:designElem xmlns:p16="http://schemas.microsoft.com/office/powerpoint/2015/main" xmlns="" val="1"/>
+                  <p16:designElem xmlns="" xmlns:p16="http://schemas.microsoft.com/office/powerpoint/2015/main" val="1"/>
                 </p:ext>
               </p:extLst>
             </p:nvPr>
@@ -23772,10 +23773,10 @@
             <p:cNvPr id="35" name="Freeform 8">
               <a:extLst>
                 <a:ext uri="{FF2B5EF4-FFF2-40B4-BE49-F238E27FC236}">
-                  <a16:creationId xmlns:a16="http://schemas.microsoft.com/office/drawing/2014/main" xmlns="" id="{E7CFAF28-6FDA-4C2C-BE51-123D1115F75C}"/>
+                  <a16:creationId xmlns="" xmlns:a16="http://schemas.microsoft.com/office/drawing/2014/main" id="{E7CFAF28-6FDA-4C2C-BE51-123D1115F75C}"/>
                 </a:ext>
                 <a:ext uri="{C183D7F6-B498-43B3-948B-1728B52AA6E4}">
-                  <adec:decorative xmlns:adec="http://schemas.microsoft.com/office/drawing/2017/decorative" xmlns="" val="1"/>
+                  <adec:decorative xmlns="" xmlns:adec="http://schemas.microsoft.com/office/drawing/2017/decorative" val="1"/>
                 </a:ext>
               </a:extLst>
             </p:cNvPr>
@@ -23783,7 +23784,7 @@
             <p:nvPr>
               <p:extLst>
                 <p:ext uri="{386F3935-93C4-4BCD-93E2-E3B085C9AB24}">
-                  <p16:designElem xmlns:p16="http://schemas.microsoft.com/office/powerpoint/2015/main" xmlns="" val="1"/>
+                  <p16:designElem xmlns="" xmlns:p16="http://schemas.microsoft.com/office/powerpoint/2015/main" val="1"/>
                 </p:ext>
               </p:extLst>
             </p:nvPr>
@@ -23833,10 +23834,10 @@
             <p:cNvPr id="36" name="Freeform 9">
               <a:extLst>
                 <a:ext uri="{FF2B5EF4-FFF2-40B4-BE49-F238E27FC236}">
-                  <a16:creationId xmlns:a16="http://schemas.microsoft.com/office/drawing/2014/main" xmlns="" id="{1FD12703-0627-4991-B2A4-F96519F90863}"/>
+                  <a16:creationId xmlns="" xmlns:a16="http://schemas.microsoft.com/office/drawing/2014/main" id="{1FD12703-0627-4991-B2A4-F96519F90863}"/>
                 </a:ext>
                 <a:ext uri="{C183D7F6-B498-43B3-948B-1728B52AA6E4}">
-                  <adec:decorative xmlns:adec="http://schemas.microsoft.com/office/drawing/2017/decorative" xmlns="" val="1"/>
+                  <adec:decorative xmlns="" xmlns:adec="http://schemas.microsoft.com/office/drawing/2017/decorative" val="1"/>
                 </a:ext>
               </a:extLst>
             </p:cNvPr>
@@ -23844,7 +23845,7 @@
             <p:nvPr>
               <p:extLst>
                 <p:ext uri="{386F3935-93C4-4BCD-93E2-E3B085C9AB24}">
-                  <p16:designElem xmlns:p16="http://schemas.microsoft.com/office/powerpoint/2015/main" xmlns="" val="1"/>
+                  <p16:designElem xmlns="" xmlns:p16="http://schemas.microsoft.com/office/powerpoint/2015/main" val="1"/>
                 </p:ext>
               </p:extLst>
             </p:nvPr>
@@ -23893,10 +23894,10 @@
             <p:cNvPr id="37" name="Freeform 10">
               <a:extLst>
                 <a:ext uri="{FF2B5EF4-FFF2-40B4-BE49-F238E27FC236}">
-                  <a16:creationId xmlns:a16="http://schemas.microsoft.com/office/drawing/2014/main" xmlns="" id="{A5758E0B-DF61-40A8-B765-BC6841906A9A}"/>
+                  <a16:creationId xmlns="" xmlns:a16="http://schemas.microsoft.com/office/drawing/2014/main" id="{A5758E0B-DF61-40A8-B765-BC6841906A9A}"/>
                 </a:ext>
                 <a:ext uri="{C183D7F6-B498-43B3-948B-1728B52AA6E4}">
-                  <adec:decorative xmlns:adec="http://schemas.microsoft.com/office/drawing/2017/decorative" xmlns="" val="1"/>
+                  <adec:decorative xmlns="" xmlns:adec="http://schemas.microsoft.com/office/drawing/2017/decorative" val="1"/>
                 </a:ext>
               </a:extLst>
             </p:cNvPr>
@@ -23904,7 +23905,7 @@
             <p:nvPr>
               <p:extLst>
                 <p:ext uri="{386F3935-93C4-4BCD-93E2-E3B085C9AB24}">
-                  <p16:designElem xmlns:p16="http://schemas.microsoft.com/office/powerpoint/2015/main" xmlns="" val="1"/>
+                  <p16:designElem xmlns="" xmlns:p16="http://schemas.microsoft.com/office/powerpoint/2015/main" val="1"/>
                 </p:ext>
               </p:extLst>
             </p:nvPr>
@@ -23959,10 +23960,10 @@
             <p:cNvPr id="38" name="Freeform 11">
               <a:extLst>
                 <a:ext uri="{FF2B5EF4-FFF2-40B4-BE49-F238E27FC236}">
-                  <a16:creationId xmlns:a16="http://schemas.microsoft.com/office/drawing/2014/main" xmlns="" id="{3E063A1F-9566-4436-B4E3-2890FBBC2CCB}"/>
+                  <a16:creationId xmlns="" xmlns:a16="http://schemas.microsoft.com/office/drawing/2014/main" id="{3E063A1F-9566-4436-B4E3-2890FBBC2CCB}"/>
                 </a:ext>
                 <a:ext uri="{C183D7F6-B498-43B3-948B-1728B52AA6E4}">
-                  <adec:decorative xmlns:adec="http://schemas.microsoft.com/office/drawing/2017/decorative" xmlns="" val="1"/>
+                  <adec:decorative xmlns="" xmlns:adec="http://schemas.microsoft.com/office/drawing/2017/decorative" val="1"/>
                 </a:ext>
               </a:extLst>
             </p:cNvPr>
@@ -23970,7 +23971,7 @@
             <p:nvPr>
               <p:extLst>
                 <p:ext uri="{386F3935-93C4-4BCD-93E2-E3B085C9AB24}">
-                  <p16:designElem xmlns:p16="http://schemas.microsoft.com/office/powerpoint/2015/main" xmlns="" val="1"/>
+                  <p16:designElem xmlns="" xmlns:p16="http://schemas.microsoft.com/office/powerpoint/2015/main" val="1"/>
                 </p:ext>
               </p:extLst>
             </p:nvPr>
@@ -24039,10 +24040,10 @@
           <p:cNvPr id="40" name="Group 39">
             <a:extLst>
               <a:ext uri="{FF2B5EF4-FFF2-40B4-BE49-F238E27FC236}">
-                <a16:creationId xmlns:a16="http://schemas.microsoft.com/office/drawing/2014/main" xmlns="" id="{DF8D5C46-63E5-40C5-A208-4B2189FA1032}"/>
+                <a16:creationId xmlns="" xmlns:a16="http://schemas.microsoft.com/office/drawing/2014/main" id="{DF8D5C46-63E5-40C5-A208-4B2189FA1032}"/>
               </a:ext>
               <a:ext uri="{C183D7F6-B498-43B3-948B-1728B52AA6E4}">
-                <adec:decorative xmlns:adec="http://schemas.microsoft.com/office/drawing/2017/decorative" xmlns="" val="1"/>
+                <adec:decorative xmlns="" xmlns:adec="http://schemas.microsoft.com/office/drawing/2017/decorative" val="1"/>
               </a:ext>
             </a:extLst>
           </p:cNvPr>
@@ -24052,7 +24053,7 @@
           <p:nvPr>
             <p:extLst>
               <p:ext uri="{386F3935-93C4-4BCD-93E2-E3B085C9AB24}">
-                <p16:designElem xmlns:p16="http://schemas.microsoft.com/office/powerpoint/2015/main" xmlns="" val="1"/>
+                <p16:designElem xmlns="" xmlns:p16="http://schemas.microsoft.com/office/powerpoint/2015/main" val="1"/>
               </p:ext>
             </p:extLst>
           </p:nvPr>
@@ -24070,10 +24071,10 @@
             <p:cNvPr id="41" name="Freeform 6">
               <a:extLst>
                 <a:ext uri="{FF2B5EF4-FFF2-40B4-BE49-F238E27FC236}">
-                  <a16:creationId xmlns:a16="http://schemas.microsoft.com/office/drawing/2014/main" xmlns="" id="{4A42B4ED-376E-46C3-8BB2-EAFC660D112B}"/>
+                  <a16:creationId xmlns="" xmlns:a16="http://schemas.microsoft.com/office/drawing/2014/main" id="{4A42B4ED-376E-46C3-8BB2-EAFC660D112B}"/>
                 </a:ext>
                 <a:ext uri="{C183D7F6-B498-43B3-948B-1728B52AA6E4}">
-                  <adec:decorative xmlns:adec="http://schemas.microsoft.com/office/drawing/2017/decorative" xmlns="" val="1"/>
+                  <adec:decorative xmlns="" xmlns:adec="http://schemas.microsoft.com/office/drawing/2017/decorative" val="1"/>
                 </a:ext>
               </a:extLst>
             </p:cNvPr>
@@ -24081,7 +24082,7 @@
             <p:nvPr>
               <p:extLst>
                 <p:ext uri="{386F3935-93C4-4BCD-93E2-E3B085C9AB24}">
-                  <p16:designElem xmlns:p16="http://schemas.microsoft.com/office/powerpoint/2015/main" xmlns="" val="1"/>
+                  <p16:designElem xmlns="" xmlns:p16="http://schemas.microsoft.com/office/powerpoint/2015/main" val="1"/>
                 </p:ext>
               </p:extLst>
             </p:nvPr>
@@ -24131,10 +24132,10 @@
             <p:cNvPr id="42" name="Freeform 7">
               <a:extLst>
                 <a:ext uri="{FF2B5EF4-FFF2-40B4-BE49-F238E27FC236}">
-                  <a16:creationId xmlns:a16="http://schemas.microsoft.com/office/drawing/2014/main" xmlns="" id="{94E0795D-42C3-4DFD-AEB0-286A1CF143FC}"/>
+                  <a16:creationId xmlns="" xmlns:a16="http://schemas.microsoft.com/office/drawing/2014/main" id="{94E0795D-42C3-4DFD-AEB0-286A1CF143FC}"/>
                 </a:ext>
                 <a:ext uri="{C183D7F6-B498-43B3-948B-1728B52AA6E4}">
-                  <adec:decorative xmlns:adec="http://schemas.microsoft.com/office/drawing/2017/decorative" xmlns="" val="1"/>
+                  <adec:decorative xmlns="" xmlns:adec="http://schemas.microsoft.com/office/drawing/2017/decorative" val="1"/>
                 </a:ext>
               </a:extLst>
             </p:cNvPr>
@@ -24142,7 +24143,7 @@
             <p:nvPr>
               <p:extLst>
                 <p:ext uri="{386F3935-93C4-4BCD-93E2-E3B085C9AB24}">
-                  <p16:designElem xmlns:p16="http://schemas.microsoft.com/office/powerpoint/2015/main" xmlns="" val="1"/>
+                  <p16:designElem xmlns="" xmlns:p16="http://schemas.microsoft.com/office/powerpoint/2015/main" val="1"/>
                 </p:ext>
               </p:extLst>
             </p:nvPr>
@@ -24195,10 +24196,10 @@
             <p:cNvPr id="43" name="Freeform 8">
               <a:extLst>
                 <a:ext uri="{FF2B5EF4-FFF2-40B4-BE49-F238E27FC236}">
-                  <a16:creationId xmlns:a16="http://schemas.microsoft.com/office/drawing/2014/main" xmlns="" id="{A2ACED1B-99D0-4C14-B63B-963889DCDBC2}"/>
+                  <a16:creationId xmlns="" xmlns:a16="http://schemas.microsoft.com/office/drawing/2014/main" id="{A2ACED1B-99D0-4C14-B63B-963889DCDBC2}"/>
                 </a:ext>
                 <a:ext uri="{C183D7F6-B498-43B3-948B-1728B52AA6E4}">
-                  <adec:decorative xmlns:adec="http://schemas.microsoft.com/office/drawing/2017/decorative" xmlns="" val="1"/>
+                  <adec:decorative xmlns="" xmlns:adec="http://schemas.microsoft.com/office/drawing/2017/decorative" val="1"/>
                 </a:ext>
               </a:extLst>
             </p:cNvPr>
@@ -24206,7 +24207,7 @@
             <p:nvPr>
               <p:extLst>
                 <p:ext uri="{386F3935-93C4-4BCD-93E2-E3B085C9AB24}">
-                  <p16:designElem xmlns:p16="http://schemas.microsoft.com/office/powerpoint/2015/main" xmlns="" val="1"/>
+                  <p16:designElem xmlns="" xmlns:p16="http://schemas.microsoft.com/office/powerpoint/2015/main" val="1"/>
                 </p:ext>
               </p:extLst>
             </p:nvPr>
@@ -24256,10 +24257,10 @@
             <p:cNvPr id="44" name="Freeform 9">
               <a:extLst>
                 <a:ext uri="{FF2B5EF4-FFF2-40B4-BE49-F238E27FC236}">
-                  <a16:creationId xmlns:a16="http://schemas.microsoft.com/office/drawing/2014/main" xmlns="" id="{5C5D324F-33A3-4C66-BFE5-1742CA4E5940}"/>
+                  <a16:creationId xmlns="" xmlns:a16="http://schemas.microsoft.com/office/drawing/2014/main" id="{5C5D324F-33A3-4C66-BFE5-1742CA4E5940}"/>
                 </a:ext>
                 <a:ext uri="{C183D7F6-B498-43B3-948B-1728B52AA6E4}">
-                  <adec:decorative xmlns:adec="http://schemas.microsoft.com/office/drawing/2017/decorative" xmlns="" val="1"/>
+                  <adec:decorative xmlns="" xmlns:adec="http://schemas.microsoft.com/office/drawing/2017/decorative" val="1"/>
                 </a:ext>
               </a:extLst>
             </p:cNvPr>
@@ -24267,7 +24268,7 @@
             <p:nvPr>
               <p:extLst>
                 <p:ext uri="{386F3935-93C4-4BCD-93E2-E3B085C9AB24}">
-                  <p16:designElem xmlns:p16="http://schemas.microsoft.com/office/powerpoint/2015/main" xmlns="" val="1"/>
+                  <p16:designElem xmlns="" xmlns:p16="http://schemas.microsoft.com/office/powerpoint/2015/main" val="1"/>
                 </p:ext>
               </p:extLst>
             </p:nvPr>
@@ -24316,10 +24317,10 @@
             <p:cNvPr id="45" name="Freeform 10">
               <a:extLst>
                 <a:ext uri="{FF2B5EF4-FFF2-40B4-BE49-F238E27FC236}">
-                  <a16:creationId xmlns:a16="http://schemas.microsoft.com/office/drawing/2014/main" xmlns="" id="{EC572FC8-A465-4BA3-BA4D-2EC538C042AD}"/>
+                  <a16:creationId xmlns="" xmlns:a16="http://schemas.microsoft.com/office/drawing/2014/main" id="{EC572FC8-A465-4BA3-BA4D-2EC538C042AD}"/>
                 </a:ext>
                 <a:ext uri="{C183D7F6-B498-43B3-948B-1728B52AA6E4}">
-                  <adec:decorative xmlns:adec="http://schemas.microsoft.com/office/drawing/2017/decorative" xmlns="" val="1"/>
+                  <adec:decorative xmlns="" xmlns:adec="http://schemas.microsoft.com/office/drawing/2017/decorative" val="1"/>
                 </a:ext>
               </a:extLst>
             </p:cNvPr>
@@ -24327,7 +24328,7 @@
             <p:nvPr>
               <p:extLst>
                 <p:ext uri="{386F3935-93C4-4BCD-93E2-E3B085C9AB24}">
-                  <p16:designElem xmlns:p16="http://schemas.microsoft.com/office/powerpoint/2015/main" xmlns="" val="1"/>
+                  <p16:designElem xmlns="" xmlns:p16="http://schemas.microsoft.com/office/powerpoint/2015/main" val="1"/>
                 </p:ext>
               </p:extLst>
             </p:nvPr>
@@ -24382,10 +24383,10 @@
             <p:cNvPr id="46" name="Freeform 11">
               <a:extLst>
                 <a:ext uri="{FF2B5EF4-FFF2-40B4-BE49-F238E27FC236}">
-                  <a16:creationId xmlns:a16="http://schemas.microsoft.com/office/drawing/2014/main" xmlns="" id="{66CC2B15-8E3B-4CFF-99E4-5B4E4D8CF933}"/>
+                  <a16:creationId xmlns="" xmlns:a16="http://schemas.microsoft.com/office/drawing/2014/main" id="{66CC2B15-8E3B-4CFF-99E4-5B4E4D8CF933}"/>
                 </a:ext>
                 <a:ext uri="{C183D7F6-B498-43B3-948B-1728B52AA6E4}">
-                  <adec:decorative xmlns:adec="http://schemas.microsoft.com/office/drawing/2017/decorative" xmlns="" val="1"/>
+                  <adec:decorative xmlns="" xmlns:adec="http://schemas.microsoft.com/office/drawing/2017/decorative" val="1"/>
                 </a:ext>
               </a:extLst>
             </p:cNvPr>
@@ -24393,7 +24394,7 @@
             <p:nvPr>
               <p:extLst>
                 <p:ext uri="{386F3935-93C4-4BCD-93E2-E3B085C9AB24}">
-                  <p16:designElem xmlns:p16="http://schemas.microsoft.com/office/powerpoint/2015/main" xmlns="" val="1"/>
+                  <p16:designElem xmlns="" xmlns:p16="http://schemas.microsoft.com/office/powerpoint/2015/main" val="1"/>
                 </p:ext>
               </p:extLst>
             </p:nvPr>
@@ -24462,7 +24463,7 @@
           <p:cNvPr id="2" name="Title 1">
             <a:extLst>
               <a:ext uri="{FF2B5EF4-FFF2-40B4-BE49-F238E27FC236}">
-                <a16:creationId xmlns:a16="http://schemas.microsoft.com/office/drawing/2014/main" xmlns="" id="{13FFB360-638D-F14E-9871-2D91F9F58608}"/>
+                <a16:creationId xmlns="" xmlns:a16="http://schemas.microsoft.com/office/drawing/2014/main" id="{13FFB360-638D-F14E-9871-2D91F9F58608}"/>
               </a:ext>
             </a:extLst>
           </p:cNvPr>
@@ -24497,7 +24498,7 @@
           <p:cNvPr id="3" name="Content Placeholder 2">
             <a:extLst>
               <a:ext uri="{FF2B5EF4-FFF2-40B4-BE49-F238E27FC236}">
-                <a16:creationId xmlns:a16="http://schemas.microsoft.com/office/drawing/2014/main" xmlns="" id="{CB681A90-0CD3-EA46-BD97-5803DCFB3E5D}"/>
+                <a16:creationId xmlns="" xmlns:a16="http://schemas.microsoft.com/office/drawing/2014/main" id="{CB681A90-0CD3-EA46-BD97-5803DCFB3E5D}"/>
               </a:ext>
             </a:extLst>
           </p:cNvPr>
@@ -24538,10 +24539,10 @@
           <p:cNvPr id="48" name="Rounded Rectangle 16">
             <a:extLst>
               <a:ext uri="{FF2B5EF4-FFF2-40B4-BE49-F238E27FC236}">
-                <a16:creationId xmlns:a16="http://schemas.microsoft.com/office/drawing/2014/main" xmlns="" id="{63A60C88-7443-4827-9241-5019758CB4F0}"/>
+                <a16:creationId xmlns="" xmlns:a16="http://schemas.microsoft.com/office/drawing/2014/main" id="{63A60C88-7443-4827-9241-5019758CB4F0}"/>
               </a:ext>
               <a:ext uri="{C183D7F6-B498-43B3-948B-1728B52AA6E4}">
-                <adec:decorative xmlns:adec="http://schemas.microsoft.com/office/drawing/2017/decorative" xmlns="" val="1"/>
+                <adec:decorative xmlns="" xmlns:adec="http://schemas.microsoft.com/office/drawing/2017/decorative" val="1"/>
               </a:ext>
             </a:extLst>
           </p:cNvPr>
@@ -24551,7 +24552,7 @@
           <p:nvPr>
             <p:extLst>
               <p:ext uri="{386F3935-93C4-4BCD-93E2-E3B085C9AB24}">
-                <p16:designElem xmlns:p16="http://schemas.microsoft.com/office/powerpoint/2015/main" xmlns="" val="1"/>
+                <p16:designElem xmlns="" xmlns:p16="http://schemas.microsoft.com/office/powerpoint/2015/main" val="1"/>
               </p:ext>
             </p:extLst>
           </p:nvPr>
@@ -24623,7 +24624,7 @@
           <p:cNvPr id="6" name="Content Placeholder 5" descr="Graphical user interface, application&#10;&#10;Description automatically generated">
             <a:extLst>
               <a:ext uri="{FF2B5EF4-FFF2-40B4-BE49-F238E27FC236}">
-                <a16:creationId xmlns:a16="http://schemas.microsoft.com/office/drawing/2014/main" xmlns="" id="{C7C2803D-93D7-3A49-A546-4BB0A70448BD}"/>
+                <a16:creationId xmlns="" xmlns:a16="http://schemas.microsoft.com/office/drawing/2014/main" id="{C7C2803D-93D7-3A49-A546-4BB0A70448BD}"/>
               </a:ext>
             </a:extLst>
           </p:cNvPr>
@@ -24660,7 +24661,7 @@
           <p:cNvPr id="4" name="TextBox 3">
             <a:extLst>
               <a:ext uri="{FF2B5EF4-FFF2-40B4-BE49-F238E27FC236}">
-                <a16:creationId xmlns:a16="http://schemas.microsoft.com/office/drawing/2014/main" xmlns="" id="{332040DC-98AF-914B-94C3-4130CF2AAC55}"/>
+                <a16:creationId xmlns="" xmlns:a16="http://schemas.microsoft.com/office/drawing/2014/main" id="{332040DC-98AF-914B-94C3-4130CF2AAC55}"/>
               </a:ext>
             </a:extLst>
           </p:cNvPr>
@@ -24746,10 +24747,10 @@
           <p:cNvPr id="11" name="Group 10">
             <a:extLst>
               <a:ext uri="{FF2B5EF4-FFF2-40B4-BE49-F238E27FC236}">
-                <a16:creationId xmlns:a16="http://schemas.microsoft.com/office/drawing/2014/main" xmlns="" id="{15FF890B-3CE7-403A-AECE-2DE04FC7AF80}"/>
+                <a16:creationId xmlns="" xmlns:a16="http://schemas.microsoft.com/office/drawing/2014/main" id="{15FF890B-3CE7-403A-AECE-2DE04FC7AF80}"/>
               </a:ext>
               <a:ext uri="{C183D7F6-B498-43B3-948B-1728B52AA6E4}">
-                <adec:decorative xmlns:adec="http://schemas.microsoft.com/office/drawing/2017/decorative" xmlns="" val="1"/>
+                <adec:decorative xmlns="" xmlns:adec="http://schemas.microsoft.com/office/drawing/2017/decorative" val="1"/>
               </a:ext>
             </a:extLst>
           </p:cNvPr>
@@ -24759,7 +24760,7 @@
           <p:nvPr>
             <p:extLst>
               <p:ext uri="{386F3935-93C4-4BCD-93E2-E3B085C9AB24}">
-                <p16:designElem xmlns:p16="http://schemas.microsoft.com/office/powerpoint/2015/main" xmlns="" val="1"/>
+                <p16:designElem xmlns="" xmlns:p16="http://schemas.microsoft.com/office/powerpoint/2015/main" val="1"/>
               </p:ext>
             </p:extLst>
           </p:nvPr>
@@ -24777,10 +24778,10 @@
             <p:cNvPr id="12" name="Freeform 6">
               <a:extLst>
                 <a:ext uri="{FF2B5EF4-FFF2-40B4-BE49-F238E27FC236}">
-                  <a16:creationId xmlns:a16="http://schemas.microsoft.com/office/drawing/2014/main" xmlns="" id="{99A4E160-6CFD-4514-9E20-CA6692CCDB9C}"/>
+                  <a16:creationId xmlns="" xmlns:a16="http://schemas.microsoft.com/office/drawing/2014/main" id="{99A4E160-6CFD-4514-9E20-CA6692CCDB9C}"/>
                 </a:ext>
                 <a:ext uri="{C183D7F6-B498-43B3-948B-1728B52AA6E4}">
-                  <adec:decorative xmlns:adec="http://schemas.microsoft.com/office/drawing/2017/decorative" xmlns="" val="1"/>
+                  <adec:decorative xmlns="" xmlns:adec="http://schemas.microsoft.com/office/drawing/2017/decorative" val="1"/>
                 </a:ext>
               </a:extLst>
             </p:cNvPr>
@@ -24788,7 +24789,7 @@
             <p:nvPr>
               <p:extLst>
                 <p:ext uri="{386F3935-93C4-4BCD-93E2-E3B085C9AB24}">
-                  <p16:designElem xmlns:p16="http://schemas.microsoft.com/office/powerpoint/2015/main" xmlns="" val="1"/>
+                  <p16:designElem xmlns="" xmlns:p16="http://schemas.microsoft.com/office/powerpoint/2015/main" val="1"/>
                 </p:ext>
               </p:extLst>
             </p:nvPr>
@@ -24838,10 +24839,10 @@
             <p:cNvPr id="13" name="Freeform 7">
               <a:extLst>
                 <a:ext uri="{FF2B5EF4-FFF2-40B4-BE49-F238E27FC236}">
-                  <a16:creationId xmlns:a16="http://schemas.microsoft.com/office/drawing/2014/main" xmlns="" id="{3DCD16F5-8D15-45FD-BA62-ADAC08183A27}"/>
+                  <a16:creationId xmlns="" xmlns:a16="http://schemas.microsoft.com/office/drawing/2014/main" id="{3DCD16F5-8D15-45FD-BA62-ADAC08183A27}"/>
                 </a:ext>
                 <a:ext uri="{C183D7F6-B498-43B3-948B-1728B52AA6E4}">
-                  <adec:decorative xmlns:adec="http://schemas.microsoft.com/office/drawing/2017/decorative" xmlns="" val="1"/>
+                  <adec:decorative xmlns="" xmlns:adec="http://schemas.microsoft.com/office/drawing/2017/decorative" val="1"/>
                 </a:ext>
               </a:extLst>
             </p:cNvPr>
@@ -24849,7 +24850,7 @@
             <p:nvPr>
               <p:extLst>
                 <p:ext uri="{386F3935-93C4-4BCD-93E2-E3B085C9AB24}">
-                  <p16:designElem xmlns:p16="http://schemas.microsoft.com/office/powerpoint/2015/main" xmlns="" val="1"/>
+                  <p16:designElem xmlns="" xmlns:p16="http://schemas.microsoft.com/office/powerpoint/2015/main" val="1"/>
                 </p:ext>
               </p:extLst>
             </p:nvPr>
@@ -24902,10 +24903,10 @@
             <p:cNvPr id="14" name="Freeform 8">
               <a:extLst>
                 <a:ext uri="{FF2B5EF4-FFF2-40B4-BE49-F238E27FC236}">
-                  <a16:creationId xmlns:a16="http://schemas.microsoft.com/office/drawing/2014/main" xmlns="" id="{E7CFAF28-6FDA-4C2C-BE51-123D1115F75C}"/>
+                  <a16:creationId xmlns="" xmlns:a16="http://schemas.microsoft.com/office/drawing/2014/main" id="{E7CFAF28-6FDA-4C2C-BE51-123D1115F75C}"/>
                 </a:ext>
                 <a:ext uri="{C183D7F6-B498-43B3-948B-1728B52AA6E4}">
-                  <adec:decorative xmlns:adec="http://schemas.microsoft.com/office/drawing/2017/decorative" xmlns="" val="1"/>
+                  <adec:decorative xmlns="" xmlns:adec="http://schemas.microsoft.com/office/drawing/2017/decorative" val="1"/>
                 </a:ext>
               </a:extLst>
             </p:cNvPr>
@@ -24913,7 +24914,7 @@
             <p:nvPr>
               <p:extLst>
                 <p:ext uri="{386F3935-93C4-4BCD-93E2-E3B085C9AB24}">
-                  <p16:designElem xmlns:p16="http://schemas.microsoft.com/office/powerpoint/2015/main" xmlns="" val="1"/>
+                  <p16:designElem xmlns="" xmlns:p16="http://schemas.microsoft.com/office/powerpoint/2015/main" val="1"/>
                 </p:ext>
               </p:extLst>
             </p:nvPr>
@@ -24963,10 +24964,10 @@
             <p:cNvPr id="15" name="Freeform 9">
               <a:extLst>
                 <a:ext uri="{FF2B5EF4-FFF2-40B4-BE49-F238E27FC236}">
-                  <a16:creationId xmlns:a16="http://schemas.microsoft.com/office/drawing/2014/main" xmlns="" id="{1FD12703-0627-4991-B2A4-F96519F90863}"/>
+                  <a16:creationId xmlns="" xmlns:a16="http://schemas.microsoft.com/office/drawing/2014/main" id="{1FD12703-0627-4991-B2A4-F96519F90863}"/>
                 </a:ext>
                 <a:ext uri="{C183D7F6-B498-43B3-948B-1728B52AA6E4}">
-                  <adec:decorative xmlns:adec="http://schemas.microsoft.com/office/drawing/2017/decorative" xmlns="" val="1"/>
+                  <adec:decorative xmlns="" xmlns:adec="http://schemas.microsoft.com/office/drawing/2017/decorative" val="1"/>
                 </a:ext>
               </a:extLst>
             </p:cNvPr>
@@ -24974,7 +24975,7 @@
             <p:nvPr>
               <p:extLst>
                 <p:ext uri="{386F3935-93C4-4BCD-93E2-E3B085C9AB24}">
-                  <p16:designElem xmlns:p16="http://schemas.microsoft.com/office/powerpoint/2015/main" xmlns="" val="1"/>
+                  <p16:designElem xmlns="" xmlns:p16="http://schemas.microsoft.com/office/powerpoint/2015/main" val="1"/>
                 </p:ext>
               </p:extLst>
             </p:nvPr>
@@ -25023,10 +25024,10 @@
             <p:cNvPr id="16" name="Freeform 10">
               <a:extLst>
                 <a:ext uri="{FF2B5EF4-FFF2-40B4-BE49-F238E27FC236}">
-                  <a16:creationId xmlns:a16="http://schemas.microsoft.com/office/drawing/2014/main" xmlns="" id="{A5758E0B-DF61-40A8-B765-BC6841906A9A}"/>
+                  <a16:creationId xmlns="" xmlns:a16="http://schemas.microsoft.com/office/drawing/2014/main" id="{A5758E0B-DF61-40A8-B765-BC6841906A9A}"/>
                 </a:ext>
                 <a:ext uri="{C183D7F6-B498-43B3-948B-1728B52AA6E4}">
-                  <adec:decorative xmlns:adec="http://schemas.microsoft.com/office/drawing/2017/decorative" xmlns="" val="1"/>
+                  <adec:decorative xmlns="" xmlns:adec="http://schemas.microsoft.com/office/drawing/2017/decorative" val="1"/>
                 </a:ext>
               </a:extLst>
             </p:cNvPr>
@@ -25034,7 +25035,7 @@
             <p:nvPr>
               <p:extLst>
                 <p:ext uri="{386F3935-93C4-4BCD-93E2-E3B085C9AB24}">
-                  <p16:designElem xmlns:p16="http://schemas.microsoft.com/office/powerpoint/2015/main" xmlns="" val="1"/>
+                  <p16:designElem xmlns="" xmlns:p16="http://schemas.microsoft.com/office/powerpoint/2015/main" val="1"/>
                 </p:ext>
               </p:extLst>
             </p:nvPr>
@@ -25089,10 +25090,10 @@
             <p:cNvPr id="17" name="Freeform 11">
               <a:extLst>
                 <a:ext uri="{FF2B5EF4-FFF2-40B4-BE49-F238E27FC236}">
-                  <a16:creationId xmlns:a16="http://schemas.microsoft.com/office/drawing/2014/main" xmlns="" id="{3E063A1F-9566-4436-B4E3-2890FBBC2CCB}"/>
+                  <a16:creationId xmlns="" xmlns:a16="http://schemas.microsoft.com/office/drawing/2014/main" id="{3E063A1F-9566-4436-B4E3-2890FBBC2CCB}"/>
                 </a:ext>
                 <a:ext uri="{C183D7F6-B498-43B3-948B-1728B52AA6E4}">
-                  <adec:decorative xmlns:adec="http://schemas.microsoft.com/office/drawing/2017/decorative" xmlns="" val="1"/>
+                  <adec:decorative xmlns="" xmlns:adec="http://schemas.microsoft.com/office/drawing/2017/decorative" val="1"/>
                 </a:ext>
               </a:extLst>
             </p:cNvPr>
@@ -25100,7 +25101,7 @@
             <p:nvPr>
               <p:extLst>
                 <p:ext uri="{386F3935-93C4-4BCD-93E2-E3B085C9AB24}">
-                  <p16:designElem xmlns:p16="http://schemas.microsoft.com/office/powerpoint/2015/main" xmlns="" val="1"/>
+                  <p16:designElem xmlns="" xmlns:p16="http://schemas.microsoft.com/office/powerpoint/2015/main" val="1"/>
                 </p:ext>
               </p:extLst>
             </p:nvPr>
@@ -25169,10 +25170,10 @@
           <p:cNvPr id="19" name="Group 18">
             <a:extLst>
               <a:ext uri="{FF2B5EF4-FFF2-40B4-BE49-F238E27FC236}">
-                <a16:creationId xmlns:a16="http://schemas.microsoft.com/office/drawing/2014/main" xmlns="" id="{DF8D5C46-63E5-40C5-A208-4B2189FA1032}"/>
+                <a16:creationId xmlns="" xmlns:a16="http://schemas.microsoft.com/office/drawing/2014/main" id="{DF8D5C46-63E5-40C5-A208-4B2189FA1032}"/>
               </a:ext>
               <a:ext uri="{C183D7F6-B498-43B3-948B-1728B52AA6E4}">
-                <adec:decorative xmlns:adec="http://schemas.microsoft.com/office/drawing/2017/decorative" xmlns="" val="1"/>
+                <adec:decorative xmlns="" xmlns:adec="http://schemas.microsoft.com/office/drawing/2017/decorative" val="1"/>
               </a:ext>
             </a:extLst>
           </p:cNvPr>
@@ -25182,7 +25183,7 @@
           <p:nvPr>
             <p:extLst>
               <p:ext uri="{386F3935-93C4-4BCD-93E2-E3B085C9AB24}">
-                <p16:designElem xmlns:p16="http://schemas.microsoft.com/office/powerpoint/2015/main" xmlns="" val="1"/>
+                <p16:designElem xmlns="" xmlns:p16="http://schemas.microsoft.com/office/powerpoint/2015/main" val="1"/>
               </p:ext>
             </p:extLst>
           </p:nvPr>
@@ -25200,10 +25201,10 @@
             <p:cNvPr id="20" name="Freeform 6">
               <a:extLst>
                 <a:ext uri="{FF2B5EF4-FFF2-40B4-BE49-F238E27FC236}">
-                  <a16:creationId xmlns:a16="http://schemas.microsoft.com/office/drawing/2014/main" xmlns="" id="{4A42B4ED-376E-46C3-8BB2-EAFC660D112B}"/>
+                  <a16:creationId xmlns="" xmlns:a16="http://schemas.microsoft.com/office/drawing/2014/main" id="{4A42B4ED-376E-46C3-8BB2-EAFC660D112B}"/>
                 </a:ext>
                 <a:ext uri="{C183D7F6-B498-43B3-948B-1728B52AA6E4}">
-                  <adec:decorative xmlns:adec="http://schemas.microsoft.com/office/drawing/2017/decorative" xmlns="" val="1"/>
+                  <adec:decorative xmlns="" xmlns:adec="http://schemas.microsoft.com/office/drawing/2017/decorative" val="1"/>
                 </a:ext>
               </a:extLst>
             </p:cNvPr>
@@ -25211,7 +25212,7 @@
             <p:nvPr>
               <p:extLst>
                 <p:ext uri="{386F3935-93C4-4BCD-93E2-E3B085C9AB24}">
-                  <p16:designElem xmlns:p16="http://schemas.microsoft.com/office/powerpoint/2015/main" xmlns="" val="1"/>
+                  <p16:designElem xmlns="" xmlns:p16="http://schemas.microsoft.com/office/powerpoint/2015/main" val="1"/>
                 </p:ext>
               </p:extLst>
             </p:nvPr>
@@ -25261,10 +25262,10 @@
             <p:cNvPr id="21" name="Freeform 7">
               <a:extLst>
                 <a:ext uri="{FF2B5EF4-FFF2-40B4-BE49-F238E27FC236}">
-                  <a16:creationId xmlns:a16="http://schemas.microsoft.com/office/drawing/2014/main" xmlns="" id="{94E0795D-42C3-4DFD-AEB0-286A1CF143FC}"/>
+                  <a16:creationId xmlns="" xmlns:a16="http://schemas.microsoft.com/office/drawing/2014/main" id="{94E0795D-42C3-4DFD-AEB0-286A1CF143FC}"/>
                 </a:ext>
                 <a:ext uri="{C183D7F6-B498-43B3-948B-1728B52AA6E4}">
-                  <adec:decorative xmlns:adec="http://schemas.microsoft.com/office/drawing/2017/decorative" xmlns="" val="1"/>
+                  <adec:decorative xmlns="" xmlns:adec="http://schemas.microsoft.com/office/drawing/2017/decorative" val="1"/>
                 </a:ext>
               </a:extLst>
             </p:cNvPr>
@@ -25272,7 +25273,7 @@
             <p:nvPr>
               <p:extLst>
                 <p:ext uri="{386F3935-93C4-4BCD-93E2-E3B085C9AB24}">
-                  <p16:designElem xmlns:p16="http://schemas.microsoft.com/office/powerpoint/2015/main" xmlns="" val="1"/>
+                  <p16:designElem xmlns="" xmlns:p16="http://schemas.microsoft.com/office/powerpoint/2015/main" val="1"/>
                 </p:ext>
               </p:extLst>
             </p:nvPr>
@@ -25325,10 +25326,10 @@
             <p:cNvPr id="22" name="Freeform 8">
               <a:extLst>
                 <a:ext uri="{FF2B5EF4-FFF2-40B4-BE49-F238E27FC236}">
-                  <a16:creationId xmlns:a16="http://schemas.microsoft.com/office/drawing/2014/main" xmlns="" id="{A2ACED1B-99D0-4C14-B63B-963889DCDBC2}"/>
+                  <a16:creationId xmlns="" xmlns:a16="http://schemas.microsoft.com/office/drawing/2014/main" id="{A2ACED1B-99D0-4C14-B63B-963889DCDBC2}"/>
                 </a:ext>
                 <a:ext uri="{C183D7F6-B498-43B3-948B-1728B52AA6E4}">
-                  <adec:decorative xmlns:adec="http://schemas.microsoft.com/office/drawing/2017/decorative" xmlns="" val="1"/>
+                  <adec:decorative xmlns="" xmlns:adec="http://schemas.microsoft.com/office/drawing/2017/decorative" val="1"/>
                 </a:ext>
               </a:extLst>
             </p:cNvPr>
@@ -25336,7 +25337,7 @@
             <p:nvPr>
               <p:extLst>
                 <p:ext uri="{386F3935-93C4-4BCD-93E2-E3B085C9AB24}">
-                  <p16:designElem xmlns:p16="http://schemas.microsoft.com/office/powerpoint/2015/main" xmlns="" val="1"/>
+                  <p16:designElem xmlns="" xmlns:p16="http://schemas.microsoft.com/office/powerpoint/2015/main" val="1"/>
                 </p:ext>
               </p:extLst>
             </p:nvPr>
@@ -25386,10 +25387,10 @@
             <p:cNvPr id="23" name="Freeform 9">
               <a:extLst>
                 <a:ext uri="{FF2B5EF4-FFF2-40B4-BE49-F238E27FC236}">
-                  <a16:creationId xmlns:a16="http://schemas.microsoft.com/office/drawing/2014/main" xmlns="" id="{5C5D324F-33A3-4C66-BFE5-1742CA4E5940}"/>
+                  <a16:creationId xmlns="" xmlns:a16="http://schemas.microsoft.com/office/drawing/2014/main" id="{5C5D324F-33A3-4C66-BFE5-1742CA4E5940}"/>
                 </a:ext>
                 <a:ext uri="{C183D7F6-B498-43B3-948B-1728B52AA6E4}">
-                  <adec:decorative xmlns:adec="http://schemas.microsoft.com/office/drawing/2017/decorative" xmlns="" val="1"/>
+                  <adec:decorative xmlns="" xmlns:adec="http://schemas.microsoft.com/office/drawing/2017/decorative" val="1"/>
                 </a:ext>
               </a:extLst>
             </p:cNvPr>
@@ -25397,7 +25398,7 @@
             <p:nvPr>
               <p:extLst>
                 <p:ext uri="{386F3935-93C4-4BCD-93E2-E3B085C9AB24}">
-                  <p16:designElem xmlns:p16="http://schemas.microsoft.com/office/powerpoint/2015/main" xmlns="" val="1"/>
+                  <p16:designElem xmlns="" xmlns:p16="http://schemas.microsoft.com/office/powerpoint/2015/main" val="1"/>
                 </p:ext>
               </p:extLst>
             </p:nvPr>
@@ -25446,10 +25447,10 @@
             <p:cNvPr id="24" name="Freeform 10">
               <a:extLst>
                 <a:ext uri="{FF2B5EF4-FFF2-40B4-BE49-F238E27FC236}">
-                  <a16:creationId xmlns:a16="http://schemas.microsoft.com/office/drawing/2014/main" xmlns="" id="{EC572FC8-A465-4BA3-BA4D-2EC538C042AD}"/>
+                  <a16:creationId xmlns="" xmlns:a16="http://schemas.microsoft.com/office/drawing/2014/main" id="{EC572FC8-A465-4BA3-BA4D-2EC538C042AD}"/>
                 </a:ext>
                 <a:ext uri="{C183D7F6-B498-43B3-948B-1728B52AA6E4}">
-                  <adec:decorative xmlns:adec="http://schemas.microsoft.com/office/drawing/2017/decorative" xmlns="" val="1"/>
+                  <adec:decorative xmlns="" xmlns:adec="http://schemas.microsoft.com/office/drawing/2017/decorative" val="1"/>
                 </a:ext>
               </a:extLst>
             </p:cNvPr>
@@ -25457,7 +25458,7 @@
             <p:nvPr>
               <p:extLst>
                 <p:ext uri="{386F3935-93C4-4BCD-93E2-E3B085C9AB24}">
-                  <p16:designElem xmlns:p16="http://schemas.microsoft.com/office/powerpoint/2015/main" xmlns="" val="1"/>
+                  <p16:designElem xmlns="" xmlns:p16="http://schemas.microsoft.com/office/powerpoint/2015/main" val="1"/>
                 </p:ext>
               </p:extLst>
             </p:nvPr>
@@ -25512,10 +25513,10 @@
             <p:cNvPr id="25" name="Freeform 11">
               <a:extLst>
                 <a:ext uri="{FF2B5EF4-FFF2-40B4-BE49-F238E27FC236}">
-                  <a16:creationId xmlns:a16="http://schemas.microsoft.com/office/drawing/2014/main" xmlns="" id="{66CC2B15-8E3B-4CFF-99E4-5B4E4D8CF933}"/>
+                  <a16:creationId xmlns="" xmlns:a16="http://schemas.microsoft.com/office/drawing/2014/main" id="{66CC2B15-8E3B-4CFF-99E4-5B4E4D8CF933}"/>
                 </a:ext>
                 <a:ext uri="{C183D7F6-B498-43B3-948B-1728B52AA6E4}">
-                  <adec:decorative xmlns:adec="http://schemas.microsoft.com/office/drawing/2017/decorative" xmlns="" val="1"/>
+                  <adec:decorative xmlns="" xmlns:adec="http://schemas.microsoft.com/office/drawing/2017/decorative" val="1"/>
                 </a:ext>
               </a:extLst>
             </p:cNvPr>
@@ -25523,7 +25524,7 @@
             <p:nvPr>
               <p:extLst>
                 <p:ext uri="{386F3935-93C4-4BCD-93E2-E3B085C9AB24}">
-                  <p16:designElem xmlns:p16="http://schemas.microsoft.com/office/powerpoint/2015/main" xmlns="" val="1"/>
+                  <p16:designElem xmlns="" xmlns:p16="http://schemas.microsoft.com/office/powerpoint/2015/main" val="1"/>
                 </p:ext>
               </p:extLst>
             </p:nvPr>
@@ -25592,7 +25593,7 @@
           <p:cNvPr id="2" name="Title 1">
             <a:extLst>
               <a:ext uri="{FF2B5EF4-FFF2-40B4-BE49-F238E27FC236}">
-                <a16:creationId xmlns:a16="http://schemas.microsoft.com/office/drawing/2014/main" xmlns="" id="{D19F05BC-D31C-BA45-9FAA-24F57947D6F3}"/>
+                <a16:creationId xmlns="" xmlns:a16="http://schemas.microsoft.com/office/drawing/2014/main" id="{D19F05BC-D31C-BA45-9FAA-24F57947D6F3}"/>
               </a:ext>
             </a:extLst>
           </p:cNvPr>
@@ -25627,7 +25628,7 @@
           <p:cNvPr id="3" name="Content Placeholder 2">
             <a:extLst>
               <a:ext uri="{FF2B5EF4-FFF2-40B4-BE49-F238E27FC236}">
-                <a16:creationId xmlns:a16="http://schemas.microsoft.com/office/drawing/2014/main" xmlns="" id="{4A7DF545-5DF3-C048-9C1F-B821D7E5FD68}"/>
+                <a16:creationId xmlns="" xmlns:a16="http://schemas.microsoft.com/office/drawing/2014/main" id="{4A7DF545-5DF3-C048-9C1F-B821D7E5FD68}"/>
               </a:ext>
             </a:extLst>
           </p:cNvPr>
@@ -25679,10 +25680,10 @@
           <p:cNvPr id="27" name="Rounded Rectangle 16">
             <a:extLst>
               <a:ext uri="{FF2B5EF4-FFF2-40B4-BE49-F238E27FC236}">
-                <a16:creationId xmlns:a16="http://schemas.microsoft.com/office/drawing/2014/main" xmlns="" id="{63A60C88-7443-4827-9241-5019758CB4F0}"/>
+                <a16:creationId xmlns="" xmlns:a16="http://schemas.microsoft.com/office/drawing/2014/main" id="{63A60C88-7443-4827-9241-5019758CB4F0}"/>
               </a:ext>
               <a:ext uri="{C183D7F6-B498-43B3-948B-1728B52AA6E4}">
-                <adec:decorative xmlns:adec="http://schemas.microsoft.com/office/drawing/2017/decorative" xmlns="" val="1"/>
+                <adec:decorative xmlns="" xmlns:adec="http://schemas.microsoft.com/office/drawing/2017/decorative" val="1"/>
               </a:ext>
             </a:extLst>
           </p:cNvPr>
@@ -25692,7 +25693,7 @@
           <p:nvPr>
             <p:extLst>
               <p:ext uri="{386F3935-93C4-4BCD-93E2-E3B085C9AB24}">
-                <p16:designElem xmlns:p16="http://schemas.microsoft.com/office/powerpoint/2015/main" xmlns="" val="1"/>
+                <p16:designElem xmlns="" xmlns:p16="http://schemas.microsoft.com/office/powerpoint/2015/main" val="1"/>
               </p:ext>
             </p:extLst>
           </p:nvPr>
@@ -25764,7 +25765,7 @@
           <p:cNvPr id="6" name="Content Placeholder 5" descr="Graphical user interface, text, application, email&#10;&#10;Description automatically generated">
             <a:extLst>
               <a:ext uri="{FF2B5EF4-FFF2-40B4-BE49-F238E27FC236}">
-                <a16:creationId xmlns:a16="http://schemas.microsoft.com/office/drawing/2014/main" xmlns="" id="{C7A94992-09E8-244E-B1F6-A5E7BA03DAA2}"/>
+                <a16:creationId xmlns="" xmlns:a16="http://schemas.microsoft.com/office/drawing/2014/main" id="{C7A94992-09E8-244E-B1F6-A5E7BA03DAA2}"/>
               </a:ext>
             </a:extLst>
           </p:cNvPr>
@@ -25802,7 +25803,7 @@
           <p:cNvPr id="26" name="TextBox 25">
             <a:extLst>
               <a:ext uri="{FF2B5EF4-FFF2-40B4-BE49-F238E27FC236}">
-                <a16:creationId xmlns:a16="http://schemas.microsoft.com/office/drawing/2014/main" xmlns="" id="{CABBB748-1AD7-7342-8D2F-185A0BB5C81E}"/>
+                <a16:creationId xmlns="" xmlns:a16="http://schemas.microsoft.com/office/drawing/2014/main" id="{CABBB748-1AD7-7342-8D2F-185A0BB5C81E}"/>
               </a:ext>
             </a:extLst>
           </p:cNvPr>
@@ -25888,10 +25889,10 @@
           <p:cNvPr id="32" name="Group 31">
             <a:extLst>
               <a:ext uri="{FF2B5EF4-FFF2-40B4-BE49-F238E27FC236}">
-                <a16:creationId xmlns:a16="http://schemas.microsoft.com/office/drawing/2014/main" xmlns="" id="{15FF890B-3CE7-403A-AECE-2DE04FC7AF80}"/>
+                <a16:creationId xmlns="" xmlns:a16="http://schemas.microsoft.com/office/drawing/2014/main" id="{15FF890B-3CE7-403A-AECE-2DE04FC7AF80}"/>
               </a:ext>
               <a:ext uri="{C183D7F6-B498-43B3-948B-1728B52AA6E4}">
-                <adec:decorative xmlns:adec="http://schemas.microsoft.com/office/drawing/2017/decorative" xmlns="" val="1"/>
+                <adec:decorative xmlns="" xmlns:adec="http://schemas.microsoft.com/office/drawing/2017/decorative" val="1"/>
               </a:ext>
             </a:extLst>
           </p:cNvPr>
@@ -25901,7 +25902,7 @@
           <p:nvPr>
             <p:extLst>
               <p:ext uri="{386F3935-93C4-4BCD-93E2-E3B085C9AB24}">
-                <p16:designElem xmlns:p16="http://schemas.microsoft.com/office/powerpoint/2015/main" xmlns="" val="1"/>
+                <p16:designElem xmlns="" xmlns:p16="http://schemas.microsoft.com/office/powerpoint/2015/main" val="1"/>
               </p:ext>
             </p:extLst>
           </p:nvPr>
@@ -25919,10 +25920,10 @@
             <p:cNvPr id="33" name="Freeform 6">
               <a:extLst>
                 <a:ext uri="{FF2B5EF4-FFF2-40B4-BE49-F238E27FC236}">
-                  <a16:creationId xmlns:a16="http://schemas.microsoft.com/office/drawing/2014/main" xmlns="" id="{99A4E160-6CFD-4514-9E20-CA6692CCDB9C}"/>
+                  <a16:creationId xmlns="" xmlns:a16="http://schemas.microsoft.com/office/drawing/2014/main" id="{99A4E160-6CFD-4514-9E20-CA6692CCDB9C}"/>
                 </a:ext>
                 <a:ext uri="{C183D7F6-B498-43B3-948B-1728B52AA6E4}">
-                  <adec:decorative xmlns:adec="http://schemas.microsoft.com/office/drawing/2017/decorative" xmlns="" val="1"/>
+                  <adec:decorative xmlns="" xmlns:adec="http://schemas.microsoft.com/office/drawing/2017/decorative" val="1"/>
                 </a:ext>
               </a:extLst>
             </p:cNvPr>
@@ -25930,7 +25931,7 @@
             <p:nvPr>
               <p:extLst>
                 <p:ext uri="{386F3935-93C4-4BCD-93E2-E3B085C9AB24}">
-                  <p16:designElem xmlns:p16="http://schemas.microsoft.com/office/powerpoint/2015/main" xmlns="" val="1"/>
+                  <p16:designElem xmlns="" xmlns:p16="http://schemas.microsoft.com/office/powerpoint/2015/main" val="1"/>
                 </p:ext>
               </p:extLst>
             </p:nvPr>
@@ -25980,10 +25981,10 @@
             <p:cNvPr id="34" name="Freeform 7">
               <a:extLst>
                 <a:ext uri="{FF2B5EF4-FFF2-40B4-BE49-F238E27FC236}">
-                  <a16:creationId xmlns:a16="http://schemas.microsoft.com/office/drawing/2014/main" xmlns="" id="{3DCD16F5-8D15-45FD-BA62-ADAC08183A27}"/>
+                  <a16:creationId xmlns="" xmlns:a16="http://schemas.microsoft.com/office/drawing/2014/main" id="{3DCD16F5-8D15-45FD-BA62-ADAC08183A27}"/>
                 </a:ext>
                 <a:ext uri="{C183D7F6-B498-43B3-948B-1728B52AA6E4}">
-                  <adec:decorative xmlns:adec="http://schemas.microsoft.com/office/drawing/2017/decorative" xmlns="" val="1"/>
+                  <adec:decorative xmlns="" xmlns:adec="http://schemas.microsoft.com/office/drawing/2017/decorative" val="1"/>
                 </a:ext>
               </a:extLst>
             </p:cNvPr>
@@ -25991,7 +25992,7 @@
             <p:nvPr>
               <p:extLst>
                 <p:ext uri="{386F3935-93C4-4BCD-93E2-E3B085C9AB24}">
-                  <p16:designElem xmlns:p16="http://schemas.microsoft.com/office/powerpoint/2015/main" xmlns="" val="1"/>
+                  <p16:designElem xmlns="" xmlns:p16="http://schemas.microsoft.com/office/powerpoint/2015/main" val="1"/>
                 </p:ext>
               </p:extLst>
             </p:nvPr>
@@ -26044,10 +26045,10 @@
             <p:cNvPr id="35" name="Freeform 8">
               <a:extLst>
                 <a:ext uri="{FF2B5EF4-FFF2-40B4-BE49-F238E27FC236}">
-                  <a16:creationId xmlns:a16="http://schemas.microsoft.com/office/drawing/2014/main" xmlns="" id="{E7CFAF28-6FDA-4C2C-BE51-123D1115F75C}"/>
+                  <a16:creationId xmlns="" xmlns:a16="http://schemas.microsoft.com/office/drawing/2014/main" id="{E7CFAF28-6FDA-4C2C-BE51-123D1115F75C}"/>
                 </a:ext>
                 <a:ext uri="{C183D7F6-B498-43B3-948B-1728B52AA6E4}">
-                  <adec:decorative xmlns:adec="http://schemas.microsoft.com/office/drawing/2017/decorative" xmlns="" val="1"/>
+                  <adec:decorative xmlns="" xmlns:adec="http://schemas.microsoft.com/office/drawing/2017/decorative" val="1"/>
                 </a:ext>
               </a:extLst>
             </p:cNvPr>
@@ -26055,7 +26056,7 @@
             <p:nvPr>
               <p:extLst>
                 <p:ext uri="{386F3935-93C4-4BCD-93E2-E3B085C9AB24}">
-                  <p16:designElem xmlns:p16="http://schemas.microsoft.com/office/powerpoint/2015/main" xmlns="" val="1"/>
+                  <p16:designElem xmlns="" xmlns:p16="http://schemas.microsoft.com/office/powerpoint/2015/main" val="1"/>
                 </p:ext>
               </p:extLst>
             </p:nvPr>
@@ -26105,10 +26106,10 @@
             <p:cNvPr id="36" name="Freeform 9">
               <a:extLst>
                 <a:ext uri="{FF2B5EF4-FFF2-40B4-BE49-F238E27FC236}">
-                  <a16:creationId xmlns:a16="http://schemas.microsoft.com/office/drawing/2014/main" xmlns="" id="{1FD12703-0627-4991-B2A4-F96519F90863}"/>
+                  <a16:creationId xmlns="" xmlns:a16="http://schemas.microsoft.com/office/drawing/2014/main" id="{1FD12703-0627-4991-B2A4-F96519F90863}"/>
                 </a:ext>
                 <a:ext uri="{C183D7F6-B498-43B3-948B-1728B52AA6E4}">
-                  <adec:decorative xmlns:adec="http://schemas.microsoft.com/office/drawing/2017/decorative" xmlns="" val="1"/>
+                  <adec:decorative xmlns="" xmlns:adec="http://schemas.microsoft.com/office/drawing/2017/decorative" val="1"/>
                 </a:ext>
               </a:extLst>
             </p:cNvPr>
@@ -26116,7 +26117,7 @@
             <p:nvPr>
               <p:extLst>
                 <p:ext uri="{386F3935-93C4-4BCD-93E2-E3B085C9AB24}">
-                  <p16:designElem xmlns:p16="http://schemas.microsoft.com/office/powerpoint/2015/main" xmlns="" val="1"/>
+                  <p16:designElem xmlns="" xmlns:p16="http://schemas.microsoft.com/office/powerpoint/2015/main" val="1"/>
                 </p:ext>
               </p:extLst>
             </p:nvPr>
@@ -26165,10 +26166,10 @@
             <p:cNvPr id="37" name="Freeform 10">
               <a:extLst>
                 <a:ext uri="{FF2B5EF4-FFF2-40B4-BE49-F238E27FC236}">
-                  <a16:creationId xmlns:a16="http://schemas.microsoft.com/office/drawing/2014/main" xmlns="" id="{A5758E0B-DF61-40A8-B765-BC6841906A9A}"/>
+                  <a16:creationId xmlns="" xmlns:a16="http://schemas.microsoft.com/office/drawing/2014/main" id="{A5758E0B-DF61-40A8-B765-BC6841906A9A}"/>
                 </a:ext>
                 <a:ext uri="{C183D7F6-B498-43B3-948B-1728B52AA6E4}">
-                  <adec:decorative xmlns:adec="http://schemas.microsoft.com/office/drawing/2017/decorative" xmlns="" val="1"/>
+                  <adec:decorative xmlns="" xmlns:adec="http://schemas.microsoft.com/office/drawing/2017/decorative" val="1"/>
                 </a:ext>
               </a:extLst>
             </p:cNvPr>
@@ -26176,7 +26177,7 @@
             <p:nvPr>
               <p:extLst>
                 <p:ext uri="{386F3935-93C4-4BCD-93E2-E3B085C9AB24}">
-                  <p16:designElem xmlns:p16="http://schemas.microsoft.com/office/powerpoint/2015/main" xmlns="" val="1"/>
+                  <p16:designElem xmlns="" xmlns:p16="http://schemas.microsoft.com/office/powerpoint/2015/main" val="1"/>
                 </p:ext>
               </p:extLst>
             </p:nvPr>
@@ -26231,10 +26232,10 @@
             <p:cNvPr id="38" name="Freeform 11">
               <a:extLst>
                 <a:ext uri="{FF2B5EF4-FFF2-40B4-BE49-F238E27FC236}">
-                  <a16:creationId xmlns:a16="http://schemas.microsoft.com/office/drawing/2014/main" xmlns="" id="{3E063A1F-9566-4436-B4E3-2890FBBC2CCB}"/>
+                  <a16:creationId xmlns="" xmlns:a16="http://schemas.microsoft.com/office/drawing/2014/main" id="{3E063A1F-9566-4436-B4E3-2890FBBC2CCB}"/>
                 </a:ext>
                 <a:ext uri="{C183D7F6-B498-43B3-948B-1728B52AA6E4}">
-                  <adec:decorative xmlns:adec="http://schemas.microsoft.com/office/drawing/2017/decorative" xmlns="" val="1"/>
+                  <adec:decorative xmlns="" xmlns:adec="http://schemas.microsoft.com/office/drawing/2017/decorative" val="1"/>
                 </a:ext>
               </a:extLst>
             </p:cNvPr>
@@ -26242,7 +26243,7 @@
             <p:nvPr>
               <p:extLst>
                 <p:ext uri="{386F3935-93C4-4BCD-93E2-E3B085C9AB24}">
-                  <p16:designElem xmlns:p16="http://schemas.microsoft.com/office/powerpoint/2015/main" xmlns="" val="1"/>
+                  <p16:designElem xmlns="" xmlns:p16="http://schemas.microsoft.com/office/powerpoint/2015/main" val="1"/>
                 </p:ext>
               </p:extLst>
             </p:nvPr>
@@ -26311,10 +26312,10 @@
           <p:cNvPr id="40" name="Group 39">
             <a:extLst>
               <a:ext uri="{FF2B5EF4-FFF2-40B4-BE49-F238E27FC236}">
-                <a16:creationId xmlns:a16="http://schemas.microsoft.com/office/drawing/2014/main" xmlns="" id="{DF8D5C46-63E5-40C5-A208-4B2189FA1032}"/>
+                <a16:creationId xmlns="" xmlns:a16="http://schemas.microsoft.com/office/drawing/2014/main" id="{DF8D5C46-63E5-40C5-A208-4B2189FA1032}"/>
               </a:ext>
               <a:ext uri="{C183D7F6-B498-43B3-948B-1728B52AA6E4}">
-                <adec:decorative xmlns:adec="http://schemas.microsoft.com/office/drawing/2017/decorative" xmlns="" val="1"/>
+                <adec:decorative xmlns="" xmlns:adec="http://schemas.microsoft.com/office/drawing/2017/decorative" val="1"/>
               </a:ext>
             </a:extLst>
           </p:cNvPr>
@@ -26324,7 +26325,7 @@
           <p:nvPr>
             <p:extLst>
               <p:ext uri="{386F3935-93C4-4BCD-93E2-E3B085C9AB24}">
-                <p16:designElem xmlns:p16="http://schemas.microsoft.com/office/powerpoint/2015/main" xmlns="" val="1"/>
+                <p16:designElem xmlns="" xmlns:p16="http://schemas.microsoft.com/office/powerpoint/2015/main" val="1"/>
               </p:ext>
             </p:extLst>
           </p:nvPr>
@@ -26342,10 +26343,10 @@
             <p:cNvPr id="41" name="Freeform 6">
               <a:extLst>
                 <a:ext uri="{FF2B5EF4-FFF2-40B4-BE49-F238E27FC236}">
-                  <a16:creationId xmlns:a16="http://schemas.microsoft.com/office/drawing/2014/main" xmlns="" id="{4A42B4ED-376E-46C3-8BB2-EAFC660D112B}"/>
+                  <a16:creationId xmlns="" xmlns:a16="http://schemas.microsoft.com/office/drawing/2014/main" id="{4A42B4ED-376E-46C3-8BB2-EAFC660D112B}"/>
                 </a:ext>
                 <a:ext uri="{C183D7F6-B498-43B3-948B-1728B52AA6E4}">
-                  <adec:decorative xmlns:adec="http://schemas.microsoft.com/office/drawing/2017/decorative" xmlns="" val="1"/>
+                  <adec:decorative xmlns="" xmlns:adec="http://schemas.microsoft.com/office/drawing/2017/decorative" val="1"/>
                 </a:ext>
               </a:extLst>
             </p:cNvPr>
@@ -26353,7 +26354,7 @@
             <p:nvPr>
               <p:extLst>
                 <p:ext uri="{386F3935-93C4-4BCD-93E2-E3B085C9AB24}">
-                  <p16:designElem xmlns:p16="http://schemas.microsoft.com/office/powerpoint/2015/main" xmlns="" val="1"/>
+                  <p16:designElem xmlns="" xmlns:p16="http://schemas.microsoft.com/office/powerpoint/2015/main" val="1"/>
                 </p:ext>
               </p:extLst>
             </p:nvPr>
@@ -26403,10 +26404,10 @@
             <p:cNvPr id="42" name="Freeform 7">
               <a:extLst>
                 <a:ext uri="{FF2B5EF4-FFF2-40B4-BE49-F238E27FC236}">
-                  <a16:creationId xmlns:a16="http://schemas.microsoft.com/office/drawing/2014/main" xmlns="" id="{94E0795D-42C3-4DFD-AEB0-286A1CF143FC}"/>
+                  <a16:creationId xmlns="" xmlns:a16="http://schemas.microsoft.com/office/drawing/2014/main" id="{94E0795D-42C3-4DFD-AEB0-286A1CF143FC}"/>
                 </a:ext>
                 <a:ext uri="{C183D7F6-B498-43B3-948B-1728B52AA6E4}">
-                  <adec:decorative xmlns:adec="http://schemas.microsoft.com/office/drawing/2017/decorative" xmlns="" val="1"/>
+                  <adec:decorative xmlns="" xmlns:adec="http://schemas.microsoft.com/office/drawing/2017/decorative" val="1"/>
                 </a:ext>
               </a:extLst>
             </p:cNvPr>
@@ -26414,7 +26415,7 @@
             <p:nvPr>
               <p:extLst>
                 <p:ext uri="{386F3935-93C4-4BCD-93E2-E3B085C9AB24}">
-                  <p16:designElem xmlns:p16="http://schemas.microsoft.com/office/powerpoint/2015/main" xmlns="" val="1"/>
+                  <p16:designElem xmlns="" xmlns:p16="http://schemas.microsoft.com/office/powerpoint/2015/main" val="1"/>
                 </p:ext>
               </p:extLst>
             </p:nvPr>
@@ -26467,10 +26468,10 @@
             <p:cNvPr id="43" name="Freeform 8">
               <a:extLst>
                 <a:ext uri="{FF2B5EF4-FFF2-40B4-BE49-F238E27FC236}">
-                  <a16:creationId xmlns:a16="http://schemas.microsoft.com/office/drawing/2014/main" xmlns="" id="{A2ACED1B-99D0-4C14-B63B-963889DCDBC2}"/>
+                  <a16:creationId xmlns="" xmlns:a16="http://schemas.microsoft.com/office/drawing/2014/main" id="{A2ACED1B-99D0-4C14-B63B-963889DCDBC2}"/>
                 </a:ext>
                 <a:ext uri="{C183D7F6-B498-43B3-948B-1728B52AA6E4}">
-                  <adec:decorative xmlns:adec="http://schemas.microsoft.com/office/drawing/2017/decorative" xmlns="" val="1"/>
+                  <adec:decorative xmlns="" xmlns:adec="http://schemas.microsoft.com/office/drawing/2017/decorative" val="1"/>
                 </a:ext>
               </a:extLst>
             </p:cNvPr>
@@ -26478,7 +26479,7 @@
             <p:nvPr>
               <p:extLst>
                 <p:ext uri="{386F3935-93C4-4BCD-93E2-E3B085C9AB24}">
-                  <p16:designElem xmlns:p16="http://schemas.microsoft.com/office/powerpoint/2015/main" xmlns="" val="1"/>
+                  <p16:designElem xmlns="" xmlns:p16="http://schemas.microsoft.com/office/powerpoint/2015/main" val="1"/>
                 </p:ext>
               </p:extLst>
             </p:nvPr>
@@ -26528,10 +26529,10 @@
             <p:cNvPr id="44" name="Freeform 9">
               <a:extLst>
                 <a:ext uri="{FF2B5EF4-FFF2-40B4-BE49-F238E27FC236}">
-                  <a16:creationId xmlns:a16="http://schemas.microsoft.com/office/drawing/2014/main" xmlns="" id="{5C5D324F-33A3-4C66-BFE5-1742CA4E5940}"/>
+                  <a16:creationId xmlns="" xmlns:a16="http://schemas.microsoft.com/office/drawing/2014/main" id="{5C5D324F-33A3-4C66-BFE5-1742CA4E5940}"/>
                 </a:ext>
                 <a:ext uri="{C183D7F6-B498-43B3-948B-1728B52AA6E4}">
-                  <adec:decorative xmlns:adec="http://schemas.microsoft.com/office/drawing/2017/decorative" xmlns="" val="1"/>
+                  <adec:decorative xmlns="" xmlns:adec="http://schemas.microsoft.com/office/drawing/2017/decorative" val="1"/>
                 </a:ext>
               </a:extLst>
             </p:cNvPr>
@@ -26539,7 +26540,7 @@
             <p:nvPr>
               <p:extLst>
                 <p:ext uri="{386F3935-93C4-4BCD-93E2-E3B085C9AB24}">
-                  <p16:designElem xmlns:p16="http://schemas.microsoft.com/office/powerpoint/2015/main" xmlns="" val="1"/>
+                  <p16:designElem xmlns="" xmlns:p16="http://schemas.microsoft.com/office/powerpoint/2015/main" val="1"/>
                 </p:ext>
               </p:extLst>
             </p:nvPr>
@@ -26588,10 +26589,10 @@
             <p:cNvPr id="45" name="Freeform 10">
               <a:extLst>
                 <a:ext uri="{FF2B5EF4-FFF2-40B4-BE49-F238E27FC236}">
-                  <a16:creationId xmlns:a16="http://schemas.microsoft.com/office/drawing/2014/main" xmlns="" id="{EC572FC8-A465-4BA3-BA4D-2EC538C042AD}"/>
+                  <a16:creationId xmlns="" xmlns:a16="http://schemas.microsoft.com/office/drawing/2014/main" id="{EC572FC8-A465-4BA3-BA4D-2EC538C042AD}"/>
                 </a:ext>
                 <a:ext uri="{C183D7F6-B498-43B3-948B-1728B52AA6E4}">
-                  <adec:decorative xmlns:adec="http://schemas.microsoft.com/office/drawing/2017/decorative" xmlns="" val="1"/>
+                  <adec:decorative xmlns="" xmlns:adec="http://schemas.microsoft.com/office/drawing/2017/decorative" val="1"/>
                 </a:ext>
               </a:extLst>
             </p:cNvPr>
@@ -26599,7 +26600,7 @@
             <p:nvPr>
               <p:extLst>
                 <p:ext uri="{386F3935-93C4-4BCD-93E2-E3B085C9AB24}">
-                  <p16:designElem xmlns:p16="http://schemas.microsoft.com/office/powerpoint/2015/main" xmlns="" val="1"/>
+                  <p16:designElem xmlns="" xmlns:p16="http://schemas.microsoft.com/office/powerpoint/2015/main" val="1"/>
                 </p:ext>
               </p:extLst>
             </p:nvPr>
@@ -26654,10 +26655,10 @@
             <p:cNvPr id="46" name="Freeform 11">
               <a:extLst>
                 <a:ext uri="{FF2B5EF4-FFF2-40B4-BE49-F238E27FC236}">
-                  <a16:creationId xmlns:a16="http://schemas.microsoft.com/office/drawing/2014/main" xmlns="" id="{66CC2B15-8E3B-4CFF-99E4-5B4E4D8CF933}"/>
+                  <a16:creationId xmlns="" xmlns:a16="http://schemas.microsoft.com/office/drawing/2014/main" id="{66CC2B15-8E3B-4CFF-99E4-5B4E4D8CF933}"/>
                 </a:ext>
                 <a:ext uri="{C183D7F6-B498-43B3-948B-1728B52AA6E4}">
-                  <adec:decorative xmlns:adec="http://schemas.microsoft.com/office/drawing/2017/decorative" xmlns="" val="1"/>
+                  <adec:decorative xmlns="" xmlns:adec="http://schemas.microsoft.com/office/drawing/2017/decorative" val="1"/>
                 </a:ext>
               </a:extLst>
             </p:cNvPr>
@@ -26665,7 +26666,7 @@
             <p:nvPr>
               <p:extLst>
                 <p:ext uri="{386F3935-93C4-4BCD-93E2-E3B085C9AB24}">
-                  <p16:designElem xmlns:p16="http://schemas.microsoft.com/office/powerpoint/2015/main" xmlns="" val="1"/>
+                  <p16:designElem xmlns="" xmlns:p16="http://schemas.microsoft.com/office/powerpoint/2015/main" val="1"/>
                 </p:ext>
               </p:extLst>
             </p:nvPr>
@@ -26734,7 +26735,7 @@
           <p:cNvPr id="2" name="Title 1">
             <a:extLst>
               <a:ext uri="{FF2B5EF4-FFF2-40B4-BE49-F238E27FC236}">
-                <a16:creationId xmlns:a16="http://schemas.microsoft.com/office/drawing/2014/main" xmlns="" id="{73694081-56A5-414C-A09C-0308AD543862}"/>
+                <a16:creationId xmlns="" xmlns:a16="http://schemas.microsoft.com/office/drawing/2014/main" id="{73694081-56A5-414C-A09C-0308AD543862}"/>
               </a:ext>
             </a:extLst>
           </p:cNvPr>
@@ -26769,7 +26770,7 @@
           <p:cNvPr id="3" name="Content Placeholder 2">
             <a:extLst>
               <a:ext uri="{FF2B5EF4-FFF2-40B4-BE49-F238E27FC236}">
-                <a16:creationId xmlns:a16="http://schemas.microsoft.com/office/drawing/2014/main" xmlns="" id="{E7444C4F-ABE5-3348-9F01-1F2FC5A10A64}"/>
+                <a16:creationId xmlns="" xmlns:a16="http://schemas.microsoft.com/office/drawing/2014/main" id="{E7444C4F-ABE5-3348-9F01-1F2FC5A10A64}"/>
               </a:ext>
             </a:extLst>
           </p:cNvPr>
@@ -26810,10 +26811,10 @@
           <p:cNvPr id="48" name="Rounded Rectangle 16">
             <a:extLst>
               <a:ext uri="{FF2B5EF4-FFF2-40B4-BE49-F238E27FC236}">
-                <a16:creationId xmlns:a16="http://schemas.microsoft.com/office/drawing/2014/main" xmlns="" id="{63A60C88-7443-4827-9241-5019758CB4F0}"/>
+                <a16:creationId xmlns="" xmlns:a16="http://schemas.microsoft.com/office/drawing/2014/main" id="{63A60C88-7443-4827-9241-5019758CB4F0}"/>
               </a:ext>
               <a:ext uri="{C183D7F6-B498-43B3-948B-1728B52AA6E4}">
-                <adec:decorative xmlns:adec="http://schemas.microsoft.com/office/drawing/2017/decorative" xmlns="" val="1"/>
+                <adec:decorative xmlns="" xmlns:adec="http://schemas.microsoft.com/office/drawing/2017/decorative" val="1"/>
               </a:ext>
             </a:extLst>
           </p:cNvPr>
@@ -26823,7 +26824,7 @@
           <p:nvPr>
             <p:extLst>
               <p:ext uri="{386F3935-93C4-4BCD-93E2-E3B085C9AB24}">
-                <p16:designElem xmlns:p16="http://schemas.microsoft.com/office/powerpoint/2015/main" xmlns="" val="1"/>
+                <p16:designElem xmlns="" xmlns:p16="http://schemas.microsoft.com/office/powerpoint/2015/main" val="1"/>
               </p:ext>
             </p:extLst>
           </p:nvPr>
@@ -26895,7 +26896,7 @@
           <p:cNvPr id="6" name="Content Placeholder 5" descr="Graphical user interface, text, application, email&#10;&#10;Description automatically generated">
             <a:extLst>
               <a:ext uri="{FF2B5EF4-FFF2-40B4-BE49-F238E27FC236}">
-                <a16:creationId xmlns:a16="http://schemas.microsoft.com/office/drawing/2014/main" xmlns="" id="{8D551CE5-8F97-3547-96E4-825B35CC15A4}"/>
+                <a16:creationId xmlns="" xmlns:a16="http://schemas.microsoft.com/office/drawing/2014/main" id="{8D551CE5-8F97-3547-96E4-825B35CC15A4}"/>
               </a:ext>
             </a:extLst>
           </p:cNvPr>
@@ -26933,7 +26934,7 @@
           <p:cNvPr id="20" name="TextBox 19">
             <a:extLst>
               <a:ext uri="{FF2B5EF4-FFF2-40B4-BE49-F238E27FC236}">
-                <a16:creationId xmlns:a16="http://schemas.microsoft.com/office/drawing/2014/main" xmlns="" id="{42C1A88A-ABD8-8B45-9500-E551FAB8E06F}"/>
+                <a16:creationId xmlns="" xmlns:a16="http://schemas.microsoft.com/office/drawing/2014/main" id="{42C1A88A-ABD8-8B45-9500-E551FAB8E06F}"/>
               </a:ext>
             </a:extLst>
           </p:cNvPr>
@@ -27019,10 +27020,10 @@
           <p:cNvPr id="47" name="Group 31">
             <a:extLst>
               <a:ext uri="{FF2B5EF4-FFF2-40B4-BE49-F238E27FC236}">
-                <a16:creationId xmlns:a16="http://schemas.microsoft.com/office/drawing/2014/main" xmlns="" id="{260ACC13-B825-49F3-93DE-C8B8F2FA37A1}"/>
+                <a16:creationId xmlns="" xmlns:a16="http://schemas.microsoft.com/office/drawing/2014/main" id="{260ACC13-B825-49F3-93DE-C8B8F2FA37A1}"/>
               </a:ext>
               <a:ext uri="{C183D7F6-B498-43B3-948B-1728B52AA6E4}">
-                <adec:decorative xmlns:adec="http://schemas.microsoft.com/office/drawing/2017/decorative" xmlns="" val="1"/>
+                <adec:decorative xmlns="" xmlns:adec="http://schemas.microsoft.com/office/drawing/2017/decorative" val="1"/>
               </a:ext>
             </a:extLst>
           </p:cNvPr>
@@ -27032,7 +27033,7 @@
           <p:nvPr>
             <p:extLst>
               <p:ext uri="{386F3935-93C4-4BCD-93E2-E3B085C9AB24}">
-                <p16:designElem xmlns:p16="http://schemas.microsoft.com/office/powerpoint/2015/main" xmlns="" val="1"/>
+                <p16:designElem xmlns="" xmlns:p16="http://schemas.microsoft.com/office/powerpoint/2015/main" val="1"/>
               </p:ext>
             </p:extLst>
           </p:nvPr>
@@ -27050,10 +27051,10 @@
             <p:cNvPr id="33" name="Freeform 6">
               <a:extLst>
                 <a:ext uri="{FF2B5EF4-FFF2-40B4-BE49-F238E27FC236}">
-                  <a16:creationId xmlns:a16="http://schemas.microsoft.com/office/drawing/2014/main" xmlns="" id="{F947B31F-CA03-4793-845D-FD86BABC1A18}"/>
+                  <a16:creationId xmlns="" xmlns:a16="http://schemas.microsoft.com/office/drawing/2014/main" id="{F947B31F-CA03-4793-845D-FD86BABC1A18}"/>
                 </a:ext>
                 <a:ext uri="{C183D7F6-B498-43B3-948B-1728B52AA6E4}">
-                  <adec:decorative xmlns:adec="http://schemas.microsoft.com/office/drawing/2017/decorative" xmlns="" val="1"/>
+                  <adec:decorative xmlns="" xmlns:adec="http://schemas.microsoft.com/office/drawing/2017/decorative" val="1"/>
                 </a:ext>
               </a:extLst>
             </p:cNvPr>
@@ -27061,7 +27062,7 @@
             <p:nvPr>
               <p:extLst>
                 <p:ext uri="{386F3935-93C4-4BCD-93E2-E3B085C9AB24}">
-                  <p16:designElem xmlns:p16="http://schemas.microsoft.com/office/powerpoint/2015/main" xmlns="" val="1"/>
+                  <p16:designElem xmlns="" xmlns:p16="http://schemas.microsoft.com/office/powerpoint/2015/main" val="1"/>
                 </p:ext>
               </p:extLst>
             </p:nvPr>
@@ -27111,10 +27112,10 @@
             <p:cNvPr id="34" name="Freeform 7">
               <a:extLst>
                 <a:ext uri="{FF2B5EF4-FFF2-40B4-BE49-F238E27FC236}">
-                  <a16:creationId xmlns:a16="http://schemas.microsoft.com/office/drawing/2014/main" xmlns="" id="{DCDDE94D-F78C-4A48-AEA6-E922FC99A159}"/>
+                  <a16:creationId xmlns="" xmlns:a16="http://schemas.microsoft.com/office/drawing/2014/main" id="{DCDDE94D-F78C-4A48-AEA6-E922FC99A159}"/>
                 </a:ext>
                 <a:ext uri="{C183D7F6-B498-43B3-948B-1728B52AA6E4}">
-                  <adec:decorative xmlns:adec="http://schemas.microsoft.com/office/drawing/2017/decorative" xmlns="" val="1"/>
+                  <adec:decorative xmlns="" xmlns:adec="http://schemas.microsoft.com/office/drawing/2017/decorative" val="1"/>
                 </a:ext>
               </a:extLst>
             </p:cNvPr>
@@ -27122,7 +27123,7 @@
             <p:nvPr>
               <p:extLst>
                 <p:ext uri="{386F3935-93C4-4BCD-93E2-E3B085C9AB24}">
-                  <p16:designElem xmlns:p16="http://schemas.microsoft.com/office/powerpoint/2015/main" xmlns="" val="1"/>
+                  <p16:designElem xmlns="" xmlns:p16="http://schemas.microsoft.com/office/powerpoint/2015/main" val="1"/>
                 </p:ext>
               </p:extLst>
             </p:nvPr>
@@ -27175,10 +27176,10 @@
             <p:cNvPr id="35" name="Freeform 8">
               <a:extLst>
                 <a:ext uri="{FF2B5EF4-FFF2-40B4-BE49-F238E27FC236}">
-                  <a16:creationId xmlns:a16="http://schemas.microsoft.com/office/drawing/2014/main" xmlns="" id="{3445A886-F3CA-4DE4-90D7-535F9707B799}"/>
+                  <a16:creationId xmlns="" xmlns:a16="http://schemas.microsoft.com/office/drawing/2014/main" id="{3445A886-F3CA-4DE4-90D7-535F9707B799}"/>
                 </a:ext>
                 <a:ext uri="{C183D7F6-B498-43B3-948B-1728B52AA6E4}">
-                  <adec:decorative xmlns:adec="http://schemas.microsoft.com/office/drawing/2017/decorative" xmlns="" val="1"/>
+                  <adec:decorative xmlns="" xmlns:adec="http://schemas.microsoft.com/office/drawing/2017/decorative" val="1"/>
                 </a:ext>
               </a:extLst>
             </p:cNvPr>
@@ -27186,7 +27187,7 @@
             <p:nvPr>
               <p:extLst>
                 <p:ext uri="{386F3935-93C4-4BCD-93E2-E3B085C9AB24}">
-                  <p16:designElem xmlns:p16="http://schemas.microsoft.com/office/powerpoint/2015/main" xmlns="" val="1"/>
+                  <p16:designElem xmlns="" xmlns:p16="http://schemas.microsoft.com/office/powerpoint/2015/main" val="1"/>
                 </p:ext>
               </p:extLst>
             </p:nvPr>
@@ -27236,10 +27237,10 @@
             <p:cNvPr id="36" name="Freeform 9">
               <a:extLst>
                 <a:ext uri="{FF2B5EF4-FFF2-40B4-BE49-F238E27FC236}">
-                  <a16:creationId xmlns:a16="http://schemas.microsoft.com/office/drawing/2014/main" xmlns="" id="{A8999CB6-C053-418B-AE37-E470804D251D}"/>
+                  <a16:creationId xmlns="" xmlns:a16="http://schemas.microsoft.com/office/drawing/2014/main" id="{A8999CB6-C053-418B-AE37-E470804D251D}"/>
                 </a:ext>
                 <a:ext uri="{C183D7F6-B498-43B3-948B-1728B52AA6E4}">
-                  <adec:decorative xmlns:adec="http://schemas.microsoft.com/office/drawing/2017/decorative" xmlns="" val="1"/>
+                  <adec:decorative xmlns="" xmlns:adec="http://schemas.microsoft.com/office/drawing/2017/decorative" val="1"/>
                 </a:ext>
               </a:extLst>
             </p:cNvPr>
@@ -27247,7 +27248,7 @@
             <p:nvPr>
               <p:extLst>
                 <p:ext uri="{386F3935-93C4-4BCD-93E2-E3B085C9AB24}">
-                  <p16:designElem xmlns:p16="http://schemas.microsoft.com/office/powerpoint/2015/main" xmlns="" val="1"/>
+                  <p16:designElem xmlns="" xmlns:p16="http://schemas.microsoft.com/office/powerpoint/2015/main" val="1"/>
                 </p:ext>
               </p:extLst>
             </p:nvPr>
@@ -27296,10 +27297,10 @@
             <p:cNvPr id="37" name="Freeform 10">
               <a:extLst>
                 <a:ext uri="{FF2B5EF4-FFF2-40B4-BE49-F238E27FC236}">
-                  <a16:creationId xmlns:a16="http://schemas.microsoft.com/office/drawing/2014/main" xmlns="" id="{81EA3E26-BFCD-4396-AE8A-2A9828BFFBA2}"/>
+                  <a16:creationId xmlns="" xmlns:a16="http://schemas.microsoft.com/office/drawing/2014/main" id="{81EA3E26-BFCD-4396-AE8A-2A9828BFFBA2}"/>
                 </a:ext>
                 <a:ext uri="{C183D7F6-B498-43B3-948B-1728B52AA6E4}">
-                  <adec:decorative xmlns:adec="http://schemas.microsoft.com/office/drawing/2017/decorative" xmlns="" val="1"/>
+                  <adec:decorative xmlns="" xmlns:adec="http://schemas.microsoft.com/office/drawing/2017/decorative" val="1"/>
                 </a:ext>
               </a:extLst>
             </p:cNvPr>
@@ -27307,7 +27308,7 @@
             <p:nvPr>
               <p:extLst>
                 <p:ext uri="{386F3935-93C4-4BCD-93E2-E3B085C9AB24}">
-                  <p16:designElem xmlns:p16="http://schemas.microsoft.com/office/powerpoint/2015/main" xmlns="" val="1"/>
+                  <p16:designElem xmlns="" xmlns:p16="http://schemas.microsoft.com/office/powerpoint/2015/main" val="1"/>
                 </p:ext>
               </p:extLst>
             </p:nvPr>
@@ -27362,10 +27363,10 @@
             <p:cNvPr id="38" name="Freeform 11">
               <a:extLst>
                 <a:ext uri="{FF2B5EF4-FFF2-40B4-BE49-F238E27FC236}">
-                  <a16:creationId xmlns:a16="http://schemas.microsoft.com/office/drawing/2014/main" xmlns="" id="{5F9BC582-73A6-4D8A-8738-E36476489351}"/>
+                  <a16:creationId xmlns="" xmlns:a16="http://schemas.microsoft.com/office/drawing/2014/main" id="{5F9BC582-73A6-4D8A-8738-E36476489351}"/>
                 </a:ext>
                 <a:ext uri="{C183D7F6-B498-43B3-948B-1728B52AA6E4}">
-                  <adec:decorative xmlns:adec="http://schemas.microsoft.com/office/drawing/2017/decorative" xmlns="" val="1"/>
+                  <adec:decorative xmlns="" xmlns:adec="http://schemas.microsoft.com/office/drawing/2017/decorative" val="1"/>
                 </a:ext>
               </a:extLst>
             </p:cNvPr>
@@ -27373,7 +27374,7 @@
             <p:nvPr>
               <p:extLst>
                 <p:ext uri="{386F3935-93C4-4BCD-93E2-E3B085C9AB24}">
-                  <p16:designElem xmlns:p16="http://schemas.microsoft.com/office/powerpoint/2015/main" xmlns="" val="1"/>
+                  <p16:designElem xmlns="" xmlns:p16="http://schemas.microsoft.com/office/powerpoint/2015/main" val="1"/>
                 </p:ext>
               </p:extLst>
             </p:nvPr>
@@ -27442,10 +27443,10 @@
           <p:cNvPr id="40" name="Group 39">
             <a:extLst>
               <a:ext uri="{FF2B5EF4-FFF2-40B4-BE49-F238E27FC236}">
-                <a16:creationId xmlns:a16="http://schemas.microsoft.com/office/drawing/2014/main" xmlns="" id="{A2E861A3-F23C-46B8-A38A-4A22E453D993}"/>
+                <a16:creationId xmlns="" xmlns:a16="http://schemas.microsoft.com/office/drawing/2014/main" id="{A2E861A3-F23C-46B8-A38A-4A22E453D993}"/>
               </a:ext>
               <a:ext uri="{C183D7F6-B498-43B3-948B-1728B52AA6E4}">
-                <adec:decorative xmlns:adec="http://schemas.microsoft.com/office/drawing/2017/decorative" xmlns="" val="1"/>
+                <adec:decorative xmlns="" xmlns:adec="http://schemas.microsoft.com/office/drawing/2017/decorative" val="1"/>
               </a:ext>
             </a:extLst>
           </p:cNvPr>
@@ -27455,7 +27456,7 @@
           <p:nvPr>
             <p:extLst>
               <p:ext uri="{386F3935-93C4-4BCD-93E2-E3B085C9AB24}">
-                <p16:designElem xmlns:p16="http://schemas.microsoft.com/office/powerpoint/2015/main" xmlns="" val="1"/>
+                <p16:designElem xmlns="" xmlns:p16="http://schemas.microsoft.com/office/powerpoint/2015/main" val="1"/>
               </p:ext>
             </p:extLst>
           </p:nvPr>
@@ -27473,10 +27474,10 @@
             <p:cNvPr id="41" name="Freeform 6">
               <a:extLst>
                 <a:ext uri="{FF2B5EF4-FFF2-40B4-BE49-F238E27FC236}">
-                  <a16:creationId xmlns:a16="http://schemas.microsoft.com/office/drawing/2014/main" xmlns="" id="{8BC3D220-643B-4160-B5A9-59DF5D21F410}"/>
+                  <a16:creationId xmlns="" xmlns:a16="http://schemas.microsoft.com/office/drawing/2014/main" id="{8BC3D220-643B-4160-B5A9-59DF5D21F410}"/>
                 </a:ext>
                 <a:ext uri="{C183D7F6-B498-43B3-948B-1728B52AA6E4}">
-                  <adec:decorative xmlns:adec="http://schemas.microsoft.com/office/drawing/2017/decorative" xmlns="" val="1"/>
+                  <adec:decorative xmlns="" xmlns:adec="http://schemas.microsoft.com/office/drawing/2017/decorative" val="1"/>
                 </a:ext>
               </a:extLst>
             </p:cNvPr>
@@ -27484,7 +27485,7 @@
             <p:nvPr>
               <p:extLst>
                 <p:ext uri="{386F3935-93C4-4BCD-93E2-E3B085C9AB24}">
-                  <p16:designElem xmlns:p16="http://schemas.microsoft.com/office/powerpoint/2015/main" xmlns="" val="1"/>
+                  <p16:designElem xmlns="" xmlns:p16="http://schemas.microsoft.com/office/powerpoint/2015/main" val="1"/>
                 </p:ext>
               </p:extLst>
             </p:nvPr>
@@ -27534,10 +27535,10 @@
             <p:cNvPr id="42" name="Freeform 7">
               <a:extLst>
                 <a:ext uri="{FF2B5EF4-FFF2-40B4-BE49-F238E27FC236}">
-                  <a16:creationId xmlns:a16="http://schemas.microsoft.com/office/drawing/2014/main" xmlns="" id="{B92237DE-D518-4625-8392-66D7084588A0}"/>
+                  <a16:creationId xmlns="" xmlns:a16="http://schemas.microsoft.com/office/drawing/2014/main" id="{B92237DE-D518-4625-8392-66D7084588A0}"/>
                 </a:ext>
                 <a:ext uri="{C183D7F6-B498-43B3-948B-1728B52AA6E4}">
-                  <adec:decorative xmlns:adec="http://schemas.microsoft.com/office/drawing/2017/decorative" xmlns="" val="1"/>
+                  <adec:decorative xmlns="" xmlns:adec="http://schemas.microsoft.com/office/drawing/2017/decorative" val="1"/>
                 </a:ext>
               </a:extLst>
             </p:cNvPr>
@@ -27545,7 +27546,7 @@
             <p:nvPr>
               <p:extLst>
                 <p:ext uri="{386F3935-93C4-4BCD-93E2-E3B085C9AB24}">
-                  <p16:designElem xmlns:p16="http://schemas.microsoft.com/office/powerpoint/2015/main" xmlns="" val="1"/>
+                  <p16:designElem xmlns="" xmlns:p16="http://schemas.microsoft.com/office/powerpoint/2015/main" val="1"/>
                 </p:ext>
               </p:extLst>
             </p:nvPr>
@@ -27598,10 +27599,10 @@
             <p:cNvPr id="43" name="Freeform 8">
               <a:extLst>
                 <a:ext uri="{FF2B5EF4-FFF2-40B4-BE49-F238E27FC236}">
-                  <a16:creationId xmlns:a16="http://schemas.microsoft.com/office/drawing/2014/main" xmlns="" id="{F290F0DD-E80A-4263-94E1-A41F57D84CC5}"/>
+                  <a16:creationId xmlns="" xmlns:a16="http://schemas.microsoft.com/office/drawing/2014/main" id="{F290F0DD-E80A-4263-94E1-A41F57D84CC5}"/>
                 </a:ext>
                 <a:ext uri="{C183D7F6-B498-43B3-948B-1728B52AA6E4}">
-                  <adec:decorative xmlns:adec="http://schemas.microsoft.com/office/drawing/2017/decorative" xmlns="" val="1"/>
+                  <adec:decorative xmlns="" xmlns:adec="http://schemas.microsoft.com/office/drawing/2017/decorative" val="1"/>
                 </a:ext>
               </a:extLst>
             </p:cNvPr>
@@ -27609,7 +27610,7 @@
             <p:nvPr>
               <p:extLst>
                 <p:ext uri="{386F3935-93C4-4BCD-93E2-E3B085C9AB24}">
-                  <p16:designElem xmlns:p16="http://schemas.microsoft.com/office/powerpoint/2015/main" xmlns="" val="1"/>
+                  <p16:designElem xmlns="" xmlns:p16="http://schemas.microsoft.com/office/powerpoint/2015/main" val="1"/>
                 </p:ext>
               </p:extLst>
             </p:nvPr>
@@ -27659,10 +27660,10 @@
             <p:cNvPr id="44" name="Freeform 9">
               <a:extLst>
                 <a:ext uri="{FF2B5EF4-FFF2-40B4-BE49-F238E27FC236}">
-                  <a16:creationId xmlns:a16="http://schemas.microsoft.com/office/drawing/2014/main" xmlns="" id="{D78EA7D2-CCEA-435E-873D-36BF0522FFED}"/>
+                  <a16:creationId xmlns="" xmlns:a16="http://schemas.microsoft.com/office/drawing/2014/main" id="{D78EA7D2-CCEA-435E-873D-36BF0522FFED}"/>
                 </a:ext>
                 <a:ext uri="{C183D7F6-B498-43B3-948B-1728B52AA6E4}">
-                  <adec:decorative xmlns:adec="http://schemas.microsoft.com/office/drawing/2017/decorative" xmlns="" val="1"/>
+                  <adec:decorative xmlns="" xmlns:adec="http://schemas.microsoft.com/office/drawing/2017/decorative" val="1"/>
                 </a:ext>
               </a:extLst>
             </p:cNvPr>
@@ -27670,7 +27671,7 @@
             <p:nvPr>
               <p:extLst>
                 <p:ext uri="{386F3935-93C4-4BCD-93E2-E3B085C9AB24}">
-                  <p16:designElem xmlns:p16="http://schemas.microsoft.com/office/powerpoint/2015/main" xmlns="" val="1"/>
+                  <p16:designElem xmlns="" xmlns:p16="http://schemas.microsoft.com/office/powerpoint/2015/main" val="1"/>
                 </p:ext>
               </p:extLst>
             </p:nvPr>
@@ -27719,10 +27720,10 @@
             <p:cNvPr id="45" name="Freeform 10">
               <a:extLst>
                 <a:ext uri="{FF2B5EF4-FFF2-40B4-BE49-F238E27FC236}">
-                  <a16:creationId xmlns:a16="http://schemas.microsoft.com/office/drawing/2014/main" xmlns="" id="{9DFA731E-D6BB-42CC-AA05-64023DC81FE6}"/>
+                  <a16:creationId xmlns="" xmlns:a16="http://schemas.microsoft.com/office/drawing/2014/main" id="{9DFA731E-D6BB-42CC-AA05-64023DC81FE6}"/>
                 </a:ext>
                 <a:ext uri="{C183D7F6-B498-43B3-948B-1728B52AA6E4}">
-                  <adec:decorative xmlns:adec="http://schemas.microsoft.com/office/drawing/2017/decorative" xmlns="" val="1"/>
+                  <adec:decorative xmlns="" xmlns:adec="http://schemas.microsoft.com/office/drawing/2017/decorative" val="1"/>
                 </a:ext>
               </a:extLst>
             </p:cNvPr>
@@ -27730,7 +27731,7 @@
             <p:nvPr>
               <p:extLst>
                 <p:ext uri="{386F3935-93C4-4BCD-93E2-E3B085C9AB24}">
-                  <p16:designElem xmlns:p16="http://schemas.microsoft.com/office/powerpoint/2015/main" xmlns="" val="1"/>
+                  <p16:designElem xmlns="" xmlns:p16="http://schemas.microsoft.com/office/powerpoint/2015/main" val="1"/>
                 </p:ext>
               </p:extLst>
             </p:nvPr>
@@ -27785,10 +27786,10 @@
             <p:cNvPr id="46" name="Freeform 11">
               <a:extLst>
                 <a:ext uri="{FF2B5EF4-FFF2-40B4-BE49-F238E27FC236}">
-                  <a16:creationId xmlns:a16="http://schemas.microsoft.com/office/drawing/2014/main" xmlns="" id="{B00D0483-90FB-4EB4-9770-CA8A310D503B}"/>
+                  <a16:creationId xmlns="" xmlns:a16="http://schemas.microsoft.com/office/drawing/2014/main" id="{B00D0483-90FB-4EB4-9770-CA8A310D503B}"/>
                 </a:ext>
                 <a:ext uri="{C183D7F6-B498-43B3-948B-1728B52AA6E4}">
-                  <adec:decorative xmlns:adec="http://schemas.microsoft.com/office/drawing/2017/decorative" xmlns="" val="1"/>
+                  <adec:decorative xmlns="" xmlns:adec="http://schemas.microsoft.com/office/drawing/2017/decorative" val="1"/>
                 </a:ext>
               </a:extLst>
             </p:cNvPr>
@@ -27796,7 +27797,7 @@
             <p:nvPr>
               <p:extLst>
                 <p:ext uri="{386F3935-93C4-4BCD-93E2-E3B085C9AB24}">
-                  <p16:designElem xmlns:p16="http://schemas.microsoft.com/office/powerpoint/2015/main" xmlns="" val="1"/>
+                  <p16:designElem xmlns="" xmlns:p16="http://schemas.microsoft.com/office/powerpoint/2015/main" val="1"/>
                 </p:ext>
               </p:extLst>
             </p:nvPr>
@@ -27865,7 +27866,7 @@
           <p:cNvPr id="2" name="Title 1">
             <a:extLst>
               <a:ext uri="{FF2B5EF4-FFF2-40B4-BE49-F238E27FC236}">
-                <a16:creationId xmlns:a16="http://schemas.microsoft.com/office/drawing/2014/main" xmlns="" id="{339A428F-DE24-F24B-B03E-D8A9E51064E5}"/>
+                <a16:creationId xmlns="" xmlns:a16="http://schemas.microsoft.com/office/drawing/2014/main" id="{339A428F-DE24-F24B-B03E-D8A9E51064E5}"/>
               </a:ext>
             </a:extLst>
           </p:cNvPr>
@@ -27900,7 +27901,7 @@
           <p:cNvPr id="3" name="Content Placeholder 2">
             <a:extLst>
               <a:ext uri="{FF2B5EF4-FFF2-40B4-BE49-F238E27FC236}">
-                <a16:creationId xmlns:a16="http://schemas.microsoft.com/office/drawing/2014/main" xmlns="" id="{75A636EE-6E6B-FA42-A59B-A03C4B025AA6}"/>
+                <a16:creationId xmlns="" xmlns:a16="http://schemas.microsoft.com/office/drawing/2014/main" id="{75A636EE-6E6B-FA42-A59B-A03C4B025AA6}"/>
               </a:ext>
             </a:extLst>
           </p:cNvPr>
@@ -27945,10 +27946,10 @@
           <p:cNvPr id="48" name="Rounded Rectangle 16">
             <a:extLst>
               <a:ext uri="{FF2B5EF4-FFF2-40B4-BE49-F238E27FC236}">
-                <a16:creationId xmlns:a16="http://schemas.microsoft.com/office/drawing/2014/main" xmlns="" id="{DD7EED39-224E-4230-8FD1-B1E1AF6C6E36}"/>
+                <a16:creationId xmlns="" xmlns:a16="http://schemas.microsoft.com/office/drawing/2014/main" id="{DD7EED39-224E-4230-8FD1-B1E1AF6C6E36}"/>
               </a:ext>
               <a:ext uri="{C183D7F6-B498-43B3-948B-1728B52AA6E4}">
-                <adec:decorative xmlns:adec="http://schemas.microsoft.com/office/drawing/2017/decorative" xmlns="" val="1"/>
+                <adec:decorative xmlns="" xmlns:adec="http://schemas.microsoft.com/office/drawing/2017/decorative" val="1"/>
               </a:ext>
             </a:extLst>
           </p:cNvPr>
@@ -27958,7 +27959,7 @@
           <p:nvPr>
             <p:extLst>
               <p:ext uri="{386F3935-93C4-4BCD-93E2-E3B085C9AB24}">
-                <p16:designElem xmlns:p16="http://schemas.microsoft.com/office/powerpoint/2015/main" xmlns="" val="1"/>
+                <p16:designElem xmlns="" xmlns:p16="http://schemas.microsoft.com/office/powerpoint/2015/main" val="1"/>
               </p:ext>
             </p:extLst>
           </p:nvPr>
@@ -28030,7 +28031,7 @@
           <p:cNvPr id="6" name="Content Placeholder 5" descr="Graphical user interface, text, application, email&#10;&#10;Description automatically generated">
             <a:extLst>
               <a:ext uri="{FF2B5EF4-FFF2-40B4-BE49-F238E27FC236}">
-                <a16:creationId xmlns:a16="http://schemas.microsoft.com/office/drawing/2014/main" xmlns="" id="{B456F9CE-F0BD-F946-8528-D23C8FC58F39}"/>
+                <a16:creationId xmlns="" xmlns:a16="http://schemas.microsoft.com/office/drawing/2014/main" id="{B456F9CE-F0BD-F946-8528-D23C8FC58F39}"/>
               </a:ext>
             </a:extLst>
           </p:cNvPr>
@@ -28067,7 +28068,7 @@
           <p:cNvPr id="20" name="TextBox 19">
             <a:extLst>
               <a:ext uri="{FF2B5EF4-FFF2-40B4-BE49-F238E27FC236}">
-                <a16:creationId xmlns:a16="http://schemas.microsoft.com/office/drawing/2014/main" xmlns="" id="{0983CF5F-AED5-EA43-B332-EF09D66427D2}"/>
+                <a16:creationId xmlns="" xmlns:a16="http://schemas.microsoft.com/office/drawing/2014/main" id="{0983CF5F-AED5-EA43-B332-EF09D66427D2}"/>
               </a:ext>
             </a:extLst>
           </p:cNvPr>
@@ -28132,7 +28133,7 @@
           <p:cNvPr id="2" name="Title 1">
             <a:extLst>
               <a:ext uri="{FF2B5EF4-FFF2-40B4-BE49-F238E27FC236}">
-                <a16:creationId xmlns:a16="http://schemas.microsoft.com/office/drawing/2014/main" xmlns="" id="{FD947CD9-9A74-8F4F-8FF3-203F034E0AA1}"/>
+                <a16:creationId xmlns="" xmlns:a16="http://schemas.microsoft.com/office/drawing/2014/main" id="{FD947CD9-9A74-8F4F-8FF3-203F034E0AA1}"/>
               </a:ext>
             </a:extLst>
           </p:cNvPr>
@@ -28165,7 +28166,7 @@
           <p:cNvPr id="2050" name="Picture 2">
             <a:extLst>
               <a:ext uri="{FF2B5EF4-FFF2-40B4-BE49-F238E27FC236}">
-                <a16:creationId xmlns:a16="http://schemas.microsoft.com/office/drawing/2014/main" xmlns="" id="{FC86EBE0-C866-0D44-9087-582C37699A12}"/>
+                <a16:creationId xmlns="" xmlns:a16="http://schemas.microsoft.com/office/drawing/2014/main" id="{FC86EBE0-C866-0D44-9087-582C37699A12}"/>
               </a:ext>
             </a:extLst>
           </p:cNvPr>
@@ -28242,7 +28243,7 @@
           <p:cNvPr id="2" name="Title 1">
             <a:extLst>
               <a:ext uri="{FF2B5EF4-FFF2-40B4-BE49-F238E27FC236}">
-                <a16:creationId xmlns:a16="http://schemas.microsoft.com/office/drawing/2014/main" xmlns="" id="{A9E4651F-3BD5-2742-B2EC-8253829D467A}"/>
+                <a16:creationId xmlns="" xmlns:a16="http://schemas.microsoft.com/office/drawing/2014/main" id="{A9E4651F-3BD5-2742-B2EC-8253829D467A}"/>
               </a:ext>
             </a:extLst>
           </p:cNvPr>
@@ -28275,7 +28276,7 @@
           <p:cNvPr id="3074" name="Picture 2">
             <a:extLst>
               <a:ext uri="{FF2B5EF4-FFF2-40B4-BE49-F238E27FC236}">
-                <a16:creationId xmlns:a16="http://schemas.microsoft.com/office/drawing/2014/main" xmlns="" id="{5241B8AC-5122-3A48-8F37-1B04E9599B80}"/>
+                <a16:creationId xmlns="" xmlns:a16="http://schemas.microsoft.com/office/drawing/2014/main" id="{5241B8AC-5122-3A48-8F37-1B04E9599B80}"/>
               </a:ext>
             </a:extLst>
           </p:cNvPr>
@@ -28493,7 +28494,7 @@
           <p:cNvPr id="2" name="Title 1">
             <a:extLst>
               <a:ext uri="{FF2B5EF4-FFF2-40B4-BE49-F238E27FC236}">
-                <a16:creationId xmlns:a16="http://schemas.microsoft.com/office/drawing/2014/main" xmlns="" id="{9DBC78A4-3799-2C4E-AC86-A301ADFE7F98}"/>
+                <a16:creationId xmlns="" xmlns:a16="http://schemas.microsoft.com/office/drawing/2014/main" id="{9DBC78A4-3799-2C4E-AC86-A301ADFE7F98}"/>
               </a:ext>
             </a:extLst>
           </p:cNvPr>
@@ -28526,7 +28527,7 @@
           <p:cNvPr id="3" name="Content Placeholder 2">
             <a:extLst>
               <a:ext uri="{FF2B5EF4-FFF2-40B4-BE49-F238E27FC236}">
-                <a16:creationId xmlns:a16="http://schemas.microsoft.com/office/drawing/2014/main" xmlns="" id="{99B02452-90E9-474D-9F4E-672C1FFA2208}"/>
+                <a16:creationId xmlns="" xmlns:a16="http://schemas.microsoft.com/office/drawing/2014/main" id="{99B02452-90E9-474D-9F4E-672C1FFA2208}"/>
               </a:ext>
             </a:extLst>
           </p:cNvPr>
@@ -28649,7 +28650,7 @@
           <p:cNvPr id="2" name="Title 1">
             <a:extLst>
               <a:ext uri="{FF2B5EF4-FFF2-40B4-BE49-F238E27FC236}">
-                <a16:creationId xmlns:a16="http://schemas.microsoft.com/office/drawing/2014/main" xmlns="" id="{9DBC78A4-3799-2C4E-AC86-A301ADFE7F98}"/>
+                <a16:creationId xmlns="" xmlns:a16="http://schemas.microsoft.com/office/drawing/2014/main" id="{9DBC78A4-3799-2C4E-AC86-A301ADFE7F98}"/>
               </a:ext>
             </a:extLst>
           </p:cNvPr>
@@ -28682,7 +28683,7 @@
           <p:cNvPr id="3" name="Content Placeholder 2">
             <a:extLst>
               <a:ext uri="{FF2B5EF4-FFF2-40B4-BE49-F238E27FC236}">
-                <a16:creationId xmlns:a16="http://schemas.microsoft.com/office/drawing/2014/main" xmlns="" id="{99B02452-90E9-474D-9F4E-672C1FFA2208}"/>
+                <a16:creationId xmlns="" xmlns:a16="http://schemas.microsoft.com/office/drawing/2014/main" id="{99B02452-90E9-474D-9F4E-672C1FFA2208}"/>
               </a:ext>
             </a:extLst>
           </p:cNvPr>
@@ -28789,10 +28790,10 @@
           <p:cNvPr id="47" name="Group 31">
             <a:extLst>
               <a:ext uri="{FF2B5EF4-FFF2-40B4-BE49-F238E27FC236}">
-                <a16:creationId xmlns:a16="http://schemas.microsoft.com/office/drawing/2014/main" xmlns="" id="{260ACC13-B825-49F3-93DE-C8B8F2FA37A1}"/>
+                <a16:creationId xmlns="" xmlns:a16="http://schemas.microsoft.com/office/drawing/2014/main" id="{260ACC13-B825-49F3-93DE-C8B8F2FA37A1}"/>
               </a:ext>
               <a:ext uri="{C183D7F6-B498-43B3-948B-1728B52AA6E4}">
-                <adec:decorative xmlns:adec="http://schemas.microsoft.com/office/drawing/2017/decorative" xmlns="" val="1"/>
+                <adec:decorative xmlns="" xmlns:adec="http://schemas.microsoft.com/office/drawing/2017/decorative" val="1"/>
               </a:ext>
             </a:extLst>
           </p:cNvPr>
@@ -28802,7 +28803,7 @@
           <p:nvPr>
             <p:extLst>
               <p:ext uri="{386F3935-93C4-4BCD-93E2-E3B085C9AB24}">
-                <p16:designElem xmlns:p16="http://schemas.microsoft.com/office/powerpoint/2015/main" xmlns="" val="1"/>
+                <p16:designElem xmlns="" xmlns:p16="http://schemas.microsoft.com/office/powerpoint/2015/main" val="1"/>
               </p:ext>
             </p:extLst>
           </p:nvPr>
@@ -28820,10 +28821,10 @@
             <p:cNvPr id="33" name="Freeform 6">
               <a:extLst>
                 <a:ext uri="{FF2B5EF4-FFF2-40B4-BE49-F238E27FC236}">
-                  <a16:creationId xmlns:a16="http://schemas.microsoft.com/office/drawing/2014/main" xmlns="" id="{F947B31F-CA03-4793-845D-FD86BABC1A18}"/>
+                  <a16:creationId xmlns="" xmlns:a16="http://schemas.microsoft.com/office/drawing/2014/main" id="{F947B31F-CA03-4793-845D-FD86BABC1A18}"/>
                 </a:ext>
                 <a:ext uri="{C183D7F6-B498-43B3-948B-1728B52AA6E4}">
-                  <adec:decorative xmlns:adec="http://schemas.microsoft.com/office/drawing/2017/decorative" xmlns="" val="1"/>
+                  <adec:decorative xmlns="" xmlns:adec="http://schemas.microsoft.com/office/drawing/2017/decorative" val="1"/>
                 </a:ext>
               </a:extLst>
             </p:cNvPr>
@@ -28831,7 +28832,7 @@
             <p:nvPr>
               <p:extLst>
                 <p:ext uri="{386F3935-93C4-4BCD-93E2-E3B085C9AB24}">
-                  <p16:designElem xmlns:p16="http://schemas.microsoft.com/office/powerpoint/2015/main" xmlns="" val="1"/>
+                  <p16:designElem xmlns="" xmlns:p16="http://schemas.microsoft.com/office/powerpoint/2015/main" val="1"/>
                 </p:ext>
               </p:extLst>
             </p:nvPr>
@@ -28881,10 +28882,10 @@
             <p:cNvPr id="34" name="Freeform 7">
               <a:extLst>
                 <a:ext uri="{FF2B5EF4-FFF2-40B4-BE49-F238E27FC236}">
-                  <a16:creationId xmlns:a16="http://schemas.microsoft.com/office/drawing/2014/main" xmlns="" id="{DCDDE94D-F78C-4A48-AEA6-E922FC99A159}"/>
+                  <a16:creationId xmlns="" xmlns:a16="http://schemas.microsoft.com/office/drawing/2014/main" id="{DCDDE94D-F78C-4A48-AEA6-E922FC99A159}"/>
                 </a:ext>
                 <a:ext uri="{C183D7F6-B498-43B3-948B-1728B52AA6E4}">
-                  <adec:decorative xmlns:adec="http://schemas.microsoft.com/office/drawing/2017/decorative" xmlns="" val="1"/>
+                  <adec:decorative xmlns="" xmlns:adec="http://schemas.microsoft.com/office/drawing/2017/decorative" val="1"/>
                 </a:ext>
               </a:extLst>
             </p:cNvPr>
@@ -28892,7 +28893,7 @@
             <p:nvPr>
               <p:extLst>
                 <p:ext uri="{386F3935-93C4-4BCD-93E2-E3B085C9AB24}">
-                  <p16:designElem xmlns:p16="http://schemas.microsoft.com/office/powerpoint/2015/main" xmlns="" val="1"/>
+                  <p16:designElem xmlns="" xmlns:p16="http://schemas.microsoft.com/office/powerpoint/2015/main" val="1"/>
                 </p:ext>
               </p:extLst>
             </p:nvPr>
@@ -28945,10 +28946,10 @@
             <p:cNvPr id="35" name="Freeform 8">
               <a:extLst>
                 <a:ext uri="{FF2B5EF4-FFF2-40B4-BE49-F238E27FC236}">
-                  <a16:creationId xmlns:a16="http://schemas.microsoft.com/office/drawing/2014/main" xmlns="" id="{3445A886-F3CA-4DE4-90D7-535F9707B799}"/>
+                  <a16:creationId xmlns="" xmlns:a16="http://schemas.microsoft.com/office/drawing/2014/main" id="{3445A886-F3CA-4DE4-90D7-535F9707B799}"/>
                 </a:ext>
                 <a:ext uri="{C183D7F6-B498-43B3-948B-1728B52AA6E4}">
-                  <adec:decorative xmlns:adec="http://schemas.microsoft.com/office/drawing/2017/decorative" xmlns="" val="1"/>
+                  <adec:decorative xmlns="" xmlns:adec="http://schemas.microsoft.com/office/drawing/2017/decorative" val="1"/>
                 </a:ext>
               </a:extLst>
             </p:cNvPr>
@@ -28956,7 +28957,7 @@
             <p:nvPr>
               <p:extLst>
                 <p:ext uri="{386F3935-93C4-4BCD-93E2-E3B085C9AB24}">
-                  <p16:designElem xmlns:p16="http://schemas.microsoft.com/office/powerpoint/2015/main" xmlns="" val="1"/>
+                  <p16:designElem xmlns="" xmlns:p16="http://schemas.microsoft.com/office/powerpoint/2015/main" val="1"/>
                 </p:ext>
               </p:extLst>
             </p:nvPr>
@@ -29006,10 +29007,10 @@
             <p:cNvPr id="36" name="Freeform 9">
               <a:extLst>
                 <a:ext uri="{FF2B5EF4-FFF2-40B4-BE49-F238E27FC236}">
-                  <a16:creationId xmlns:a16="http://schemas.microsoft.com/office/drawing/2014/main" xmlns="" id="{A8999CB6-C053-418B-AE37-E470804D251D}"/>
+                  <a16:creationId xmlns="" xmlns:a16="http://schemas.microsoft.com/office/drawing/2014/main" id="{A8999CB6-C053-418B-AE37-E470804D251D}"/>
                 </a:ext>
                 <a:ext uri="{C183D7F6-B498-43B3-948B-1728B52AA6E4}">
-                  <adec:decorative xmlns:adec="http://schemas.microsoft.com/office/drawing/2017/decorative" xmlns="" val="1"/>
+                  <adec:decorative xmlns="" xmlns:adec="http://schemas.microsoft.com/office/drawing/2017/decorative" val="1"/>
                 </a:ext>
               </a:extLst>
             </p:cNvPr>
@@ -29017,7 +29018,7 @@
             <p:nvPr>
               <p:extLst>
                 <p:ext uri="{386F3935-93C4-4BCD-93E2-E3B085C9AB24}">
-                  <p16:designElem xmlns:p16="http://schemas.microsoft.com/office/powerpoint/2015/main" xmlns="" val="1"/>
+                  <p16:designElem xmlns="" xmlns:p16="http://schemas.microsoft.com/office/powerpoint/2015/main" val="1"/>
                 </p:ext>
               </p:extLst>
             </p:nvPr>
@@ -29066,10 +29067,10 @@
             <p:cNvPr id="37" name="Freeform 10">
               <a:extLst>
                 <a:ext uri="{FF2B5EF4-FFF2-40B4-BE49-F238E27FC236}">
-                  <a16:creationId xmlns:a16="http://schemas.microsoft.com/office/drawing/2014/main" xmlns="" id="{81EA3E26-BFCD-4396-AE8A-2A9828BFFBA2}"/>
+                  <a16:creationId xmlns="" xmlns:a16="http://schemas.microsoft.com/office/drawing/2014/main" id="{81EA3E26-BFCD-4396-AE8A-2A9828BFFBA2}"/>
                 </a:ext>
                 <a:ext uri="{C183D7F6-B498-43B3-948B-1728B52AA6E4}">
-                  <adec:decorative xmlns:adec="http://schemas.microsoft.com/office/drawing/2017/decorative" xmlns="" val="1"/>
+                  <adec:decorative xmlns="" xmlns:adec="http://schemas.microsoft.com/office/drawing/2017/decorative" val="1"/>
                 </a:ext>
               </a:extLst>
             </p:cNvPr>
@@ -29077,7 +29078,7 @@
             <p:nvPr>
               <p:extLst>
                 <p:ext uri="{386F3935-93C4-4BCD-93E2-E3B085C9AB24}">
-                  <p16:designElem xmlns:p16="http://schemas.microsoft.com/office/powerpoint/2015/main" xmlns="" val="1"/>
+                  <p16:designElem xmlns="" xmlns:p16="http://schemas.microsoft.com/office/powerpoint/2015/main" val="1"/>
                 </p:ext>
               </p:extLst>
             </p:nvPr>
@@ -29132,10 +29133,10 @@
             <p:cNvPr id="38" name="Freeform 11">
               <a:extLst>
                 <a:ext uri="{FF2B5EF4-FFF2-40B4-BE49-F238E27FC236}">
-                  <a16:creationId xmlns:a16="http://schemas.microsoft.com/office/drawing/2014/main" xmlns="" id="{5F9BC582-73A6-4D8A-8738-E36476489351}"/>
+                  <a16:creationId xmlns="" xmlns:a16="http://schemas.microsoft.com/office/drawing/2014/main" id="{5F9BC582-73A6-4D8A-8738-E36476489351}"/>
                 </a:ext>
                 <a:ext uri="{C183D7F6-B498-43B3-948B-1728B52AA6E4}">
-                  <adec:decorative xmlns:adec="http://schemas.microsoft.com/office/drawing/2017/decorative" xmlns="" val="1"/>
+                  <adec:decorative xmlns="" xmlns:adec="http://schemas.microsoft.com/office/drawing/2017/decorative" val="1"/>
                 </a:ext>
               </a:extLst>
             </p:cNvPr>
@@ -29143,7 +29144,7 @@
             <p:nvPr>
               <p:extLst>
                 <p:ext uri="{386F3935-93C4-4BCD-93E2-E3B085C9AB24}">
-                  <p16:designElem xmlns:p16="http://schemas.microsoft.com/office/powerpoint/2015/main" xmlns="" val="1"/>
+                  <p16:designElem xmlns="" xmlns:p16="http://schemas.microsoft.com/office/powerpoint/2015/main" val="1"/>
                 </p:ext>
               </p:extLst>
             </p:nvPr>
@@ -29212,10 +29213,10 @@
           <p:cNvPr id="40" name="Group 39">
             <a:extLst>
               <a:ext uri="{FF2B5EF4-FFF2-40B4-BE49-F238E27FC236}">
-                <a16:creationId xmlns:a16="http://schemas.microsoft.com/office/drawing/2014/main" xmlns="" id="{A2E861A3-F23C-46B8-A38A-4A22E453D993}"/>
+                <a16:creationId xmlns="" xmlns:a16="http://schemas.microsoft.com/office/drawing/2014/main" id="{A2E861A3-F23C-46B8-A38A-4A22E453D993}"/>
               </a:ext>
               <a:ext uri="{C183D7F6-B498-43B3-948B-1728B52AA6E4}">
-                <adec:decorative xmlns:adec="http://schemas.microsoft.com/office/drawing/2017/decorative" xmlns="" val="1"/>
+                <adec:decorative xmlns="" xmlns:adec="http://schemas.microsoft.com/office/drawing/2017/decorative" val="1"/>
               </a:ext>
             </a:extLst>
           </p:cNvPr>
@@ -29225,7 +29226,7 @@
           <p:nvPr>
             <p:extLst>
               <p:ext uri="{386F3935-93C4-4BCD-93E2-E3B085C9AB24}">
-                <p16:designElem xmlns:p16="http://schemas.microsoft.com/office/powerpoint/2015/main" xmlns="" val="1"/>
+                <p16:designElem xmlns="" xmlns:p16="http://schemas.microsoft.com/office/powerpoint/2015/main" val="1"/>
               </p:ext>
             </p:extLst>
           </p:nvPr>
@@ -29243,10 +29244,10 @@
             <p:cNvPr id="41" name="Freeform 6">
               <a:extLst>
                 <a:ext uri="{FF2B5EF4-FFF2-40B4-BE49-F238E27FC236}">
-                  <a16:creationId xmlns:a16="http://schemas.microsoft.com/office/drawing/2014/main" xmlns="" id="{8BC3D220-643B-4160-B5A9-59DF5D21F410}"/>
+                  <a16:creationId xmlns="" xmlns:a16="http://schemas.microsoft.com/office/drawing/2014/main" id="{8BC3D220-643B-4160-B5A9-59DF5D21F410}"/>
                 </a:ext>
                 <a:ext uri="{C183D7F6-B498-43B3-948B-1728B52AA6E4}">
-                  <adec:decorative xmlns:adec="http://schemas.microsoft.com/office/drawing/2017/decorative" xmlns="" val="1"/>
+                  <adec:decorative xmlns="" xmlns:adec="http://schemas.microsoft.com/office/drawing/2017/decorative" val="1"/>
                 </a:ext>
               </a:extLst>
             </p:cNvPr>
@@ -29254,7 +29255,7 @@
             <p:nvPr>
               <p:extLst>
                 <p:ext uri="{386F3935-93C4-4BCD-93E2-E3B085C9AB24}">
-                  <p16:designElem xmlns:p16="http://schemas.microsoft.com/office/powerpoint/2015/main" xmlns="" val="1"/>
+                  <p16:designElem xmlns="" xmlns:p16="http://schemas.microsoft.com/office/powerpoint/2015/main" val="1"/>
                 </p:ext>
               </p:extLst>
             </p:nvPr>
@@ -29304,10 +29305,10 @@
             <p:cNvPr id="42" name="Freeform 7">
               <a:extLst>
                 <a:ext uri="{FF2B5EF4-FFF2-40B4-BE49-F238E27FC236}">
-                  <a16:creationId xmlns:a16="http://schemas.microsoft.com/office/drawing/2014/main" xmlns="" id="{B92237DE-D518-4625-8392-66D7084588A0}"/>
+                  <a16:creationId xmlns="" xmlns:a16="http://schemas.microsoft.com/office/drawing/2014/main" id="{B92237DE-D518-4625-8392-66D7084588A0}"/>
                 </a:ext>
                 <a:ext uri="{C183D7F6-B498-43B3-948B-1728B52AA6E4}">
-                  <adec:decorative xmlns:adec="http://schemas.microsoft.com/office/drawing/2017/decorative" xmlns="" val="1"/>
+                  <adec:decorative xmlns="" xmlns:adec="http://schemas.microsoft.com/office/drawing/2017/decorative" val="1"/>
                 </a:ext>
               </a:extLst>
             </p:cNvPr>
@@ -29315,7 +29316,7 @@
             <p:nvPr>
               <p:extLst>
                 <p:ext uri="{386F3935-93C4-4BCD-93E2-E3B085C9AB24}">
-                  <p16:designElem xmlns:p16="http://schemas.microsoft.com/office/powerpoint/2015/main" xmlns="" val="1"/>
+                  <p16:designElem xmlns="" xmlns:p16="http://schemas.microsoft.com/office/powerpoint/2015/main" val="1"/>
                 </p:ext>
               </p:extLst>
             </p:nvPr>
@@ -29368,10 +29369,10 @@
             <p:cNvPr id="43" name="Freeform 8">
               <a:extLst>
                 <a:ext uri="{FF2B5EF4-FFF2-40B4-BE49-F238E27FC236}">
-                  <a16:creationId xmlns:a16="http://schemas.microsoft.com/office/drawing/2014/main" xmlns="" id="{F290F0DD-E80A-4263-94E1-A41F57D84CC5}"/>
+                  <a16:creationId xmlns="" xmlns:a16="http://schemas.microsoft.com/office/drawing/2014/main" id="{F290F0DD-E80A-4263-94E1-A41F57D84CC5}"/>
                 </a:ext>
                 <a:ext uri="{C183D7F6-B498-43B3-948B-1728B52AA6E4}">
-                  <adec:decorative xmlns:adec="http://schemas.microsoft.com/office/drawing/2017/decorative" xmlns="" val="1"/>
+                  <adec:decorative xmlns="" xmlns:adec="http://schemas.microsoft.com/office/drawing/2017/decorative" val="1"/>
                 </a:ext>
               </a:extLst>
             </p:cNvPr>
@@ -29379,7 +29380,7 @@
             <p:nvPr>
               <p:extLst>
                 <p:ext uri="{386F3935-93C4-4BCD-93E2-E3B085C9AB24}">
-                  <p16:designElem xmlns:p16="http://schemas.microsoft.com/office/powerpoint/2015/main" xmlns="" val="1"/>
+                  <p16:designElem xmlns="" xmlns:p16="http://schemas.microsoft.com/office/powerpoint/2015/main" val="1"/>
                 </p:ext>
               </p:extLst>
             </p:nvPr>
@@ -29429,10 +29430,10 @@
             <p:cNvPr id="44" name="Freeform 9">
               <a:extLst>
                 <a:ext uri="{FF2B5EF4-FFF2-40B4-BE49-F238E27FC236}">
-                  <a16:creationId xmlns:a16="http://schemas.microsoft.com/office/drawing/2014/main" xmlns="" id="{D78EA7D2-CCEA-435E-873D-36BF0522FFED}"/>
+                  <a16:creationId xmlns="" xmlns:a16="http://schemas.microsoft.com/office/drawing/2014/main" id="{D78EA7D2-CCEA-435E-873D-36BF0522FFED}"/>
                 </a:ext>
                 <a:ext uri="{C183D7F6-B498-43B3-948B-1728B52AA6E4}">
-                  <adec:decorative xmlns:adec="http://schemas.microsoft.com/office/drawing/2017/decorative" xmlns="" val="1"/>
+                  <adec:decorative xmlns="" xmlns:adec="http://schemas.microsoft.com/office/drawing/2017/decorative" val="1"/>
                 </a:ext>
               </a:extLst>
             </p:cNvPr>
@@ -29440,7 +29441,7 @@
             <p:nvPr>
               <p:extLst>
                 <p:ext uri="{386F3935-93C4-4BCD-93E2-E3B085C9AB24}">
-                  <p16:designElem xmlns:p16="http://schemas.microsoft.com/office/powerpoint/2015/main" xmlns="" val="1"/>
+                  <p16:designElem xmlns="" xmlns:p16="http://schemas.microsoft.com/office/powerpoint/2015/main" val="1"/>
                 </p:ext>
               </p:extLst>
             </p:nvPr>
@@ -29489,10 +29490,10 @@
             <p:cNvPr id="45" name="Freeform 10">
               <a:extLst>
                 <a:ext uri="{FF2B5EF4-FFF2-40B4-BE49-F238E27FC236}">
-                  <a16:creationId xmlns:a16="http://schemas.microsoft.com/office/drawing/2014/main" xmlns="" id="{9DFA731E-D6BB-42CC-AA05-64023DC81FE6}"/>
+                  <a16:creationId xmlns="" xmlns:a16="http://schemas.microsoft.com/office/drawing/2014/main" id="{9DFA731E-D6BB-42CC-AA05-64023DC81FE6}"/>
                 </a:ext>
                 <a:ext uri="{C183D7F6-B498-43B3-948B-1728B52AA6E4}">
-                  <adec:decorative xmlns:adec="http://schemas.microsoft.com/office/drawing/2017/decorative" xmlns="" val="1"/>
+                  <adec:decorative xmlns="" xmlns:adec="http://schemas.microsoft.com/office/drawing/2017/decorative" val="1"/>
                 </a:ext>
               </a:extLst>
             </p:cNvPr>
@@ -29500,7 +29501,7 @@
             <p:nvPr>
               <p:extLst>
                 <p:ext uri="{386F3935-93C4-4BCD-93E2-E3B085C9AB24}">
-                  <p16:designElem xmlns:p16="http://schemas.microsoft.com/office/powerpoint/2015/main" xmlns="" val="1"/>
+                  <p16:designElem xmlns="" xmlns:p16="http://schemas.microsoft.com/office/powerpoint/2015/main" val="1"/>
                 </p:ext>
               </p:extLst>
             </p:nvPr>
@@ -29555,10 +29556,10 @@
             <p:cNvPr id="46" name="Freeform 11">
               <a:extLst>
                 <a:ext uri="{FF2B5EF4-FFF2-40B4-BE49-F238E27FC236}">
-                  <a16:creationId xmlns:a16="http://schemas.microsoft.com/office/drawing/2014/main" xmlns="" id="{B00D0483-90FB-4EB4-9770-CA8A310D503B}"/>
+                  <a16:creationId xmlns="" xmlns:a16="http://schemas.microsoft.com/office/drawing/2014/main" id="{B00D0483-90FB-4EB4-9770-CA8A310D503B}"/>
                 </a:ext>
                 <a:ext uri="{C183D7F6-B498-43B3-948B-1728B52AA6E4}">
-                  <adec:decorative xmlns:adec="http://schemas.microsoft.com/office/drawing/2017/decorative" xmlns="" val="1"/>
+                  <adec:decorative xmlns="" xmlns:adec="http://schemas.microsoft.com/office/drawing/2017/decorative" val="1"/>
                 </a:ext>
               </a:extLst>
             </p:cNvPr>
@@ -29566,7 +29567,7 @@
             <p:nvPr>
               <p:extLst>
                 <p:ext uri="{386F3935-93C4-4BCD-93E2-E3B085C9AB24}">
-                  <p16:designElem xmlns:p16="http://schemas.microsoft.com/office/powerpoint/2015/main" xmlns="" val="1"/>
+                  <p16:designElem xmlns="" xmlns:p16="http://schemas.microsoft.com/office/powerpoint/2015/main" val="1"/>
                 </p:ext>
               </p:extLst>
             </p:nvPr>
@@ -29635,7 +29636,7 @@
           <p:cNvPr id="2" name="Title 1">
             <a:extLst>
               <a:ext uri="{FF2B5EF4-FFF2-40B4-BE49-F238E27FC236}">
-                <a16:creationId xmlns:a16="http://schemas.microsoft.com/office/drawing/2014/main" xmlns="" id="{339A428F-DE24-F24B-B03E-D8A9E51064E5}"/>
+                <a16:creationId xmlns="" xmlns:a16="http://schemas.microsoft.com/office/drawing/2014/main" id="{339A428F-DE24-F24B-B03E-D8A9E51064E5}"/>
               </a:ext>
             </a:extLst>
           </p:cNvPr>
@@ -29670,7 +29671,7 @@
           <p:cNvPr id="3" name="Content Placeholder 2">
             <a:extLst>
               <a:ext uri="{FF2B5EF4-FFF2-40B4-BE49-F238E27FC236}">
-                <a16:creationId xmlns:a16="http://schemas.microsoft.com/office/drawing/2014/main" xmlns="" id="{75A636EE-6E6B-FA42-A59B-A03C4B025AA6}"/>
+                <a16:creationId xmlns="" xmlns:a16="http://schemas.microsoft.com/office/drawing/2014/main" id="{75A636EE-6E6B-FA42-A59B-A03C4B025AA6}"/>
               </a:ext>
             </a:extLst>
           </p:cNvPr>
@@ -29727,10 +29728,10 @@
           <p:cNvPr id="48" name="Rounded Rectangle 16">
             <a:extLst>
               <a:ext uri="{FF2B5EF4-FFF2-40B4-BE49-F238E27FC236}">
-                <a16:creationId xmlns:a16="http://schemas.microsoft.com/office/drawing/2014/main" xmlns="" id="{DD7EED39-224E-4230-8FD1-B1E1AF6C6E36}"/>
+                <a16:creationId xmlns="" xmlns:a16="http://schemas.microsoft.com/office/drawing/2014/main" id="{DD7EED39-224E-4230-8FD1-B1E1AF6C6E36}"/>
               </a:ext>
               <a:ext uri="{C183D7F6-B498-43B3-948B-1728B52AA6E4}">
-                <adec:decorative xmlns:adec="http://schemas.microsoft.com/office/drawing/2017/decorative" xmlns="" val="1"/>
+                <adec:decorative xmlns="" xmlns:adec="http://schemas.microsoft.com/office/drawing/2017/decorative" val="1"/>
               </a:ext>
             </a:extLst>
           </p:cNvPr>
@@ -29740,7 +29741,7 @@
           <p:nvPr>
             <p:extLst>
               <p:ext uri="{386F3935-93C4-4BCD-93E2-E3B085C9AB24}">
-                <p16:designElem xmlns:p16="http://schemas.microsoft.com/office/powerpoint/2015/main" xmlns="" val="1"/>
+                <p16:designElem xmlns="" xmlns:p16="http://schemas.microsoft.com/office/powerpoint/2015/main" val="1"/>
               </p:ext>
             </p:extLst>
           </p:nvPr>
@@ -29812,7 +29813,7 @@
           <p:cNvPr id="20" name="TextBox 19">
             <a:extLst>
               <a:ext uri="{FF2B5EF4-FFF2-40B4-BE49-F238E27FC236}">
-                <a16:creationId xmlns:a16="http://schemas.microsoft.com/office/drawing/2014/main" xmlns="" id="{0983CF5F-AED5-EA43-B332-EF09D66427D2}"/>
+                <a16:creationId xmlns="" xmlns:a16="http://schemas.microsoft.com/office/drawing/2014/main" id="{0983CF5F-AED5-EA43-B332-EF09D66427D2}"/>
               </a:ext>
             </a:extLst>
           </p:cNvPr>
@@ -29901,7 +29902,7 @@
           <p:cNvPr id="2" name="Title 1">
             <a:extLst>
               <a:ext uri="{FF2B5EF4-FFF2-40B4-BE49-F238E27FC236}">
-                <a16:creationId xmlns:a16="http://schemas.microsoft.com/office/drawing/2014/main" xmlns="" id="{9DBC78A4-3799-2C4E-AC86-A301ADFE7F98}"/>
+                <a16:creationId xmlns="" xmlns:a16="http://schemas.microsoft.com/office/drawing/2014/main" id="{9DBC78A4-3799-2C4E-AC86-A301ADFE7F98}"/>
               </a:ext>
             </a:extLst>
           </p:cNvPr>
@@ -29934,7 +29935,7 @@
           <p:cNvPr id="3" name="Content Placeholder 2">
             <a:extLst>
               <a:ext uri="{FF2B5EF4-FFF2-40B4-BE49-F238E27FC236}">
-                <a16:creationId xmlns:a16="http://schemas.microsoft.com/office/drawing/2014/main" xmlns="" id="{99B02452-90E9-474D-9F4E-672C1FFA2208}"/>
+                <a16:creationId xmlns="" xmlns:a16="http://schemas.microsoft.com/office/drawing/2014/main" id="{99B02452-90E9-474D-9F4E-672C1FFA2208}"/>
               </a:ext>
             </a:extLst>
           </p:cNvPr>
@@ -30039,7 +30040,7 @@
           <p:cNvPr id="2" name="Title 1">
             <a:extLst>
               <a:ext uri="{FF2B5EF4-FFF2-40B4-BE49-F238E27FC236}">
-                <a16:creationId xmlns:a16="http://schemas.microsoft.com/office/drawing/2014/main" xmlns="" id="{9DBC78A4-3799-2C4E-AC86-A301ADFE7F98}"/>
+                <a16:creationId xmlns="" xmlns:a16="http://schemas.microsoft.com/office/drawing/2014/main" id="{9DBC78A4-3799-2C4E-AC86-A301ADFE7F98}"/>
               </a:ext>
             </a:extLst>
           </p:cNvPr>
@@ -30072,7 +30073,7 @@
           <p:cNvPr id="3" name="Content Placeholder 2">
             <a:extLst>
               <a:ext uri="{FF2B5EF4-FFF2-40B4-BE49-F238E27FC236}">
-                <a16:creationId xmlns:a16="http://schemas.microsoft.com/office/drawing/2014/main" xmlns="" id="{99B02452-90E9-474D-9F4E-672C1FFA2208}"/>
+                <a16:creationId xmlns="" xmlns:a16="http://schemas.microsoft.com/office/drawing/2014/main" id="{99B02452-90E9-474D-9F4E-672C1FFA2208}"/>
               </a:ext>
             </a:extLst>
           </p:cNvPr>
@@ -30147,7 +30148,7 @@
           <p:cNvPr id="2" name="Title 1">
             <a:extLst>
               <a:ext uri="{FF2B5EF4-FFF2-40B4-BE49-F238E27FC236}">
-                <a16:creationId xmlns:a16="http://schemas.microsoft.com/office/drawing/2014/main" xmlns="" id="{9DBC78A4-3799-2C4E-AC86-A301ADFE7F98}"/>
+                <a16:creationId xmlns="" xmlns:a16="http://schemas.microsoft.com/office/drawing/2014/main" id="{9DBC78A4-3799-2C4E-AC86-A301ADFE7F98}"/>
               </a:ext>
             </a:extLst>
           </p:cNvPr>
@@ -30180,7 +30181,7 @@
           <p:cNvPr id="3" name="Content Placeholder 2">
             <a:extLst>
               <a:ext uri="{FF2B5EF4-FFF2-40B4-BE49-F238E27FC236}">
-                <a16:creationId xmlns:a16="http://schemas.microsoft.com/office/drawing/2014/main" xmlns="" id="{99B02452-90E9-474D-9F4E-672C1FFA2208}"/>
+                <a16:creationId xmlns="" xmlns:a16="http://schemas.microsoft.com/office/drawing/2014/main" id="{99B02452-90E9-474D-9F4E-672C1FFA2208}"/>
               </a:ext>
             </a:extLst>
           </p:cNvPr>
@@ -30290,7 +30291,7 @@
           <p:cNvPr id="2" name="Title 1">
             <a:extLst>
               <a:ext uri="{FF2B5EF4-FFF2-40B4-BE49-F238E27FC236}">
-                <a16:creationId xmlns:a16="http://schemas.microsoft.com/office/drawing/2014/main" xmlns="" id="{9DBC78A4-3799-2C4E-AC86-A301ADFE7F98}"/>
+                <a16:creationId xmlns="" xmlns:a16="http://schemas.microsoft.com/office/drawing/2014/main" id="{9DBC78A4-3799-2C4E-AC86-A301ADFE7F98}"/>
               </a:ext>
             </a:extLst>
           </p:cNvPr>
@@ -30323,7 +30324,7 @@
           <p:cNvPr id="3" name="Content Placeholder 2">
             <a:extLst>
               <a:ext uri="{FF2B5EF4-FFF2-40B4-BE49-F238E27FC236}">
-                <a16:creationId xmlns:a16="http://schemas.microsoft.com/office/drawing/2014/main" xmlns="" id="{99B02452-90E9-474D-9F4E-672C1FFA2208}"/>
+                <a16:creationId xmlns="" xmlns:a16="http://schemas.microsoft.com/office/drawing/2014/main" id="{99B02452-90E9-474D-9F4E-672C1FFA2208}"/>
               </a:ext>
             </a:extLst>
           </p:cNvPr>
@@ -30452,7 +30453,7 @@
           <p:cNvPr id="2" name="Title 1">
             <a:extLst>
               <a:ext uri="{FF2B5EF4-FFF2-40B4-BE49-F238E27FC236}">
-                <a16:creationId xmlns:a16="http://schemas.microsoft.com/office/drawing/2014/main" xmlns="" id="{9DBC78A4-3799-2C4E-AC86-A301ADFE7F98}"/>
+                <a16:creationId xmlns="" xmlns:a16="http://schemas.microsoft.com/office/drawing/2014/main" id="{9DBC78A4-3799-2C4E-AC86-A301ADFE7F98}"/>
               </a:ext>
             </a:extLst>
           </p:cNvPr>
@@ -30485,7 +30486,7 @@
           <p:cNvPr id="3" name="Content Placeholder 2">
             <a:extLst>
               <a:ext uri="{FF2B5EF4-FFF2-40B4-BE49-F238E27FC236}">
-                <a16:creationId xmlns:a16="http://schemas.microsoft.com/office/drawing/2014/main" xmlns="" id="{99B02452-90E9-474D-9F4E-672C1FFA2208}"/>
+                <a16:creationId xmlns="" xmlns:a16="http://schemas.microsoft.com/office/drawing/2014/main" id="{99B02452-90E9-474D-9F4E-672C1FFA2208}"/>
               </a:ext>
             </a:extLst>
           </p:cNvPr>
@@ -30597,7 +30598,7 @@
           <p:cNvPr id="2" name="Title 1">
             <a:extLst>
               <a:ext uri="{FF2B5EF4-FFF2-40B4-BE49-F238E27FC236}">
-                <a16:creationId xmlns:a16="http://schemas.microsoft.com/office/drawing/2014/main" xmlns="" id="{9DBC78A4-3799-2C4E-AC86-A301ADFE7F98}"/>
+                <a16:creationId xmlns="" xmlns:a16="http://schemas.microsoft.com/office/drawing/2014/main" id="{9DBC78A4-3799-2C4E-AC86-A301ADFE7F98}"/>
               </a:ext>
             </a:extLst>
           </p:cNvPr>
@@ -30630,7 +30631,7 @@
           <p:cNvPr id="3" name="Content Placeholder 2">
             <a:extLst>
               <a:ext uri="{FF2B5EF4-FFF2-40B4-BE49-F238E27FC236}">
-                <a16:creationId xmlns:a16="http://schemas.microsoft.com/office/drawing/2014/main" xmlns="" id="{99B02452-90E9-474D-9F4E-672C1FFA2208}"/>
+                <a16:creationId xmlns="" xmlns:a16="http://schemas.microsoft.com/office/drawing/2014/main" id="{99B02452-90E9-474D-9F4E-672C1FFA2208}"/>
               </a:ext>
             </a:extLst>
           </p:cNvPr>
@@ -31358,10 +31359,10 @@
           <p:cNvPr id="47" name="Group 31">
             <a:extLst>
               <a:ext uri="{FF2B5EF4-FFF2-40B4-BE49-F238E27FC236}">
-                <a16:creationId xmlns:a16="http://schemas.microsoft.com/office/drawing/2014/main" xmlns="" id="{260ACC13-B825-49F3-93DE-C8B8F2FA37A1}"/>
+                <a16:creationId xmlns="" xmlns:a16="http://schemas.microsoft.com/office/drawing/2014/main" id="{260ACC13-B825-49F3-93DE-C8B8F2FA37A1}"/>
               </a:ext>
               <a:ext uri="{C183D7F6-B498-43B3-948B-1728B52AA6E4}">
-                <adec:decorative xmlns:adec="http://schemas.microsoft.com/office/drawing/2017/decorative" xmlns="" val="1"/>
+                <adec:decorative xmlns="" xmlns:adec="http://schemas.microsoft.com/office/drawing/2017/decorative" val="1"/>
               </a:ext>
             </a:extLst>
           </p:cNvPr>
@@ -31371,7 +31372,7 @@
           <p:nvPr>
             <p:extLst>
               <p:ext uri="{386F3935-93C4-4BCD-93E2-E3B085C9AB24}">
-                <p16:designElem xmlns:p16="http://schemas.microsoft.com/office/powerpoint/2015/main" xmlns="" val="1"/>
+                <p16:designElem xmlns="" xmlns:p16="http://schemas.microsoft.com/office/powerpoint/2015/main" val="1"/>
               </p:ext>
             </p:extLst>
           </p:nvPr>
@@ -31389,10 +31390,10 @@
             <p:cNvPr id="33" name="Freeform 6">
               <a:extLst>
                 <a:ext uri="{FF2B5EF4-FFF2-40B4-BE49-F238E27FC236}">
-                  <a16:creationId xmlns:a16="http://schemas.microsoft.com/office/drawing/2014/main" xmlns="" id="{F947B31F-CA03-4793-845D-FD86BABC1A18}"/>
+                  <a16:creationId xmlns="" xmlns:a16="http://schemas.microsoft.com/office/drawing/2014/main" id="{F947B31F-CA03-4793-845D-FD86BABC1A18}"/>
                 </a:ext>
                 <a:ext uri="{C183D7F6-B498-43B3-948B-1728B52AA6E4}">
-                  <adec:decorative xmlns:adec="http://schemas.microsoft.com/office/drawing/2017/decorative" xmlns="" val="1"/>
+                  <adec:decorative xmlns="" xmlns:adec="http://schemas.microsoft.com/office/drawing/2017/decorative" val="1"/>
                 </a:ext>
               </a:extLst>
             </p:cNvPr>
@@ -31400,7 +31401,7 @@
             <p:nvPr>
               <p:extLst>
                 <p:ext uri="{386F3935-93C4-4BCD-93E2-E3B085C9AB24}">
-                  <p16:designElem xmlns:p16="http://schemas.microsoft.com/office/powerpoint/2015/main" xmlns="" val="1"/>
+                  <p16:designElem xmlns="" xmlns:p16="http://schemas.microsoft.com/office/powerpoint/2015/main" val="1"/>
                 </p:ext>
               </p:extLst>
             </p:nvPr>
@@ -31450,10 +31451,10 @@
             <p:cNvPr id="34" name="Freeform 7">
               <a:extLst>
                 <a:ext uri="{FF2B5EF4-FFF2-40B4-BE49-F238E27FC236}">
-                  <a16:creationId xmlns:a16="http://schemas.microsoft.com/office/drawing/2014/main" xmlns="" id="{DCDDE94D-F78C-4A48-AEA6-E922FC99A159}"/>
+                  <a16:creationId xmlns="" xmlns:a16="http://schemas.microsoft.com/office/drawing/2014/main" id="{DCDDE94D-F78C-4A48-AEA6-E922FC99A159}"/>
                 </a:ext>
                 <a:ext uri="{C183D7F6-B498-43B3-948B-1728B52AA6E4}">
-                  <adec:decorative xmlns:adec="http://schemas.microsoft.com/office/drawing/2017/decorative" xmlns="" val="1"/>
+                  <adec:decorative xmlns="" xmlns:adec="http://schemas.microsoft.com/office/drawing/2017/decorative" val="1"/>
                 </a:ext>
               </a:extLst>
             </p:cNvPr>
@@ -31461,7 +31462,7 @@
             <p:nvPr>
               <p:extLst>
                 <p:ext uri="{386F3935-93C4-4BCD-93E2-E3B085C9AB24}">
-                  <p16:designElem xmlns:p16="http://schemas.microsoft.com/office/powerpoint/2015/main" xmlns="" val="1"/>
+                  <p16:designElem xmlns="" xmlns:p16="http://schemas.microsoft.com/office/powerpoint/2015/main" val="1"/>
                 </p:ext>
               </p:extLst>
             </p:nvPr>
@@ -31514,10 +31515,10 @@
             <p:cNvPr id="35" name="Freeform 8">
               <a:extLst>
                 <a:ext uri="{FF2B5EF4-FFF2-40B4-BE49-F238E27FC236}">
-                  <a16:creationId xmlns:a16="http://schemas.microsoft.com/office/drawing/2014/main" xmlns="" id="{3445A886-F3CA-4DE4-90D7-535F9707B799}"/>
+                  <a16:creationId xmlns="" xmlns:a16="http://schemas.microsoft.com/office/drawing/2014/main" id="{3445A886-F3CA-4DE4-90D7-535F9707B799}"/>
                 </a:ext>
                 <a:ext uri="{C183D7F6-B498-43B3-948B-1728B52AA6E4}">
-                  <adec:decorative xmlns:adec="http://schemas.microsoft.com/office/drawing/2017/decorative" xmlns="" val="1"/>
+                  <adec:decorative xmlns="" xmlns:adec="http://schemas.microsoft.com/office/drawing/2017/decorative" val="1"/>
                 </a:ext>
               </a:extLst>
             </p:cNvPr>
@@ -31525,7 +31526,7 @@
             <p:nvPr>
               <p:extLst>
                 <p:ext uri="{386F3935-93C4-4BCD-93E2-E3B085C9AB24}">
-                  <p16:designElem xmlns:p16="http://schemas.microsoft.com/office/powerpoint/2015/main" xmlns="" val="1"/>
+                  <p16:designElem xmlns="" xmlns:p16="http://schemas.microsoft.com/office/powerpoint/2015/main" val="1"/>
                 </p:ext>
               </p:extLst>
             </p:nvPr>
@@ -31575,10 +31576,10 @@
             <p:cNvPr id="36" name="Freeform 9">
               <a:extLst>
                 <a:ext uri="{FF2B5EF4-FFF2-40B4-BE49-F238E27FC236}">
-                  <a16:creationId xmlns:a16="http://schemas.microsoft.com/office/drawing/2014/main" xmlns="" id="{A8999CB6-C053-418B-AE37-E470804D251D}"/>
+                  <a16:creationId xmlns="" xmlns:a16="http://schemas.microsoft.com/office/drawing/2014/main" id="{A8999CB6-C053-418B-AE37-E470804D251D}"/>
                 </a:ext>
                 <a:ext uri="{C183D7F6-B498-43B3-948B-1728B52AA6E4}">
-                  <adec:decorative xmlns:adec="http://schemas.microsoft.com/office/drawing/2017/decorative" xmlns="" val="1"/>
+                  <adec:decorative xmlns="" xmlns:adec="http://schemas.microsoft.com/office/drawing/2017/decorative" val="1"/>
                 </a:ext>
               </a:extLst>
             </p:cNvPr>
@@ -31586,7 +31587,7 @@
             <p:nvPr>
               <p:extLst>
                 <p:ext uri="{386F3935-93C4-4BCD-93E2-E3B085C9AB24}">
-                  <p16:designElem xmlns:p16="http://schemas.microsoft.com/office/powerpoint/2015/main" xmlns="" val="1"/>
+                  <p16:designElem xmlns="" xmlns:p16="http://schemas.microsoft.com/office/powerpoint/2015/main" val="1"/>
                 </p:ext>
               </p:extLst>
             </p:nvPr>
@@ -31635,10 +31636,10 @@
             <p:cNvPr id="37" name="Freeform 10">
               <a:extLst>
                 <a:ext uri="{FF2B5EF4-FFF2-40B4-BE49-F238E27FC236}">
-                  <a16:creationId xmlns:a16="http://schemas.microsoft.com/office/drawing/2014/main" xmlns="" id="{81EA3E26-BFCD-4396-AE8A-2A9828BFFBA2}"/>
+                  <a16:creationId xmlns="" xmlns:a16="http://schemas.microsoft.com/office/drawing/2014/main" id="{81EA3E26-BFCD-4396-AE8A-2A9828BFFBA2}"/>
                 </a:ext>
                 <a:ext uri="{C183D7F6-B498-43B3-948B-1728B52AA6E4}">
-                  <adec:decorative xmlns:adec="http://schemas.microsoft.com/office/drawing/2017/decorative" xmlns="" val="1"/>
+                  <adec:decorative xmlns="" xmlns:adec="http://schemas.microsoft.com/office/drawing/2017/decorative" val="1"/>
                 </a:ext>
               </a:extLst>
             </p:cNvPr>
@@ -31646,7 +31647,7 @@
             <p:nvPr>
               <p:extLst>
                 <p:ext uri="{386F3935-93C4-4BCD-93E2-E3B085C9AB24}">
-                  <p16:designElem xmlns:p16="http://schemas.microsoft.com/office/powerpoint/2015/main" xmlns="" val="1"/>
+                  <p16:designElem xmlns="" xmlns:p16="http://schemas.microsoft.com/office/powerpoint/2015/main" val="1"/>
                 </p:ext>
               </p:extLst>
             </p:nvPr>
@@ -31701,10 +31702,10 @@
             <p:cNvPr id="38" name="Freeform 11">
               <a:extLst>
                 <a:ext uri="{FF2B5EF4-FFF2-40B4-BE49-F238E27FC236}">
-                  <a16:creationId xmlns:a16="http://schemas.microsoft.com/office/drawing/2014/main" xmlns="" id="{5F9BC582-73A6-4D8A-8738-E36476489351}"/>
+                  <a16:creationId xmlns="" xmlns:a16="http://schemas.microsoft.com/office/drawing/2014/main" id="{5F9BC582-73A6-4D8A-8738-E36476489351}"/>
                 </a:ext>
                 <a:ext uri="{C183D7F6-B498-43B3-948B-1728B52AA6E4}">
-                  <adec:decorative xmlns:adec="http://schemas.microsoft.com/office/drawing/2017/decorative" xmlns="" val="1"/>
+                  <adec:decorative xmlns="" xmlns:adec="http://schemas.microsoft.com/office/drawing/2017/decorative" val="1"/>
                 </a:ext>
               </a:extLst>
             </p:cNvPr>
@@ -31712,7 +31713,7 @@
             <p:nvPr>
               <p:extLst>
                 <p:ext uri="{386F3935-93C4-4BCD-93E2-E3B085C9AB24}">
-                  <p16:designElem xmlns:p16="http://schemas.microsoft.com/office/powerpoint/2015/main" xmlns="" val="1"/>
+                  <p16:designElem xmlns="" xmlns:p16="http://schemas.microsoft.com/office/powerpoint/2015/main" val="1"/>
                 </p:ext>
               </p:extLst>
             </p:nvPr>
@@ -31781,10 +31782,10 @@
           <p:cNvPr id="40" name="Group 39">
             <a:extLst>
               <a:ext uri="{FF2B5EF4-FFF2-40B4-BE49-F238E27FC236}">
-                <a16:creationId xmlns:a16="http://schemas.microsoft.com/office/drawing/2014/main" xmlns="" id="{A2E861A3-F23C-46B8-A38A-4A22E453D993}"/>
+                <a16:creationId xmlns="" xmlns:a16="http://schemas.microsoft.com/office/drawing/2014/main" id="{A2E861A3-F23C-46B8-A38A-4A22E453D993}"/>
               </a:ext>
               <a:ext uri="{C183D7F6-B498-43B3-948B-1728B52AA6E4}">
-                <adec:decorative xmlns:adec="http://schemas.microsoft.com/office/drawing/2017/decorative" xmlns="" val="1"/>
+                <adec:decorative xmlns="" xmlns:adec="http://schemas.microsoft.com/office/drawing/2017/decorative" val="1"/>
               </a:ext>
             </a:extLst>
           </p:cNvPr>
@@ -31794,7 +31795,7 @@
           <p:nvPr>
             <p:extLst>
               <p:ext uri="{386F3935-93C4-4BCD-93E2-E3B085C9AB24}">
-                <p16:designElem xmlns:p16="http://schemas.microsoft.com/office/powerpoint/2015/main" xmlns="" val="1"/>
+                <p16:designElem xmlns="" xmlns:p16="http://schemas.microsoft.com/office/powerpoint/2015/main" val="1"/>
               </p:ext>
             </p:extLst>
           </p:nvPr>
@@ -31812,10 +31813,10 @@
             <p:cNvPr id="41" name="Freeform 6">
               <a:extLst>
                 <a:ext uri="{FF2B5EF4-FFF2-40B4-BE49-F238E27FC236}">
-                  <a16:creationId xmlns:a16="http://schemas.microsoft.com/office/drawing/2014/main" xmlns="" id="{8BC3D220-643B-4160-B5A9-59DF5D21F410}"/>
+                  <a16:creationId xmlns="" xmlns:a16="http://schemas.microsoft.com/office/drawing/2014/main" id="{8BC3D220-643B-4160-B5A9-59DF5D21F410}"/>
                 </a:ext>
                 <a:ext uri="{C183D7F6-B498-43B3-948B-1728B52AA6E4}">
-                  <adec:decorative xmlns:adec="http://schemas.microsoft.com/office/drawing/2017/decorative" xmlns="" val="1"/>
+                  <adec:decorative xmlns="" xmlns:adec="http://schemas.microsoft.com/office/drawing/2017/decorative" val="1"/>
                 </a:ext>
               </a:extLst>
             </p:cNvPr>
@@ -31823,7 +31824,7 @@
             <p:nvPr>
               <p:extLst>
                 <p:ext uri="{386F3935-93C4-4BCD-93E2-E3B085C9AB24}">
-                  <p16:designElem xmlns:p16="http://schemas.microsoft.com/office/powerpoint/2015/main" xmlns="" val="1"/>
+                  <p16:designElem xmlns="" xmlns:p16="http://schemas.microsoft.com/office/powerpoint/2015/main" val="1"/>
                 </p:ext>
               </p:extLst>
             </p:nvPr>
@@ -31873,10 +31874,10 @@
             <p:cNvPr id="42" name="Freeform 7">
               <a:extLst>
                 <a:ext uri="{FF2B5EF4-FFF2-40B4-BE49-F238E27FC236}">
-                  <a16:creationId xmlns:a16="http://schemas.microsoft.com/office/drawing/2014/main" xmlns="" id="{B92237DE-D518-4625-8392-66D7084588A0}"/>
+                  <a16:creationId xmlns="" xmlns:a16="http://schemas.microsoft.com/office/drawing/2014/main" id="{B92237DE-D518-4625-8392-66D7084588A0}"/>
                 </a:ext>
                 <a:ext uri="{C183D7F6-B498-43B3-948B-1728B52AA6E4}">
-                  <adec:decorative xmlns:adec="http://schemas.microsoft.com/office/drawing/2017/decorative" xmlns="" val="1"/>
+                  <adec:decorative xmlns="" xmlns:adec="http://schemas.microsoft.com/office/drawing/2017/decorative" val="1"/>
                 </a:ext>
               </a:extLst>
             </p:cNvPr>
@@ -31884,7 +31885,7 @@
             <p:nvPr>
               <p:extLst>
                 <p:ext uri="{386F3935-93C4-4BCD-93E2-E3B085C9AB24}">
-                  <p16:designElem xmlns:p16="http://schemas.microsoft.com/office/powerpoint/2015/main" xmlns="" val="1"/>
+                  <p16:designElem xmlns="" xmlns:p16="http://schemas.microsoft.com/office/powerpoint/2015/main" val="1"/>
                 </p:ext>
               </p:extLst>
             </p:nvPr>
@@ -31937,10 +31938,10 @@
             <p:cNvPr id="43" name="Freeform 8">
               <a:extLst>
                 <a:ext uri="{FF2B5EF4-FFF2-40B4-BE49-F238E27FC236}">
-                  <a16:creationId xmlns:a16="http://schemas.microsoft.com/office/drawing/2014/main" xmlns="" id="{F290F0DD-E80A-4263-94E1-A41F57D84CC5}"/>
+                  <a16:creationId xmlns="" xmlns:a16="http://schemas.microsoft.com/office/drawing/2014/main" id="{F290F0DD-E80A-4263-94E1-A41F57D84CC5}"/>
                 </a:ext>
                 <a:ext uri="{C183D7F6-B498-43B3-948B-1728B52AA6E4}">
-                  <adec:decorative xmlns:adec="http://schemas.microsoft.com/office/drawing/2017/decorative" xmlns="" val="1"/>
+                  <adec:decorative xmlns="" xmlns:adec="http://schemas.microsoft.com/office/drawing/2017/decorative" val="1"/>
                 </a:ext>
               </a:extLst>
             </p:cNvPr>
@@ -31948,7 +31949,7 @@
             <p:nvPr>
               <p:extLst>
                 <p:ext uri="{386F3935-93C4-4BCD-93E2-E3B085C9AB24}">
-                  <p16:designElem xmlns:p16="http://schemas.microsoft.com/office/powerpoint/2015/main" xmlns="" val="1"/>
+                  <p16:designElem xmlns="" xmlns:p16="http://schemas.microsoft.com/office/powerpoint/2015/main" val="1"/>
                 </p:ext>
               </p:extLst>
             </p:nvPr>
@@ -31998,10 +31999,10 @@
             <p:cNvPr id="44" name="Freeform 9">
               <a:extLst>
                 <a:ext uri="{FF2B5EF4-FFF2-40B4-BE49-F238E27FC236}">
-                  <a16:creationId xmlns:a16="http://schemas.microsoft.com/office/drawing/2014/main" xmlns="" id="{D78EA7D2-CCEA-435E-873D-36BF0522FFED}"/>
+                  <a16:creationId xmlns="" xmlns:a16="http://schemas.microsoft.com/office/drawing/2014/main" id="{D78EA7D2-CCEA-435E-873D-36BF0522FFED}"/>
                 </a:ext>
                 <a:ext uri="{C183D7F6-B498-43B3-948B-1728B52AA6E4}">
-                  <adec:decorative xmlns:adec="http://schemas.microsoft.com/office/drawing/2017/decorative" xmlns="" val="1"/>
+                  <adec:decorative xmlns="" xmlns:adec="http://schemas.microsoft.com/office/drawing/2017/decorative" val="1"/>
                 </a:ext>
               </a:extLst>
             </p:cNvPr>
@@ -32009,7 +32010,7 @@
             <p:nvPr>
               <p:extLst>
                 <p:ext uri="{386F3935-93C4-4BCD-93E2-E3B085C9AB24}">
-                  <p16:designElem xmlns:p16="http://schemas.microsoft.com/office/powerpoint/2015/main" xmlns="" val="1"/>
+                  <p16:designElem xmlns="" xmlns:p16="http://schemas.microsoft.com/office/powerpoint/2015/main" val="1"/>
                 </p:ext>
               </p:extLst>
             </p:nvPr>
@@ -32058,10 +32059,10 @@
             <p:cNvPr id="45" name="Freeform 10">
               <a:extLst>
                 <a:ext uri="{FF2B5EF4-FFF2-40B4-BE49-F238E27FC236}">
-                  <a16:creationId xmlns:a16="http://schemas.microsoft.com/office/drawing/2014/main" xmlns="" id="{9DFA731E-D6BB-42CC-AA05-64023DC81FE6}"/>
+                  <a16:creationId xmlns="" xmlns:a16="http://schemas.microsoft.com/office/drawing/2014/main" id="{9DFA731E-D6BB-42CC-AA05-64023DC81FE6}"/>
                 </a:ext>
                 <a:ext uri="{C183D7F6-B498-43B3-948B-1728B52AA6E4}">
-                  <adec:decorative xmlns:adec="http://schemas.microsoft.com/office/drawing/2017/decorative" xmlns="" val="1"/>
+                  <adec:decorative xmlns="" xmlns:adec="http://schemas.microsoft.com/office/drawing/2017/decorative" val="1"/>
                 </a:ext>
               </a:extLst>
             </p:cNvPr>
@@ -32069,7 +32070,7 @@
             <p:nvPr>
               <p:extLst>
                 <p:ext uri="{386F3935-93C4-4BCD-93E2-E3B085C9AB24}">
-                  <p16:designElem xmlns:p16="http://schemas.microsoft.com/office/powerpoint/2015/main" xmlns="" val="1"/>
+                  <p16:designElem xmlns="" xmlns:p16="http://schemas.microsoft.com/office/powerpoint/2015/main" val="1"/>
                 </p:ext>
               </p:extLst>
             </p:nvPr>
@@ -32124,10 +32125,10 @@
             <p:cNvPr id="46" name="Freeform 11">
               <a:extLst>
                 <a:ext uri="{FF2B5EF4-FFF2-40B4-BE49-F238E27FC236}">
-                  <a16:creationId xmlns:a16="http://schemas.microsoft.com/office/drawing/2014/main" xmlns="" id="{B00D0483-90FB-4EB4-9770-CA8A310D503B}"/>
+                  <a16:creationId xmlns="" xmlns:a16="http://schemas.microsoft.com/office/drawing/2014/main" id="{B00D0483-90FB-4EB4-9770-CA8A310D503B}"/>
                 </a:ext>
                 <a:ext uri="{C183D7F6-B498-43B3-948B-1728B52AA6E4}">
-                  <adec:decorative xmlns:adec="http://schemas.microsoft.com/office/drawing/2017/decorative" xmlns="" val="1"/>
+                  <adec:decorative xmlns="" xmlns:adec="http://schemas.microsoft.com/office/drawing/2017/decorative" val="1"/>
                 </a:ext>
               </a:extLst>
             </p:cNvPr>
@@ -32135,7 +32136,7 @@
             <p:nvPr>
               <p:extLst>
                 <p:ext uri="{386F3935-93C4-4BCD-93E2-E3B085C9AB24}">
-                  <p16:designElem xmlns:p16="http://schemas.microsoft.com/office/powerpoint/2015/main" xmlns="" val="1"/>
+                  <p16:designElem xmlns="" xmlns:p16="http://schemas.microsoft.com/office/powerpoint/2015/main" val="1"/>
                 </p:ext>
               </p:extLst>
             </p:nvPr>
@@ -32204,7 +32205,7 @@
           <p:cNvPr id="2" name="Title 1">
             <a:extLst>
               <a:ext uri="{FF2B5EF4-FFF2-40B4-BE49-F238E27FC236}">
-                <a16:creationId xmlns:a16="http://schemas.microsoft.com/office/drawing/2014/main" xmlns="" id="{339A428F-DE24-F24B-B03E-D8A9E51064E5}"/>
+                <a16:creationId xmlns="" xmlns:a16="http://schemas.microsoft.com/office/drawing/2014/main" id="{339A428F-DE24-F24B-B03E-D8A9E51064E5}"/>
               </a:ext>
             </a:extLst>
           </p:cNvPr>
@@ -32239,10 +32240,10 @@
           <p:cNvPr id="48" name="Rounded Rectangle 16">
             <a:extLst>
               <a:ext uri="{FF2B5EF4-FFF2-40B4-BE49-F238E27FC236}">
-                <a16:creationId xmlns:a16="http://schemas.microsoft.com/office/drawing/2014/main" xmlns="" id="{DD7EED39-224E-4230-8FD1-B1E1AF6C6E36}"/>
+                <a16:creationId xmlns="" xmlns:a16="http://schemas.microsoft.com/office/drawing/2014/main" id="{DD7EED39-224E-4230-8FD1-B1E1AF6C6E36}"/>
               </a:ext>
               <a:ext uri="{C183D7F6-B498-43B3-948B-1728B52AA6E4}">
-                <adec:decorative xmlns:adec="http://schemas.microsoft.com/office/drawing/2017/decorative" xmlns="" val="1"/>
+                <adec:decorative xmlns="" xmlns:adec="http://schemas.microsoft.com/office/drawing/2017/decorative" val="1"/>
               </a:ext>
             </a:extLst>
           </p:cNvPr>
@@ -32252,7 +32253,7 @@
           <p:nvPr>
             <p:extLst>
               <p:ext uri="{386F3935-93C4-4BCD-93E2-E3B085C9AB24}">
-                <p16:designElem xmlns:p16="http://schemas.microsoft.com/office/powerpoint/2015/main" xmlns="" val="1"/>
+                <p16:designElem xmlns="" xmlns:p16="http://schemas.microsoft.com/office/powerpoint/2015/main" val="1"/>
               </p:ext>
             </p:extLst>
           </p:nvPr>
@@ -32324,7 +32325,7 @@
           <p:cNvPr id="20" name="TextBox 19">
             <a:extLst>
               <a:ext uri="{FF2B5EF4-FFF2-40B4-BE49-F238E27FC236}">
-                <a16:creationId xmlns:a16="http://schemas.microsoft.com/office/drawing/2014/main" xmlns="" id="{0983CF5F-AED5-EA43-B332-EF09D66427D2}"/>
+                <a16:creationId xmlns="" xmlns:a16="http://schemas.microsoft.com/office/drawing/2014/main" id="{0983CF5F-AED5-EA43-B332-EF09D66427D2}"/>
               </a:ext>
             </a:extLst>
           </p:cNvPr>
@@ -32960,10 +32961,10 @@
           <p:cNvPr id="47" name="Group 31">
             <a:extLst>
               <a:ext uri="{FF2B5EF4-FFF2-40B4-BE49-F238E27FC236}">
-                <a16:creationId xmlns:a16="http://schemas.microsoft.com/office/drawing/2014/main" xmlns="" id="{260ACC13-B825-49F3-93DE-C8B8F2FA37A1}"/>
+                <a16:creationId xmlns="" xmlns:a16="http://schemas.microsoft.com/office/drawing/2014/main" id="{260ACC13-B825-49F3-93DE-C8B8F2FA37A1}"/>
               </a:ext>
               <a:ext uri="{C183D7F6-B498-43B3-948B-1728B52AA6E4}">
-                <adec:decorative xmlns:adec="http://schemas.microsoft.com/office/drawing/2017/decorative" xmlns="" val="1"/>
+                <adec:decorative xmlns="" xmlns:adec="http://schemas.microsoft.com/office/drawing/2017/decorative" val="1"/>
               </a:ext>
             </a:extLst>
           </p:cNvPr>
@@ -32973,7 +32974,7 @@
           <p:nvPr>
             <p:extLst>
               <p:ext uri="{386F3935-93C4-4BCD-93E2-E3B085C9AB24}">
-                <p16:designElem xmlns:p16="http://schemas.microsoft.com/office/powerpoint/2015/main" xmlns="" val="1"/>
+                <p16:designElem xmlns="" xmlns:p16="http://schemas.microsoft.com/office/powerpoint/2015/main" val="1"/>
               </p:ext>
             </p:extLst>
           </p:nvPr>
@@ -32991,10 +32992,10 @@
             <p:cNvPr id="33" name="Freeform 6">
               <a:extLst>
                 <a:ext uri="{FF2B5EF4-FFF2-40B4-BE49-F238E27FC236}">
-                  <a16:creationId xmlns:a16="http://schemas.microsoft.com/office/drawing/2014/main" xmlns="" id="{F947B31F-CA03-4793-845D-FD86BABC1A18}"/>
+                  <a16:creationId xmlns="" xmlns:a16="http://schemas.microsoft.com/office/drawing/2014/main" id="{F947B31F-CA03-4793-845D-FD86BABC1A18}"/>
                 </a:ext>
                 <a:ext uri="{C183D7F6-B498-43B3-948B-1728B52AA6E4}">
-                  <adec:decorative xmlns:adec="http://schemas.microsoft.com/office/drawing/2017/decorative" xmlns="" val="1"/>
+                  <adec:decorative xmlns="" xmlns:adec="http://schemas.microsoft.com/office/drawing/2017/decorative" val="1"/>
                 </a:ext>
               </a:extLst>
             </p:cNvPr>
@@ -33002,7 +33003,7 @@
             <p:nvPr>
               <p:extLst>
                 <p:ext uri="{386F3935-93C4-4BCD-93E2-E3B085C9AB24}">
-                  <p16:designElem xmlns:p16="http://schemas.microsoft.com/office/powerpoint/2015/main" xmlns="" val="1"/>
+                  <p16:designElem xmlns="" xmlns:p16="http://schemas.microsoft.com/office/powerpoint/2015/main" val="1"/>
                 </p:ext>
               </p:extLst>
             </p:nvPr>
@@ -33052,10 +33053,10 @@
             <p:cNvPr id="34" name="Freeform 7">
               <a:extLst>
                 <a:ext uri="{FF2B5EF4-FFF2-40B4-BE49-F238E27FC236}">
-                  <a16:creationId xmlns:a16="http://schemas.microsoft.com/office/drawing/2014/main" xmlns="" id="{DCDDE94D-F78C-4A48-AEA6-E922FC99A159}"/>
+                  <a16:creationId xmlns="" xmlns:a16="http://schemas.microsoft.com/office/drawing/2014/main" id="{DCDDE94D-F78C-4A48-AEA6-E922FC99A159}"/>
                 </a:ext>
                 <a:ext uri="{C183D7F6-B498-43B3-948B-1728B52AA6E4}">
-                  <adec:decorative xmlns:adec="http://schemas.microsoft.com/office/drawing/2017/decorative" xmlns="" val="1"/>
+                  <adec:decorative xmlns="" xmlns:adec="http://schemas.microsoft.com/office/drawing/2017/decorative" val="1"/>
                 </a:ext>
               </a:extLst>
             </p:cNvPr>
@@ -33063,7 +33064,7 @@
             <p:nvPr>
               <p:extLst>
                 <p:ext uri="{386F3935-93C4-4BCD-93E2-E3B085C9AB24}">
-                  <p16:designElem xmlns:p16="http://schemas.microsoft.com/office/powerpoint/2015/main" xmlns="" val="1"/>
+                  <p16:designElem xmlns="" xmlns:p16="http://schemas.microsoft.com/office/powerpoint/2015/main" val="1"/>
                 </p:ext>
               </p:extLst>
             </p:nvPr>
@@ -33116,10 +33117,10 @@
             <p:cNvPr id="35" name="Freeform 8">
               <a:extLst>
                 <a:ext uri="{FF2B5EF4-FFF2-40B4-BE49-F238E27FC236}">
-                  <a16:creationId xmlns:a16="http://schemas.microsoft.com/office/drawing/2014/main" xmlns="" id="{3445A886-F3CA-4DE4-90D7-535F9707B799}"/>
+                  <a16:creationId xmlns="" xmlns:a16="http://schemas.microsoft.com/office/drawing/2014/main" id="{3445A886-F3CA-4DE4-90D7-535F9707B799}"/>
                 </a:ext>
                 <a:ext uri="{C183D7F6-B498-43B3-948B-1728B52AA6E4}">
-                  <adec:decorative xmlns:adec="http://schemas.microsoft.com/office/drawing/2017/decorative" xmlns="" val="1"/>
+                  <adec:decorative xmlns="" xmlns:adec="http://schemas.microsoft.com/office/drawing/2017/decorative" val="1"/>
                 </a:ext>
               </a:extLst>
             </p:cNvPr>
@@ -33127,7 +33128,7 @@
             <p:nvPr>
               <p:extLst>
                 <p:ext uri="{386F3935-93C4-4BCD-93E2-E3B085C9AB24}">
-                  <p16:designElem xmlns:p16="http://schemas.microsoft.com/office/powerpoint/2015/main" xmlns="" val="1"/>
+                  <p16:designElem xmlns="" xmlns:p16="http://schemas.microsoft.com/office/powerpoint/2015/main" val="1"/>
                 </p:ext>
               </p:extLst>
             </p:nvPr>
@@ -33177,10 +33178,10 @@
             <p:cNvPr id="36" name="Freeform 9">
               <a:extLst>
                 <a:ext uri="{FF2B5EF4-FFF2-40B4-BE49-F238E27FC236}">
-                  <a16:creationId xmlns:a16="http://schemas.microsoft.com/office/drawing/2014/main" xmlns="" id="{A8999CB6-C053-418B-AE37-E470804D251D}"/>
+                  <a16:creationId xmlns="" xmlns:a16="http://schemas.microsoft.com/office/drawing/2014/main" id="{A8999CB6-C053-418B-AE37-E470804D251D}"/>
                 </a:ext>
                 <a:ext uri="{C183D7F6-B498-43B3-948B-1728B52AA6E4}">
-                  <adec:decorative xmlns:adec="http://schemas.microsoft.com/office/drawing/2017/decorative" xmlns="" val="1"/>
+                  <adec:decorative xmlns="" xmlns:adec="http://schemas.microsoft.com/office/drawing/2017/decorative" val="1"/>
                 </a:ext>
               </a:extLst>
             </p:cNvPr>
@@ -33188,7 +33189,7 @@
             <p:nvPr>
               <p:extLst>
                 <p:ext uri="{386F3935-93C4-4BCD-93E2-E3B085C9AB24}">
-                  <p16:designElem xmlns:p16="http://schemas.microsoft.com/office/powerpoint/2015/main" xmlns="" val="1"/>
+                  <p16:designElem xmlns="" xmlns:p16="http://schemas.microsoft.com/office/powerpoint/2015/main" val="1"/>
                 </p:ext>
               </p:extLst>
             </p:nvPr>
@@ -33237,10 +33238,10 @@
             <p:cNvPr id="37" name="Freeform 10">
               <a:extLst>
                 <a:ext uri="{FF2B5EF4-FFF2-40B4-BE49-F238E27FC236}">
-                  <a16:creationId xmlns:a16="http://schemas.microsoft.com/office/drawing/2014/main" xmlns="" id="{81EA3E26-BFCD-4396-AE8A-2A9828BFFBA2}"/>
+                  <a16:creationId xmlns="" xmlns:a16="http://schemas.microsoft.com/office/drawing/2014/main" id="{81EA3E26-BFCD-4396-AE8A-2A9828BFFBA2}"/>
                 </a:ext>
                 <a:ext uri="{C183D7F6-B498-43B3-948B-1728B52AA6E4}">
-                  <adec:decorative xmlns:adec="http://schemas.microsoft.com/office/drawing/2017/decorative" xmlns="" val="1"/>
+                  <adec:decorative xmlns="" xmlns:adec="http://schemas.microsoft.com/office/drawing/2017/decorative" val="1"/>
                 </a:ext>
               </a:extLst>
             </p:cNvPr>
@@ -33248,7 +33249,7 @@
             <p:nvPr>
               <p:extLst>
                 <p:ext uri="{386F3935-93C4-4BCD-93E2-E3B085C9AB24}">
-                  <p16:designElem xmlns:p16="http://schemas.microsoft.com/office/powerpoint/2015/main" xmlns="" val="1"/>
+                  <p16:designElem xmlns="" xmlns:p16="http://schemas.microsoft.com/office/powerpoint/2015/main" val="1"/>
                 </p:ext>
               </p:extLst>
             </p:nvPr>
@@ -33303,10 +33304,10 @@
             <p:cNvPr id="38" name="Freeform 11">
               <a:extLst>
                 <a:ext uri="{FF2B5EF4-FFF2-40B4-BE49-F238E27FC236}">
-                  <a16:creationId xmlns:a16="http://schemas.microsoft.com/office/drawing/2014/main" xmlns="" id="{5F9BC582-73A6-4D8A-8738-E36476489351}"/>
+                  <a16:creationId xmlns="" xmlns:a16="http://schemas.microsoft.com/office/drawing/2014/main" id="{5F9BC582-73A6-4D8A-8738-E36476489351}"/>
                 </a:ext>
                 <a:ext uri="{C183D7F6-B498-43B3-948B-1728B52AA6E4}">
-                  <adec:decorative xmlns:adec="http://schemas.microsoft.com/office/drawing/2017/decorative" xmlns="" val="1"/>
+                  <adec:decorative xmlns="" xmlns:adec="http://schemas.microsoft.com/office/drawing/2017/decorative" val="1"/>
                 </a:ext>
               </a:extLst>
             </p:cNvPr>
@@ -33314,7 +33315,7 @@
             <p:nvPr>
               <p:extLst>
                 <p:ext uri="{386F3935-93C4-4BCD-93E2-E3B085C9AB24}">
-                  <p16:designElem xmlns:p16="http://schemas.microsoft.com/office/powerpoint/2015/main" xmlns="" val="1"/>
+                  <p16:designElem xmlns="" xmlns:p16="http://schemas.microsoft.com/office/powerpoint/2015/main" val="1"/>
                 </p:ext>
               </p:extLst>
             </p:nvPr>
@@ -33383,10 +33384,10 @@
           <p:cNvPr id="40" name="Group 39">
             <a:extLst>
               <a:ext uri="{FF2B5EF4-FFF2-40B4-BE49-F238E27FC236}">
-                <a16:creationId xmlns:a16="http://schemas.microsoft.com/office/drawing/2014/main" xmlns="" id="{A2E861A3-F23C-46B8-A38A-4A22E453D993}"/>
+                <a16:creationId xmlns="" xmlns:a16="http://schemas.microsoft.com/office/drawing/2014/main" id="{A2E861A3-F23C-46B8-A38A-4A22E453D993}"/>
               </a:ext>
               <a:ext uri="{C183D7F6-B498-43B3-948B-1728B52AA6E4}">
-                <adec:decorative xmlns:adec="http://schemas.microsoft.com/office/drawing/2017/decorative" xmlns="" val="1"/>
+                <adec:decorative xmlns="" xmlns:adec="http://schemas.microsoft.com/office/drawing/2017/decorative" val="1"/>
               </a:ext>
             </a:extLst>
           </p:cNvPr>
@@ -33396,7 +33397,7 @@
           <p:nvPr>
             <p:extLst>
               <p:ext uri="{386F3935-93C4-4BCD-93E2-E3B085C9AB24}">
-                <p16:designElem xmlns:p16="http://schemas.microsoft.com/office/powerpoint/2015/main" xmlns="" val="1"/>
+                <p16:designElem xmlns="" xmlns:p16="http://schemas.microsoft.com/office/powerpoint/2015/main" val="1"/>
               </p:ext>
             </p:extLst>
           </p:nvPr>
@@ -33414,10 +33415,10 @@
             <p:cNvPr id="41" name="Freeform 6">
               <a:extLst>
                 <a:ext uri="{FF2B5EF4-FFF2-40B4-BE49-F238E27FC236}">
-                  <a16:creationId xmlns:a16="http://schemas.microsoft.com/office/drawing/2014/main" xmlns="" id="{8BC3D220-643B-4160-B5A9-59DF5D21F410}"/>
+                  <a16:creationId xmlns="" xmlns:a16="http://schemas.microsoft.com/office/drawing/2014/main" id="{8BC3D220-643B-4160-B5A9-59DF5D21F410}"/>
                 </a:ext>
                 <a:ext uri="{C183D7F6-B498-43B3-948B-1728B52AA6E4}">
-                  <adec:decorative xmlns:adec="http://schemas.microsoft.com/office/drawing/2017/decorative" xmlns="" val="1"/>
+                  <adec:decorative xmlns="" xmlns:adec="http://schemas.microsoft.com/office/drawing/2017/decorative" val="1"/>
                 </a:ext>
               </a:extLst>
             </p:cNvPr>
@@ -33425,7 +33426,7 @@
             <p:nvPr>
               <p:extLst>
                 <p:ext uri="{386F3935-93C4-4BCD-93E2-E3B085C9AB24}">
-                  <p16:designElem xmlns:p16="http://schemas.microsoft.com/office/powerpoint/2015/main" xmlns="" val="1"/>
+                  <p16:designElem xmlns="" xmlns:p16="http://schemas.microsoft.com/office/powerpoint/2015/main" val="1"/>
                 </p:ext>
               </p:extLst>
             </p:nvPr>
@@ -33475,10 +33476,10 @@
             <p:cNvPr id="42" name="Freeform 7">
               <a:extLst>
                 <a:ext uri="{FF2B5EF4-FFF2-40B4-BE49-F238E27FC236}">
-                  <a16:creationId xmlns:a16="http://schemas.microsoft.com/office/drawing/2014/main" xmlns="" id="{B92237DE-D518-4625-8392-66D7084588A0}"/>
+                  <a16:creationId xmlns="" xmlns:a16="http://schemas.microsoft.com/office/drawing/2014/main" id="{B92237DE-D518-4625-8392-66D7084588A0}"/>
                 </a:ext>
                 <a:ext uri="{C183D7F6-B498-43B3-948B-1728B52AA6E4}">
-                  <adec:decorative xmlns:adec="http://schemas.microsoft.com/office/drawing/2017/decorative" xmlns="" val="1"/>
+                  <adec:decorative xmlns="" xmlns:adec="http://schemas.microsoft.com/office/drawing/2017/decorative" val="1"/>
                 </a:ext>
               </a:extLst>
             </p:cNvPr>
@@ -33486,7 +33487,7 @@
             <p:nvPr>
               <p:extLst>
                 <p:ext uri="{386F3935-93C4-4BCD-93E2-E3B085C9AB24}">
-                  <p16:designElem xmlns:p16="http://schemas.microsoft.com/office/powerpoint/2015/main" xmlns="" val="1"/>
+                  <p16:designElem xmlns="" xmlns:p16="http://schemas.microsoft.com/office/powerpoint/2015/main" val="1"/>
                 </p:ext>
               </p:extLst>
             </p:nvPr>
@@ -33539,10 +33540,10 @@
             <p:cNvPr id="43" name="Freeform 8">
               <a:extLst>
                 <a:ext uri="{FF2B5EF4-FFF2-40B4-BE49-F238E27FC236}">
-                  <a16:creationId xmlns:a16="http://schemas.microsoft.com/office/drawing/2014/main" xmlns="" id="{F290F0DD-E80A-4263-94E1-A41F57D84CC5}"/>
+                  <a16:creationId xmlns="" xmlns:a16="http://schemas.microsoft.com/office/drawing/2014/main" id="{F290F0DD-E80A-4263-94E1-A41F57D84CC5}"/>
                 </a:ext>
                 <a:ext uri="{C183D7F6-B498-43B3-948B-1728B52AA6E4}">
-                  <adec:decorative xmlns:adec="http://schemas.microsoft.com/office/drawing/2017/decorative" xmlns="" val="1"/>
+                  <adec:decorative xmlns="" xmlns:adec="http://schemas.microsoft.com/office/drawing/2017/decorative" val="1"/>
                 </a:ext>
               </a:extLst>
             </p:cNvPr>
@@ -33550,7 +33551,7 @@
             <p:nvPr>
               <p:extLst>
                 <p:ext uri="{386F3935-93C4-4BCD-93E2-E3B085C9AB24}">
-                  <p16:designElem xmlns:p16="http://schemas.microsoft.com/office/powerpoint/2015/main" xmlns="" val="1"/>
+                  <p16:designElem xmlns="" xmlns:p16="http://schemas.microsoft.com/office/powerpoint/2015/main" val="1"/>
                 </p:ext>
               </p:extLst>
             </p:nvPr>
@@ -33600,10 +33601,10 @@
             <p:cNvPr id="44" name="Freeform 9">
               <a:extLst>
                 <a:ext uri="{FF2B5EF4-FFF2-40B4-BE49-F238E27FC236}">
-                  <a16:creationId xmlns:a16="http://schemas.microsoft.com/office/drawing/2014/main" xmlns="" id="{D78EA7D2-CCEA-435E-873D-36BF0522FFED}"/>
+                  <a16:creationId xmlns="" xmlns:a16="http://schemas.microsoft.com/office/drawing/2014/main" id="{D78EA7D2-CCEA-435E-873D-36BF0522FFED}"/>
                 </a:ext>
                 <a:ext uri="{C183D7F6-B498-43B3-948B-1728B52AA6E4}">
-                  <adec:decorative xmlns:adec="http://schemas.microsoft.com/office/drawing/2017/decorative" xmlns="" val="1"/>
+                  <adec:decorative xmlns="" xmlns:adec="http://schemas.microsoft.com/office/drawing/2017/decorative" val="1"/>
                 </a:ext>
               </a:extLst>
             </p:cNvPr>
@@ -33611,7 +33612,7 @@
             <p:nvPr>
               <p:extLst>
                 <p:ext uri="{386F3935-93C4-4BCD-93E2-E3B085C9AB24}">
-                  <p16:designElem xmlns:p16="http://schemas.microsoft.com/office/powerpoint/2015/main" xmlns="" val="1"/>
+                  <p16:designElem xmlns="" xmlns:p16="http://schemas.microsoft.com/office/powerpoint/2015/main" val="1"/>
                 </p:ext>
               </p:extLst>
             </p:nvPr>
@@ -33660,10 +33661,10 @@
             <p:cNvPr id="45" name="Freeform 10">
               <a:extLst>
                 <a:ext uri="{FF2B5EF4-FFF2-40B4-BE49-F238E27FC236}">
-                  <a16:creationId xmlns:a16="http://schemas.microsoft.com/office/drawing/2014/main" xmlns="" id="{9DFA731E-D6BB-42CC-AA05-64023DC81FE6}"/>
+                  <a16:creationId xmlns="" xmlns:a16="http://schemas.microsoft.com/office/drawing/2014/main" id="{9DFA731E-D6BB-42CC-AA05-64023DC81FE6}"/>
                 </a:ext>
                 <a:ext uri="{C183D7F6-B498-43B3-948B-1728B52AA6E4}">
-                  <adec:decorative xmlns:adec="http://schemas.microsoft.com/office/drawing/2017/decorative" xmlns="" val="1"/>
+                  <adec:decorative xmlns="" xmlns:adec="http://schemas.microsoft.com/office/drawing/2017/decorative" val="1"/>
                 </a:ext>
               </a:extLst>
             </p:cNvPr>
@@ -33671,7 +33672,7 @@
             <p:nvPr>
               <p:extLst>
                 <p:ext uri="{386F3935-93C4-4BCD-93E2-E3B085C9AB24}">
-                  <p16:designElem xmlns:p16="http://schemas.microsoft.com/office/powerpoint/2015/main" xmlns="" val="1"/>
+                  <p16:designElem xmlns="" xmlns:p16="http://schemas.microsoft.com/office/powerpoint/2015/main" val="1"/>
                 </p:ext>
               </p:extLst>
             </p:nvPr>
@@ -33726,10 +33727,10 @@
             <p:cNvPr id="46" name="Freeform 11">
               <a:extLst>
                 <a:ext uri="{FF2B5EF4-FFF2-40B4-BE49-F238E27FC236}">
-                  <a16:creationId xmlns:a16="http://schemas.microsoft.com/office/drawing/2014/main" xmlns="" id="{B00D0483-90FB-4EB4-9770-CA8A310D503B}"/>
+                  <a16:creationId xmlns="" xmlns:a16="http://schemas.microsoft.com/office/drawing/2014/main" id="{B00D0483-90FB-4EB4-9770-CA8A310D503B}"/>
                 </a:ext>
                 <a:ext uri="{C183D7F6-B498-43B3-948B-1728B52AA6E4}">
-                  <adec:decorative xmlns:adec="http://schemas.microsoft.com/office/drawing/2017/decorative" xmlns="" val="1"/>
+                  <adec:decorative xmlns="" xmlns:adec="http://schemas.microsoft.com/office/drawing/2017/decorative" val="1"/>
                 </a:ext>
               </a:extLst>
             </p:cNvPr>
@@ -33737,7 +33738,7 @@
             <p:nvPr>
               <p:extLst>
                 <p:ext uri="{386F3935-93C4-4BCD-93E2-E3B085C9AB24}">
-                  <p16:designElem xmlns:p16="http://schemas.microsoft.com/office/powerpoint/2015/main" xmlns="" val="1"/>
+                  <p16:designElem xmlns="" xmlns:p16="http://schemas.microsoft.com/office/powerpoint/2015/main" val="1"/>
                 </p:ext>
               </p:extLst>
             </p:nvPr>
@@ -33806,7 +33807,7 @@
           <p:cNvPr id="2" name="Title 1">
             <a:extLst>
               <a:ext uri="{FF2B5EF4-FFF2-40B4-BE49-F238E27FC236}">
-                <a16:creationId xmlns:a16="http://schemas.microsoft.com/office/drawing/2014/main" xmlns="" id="{339A428F-DE24-F24B-B03E-D8A9E51064E5}"/>
+                <a16:creationId xmlns="" xmlns:a16="http://schemas.microsoft.com/office/drawing/2014/main" id="{339A428F-DE24-F24B-B03E-D8A9E51064E5}"/>
               </a:ext>
             </a:extLst>
           </p:cNvPr>
@@ -33846,10 +33847,10 @@
           <p:cNvPr id="48" name="Rounded Rectangle 16">
             <a:extLst>
               <a:ext uri="{FF2B5EF4-FFF2-40B4-BE49-F238E27FC236}">
-                <a16:creationId xmlns:a16="http://schemas.microsoft.com/office/drawing/2014/main" xmlns="" id="{DD7EED39-224E-4230-8FD1-B1E1AF6C6E36}"/>
+                <a16:creationId xmlns="" xmlns:a16="http://schemas.microsoft.com/office/drawing/2014/main" id="{DD7EED39-224E-4230-8FD1-B1E1AF6C6E36}"/>
               </a:ext>
               <a:ext uri="{C183D7F6-B498-43B3-948B-1728B52AA6E4}">
-                <adec:decorative xmlns:adec="http://schemas.microsoft.com/office/drawing/2017/decorative" xmlns="" val="1"/>
+                <adec:decorative xmlns="" xmlns:adec="http://schemas.microsoft.com/office/drawing/2017/decorative" val="1"/>
               </a:ext>
             </a:extLst>
           </p:cNvPr>
@@ -33859,7 +33860,7 @@
           <p:nvPr>
             <p:extLst>
               <p:ext uri="{386F3935-93C4-4BCD-93E2-E3B085C9AB24}">
-                <p16:designElem xmlns:p16="http://schemas.microsoft.com/office/powerpoint/2015/main" xmlns="" val="1"/>
+                <p16:designElem xmlns="" xmlns:p16="http://schemas.microsoft.com/office/powerpoint/2015/main" val="1"/>
               </p:ext>
             </p:extLst>
           </p:nvPr>
@@ -33931,7 +33932,7 @@
           <p:cNvPr id="20" name="TextBox 19">
             <a:extLst>
               <a:ext uri="{FF2B5EF4-FFF2-40B4-BE49-F238E27FC236}">
-                <a16:creationId xmlns:a16="http://schemas.microsoft.com/office/drawing/2014/main" xmlns="" id="{0983CF5F-AED5-EA43-B332-EF09D66427D2}"/>
+                <a16:creationId xmlns="" xmlns:a16="http://schemas.microsoft.com/office/drawing/2014/main" id="{0983CF5F-AED5-EA43-B332-EF09D66427D2}"/>
               </a:ext>
             </a:extLst>
           </p:cNvPr>
@@ -34266,10 +34267,10 @@
           <p:cNvPr id="47" name="Group 31">
             <a:extLst>
               <a:ext uri="{FF2B5EF4-FFF2-40B4-BE49-F238E27FC236}">
-                <a16:creationId xmlns:a16="http://schemas.microsoft.com/office/drawing/2014/main" xmlns="" id="{260ACC13-B825-49F3-93DE-C8B8F2FA37A1}"/>
+                <a16:creationId xmlns="" xmlns:a16="http://schemas.microsoft.com/office/drawing/2014/main" id="{260ACC13-B825-49F3-93DE-C8B8F2FA37A1}"/>
               </a:ext>
               <a:ext uri="{C183D7F6-B498-43B3-948B-1728B52AA6E4}">
-                <adec:decorative xmlns:adec="http://schemas.microsoft.com/office/drawing/2017/decorative" xmlns="" val="1"/>
+                <adec:decorative xmlns="" xmlns:adec="http://schemas.microsoft.com/office/drawing/2017/decorative" val="1"/>
               </a:ext>
             </a:extLst>
           </p:cNvPr>
@@ -34279,7 +34280,7 @@
           <p:nvPr>
             <p:extLst>
               <p:ext uri="{386F3935-93C4-4BCD-93E2-E3B085C9AB24}">
-                <p16:designElem xmlns:p16="http://schemas.microsoft.com/office/powerpoint/2015/main" xmlns="" val="1"/>
+                <p16:designElem xmlns="" xmlns:p16="http://schemas.microsoft.com/office/powerpoint/2015/main" val="1"/>
               </p:ext>
             </p:extLst>
           </p:nvPr>
@@ -34297,10 +34298,10 @@
             <p:cNvPr id="33" name="Freeform 6">
               <a:extLst>
                 <a:ext uri="{FF2B5EF4-FFF2-40B4-BE49-F238E27FC236}">
-                  <a16:creationId xmlns:a16="http://schemas.microsoft.com/office/drawing/2014/main" xmlns="" id="{F947B31F-CA03-4793-845D-FD86BABC1A18}"/>
+                  <a16:creationId xmlns="" xmlns:a16="http://schemas.microsoft.com/office/drawing/2014/main" id="{F947B31F-CA03-4793-845D-FD86BABC1A18}"/>
                 </a:ext>
                 <a:ext uri="{C183D7F6-B498-43B3-948B-1728B52AA6E4}">
-                  <adec:decorative xmlns:adec="http://schemas.microsoft.com/office/drawing/2017/decorative" xmlns="" val="1"/>
+                  <adec:decorative xmlns="" xmlns:adec="http://schemas.microsoft.com/office/drawing/2017/decorative" val="1"/>
                 </a:ext>
               </a:extLst>
             </p:cNvPr>
@@ -34308,7 +34309,7 @@
             <p:nvPr>
               <p:extLst>
                 <p:ext uri="{386F3935-93C4-4BCD-93E2-E3B085C9AB24}">
-                  <p16:designElem xmlns:p16="http://schemas.microsoft.com/office/powerpoint/2015/main" xmlns="" val="1"/>
+                  <p16:designElem xmlns="" xmlns:p16="http://schemas.microsoft.com/office/powerpoint/2015/main" val="1"/>
                 </p:ext>
               </p:extLst>
             </p:nvPr>
@@ -34358,10 +34359,10 @@
             <p:cNvPr id="34" name="Freeform 7">
               <a:extLst>
                 <a:ext uri="{FF2B5EF4-FFF2-40B4-BE49-F238E27FC236}">
-                  <a16:creationId xmlns:a16="http://schemas.microsoft.com/office/drawing/2014/main" xmlns="" id="{DCDDE94D-F78C-4A48-AEA6-E922FC99A159}"/>
+                  <a16:creationId xmlns="" xmlns:a16="http://schemas.microsoft.com/office/drawing/2014/main" id="{DCDDE94D-F78C-4A48-AEA6-E922FC99A159}"/>
                 </a:ext>
                 <a:ext uri="{C183D7F6-B498-43B3-948B-1728B52AA6E4}">
-                  <adec:decorative xmlns:adec="http://schemas.microsoft.com/office/drawing/2017/decorative" xmlns="" val="1"/>
+                  <adec:decorative xmlns="" xmlns:adec="http://schemas.microsoft.com/office/drawing/2017/decorative" val="1"/>
                 </a:ext>
               </a:extLst>
             </p:cNvPr>
@@ -34369,7 +34370,7 @@
             <p:nvPr>
               <p:extLst>
                 <p:ext uri="{386F3935-93C4-4BCD-93E2-E3B085C9AB24}">
-                  <p16:designElem xmlns:p16="http://schemas.microsoft.com/office/powerpoint/2015/main" xmlns="" val="1"/>
+                  <p16:designElem xmlns="" xmlns:p16="http://schemas.microsoft.com/office/powerpoint/2015/main" val="1"/>
                 </p:ext>
               </p:extLst>
             </p:nvPr>
@@ -34422,10 +34423,10 @@
             <p:cNvPr id="35" name="Freeform 8">
               <a:extLst>
                 <a:ext uri="{FF2B5EF4-FFF2-40B4-BE49-F238E27FC236}">
-                  <a16:creationId xmlns:a16="http://schemas.microsoft.com/office/drawing/2014/main" xmlns="" id="{3445A886-F3CA-4DE4-90D7-535F9707B799}"/>
+                  <a16:creationId xmlns="" xmlns:a16="http://schemas.microsoft.com/office/drawing/2014/main" id="{3445A886-F3CA-4DE4-90D7-535F9707B799}"/>
                 </a:ext>
                 <a:ext uri="{C183D7F6-B498-43B3-948B-1728B52AA6E4}">
-                  <adec:decorative xmlns:adec="http://schemas.microsoft.com/office/drawing/2017/decorative" xmlns="" val="1"/>
+                  <adec:decorative xmlns="" xmlns:adec="http://schemas.microsoft.com/office/drawing/2017/decorative" val="1"/>
                 </a:ext>
               </a:extLst>
             </p:cNvPr>
@@ -34433,7 +34434,7 @@
             <p:nvPr>
               <p:extLst>
                 <p:ext uri="{386F3935-93C4-4BCD-93E2-E3B085C9AB24}">
-                  <p16:designElem xmlns:p16="http://schemas.microsoft.com/office/powerpoint/2015/main" xmlns="" val="1"/>
+                  <p16:designElem xmlns="" xmlns:p16="http://schemas.microsoft.com/office/powerpoint/2015/main" val="1"/>
                 </p:ext>
               </p:extLst>
             </p:nvPr>
@@ -34483,10 +34484,10 @@
             <p:cNvPr id="36" name="Freeform 9">
               <a:extLst>
                 <a:ext uri="{FF2B5EF4-FFF2-40B4-BE49-F238E27FC236}">
-                  <a16:creationId xmlns:a16="http://schemas.microsoft.com/office/drawing/2014/main" xmlns="" id="{A8999CB6-C053-418B-AE37-E470804D251D}"/>
+                  <a16:creationId xmlns="" xmlns:a16="http://schemas.microsoft.com/office/drawing/2014/main" id="{A8999CB6-C053-418B-AE37-E470804D251D}"/>
                 </a:ext>
                 <a:ext uri="{C183D7F6-B498-43B3-948B-1728B52AA6E4}">
-                  <adec:decorative xmlns:adec="http://schemas.microsoft.com/office/drawing/2017/decorative" xmlns="" val="1"/>
+                  <adec:decorative xmlns="" xmlns:adec="http://schemas.microsoft.com/office/drawing/2017/decorative" val="1"/>
                 </a:ext>
               </a:extLst>
             </p:cNvPr>
@@ -34494,7 +34495,7 @@
             <p:nvPr>
               <p:extLst>
                 <p:ext uri="{386F3935-93C4-4BCD-93E2-E3B085C9AB24}">
-                  <p16:designElem xmlns:p16="http://schemas.microsoft.com/office/powerpoint/2015/main" xmlns="" val="1"/>
+                  <p16:designElem xmlns="" xmlns:p16="http://schemas.microsoft.com/office/powerpoint/2015/main" val="1"/>
                 </p:ext>
               </p:extLst>
             </p:nvPr>
@@ -34543,10 +34544,10 @@
             <p:cNvPr id="37" name="Freeform 10">
               <a:extLst>
                 <a:ext uri="{FF2B5EF4-FFF2-40B4-BE49-F238E27FC236}">
-                  <a16:creationId xmlns:a16="http://schemas.microsoft.com/office/drawing/2014/main" xmlns="" id="{81EA3E26-BFCD-4396-AE8A-2A9828BFFBA2}"/>
+                  <a16:creationId xmlns="" xmlns:a16="http://schemas.microsoft.com/office/drawing/2014/main" id="{81EA3E26-BFCD-4396-AE8A-2A9828BFFBA2}"/>
                 </a:ext>
                 <a:ext uri="{C183D7F6-B498-43B3-948B-1728B52AA6E4}">
-                  <adec:decorative xmlns:adec="http://schemas.microsoft.com/office/drawing/2017/decorative" xmlns="" val="1"/>
+                  <adec:decorative xmlns="" xmlns:adec="http://schemas.microsoft.com/office/drawing/2017/decorative" val="1"/>
                 </a:ext>
               </a:extLst>
             </p:cNvPr>
@@ -34554,7 +34555,7 @@
             <p:nvPr>
               <p:extLst>
                 <p:ext uri="{386F3935-93C4-4BCD-93E2-E3B085C9AB24}">
-                  <p16:designElem xmlns:p16="http://schemas.microsoft.com/office/powerpoint/2015/main" xmlns="" val="1"/>
+                  <p16:designElem xmlns="" xmlns:p16="http://schemas.microsoft.com/office/powerpoint/2015/main" val="1"/>
                 </p:ext>
               </p:extLst>
             </p:nvPr>
@@ -34609,10 +34610,10 @@
             <p:cNvPr id="38" name="Freeform 11">
               <a:extLst>
                 <a:ext uri="{FF2B5EF4-FFF2-40B4-BE49-F238E27FC236}">
-                  <a16:creationId xmlns:a16="http://schemas.microsoft.com/office/drawing/2014/main" xmlns="" id="{5F9BC582-73A6-4D8A-8738-E36476489351}"/>
+                  <a16:creationId xmlns="" xmlns:a16="http://schemas.microsoft.com/office/drawing/2014/main" id="{5F9BC582-73A6-4D8A-8738-E36476489351}"/>
                 </a:ext>
                 <a:ext uri="{C183D7F6-B498-43B3-948B-1728B52AA6E4}">
-                  <adec:decorative xmlns:adec="http://schemas.microsoft.com/office/drawing/2017/decorative" xmlns="" val="1"/>
+                  <adec:decorative xmlns="" xmlns:adec="http://schemas.microsoft.com/office/drawing/2017/decorative" val="1"/>
                 </a:ext>
               </a:extLst>
             </p:cNvPr>
@@ -34620,7 +34621,7 @@
             <p:nvPr>
               <p:extLst>
                 <p:ext uri="{386F3935-93C4-4BCD-93E2-E3B085C9AB24}">
-                  <p16:designElem xmlns:p16="http://schemas.microsoft.com/office/powerpoint/2015/main" xmlns="" val="1"/>
+                  <p16:designElem xmlns="" xmlns:p16="http://schemas.microsoft.com/office/powerpoint/2015/main" val="1"/>
                 </p:ext>
               </p:extLst>
             </p:nvPr>
@@ -34689,10 +34690,10 @@
           <p:cNvPr id="40" name="Group 39">
             <a:extLst>
               <a:ext uri="{FF2B5EF4-FFF2-40B4-BE49-F238E27FC236}">
-                <a16:creationId xmlns:a16="http://schemas.microsoft.com/office/drawing/2014/main" xmlns="" id="{A2E861A3-F23C-46B8-A38A-4A22E453D993}"/>
+                <a16:creationId xmlns="" xmlns:a16="http://schemas.microsoft.com/office/drawing/2014/main" id="{A2E861A3-F23C-46B8-A38A-4A22E453D993}"/>
               </a:ext>
               <a:ext uri="{C183D7F6-B498-43B3-948B-1728B52AA6E4}">
-                <adec:decorative xmlns:adec="http://schemas.microsoft.com/office/drawing/2017/decorative" xmlns="" val="1"/>
+                <adec:decorative xmlns="" xmlns:adec="http://schemas.microsoft.com/office/drawing/2017/decorative" val="1"/>
               </a:ext>
             </a:extLst>
           </p:cNvPr>
@@ -34702,7 +34703,7 @@
           <p:nvPr>
             <p:extLst>
               <p:ext uri="{386F3935-93C4-4BCD-93E2-E3B085C9AB24}">
-                <p16:designElem xmlns:p16="http://schemas.microsoft.com/office/powerpoint/2015/main" xmlns="" val="1"/>
+                <p16:designElem xmlns="" xmlns:p16="http://schemas.microsoft.com/office/powerpoint/2015/main" val="1"/>
               </p:ext>
             </p:extLst>
           </p:nvPr>
@@ -34720,10 +34721,10 @@
             <p:cNvPr id="41" name="Freeform 6">
               <a:extLst>
                 <a:ext uri="{FF2B5EF4-FFF2-40B4-BE49-F238E27FC236}">
-                  <a16:creationId xmlns:a16="http://schemas.microsoft.com/office/drawing/2014/main" xmlns="" id="{8BC3D220-643B-4160-B5A9-59DF5D21F410}"/>
+                  <a16:creationId xmlns="" xmlns:a16="http://schemas.microsoft.com/office/drawing/2014/main" id="{8BC3D220-643B-4160-B5A9-59DF5D21F410}"/>
                 </a:ext>
                 <a:ext uri="{C183D7F6-B498-43B3-948B-1728B52AA6E4}">
-                  <adec:decorative xmlns:adec="http://schemas.microsoft.com/office/drawing/2017/decorative" xmlns="" val="1"/>
+                  <adec:decorative xmlns="" xmlns:adec="http://schemas.microsoft.com/office/drawing/2017/decorative" val="1"/>
                 </a:ext>
               </a:extLst>
             </p:cNvPr>
@@ -34731,7 +34732,7 @@
             <p:nvPr>
               <p:extLst>
                 <p:ext uri="{386F3935-93C4-4BCD-93E2-E3B085C9AB24}">
-                  <p16:designElem xmlns:p16="http://schemas.microsoft.com/office/powerpoint/2015/main" xmlns="" val="1"/>
+                  <p16:designElem xmlns="" xmlns:p16="http://schemas.microsoft.com/office/powerpoint/2015/main" val="1"/>
                 </p:ext>
               </p:extLst>
             </p:nvPr>
@@ -34781,10 +34782,10 @@
             <p:cNvPr id="42" name="Freeform 7">
               <a:extLst>
                 <a:ext uri="{FF2B5EF4-FFF2-40B4-BE49-F238E27FC236}">
-                  <a16:creationId xmlns:a16="http://schemas.microsoft.com/office/drawing/2014/main" xmlns="" id="{B92237DE-D518-4625-8392-66D7084588A0}"/>
+                  <a16:creationId xmlns="" xmlns:a16="http://schemas.microsoft.com/office/drawing/2014/main" id="{B92237DE-D518-4625-8392-66D7084588A0}"/>
                 </a:ext>
                 <a:ext uri="{C183D7F6-B498-43B3-948B-1728B52AA6E4}">
-                  <adec:decorative xmlns:adec="http://schemas.microsoft.com/office/drawing/2017/decorative" xmlns="" val="1"/>
+                  <adec:decorative xmlns="" xmlns:adec="http://schemas.microsoft.com/office/drawing/2017/decorative" val="1"/>
                 </a:ext>
               </a:extLst>
             </p:cNvPr>
@@ -34792,7 +34793,7 @@
             <p:nvPr>
               <p:extLst>
                 <p:ext uri="{386F3935-93C4-4BCD-93E2-E3B085C9AB24}">
-                  <p16:designElem xmlns:p16="http://schemas.microsoft.com/office/powerpoint/2015/main" xmlns="" val="1"/>
+                  <p16:designElem xmlns="" xmlns:p16="http://schemas.microsoft.com/office/powerpoint/2015/main" val="1"/>
                 </p:ext>
               </p:extLst>
             </p:nvPr>
@@ -34845,10 +34846,10 @@
             <p:cNvPr id="43" name="Freeform 8">
               <a:extLst>
                 <a:ext uri="{FF2B5EF4-FFF2-40B4-BE49-F238E27FC236}">
-                  <a16:creationId xmlns:a16="http://schemas.microsoft.com/office/drawing/2014/main" xmlns="" id="{F290F0DD-E80A-4263-94E1-A41F57D84CC5}"/>
+                  <a16:creationId xmlns="" xmlns:a16="http://schemas.microsoft.com/office/drawing/2014/main" id="{F290F0DD-E80A-4263-94E1-A41F57D84CC5}"/>
                 </a:ext>
                 <a:ext uri="{C183D7F6-B498-43B3-948B-1728B52AA6E4}">
-                  <adec:decorative xmlns:adec="http://schemas.microsoft.com/office/drawing/2017/decorative" xmlns="" val="1"/>
+                  <adec:decorative xmlns="" xmlns:adec="http://schemas.microsoft.com/office/drawing/2017/decorative" val="1"/>
                 </a:ext>
               </a:extLst>
             </p:cNvPr>
@@ -34856,7 +34857,7 @@
             <p:nvPr>
               <p:extLst>
                 <p:ext uri="{386F3935-93C4-4BCD-93E2-E3B085C9AB24}">
-                  <p16:designElem xmlns:p16="http://schemas.microsoft.com/office/powerpoint/2015/main" xmlns="" val="1"/>
+                  <p16:designElem xmlns="" xmlns:p16="http://schemas.microsoft.com/office/powerpoint/2015/main" val="1"/>
                 </p:ext>
               </p:extLst>
             </p:nvPr>
@@ -34906,10 +34907,10 @@
             <p:cNvPr id="44" name="Freeform 9">
               <a:extLst>
                 <a:ext uri="{FF2B5EF4-FFF2-40B4-BE49-F238E27FC236}">
-                  <a16:creationId xmlns:a16="http://schemas.microsoft.com/office/drawing/2014/main" xmlns="" id="{D78EA7D2-CCEA-435E-873D-36BF0522FFED}"/>
+                  <a16:creationId xmlns="" xmlns:a16="http://schemas.microsoft.com/office/drawing/2014/main" id="{D78EA7D2-CCEA-435E-873D-36BF0522FFED}"/>
                 </a:ext>
                 <a:ext uri="{C183D7F6-B498-43B3-948B-1728B52AA6E4}">
-                  <adec:decorative xmlns:adec="http://schemas.microsoft.com/office/drawing/2017/decorative" xmlns="" val="1"/>
+                  <adec:decorative xmlns="" xmlns:adec="http://schemas.microsoft.com/office/drawing/2017/decorative" val="1"/>
                 </a:ext>
               </a:extLst>
             </p:cNvPr>
@@ -34917,7 +34918,7 @@
             <p:nvPr>
               <p:extLst>
                 <p:ext uri="{386F3935-93C4-4BCD-93E2-E3B085C9AB24}">
-                  <p16:designElem xmlns:p16="http://schemas.microsoft.com/office/powerpoint/2015/main" xmlns="" val="1"/>
+                  <p16:designElem xmlns="" xmlns:p16="http://schemas.microsoft.com/office/powerpoint/2015/main" val="1"/>
                 </p:ext>
               </p:extLst>
             </p:nvPr>
@@ -34966,10 +34967,10 @@
             <p:cNvPr id="45" name="Freeform 10">
               <a:extLst>
                 <a:ext uri="{FF2B5EF4-FFF2-40B4-BE49-F238E27FC236}">
-                  <a16:creationId xmlns:a16="http://schemas.microsoft.com/office/drawing/2014/main" xmlns="" id="{9DFA731E-D6BB-42CC-AA05-64023DC81FE6}"/>
+                  <a16:creationId xmlns="" xmlns:a16="http://schemas.microsoft.com/office/drawing/2014/main" id="{9DFA731E-D6BB-42CC-AA05-64023DC81FE6}"/>
                 </a:ext>
                 <a:ext uri="{C183D7F6-B498-43B3-948B-1728B52AA6E4}">
-                  <adec:decorative xmlns:adec="http://schemas.microsoft.com/office/drawing/2017/decorative" xmlns="" val="1"/>
+                  <adec:decorative xmlns="" xmlns:adec="http://schemas.microsoft.com/office/drawing/2017/decorative" val="1"/>
                 </a:ext>
               </a:extLst>
             </p:cNvPr>
@@ -34977,7 +34978,7 @@
             <p:nvPr>
               <p:extLst>
                 <p:ext uri="{386F3935-93C4-4BCD-93E2-E3B085C9AB24}">
-                  <p16:designElem xmlns:p16="http://schemas.microsoft.com/office/powerpoint/2015/main" xmlns="" val="1"/>
+                  <p16:designElem xmlns="" xmlns:p16="http://schemas.microsoft.com/office/powerpoint/2015/main" val="1"/>
                 </p:ext>
               </p:extLst>
             </p:nvPr>
@@ -35032,10 +35033,10 @@
             <p:cNvPr id="46" name="Freeform 11">
               <a:extLst>
                 <a:ext uri="{FF2B5EF4-FFF2-40B4-BE49-F238E27FC236}">
-                  <a16:creationId xmlns:a16="http://schemas.microsoft.com/office/drawing/2014/main" xmlns="" id="{B00D0483-90FB-4EB4-9770-CA8A310D503B}"/>
+                  <a16:creationId xmlns="" xmlns:a16="http://schemas.microsoft.com/office/drawing/2014/main" id="{B00D0483-90FB-4EB4-9770-CA8A310D503B}"/>
                 </a:ext>
                 <a:ext uri="{C183D7F6-B498-43B3-948B-1728B52AA6E4}">
-                  <adec:decorative xmlns:adec="http://schemas.microsoft.com/office/drawing/2017/decorative" xmlns="" val="1"/>
+                  <adec:decorative xmlns="" xmlns:adec="http://schemas.microsoft.com/office/drawing/2017/decorative" val="1"/>
                 </a:ext>
               </a:extLst>
             </p:cNvPr>
@@ -35043,7 +35044,7 @@
             <p:nvPr>
               <p:extLst>
                 <p:ext uri="{386F3935-93C4-4BCD-93E2-E3B085C9AB24}">
-                  <p16:designElem xmlns:p16="http://schemas.microsoft.com/office/powerpoint/2015/main" xmlns="" val="1"/>
+                  <p16:designElem xmlns="" xmlns:p16="http://schemas.microsoft.com/office/powerpoint/2015/main" val="1"/>
                 </p:ext>
               </p:extLst>
             </p:nvPr>
@@ -35112,7 +35113,7 @@
           <p:cNvPr id="2" name="Title 1">
             <a:extLst>
               <a:ext uri="{FF2B5EF4-FFF2-40B4-BE49-F238E27FC236}">
-                <a16:creationId xmlns:a16="http://schemas.microsoft.com/office/drawing/2014/main" xmlns="" id="{339A428F-DE24-F24B-B03E-D8A9E51064E5}"/>
+                <a16:creationId xmlns="" xmlns:a16="http://schemas.microsoft.com/office/drawing/2014/main" id="{339A428F-DE24-F24B-B03E-D8A9E51064E5}"/>
               </a:ext>
             </a:extLst>
           </p:cNvPr>
@@ -35155,10 +35156,10 @@
           <p:cNvPr id="48" name="Rounded Rectangle 16">
             <a:extLst>
               <a:ext uri="{FF2B5EF4-FFF2-40B4-BE49-F238E27FC236}">
-                <a16:creationId xmlns:a16="http://schemas.microsoft.com/office/drawing/2014/main" xmlns="" id="{DD7EED39-224E-4230-8FD1-B1E1AF6C6E36}"/>
+                <a16:creationId xmlns="" xmlns:a16="http://schemas.microsoft.com/office/drawing/2014/main" id="{DD7EED39-224E-4230-8FD1-B1E1AF6C6E36}"/>
               </a:ext>
               <a:ext uri="{C183D7F6-B498-43B3-948B-1728B52AA6E4}">
-                <adec:decorative xmlns:adec="http://schemas.microsoft.com/office/drawing/2017/decorative" xmlns="" val="1"/>
+                <adec:decorative xmlns="" xmlns:adec="http://schemas.microsoft.com/office/drawing/2017/decorative" val="1"/>
               </a:ext>
             </a:extLst>
           </p:cNvPr>
@@ -35168,7 +35169,7 @@
           <p:nvPr>
             <p:extLst>
               <p:ext uri="{386F3935-93C4-4BCD-93E2-E3B085C9AB24}">
-                <p16:designElem xmlns:p16="http://schemas.microsoft.com/office/powerpoint/2015/main" xmlns="" val="1"/>
+                <p16:designElem xmlns="" xmlns:p16="http://schemas.microsoft.com/office/powerpoint/2015/main" val="1"/>
               </p:ext>
             </p:extLst>
           </p:nvPr>
@@ -35240,7 +35241,7 @@
           <p:cNvPr id="20" name="TextBox 19">
             <a:extLst>
               <a:ext uri="{FF2B5EF4-FFF2-40B4-BE49-F238E27FC236}">
-                <a16:creationId xmlns:a16="http://schemas.microsoft.com/office/drawing/2014/main" xmlns="" id="{0983CF5F-AED5-EA43-B332-EF09D66427D2}"/>
+                <a16:creationId xmlns="" xmlns:a16="http://schemas.microsoft.com/office/drawing/2014/main" id="{0983CF5F-AED5-EA43-B332-EF09D66427D2}"/>
               </a:ext>
             </a:extLst>
           </p:cNvPr>
